--- a/health/userDocs/UniboFigs.pptx
+++ b/health/userDocs/UniboFigs.pptx
@@ -13,6 +13,7 @@
     <p:sldId id="258" r:id="rId7"/>
     <p:sldId id="264" r:id="rId8"/>
     <p:sldId id="265" r:id="rId9"/>
+    <p:sldId id="266" r:id="rId10"/>
   </p:sldIdLst>
   <p:sldSz cx="9144000" cy="6858000" type="screen4x3"/>
   <p:notesSz cx="6858000" cy="9144000"/>
@@ -113,7 +114,7 @@
   </p:defaultTextStyle>
   <p:extLst>
     <p:ext uri="{EFAFB233-063F-42B5-8137-9DF3F51BA10A}">
-      <p15:sldGuideLst xmlns:p15="http://schemas.microsoft.com/office/powerpoint/2012/main" xmlns="">
+      <p15:sldGuideLst xmlns="" xmlns:p15="http://schemas.microsoft.com/office/powerpoint/2012/main">
         <p15:guide id="1" orient="horz" pos="2160">
           <p15:clr>
             <a:srgbClr val="A4A3A4"/>
@@ -311,7 +312,7 @@
           <a:p>
             <a:fld id="{486DFF9D-000F-417D-A1D1-C441A4010B1E}" type="datetimeFigureOut">
               <a:rPr lang="en-GB" smtClean="0"/>
-              <a:t>07/07/2020</a:t>
+              <a:t>11/07/2020</a:t>
             </a:fld>
             <a:endParaRPr lang="en-GB"/>
           </a:p>
@@ -481,7 +482,7 @@
           <a:p>
             <a:fld id="{486DFF9D-000F-417D-A1D1-C441A4010B1E}" type="datetimeFigureOut">
               <a:rPr lang="en-GB" smtClean="0"/>
-              <a:t>07/07/2020</a:t>
+              <a:t>11/07/2020</a:t>
             </a:fld>
             <a:endParaRPr lang="en-GB"/>
           </a:p>
@@ -661,7 +662,7 @@
           <a:p>
             <a:fld id="{486DFF9D-000F-417D-A1D1-C441A4010B1E}" type="datetimeFigureOut">
               <a:rPr lang="en-GB" smtClean="0"/>
-              <a:t>07/07/2020</a:t>
+              <a:t>11/07/2020</a:t>
             </a:fld>
             <a:endParaRPr lang="en-GB"/>
           </a:p>
@@ -831,7 +832,7 @@
           <a:p>
             <a:fld id="{486DFF9D-000F-417D-A1D1-C441A4010B1E}" type="datetimeFigureOut">
               <a:rPr lang="en-GB" smtClean="0"/>
-              <a:t>07/07/2020</a:t>
+              <a:t>11/07/2020</a:t>
             </a:fld>
             <a:endParaRPr lang="en-GB"/>
           </a:p>
@@ -1077,7 +1078,7 @@
           <a:p>
             <a:fld id="{486DFF9D-000F-417D-A1D1-C441A4010B1E}" type="datetimeFigureOut">
               <a:rPr lang="en-GB" smtClean="0"/>
-              <a:t>07/07/2020</a:t>
+              <a:t>11/07/2020</a:t>
             </a:fld>
             <a:endParaRPr lang="en-GB"/>
           </a:p>
@@ -1365,7 +1366,7 @@
           <a:p>
             <a:fld id="{486DFF9D-000F-417D-A1D1-C441A4010B1E}" type="datetimeFigureOut">
               <a:rPr lang="en-GB" smtClean="0"/>
-              <a:t>07/07/2020</a:t>
+              <a:t>11/07/2020</a:t>
             </a:fld>
             <a:endParaRPr lang="en-GB"/>
           </a:p>
@@ -1787,7 +1788,7 @@
           <a:p>
             <a:fld id="{486DFF9D-000F-417D-A1D1-C441A4010B1E}" type="datetimeFigureOut">
               <a:rPr lang="en-GB" smtClean="0"/>
-              <a:t>07/07/2020</a:t>
+              <a:t>11/07/2020</a:t>
             </a:fld>
             <a:endParaRPr lang="en-GB"/>
           </a:p>
@@ -1905,7 +1906,7 @@
           <a:p>
             <a:fld id="{486DFF9D-000F-417D-A1D1-C441A4010B1E}" type="datetimeFigureOut">
               <a:rPr lang="en-GB" smtClean="0"/>
-              <a:t>07/07/2020</a:t>
+              <a:t>11/07/2020</a:t>
             </a:fld>
             <a:endParaRPr lang="en-GB"/>
           </a:p>
@@ -2000,7 +2001,7 @@
           <a:p>
             <a:fld id="{486DFF9D-000F-417D-A1D1-C441A4010B1E}" type="datetimeFigureOut">
               <a:rPr lang="en-GB" smtClean="0"/>
-              <a:t>07/07/2020</a:t>
+              <a:t>11/07/2020</a:t>
             </a:fld>
             <a:endParaRPr lang="en-GB"/>
           </a:p>
@@ -2277,7 +2278,7 @@
           <a:p>
             <a:fld id="{486DFF9D-000F-417D-A1D1-C441A4010B1E}" type="datetimeFigureOut">
               <a:rPr lang="en-GB" smtClean="0"/>
-              <a:t>07/07/2020</a:t>
+              <a:t>11/07/2020</a:t>
             </a:fld>
             <a:endParaRPr lang="en-GB"/>
           </a:p>
@@ -2530,7 +2531,7 @@
           <a:p>
             <a:fld id="{486DFF9D-000F-417D-A1D1-C441A4010B1E}" type="datetimeFigureOut">
               <a:rPr lang="en-GB" smtClean="0"/>
-              <a:t>07/07/2020</a:t>
+              <a:t>11/07/2020</a:t>
             </a:fld>
             <a:endParaRPr lang="en-GB"/>
           </a:p>
@@ -2743,7 +2744,7 @@
           <a:p>
             <a:fld id="{486DFF9D-000F-417D-A1D1-C441A4010B1E}" type="datetimeFigureOut">
               <a:rPr lang="en-GB" smtClean="0"/>
-              <a:t>07/07/2020</a:t>
+              <a:t>11/07/2020</a:t>
             </a:fld>
             <a:endParaRPr lang="en-GB"/>
           </a:p>
@@ -12106,7 +12107,7 @@
           <p:cNvPr id="51" name="TextBox 50">
             <a:extLst>
               <a:ext uri="{FF2B5EF4-FFF2-40B4-BE49-F238E27FC236}">
-                <a16:creationId xmlns:a16="http://schemas.microsoft.com/office/drawing/2014/main" xmlns="" id="{38D92C47-6A24-433B-A9D7-48400DFBEE88}"/>
+                <a16:creationId xmlns="" xmlns:a16="http://schemas.microsoft.com/office/drawing/2014/main" id="{38D92C47-6A24-433B-A9D7-48400DFBEE88}"/>
               </a:ext>
             </a:extLst>
           </p:cNvPr>
@@ -12147,7 +12148,7 @@
           <p:cNvPr id="52" name="TextBox 51">
             <a:extLst>
               <a:ext uri="{FF2B5EF4-FFF2-40B4-BE49-F238E27FC236}">
-                <a16:creationId xmlns:a16="http://schemas.microsoft.com/office/drawing/2014/main" xmlns="" id="{46370455-EDDE-4BAF-A68F-1E721D22CFA3}"/>
+                <a16:creationId xmlns="" xmlns:a16="http://schemas.microsoft.com/office/drawing/2014/main" id="{46370455-EDDE-4BAF-A68F-1E721D22CFA3}"/>
               </a:ext>
             </a:extLst>
           </p:cNvPr>
@@ -12188,7 +12189,7 @@
           <p:cNvPr id="54" name="TextBox 53">
             <a:extLst>
               <a:ext uri="{FF2B5EF4-FFF2-40B4-BE49-F238E27FC236}">
-                <a16:creationId xmlns:a16="http://schemas.microsoft.com/office/drawing/2014/main" xmlns="" id="{1F0BD362-AB28-4ABC-B01D-E5FB51A4284F}"/>
+                <a16:creationId xmlns="" xmlns:a16="http://schemas.microsoft.com/office/drawing/2014/main" id="{1F0BD362-AB28-4ABC-B01D-E5FB51A4284F}"/>
               </a:ext>
             </a:extLst>
           </p:cNvPr>
@@ -12223,7 +12224,7 @@
           <p:cNvPr id="55" name="TextBox 54">
             <a:extLst>
               <a:ext uri="{FF2B5EF4-FFF2-40B4-BE49-F238E27FC236}">
-                <a16:creationId xmlns:a16="http://schemas.microsoft.com/office/drawing/2014/main" xmlns="" id="{66A6D040-E92F-405E-8F1C-224FD73DEB6A}"/>
+                <a16:creationId xmlns="" xmlns:a16="http://schemas.microsoft.com/office/drawing/2014/main" id="{66A6D040-E92F-405E-8F1C-224FD73DEB6A}"/>
               </a:ext>
             </a:extLst>
           </p:cNvPr>
@@ -12264,7 +12265,7 @@
           <p:cNvPr id="59" name="TextBox 58">
             <a:extLst>
               <a:ext uri="{FF2B5EF4-FFF2-40B4-BE49-F238E27FC236}">
-                <a16:creationId xmlns:a16="http://schemas.microsoft.com/office/drawing/2014/main" xmlns="" id="{8B737B46-BF72-4F50-880F-A81417342B9C}"/>
+                <a16:creationId xmlns="" xmlns:a16="http://schemas.microsoft.com/office/drawing/2014/main" id="{8B737B46-BF72-4F50-880F-A81417342B9C}"/>
               </a:ext>
             </a:extLst>
           </p:cNvPr>
@@ -12305,7 +12306,7 @@
           <p:cNvPr id="60" name="TextBox 59">
             <a:extLst>
               <a:ext uri="{FF2B5EF4-FFF2-40B4-BE49-F238E27FC236}">
-                <a16:creationId xmlns:a16="http://schemas.microsoft.com/office/drawing/2014/main" xmlns="" id="{635E5AB3-11BB-4188-A9F5-6624D8487908}"/>
+                <a16:creationId xmlns="" xmlns:a16="http://schemas.microsoft.com/office/drawing/2014/main" id="{635E5AB3-11BB-4188-A9F5-6624D8487908}"/>
               </a:ext>
             </a:extLst>
           </p:cNvPr>
@@ -14372,7 +14373,7 @@
           <p:cNvPr id="43" name="TextBox 42">
             <a:extLst>
               <a:ext uri="{FF2B5EF4-FFF2-40B4-BE49-F238E27FC236}">
-                <a16:creationId xmlns:a16="http://schemas.microsoft.com/office/drawing/2014/main" xmlns="" id="{C66D85E0-1A23-448C-9466-6DADEA26156A}"/>
+                <a16:creationId xmlns="" xmlns:a16="http://schemas.microsoft.com/office/drawing/2014/main" id="{C66D85E0-1A23-448C-9466-6DADEA26156A}"/>
               </a:ext>
             </a:extLst>
           </p:cNvPr>
@@ -14413,7 +14414,7 @@
           <p:cNvPr id="44" name="TextBox 43">
             <a:extLst>
               <a:ext uri="{FF2B5EF4-FFF2-40B4-BE49-F238E27FC236}">
-                <a16:creationId xmlns:a16="http://schemas.microsoft.com/office/drawing/2014/main" xmlns="" id="{73BB0B6F-DBD2-4682-88DA-A68E1C43C8EE}"/>
+                <a16:creationId xmlns="" xmlns:a16="http://schemas.microsoft.com/office/drawing/2014/main" id="{73BB0B6F-DBD2-4682-88DA-A68E1C43C8EE}"/>
               </a:ext>
             </a:extLst>
           </p:cNvPr>
@@ -14454,7 +14455,7 @@
           <p:cNvPr id="45" name="TextBox 44">
             <a:extLst>
               <a:ext uri="{FF2B5EF4-FFF2-40B4-BE49-F238E27FC236}">
-                <a16:creationId xmlns:a16="http://schemas.microsoft.com/office/drawing/2014/main" xmlns="" id="{06BB9D57-20AB-4911-8F91-1EAAD2C3D635}"/>
+                <a16:creationId xmlns="" xmlns:a16="http://schemas.microsoft.com/office/drawing/2014/main" id="{06BB9D57-20AB-4911-8F91-1EAAD2C3D635}"/>
               </a:ext>
             </a:extLst>
           </p:cNvPr>
@@ -14489,7 +14490,7 @@
           <p:cNvPr id="46" name="TextBox 45">
             <a:extLst>
               <a:ext uri="{FF2B5EF4-FFF2-40B4-BE49-F238E27FC236}">
-                <a16:creationId xmlns:a16="http://schemas.microsoft.com/office/drawing/2014/main" xmlns="" id="{6BDA7693-CA76-4C97-8FED-A4A65AB5032B}"/>
+                <a16:creationId xmlns="" xmlns:a16="http://schemas.microsoft.com/office/drawing/2014/main" id="{6BDA7693-CA76-4C97-8FED-A4A65AB5032B}"/>
               </a:ext>
             </a:extLst>
           </p:cNvPr>
@@ -14530,7 +14531,7 @@
           <p:cNvPr id="47" name="TextBox 46">
             <a:extLst>
               <a:ext uri="{FF2B5EF4-FFF2-40B4-BE49-F238E27FC236}">
-                <a16:creationId xmlns:a16="http://schemas.microsoft.com/office/drawing/2014/main" xmlns="" id="{F3FF60E3-5733-4A51-BB64-B5D227CFB6FE}"/>
+                <a16:creationId xmlns="" xmlns:a16="http://schemas.microsoft.com/office/drawing/2014/main" id="{F3FF60E3-5733-4A51-BB64-B5D227CFB6FE}"/>
               </a:ext>
             </a:extLst>
           </p:cNvPr>
@@ -14571,7 +14572,7 @@
           <p:cNvPr id="48" name="TextBox 47">
             <a:extLst>
               <a:ext uri="{FF2B5EF4-FFF2-40B4-BE49-F238E27FC236}">
-                <a16:creationId xmlns:a16="http://schemas.microsoft.com/office/drawing/2014/main" xmlns="" id="{6CFBFA02-2444-480B-B78F-A1A7AD55973E}"/>
+                <a16:creationId xmlns="" xmlns:a16="http://schemas.microsoft.com/office/drawing/2014/main" id="{6CFBFA02-2444-480B-B78F-A1A7AD55973E}"/>
               </a:ext>
             </a:extLst>
           </p:cNvPr>
@@ -14827,6 +14828,281 @@
     <p:extLst>
       <p:ext uri="{BB962C8B-B14F-4D97-AF65-F5344CB8AC3E}">
         <p14:creationId xmlns:p14="http://schemas.microsoft.com/office/powerpoint/2010/main" val="1742316131"/>
+      </p:ext>
+    </p:extLst>
+  </p:cSld>
+  <p:clrMapOvr>
+    <a:masterClrMapping/>
+  </p:clrMapOvr>
+</p:sld>
+</file>
+
+<file path=ppt/slides/slide9.xml><?xml version="1.0" encoding="utf-8"?>
+<p:sld xmlns:a="http://schemas.openxmlformats.org/drawingml/2006/main" xmlns:r="http://schemas.openxmlformats.org/officeDocument/2006/relationships" xmlns:p="http://schemas.openxmlformats.org/presentationml/2006/main">
+  <p:cSld>
+    <p:spTree>
+      <p:nvGrpSpPr>
+        <p:cNvPr id="1" name=""/>
+        <p:cNvGrpSpPr/>
+        <p:nvPr/>
+      </p:nvGrpSpPr>
+      <p:grpSpPr>
+        <a:xfrm>
+          <a:off x="0" y="0"/>
+          <a:ext cx="0" cy="0"/>
+          <a:chOff x="0" y="0"/>
+          <a:chExt cx="0" cy="0"/>
+        </a:xfrm>
+      </p:grpSpPr>
+      <p:pic>
+        <p:nvPicPr>
+          <p:cNvPr id="2" name="Immagine 1"/>
+          <p:cNvPicPr>
+            <a:picLocks noChangeAspect="1"/>
+          </p:cNvPicPr>
+          <p:nvPr/>
+        </p:nvPicPr>
+        <p:blipFill>
+          <a:blip r:embed="rId2">
+            <a:extLst>
+              <a:ext uri="{28A0092B-C50C-407E-A947-70E740481C1C}">
+                <a14:useLocalDpi xmlns:a14="http://schemas.microsoft.com/office/drawing/2010/main" val="0"/>
+              </a:ext>
+            </a:extLst>
+          </a:blip>
+          <a:stretch>
+            <a:fillRect/>
+          </a:stretch>
+        </p:blipFill>
+        <p:spPr>
+          <a:xfrm>
+            <a:off x="1543050" y="1071562"/>
+            <a:ext cx="6057900" cy="4714875"/>
+          </a:xfrm>
+          <a:prstGeom prst="rect">
+            <a:avLst/>
+          </a:prstGeom>
+        </p:spPr>
+      </p:pic>
+      <p:sp>
+        <p:nvSpPr>
+          <p:cNvPr id="3" name="CasellaDiTesto 2"/>
+          <p:cNvSpPr txBox="1"/>
+          <p:nvPr/>
+        </p:nvSpPr>
+        <p:spPr>
+          <a:xfrm>
+            <a:off x="7581900" y="1341052"/>
+            <a:ext cx="367408" cy="307777"/>
+          </a:xfrm>
+          <a:prstGeom prst="rect">
+            <a:avLst/>
+          </a:prstGeom>
+        </p:spPr>
+        <p:style>
+          <a:lnRef idx="1">
+            <a:schemeClr val="accent3"/>
+          </a:lnRef>
+          <a:fillRef idx="2">
+            <a:schemeClr val="accent3"/>
+          </a:fillRef>
+          <a:effectRef idx="1">
+            <a:schemeClr val="accent3"/>
+          </a:effectRef>
+          <a:fontRef idx="minor">
+            <a:schemeClr val="dk1"/>
+          </a:fontRef>
+        </p:style>
+        <p:txBody>
+          <a:bodyPr wrap="none" rtlCol="0">
+            <a:spAutoFit/>
+          </a:bodyPr>
+          <a:lstStyle/>
+          <a:p>
+            <a:r>
+              <a:rPr lang="it-IT" sz="1400" dirty="0" smtClean="0"/>
+              <a:t>30</a:t>
+            </a:r>
+            <a:endParaRPr lang="en-GB" sz="1400" dirty="0"/>
+          </a:p>
+        </p:txBody>
+      </p:sp>
+      <p:sp>
+        <p:nvSpPr>
+          <p:cNvPr id="4" name="CasellaDiTesto 3"/>
+          <p:cNvSpPr txBox="1"/>
+          <p:nvPr/>
+        </p:nvSpPr>
+        <p:spPr>
+          <a:xfrm>
+            <a:off x="7581900" y="2132856"/>
+            <a:ext cx="367408" cy="307777"/>
+          </a:xfrm>
+          <a:prstGeom prst="rect">
+            <a:avLst/>
+          </a:prstGeom>
+        </p:spPr>
+        <p:style>
+          <a:lnRef idx="1">
+            <a:schemeClr val="accent3"/>
+          </a:lnRef>
+          <a:fillRef idx="2">
+            <a:schemeClr val="accent3"/>
+          </a:fillRef>
+          <a:effectRef idx="1">
+            <a:schemeClr val="accent3"/>
+          </a:effectRef>
+          <a:fontRef idx="minor">
+            <a:schemeClr val="dk1"/>
+          </a:fontRef>
+        </p:style>
+        <p:txBody>
+          <a:bodyPr wrap="none" rtlCol="0">
+            <a:spAutoFit/>
+          </a:bodyPr>
+          <a:lstStyle/>
+          <a:p>
+            <a:r>
+              <a:rPr lang="it-IT" sz="1400" dirty="0" smtClean="0"/>
+              <a:t>26</a:t>
+            </a:r>
+            <a:endParaRPr lang="en-GB" sz="1400" dirty="0"/>
+          </a:p>
+        </p:txBody>
+      </p:sp>
+      <p:sp>
+        <p:nvSpPr>
+          <p:cNvPr id="5" name="CasellaDiTesto 4"/>
+          <p:cNvSpPr txBox="1"/>
+          <p:nvPr/>
+        </p:nvSpPr>
+        <p:spPr>
+          <a:xfrm>
+            <a:off x="7581900" y="5293164"/>
+            <a:ext cx="367408" cy="307777"/>
+          </a:xfrm>
+          <a:prstGeom prst="rect">
+            <a:avLst/>
+          </a:prstGeom>
+        </p:spPr>
+        <p:style>
+          <a:lnRef idx="1">
+            <a:schemeClr val="accent3"/>
+          </a:lnRef>
+          <a:fillRef idx="2">
+            <a:schemeClr val="accent3"/>
+          </a:fillRef>
+          <a:effectRef idx="1">
+            <a:schemeClr val="accent3"/>
+          </a:effectRef>
+          <a:fontRef idx="minor">
+            <a:schemeClr val="dk1"/>
+          </a:fontRef>
+        </p:style>
+        <p:txBody>
+          <a:bodyPr wrap="none" rtlCol="0">
+            <a:spAutoFit/>
+          </a:bodyPr>
+          <a:lstStyle/>
+          <a:p>
+            <a:r>
+              <a:rPr lang="it-IT" sz="1400" dirty="0" smtClean="0"/>
+              <a:t>11</a:t>
+            </a:r>
+            <a:endParaRPr lang="en-GB" sz="1400" dirty="0"/>
+          </a:p>
+        </p:txBody>
+      </p:sp>
+      <p:sp>
+        <p:nvSpPr>
+          <p:cNvPr id="6" name="CasellaDiTesto 5"/>
+          <p:cNvSpPr txBox="1"/>
+          <p:nvPr/>
+        </p:nvSpPr>
+        <p:spPr>
+          <a:xfrm>
+            <a:off x="7600950" y="4149080"/>
+            <a:ext cx="367408" cy="307777"/>
+          </a:xfrm>
+          <a:prstGeom prst="rect">
+            <a:avLst/>
+          </a:prstGeom>
+        </p:spPr>
+        <p:style>
+          <a:lnRef idx="1">
+            <a:schemeClr val="accent3"/>
+          </a:lnRef>
+          <a:fillRef idx="2">
+            <a:schemeClr val="accent3"/>
+          </a:fillRef>
+          <a:effectRef idx="1">
+            <a:schemeClr val="accent3"/>
+          </a:effectRef>
+          <a:fontRef idx="minor">
+            <a:schemeClr val="dk1"/>
+          </a:fontRef>
+        </p:style>
+        <p:txBody>
+          <a:bodyPr wrap="none" rtlCol="0">
+            <a:spAutoFit/>
+          </a:bodyPr>
+          <a:lstStyle/>
+          <a:p>
+            <a:r>
+              <a:rPr lang="it-IT" sz="1400" dirty="0" smtClean="0"/>
+              <a:t>43</a:t>
+            </a:r>
+            <a:endParaRPr lang="en-GB" sz="1400" dirty="0"/>
+          </a:p>
+        </p:txBody>
+      </p:sp>
+      <p:sp>
+        <p:nvSpPr>
+          <p:cNvPr id="7" name="CasellaDiTesto 6"/>
+          <p:cNvSpPr txBox="1"/>
+          <p:nvPr/>
+        </p:nvSpPr>
+        <p:spPr>
+          <a:xfrm>
+            <a:off x="7600950" y="3126906"/>
+            <a:ext cx="367408" cy="307777"/>
+          </a:xfrm>
+          <a:prstGeom prst="rect">
+            <a:avLst/>
+          </a:prstGeom>
+        </p:spPr>
+        <p:style>
+          <a:lnRef idx="1">
+            <a:schemeClr val="accent3"/>
+          </a:lnRef>
+          <a:fillRef idx="2">
+            <a:schemeClr val="accent3"/>
+          </a:fillRef>
+          <a:effectRef idx="1">
+            <a:schemeClr val="accent3"/>
+          </a:effectRef>
+          <a:fontRef idx="minor">
+            <a:schemeClr val="dk1"/>
+          </a:fontRef>
+        </p:style>
+        <p:txBody>
+          <a:bodyPr wrap="none" rtlCol="0">
+            <a:spAutoFit/>
+          </a:bodyPr>
+          <a:lstStyle/>
+          <a:p>
+            <a:r>
+              <a:rPr lang="it-IT" sz="1400" dirty="0" smtClean="0"/>
+              <a:t>37</a:t>
+            </a:r>
+            <a:endParaRPr lang="en-GB" sz="1400" dirty="0"/>
+          </a:p>
+        </p:txBody>
+      </p:sp>
+    </p:spTree>
+    <p:extLst>
+      <p:ext uri="{BB962C8B-B14F-4D97-AF65-F5344CB8AC3E}">
+        <p14:creationId xmlns:p14="http://schemas.microsoft.com/office/powerpoint/2010/main" val="2930452486"/>
       </p:ext>
     </p:extLst>
   </p:cSld>

--- a/health/userDocs/UniboFigs.pptx
+++ b/health/userDocs/UniboFigs.pptx
@@ -114,7 +114,7 @@
   </p:defaultTextStyle>
   <p:extLst>
     <p:ext uri="{EFAFB233-063F-42B5-8137-9DF3F51BA10A}">
-      <p15:sldGuideLst xmlns="" xmlns:p15="http://schemas.microsoft.com/office/powerpoint/2012/main">
+      <p15:sldGuideLst xmlns:p15="http://schemas.microsoft.com/office/powerpoint/2012/main" xmlns="">
         <p15:guide id="1" orient="horz" pos="2160">
           <p15:clr>
             <a:srgbClr val="A4A3A4"/>
@@ -12107,7 +12107,7 @@
           <p:cNvPr id="51" name="TextBox 50">
             <a:extLst>
               <a:ext uri="{FF2B5EF4-FFF2-40B4-BE49-F238E27FC236}">
-                <a16:creationId xmlns="" xmlns:a16="http://schemas.microsoft.com/office/drawing/2014/main" id="{38D92C47-6A24-433B-A9D7-48400DFBEE88}"/>
+                <a16:creationId xmlns:a16="http://schemas.microsoft.com/office/drawing/2014/main" xmlns="" id="{38D92C47-6A24-433B-A9D7-48400DFBEE88}"/>
               </a:ext>
             </a:extLst>
           </p:cNvPr>
@@ -12148,7 +12148,7 @@
           <p:cNvPr id="52" name="TextBox 51">
             <a:extLst>
               <a:ext uri="{FF2B5EF4-FFF2-40B4-BE49-F238E27FC236}">
-                <a16:creationId xmlns="" xmlns:a16="http://schemas.microsoft.com/office/drawing/2014/main" id="{46370455-EDDE-4BAF-A68F-1E721D22CFA3}"/>
+                <a16:creationId xmlns:a16="http://schemas.microsoft.com/office/drawing/2014/main" xmlns="" id="{46370455-EDDE-4BAF-A68F-1E721D22CFA3}"/>
               </a:ext>
             </a:extLst>
           </p:cNvPr>
@@ -12189,7 +12189,7 @@
           <p:cNvPr id="54" name="TextBox 53">
             <a:extLst>
               <a:ext uri="{FF2B5EF4-FFF2-40B4-BE49-F238E27FC236}">
-                <a16:creationId xmlns="" xmlns:a16="http://schemas.microsoft.com/office/drawing/2014/main" id="{1F0BD362-AB28-4ABC-B01D-E5FB51A4284F}"/>
+                <a16:creationId xmlns:a16="http://schemas.microsoft.com/office/drawing/2014/main" xmlns="" id="{1F0BD362-AB28-4ABC-B01D-E5FB51A4284F}"/>
               </a:ext>
             </a:extLst>
           </p:cNvPr>
@@ -12224,7 +12224,7 @@
           <p:cNvPr id="55" name="TextBox 54">
             <a:extLst>
               <a:ext uri="{FF2B5EF4-FFF2-40B4-BE49-F238E27FC236}">
-                <a16:creationId xmlns="" xmlns:a16="http://schemas.microsoft.com/office/drawing/2014/main" id="{66A6D040-E92F-405E-8F1C-224FD73DEB6A}"/>
+                <a16:creationId xmlns:a16="http://schemas.microsoft.com/office/drawing/2014/main" xmlns="" id="{66A6D040-E92F-405E-8F1C-224FD73DEB6A}"/>
               </a:ext>
             </a:extLst>
           </p:cNvPr>
@@ -12265,7 +12265,7 @@
           <p:cNvPr id="59" name="TextBox 58">
             <a:extLst>
               <a:ext uri="{FF2B5EF4-FFF2-40B4-BE49-F238E27FC236}">
-                <a16:creationId xmlns="" xmlns:a16="http://schemas.microsoft.com/office/drawing/2014/main" id="{8B737B46-BF72-4F50-880F-A81417342B9C}"/>
+                <a16:creationId xmlns:a16="http://schemas.microsoft.com/office/drawing/2014/main" xmlns="" id="{8B737B46-BF72-4F50-880F-A81417342B9C}"/>
               </a:ext>
             </a:extLst>
           </p:cNvPr>
@@ -12306,7 +12306,7 @@
           <p:cNvPr id="60" name="TextBox 59">
             <a:extLst>
               <a:ext uri="{FF2B5EF4-FFF2-40B4-BE49-F238E27FC236}">
-                <a16:creationId xmlns="" xmlns:a16="http://schemas.microsoft.com/office/drawing/2014/main" id="{635E5AB3-11BB-4188-A9F5-6624D8487908}"/>
+                <a16:creationId xmlns:a16="http://schemas.microsoft.com/office/drawing/2014/main" xmlns="" id="{635E5AB3-11BB-4188-A9F5-6624D8487908}"/>
               </a:ext>
             </a:extLst>
           </p:cNvPr>
@@ -14373,7 +14373,7 @@
           <p:cNvPr id="43" name="TextBox 42">
             <a:extLst>
               <a:ext uri="{FF2B5EF4-FFF2-40B4-BE49-F238E27FC236}">
-                <a16:creationId xmlns="" xmlns:a16="http://schemas.microsoft.com/office/drawing/2014/main" id="{C66D85E0-1A23-448C-9466-6DADEA26156A}"/>
+                <a16:creationId xmlns:a16="http://schemas.microsoft.com/office/drawing/2014/main" xmlns="" id="{C66D85E0-1A23-448C-9466-6DADEA26156A}"/>
               </a:ext>
             </a:extLst>
           </p:cNvPr>
@@ -14414,7 +14414,7 @@
           <p:cNvPr id="44" name="TextBox 43">
             <a:extLst>
               <a:ext uri="{FF2B5EF4-FFF2-40B4-BE49-F238E27FC236}">
-                <a16:creationId xmlns="" xmlns:a16="http://schemas.microsoft.com/office/drawing/2014/main" id="{73BB0B6F-DBD2-4682-88DA-A68E1C43C8EE}"/>
+                <a16:creationId xmlns:a16="http://schemas.microsoft.com/office/drawing/2014/main" xmlns="" id="{73BB0B6F-DBD2-4682-88DA-A68E1C43C8EE}"/>
               </a:ext>
             </a:extLst>
           </p:cNvPr>
@@ -14455,7 +14455,7 @@
           <p:cNvPr id="45" name="TextBox 44">
             <a:extLst>
               <a:ext uri="{FF2B5EF4-FFF2-40B4-BE49-F238E27FC236}">
-                <a16:creationId xmlns="" xmlns:a16="http://schemas.microsoft.com/office/drawing/2014/main" id="{06BB9D57-20AB-4911-8F91-1EAAD2C3D635}"/>
+                <a16:creationId xmlns:a16="http://schemas.microsoft.com/office/drawing/2014/main" xmlns="" id="{06BB9D57-20AB-4911-8F91-1EAAD2C3D635}"/>
               </a:ext>
             </a:extLst>
           </p:cNvPr>
@@ -14490,7 +14490,7 @@
           <p:cNvPr id="46" name="TextBox 45">
             <a:extLst>
               <a:ext uri="{FF2B5EF4-FFF2-40B4-BE49-F238E27FC236}">
-                <a16:creationId xmlns="" xmlns:a16="http://schemas.microsoft.com/office/drawing/2014/main" id="{6BDA7693-CA76-4C97-8FED-A4A65AB5032B}"/>
+                <a16:creationId xmlns:a16="http://schemas.microsoft.com/office/drawing/2014/main" xmlns="" id="{6BDA7693-CA76-4C97-8FED-A4A65AB5032B}"/>
               </a:ext>
             </a:extLst>
           </p:cNvPr>
@@ -14531,7 +14531,7 @@
           <p:cNvPr id="47" name="TextBox 46">
             <a:extLst>
               <a:ext uri="{FF2B5EF4-FFF2-40B4-BE49-F238E27FC236}">
-                <a16:creationId xmlns="" xmlns:a16="http://schemas.microsoft.com/office/drawing/2014/main" id="{F3FF60E3-5733-4A51-BB64-B5D227CFB6FE}"/>
+                <a16:creationId xmlns:a16="http://schemas.microsoft.com/office/drawing/2014/main" xmlns="" id="{F3FF60E3-5733-4A51-BB64-B5D227CFB6FE}"/>
               </a:ext>
             </a:extLst>
           </p:cNvPr>
@@ -14572,7 +14572,7 @@
           <p:cNvPr id="48" name="TextBox 47">
             <a:extLst>
               <a:ext uri="{FF2B5EF4-FFF2-40B4-BE49-F238E27FC236}">
-                <a16:creationId xmlns="" xmlns:a16="http://schemas.microsoft.com/office/drawing/2014/main" id="{6CFBFA02-2444-480B-B78F-A1A7AD55973E}"/>
+                <a16:creationId xmlns:a16="http://schemas.microsoft.com/office/drawing/2014/main" xmlns="" id="{6CFBFA02-2444-480B-B78F-A1A7AD55973E}"/>
               </a:ext>
             </a:extLst>
           </p:cNvPr>
@@ -14793,8 +14793,62 @@
         </p:blipFill>
         <p:spPr bwMode="auto">
           <a:xfrm>
-            <a:off x="2181225" y="2090738"/>
+            <a:off x="611560" y="332656"/>
             <a:ext cx="4781550" cy="2676525"/>
+          </a:xfrm>
+          <a:prstGeom prst="rect">
+            <a:avLst/>
+          </a:prstGeom>
+          <a:noFill/>
+          <a:ln>
+            <a:noFill/>
+          </a:ln>
+          <a:extLst>
+            <a:ext uri="{909E8E84-426E-40DD-AFC4-6F175D3DCCD1}">
+              <a14:hiddenFill xmlns:a14="http://schemas.microsoft.com/office/drawing/2010/main">
+                <a:solidFill>
+                  <a:schemeClr val="accent1"/>
+                </a:solidFill>
+              </a14:hiddenFill>
+            </a:ext>
+            <a:ext uri="{91240B29-F687-4F45-9708-019B960494DF}">
+              <a14:hiddenLine xmlns:a14="http://schemas.microsoft.com/office/drawing/2010/main" w="9525">
+                <a:solidFill>
+                  <a:schemeClr val="tx1"/>
+                </a:solidFill>
+                <a:miter lim="800000"/>
+                <a:headEnd/>
+                <a:tailEnd/>
+              </a14:hiddenLine>
+            </a:ext>
+          </a:extLst>
+        </p:spPr>
+      </p:pic>
+      <p:pic>
+        <p:nvPicPr>
+          <p:cNvPr id="1026" name="Picture 2"/>
+          <p:cNvPicPr>
+            <a:picLocks noChangeAspect="1" noChangeArrowheads="1"/>
+          </p:cNvPicPr>
+          <p:nvPr/>
+        </p:nvPicPr>
+        <p:blipFill>
+          <a:blip r:embed="rId3">
+            <a:extLst>
+              <a:ext uri="{28A0092B-C50C-407E-A947-70E740481C1C}">
+                <a14:useLocalDpi xmlns:a14="http://schemas.microsoft.com/office/drawing/2010/main" val="0"/>
+              </a:ext>
+            </a:extLst>
+          </a:blip>
+          <a:srcRect/>
+          <a:stretch>
+            <a:fillRect/>
+          </a:stretch>
+        </p:blipFill>
+        <p:spPr bwMode="auto">
+          <a:xfrm>
+            <a:off x="4427984" y="3331029"/>
+            <a:ext cx="4267200" cy="3209925"/>
           </a:xfrm>
           <a:prstGeom prst="rect">
             <a:avLst/>

--- a/health/userDocs/UniboFigs.pptx
+++ b/health/userDocs/UniboFigs.pptx
@@ -8,12 +8,13 @@
     <p:sldId id="257" r:id="rId2"/>
     <p:sldId id="260" r:id="rId3"/>
     <p:sldId id="261" r:id="rId4"/>
-    <p:sldId id="263" r:id="rId5"/>
-    <p:sldId id="259" r:id="rId6"/>
-    <p:sldId id="258" r:id="rId7"/>
-    <p:sldId id="264" r:id="rId8"/>
-    <p:sldId id="265" r:id="rId9"/>
-    <p:sldId id="266" r:id="rId10"/>
+    <p:sldId id="259" r:id="rId5"/>
+    <p:sldId id="258" r:id="rId6"/>
+    <p:sldId id="264" r:id="rId7"/>
+    <p:sldId id="265" r:id="rId8"/>
+    <p:sldId id="266" r:id="rId9"/>
+    <p:sldId id="267" r:id="rId10"/>
+    <p:sldId id="268" r:id="rId11"/>
   </p:sldIdLst>
   <p:sldSz cx="9144000" cy="6858000" type="screen4x3"/>
   <p:notesSz cx="6858000" cy="9144000"/>
@@ -114,7 +115,7 @@
   </p:defaultTextStyle>
   <p:extLst>
     <p:ext uri="{EFAFB233-063F-42B5-8137-9DF3F51BA10A}">
-      <p15:sldGuideLst xmlns:p15="http://schemas.microsoft.com/office/powerpoint/2012/main" xmlns="">
+      <p15:sldGuideLst xmlns="" xmlns:p15="http://schemas.microsoft.com/office/powerpoint/2012/main">
         <p15:guide id="1" orient="horz" pos="2160">
           <p15:clr>
             <a:srgbClr val="A4A3A4"/>
@@ -312,7 +313,7 @@
           <a:p>
             <a:fld id="{486DFF9D-000F-417D-A1D1-C441A4010B1E}" type="datetimeFigureOut">
               <a:rPr lang="en-GB" smtClean="0"/>
-              <a:t>11/07/2020</a:t>
+              <a:t>24/07/2020</a:t>
             </a:fld>
             <a:endParaRPr lang="en-GB"/>
           </a:p>
@@ -482,7 +483,7 @@
           <a:p>
             <a:fld id="{486DFF9D-000F-417D-A1D1-C441A4010B1E}" type="datetimeFigureOut">
               <a:rPr lang="en-GB" smtClean="0"/>
-              <a:t>11/07/2020</a:t>
+              <a:t>24/07/2020</a:t>
             </a:fld>
             <a:endParaRPr lang="en-GB"/>
           </a:p>
@@ -662,7 +663,7 @@
           <a:p>
             <a:fld id="{486DFF9D-000F-417D-A1D1-C441A4010B1E}" type="datetimeFigureOut">
               <a:rPr lang="en-GB" smtClean="0"/>
-              <a:t>11/07/2020</a:t>
+              <a:t>24/07/2020</a:t>
             </a:fld>
             <a:endParaRPr lang="en-GB"/>
           </a:p>
@@ -832,7 +833,7 @@
           <a:p>
             <a:fld id="{486DFF9D-000F-417D-A1D1-C441A4010B1E}" type="datetimeFigureOut">
               <a:rPr lang="en-GB" smtClean="0"/>
-              <a:t>11/07/2020</a:t>
+              <a:t>24/07/2020</a:t>
             </a:fld>
             <a:endParaRPr lang="en-GB"/>
           </a:p>
@@ -1078,7 +1079,7 @@
           <a:p>
             <a:fld id="{486DFF9D-000F-417D-A1D1-C441A4010B1E}" type="datetimeFigureOut">
               <a:rPr lang="en-GB" smtClean="0"/>
-              <a:t>11/07/2020</a:t>
+              <a:t>24/07/2020</a:t>
             </a:fld>
             <a:endParaRPr lang="en-GB"/>
           </a:p>
@@ -1366,7 +1367,7 @@
           <a:p>
             <a:fld id="{486DFF9D-000F-417D-A1D1-C441A4010B1E}" type="datetimeFigureOut">
               <a:rPr lang="en-GB" smtClean="0"/>
-              <a:t>11/07/2020</a:t>
+              <a:t>24/07/2020</a:t>
             </a:fld>
             <a:endParaRPr lang="en-GB"/>
           </a:p>
@@ -1788,7 +1789,7 @@
           <a:p>
             <a:fld id="{486DFF9D-000F-417D-A1D1-C441A4010B1E}" type="datetimeFigureOut">
               <a:rPr lang="en-GB" smtClean="0"/>
-              <a:t>11/07/2020</a:t>
+              <a:t>24/07/2020</a:t>
             </a:fld>
             <a:endParaRPr lang="en-GB"/>
           </a:p>
@@ -1906,7 +1907,7 @@
           <a:p>
             <a:fld id="{486DFF9D-000F-417D-A1D1-C441A4010B1E}" type="datetimeFigureOut">
               <a:rPr lang="en-GB" smtClean="0"/>
-              <a:t>11/07/2020</a:t>
+              <a:t>24/07/2020</a:t>
             </a:fld>
             <a:endParaRPr lang="en-GB"/>
           </a:p>
@@ -2001,7 +2002,7 @@
           <a:p>
             <a:fld id="{486DFF9D-000F-417D-A1D1-C441A4010B1E}" type="datetimeFigureOut">
               <a:rPr lang="en-GB" smtClean="0"/>
-              <a:t>11/07/2020</a:t>
+              <a:t>24/07/2020</a:t>
             </a:fld>
             <a:endParaRPr lang="en-GB"/>
           </a:p>
@@ -2278,7 +2279,7 @@
           <a:p>
             <a:fld id="{486DFF9D-000F-417D-A1D1-C441A4010B1E}" type="datetimeFigureOut">
               <a:rPr lang="en-GB" smtClean="0"/>
-              <a:t>11/07/2020</a:t>
+              <a:t>24/07/2020</a:t>
             </a:fld>
             <a:endParaRPr lang="en-GB"/>
           </a:p>
@@ -2531,7 +2532,7 @@
           <a:p>
             <a:fld id="{486DFF9D-000F-417D-A1D1-C441A4010B1E}" type="datetimeFigureOut">
               <a:rPr lang="en-GB" smtClean="0"/>
-              <a:t>11/07/2020</a:t>
+              <a:t>24/07/2020</a:t>
             </a:fld>
             <a:endParaRPr lang="en-GB"/>
           </a:p>
@@ -2744,7 +2745,7 @@
           <a:p>
             <a:fld id="{486DFF9D-000F-417D-A1D1-C441A4010B1E}" type="datetimeFigureOut">
               <a:rPr lang="en-GB" smtClean="0"/>
-              <a:t>11/07/2020</a:t>
+              <a:t>24/07/2020</a:t>
             </a:fld>
             <a:endParaRPr lang="en-GB"/>
           </a:p>
@@ -6099,6 +6100,2364 @@
   <p:clrMapOvr>
     <a:masterClrMapping/>
   </p:clrMapOvr>
+  <p:timing>
+    <p:tnLst>
+      <p:par>
+        <p:cTn id="1" dur="indefinite" restart="never" nodeType="tmRoot"/>
+      </p:par>
+    </p:tnLst>
+  </p:timing>
+</p:sld>
+</file>
+
+<file path=ppt/slides/slide10.xml><?xml version="1.0" encoding="utf-8"?>
+<p:sld xmlns:a="http://schemas.openxmlformats.org/drawingml/2006/main" xmlns:r="http://schemas.openxmlformats.org/officeDocument/2006/relationships" xmlns:p="http://schemas.openxmlformats.org/presentationml/2006/main">
+  <p:cSld>
+    <p:spTree>
+      <p:nvGrpSpPr>
+        <p:cNvPr id="1" name=""/>
+        <p:cNvGrpSpPr/>
+        <p:nvPr/>
+      </p:nvGrpSpPr>
+      <p:grpSpPr>
+        <a:xfrm>
+          <a:off x="0" y="0"/>
+          <a:ext cx="0" cy="0"/>
+          <a:chOff x="0" y="0"/>
+          <a:chExt cx="0" cy="0"/>
+        </a:xfrm>
+      </p:grpSpPr>
+      <p:grpSp>
+        <p:nvGrpSpPr>
+          <p:cNvPr id="6" name="Gruppo 5"/>
+          <p:cNvGrpSpPr/>
+          <p:nvPr/>
+        </p:nvGrpSpPr>
+        <p:grpSpPr>
+          <a:xfrm>
+            <a:off x="6959521" y="1785659"/>
+            <a:ext cx="805955" cy="772447"/>
+            <a:chOff x="565700" y="4940367"/>
+            <a:chExt cx="805955" cy="772447"/>
+          </a:xfrm>
+        </p:grpSpPr>
+        <p:sp>
+          <p:nvSpPr>
+            <p:cNvPr id="7" name="Ovale 6"/>
+            <p:cNvSpPr/>
+            <p:nvPr/>
+          </p:nvSpPr>
+          <p:spPr>
+            <a:xfrm>
+              <a:off x="565700" y="4983583"/>
+              <a:ext cx="805955" cy="729231"/>
+            </a:xfrm>
+            <a:prstGeom prst="ellipse">
+              <a:avLst/>
+            </a:prstGeom>
+            <a:solidFill>
+              <a:srgbClr val="FF99CC"/>
+            </a:solidFill>
+          </p:spPr>
+          <p:style>
+            <a:lnRef idx="2">
+              <a:schemeClr val="accent1">
+                <a:shade val="50000"/>
+              </a:schemeClr>
+            </a:lnRef>
+            <a:fillRef idx="1">
+              <a:schemeClr val="accent1"/>
+            </a:fillRef>
+            <a:effectRef idx="0">
+              <a:schemeClr val="accent1"/>
+            </a:effectRef>
+            <a:fontRef idx="minor">
+              <a:schemeClr val="lt1"/>
+            </a:fontRef>
+          </p:style>
+          <p:txBody>
+            <a:bodyPr rtlCol="0" anchor="ctr"/>
+            <a:lstStyle/>
+            <a:p>
+              <a:pPr algn="ctr"/>
+              <a:r>
+                <a:rPr lang="en-GB" dirty="0">
+                  <a:solidFill>
+                    <a:schemeClr val="lt1"/>
+                  </a:solidFill>
+                </a:rPr>
+                <a:t> </a:t>
+              </a:r>
+            </a:p>
+          </p:txBody>
+        </p:sp>
+        <p:sp>
+          <p:nvSpPr>
+            <p:cNvPr id="8" name="Triangolo isoscele 7"/>
+            <p:cNvSpPr/>
+            <p:nvPr/>
+          </p:nvSpPr>
+          <p:spPr>
+            <a:xfrm rot="16200000">
+              <a:off x="905299" y="4913952"/>
+              <a:ext cx="86434" cy="139263"/>
+            </a:xfrm>
+            <a:prstGeom prst="triangle">
+              <a:avLst/>
+            </a:prstGeom>
+            <a:solidFill>
+              <a:srgbClr val="FF99CC"/>
+            </a:solidFill>
+            <a:ln>
+              <a:solidFill>
+                <a:schemeClr val="tx1"/>
+              </a:solidFill>
+            </a:ln>
+          </p:spPr>
+          <p:style>
+            <a:lnRef idx="2">
+              <a:schemeClr val="accent1">
+                <a:shade val="50000"/>
+              </a:schemeClr>
+            </a:lnRef>
+            <a:fillRef idx="1">
+              <a:schemeClr val="accent1"/>
+            </a:fillRef>
+            <a:effectRef idx="0">
+              <a:schemeClr val="accent1"/>
+            </a:effectRef>
+            <a:fontRef idx="minor">
+              <a:schemeClr val="lt1"/>
+            </a:fontRef>
+          </p:style>
+          <p:txBody>
+            <a:bodyPr rtlCol="0" anchor="ctr"/>
+            <a:lstStyle/>
+            <a:p>
+              <a:pPr algn="ctr"/>
+              <a:endParaRPr lang="en-GB">
+                <a:solidFill>
+                  <a:schemeClr val="lt1"/>
+                </a:solidFill>
+              </a:endParaRPr>
+            </a:p>
+          </p:txBody>
+        </p:sp>
+      </p:grpSp>
+      <p:sp>
+        <p:nvSpPr>
+          <p:cNvPr id="9" name="CasellaDiTesto 8"/>
+          <p:cNvSpPr txBox="1"/>
+          <p:nvPr/>
+        </p:nvSpPr>
+        <p:spPr>
+          <a:xfrm>
+            <a:off x="6681705" y="626685"/>
+            <a:ext cx="1460528" cy="369332"/>
+          </a:xfrm>
+          <a:prstGeom prst="rect">
+            <a:avLst/>
+          </a:prstGeom>
+          <a:noFill/>
+        </p:spPr>
+        <p:txBody>
+          <a:bodyPr wrap="none" rtlCol="0">
+            <a:spAutoFit/>
+          </a:bodyPr>
+          <a:lstStyle/>
+          <a:p>
+            <a:r>
+              <a:rPr lang="en-GB" b="1" dirty="0" err="1"/>
+              <a:t>CentroHealth</a:t>
+            </a:r>
+            <a:endParaRPr lang="en-GB" dirty="0"/>
+          </a:p>
+        </p:txBody>
+      </p:sp>
+      <p:sp>
+        <p:nvSpPr>
+          <p:cNvPr id="12" name="TextBox 45">
+            <a:extLst>
+              <a:ext uri="{FF2B5EF4-FFF2-40B4-BE49-F238E27FC236}">
+                <a16:creationId xmlns="" xmlns:a16="http://schemas.microsoft.com/office/drawing/2014/main" id="{6BDA7693-CA76-4C97-8FED-A4A65AB5032B}"/>
+              </a:ext>
+            </a:extLst>
+          </p:cNvPr>
+          <p:cNvSpPr txBox="1"/>
+          <p:nvPr/>
+        </p:nvSpPr>
+        <p:spPr>
+          <a:xfrm>
+            <a:off x="4109820" y="638865"/>
+            <a:ext cx="1568443" cy="369332"/>
+          </a:xfrm>
+          <a:prstGeom prst="rect">
+            <a:avLst/>
+          </a:prstGeom>
+          <a:noFill/>
+        </p:spPr>
+        <p:txBody>
+          <a:bodyPr wrap="none" rtlCol="0">
+            <a:spAutoFit/>
+          </a:bodyPr>
+          <a:lstStyle/>
+          <a:p>
+            <a:r>
+              <a:rPr lang="en-US" b="1" dirty="0" err="1"/>
+              <a:t>HealthProduct</a:t>
+            </a:r>
+            <a:endParaRPr lang="en-US" b="1" dirty="0"/>
+          </a:p>
+        </p:txBody>
+      </p:sp>
+      <p:grpSp>
+        <p:nvGrpSpPr>
+          <p:cNvPr id="13" name="Gruppo 12"/>
+          <p:cNvGrpSpPr/>
+          <p:nvPr/>
+        </p:nvGrpSpPr>
+        <p:grpSpPr>
+          <a:xfrm>
+            <a:off x="4159291" y="2027436"/>
+            <a:ext cx="805955" cy="772447"/>
+            <a:chOff x="565700" y="4940367"/>
+            <a:chExt cx="805955" cy="772447"/>
+          </a:xfrm>
+        </p:grpSpPr>
+        <p:sp>
+          <p:nvSpPr>
+            <p:cNvPr id="14" name="Ovale 13"/>
+            <p:cNvSpPr/>
+            <p:nvPr/>
+          </p:nvSpPr>
+          <p:spPr>
+            <a:xfrm>
+              <a:off x="565700" y="4983583"/>
+              <a:ext cx="805955" cy="729231"/>
+            </a:xfrm>
+            <a:prstGeom prst="ellipse">
+              <a:avLst/>
+            </a:prstGeom>
+            <a:ln/>
+          </p:spPr>
+          <p:style>
+            <a:lnRef idx="1">
+              <a:schemeClr val="accent4"/>
+            </a:lnRef>
+            <a:fillRef idx="2">
+              <a:schemeClr val="accent4"/>
+            </a:fillRef>
+            <a:effectRef idx="1">
+              <a:schemeClr val="accent4"/>
+            </a:effectRef>
+            <a:fontRef idx="minor">
+              <a:schemeClr val="dk1"/>
+            </a:fontRef>
+          </p:style>
+          <p:txBody>
+            <a:bodyPr rtlCol="0" anchor="ctr"/>
+            <a:lstStyle/>
+            <a:p>
+              <a:pPr algn="ctr"/>
+              <a:r>
+                <a:rPr lang="en-GB" sz="1200" dirty="0"/>
+                <a:t> </a:t>
+              </a:r>
+            </a:p>
+          </p:txBody>
+        </p:sp>
+        <p:sp>
+          <p:nvSpPr>
+            <p:cNvPr id="15" name="Triangolo isoscele 14"/>
+            <p:cNvSpPr/>
+            <p:nvPr/>
+          </p:nvSpPr>
+          <p:spPr>
+            <a:xfrm rot="16200000">
+              <a:off x="905299" y="4913952"/>
+              <a:ext cx="86434" cy="139263"/>
+            </a:xfrm>
+            <a:prstGeom prst="triangle">
+              <a:avLst/>
+            </a:prstGeom>
+            <a:solidFill>
+              <a:srgbClr val="C00000"/>
+            </a:solidFill>
+            <a:ln/>
+          </p:spPr>
+          <p:style>
+            <a:lnRef idx="1">
+              <a:schemeClr val="accent5"/>
+            </a:lnRef>
+            <a:fillRef idx="2">
+              <a:schemeClr val="accent5"/>
+            </a:fillRef>
+            <a:effectRef idx="1">
+              <a:schemeClr val="accent5"/>
+            </a:effectRef>
+            <a:fontRef idx="minor">
+              <a:schemeClr val="dk1"/>
+            </a:fontRef>
+          </p:style>
+          <p:txBody>
+            <a:bodyPr rtlCol="0" anchor="ctr"/>
+            <a:lstStyle/>
+            <a:p>
+              <a:pPr algn="ctr"/>
+              <a:endParaRPr lang="en-GB" sz="1200">
+                <a:solidFill>
+                  <a:schemeClr val="dk1"/>
+                </a:solidFill>
+              </a:endParaRPr>
+            </a:p>
+          </p:txBody>
+        </p:sp>
+      </p:grpSp>
+      <p:grpSp>
+        <p:nvGrpSpPr>
+          <p:cNvPr id="16" name="Gruppo 15"/>
+          <p:cNvGrpSpPr/>
+          <p:nvPr/>
+        </p:nvGrpSpPr>
+        <p:grpSpPr>
+          <a:xfrm>
+            <a:off x="2924815" y="1843959"/>
+            <a:ext cx="666895" cy="86434"/>
+            <a:chOff x="4592177" y="4419530"/>
+            <a:chExt cx="666895" cy="86434"/>
+          </a:xfrm>
+        </p:grpSpPr>
+        <p:cxnSp>
+          <p:nvCxnSpPr>
+            <p:cNvPr id="17" name="Connettore 1 16"/>
+            <p:cNvCxnSpPr/>
+            <p:nvPr/>
+          </p:nvCxnSpPr>
+          <p:spPr>
+            <a:xfrm>
+              <a:off x="4611000" y="4462747"/>
+              <a:ext cx="648072" cy="0"/>
+            </a:xfrm>
+            <a:prstGeom prst="line">
+              <a:avLst/>
+            </a:prstGeom>
+            <a:ln>
+              <a:prstDash val="dash"/>
+            </a:ln>
+          </p:spPr>
+          <p:style>
+            <a:lnRef idx="1">
+              <a:schemeClr val="accent1"/>
+            </a:lnRef>
+            <a:fillRef idx="0">
+              <a:schemeClr val="accent1"/>
+            </a:fillRef>
+            <a:effectRef idx="0">
+              <a:schemeClr val="accent1"/>
+            </a:effectRef>
+            <a:fontRef idx="minor">
+              <a:schemeClr val="tx1"/>
+            </a:fontRef>
+          </p:style>
+        </p:cxnSp>
+        <p:sp>
+          <p:nvSpPr>
+            <p:cNvPr id="18" name="Triangolo isoscele 17"/>
+            <p:cNvSpPr/>
+            <p:nvPr/>
+          </p:nvSpPr>
+          <p:spPr>
+            <a:xfrm rot="16200000">
+              <a:off x="4618592" y="4393115"/>
+              <a:ext cx="86434" cy="139263"/>
+            </a:xfrm>
+            <a:prstGeom prst="triangle">
+              <a:avLst/>
+            </a:prstGeom>
+            <a:solidFill>
+              <a:schemeClr val="bg1"/>
+            </a:solidFill>
+            <a:ln/>
+          </p:spPr>
+          <p:style>
+            <a:lnRef idx="1">
+              <a:schemeClr val="accent5"/>
+            </a:lnRef>
+            <a:fillRef idx="2">
+              <a:schemeClr val="accent5"/>
+            </a:fillRef>
+            <a:effectRef idx="1">
+              <a:schemeClr val="accent5"/>
+            </a:effectRef>
+            <a:fontRef idx="minor">
+              <a:schemeClr val="dk1"/>
+            </a:fontRef>
+          </p:style>
+          <p:txBody>
+            <a:bodyPr rtlCol="0" anchor="ctr"/>
+            <a:lstStyle/>
+            <a:p>
+              <a:pPr algn="ctr"/>
+              <a:endParaRPr lang="en-GB" sz="1200"/>
+            </a:p>
+          </p:txBody>
+        </p:sp>
+      </p:grpSp>
+      <p:grpSp>
+        <p:nvGrpSpPr>
+          <p:cNvPr id="19" name="Gruppo 18"/>
+          <p:cNvGrpSpPr/>
+          <p:nvPr/>
+        </p:nvGrpSpPr>
+        <p:grpSpPr>
+          <a:xfrm>
+            <a:off x="2924815" y="1609746"/>
+            <a:ext cx="787334" cy="86434"/>
+            <a:chOff x="3452446" y="4176616"/>
+            <a:chExt cx="787334" cy="86434"/>
+          </a:xfrm>
+        </p:grpSpPr>
+        <p:sp>
+          <p:nvSpPr>
+            <p:cNvPr id="20" name="Triangolo isoscele 19"/>
+            <p:cNvSpPr/>
+            <p:nvPr/>
+          </p:nvSpPr>
+          <p:spPr>
+            <a:xfrm rot="5400000" flipH="1">
+              <a:off x="4126932" y="4150201"/>
+              <a:ext cx="86434" cy="139263"/>
+            </a:xfrm>
+            <a:prstGeom prst="triangle">
+              <a:avLst/>
+            </a:prstGeom>
+            <a:solidFill>
+              <a:schemeClr val="bg1"/>
+            </a:solidFill>
+            <a:ln/>
+          </p:spPr>
+          <p:style>
+            <a:lnRef idx="1">
+              <a:schemeClr val="accent5"/>
+            </a:lnRef>
+            <a:fillRef idx="2">
+              <a:schemeClr val="accent5"/>
+            </a:fillRef>
+            <a:effectRef idx="1">
+              <a:schemeClr val="accent5"/>
+            </a:effectRef>
+            <a:fontRef idx="minor">
+              <a:schemeClr val="dk1"/>
+            </a:fontRef>
+          </p:style>
+          <p:txBody>
+            <a:bodyPr rtlCol="0" anchor="ctr"/>
+            <a:lstStyle/>
+            <a:p>
+              <a:pPr algn="ctr"/>
+              <a:endParaRPr lang="en-GB" sz="1200"/>
+            </a:p>
+          </p:txBody>
+        </p:sp>
+        <p:cxnSp>
+          <p:nvCxnSpPr>
+            <p:cNvPr id="21" name="Connettore 1 20"/>
+            <p:cNvCxnSpPr>
+              <a:endCxn id="20" idx="3"/>
+            </p:cNvCxnSpPr>
+            <p:nvPr/>
+          </p:nvCxnSpPr>
+          <p:spPr>
+            <a:xfrm>
+              <a:off x="3452446" y="4219627"/>
+              <a:ext cx="648072" cy="206"/>
+            </a:xfrm>
+            <a:prstGeom prst="line">
+              <a:avLst/>
+            </a:prstGeom>
+          </p:spPr>
+          <p:style>
+            <a:lnRef idx="1">
+              <a:schemeClr val="accent1"/>
+            </a:lnRef>
+            <a:fillRef idx="0">
+              <a:schemeClr val="accent1"/>
+            </a:fillRef>
+            <a:effectRef idx="0">
+              <a:schemeClr val="accent1"/>
+            </a:effectRef>
+            <a:fontRef idx="minor">
+              <a:schemeClr val="tx1"/>
+            </a:fontRef>
+          </p:style>
+        </p:cxnSp>
+      </p:grpSp>
+      <p:grpSp>
+        <p:nvGrpSpPr>
+          <p:cNvPr id="22" name="Gruppo 21"/>
+          <p:cNvGrpSpPr/>
+          <p:nvPr/>
+        </p:nvGrpSpPr>
+        <p:grpSpPr>
+          <a:xfrm>
+            <a:off x="5651718" y="2380914"/>
+            <a:ext cx="666895" cy="86434"/>
+            <a:chOff x="4592177" y="4419530"/>
+            <a:chExt cx="666895" cy="86434"/>
+          </a:xfrm>
+        </p:grpSpPr>
+        <p:cxnSp>
+          <p:nvCxnSpPr>
+            <p:cNvPr id="23" name="Connettore 1 22"/>
+            <p:cNvCxnSpPr/>
+            <p:nvPr/>
+          </p:nvCxnSpPr>
+          <p:spPr>
+            <a:xfrm>
+              <a:off x="4611000" y="4462747"/>
+              <a:ext cx="648072" cy="0"/>
+            </a:xfrm>
+            <a:prstGeom prst="line">
+              <a:avLst/>
+            </a:prstGeom>
+            <a:ln>
+              <a:prstDash val="dash"/>
+            </a:ln>
+          </p:spPr>
+          <p:style>
+            <a:lnRef idx="1">
+              <a:schemeClr val="accent1"/>
+            </a:lnRef>
+            <a:fillRef idx="0">
+              <a:schemeClr val="accent1"/>
+            </a:fillRef>
+            <a:effectRef idx="0">
+              <a:schemeClr val="accent1"/>
+            </a:effectRef>
+            <a:fontRef idx="minor">
+              <a:schemeClr val="tx1"/>
+            </a:fontRef>
+          </p:style>
+        </p:cxnSp>
+        <p:sp>
+          <p:nvSpPr>
+            <p:cNvPr id="24" name="Triangolo isoscele 23"/>
+            <p:cNvSpPr/>
+            <p:nvPr/>
+          </p:nvSpPr>
+          <p:spPr>
+            <a:xfrm rot="16200000">
+              <a:off x="4618592" y="4393115"/>
+              <a:ext cx="86434" cy="139263"/>
+            </a:xfrm>
+            <a:prstGeom prst="triangle">
+              <a:avLst/>
+            </a:prstGeom>
+            <a:solidFill>
+              <a:schemeClr val="bg1"/>
+            </a:solidFill>
+            <a:ln/>
+          </p:spPr>
+          <p:style>
+            <a:lnRef idx="1">
+              <a:schemeClr val="accent5"/>
+            </a:lnRef>
+            <a:fillRef idx="2">
+              <a:schemeClr val="accent5"/>
+            </a:fillRef>
+            <a:effectRef idx="1">
+              <a:schemeClr val="accent5"/>
+            </a:effectRef>
+            <a:fontRef idx="minor">
+              <a:schemeClr val="dk1"/>
+            </a:fontRef>
+          </p:style>
+          <p:txBody>
+            <a:bodyPr rtlCol="0" anchor="ctr"/>
+            <a:lstStyle/>
+            <a:p>
+              <a:pPr algn="ctr"/>
+              <a:endParaRPr lang="en-GB" sz="1200"/>
+            </a:p>
+          </p:txBody>
+        </p:sp>
+      </p:grpSp>
+      <p:grpSp>
+        <p:nvGrpSpPr>
+          <p:cNvPr id="25" name="Gruppo 24"/>
+          <p:cNvGrpSpPr/>
+          <p:nvPr/>
+        </p:nvGrpSpPr>
+        <p:grpSpPr>
+          <a:xfrm>
+            <a:off x="5643631" y="2184709"/>
+            <a:ext cx="787334" cy="86434"/>
+            <a:chOff x="3452446" y="4176616"/>
+            <a:chExt cx="787334" cy="86434"/>
+          </a:xfrm>
+        </p:grpSpPr>
+        <p:sp>
+          <p:nvSpPr>
+            <p:cNvPr id="26" name="Triangolo isoscele 25"/>
+            <p:cNvSpPr/>
+            <p:nvPr/>
+          </p:nvSpPr>
+          <p:spPr>
+            <a:xfrm rot="5400000" flipH="1">
+              <a:off x="4126932" y="4150201"/>
+              <a:ext cx="86434" cy="139263"/>
+            </a:xfrm>
+            <a:prstGeom prst="triangle">
+              <a:avLst/>
+            </a:prstGeom>
+            <a:solidFill>
+              <a:schemeClr val="bg1"/>
+            </a:solidFill>
+            <a:ln/>
+          </p:spPr>
+          <p:style>
+            <a:lnRef idx="1">
+              <a:schemeClr val="accent5"/>
+            </a:lnRef>
+            <a:fillRef idx="2">
+              <a:schemeClr val="accent5"/>
+            </a:fillRef>
+            <a:effectRef idx="1">
+              <a:schemeClr val="accent5"/>
+            </a:effectRef>
+            <a:fontRef idx="minor">
+              <a:schemeClr val="dk1"/>
+            </a:fontRef>
+          </p:style>
+          <p:txBody>
+            <a:bodyPr rtlCol="0" anchor="ctr"/>
+            <a:lstStyle/>
+            <a:p>
+              <a:pPr algn="ctr"/>
+              <a:endParaRPr lang="en-GB" sz="1200"/>
+            </a:p>
+          </p:txBody>
+        </p:sp>
+        <p:cxnSp>
+          <p:nvCxnSpPr>
+            <p:cNvPr id="27" name="Connettore 1 26"/>
+            <p:cNvCxnSpPr>
+              <a:endCxn id="26" idx="3"/>
+            </p:cNvCxnSpPr>
+            <p:nvPr/>
+          </p:nvCxnSpPr>
+          <p:spPr>
+            <a:xfrm>
+              <a:off x="3452446" y="4219627"/>
+              <a:ext cx="648072" cy="206"/>
+            </a:xfrm>
+            <a:prstGeom prst="line">
+              <a:avLst/>
+            </a:prstGeom>
+          </p:spPr>
+          <p:style>
+            <a:lnRef idx="1">
+              <a:schemeClr val="accent1"/>
+            </a:lnRef>
+            <a:fillRef idx="0">
+              <a:schemeClr val="accent1"/>
+            </a:fillRef>
+            <a:effectRef idx="0">
+              <a:schemeClr val="accent1"/>
+            </a:effectRef>
+            <a:fontRef idx="minor">
+              <a:schemeClr val="tx1"/>
+            </a:fontRef>
+          </p:style>
+        </p:cxnSp>
+      </p:grpSp>
+      <p:grpSp>
+        <p:nvGrpSpPr>
+          <p:cNvPr id="28" name="Gruppo 27"/>
+          <p:cNvGrpSpPr/>
+          <p:nvPr/>
+        </p:nvGrpSpPr>
+        <p:grpSpPr>
+          <a:xfrm>
+            <a:off x="1649062" y="2724047"/>
+            <a:ext cx="805955" cy="772447"/>
+            <a:chOff x="565700" y="4940367"/>
+            <a:chExt cx="805955" cy="772447"/>
+          </a:xfrm>
+        </p:grpSpPr>
+        <p:sp>
+          <p:nvSpPr>
+            <p:cNvPr id="29" name="Ovale 28"/>
+            <p:cNvSpPr/>
+            <p:nvPr/>
+          </p:nvSpPr>
+          <p:spPr>
+            <a:xfrm>
+              <a:off x="565700" y="4983583"/>
+              <a:ext cx="805955" cy="729231"/>
+            </a:xfrm>
+            <a:prstGeom prst="ellipse">
+              <a:avLst/>
+            </a:prstGeom>
+            <a:ln/>
+          </p:spPr>
+          <p:style>
+            <a:lnRef idx="1">
+              <a:schemeClr val="accent4"/>
+            </a:lnRef>
+            <a:fillRef idx="2">
+              <a:schemeClr val="accent4"/>
+            </a:fillRef>
+            <a:effectRef idx="1">
+              <a:schemeClr val="accent4"/>
+            </a:effectRef>
+            <a:fontRef idx="minor">
+              <a:schemeClr val="dk1"/>
+            </a:fontRef>
+          </p:style>
+          <p:txBody>
+            <a:bodyPr rtlCol="0" anchor="ctr"/>
+            <a:lstStyle/>
+            <a:p>
+              <a:pPr algn="ctr"/>
+              <a:r>
+                <a:rPr lang="en-GB" sz="1200" dirty="0"/>
+                <a:t> </a:t>
+              </a:r>
+            </a:p>
+          </p:txBody>
+        </p:sp>
+        <p:sp>
+          <p:nvSpPr>
+            <p:cNvPr id="30" name="Triangolo isoscele 29"/>
+            <p:cNvSpPr/>
+            <p:nvPr/>
+          </p:nvSpPr>
+          <p:spPr>
+            <a:xfrm rot="16200000">
+              <a:off x="905299" y="4913952"/>
+              <a:ext cx="86434" cy="139263"/>
+            </a:xfrm>
+            <a:prstGeom prst="triangle">
+              <a:avLst/>
+            </a:prstGeom>
+            <a:solidFill>
+              <a:srgbClr val="C00000"/>
+            </a:solidFill>
+            <a:ln/>
+          </p:spPr>
+          <p:style>
+            <a:lnRef idx="1">
+              <a:schemeClr val="accent5"/>
+            </a:lnRef>
+            <a:fillRef idx="2">
+              <a:schemeClr val="accent5"/>
+            </a:fillRef>
+            <a:effectRef idx="1">
+              <a:schemeClr val="accent5"/>
+            </a:effectRef>
+            <a:fontRef idx="minor">
+              <a:schemeClr val="dk1"/>
+            </a:fontRef>
+          </p:style>
+          <p:txBody>
+            <a:bodyPr rtlCol="0" anchor="ctr"/>
+            <a:lstStyle/>
+            <a:p>
+              <a:pPr algn="ctr"/>
+              <a:endParaRPr lang="en-GB" sz="1200">
+                <a:solidFill>
+                  <a:schemeClr val="dk1"/>
+                </a:solidFill>
+              </a:endParaRPr>
+            </a:p>
+          </p:txBody>
+        </p:sp>
+      </p:grpSp>
+      <p:sp>
+        <p:nvSpPr>
+          <p:cNvPr id="31" name="Ovale 30"/>
+          <p:cNvSpPr/>
+          <p:nvPr/>
+        </p:nvSpPr>
+        <p:spPr>
+          <a:xfrm>
+            <a:off x="1726649" y="1416900"/>
+            <a:ext cx="749721" cy="720080"/>
+          </a:xfrm>
+          <a:prstGeom prst="ellipse">
+            <a:avLst/>
+          </a:prstGeom>
+          <a:ln/>
+        </p:spPr>
+        <p:style>
+          <a:lnRef idx="1">
+            <a:schemeClr val="accent5"/>
+          </a:lnRef>
+          <a:fillRef idx="2">
+            <a:schemeClr val="accent5"/>
+          </a:fillRef>
+          <a:effectRef idx="1">
+            <a:schemeClr val="accent5"/>
+          </a:effectRef>
+          <a:fontRef idx="minor">
+            <a:schemeClr val="dk1"/>
+          </a:fontRef>
+        </p:style>
+        <p:txBody>
+          <a:bodyPr rtlCol="0" anchor="ctr"/>
+          <a:lstStyle/>
+          <a:p>
+            <a:pPr algn="ctr"/>
+            <a:r>
+              <a:rPr lang="en-GB" sz="1200" dirty="0"/>
+              <a:t> </a:t>
+            </a:r>
+          </a:p>
+        </p:txBody>
+      </p:sp>
+      <p:cxnSp>
+        <p:nvCxnSpPr>
+          <p:cNvPr id="32" name="Connettore 2 31"/>
+          <p:cNvCxnSpPr/>
+          <p:nvPr/>
+        </p:nvCxnSpPr>
+        <p:spPr>
+          <a:xfrm flipH="1">
+            <a:off x="2101509" y="1578829"/>
+            <a:ext cx="13466" cy="393101"/>
+          </a:xfrm>
+          <a:prstGeom prst="straightConnector1">
+            <a:avLst/>
+          </a:prstGeom>
+          <a:ln>
+            <a:solidFill>
+              <a:srgbClr val="C00000"/>
+            </a:solidFill>
+            <a:tailEnd type="arrow"/>
+          </a:ln>
+        </p:spPr>
+        <p:style>
+          <a:lnRef idx="1">
+            <a:schemeClr val="accent1"/>
+          </a:lnRef>
+          <a:fillRef idx="0">
+            <a:schemeClr val="accent1"/>
+          </a:fillRef>
+          <a:effectRef idx="0">
+            <a:schemeClr val="accent1"/>
+          </a:effectRef>
+          <a:fontRef idx="minor">
+            <a:schemeClr val="tx1"/>
+          </a:fontRef>
+        </p:style>
+      </p:cxnSp>
+      <p:sp>
+        <p:nvSpPr>
+          <p:cNvPr id="33" name="TextBox 45">
+            <a:extLst>
+              <a:ext uri="{FF2B5EF4-FFF2-40B4-BE49-F238E27FC236}">
+                <a16:creationId xmlns="" xmlns:a16="http://schemas.microsoft.com/office/drawing/2014/main" id="{6BDA7693-CA76-4C97-8FED-A4A65AB5032B}"/>
+              </a:ext>
+            </a:extLst>
+          </p:cNvPr>
+          <p:cNvSpPr txBox="1"/>
+          <p:nvPr/>
+        </p:nvSpPr>
+        <p:spPr>
+          <a:xfrm>
+            <a:off x="1726649" y="1008197"/>
+            <a:ext cx="809837" cy="369332"/>
+          </a:xfrm>
+          <a:prstGeom prst="rect">
+            <a:avLst/>
+          </a:prstGeom>
+          <a:noFill/>
+        </p:spPr>
+        <p:txBody>
+          <a:bodyPr wrap="none" rtlCol="0">
+            <a:spAutoFit/>
+          </a:bodyPr>
+          <a:lstStyle/>
+          <a:p>
+            <a:r>
+              <a:rPr lang="en-US" dirty="0" smtClean="0"/>
+              <a:t>Cas</a:t>
+            </a:r>
+            <a:r>
+              <a:rPr lang="en-US" dirty="0" smtClean="0"/>
+              <a:t>e </a:t>
+            </a:r>
+            <a:r>
+              <a:rPr lang="en-US" dirty="0" smtClean="0"/>
+              <a:t>A</a:t>
+            </a:r>
+            <a:endParaRPr lang="en-US" dirty="0"/>
+          </a:p>
+        </p:txBody>
+      </p:sp>
+      <p:sp>
+        <p:nvSpPr>
+          <p:cNvPr id="34" name="TextBox 45">
+            <a:extLst>
+              <a:ext uri="{FF2B5EF4-FFF2-40B4-BE49-F238E27FC236}">
+                <a16:creationId xmlns="" xmlns:a16="http://schemas.microsoft.com/office/drawing/2014/main" id="{6BDA7693-CA76-4C97-8FED-A4A65AB5032B}"/>
+              </a:ext>
+            </a:extLst>
+          </p:cNvPr>
+          <p:cNvSpPr txBox="1"/>
+          <p:nvPr/>
+        </p:nvSpPr>
+        <p:spPr>
+          <a:xfrm>
+            <a:off x="1649062" y="2380913"/>
+            <a:ext cx="809837" cy="369332"/>
+          </a:xfrm>
+          <a:prstGeom prst="rect">
+            <a:avLst/>
+          </a:prstGeom>
+          <a:noFill/>
+        </p:spPr>
+        <p:txBody>
+          <a:bodyPr wrap="none" rtlCol="0">
+            <a:spAutoFit/>
+          </a:bodyPr>
+          <a:lstStyle/>
+          <a:p>
+            <a:r>
+              <a:rPr lang="en-US" dirty="0" smtClean="0"/>
+              <a:t>Cas</a:t>
+            </a:r>
+            <a:r>
+              <a:rPr lang="en-US" dirty="0" smtClean="0"/>
+              <a:t>e </a:t>
+            </a:r>
+            <a:r>
+              <a:rPr lang="en-US" dirty="0" smtClean="0"/>
+              <a:t>B</a:t>
+            </a:r>
+            <a:endParaRPr lang="en-US" dirty="0"/>
+          </a:p>
+        </p:txBody>
+      </p:sp>
+      <p:grpSp>
+        <p:nvGrpSpPr>
+          <p:cNvPr id="35" name="Gruppo 34"/>
+          <p:cNvGrpSpPr/>
+          <p:nvPr/>
+        </p:nvGrpSpPr>
+        <p:grpSpPr>
+          <a:xfrm flipH="1">
+            <a:off x="2946010" y="3247178"/>
+            <a:ext cx="666895" cy="86434"/>
+            <a:chOff x="4592177" y="4419530"/>
+            <a:chExt cx="666895" cy="86434"/>
+          </a:xfrm>
+        </p:grpSpPr>
+        <p:cxnSp>
+          <p:nvCxnSpPr>
+            <p:cNvPr id="36" name="Connettore 1 35"/>
+            <p:cNvCxnSpPr/>
+            <p:nvPr/>
+          </p:nvCxnSpPr>
+          <p:spPr>
+            <a:xfrm>
+              <a:off x="4611000" y="4462747"/>
+              <a:ext cx="648072" cy="0"/>
+            </a:xfrm>
+            <a:prstGeom prst="line">
+              <a:avLst/>
+            </a:prstGeom>
+            <a:ln>
+              <a:prstDash val="dash"/>
+            </a:ln>
+          </p:spPr>
+          <p:style>
+            <a:lnRef idx="1">
+              <a:schemeClr val="accent1"/>
+            </a:lnRef>
+            <a:fillRef idx="0">
+              <a:schemeClr val="accent1"/>
+            </a:fillRef>
+            <a:effectRef idx="0">
+              <a:schemeClr val="accent1"/>
+            </a:effectRef>
+            <a:fontRef idx="minor">
+              <a:schemeClr val="tx1"/>
+            </a:fontRef>
+          </p:style>
+        </p:cxnSp>
+        <p:sp>
+          <p:nvSpPr>
+            <p:cNvPr id="37" name="Triangolo isoscele 36"/>
+            <p:cNvSpPr/>
+            <p:nvPr/>
+          </p:nvSpPr>
+          <p:spPr>
+            <a:xfrm rot="16200000">
+              <a:off x="4618592" y="4393115"/>
+              <a:ext cx="86434" cy="139263"/>
+            </a:xfrm>
+            <a:prstGeom prst="triangle">
+              <a:avLst/>
+            </a:prstGeom>
+            <a:solidFill>
+              <a:schemeClr val="bg1"/>
+            </a:solidFill>
+            <a:ln/>
+          </p:spPr>
+          <p:style>
+            <a:lnRef idx="1">
+              <a:schemeClr val="accent5"/>
+            </a:lnRef>
+            <a:fillRef idx="2">
+              <a:schemeClr val="accent5"/>
+            </a:fillRef>
+            <a:effectRef idx="1">
+              <a:schemeClr val="accent5"/>
+            </a:effectRef>
+            <a:fontRef idx="minor">
+              <a:schemeClr val="dk1"/>
+            </a:fontRef>
+          </p:style>
+          <p:txBody>
+            <a:bodyPr rtlCol="0" anchor="ctr"/>
+            <a:lstStyle/>
+            <a:p>
+              <a:pPr algn="ctr"/>
+              <a:endParaRPr lang="en-GB" sz="1200"/>
+            </a:p>
+          </p:txBody>
+        </p:sp>
+      </p:grpSp>
+      <p:grpSp>
+        <p:nvGrpSpPr>
+          <p:cNvPr id="38" name="Gruppo 37"/>
+          <p:cNvGrpSpPr/>
+          <p:nvPr/>
+        </p:nvGrpSpPr>
+        <p:grpSpPr>
+          <a:xfrm flipH="1">
+            <a:off x="2946010" y="3012965"/>
+            <a:ext cx="787334" cy="86434"/>
+            <a:chOff x="3452446" y="4176616"/>
+            <a:chExt cx="787334" cy="86434"/>
+          </a:xfrm>
+        </p:grpSpPr>
+        <p:sp>
+          <p:nvSpPr>
+            <p:cNvPr id="39" name="Triangolo isoscele 38"/>
+            <p:cNvSpPr/>
+            <p:nvPr/>
+          </p:nvSpPr>
+          <p:spPr>
+            <a:xfrm rot="5400000" flipH="1">
+              <a:off x="4126932" y="4150201"/>
+              <a:ext cx="86434" cy="139263"/>
+            </a:xfrm>
+            <a:prstGeom prst="triangle">
+              <a:avLst/>
+            </a:prstGeom>
+            <a:solidFill>
+              <a:schemeClr val="bg1"/>
+            </a:solidFill>
+            <a:ln/>
+          </p:spPr>
+          <p:style>
+            <a:lnRef idx="1">
+              <a:schemeClr val="accent5"/>
+            </a:lnRef>
+            <a:fillRef idx="2">
+              <a:schemeClr val="accent5"/>
+            </a:fillRef>
+            <a:effectRef idx="1">
+              <a:schemeClr val="accent5"/>
+            </a:effectRef>
+            <a:fontRef idx="minor">
+              <a:schemeClr val="dk1"/>
+            </a:fontRef>
+          </p:style>
+          <p:txBody>
+            <a:bodyPr rtlCol="0" anchor="ctr"/>
+            <a:lstStyle/>
+            <a:p>
+              <a:pPr algn="ctr"/>
+              <a:endParaRPr lang="en-GB" sz="1200"/>
+            </a:p>
+          </p:txBody>
+        </p:sp>
+        <p:cxnSp>
+          <p:nvCxnSpPr>
+            <p:cNvPr id="40" name="Connettore 1 39"/>
+            <p:cNvCxnSpPr>
+              <a:endCxn id="39" idx="3"/>
+            </p:cNvCxnSpPr>
+            <p:nvPr/>
+          </p:nvCxnSpPr>
+          <p:spPr>
+            <a:xfrm>
+              <a:off x="3452446" y="4219627"/>
+              <a:ext cx="648072" cy="206"/>
+            </a:xfrm>
+            <a:prstGeom prst="line">
+              <a:avLst/>
+            </a:prstGeom>
+          </p:spPr>
+          <p:style>
+            <a:lnRef idx="1">
+              <a:schemeClr val="accent1"/>
+            </a:lnRef>
+            <a:fillRef idx="0">
+              <a:schemeClr val="accent1"/>
+            </a:fillRef>
+            <a:effectRef idx="0">
+              <a:schemeClr val="accent1"/>
+            </a:effectRef>
+            <a:fontRef idx="minor">
+              <a:schemeClr val="tx1"/>
+            </a:fontRef>
+          </p:style>
+        </p:cxnSp>
+      </p:grpSp>
+      <p:cxnSp>
+        <p:nvCxnSpPr>
+          <p:cNvPr id="42" name="Connettore 1 41"/>
+          <p:cNvCxnSpPr/>
+          <p:nvPr/>
+        </p:nvCxnSpPr>
+        <p:spPr>
+          <a:xfrm>
+            <a:off x="2771800" y="475221"/>
+            <a:ext cx="0" cy="5906107"/>
+          </a:xfrm>
+          <a:prstGeom prst="line">
+            <a:avLst/>
+          </a:prstGeom>
+        </p:spPr>
+        <p:style>
+          <a:lnRef idx="1">
+            <a:schemeClr val="accent1"/>
+          </a:lnRef>
+          <a:fillRef idx="0">
+            <a:schemeClr val="accent1"/>
+          </a:fillRef>
+          <a:effectRef idx="0">
+            <a:schemeClr val="accent1"/>
+          </a:effectRef>
+          <a:fontRef idx="minor">
+            <a:schemeClr val="tx1"/>
+          </a:fontRef>
+        </p:style>
+      </p:cxnSp>
+      <p:cxnSp>
+        <p:nvCxnSpPr>
+          <p:cNvPr id="43" name="Connettore 1 42"/>
+          <p:cNvCxnSpPr/>
+          <p:nvPr/>
+        </p:nvCxnSpPr>
+        <p:spPr>
+          <a:xfrm>
+            <a:off x="3923928" y="475221"/>
+            <a:ext cx="0" cy="5906107"/>
+          </a:xfrm>
+          <a:prstGeom prst="line">
+            <a:avLst/>
+          </a:prstGeom>
+        </p:spPr>
+        <p:style>
+          <a:lnRef idx="1">
+            <a:schemeClr val="accent1"/>
+          </a:lnRef>
+          <a:fillRef idx="0">
+            <a:schemeClr val="accent1"/>
+          </a:fillRef>
+          <a:effectRef idx="0">
+            <a:schemeClr val="accent1"/>
+          </a:effectRef>
+          <a:fontRef idx="minor">
+            <a:schemeClr val="tx1"/>
+          </a:fontRef>
+        </p:style>
+      </p:cxnSp>
+      <p:sp>
+        <p:nvSpPr>
+          <p:cNvPr id="44" name="Rettangolo 43"/>
+          <p:cNvSpPr/>
+          <p:nvPr/>
+        </p:nvSpPr>
+        <p:spPr>
+          <a:xfrm>
+            <a:off x="970192" y="638865"/>
+            <a:ext cx="948721" cy="369332"/>
+          </a:xfrm>
+          <a:prstGeom prst="rect">
+            <a:avLst/>
+          </a:prstGeom>
+        </p:spPr>
+        <p:txBody>
+          <a:bodyPr wrap="none">
+            <a:spAutoFit/>
+          </a:bodyPr>
+          <a:lstStyle/>
+          <a:p>
+            <a:r>
+              <a:rPr lang="en-GB" b="1" dirty="0"/>
+              <a:t>Core-</a:t>
+            </a:r>
+            <a:r>
+              <a:rPr lang="en-GB" b="1" dirty="0" err="1"/>
+              <a:t>Ite</a:t>
+            </a:r>
+            <a:endParaRPr lang="en-GB" dirty="0"/>
+          </a:p>
+        </p:txBody>
+      </p:sp>
+      <p:sp>
+        <p:nvSpPr>
+          <p:cNvPr id="47" name="Ovale 46"/>
+          <p:cNvSpPr/>
+          <p:nvPr/>
+        </p:nvSpPr>
+        <p:spPr>
+          <a:xfrm>
+            <a:off x="1705296" y="4005064"/>
+            <a:ext cx="749721" cy="720080"/>
+          </a:xfrm>
+          <a:prstGeom prst="ellipse">
+            <a:avLst/>
+          </a:prstGeom>
+          <a:ln/>
+        </p:spPr>
+        <p:style>
+          <a:lnRef idx="1">
+            <a:schemeClr val="accent5"/>
+          </a:lnRef>
+          <a:fillRef idx="2">
+            <a:schemeClr val="accent5"/>
+          </a:fillRef>
+          <a:effectRef idx="1">
+            <a:schemeClr val="accent5"/>
+          </a:effectRef>
+          <a:fontRef idx="minor">
+            <a:schemeClr val="dk1"/>
+          </a:fontRef>
+        </p:style>
+        <p:txBody>
+          <a:bodyPr rtlCol="0" anchor="ctr"/>
+          <a:lstStyle/>
+          <a:p>
+            <a:pPr algn="ctr"/>
+            <a:r>
+              <a:rPr lang="en-GB" sz="1200" dirty="0"/>
+              <a:t> </a:t>
+            </a:r>
+          </a:p>
+        </p:txBody>
+      </p:sp>
+      <p:cxnSp>
+        <p:nvCxnSpPr>
+          <p:cNvPr id="49" name="Connettore 1 48"/>
+          <p:cNvCxnSpPr/>
+          <p:nvPr/>
+        </p:nvCxnSpPr>
+        <p:spPr>
+          <a:xfrm flipH="1">
+            <a:off x="1506296" y="4005064"/>
+            <a:ext cx="1030190" cy="720080"/>
+          </a:xfrm>
+          <a:prstGeom prst="line">
+            <a:avLst/>
+          </a:prstGeom>
+        </p:spPr>
+        <p:style>
+          <a:lnRef idx="1">
+            <a:schemeClr val="accent1"/>
+          </a:lnRef>
+          <a:fillRef idx="0">
+            <a:schemeClr val="accent1"/>
+          </a:fillRef>
+          <a:effectRef idx="0">
+            <a:schemeClr val="accent1"/>
+          </a:effectRef>
+          <a:fontRef idx="minor">
+            <a:schemeClr val="tx1"/>
+          </a:fontRef>
+        </p:style>
+      </p:cxnSp>
+      <p:cxnSp>
+        <p:nvCxnSpPr>
+          <p:cNvPr id="51" name="Connettore 1 50"/>
+          <p:cNvCxnSpPr/>
+          <p:nvPr/>
+        </p:nvCxnSpPr>
+        <p:spPr>
+          <a:xfrm>
+            <a:off x="1506296" y="3871755"/>
+            <a:ext cx="1030190" cy="853389"/>
+          </a:xfrm>
+          <a:prstGeom prst="line">
+            <a:avLst/>
+          </a:prstGeom>
+        </p:spPr>
+        <p:style>
+          <a:lnRef idx="1">
+            <a:schemeClr val="accent1"/>
+          </a:lnRef>
+          <a:fillRef idx="0">
+            <a:schemeClr val="accent1"/>
+          </a:fillRef>
+          <a:effectRef idx="0">
+            <a:schemeClr val="accent1"/>
+          </a:effectRef>
+          <a:fontRef idx="minor">
+            <a:schemeClr val="tx1"/>
+          </a:fontRef>
+        </p:style>
+      </p:cxnSp>
+      <p:sp>
+        <p:nvSpPr>
+          <p:cNvPr id="52" name="TextBox 45">
+            <a:extLst>
+              <a:ext uri="{FF2B5EF4-FFF2-40B4-BE49-F238E27FC236}">
+                <a16:creationId xmlns="" xmlns:a16="http://schemas.microsoft.com/office/drawing/2014/main" id="{6BDA7693-CA76-4C97-8FED-A4A65AB5032B}"/>
+              </a:ext>
+            </a:extLst>
+          </p:cNvPr>
+          <p:cNvSpPr txBox="1"/>
+          <p:nvPr/>
+        </p:nvSpPr>
+        <p:spPr>
+          <a:xfrm>
+            <a:off x="1140071" y="3634853"/>
+            <a:ext cx="1631729" cy="369332"/>
+          </a:xfrm>
+          <a:prstGeom prst="rect">
+            <a:avLst/>
+          </a:prstGeom>
+          <a:noFill/>
+        </p:spPr>
+        <p:txBody>
+          <a:bodyPr wrap="none" rtlCol="0">
+            <a:spAutoFit/>
+          </a:bodyPr>
+          <a:lstStyle/>
+          <a:p>
+            <a:r>
+              <a:rPr lang="en-US" dirty="0" smtClean="0"/>
+              <a:t>POJO: excluded</a:t>
+            </a:r>
+            <a:endParaRPr lang="en-US" dirty="0"/>
+          </a:p>
+        </p:txBody>
+      </p:sp>
+      <p:grpSp>
+        <p:nvGrpSpPr>
+          <p:cNvPr id="56" name="Gruppo 55"/>
+          <p:cNvGrpSpPr/>
+          <p:nvPr/>
+        </p:nvGrpSpPr>
+        <p:grpSpPr>
+          <a:xfrm>
+            <a:off x="1643047" y="5157192"/>
+            <a:ext cx="866156" cy="763297"/>
+            <a:chOff x="1194666" y="2417771"/>
+            <a:chExt cx="866156" cy="763297"/>
+          </a:xfrm>
+        </p:grpSpPr>
+        <p:sp>
+          <p:nvSpPr>
+            <p:cNvPr id="57" name="Ovale 56"/>
+            <p:cNvSpPr/>
+            <p:nvPr/>
+          </p:nvSpPr>
+          <p:spPr>
+            <a:xfrm>
+              <a:off x="1311101" y="2460988"/>
+              <a:ext cx="749721" cy="720080"/>
+            </a:xfrm>
+            <a:prstGeom prst="ellipse">
+              <a:avLst/>
+            </a:prstGeom>
+            <a:solidFill>
+              <a:srgbClr val="FFCCFF"/>
+            </a:solidFill>
+            <a:ln/>
+          </p:spPr>
+          <p:style>
+            <a:lnRef idx="1">
+              <a:schemeClr val="accent5"/>
+            </a:lnRef>
+            <a:fillRef idx="2">
+              <a:schemeClr val="accent5"/>
+            </a:fillRef>
+            <a:effectRef idx="1">
+              <a:schemeClr val="accent5"/>
+            </a:effectRef>
+            <a:fontRef idx="minor">
+              <a:schemeClr val="dk1"/>
+            </a:fontRef>
+          </p:style>
+          <p:txBody>
+            <a:bodyPr rtlCol="0" anchor="ctr"/>
+            <a:lstStyle/>
+            <a:p>
+              <a:pPr algn="ctr"/>
+              <a:r>
+                <a:rPr lang="en-GB" sz="1200" dirty="0"/>
+                <a:t> </a:t>
+              </a:r>
+            </a:p>
+          </p:txBody>
+        </p:sp>
+        <p:sp>
+          <p:nvSpPr>
+            <p:cNvPr id="58" name="Rettangolo 57"/>
+            <p:cNvSpPr/>
+            <p:nvPr/>
+          </p:nvSpPr>
+          <p:spPr>
+            <a:xfrm>
+              <a:off x="1194666" y="2699711"/>
+              <a:ext cx="281433" cy="211952"/>
+            </a:xfrm>
+            <a:prstGeom prst="rect">
+              <a:avLst/>
+            </a:prstGeom>
+            <a:solidFill>
+              <a:srgbClr val="FFCCFF"/>
+            </a:solidFill>
+            <a:ln/>
+          </p:spPr>
+          <p:style>
+            <a:lnRef idx="1">
+              <a:schemeClr val="accent5"/>
+            </a:lnRef>
+            <a:fillRef idx="2">
+              <a:schemeClr val="accent5"/>
+            </a:fillRef>
+            <a:effectRef idx="1">
+              <a:schemeClr val="accent5"/>
+            </a:effectRef>
+            <a:fontRef idx="minor">
+              <a:schemeClr val="dk1"/>
+            </a:fontRef>
+          </p:style>
+          <p:txBody>
+            <a:bodyPr rtlCol="0" anchor="ctr"/>
+            <a:lstStyle/>
+            <a:p>
+              <a:pPr algn="ctr"/>
+              <a:endParaRPr lang="en-GB" sz="1200"/>
+            </a:p>
+          </p:txBody>
+        </p:sp>
+        <p:sp>
+          <p:nvSpPr>
+            <p:cNvPr id="59" name="Triangolo isoscele 58"/>
+            <p:cNvSpPr/>
+            <p:nvPr/>
+          </p:nvSpPr>
+          <p:spPr>
+            <a:xfrm rot="16200000">
+              <a:off x="1618539" y="2391356"/>
+              <a:ext cx="86434" cy="139263"/>
+            </a:xfrm>
+            <a:prstGeom prst="triangle">
+              <a:avLst/>
+            </a:prstGeom>
+            <a:solidFill>
+              <a:srgbClr val="FF0000"/>
+            </a:solidFill>
+            <a:ln/>
+          </p:spPr>
+          <p:style>
+            <a:lnRef idx="1">
+              <a:schemeClr val="accent5"/>
+            </a:lnRef>
+            <a:fillRef idx="2">
+              <a:schemeClr val="accent5"/>
+            </a:fillRef>
+            <a:effectRef idx="1">
+              <a:schemeClr val="accent5"/>
+            </a:effectRef>
+            <a:fontRef idx="minor">
+              <a:schemeClr val="dk1"/>
+            </a:fontRef>
+          </p:style>
+          <p:txBody>
+            <a:bodyPr rtlCol="0" anchor="ctr"/>
+            <a:lstStyle/>
+            <a:p>
+              <a:pPr algn="ctr"/>
+              <a:endParaRPr lang="en-GB" sz="1200">
+                <a:solidFill>
+                  <a:schemeClr val="dk1"/>
+                </a:solidFill>
+              </a:endParaRPr>
+            </a:p>
+          </p:txBody>
+        </p:sp>
+      </p:grpSp>
+      <p:cxnSp>
+        <p:nvCxnSpPr>
+          <p:cNvPr id="61" name="Connettore 1 60"/>
+          <p:cNvCxnSpPr/>
+          <p:nvPr/>
+        </p:nvCxnSpPr>
+        <p:spPr>
+          <a:xfrm>
+            <a:off x="395536" y="4869160"/>
+            <a:ext cx="8280920" cy="0"/>
+          </a:xfrm>
+          <a:prstGeom prst="line">
+            <a:avLst/>
+          </a:prstGeom>
+        </p:spPr>
+        <p:style>
+          <a:lnRef idx="1">
+            <a:schemeClr val="accent1"/>
+          </a:lnRef>
+          <a:fillRef idx="0">
+            <a:schemeClr val="accent1"/>
+          </a:fillRef>
+          <a:effectRef idx="0">
+            <a:schemeClr val="accent1"/>
+          </a:effectRef>
+          <a:fontRef idx="minor">
+            <a:schemeClr val="tx1"/>
+          </a:fontRef>
+        </p:style>
+      </p:cxnSp>
+      <p:grpSp>
+        <p:nvGrpSpPr>
+          <p:cNvPr id="62" name="Gruppo 61"/>
+          <p:cNvGrpSpPr/>
+          <p:nvPr/>
+        </p:nvGrpSpPr>
+        <p:grpSpPr>
+          <a:xfrm>
+            <a:off x="4175908" y="5124895"/>
+            <a:ext cx="866156" cy="763297"/>
+            <a:chOff x="1194666" y="2417771"/>
+            <a:chExt cx="866156" cy="763297"/>
+          </a:xfrm>
+        </p:grpSpPr>
+        <p:sp>
+          <p:nvSpPr>
+            <p:cNvPr id="63" name="Ovale 62"/>
+            <p:cNvSpPr/>
+            <p:nvPr/>
+          </p:nvSpPr>
+          <p:spPr>
+            <a:xfrm>
+              <a:off x="1311101" y="2460988"/>
+              <a:ext cx="749721" cy="720080"/>
+            </a:xfrm>
+            <a:prstGeom prst="ellipse">
+              <a:avLst/>
+            </a:prstGeom>
+            <a:solidFill>
+              <a:srgbClr val="FFCCFF"/>
+            </a:solidFill>
+            <a:ln/>
+          </p:spPr>
+          <p:style>
+            <a:lnRef idx="1">
+              <a:schemeClr val="accent5"/>
+            </a:lnRef>
+            <a:fillRef idx="2">
+              <a:schemeClr val="accent5"/>
+            </a:fillRef>
+            <a:effectRef idx="1">
+              <a:schemeClr val="accent5"/>
+            </a:effectRef>
+            <a:fontRef idx="minor">
+              <a:schemeClr val="dk1"/>
+            </a:fontRef>
+          </p:style>
+          <p:txBody>
+            <a:bodyPr rtlCol="0" anchor="ctr"/>
+            <a:lstStyle/>
+            <a:p>
+              <a:pPr algn="ctr"/>
+              <a:r>
+                <a:rPr lang="en-GB" sz="1200" dirty="0"/>
+                <a:t> </a:t>
+              </a:r>
+            </a:p>
+          </p:txBody>
+        </p:sp>
+        <p:sp>
+          <p:nvSpPr>
+            <p:cNvPr id="64" name="Rettangolo 63"/>
+            <p:cNvSpPr/>
+            <p:nvPr/>
+          </p:nvSpPr>
+          <p:spPr>
+            <a:xfrm>
+              <a:off x="1194666" y="2699711"/>
+              <a:ext cx="281433" cy="211952"/>
+            </a:xfrm>
+            <a:prstGeom prst="rect">
+              <a:avLst/>
+            </a:prstGeom>
+            <a:solidFill>
+              <a:srgbClr val="FFCCFF"/>
+            </a:solidFill>
+            <a:ln/>
+          </p:spPr>
+          <p:style>
+            <a:lnRef idx="1">
+              <a:schemeClr val="accent5"/>
+            </a:lnRef>
+            <a:fillRef idx="2">
+              <a:schemeClr val="accent5"/>
+            </a:fillRef>
+            <a:effectRef idx="1">
+              <a:schemeClr val="accent5"/>
+            </a:effectRef>
+            <a:fontRef idx="minor">
+              <a:schemeClr val="dk1"/>
+            </a:fontRef>
+          </p:style>
+          <p:txBody>
+            <a:bodyPr rtlCol="0" anchor="ctr"/>
+            <a:lstStyle/>
+            <a:p>
+              <a:pPr algn="ctr"/>
+              <a:endParaRPr lang="en-GB" sz="1200"/>
+            </a:p>
+          </p:txBody>
+        </p:sp>
+        <p:sp>
+          <p:nvSpPr>
+            <p:cNvPr id="65" name="Triangolo isoscele 64"/>
+            <p:cNvSpPr/>
+            <p:nvPr/>
+          </p:nvSpPr>
+          <p:spPr>
+            <a:xfrm rot="16200000">
+              <a:off x="1618539" y="2391356"/>
+              <a:ext cx="86434" cy="139263"/>
+            </a:xfrm>
+            <a:prstGeom prst="triangle">
+              <a:avLst/>
+            </a:prstGeom>
+            <a:solidFill>
+              <a:srgbClr val="FF0000"/>
+            </a:solidFill>
+            <a:ln/>
+          </p:spPr>
+          <p:style>
+            <a:lnRef idx="1">
+              <a:schemeClr val="accent5"/>
+            </a:lnRef>
+            <a:fillRef idx="2">
+              <a:schemeClr val="accent5"/>
+            </a:fillRef>
+            <a:effectRef idx="1">
+              <a:schemeClr val="accent5"/>
+            </a:effectRef>
+            <a:fontRef idx="minor">
+              <a:schemeClr val="dk1"/>
+            </a:fontRef>
+          </p:style>
+          <p:txBody>
+            <a:bodyPr rtlCol="0" anchor="ctr"/>
+            <a:lstStyle/>
+            <a:p>
+              <a:pPr algn="ctr"/>
+              <a:endParaRPr lang="en-GB" sz="1200">
+                <a:solidFill>
+                  <a:schemeClr val="dk1"/>
+                </a:solidFill>
+              </a:endParaRPr>
+            </a:p>
+          </p:txBody>
+        </p:sp>
+      </p:grpSp>
+      <p:grpSp>
+        <p:nvGrpSpPr>
+          <p:cNvPr id="66" name="Gruppo 65"/>
+          <p:cNvGrpSpPr/>
+          <p:nvPr/>
+        </p:nvGrpSpPr>
+        <p:grpSpPr>
+          <a:xfrm>
+            <a:off x="3050031" y="5560449"/>
+            <a:ext cx="592487" cy="258092"/>
+            <a:chOff x="5133975" y="5295900"/>
+            <a:chExt cx="342900" cy="238125"/>
+          </a:xfrm>
+        </p:grpSpPr>
+        <p:sp>
+          <p:nvSpPr>
+            <p:cNvPr id="67" name="Figura a mano libera 66"/>
+            <p:cNvSpPr/>
+            <p:nvPr/>
+          </p:nvSpPr>
+          <p:spPr>
+            <a:xfrm>
+              <a:off x="5133975" y="5295900"/>
+              <a:ext cx="342900" cy="238125"/>
+            </a:xfrm>
+            <a:custGeom>
+              <a:avLst/>
+              <a:gdLst>
+                <a:gd name="connsiteX0" fmla="*/ 0 w 342900"/>
+                <a:gd name="connsiteY0" fmla="*/ 142875 h 238125"/>
+                <a:gd name="connsiteX1" fmla="*/ 28575 w 342900"/>
+                <a:gd name="connsiteY1" fmla="*/ 38100 h 238125"/>
+                <a:gd name="connsiteX2" fmla="*/ 47625 w 342900"/>
+                <a:gd name="connsiteY2" fmla="*/ 9525 h 238125"/>
+                <a:gd name="connsiteX3" fmla="*/ 76200 w 342900"/>
+                <a:gd name="connsiteY3" fmla="*/ 0 h 238125"/>
+                <a:gd name="connsiteX4" fmla="*/ 104775 w 342900"/>
+                <a:gd name="connsiteY4" fmla="*/ 9525 h 238125"/>
+                <a:gd name="connsiteX5" fmla="*/ 142875 w 342900"/>
+                <a:gd name="connsiteY5" fmla="*/ 95250 h 238125"/>
+                <a:gd name="connsiteX6" fmla="*/ 161925 w 342900"/>
+                <a:gd name="connsiteY6" fmla="*/ 152400 h 238125"/>
+                <a:gd name="connsiteX7" fmla="*/ 171450 w 342900"/>
+                <a:gd name="connsiteY7" fmla="*/ 180975 h 238125"/>
+                <a:gd name="connsiteX8" fmla="*/ 209550 w 342900"/>
+                <a:gd name="connsiteY8" fmla="*/ 238125 h 238125"/>
+                <a:gd name="connsiteX9" fmla="*/ 238125 w 342900"/>
+                <a:gd name="connsiteY9" fmla="*/ 180975 h 238125"/>
+                <a:gd name="connsiteX10" fmla="*/ 266700 w 342900"/>
+                <a:gd name="connsiteY10" fmla="*/ 104775 h 238125"/>
+                <a:gd name="connsiteX11" fmla="*/ 342900 w 342900"/>
+                <a:gd name="connsiteY11" fmla="*/ 85725 h 238125"/>
+              </a:gdLst>
+              <a:ahLst/>
+              <a:cxnLst>
+                <a:cxn ang="0">
+                  <a:pos x="connsiteX0" y="connsiteY0"/>
+                </a:cxn>
+                <a:cxn ang="0">
+                  <a:pos x="connsiteX1" y="connsiteY1"/>
+                </a:cxn>
+                <a:cxn ang="0">
+                  <a:pos x="connsiteX2" y="connsiteY2"/>
+                </a:cxn>
+                <a:cxn ang="0">
+                  <a:pos x="connsiteX3" y="connsiteY3"/>
+                </a:cxn>
+                <a:cxn ang="0">
+                  <a:pos x="connsiteX4" y="connsiteY4"/>
+                </a:cxn>
+                <a:cxn ang="0">
+                  <a:pos x="connsiteX5" y="connsiteY5"/>
+                </a:cxn>
+                <a:cxn ang="0">
+                  <a:pos x="connsiteX6" y="connsiteY6"/>
+                </a:cxn>
+                <a:cxn ang="0">
+                  <a:pos x="connsiteX7" y="connsiteY7"/>
+                </a:cxn>
+                <a:cxn ang="0">
+                  <a:pos x="connsiteX8" y="connsiteY8"/>
+                </a:cxn>
+                <a:cxn ang="0">
+                  <a:pos x="connsiteX9" y="connsiteY9"/>
+                </a:cxn>
+                <a:cxn ang="0">
+                  <a:pos x="connsiteX10" y="connsiteY10"/>
+                </a:cxn>
+                <a:cxn ang="0">
+                  <a:pos x="connsiteX11" y="connsiteY11"/>
+                </a:cxn>
+              </a:cxnLst>
+              <a:rect l="l" t="t" r="r" b="b"/>
+              <a:pathLst>
+                <a:path w="342900" h="238125">
+                  <a:moveTo>
+                    <a:pt x="0" y="142875"/>
+                  </a:moveTo>
+                  <a:cubicBezTo>
+                    <a:pt x="5112" y="117315"/>
+                    <a:pt x="14764" y="58817"/>
+                    <a:pt x="28575" y="38100"/>
+                  </a:cubicBezTo>
+                  <a:cubicBezTo>
+                    <a:pt x="34925" y="28575"/>
+                    <a:pt x="38686" y="16676"/>
+                    <a:pt x="47625" y="9525"/>
+                  </a:cubicBezTo>
+                  <a:cubicBezTo>
+                    <a:pt x="55465" y="3253"/>
+                    <a:pt x="66675" y="3175"/>
+                    <a:pt x="76200" y="0"/>
+                  </a:cubicBezTo>
+                  <a:cubicBezTo>
+                    <a:pt x="85725" y="3175"/>
+                    <a:pt x="96935" y="3253"/>
+                    <a:pt x="104775" y="9525"/>
+                  </a:cubicBezTo>
+                  <a:cubicBezTo>
+                    <a:pt x="125358" y="25992"/>
+                    <a:pt x="137054" y="77787"/>
+                    <a:pt x="142875" y="95250"/>
+                  </a:cubicBezTo>
+                  <a:lnTo>
+                    <a:pt x="161925" y="152400"/>
+                  </a:lnTo>
+                  <a:cubicBezTo>
+                    <a:pt x="165100" y="161925"/>
+                    <a:pt x="169481" y="171130"/>
+                    <a:pt x="171450" y="180975"/>
+                  </a:cubicBezTo>
+                  <a:cubicBezTo>
+                    <a:pt x="182944" y="238445"/>
+                    <a:pt x="165616" y="223480"/>
+                    <a:pt x="209550" y="238125"/>
+                  </a:cubicBezTo>
+                  <a:cubicBezTo>
+                    <a:pt x="228174" y="210189"/>
+                    <a:pt x="230238" y="212523"/>
+                    <a:pt x="238125" y="180975"/>
+                  </a:cubicBezTo>
+                  <a:cubicBezTo>
+                    <a:pt x="243105" y="161054"/>
+                    <a:pt x="243471" y="119293"/>
+                    <a:pt x="266700" y="104775"/>
+                  </a:cubicBezTo>
+                  <a:cubicBezTo>
+                    <a:pt x="300393" y="83717"/>
+                    <a:pt x="313092" y="85725"/>
+                    <a:pt x="342900" y="85725"/>
+                  </a:cubicBezTo>
+                </a:path>
+              </a:pathLst>
+            </a:custGeom>
+            <a:noFill/>
+            <a:ln>
+              <a:solidFill>
+                <a:srgbClr val="C00000"/>
+              </a:solidFill>
+            </a:ln>
+          </p:spPr>
+          <p:style>
+            <a:lnRef idx="2">
+              <a:schemeClr val="accent1">
+                <a:shade val="50000"/>
+              </a:schemeClr>
+            </a:lnRef>
+            <a:fillRef idx="1">
+              <a:schemeClr val="accent1"/>
+            </a:fillRef>
+            <a:effectRef idx="0">
+              <a:schemeClr val="accent1"/>
+            </a:effectRef>
+            <a:fontRef idx="minor">
+              <a:schemeClr val="lt1"/>
+            </a:fontRef>
+          </p:style>
+          <p:txBody>
+            <a:bodyPr rtlCol="0" anchor="ctr"/>
+            <a:lstStyle/>
+            <a:p>
+              <a:pPr algn="ctr"/>
+              <a:endParaRPr lang="it-IT"/>
+            </a:p>
+          </p:txBody>
+        </p:sp>
+        <p:sp>
+          <p:nvSpPr>
+            <p:cNvPr id="68" name="Figura a mano libera 67"/>
+            <p:cNvSpPr/>
+            <p:nvPr/>
+          </p:nvSpPr>
+          <p:spPr>
+            <a:xfrm>
+              <a:off x="5400675" y="5353050"/>
+              <a:ext cx="66675" cy="38100"/>
+            </a:xfrm>
+            <a:custGeom>
+              <a:avLst/>
+              <a:gdLst>
+                <a:gd name="connsiteX0" fmla="*/ 66675 w 66675"/>
+                <a:gd name="connsiteY0" fmla="*/ 38100 h 38100"/>
+                <a:gd name="connsiteX1" fmla="*/ 0 w 66675"/>
+                <a:gd name="connsiteY1" fmla="*/ 0 h 38100"/>
+              </a:gdLst>
+              <a:ahLst/>
+              <a:cxnLst>
+                <a:cxn ang="0">
+                  <a:pos x="connsiteX0" y="connsiteY0"/>
+                </a:cxn>
+                <a:cxn ang="0">
+                  <a:pos x="connsiteX1" y="connsiteY1"/>
+                </a:cxn>
+              </a:cxnLst>
+              <a:rect l="l" t="t" r="r" b="b"/>
+              <a:pathLst>
+                <a:path w="66675" h="38100">
+                  <a:moveTo>
+                    <a:pt x="66675" y="38100"/>
+                  </a:moveTo>
+                  <a:cubicBezTo>
+                    <a:pt x="12962" y="5872"/>
+                    <a:pt x="35609" y="17804"/>
+                    <a:pt x="0" y="0"/>
+                  </a:cubicBezTo>
+                </a:path>
+              </a:pathLst>
+            </a:custGeom>
+            <a:noFill/>
+            <a:ln>
+              <a:solidFill>
+                <a:srgbClr val="C00000"/>
+              </a:solidFill>
+            </a:ln>
+          </p:spPr>
+          <p:style>
+            <a:lnRef idx="2">
+              <a:schemeClr val="accent1">
+                <a:shade val="50000"/>
+              </a:schemeClr>
+            </a:lnRef>
+            <a:fillRef idx="1">
+              <a:schemeClr val="accent1"/>
+            </a:fillRef>
+            <a:effectRef idx="0">
+              <a:schemeClr val="accent1"/>
+            </a:effectRef>
+            <a:fontRef idx="minor">
+              <a:schemeClr val="lt1"/>
+            </a:fontRef>
+          </p:style>
+          <p:txBody>
+            <a:bodyPr rtlCol="0" anchor="ctr"/>
+            <a:lstStyle/>
+            <a:p>
+              <a:pPr algn="ctr"/>
+              <a:endParaRPr lang="it-IT"/>
+            </a:p>
+          </p:txBody>
+        </p:sp>
+        <p:sp>
+          <p:nvSpPr>
+            <p:cNvPr id="69" name="Figura a mano libera 68"/>
+            <p:cNvSpPr/>
+            <p:nvPr/>
+          </p:nvSpPr>
+          <p:spPr>
+            <a:xfrm>
+              <a:off x="5419725" y="5381625"/>
+              <a:ext cx="47625" cy="57150"/>
+            </a:xfrm>
+            <a:custGeom>
+              <a:avLst/>
+              <a:gdLst>
+                <a:gd name="connsiteX0" fmla="*/ 47625 w 47625"/>
+                <a:gd name="connsiteY0" fmla="*/ 0 h 57150"/>
+                <a:gd name="connsiteX1" fmla="*/ 0 w 47625"/>
+                <a:gd name="connsiteY1" fmla="*/ 57150 h 57150"/>
+              </a:gdLst>
+              <a:ahLst/>
+              <a:cxnLst>
+                <a:cxn ang="0">
+                  <a:pos x="connsiteX0" y="connsiteY0"/>
+                </a:cxn>
+                <a:cxn ang="0">
+                  <a:pos x="connsiteX1" y="connsiteY1"/>
+                </a:cxn>
+              </a:cxnLst>
+              <a:rect l="l" t="t" r="r" b="b"/>
+              <a:pathLst>
+                <a:path w="47625" h="57150">
+                  <a:moveTo>
+                    <a:pt x="47625" y="0"/>
+                  </a:moveTo>
+                  <a:cubicBezTo>
+                    <a:pt x="15397" y="53713"/>
+                    <a:pt x="35609" y="39346"/>
+                    <a:pt x="0" y="57150"/>
+                  </a:cubicBezTo>
+                </a:path>
+              </a:pathLst>
+            </a:custGeom>
+            <a:noFill/>
+            <a:ln>
+              <a:solidFill>
+                <a:srgbClr val="C00000"/>
+              </a:solidFill>
+            </a:ln>
+          </p:spPr>
+          <p:style>
+            <a:lnRef idx="2">
+              <a:schemeClr val="accent1">
+                <a:shade val="50000"/>
+              </a:schemeClr>
+            </a:lnRef>
+            <a:fillRef idx="1">
+              <a:schemeClr val="accent1"/>
+            </a:fillRef>
+            <a:effectRef idx="0">
+              <a:schemeClr val="accent1"/>
+            </a:effectRef>
+            <a:fontRef idx="minor">
+              <a:schemeClr val="lt1"/>
+            </a:fontRef>
+          </p:style>
+          <p:txBody>
+            <a:bodyPr rtlCol="0" anchor="ctr"/>
+            <a:lstStyle/>
+            <a:p>
+              <a:pPr algn="ctr"/>
+              <a:endParaRPr lang="it-IT"/>
+            </a:p>
+          </p:txBody>
+        </p:sp>
+      </p:grpSp>
+      <p:grpSp>
+        <p:nvGrpSpPr>
+          <p:cNvPr id="70" name="Gruppo 69"/>
+          <p:cNvGrpSpPr/>
+          <p:nvPr/>
+        </p:nvGrpSpPr>
+        <p:grpSpPr>
+          <a:xfrm>
+            <a:off x="2988297" y="5320401"/>
+            <a:ext cx="666895" cy="86434"/>
+            <a:chOff x="4592177" y="4419530"/>
+            <a:chExt cx="666895" cy="86434"/>
+          </a:xfrm>
+        </p:grpSpPr>
+        <p:cxnSp>
+          <p:nvCxnSpPr>
+            <p:cNvPr id="71" name="Connettore 1 70"/>
+            <p:cNvCxnSpPr/>
+            <p:nvPr/>
+          </p:nvCxnSpPr>
+          <p:spPr>
+            <a:xfrm>
+              <a:off x="4611000" y="4462747"/>
+              <a:ext cx="648072" cy="0"/>
+            </a:xfrm>
+            <a:prstGeom prst="line">
+              <a:avLst/>
+            </a:prstGeom>
+            <a:ln>
+              <a:prstDash val="dash"/>
+            </a:ln>
+          </p:spPr>
+          <p:style>
+            <a:lnRef idx="1">
+              <a:schemeClr val="accent1"/>
+            </a:lnRef>
+            <a:fillRef idx="0">
+              <a:schemeClr val="accent1"/>
+            </a:fillRef>
+            <a:effectRef idx="0">
+              <a:schemeClr val="accent1"/>
+            </a:effectRef>
+            <a:fontRef idx="minor">
+              <a:schemeClr val="tx1"/>
+            </a:fontRef>
+          </p:style>
+        </p:cxnSp>
+        <p:sp>
+          <p:nvSpPr>
+            <p:cNvPr id="72" name="Triangolo isoscele 71"/>
+            <p:cNvSpPr/>
+            <p:nvPr/>
+          </p:nvSpPr>
+          <p:spPr>
+            <a:xfrm rot="16200000">
+              <a:off x="4618592" y="4393115"/>
+              <a:ext cx="86434" cy="139263"/>
+            </a:xfrm>
+            <a:prstGeom prst="triangle">
+              <a:avLst/>
+            </a:prstGeom>
+            <a:solidFill>
+              <a:schemeClr val="bg1"/>
+            </a:solidFill>
+            <a:ln/>
+          </p:spPr>
+          <p:style>
+            <a:lnRef idx="1">
+              <a:schemeClr val="accent5"/>
+            </a:lnRef>
+            <a:fillRef idx="2">
+              <a:schemeClr val="accent5"/>
+            </a:fillRef>
+            <a:effectRef idx="1">
+              <a:schemeClr val="accent5"/>
+            </a:effectRef>
+            <a:fontRef idx="minor">
+              <a:schemeClr val="dk1"/>
+            </a:fontRef>
+          </p:style>
+          <p:txBody>
+            <a:bodyPr rtlCol="0" anchor="ctr"/>
+            <a:lstStyle/>
+            <a:p>
+              <a:pPr algn="ctr"/>
+              <a:endParaRPr lang="en-GB" sz="1200"/>
+            </a:p>
+          </p:txBody>
+        </p:sp>
+      </p:grpSp>
+      <p:cxnSp>
+        <p:nvCxnSpPr>
+          <p:cNvPr id="73" name="Connettore 2 72"/>
+          <p:cNvCxnSpPr/>
+          <p:nvPr/>
+        </p:nvCxnSpPr>
+        <p:spPr>
+          <a:xfrm>
+            <a:off x="2927251" y="4347277"/>
+            <a:ext cx="783259" cy="0"/>
+          </a:xfrm>
+          <a:prstGeom prst="straightConnector1">
+            <a:avLst/>
+          </a:prstGeom>
+          <a:ln>
+            <a:prstDash val="lgDash"/>
+            <a:tailEnd type="arrow"/>
+          </a:ln>
+        </p:spPr>
+        <p:style>
+          <a:lnRef idx="1">
+            <a:schemeClr val="accent1"/>
+          </a:lnRef>
+          <a:fillRef idx="0">
+            <a:schemeClr val="accent1"/>
+          </a:fillRef>
+          <a:effectRef idx="0">
+            <a:schemeClr val="accent1"/>
+          </a:effectRef>
+          <a:fontRef idx="minor">
+            <a:schemeClr val="tx1"/>
+          </a:fontRef>
+        </p:style>
+      </p:cxnSp>
+      <p:grpSp>
+        <p:nvGrpSpPr>
+          <p:cNvPr id="74" name="Gruppo 73"/>
+          <p:cNvGrpSpPr/>
+          <p:nvPr/>
+        </p:nvGrpSpPr>
+        <p:grpSpPr>
+          <a:xfrm>
+            <a:off x="2978261" y="5155986"/>
+            <a:ext cx="787334" cy="86434"/>
+            <a:chOff x="3452446" y="4176616"/>
+            <a:chExt cx="787334" cy="86434"/>
+          </a:xfrm>
+        </p:grpSpPr>
+        <p:sp>
+          <p:nvSpPr>
+            <p:cNvPr id="75" name="Triangolo isoscele 74"/>
+            <p:cNvSpPr/>
+            <p:nvPr/>
+          </p:nvSpPr>
+          <p:spPr>
+            <a:xfrm rot="5400000" flipH="1">
+              <a:off x="4126932" y="4150201"/>
+              <a:ext cx="86434" cy="139263"/>
+            </a:xfrm>
+            <a:prstGeom prst="triangle">
+              <a:avLst/>
+            </a:prstGeom>
+            <a:solidFill>
+              <a:schemeClr val="bg1"/>
+            </a:solidFill>
+            <a:ln/>
+          </p:spPr>
+          <p:style>
+            <a:lnRef idx="1">
+              <a:schemeClr val="accent5"/>
+            </a:lnRef>
+            <a:fillRef idx="2">
+              <a:schemeClr val="accent5"/>
+            </a:fillRef>
+            <a:effectRef idx="1">
+              <a:schemeClr val="accent5"/>
+            </a:effectRef>
+            <a:fontRef idx="minor">
+              <a:schemeClr val="dk1"/>
+            </a:fontRef>
+          </p:style>
+          <p:txBody>
+            <a:bodyPr rtlCol="0" anchor="ctr"/>
+            <a:lstStyle/>
+            <a:p>
+              <a:pPr algn="ctr"/>
+              <a:endParaRPr lang="en-GB" sz="1200"/>
+            </a:p>
+          </p:txBody>
+        </p:sp>
+        <p:cxnSp>
+          <p:nvCxnSpPr>
+            <p:cNvPr id="76" name="Connettore 1 75"/>
+            <p:cNvCxnSpPr>
+              <a:endCxn id="75" idx="3"/>
+            </p:cNvCxnSpPr>
+            <p:nvPr/>
+          </p:nvCxnSpPr>
+          <p:spPr>
+            <a:xfrm>
+              <a:off x="3452446" y="4219627"/>
+              <a:ext cx="648072" cy="206"/>
+            </a:xfrm>
+            <a:prstGeom prst="line">
+              <a:avLst/>
+            </a:prstGeom>
+          </p:spPr>
+          <p:style>
+            <a:lnRef idx="1">
+              <a:schemeClr val="accent1"/>
+            </a:lnRef>
+            <a:fillRef idx="0">
+              <a:schemeClr val="accent1"/>
+            </a:fillRef>
+            <a:effectRef idx="0">
+              <a:schemeClr val="accent1"/>
+            </a:effectRef>
+            <a:fontRef idx="minor">
+              <a:schemeClr val="tx1"/>
+            </a:fontRef>
+          </p:style>
+        </p:cxnSp>
+      </p:grpSp>
+      <p:cxnSp>
+        <p:nvCxnSpPr>
+          <p:cNvPr id="81" name="Connettore 1 80"/>
+          <p:cNvCxnSpPr/>
+          <p:nvPr/>
+        </p:nvCxnSpPr>
+        <p:spPr>
+          <a:xfrm flipV="1">
+            <a:off x="323528" y="1008197"/>
+            <a:ext cx="8424936" cy="1"/>
+          </a:xfrm>
+          <a:prstGeom prst="line">
+            <a:avLst/>
+          </a:prstGeom>
+        </p:spPr>
+        <p:style>
+          <a:lnRef idx="1">
+            <a:schemeClr val="accent1"/>
+          </a:lnRef>
+          <a:fillRef idx="0">
+            <a:schemeClr val="accent1"/>
+          </a:fillRef>
+          <a:effectRef idx="0">
+            <a:schemeClr val="accent1"/>
+          </a:effectRef>
+          <a:fontRef idx="minor">
+            <a:schemeClr val="tx1"/>
+          </a:fontRef>
+        </p:style>
+      </p:cxnSp>
+      <p:cxnSp>
+        <p:nvCxnSpPr>
+          <p:cNvPr id="83" name="Connettore 1 82"/>
+          <p:cNvCxnSpPr/>
+          <p:nvPr/>
+        </p:nvCxnSpPr>
+        <p:spPr>
+          <a:xfrm>
+            <a:off x="5994577" y="475221"/>
+            <a:ext cx="0" cy="5906107"/>
+          </a:xfrm>
+          <a:prstGeom prst="line">
+            <a:avLst/>
+          </a:prstGeom>
+        </p:spPr>
+        <p:style>
+          <a:lnRef idx="1">
+            <a:schemeClr val="accent1"/>
+          </a:lnRef>
+          <a:fillRef idx="0">
+            <a:schemeClr val="accent1"/>
+          </a:fillRef>
+          <a:effectRef idx="0">
+            <a:schemeClr val="accent1"/>
+          </a:effectRef>
+          <a:fontRef idx="minor">
+            <a:schemeClr val="tx1"/>
+          </a:fontRef>
+        </p:style>
+      </p:cxnSp>
+      <p:sp>
+        <p:nvSpPr>
+          <p:cNvPr id="85" name="CasellaDiTesto 84"/>
+          <p:cNvSpPr txBox="1"/>
+          <p:nvPr/>
+        </p:nvSpPr>
+        <p:spPr>
+          <a:xfrm>
+            <a:off x="5248144" y="2644063"/>
+            <a:ext cx="2226379" cy="646331"/>
+          </a:xfrm>
+          <a:prstGeom prst="rect">
+            <a:avLst/>
+          </a:prstGeom>
+        </p:spPr>
+        <p:style>
+          <a:lnRef idx="1">
+            <a:schemeClr val="accent3"/>
+          </a:lnRef>
+          <a:fillRef idx="2">
+            <a:schemeClr val="accent3"/>
+          </a:fillRef>
+          <a:effectRef idx="1">
+            <a:schemeClr val="accent3"/>
+          </a:effectRef>
+          <a:fontRef idx="minor">
+            <a:schemeClr val="dk1"/>
+          </a:fontRef>
+        </p:style>
+        <p:txBody>
+          <a:bodyPr wrap="none" rtlCol="0">
+            <a:spAutoFit/>
+          </a:bodyPr>
+          <a:lstStyle/>
+          <a:p>
+            <a:r>
+              <a:rPr lang="it-IT" dirty="0" err="1" smtClean="0"/>
+              <a:t>Rest</a:t>
+            </a:r>
+            <a:r>
+              <a:rPr lang="it-IT" dirty="0" smtClean="0"/>
+              <a:t> </a:t>
+            </a:r>
+          </a:p>
+          <a:p>
+            <a:r>
+              <a:rPr lang="it-IT" dirty="0" err="1" smtClean="0"/>
+              <a:t>Payload</a:t>
+            </a:r>
+            <a:r>
+              <a:rPr lang="it-IT" dirty="0" smtClean="0"/>
+              <a:t>: HLT7 or FHIR</a:t>
+            </a:r>
+            <a:endParaRPr lang="en-GB" dirty="0"/>
+          </a:p>
+        </p:txBody>
+      </p:sp>
+    </p:spTree>
+    <p:extLst>
+      <p:ext uri="{BB962C8B-B14F-4D97-AF65-F5344CB8AC3E}">
+        <p14:creationId xmlns:p14="http://schemas.microsoft.com/office/powerpoint/2010/main" val="2862789552"/>
+      </p:ext>
+    </p:extLst>
+  </p:cSld>
+  <p:clrMapOvr>
+    <a:masterClrMapping/>
+  </p:clrMapOvr>
+  <p:timing>
+    <p:tnLst>
+      <p:par>
+        <p:cTn id="1" dur="indefinite" restart="never" nodeType="tmRoot"/>
+      </p:par>
+    </p:tnLst>
+  </p:timing>
 </p:sld>
 </file>
 
@@ -7491,6 +9850,13 @@
   <p:clrMapOvr>
     <a:masterClrMapping/>
   </p:clrMapOvr>
+  <p:timing>
+    <p:tnLst>
+      <p:par>
+        <p:cTn id="1" dur="indefinite" restart="never" nodeType="tmRoot"/>
+      </p:par>
+    </p:tnLst>
+  </p:timing>
 </p:sld>
 </file>
 
@@ -9370,774 +11736,17 @@
   <p:clrMapOvr>
     <a:masterClrMapping/>
   </p:clrMapOvr>
+  <p:timing>
+    <p:tnLst>
+      <p:par>
+        <p:cTn id="1" dur="indefinite" restart="never" nodeType="tmRoot"/>
+      </p:par>
+    </p:tnLst>
+  </p:timing>
 </p:sld>
 </file>
 
 <file path=ppt/slides/slide4.xml><?xml version="1.0" encoding="utf-8"?>
-<p:sld xmlns:a="http://schemas.openxmlformats.org/drawingml/2006/main" xmlns:r="http://schemas.openxmlformats.org/officeDocument/2006/relationships" xmlns:p="http://schemas.openxmlformats.org/presentationml/2006/main">
-  <p:cSld>
-    <p:spTree>
-      <p:nvGrpSpPr>
-        <p:cNvPr id="1" name=""/>
-        <p:cNvGrpSpPr/>
-        <p:nvPr/>
-      </p:nvGrpSpPr>
-      <p:grpSpPr>
-        <a:xfrm>
-          <a:off x="0" y="0"/>
-          <a:ext cx="0" cy="0"/>
-          <a:chOff x="0" y="0"/>
-          <a:chExt cx="0" cy="0"/>
-        </a:xfrm>
-      </p:grpSpPr>
-      <p:sp>
-        <p:nvSpPr>
-          <p:cNvPr id="2" name="CasellaDiTesto 1"/>
-          <p:cNvSpPr txBox="1"/>
-          <p:nvPr/>
-        </p:nvSpPr>
-        <p:spPr>
-          <a:xfrm>
-            <a:off x="539552" y="260648"/>
-            <a:ext cx="7776864" cy="3416320"/>
-          </a:xfrm>
-          <a:prstGeom prst="rect">
-            <a:avLst/>
-          </a:prstGeom>
-          <a:noFill/>
-        </p:spPr>
-        <p:txBody>
-          <a:bodyPr wrap="square" rtlCol="0">
-            <a:spAutoFit/>
-          </a:bodyPr>
-          <a:lstStyle/>
-          <a:p>
-            <a:r>
-              <a:rPr lang="it-IT" dirty="0"/>
-              <a:t>At the </a:t>
-            </a:r>
-            <a:r>
-              <a:rPr lang="it-IT" dirty="0" err="1"/>
-              <a:t>current</a:t>
-            </a:r>
-            <a:r>
-              <a:rPr lang="it-IT" dirty="0"/>
-              <a:t> state of the work, </a:t>
-            </a:r>
-            <a:r>
-              <a:rPr lang="it-IT" dirty="0" err="1"/>
-              <a:t>it</a:t>
-            </a:r>
-            <a:r>
-              <a:rPr lang="it-IT" dirty="0"/>
-              <a:t> </a:t>
-            </a:r>
-            <a:r>
-              <a:rPr lang="it-IT" dirty="0" err="1"/>
-              <a:t>seems</a:t>
-            </a:r>
-            <a:r>
-              <a:rPr lang="it-IT" dirty="0"/>
-              <a:t> </a:t>
-            </a:r>
-            <a:r>
-              <a:rPr lang="it-IT" dirty="0" err="1"/>
-              <a:t>appropriateto</a:t>
-            </a:r>
-            <a:r>
-              <a:rPr lang="it-IT" dirty="0"/>
-              <a:t> </a:t>
-            </a:r>
-            <a:r>
-              <a:rPr lang="it-IT" dirty="0" err="1"/>
-              <a:t>distinguish</a:t>
-            </a:r>
-            <a:r>
-              <a:rPr lang="it-IT" dirty="0"/>
-              <a:t> </a:t>
-            </a:r>
-            <a:r>
-              <a:rPr lang="it-IT" dirty="0" err="1"/>
-              <a:t>between</a:t>
-            </a:r>
-            <a:r>
-              <a:rPr lang="it-IT" dirty="0"/>
-              <a:t> the </a:t>
-            </a:r>
-            <a:r>
-              <a:rPr lang="it-IT" dirty="0" err="1"/>
-              <a:t>concept</a:t>
-            </a:r>
-            <a:r>
-              <a:rPr lang="it-IT" dirty="0"/>
-              <a:t> of </a:t>
-            </a:r>
-            <a:r>
-              <a:rPr lang="it-IT" b="1" dirty="0" err="1">
-                <a:solidFill>
-                  <a:srgbClr val="00B0F0"/>
-                </a:solidFill>
-              </a:rPr>
-              <a:t>adapter</a:t>
-            </a:r>
-            <a:r>
-              <a:rPr lang="it-IT" dirty="0">
-                <a:solidFill>
-                  <a:srgbClr val="00B0F0"/>
-                </a:solidFill>
-              </a:rPr>
-              <a:t> </a:t>
-            </a:r>
-            <a:r>
-              <a:rPr lang="it-IT" dirty="0" err="1"/>
-              <a:t>related</a:t>
-            </a:r>
-            <a:r>
-              <a:rPr lang="it-IT" dirty="0"/>
-              <a:t> to the ‘</a:t>
-            </a:r>
-            <a:r>
-              <a:rPr lang="it-IT" dirty="0" err="1"/>
-              <a:t>infrastructure</a:t>
-            </a:r>
-            <a:r>
-              <a:rPr lang="it-IT" dirty="0"/>
-              <a:t>’ from the </a:t>
-            </a:r>
-            <a:r>
-              <a:rPr lang="it-IT" dirty="0" err="1"/>
-              <a:t>concept</a:t>
-            </a:r>
-            <a:r>
-              <a:rPr lang="it-IT" dirty="0"/>
-              <a:t> of </a:t>
-            </a:r>
-            <a:r>
-              <a:rPr lang="it-IT" dirty="0" err="1"/>
-              <a:t>adapter</a:t>
-            </a:r>
-            <a:r>
-              <a:rPr lang="it-IT" dirty="0"/>
-              <a:t> </a:t>
-            </a:r>
-            <a:r>
-              <a:rPr lang="it-IT" dirty="0" err="1"/>
-              <a:t>related</a:t>
-            </a:r>
-            <a:r>
-              <a:rPr lang="it-IT" dirty="0"/>
-              <a:t> to </a:t>
-            </a:r>
-            <a:r>
-              <a:rPr lang="it-IT" dirty="0" err="1"/>
-              <a:t>application</a:t>
-            </a:r>
-            <a:r>
-              <a:rPr lang="it-IT" dirty="0"/>
-              <a:t> (</a:t>
-            </a:r>
-            <a:r>
-              <a:rPr lang="it-IT" dirty="0" err="1"/>
-              <a:t>services</a:t>
-            </a:r>
-            <a:r>
-              <a:rPr lang="it-IT" dirty="0"/>
-              <a:t>). </a:t>
-            </a:r>
-          </a:p>
-          <a:p>
-            <a:endParaRPr lang="it-IT" dirty="0"/>
-          </a:p>
-          <a:p>
-            <a:r>
-              <a:rPr lang="it-IT" dirty="0"/>
-              <a:t>The </a:t>
-            </a:r>
-            <a:r>
-              <a:rPr lang="it-IT" dirty="0" err="1"/>
-              <a:t>application</a:t>
-            </a:r>
-            <a:r>
-              <a:rPr lang="it-IT" dirty="0"/>
-              <a:t> under </a:t>
-            </a:r>
-            <a:r>
-              <a:rPr lang="it-IT" dirty="0" err="1"/>
-              <a:t>development</a:t>
-            </a:r>
-            <a:r>
-              <a:rPr lang="it-IT" dirty="0"/>
-              <a:t> </a:t>
-            </a:r>
-            <a:r>
-              <a:rPr lang="it-IT" dirty="0" err="1"/>
-              <a:t>is</a:t>
-            </a:r>
-            <a:r>
-              <a:rPr lang="it-IT" dirty="0"/>
-              <a:t> </a:t>
-            </a:r>
-            <a:r>
-              <a:rPr lang="it-IT" b="1" dirty="0" err="1">
-                <a:solidFill>
-                  <a:srgbClr val="00B050"/>
-                </a:solidFill>
-              </a:rPr>
-              <a:t>SmartEven</a:t>
-            </a:r>
-            <a:r>
-              <a:rPr lang="it-IT" dirty="0"/>
-              <a:t>: </a:t>
-            </a:r>
-            <a:r>
-              <a:rPr lang="it-IT" dirty="0" err="1"/>
-              <a:t>this</a:t>
-            </a:r>
-            <a:r>
-              <a:rPr lang="it-IT" dirty="0"/>
-              <a:t> </a:t>
-            </a:r>
-            <a:r>
-              <a:rPr lang="it-IT" dirty="0" err="1"/>
-              <a:t>could</a:t>
-            </a:r>
-            <a:r>
-              <a:rPr lang="it-IT" dirty="0"/>
-              <a:t> </a:t>
-            </a:r>
-            <a:r>
-              <a:rPr lang="it-IT" dirty="0" err="1"/>
-              <a:t>give</a:t>
-            </a:r>
-            <a:r>
-              <a:rPr lang="it-IT" dirty="0"/>
-              <a:t> </a:t>
-            </a:r>
-            <a:r>
-              <a:rPr lang="it-IT" dirty="0" err="1"/>
-              <a:t>us</a:t>
-            </a:r>
-            <a:r>
-              <a:rPr lang="it-IT" dirty="0"/>
-              <a:t> a </a:t>
-            </a:r>
-            <a:r>
-              <a:rPr lang="it-IT" dirty="0" err="1"/>
-              <a:t>possible</a:t>
-            </a:r>
-            <a:r>
-              <a:rPr lang="it-IT" dirty="0"/>
-              <a:t> scenario and a set of </a:t>
-            </a:r>
-            <a:r>
-              <a:rPr lang="it-IT" dirty="0" err="1"/>
-              <a:t>application</a:t>
-            </a:r>
-            <a:r>
-              <a:rPr lang="it-IT" dirty="0"/>
-              <a:t> </a:t>
-            </a:r>
-            <a:r>
-              <a:rPr lang="it-IT" dirty="0" err="1"/>
-              <a:t>reqirments</a:t>
-            </a:r>
-            <a:r>
-              <a:rPr lang="it-IT" dirty="0"/>
-              <a:t> </a:t>
-            </a:r>
-            <a:r>
-              <a:rPr lang="it-IT" dirty="0" err="1"/>
-              <a:t>as</a:t>
-            </a:r>
-            <a:r>
-              <a:rPr lang="it-IT" dirty="0"/>
-              <a:t> </a:t>
-            </a:r>
-            <a:r>
-              <a:rPr lang="it-IT" dirty="0" err="1"/>
-              <a:t>they</a:t>
-            </a:r>
-            <a:r>
-              <a:rPr lang="it-IT" dirty="0"/>
-              <a:t> are </a:t>
-            </a:r>
-            <a:r>
-              <a:rPr lang="it-IT" dirty="0" err="1"/>
-              <a:t>intended</a:t>
-            </a:r>
-            <a:r>
-              <a:rPr lang="it-IT" dirty="0"/>
-              <a:t> </a:t>
-            </a:r>
-            <a:r>
-              <a:rPr lang="it-IT" dirty="0" err="1"/>
-              <a:t>at</a:t>
-            </a:r>
-            <a:r>
-              <a:rPr lang="it-IT" dirty="0"/>
-              <a:t> </a:t>
-            </a:r>
-            <a:r>
-              <a:rPr lang="it-IT" dirty="0" err="1"/>
-              <a:t>this</a:t>
-            </a:r>
-            <a:r>
-              <a:rPr lang="it-IT" dirty="0"/>
-              <a:t> moment. </a:t>
-            </a:r>
-            <a:r>
-              <a:rPr lang="it-IT" dirty="0" err="1"/>
-              <a:t>Why</a:t>
-            </a:r>
-            <a:r>
-              <a:rPr lang="it-IT" dirty="0"/>
-              <a:t> </a:t>
-            </a:r>
-            <a:r>
-              <a:rPr lang="it-IT" dirty="0" err="1"/>
-              <a:t>there</a:t>
-            </a:r>
-            <a:r>
-              <a:rPr lang="it-IT" dirty="0"/>
-              <a:t> </a:t>
-            </a:r>
-            <a:r>
-              <a:rPr lang="it-IT" dirty="0" err="1"/>
-              <a:t>is</a:t>
-            </a:r>
-            <a:r>
-              <a:rPr lang="it-IT" dirty="0"/>
-              <a:t> non </a:t>
-            </a:r>
-            <a:r>
-              <a:rPr lang="it-IT" dirty="0" err="1"/>
-              <a:t>adapter</a:t>
-            </a:r>
-            <a:r>
-              <a:rPr lang="it-IT" dirty="0"/>
-              <a:t> for the </a:t>
-            </a:r>
-            <a:r>
-              <a:rPr lang="it-IT" b="1" dirty="0" err="1">
-                <a:solidFill>
-                  <a:srgbClr val="00B050"/>
-                </a:solidFill>
-              </a:rPr>
-              <a:t>SmartEven</a:t>
-            </a:r>
-            <a:r>
-              <a:rPr lang="it-IT" dirty="0"/>
-              <a:t>?</a:t>
-            </a:r>
-            <a:r>
-              <a:rPr lang="it-IT" u="sng" dirty="0"/>
-              <a:t> </a:t>
-            </a:r>
-          </a:p>
-          <a:p>
-            <a:r>
-              <a:rPr lang="it-IT" dirty="0"/>
-              <a:t>Do </a:t>
-            </a:r>
-            <a:r>
-              <a:rPr lang="it-IT" dirty="0" err="1"/>
-              <a:t>we</a:t>
-            </a:r>
-            <a:r>
-              <a:rPr lang="it-IT" dirty="0"/>
-              <a:t> </a:t>
-            </a:r>
-            <a:r>
-              <a:rPr lang="it-IT" dirty="0" err="1"/>
-              <a:t>need</a:t>
-            </a:r>
-            <a:r>
-              <a:rPr lang="it-IT" dirty="0"/>
-              <a:t> </a:t>
-            </a:r>
-            <a:r>
-              <a:rPr lang="it-IT" dirty="0" err="1"/>
-              <a:t>adapters</a:t>
-            </a:r>
-            <a:r>
-              <a:rPr lang="it-IT" dirty="0"/>
-              <a:t> </a:t>
-            </a:r>
-            <a:r>
-              <a:rPr lang="it-IT" dirty="0" err="1"/>
-              <a:t>only</a:t>
-            </a:r>
-            <a:r>
-              <a:rPr lang="it-IT" dirty="0"/>
-              <a:t> for ‘</a:t>
-            </a:r>
-            <a:r>
-              <a:rPr lang="it-IT" dirty="0" err="1"/>
-              <a:t>other</a:t>
-            </a:r>
-            <a:r>
-              <a:rPr lang="it-IT" dirty="0"/>
-              <a:t>’ (i.e. non </a:t>
-            </a:r>
-            <a:r>
-              <a:rPr lang="it-IT" dirty="0" err="1"/>
-              <a:t>ITel</a:t>
-            </a:r>
-            <a:r>
-              <a:rPr lang="it-IT" dirty="0"/>
-              <a:t>) </a:t>
-            </a:r>
-            <a:r>
-              <a:rPr lang="it-IT" dirty="0" err="1"/>
-              <a:t>subsystems</a:t>
-            </a:r>
-            <a:r>
-              <a:rPr lang="it-IT" dirty="0"/>
-              <a:t>?.</a:t>
-            </a:r>
-          </a:p>
-          <a:p>
-            <a:endParaRPr lang="it-IT" dirty="0"/>
-          </a:p>
-          <a:p>
-            <a:r>
-              <a:rPr lang="it-IT" dirty="0" err="1"/>
-              <a:t>Is</a:t>
-            </a:r>
-            <a:r>
-              <a:rPr lang="it-IT" dirty="0"/>
-              <a:t> </a:t>
-            </a:r>
-            <a:r>
-              <a:rPr lang="it-IT" dirty="0" err="1"/>
-              <a:t>it</a:t>
-            </a:r>
-            <a:r>
-              <a:rPr lang="it-IT" dirty="0"/>
-              <a:t> </a:t>
-            </a:r>
-            <a:r>
-              <a:rPr lang="it-IT" dirty="0" err="1"/>
-              <a:t>excluded</a:t>
-            </a:r>
-            <a:r>
-              <a:rPr lang="it-IT" dirty="0"/>
-              <a:t>  the </a:t>
-            </a:r>
-            <a:r>
-              <a:rPr lang="it-IT" dirty="0" err="1"/>
-              <a:t>possibility</a:t>
-            </a:r>
-            <a:r>
-              <a:rPr lang="it-IT" dirty="0"/>
-              <a:t>/</a:t>
-            </a:r>
-            <a:r>
-              <a:rPr lang="it-IT" dirty="0" err="1"/>
-              <a:t>opportunity</a:t>
-            </a:r>
-            <a:r>
-              <a:rPr lang="it-IT" dirty="0"/>
-              <a:t> of </a:t>
-            </a:r>
-            <a:r>
-              <a:rPr lang="it-IT" dirty="0" err="1"/>
-              <a:t>definine</a:t>
-            </a:r>
-            <a:r>
-              <a:rPr lang="it-IT" dirty="0"/>
-              <a:t> a </a:t>
-            </a:r>
-            <a:r>
-              <a:rPr lang="it-IT" b="1" dirty="0" err="1">
-                <a:solidFill>
-                  <a:srgbClr val="00B0F0"/>
-                </a:solidFill>
-              </a:rPr>
-              <a:t>Itel-infrastructure</a:t>
-            </a:r>
-            <a:r>
-              <a:rPr lang="it-IT" dirty="0">
-                <a:solidFill>
-                  <a:srgbClr val="00B0F0"/>
-                </a:solidFill>
-              </a:rPr>
-              <a:t> </a:t>
-            </a:r>
-            <a:r>
-              <a:rPr lang="it-IT" dirty="0" err="1"/>
-              <a:t>as</a:t>
-            </a:r>
-            <a:r>
-              <a:rPr lang="it-IT" dirty="0"/>
-              <a:t> a (micro) service of </a:t>
-            </a:r>
-            <a:r>
-              <a:rPr lang="it-IT" dirty="0" err="1"/>
-              <a:t>as</a:t>
-            </a:r>
-            <a:r>
-              <a:rPr lang="it-IT" dirty="0"/>
-              <a:t> a set of (</a:t>
-            </a:r>
-            <a:r>
-              <a:rPr lang="it-IT" dirty="0" err="1"/>
-              <a:t>cooperating</a:t>
-            </a:r>
-            <a:r>
-              <a:rPr lang="it-IT" dirty="0"/>
-              <a:t>) micro-</a:t>
-            </a:r>
-            <a:r>
-              <a:rPr lang="it-IT" dirty="0" err="1"/>
-              <a:t>services</a:t>
-            </a:r>
-            <a:r>
-              <a:rPr lang="it-IT" dirty="0"/>
-              <a:t>?</a:t>
-            </a:r>
-          </a:p>
-          <a:p>
-            <a:endParaRPr lang="it-IT" dirty="0"/>
-          </a:p>
-        </p:txBody>
-      </p:sp>
-      <p:sp>
-        <p:nvSpPr>
-          <p:cNvPr id="3" name="CasellaDiTesto 2"/>
-          <p:cNvSpPr txBox="1"/>
-          <p:nvPr/>
-        </p:nvSpPr>
-        <p:spPr>
-          <a:xfrm>
-            <a:off x="555328" y="4365104"/>
-            <a:ext cx="7483844" cy="1200329"/>
-          </a:xfrm>
-          <a:prstGeom prst="rect">
-            <a:avLst/>
-          </a:prstGeom>
-          <a:noFill/>
-        </p:spPr>
-        <p:txBody>
-          <a:bodyPr wrap="none" rtlCol="0">
-            <a:spAutoFit/>
-          </a:bodyPr>
-          <a:lstStyle/>
-          <a:p>
-            <a:r>
-              <a:rPr lang="it-IT" sz="2400" i="1" dirty="0">
-                <a:solidFill>
-                  <a:srgbClr val="0070C0"/>
-                </a:solidFill>
-              </a:rPr>
-              <a:t>From </a:t>
-            </a:r>
-            <a:r>
-              <a:rPr lang="it-IT" sz="2400" i="1" dirty="0" err="1">
-                <a:solidFill>
-                  <a:srgbClr val="0070C0"/>
-                </a:solidFill>
-              </a:rPr>
-              <a:t>generic</a:t>
-            </a:r>
-            <a:r>
-              <a:rPr lang="it-IT" sz="2400" i="1" dirty="0">
-                <a:solidFill>
-                  <a:srgbClr val="0070C0"/>
-                </a:solidFill>
-              </a:rPr>
-              <a:t> to </a:t>
-            </a:r>
-            <a:r>
-              <a:rPr lang="it-IT" sz="2400" i="1" dirty="0" err="1">
-                <a:solidFill>
-                  <a:srgbClr val="0070C0"/>
-                </a:solidFill>
-              </a:rPr>
-              <a:t>specific</a:t>
-            </a:r>
-            <a:r>
-              <a:rPr lang="it-IT" sz="2400" i="1" dirty="0">
-                <a:solidFill>
-                  <a:srgbClr val="0070C0"/>
-                </a:solidFill>
-              </a:rPr>
-              <a:t>: a first model from the </a:t>
-            </a:r>
-            <a:r>
-              <a:rPr lang="it-IT" sz="2400" i="1" dirty="0" err="1">
-                <a:solidFill>
-                  <a:srgbClr val="0070C0"/>
-                </a:solidFill>
-              </a:rPr>
-              <a:t>user</a:t>
-            </a:r>
-            <a:r>
-              <a:rPr lang="it-IT" sz="2400" i="1" dirty="0">
-                <a:solidFill>
-                  <a:srgbClr val="0070C0"/>
-                </a:solidFill>
-              </a:rPr>
-              <a:t> stories</a:t>
-            </a:r>
-          </a:p>
-          <a:p>
-            <a:endParaRPr lang="it-IT" sz="2400" dirty="0"/>
-          </a:p>
-          <a:p>
-            <a:r>
-              <a:rPr lang="it-IT" sz="2400" dirty="0">
-                <a:solidFill>
-                  <a:srgbClr val="C00000"/>
-                </a:solidFill>
-              </a:rPr>
-              <a:t>Basic </a:t>
-            </a:r>
-            <a:r>
-              <a:rPr lang="it-IT" sz="2400" dirty="0" err="1">
-                <a:solidFill>
-                  <a:srgbClr val="C00000"/>
-                </a:solidFill>
-              </a:rPr>
-              <a:t>question</a:t>
-            </a:r>
-            <a:r>
-              <a:rPr lang="it-IT" sz="2400" dirty="0">
-                <a:solidFill>
-                  <a:srgbClr val="C00000"/>
-                </a:solidFill>
-              </a:rPr>
-              <a:t>: </a:t>
-            </a:r>
-            <a:r>
-              <a:rPr lang="it-IT" sz="2400" dirty="0" err="1">
-                <a:solidFill>
-                  <a:srgbClr val="C00000"/>
-                </a:solidFill>
-              </a:rPr>
-              <a:t>what</a:t>
-            </a:r>
-            <a:r>
-              <a:rPr lang="it-IT" sz="2400" dirty="0">
-                <a:solidFill>
-                  <a:srgbClr val="C00000"/>
-                </a:solidFill>
-              </a:rPr>
-              <a:t> </a:t>
-            </a:r>
-            <a:r>
-              <a:rPr lang="it-IT" sz="2400" dirty="0" err="1">
-                <a:solidFill>
-                  <a:srgbClr val="C00000"/>
-                </a:solidFill>
-              </a:rPr>
-              <a:t>is</a:t>
-            </a:r>
-            <a:r>
-              <a:rPr lang="it-IT" sz="2400" dirty="0">
-                <a:solidFill>
-                  <a:srgbClr val="C00000"/>
-                </a:solidFill>
-              </a:rPr>
-              <a:t> an </a:t>
-            </a:r>
-            <a:r>
-              <a:rPr lang="it-IT" sz="2400" dirty="0" err="1">
-                <a:solidFill>
-                  <a:srgbClr val="C00000"/>
-                </a:solidFill>
-              </a:rPr>
-              <a:t>adapter</a:t>
-            </a:r>
-            <a:r>
-              <a:rPr lang="it-IT" sz="2400" dirty="0">
-                <a:solidFill>
-                  <a:srgbClr val="C00000"/>
-                </a:solidFill>
-              </a:rPr>
-              <a:t>, and </a:t>
-            </a:r>
-            <a:r>
-              <a:rPr lang="it-IT" sz="2400" dirty="0" err="1">
-                <a:solidFill>
-                  <a:srgbClr val="C00000"/>
-                </a:solidFill>
-              </a:rPr>
-              <a:t>what</a:t>
-            </a:r>
-            <a:r>
-              <a:rPr lang="it-IT" sz="2400" dirty="0">
-                <a:solidFill>
-                  <a:srgbClr val="C00000"/>
-                </a:solidFill>
-              </a:rPr>
-              <a:t> </a:t>
-            </a:r>
-            <a:r>
-              <a:rPr lang="it-IT" sz="2400" dirty="0" err="1">
-                <a:solidFill>
-                  <a:srgbClr val="C00000"/>
-                </a:solidFill>
-              </a:rPr>
-              <a:t>is</a:t>
-            </a:r>
-            <a:r>
-              <a:rPr lang="it-IT" sz="2400" dirty="0">
-                <a:solidFill>
-                  <a:srgbClr val="C00000"/>
-                </a:solidFill>
-              </a:rPr>
-              <a:t> </a:t>
-            </a:r>
-            <a:r>
-              <a:rPr lang="it-IT" sz="2400" dirty="0" err="1">
-                <a:solidFill>
-                  <a:srgbClr val="C00000"/>
-                </a:solidFill>
-              </a:rPr>
-              <a:t>its</a:t>
-            </a:r>
-            <a:r>
-              <a:rPr lang="it-IT" sz="2400" dirty="0">
-                <a:solidFill>
-                  <a:srgbClr val="C00000"/>
-                </a:solidFill>
-              </a:rPr>
-              <a:t> </a:t>
-            </a:r>
-            <a:r>
-              <a:rPr lang="it-IT" sz="2400" dirty="0" err="1">
-                <a:solidFill>
-                  <a:srgbClr val="C00000"/>
-                </a:solidFill>
-              </a:rPr>
-              <a:t>role</a:t>
-            </a:r>
-            <a:r>
-              <a:rPr lang="it-IT" sz="2400" dirty="0">
-                <a:solidFill>
-                  <a:srgbClr val="C00000"/>
-                </a:solidFill>
-              </a:rPr>
-              <a:t>?</a:t>
-            </a:r>
-          </a:p>
-        </p:txBody>
-      </p:sp>
-    </p:spTree>
-    <p:extLst>
-      <p:ext uri="{BB962C8B-B14F-4D97-AF65-F5344CB8AC3E}">
-        <p14:creationId xmlns:p14="http://schemas.microsoft.com/office/powerpoint/2010/main" val="2290028365"/>
-      </p:ext>
-    </p:extLst>
-  </p:cSld>
-  <p:clrMapOvr>
-    <a:masterClrMapping/>
-  </p:clrMapOvr>
-</p:sld>
-</file>
-
-<file path=ppt/slides/slide5.xml><?xml version="1.0" encoding="utf-8"?>
 <p:sld xmlns:a="http://schemas.openxmlformats.org/drawingml/2006/main" xmlns:r="http://schemas.openxmlformats.org/officeDocument/2006/relationships" xmlns:p="http://schemas.openxmlformats.org/presentationml/2006/main">
   <p:cSld>
     <p:spTree>
@@ -12107,7 +13716,7 @@
           <p:cNvPr id="51" name="TextBox 50">
             <a:extLst>
               <a:ext uri="{FF2B5EF4-FFF2-40B4-BE49-F238E27FC236}">
-                <a16:creationId xmlns:a16="http://schemas.microsoft.com/office/drawing/2014/main" xmlns="" id="{38D92C47-6A24-433B-A9D7-48400DFBEE88}"/>
+                <a16:creationId xmlns="" xmlns:a16="http://schemas.microsoft.com/office/drawing/2014/main" id="{38D92C47-6A24-433B-A9D7-48400DFBEE88}"/>
               </a:ext>
             </a:extLst>
           </p:cNvPr>
@@ -12148,7 +13757,7 @@
           <p:cNvPr id="52" name="TextBox 51">
             <a:extLst>
               <a:ext uri="{FF2B5EF4-FFF2-40B4-BE49-F238E27FC236}">
-                <a16:creationId xmlns:a16="http://schemas.microsoft.com/office/drawing/2014/main" xmlns="" id="{46370455-EDDE-4BAF-A68F-1E721D22CFA3}"/>
+                <a16:creationId xmlns="" xmlns:a16="http://schemas.microsoft.com/office/drawing/2014/main" id="{46370455-EDDE-4BAF-A68F-1E721D22CFA3}"/>
               </a:ext>
             </a:extLst>
           </p:cNvPr>
@@ -12189,7 +13798,7 @@
           <p:cNvPr id="54" name="TextBox 53">
             <a:extLst>
               <a:ext uri="{FF2B5EF4-FFF2-40B4-BE49-F238E27FC236}">
-                <a16:creationId xmlns:a16="http://schemas.microsoft.com/office/drawing/2014/main" xmlns="" id="{1F0BD362-AB28-4ABC-B01D-E5FB51A4284F}"/>
+                <a16:creationId xmlns="" xmlns:a16="http://schemas.microsoft.com/office/drawing/2014/main" id="{1F0BD362-AB28-4ABC-B01D-E5FB51A4284F}"/>
               </a:ext>
             </a:extLst>
           </p:cNvPr>
@@ -12224,7 +13833,7 @@
           <p:cNvPr id="55" name="TextBox 54">
             <a:extLst>
               <a:ext uri="{FF2B5EF4-FFF2-40B4-BE49-F238E27FC236}">
-                <a16:creationId xmlns:a16="http://schemas.microsoft.com/office/drawing/2014/main" xmlns="" id="{66A6D040-E92F-405E-8F1C-224FD73DEB6A}"/>
+                <a16:creationId xmlns="" xmlns:a16="http://schemas.microsoft.com/office/drawing/2014/main" id="{66A6D040-E92F-405E-8F1C-224FD73DEB6A}"/>
               </a:ext>
             </a:extLst>
           </p:cNvPr>
@@ -12265,7 +13874,7 @@
           <p:cNvPr id="59" name="TextBox 58">
             <a:extLst>
               <a:ext uri="{FF2B5EF4-FFF2-40B4-BE49-F238E27FC236}">
-                <a16:creationId xmlns:a16="http://schemas.microsoft.com/office/drawing/2014/main" xmlns="" id="{8B737B46-BF72-4F50-880F-A81417342B9C}"/>
+                <a16:creationId xmlns="" xmlns:a16="http://schemas.microsoft.com/office/drawing/2014/main" id="{8B737B46-BF72-4F50-880F-A81417342B9C}"/>
               </a:ext>
             </a:extLst>
           </p:cNvPr>
@@ -12306,7 +13915,7 @@
           <p:cNvPr id="60" name="TextBox 59">
             <a:extLst>
               <a:ext uri="{FF2B5EF4-FFF2-40B4-BE49-F238E27FC236}">
-                <a16:creationId xmlns:a16="http://schemas.microsoft.com/office/drawing/2014/main" xmlns="" id="{635E5AB3-11BB-4188-A9F5-6624D8487908}"/>
+                <a16:creationId xmlns="" xmlns:a16="http://schemas.microsoft.com/office/drawing/2014/main" id="{635E5AB3-11BB-4188-A9F5-6624D8487908}"/>
               </a:ext>
             </a:extLst>
           </p:cNvPr>
@@ -12352,10 +13961,17 @@
   <p:clrMapOvr>
     <a:masterClrMapping/>
   </p:clrMapOvr>
+  <p:timing>
+    <p:tnLst>
+      <p:par>
+        <p:cTn id="1" dur="indefinite" restart="never" nodeType="tmRoot"/>
+      </p:par>
+    </p:tnLst>
+  </p:timing>
 </p:sld>
 </file>
 
-<file path=ppt/slides/slide6.xml><?xml version="1.0" encoding="utf-8"?>
+<file path=ppt/slides/slide5.xml><?xml version="1.0" encoding="utf-8"?>
 <p:sld xmlns:a="http://schemas.openxmlformats.org/drawingml/2006/main" xmlns:r="http://schemas.openxmlformats.org/officeDocument/2006/relationships" xmlns:p="http://schemas.openxmlformats.org/presentationml/2006/main">
   <p:cSld>
     <p:spTree>
@@ -14373,7 +15989,7 @@
           <p:cNvPr id="43" name="TextBox 42">
             <a:extLst>
               <a:ext uri="{FF2B5EF4-FFF2-40B4-BE49-F238E27FC236}">
-                <a16:creationId xmlns:a16="http://schemas.microsoft.com/office/drawing/2014/main" xmlns="" id="{C66D85E0-1A23-448C-9466-6DADEA26156A}"/>
+                <a16:creationId xmlns="" xmlns:a16="http://schemas.microsoft.com/office/drawing/2014/main" id="{C66D85E0-1A23-448C-9466-6DADEA26156A}"/>
               </a:ext>
             </a:extLst>
           </p:cNvPr>
@@ -14414,7 +16030,7 @@
           <p:cNvPr id="44" name="TextBox 43">
             <a:extLst>
               <a:ext uri="{FF2B5EF4-FFF2-40B4-BE49-F238E27FC236}">
-                <a16:creationId xmlns:a16="http://schemas.microsoft.com/office/drawing/2014/main" xmlns="" id="{73BB0B6F-DBD2-4682-88DA-A68E1C43C8EE}"/>
+                <a16:creationId xmlns="" xmlns:a16="http://schemas.microsoft.com/office/drawing/2014/main" id="{73BB0B6F-DBD2-4682-88DA-A68E1C43C8EE}"/>
               </a:ext>
             </a:extLst>
           </p:cNvPr>
@@ -14455,7 +16071,7 @@
           <p:cNvPr id="45" name="TextBox 44">
             <a:extLst>
               <a:ext uri="{FF2B5EF4-FFF2-40B4-BE49-F238E27FC236}">
-                <a16:creationId xmlns:a16="http://schemas.microsoft.com/office/drawing/2014/main" xmlns="" id="{06BB9D57-20AB-4911-8F91-1EAAD2C3D635}"/>
+                <a16:creationId xmlns="" xmlns:a16="http://schemas.microsoft.com/office/drawing/2014/main" id="{06BB9D57-20AB-4911-8F91-1EAAD2C3D635}"/>
               </a:ext>
             </a:extLst>
           </p:cNvPr>
@@ -14490,7 +16106,7 @@
           <p:cNvPr id="46" name="TextBox 45">
             <a:extLst>
               <a:ext uri="{FF2B5EF4-FFF2-40B4-BE49-F238E27FC236}">
-                <a16:creationId xmlns:a16="http://schemas.microsoft.com/office/drawing/2014/main" xmlns="" id="{6BDA7693-CA76-4C97-8FED-A4A65AB5032B}"/>
+                <a16:creationId xmlns="" xmlns:a16="http://schemas.microsoft.com/office/drawing/2014/main" id="{6BDA7693-CA76-4C97-8FED-A4A65AB5032B}"/>
               </a:ext>
             </a:extLst>
           </p:cNvPr>
@@ -14531,7 +16147,7 @@
           <p:cNvPr id="47" name="TextBox 46">
             <a:extLst>
               <a:ext uri="{FF2B5EF4-FFF2-40B4-BE49-F238E27FC236}">
-                <a16:creationId xmlns:a16="http://schemas.microsoft.com/office/drawing/2014/main" xmlns="" id="{F3FF60E3-5733-4A51-BB64-B5D227CFB6FE}"/>
+                <a16:creationId xmlns="" xmlns:a16="http://schemas.microsoft.com/office/drawing/2014/main" id="{F3FF60E3-5733-4A51-BB64-B5D227CFB6FE}"/>
               </a:ext>
             </a:extLst>
           </p:cNvPr>
@@ -14572,7 +16188,7 @@
           <p:cNvPr id="48" name="TextBox 47">
             <a:extLst>
               <a:ext uri="{FF2B5EF4-FFF2-40B4-BE49-F238E27FC236}">
-                <a16:creationId xmlns:a16="http://schemas.microsoft.com/office/drawing/2014/main" xmlns="" id="{6CFBFA02-2444-480B-B78F-A1A7AD55973E}"/>
+                <a16:creationId xmlns="" xmlns:a16="http://schemas.microsoft.com/office/drawing/2014/main" id="{6CFBFA02-2444-480B-B78F-A1A7AD55973E}"/>
               </a:ext>
             </a:extLst>
           </p:cNvPr>
@@ -14618,10 +16234,17 @@
   <p:clrMapOvr>
     <a:masterClrMapping/>
   </p:clrMapOvr>
+  <p:timing>
+    <p:tnLst>
+      <p:par>
+        <p:cTn id="1" dur="indefinite" restart="never" nodeType="tmRoot"/>
+      </p:par>
+    </p:tnLst>
+  </p:timing>
 </p:sld>
 </file>
 
-<file path=ppt/slides/slide7.xml><?xml version="1.0" encoding="utf-8"?>
+<file path=ppt/slides/slide6.xml><?xml version="1.0" encoding="utf-8"?>
 <p:sld xmlns:a="http://schemas.openxmlformats.org/drawingml/2006/main" xmlns:r="http://schemas.openxmlformats.org/officeDocument/2006/relationships" xmlns:p="http://schemas.openxmlformats.org/presentationml/2006/main">
   <p:cSld>
     <p:spTree>
@@ -14750,10 +16373,17 @@
   <p:clrMapOvr>
     <a:masterClrMapping/>
   </p:clrMapOvr>
+  <p:timing>
+    <p:tnLst>
+      <p:par>
+        <p:cTn id="1" dur="indefinite" restart="never" nodeType="tmRoot"/>
+      </p:par>
+    </p:tnLst>
+  </p:timing>
 </p:sld>
 </file>
 
-<file path=ppt/slides/slide8.xml><?xml version="1.0" encoding="utf-8"?>
+<file path=ppt/slides/slide7.xml><?xml version="1.0" encoding="utf-8"?>
 <p:sld xmlns:a="http://schemas.openxmlformats.org/drawingml/2006/main" xmlns:r="http://schemas.openxmlformats.org/officeDocument/2006/relationships" xmlns:p="http://schemas.openxmlformats.org/presentationml/2006/main">
   <p:cSld>
     <p:spTree>
@@ -14888,10 +16518,17 @@
   <p:clrMapOvr>
     <a:masterClrMapping/>
   </p:clrMapOvr>
+  <p:timing>
+    <p:tnLst>
+      <p:par>
+        <p:cTn id="1" dur="indefinite" restart="never" nodeType="tmRoot"/>
+      </p:par>
+    </p:tnLst>
+  </p:timing>
 </p:sld>
 </file>
 
-<file path=ppt/slides/slide9.xml><?xml version="1.0" encoding="utf-8"?>
+<file path=ppt/slides/slide8.xml><?xml version="1.0" encoding="utf-8"?>
 <p:sld xmlns:a="http://schemas.openxmlformats.org/drawingml/2006/main" xmlns:r="http://schemas.openxmlformats.org/officeDocument/2006/relationships" xmlns:p="http://schemas.openxmlformats.org/presentationml/2006/main">
   <p:cSld>
     <p:spTree>
@@ -15163,6 +16800,1596 @@
   <p:clrMapOvr>
     <a:masterClrMapping/>
   </p:clrMapOvr>
+  <p:timing>
+    <p:tnLst>
+      <p:par>
+        <p:cTn id="1" dur="indefinite" restart="never" nodeType="tmRoot"/>
+      </p:par>
+    </p:tnLst>
+  </p:timing>
+</p:sld>
+</file>
+
+<file path=ppt/slides/slide9.xml><?xml version="1.0" encoding="utf-8"?>
+<p:sld xmlns:a="http://schemas.openxmlformats.org/drawingml/2006/main" xmlns:r="http://schemas.openxmlformats.org/officeDocument/2006/relationships" xmlns:p="http://schemas.openxmlformats.org/presentationml/2006/main">
+  <p:cSld>
+    <p:spTree>
+      <p:nvGrpSpPr>
+        <p:cNvPr id="1" name=""/>
+        <p:cNvGrpSpPr/>
+        <p:nvPr/>
+      </p:nvGrpSpPr>
+      <p:grpSpPr>
+        <a:xfrm>
+          <a:off x="0" y="0"/>
+          <a:ext cx="0" cy="0"/>
+          <a:chOff x="0" y="0"/>
+          <a:chExt cx="0" cy="0"/>
+        </a:xfrm>
+      </p:grpSpPr>
+      <p:grpSp>
+        <p:nvGrpSpPr>
+          <p:cNvPr id="6" name="Gruppo 5"/>
+          <p:cNvGrpSpPr/>
+          <p:nvPr/>
+        </p:nvGrpSpPr>
+        <p:grpSpPr>
+          <a:xfrm>
+            <a:off x="6959521" y="1785659"/>
+            <a:ext cx="805955" cy="772447"/>
+            <a:chOff x="565700" y="4940367"/>
+            <a:chExt cx="805955" cy="772447"/>
+          </a:xfrm>
+        </p:grpSpPr>
+        <p:sp>
+          <p:nvSpPr>
+            <p:cNvPr id="7" name="Ovale 6"/>
+            <p:cNvSpPr/>
+            <p:nvPr/>
+          </p:nvSpPr>
+          <p:spPr>
+            <a:xfrm>
+              <a:off x="565700" y="4983583"/>
+              <a:ext cx="805955" cy="729231"/>
+            </a:xfrm>
+            <a:prstGeom prst="ellipse">
+              <a:avLst/>
+            </a:prstGeom>
+            <a:solidFill>
+              <a:srgbClr val="FF99CC"/>
+            </a:solidFill>
+          </p:spPr>
+          <p:style>
+            <a:lnRef idx="2">
+              <a:schemeClr val="accent1">
+                <a:shade val="50000"/>
+              </a:schemeClr>
+            </a:lnRef>
+            <a:fillRef idx="1">
+              <a:schemeClr val="accent1"/>
+            </a:fillRef>
+            <a:effectRef idx="0">
+              <a:schemeClr val="accent1"/>
+            </a:effectRef>
+            <a:fontRef idx="minor">
+              <a:schemeClr val="lt1"/>
+            </a:fontRef>
+          </p:style>
+          <p:txBody>
+            <a:bodyPr rtlCol="0" anchor="ctr"/>
+            <a:lstStyle/>
+            <a:p>
+              <a:pPr algn="ctr"/>
+              <a:r>
+                <a:rPr lang="en-GB" dirty="0">
+                  <a:solidFill>
+                    <a:schemeClr val="lt1"/>
+                  </a:solidFill>
+                </a:rPr>
+                <a:t> </a:t>
+              </a:r>
+            </a:p>
+          </p:txBody>
+        </p:sp>
+        <p:sp>
+          <p:nvSpPr>
+            <p:cNvPr id="8" name="Triangolo isoscele 7"/>
+            <p:cNvSpPr/>
+            <p:nvPr/>
+          </p:nvSpPr>
+          <p:spPr>
+            <a:xfrm rot="16200000">
+              <a:off x="905299" y="4913952"/>
+              <a:ext cx="86434" cy="139263"/>
+            </a:xfrm>
+            <a:prstGeom prst="triangle">
+              <a:avLst/>
+            </a:prstGeom>
+            <a:solidFill>
+              <a:srgbClr val="FF99CC"/>
+            </a:solidFill>
+            <a:ln>
+              <a:solidFill>
+                <a:schemeClr val="tx1"/>
+              </a:solidFill>
+            </a:ln>
+          </p:spPr>
+          <p:style>
+            <a:lnRef idx="2">
+              <a:schemeClr val="accent1">
+                <a:shade val="50000"/>
+              </a:schemeClr>
+            </a:lnRef>
+            <a:fillRef idx="1">
+              <a:schemeClr val="accent1"/>
+            </a:fillRef>
+            <a:effectRef idx="0">
+              <a:schemeClr val="accent1"/>
+            </a:effectRef>
+            <a:fontRef idx="minor">
+              <a:schemeClr val="lt1"/>
+            </a:fontRef>
+          </p:style>
+          <p:txBody>
+            <a:bodyPr rtlCol="0" anchor="ctr"/>
+            <a:lstStyle/>
+            <a:p>
+              <a:pPr algn="ctr"/>
+              <a:endParaRPr lang="en-GB">
+                <a:solidFill>
+                  <a:schemeClr val="lt1"/>
+                </a:solidFill>
+              </a:endParaRPr>
+            </a:p>
+          </p:txBody>
+        </p:sp>
+      </p:grpSp>
+      <p:sp>
+        <p:nvSpPr>
+          <p:cNvPr id="9" name="CasellaDiTesto 8"/>
+          <p:cNvSpPr txBox="1"/>
+          <p:nvPr/>
+        </p:nvSpPr>
+        <p:spPr>
+          <a:xfrm>
+            <a:off x="6681705" y="626685"/>
+            <a:ext cx="1460528" cy="369332"/>
+          </a:xfrm>
+          <a:prstGeom prst="rect">
+            <a:avLst/>
+          </a:prstGeom>
+          <a:noFill/>
+        </p:spPr>
+        <p:txBody>
+          <a:bodyPr wrap="none" rtlCol="0">
+            <a:spAutoFit/>
+          </a:bodyPr>
+          <a:lstStyle/>
+          <a:p>
+            <a:r>
+              <a:rPr lang="en-GB" b="1" dirty="0" err="1"/>
+              <a:t>CentroHealth</a:t>
+            </a:r>
+            <a:endParaRPr lang="en-GB" dirty="0"/>
+          </a:p>
+        </p:txBody>
+      </p:sp>
+      <p:sp>
+        <p:nvSpPr>
+          <p:cNvPr id="12" name="TextBox 45">
+            <a:extLst>
+              <a:ext uri="{FF2B5EF4-FFF2-40B4-BE49-F238E27FC236}">
+                <a16:creationId xmlns="" xmlns:a16="http://schemas.microsoft.com/office/drawing/2014/main" id="{6BDA7693-CA76-4C97-8FED-A4A65AB5032B}"/>
+              </a:ext>
+            </a:extLst>
+          </p:cNvPr>
+          <p:cNvSpPr txBox="1"/>
+          <p:nvPr/>
+        </p:nvSpPr>
+        <p:spPr>
+          <a:xfrm>
+            <a:off x="4109820" y="638865"/>
+            <a:ext cx="1568443" cy="369332"/>
+          </a:xfrm>
+          <a:prstGeom prst="rect">
+            <a:avLst/>
+          </a:prstGeom>
+          <a:noFill/>
+        </p:spPr>
+        <p:txBody>
+          <a:bodyPr wrap="none" rtlCol="0">
+            <a:spAutoFit/>
+          </a:bodyPr>
+          <a:lstStyle/>
+          <a:p>
+            <a:r>
+              <a:rPr lang="en-US" b="1" dirty="0" err="1"/>
+              <a:t>HealthProduct</a:t>
+            </a:r>
+            <a:endParaRPr lang="en-US" b="1" dirty="0"/>
+          </a:p>
+        </p:txBody>
+      </p:sp>
+      <p:grpSp>
+        <p:nvGrpSpPr>
+          <p:cNvPr id="13" name="Gruppo 12"/>
+          <p:cNvGrpSpPr/>
+          <p:nvPr/>
+        </p:nvGrpSpPr>
+        <p:grpSpPr>
+          <a:xfrm>
+            <a:off x="4159291" y="2027436"/>
+            <a:ext cx="805955" cy="772447"/>
+            <a:chOff x="565700" y="4940367"/>
+            <a:chExt cx="805955" cy="772447"/>
+          </a:xfrm>
+        </p:grpSpPr>
+        <p:sp>
+          <p:nvSpPr>
+            <p:cNvPr id="14" name="Ovale 13"/>
+            <p:cNvSpPr/>
+            <p:nvPr/>
+          </p:nvSpPr>
+          <p:spPr>
+            <a:xfrm>
+              <a:off x="565700" y="4983583"/>
+              <a:ext cx="805955" cy="729231"/>
+            </a:xfrm>
+            <a:prstGeom prst="ellipse">
+              <a:avLst/>
+            </a:prstGeom>
+            <a:ln/>
+          </p:spPr>
+          <p:style>
+            <a:lnRef idx="1">
+              <a:schemeClr val="accent4"/>
+            </a:lnRef>
+            <a:fillRef idx="2">
+              <a:schemeClr val="accent4"/>
+            </a:fillRef>
+            <a:effectRef idx="1">
+              <a:schemeClr val="accent4"/>
+            </a:effectRef>
+            <a:fontRef idx="minor">
+              <a:schemeClr val="dk1"/>
+            </a:fontRef>
+          </p:style>
+          <p:txBody>
+            <a:bodyPr rtlCol="0" anchor="ctr"/>
+            <a:lstStyle/>
+            <a:p>
+              <a:pPr algn="ctr"/>
+              <a:r>
+                <a:rPr lang="en-GB" sz="1200" dirty="0"/>
+                <a:t> </a:t>
+              </a:r>
+            </a:p>
+          </p:txBody>
+        </p:sp>
+        <p:sp>
+          <p:nvSpPr>
+            <p:cNvPr id="15" name="Triangolo isoscele 14"/>
+            <p:cNvSpPr/>
+            <p:nvPr/>
+          </p:nvSpPr>
+          <p:spPr>
+            <a:xfrm rot="16200000">
+              <a:off x="905299" y="4913952"/>
+              <a:ext cx="86434" cy="139263"/>
+            </a:xfrm>
+            <a:prstGeom prst="triangle">
+              <a:avLst/>
+            </a:prstGeom>
+            <a:solidFill>
+              <a:srgbClr val="C00000"/>
+            </a:solidFill>
+            <a:ln/>
+          </p:spPr>
+          <p:style>
+            <a:lnRef idx="1">
+              <a:schemeClr val="accent5"/>
+            </a:lnRef>
+            <a:fillRef idx="2">
+              <a:schemeClr val="accent5"/>
+            </a:fillRef>
+            <a:effectRef idx="1">
+              <a:schemeClr val="accent5"/>
+            </a:effectRef>
+            <a:fontRef idx="minor">
+              <a:schemeClr val="dk1"/>
+            </a:fontRef>
+          </p:style>
+          <p:txBody>
+            <a:bodyPr rtlCol="0" anchor="ctr"/>
+            <a:lstStyle/>
+            <a:p>
+              <a:pPr algn="ctr"/>
+              <a:endParaRPr lang="en-GB" sz="1200">
+                <a:solidFill>
+                  <a:schemeClr val="dk1"/>
+                </a:solidFill>
+              </a:endParaRPr>
+            </a:p>
+          </p:txBody>
+        </p:sp>
+      </p:grpSp>
+      <p:grpSp>
+        <p:nvGrpSpPr>
+          <p:cNvPr id="16" name="Gruppo 15"/>
+          <p:cNvGrpSpPr/>
+          <p:nvPr/>
+        </p:nvGrpSpPr>
+        <p:grpSpPr>
+          <a:xfrm>
+            <a:off x="2936598" y="1407997"/>
+            <a:ext cx="666895" cy="86434"/>
+            <a:chOff x="4592177" y="4419530"/>
+            <a:chExt cx="666895" cy="86434"/>
+          </a:xfrm>
+        </p:grpSpPr>
+        <p:cxnSp>
+          <p:nvCxnSpPr>
+            <p:cNvPr id="17" name="Connettore 1 16"/>
+            <p:cNvCxnSpPr/>
+            <p:nvPr/>
+          </p:nvCxnSpPr>
+          <p:spPr>
+            <a:xfrm>
+              <a:off x="4611000" y="4462747"/>
+              <a:ext cx="648072" cy="0"/>
+            </a:xfrm>
+            <a:prstGeom prst="line">
+              <a:avLst/>
+            </a:prstGeom>
+            <a:ln>
+              <a:prstDash val="dash"/>
+            </a:ln>
+          </p:spPr>
+          <p:style>
+            <a:lnRef idx="1">
+              <a:schemeClr val="accent1"/>
+            </a:lnRef>
+            <a:fillRef idx="0">
+              <a:schemeClr val="accent1"/>
+            </a:fillRef>
+            <a:effectRef idx="0">
+              <a:schemeClr val="accent1"/>
+            </a:effectRef>
+            <a:fontRef idx="minor">
+              <a:schemeClr val="tx1"/>
+            </a:fontRef>
+          </p:style>
+        </p:cxnSp>
+        <p:sp>
+          <p:nvSpPr>
+            <p:cNvPr id="18" name="Triangolo isoscele 17"/>
+            <p:cNvSpPr/>
+            <p:nvPr/>
+          </p:nvSpPr>
+          <p:spPr>
+            <a:xfrm rot="16200000">
+              <a:off x="4618592" y="4393115"/>
+              <a:ext cx="86434" cy="139263"/>
+            </a:xfrm>
+            <a:prstGeom prst="triangle">
+              <a:avLst/>
+            </a:prstGeom>
+            <a:solidFill>
+              <a:schemeClr val="bg1"/>
+            </a:solidFill>
+            <a:ln/>
+          </p:spPr>
+          <p:style>
+            <a:lnRef idx="1">
+              <a:schemeClr val="accent5"/>
+            </a:lnRef>
+            <a:fillRef idx="2">
+              <a:schemeClr val="accent5"/>
+            </a:fillRef>
+            <a:effectRef idx="1">
+              <a:schemeClr val="accent5"/>
+            </a:effectRef>
+            <a:fontRef idx="minor">
+              <a:schemeClr val="dk1"/>
+            </a:fontRef>
+          </p:style>
+          <p:txBody>
+            <a:bodyPr rtlCol="0" anchor="ctr"/>
+            <a:lstStyle/>
+            <a:p>
+              <a:pPr algn="ctr"/>
+              <a:endParaRPr lang="en-GB" sz="1200"/>
+            </a:p>
+          </p:txBody>
+        </p:sp>
+      </p:grpSp>
+      <p:grpSp>
+        <p:nvGrpSpPr>
+          <p:cNvPr id="19" name="Gruppo 18"/>
+          <p:cNvGrpSpPr/>
+          <p:nvPr/>
+        </p:nvGrpSpPr>
+        <p:grpSpPr>
+          <a:xfrm>
+            <a:off x="2936598" y="1173784"/>
+            <a:ext cx="787334" cy="86434"/>
+            <a:chOff x="3452446" y="4176616"/>
+            <a:chExt cx="787334" cy="86434"/>
+          </a:xfrm>
+        </p:grpSpPr>
+        <p:sp>
+          <p:nvSpPr>
+            <p:cNvPr id="20" name="Triangolo isoscele 19"/>
+            <p:cNvSpPr/>
+            <p:nvPr/>
+          </p:nvSpPr>
+          <p:spPr>
+            <a:xfrm rot="5400000" flipH="1">
+              <a:off x="4126932" y="4150201"/>
+              <a:ext cx="86434" cy="139263"/>
+            </a:xfrm>
+            <a:prstGeom prst="triangle">
+              <a:avLst/>
+            </a:prstGeom>
+            <a:solidFill>
+              <a:schemeClr val="bg1"/>
+            </a:solidFill>
+            <a:ln/>
+          </p:spPr>
+          <p:style>
+            <a:lnRef idx="1">
+              <a:schemeClr val="accent5"/>
+            </a:lnRef>
+            <a:fillRef idx="2">
+              <a:schemeClr val="accent5"/>
+            </a:fillRef>
+            <a:effectRef idx="1">
+              <a:schemeClr val="accent5"/>
+            </a:effectRef>
+            <a:fontRef idx="minor">
+              <a:schemeClr val="dk1"/>
+            </a:fontRef>
+          </p:style>
+          <p:txBody>
+            <a:bodyPr rtlCol="0" anchor="ctr"/>
+            <a:lstStyle/>
+            <a:p>
+              <a:pPr algn="ctr"/>
+              <a:endParaRPr lang="en-GB" sz="1200"/>
+            </a:p>
+          </p:txBody>
+        </p:sp>
+        <p:cxnSp>
+          <p:nvCxnSpPr>
+            <p:cNvPr id="21" name="Connettore 1 20"/>
+            <p:cNvCxnSpPr>
+              <a:endCxn id="20" idx="3"/>
+            </p:cNvCxnSpPr>
+            <p:nvPr/>
+          </p:nvCxnSpPr>
+          <p:spPr>
+            <a:xfrm>
+              <a:off x="3452446" y="4219627"/>
+              <a:ext cx="648072" cy="206"/>
+            </a:xfrm>
+            <a:prstGeom prst="line">
+              <a:avLst/>
+            </a:prstGeom>
+          </p:spPr>
+          <p:style>
+            <a:lnRef idx="1">
+              <a:schemeClr val="accent1"/>
+            </a:lnRef>
+            <a:fillRef idx="0">
+              <a:schemeClr val="accent1"/>
+            </a:fillRef>
+            <a:effectRef idx="0">
+              <a:schemeClr val="accent1"/>
+            </a:effectRef>
+            <a:fontRef idx="minor">
+              <a:schemeClr val="tx1"/>
+            </a:fontRef>
+          </p:style>
+        </p:cxnSp>
+      </p:grpSp>
+      <p:grpSp>
+        <p:nvGrpSpPr>
+          <p:cNvPr id="22" name="Gruppo 21"/>
+          <p:cNvGrpSpPr/>
+          <p:nvPr/>
+        </p:nvGrpSpPr>
+        <p:grpSpPr>
+          <a:xfrm>
+            <a:off x="5651718" y="2380914"/>
+            <a:ext cx="666895" cy="86434"/>
+            <a:chOff x="4592177" y="4419530"/>
+            <a:chExt cx="666895" cy="86434"/>
+          </a:xfrm>
+        </p:grpSpPr>
+        <p:cxnSp>
+          <p:nvCxnSpPr>
+            <p:cNvPr id="23" name="Connettore 1 22"/>
+            <p:cNvCxnSpPr/>
+            <p:nvPr/>
+          </p:nvCxnSpPr>
+          <p:spPr>
+            <a:xfrm>
+              <a:off x="4611000" y="4462747"/>
+              <a:ext cx="648072" cy="0"/>
+            </a:xfrm>
+            <a:prstGeom prst="line">
+              <a:avLst/>
+            </a:prstGeom>
+            <a:ln>
+              <a:prstDash val="dash"/>
+            </a:ln>
+          </p:spPr>
+          <p:style>
+            <a:lnRef idx="1">
+              <a:schemeClr val="accent1"/>
+            </a:lnRef>
+            <a:fillRef idx="0">
+              <a:schemeClr val="accent1"/>
+            </a:fillRef>
+            <a:effectRef idx="0">
+              <a:schemeClr val="accent1"/>
+            </a:effectRef>
+            <a:fontRef idx="minor">
+              <a:schemeClr val="tx1"/>
+            </a:fontRef>
+          </p:style>
+        </p:cxnSp>
+        <p:sp>
+          <p:nvSpPr>
+            <p:cNvPr id="24" name="Triangolo isoscele 23"/>
+            <p:cNvSpPr/>
+            <p:nvPr/>
+          </p:nvSpPr>
+          <p:spPr>
+            <a:xfrm rot="16200000">
+              <a:off x="4618592" y="4393115"/>
+              <a:ext cx="86434" cy="139263"/>
+            </a:xfrm>
+            <a:prstGeom prst="triangle">
+              <a:avLst/>
+            </a:prstGeom>
+            <a:solidFill>
+              <a:schemeClr val="bg1"/>
+            </a:solidFill>
+            <a:ln/>
+          </p:spPr>
+          <p:style>
+            <a:lnRef idx="1">
+              <a:schemeClr val="accent5"/>
+            </a:lnRef>
+            <a:fillRef idx="2">
+              <a:schemeClr val="accent5"/>
+            </a:fillRef>
+            <a:effectRef idx="1">
+              <a:schemeClr val="accent5"/>
+            </a:effectRef>
+            <a:fontRef idx="minor">
+              <a:schemeClr val="dk1"/>
+            </a:fontRef>
+          </p:style>
+          <p:txBody>
+            <a:bodyPr rtlCol="0" anchor="ctr"/>
+            <a:lstStyle/>
+            <a:p>
+              <a:pPr algn="ctr"/>
+              <a:endParaRPr lang="en-GB" sz="1200"/>
+            </a:p>
+          </p:txBody>
+        </p:sp>
+      </p:grpSp>
+      <p:grpSp>
+        <p:nvGrpSpPr>
+          <p:cNvPr id="25" name="Gruppo 24"/>
+          <p:cNvGrpSpPr/>
+          <p:nvPr/>
+        </p:nvGrpSpPr>
+        <p:grpSpPr>
+          <a:xfrm>
+            <a:off x="5643631" y="2184709"/>
+            <a:ext cx="787334" cy="86434"/>
+            <a:chOff x="3452446" y="4176616"/>
+            <a:chExt cx="787334" cy="86434"/>
+          </a:xfrm>
+        </p:grpSpPr>
+        <p:sp>
+          <p:nvSpPr>
+            <p:cNvPr id="26" name="Triangolo isoscele 25"/>
+            <p:cNvSpPr/>
+            <p:nvPr/>
+          </p:nvSpPr>
+          <p:spPr>
+            <a:xfrm rot="5400000" flipH="1">
+              <a:off x="4126932" y="4150201"/>
+              <a:ext cx="86434" cy="139263"/>
+            </a:xfrm>
+            <a:prstGeom prst="triangle">
+              <a:avLst/>
+            </a:prstGeom>
+            <a:solidFill>
+              <a:schemeClr val="bg1"/>
+            </a:solidFill>
+            <a:ln/>
+          </p:spPr>
+          <p:style>
+            <a:lnRef idx="1">
+              <a:schemeClr val="accent5"/>
+            </a:lnRef>
+            <a:fillRef idx="2">
+              <a:schemeClr val="accent5"/>
+            </a:fillRef>
+            <a:effectRef idx="1">
+              <a:schemeClr val="accent5"/>
+            </a:effectRef>
+            <a:fontRef idx="minor">
+              <a:schemeClr val="dk1"/>
+            </a:fontRef>
+          </p:style>
+          <p:txBody>
+            <a:bodyPr rtlCol="0" anchor="ctr"/>
+            <a:lstStyle/>
+            <a:p>
+              <a:pPr algn="ctr"/>
+              <a:endParaRPr lang="en-GB" sz="1200"/>
+            </a:p>
+          </p:txBody>
+        </p:sp>
+        <p:cxnSp>
+          <p:nvCxnSpPr>
+            <p:cNvPr id="27" name="Connettore 1 26"/>
+            <p:cNvCxnSpPr>
+              <a:endCxn id="26" idx="3"/>
+            </p:cNvCxnSpPr>
+            <p:nvPr/>
+          </p:nvCxnSpPr>
+          <p:spPr>
+            <a:xfrm>
+              <a:off x="3452446" y="4219627"/>
+              <a:ext cx="648072" cy="206"/>
+            </a:xfrm>
+            <a:prstGeom prst="line">
+              <a:avLst/>
+            </a:prstGeom>
+          </p:spPr>
+          <p:style>
+            <a:lnRef idx="1">
+              <a:schemeClr val="accent1"/>
+            </a:lnRef>
+            <a:fillRef idx="0">
+              <a:schemeClr val="accent1"/>
+            </a:fillRef>
+            <a:effectRef idx="0">
+              <a:schemeClr val="accent1"/>
+            </a:effectRef>
+            <a:fontRef idx="minor">
+              <a:schemeClr val="tx1"/>
+            </a:fontRef>
+          </p:style>
+        </p:cxnSp>
+      </p:grpSp>
+      <p:grpSp>
+        <p:nvGrpSpPr>
+          <p:cNvPr id="28" name="Gruppo 27"/>
+          <p:cNvGrpSpPr/>
+          <p:nvPr/>
+        </p:nvGrpSpPr>
+        <p:grpSpPr>
+          <a:xfrm>
+            <a:off x="1649062" y="2724047"/>
+            <a:ext cx="805955" cy="772447"/>
+            <a:chOff x="565700" y="4940367"/>
+            <a:chExt cx="805955" cy="772447"/>
+          </a:xfrm>
+        </p:grpSpPr>
+        <p:sp>
+          <p:nvSpPr>
+            <p:cNvPr id="29" name="Ovale 28"/>
+            <p:cNvSpPr/>
+            <p:nvPr/>
+          </p:nvSpPr>
+          <p:spPr>
+            <a:xfrm>
+              <a:off x="565700" y="4983583"/>
+              <a:ext cx="805955" cy="729231"/>
+            </a:xfrm>
+            <a:prstGeom prst="ellipse">
+              <a:avLst/>
+            </a:prstGeom>
+            <a:ln/>
+          </p:spPr>
+          <p:style>
+            <a:lnRef idx="1">
+              <a:schemeClr val="accent4"/>
+            </a:lnRef>
+            <a:fillRef idx="2">
+              <a:schemeClr val="accent4"/>
+            </a:fillRef>
+            <a:effectRef idx="1">
+              <a:schemeClr val="accent4"/>
+            </a:effectRef>
+            <a:fontRef idx="minor">
+              <a:schemeClr val="dk1"/>
+            </a:fontRef>
+          </p:style>
+          <p:txBody>
+            <a:bodyPr rtlCol="0" anchor="ctr"/>
+            <a:lstStyle/>
+            <a:p>
+              <a:pPr algn="ctr"/>
+              <a:r>
+                <a:rPr lang="en-GB" sz="1200" dirty="0"/>
+                <a:t> </a:t>
+              </a:r>
+            </a:p>
+          </p:txBody>
+        </p:sp>
+        <p:sp>
+          <p:nvSpPr>
+            <p:cNvPr id="30" name="Triangolo isoscele 29"/>
+            <p:cNvSpPr/>
+            <p:nvPr/>
+          </p:nvSpPr>
+          <p:spPr>
+            <a:xfrm rot="16200000">
+              <a:off x="905299" y="4913952"/>
+              <a:ext cx="86434" cy="139263"/>
+            </a:xfrm>
+            <a:prstGeom prst="triangle">
+              <a:avLst/>
+            </a:prstGeom>
+            <a:solidFill>
+              <a:srgbClr val="C00000"/>
+            </a:solidFill>
+            <a:ln/>
+          </p:spPr>
+          <p:style>
+            <a:lnRef idx="1">
+              <a:schemeClr val="accent5"/>
+            </a:lnRef>
+            <a:fillRef idx="2">
+              <a:schemeClr val="accent5"/>
+            </a:fillRef>
+            <a:effectRef idx="1">
+              <a:schemeClr val="accent5"/>
+            </a:effectRef>
+            <a:fontRef idx="minor">
+              <a:schemeClr val="dk1"/>
+            </a:fontRef>
+          </p:style>
+          <p:txBody>
+            <a:bodyPr rtlCol="0" anchor="ctr"/>
+            <a:lstStyle/>
+            <a:p>
+              <a:pPr algn="ctr"/>
+              <a:endParaRPr lang="en-GB" sz="1200">
+                <a:solidFill>
+                  <a:schemeClr val="dk1"/>
+                </a:solidFill>
+              </a:endParaRPr>
+            </a:p>
+          </p:txBody>
+        </p:sp>
+      </p:grpSp>
+      <p:sp>
+        <p:nvSpPr>
+          <p:cNvPr id="31" name="Ovale 30"/>
+          <p:cNvSpPr/>
+          <p:nvPr/>
+        </p:nvSpPr>
+        <p:spPr>
+          <a:xfrm>
+            <a:off x="1726649" y="1416900"/>
+            <a:ext cx="749721" cy="720080"/>
+          </a:xfrm>
+          <a:prstGeom prst="ellipse">
+            <a:avLst/>
+          </a:prstGeom>
+          <a:ln/>
+        </p:spPr>
+        <p:style>
+          <a:lnRef idx="1">
+            <a:schemeClr val="accent5"/>
+          </a:lnRef>
+          <a:fillRef idx="2">
+            <a:schemeClr val="accent5"/>
+          </a:fillRef>
+          <a:effectRef idx="1">
+            <a:schemeClr val="accent5"/>
+          </a:effectRef>
+          <a:fontRef idx="minor">
+            <a:schemeClr val="dk1"/>
+          </a:fontRef>
+        </p:style>
+        <p:txBody>
+          <a:bodyPr rtlCol="0" anchor="ctr"/>
+          <a:lstStyle/>
+          <a:p>
+            <a:pPr algn="ctr"/>
+            <a:r>
+              <a:rPr lang="en-GB" sz="1200" dirty="0"/>
+              <a:t> </a:t>
+            </a:r>
+          </a:p>
+        </p:txBody>
+      </p:sp>
+      <p:cxnSp>
+        <p:nvCxnSpPr>
+          <p:cNvPr id="32" name="Connettore 2 31"/>
+          <p:cNvCxnSpPr/>
+          <p:nvPr/>
+        </p:nvCxnSpPr>
+        <p:spPr>
+          <a:xfrm flipH="1">
+            <a:off x="2101509" y="1578829"/>
+            <a:ext cx="13466" cy="393101"/>
+          </a:xfrm>
+          <a:prstGeom prst="straightConnector1">
+            <a:avLst/>
+          </a:prstGeom>
+          <a:ln>
+            <a:solidFill>
+              <a:srgbClr val="C00000"/>
+            </a:solidFill>
+            <a:tailEnd type="arrow"/>
+          </a:ln>
+        </p:spPr>
+        <p:style>
+          <a:lnRef idx="1">
+            <a:schemeClr val="accent1"/>
+          </a:lnRef>
+          <a:fillRef idx="0">
+            <a:schemeClr val="accent1"/>
+          </a:fillRef>
+          <a:effectRef idx="0">
+            <a:schemeClr val="accent1"/>
+          </a:effectRef>
+          <a:fontRef idx="minor">
+            <a:schemeClr val="tx1"/>
+          </a:fontRef>
+        </p:style>
+      </p:cxnSp>
+      <p:sp>
+        <p:nvSpPr>
+          <p:cNvPr id="33" name="TextBox 45">
+            <a:extLst>
+              <a:ext uri="{FF2B5EF4-FFF2-40B4-BE49-F238E27FC236}">
+                <a16:creationId xmlns="" xmlns:a16="http://schemas.microsoft.com/office/drawing/2014/main" id="{6BDA7693-CA76-4C97-8FED-A4A65AB5032B}"/>
+              </a:ext>
+            </a:extLst>
+          </p:cNvPr>
+          <p:cNvSpPr txBox="1"/>
+          <p:nvPr/>
+        </p:nvSpPr>
+        <p:spPr>
+          <a:xfrm>
+            <a:off x="1726649" y="1008197"/>
+            <a:ext cx="809837" cy="369332"/>
+          </a:xfrm>
+          <a:prstGeom prst="rect">
+            <a:avLst/>
+          </a:prstGeom>
+          <a:noFill/>
+        </p:spPr>
+        <p:txBody>
+          <a:bodyPr wrap="none" rtlCol="0">
+            <a:spAutoFit/>
+          </a:bodyPr>
+          <a:lstStyle/>
+          <a:p>
+            <a:r>
+              <a:rPr lang="en-US" dirty="0" smtClean="0"/>
+              <a:t>Cas</a:t>
+            </a:r>
+            <a:r>
+              <a:rPr lang="en-US" dirty="0" smtClean="0"/>
+              <a:t>e </a:t>
+            </a:r>
+            <a:r>
+              <a:rPr lang="en-US" dirty="0" smtClean="0"/>
+              <a:t>A</a:t>
+            </a:r>
+            <a:endParaRPr lang="en-US" dirty="0"/>
+          </a:p>
+        </p:txBody>
+      </p:sp>
+      <p:sp>
+        <p:nvSpPr>
+          <p:cNvPr id="34" name="TextBox 45">
+            <a:extLst>
+              <a:ext uri="{FF2B5EF4-FFF2-40B4-BE49-F238E27FC236}">
+                <a16:creationId xmlns="" xmlns:a16="http://schemas.microsoft.com/office/drawing/2014/main" id="{6BDA7693-CA76-4C97-8FED-A4A65AB5032B}"/>
+              </a:ext>
+            </a:extLst>
+          </p:cNvPr>
+          <p:cNvSpPr txBox="1"/>
+          <p:nvPr/>
+        </p:nvSpPr>
+        <p:spPr>
+          <a:xfrm>
+            <a:off x="1649062" y="2380913"/>
+            <a:ext cx="809837" cy="369332"/>
+          </a:xfrm>
+          <a:prstGeom prst="rect">
+            <a:avLst/>
+          </a:prstGeom>
+          <a:noFill/>
+        </p:spPr>
+        <p:txBody>
+          <a:bodyPr wrap="none" rtlCol="0">
+            <a:spAutoFit/>
+          </a:bodyPr>
+          <a:lstStyle/>
+          <a:p>
+            <a:r>
+              <a:rPr lang="en-US" dirty="0" smtClean="0"/>
+              <a:t>Cas</a:t>
+            </a:r>
+            <a:r>
+              <a:rPr lang="en-US" dirty="0" smtClean="0"/>
+              <a:t>e </a:t>
+            </a:r>
+            <a:r>
+              <a:rPr lang="en-US" dirty="0" smtClean="0"/>
+              <a:t>B</a:t>
+            </a:r>
+            <a:endParaRPr lang="en-US" dirty="0"/>
+          </a:p>
+        </p:txBody>
+      </p:sp>
+      <p:grpSp>
+        <p:nvGrpSpPr>
+          <p:cNvPr id="35" name="Gruppo 34"/>
+          <p:cNvGrpSpPr/>
+          <p:nvPr/>
+        </p:nvGrpSpPr>
+        <p:grpSpPr>
+          <a:xfrm flipH="1">
+            <a:off x="2946010" y="3247178"/>
+            <a:ext cx="666895" cy="86434"/>
+            <a:chOff x="4592177" y="4419530"/>
+            <a:chExt cx="666895" cy="86434"/>
+          </a:xfrm>
+        </p:grpSpPr>
+        <p:cxnSp>
+          <p:nvCxnSpPr>
+            <p:cNvPr id="36" name="Connettore 1 35"/>
+            <p:cNvCxnSpPr/>
+            <p:nvPr/>
+          </p:nvCxnSpPr>
+          <p:spPr>
+            <a:xfrm>
+              <a:off x="4611000" y="4462747"/>
+              <a:ext cx="648072" cy="0"/>
+            </a:xfrm>
+            <a:prstGeom prst="line">
+              <a:avLst/>
+            </a:prstGeom>
+            <a:ln>
+              <a:prstDash val="dash"/>
+            </a:ln>
+          </p:spPr>
+          <p:style>
+            <a:lnRef idx="1">
+              <a:schemeClr val="accent1"/>
+            </a:lnRef>
+            <a:fillRef idx="0">
+              <a:schemeClr val="accent1"/>
+            </a:fillRef>
+            <a:effectRef idx="0">
+              <a:schemeClr val="accent1"/>
+            </a:effectRef>
+            <a:fontRef idx="minor">
+              <a:schemeClr val="tx1"/>
+            </a:fontRef>
+          </p:style>
+        </p:cxnSp>
+        <p:sp>
+          <p:nvSpPr>
+            <p:cNvPr id="37" name="Triangolo isoscele 36"/>
+            <p:cNvSpPr/>
+            <p:nvPr/>
+          </p:nvSpPr>
+          <p:spPr>
+            <a:xfrm rot="16200000">
+              <a:off x="4618592" y="4393115"/>
+              <a:ext cx="86434" cy="139263"/>
+            </a:xfrm>
+            <a:prstGeom prst="triangle">
+              <a:avLst/>
+            </a:prstGeom>
+            <a:solidFill>
+              <a:schemeClr val="bg1"/>
+            </a:solidFill>
+            <a:ln/>
+          </p:spPr>
+          <p:style>
+            <a:lnRef idx="1">
+              <a:schemeClr val="accent5"/>
+            </a:lnRef>
+            <a:fillRef idx="2">
+              <a:schemeClr val="accent5"/>
+            </a:fillRef>
+            <a:effectRef idx="1">
+              <a:schemeClr val="accent5"/>
+            </a:effectRef>
+            <a:fontRef idx="minor">
+              <a:schemeClr val="dk1"/>
+            </a:fontRef>
+          </p:style>
+          <p:txBody>
+            <a:bodyPr rtlCol="0" anchor="ctr"/>
+            <a:lstStyle/>
+            <a:p>
+              <a:pPr algn="ctr"/>
+              <a:endParaRPr lang="en-GB" sz="1200"/>
+            </a:p>
+          </p:txBody>
+        </p:sp>
+      </p:grpSp>
+      <p:grpSp>
+        <p:nvGrpSpPr>
+          <p:cNvPr id="38" name="Gruppo 37"/>
+          <p:cNvGrpSpPr/>
+          <p:nvPr/>
+        </p:nvGrpSpPr>
+        <p:grpSpPr>
+          <a:xfrm flipH="1">
+            <a:off x="2946010" y="3012965"/>
+            <a:ext cx="787334" cy="86434"/>
+            <a:chOff x="3452446" y="4176616"/>
+            <a:chExt cx="787334" cy="86434"/>
+          </a:xfrm>
+        </p:grpSpPr>
+        <p:sp>
+          <p:nvSpPr>
+            <p:cNvPr id="39" name="Triangolo isoscele 38"/>
+            <p:cNvSpPr/>
+            <p:nvPr/>
+          </p:nvSpPr>
+          <p:spPr>
+            <a:xfrm rot="5400000" flipH="1">
+              <a:off x="4126932" y="4150201"/>
+              <a:ext cx="86434" cy="139263"/>
+            </a:xfrm>
+            <a:prstGeom prst="triangle">
+              <a:avLst/>
+            </a:prstGeom>
+            <a:solidFill>
+              <a:schemeClr val="bg1"/>
+            </a:solidFill>
+            <a:ln/>
+          </p:spPr>
+          <p:style>
+            <a:lnRef idx="1">
+              <a:schemeClr val="accent5"/>
+            </a:lnRef>
+            <a:fillRef idx="2">
+              <a:schemeClr val="accent5"/>
+            </a:fillRef>
+            <a:effectRef idx="1">
+              <a:schemeClr val="accent5"/>
+            </a:effectRef>
+            <a:fontRef idx="minor">
+              <a:schemeClr val="dk1"/>
+            </a:fontRef>
+          </p:style>
+          <p:txBody>
+            <a:bodyPr rtlCol="0" anchor="ctr"/>
+            <a:lstStyle/>
+            <a:p>
+              <a:pPr algn="ctr"/>
+              <a:endParaRPr lang="en-GB" sz="1200"/>
+            </a:p>
+          </p:txBody>
+        </p:sp>
+        <p:cxnSp>
+          <p:nvCxnSpPr>
+            <p:cNvPr id="40" name="Connettore 1 39"/>
+            <p:cNvCxnSpPr>
+              <a:endCxn id="39" idx="3"/>
+            </p:cNvCxnSpPr>
+            <p:nvPr/>
+          </p:nvCxnSpPr>
+          <p:spPr>
+            <a:xfrm>
+              <a:off x="3452446" y="4219627"/>
+              <a:ext cx="648072" cy="206"/>
+            </a:xfrm>
+            <a:prstGeom prst="line">
+              <a:avLst/>
+            </a:prstGeom>
+          </p:spPr>
+          <p:style>
+            <a:lnRef idx="1">
+              <a:schemeClr val="accent1"/>
+            </a:lnRef>
+            <a:fillRef idx="0">
+              <a:schemeClr val="accent1"/>
+            </a:fillRef>
+            <a:effectRef idx="0">
+              <a:schemeClr val="accent1"/>
+            </a:effectRef>
+            <a:fontRef idx="minor">
+              <a:schemeClr val="tx1"/>
+            </a:fontRef>
+          </p:style>
+        </p:cxnSp>
+      </p:grpSp>
+      <p:cxnSp>
+        <p:nvCxnSpPr>
+          <p:cNvPr id="42" name="Connettore 1 41"/>
+          <p:cNvCxnSpPr/>
+          <p:nvPr/>
+        </p:nvCxnSpPr>
+        <p:spPr>
+          <a:xfrm>
+            <a:off x="2771800" y="475221"/>
+            <a:ext cx="0" cy="4393939"/>
+          </a:xfrm>
+          <a:prstGeom prst="line">
+            <a:avLst/>
+          </a:prstGeom>
+        </p:spPr>
+        <p:style>
+          <a:lnRef idx="1">
+            <a:schemeClr val="accent1"/>
+          </a:lnRef>
+          <a:fillRef idx="0">
+            <a:schemeClr val="accent1"/>
+          </a:fillRef>
+          <a:effectRef idx="0">
+            <a:schemeClr val="accent1"/>
+          </a:effectRef>
+          <a:fontRef idx="minor">
+            <a:schemeClr val="tx1"/>
+          </a:fontRef>
+        </p:style>
+      </p:cxnSp>
+      <p:cxnSp>
+        <p:nvCxnSpPr>
+          <p:cNvPr id="43" name="Connettore 1 42"/>
+          <p:cNvCxnSpPr/>
+          <p:nvPr/>
+        </p:nvCxnSpPr>
+        <p:spPr>
+          <a:xfrm>
+            <a:off x="3923928" y="475221"/>
+            <a:ext cx="0" cy="4393939"/>
+          </a:xfrm>
+          <a:prstGeom prst="line">
+            <a:avLst/>
+          </a:prstGeom>
+        </p:spPr>
+        <p:style>
+          <a:lnRef idx="1">
+            <a:schemeClr val="accent1"/>
+          </a:lnRef>
+          <a:fillRef idx="0">
+            <a:schemeClr val="accent1"/>
+          </a:fillRef>
+          <a:effectRef idx="0">
+            <a:schemeClr val="accent1"/>
+          </a:effectRef>
+          <a:fontRef idx="minor">
+            <a:schemeClr val="tx1"/>
+          </a:fontRef>
+        </p:style>
+      </p:cxnSp>
+      <p:sp>
+        <p:nvSpPr>
+          <p:cNvPr id="44" name="Rettangolo 43"/>
+          <p:cNvSpPr/>
+          <p:nvPr/>
+        </p:nvSpPr>
+        <p:spPr>
+          <a:xfrm>
+            <a:off x="970192" y="638865"/>
+            <a:ext cx="948721" cy="369332"/>
+          </a:xfrm>
+          <a:prstGeom prst="rect">
+            <a:avLst/>
+          </a:prstGeom>
+        </p:spPr>
+        <p:txBody>
+          <a:bodyPr wrap="none">
+            <a:spAutoFit/>
+          </a:bodyPr>
+          <a:lstStyle/>
+          <a:p>
+            <a:r>
+              <a:rPr lang="en-GB" b="1" dirty="0"/>
+              <a:t>Core-</a:t>
+            </a:r>
+            <a:r>
+              <a:rPr lang="en-GB" b="1" dirty="0" err="1"/>
+              <a:t>Ite</a:t>
+            </a:r>
+            <a:endParaRPr lang="en-GB" dirty="0"/>
+          </a:p>
+        </p:txBody>
+      </p:sp>
+      <p:sp>
+        <p:nvSpPr>
+          <p:cNvPr id="47" name="Ovale 46"/>
+          <p:cNvSpPr/>
+          <p:nvPr/>
+        </p:nvSpPr>
+        <p:spPr>
+          <a:xfrm>
+            <a:off x="1756706" y="4116983"/>
+            <a:ext cx="749721" cy="720080"/>
+          </a:xfrm>
+          <a:prstGeom prst="ellipse">
+            <a:avLst/>
+          </a:prstGeom>
+          <a:ln/>
+        </p:spPr>
+        <p:style>
+          <a:lnRef idx="1">
+            <a:schemeClr val="accent5"/>
+          </a:lnRef>
+          <a:fillRef idx="2">
+            <a:schemeClr val="accent5"/>
+          </a:fillRef>
+          <a:effectRef idx="1">
+            <a:schemeClr val="accent5"/>
+          </a:effectRef>
+          <a:fontRef idx="minor">
+            <a:schemeClr val="dk1"/>
+          </a:fontRef>
+        </p:style>
+        <p:txBody>
+          <a:bodyPr rtlCol="0" anchor="ctr"/>
+          <a:lstStyle/>
+          <a:p>
+            <a:pPr algn="ctr"/>
+            <a:r>
+              <a:rPr lang="en-GB" sz="1200" dirty="0"/>
+              <a:t> </a:t>
+            </a:r>
+          </a:p>
+        </p:txBody>
+      </p:sp>
+      <p:cxnSp>
+        <p:nvCxnSpPr>
+          <p:cNvPr id="49" name="Connettore 1 48"/>
+          <p:cNvCxnSpPr/>
+          <p:nvPr/>
+        </p:nvCxnSpPr>
+        <p:spPr>
+          <a:xfrm flipH="1">
+            <a:off x="1557706" y="4116983"/>
+            <a:ext cx="1030190" cy="720080"/>
+          </a:xfrm>
+          <a:prstGeom prst="line">
+            <a:avLst/>
+          </a:prstGeom>
+        </p:spPr>
+        <p:style>
+          <a:lnRef idx="1">
+            <a:schemeClr val="accent1"/>
+          </a:lnRef>
+          <a:fillRef idx="0">
+            <a:schemeClr val="accent1"/>
+          </a:fillRef>
+          <a:effectRef idx="0">
+            <a:schemeClr val="accent1"/>
+          </a:effectRef>
+          <a:fontRef idx="minor">
+            <a:schemeClr val="tx1"/>
+          </a:fontRef>
+        </p:style>
+      </p:cxnSp>
+      <p:cxnSp>
+        <p:nvCxnSpPr>
+          <p:cNvPr id="51" name="Connettore 1 50"/>
+          <p:cNvCxnSpPr/>
+          <p:nvPr/>
+        </p:nvCxnSpPr>
+        <p:spPr>
+          <a:xfrm>
+            <a:off x="1557706" y="3983674"/>
+            <a:ext cx="1030190" cy="853389"/>
+          </a:xfrm>
+          <a:prstGeom prst="line">
+            <a:avLst/>
+          </a:prstGeom>
+        </p:spPr>
+        <p:style>
+          <a:lnRef idx="1">
+            <a:schemeClr val="accent1"/>
+          </a:lnRef>
+          <a:fillRef idx="0">
+            <a:schemeClr val="accent1"/>
+          </a:fillRef>
+          <a:effectRef idx="0">
+            <a:schemeClr val="accent1"/>
+          </a:effectRef>
+          <a:fontRef idx="minor">
+            <a:schemeClr val="tx1"/>
+          </a:fontRef>
+        </p:style>
+      </p:cxnSp>
+      <p:sp>
+        <p:nvSpPr>
+          <p:cNvPr id="52" name="TextBox 45">
+            <a:extLst>
+              <a:ext uri="{FF2B5EF4-FFF2-40B4-BE49-F238E27FC236}">
+                <a16:creationId xmlns="" xmlns:a16="http://schemas.microsoft.com/office/drawing/2014/main" id="{6BDA7693-CA76-4C97-8FED-A4A65AB5032B}"/>
+              </a:ext>
+            </a:extLst>
+          </p:cNvPr>
+          <p:cNvSpPr txBox="1"/>
+          <p:nvPr/>
+        </p:nvSpPr>
+        <p:spPr>
+          <a:xfrm>
+            <a:off x="1191481" y="3746772"/>
+            <a:ext cx="1631729" cy="369332"/>
+          </a:xfrm>
+          <a:prstGeom prst="rect">
+            <a:avLst/>
+          </a:prstGeom>
+          <a:noFill/>
+        </p:spPr>
+        <p:txBody>
+          <a:bodyPr wrap="none" rtlCol="0">
+            <a:spAutoFit/>
+          </a:bodyPr>
+          <a:lstStyle/>
+          <a:p>
+            <a:r>
+              <a:rPr lang="en-US" dirty="0" smtClean="0"/>
+              <a:t>POJO: excluded</a:t>
+            </a:r>
+            <a:endParaRPr lang="en-US" dirty="0"/>
+          </a:p>
+        </p:txBody>
+      </p:sp>
+      <p:cxnSp>
+        <p:nvCxnSpPr>
+          <p:cNvPr id="73" name="Connettore 2 72"/>
+          <p:cNvCxnSpPr/>
+          <p:nvPr/>
+        </p:nvCxnSpPr>
+        <p:spPr>
+          <a:xfrm>
+            <a:off x="2978661" y="4459196"/>
+            <a:ext cx="783259" cy="0"/>
+          </a:xfrm>
+          <a:prstGeom prst="straightConnector1">
+            <a:avLst/>
+          </a:prstGeom>
+          <a:ln>
+            <a:prstDash val="lgDash"/>
+            <a:tailEnd type="arrow"/>
+          </a:ln>
+        </p:spPr>
+        <p:style>
+          <a:lnRef idx="1">
+            <a:schemeClr val="accent1"/>
+          </a:lnRef>
+          <a:fillRef idx="0">
+            <a:schemeClr val="accent1"/>
+          </a:fillRef>
+          <a:effectRef idx="0">
+            <a:schemeClr val="accent1"/>
+          </a:effectRef>
+          <a:fontRef idx="minor">
+            <a:schemeClr val="tx1"/>
+          </a:fontRef>
+        </p:style>
+      </p:cxnSp>
+      <p:cxnSp>
+        <p:nvCxnSpPr>
+          <p:cNvPr id="81" name="Connettore 1 80"/>
+          <p:cNvCxnSpPr/>
+          <p:nvPr/>
+        </p:nvCxnSpPr>
+        <p:spPr>
+          <a:xfrm flipV="1">
+            <a:off x="323528" y="1008197"/>
+            <a:ext cx="8424936" cy="1"/>
+          </a:xfrm>
+          <a:prstGeom prst="line">
+            <a:avLst/>
+          </a:prstGeom>
+        </p:spPr>
+        <p:style>
+          <a:lnRef idx="1">
+            <a:schemeClr val="accent1"/>
+          </a:lnRef>
+          <a:fillRef idx="0">
+            <a:schemeClr val="accent1"/>
+          </a:fillRef>
+          <a:effectRef idx="0">
+            <a:schemeClr val="accent1"/>
+          </a:effectRef>
+          <a:fontRef idx="minor">
+            <a:schemeClr val="tx1"/>
+          </a:fontRef>
+        </p:style>
+      </p:cxnSp>
+      <p:cxnSp>
+        <p:nvCxnSpPr>
+          <p:cNvPr id="83" name="Connettore 1 82"/>
+          <p:cNvCxnSpPr/>
+          <p:nvPr/>
+        </p:nvCxnSpPr>
+        <p:spPr>
+          <a:xfrm>
+            <a:off x="5994577" y="475221"/>
+            <a:ext cx="0" cy="4393939"/>
+          </a:xfrm>
+          <a:prstGeom prst="line">
+            <a:avLst/>
+          </a:prstGeom>
+        </p:spPr>
+        <p:style>
+          <a:lnRef idx="1">
+            <a:schemeClr val="accent1"/>
+          </a:lnRef>
+          <a:fillRef idx="0">
+            <a:schemeClr val="accent1"/>
+          </a:fillRef>
+          <a:effectRef idx="0">
+            <a:schemeClr val="accent1"/>
+          </a:effectRef>
+          <a:fontRef idx="minor">
+            <a:schemeClr val="tx1"/>
+          </a:fontRef>
+        </p:style>
+      </p:cxnSp>
+      <p:sp>
+        <p:nvSpPr>
+          <p:cNvPr id="85" name="CasellaDiTesto 84"/>
+          <p:cNvSpPr txBox="1"/>
+          <p:nvPr/>
+        </p:nvSpPr>
+        <p:spPr>
+          <a:xfrm>
+            <a:off x="5248144" y="2644063"/>
+            <a:ext cx="2226379" cy="646331"/>
+          </a:xfrm>
+          <a:prstGeom prst="rect">
+            <a:avLst/>
+          </a:prstGeom>
+        </p:spPr>
+        <p:style>
+          <a:lnRef idx="1">
+            <a:schemeClr val="accent3"/>
+          </a:lnRef>
+          <a:fillRef idx="2">
+            <a:schemeClr val="accent3"/>
+          </a:fillRef>
+          <a:effectRef idx="1">
+            <a:schemeClr val="accent3"/>
+          </a:effectRef>
+          <a:fontRef idx="minor">
+            <a:schemeClr val="dk1"/>
+          </a:fontRef>
+        </p:style>
+        <p:txBody>
+          <a:bodyPr wrap="none" rtlCol="0">
+            <a:spAutoFit/>
+          </a:bodyPr>
+          <a:lstStyle/>
+          <a:p>
+            <a:r>
+              <a:rPr lang="it-IT" dirty="0" err="1" smtClean="0"/>
+              <a:t>Rest</a:t>
+            </a:r>
+            <a:r>
+              <a:rPr lang="it-IT" dirty="0" smtClean="0"/>
+              <a:t> </a:t>
+            </a:r>
+          </a:p>
+          <a:p>
+            <a:r>
+              <a:rPr lang="it-IT" dirty="0" err="1" smtClean="0"/>
+              <a:t>Payload</a:t>
+            </a:r>
+            <a:r>
+              <a:rPr lang="it-IT" dirty="0" smtClean="0"/>
+              <a:t>: HLT7 or FHIR</a:t>
+            </a:r>
+            <a:endParaRPr lang="en-GB" dirty="0"/>
+          </a:p>
+        </p:txBody>
+      </p:sp>
+      <p:sp>
+        <p:nvSpPr>
+          <p:cNvPr id="96" name="CasellaDiTesto 95"/>
+          <p:cNvSpPr txBox="1"/>
+          <p:nvPr/>
+        </p:nvSpPr>
+        <p:spPr>
+          <a:xfrm>
+            <a:off x="2702888" y="1828875"/>
+            <a:ext cx="1221040" cy="954107"/>
+          </a:xfrm>
+          <a:prstGeom prst="rect">
+            <a:avLst/>
+          </a:prstGeom>
+        </p:spPr>
+        <p:style>
+          <a:lnRef idx="1">
+            <a:schemeClr val="accent3"/>
+          </a:lnRef>
+          <a:fillRef idx="2">
+            <a:schemeClr val="accent3"/>
+          </a:fillRef>
+          <a:effectRef idx="1">
+            <a:schemeClr val="accent3"/>
+          </a:effectRef>
+          <a:fontRef idx="minor">
+            <a:schemeClr val="dk1"/>
+          </a:fontRef>
+        </p:style>
+        <p:txBody>
+          <a:bodyPr wrap="none" rtlCol="0">
+            <a:spAutoFit/>
+          </a:bodyPr>
+          <a:lstStyle/>
+          <a:p>
+            <a:r>
+              <a:rPr lang="it-IT" sz="1400" dirty="0" err="1" smtClean="0"/>
+              <a:t>Rest</a:t>
+            </a:r>
+            <a:r>
+              <a:rPr lang="it-IT" sz="1400" dirty="0" smtClean="0"/>
+              <a:t> </a:t>
+            </a:r>
+          </a:p>
+          <a:p>
+            <a:r>
+              <a:rPr lang="it-IT" sz="1400" dirty="0" err="1" smtClean="0"/>
+              <a:t>Payload</a:t>
+            </a:r>
+            <a:r>
+              <a:rPr lang="it-IT" sz="1400" dirty="0" smtClean="0"/>
+              <a:t>:  FHIR</a:t>
+            </a:r>
+          </a:p>
+          <a:p>
+            <a:r>
+              <a:rPr lang="it-IT" sz="1400" dirty="0" err="1" smtClean="0"/>
+              <a:t>SocketIo</a:t>
+            </a:r>
+            <a:endParaRPr lang="it-IT" sz="1400" dirty="0" smtClean="0"/>
+          </a:p>
+          <a:p>
+            <a:r>
+              <a:rPr lang="it-IT" sz="1400" dirty="0" smtClean="0">
+                <a:hlinkClick r:id="rId2"/>
+              </a:rPr>
+              <a:t>HTML5 SSE</a:t>
+            </a:r>
+            <a:endParaRPr lang="en-GB" sz="1400" dirty="0"/>
+          </a:p>
+        </p:txBody>
+      </p:sp>
+    </p:spTree>
+    <p:extLst>
+      <p:ext uri="{BB962C8B-B14F-4D97-AF65-F5344CB8AC3E}">
+        <p14:creationId xmlns:p14="http://schemas.microsoft.com/office/powerpoint/2010/main" val="3871858954"/>
+      </p:ext>
+    </p:extLst>
+  </p:cSld>
+  <p:clrMapOvr>
+    <a:masterClrMapping/>
+  </p:clrMapOvr>
+  <p:timing>
+    <p:tnLst>
+      <p:par>
+        <p:cTn id="1" dur="indefinite" restart="never" nodeType="tmRoot"/>
+      </p:par>
+    </p:tnLst>
+  </p:timing>
 </p:sld>
 </file>
 

--- a/health/userDocs/UniboFigs.pptx
+++ b/health/userDocs/UniboFigs.pptx
@@ -115,7 +115,7 @@
   </p:defaultTextStyle>
   <p:extLst>
     <p:ext uri="{EFAFB233-063F-42B5-8137-9DF3F51BA10A}">
-      <p15:sldGuideLst xmlns="" xmlns:p15="http://schemas.microsoft.com/office/powerpoint/2012/main">
+      <p15:sldGuideLst xmlns:p15="http://schemas.microsoft.com/office/powerpoint/2012/main" xmlns="">
         <p15:guide id="1" orient="horz" pos="2160">
           <p15:clr>
             <a:srgbClr val="A4A3A4"/>
@@ -6127,123 +6127,6 @@
           <a:chExt cx="0" cy="0"/>
         </a:xfrm>
       </p:grpSpPr>
-      <p:grpSp>
-        <p:nvGrpSpPr>
-          <p:cNvPr id="6" name="Gruppo 5"/>
-          <p:cNvGrpSpPr/>
-          <p:nvPr/>
-        </p:nvGrpSpPr>
-        <p:grpSpPr>
-          <a:xfrm>
-            <a:off x="6959521" y="1785659"/>
-            <a:ext cx="805955" cy="772447"/>
-            <a:chOff x="565700" y="4940367"/>
-            <a:chExt cx="805955" cy="772447"/>
-          </a:xfrm>
-        </p:grpSpPr>
-        <p:sp>
-          <p:nvSpPr>
-            <p:cNvPr id="7" name="Ovale 6"/>
-            <p:cNvSpPr/>
-            <p:nvPr/>
-          </p:nvSpPr>
-          <p:spPr>
-            <a:xfrm>
-              <a:off x="565700" y="4983583"/>
-              <a:ext cx="805955" cy="729231"/>
-            </a:xfrm>
-            <a:prstGeom prst="ellipse">
-              <a:avLst/>
-            </a:prstGeom>
-            <a:solidFill>
-              <a:srgbClr val="FF99CC"/>
-            </a:solidFill>
-          </p:spPr>
-          <p:style>
-            <a:lnRef idx="2">
-              <a:schemeClr val="accent1">
-                <a:shade val="50000"/>
-              </a:schemeClr>
-            </a:lnRef>
-            <a:fillRef idx="1">
-              <a:schemeClr val="accent1"/>
-            </a:fillRef>
-            <a:effectRef idx="0">
-              <a:schemeClr val="accent1"/>
-            </a:effectRef>
-            <a:fontRef idx="minor">
-              <a:schemeClr val="lt1"/>
-            </a:fontRef>
-          </p:style>
-          <p:txBody>
-            <a:bodyPr rtlCol="0" anchor="ctr"/>
-            <a:lstStyle/>
-            <a:p>
-              <a:pPr algn="ctr"/>
-              <a:r>
-                <a:rPr lang="en-GB" dirty="0">
-                  <a:solidFill>
-                    <a:schemeClr val="lt1"/>
-                  </a:solidFill>
-                </a:rPr>
-                <a:t> </a:t>
-              </a:r>
-            </a:p>
-          </p:txBody>
-        </p:sp>
-        <p:sp>
-          <p:nvSpPr>
-            <p:cNvPr id="8" name="Triangolo isoscele 7"/>
-            <p:cNvSpPr/>
-            <p:nvPr/>
-          </p:nvSpPr>
-          <p:spPr>
-            <a:xfrm rot="16200000">
-              <a:off x="905299" y="4913952"/>
-              <a:ext cx="86434" cy="139263"/>
-            </a:xfrm>
-            <a:prstGeom prst="triangle">
-              <a:avLst/>
-            </a:prstGeom>
-            <a:solidFill>
-              <a:srgbClr val="FF99CC"/>
-            </a:solidFill>
-            <a:ln>
-              <a:solidFill>
-                <a:schemeClr val="tx1"/>
-              </a:solidFill>
-            </a:ln>
-          </p:spPr>
-          <p:style>
-            <a:lnRef idx="2">
-              <a:schemeClr val="accent1">
-                <a:shade val="50000"/>
-              </a:schemeClr>
-            </a:lnRef>
-            <a:fillRef idx="1">
-              <a:schemeClr val="accent1"/>
-            </a:fillRef>
-            <a:effectRef idx="0">
-              <a:schemeClr val="accent1"/>
-            </a:effectRef>
-            <a:fontRef idx="minor">
-              <a:schemeClr val="lt1"/>
-            </a:fontRef>
-          </p:style>
-          <p:txBody>
-            <a:bodyPr rtlCol="0" anchor="ctr"/>
-            <a:lstStyle/>
-            <a:p>
-              <a:pPr algn="ctr"/>
-              <a:endParaRPr lang="en-GB">
-                <a:solidFill>
-                  <a:schemeClr val="lt1"/>
-                </a:solidFill>
-              </a:endParaRPr>
-            </a:p>
-          </p:txBody>
-        </p:sp>
-      </p:grpSp>
       <p:sp>
         <p:nvSpPr>
           <p:cNvPr id="9" name="CasellaDiTesto 8"/>
@@ -6279,7 +6162,7 @@
           <p:cNvPr id="12" name="TextBox 45">
             <a:extLst>
               <a:ext uri="{FF2B5EF4-FFF2-40B4-BE49-F238E27FC236}">
-                <a16:creationId xmlns="" xmlns:a16="http://schemas.microsoft.com/office/drawing/2014/main" id="{6BDA7693-CA76-4C97-8FED-A4A65AB5032B}"/>
+                <a16:creationId xmlns:a16="http://schemas.microsoft.com/office/drawing/2014/main" xmlns="" id="{6BDA7693-CA76-4C97-8FED-A4A65AB5032B}"/>
               </a:ext>
             </a:extLst>
           </p:cNvPr>
@@ -6310,915 +6193,6 @@
           </a:p>
         </p:txBody>
       </p:sp>
-      <p:grpSp>
-        <p:nvGrpSpPr>
-          <p:cNvPr id="13" name="Gruppo 12"/>
-          <p:cNvGrpSpPr/>
-          <p:nvPr/>
-        </p:nvGrpSpPr>
-        <p:grpSpPr>
-          <a:xfrm>
-            <a:off x="4159291" y="2027436"/>
-            <a:ext cx="805955" cy="772447"/>
-            <a:chOff x="565700" y="4940367"/>
-            <a:chExt cx="805955" cy="772447"/>
-          </a:xfrm>
-        </p:grpSpPr>
-        <p:sp>
-          <p:nvSpPr>
-            <p:cNvPr id="14" name="Ovale 13"/>
-            <p:cNvSpPr/>
-            <p:nvPr/>
-          </p:nvSpPr>
-          <p:spPr>
-            <a:xfrm>
-              <a:off x="565700" y="4983583"/>
-              <a:ext cx="805955" cy="729231"/>
-            </a:xfrm>
-            <a:prstGeom prst="ellipse">
-              <a:avLst/>
-            </a:prstGeom>
-            <a:ln/>
-          </p:spPr>
-          <p:style>
-            <a:lnRef idx="1">
-              <a:schemeClr val="accent4"/>
-            </a:lnRef>
-            <a:fillRef idx="2">
-              <a:schemeClr val="accent4"/>
-            </a:fillRef>
-            <a:effectRef idx="1">
-              <a:schemeClr val="accent4"/>
-            </a:effectRef>
-            <a:fontRef idx="minor">
-              <a:schemeClr val="dk1"/>
-            </a:fontRef>
-          </p:style>
-          <p:txBody>
-            <a:bodyPr rtlCol="0" anchor="ctr"/>
-            <a:lstStyle/>
-            <a:p>
-              <a:pPr algn="ctr"/>
-              <a:r>
-                <a:rPr lang="en-GB" sz="1200" dirty="0"/>
-                <a:t> </a:t>
-              </a:r>
-            </a:p>
-          </p:txBody>
-        </p:sp>
-        <p:sp>
-          <p:nvSpPr>
-            <p:cNvPr id="15" name="Triangolo isoscele 14"/>
-            <p:cNvSpPr/>
-            <p:nvPr/>
-          </p:nvSpPr>
-          <p:spPr>
-            <a:xfrm rot="16200000">
-              <a:off x="905299" y="4913952"/>
-              <a:ext cx="86434" cy="139263"/>
-            </a:xfrm>
-            <a:prstGeom prst="triangle">
-              <a:avLst/>
-            </a:prstGeom>
-            <a:solidFill>
-              <a:srgbClr val="C00000"/>
-            </a:solidFill>
-            <a:ln/>
-          </p:spPr>
-          <p:style>
-            <a:lnRef idx="1">
-              <a:schemeClr val="accent5"/>
-            </a:lnRef>
-            <a:fillRef idx="2">
-              <a:schemeClr val="accent5"/>
-            </a:fillRef>
-            <a:effectRef idx="1">
-              <a:schemeClr val="accent5"/>
-            </a:effectRef>
-            <a:fontRef idx="minor">
-              <a:schemeClr val="dk1"/>
-            </a:fontRef>
-          </p:style>
-          <p:txBody>
-            <a:bodyPr rtlCol="0" anchor="ctr"/>
-            <a:lstStyle/>
-            <a:p>
-              <a:pPr algn="ctr"/>
-              <a:endParaRPr lang="en-GB" sz="1200">
-                <a:solidFill>
-                  <a:schemeClr val="dk1"/>
-                </a:solidFill>
-              </a:endParaRPr>
-            </a:p>
-          </p:txBody>
-        </p:sp>
-      </p:grpSp>
-      <p:grpSp>
-        <p:nvGrpSpPr>
-          <p:cNvPr id="16" name="Gruppo 15"/>
-          <p:cNvGrpSpPr/>
-          <p:nvPr/>
-        </p:nvGrpSpPr>
-        <p:grpSpPr>
-          <a:xfrm>
-            <a:off x="2924815" y="1843959"/>
-            <a:ext cx="666895" cy="86434"/>
-            <a:chOff x="4592177" y="4419530"/>
-            <a:chExt cx="666895" cy="86434"/>
-          </a:xfrm>
-        </p:grpSpPr>
-        <p:cxnSp>
-          <p:nvCxnSpPr>
-            <p:cNvPr id="17" name="Connettore 1 16"/>
-            <p:cNvCxnSpPr/>
-            <p:nvPr/>
-          </p:nvCxnSpPr>
-          <p:spPr>
-            <a:xfrm>
-              <a:off x="4611000" y="4462747"/>
-              <a:ext cx="648072" cy="0"/>
-            </a:xfrm>
-            <a:prstGeom prst="line">
-              <a:avLst/>
-            </a:prstGeom>
-            <a:ln>
-              <a:prstDash val="dash"/>
-            </a:ln>
-          </p:spPr>
-          <p:style>
-            <a:lnRef idx="1">
-              <a:schemeClr val="accent1"/>
-            </a:lnRef>
-            <a:fillRef idx="0">
-              <a:schemeClr val="accent1"/>
-            </a:fillRef>
-            <a:effectRef idx="0">
-              <a:schemeClr val="accent1"/>
-            </a:effectRef>
-            <a:fontRef idx="minor">
-              <a:schemeClr val="tx1"/>
-            </a:fontRef>
-          </p:style>
-        </p:cxnSp>
-        <p:sp>
-          <p:nvSpPr>
-            <p:cNvPr id="18" name="Triangolo isoscele 17"/>
-            <p:cNvSpPr/>
-            <p:nvPr/>
-          </p:nvSpPr>
-          <p:spPr>
-            <a:xfrm rot="16200000">
-              <a:off x="4618592" y="4393115"/>
-              <a:ext cx="86434" cy="139263"/>
-            </a:xfrm>
-            <a:prstGeom prst="triangle">
-              <a:avLst/>
-            </a:prstGeom>
-            <a:solidFill>
-              <a:schemeClr val="bg1"/>
-            </a:solidFill>
-            <a:ln/>
-          </p:spPr>
-          <p:style>
-            <a:lnRef idx="1">
-              <a:schemeClr val="accent5"/>
-            </a:lnRef>
-            <a:fillRef idx="2">
-              <a:schemeClr val="accent5"/>
-            </a:fillRef>
-            <a:effectRef idx="1">
-              <a:schemeClr val="accent5"/>
-            </a:effectRef>
-            <a:fontRef idx="minor">
-              <a:schemeClr val="dk1"/>
-            </a:fontRef>
-          </p:style>
-          <p:txBody>
-            <a:bodyPr rtlCol="0" anchor="ctr"/>
-            <a:lstStyle/>
-            <a:p>
-              <a:pPr algn="ctr"/>
-              <a:endParaRPr lang="en-GB" sz="1200"/>
-            </a:p>
-          </p:txBody>
-        </p:sp>
-      </p:grpSp>
-      <p:grpSp>
-        <p:nvGrpSpPr>
-          <p:cNvPr id="19" name="Gruppo 18"/>
-          <p:cNvGrpSpPr/>
-          <p:nvPr/>
-        </p:nvGrpSpPr>
-        <p:grpSpPr>
-          <a:xfrm>
-            <a:off x="2924815" y="1609746"/>
-            <a:ext cx="787334" cy="86434"/>
-            <a:chOff x="3452446" y="4176616"/>
-            <a:chExt cx="787334" cy="86434"/>
-          </a:xfrm>
-        </p:grpSpPr>
-        <p:sp>
-          <p:nvSpPr>
-            <p:cNvPr id="20" name="Triangolo isoscele 19"/>
-            <p:cNvSpPr/>
-            <p:nvPr/>
-          </p:nvSpPr>
-          <p:spPr>
-            <a:xfrm rot="5400000" flipH="1">
-              <a:off x="4126932" y="4150201"/>
-              <a:ext cx="86434" cy="139263"/>
-            </a:xfrm>
-            <a:prstGeom prst="triangle">
-              <a:avLst/>
-            </a:prstGeom>
-            <a:solidFill>
-              <a:schemeClr val="bg1"/>
-            </a:solidFill>
-            <a:ln/>
-          </p:spPr>
-          <p:style>
-            <a:lnRef idx="1">
-              <a:schemeClr val="accent5"/>
-            </a:lnRef>
-            <a:fillRef idx="2">
-              <a:schemeClr val="accent5"/>
-            </a:fillRef>
-            <a:effectRef idx="1">
-              <a:schemeClr val="accent5"/>
-            </a:effectRef>
-            <a:fontRef idx="minor">
-              <a:schemeClr val="dk1"/>
-            </a:fontRef>
-          </p:style>
-          <p:txBody>
-            <a:bodyPr rtlCol="0" anchor="ctr"/>
-            <a:lstStyle/>
-            <a:p>
-              <a:pPr algn="ctr"/>
-              <a:endParaRPr lang="en-GB" sz="1200"/>
-            </a:p>
-          </p:txBody>
-        </p:sp>
-        <p:cxnSp>
-          <p:nvCxnSpPr>
-            <p:cNvPr id="21" name="Connettore 1 20"/>
-            <p:cNvCxnSpPr>
-              <a:endCxn id="20" idx="3"/>
-            </p:cNvCxnSpPr>
-            <p:nvPr/>
-          </p:nvCxnSpPr>
-          <p:spPr>
-            <a:xfrm>
-              <a:off x="3452446" y="4219627"/>
-              <a:ext cx="648072" cy="206"/>
-            </a:xfrm>
-            <a:prstGeom prst="line">
-              <a:avLst/>
-            </a:prstGeom>
-          </p:spPr>
-          <p:style>
-            <a:lnRef idx="1">
-              <a:schemeClr val="accent1"/>
-            </a:lnRef>
-            <a:fillRef idx="0">
-              <a:schemeClr val="accent1"/>
-            </a:fillRef>
-            <a:effectRef idx="0">
-              <a:schemeClr val="accent1"/>
-            </a:effectRef>
-            <a:fontRef idx="minor">
-              <a:schemeClr val="tx1"/>
-            </a:fontRef>
-          </p:style>
-        </p:cxnSp>
-      </p:grpSp>
-      <p:grpSp>
-        <p:nvGrpSpPr>
-          <p:cNvPr id="22" name="Gruppo 21"/>
-          <p:cNvGrpSpPr/>
-          <p:nvPr/>
-        </p:nvGrpSpPr>
-        <p:grpSpPr>
-          <a:xfrm>
-            <a:off x="5651718" y="2380914"/>
-            <a:ext cx="666895" cy="86434"/>
-            <a:chOff x="4592177" y="4419530"/>
-            <a:chExt cx="666895" cy="86434"/>
-          </a:xfrm>
-        </p:grpSpPr>
-        <p:cxnSp>
-          <p:nvCxnSpPr>
-            <p:cNvPr id="23" name="Connettore 1 22"/>
-            <p:cNvCxnSpPr/>
-            <p:nvPr/>
-          </p:nvCxnSpPr>
-          <p:spPr>
-            <a:xfrm>
-              <a:off x="4611000" y="4462747"/>
-              <a:ext cx="648072" cy="0"/>
-            </a:xfrm>
-            <a:prstGeom prst="line">
-              <a:avLst/>
-            </a:prstGeom>
-            <a:ln>
-              <a:prstDash val="dash"/>
-            </a:ln>
-          </p:spPr>
-          <p:style>
-            <a:lnRef idx="1">
-              <a:schemeClr val="accent1"/>
-            </a:lnRef>
-            <a:fillRef idx="0">
-              <a:schemeClr val="accent1"/>
-            </a:fillRef>
-            <a:effectRef idx="0">
-              <a:schemeClr val="accent1"/>
-            </a:effectRef>
-            <a:fontRef idx="minor">
-              <a:schemeClr val="tx1"/>
-            </a:fontRef>
-          </p:style>
-        </p:cxnSp>
-        <p:sp>
-          <p:nvSpPr>
-            <p:cNvPr id="24" name="Triangolo isoscele 23"/>
-            <p:cNvSpPr/>
-            <p:nvPr/>
-          </p:nvSpPr>
-          <p:spPr>
-            <a:xfrm rot="16200000">
-              <a:off x="4618592" y="4393115"/>
-              <a:ext cx="86434" cy="139263"/>
-            </a:xfrm>
-            <a:prstGeom prst="triangle">
-              <a:avLst/>
-            </a:prstGeom>
-            <a:solidFill>
-              <a:schemeClr val="bg1"/>
-            </a:solidFill>
-            <a:ln/>
-          </p:spPr>
-          <p:style>
-            <a:lnRef idx="1">
-              <a:schemeClr val="accent5"/>
-            </a:lnRef>
-            <a:fillRef idx="2">
-              <a:schemeClr val="accent5"/>
-            </a:fillRef>
-            <a:effectRef idx="1">
-              <a:schemeClr val="accent5"/>
-            </a:effectRef>
-            <a:fontRef idx="minor">
-              <a:schemeClr val="dk1"/>
-            </a:fontRef>
-          </p:style>
-          <p:txBody>
-            <a:bodyPr rtlCol="0" anchor="ctr"/>
-            <a:lstStyle/>
-            <a:p>
-              <a:pPr algn="ctr"/>
-              <a:endParaRPr lang="en-GB" sz="1200"/>
-            </a:p>
-          </p:txBody>
-        </p:sp>
-      </p:grpSp>
-      <p:grpSp>
-        <p:nvGrpSpPr>
-          <p:cNvPr id="25" name="Gruppo 24"/>
-          <p:cNvGrpSpPr/>
-          <p:nvPr/>
-        </p:nvGrpSpPr>
-        <p:grpSpPr>
-          <a:xfrm>
-            <a:off x="5643631" y="2184709"/>
-            <a:ext cx="787334" cy="86434"/>
-            <a:chOff x="3452446" y="4176616"/>
-            <a:chExt cx="787334" cy="86434"/>
-          </a:xfrm>
-        </p:grpSpPr>
-        <p:sp>
-          <p:nvSpPr>
-            <p:cNvPr id="26" name="Triangolo isoscele 25"/>
-            <p:cNvSpPr/>
-            <p:nvPr/>
-          </p:nvSpPr>
-          <p:spPr>
-            <a:xfrm rot="5400000" flipH="1">
-              <a:off x="4126932" y="4150201"/>
-              <a:ext cx="86434" cy="139263"/>
-            </a:xfrm>
-            <a:prstGeom prst="triangle">
-              <a:avLst/>
-            </a:prstGeom>
-            <a:solidFill>
-              <a:schemeClr val="bg1"/>
-            </a:solidFill>
-            <a:ln/>
-          </p:spPr>
-          <p:style>
-            <a:lnRef idx="1">
-              <a:schemeClr val="accent5"/>
-            </a:lnRef>
-            <a:fillRef idx="2">
-              <a:schemeClr val="accent5"/>
-            </a:fillRef>
-            <a:effectRef idx="1">
-              <a:schemeClr val="accent5"/>
-            </a:effectRef>
-            <a:fontRef idx="minor">
-              <a:schemeClr val="dk1"/>
-            </a:fontRef>
-          </p:style>
-          <p:txBody>
-            <a:bodyPr rtlCol="0" anchor="ctr"/>
-            <a:lstStyle/>
-            <a:p>
-              <a:pPr algn="ctr"/>
-              <a:endParaRPr lang="en-GB" sz="1200"/>
-            </a:p>
-          </p:txBody>
-        </p:sp>
-        <p:cxnSp>
-          <p:nvCxnSpPr>
-            <p:cNvPr id="27" name="Connettore 1 26"/>
-            <p:cNvCxnSpPr>
-              <a:endCxn id="26" idx="3"/>
-            </p:cNvCxnSpPr>
-            <p:nvPr/>
-          </p:nvCxnSpPr>
-          <p:spPr>
-            <a:xfrm>
-              <a:off x="3452446" y="4219627"/>
-              <a:ext cx="648072" cy="206"/>
-            </a:xfrm>
-            <a:prstGeom prst="line">
-              <a:avLst/>
-            </a:prstGeom>
-          </p:spPr>
-          <p:style>
-            <a:lnRef idx="1">
-              <a:schemeClr val="accent1"/>
-            </a:lnRef>
-            <a:fillRef idx="0">
-              <a:schemeClr val="accent1"/>
-            </a:fillRef>
-            <a:effectRef idx="0">
-              <a:schemeClr val="accent1"/>
-            </a:effectRef>
-            <a:fontRef idx="minor">
-              <a:schemeClr val="tx1"/>
-            </a:fontRef>
-          </p:style>
-        </p:cxnSp>
-      </p:grpSp>
-      <p:grpSp>
-        <p:nvGrpSpPr>
-          <p:cNvPr id="28" name="Gruppo 27"/>
-          <p:cNvGrpSpPr/>
-          <p:nvPr/>
-        </p:nvGrpSpPr>
-        <p:grpSpPr>
-          <a:xfrm>
-            <a:off x="1649062" y="2724047"/>
-            <a:ext cx="805955" cy="772447"/>
-            <a:chOff x="565700" y="4940367"/>
-            <a:chExt cx="805955" cy="772447"/>
-          </a:xfrm>
-        </p:grpSpPr>
-        <p:sp>
-          <p:nvSpPr>
-            <p:cNvPr id="29" name="Ovale 28"/>
-            <p:cNvSpPr/>
-            <p:nvPr/>
-          </p:nvSpPr>
-          <p:spPr>
-            <a:xfrm>
-              <a:off x="565700" y="4983583"/>
-              <a:ext cx="805955" cy="729231"/>
-            </a:xfrm>
-            <a:prstGeom prst="ellipse">
-              <a:avLst/>
-            </a:prstGeom>
-            <a:ln/>
-          </p:spPr>
-          <p:style>
-            <a:lnRef idx="1">
-              <a:schemeClr val="accent4"/>
-            </a:lnRef>
-            <a:fillRef idx="2">
-              <a:schemeClr val="accent4"/>
-            </a:fillRef>
-            <a:effectRef idx="1">
-              <a:schemeClr val="accent4"/>
-            </a:effectRef>
-            <a:fontRef idx="minor">
-              <a:schemeClr val="dk1"/>
-            </a:fontRef>
-          </p:style>
-          <p:txBody>
-            <a:bodyPr rtlCol="0" anchor="ctr"/>
-            <a:lstStyle/>
-            <a:p>
-              <a:pPr algn="ctr"/>
-              <a:r>
-                <a:rPr lang="en-GB" sz="1200" dirty="0"/>
-                <a:t> </a:t>
-              </a:r>
-            </a:p>
-          </p:txBody>
-        </p:sp>
-        <p:sp>
-          <p:nvSpPr>
-            <p:cNvPr id="30" name="Triangolo isoscele 29"/>
-            <p:cNvSpPr/>
-            <p:nvPr/>
-          </p:nvSpPr>
-          <p:spPr>
-            <a:xfrm rot="16200000">
-              <a:off x="905299" y="4913952"/>
-              <a:ext cx="86434" cy="139263"/>
-            </a:xfrm>
-            <a:prstGeom prst="triangle">
-              <a:avLst/>
-            </a:prstGeom>
-            <a:solidFill>
-              <a:srgbClr val="C00000"/>
-            </a:solidFill>
-            <a:ln/>
-          </p:spPr>
-          <p:style>
-            <a:lnRef idx="1">
-              <a:schemeClr val="accent5"/>
-            </a:lnRef>
-            <a:fillRef idx="2">
-              <a:schemeClr val="accent5"/>
-            </a:fillRef>
-            <a:effectRef idx="1">
-              <a:schemeClr val="accent5"/>
-            </a:effectRef>
-            <a:fontRef idx="minor">
-              <a:schemeClr val="dk1"/>
-            </a:fontRef>
-          </p:style>
-          <p:txBody>
-            <a:bodyPr rtlCol="0" anchor="ctr"/>
-            <a:lstStyle/>
-            <a:p>
-              <a:pPr algn="ctr"/>
-              <a:endParaRPr lang="en-GB" sz="1200">
-                <a:solidFill>
-                  <a:schemeClr val="dk1"/>
-                </a:solidFill>
-              </a:endParaRPr>
-            </a:p>
-          </p:txBody>
-        </p:sp>
-      </p:grpSp>
-      <p:sp>
-        <p:nvSpPr>
-          <p:cNvPr id="31" name="Ovale 30"/>
-          <p:cNvSpPr/>
-          <p:nvPr/>
-        </p:nvSpPr>
-        <p:spPr>
-          <a:xfrm>
-            <a:off x="1726649" y="1416900"/>
-            <a:ext cx="749721" cy="720080"/>
-          </a:xfrm>
-          <a:prstGeom prst="ellipse">
-            <a:avLst/>
-          </a:prstGeom>
-          <a:ln/>
-        </p:spPr>
-        <p:style>
-          <a:lnRef idx="1">
-            <a:schemeClr val="accent5"/>
-          </a:lnRef>
-          <a:fillRef idx="2">
-            <a:schemeClr val="accent5"/>
-          </a:fillRef>
-          <a:effectRef idx="1">
-            <a:schemeClr val="accent5"/>
-          </a:effectRef>
-          <a:fontRef idx="minor">
-            <a:schemeClr val="dk1"/>
-          </a:fontRef>
-        </p:style>
-        <p:txBody>
-          <a:bodyPr rtlCol="0" anchor="ctr"/>
-          <a:lstStyle/>
-          <a:p>
-            <a:pPr algn="ctr"/>
-            <a:r>
-              <a:rPr lang="en-GB" sz="1200" dirty="0"/>
-              <a:t> </a:t>
-            </a:r>
-          </a:p>
-        </p:txBody>
-      </p:sp>
-      <p:cxnSp>
-        <p:nvCxnSpPr>
-          <p:cNvPr id="32" name="Connettore 2 31"/>
-          <p:cNvCxnSpPr/>
-          <p:nvPr/>
-        </p:nvCxnSpPr>
-        <p:spPr>
-          <a:xfrm flipH="1">
-            <a:off x="2101509" y="1578829"/>
-            <a:ext cx="13466" cy="393101"/>
-          </a:xfrm>
-          <a:prstGeom prst="straightConnector1">
-            <a:avLst/>
-          </a:prstGeom>
-          <a:ln>
-            <a:solidFill>
-              <a:srgbClr val="C00000"/>
-            </a:solidFill>
-            <a:tailEnd type="arrow"/>
-          </a:ln>
-        </p:spPr>
-        <p:style>
-          <a:lnRef idx="1">
-            <a:schemeClr val="accent1"/>
-          </a:lnRef>
-          <a:fillRef idx="0">
-            <a:schemeClr val="accent1"/>
-          </a:fillRef>
-          <a:effectRef idx="0">
-            <a:schemeClr val="accent1"/>
-          </a:effectRef>
-          <a:fontRef idx="minor">
-            <a:schemeClr val="tx1"/>
-          </a:fontRef>
-        </p:style>
-      </p:cxnSp>
-      <p:sp>
-        <p:nvSpPr>
-          <p:cNvPr id="33" name="TextBox 45">
-            <a:extLst>
-              <a:ext uri="{FF2B5EF4-FFF2-40B4-BE49-F238E27FC236}">
-                <a16:creationId xmlns="" xmlns:a16="http://schemas.microsoft.com/office/drawing/2014/main" id="{6BDA7693-CA76-4C97-8FED-A4A65AB5032B}"/>
-              </a:ext>
-            </a:extLst>
-          </p:cNvPr>
-          <p:cNvSpPr txBox="1"/>
-          <p:nvPr/>
-        </p:nvSpPr>
-        <p:spPr>
-          <a:xfrm>
-            <a:off x="1726649" y="1008197"/>
-            <a:ext cx="809837" cy="369332"/>
-          </a:xfrm>
-          <a:prstGeom prst="rect">
-            <a:avLst/>
-          </a:prstGeom>
-          <a:noFill/>
-        </p:spPr>
-        <p:txBody>
-          <a:bodyPr wrap="none" rtlCol="0">
-            <a:spAutoFit/>
-          </a:bodyPr>
-          <a:lstStyle/>
-          <a:p>
-            <a:r>
-              <a:rPr lang="en-US" dirty="0" smtClean="0"/>
-              <a:t>Cas</a:t>
-            </a:r>
-            <a:r>
-              <a:rPr lang="en-US" dirty="0" smtClean="0"/>
-              <a:t>e </a:t>
-            </a:r>
-            <a:r>
-              <a:rPr lang="en-US" dirty="0" smtClean="0"/>
-              <a:t>A</a:t>
-            </a:r>
-            <a:endParaRPr lang="en-US" dirty="0"/>
-          </a:p>
-        </p:txBody>
-      </p:sp>
-      <p:sp>
-        <p:nvSpPr>
-          <p:cNvPr id="34" name="TextBox 45">
-            <a:extLst>
-              <a:ext uri="{FF2B5EF4-FFF2-40B4-BE49-F238E27FC236}">
-                <a16:creationId xmlns="" xmlns:a16="http://schemas.microsoft.com/office/drawing/2014/main" id="{6BDA7693-CA76-4C97-8FED-A4A65AB5032B}"/>
-              </a:ext>
-            </a:extLst>
-          </p:cNvPr>
-          <p:cNvSpPr txBox="1"/>
-          <p:nvPr/>
-        </p:nvSpPr>
-        <p:spPr>
-          <a:xfrm>
-            <a:off x="1649062" y="2380913"/>
-            <a:ext cx="809837" cy="369332"/>
-          </a:xfrm>
-          <a:prstGeom prst="rect">
-            <a:avLst/>
-          </a:prstGeom>
-          <a:noFill/>
-        </p:spPr>
-        <p:txBody>
-          <a:bodyPr wrap="none" rtlCol="0">
-            <a:spAutoFit/>
-          </a:bodyPr>
-          <a:lstStyle/>
-          <a:p>
-            <a:r>
-              <a:rPr lang="en-US" dirty="0" smtClean="0"/>
-              <a:t>Cas</a:t>
-            </a:r>
-            <a:r>
-              <a:rPr lang="en-US" dirty="0" smtClean="0"/>
-              <a:t>e </a:t>
-            </a:r>
-            <a:r>
-              <a:rPr lang="en-US" dirty="0" smtClean="0"/>
-              <a:t>B</a:t>
-            </a:r>
-            <a:endParaRPr lang="en-US" dirty="0"/>
-          </a:p>
-        </p:txBody>
-      </p:sp>
-      <p:grpSp>
-        <p:nvGrpSpPr>
-          <p:cNvPr id="35" name="Gruppo 34"/>
-          <p:cNvGrpSpPr/>
-          <p:nvPr/>
-        </p:nvGrpSpPr>
-        <p:grpSpPr>
-          <a:xfrm flipH="1">
-            <a:off x="2946010" y="3247178"/>
-            <a:ext cx="666895" cy="86434"/>
-            <a:chOff x="4592177" y="4419530"/>
-            <a:chExt cx="666895" cy="86434"/>
-          </a:xfrm>
-        </p:grpSpPr>
-        <p:cxnSp>
-          <p:nvCxnSpPr>
-            <p:cNvPr id="36" name="Connettore 1 35"/>
-            <p:cNvCxnSpPr/>
-            <p:nvPr/>
-          </p:nvCxnSpPr>
-          <p:spPr>
-            <a:xfrm>
-              <a:off x="4611000" y="4462747"/>
-              <a:ext cx="648072" cy="0"/>
-            </a:xfrm>
-            <a:prstGeom prst="line">
-              <a:avLst/>
-            </a:prstGeom>
-            <a:ln>
-              <a:prstDash val="dash"/>
-            </a:ln>
-          </p:spPr>
-          <p:style>
-            <a:lnRef idx="1">
-              <a:schemeClr val="accent1"/>
-            </a:lnRef>
-            <a:fillRef idx="0">
-              <a:schemeClr val="accent1"/>
-            </a:fillRef>
-            <a:effectRef idx="0">
-              <a:schemeClr val="accent1"/>
-            </a:effectRef>
-            <a:fontRef idx="minor">
-              <a:schemeClr val="tx1"/>
-            </a:fontRef>
-          </p:style>
-        </p:cxnSp>
-        <p:sp>
-          <p:nvSpPr>
-            <p:cNvPr id="37" name="Triangolo isoscele 36"/>
-            <p:cNvSpPr/>
-            <p:nvPr/>
-          </p:nvSpPr>
-          <p:spPr>
-            <a:xfrm rot="16200000">
-              <a:off x="4618592" y="4393115"/>
-              <a:ext cx="86434" cy="139263"/>
-            </a:xfrm>
-            <a:prstGeom prst="triangle">
-              <a:avLst/>
-            </a:prstGeom>
-            <a:solidFill>
-              <a:schemeClr val="bg1"/>
-            </a:solidFill>
-            <a:ln/>
-          </p:spPr>
-          <p:style>
-            <a:lnRef idx="1">
-              <a:schemeClr val="accent5"/>
-            </a:lnRef>
-            <a:fillRef idx="2">
-              <a:schemeClr val="accent5"/>
-            </a:fillRef>
-            <a:effectRef idx="1">
-              <a:schemeClr val="accent5"/>
-            </a:effectRef>
-            <a:fontRef idx="minor">
-              <a:schemeClr val="dk1"/>
-            </a:fontRef>
-          </p:style>
-          <p:txBody>
-            <a:bodyPr rtlCol="0" anchor="ctr"/>
-            <a:lstStyle/>
-            <a:p>
-              <a:pPr algn="ctr"/>
-              <a:endParaRPr lang="en-GB" sz="1200"/>
-            </a:p>
-          </p:txBody>
-        </p:sp>
-      </p:grpSp>
-      <p:grpSp>
-        <p:nvGrpSpPr>
-          <p:cNvPr id="38" name="Gruppo 37"/>
-          <p:cNvGrpSpPr/>
-          <p:nvPr/>
-        </p:nvGrpSpPr>
-        <p:grpSpPr>
-          <a:xfrm flipH="1">
-            <a:off x="2946010" y="3012965"/>
-            <a:ext cx="787334" cy="86434"/>
-            <a:chOff x="3452446" y="4176616"/>
-            <a:chExt cx="787334" cy="86434"/>
-          </a:xfrm>
-        </p:grpSpPr>
-        <p:sp>
-          <p:nvSpPr>
-            <p:cNvPr id="39" name="Triangolo isoscele 38"/>
-            <p:cNvSpPr/>
-            <p:nvPr/>
-          </p:nvSpPr>
-          <p:spPr>
-            <a:xfrm rot="5400000" flipH="1">
-              <a:off x="4126932" y="4150201"/>
-              <a:ext cx="86434" cy="139263"/>
-            </a:xfrm>
-            <a:prstGeom prst="triangle">
-              <a:avLst/>
-            </a:prstGeom>
-            <a:solidFill>
-              <a:schemeClr val="bg1"/>
-            </a:solidFill>
-            <a:ln/>
-          </p:spPr>
-          <p:style>
-            <a:lnRef idx="1">
-              <a:schemeClr val="accent5"/>
-            </a:lnRef>
-            <a:fillRef idx="2">
-              <a:schemeClr val="accent5"/>
-            </a:fillRef>
-            <a:effectRef idx="1">
-              <a:schemeClr val="accent5"/>
-            </a:effectRef>
-            <a:fontRef idx="minor">
-              <a:schemeClr val="dk1"/>
-            </a:fontRef>
-          </p:style>
-          <p:txBody>
-            <a:bodyPr rtlCol="0" anchor="ctr"/>
-            <a:lstStyle/>
-            <a:p>
-              <a:pPr algn="ctr"/>
-              <a:endParaRPr lang="en-GB" sz="1200"/>
-            </a:p>
-          </p:txBody>
-        </p:sp>
-        <p:cxnSp>
-          <p:nvCxnSpPr>
-            <p:cNvPr id="40" name="Connettore 1 39"/>
-            <p:cNvCxnSpPr>
-              <a:endCxn id="39" idx="3"/>
-            </p:cNvCxnSpPr>
-            <p:nvPr/>
-          </p:nvCxnSpPr>
-          <p:spPr>
-            <a:xfrm>
-              <a:off x="3452446" y="4219627"/>
-              <a:ext cx="648072" cy="206"/>
-            </a:xfrm>
-            <a:prstGeom prst="line">
-              <a:avLst/>
-            </a:prstGeom>
-          </p:spPr>
-          <p:style>
-            <a:lnRef idx="1">
-              <a:schemeClr val="accent1"/>
-            </a:lnRef>
-            <a:fillRef idx="0">
-              <a:schemeClr val="accent1"/>
-            </a:fillRef>
-            <a:effectRef idx="0">
-              <a:schemeClr val="accent1"/>
-            </a:effectRef>
-            <a:fontRef idx="minor">
-              <a:schemeClr val="tx1"/>
-            </a:fontRef>
-          </p:style>
-        </p:cxnSp>
-      </p:grpSp>
       <p:cxnSp>
         <p:nvCxnSpPr>
           <p:cNvPr id="42" name="Connettore 1 41"/>
@@ -7228,7 +6202,7 @@
         <p:spPr>
           <a:xfrm>
             <a:off x="2771800" y="475221"/>
-            <a:ext cx="0" cy="5906107"/>
+            <a:ext cx="0" cy="2852980"/>
           </a:xfrm>
           <a:prstGeom prst="line">
             <a:avLst/>
@@ -7258,7 +6232,7 @@
         <p:spPr>
           <a:xfrm>
             <a:off x="3923928" y="475221"/>
-            <a:ext cx="0" cy="5906107"/>
+            <a:ext cx="0" cy="2852980"/>
           </a:xfrm>
           <a:prstGeom prst="line">
             <a:avLst/>
@@ -7312,322 +6286,6 @@
           </a:p>
         </p:txBody>
       </p:sp>
-      <p:sp>
-        <p:nvSpPr>
-          <p:cNvPr id="47" name="Ovale 46"/>
-          <p:cNvSpPr/>
-          <p:nvPr/>
-        </p:nvSpPr>
-        <p:spPr>
-          <a:xfrm>
-            <a:off x="1705296" y="4005064"/>
-            <a:ext cx="749721" cy="720080"/>
-          </a:xfrm>
-          <a:prstGeom prst="ellipse">
-            <a:avLst/>
-          </a:prstGeom>
-          <a:ln/>
-        </p:spPr>
-        <p:style>
-          <a:lnRef idx="1">
-            <a:schemeClr val="accent5"/>
-          </a:lnRef>
-          <a:fillRef idx="2">
-            <a:schemeClr val="accent5"/>
-          </a:fillRef>
-          <a:effectRef idx="1">
-            <a:schemeClr val="accent5"/>
-          </a:effectRef>
-          <a:fontRef idx="minor">
-            <a:schemeClr val="dk1"/>
-          </a:fontRef>
-        </p:style>
-        <p:txBody>
-          <a:bodyPr rtlCol="0" anchor="ctr"/>
-          <a:lstStyle/>
-          <a:p>
-            <a:pPr algn="ctr"/>
-            <a:r>
-              <a:rPr lang="en-GB" sz="1200" dirty="0"/>
-              <a:t> </a:t>
-            </a:r>
-          </a:p>
-        </p:txBody>
-      </p:sp>
-      <p:cxnSp>
-        <p:nvCxnSpPr>
-          <p:cNvPr id="49" name="Connettore 1 48"/>
-          <p:cNvCxnSpPr/>
-          <p:nvPr/>
-        </p:nvCxnSpPr>
-        <p:spPr>
-          <a:xfrm flipH="1">
-            <a:off x="1506296" y="4005064"/>
-            <a:ext cx="1030190" cy="720080"/>
-          </a:xfrm>
-          <a:prstGeom prst="line">
-            <a:avLst/>
-          </a:prstGeom>
-        </p:spPr>
-        <p:style>
-          <a:lnRef idx="1">
-            <a:schemeClr val="accent1"/>
-          </a:lnRef>
-          <a:fillRef idx="0">
-            <a:schemeClr val="accent1"/>
-          </a:fillRef>
-          <a:effectRef idx="0">
-            <a:schemeClr val="accent1"/>
-          </a:effectRef>
-          <a:fontRef idx="minor">
-            <a:schemeClr val="tx1"/>
-          </a:fontRef>
-        </p:style>
-      </p:cxnSp>
-      <p:cxnSp>
-        <p:nvCxnSpPr>
-          <p:cNvPr id="51" name="Connettore 1 50"/>
-          <p:cNvCxnSpPr/>
-          <p:nvPr/>
-        </p:nvCxnSpPr>
-        <p:spPr>
-          <a:xfrm>
-            <a:off x="1506296" y="3871755"/>
-            <a:ext cx="1030190" cy="853389"/>
-          </a:xfrm>
-          <a:prstGeom prst="line">
-            <a:avLst/>
-          </a:prstGeom>
-        </p:spPr>
-        <p:style>
-          <a:lnRef idx="1">
-            <a:schemeClr val="accent1"/>
-          </a:lnRef>
-          <a:fillRef idx="0">
-            <a:schemeClr val="accent1"/>
-          </a:fillRef>
-          <a:effectRef idx="0">
-            <a:schemeClr val="accent1"/>
-          </a:effectRef>
-          <a:fontRef idx="minor">
-            <a:schemeClr val="tx1"/>
-          </a:fontRef>
-        </p:style>
-      </p:cxnSp>
-      <p:sp>
-        <p:nvSpPr>
-          <p:cNvPr id="52" name="TextBox 45">
-            <a:extLst>
-              <a:ext uri="{FF2B5EF4-FFF2-40B4-BE49-F238E27FC236}">
-                <a16:creationId xmlns="" xmlns:a16="http://schemas.microsoft.com/office/drawing/2014/main" id="{6BDA7693-CA76-4C97-8FED-A4A65AB5032B}"/>
-              </a:ext>
-            </a:extLst>
-          </p:cNvPr>
-          <p:cNvSpPr txBox="1"/>
-          <p:nvPr/>
-        </p:nvSpPr>
-        <p:spPr>
-          <a:xfrm>
-            <a:off x="1140071" y="3634853"/>
-            <a:ext cx="1631729" cy="369332"/>
-          </a:xfrm>
-          <a:prstGeom prst="rect">
-            <a:avLst/>
-          </a:prstGeom>
-          <a:noFill/>
-        </p:spPr>
-        <p:txBody>
-          <a:bodyPr wrap="none" rtlCol="0">
-            <a:spAutoFit/>
-          </a:bodyPr>
-          <a:lstStyle/>
-          <a:p>
-            <a:r>
-              <a:rPr lang="en-US" dirty="0" smtClean="0"/>
-              <a:t>POJO: excluded</a:t>
-            </a:r>
-            <a:endParaRPr lang="en-US" dirty="0"/>
-          </a:p>
-        </p:txBody>
-      </p:sp>
-      <p:grpSp>
-        <p:nvGrpSpPr>
-          <p:cNvPr id="56" name="Gruppo 55"/>
-          <p:cNvGrpSpPr/>
-          <p:nvPr/>
-        </p:nvGrpSpPr>
-        <p:grpSpPr>
-          <a:xfrm>
-            <a:off x="1643047" y="5157192"/>
-            <a:ext cx="866156" cy="763297"/>
-            <a:chOff x="1194666" y="2417771"/>
-            <a:chExt cx="866156" cy="763297"/>
-          </a:xfrm>
-        </p:grpSpPr>
-        <p:sp>
-          <p:nvSpPr>
-            <p:cNvPr id="57" name="Ovale 56"/>
-            <p:cNvSpPr/>
-            <p:nvPr/>
-          </p:nvSpPr>
-          <p:spPr>
-            <a:xfrm>
-              <a:off x="1311101" y="2460988"/>
-              <a:ext cx="749721" cy="720080"/>
-            </a:xfrm>
-            <a:prstGeom prst="ellipse">
-              <a:avLst/>
-            </a:prstGeom>
-            <a:solidFill>
-              <a:srgbClr val="FFCCFF"/>
-            </a:solidFill>
-            <a:ln/>
-          </p:spPr>
-          <p:style>
-            <a:lnRef idx="1">
-              <a:schemeClr val="accent5"/>
-            </a:lnRef>
-            <a:fillRef idx="2">
-              <a:schemeClr val="accent5"/>
-            </a:fillRef>
-            <a:effectRef idx="1">
-              <a:schemeClr val="accent5"/>
-            </a:effectRef>
-            <a:fontRef idx="minor">
-              <a:schemeClr val="dk1"/>
-            </a:fontRef>
-          </p:style>
-          <p:txBody>
-            <a:bodyPr rtlCol="0" anchor="ctr"/>
-            <a:lstStyle/>
-            <a:p>
-              <a:pPr algn="ctr"/>
-              <a:r>
-                <a:rPr lang="en-GB" sz="1200" dirty="0"/>
-                <a:t> </a:t>
-              </a:r>
-            </a:p>
-          </p:txBody>
-        </p:sp>
-        <p:sp>
-          <p:nvSpPr>
-            <p:cNvPr id="58" name="Rettangolo 57"/>
-            <p:cNvSpPr/>
-            <p:nvPr/>
-          </p:nvSpPr>
-          <p:spPr>
-            <a:xfrm>
-              <a:off x="1194666" y="2699711"/>
-              <a:ext cx="281433" cy="211952"/>
-            </a:xfrm>
-            <a:prstGeom prst="rect">
-              <a:avLst/>
-            </a:prstGeom>
-            <a:solidFill>
-              <a:srgbClr val="FFCCFF"/>
-            </a:solidFill>
-            <a:ln/>
-          </p:spPr>
-          <p:style>
-            <a:lnRef idx="1">
-              <a:schemeClr val="accent5"/>
-            </a:lnRef>
-            <a:fillRef idx="2">
-              <a:schemeClr val="accent5"/>
-            </a:fillRef>
-            <a:effectRef idx="1">
-              <a:schemeClr val="accent5"/>
-            </a:effectRef>
-            <a:fontRef idx="minor">
-              <a:schemeClr val="dk1"/>
-            </a:fontRef>
-          </p:style>
-          <p:txBody>
-            <a:bodyPr rtlCol="0" anchor="ctr"/>
-            <a:lstStyle/>
-            <a:p>
-              <a:pPr algn="ctr"/>
-              <a:endParaRPr lang="en-GB" sz="1200"/>
-            </a:p>
-          </p:txBody>
-        </p:sp>
-        <p:sp>
-          <p:nvSpPr>
-            <p:cNvPr id="59" name="Triangolo isoscele 58"/>
-            <p:cNvSpPr/>
-            <p:nvPr/>
-          </p:nvSpPr>
-          <p:spPr>
-            <a:xfrm rot="16200000">
-              <a:off x="1618539" y="2391356"/>
-              <a:ext cx="86434" cy="139263"/>
-            </a:xfrm>
-            <a:prstGeom prst="triangle">
-              <a:avLst/>
-            </a:prstGeom>
-            <a:solidFill>
-              <a:srgbClr val="FF0000"/>
-            </a:solidFill>
-            <a:ln/>
-          </p:spPr>
-          <p:style>
-            <a:lnRef idx="1">
-              <a:schemeClr val="accent5"/>
-            </a:lnRef>
-            <a:fillRef idx="2">
-              <a:schemeClr val="accent5"/>
-            </a:fillRef>
-            <a:effectRef idx="1">
-              <a:schemeClr val="accent5"/>
-            </a:effectRef>
-            <a:fontRef idx="minor">
-              <a:schemeClr val="dk1"/>
-            </a:fontRef>
-          </p:style>
-          <p:txBody>
-            <a:bodyPr rtlCol="0" anchor="ctr"/>
-            <a:lstStyle/>
-            <a:p>
-              <a:pPr algn="ctr"/>
-              <a:endParaRPr lang="en-GB" sz="1200">
-                <a:solidFill>
-                  <a:schemeClr val="dk1"/>
-                </a:solidFill>
-              </a:endParaRPr>
-            </a:p>
-          </p:txBody>
-        </p:sp>
-      </p:grpSp>
-      <p:cxnSp>
-        <p:nvCxnSpPr>
-          <p:cNvPr id="61" name="Connettore 1 60"/>
-          <p:cNvCxnSpPr/>
-          <p:nvPr/>
-        </p:nvCxnSpPr>
-        <p:spPr>
-          <a:xfrm>
-            <a:off x="395536" y="4869160"/>
-            <a:ext cx="8280920" cy="0"/>
-          </a:xfrm>
-          <a:prstGeom prst="line">
-            <a:avLst/>
-          </a:prstGeom>
-        </p:spPr>
-        <p:style>
-          <a:lnRef idx="1">
-            <a:schemeClr val="accent1"/>
-          </a:lnRef>
-          <a:fillRef idx="0">
-            <a:schemeClr val="accent1"/>
-          </a:fillRef>
-          <a:effectRef idx="0">
-            <a:schemeClr val="accent1"/>
-          </a:effectRef>
-          <a:fontRef idx="minor">
-            <a:schemeClr val="tx1"/>
-          </a:fontRef>
-        </p:style>
-      </p:cxnSp>
       <p:grpSp>
         <p:nvGrpSpPr>
           <p:cNvPr id="62" name="Gruppo 61"/>
@@ -7636,7 +6294,7 @@
         </p:nvGrpSpPr>
         <p:grpSpPr>
           <a:xfrm>
-            <a:off x="4175908" y="5124895"/>
+            <a:off x="4109820" y="1340768"/>
             <a:ext cx="866156" cy="763297"/>
             <a:chOff x="1194666" y="2417771"/>
             <a:chExt cx="866156" cy="763297"/>
@@ -7784,7 +6442,7 @@
         </p:nvGrpSpPr>
         <p:grpSpPr>
           <a:xfrm>
-            <a:off x="3050031" y="5560449"/>
+            <a:off x="3019172" y="2350029"/>
             <a:ext cx="592487" cy="258092"/>
             <a:chOff x="5133975" y="5295900"/>
             <a:chExt cx="342900" cy="238125"/>
@@ -8119,7 +6777,7 @@
         </p:nvGrpSpPr>
         <p:grpSpPr>
           <a:xfrm>
-            <a:off x="2988297" y="5320401"/>
+            <a:off x="2950922" y="2093145"/>
             <a:ext cx="666895" cy="86434"/>
             <a:chOff x="4592177" y="4419530"/>
             <a:chExt cx="666895" cy="86434"/>
@@ -8201,40 +6859,6 @@
           </p:txBody>
         </p:sp>
       </p:grpSp>
-      <p:cxnSp>
-        <p:nvCxnSpPr>
-          <p:cNvPr id="73" name="Connettore 2 72"/>
-          <p:cNvCxnSpPr/>
-          <p:nvPr/>
-        </p:nvCxnSpPr>
-        <p:spPr>
-          <a:xfrm>
-            <a:off x="2927251" y="4347277"/>
-            <a:ext cx="783259" cy="0"/>
-          </a:xfrm>
-          <a:prstGeom prst="straightConnector1">
-            <a:avLst/>
-          </a:prstGeom>
-          <a:ln>
-            <a:prstDash val="lgDash"/>
-            <a:tailEnd type="arrow"/>
-          </a:ln>
-        </p:spPr>
-        <p:style>
-          <a:lnRef idx="1">
-            <a:schemeClr val="accent1"/>
-          </a:lnRef>
-          <a:fillRef idx="0">
-            <a:schemeClr val="accent1"/>
-          </a:fillRef>
-          <a:effectRef idx="0">
-            <a:schemeClr val="accent1"/>
-          </a:effectRef>
-          <a:fontRef idx="minor">
-            <a:schemeClr val="tx1"/>
-          </a:fontRef>
-        </p:style>
-      </p:cxnSp>
       <p:grpSp>
         <p:nvGrpSpPr>
           <p:cNvPr id="74" name="Gruppo 73"/>
@@ -8243,7 +6867,7 @@
         </p:nvGrpSpPr>
         <p:grpSpPr>
           <a:xfrm>
-            <a:off x="2978261" y="5155986"/>
+            <a:off x="2941032" y="1834660"/>
             <a:ext cx="787334" cy="86434"/>
             <a:chOff x="3452446" y="4176616"/>
             <a:chExt cx="787334" cy="86434"/>
@@ -8331,9 +6955,9 @@
           <p:nvPr/>
         </p:nvCxnSpPr>
         <p:spPr>
-          <a:xfrm flipV="1">
-            <a:off x="323528" y="1008197"/>
-            <a:ext cx="8424936" cy="1"/>
+          <a:xfrm>
+            <a:off x="970192" y="996017"/>
+            <a:ext cx="7418232" cy="0"/>
           </a:xfrm>
           <a:prstGeom prst="line">
             <a:avLst/>
@@ -8363,7 +6987,7 @@
         <p:spPr>
           <a:xfrm>
             <a:off x="5994577" y="475221"/>
-            <a:ext cx="0" cy="5906107"/>
+            <a:ext cx="0" cy="2852980"/>
           </a:xfrm>
           <a:prstGeom prst="line">
             <a:avLst/>
@@ -8384,15 +7008,535 @@
           </a:fontRef>
         </p:style>
       </p:cxnSp>
+      <p:grpSp>
+        <p:nvGrpSpPr>
+          <p:cNvPr id="82" name="Gruppo 81"/>
+          <p:cNvGrpSpPr/>
+          <p:nvPr/>
+        </p:nvGrpSpPr>
+        <p:grpSpPr>
+          <a:xfrm>
+            <a:off x="1635176" y="2564904"/>
+            <a:ext cx="866156" cy="763297"/>
+            <a:chOff x="1194666" y="2417771"/>
+            <a:chExt cx="866156" cy="763297"/>
+          </a:xfrm>
+        </p:grpSpPr>
+        <p:sp>
+          <p:nvSpPr>
+            <p:cNvPr id="84" name="Ovale 83"/>
+            <p:cNvSpPr/>
+            <p:nvPr/>
+          </p:nvSpPr>
+          <p:spPr>
+            <a:xfrm>
+              <a:off x="1311101" y="2460988"/>
+              <a:ext cx="749721" cy="720080"/>
+            </a:xfrm>
+            <a:prstGeom prst="ellipse">
+              <a:avLst/>
+            </a:prstGeom>
+            <a:solidFill>
+              <a:srgbClr val="FFCCFF"/>
+            </a:solidFill>
+            <a:ln/>
+          </p:spPr>
+          <p:style>
+            <a:lnRef idx="1">
+              <a:schemeClr val="accent5"/>
+            </a:lnRef>
+            <a:fillRef idx="2">
+              <a:schemeClr val="accent5"/>
+            </a:fillRef>
+            <a:effectRef idx="1">
+              <a:schemeClr val="accent5"/>
+            </a:effectRef>
+            <a:fontRef idx="minor">
+              <a:schemeClr val="dk1"/>
+            </a:fontRef>
+          </p:style>
+          <p:txBody>
+            <a:bodyPr rtlCol="0" anchor="ctr"/>
+            <a:lstStyle/>
+            <a:p>
+              <a:pPr algn="ctr"/>
+              <a:r>
+                <a:rPr lang="en-GB" sz="1200" dirty="0"/>
+                <a:t> </a:t>
+              </a:r>
+            </a:p>
+          </p:txBody>
+        </p:sp>
+        <p:sp>
+          <p:nvSpPr>
+            <p:cNvPr id="86" name="Rettangolo 85"/>
+            <p:cNvSpPr/>
+            <p:nvPr/>
+          </p:nvSpPr>
+          <p:spPr>
+            <a:xfrm>
+              <a:off x="1194666" y="2699711"/>
+              <a:ext cx="281433" cy="211952"/>
+            </a:xfrm>
+            <a:prstGeom prst="rect">
+              <a:avLst/>
+            </a:prstGeom>
+            <a:solidFill>
+              <a:srgbClr val="FFCCFF"/>
+            </a:solidFill>
+            <a:ln/>
+          </p:spPr>
+          <p:style>
+            <a:lnRef idx="1">
+              <a:schemeClr val="accent5"/>
+            </a:lnRef>
+            <a:fillRef idx="2">
+              <a:schemeClr val="accent5"/>
+            </a:fillRef>
+            <a:effectRef idx="1">
+              <a:schemeClr val="accent5"/>
+            </a:effectRef>
+            <a:fontRef idx="minor">
+              <a:schemeClr val="dk1"/>
+            </a:fontRef>
+          </p:style>
+          <p:txBody>
+            <a:bodyPr rtlCol="0" anchor="ctr"/>
+            <a:lstStyle/>
+            <a:p>
+              <a:pPr algn="ctr"/>
+              <a:endParaRPr lang="en-GB" sz="1200"/>
+            </a:p>
+          </p:txBody>
+        </p:sp>
+        <p:sp>
+          <p:nvSpPr>
+            <p:cNvPr id="87" name="Triangolo isoscele 86"/>
+            <p:cNvSpPr/>
+            <p:nvPr/>
+          </p:nvSpPr>
+          <p:spPr>
+            <a:xfrm rot="16200000">
+              <a:off x="1618539" y="2391356"/>
+              <a:ext cx="86434" cy="139263"/>
+            </a:xfrm>
+            <a:prstGeom prst="triangle">
+              <a:avLst/>
+            </a:prstGeom>
+            <a:solidFill>
+              <a:srgbClr val="FF0000"/>
+            </a:solidFill>
+            <a:ln/>
+          </p:spPr>
+          <p:style>
+            <a:lnRef idx="1">
+              <a:schemeClr val="accent5"/>
+            </a:lnRef>
+            <a:fillRef idx="2">
+              <a:schemeClr val="accent5"/>
+            </a:fillRef>
+            <a:effectRef idx="1">
+              <a:schemeClr val="accent5"/>
+            </a:effectRef>
+            <a:fontRef idx="minor">
+              <a:schemeClr val="dk1"/>
+            </a:fontRef>
+          </p:style>
+          <p:txBody>
+            <a:bodyPr rtlCol="0" anchor="ctr"/>
+            <a:lstStyle/>
+            <a:p>
+              <a:pPr algn="ctr"/>
+              <a:endParaRPr lang="en-GB" sz="1200">
+                <a:solidFill>
+                  <a:schemeClr val="dk1"/>
+                </a:solidFill>
+              </a:endParaRPr>
+            </a:p>
+          </p:txBody>
+        </p:sp>
+      </p:grpSp>
       <p:sp>
         <p:nvSpPr>
-          <p:cNvPr id="85" name="CasellaDiTesto 84"/>
+          <p:cNvPr id="88" name="Ovale 87"/>
+          <p:cNvSpPr/>
+          <p:nvPr/>
+        </p:nvSpPr>
+        <p:spPr>
+          <a:xfrm>
+            <a:off x="1727405" y="1262668"/>
+            <a:ext cx="749721" cy="720080"/>
+          </a:xfrm>
+          <a:prstGeom prst="ellipse">
+            <a:avLst/>
+          </a:prstGeom>
+          <a:ln/>
+        </p:spPr>
+        <p:style>
+          <a:lnRef idx="1">
+            <a:schemeClr val="accent5"/>
+          </a:lnRef>
+          <a:fillRef idx="2">
+            <a:schemeClr val="accent5"/>
+          </a:fillRef>
+          <a:effectRef idx="1">
+            <a:schemeClr val="accent5"/>
+          </a:effectRef>
+          <a:fontRef idx="minor">
+            <a:schemeClr val="dk1"/>
+          </a:fontRef>
+        </p:style>
+        <p:txBody>
+          <a:bodyPr rtlCol="0" anchor="ctr"/>
+          <a:lstStyle/>
+          <a:p>
+            <a:pPr algn="ctr"/>
+            <a:r>
+              <a:rPr lang="en-GB" sz="1200" dirty="0"/>
+              <a:t> </a:t>
+            </a:r>
+          </a:p>
+        </p:txBody>
+      </p:sp>
+      <p:cxnSp>
+        <p:nvCxnSpPr>
+          <p:cNvPr id="89" name="Connettore 2 88"/>
+          <p:cNvCxnSpPr/>
+          <p:nvPr/>
+        </p:nvCxnSpPr>
+        <p:spPr>
+          <a:xfrm>
+            <a:off x="2941032" y="1427202"/>
+            <a:ext cx="783259" cy="0"/>
+          </a:xfrm>
+          <a:prstGeom prst="straightConnector1">
+            <a:avLst/>
+          </a:prstGeom>
+          <a:ln>
+            <a:prstDash val="lgDash"/>
+            <a:tailEnd type="arrow"/>
+          </a:ln>
+        </p:spPr>
+        <p:style>
+          <a:lnRef idx="1">
+            <a:schemeClr val="accent1"/>
+          </a:lnRef>
+          <a:fillRef idx="0">
+            <a:schemeClr val="accent1"/>
+          </a:fillRef>
+          <a:effectRef idx="0">
+            <a:schemeClr val="accent1"/>
+          </a:effectRef>
+          <a:fontRef idx="minor">
+            <a:schemeClr val="tx1"/>
+          </a:fontRef>
+        </p:style>
+      </p:cxnSp>
+      <p:grpSp>
+        <p:nvGrpSpPr>
+          <p:cNvPr id="90" name="Gruppo 89"/>
+          <p:cNvGrpSpPr/>
+          <p:nvPr/>
+        </p:nvGrpSpPr>
+        <p:grpSpPr>
+          <a:xfrm>
+            <a:off x="6896967" y="1168459"/>
+            <a:ext cx="805955" cy="772447"/>
+            <a:chOff x="565700" y="4940367"/>
+            <a:chExt cx="805955" cy="772447"/>
+          </a:xfrm>
+        </p:grpSpPr>
+        <p:sp>
+          <p:nvSpPr>
+            <p:cNvPr id="91" name="Ovale 90"/>
+            <p:cNvSpPr/>
+            <p:nvPr/>
+          </p:nvSpPr>
+          <p:spPr>
+            <a:xfrm>
+              <a:off x="565700" y="4983583"/>
+              <a:ext cx="805955" cy="729231"/>
+            </a:xfrm>
+            <a:prstGeom prst="ellipse">
+              <a:avLst/>
+            </a:prstGeom>
+            <a:solidFill>
+              <a:srgbClr val="FF99CC"/>
+            </a:solidFill>
+          </p:spPr>
+          <p:style>
+            <a:lnRef idx="2">
+              <a:schemeClr val="accent1">
+                <a:shade val="50000"/>
+              </a:schemeClr>
+            </a:lnRef>
+            <a:fillRef idx="1">
+              <a:schemeClr val="accent1"/>
+            </a:fillRef>
+            <a:effectRef idx="0">
+              <a:schemeClr val="accent1"/>
+            </a:effectRef>
+            <a:fontRef idx="minor">
+              <a:schemeClr val="lt1"/>
+            </a:fontRef>
+          </p:style>
+          <p:txBody>
+            <a:bodyPr rtlCol="0" anchor="ctr"/>
+            <a:lstStyle/>
+            <a:p>
+              <a:pPr algn="ctr"/>
+              <a:r>
+                <a:rPr lang="en-GB" dirty="0">
+                  <a:solidFill>
+                    <a:schemeClr val="lt1"/>
+                  </a:solidFill>
+                </a:rPr>
+                <a:t> </a:t>
+              </a:r>
+            </a:p>
+          </p:txBody>
+        </p:sp>
+        <p:sp>
+          <p:nvSpPr>
+            <p:cNvPr id="92" name="Triangolo isoscele 91"/>
+            <p:cNvSpPr/>
+            <p:nvPr/>
+          </p:nvSpPr>
+          <p:spPr>
+            <a:xfrm rot="16200000">
+              <a:off x="905299" y="4913952"/>
+              <a:ext cx="86434" cy="139263"/>
+            </a:xfrm>
+            <a:prstGeom prst="triangle">
+              <a:avLst/>
+            </a:prstGeom>
+            <a:solidFill>
+              <a:srgbClr val="FF99CC"/>
+            </a:solidFill>
+            <a:ln>
+              <a:solidFill>
+                <a:schemeClr val="tx1"/>
+              </a:solidFill>
+            </a:ln>
+          </p:spPr>
+          <p:style>
+            <a:lnRef idx="2">
+              <a:schemeClr val="accent1">
+                <a:shade val="50000"/>
+              </a:schemeClr>
+            </a:lnRef>
+            <a:fillRef idx="1">
+              <a:schemeClr val="accent1"/>
+            </a:fillRef>
+            <a:effectRef idx="0">
+              <a:schemeClr val="accent1"/>
+            </a:effectRef>
+            <a:fontRef idx="minor">
+              <a:schemeClr val="lt1"/>
+            </a:fontRef>
+          </p:style>
+          <p:txBody>
+            <a:bodyPr rtlCol="0" anchor="ctr"/>
+            <a:lstStyle/>
+            <a:p>
+              <a:pPr algn="ctr"/>
+              <a:endParaRPr lang="en-GB">
+                <a:solidFill>
+                  <a:schemeClr val="lt1"/>
+                </a:solidFill>
+              </a:endParaRPr>
+            </a:p>
+          </p:txBody>
+        </p:sp>
+      </p:grpSp>
+      <p:grpSp>
+        <p:nvGrpSpPr>
+          <p:cNvPr id="93" name="Gruppo 92"/>
+          <p:cNvGrpSpPr/>
+          <p:nvPr/>
+        </p:nvGrpSpPr>
+        <p:grpSpPr>
+          <a:xfrm>
+            <a:off x="5589164" y="1763714"/>
+            <a:ext cx="666895" cy="86434"/>
+            <a:chOff x="4592177" y="4419530"/>
+            <a:chExt cx="666895" cy="86434"/>
+          </a:xfrm>
+        </p:grpSpPr>
+        <p:cxnSp>
+          <p:nvCxnSpPr>
+            <p:cNvPr id="94" name="Connettore 1 93"/>
+            <p:cNvCxnSpPr/>
+            <p:nvPr/>
+          </p:nvCxnSpPr>
+          <p:spPr>
+            <a:xfrm>
+              <a:off x="4611000" y="4462747"/>
+              <a:ext cx="648072" cy="0"/>
+            </a:xfrm>
+            <a:prstGeom prst="line">
+              <a:avLst/>
+            </a:prstGeom>
+            <a:ln>
+              <a:prstDash val="dash"/>
+            </a:ln>
+          </p:spPr>
+          <p:style>
+            <a:lnRef idx="1">
+              <a:schemeClr val="accent1"/>
+            </a:lnRef>
+            <a:fillRef idx="0">
+              <a:schemeClr val="accent1"/>
+            </a:fillRef>
+            <a:effectRef idx="0">
+              <a:schemeClr val="accent1"/>
+            </a:effectRef>
+            <a:fontRef idx="minor">
+              <a:schemeClr val="tx1"/>
+            </a:fontRef>
+          </p:style>
+        </p:cxnSp>
+        <p:sp>
+          <p:nvSpPr>
+            <p:cNvPr id="95" name="Triangolo isoscele 94"/>
+            <p:cNvSpPr/>
+            <p:nvPr/>
+          </p:nvSpPr>
+          <p:spPr>
+            <a:xfrm rot="16200000">
+              <a:off x="4618592" y="4393115"/>
+              <a:ext cx="86434" cy="139263"/>
+            </a:xfrm>
+            <a:prstGeom prst="triangle">
+              <a:avLst/>
+            </a:prstGeom>
+            <a:solidFill>
+              <a:schemeClr val="bg1"/>
+            </a:solidFill>
+            <a:ln/>
+          </p:spPr>
+          <p:style>
+            <a:lnRef idx="1">
+              <a:schemeClr val="accent5"/>
+            </a:lnRef>
+            <a:fillRef idx="2">
+              <a:schemeClr val="accent5"/>
+            </a:fillRef>
+            <a:effectRef idx="1">
+              <a:schemeClr val="accent5"/>
+            </a:effectRef>
+            <a:fontRef idx="minor">
+              <a:schemeClr val="dk1"/>
+            </a:fontRef>
+          </p:style>
+          <p:txBody>
+            <a:bodyPr rtlCol="0" anchor="ctr"/>
+            <a:lstStyle/>
+            <a:p>
+              <a:pPr algn="ctr"/>
+              <a:endParaRPr lang="en-GB" sz="1200"/>
+            </a:p>
+          </p:txBody>
+        </p:sp>
+      </p:grpSp>
+      <p:grpSp>
+        <p:nvGrpSpPr>
+          <p:cNvPr id="96" name="Gruppo 95"/>
+          <p:cNvGrpSpPr/>
+          <p:nvPr/>
+        </p:nvGrpSpPr>
+        <p:grpSpPr>
+          <a:xfrm>
+            <a:off x="5581077" y="1567509"/>
+            <a:ext cx="787334" cy="86434"/>
+            <a:chOff x="3452446" y="4176616"/>
+            <a:chExt cx="787334" cy="86434"/>
+          </a:xfrm>
+        </p:grpSpPr>
+        <p:sp>
+          <p:nvSpPr>
+            <p:cNvPr id="97" name="Triangolo isoscele 96"/>
+            <p:cNvSpPr/>
+            <p:nvPr/>
+          </p:nvSpPr>
+          <p:spPr>
+            <a:xfrm rot="5400000" flipH="1">
+              <a:off x="4126932" y="4150201"/>
+              <a:ext cx="86434" cy="139263"/>
+            </a:xfrm>
+            <a:prstGeom prst="triangle">
+              <a:avLst/>
+            </a:prstGeom>
+            <a:solidFill>
+              <a:schemeClr val="bg1"/>
+            </a:solidFill>
+            <a:ln/>
+          </p:spPr>
+          <p:style>
+            <a:lnRef idx="1">
+              <a:schemeClr val="accent5"/>
+            </a:lnRef>
+            <a:fillRef idx="2">
+              <a:schemeClr val="accent5"/>
+            </a:fillRef>
+            <a:effectRef idx="1">
+              <a:schemeClr val="accent5"/>
+            </a:effectRef>
+            <a:fontRef idx="minor">
+              <a:schemeClr val="dk1"/>
+            </a:fontRef>
+          </p:style>
+          <p:txBody>
+            <a:bodyPr rtlCol="0" anchor="ctr"/>
+            <a:lstStyle/>
+            <a:p>
+              <a:pPr algn="ctr"/>
+              <a:endParaRPr lang="en-GB" sz="1200"/>
+            </a:p>
+          </p:txBody>
+        </p:sp>
+        <p:cxnSp>
+          <p:nvCxnSpPr>
+            <p:cNvPr id="98" name="Connettore 1 97"/>
+            <p:cNvCxnSpPr>
+              <a:endCxn id="97" idx="3"/>
+            </p:cNvCxnSpPr>
+            <p:nvPr/>
+          </p:nvCxnSpPr>
+          <p:spPr>
+            <a:xfrm>
+              <a:off x="3452446" y="4219627"/>
+              <a:ext cx="648072" cy="206"/>
+            </a:xfrm>
+            <a:prstGeom prst="line">
+              <a:avLst/>
+            </a:prstGeom>
+          </p:spPr>
+          <p:style>
+            <a:lnRef idx="1">
+              <a:schemeClr val="accent1"/>
+            </a:lnRef>
+            <a:fillRef idx="0">
+              <a:schemeClr val="accent1"/>
+            </a:fillRef>
+            <a:effectRef idx="0">
+              <a:schemeClr val="accent1"/>
+            </a:effectRef>
+            <a:fontRef idx="minor">
+              <a:schemeClr val="tx1"/>
+            </a:fontRef>
+          </p:style>
+        </p:cxnSp>
+      </p:grpSp>
+      <p:sp>
+        <p:nvSpPr>
+          <p:cNvPr id="99" name="CasellaDiTesto 98"/>
           <p:cNvSpPr txBox="1"/>
           <p:nvPr/>
         </p:nvSpPr>
         <p:spPr>
           <a:xfrm>
-            <a:off x="5248144" y="2644063"/>
+            <a:off x="5185590" y="2026863"/>
             <a:ext cx="2226379" cy="646331"/>
           </a:xfrm>
           <a:prstGeom prst="rect">
@@ -8438,6 +7582,59 @@
               <a:t>: HLT7 or FHIR</a:t>
             </a:r>
             <a:endParaRPr lang="en-GB" dirty="0"/>
+          </a:p>
+        </p:txBody>
+      </p:sp>
+      <p:sp>
+        <p:nvSpPr>
+          <p:cNvPr id="100" name="CasellaDiTesto 99"/>
+          <p:cNvSpPr txBox="1"/>
+          <p:nvPr/>
+        </p:nvSpPr>
+        <p:spPr>
+          <a:xfrm>
+            <a:off x="2702888" y="2673194"/>
+            <a:ext cx="1170770" cy="523220"/>
+          </a:xfrm>
+          <a:prstGeom prst="rect">
+            <a:avLst/>
+          </a:prstGeom>
+        </p:spPr>
+        <p:style>
+          <a:lnRef idx="1">
+            <a:schemeClr val="accent3"/>
+          </a:lnRef>
+          <a:fillRef idx="2">
+            <a:schemeClr val="accent3"/>
+          </a:fillRef>
+          <a:effectRef idx="1">
+            <a:schemeClr val="accent3"/>
+          </a:effectRef>
+          <a:fontRef idx="minor">
+            <a:schemeClr val="dk1"/>
+          </a:fontRef>
+        </p:style>
+        <p:txBody>
+          <a:bodyPr wrap="none" rtlCol="0">
+            <a:spAutoFit/>
+          </a:bodyPr>
+          <a:lstStyle/>
+          <a:p>
+            <a:r>
+              <a:rPr lang="it-IT" sz="1400" dirty="0" err="1" smtClean="0"/>
+              <a:t>Itel</a:t>
+            </a:r>
+            <a:r>
+              <a:rPr lang="it-IT" sz="1400" dirty="0" smtClean="0"/>
+              <a:t> Standard </a:t>
+            </a:r>
+          </a:p>
+          <a:p>
+            <a:r>
+              <a:rPr lang="it-IT" sz="1400" dirty="0" smtClean="0"/>
+              <a:t>Message</a:t>
+            </a:r>
+            <a:endParaRPr lang="en-GB" sz="1400" dirty="0"/>
           </a:p>
         </p:txBody>
       </p:sp>
@@ -13716,7 +12913,7 @@
           <p:cNvPr id="51" name="TextBox 50">
             <a:extLst>
               <a:ext uri="{FF2B5EF4-FFF2-40B4-BE49-F238E27FC236}">
-                <a16:creationId xmlns="" xmlns:a16="http://schemas.microsoft.com/office/drawing/2014/main" id="{38D92C47-6A24-433B-A9D7-48400DFBEE88}"/>
+                <a16:creationId xmlns:a16="http://schemas.microsoft.com/office/drawing/2014/main" xmlns="" id="{38D92C47-6A24-433B-A9D7-48400DFBEE88}"/>
               </a:ext>
             </a:extLst>
           </p:cNvPr>
@@ -13757,7 +12954,7 @@
           <p:cNvPr id="52" name="TextBox 51">
             <a:extLst>
               <a:ext uri="{FF2B5EF4-FFF2-40B4-BE49-F238E27FC236}">
-                <a16:creationId xmlns="" xmlns:a16="http://schemas.microsoft.com/office/drawing/2014/main" id="{46370455-EDDE-4BAF-A68F-1E721D22CFA3}"/>
+                <a16:creationId xmlns:a16="http://schemas.microsoft.com/office/drawing/2014/main" xmlns="" id="{46370455-EDDE-4BAF-A68F-1E721D22CFA3}"/>
               </a:ext>
             </a:extLst>
           </p:cNvPr>
@@ -13798,7 +12995,7 @@
           <p:cNvPr id="54" name="TextBox 53">
             <a:extLst>
               <a:ext uri="{FF2B5EF4-FFF2-40B4-BE49-F238E27FC236}">
-                <a16:creationId xmlns="" xmlns:a16="http://schemas.microsoft.com/office/drawing/2014/main" id="{1F0BD362-AB28-4ABC-B01D-E5FB51A4284F}"/>
+                <a16:creationId xmlns:a16="http://schemas.microsoft.com/office/drawing/2014/main" xmlns="" id="{1F0BD362-AB28-4ABC-B01D-E5FB51A4284F}"/>
               </a:ext>
             </a:extLst>
           </p:cNvPr>
@@ -13833,7 +13030,7 @@
           <p:cNvPr id="55" name="TextBox 54">
             <a:extLst>
               <a:ext uri="{FF2B5EF4-FFF2-40B4-BE49-F238E27FC236}">
-                <a16:creationId xmlns="" xmlns:a16="http://schemas.microsoft.com/office/drawing/2014/main" id="{66A6D040-E92F-405E-8F1C-224FD73DEB6A}"/>
+                <a16:creationId xmlns:a16="http://schemas.microsoft.com/office/drawing/2014/main" xmlns="" id="{66A6D040-E92F-405E-8F1C-224FD73DEB6A}"/>
               </a:ext>
             </a:extLst>
           </p:cNvPr>
@@ -13874,7 +13071,7 @@
           <p:cNvPr id="59" name="TextBox 58">
             <a:extLst>
               <a:ext uri="{FF2B5EF4-FFF2-40B4-BE49-F238E27FC236}">
-                <a16:creationId xmlns="" xmlns:a16="http://schemas.microsoft.com/office/drawing/2014/main" id="{8B737B46-BF72-4F50-880F-A81417342B9C}"/>
+                <a16:creationId xmlns:a16="http://schemas.microsoft.com/office/drawing/2014/main" xmlns="" id="{8B737B46-BF72-4F50-880F-A81417342B9C}"/>
               </a:ext>
             </a:extLst>
           </p:cNvPr>
@@ -13915,7 +13112,7 @@
           <p:cNvPr id="60" name="TextBox 59">
             <a:extLst>
               <a:ext uri="{FF2B5EF4-FFF2-40B4-BE49-F238E27FC236}">
-                <a16:creationId xmlns="" xmlns:a16="http://schemas.microsoft.com/office/drawing/2014/main" id="{635E5AB3-11BB-4188-A9F5-6624D8487908}"/>
+                <a16:creationId xmlns:a16="http://schemas.microsoft.com/office/drawing/2014/main" xmlns="" id="{635E5AB3-11BB-4188-A9F5-6624D8487908}"/>
               </a:ext>
             </a:extLst>
           </p:cNvPr>
@@ -15989,7 +15186,7 @@
           <p:cNvPr id="43" name="TextBox 42">
             <a:extLst>
               <a:ext uri="{FF2B5EF4-FFF2-40B4-BE49-F238E27FC236}">
-                <a16:creationId xmlns="" xmlns:a16="http://schemas.microsoft.com/office/drawing/2014/main" id="{C66D85E0-1A23-448C-9466-6DADEA26156A}"/>
+                <a16:creationId xmlns:a16="http://schemas.microsoft.com/office/drawing/2014/main" xmlns="" id="{C66D85E0-1A23-448C-9466-6DADEA26156A}"/>
               </a:ext>
             </a:extLst>
           </p:cNvPr>
@@ -16030,7 +15227,7 @@
           <p:cNvPr id="44" name="TextBox 43">
             <a:extLst>
               <a:ext uri="{FF2B5EF4-FFF2-40B4-BE49-F238E27FC236}">
-                <a16:creationId xmlns="" xmlns:a16="http://schemas.microsoft.com/office/drawing/2014/main" id="{73BB0B6F-DBD2-4682-88DA-A68E1C43C8EE}"/>
+                <a16:creationId xmlns:a16="http://schemas.microsoft.com/office/drawing/2014/main" xmlns="" id="{73BB0B6F-DBD2-4682-88DA-A68E1C43C8EE}"/>
               </a:ext>
             </a:extLst>
           </p:cNvPr>
@@ -16071,7 +15268,7 @@
           <p:cNvPr id="45" name="TextBox 44">
             <a:extLst>
               <a:ext uri="{FF2B5EF4-FFF2-40B4-BE49-F238E27FC236}">
-                <a16:creationId xmlns="" xmlns:a16="http://schemas.microsoft.com/office/drawing/2014/main" id="{06BB9D57-20AB-4911-8F91-1EAAD2C3D635}"/>
+                <a16:creationId xmlns:a16="http://schemas.microsoft.com/office/drawing/2014/main" xmlns="" id="{06BB9D57-20AB-4911-8F91-1EAAD2C3D635}"/>
               </a:ext>
             </a:extLst>
           </p:cNvPr>
@@ -16106,7 +15303,7 @@
           <p:cNvPr id="46" name="TextBox 45">
             <a:extLst>
               <a:ext uri="{FF2B5EF4-FFF2-40B4-BE49-F238E27FC236}">
-                <a16:creationId xmlns="" xmlns:a16="http://schemas.microsoft.com/office/drawing/2014/main" id="{6BDA7693-CA76-4C97-8FED-A4A65AB5032B}"/>
+                <a16:creationId xmlns:a16="http://schemas.microsoft.com/office/drawing/2014/main" xmlns="" id="{6BDA7693-CA76-4C97-8FED-A4A65AB5032B}"/>
               </a:ext>
             </a:extLst>
           </p:cNvPr>
@@ -16147,7 +15344,7 @@
           <p:cNvPr id="47" name="TextBox 46">
             <a:extLst>
               <a:ext uri="{FF2B5EF4-FFF2-40B4-BE49-F238E27FC236}">
-                <a16:creationId xmlns="" xmlns:a16="http://schemas.microsoft.com/office/drawing/2014/main" id="{F3FF60E3-5733-4A51-BB64-B5D227CFB6FE}"/>
+                <a16:creationId xmlns:a16="http://schemas.microsoft.com/office/drawing/2014/main" xmlns="" id="{F3FF60E3-5733-4A51-BB64-B5D227CFB6FE}"/>
               </a:ext>
             </a:extLst>
           </p:cNvPr>
@@ -16188,7 +15385,7 @@
           <p:cNvPr id="48" name="TextBox 47">
             <a:extLst>
               <a:ext uri="{FF2B5EF4-FFF2-40B4-BE49-F238E27FC236}">
-                <a16:creationId xmlns="" xmlns:a16="http://schemas.microsoft.com/office/drawing/2014/main" id="{6CFBFA02-2444-480B-B78F-A1A7AD55973E}"/>
+                <a16:creationId xmlns:a16="http://schemas.microsoft.com/office/drawing/2014/main" xmlns="" id="{6CFBFA02-2444-480B-B78F-A1A7AD55973E}"/>
               </a:ext>
             </a:extLst>
           </p:cNvPr>
@@ -16979,7 +16176,7 @@
           <p:cNvPr id="12" name="TextBox 45">
             <a:extLst>
               <a:ext uri="{FF2B5EF4-FFF2-40B4-BE49-F238E27FC236}">
-                <a16:creationId xmlns="" xmlns:a16="http://schemas.microsoft.com/office/drawing/2014/main" id="{6BDA7693-CA76-4C97-8FED-A4A65AB5032B}"/>
+                <a16:creationId xmlns:a16="http://schemas.microsoft.com/office/drawing/2014/main" xmlns="" id="{6BDA7693-CA76-4C97-8FED-A4A65AB5032B}"/>
               </a:ext>
             </a:extLst>
           </p:cNvPr>
@@ -17657,7 +16854,7 @@
           <p:cNvPr id="33" name="TextBox 45">
             <a:extLst>
               <a:ext uri="{FF2B5EF4-FFF2-40B4-BE49-F238E27FC236}">
-                <a16:creationId xmlns="" xmlns:a16="http://schemas.microsoft.com/office/drawing/2014/main" id="{6BDA7693-CA76-4C97-8FED-A4A65AB5032B}"/>
+                <a16:creationId xmlns:a16="http://schemas.microsoft.com/office/drawing/2014/main" xmlns="" id="{6BDA7693-CA76-4C97-8FED-A4A65AB5032B}"/>
               </a:ext>
             </a:extLst>
           </p:cNvPr>
@@ -17682,15 +16879,7 @@
           <a:p>
             <a:r>
               <a:rPr lang="en-US" dirty="0" smtClean="0"/>
-              <a:t>Cas</a:t>
-            </a:r>
-            <a:r>
-              <a:rPr lang="en-US" dirty="0" smtClean="0"/>
-              <a:t>e </a:t>
-            </a:r>
-            <a:r>
-              <a:rPr lang="en-US" dirty="0" smtClean="0"/>
-              <a:t>A</a:t>
+              <a:t>Case A</a:t>
             </a:r>
             <a:endParaRPr lang="en-US" dirty="0"/>
           </a:p>
@@ -17701,7 +16890,7 @@
           <p:cNvPr id="34" name="TextBox 45">
             <a:extLst>
               <a:ext uri="{FF2B5EF4-FFF2-40B4-BE49-F238E27FC236}">
-                <a16:creationId xmlns="" xmlns:a16="http://schemas.microsoft.com/office/drawing/2014/main" id="{6BDA7693-CA76-4C97-8FED-A4A65AB5032B}"/>
+                <a16:creationId xmlns:a16="http://schemas.microsoft.com/office/drawing/2014/main" xmlns="" id="{6BDA7693-CA76-4C97-8FED-A4A65AB5032B}"/>
               </a:ext>
             </a:extLst>
           </p:cNvPr>
@@ -17726,15 +16915,7 @@
           <a:p>
             <a:r>
               <a:rPr lang="en-US" dirty="0" smtClean="0"/>
-              <a:t>Cas</a:t>
-            </a:r>
-            <a:r>
-              <a:rPr lang="en-US" dirty="0" smtClean="0"/>
-              <a:t>e </a:t>
-            </a:r>
-            <a:r>
-              <a:rPr lang="en-US" dirty="0" smtClean="0"/>
-              <a:t>B</a:t>
+              <a:t>Case B</a:t>
             </a:r>
             <a:endParaRPr lang="en-US" dirty="0"/>
           </a:p>
@@ -18119,7 +17300,7 @@
           <p:cNvPr id="52" name="TextBox 45">
             <a:extLst>
               <a:ext uri="{FF2B5EF4-FFF2-40B4-BE49-F238E27FC236}">
-                <a16:creationId xmlns="" xmlns:a16="http://schemas.microsoft.com/office/drawing/2014/main" id="{6BDA7693-CA76-4C97-8FED-A4A65AB5032B}"/>
+                <a16:creationId xmlns:a16="http://schemas.microsoft.com/office/drawing/2014/main" xmlns="" id="{6BDA7693-CA76-4C97-8FED-A4A65AB5032B}"/>
               </a:ext>
             </a:extLst>
           </p:cNvPr>
@@ -18150,40 +17331,6 @@
           </a:p>
         </p:txBody>
       </p:sp>
-      <p:cxnSp>
-        <p:nvCxnSpPr>
-          <p:cNvPr id="73" name="Connettore 2 72"/>
-          <p:cNvCxnSpPr/>
-          <p:nvPr/>
-        </p:nvCxnSpPr>
-        <p:spPr>
-          <a:xfrm>
-            <a:off x="2978661" y="4459196"/>
-            <a:ext cx="783259" cy="0"/>
-          </a:xfrm>
-          <a:prstGeom prst="straightConnector1">
-            <a:avLst/>
-          </a:prstGeom>
-          <a:ln>
-            <a:prstDash val="lgDash"/>
-            <a:tailEnd type="arrow"/>
-          </a:ln>
-        </p:spPr>
-        <p:style>
-          <a:lnRef idx="1">
-            <a:schemeClr val="accent1"/>
-          </a:lnRef>
-          <a:fillRef idx="0">
-            <a:schemeClr val="accent1"/>
-          </a:fillRef>
-          <a:effectRef idx="0">
-            <a:schemeClr val="accent1"/>
-          </a:effectRef>
-          <a:fontRef idx="minor">
-            <a:schemeClr val="tx1"/>
-          </a:fontRef>
-        </p:style>
-      </p:cxnSp>
       <p:cxnSp>
         <p:nvCxnSpPr>
           <p:cNvPr id="81" name="Connettore 1 80"/>
@@ -18310,7 +17457,7 @@
         <p:spPr>
           <a:xfrm>
             <a:off x="2702888" y="1828875"/>
-            <a:ext cx="1221040" cy="954107"/>
+            <a:ext cx="1221040" cy="1169551"/>
           </a:xfrm>
           <a:prstGeom prst="rect">
             <a:avLst/>
@@ -18367,7 +17514,20 @@
               <a:rPr lang="it-IT" sz="1400" dirty="0" smtClean="0">
                 <a:hlinkClick r:id="rId2"/>
               </a:rPr>
-              <a:t>HTML5 SSE</a:t>
+              <a:t>HTML5 </a:t>
+            </a:r>
+            <a:r>
+              <a:rPr lang="it-IT" sz="1400" dirty="0" smtClean="0">
+                <a:hlinkClick r:id="rId2"/>
+              </a:rPr>
+              <a:t>SSE</a:t>
+            </a:r>
+            <a:endParaRPr lang="it-IT" sz="1400" dirty="0" smtClean="0"/>
+          </a:p>
+          <a:p>
+            <a:r>
+              <a:rPr lang="it-IT" sz="1400" dirty="0" err="1" smtClean="0"/>
+              <a:t>Mqtt</a:t>
             </a:r>
             <a:endParaRPr lang="en-GB" sz="1400" dirty="0"/>
           </a:p>

--- a/health/userDocs/UniboFigs.pptx
+++ b/health/userDocs/UniboFigs.pptx
@@ -115,7 +115,7 @@
   </p:defaultTextStyle>
   <p:extLst>
     <p:ext uri="{EFAFB233-063F-42B5-8137-9DF3F51BA10A}">
-      <p15:sldGuideLst xmlns:p15="http://schemas.microsoft.com/office/powerpoint/2012/main" xmlns="">
+      <p15:sldGuideLst xmlns="" xmlns:p15="http://schemas.microsoft.com/office/powerpoint/2012/main">
         <p15:guide id="1" orient="horz" pos="2160">
           <p15:clr>
             <a:srgbClr val="A4A3A4"/>
@@ -313,7 +313,7 @@
           <a:p>
             <a:fld id="{486DFF9D-000F-417D-A1D1-C441A4010B1E}" type="datetimeFigureOut">
               <a:rPr lang="en-GB" smtClean="0"/>
-              <a:t>24/07/2020</a:t>
+              <a:t>25/07/2020</a:t>
             </a:fld>
             <a:endParaRPr lang="en-GB"/>
           </a:p>
@@ -483,7 +483,7 @@
           <a:p>
             <a:fld id="{486DFF9D-000F-417D-A1D1-C441A4010B1E}" type="datetimeFigureOut">
               <a:rPr lang="en-GB" smtClean="0"/>
-              <a:t>24/07/2020</a:t>
+              <a:t>25/07/2020</a:t>
             </a:fld>
             <a:endParaRPr lang="en-GB"/>
           </a:p>
@@ -663,7 +663,7 @@
           <a:p>
             <a:fld id="{486DFF9D-000F-417D-A1D1-C441A4010B1E}" type="datetimeFigureOut">
               <a:rPr lang="en-GB" smtClean="0"/>
-              <a:t>24/07/2020</a:t>
+              <a:t>25/07/2020</a:t>
             </a:fld>
             <a:endParaRPr lang="en-GB"/>
           </a:p>
@@ -833,7 +833,7 @@
           <a:p>
             <a:fld id="{486DFF9D-000F-417D-A1D1-C441A4010B1E}" type="datetimeFigureOut">
               <a:rPr lang="en-GB" smtClean="0"/>
-              <a:t>24/07/2020</a:t>
+              <a:t>25/07/2020</a:t>
             </a:fld>
             <a:endParaRPr lang="en-GB"/>
           </a:p>
@@ -1079,7 +1079,7 @@
           <a:p>
             <a:fld id="{486DFF9D-000F-417D-A1D1-C441A4010B1E}" type="datetimeFigureOut">
               <a:rPr lang="en-GB" smtClean="0"/>
-              <a:t>24/07/2020</a:t>
+              <a:t>25/07/2020</a:t>
             </a:fld>
             <a:endParaRPr lang="en-GB"/>
           </a:p>
@@ -1367,7 +1367,7 @@
           <a:p>
             <a:fld id="{486DFF9D-000F-417D-A1D1-C441A4010B1E}" type="datetimeFigureOut">
               <a:rPr lang="en-GB" smtClean="0"/>
-              <a:t>24/07/2020</a:t>
+              <a:t>25/07/2020</a:t>
             </a:fld>
             <a:endParaRPr lang="en-GB"/>
           </a:p>
@@ -1789,7 +1789,7 @@
           <a:p>
             <a:fld id="{486DFF9D-000F-417D-A1D1-C441A4010B1E}" type="datetimeFigureOut">
               <a:rPr lang="en-GB" smtClean="0"/>
-              <a:t>24/07/2020</a:t>
+              <a:t>25/07/2020</a:t>
             </a:fld>
             <a:endParaRPr lang="en-GB"/>
           </a:p>
@@ -1907,7 +1907,7 @@
           <a:p>
             <a:fld id="{486DFF9D-000F-417D-A1D1-C441A4010B1E}" type="datetimeFigureOut">
               <a:rPr lang="en-GB" smtClean="0"/>
-              <a:t>24/07/2020</a:t>
+              <a:t>25/07/2020</a:t>
             </a:fld>
             <a:endParaRPr lang="en-GB"/>
           </a:p>
@@ -2002,7 +2002,7 @@
           <a:p>
             <a:fld id="{486DFF9D-000F-417D-A1D1-C441A4010B1E}" type="datetimeFigureOut">
               <a:rPr lang="en-GB" smtClean="0"/>
-              <a:t>24/07/2020</a:t>
+              <a:t>25/07/2020</a:t>
             </a:fld>
             <a:endParaRPr lang="en-GB"/>
           </a:p>
@@ -2279,7 +2279,7 @@
           <a:p>
             <a:fld id="{486DFF9D-000F-417D-A1D1-C441A4010B1E}" type="datetimeFigureOut">
               <a:rPr lang="en-GB" smtClean="0"/>
-              <a:t>24/07/2020</a:t>
+              <a:t>25/07/2020</a:t>
             </a:fld>
             <a:endParaRPr lang="en-GB"/>
           </a:p>
@@ -2532,7 +2532,7 @@
           <a:p>
             <a:fld id="{486DFF9D-000F-417D-A1D1-C441A4010B1E}" type="datetimeFigureOut">
               <a:rPr lang="en-GB" smtClean="0"/>
-              <a:t>24/07/2020</a:t>
+              <a:t>25/07/2020</a:t>
             </a:fld>
             <a:endParaRPr lang="en-GB"/>
           </a:p>
@@ -2745,7 +2745,7 @@
           <a:p>
             <a:fld id="{486DFF9D-000F-417D-A1D1-C441A4010B1E}" type="datetimeFigureOut">
               <a:rPr lang="en-GB" smtClean="0"/>
-              <a:t>24/07/2020</a:t>
+              <a:t>25/07/2020</a:t>
             </a:fld>
             <a:endParaRPr lang="en-GB"/>
           </a:p>
@@ -6162,7 +6162,7 @@
           <p:cNvPr id="12" name="TextBox 45">
             <a:extLst>
               <a:ext uri="{FF2B5EF4-FFF2-40B4-BE49-F238E27FC236}">
-                <a16:creationId xmlns:a16="http://schemas.microsoft.com/office/drawing/2014/main" xmlns="" id="{6BDA7693-CA76-4C97-8FED-A4A65AB5032B}"/>
+                <a16:creationId xmlns="" xmlns:a16="http://schemas.microsoft.com/office/drawing/2014/main" id="{6BDA7693-CA76-4C97-8FED-A4A65AB5032B}"/>
               </a:ext>
             </a:extLst>
           </p:cNvPr>
@@ -12913,7 +12913,7 @@
           <p:cNvPr id="51" name="TextBox 50">
             <a:extLst>
               <a:ext uri="{FF2B5EF4-FFF2-40B4-BE49-F238E27FC236}">
-                <a16:creationId xmlns:a16="http://schemas.microsoft.com/office/drawing/2014/main" xmlns="" id="{38D92C47-6A24-433B-A9D7-48400DFBEE88}"/>
+                <a16:creationId xmlns="" xmlns:a16="http://schemas.microsoft.com/office/drawing/2014/main" id="{38D92C47-6A24-433B-A9D7-48400DFBEE88}"/>
               </a:ext>
             </a:extLst>
           </p:cNvPr>
@@ -12954,7 +12954,7 @@
           <p:cNvPr id="52" name="TextBox 51">
             <a:extLst>
               <a:ext uri="{FF2B5EF4-FFF2-40B4-BE49-F238E27FC236}">
-                <a16:creationId xmlns:a16="http://schemas.microsoft.com/office/drawing/2014/main" xmlns="" id="{46370455-EDDE-4BAF-A68F-1E721D22CFA3}"/>
+                <a16:creationId xmlns="" xmlns:a16="http://schemas.microsoft.com/office/drawing/2014/main" id="{46370455-EDDE-4BAF-A68F-1E721D22CFA3}"/>
               </a:ext>
             </a:extLst>
           </p:cNvPr>
@@ -12995,7 +12995,7 @@
           <p:cNvPr id="54" name="TextBox 53">
             <a:extLst>
               <a:ext uri="{FF2B5EF4-FFF2-40B4-BE49-F238E27FC236}">
-                <a16:creationId xmlns:a16="http://schemas.microsoft.com/office/drawing/2014/main" xmlns="" id="{1F0BD362-AB28-4ABC-B01D-E5FB51A4284F}"/>
+                <a16:creationId xmlns="" xmlns:a16="http://schemas.microsoft.com/office/drawing/2014/main" id="{1F0BD362-AB28-4ABC-B01D-E5FB51A4284F}"/>
               </a:ext>
             </a:extLst>
           </p:cNvPr>
@@ -13030,7 +13030,7 @@
           <p:cNvPr id="55" name="TextBox 54">
             <a:extLst>
               <a:ext uri="{FF2B5EF4-FFF2-40B4-BE49-F238E27FC236}">
-                <a16:creationId xmlns:a16="http://schemas.microsoft.com/office/drawing/2014/main" xmlns="" id="{66A6D040-E92F-405E-8F1C-224FD73DEB6A}"/>
+                <a16:creationId xmlns="" xmlns:a16="http://schemas.microsoft.com/office/drawing/2014/main" id="{66A6D040-E92F-405E-8F1C-224FD73DEB6A}"/>
               </a:ext>
             </a:extLst>
           </p:cNvPr>
@@ -13071,7 +13071,7 @@
           <p:cNvPr id="59" name="TextBox 58">
             <a:extLst>
               <a:ext uri="{FF2B5EF4-FFF2-40B4-BE49-F238E27FC236}">
-                <a16:creationId xmlns:a16="http://schemas.microsoft.com/office/drawing/2014/main" xmlns="" id="{8B737B46-BF72-4F50-880F-A81417342B9C}"/>
+                <a16:creationId xmlns="" xmlns:a16="http://schemas.microsoft.com/office/drawing/2014/main" id="{8B737B46-BF72-4F50-880F-A81417342B9C}"/>
               </a:ext>
             </a:extLst>
           </p:cNvPr>
@@ -13112,7 +13112,7 @@
           <p:cNvPr id="60" name="TextBox 59">
             <a:extLst>
               <a:ext uri="{FF2B5EF4-FFF2-40B4-BE49-F238E27FC236}">
-                <a16:creationId xmlns:a16="http://schemas.microsoft.com/office/drawing/2014/main" xmlns="" id="{635E5AB3-11BB-4188-A9F5-6624D8487908}"/>
+                <a16:creationId xmlns="" xmlns:a16="http://schemas.microsoft.com/office/drawing/2014/main" id="{635E5AB3-11BB-4188-A9F5-6624D8487908}"/>
               </a:ext>
             </a:extLst>
           </p:cNvPr>
@@ -15186,7 +15186,7 @@
           <p:cNvPr id="43" name="TextBox 42">
             <a:extLst>
               <a:ext uri="{FF2B5EF4-FFF2-40B4-BE49-F238E27FC236}">
-                <a16:creationId xmlns:a16="http://schemas.microsoft.com/office/drawing/2014/main" xmlns="" id="{C66D85E0-1A23-448C-9466-6DADEA26156A}"/>
+                <a16:creationId xmlns="" xmlns:a16="http://schemas.microsoft.com/office/drawing/2014/main" id="{C66D85E0-1A23-448C-9466-6DADEA26156A}"/>
               </a:ext>
             </a:extLst>
           </p:cNvPr>
@@ -15227,7 +15227,7 @@
           <p:cNvPr id="44" name="TextBox 43">
             <a:extLst>
               <a:ext uri="{FF2B5EF4-FFF2-40B4-BE49-F238E27FC236}">
-                <a16:creationId xmlns:a16="http://schemas.microsoft.com/office/drawing/2014/main" xmlns="" id="{73BB0B6F-DBD2-4682-88DA-A68E1C43C8EE}"/>
+                <a16:creationId xmlns="" xmlns:a16="http://schemas.microsoft.com/office/drawing/2014/main" id="{73BB0B6F-DBD2-4682-88DA-A68E1C43C8EE}"/>
               </a:ext>
             </a:extLst>
           </p:cNvPr>
@@ -15268,7 +15268,7 @@
           <p:cNvPr id="45" name="TextBox 44">
             <a:extLst>
               <a:ext uri="{FF2B5EF4-FFF2-40B4-BE49-F238E27FC236}">
-                <a16:creationId xmlns:a16="http://schemas.microsoft.com/office/drawing/2014/main" xmlns="" id="{06BB9D57-20AB-4911-8F91-1EAAD2C3D635}"/>
+                <a16:creationId xmlns="" xmlns:a16="http://schemas.microsoft.com/office/drawing/2014/main" id="{06BB9D57-20AB-4911-8F91-1EAAD2C3D635}"/>
               </a:ext>
             </a:extLst>
           </p:cNvPr>
@@ -15303,7 +15303,7 @@
           <p:cNvPr id="46" name="TextBox 45">
             <a:extLst>
               <a:ext uri="{FF2B5EF4-FFF2-40B4-BE49-F238E27FC236}">
-                <a16:creationId xmlns:a16="http://schemas.microsoft.com/office/drawing/2014/main" xmlns="" id="{6BDA7693-CA76-4C97-8FED-A4A65AB5032B}"/>
+                <a16:creationId xmlns="" xmlns:a16="http://schemas.microsoft.com/office/drawing/2014/main" id="{6BDA7693-CA76-4C97-8FED-A4A65AB5032B}"/>
               </a:ext>
             </a:extLst>
           </p:cNvPr>
@@ -15344,7 +15344,7 @@
           <p:cNvPr id="47" name="TextBox 46">
             <a:extLst>
               <a:ext uri="{FF2B5EF4-FFF2-40B4-BE49-F238E27FC236}">
-                <a16:creationId xmlns:a16="http://schemas.microsoft.com/office/drawing/2014/main" xmlns="" id="{F3FF60E3-5733-4A51-BB64-B5D227CFB6FE}"/>
+                <a16:creationId xmlns="" xmlns:a16="http://schemas.microsoft.com/office/drawing/2014/main" id="{F3FF60E3-5733-4A51-BB64-B5D227CFB6FE}"/>
               </a:ext>
             </a:extLst>
           </p:cNvPr>
@@ -15385,7 +15385,7 @@
           <p:cNvPr id="48" name="TextBox 47">
             <a:extLst>
               <a:ext uri="{FF2B5EF4-FFF2-40B4-BE49-F238E27FC236}">
-                <a16:creationId xmlns:a16="http://schemas.microsoft.com/office/drawing/2014/main" xmlns="" id="{6CFBFA02-2444-480B-B78F-A1A7AD55973E}"/>
+                <a16:creationId xmlns="" xmlns:a16="http://schemas.microsoft.com/office/drawing/2014/main" id="{6CFBFA02-2444-480B-B78F-A1A7AD55973E}"/>
               </a:ext>
             </a:extLst>
           </p:cNvPr>
@@ -16176,7 +16176,7 @@
           <p:cNvPr id="12" name="TextBox 45">
             <a:extLst>
               <a:ext uri="{FF2B5EF4-FFF2-40B4-BE49-F238E27FC236}">
-                <a16:creationId xmlns:a16="http://schemas.microsoft.com/office/drawing/2014/main" xmlns="" id="{6BDA7693-CA76-4C97-8FED-A4A65AB5032B}"/>
+                <a16:creationId xmlns="" xmlns:a16="http://schemas.microsoft.com/office/drawing/2014/main" id="{6BDA7693-CA76-4C97-8FED-A4A65AB5032B}"/>
               </a:ext>
             </a:extLst>
           </p:cNvPr>
@@ -16854,7 +16854,7 @@
           <p:cNvPr id="33" name="TextBox 45">
             <a:extLst>
               <a:ext uri="{FF2B5EF4-FFF2-40B4-BE49-F238E27FC236}">
-                <a16:creationId xmlns:a16="http://schemas.microsoft.com/office/drawing/2014/main" xmlns="" id="{6BDA7693-CA76-4C97-8FED-A4A65AB5032B}"/>
+                <a16:creationId xmlns="" xmlns:a16="http://schemas.microsoft.com/office/drawing/2014/main" id="{6BDA7693-CA76-4C97-8FED-A4A65AB5032B}"/>
               </a:ext>
             </a:extLst>
           </p:cNvPr>
@@ -16890,7 +16890,7 @@
           <p:cNvPr id="34" name="TextBox 45">
             <a:extLst>
               <a:ext uri="{FF2B5EF4-FFF2-40B4-BE49-F238E27FC236}">
-                <a16:creationId xmlns:a16="http://schemas.microsoft.com/office/drawing/2014/main" xmlns="" id="{6BDA7693-CA76-4C97-8FED-A4A65AB5032B}"/>
+                <a16:creationId xmlns="" xmlns:a16="http://schemas.microsoft.com/office/drawing/2014/main" id="{6BDA7693-CA76-4C97-8FED-A4A65AB5032B}"/>
               </a:ext>
             </a:extLst>
           </p:cNvPr>
@@ -17300,7 +17300,7 @@
           <p:cNvPr id="52" name="TextBox 45">
             <a:extLst>
               <a:ext uri="{FF2B5EF4-FFF2-40B4-BE49-F238E27FC236}">
-                <a16:creationId xmlns:a16="http://schemas.microsoft.com/office/drawing/2014/main" xmlns="" id="{6BDA7693-CA76-4C97-8FED-A4A65AB5032B}"/>
+                <a16:creationId xmlns="" xmlns:a16="http://schemas.microsoft.com/office/drawing/2014/main" id="{6BDA7693-CA76-4C97-8FED-A4A65AB5032B}"/>
               </a:ext>
             </a:extLst>
           </p:cNvPr>
@@ -17514,13 +17514,7 @@
               <a:rPr lang="it-IT" sz="1400" dirty="0" smtClean="0">
                 <a:hlinkClick r:id="rId2"/>
               </a:rPr>
-              <a:t>HTML5 </a:t>
-            </a:r>
-            <a:r>
-              <a:rPr lang="it-IT" sz="1400" dirty="0" smtClean="0">
-                <a:hlinkClick r:id="rId2"/>
-              </a:rPr>
-              <a:t>SSE</a:t>
+              <a:t>HTML5 SSE</a:t>
             </a:r>
             <a:endParaRPr lang="it-IT" sz="1400" dirty="0" smtClean="0"/>
           </a:p>
@@ -17530,6 +17524,521 @@
               <a:t>Mqtt</a:t>
             </a:r>
             <a:endParaRPr lang="en-GB" sz="1400" dirty="0"/>
+          </a:p>
+        </p:txBody>
+      </p:sp>
+      <p:sp>
+        <p:nvSpPr>
+          <p:cNvPr id="46" name="Ovale 45"/>
+          <p:cNvSpPr/>
+          <p:nvPr/>
+        </p:nvSpPr>
+        <p:spPr>
+          <a:xfrm>
+            <a:off x="4236878" y="3623634"/>
+            <a:ext cx="749721" cy="720080"/>
+          </a:xfrm>
+          <a:prstGeom prst="ellipse">
+            <a:avLst/>
+          </a:prstGeom>
+          <a:ln/>
+        </p:spPr>
+        <p:style>
+          <a:lnRef idx="1">
+            <a:schemeClr val="accent5"/>
+          </a:lnRef>
+          <a:fillRef idx="2">
+            <a:schemeClr val="accent5"/>
+          </a:fillRef>
+          <a:effectRef idx="1">
+            <a:schemeClr val="accent5"/>
+          </a:effectRef>
+          <a:fontRef idx="minor">
+            <a:schemeClr val="dk1"/>
+          </a:fontRef>
+        </p:style>
+        <p:txBody>
+          <a:bodyPr rtlCol="0" anchor="ctr"/>
+          <a:lstStyle/>
+          <a:p>
+            <a:pPr algn="ctr"/>
+            <a:r>
+              <a:rPr lang="en-GB" sz="1200" dirty="0"/>
+              <a:t> </a:t>
+            </a:r>
+          </a:p>
+        </p:txBody>
+      </p:sp>
+      <p:sp>
+        <p:nvSpPr>
+          <p:cNvPr id="54" name="Figura a mano libera 53"/>
+          <p:cNvSpPr/>
+          <p:nvPr/>
+        </p:nvSpPr>
+        <p:spPr>
+          <a:xfrm>
+            <a:off x="7125330" y="3783619"/>
+            <a:ext cx="573277" cy="400110"/>
+          </a:xfrm>
+          <a:custGeom>
+            <a:avLst/>
+            <a:gdLst>
+              <a:gd name="connsiteX0" fmla="*/ 168812 w 773723"/>
+              <a:gd name="connsiteY0" fmla="*/ 0 h 604911"/>
+              <a:gd name="connsiteX1" fmla="*/ 168812 w 773723"/>
+              <a:gd name="connsiteY1" fmla="*/ 0 h 604911"/>
+              <a:gd name="connsiteX2" fmla="*/ 28135 w 773723"/>
+              <a:gd name="connsiteY2" fmla="*/ 70339 h 604911"/>
+              <a:gd name="connsiteX3" fmla="*/ 0 w 773723"/>
+              <a:gd name="connsiteY3" fmla="*/ 112542 h 604911"/>
+              <a:gd name="connsiteX4" fmla="*/ 14068 w 773723"/>
+              <a:gd name="connsiteY4" fmla="*/ 492369 h 604911"/>
+              <a:gd name="connsiteX5" fmla="*/ 42203 w 773723"/>
+              <a:gd name="connsiteY5" fmla="*/ 520505 h 604911"/>
+              <a:gd name="connsiteX6" fmla="*/ 168812 w 773723"/>
+              <a:gd name="connsiteY6" fmla="*/ 576776 h 604911"/>
+              <a:gd name="connsiteX7" fmla="*/ 225083 w 773723"/>
+              <a:gd name="connsiteY7" fmla="*/ 604911 h 604911"/>
+              <a:gd name="connsiteX8" fmla="*/ 576775 w 773723"/>
+              <a:gd name="connsiteY8" fmla="*/ 590843 h 604911"/>
+              <a:gd name="connsiteX9" fmla="*/ 633046 w 773723"/>
+              <a:gd name="connsiteY9" fmla="*/ 393896 h 604911"/>
+              <a:gd name="connsiteX10" fmla="*/ 661181 w 773723"/>
+              <a:gd name="connsiteY10" fmla="*/ 365760 h 604911"/>
+              <a:gd name="connsiteX11" fmla="*/ 703385 w 773723"/>
+              <a:gd name="connsiteY11" fmla="*/ 337625 h 604911"/>
+              <a:gd name="connsiteX12" fmla="*/ 759655 w 773723"/>
+              <a:gd name="connsiteY12" fmla="*/ 295422 h 604911"/>
+              <a:gd name="connsiteX13" fmla="*/ 773723 w 773723"/>
+              <a:gd name="connsiteY13" fmla="*/ 253219 h 604911"/>
+              <a:gd name="connsiteX14" fmla="*/ 731520 w 773723"/>
+              <a:gd name="connsiteY14" fmla="*/ 154745 h 604911"/>
+              <a:gd name="connsiteX15" fmla="*/ 661181 w 773723"/>
+              <a:gd name="connsiteY15" fmla="*/ 84406 h 604911"/>
+              <a:gd name="connsiteX16" fmla="*/ 576775 w 773723"/>
+              <a:gd name="connsiteY16" fmla="*/ 28136 h 604911"/>
+              <a:gd name="connsiteX17" fmla="*/ 464234 w 773723"/>
+              <a:gd name="connsiteY17" fmla="*/ 42203 h 604911"/>
+              <a:gd name="connsiteX18" fmla="*/ 436098 w 773723"/>
+              <a:gd name="connsiteY18" fmla="*/ 70339 h 604911"/>
+              <a:gd name="connsiteX19" fmla="*/ 393895 w 773723"/>
+              <a:gd name="connsiteY19" fmla="*/ 84406 h 604911"/>
+              <a:gd name="connsiteX20" fmla="*/ 351692 w 773723"/>
+              <a:gd name="connsiteY20" fmla="*/ 70339 h 604911"/>
+              <a:gd name="connsiteX21" fmla="*/ 267286 w 773723"/>
+              <a:gd name="connsiteY21" fmla="*/ 56271 h 604911"/>
+              <a:gd name="connsiteX22" fmla="*/ 168812 w 773723"/>
+              <a:gd name="connsiteY22" fmla="*/ 0 h 604911"/>
+            </a:gdLst>
+            <a:ahLst/>
+            <a:cxnLst>
+              <a:cxn ang="0">
+                <a:pos x="connsiteX0" y="connsiteY0"/>
+              </a:cxn>
+              <a:cxn ang="0">
+                <a:pos x="connsiteX1" y="connsiteY1"/>
+              </a:cxn>
+              <a:cxn ang="0">
+                <a:pos x="connsiteX2" y="connsiteY2"/>
+              </a:cxn>
+              <a:cxn ang="0">
+                <a:pos x="connsiteX3" y="connsiteY3"/>
+              </a:cxn>
+              <a:cxn ang="0">
+                <a:pos x="connsiteX4" y="connsiteY4"/>
+              </a:cxn>
+              <a:cxn ang="0">
+                <a:pos x="connsiteX5" y="connsiteY5"/>
+              </a:cxn>
+              <a:cxn ang="0">
+                <a:pos x="connsiteX6" y="connsiteY6"/>
+              </a:cxn>
+              <a:cxn ang="0">
+                <a:pos x="connsiteX7" y="connsiteY7"/>
+              </a:cxn>
+              <a:cxn ang="0">
+                <a:pos x="connsiteX8" y="connsiteY8"/>
+              </a:cxn>
+              <a:cxn ang="0">
+                <a:pos x="connsiteX9" y="connsiteY9"/>
+              </a:cxn>
+              <a:cxn ang="0">
+                <a:pos x="connsiteX10" y="connsiteY10"/>
+              </a:cxn>
+              <a:cxn ang="0">
+                <a:pos x="connsiteX11" y="connsiteY11"/>
+              </a:cxn>
+              <a:cxn ang="0">
+                <a:pos x="connsiteX12" y="connsiteY12"/>
+              </a:cxn>
+              <a:cxn ang="0">
+                <a:pos x="connsiteX13" y="connsiteY13"/>
+              </a:cxn>
+              <a:cxn ang="0">
+                <a:pos x="connsiteX14" y="connsiteY14"/>
+              </a:cxn>
+              <a:cxn ang="0">
+                <a:pos x="connsiteX15" y="connsiteY15"/>
+              </a:cxn>
+              <a:cxn ang="0">
+                <a:pos x="connsiteX16" y="connsiteY16"/>
+              </a:cxn>
+              <a:cxn ang="0">
+                <a:pos x="connsiteX17" y="connsiteY17"/>
+              </a:cxn>
+              <a:cxn ang="0">
+                <a:pos x="connsiteX18" y="connsiteY18"/>
+              </a:cxn>
+              <a:cxn ang="0">
+                <a:pos x="connsiteX19" y="connsiteY19"/>
+              </a:cxn>
+              <a:cxn ang="0">
+                <a:pos x="connsiteX20" y="connsiteY20"/>
+              </a:cxn>
+              <a:cxn ang="0">
+                <a:pos x="connsiteX21" y="connsiteY21"/>
+              </a:cxn>
+              <a:cxn ang="0">
+                <a:pos x="connsiteX22" y="connsiteY22"/>
+              </a:cxn>
+            </a:cxnLst>
+            <a:rect l="l" t="t" r="r" b="b"/>
+            <a:pathLst>
+              <a:path w="773723" h="604911">
+                <a:moveTo>
+                  <a:pt x="168812" y="0"/>
+                </a:moveTo>
+                <a:lnTo>
+                  <a:pt x="168812" y="0"/>
+                </a:lnTo>
+                <a:cubicBezTo>
+                  <a:pt x="92586" y="28585"/>
+                  <a:pt x="68468" y="19923"/>
+                  <a:pt x="28135" y="70339"/>
+                </a:cubicBezTo>
+                <a:cubicBezTo>
+                  <a:pt x="17573" y="83541"/>
+                  <a:pt x="9378" y="98474"/>
+                  <a:pt x="0" y="112542"/>
+                </a:cubicBezTo>
+                <a:cubicBezTo>
+                  <a:pt x="4689" y="239151"/>
+                  <a:pt x="1031" y="366346"/>
+                  <a:pt x="14068" y="492369"/>
+                </a:cubicBezTo>
+                <a:cubicBezTo>
+                  <a:pt x="15433" y="505562"/>
+                  <a:pt x="31846" y="512219"/>
+                  <a:pt x="42203" y="520505"/>
+                </a:cubicBezTo>
+                <a:cubicBezTo>
+                  <a:pt x="111164" y="575674"/>
+                  <a:pt x="64716" y="524729"/>
+                  <a:pt x="168812" y="576776"/>
+                </a:cubicBezTo>
+                <a:lnTo>
+                  <a:pt x="225083" y="604911"/>
+                </a:lnTo>
+                <a:cubicBezTo>
+                  <a:pt x="342314" y="600222"/>
+                  <a:pt x="460118" y="603342"/>
+                  <a:pt x="576775" y="590843"/>
+                </a:cubicBezTo>
+                <a:cubicBezTo>
+                  <a:pt x="662467" y="581662"/>
+                  <a:pt x="629241" y="411651"/>
+                  <a:pt x="633046" y="393896"/>
+                </a:cubicBezTo>
+                <a:cubicBezTo>
+                  <a:pt x="635825" y="380927"/>
+                  <a:pt x="650824" y="374045"/>
+                  <a:pt x="661181" y="365760"/>
+                </a:cubicBezTo>
+                <a:cubicBezTo>
+                  <a:pt x="674384" y="355198"/>
+                  <a:pt x="689627" y="347452"/>
+                  <a:pt x="703385" y="337625"/>
+                </a:cubicBezTo>
+                <a:cubicBezTo>
+                  <a:pt x="722464" y="323997"/>
+                  <a:pt x="740898" y="309490"/>
+                  <a:pt x="759655" y="295422"/>
+                </a:cubicBezTo>
+                <a:cubicBezTo>
+                  <a:pt x="764344" y="281354"/>
+                  <a:pt x="773723" y="268048"/>
+                  <a:pt x="773723" y="253219"/>
+                </a:cubicBezTo>
+                <a:cubicBezTo>
+                  <a:pt x="773723" y="217181"/>
+                  <a:pt x="754492" y="180999"/>
+                  <a:pt x="731520" y="154745"/>
+                </a:cubicBezTo>
+                <a:cubicBezTo>
+                  <a:pt x="709685" y="129791"/>
+                  <a:pt x="688770" y="102799"/>
+                  <a:pt x="661181" y="84406"/>
+                </a:cubicBezTo>
+                <a:lnTo>
+                  <a:pt x="576775" y="28136"/>
+                </a:lnTo>
+                <a:cubicBezTo>
+                  <a:pt x="539261" y="32825"/>
+                  <a:pt x="500445" y="31340"/>
+                  <a:pt x="464234" y="42203"/>
+                </a:cubicBezTo>
+                <a:cubicBezTo>
+                  <a:pt x="451530" y="46014"/>
+                  <a:pt x="447471" y="63515"/>
+                  <a:pt x="436098" y="70339"/>
+                </a:cubicBezTo>
+                <a:cubicBezTo>
+                  <a:pt x="423383" y="77968"/>
+                  <a:pt x="407963" y="79717"/>
+                  <a:pt x="393895" y="84406"/>
+                </a:cubicBezTo>
+                <a:cubicBezTo>
+                  <a:pt x="379827" y="79717"/>
+                  <a:pt x="366167" y="73556"/>
+                  <a:pt x="351692" y="70339"/>
+                </a:cubicBezTo>
+                <a:cubicBezTo>
+                  <a:pt x="323848" y="64151"/>
+                  <a:pt x="294346" y="65291"/>
+                  <a:pt x="267286" y="56271"/>
+                </a:cubicBezTo>
+                <a:cubicBezTo>
+                  <a:pt x="167275" y="22934"/>
+                  <a:pt x="185224" y="9378"/>
+                  <a:pt x="168812" y="0"/>
+                </a:cubicBezTo>
+                <a:close/>
+              </a:path>
+            </a:pathLst>
+          </a:custGeom>
+          <a:solidFill>
+            <a:schemeClr val="accent5">
+              <a:lumMod val="40000"/>
+              <a:lumOff val="60000"/>
+            </a:schemeClr>
+          </a:solidFill>
+        </p:spPr>
+        <p:style>
+          <a:lnRef idx="2">
+            <a:schemeClr val="accent1">
+              <a:shade val="50000"/>
+            </a:schemeClr>
+          </a:lnRef>
+          <a:fillRef idx="1">
+            <a:schemeClr val="accent1"/>
+          </a:fillRef>
+          <a:effectRef idx="0">
+            <a:schemeClr val="accent1"/>
+          </a:effectRef>
+          <a:fontRef idx="minor">
+            <a:schemeClr val="lt1"/>
+          </a:fontRef>
+        </p:style>
+        <p:txBody>
+          <a:bodyPr rtlCol="0" anchor="ctr"/>
+          <a:lstStyle/>
+          <a:p>
+            <a:pPr algn="ctr"/>
+            <a:endParaRPr lang="en-GB"/>
+          </a:p>
+        </p:txBody>
+      </p:sp>
+      <p:cxnSp>
+        <p:nvCxnSpPr>
+          <p:cNvPr id="3" name="Connettore 2 2"/>
+          <p:cNvCxnSpPr/>
+          <p:nvPr/>
+        </p:nvCxnSpPr>
+        <p:spPr>
+          <a:xfrm>
+            <a:off x="5364088" y="3983674"/>
+            <a:ext cx="1595433" cy="0"/>
+          </a:xfrm>
+          <a:prstGeom prst="straightConnector1">
+            <a:avLst/>
+          </a:prstGeom>
+          <a:ln>
+            <a:prstDash val="lgDashDotDot"/>
+            <a:tailEnd type="arrow"/>
+          </a:ln>
+        </p:spPr>
+        <p:style>
+          <a:lnRef idx="1">
+            <a:schemeClr val="accent1"/>
+          </a:lnRef>
+          <a:fillRef idx="0">
+            <a:schemeClr val="accent1"/>
+          </a:fillRef>
+          <a:effectRef idx="0">
+            <a:schemeClr val="accent1"/>
+          </a:effectRef>
+          <a:fontRef idx="minor">
+            <a:schemeClr val="tx1"/>
+          </a:fontRef>
+        </p:style>
+      </p:cxnSp>
+      <p:sp>
+        <p:nvSpPr>
+          <p:cNvPr id="4" name="CasellaDiTesto 3"/>
+          <p:cNvSpPr txBox="1"/>
+          <p:nvPr/>
+        </p:nvSpPr>
+        <p:spPr>
+          <a:xfrm>
+            <a:off x="6038267" y="3543495"/>
+            <a:ext cx="506870" cy="369332"/>
+          </a:xfrm>
+          <a:prstGeom prst="rect">
+            <a:avLst/>
+          </a:prstGeom>
+          <a:noFill/>
+        </p:spPr>
+        <p:txBody>
+          <a:bodyPr wrap="none" rtlCol="0">
+            <a:spAutoFit/>
+          </a:bodyPr>
+          <a:lstStyle/>
+          <a:p>
+            <a:r>
+              <a:rPr lang="it-IT" dirty="0" smtClean="0"/>
+              <a:t>???</a:t>
+            </a:r>
+            <a:endParaRPr lang="en-GB" dirty="0"/>
+          </a:p>
+        </p:txBody>
+      </p:sp>
+      <p:cxnSp>
+        <p:nvCxnSpPr>
+          <p:cNvPr id="55" name="Connettore 1 54"/>
+          <p:cNvCxnSpPr/>
+          <p:nvPr/>
+        </p:nvCxnSpPr>
+        <p:spPr>
+          <a:xfrm flipH="1">
+            <a:off x="4147729" y="3623634"/>
+            <a:ext cx="1030190" cy="720080"/>
+          </a:xfrm>
+          <a:prstGeom prst="line">
+            <a:avLst/>
+          </a:prstGeom>
+        </p:spPr>
+        <p:style>
+          <a:lnRef idx="1">
+            <a:schemeClr val="accent1"/>
+          </a:lnRef>
+          <a:fillRef idx="0">
+            <a:schemeClr val="accent1"/>
+          </a:fillRef>
+          <a:effectRef idx="0">
+            <a:schemeClr val="accent1"/>
+          </a:effectRef>
+          <a:fontRef idx="minor">
+            <a:schemeClr val="tx1"/>
+          </a:fontRef>
+        </p:style>
+      </p:cxnSp>
+      <p:cxnSp>
+        <p:nvCxnSpPr>
+          <p:cNvPr id="56" name="Connettore 1 55"/>
+          <p:cNvCxnSpPr/>
+          <p:nvPr/>
+        </p:nvCxnSpPr>
+        <p:spPr>
+          <a:xfrm>
+            <a:off x="4126437" y="3543495"/>
+            <a:ext cx="1030190" cy="853389"/>
+          </a:xfrm>
+          <a:prstGeom prst="line">
+            <a:avLst/>
+          </a:prstGeom>
+        </p:spPr>
+        <p:style>
+          <a:lnRef idx="1">
+            <a:schemeClr val="accent1"/>
+          </a:lnRef>
+          <a:fillRef idx="0">
+            <a:schemeClr val="accent1"/>
+          </a:fillRef>
+          <a:effectRef idx="0">
+            <a:schemeClr val="accent1"/>
+          </a:effectRef>
+          <a:fontRef idx="minor">
+            <a:schemeClr val="tx1"/>
+          </a:fontRef>
+        </p:style>
+      </p:cxnSp>
+      <p:sp>
+        <p:nvSpPr>
+          <p:cNvPr id="57" name="CasellaDiTesto 56"/>
+          <p:cNvSpPr txBox="1"/>
+          <p:nvPr/>
+        </p:nvSpPr>
+        <p:spPr>
+          <a:xfrm>
+            <a:off x="4921391" y="4343714"/>
+            <a:ext cx="3362908" cy="646331"/>
+          </a:xfrm>
+          <a:prstGeom prst="rect">
+            <a:avLst/>
+          </a:prstGeom>
+        </p:spPr>
+        <p:style>
+          <a:lnRef idx="1">
+            <a:schemeClr val="accent3"/>
+          </a:lnRef>
+          <a:fillRef idx="2">
+            <a:schemeClr val="accent3"/>
+          </a:fillRef>
+          <a:effectRef idx="1">
+            <a:schemeClr val="accent3"/>
+          </a:effectRef>
+          <a:fontRef idx="minor">
+            <a:schemeClr val="dk1"/>
+          </a:fontRef>
+        </p:style>
+        <p:txBody>
+          <a:bodyPr wrap="none" rtlCol="0">
+            <a:spAutoFit/>
+          </a:bodyPr>
+          <a:lstStyle/>
+          <a:p>
+            <a:r>
+              <a:rPr lang="it-IT" dirty="0" err="1" smtClean="0"/>
+              <a:t>Excluded</a:t>
+            </a:r>
+            <a:r>
+              <a:rPr lang="it-IT" dirty="0" smtClean="0"/>
+              <a:t>:</a:t>
+            </a:r>
+            <a:endParaRPr lang="it-IT" dirty="0" smtClean="0"/>
+          </a:p>
+          <a:p>
+            <a:r>
+              <a:rPr lang="it-IT" dirty="0" err="1" smtClean="0"/>
+              <a:t>We</a:t>
+            </a:r>
+            <a:r>
+              <a:rPr lang="it-IT" dirty="0" smtClean="0"/>
+              <a:t> </a:t>
+            </a:r>
+            <a:r>
+              <a:rPr lang="it-IT" dirty="0" err="1" smtClean="0"/>
+              <a:t>want</a:t>
+            </a:r>
+            <a:r>
+              <a:rPr lang="it-IT" dirty="0" smtClean="0"/>
+              <a:t> to use REST standard </a:t>
+            </a:r>
+            <a:r>
+              <a:rPr lang="it-IT" dirty="0" err="1" smtClean="0"/>
+              <a:t>oly</a:t>
+            </a:r>
+            <a:endParaRPr lang="en-GB" dirty="0"/>
           </a:p>
         </p:txBody>
       </p:sp>

--- a/health/userDocs/UniboFigs.pptx
+++ b/health/userDocs/UniboFigs.pptx
@@ -15,6 +15,8 @@
     <p:sldId id="266" r:id="rId9"/>
     <p:sldId id="267" r:id="rId10"/>
     <p:sldId id="268" r:id="rId11"/>
+    <p:sldId id="269" r:id="rId12"/>
+    <p:sldId id="270" r:id="rId13"/>
   </p:sldIdLst>
   <p:sldSz cx="9144000" cy="6858000" type="screen4x3"/>
   <p:notesSz cx="6858000" cy="9144000"/>
@@ -313,7 +315,7 @@
           <a:p>
             <a:fld id="{486DFF9D-000F-417D-A1D1-C441A4010B1E}" type="datetimeFigureOut">
               <a:rPr lang="en-GB" smtClean="0"/>
-              <a:t>25/07/2020</a:t>
+              <a:t>28/07/2020</a:t>
             </a:fld>
             <a:endParaRPr lang="en-GB"/>
           </a:p>
@@ -483,7 +485,7 @@
           <a:p>
             <a:fld id="{486DFF9D-000F-417D-A1D1-C441A4010B1E}" type="datetimeFigureOut">
               <a:rPr lang="en-GB" smtClean="0"/>
-              <a:t>25/07/2020</a:t>
+              <a:t>28/07/2020</a:t>
             </a:fld>
             <a:endParaRPr lang="en-GB"/>
           </a:p>
@@ -663,7 +665,7 @@
           <a:p>
             <a:fld id="{486DFF9D-000F-417D-A1D1-C441A4010B1E}" type="datetimeFigureOut">
               <a:rPr lang="en-GB" smtClean="0"/>
-              <a:t>25/07/2020</a:t>
+              <a:t>28/07/2020</a:t>
             </a:fld>
             <a:endParaRPr lang="en-GB"/>
           </a:p>
@@ -833,7 +835,7 @@
           <a:p>
             <a:fld id="{486DFF9D-000F-417D-A1D1-C441A4010B1E}" type="datetimeFigureOut">
               <a:rPr lang="en-GB" smtClean="0"/>
-              <a:t>25/07/2020</a:t>
+              <a:t>28/07/2020</a:t>
             </a:fld>
             <a:endParaRPr lang="en-GB"/>
           </a:p>
@@ -1079,7 +1081,7 @@
           <a:p>
             <a:fld id="{486DFF9D-000F-417D-A1D1-C441A4010B1E}" type="datetimeFigureOut">
               <a:rPr lang="en-GB" smtClean="0"/>
-              <a:t>25/07/2020</a:t>
+              <a:t>28/07/2020</a:t>
             </a:fld>
             <a:endParaRPr lang="en-GB"/>
           </a:p>
@@ -1367,7 +1369,7 @@
           <a:p>
             <a:fld id="{486DFF9D-000F-417D-A1D1-C441A4010B1E}" type="datetimeFigureOut">
               <a:rPr lang="en-GB" smtClean="0"/>
-              <a:t>25/07/2020</a:t>
+              <a:t>28/07/2020</a:t>
             </a:fld>
             <a:endParaRPr lang="en-GB"/>
           </a:p>
@@ -1789,7 +1791,7 @@
           <a:p>
             <a:fld id="{486DFF9D-000F-417D-A1D1-C441A4010B1E}" type="datetimeFigureOut">
               <a:rPr lang="en-GB" smtClean="0"/>
-              <a:t>25/07/2020</a:t>
+              <a:t>28/07/2020</a:t>
             </a:fld>
             <a:endParaRPr lang="en-GB"/>
           </a:p>
@@ -1907,7 +1909,7 @@
           <a:p>
             <a:fld id="{486DFF9D-000F-417D-A1D1-C441A4010B1E}" type="datetimeFigureOut">
               <a:rPr lang="en-GB" smtClean="0"/>
-              <a:t>25/07/2020</a:t>
+              <a:t>28/07/2020</a:t>
             </a:fld>
             <a:endParaRPr lang="en-GB"/>
           </a:p>
@@ -2002,7 +2004,7 @@
           <a:p>
             <a:fld id="{486DFF9D-000F-417D-A1D1-C441A4010B1E}" type="datetimeFigureOut">
               <a:rPr lang="en-GB" smtClean="0"/>
-              <a:t>25/07/2020</a:t>
+              <a:t>28/07/2020</a:t>
             </a:fld>
             <a:endParaRPr lang="en-GB"/>
           </a:p>
@@ -2279,7 +2281,7 @@
           <a:p>
             <a:fld id="{486DFF9D-000F-417D-A1D1-C441A4010B1E}" type="datetimeFigureOut">
               <a:rPr lang="en-GB" smtClean="0"/>
-              <a:t>25/07/2020</a:t>
+              <a:t>28/07/2020</a:t>
             </a:fld>
             <a:endParaRPr lang="en-GB"/>
           </a:p>
@@ -2532,7 +2534,7 @@
           <a:p>
             <a:fld id="{486DFF9D-000F-417D-A1D1-C441A4010B1E}" type="datetimeFigureOut">
               <a:rPr lang="en-GB" smtClean="0"/>
-              <a:t>25/07/2020</a:t>
+              <a:t>28/07/2020</a:t>
             </a:fld>
             <a:endParaRPr lang="en-GB"/>
           </a:p>
@@ -2745,7 +2747,7 @@
           <a:p>
             <a:fld id="{486DFF9D-000F-417D-A1D1-C441A4010B1E}" type="datetimeFigureOut">
               <a:rPr lang="en-GB" smtClean="0"/>
-              <a:t>25/07/2020</a:t>
+              <a:t>28/07/2020</a:t>
             </a:fld>
             <a:endParaRPr lang="en-GB"/>
           </a:p>
@@ -7655,6 +7657,3149 @@
       </p:par>
     </p:tnLst>
   </p:timing>
+</p:sld>
+</file>
+
+<file path=ppt/slides/slide11.xml><?xml version="1.0" encoding="utf-8"?>
+<p:sld xmlns:a="http://schemas.openxmlformats.org/drawingml/2006/main" xmlns:r="http://schemas.openxmlformats.org/officeDocument/2006/relationships" xmlns:p="http://schemas.openxmlformats.org/presentationml/2006/main">
+  <p:cSld>
+    <p:spTree>
+      <p:nvGrpSpPr>
+        <p:cNvPr id="1" name=""/>
+        <p:cNvGrpSpPr/>
+        <p:nvPr/>
+      </p:nvGrpSpPr>
+      <p:grpSpPr>
+        <a:xfrm>
+          <a:off x="0" y="0"/>
+          <a:ext cx="0" cy="0"/>
+          <a:chOff x="0" y="0"/>
+          <a:chExt cx="0" cy="0"/>
+        </a:xfrm>
+      </p:grpSpPr>
+      <p:sp>
+        <p:nvSpPr>
+          <p:cNvPr id="9" name="CasellaDiTesto 8"/>
+          <p:cNvSpPr txBox="1"/>
+          <p:nvPr/>
+        </p:nvSpPr>
+        <p:spPr>
+          <a:xfrm>
+            <a:off x="6588868" y="1609382"/>
+            <a:ext cx="1460528" cy="369332"/>
+          </a:xfrm>
+          <a:prstGeom prst="rect">
+            <a:avLst/>
+          </a:prstGeom>
+          <a:noFill/>
+        </p:spPr>
+        <p:txBody>
+          <a:bodyPr wrap="none" rtlCol="0">
+            <a:spAutoFit/>
+          </a:bodyPr>
+          <a:lstStyle/>
+          <a:p>
+            <a:r>
+              <a:rPr lang="en-GB" b="1" dirty="0" err="1"/>
+              <a:t>CentroHealth</a:t>
+            </a:r>
+            <a:endParaRPr lang="en-GB" dirty="0"/>
+          </a:p>
+        </p:txBody>
+      </p:sp>
+      <p:sp>
+        <p:nvSpPr>
+          <p:cNvPr id="12" name="TextBox 45">
+            <a:extLst>
+              <a:ext uri="{FF2B5EF4-FFF2-40B4-BE49-F238E27FC236}">
+                <a16:creationId xmlns="" xmlns:a16="http://schemas.microsoft.com/office/drawing/2014/main" id="{6BDA7693-CA76-4C97-8FED-A4A65AB5032B}"/>
+              </a:ext>
+            </a:extLst>
+          </p:cNvPr>
+          <p:cNvSpPr txBox="1"/>
+          <p:nvPr/>
+        </p:nvSpPr>
+        <p:spPr>
+          <a:xfrm>
+            <a:off x="3566538" y="1607206"/>
+            <a:ext cx="958404" cy="369332"/>
+          </a:xfrm>
+          <a:prstGeom prst="rect">
+            <a:avLst/>
+          </a:prstGeom>
+          <a:noFill/>
+        </p:spPr>
+        <p:txBody>
+          <a:bodyPr wrap="none" rtlCol="0">
+            <a:spAutoFit/>
+          </a:bodyPr>
+          <a:lstStyle/>
+          <a:p>
+            <a:r>
+              <a:rPr lang="en-US" b="1" dirty="0" smtClean="0"/>
+              <a:t>Adapter</a:t>
+            </a:r>
+            <a:endParaRPr lang="en-US" b="1" dirty="0"/>
+          </a:p>
+        </p:txBody>
+      </p:sp>
+      <p:cxnSp>
+        <p:nvCxnSpPr>
+          <p:cNvPr id="42" name="Connettore 1 41"/>
+          <p:cNvCxnSpPr/>
+          <p:nvPr/>
+        </p:nvCxnSpPr>
+        <p:spPr>
+          <a:xfrm>
+            <a:off x="2678963" y="888084"/>
+            <a:ext cx="0" cy="2324892"/>
+          </a:xfrm>
+          <a:prstGeom prst="line">
+            <a:avLst/>
+          </a:prstGeom>
+        </p:spPr>
+        <p:style>
+          <a:lnRef idx="1">
+            <a:schemeClr val="accent1"/>
+          </a:lnRef>
+          <a:fillRef idx="0">
+            <a:schemeClr val="accent1"/>
+          </a:fillRef>
+          <a:effectRef idx="0">
+            <a:schemeClr val="accent1"/>
+          </a:effectRef>
+          <a:fontRef idx="minor">
+            <a:schemeClr val="tx1"/>
+          </a:fontRef>
+        </p:style>
+      </p:cxnSp>
+      <p:sp>
+        <p:nvSpPr>
+          <p:cNvPr id="44" name="Rettangolo 43"/>
+          <p:cNvSpPr/>
+          <p:nvPr/>
+        </p:nvSpPr>
+        <p:spPr>
+          <a:xfrm>
+            <a:off x="704978" y="1603901"/>
+            <a:ext cx="1905073" cy="369332"/>
+          </a:xfrm>
+          <a:prstGeom prst="rect">
+            <a:avLst/>
+          </a:prstGeom>
+        </p:spPr>
+        <p:txBody>
+          <a:bodyPr wrap="none">
+            <a:spAutoFit/>
+          </a:bodyPr>
+          <a:lstStyle/>
+          <a:p>
+            <a:r>
+              <a:rPr lang="en-GB" b="1" dirty="0" err="1" smtClean="0"/>
+              <a:t>Itel</a:t>
+            </a:r>
+            <a:r>
+              <a:rPr lang="en-GB" b="1" dirty="0" smtClean="0"/>
+              <a:t> Business Logic</a:t>
+            </a:r>
+            <a:endParaRPr lang="en-GB" dirty="0"/>
+          </a:p>
+        </p:txBody>
+      </p:sp>
+      <p:cxnSp>
+        <p:nvCxnSpPr>
+          <p:cNvPr id="81" name="Connettore 1 80"/>
+          <p:cNvCxnSpPr/>
+          <p:nvPr/>
+        </p:nvCxnSpPr>
+        <p:spPr>
+          <a:xfrm>
+            <a:off x="877355" y="1978714"/>
+            <a:ext cx="7418232" cy="0"/>
+          </a:xfrm>
+          <a:prstGeom prst="line">
+            <a:avLst/>
+          </a:prstGeom>
+        </p:spPr>
+        <p:style>
+          <a:lnRef idx="1">
+            <a:schemeClr val="accent1"/>
+          </a:lnRef>
+          <a:fillRef idx="0">
+            <a:schemeClr val="accent1"/>
+          </a:fillRef>
+          <a:effectRef idx="0">
+            <a:schemeClr val="accent1"/>
+          </a:effectRef>
+          <a:fontRef idx="minor">
+            <a:schemeClr val="tx1"/>
+          </a:fontRef>
+        </p:style>
+      </p:cxnSp>
+      <p:cxnSp>
+        <p:nvCxnSpPr>
+          <p:cNvPr id="83" name="Connettore 1 82"/>
+          <p:cNvCxnSpPr/>
+          <p:nvPr/>
+        </p:nvCxnSpPr>
+        <p:spPr>
+          <a:xfrm>
+            <a:off x="5901740" y="888084"/>
+            <a:ext cx="0" cy="2324892"/>
+          </a:xfrm>
+          <a:prstGeom prst="line">
+            <a:avLst/>
+          </a:prstGeom>
+        </p:spPr>
+        <p:style>
+          <a:lnRef idx="1">
+            <a:schemeClr val="accent1"/>
+          </a:lnRef>
+          <a:fillRef idx="0">
+            <a:schemeClr val="accent1"/>
+          </a:fillRef>
+          <a:effectRef idx="0">
+            <a:schemeClr val="accent1"/>
+          </a:effectRef>
+          <a:fontRef idx="minor">
+            <a:schemeClr val="tx1"/>
+          </a:fontRef>
+        </p:style>
+      </p:cxnSp>
+      <p:sp>
+        <p:nvSpPr>
+          <p:cNvPr id="88" name="Ovale 87"/>
+          <p:cNvSpPr/>
+          <p:nvPr/>
+        </p:nvSpPr>
+        <p:spPr>
+          <a:xfrm>
+            <a:off x="1626510" y="2343829"/>
+            <a:ext cx="749721" cy="720080"/>
+          </a:xfrm>
+          <a:prstGeom prst="ellipse">
+            <a:avLst/>
+          </a:prstGeom>
+          <a:ln/>
+        </p:spPr>
+        <p:style>
+          <a:lnRef idx="1">
+            <a:schemeClr val="accent5"/>
+          </a:lnRef>
+          <a:fillRef idx="2">
+            <a:schemeClr val="accent5"/>
+          </a:fillRef>
+          <a:effectRef idx="1">
+            <a:schemeClr val="accent5"/>
+          </a:effectRef>
+          <a:fontRef idx="minor">
+            <a:schemeClr val="dk1"/>
+          </a:fontRef>
+        </p:style>
+        <p:txBody>
+          <a:bodyPr rtlCol="0" anchor="ctr"/>
+          <a:lstStyle/>
+          <a:p>
+            <a:pPr algn="ctr"/>
+            <a:r>
+              <a:rPr lang="en-GB" sz="1200" dirty="0"/>
+              <a:t> </a:t>
+            </a:r>
+          </a:p>
+        </p:txBody>
+      </p:sp>
+      <p:sp>
+        <p:nvSpPr>
+          <p:cNvPr id="3" name="CasellaDiTesto 2"/>
+          <p:cNvSpPr txBox="1"/>
+          <p:nvPr/>
+        </p:nvSpPr>
+        <p:spPr>
+          <a:xfrm>
+            <a:off x="471412" y="256292"/>
+            <a:ext cx="2226635" cy="584775"/>
+          </a:xfrm>
+          <a:prstGeom prst="rect">
+            <a:avLst/>
+          </a:prstGeom>
+        </p:spPr>
+        <p:style>
+          <a:lnRef idx="3">
+            <a:schemeClr val="lt1"/>
+          </a:lnRef>
+          <a:fillRef idx="1">
+            <a:schemeClr val="accent5"/>
+          </a:fillRef>
+          <a:effectRef idx="1">
+            <a:schemeClr val="accent5"/>
+          </a:effectRef>
+          <a:fontRef idx="minor">
+            <a:schemeClr val="lt1"/>
+          </a:fontRef>
+        </p:style>
+        <p:txBody>
+          <a:bodyPr wrap="none" rtlCol="0">
+            <a:spAutoFit/>
+          </a:bodyPr>
+          <a:lstStyle/>
+          <a:p>
+            <a:r>
+              <a:rPr lang="it-IT" sz="3200" dirty="0" smtClean="0"/>
+              <a:t>NESTAGORA</a:t>
+            </a:r>
+            <a:endParaRPr lang="en-GB" sz="3200" dirty="0"/>
+          </a:p>
+        </p:txBody>
+      </p:sp>
+      <p:sp>
+        <p:nvSpPr>
+          <p:cNvPr id="45" name="Ovale 44"/>
+          <p:cNvSpPr/>
+          <p:nvPr/>
+        </p:nvSpPr>
+        <p:spPr>
+          <a:xfrm>
+            <a:off x="3980235" y="2345020"/>
+            <a:ext cx="749721" cy="720080"/>
+          </a:xfrm>
+          <a:prstGeom prst="ellipse">
+            <a:avLst/>
+          </a:prstGeom>
+          <a:ln/>
+        </p:spPr>
+        <p:style>
+          <a:lnRef idx="1">
+            <a:schemeClr val="accent5"/>
+          </a:lnRef>
+          <a:fillRef idx="2">
+            <a:schemeClr val="accent5"/>
+          </a:fillRef>
+          <a:effectRef idx="1">
+            <a:schemeClr val="accent5"/>
+          </a:effectRef>
+          <a:fontRef idx="minor">
+            <a:schemeClr val="dk1"/>
+          </a:fontRef>
+        </p:style>
+        <p:txBody>
+          <a:bodyPr rtlCol="0" anchor="ctr"/>
+          <a:lstStyle/>
+          <a:p>
+            <a:pPr algn="ctr"/>
+            <a:r>
+              <a:rPr lang="en-GB" sz="1200" dirty="0"/>
+              <a:t> </a:t>
+            </a:r>
+          </a:p>
+        </p:txBody>
+      </p:sp>
+      <p:sp>
+        <p:nvSpPr>
+          <p:cNvPr id="46" name="Figura a mano libera 45"/>
+          <p:cNvSpPr/>
+          <p:nvPr/>
+        </p:nvSpPr>
+        <p:spPr>
+          <a:xfrm>
+            <a:off x="7319132" y="2519361"/>
+            <a:ext cx="573277" cy="400110"/>
+          </a:xfrm>
+          <a:custGeom>
+            <a:avLst/>
+            <a:gdLst>
+              <a:gd name="connsiteX0" fmla="*/ 168812 w 773723"/>
+              <a:gd name="connsiteY0" fmla="*/ 0 h 604911"/>
+              <a:gd name="connsiteX1" fmla="*/ 168812 w 773723"/>
+              <a:gd name="connsiteY1" fmla="*/ 0 h 604911"/>
+              <a:gd name="connsiteX2" fmla="*/ 28135 w 773723"/>
+              <a:gd name="connsiteY2" fmla="*/ 70339 h 604911"/>
+              <a:gd name="connsiteX3" fmla="*/ 0 w 773723"/>
+              <a:gd name="connsiteY3" fmla="*/ 112542 h 604911"/>
+              <a:gd name="connsiteX4" fmla="*/ 14068 w 773723"/>
+              <a:gd name="connsiteY4" fmla="*/ 492369 h 604911"/>
+              <a:gd name="connsiteX5" fmla="*/ 42203 w 773723"/>
+              <a:gd name="connsiteY5" fmla="*/ 520505 h 604911"/>
+              <a:gd name="connsiteX6" fmla="*/ 168812 w 773723"/>
+              <a:gd name="connsiteY6" fmla="*/ 576776 h 604911"/>
+              <a:gd name="connsiteX7" fmla="*/ 225083 w 773723"/>
+              <a:gd name="connsiteY7" fmla="*/ 604911 h 604911"/>
+              <a:gd name="connsiteX8" fmla="*/ 576775 w 773723"/>
+              <a:gd name="connsiteY8" fmla="*/ 590843 h 604911"/>
+              <a:gd name="connsiteX9" fmla="*/ 633046 w 773723"/>
+              <a:gd name="connsiteY9" fmla="*/ 393896 h 604911"/>
+              <a:gd name="connsiteX10" fmla="*/ 661181 w 773723"/>
+              <a:gd name="connsiteY10" fmla="*/ 365760 h 604911"/>
+              <a:gd name="connsiteX11" fmla="*/ 703385 w 773723"/>
+              <a:gd name="connsiteY11" fmla="*/ 337625 h 604911"/>
+              <a:gd name="connsiteX12" fmla="*/ 759655 w 773723"/>
+              <a:gd name="connsiteY12" fmla="*/ 295422 h 604911"/>
+              <a:gd name="connsiteX13" fmla="*/ 773723 w 773723"/>
+              <a:gd name="connsiteY13" fmla="*/ 253219 h 604911"/>
+              <a:gd name="connsiteX14" fmla="*/ 731520 w 773723"/>
+              <a:gd name="connsiteY14" fmla="*/ 154745 h 604911"/>
+              <a:gd name="connsiteX15" fmla="*/ 661181 w 773723"/>
+              <a:gd name="connsiteY15" fmla="*/ 84406 h 604911"/>
+              <a:gd name="connsiteX16" fmla="*/ 576775 w 773723"/>
+              <a:gd name="connsiteY16" fmla="*/ 28136 h 604911"/>
+              <a:gd name="connsiteX17" fmla="*/ 464234 w 773723"/>
+              <a:gd name="connsiteY17" fmla="*/ 42203 h 604911"/>
+              <a:gd name="connsiteX18" fmla="*/ 436098 w 773723"/>
+              <a:gd name="connsiteY18" fmla="*/ 70339 h 604911"/>
+              <a:gd name="connsiteX19" fmla="*/ 393895 w 773723"/>
+              <a:gd name="connsiteY19" fmla="*/ 84406 h 604911"/>
+              <a:gd name="connsiteX20" fmla="*/ 351692 w 773723"/>
+              <a:gd name="connsiteY20" fmla="*/ 70339 h 604911"/>
+              <a:gd name="connsiteX21" fmla="*/ 267286 w 773723"/>
+              <a:gd name="connsiteY21" fmla="*/ 56271 h 604911"/>
+              <a:gd name="connsiteX22" fmla="*/ 168812 w 773723"/>
+              <a:gd name="connsiteY22" fmla="*/ 0 h 604911"/>
+            </a:gdLst>
+            <a:ahLst/>
+            <a:cxnLst>
+              <a:cxn ang="0">
+                <a:pos x="connsiteX0" y="connsiteY0"/>
+              </a:cxn>
+              <a:cxn ang="0">
+                <a:pos x="connsiteX1" y="connsiteY1"/>
+              </a:cxn>
+              <a:cxn ang="0">
+                <a:pos x="connsiteX2" y="connsiteY2"/>
+              </a:cxn>
+              <a:cxn ang="0">
+                <a:pos x="connsiteX3" y="connsiteY3"/>
+              </a:cxn>
+              <a:cxn ang="0">
+                <a:pos x="connsiteX4" y="connsiteY4"/>
+              </a:cxn>
+              <a:cxn ang="0">
+                <a:pos x="connsiteX5" y="connsiteY5"/>
+              </a:cxn>
+              <a:cxn ang="0">
+                <a:pos x="connsiteX6" y="connsiteY6"/>
+              </a:cxn>
+              <a:cxn ang="0">
+                <a:pos x="connsiteX7" y="connsiteY7"/>
+              </a:cxn>
+              <a:cxn ang="0">
+                <a:pos x="connsiteX8" y="connsiteY8"/>
+              </a:cxn>
+              <a:cxn ang="0">
+                <a:pos x="connsiteX9" y="connsiteY9"/>
+              </a:cxn>
+              <a:cxn ang="0">
+                <a:pos x="connsiteX10" y="connsiteY10"/>
+              </a:cxn>
+              <a:cxn ang="0">
+                <a:pos x="connsiteX11" y="connsiteY11"/>
+              </a:cxn>
+              <a:cxn ang="0">
+                <a:pos x="connsiteX12" y="connsiteY12"/>
+              </a:cxn>
+              <a:cxn ang="0">
+                <a:pos x="connsiteX13" y="connsiteY13"/>
+              </a:cxn>
+              <a:cxn ang="0">
+                <a:pos x="connsiteX14" y="connsiteY14"/>
+              </a:cxn>
+              <a:cxn ang="0">
+                <a:pos x="connsiteX15" y="connsiteY15"/>
+              </a:cxn>
+              <a:cxn ang="0">
+                <a:pos x="connsiteX16" y="connsiteY16"/>
+              </a:cxn>
+              <a:cxn ang="0">
+                <a:pos x="connsiteX17" y="connsiteY17"/>
+              </a:cxn>
+              <a:cxn ang="0">
+                <a:pos x="connsiteX18" y="connsiteY18"/>
+              </a:cxn>
+              <a:cxn ang="0">
+                <a:pos x="connsiteX19" y="connsiteY19"/>
+              </a:cxn>
+              <a:cxn ang="0">
+                <a:pos x="connsiteX20" y="connsiteY20"/>
+              </a:cxn>
+              <a:cxn ang="0">
+                <a:pos x="connsiteX21" y="connsiteY21"/>
+              </a:cxn>
+              <a:cxn ang="0">
+                <a:pos x="connsiteX22" y="connsiteY22"/>
+              </a:cxn>
+            </a:cxnLst>
+            <a:rect l="l" t="t" r="r" b="b"/>
+            <a:pathLst>
+              <a:path w="773723" h="604911">
+                <a:moveTo>
+                  <a:pt x="168812" y="0"/>
+                </a:moveTo>
+                <a:lnTo>
+                  <a:pt x="168812" y="0"/>
+                </a:lnTo>
+                <a:cubicBezTo>
+                  <a:pt x="92586" y="28585"/>
+                  <a:pt x="68468" y="19923"/>
+                  <a:pt x="28135" y="70339"/>
+                </a:cubicBezTo>
+                <a:cubicBezTo>
+                  <a:pt x="17573" y="83541"/>
+                  <a:pt x="9378" y="98474"/>
+                  <a:pt x="0" y="112542"/>
+                </a:cubicBezTo>
+                <a:cubicBezTo>
+                  <a:pt x="4689" y="239151"/>
+                  <a:pt x="1031" y="366346"/>
+                  <a:pt x="14068" y="492369"/>
+                </a:cubicBezTo>
+                <a:cubicBezTo>
+                  <a:pt x="15433" y="505562"/>
+                  <a:pt x="31846" y="512219"/>
+                  <a:pt x="42203" y="520505"/>
+                </a:cubicBezTo>
+                <a:cubicBezTo>
+                  <a:pt x="111164" y="575674"/>
+                  <a:pt x="64716" y="524729"/>
+                  <a:pt x="168812" y="576776"/>
+                </a:cubicBezTo>
+                <a:lnTo>
+                  <a:pt x="225083" y="604911"/>
+                </a:lnTo>
+                <a:cubicBezTo>
+                  <a:pt x="342314" y="600222"/>
+                  <a:pt x="460118" y="603342"/>
+                  <a:pt x="576775" y="590843"/>
+                </a:cubicBezTo>
+                <a:cubicBezTo>
+                  <a:pt x="662467" y="581662"/>
+                  <a:pt x="629241" y="411651"/>
+                  <a:pt x="633046" y="393896"/>
+                </a:cubicBezTo>
+                <a:cubicBezTo>
+                  <a:pt x="635825" y="380927"/>
+                  <a:pt x="650824" y="374045"/>
+                  <a:pt x="661181" y="365760"/>
+                </a:cubicBezTo>
+                <a:cubicBezTo>
+                  <a:pt x="674384" y="355198"/>
+                  <a:pt x="689627" y="347452"/>
+                  <a:pt x="703385" y="337625"/>
+                </a:cubicBezTo>
+                <a:cubicBezTo>
+                  <a:pt x="722464" y="323997"/>
+                  <a:pt x="740898" y="309490"/>
+                  <a:pt x="759655" y="295422"/>
+                </a:cubicBezTo>
+                <a:cubicBezTo>
+                  <a:pt x="764344" y="281354"/>
+                  <a:pt x="773723" y="268048"/>
+                  <a:pt x="773723" y="253219"/>
+                </a:cubicBezTo>
+                <a:cubicBezTo>
+                  <a:pt x="773723" y="217181"/>
+                  <a:pt x="754492" y="180999"/>
+                  <a:pt x="731520" y="154745"/>
+                </a:cubicBezTo>
+                <a:cubicBezTo>
+                  <a:pt x="709685" y="129791"/>
+                  <a:pt x="688770" y="102799"/>
+                  <a:pt x="661181" y="84406"/>
+                </a:cubicBezTo>
+                <a:lnTo>
+                  <a:pt x="576775" y="28136"/>
+                </a:lnTo>
+                <a:cubicBezTo>
+                  <a:pt x="539261" y="32825"/>
+                  <a:pt x="500445" y="31340"/>
+                  <a:pt x="464234" y="42203"/>
+                </a:cubicBezTo>
+                <a:cubicBezTo>
+                  <a:pt x="451530" y="46014"/>
+                  <a:pt x="447471" y="63515"/>
+                  <a:pt x="436098" y="70339"/>
+                </a:cubicBezTo>
+                <a:cubicBezTo>
+                  <a:pt x="423383" y="77968"/>
+                  <a:pt x="407963" y="79717"/>
+                  <a:pt x="393895" y="84406"/>
+                </a:cubicBezTo>
+                <a:cubicBezTo>
+                  <a:pt x="379827" y="79717"/>
+                  <a:pt x="366167" y="73556"/>
+                  <a:pt x="351692" y="70339"/>
+                </a:cubicBezTo>
+                <a:cubicBezTo>
+                  <a:pt x="323848" y="64151"/>
+                  <a:pt x="294346" y="65291"/>
+                  <a:pt x="267286" y="56271"/>
+                </a:cubicBezTo>
+                <a:cubicBezTo>
+                  <a:pt x="167275" y="22934"/>
+                  <a:pt x="185224" y="9378"/>
+                  <a:pt x="168812" y="0"/>
+                </a:cubicBezTo>
+                <a:close/>
+              </a:path>
+            </a:pathLst>
+          </a:custGeom>
+          <a:solidFill>
+            <a:schemeClr val="accent5">
+              <a:lumMod val="40000"/>
+              <a:lumOff val="60000"/>
+            </a:schemeClr>
+          </a:solidFill>
+        </p:spPr>
+        <p:style>
+          <a:lnRef idx="2">
+            <a:schemeClr val="accent1">
+              <a:shade val="50000"/>
+            </a:schemeClr>
+          </a:lnRef>
+          <a:fillRef idx="1">
+            <a:schemeClr val="accent1"/>
+          </a:fillRef>
+          <a:effectRef idx="0">
+            <a:schemeClr val="accent1"/>
+          </a:effectRef>
+          <a:fontRef idx="minor">
+            <a:schemeClr val="lt1"/>
+          </a:fontRef>
+        </p:style>
+        <p:txBody>
+          <a:bodyPr rtlCol="0" anchor="ctr"/>
+          <a:lstStyle/>
+          <a:p>
+            <a:pPr algn="ctr"/>
+            <a:endParaRPr lang="en-GB"/>
+          </a:p>
+        </p:txBody>
+      </p:sp>
+      <p:cxnSp>
+        <p:nvCxnSpPr>
+          <p:cNvPr id="47" name="Connettore 2 46"/>
+          <p:cNvCxnSpPr>
+            <a:stCxn id="45" idx="6"/>
+          </p:cNvCxnSpPr>
+          <p:nvPr/>
+        </p:nvCxnSpPr>
+        <p:spPr>
+          <a:xfrm>
+            <a:off x="4729956" y="2705060"/>
+            <a:ext cx="2599599" cy="14356"/>
+          </a:xfrm>
+          <a:prstGeom prst="straightConnector1">
+            <a:avLst/>
+          </a:prstGeom>
+          <a:ln>
+            <a:prstDash val="lgDashDotDot"/>
+            <a:tailEnd type="arrow"/>
+          </a:ln>
+        </p:spPr>
+        <p:style>
+          <a:lnRef idx="1">
+            <a:schemeClr val="accent1"/>
+          </a:lnRef>
+          <a:fillRef idx="0">
+            <a:schemeClr val="accent1"/>
+          </a:fillRef>
+          <a:effectRef idx="0">
+            <a:schemeClr val="accent1"/>
+          </a:effectRef>
+          <a:fontRef idx="minor">
+            <a:schemeClr val="tx1"/>
+          </a:fontRef>
+        </p:style>
+      </p:cxnSp>
+      <p:sp>
+        <p:nvSpPr>
+          <p:cNvPr id="48" name="CasellaDiTesto 47"/>
+          <p:cNvSpPr txBox="1"/>
+          <p:nvPr/>
+        </p:nvSpPr>
+        <p:spPr>
+          <a:xfrm>
+            <a:off x="5165561" y="2770400"/>
+            <a:ext cx="1617430" cy="307777"/>
+          </a:xfrm>
+          <a:prstGeom prst="rect">
+            <a:avLst/>
+          </a:prstGeom>
+          <a:noFill/>
+        </p:spPr>
+        <p:txBody>
+          <a:bodyPr wrap="none" rtlCol="0">
+            <a:spAutoFit/>
+          </a:bodyPr>
+          <a:lstStyle/>
+          <a:p>
+            <a:r>
+              <a:rPr lang="it-IT" sz="1400" dirty="0" smtClean="0">
+                <a:latin typeface="Arial Black" panose="020B0A04020102020204" pitchFamily="34" charset="0"/>
+              </a:rPr>
+              <a:t>Some </a:t>
+            </a:r>
+            <a:r>
+              <a:rPr lang="it-IT" sz="1400" dirty="0" err="1" smtClean="0">
+                <a:latin typeface="Arial Black" panose="020B0A04020102020204" pitchFamily="34" charset="0"/>
+              </a:rPr>
+              <a:t>protocol</a:t>
+            </a:r>
+            <a:endParaRPr lang="en-GB" sz="1400" dirty="0">
+              <a:latin typeface="Arial Black" panose="020B0A04020102020204" pitchFamily="34" charset="0"/>
+            </a:endParaRPr>
+          </a:p>
+        </p:txBody>
+      </p:sp>
+      <p:cxnSp>
+        <p:nvCxnSpPr>
+          <p:cNvPr id="51" name="Connettore 2 50"/>
+          <p:cNvCxnSpPr>
+            <a:stCxn id="88" idx="6"/>
+            <a:endCxn id="45" idx="2"/>
+          </p:cNvCxnSpPr>
+          <p:nvPr/>
+        </p:nvCxnSpPr>
+        <p:spPr>
+          <a:xfrm>
+            <a:off x="2376231" y="2703869"/>
+            <a:ext cx="1604004" cy="1191"/>
+          </a:xfrm>
+          <a:prstGeom prst="straightConnector1">
+            <a:avLst/>
+          </a:prstGeom>
+          <a:ln>
+            <a:tailEnd type="arrow"/>
+          </a:ln>
+        </p:spPr>
+        <p:style>
+          <a:lnRef idx="1">
+            <a:schemeClr val="accent1"/>
+          </a:lnRef>
+          <a:fillRef idx="0">
+            <a:schemeClr val="accent1"/>
+          </a:fillRef>
+          <a:effectRef idx="0">
+            <a:schemeClr val="accent1"/>
+          </a:effectRef>
+          <a:fontRef idx="minor">
+            <a:schemeClr val="tx1"/>
+          </a:fontRef>
+        </p:style>
+      </p:cxnSp>
+      <p:cxnSp>
+        <p:nvCxnSpPr>
+          <p:cNvPr id="11" name="Connettore 4 10"/>
+          <p:cNvCxnSpPr>
+            <a:stCxn id="46" idx="4"/>
+            <a:endCxn id="45" idx="4"/>
+          </p:cNvCxnSpPr>
+          <p:nvPr/>
+        </p:nvCxnSpPr>
+        <p:spPr>
+          <a:xfrm flipH="1">
+            <a:off x="4355096" y="2845032"/>
+            <a:ext cx="2974459" cy="220068"/>
+          </a:xfrm>
+          <a:prstGeom prst="bentConnector4">
+            <a:avLst>
+              <a:gd name="adj1" fmla="val -746"/>
+              <a:gd name="adj2" fmla="val 203877"/>
+            </a:avLst>
+          </a:prstGeom>
+          <a:ln>
+            <a:solidFill>
+              <a:srgbClr val="FF0000"/>
+            </a:solidFill>
+            <a:prstDash val="lgDashDotDot"/>
+            <a:tailEnd type="arrow"/>
+          </a:ln>
+        </p:spPr>
+        <p:style>
+          <a:lnRef idx="1">
+            <a:schemeClr val="accent1"/>
+          </a:lnRef>
+          <a:fillRef idx="0">
+            <a:schemeClr val="accent1"/>
+          </a:fillRef>
+          <a:effectRef idx="0">
+            <a:schemeClr val="accent1"/>
+          </a:effectRef>
+          <a:fontRef idx="minor">
+            <a:schemeClr val="tx1"/>
+          </a:fontRef>
+        </p:style>
+      </p:cxnSp>
+      <p:sp>
+        <p:nvSpPr>
+          <p:cNvPr id="16" name="CasellaDiTesto 15"/>
+          <p:cNvSpPr txBox="1"/>
+          <p:nvPr/>
+        </p:nvSpPr>
+        <p:spPr>
+          <a:xfrm>
+            <a:off x="4710508" y="2183670"/>
+            <a:ext cx="2346989" cy="646331"/>
+          </a:xfrm>
+          <a:prstGeom prst="rect">
+            <a:avLst/>
+          </a:prstGeom>
+          <a:noFill/>
+        </p:spPr>
+        <p:txBody>
+          <a:bodyPr wrap="none" rtlCol="0">
+            <a:spAutoFit/>
+          </a:bodyPr>
+          <a:lstStyle/>
+          <a:p>
+            <a:r>
+              <a:rPr lang="it-IT" dirty="0" smtClean="0"/>
+              <a:t>Output </a:t>
+            </a:r>
+            <a:r>
+              <a:rPr lang="it-IT" dirty="0"/>
+              <a:t>(with HL7 data)</a:t>
+            </a:r>
+            <a:endParaRPr lang="en-GB" dirty="0"/>
+          </a:p>
+          <a:p>
+            <a:endParaRPr lang="en-GB" dirty="0"/>
+          </a:p>
+        </p:txBody>
+      </p:sp>
+      <p:sp>
+        <p:nvSpPr>
+          <p:cNvPr id="60" name="CasellaDiTesto 59"/>
+          <p:cNvSpPr txBox="1"/>
+          <p:nvPr/>
+        </p:nvSpPr>
+        <p:spPr>
+          <a:xfrm>
+            <a:off x="5160559" y="3200608"/>
+            <a:ext cx="1622432" cy="646331"/>
+          </a:xfrm>
+          <a:prstGeom prst="rect">
+            <a:avLst/>
+          </a:prstGeom>
+          <a:noFill/>
+        </p:spPr>
+        <p:txBody>
+          <a:bodyPr wrap="none" rtlCol="0">
+            <a:spAutoFit/>
+          </a:bodyPr>
+          <a:lstStyle/>
+          <a:p>
+            <a:pPr algn="ctr"/>
+            <a:r>
+              <a:rPr lang="it-IT" dirty="0" smtClean="0"/>
+              <a:t>Input</a:t>
+            </a:r>
+          </a:p>
+          <a:p>
+            <a:pPr algn="ctr"/>
+            <a:r>
+              <a:rPr lang="it-IT" dirty="0" smtClean="0"/>
+              <a:t>(with HL7 data)</a:t>
+            </a:r>
+            <a:endParaRPr lang="en-GB" dirty="0"/>
+          </a:p>
+        </p:txBody>
+      </p:sp>
+      <p:sp>
+        <p:nvSpPr>
+          <p:cNvPr id="17" name="Ovale 16"/>
+          <p:cNvSpPr/>
+          <p:nvPr/>
+        </p:nvSpPr>
+        <p:spPr>
+          <a:xfrm>
+            <a:off x="4211960" y="2719416"/>
+            <a:ext cx="312982" cy="345684"/>
+          </a:xfrm>
+          <a:prstGeom prst="ellipse">
+            <a:avLst/>
+          </a:prstGeom>
+        </p:spPr>
+        <p:style>
+          <a:lnRef idx="1">
+            <a:schemeClr val="accent3"/>
+          </a:lnRef>
+          <a:fillRef idx="2">
+            <a:schemeClr val="accent3"/>
+          </a:fillRef>
+          <a:effectRef idx="1">
+            <a:schemeClr val="accent3"/>
+          </a:effectRef>
+          <a:fontRef idx="minor">
+            <a:schemeClr val="dk1"/>
+          </a:fontRef>
+        </p:style>
+        <p:txBody>
+          <a:bodyPr rtlCol="0" anchor="ctr"/>
+          <a:lstStyle/>
+          <a:p>
+            <a:pPr algn="ctr"/>
+            <a:r>
+              <a:rPr lang="it-IT" dirty="0" smtClean="0"/>
+              <a:t>T</a:t>
+            </a:r>
+            <a:endParaRPr lang="en-GB" dirty="0"/>
+          </a:p>
+        </p:txBody>
+      </p:sp>
+      <p:cxnSp>
+        <p:nvCxnSpPr>
+          <p:cNvPr id="73" name="Connettore 4 72"/>
+          <p:cNvCxnSpPr>
+            <a:stCxn id="17" idx="2"/>
+          </p:cNvCxnSpPr>
+          <p:nvPr/>
+        </p:nvCxnSpPr>
+        <p:spPr>
+          <a:xfrm rot="10800000" flipV="1">
+            <a:off x="2001372" y="2892258"/>
+            <a:ext cx="2210588" cy="530512"/>
+          </a:xfrm>
+          <a:prstGeom prst="bentConnector3">
+            <a:avLst>
+              <a:gd name="adj1" fmla="val 50000"/>
+            </a:avLst>
+          </a:prstGeom>
+          <a:ln>
+            <a:solidFill>
+              <a:srgbClr val="FF0000"/>
+            </a:solidFill>
+            <a:prstDash val="lgDashDotDot"/>
+            <a:tailEnd type="arrow"/>
+          </a:ln>
+        </p:spPr>
+        <p:style>
+          <a:lnRef idx="1">
+            <a:schemeClr val="accent1"/>
+          </a:lnRef>
+          <a:fillRef idx="0">
+            <a:schemeClr val="accent1"/>
+          </a:fillRef>
+          <a:effectRef idx="0">
+            <a:schemeClr val="accent1"/>
+          </a:effectRef>
+          <a:fontRef idx="minor">
+            <a:schemeClr val="tx1"/>
+          </a:fontRef>
+        </p:style>
+      </p:cxnSp>
+      <p:sp>
+        <p:nvSpPr>
+          <p:cNvPr id="77" name="CasellaDiTesto 76"/>
+          <p:cNvSpPr txBox="1"/>
+          <p:nvPr/>
+        </p:nvSpPr>
+        <p:spPr>
+          <a:xfrm>
+            <a:off x="3178233" y="3063909"/>
+            <a:ext cx="511679" cy="307777"/>
+          </a:xfrm>
+          <a:prstGeom prst="rect">
+            <a:avLst/>
+          </a:prstGeom>
+          <a:noFill/>
+        </p:spPr>
+        <p:txBody>
+          <a:bodyPr wrap="none" rtlCol="0">
+            <a:spAutoFit/>
+          </a:bodyPr>
+          <a:lstStyle/>
+          <a:p>
+            <a:r>
+              <a:rPr lang="it-IT" sz="1400" dirty="0" smtClean="0">
+                <a:latin typeface="Arial Black" panose="020B0A04020102020204" pitchFamily="34" charset="0"/>
+              </a:rPr>
+              <a:t>???</a:t>
+            </a:r>
+            <a:endParaRPr lang="en-GB" sz="1400" dirty="0">
+              <a:latin typeface="Arial Black" panose="020B0A04020102020204" pitchFamily="34" charset="0"/>
+            </a:endParaRPr>
+          </a:p>
+        </p:txBody>
+      </p:sp>
+      <p:sp>
+        <p:nvSpPr>
+          <p:cNvPr id="78" name="CasellaDiTesto 77"/>
+          <p:cNvSpPr txBox="1"/>
+          <p:nvPr/>
+        </p:nvSpPr>
+        <p:spPr>
+          <a:xfrm>
+            <a:off x="3400680" y="3846939"/>
+            <a:ext cx="2729593" cy="923330"/>
+          </a:xfrm>
+          <a:prstGeom prst="rect">
+            <a:avLst/>
+          </a:prstGeom>
+          <a:noFill/>
+        </p:spPr>
+        <p:txBody>
+          <a:bodyPr wrap="none" rtlCol="0">
+            <a:spAutoFit/>
+          </a:bodyPr>
+          <a:lstStyle/>
+          <a:p>
+            <a:r>
+              <a:rPr lang="it-IT" dirty="0" smtClean="0"/>
+              <a:t>A </a:t>
+            </a:r>
+            <a:r>
+              <a:rPr lang="it-IT" dirty="0" err="1" smtClean="0"/>
+              <a:t>different</a:t>
+            </a:r>
+            <a:r>
+              <a:rPr lang="it-IT" dirty="0" smtClean="0"/>
+              <a:t> </a:t>
+            </a:r>
+            <a:r>
+              <a:rPr lang="it-IT" dirty="0" err="1" smtClean="0"/>
+              <a:t>adapter</a:t>
+            </a:r>
+            <a:endParaRPr lang="it-IT" dirty="0" smtClean="0"/>
+          </a:p>
+          <a:p>
+            <a:r>
+              <a:rPr lang="it-IT" dirty="0" smtClean="0"/>
+              <a:t>for </a:t>
+            </a:r>
+            <a:r>
+              <a:rPr lang="it-IT" dirty="0" err="1" smtClean="0"/>
+              <a:t>each</a:t>
+            </a:r>
+            <a:r>
+              <a:rPr lang="it-IT" dirty="0" smtClean="0"/>
+              <a:t> </a:t>
+            </a:r>
+            <a:r>
+              <a:rPr lang="en-GB" b="1" dirty="0" err="1" smtClean="0"/>
+              <a:t>CentroHealth</a:t>
+            </a:r>
+            <a:endParaRPr lang="en-GB" b="1" dirty="0" smtClean="0"/>
+          </a:p>
+          <a:p>
+            <a:r>
+              <a:rPr lang="it-IT" dirty="0"/>
+              <a:t>with a data-transformer (T</a:t>
+            </a:r>
+            <a:r>
+              <a:rPr lang="it-IT" dirty="0" smtClean="0"/>
+              <a:t>)</a:t>
+            </a:r>
+            <a:endParaRPr lang="it-IT" dirty="0"/>
+          </a:p>
+        </p:txBody>
+      </p:sp>
+    </p:spTree>
+    <p:extLst>
+      <p:ext uri="{BB962C8B-B14F-4D97-AF65-F5344CB8AC3E}">
+        <p14:creationId xmlns:p14="http://schemas.microsoft.com/office/powerpoint/2010/main" val="843044767"/>
+      </p:ext>
+    </p:extLst>
+  </p:cSld>
+  <p:clrMapOvr>
+    <a:masterClrMapping/>
+  </p:clrMapOvr>
+  <p:timing>
+    <p:tnLst>
+      <p:par>
+        <p:cTn id="1" dur="indefinite" restart="never" nodeType="tmRoot"/>
+      </p:par>
+    </p:tnLst>
+  </p:timing>
+</p:sld>
+</file>
+
+<file path=ppt/slides/slide12.xml><?xml version="1.0" encoding="utf-8"?>
+<p:sld xmlns:a="http://schemas.openxmlformats.org/drawingml/2006/main" xmlns:r="http://schemas.openxmlformats.org/officeDocument/2006/relationships" xmlns:p="http://schemas.openxmlformats.org/presentationml/2006/main">
+  <p:cSld>
+    <p:spTree>
+      <p:nvGrpSpPr>
+        <p:cNvPr id="1" name=""/>
+        <p:cNvGrpSpPr/>
+        <p:nvPr/>
+      </p:nvGrpSpPr>
+      <p:grpSpPr>
+        <a:xfrm>
+          <a:off x="0" y="0"/>
+          <a:ext cx="0" cy="0"/>
+          <a:chOff x="0" y="0"/>
+          <a:chExt cx="0" cy="0"/>
+        </a:xfrm>
+      </p:grpSpPr>
+      <p:cxnSp>
+        <p:nvCxnSpPr>
+          <p:cNvPr id="39" name="Connettore 1 38"/>
+          <p:cNvCxnSpPr/>
+          <p:nvPr/>
+        </p:nvCxnSpPr>
+        <p:spPr>
+          <a:xfrm flipH="1">
+            <a:off x="3170215" y="1288864"/>
+            <a:ext cx="33951" cy="3641664"/>
+          </a:xfrm>
+          <a:prstGeom prst="line">
+            <a:avLst/>
+          </a:prstGeom>
+        </p:spPr>
+        <p:style>
+          <a:lnRef idx="1">
+            <a:schemeClr val="accent1"/>
+          </a:lnRef>
+          <a:fillRef idx="0">
+            <a:schemeClr val="accent1"/>
+          </a:fillRef>
+          <a:effectRef idx="0">
+            <a:schemeClr val="accent1"/>
+          </a:effectRef>
+          <a:fontRef idx="minor">
+            <a:schemeClr val="tx1"/>
+          </a:fontRef>
+        </p:style>
+      </p:cxnSp>
+      <p:cxnSp>
+        <p:nvCxnSpPr>
+          <p:cNvPr id="40" name="Connettore 1 39"/>
+          <p:cNvCxnSpPr/>
+          <p:nvPr/>
+        </p:nvCxnSpPr>
+        <p:spPr>
+          <a:xfrm>
+            <a:off x="5773965" y="1096756"/>
+            <a:ext cx="0" cy="3833772"/>
+          </a:xfrm>
+          <a:prstGeom prst="line">
+            <a:avLst/>
+          </a:prstGeom>
+        </p:spPr>
+        <p:style>
+          <a:lnRef idx="1">
+            <a:schemeClr val="accent1"/>
+          </a:lnRef>
+          <a:fillRef idx="0">
+            <a:schemeClr val="accent1"/>
+          </a:fillRef>
+          <a:effectRef idx="0">
+            <a:schemeClr val="accent1"/>
+          </a:effectRef>
+          <a:fontRef idx="minor">
+            <a:schemeClr val="tx1"/>
+          </a:fontRef>
+        </p:style>
+      </p:cxnSp>
+      <p:grpSp>
+        <p:nvGrpSpPr>
+          <p:cNvPr id="2" name="Gruppo 1"/>
+          <p:cNvGrpSpPr/>
+          <p:nvPr/>
+        </p:nvGrpSpPr>
+        <p:grpSpPr>
+          <a:xfrm>
+            <a:off x="6432359" y="3248126"/>
+            <a:ext cx="805955" cy="772447"/>
+            <a:chOff x="565700" y="4940367"/>
+            <a:chExt cx="805955" cy="772447"/>
+          </a:xfrm>
+        </p:grpSpPr>
+        <p:sp>
+          <p:nvSpPr>
+            <p:cNvPr id="3" name="Ovale 2"/>
+            <p:cNvSpPr/>
+            <p:nvPr/>
+          </p:nvSpPr>
+          <p:spPr>
+            <a:xfrm>
+              <a:off x="565700" y="4983583"/>
+              <a:ext cx="805955" cy="729231"/>
+            </a:xfrm>
+            <a:prstGeom prst="ellipse">
+              <a:avLst/>
+            </a:prstGeom>
+            <a:solidFill>
+              <a:srgbClr val="FF99CC"/>
+            </a:solidFill>
+          </p:spPr>
+          <p:style>
+            <a:lnRef idx="2">
+              <a:schemeClr val="accent1">
+                <a:shade val="50000"/>
+              </a:schemeClr>
+            </a:lnRef>
+            <a:fillRef idx="1">
+              <a:schemeClr val="accent1"/>
+            </a:fillRef>
+            <a:effectRef idx="0">
+              <a:schemeClr val="accent1"/>
+            </a:effectRef>
+            <a:fontRef idx="minor">
+              <a:schemeClr val="lt1"/>
+            </a:fontRef>
+          </p:style>
+          <p:txBody>
+            <a:bodyPr rtlCol="0" anchor="ctr"/>
+            <a:lstStyle/>
+            <a:p>
+              <a:pPr algn="ctr"/>
+              <a:r>
+                <a:rPr lang="en-GB" dirty="0">
+                  <a:solidFill>
+                    <a:schemeClr val="lt1"/>
+                  </a:solidFill>
+                </a:rPr>
+                <a:t> </a:t>
+              </a:r>
+            </a:p>
+          </p:txBody>
+        </p:sp>
+        <p:sp>
+          <p:nvSpPr>
+            <p:cNvPr id="4" name="Triangolo isoscele 3"/>
+            <p:cNvSpPr/>
+            <p:nvPr/>
+          </p:nvSpPr>
+          <p:spPr>
+            <a:xfrm rot="16200000">
+              <a:off x="905299" y="4913952"/>
+              <a:ext cx="86434" cy="139263"/>
+            </a:xfrm>
+            <a:prstGeom prst="triangle">
+              <a:avLst/>
+            </a:prstGeom>
+            <a:solidFill>
+              <a:srgbClr val="FF99CC"/>
+            </a:solidFill>
+            <a:ln>
+              <a:solidFill>
+                <a:schemeClr val="tx1"/>
+              </a:solidFill>
+            </a:ln>
+          </p:spPr>
+          <p:style>
+            <a:lnRef idx="2">
+              <a:schemeClr val="accent1">
+                <a:shade val="50000"/>
+              </a:schemeClr>
+            </a:lnRef>
+            <a:fillRef idx="1">
+              <a:schemeClr val="accent1"/>
+            </a:fillRef>
+            <a:effectRef idx="0">
+              <a:schemeClr val="accent1"/>
+            </a:effectRef>
+            <a:fontRef idx="minor">
+              <a:schemeClr val="lt1"/>
+            </a:fontRef>
+          </p:style>
+          <p:txBody>
+            <a:bodyPr rtlCol="0" anchor="ctr"/>
+            <a:lstStyle/>
+            <a:p>
+              <a:pPr algn="ctr"/>
+              <a:endParaRPr lang="en-GB">
+                <a:solidFill>
+                  <a:schemeClr val="lt1"/>
+                </a:solidFill>
+              </a:endParaRPr>
+            </a:p>
+          </p:txBody>
+        </p:sp>
+      </p:grpSp>
+      <p:sp>
+        <p:nvSpPr>
+          <p:cNvPr id="5" name="CasellaDiTesto 4"/>
+          <p:cNvSpPr txBox="1"/>
+          <p:nvPr/>
+        </p:nvSpPr>
+        <p:spPr>
+          <a:xfrm>
+            <a:off x="6572463" y="1205059"/>
+            <a:ext cx="1460528" cy="369332"/>
+          </a:xfrm>
+          <a:prstGeom prst="rect">
+            <a:avLst/>
+          </a:prstGeom>
+          <a:noFill/>
+        </p:spPr>
+        <p:txBody>
+          <a:bodyPr wrap="none" rtlCol="0">
+            <a:spAutoFit/>
+          </a:bodyPr>
+          <a:lstStyle/>
+          <a:p>
+            <a:r>
+              <a:rPr lang="en-GB" b="1" dirty="0" err="1"/>
+              <a:t>CentroHealth</a:t>
+            </a:r>
+            <a:endParaRPr lang="en-GB" dirty="0"/>
+          </a:p>
+        </p:txBody>
+      </p:sp>
+      <p:sp>
+        <p:nvSpPr>
+          <p:cNvPr id="6" name="TextBox 45">
+            <a:extLst>
+              <a:ext uri="{FF2B5EF4-FFF2-40B4-BE49-F238E27FC236}">
+                <a16:creationId xmlns="" xmlns:a16="http://schemas.microsoft.com/office/drawing/2014/main" id="{6BDA7693-CA76-4C97-8FED-A4A65AB5032B}"/>
+              </a:ext>
+            </a:extLst>
+          </p:cNvPr>
+          <p:cNvSpPr txBox="1"/>
+          <p:nvPr/>
+        </p:nvSpPr>
+        <p:spPr>
+          <a:xfrm>
+            <a:off x="4000578" y="1217239"/>
+            <a:ext cx="1568443" cy="369332"/>
+          </a:xfrm>
+          <a:prstGeom prst="rect">
+            <a:avLst/>
+          </a:prstGeom>
+          <a:noFill/>
+        </p:spPr>
+        <p:txBody>
+          <a:bodyPr wrap="none" rtlCol="0">
+            <a:spAutoFit/>
+          </a:bodyPr>
+          <a:lstStyle/>
+          <a:p>
+            <a:r>
+              <a:rPr lang="en-US" b="1" dirty="0" err="1"/>
+              <a:t>HealthProduct</a:t>
+            </a:r>
+            <a:endParaRPr lang="en-US" b="1" dirty="0"/>
+          </a:p>
+        </p:txBody>
+      </p:sp>
+      <p:grpSp>
+        <p:nvGrpSpPr>
+          <p:cNvPr id="7" name="Gruppo 6"/>
+          <p:cNvGrpSpPr/>
+          <p:nvPr/>
+        </p:nvGrpSpPr>
+        <p:grpSpPr>
+          <a:xfrm>
+            <a:off x="4050049" y="2605810"/>
+            <a:ext cx="805955" cy="772447"/>
+            <a:chOff x="565700" y="4940367"/>
+            <a:chExt cx="805955" cy="772447"/>
+          </a:xfrm>
+        </p:grpSpPr>
+        <p:sp>
+          <p:nvSpPr>
+            <p:cNvPr id="8" name="Ovale 7"/>
+            <p:cNvSpPr/>
+            <p:nvPr/>
+          </p:nvSpPr>
+          <p:spPr>
+            <a:xfrm>
+              <a:off x="565700" y="4983583"/>
+              <a:ext cx="805955" cy="729231"/>
+            </a:xfrm>
+            <a:prstGeom prst="ellipse">
+              <a:avLst/>
+            </a:prstGeom>
+            <a:ln/>
+          </p:spPr>
+          <p:style>
+            <a:lnRef idx="1">
+              <a:schemeClr val="accent4"/>
+            </a:lnRef>
+            <a:fillRef idx="2">
+              <a:schemeClr val="accent4"/>
+            </a:fillRef>
+            <a:effectRef idx="1">
+              <a:schemeClr val="accent4"/>
+            </a:effectRef>
+            <a:fontRef idx="minor">
+              <a:schemeClr val="dk1"/>
+            </a:fontRef>
+          </p:style>
+          <p:txBody>
+            <a:bodyPr rtlCol="0" anchor="ctr"/>
+            <a:lstStyle/>
+            <a:p>
+              <a:pPr algn="ctr"/>
+              <a:r>
+                <a:rPr lang="en-GB" sz="1200" dirty="0"/>
+                <a:t> </a:t>
+              </a:r>
+            </a:p>
+          </p:txBody>
+        </p:sp>
+        <p:sp>
+          <p:nvSpPr>
+            <p:cNvPr id="9" name="Triangolo isoscele 8"/>
+            <p:cNvSpPr/>
+            <p:nvPr/>
+          </p:nvSpPr>
+          <p:spPr>
+            <a:xfrm rot="16200000">
+              <a:off x="905299" y="4913952"/>
+              <a:ext cx="86434" cy="139263"/>
+            </a:xfrm>
+            <a:prstGeom prst="triangle">
+              <a:avLst/>
+            </a:prstGeom>
+            <a:solidFill>
+              <a:srgbClr val="C00000"/>
+            </a:solidFill>
+            <a:ln/>
+          </p:spPr>
+          <p:style>
+            <a:lnRef idx="1">
+              <a:schemeClr val="accent5"/>
+            </a:lnRef>
+            <a:fillRef idx="2">
+              <a:schemeClr val="accent5"/>
+            </a:fillRef>
+            <a:effectRef idx="1">
+              <a:schemeClr val="accent5"/>
+            </a:effectRef>
+            <a:fontRef idx="minor">
+              <a:schemeClr val="dk1"/>
+            </a:fontRef>
+          </p:style>
+          <p:txBody>
+            <a:bodyPr rtlCol="0" anchor="ctr"/>
+            <a:lstStyle/>
+            <a:p>
+              <a:pPr algn="ctr"/>
+              <a:endParaRPr lang="en-GB" sz="1200">
+                <a:solidFill>
+                  <a:schemeClr val="dk1"/>
+                </a:solidFill>
+              </a:endParaRPr>
+            </a:p>
+          </p:txBody>
+        </p:sp>
+      </p:grpSp>
+      <p:grpSp>
+        <p:nvGrpSpPr>
+          <p:cNvPr id="16" name="Gruppo 15"/>
+          <p:cNvGrpSpPr/>
+          <p:nvPr/>
+        </p:nvGrpSpPr>
+        <p:grpSpPr>
+          <a:xfrm>
+            <a:off x="5259578" y="3480121"/>
+            <a:ext cx="666895" cy="86434"/>
+            <a:chOff x="4592177" y="4419530"/>
+            <a:chExt cx="666895" cy="86434"/>
+          </a:xfrm>
+        </p:grpSpPr>
+        <p:cxnSp>
+          <p:nvCxnSpPr>
+            <p:cNvPr id="17" name="Connettore 1 16"/>
+            <p:cNvCxnSpPr/>
+            <p:nvPr/>
+          </p:nvCxnSpPr>
+          <p:spPr>
+            <a:xfrm>
+              <a:off x="4611000" y="4462747"/>
+              <a:ext cx="648072" cy="0"/>
+            </a:xfrm>
+            <a:prstGeom prst="line">
+              <a:avLst/>
+            </a:prstGeom>
+            <a:ln>
+              <a:prstDash val="dash"/>
+            </a:ln>
+          </p:spPr>
+          <p:style>
+            <a:lnRef idx="1">
+              <a:schemeClr val="accent1"/>
+            </a:lnRef>
+            <a:fillRef idx="0">
+              <a:schemeClr val="accent1"/>
+            </a:fillRef>
+            <a:effectRef idx="0">
+              <a:schemeClr val="accent1"/>
+            </a:effectRef>
+            <a:fontRef idx="minor">
+              <a:schemeClr val="tx1"/>
+            </a:fontRef>
+          </p:style>
+        </p:cxnSp>
+        <p:sp>
+          <p:nvSpPr>
+            <p:cNvPr id="18" name="Triangolo isoscele 17"/>
+            <p:cNvSpPr/>
+            <p:nvPr/>
+          </p:nvSpPr>
+          <p:spPr>
+            <a:xfrm rot="16200000">
+              <a:off x="4618592" y="4393115"/>
+              <a:ext cx="86434" cy="139263"/>
+            </a:xfrm>
+            <a:prstGeom prst="triangle">
+              <a:avLst/>
+            </a:prstGeom>
+            <a:solidFill>
+              <a:schemeClr val="bg1"/>
+            </a:solidFill>
+            <a:ln/>
+          </p:spPr>
+          <p:style>
+            <a:lnRef idx="1">
+              <a:schemeClr val="accent5"/>
+            </a:lnRef>
+            <a:fillRef idx="2">
+              <a:schemeClr val="accent5"/>
+            </a:fillRef>
+            <a:effectRef idx="1">
+              <a:schemeClr val="accent5"/>
+            </a:effectRef>
+            <a:fontRef idx="minor">
+              <a:schemeClr val="dk1"/>
+            </a:fontRef>
+          </p:style>
+          <p:txBody>
+            <a:bodyPr rtlCol="0" anchor="ctr"/>
+            <a:lstStyle/>
+            <a:p>
+              <a:pPr algn="ctr"/>
+              <a:endParaRPr lang="en-GB" sz="1200"/>
+            </a:p>
+          </p:txBody>
+        </p:sp>
+      </p:grpSp>
+      <p:grpSp>
+        <p:nvGrpSpPr>
+          <p:cNvPr id="19" name="Gruppo 18"/>
+          <p:cNvGrpSpPr/>
+          <p:nvPr/>
+        </p:nvGrpSpPr>
+        <p:grpSpPr>
+          <a:xfrm>
+            <a:off x="5251491" y="3283916"/>
+            <a:ext cx="787334" cy="86434"/>
+            <a:chOff x="3452446" y="4176616"/>
+            <a:chExt cx="787334" cy="86434"/>
+          </a:xfrm>
+        </p:grpSpPr>
+        <p:sp>
+          <p:nvSpPr>
+            <p:cNvPr id="20" name="Triangolo isoscele 19"/>
+            <p:cNvSpPr/>
+            <p:nvPr/>
+          </p:nvSpPr>
+          <p:spPr>
+            <a:xfrm rot="5400000" flipH="1">
+              <a:off x="4126932" y="4150201"/>
+              <a:ext cx="86434" cy="139263"/>
+            </a:xfrm>
+            <a:prstGeom prst="triangle">
+              <a:avLst/>
+            </a:prstGeom>
+            <a:solidFill>
+              <a:schemeClr val="bg1"/>
+            </a:solidFill>
+            <a:ln/>
+          </p:spPr>
+          <p:style>
+            <a:lnRef idx="1">
+              <a:schemeClr val="accent5"/>
+            </a:lnRef>
+            <a:fillRef idx="2">
+              <a:schemeClr val="accent5"/>
+            </a:fillRef>
+            <a:effectRef idx="1">
+              <a:schemeClr val="accent5"/>
+            </a:effectRef>
+            <a:fontRef idx="minor">
+              <a:schemeClr val="dk1"/>
+            </a:fontRef>
+          </p:style>
+          <p:txBody>
+            <a:bodyPr rtlCol="0" anchor="ctr"/>
+            <a:lstStyle/>
+            <a:p>
+              <a:pPr algn="ctr"/>
+              <a:endParaRPr lang="en-GB" sz="1200"/>
+            </a:p>
+          </p:txBody>
+        </p:sp>
+        <p:cxnSp>
+          <p:nvCxnSpPr>
+            <p:cNvPr id="21" name="Connettore 1 20"/>
+            <p:cNvCxnSpPr>
+              <a:endCxn id="20" idx="3"/>
+            </p:cNvCxnSpPr>
+            <p:nvPr/>
+          </p:nvCxnSpPr>
+          <p:spPr>
+            <a:xfrm>
+              <a:off x="3452446" y="4219627"/>
+              <a:ext cx="648072" cy="206"/>
+            </a:xfrm>
+            <a:prstGeom prst="line">
+              <a:avLst/>
+            </a:prstGeom>
+          </p:spPr>
+          <p:style>
+            <a:lnRef idx="1">
+              <a:schemeClr val="accent1"/>
+            </a:lnRef>
+            <a:fillRef idx="0">
+              <a:schemeClr val="accent1"/>
+            </a:fillRef>
+            <a:effectRef idx="0">
+              <a:schemeClr val="accent1"/>
+            </a:effectRef>
+            <a:fontRef idx="minor">
+              <a:schemeClr val="tx1"/>
+            </a:fontRef>
+          </p:style>
+        </p:cxnSp>
+      </p:grpSp>
+      <p:grpSp>
+        <p:nvGrpSpPr>
+          <p:cNvPr id="22" name="Gruppo 21"/>
+          <p:cNvGrpSpPr/>
+          <p:nvPr/>
+        </p:nvGrpSpPr>
+        <p:grpSpPr>
+          <a:xfrm>
+            <a:off x="1539820" y="3302421"/>
+            <a:ext cx="805955" cy="772447"/>
+            <a:chOff x="565700" y="4940367"/>
+            <a:chExt cx="805955" cy="772447"/>
+          </a:xfrm>
+        </p:grpSpPr>
+        <p:sp>
+          <p:nvSpPr>
+            <p:cNvPr id="23" name="Ovale 22"/>
+            <p:cNvSpPr/>
+            <p:nvPr/>
+          </p:nvSpPr>
+          <p:spPr>
+            <a:xfrm>
+              <a:off x="565700" y="4983583"/>
+              <a:ext cx="805955" cy="729231"/>
+            </a:xfrm>
+            <a:prstGeom prst="ellipse">
+              <a:avLst/>
+            </a:prstGeom>
+            <a:solidFill>
+              <a:srgbClr val="FF99CC"/>
+            </a:solidFill>
+          </p:spPr>
+          <p:style>
+            <a:lnRef idx="2">
+              <a:schemeClr val="accent1">
+                <a:shade val="50000"/>
+              </a:schemeClr>
+            </a:lnRef>
+            <a:fillRef idx="1">
+              <a:schemeClr val="accent1"/>
+            </a:fillRef>
+            <a:effectRef idx="0">
+              <a:schemeClr val="accent1"/>
+            </a:effectRef>
+            <a:fontRef idx="minor">
+              <a:schemeClr val="lt1"/>
+            </a:fontRef>
+          </p:style>
+          <p:txBody>
+            <a:bodyPr rtlCol="0" anchor="ctr"/>
+            <a:lstStyle/>
+            <a:p>
+              <a:pPr algn="ctr"/>
+              <a:r>
+                <a:rPr lang="en-GB" dirty="0">
+                  <a:solidFill>
+                    <a:schemeClr val="lt1"/>
+                  </a:solidFill>
+                </a:rPr>
+                <a:t> </a:t>
+              </a:r>
+            </a:p>
+          </p:txBody>
+        </p:sp>
+        <p:sp>
+          <p:nvSpPr>
+            <p:cNvPr id="24" name="Triangolo isoscele 23"/>
+            <p:cNvSpPr/>
+            <p:nvPr/>
+          </p:nvSpPr>
+          <p:spPr>
+            <a:xfrm rot="16200000">
+              <a:off x="905299" y="4913952"/>
+              <a:ext cx="86434" cy="139263"/>
+            </a:xfrm>
+            <a:prstGeom prst="triangle">
+              <a:avLst/>
+            </a:prstGeom>
+            <a:solidFill>
+              <a:srgbClr val="FF99CC"/>
+            </a:solidFill>
+          </p:spPr>
+          <p:style>
+            <a:lnRef idx="2">
+              <a:schemeClr val="accent1">
+                <a:shade val="50000"/>
+              </a:schemeClr>
+            </a:lnRef>
+            <a:fillRef idx="1">
+              <a:schemeClr val="accent1"/>
+            </a:fillRef>
+            <a:effectRef idx="0">
+              <a:schemeClr val="accent1"/>
+            </a:effectRef>
+            <a:fontRef idx="minor">
+              <a:schemeClr val="lt1"/>
+            </a:fontRef>
+          </p:style>
+          <p:txBody>
+            <a:bodyPr rtlCol="0" anchor="ctr"/>
+            <a:lstStyle/>
+            <a:p>
+              <a:pPr algn="ctr"/>
+              <a:endParaRPr lang="en-GB">
+                <a:solidFill>
+                  <a:schemeClr val="lt1"/>
+                </a:solidFill>
+              </a:endParaRPr>
+            </a:p>
+          </p:txBody>
+        </p:sp>
+      </p:grpSp>
+      <p:sp>
+        <p:nvSpPr>
+          <p:cNvPr id="25" name="Ovale 24"/>
+          <p:cNvSpPr/>
+          <p:nvPr/>
+        </p:nvSpPr>
+        <p:spPr>
+          <a:xfrm>
+            <a:off x="1617407" y="1995274"/>
+            <a:ext cx="749721" cy="720080"/>
+          </a:xfrm>
+          <a:prstGeom prst="ellipse">
+            <a:avLst/>
+          </a:prstGeom>
+          <a:ln/>
+        </p:spPr>
+        <p:style>
+          <a:lnRef idx="1">
+            <a:schemeClr val="accent5"/>
+          </a:lnRef>
+          <a:fillRef idx="2">
+            <a:schemeClr val="accent5"/>
+          </a:fillRef>
+          <a:effectRef idx="1">
+            <a:schemeClr val="accent5"/>
+          </a:effectRef>
+          <a:fontRef idx="minor">
+            <a:schemeClr val="dk1"/>
+          </a:fontRef>
+        </p:style>
+        <p:txBody>
+          <a:bodyPr rtlCol="0" anchor="ctr"/>
+          <a:lstStyle/>
+          <a:p>
+            <a:pPr algn="ctr"/>
+            <a:r>
+              <a:rPr lang="en-GB" sz="1200" dirty="0"/>
+              <a:t> </a:t>
+            </a:r>
+          </a:p>
+        </p:txBody>
+      </p:sp>
+      <p:cxnSp>
+        <p:nvCxnSpPr>
+          <p:cNvPr id="26" name="Connettore 2 25"/>
+          <p:cNvCxnSpPr/>
+          <p:nvPr/>
+        </p:nvCxnSpPr>
+        <p:spPr>
+          <a:xfrm flipH="1">
+            <a:off x="1992267" y="2157203"/>
+            <a:ext cx="13466" cy="393101"/>
+          </a:xfrm>
+          <a:prstGeom prst="straightConnector1">
+            <a:avLst/>
+          </a:prstGeom>
+          <a:ln>
+            <a:solidFill>
+              <a:srgbClr val="C00000"/>
+            </a:solidFill>
+            <a:tailEnd type="arrow"/>
+          </a:ln>
+        </p:spPr>
+        <p:style>
+          <a:lnRef idx="1">
+            <a:schemeClr val="accent1"/>
+          </a:lnRef>
+          <a:fillRef idx="0">
+            <a:schemeClr val="accent1"/>
+          </a:fillRef>
+          <a:effectRef idx="0">
+            <a:schemeClr val="accent1"/>
+          </a:effectRef>
+          <a:fontRef idx="minor">
+            <a:schemeClr val="tx1"/>
+          </a:fontRef>
+        </p:style>
+      </p:cxnSp>
+      <p:sp>
+        <p:nvSpPr>
+          <p:cNvPr id="27" name="TextBox 45">
+            <a:extLst>
+              <a:ext uri="{FF2B5EF4-FFF2-40B4-BE49-F238E27FC236}">
+                <a16:creationId xmlns="" xmlns:a16="http://schemas.microsoft.com/office/drawing/2014/main" id="{6BDA7693-CA76-4C97-8FED-A4A65AB5032B}"/>
+              </a:ext>
+            </a:extLst>
+          </p:cNvPr>
+          <p:cNvSpPr txBox="1"/>
+          <p:nvPr/>
+        </p:nvSpPr>
+        <p:spPr>
+          <a:xfrm>
+            <a:off x="335898" y="1625942"/>
+            <a:ext cx="2308517" cy="369332"/>
+          </a:xfrm>
+          <a:prstGeom prst="rect">
+            <a:avLst/>
+          </a:prstGeom>
+          <a:noFill/>
+        </p:spPr>
+        <p:txBody>
+          <a:bodyPr wrap="none" rtlCol="0">
+            <a:spAutoFit/>
+          </a:bodyPr>
+          <a:lstStyle/>
+          <a:p>
+            <a:r>
+              <a:rPr lang="en-US" dirty="0" smtClean="0"/>
+              <a:t>Case A: a caller Thread</a:t>
+            </a:r>
+            <a:endParaRPr lang="en-US" dirty="0"/>
+          </a:p>
+        </p:txBody>
+      </p:sp>
+      <p:sp>
+        <p:nvSpPr>
+          <p:cNvPr id="28" name="TextBox 45">
+            <a:extLst>
+              <a:ext uri="{FF2B5EF4-FFF2-40B4-BE49-F238E27FC236}">
+                <a16:creationId xmlns="" xmlns:a16="http://schemas.microsoft.com/office/drawing/2014/main" id="{6BDA7693-CA76-4C97-8FED-A4A65AB5032B}"/>
+              </a:ext>
+            </a:extLst>
+          </p:cNvPr>
+          <p:cNvSpPr txBox="1"/>
+          <p:nvPr/>
+        </p:nvSpPr>
+        <p:spPr>
+          <a:xfrm>
+            <a:off x="456031" y="2905961"/>
+            <a:ext cx="1665712" cy="369332"/>
+          </a:xfrm>
+          <a:prstGeom prst="rect">
+            <a:avLst/>
+          </a:prstGeom>
+          <a:noFill/>
+        </p:spPr>
+        <p:txBody>
+          <a:bodyPr wrap="none" rtlCol="0">
+            <a:spAutoFit/>
+          </a:bodyPr>
+          <a:lstStyle/>
+          <a:p>
+            <a:r>
+              <a:rPr lang="en-US" dirty="0" smtClean="0"/>
+              <a:t>Case B: a server</a:t>
+            </a:r>
+            <a:endParaRPr lang="en-US" dirty="0"/>
+          </a:p>
+        </p:txBody>
+      </p:sp>
+      <p:sp>
+        <p:nvSpPr>
+          <p:cNvPr id="35" name="Rettangolo 34"/>
+          <p:cNvSpPr/>
+          <p:nvPr/>
+        </p:nvSpPr>
+        <p:spPr>
+          <a:xfrm>
+            <a:off x="860950" y="1217239"/>
+            <a:ext cx="1004827" cy="369332"/>
+          </a:xfrm>
+          <a:prstGeom prst="rect">
+            <a:avLst/>
+          </a:prstGeom>
+        </p:spPr>
+        <p:txBody>
+          <a:bodyPr wrap="none">
+            <a:spAutoFit/>
+          </a:bodyPr>
+          <a:lstStyle/>
+          <a:p>
+            <a:r>
+              <a:rPr lang="en-GB" b="1" dirty="0" smtClean="0"/>
+              <a:t>Core-</a:t>
+            </a:r>
+            <a:r>
+              <a:rPr lang="en-GB" b="1" dirty="0" err="1" smtClean="0"/>
+              <a:t>Itel</a:t>
+            </a:r>
+            <a:endParaRPr lang="en-GB" dirty="0"/>
+          </a:p>
+        </p:txBody>
+      </p:sp>
+      <p:cxnSp>
+        <p:nvCxnSpPr>
+          <p:cNvPr id="36" name="Connettore 1 35"/>
+          <p:cNvCxnSpPr/>
+          <p:nvPr/>
+        </p:nvCxnSpPr>
+        <p:spPr>
+          <a:xfrm flipV="1">
+            <a:off x="214286" y="1586571"/>
+            <a:ext cx="8424936" cy="1"/>
+          </a:xfrm>
+          <a:prstGeom prst="line">
+            <a:avLst/>
+          </a:prstGeom>
+        </p:spPr>
+        <p:style>
+          <a:lnRef idx="1">
+            <a:schemeClr val="accent1"/>
+          </a:lnRef>
+          <a:fillRef idx="0">
+            <a:schemeClr val="accent1"/>
+          </a:fillRef>
+          <a:effectRef idx="0">
+            <a:schemeClr val="accent1"/>
+          </a:effectRef>
+          <a:fontRef idx="minor">
+            <a:schemeClr val="tx1"/>
+          </a:fontRef>
+        </p:style>
+      </p:cxnSp>
+      <p:sp>
+        <p:nvSpPr>
+          <p:cNvPr id="37" name="CasellaDiTesto 36"/>
+          <p:cNvSpPr txBox="1"/>
+          <p:nvPr/>
+        </p:nvSpPr>
+        <p:spPr>
+          <a:xfrm>
+            <a:off x="5569021" y="3633332"/>
+            <a:ext cx="638123" cy="369332"/>
+          </a:xfrm>
+          <a:prstGeom prst="rect">
+            <a:avLst/>
+          </a:prstGeom>
+        </p:spPr>
+        <p:style>
+          <a:lnRef idx="1">
+            <a:schemeClr val="accent3"/>
+          </a:lnRef>
+          <a:fillRef idx="2">
+            <a:schemeClr val="accent3"/>
+          </a:fillRef>
+          <a:effectRef idx="1">
+            <a:schemeClr val="accent3"/>
+          </a:effectRef>
+          <a:fontRef idx="minor">
+            <a:schemeClr val="dk1"/>
+          </a:fontRef>
+        </p:style>
+        <p:txBody>
+          <a:bodyPr wrap="none" rtlCol="0">
+            <a:spAutoFit/>
+          </a:bodyPr>
+          <a:lstStyle/>
+          <a:p>
+            <a:r>
+              <a:rPr lang="it-IT" dirty="0" err="1" smtClean="0"/>
+              <a:t>Rest</a:t>
+            </a:r>
+            <a:r>
+              <a:rPr lang="it-IT" dirty="0" smtClean="0"/>
+              <a:t> </a:t>
+            </a:r>
+          </a:p>
+        </p:txBody>
+      </p:sp>
+      <p:sp>
+        <p:nvSpPr>
+          <p:cNvPr id="41" name="CasellaDiTesto 40"/>
+          <p:cNvSpPr txBox="1"/>
+          <p:nvPr/>
+        </p:nvSpPr>
+        <p:spPr>
+          <a:xfrm>
+            <a:off x="471412" y="256292"/>
+            <a:ext cx="2350708" cy="584775"/>
+          </a:xfrm>
+          <a:prstGeom prst="rect">
+            <a:avLst/>
+          </a:prstGeom>
+        </p:spPr>
+        <p:style>
+          <a:lnRef idx="3">
+            <a:schemeClr val="lt1"/>
+          </a:lnRef>
+          <a:fillRef idx="1">
+            <a:schemeClr val="accent5"/>
+          </a:fillRef>
+          <a:effectRef idx="1">
+            <a:schemeClr val="accent5"/>
+          </a:effectRef>
+          <a:fontRef idx="minor">
+            <a:schemeClr val="lt1"/>
+          </a:fontRef>
+        </p:style>
+        <p:txBody>
+          <a:bodyPr wrap="none" rtlCol="0">
+            <a:spAutoFit/>
+          </a:bodyPr>
+          <a:lstStyle/>
+          <a:p>
+            <a:r>
+              <a:rPr lang="it-IT" sz="3200" dirty="0" err="1" smtClean="0"/>
+              <a:t>Smart@even</a:t>
+            </a:r>
+            <a:endParaRPr lang="en-GB" sz="3200" dirty="0"/>
+          </a:p>
+        </p:txBody>
+      </p:sp>
+      <p:sp>
+        <p:nvSpPr>
+          <p:cNvPr id="42" name="Figura a mano libera 41"/>
+          <p:cNvSpPr/>
+          <p:nvPr/>
+        </p:nvSpPr>
+        <p:spPr>
+          <a:xfrm>
+            <a:off x="6516562" y="1745940"/>
+            <a:ext cx="573277" cy="400110"/>
+          </a:xfrm>
+          <a:custGeom>
+            <a:avLst/>
+            <a:gdLst>
+              <a:gd name="connsiteX0" fmla="*/ 168812 w 773723"/>
+              <a:gd name="connsiteY0" fmla="*/ 0 h 604911"/>
+              <a:gd name="connsiteX1" fmla="*/ 168812 w 773723"/>
+              <a:gd name="connsiteY1" fmla="*/ 0 h 604911"/>
+              <a:gd name="connsiteX2" fmla="*/ 28135 w 773723"/>
+              <a:gd name="connsiteY2" fmla="*/ 70339 h 604911"/>
+              <a:gd name="connsiteX3" fmla="*/ 0 w 773723"/>
+              <a:gd name="connsiteY3" fmla="*/ 112542 h 604911"/>
+              <a:gd name="connsiteX4" fmla="*/ 14068 w 773723"/>
+              <a:gd name="connsiteY4" fmla="*/ 492369 h 604911"/>
+              <a:gd name="connsiteX5" fmla="*/ 42203 w 773723"/>
+              <a:gd name="connsiteY5" fmla="*/ 520505 h 604911"/>
+              <a:gd name="connsiteX6" fmla="*/ 168812 w 773723"/>
+              <a:gd name="connsiteY6" fmla="*/ 576776 h 604911"/>
+              <a:gd name="connsiteX7" fmla="*/ 225083 w 773723"/>
+              <a:gd name="connsiteY7" fmla="*/ 604911 h 604911"/>
+              <a:gd name="connsiteX8" fmla="*/ 576775 w 773723"/>
+              <a:gd name="connsiteY8" fmla="*/ 590843 h 604911"/>
+              <a:gd name="connsiteX9" fmla="*/ 633046 w 773723"/>
+              <a:gd name="connsiteY9" fmla="*/ 393896 h 604911"/>
+              <a:gd name="connsiteX10" fmla="*/ 661181 w 773723"/>
+              <a:gd name="connsiteY10" fmla="*/ 365760 h 604911"/>
+              <a:gd name="connsiteX11" fmla="*/ 703385 w 773723"/>
+              <a:gd name="connsiteY11" fmla="*/ 337625 h 604911"/>
+              <a:gd name="connsiteX12" fmla="*/ 759655 w 773723"/>
+              <a:gd name="connsiteY12" fmla="*/ 295422 h 604911"/>
+              <a:gd name="connsiteX13" fmla="*/ 773723 w 773723"/>
+              <a:gd name="connsiteY13" fmla="*/ 253219 h 604911"/>
+              <a:gd name="connsiteX14" fmla="*/ 731520 w 773723"/>
+              <a:gd name="connsiteY14" fmla="*/ 154745 h 604911"/>
+              <a:gd name="connsiteX15" fmla="*/ 661181 w 773723"/>
+              <a:gd name="connsiteY15" fmla="*/ 84406 h 604911"/>
+              <a:gd name="connsiteX16" fmla="*/ 576775 w 773723"/>
+              <a:gd name="connsiteY16" fmla="*/ 28136 h 604911"/>
+              <a:gd name="connsiteX17" fmla="*/ 464234 w 773723"/>
+              <a:gd name="connsiteY17" fmla="*/ 42203 h 604911"/>
+              <a:gd name="connsiteX18" fmla="*/ 436098 w 773723"/>
+              <a:gd name="connsiteY18" fmla="*/ 70339 h 604911"/>
+              <a:gd name="connsiteX19" fmla="*/ 393895 w 773723"/>
+              <a:gd name="connsiteY19" fmla="*/ 84406 h 604911"/>
+              <a:gd name="connsiteX20" fmla="*/ 351692 w 773723"/>
+              <a:gd name="connsiteY20" fmla="*/ 70339 h 604911"/>
+              <a:gd name="connsiteX21" fmla="*/ 267286 w 773723"/>
+              <a:gd name="connsiteY21" fmla="*/ 56271 h 604911"/>
+              <a:gd name="connsiteX22" fmla="*/ 168812 w 773723"/>
+              <a:gd name="connsiteY22" fmla="*/ 0 h 604911"/>
+            </a:gdLst>
+            <a:ahLst/>
+            <a:cxnLst>
+              <a:cxn ang="0">
+                <a:pos x="connsiteX0" y="connsiteY0"/>
+              </a:cxn>
+              <a:cxn ang="0">
+                <a:pos x="connsiteX1" y="connsiteY1"/>
+              </a:cxn>
+              <a:cxn ang="0">
+                <a:pos x="connsiteX2" y="connsiteY2"/>
+              </a:cxn>
+              <a:cxn ang="0">
+                <a:pos x="connsiteX3" y="connsiteY3"/>
+              </a:cxn>
+              <a:cxn ang="0">
+                <a:pos x="connsiteX4" y="connsiteY4"/>
+              </a:cxn>
+              <a:cxn ang="0">
+                <a:pos x="connsiteX5" y="connsiteY5"/>
+              </a:cxn>
+              <a:cxn ang="0">
+                <a:pos x="connsiteX6" y="connsiteY6"/>
+              </a:cxn>
+              <a:cxn ang="0">
+                <a:pos x="connsiteX7" y="connsiteY7"/>
+              </a:cxn>
+              <a:cxn ang="0">
+                <a:pos x="connsiteX8" y="connsiteY8"/>
+              </a:cxn>
+              <a:cxn ang="0">
+                <a:pos x="connsiteX9" y="connsiteY9"/>
+              </a:cxn>
+              <a:cxn ang="0">
+                <a:pos x="connsiteX10" y="connsiteY10"/>
+              </a:cxn>
+              <a:cxn ang="0">
+                <a:pos x="connsiteX11" y="connsiteY11"/>
+              </a:cxn>
+              <a:cxn ang="0">
+                <a:pos x="connsiteX12" y="connsiteY12"/>
+              </a:cxn>
+              <a:cxn ang="0">
+                <a:pos x="connsiteX13" y="connsiteY13"/>
+              </a:cxn>
+              <a:cxn ang="0">
+                <a:pos x="connsiteX14" y="connsiteY14"/>
+              </a:cxn>
+              <a:cxn ang="0">
+                <a:pos x="connsiteX15" y="connsiteY15"/>
+              </a:cxn>
+              <a:cxn ang="0">
+                <a:pos x="connsiteX16" y="connsiteY16"/>
+              </a:cxn>
+              <a:cxn ang="0">
+                <a:pos x="connsiteX17" y="connsiteY17"/>
+              </a:cxn>
+              <a:cxn ang="0">
+                <a:pos x="connsiteX18" y="connsiteY18"/>
+              </a:cxn>
+              <a:cxn ang="0">
+                <a:pos x="connsiteX19" y="connsiteY19"/>
+              </a:cxn>
+              <a:cxn ang="0">
+                <a:pos x="connsiteX20" y="connsiteY20"/>
+              </a:cxn>
+              <a:cxn ang="0">
+                <a:pos x="connsiteX21" y="connsiteY21"/>
+              </a:cxn>
+              <a:cxn ang="0">
+                <a:pos x="connsiteX22" y="connsiteY22"/>
+              </a:cxn>
+            </a:cxnLst>
+            <a:rect l="l" t="t" r="r" b="b"/>
+            <a:pathLst>
+              <a:path w="773723" h="604911">
+                <a:moveTo>
+                  <a:pt x="168812" y="0"/>
+                </a:moveTo>
+                <a:lnTo>
+                  <a:pt x="168812" y="0"/>
+                </a:lnTo>
+                <a:cubicBezTo>
+                  <a:pt x="92586" y="28585"/>
+                  <a:pt x="68468" y="19923"/>
+                  <a:pt x="28135" y="70339"/>
+                </a:cubicBezTo>
+                <a:cubicBezTo>
+                  <a:pt x="17573" y="83541"/>
+                  <a:pt x="9378" y="98474"/>
+                  <a:pt x="0" y="112542"/>
+                </a:cubicBezTo>
+                <a:cubicBezTo>
+                  <a:pt x="4689" y="239151"/>
+                  <a:pt x="1031" y="366346"/>
+                  <a:pt x="14068" y="492369"/>
+                </a:cubicBezTo>
+                <a:cubicBezTo>
+                  <a:pt x="15433" y="505562"/>
+                  <a:pt x="31846" y="512219"/>
+                  <a:pt x="42203" y="520505"/>
+                </a:cubicBezTo>
+                <a:cubicBezTo>
+                  <a:pt x="111164" y="575674"/>
+                  <a:pt x="64716" y="524729"/>
+                  <a:pt x="168812" y="576776"/>
+                </a:cubicBezTo>
+                <a:lnTo>
+                  <a:pt x="225083" y="604911"/>
+                </a:lnTo>
+                <a:cubicBezTo>
+                  <a:pt x="342314" y="600222"/>
+                  <a:pt x="460118" y="603342"/>
+                  <a:pt x="576775" y="590843"/>
+                </a:cubicBezTo>
+                <a:cubicBezTo>
+                  <a:pt x="662467" y="581662"/>
+                  <a:pt x="629241" y="411651"/>
+                  <a:pt x="633046" y="393896"/>
+                </a:cubicBezTo>
+                <a:cubicBezTo>
+                  <a:pt x="635825" y="380927"/>
+                  <a:pt x="650824" y="374045"/>
+                  <a:pt x="661181" y="365760"/>
+                </a:cubicBezTo>
+                <a:cubicBezTo>
+                  <a:pt x="674384" y="355198"/>
+                  <a:pt x="689627" y="347452"/>
+                  <a:pt x="703385" y="337625"/>
+                </a:cubicBezTo>
+                <a:cubicBezTo>
+                  <a:pt x="722464" y="323997"/>
+                  <a:pt x="740898" y="309490"/>
+                  <a:pt x="759655" y="295422"/>
+                </a:cubicBezTo>
+                <a:cubicBezTo>
+                  <a:pt x="764344" y="281354"/>
+                  <a:pt x="773723" y="268048"/>
+                  <a:pt x="773723" y="253219"/>
+                </a:cubicBezTo>
+                <a:cubicBezTo>
+                  <a:pt x="773723" y="217181"/>
+                  <a:pt x="754492" y="180999"/>
+                  <a:pt x="731520" y="154745"/>
+                </a:cubicBezTo>
+                <a:cubicBezTo>
+                  <a:pt x="709685" y="129791"/>
+                  <a:pt x="688770" y="102799"/>
+                  <a:pt x="661181" y="84406"/>
+                </a:cubicBezTo>
+                <a:lnTo>
+                  <a:pt x="576775" y="28136"/>
+                </a:lnTo>
+                <a:cubicBezTo>
+                  <a:pt x="539261" y="32825"/>
+                  <a:pt x="500445" y="31340"/>
+                  <a:pt x="464234" y="42203"/>
+                </a:cubicBezTo>
+                <a:cubicBezTo>
+                  <a:pt x="451530" y="46014"/>
+                  <a:pt x="447471" y="63515"/>
+                  <a:pt x="436098" y="70339"/>
+                </a:cubicBezTo>
+                <a:cubicBezTo>
+                  <a:pt x="423383" y="77968"/>
+                  <a:pt x="407963" y="79717"/>
+                  <a:pt x="393895" y="84406"/>
+                </a:cubicBezTo>
+                <a:cubicBezTo>
+                  <a:pt x="379827" y="79717"/>
+                  <a:pt x="366167" y="73556"/>
+                  <a:pt x="351692" y="70339"/>
+                </a:cubicBezTo>
+                <a:cubicBezTo>
+                  <a:pt x="323848" y="64151"/>
+                  <a:pt x="294346" y="65291"/>
+                  <a:pt x="267286" y="56271"/>
+                </a:cubicBezTo>
+                <a:cubicBezTo>
+                  <a:pt x="167275" y="22934"/>
+                  <a:pt x="185224" y="9378"/>
+                  <a:pt x="168812" y="0"/>
+                </a:cubicBezTo>
+                <a:close/>
+              </a:path>
+            </a:pathLst>
+          </a:custGeom>
+          <a:solidFill>
+            <a:schemeClr val="accent5">
+              <a:lumMod val="40000"/>
+              <a:lumOff val="60000"/>
+            </a:schemeClr>
+          </a:solidFill>
+        </p:spPr>
+        <p:style>
+          <a:lnRef idx="2">
+            <a:schemeClr val="accent1">
+              <a:shade val="50000"/>
+            </a:schemeClr>
+          </a:lnRef>
+          <a:fillRef idx="1">
+            <a:schemeClr val="accent1"/>
+          </a:fillRef>
+          <a:effectRef idx="0">
+            <a:schemeClr val="accent1"/>
+          </a:effectRef>
+          <a:fontRef idx="minor">
+            <a:schemeClr val="lt1"/>
+          </a:fontRef>
+        </p:style>
+        <p:txBody>
+          <a:bodyPr rtlCol="0" anchor="ctr"/>
+          <a:lstStyle/>
+          <a:p>
+            <a:pPr algn="ctr"/>
+            <a:endParaRPr lang="en-GB"/>
+          </a:p>
+        </p:txBody>
+      </p:sp>
+      <p:sp>
+        <p:nvSpPr>
+          <p:cNvPr id="44" name="Figura a mano libera 43"/>
+          <p:cNvSpPr/>
+          <p:nvPr/>
+        </p:nvSpPr>
+        <p:spPr>
+          <a:xfrm>
+            <a:off x="6541222" y="2583392"/>
+            <a:ext cx="573277" cy="400110"/>
+          </a:xfrm>
+          <a:custGeom>
+            <a:avLst/>
+            <a:gdLst>
+              <a:gd name="connsiteX0" fmla="*/ 168812 w 773723"/>
+              <a:gd name="connsiteY0" fmla="*/ 0 h 604911"/>
+              <a:gd name="connsiteX1" fmla="*/ 168812 w 773723"/>
+              <a:gd name="connsiteY1" fmla="*/ 0 h 604911"/>
+              <a:gd name="connsiteX2" fmla="*/ 28135 w 773723"/>
+              <a:gd name="connsiteY2" fmla="*/ 70339 h 604911"/>
+              <a:gd name="connsiteX3" fmla="*/ 0 w 773723"/>
+              <a:gd name="connsiteY3" fmla="*/ 112542 h 604911"/>
+              <a:gd name="connsiteX4" fmla="*/ 14068 w 773723"/>
+              <a:gd name="connsiteY4" fmla="*/ 492369 h 604911"/>
+              <a:gd name="connsiteX5" fmla="*/ 42203 w 773723"/>
+              <a:gd name="connsiteY5" fmla="*/ 520505 h 604911"/>
+              <a:gd name="connsiteX6" fmla="*/ 168812 w 773723"/>
+              <a:gd name="connsiteY6" fmla="*/ 576776 h 604911"/>
+              <a:gd name="connsiteX7" fmla="*/ 225083 w 773723"/>
+              <a:gd name="connsiteY7" fmla="*/ 604911 h 604911"/>
+              <a:gd name="connsiteX8" fmla="*/ 576775 w 773723"/>
+              <a:gd name="connsiteY8" fmla="*/ 590843 h 604911"/>
+              <a:gd name="connsiteX9" fmla="*/ 633046 w 773723"/>
+              <a:gd name="connsiteY9" fmla="*/ 393896 h 604911"/>
+              <a:gd name="connsiteX10" fmla="*/ 661181 w 773723"/>
+              <a:gd name="connsiteY10" fmla="*/ 365760 h 604911"/>
+              <a:gd name="connsiteX11" fmla="*/ 703385 w 773723"/>
+              <a:gd name="connsiteY11" fmla="*/ 337625 h 604911"/>
+              <a:gd name="connsiteX12" fmla="*/ 759655 w 773723"/>
+              <a:gd name="connsiteY12" fmla="*/ 295422 h 604911"/>
+              <a:gd name="connsiteX13" fmla="*/ 773723 w 773723"/>
+              <a:gd name="connsiteY13" fmla="*/ 253219 h 604911"/>
+              <a:gd name="connsiteX14" fmla="*/ 731520 w 773723"/>
+              <a:gd name="connsiteY14" fmla="*/ 154745 h 604911"/>
+              <a:gd name="connsiteX15" fmla="*/ 661181 w 773723"/>
+              <a:gd name="connsiteY15" fmla="*/ 84406 h 604911"/>
+              <a:gd name="connsiteX16" fmla="*/ 576775 w 773723"/>
+              <a:gd name="connsiteY16" fmla="*/ 28136 h 604911"/>
+              <a:gd name="connsiteX17" fmla="*/ 464234 w 773723"/>
+              <a:gd name="connsiteY17" fmla="*/ 42203 h 604911"/>
+              <a:gd name="connsiteX18" fmla="*/ 436098 w 773723"/>
+              <a:gd name="connsiteY18" fmla="*/ 70339 h 604911"/>
+              <a:gd name="connsiteX19" fmla="*/ 393895 w 773723"/>
+              <a:gd name="connsiteY19" fmla="*/ 84406 h 604911"/>
+              <a:gd name="connsiteX20" fmla="*/ 351692 w 773723"/>
+              <a:gd name="connsiteY20" fmla="*/ 70339 h 604911"/>
+              <a:gd name="connsiteX21" fmla="*/ 267286 w 773723"/>
+              <a:gd name="connsiteY21" fmla="*/ 56271 h 604911"/>
+              <a:gd name="connsiteX22" fmla="*/ 168812 w 773723"/>
+              <a:gd name="connsiteY22" fmla="*/ 0 h 604911"/>
+            </a:gdLst>
+            <a:ahLst/>
+            <a:cxnLst>
+              <a:cxn ang="0">
+                <a:pos x="connsiteX0" y="connsiteY0"/>
+              </a:cxn>
+              <a:cxn ang="0">
+                <a:pos x="connsiteX1" y="connsiteY1"/>
+              </a:cxn>
+              <a:cxn ang="0">
+                <a:pos x="connsiteX2" y="connsiteY2"/>
+              </a:cxn>
+              <a:cxn ang="0">
+                <a:pos x="connsiteX3" y="connsiteY3"/>
+              </a:cxn>
+              <a:cxn ang="0">
+                <a:pos x="connsiteX4" y="connsiteY4"/>
+              </a:cxn>
+              <a:cxn ang="0">
+                <a:pos x="connsiteX5" y="connsiteY5"/>
+              </a:cxn>
+              <a:cxn ang="0">
+                <a:pos x="connsiteX6" y="connsiteY6"/>
+              </a:cxn>
+              <a:cxn ang="0">
+                <a:pos x="connsiteX7" y="connsiteY7"/>
+              </a:cxn>
+              <a:cxn ang="0">
+                <a:pos x="connsiteX8" y="connsiteY8"/>
+              </a:cxn>
+              <a:cxn ang="0">
+                <a:pos x="connsiteX9" y="connsiteY9"/>
+              </a:cxn>
+              <a:cxn ang="0">
+                <a:pos x="connsiteX10" y="connsiteY10"/>
+              </a:cxn>
+              <a:cxn ang="0">
+                <a:pos x="connsiteX11" y="connsiteY11"/>
+              </a:cxn>
+              <a:cxn ang="0">
+                <a:pos x="connsiteX12" y="connsiteY12"/>
+              </a:cxn>
+              <a:cxn ang="0">
+                <a:pos x="connsiteX13" y="connsiteY13"/>
+              </a:cxn>
+              <a:cxn ang="0">
+                <a:pos x="connsiteX14" y="connsiteY14"/>
+              </a:cxn>
+              <a:cxn ang="0">
+                <a:pos x="connsiteX15" y="connsiteY15"/>
+              </a:cxn>
+              <a:cxn ang="0">
+                <a:pos x="connsiteX16" y="connsiteY16"/>
+              </a:cxn>
+              <a:cxn ang="0">
+                <a:pos x="connsiteX17" y="connsiteY17"/>
+              </a:cxn>
+              <a:cxn ang="0">
+                <a:pos x="connsiteX18" y="connsiteY18"/>
+              </a:cxn>
+              <a:cxn ang="0">
+                <a:pos x="connsiteX19" y="connsiteY19"/>
+              </a:cxn>
+              <a:cxn ang="0">
+                <a:pos x="connsiteX20" y="connsiteY20"/>
+              </a:cxn>
+              <a:cxn ang="0">
+                <a:pos x="connsiteX21" y="connsiteY21"/>
+              </a:cxn>
+              <a:cxn ang="0">
+                <a:pos x="connsiteX22" y="connsiteY22"/>
+              </a:cxn>
+            </a:cxnLst>
+            <a:rect l="l" t="t" r="r" b="b"/>
+            <a:pathLst>
+              <a:path w="773723" h="604911">
+                <a:moveTo>
+                  <a:pt x="168812" y="0"/>
+                </a:moveTo>
+                <a:lnTo>
+                  <a:pt x="168812" y="0"/>
+                </a:lnTo>
+                <a:cubicBezTo>
+                  <a:pt x="92586" y="28585"/>
+                  <a:pt x="68468" y="19923"/>
+                  <a:pt x="28135" y="70339"/>
+                </a:cubicBezTo>
+                <a:cubicBezTo>
+                  <a:pt x="17573" y="83541"/>
+                  <a:pt x="9378" y="98474"/>
+                  <a:pt x="0" y="112542"/>
+                </a:cubicBezTo>
+                <a:cubicBezTo>
+                  <a:pt x="4689" y="239151"/>
+                  <a:pt x="1031" y="366346"/>
+                  <a:pt x="14068" y="492369"/>
+                </a:cubicBezTo>
+                <a:cubicBezTo>
+                  <a:pt x="15433" y="505562"/>
+                  <a:pt x="31846" y="512219"/>
+                  <a:pt x="42203" y="520505"/>
+                </a:cubicBezTo>
+                <a:cubicBezTo>
+                  <a:pt x="111164" y="575674"/>
+                  <a:pt x="64716" y="524729"/>
+                  <a:pt x="168812" y="576776"/>
+                </a:cubicBezTo>
+                <a:lnTo>
+                  <a:pt x="225083" y="604911"/>
+                </a:lnTo>
+                <a:cubicBezTo>
+                  <a:pt x="342314" y="600222"/>
+                  <a:pt x="460118" y="603342"/>
+                  <a:pt x="576775" y="590843"/>
+                </a:cubicBezTo>
+                <a:cubicBezTo>
+                  <a:pt x="662467" y="581662"/>
+                  <a:pt x="629241" y="411651"/>
+                  <a:pt x="633046" y="393896"/>
+                </a:cubicBezTo>
+                <a:cubicBezTo>
+                  <a:pt x="635825" y="380927"/>
+                  <a:pt x="650824" y="374045"/>
+                  <a:pt x="661181" y="365760"/>
+                </a:cubicBezTo>
+                <a:cubicBezTo>
+                  <a:pt x="674384" y="355198"/>
+                  <a:pt x="689627" y="347452"/>
+                  <a:pt x="703385" y="337625"/>
+                </a:cubicBezTo>
+                <a:cubicBezTo>
+                  <a:pt x="722464" y="323997"/>
+                  <a:pt x="740898" y="309490"/>
+                  <a:pt x="759655" y="295422"/>
+                </a:cubicBezTo>
+                <a:cubicBezTo>
+                  <a:pt x="764344" y="281354"/>
+                  <a:pt x="773723" y="268048"/>
+                  <a:pt x="773723" y="253219"/>
+                </a:cubicBezTo>
+                <a:cubicBezTo>
+                  <a:pt x="773723" y="217181"/>
+                  <a:pt x="754492" y="180999"/>
+                  <a:pt x="731520" y="154745"/>
+                </a:cubicBezTo>
+                <a:cubicBezTo>
+                  <a:pt x="709685" y="129791"/>
+                  <a:pt x="688770" y="102799"/>
+                  <a:pt x="661181" y="84406"/>
+                </a:cubicBezTo>
+                <a:lnTo>
+                  <a:pt x="576775" y="28136"/>
+                </a:lnTo>
+                <a:cubicBezTo>
+                  <a:pt x="539261" y="32825"/>
+                  <a:pt x="500445" y="31340"/>
+                  <a:pt x="464234" y="42203"/>
+                </a:cubicBezTo>
+                <a:cubicBezTo>
+                  <a:pt x="451530" y="46014"/>
+                  <a:pt x="447471" y="63515"/>
+                  <a:pt x="436098" y="70339"/>
+                </a:cubicBezTo>
+                <a:cubicBezTo>
+                  <a:pt x="423383" y="77968"/>
+                  <a:pt x="407963" y="79717"/>
+                  <a:pt x="393895" y="84406"/>
+                </a:cubicBezTo>
+                <a:cubicBezTo>
+                  <a:pt x="379827" y="79717"/>
+                  <a:pt x="366167" y="73556"/>
+                  <a:pt x="351692" y="70339"/>
+                </a:cubicBezTo>
+                <a:cubicBezTo>
+                  <a:pt x="323848" y="64151"/>
+                  <a:pt x="294346" y="65291"/>
+                  <a:pt x="267286" y="56271"/>
+                </a:cubicBezTo>
+                <a:cubicBezTo>
+                  <a:pt x="167275" y="22934"/>
+                  <a:pt x="185224" y="9378"/>
+                  <a:pt x="168812" y="0"/>
+                </a:cubicBezTo>
+                <a:close/>
+              </a:path>
+            </a:pathLst>
+          </a:custGeom>
+          <a:solidFill>
+            <a:schemeClr val="accent5">
+              <a:lumMod val="40000"/>
+              <a:lumOff val="60000"/>
+            </a:schemeClr>
+          </a:solidFill>
+        </p:spPr>
+        <p:style>
+          <a:lnRef idx="2">
+            <a:schemeClr val="accent1">
+              <a:shade val="50000"/>
+            </a:schemeClr>
+          </a:lnRef>
+          <a:fillRef idx="1">
+            <a:schemeClr val="accent1"/>
+          </a:fillRef>
+          <a:effectRef idx="0">
+            <a:schemeClr val="accent1"/>
+          </a:effectRef>
+          <a:fontRef idx="minor">
+            <a:schemeClr val="lt1"/>
+          </a:fontRef>
+        </p:style>
+        <p:txBody>
+          <a:bodyPr rtlCol="0" anchor="ctr"/>
+          <a:lstStyle/>
+          <a:p>
+            <a:pPr algn="ctr"/>
+            <a:r>
+              <a:rPr lang="it-IT" dirty="0" smtClean="0"/>
+              <a:t>HL7</a:t>
+            </a:r>
+            <a:endParaRPr lang="en-GB" dirty="0"/>
+          </a:p>
+        </p:txBody>
+      </p:sp>
+      <p:cxnSp>
+        <p:nvCxnSpPr>
+          <p:cNvPr id="48" name="Connettore 4 47"/>
+          <p:cNvCxnSpPr>
+            <a:stCxn id="8" idx="7"/>
+          </p:cNvCxnSpPr>
+          <p:nvPr/>
+        </p:nvCxnSpPr>
+        <p:spPr>
+          <a:xfrm rot="5400000" flipH="1" flipV="1">
+            <a:off x="5134492" y="1486710"/>
+            <a:ext cx="872592" cy="1665627"/>
+          </a:xfrm>
+          <a:prstGeom prst="bentConnector2">
+            <a:avLst/>
+          </a:prstGeom>
+          <a:ln>
+            <a:prstDash val="lgDashDotDot"/>
+            <a:tailEnd type="arrow"/>
+          </a:ln>
+        </p:spPr>
+        <p:style>
+          <a:lnRef idx="1">
+            <a:schemeClr val="accent1"/>
+          </a:lnRef>
+          <a:fillRef idx="0">
+            <a:schemeClr val="accent1"/>
+          </a:fillRef>
+          <a:effectRef idx="0">
+            <a:schemeClr val="accent1"/>
+          </a:effectRef>
+          <a:fontRef idx="minor">
+            <a:schemeClr val="tx1"/>
+          </a:fontRef>
+        </p:style>
+      </p:cxnSp>
+      <p:cxnSp>
+        <p:nvCxnSpPr>
+          <p:cNvPr id="49" name="Connettore 4 48"/>
+          <p:cNvCxnSpPr>
+            <a:stCxn id="8" idx="6"/>
+          </p:cNvCxnSpPr>
+          <p:nvPr/>
+        </p:nvCxnSpPr>
+        <p:spPr>
+          <a:xfrm flipV="1">
+            <a:off x="4856004" y="2657831"/>
+            <a:ext cx="1547596" cy="355811"/>
+          </a:xfrm>
+          <a:prstGeom prst="bentConnector3">
+            <a:avLst>
+              <a:gd name="adj1" fmla="val 50000"/>
+            </a:avLst>
+          </a:prstGeom>
+          <a:ln>
+            <a:prstDash val="lgDashDotDot"/>
+            <a:tailEnd type="arrow"/>
+          </a:ln>
+        </p:spPr>
+        <p:style>
+          <a:lnRef idx="1">
+            <a:schemeClr val="accent1"/>
+          </a:lnRef>
+          <a:fillRef idx="0">
+            <a:schemeClr val="accent1"/>
+          </a:fillRef>
+          <a:effectRef idx="0">
+            <a:schemeClr val="accent1"/>
+          </a:effectRef>
+          <a:fontRef idx="minor">
+            <a:schemeClr val="tx1"/>
+          </a:fontRef>
+        </p:style>
+      </p:cxnSp>
+      <p:sp>
+        <p:nvSpPr>
+          <p:cNvPr id="53" name="CasellaDiTesto 52"/>
+          <p:cNvSpPr txBox="1"/>
+          <p:nvPr/>
+        </p:nvSpPr>
+        <p:spPr>
+          <a:xfrm>
+            <a:off x="7209555" y="1698561"/>
+            <a:ext cx="1435521" cy="369332"/>
+          </a:xfrm>
+          <a:prstGeom prst="rect">
+            <a:avLst/>
+          </a:prstGeom>
+          <a:noFill/>
+        </p:spPr>
+        <p:txBody>
+          <a:bodyPr wrap="none" rtlCol="0">
+            <a:spAutoFit/>
+          </a:bodyPr>
+          <a:lstStyle/>
+          <a:p>
+            <a:r>
+              <a:rPr lang="it-IT" dirty="0" smtClean="0"/>
+              <a:t>1) </a:t>
+            </a:r>
+            <a:r>
+              <a:rPr lang="it-IT" dirty="0" err="1" smtClean="0"/>
+              <a:t>Legacy</a:t>
+            </a:r>
+            <a:r>
+              <a:rPr lang="it-IT" dirty="0" smtClean="0"/>
+              <a:t> </a:t>
+            </a:r>
+            <a:r>
+              <a:rPr lang="it-IT" dirty="0" err="1" smtClean="0"/>
+              <a:t>Old</a:t>
+            </a:r>
+            <a:endParaRPr lang="en-GB" dirty="0"/>
+          </a:p>
+        </p:txBody>
+      </p:sp>
+      <p:sp>
+        <p:nvSpPr>
+          <p:cNvPr id="54" name="CasellaDiTesto 53"/>
+          <p:cNvSpPr txBox="1"/>
+          <p:nvPr/>
+        </p:nvSpPr>
+        <p:spPr>
+          <a:xfrm>
+            <a:off x="7238314" y="2571154"/>
+            <a:ext cx="1937262" cy="369332"/>
+          </a:xfrm>
+          <a:prstGeom prst="rect">
+            <a:avLst/>
+          </a:prstGeom>
+          <a:noFill/>
+        </p:spPr>
+        <p:txBody>
+          <a:bodyPr wrap="none" rtlCol="0">
+            <a:spAutoFit/>
+          </a:bodyPr>
+          <a:lstStyle/>
+          <a:p>
+            <a:r>
+              <a:rPr lang="it-IT" dirty="0" smtClean="0"/>
+              <a:t>2) </a:t>
+            </a:r>
+            <a:r>
+              <a:rPr lang="it-IT" dirty="0" err="1" smtClean="0"/>
+              <a:t>Legacy</a:t>
+            </a:r>
+            <a:r>
+              <a:rPr lang="it-IT" dirty="0" smtClean="0"/>
+              <a:t> with HL7</a:t>
+            </a:r>
+            <a:endParaRPr lang="en-GB" dirty="0"/>
+          </a:p>
+        </p:txBody>
+      </p:sp>
+      <p:sp>
+        <p:nvSpPr>
+          <p:cNvPr id="58" name="CasellaDiTesto 57"/>
+          <p:cNvSpPr txBox="1"/>
+          <p:nvPr/>
+        </p:nvSpPr>
+        <p:spPr>
+          <a:xfrm>
+            <a:off x="7361955" y="3449684"/>
+            <a:ext cx="1411156" cy="646331"/>
+          </a:xfrm>
+          <a:prstGeom prst="rect">
+            <a:avLst/>
+          </a:prstGeom>
+          <a:noFill/>
+        </p:spPr>
+        <p:txBody>
+          <a:bodyPr wrap="none" rtlCol="0">
+            <a:spAutoFit/>
+          </a:bodyPr>
+          <a:lstStyle/>
+          <a:p>
+            <a:r>
+              <a:rPr lang="it-IT" dirty="0" smtClean="0"/>
+              <a:t>3) The future</a:t>
+            </a:r>
+          </a:p>
+          <a:p>
+            <a:r>
+              <a:rPr lang="it-IT" dirty="0" smtClean="0"/>
+              <a:t>With FHIR</a:t>
+            </a:r>
+            <a:endParaRPr lang="en-GB" dirty="0"/>
+          </a:p>
+        </p:txBody>
+      </p:sp>
+      <p:sp>
+        <p:nvSpPr>
+          <p:cNvPr id="60" name="CasellaDiTesto 59"/>
+          <p:cNvSpPr txBox="1"/>
+          <p:nvPr/>
+        </p:nvSpPr>
+        <p:spPr>
+          <a:xfrm>
+            <a:off x="3187190" y="4260661"/>
+            <a:ext cx="5456302" cy="1754326"/>
+          </a:xfrm>
+          <a:prstGeom prst="rect">
+            <a:avLst/>
+          </a:prstGeom>
+          <a:noFill/>
+        </p:spPr>
+        <p:txBody>
+          <a:bodyPr wrap="none" rtlCol="0">
+            <a:spAutoFit/>
+          </a:bodyPr>
+          <a:lstStyle/>
+          <a:p>
+            <a:r>
+              <a:rPr lang="it-IT" dirty="0" smtClean="0"/>
+              <a:t>A </a:t>
+            </a:r>
+            <a:r>
+              <a:rPr lang="it-IT" dirty="0" err="1" smtClean="0"/>
+              <a:t>framework</a:t>
+            </a:r>
+            <a:r>
+              <a:rPr lang="it-IT" dirty="0" smtClean="0"/>
+              <a:t> </a:t>
+            </a:r>
+            <a:r>
+              <a:rPr lang="it-IT" dirty="0" err="1"/>
+              <a:t>based</a:t>
+            </a:r>
+            <a:r>
+              <a:rPr lang="it-IT" dirty="0"/>
+              <a:t> on </a:t>
+            </a:r>
+            <a:r>
+              <a:rPr lang="it-IT" dirty="0" err="1"/>
+              <a:t>Mirth</a:t>
+            </a:r>
+            <a:r>
+              <a:rPr lang="en-GB" dirty="0"/>
+              <a:t> </a:t>
+            </a:r>
+            <a:endParaRPr lang="it-IT" dirty="0" smtClean="0"/>
+          </a:p>
+          <a:p>
+            <a:r>
+              <a:rPr lang="en-GB" dirty="0" smtClean="0"/>
+              <a:t>that exposes to </a:t>
+            </a:r>
+            <a:r>
+              <a:rPr lang="en-GB" b="1" dirty="0"/>
+              <a:t>Core-</a:t>
+            </a:r>
+            <a:r>
+              <a:rPr lang="en-GB" b="1" dirty="0" err="1"/>
+              <a:t>Itel</a:t>
+            </a:r>
+            <a:endParaRPr lang="en-GB" dirty="0"/>
+          </a:p>
+          <a:p>
+            <a:pPr marL="342900" indent="-342900">
+              <a:buFont typeface="+mj-lt"/>
+              <a:buAutoNum type="arabicPeriod"/>
+            </a:pPr>
+            <a:r>
+              <a:rPr lang="it-IT" dirty="0" smtClean="0"/>
+              <a:t>An </a:t>
+            </a:r>
+            <a:r>
+              <a:rPr lang="it-IT" dirty="0" err="1" smtClean="0">
+                <a:solidFill>
+                  <a:srgbClr val="0070C0"/>
+                </a:solidFill>
+              </a:rPr>
+              <a:t>healthin-channel</a:t>
+            </a:r>
+            <a:r>
+              <a:rPr lang="it-IT" dirty="0" smtClean="0"/>
+              <a:t> and </a:t>
+            </a:r>
+            <a:r>
+              <a:rPr lang="it-IT" dirty="0" err="1" smtClean="0">
+                <a:solidFill>
+                  <a:srgbClr val="0070C0"/>
+                </a:solidFill>
+              </a:rPr>
+              <a:t>halthout-channel</a:t>
+            </a:r>
+            <a:endParaRPr lang="it-IT" dirty="0" smtClean="0">
+              <a:solidFill>
+                <a:srgbClr val="0070C0"/>
+              </a:solidFill>
+            </a:endParaRPr>
+          </a:p>
+          <a:p>
+            <a:pPr marL="342900" indent="-342900">
+              <a:buFont typeface="+mj-lt"/>
+              <a:buAutoNum type="arabicPeriod"/>
+            </a:pPr>
+            <a:r>
+              <a:rPr lang="it-IT" dirty="0" smtClean="0"/>
+              <a:t>Or, an API and … </a:t>
+            </a:r>
+            <a:r>
+              <a:rPr lang="it-IT" sz="1400" dirty="0">
+                <a:latin typeface="Arial Black" panose="020B0A04020102020204" pitchFamily="34" charset="0"/>
+              </a:rPr>
+              <a:t>TO BE </a:t>
+            </a:r>
+            <a:r>
+              <a:rPr lang="it-IT" sz="1400" dirty="0" smtClean="0">
+                <a:latin typeface="Arial Black" panose="020B0A04020102020204" pitchFamily="34" charset="0"/>
+              </a:rPr>
+              <a:t>DEFINED</a:t>
+            </a:r>
+            <a:endParaRPr lang="it-IT" sz="1400" dirty="0" smtClean="0"/>
+          </a:p>
+          <a:p>
+            <a:r>
+              <a:rPr lang="it-IT" dirty="0" smtClean="0"/>
+              <a:t>The </a:t>
+            </a:r>
+            <a:r>
+              <a:rPr lang="it-IT" dirty="0" err="1" smtClean="0"/>
+              <a:t>framework</a:t>
+            </a:r>
+            <a:r>
+              <a:rPr lang="it-IT" dirty="0" smtClean="0"/>
+              <a:t> </a:t>
+            </a:r>
+            <a:r>
+              <a:rPr lang="it-IT" dirty="0" err="1" smtClean="0"/>
+              <a:t>defines</a:t>
+            </a:r>
+            <a:r>
+              <a:rPr lang="it-IT" dirty="0" smtClean="0"/>
+              <a:t> a </a:t>
+            </a:r>
+            <a:r>
+              <a:rPr lang="it-IT" dirty="0" err="1" smtClean="0"/>
+              <a:t>channel</a:t>
+            </a:r>
+            <a:r>
+              <a:rPr lang="it-IT" dirty="0" smtClean="0"/>
+              <a:t> for </a:t>
+            </a:r>
+            <a:r>
+              <a:rPr lang="it-IT" dirty="0" err="1" smtClean="0"/>
+              <a:t>each</a:t>
+            </a:r>
+            <a:r>
+              <a:rPr lang="it-IT" dirty="0" smtClean="0"/>
+              <a:t> </a:t>
+            </a:r>
+            <a:r>
+              <a:rPr lang="en-GB" b="1" dirty="0" err="1" smtClean="0"/>
+              <a:t>CentroHealth</a:t>
+            </a:r>
+            <a:endParaRPr lang="en-GB" b="1" dirty="0" smtClean="0"/>
+          </a:p>
+          <a:p>
+            <a:r>
+              <a:rPr lang="it-IT" dirty="0" err="1"/>
+              <a:t>a</a:t>
+            </a:r>
+            <a:r>
+              <a:rPr lang="it-IT" dirty="0" err="1" smtClean="0"/>
+              <a:t>ssociated</a:t>
+            </a:r>
+            <a:r>
+              <a:rPr lang="it-IT" dirty="0" smtClean="0"/>
+              <a:t> </a:t>
+            </a:r>
+            <a:r>
+              <a:rPr lang="it-IT" dirty="0" err="1" smtClean="0"/>
+              <a:t>wtih</a:t>
+            </a:r>
+            <a:r>
+              <a:rPr lang="it-IT" dirty="0" smtClean="0"/>
+              <a:t> ‘</a:t>
+            </a:r>
+            <a:r>
+              <a:rPr lang="it-IT" dirty="0" err="1" smtClean="0"/>
+              <a:t>well</a:t>
+            </a:r>
+            <a:r>
+              <a:rPr lang="it-IT" dirty="0" smtClean="0"/>
+              <a:t> </a:t>
+            </a:r>
+            <a:r>
+              <a:rPr lang="it-IT" dirty="0" err="1" smtClean="0"/>
+              <a:t>structured</a:t>
+            </a:r>
+            <a:r>
+              <a:rPr lang="it-IT" dirty="0" smtClean="0"/>
+              <a:t> code’</a:t>
+            </a:r>
+            <a:endParaRPr lang="en-GB" dirty="0"/>
+          </a:p>
+        </p:txBody>
+      </p:sp>
+      <p:cxnSp>
+        <p:nvCxnSpPr>
+          <p:cNvPr id="62" name="Connettore 4 61"/>
+          <p:cNvCxnSpPr>
+            <a:stCxn id="8" idx="2"/>
+          </p:cNvCxnSpPr>
+          <p:nvPr/>
+        </p:nvCxnSpPr>
+        <p:spPr>
+          <a:xfrm rot="10800000" flipV="1">
+            <a:off x="2427245" y="3013641"/>
+            <a:ext cx="1622805" cy="12701"/>
+          </a:xfrm>
+          <a:prstGeom prst="bentConnector3">
+            <a:avLst>
+              <a:gd name="adj1" fmla="val 50000"/>
+            </a:avLst>
+          </a:prstGeom>
+          <a:ln>
+            <a:solidFill>
+              <a:srgbClr val="FF0000"/>
+            </a:solidFill>
+            <a:prstDash val="lgDashDotDot"/>
+            <a:tailEnd type="arrow"/>
+          </a:ln>
+        </p:spPr>
+        <p:style>
+          <a:lnRef idx="1">
+            <a:schemeClr val="accent1"/>
+          </a:lnRef>
+          <a:fillRef idx="0">
+            <a:schemeClr val="accent1"/>
+          </a:fillRef>
+          <a:effectRef idx="0">
+            <a:schemeClr val="accent1"/>
+          </a:effectRef>
+          <a:fontRef idx="minor">
+            <a:schemeClr val="tx1"/>
+          </a:fontRef>
+        </p:style>
+      </p:cxnSp>
+      <p:sp>
+        <p:nvSpPr>
+          <p:cNvPr id="63" name="CasellaDiTesto 62"/>
+          <p:cNvSpPr txBox="1"/>
+          <p:nvPr/>
+        </p:nvSpPr>
+        <p:spPr>
+          <a:xfrm>
+            <a:off x="2338484" y="2612101"/>
+            <a:ext cx="1723805" cy="307777"/>
+          </a:xfrm>
+          <a:prstGeom prst="rect">
+            <a:avLst/>
+          </a:prstGeom>
+          <a:noFill/>
+        </p:spPr>
+        <p:txBody>
+          <a:bodyPr wrap="none" rtlCol="0">
+            <a:spAutoFit/>
+          </a:bodyPr>
+          <a:lstStyle/>
+          <a:p>
+            <a:r>
+              <a:rPr lang="it-IT" sz="1400" dirty="0" smtClean="0">
+                <a:latin typeface="Arial Black" panose="020B0A04020102020204" pitchFamily="34" charset="0"/>
+              </a:rPr>
+              <a:t>TO BE DEFINED</a:t>
+            </a:r>
+            <a:endParaRPr lang="en-GB" sz="1400" dirty="0">
+              <a:latin typeface="Arial Black" panose="020B0A04020102020204" pitchFamily="34" charset="0"/>
+            </a:endParaRPr>
+          </a:p>
+        </p:txBody>
+      </p:sp>
+      <p:sp>
+        <p:nvSpPr>
+          <p:cNvPr id="69" name="CasellaDiTesto 68"/>
+          <p:cNvSpPr txBox="1"/>
+          <p:nvPr/>
+        </p:nvSpPr>
+        <p:spPr>
+          <a:xfrm>
+            <a:off x="860950" y="4284197"/>
+            <a:ext cx="2381806" cy="1200329"/>
+          </a:xfrm>
+          <a:prstGeom prst="rect">
+            <a:avLst/>
+          </a:prstGeom>
+          <a:noFill/>
+        </p:spPr>
+        <p:txBody>
+          <a:bodyPr wrap="none" rtlCol="0">
+            <a:spAutoFit/>
+          </a:bodyPr>
+          <a:lstStyle/>
+          <a:p>
+            <a:r>
+              <a:rPr lang="it-IT" dirty="0" err="1" smtClean="0"/>
+              <a:t>Could</a:t>
+            </a:r>
+            <a:r>
+              <a:rPr lang="it-IT" dirty="0" smtClean="0"/>
+              <a:t> </a:t>
+            </a:r>
+            <a:r>
+              <a:rPr lang="it-IT" dirty="0" err="1" smtClean="0"/>
+              <a:t>expose</a:t>
+            </a:r>
+            <a:r>
+              <a:rPr lang="it-IT" dirty="0" smtClean="0"/>
+              <a:t> an API</a:t>
+            </a:r>
+          </a:p>
+          <a:p>
+            <a:r>
+              <a:rPr lang="it-IT" sz="1400" b="1" dirty="0">
+                <a:latin typeface="Arial Black" panose="020B0A04020102020204" pitchFamily="34" charset="0"/>
+              </a:rPr>
+              <a:t>FHIR-</a:t>
+            </a:r>
+            <a:r>
+              <a:rPr lang="it-IT" sz="1400" b="1" dirty="0" err="1">
+                <a:latin typeface="Arial Black" panose="020B0A04020102020204" pitchFamily="34" charset="0"/>
+              </a:rPr>
+              <a:t>oriented</a:t>
+            </a:r>
+            <a:r>
+              <a:rPr lang="en-GB" dirty="0" smtClean="0"/>
+              <a:t> by</a:t>
+            </a:r>
+          </a:p>
+          <a:p>
+            <a:r>
+              <a:rPr lang="it-IT" dirty="0" err="1"/>
+              <a:t>d</a:t>
+            </a:r>
+            <a:r>
+              <a:rPr lang="it-IT" dirty="0" err="1" smtClean="0"/>
+              <a:t>efining</a:t>
+            </a:r>
+            <a:r>
+              <a:rPr lang="it-IT" dirty="0" smtClean="0"/>
+              <a:t> a </a:t>
+            </a:r>
+            <a:r>
+              <a:rPr lang="it-IT" dirty="0" err="1" smtClean="0"/>
+              <a:t>proper</a:t>
+            </a:r>
+            <a:r>
+              <a:rPr lang="it-IT" dirty="0" smtClean="0"/>
+              <a:t> set of</a:t>
+            </a:r>
+          </a:p>
+          <a:p>
+            <a:r>
+              <a:rPr lang="it-IT" dirty="0" smtClean="0"/>
+              <a:t>RESOURCES</a:t>
+            </a:r>
+          </a:p>
+        </p:txBody>
+      </p:sp>
+    </p:spTree>
+    <p:extLst>
+      <p:ext uri="{BB962C8B-B14F-4D97-AF65-F5344CB8AC3E}">
+        <p14:creationId xmlns:p14="http://schemas.microsoft.com/office/powerpoint/2010/main" val="119035942"/>
+      </p:ext>
+    </p:extLst>
+  </p:cSld>
+  <p:clrMapOvr>
+    <a:masterClrMapping/>
+  </p:clrMapOvr>
 </p:sld>
 </file>
 
@@ -18015,7 +21160,6 @@
               <a:rPr lang="it-IT" dirty="0" smtClean="0"/>
               <a:t>:</a:t>
             </a:r>
-            <a:endParaRPr lang="it-IT" dirty="0" smtClean="0"/>
           </a:p>
           <a:p>
             <a:r>

--- a/health/userDocs/UniboFigs.pptx
+++ b/health/userDocs/UniboFigs.pptx
@@ -16,7 +16,9 @@
     <p:sldId id="267" r:id="rId10"/>
     <p:sldId id="268" r:id="rId11"/>
     <p:sldId id="269" r:id="rId12"/>
-    <p:sldId id="270" r:id="rId13"/>
+    <p:sldId id="271" r:id="rId13"/>
+    <p:sldId id="270" r:id="rId14"/>
+    <p:sldId id="272" r:id="rId15"/>
   </p:sldIdLst>
   <p:sldSz cx="9144000" cy="6858000" type="screen4x3"/>
   <p:notesSz cx="6858000" cy="9144000"/>
@@ -117,7 +119,7 @@
   </p:defaultTextStyle>
   <p:extLst>
     <p:ext uri="{EFAFB233-063F-42B5-8137-9DF3F51BA10A}">
-      <p15:sldGuideLst xmlns="" xmlns:p15="http://schemas.microsoft.com/office/powerpoint/2012/main">
+      <p15:sldGuideLst xmlns:p15="http://schemas.microsoft.com/office/powerpoint/2012/main" xmlns="">
         <p15:guide id="1" orient="horz" pos="2160">
           <p15:clr>
             <a:srgbClr val="A4A3A4"/>
@@ -315,7 +317,7 @@
           <a:p>
             <a:fld id="{486DFF9D-000F-417D-A1D1-C441A4010B1E}" type="datetimeFigureOut">
               <a:rPr lang="en-GB" smtClean="0"/>
-              <a:t>28/07/2020</a:t>
+              <a:t>30/07/2020</a:t>
             </a:fld>
             <a:endParaRPr lang="en-GB"/>
           </a:p>
@@ -485,7 +487,7 @@
           <a:p>
             <a:fld id="{486DFF9D-000F-417D-A1D1-C441A4010B1E}" type="datetimeFigureOut">
               <a:rPr lang="en-GB" smtClean="0"/>
-              <a:t>28/07/2020</a:t>
+              <a:t>30/07/2020</a:t>
             </a:fld>
             <a:endParaRPr lang="en-GB"/>
           </a:p>
@@ -665,7 +667,7 @@
           <a:p>
             <a:fld id="{486DFF9D-000F-417D-A1D1-C441A4010B1E}" type="datetimeFigureOut">
               <a:rPr lang="en-GB" smtClean="0"/>
-              <a:t>28/07/2020</a:t>
+              <a:t>30/07/2020</a:t>
             </a:fld>
             <a:endParaRPr lang="en-GB"/>
           </a:p>
@@ -835,7 +837,7 @@
           <a:p>
             <a:fld id="{486DFF9D-000F-417D-A1D1-C441A4010B1E}" type="datetimeFigureOut">
               <a:rPr lang="en-GB" smtClean="0"/>
-              <a:t>28/07/2020</a:t>
+              <a:t>30/07/2020</a:t>
             </a:fld>
             <a:endParaRPr lang="en-GB"/>
           </a:p>
@@ -1081,7 +1083,7 @@
           <a:p>
             <a:fld id="{486DFF9D-000F-417D-A1D1-C441A4010B1E}" type="datetimeFigureOut">
               <a:rPr lang="en-GB" smtClean="0"/>
-              <a:t>28/07/2020</a:t>
+              <a:t>30/07/2020</a:t>
             </a:fld>
             <a:endParaRPr lang="en-GB"/>
           </a:p>
@@ -1369,7 +1371,7 @@
           <a:p>
             <a:fld id="{486DFF9D-000F-417D-A1D1-C441A4010B1E}" type="datetimeFigureOut">
               <a:rPr lang="en-GB" smtClean="0"/>
-              <a:t>28/07/2020</a:t>
+              <a:t>30/07/2020</a:t>
             </a:fld>
             <a:endParaRPr lang="en-GB"/>
           </a:p>
@@ -1791,7 +1793,7 @@
           <a:p>
             <a:fld id="{486DFF9D-000F-417D-A1D1-C441A4010B1E}" type="datetimeFigureOut">
               <a:rPr lang="en-GB" smtClean="0"/>
-              <a:t>28/07/2020</a:t>
+              <a:t>30/07/2020</a:t>
             </a:fld>
             <a:endParaRPr lang="en-GB"/>
           </a:p>
@@ -1909,7 +1911,7 @@
           <a:p>
             <a:fld id="{486DFF9D-000F-417D-A1D1-C441A4010B1E}" type="datetimeFigureOut">
               <a:rPr lang="en-GB" smtClean="0"/>
-              <a:t>28/07/2020</a:t>
+              <a:t>30/07/2020</a:t>
             </a:fld>
             <a:endParaRPr lang="en-GB"/>
           </a:p>
@@ -2004,7 +2006,7 @@
           <a:p>
             <a:fld id="{486DFF9D-000F-417D-A1D1-C441A4010B1E}" type="datetimeFigureOut">
               <a:rPr lang="en-GB" smtClean="0"/>
-              <a:t>28/07/2020</a:t>
+              <a:t>30/07/2020</a:t>
             </a:fld>
             <a:endParaRPr lang="en-GB"/>
           </a:p>
@@ -2281,7 +2283,7 @@
           <a:p>
             <a:fld id="{486DFF9D-000F-417D-A1D1-C441A4010B1E}" type="datetimeFigureOut">
               <a:rPr lang="en-GB" smtClean="0"/>
-              <a:t>28/07/2020</a:t>
+              <a:t>30/07/2020</a:t>
             </a:fld>
             <a:endParaRPr lang="en-GB"/>
           </a:p>
@@ -2534,7 +2536,7 @@
           <a:p>
             <a:fld id="{486DFF9D-000F-417D-A1D1-C441A4010B1E}" type="datetimeFigureOut">
               <a:rPr lang="en-GB" smtClean="0"/>
-              <a:t>28/07/2020</a:t>
+              <a:t>30/07/2020</a:t>
             </a:fld>
             <a:endParaRPr lang="en-GB"/>
           </a:p>
@@ -2747,7 +2749,7 @@
           <a:p>
             <a:fld id="{486DFF9D-000F-417D-A1D1-C441A4010B1E}" type="datetimeFigureOut">
               <a:rPr lang="en-GB" smtClean="0"/>
-              <a:t>28/07/2020</a:t>
+              <a:t>30/07/2020</a:t>
             </a:fld>
             <a:endParaRPr lang="en-GB"/>
           </a:p>
@@ -6164,7 +6166,7 @@
           <p:cNvPr id="12" name="TextBox 45">
             <a:extLst>
               <a:ext uri="{FF2B5EF4-FFF2-40B4-BE49-F238E27FC236}">
-                <a16:creationId xmlns="" xmlns:a16="http://schemas.microsoft.com/office/drawing/2014/main" id="{6BDA7693-CA76-4C97-8FED-A4A65AB5032B}"/>
+                <a16:creationId xmlns:a16="http://schemas.microsoft.com/office/drawing/2014/main" xmlns="" id="{6BDA7693-CA76-4C97-8FED-A4A65AB5032B}"/>
               </a:ext>
             </a:extLst>
           </p:cNvPr>
@@ -7712,7 +7714,7 @@
           <p:cNvPr id="12" name="TextBox 45">
             <a:extLst>
               <a:ext uri="{FF2B5EF4-FFF2-40B4-BE49-F238E27FC236}">
-                <a16:creationId xmlns="" xmlns:a16="http://schemas.microsoft.com/office/drawing/2014/main" id="{6BDA7693-CA76-4C97-8FED-A4A65AB5032B}"/>
+                <a16:creationId xmlns:a16="http://schemas.microsoft.com/office/drawing/2014/main" xmlns="" id="{6BDA7693-CA76-4C97-8FED-A4A65AB5032B}"/>
               </a:ext>
             </a:extLst>
           </p:cNvPr>
@@ -8712,6 +8714,791 @@
 </file>
 
 <file path=ppt/slides/slide12.xml><?xml version="1.0" encoding="utf-8"?>
+<p:sld xmlns:a="http://schemas.openxmlformats.org/drawingml/2006/main" xmlns:r="http://schemas.openxmlformats.org/officeDocument/2006/relationships" xmlns:p="http://schemas.openxmlformats.org/presentationml/2006/main">
+  <p:cSld>
+    <p:spTree>
+      <p:nvGrpSpPr>
+        <p:cNvPr id="1" name=""/>
+        <p:cNvGrpSpPr/>
+        <p:nvPr/>
+      </p:nvGrpSpPr>
+      <p:grpSpPr>
+        <a:xfrm>
+          <a:off x="0" y="0"/>
+          <a:ext cx="0" cy="0"/>
+          <a:chOff x="0" y="0"/>
+          <a:chExt cx="0" cy="0"/>
+        </a:xfrm>
+      </p:grpSpPr>
+      <p:sp>
+        <p:nvSpPr>
+          <p:cNvPr id="9" name="CasellaDiTesto 8"/>
+          <p:cNvSpPr txBox="1"/>
+          <p:nvPr/>
+        </p:nvSpPr>
+        <p:spPr>
+          <a:xfrm>
+            <a:off x="4337518" y="1434525"/>
+            <a:ext cx="1460528" cy="369332"/>
+          </a:xfrm>
+          <a:prstGeom prst="rect">
+            <a:avLst/>
+          </a:prstGeom>
+          <a:noFill/>
+        </p:spPr>
+        <p:txBody>
+          <a:bodyPr wrap="none" rtlCol="0">
+            <a:spAutoFit/>
+          </a:bodyPr>
+          <a:lstStyle/>
+          <a:p>
+            <a:r>
+              <a:rPr lang="en-GB" b="1" dirty="0" err="1"/>
+              <a:t>CentroHealth</a:t>
+            </a:r>
+            <a:endParaRPr lang="en-GB" dirty="0"/>
+          </a:p>
+        </p:txBody>
+      </p:sp>
+      <p:sp>
+        <p:nvSpPr>
+          <p:cNvPr id="44" name="Rettangolo 43"/>
+          <p:cNvSpPr/>
+          <p:nvPr/>
+        </p:nvSpPr>
+        <p:spPr>
+          <a:xfrm>
+            <a:off x="2303547" y="1434525"/>
+            <a:ext cx="494431" cy="369332"/>
+          </a:xfrm>
+          <a:prstGeom prst="rect">
+            <a:avLst/>
+          </a:prstGeom>
+        </p:spPr>
+        <p:txBody>
+          <a:bodyPr wrap="none">
+            <a:spAutoFit/>
+          </a:bodyPr>
+          <a:lstStyle/>
+          <a:p>
+            <a:r>
+              <a:rPr lang="en-GB" b="1" dirty="0" err="1" smtClean="0"/>
+              <a:t>Itel</a:t>
+            </a:r>
+            <a:endParaRPr lang="en-GB" dirty="0"/>
+          </a:p>
+        </p:txBody>
+      </p:sp>
+      <p:cxnSp>
+        <p:nvCxnSpPr>
+          <p:cNvPr id="81" name="Connettore 1 80"/>
+          <p:cNvCxnSpPr/>
+          <p:nvPr/>
+        </p:nvCxnSpPr>
+        <p:spPr>
+          <a:xfrm>
+            <a:off x="1531362" y="1862148"/>
+            <a:ext cx="5376191" cy="0"/>
+          </a:xfrm>
+          <a:prstGeom prst="line">
+            <a:avLst/>
+          </a:prstGeom>
+        </p:spPr>
+        <p:style>
+          <a:lnRef idx="1">
+            <a:schemeClr val="accent1"/>
+          </a:lnRef>
+          <a:fillRef idx="0">
+            <a:schemeClr val="accent1"/>
+          </a:fillRef>
+          <a:effectRef idx="0">
+            <a:schemeClr val="accent1"/>
+          </a:effectRef>
+          <a:fontRef idx="minor">
+            <a:schemeClr val="tx1"/>
+          </a:fontRef>
+        </p:style>
+      </p:cxnSp>
+      <p:cxnSp>
+        <p:nvCxnSpPr>
+          <p:cNvPr id="83" name="Connettore 1 82"/>
+          <p:cNvCxnSpPr/>
+          <p:nvPr/>
+        </p:nvCxnSpPr>
+        <p:spPr>
+          <a:xfrm>
+            <a:off x="4013230" y="1619191"/>
+            <a:ext cx="0" cy="1603594"/>
+          </a:xfrm>
+          <a:prstGeom prst="line">
+            <a:avLst/>
+          </a:prstGeom>
+        </p:spPr>
+        <p:style>
+          <a:lnRef idx="1">
+            <a:schemeClr val="accent1"/>
+          </a:lnRef>
+          <a:fillRef idx="0">
+            <a:schemeClr val="accent1"/>
+          </a:fillRef>
+          <a:effectRef idx="0">
+            <a:schemeClr val="accent1"/>
+          </a:effectRef>
+          <a:fontRef idx="minor">
+            <a:schemeClr val="tx1"/>
+          </a:fontRef>
+        </p:style>
+      </p:cxnSp>
+      <p:sp>
+        <p:nvSpPr>
+          <p:cNvPr id="45" name="Ovale 44"/>
+          <p:cNvSpPr/>
+          <p:nvPr/>
+        </p:nvSpPr>
+        <p:spPr>
+          <a:xfrm>
+            <a:off x="2091725" y="2233935"/>
+            <a:ext cx="749721" cy="720080"/>
+          </a:xfrm>
+          <a:prstGeom prst="ellipse">
+            <a:avLst/>
+          </a:prstGeom>
+          <a:ln/>
+        </p:spPr>
+        <p:style>
+          <a:lnRef idx="1">
+            <a:schemeClr val="accent5"/>
+          </a:lnRef>
+          <a:fillRef idx="2">
+            <a:schemeClr val="accent5"/>
+          </a:fillRef>
+          <a:effectRef idx="1">
+            <a:schemeClr val="accent5"/>
+          </a:effectRef>
+          <a:fontRef idx="minor">
+            <a:schemeClr val="dk1"/>
+          </a:fontRef>
+        </p:style>
+        <p:txBody>
+          <a:bodyPr rtlCol="0" anchor="ctr"/>
+          <a:lstStyle/>
+          <a:p>
+            <a:pPr algn="ctr"/>
+            <a:r>
+              <a:rPr lang="en-GB" sz="1200" dirty="0"/>
+              <a:t> </a:t>
+            </a:r>
+          </a:p>
+        </p:txBody>
+      </p:sp>
+      <p:cxnSp>
+        <p:nvCxnSpPr>
+          <p:cNvPr id="47" name="Connettore 2 46"/>
+          <p:cNvCxnSpPr>
+            <a:stCxn id="45" idx="6"/>
+          </p:cNvCxnSpPr>
+          <p:nvPr/>
+        </p:nvCxnSpPr>
+        <p:spPr>
+          <a:xfrm>
+            <a:off x="2841446" y="2593975"/>
+            <a:ext cx="2599599" cy="14356"/>
+          </a:xfrm>
+          <a:prstGeom prst="straightConnector1">
+            <a:avLst/>
+          </a:prstGeom>
+          <a:ln>
+            <a:prstDash val="lgDashDotDot"/>
+            <a:tailEnd type="arrow"/>
+          </a:ln>
+        </p:spPr>
+        <p:style>
+          <a:lnRef idx="1">
+            <a:schemeClr val="accent1"/>
+          </a:lnRef>
+          <a:fillRef idx="0">
+            <a:schemeClr val="accent1"/>
+          </a:fillRef>
+          <a:effectRef idx="0">
+            <a:schemeClr val="accent1"/>
+          </a:effectRef>
+          <a:fontRef idx="minor">
+            <a:schemeClr val="tx1"/>
+          </a:fontRef>
+        </p:style>
+      </p:cxnSp>
+      <p:sp>
+        <p:nvSpPr>
+          <p:cNvPr id="48" name="CasellaDiTesto 47"/>
+          <p:cNvSpPr txBox="1"/>
+          <p:nvPr/>
+        </p:nvSpPr>
+        <p:spPr>
+          <a:xfrm>
+            <a:off x="3277051" y="2659315"/>
+            <a:ext cx="1617430" cy="307777"/>
+          </a:xfrm>
+          <a:prstGeom prst="rect">
+            <a:avLst/>
+          </a:prstGeom>
+          <a:noFill/>
+        </p:spPr>
+        <p:txBody>
+          <a:bodyPr wrap="none" rtlCol="0">
+            <a:spAutoFit/>
+          </a:bodyPr>
+          <a:lstStyle/>
+          <a:p>
+            <a:r>
+              <a:rPr lang="it-IT" sz="1400" dirty="0" smtClean="0">
+                <a:latin typeface="Arial Black" panose="020B0A04020102020204" pitchFamily="34" charset="0"/>
+              </a:rPr>
+              <a:t>Some </a:t>
+            </a:r>
+            <a:r>
+              <a:rPr lang="it-IT" sz="1400" dirty="0" err="1" smtClean="0">
+                <a:latin typeface="Arial Black" panose="020B0A04020102020204" pitchFamily="34" charset="0"/>
+              </a:rPr>
+              <a:t>protocol</a:t>
+            </a:r>
+            <a:endParaRPr lang="en-GB" sz="1400" dirty="0">
+              <a:latin typeface="Arial Black" panose="020B0A04020102020204" pitchFamily="34" charset="0"/>
+            </a:endParaRPr>
+          </a:p>
+        </p:txBody>
+      </p:sp>
+      <p:cxnSp>
+        <p:nvCxnSpPr>
+          <p:cNvPr id="11" name="Connettore 4 10"/>
+          <p:cNvCxnSpPr>
+            <a:stCxn id="23" idx="4"/>
+            <a:endCxn id="33" idx="3"/>
+          </p:cNvCxnSpPr>
+          <p:nvPr/>
+        </p:nvCxnSpPr>
+        <p:spPr>
+          <a:xfrm rot="5400000">
+            <a:off x="3996771" y="1830885"/>
+            <a:ext cx="890822" cy="2919117"/>
+          </a:xfrm>
+          <a:prstGeom prst="bentConnector2">
+            <a:avLst/>
+          </a:prstGeom>
+          <a:ln>
+            <a:solidFill>
+              <a:srgbClr val="FF0000"/>
+            </a:solidFill>
+            <a:prstDash val="lgDashDotDot"/>
+            <a:tailEnd type="arrow"/>
+          </a:ln>
+        </p:spPr>
+        <p:style>
+          <a:lnRef idx="1">
+            <a:schemeClr val="accent1"/>
+          </a:lnRef>
+          <a:fillRef idx="0">
+            <a:schemeClr val="accent1"/>
+          </a:fillRef>
+          <a:effectRef idx="0">
+            <a:schemeClr val="accent1"/>
+          </a:effectRef>
+          <a:fontRef idx="minor">
+            <a:schemeClr val="tx1"/>
+          </a:fontRef>
+        </p:style>
+      </p:cxnSp>
+      <p:sp>
+        <p:nvSpPr>
+          <p:cNvPr id="16" name="CasellaDiTesto 15"/>
+          <p:cNvSpPr txBox="1"/>
+          <p:nvPr/>
+        </p:nvSpPr>
+        <p:spPr>
+          <a:xfrm>
+            <a:off x="2821998" y="2216451"/>
+            <a:ext cx="2346989" cy="646331"/>
+          </a:xfrm>
+          <a:prstGeom prst="rect">
+            <a:avLst/>
+          </a:prstGeom>
+          <a:noFill/>
+        </p:spPr>
+        <p:txBody>
+          <a:bodyPr wrap="none" rtlCol="0">
+            <a:spAutoFit/>
+          </a:bodyPr>
+          <a:lstStyle/>
+          <a:p>
+            <a:r>
+              <a:rPr lang="it-IT" dirty="0" smtClean="0"/>
+              <a:t>Output </a:t>
+            </a:r>
+            <a:r>
+              <a:rPr lang="it-IT" dirty="0"/>
+              <a:t>(with HL7 data)</a:t>
+            </a:r>
+            <a:endParaRPr lang="en-GB" dirty="0"/>
+          </a:p>
+          <a:p>
+            <a:endParaRPr lang="en-GB" dirty="0"/>
+          </a:p>
+        </p:txBody>
+      </p:sp>
+      <p:sp>
+        <p:nvSpPr>
+          <p:cNvPr id="60" name="CasellaDiTesto 59"/>
+          <p:cNvSpPr txBox="1"/>
+          <p:nvPr/>
+        </p:nvSpPr>
+        <p:spPr>
+          <a:xfrm>
+            <a:off x="3272049" y="3089523"/>
+            <a:ext cx="1622432" cy="646331"/>
+          </a:xfrm>
+          <a:prstGeom prst="rect">
+            <a:avLst/>
+          </a:prstGeom>
+          <a:noFill/>
+        </p:spPr>
+        <p:txBody>
+          <a:bodyPr wrap="none" rtlCol="0">
+            <a:spAutoFit/>
+          </a:bodyPr>
+          <a:lstStyle/>
+          <a:p>
+            <a:pPr algn="ctr"/>
+            <a:r>
+              <a:rPr lang="it-IT" dirty="0" smtClean="0"/>
+              <a:t>Input</a:t>
+            </a:r>
+          </a:p>
+          <a:p>
+            <a:pPr algn="ctr"/>
+            <a:r>
+              <a:rPr lang="it-IT" dirty="0" smtClean="0"/>
+              <a:t>(with HL7 data)</a:t>
+            </a:r>
+            <a:endParaRPr lang="en-GB" dirty="0"/>
+          </a:p>
+        </p:txBody>
+      </p:sp>
+      <p:sp>
+        <p:nvSpPr>
+          <p:cNvPr id="77" name="CasellaDiTesto 76"/>
+          <p:cNvSpPr txBox="1"/>
+          <p:nvPr/>
+        </p:nvSpPr>
+        <p:spPr>
+          <a:xfrm>
+            <a:off x="2897680" y="3889742"/>
+            <a:ext cx="511679" cy="307777"/>
+          </a:xfrm>
+          <a:prstGeom prst="rect">
+            <a:avLst/>
+          </a:prstGeom>
+          <a:noFill/>
+        </p:spPr>
+        <p:txBody>
+          <a:bodyPr wrap="none" rtlCol="0">
+            <a:spAutoFit/>
+          </a:bodyPr>
+          <a:lstStyle/>
+          <a:p>
+            <a:r>
+              <a:rPr lang="it-IT" sz="1400" dirty="0" smtClean="0">
+                <a:latin typeface="Arial Black" panose="020B0A04020102020204" pitchFamily="34" charset="0"/>
+              </a:rPr>
+              <a:t>???</a:t>
+            </a:r>
+            <a:endParaRPr lang="en-GB" sz="1400" dirty="0">
+              <a:latin typeface="Arial Black" panose="020B0A04020102020204" pitchFamily="34" charset="0"/>
+            </a:endParaRPr>
+          </a:p>
+        </p:txBody>
+      </p:sp>
+      <p:grpSp>
+        <p:nvGrpSpPr>
+          <p:cNvPr id="13" name="Gruppo 12"/>
+          <p:cNvGrpSpPr/>
+          <p:nvPr/>
+        </p:nvGrpSpPr>
+        <p:grpSpPr>
+          <a:xfrm>
+            <a:off x="5477386" y="2072585"/>
+            <a:ext cx="906467" cy="772447"/>
+            <a:chOff x="5477386" y="2072585"/>
+            <a:chExt cx="906467" cy="772447"/>
+          </a:xfrm>
+        </p:grpSpPr>
+        <p:grpSp>
+          <p:nvGrpSpPr>
+            <p:cNvPr id="22" name="Gruppo 21"/>
+            <p:cNvGrpSpPr/>
+            <p:nvPr/>
+          </p:nvGrpSpPr>
+          <p:grpSpPr>
+            <a:xfrm>
+              <a:off x="5498762" y="2072585"/>
+              <a:ext cx="805955" cy="772447"/>
+              <a:chOff x="565700" y="4940367"/>
+              <a:chExt cx="805955" cy="772447"/>
+            </a:xfrm>
+          </p:grpSpPr>
+          <p:sp>
+            <p:nvSpPr>
+              <p:cNvPr id="23" name="Ovale 22"/>
+              <p:cNvSpPr/>
+              <p:nvPr/>
+            </p:nvSpPr>
+            <p:spPr>
+              <a:xfrm>
+                <a:off x="565700" y="4983583"/>
+                <a:ext cx="805955" cy="729231"/>
+              </a:xfrm>
+              <a:prstGeom prst="ellipse">
+                <a:avLst/>
+              </a:prstGeom>
+              <a:solidFill>
+                <a:srgbClr val="CCFF99"/>
+              </a:solidFill>
+              <a:ln/>
+            </p:spPr>
+            <p:style>
+              <a:lnRef idx="1">
+                <a:schemeClr val="accent4"/>
+              </a:lnRef>
+              <a:fillRef idx="2">
+                <a:schemeClr val="accent4"/>
+              </a:fillRef>
+              <a:effectRef idx="1">
+                <a:schemeClr val="accent4"/>
+              </a:effectRef>
+              <a:fontRef idx="minor">
+                <a:schemeClr val="dk1"/>
+              </a:fontRef>
+            </p:style>
+            <p:txBody>
+              <a:bodyPr rtlCol="0" anchor="ctr"/>
+              <a:lstStyle/>
+              <a:p>
+                <a:pPr algn="ctr"/>
+                <a:r>
+                  <a:rPr lang="en-GB" sz="1200" dirty="0"/>
+                  <a:t> </a:t>
+                </a:r>
+              </a:p>
+            </p:txBody>
+          </p:sp>
+          <p:sp>
+            <p:nvSpPr>
+              <p:cNvPr id="24" name="Triangolo isoscele 23"/>
+              <p:cNvSpPr/>
+              <p:nvPr/>
+            </p:nvSpPr>
+            <p:spPr>
+              <a:xfrm rot="16200000">
+                <a:off x="905299" y="4913952"/>
+                <a:ext cx="86434" cy="139263"/>
+              </a:xfrm>
+              <a:prstGeom prst="triangle">
+                <a:avLst/>
+              </a:prstGeom>
+              <a:solidFill>
+                <a:srgbClr val="C00000"/>
+              </a:solidFill>
+              <a:ln/>
+            </p:spPr>
+            <p:style>
+              <a:lnRef idx="1">
+                <a:schemeClr val="accent5"/>
+              </a:lnRef>
+              <a:fillRef idx="2">
+                <a:schemeClr val="accent5"/>
+              </a:fillRef>
+              <a:effectRef idx="1">
+                <a:schemeClr val="accent5"/>
+              </a:effectRef>
+              <a:fontRef idx="minor">
+                <a:schemeClr val="dk1"/>
+              </a:fontRef>
+            </p:style>
+            <p:txBody>
+              <a:bodyPr rtlCol="0" anchor="ctr"/>
+              <a:lstStyle/>
+              <a:p>
+                <a:pPr algn="ctr"/>
+                <a:endParaRPr lang="en-GB" sz="1200">
+                  <a:solidFill>
+                    <a:schemeClr val="dk1"/>
+                  </a:solidFill>
+                </a:endParaRPr>
+              </a:p>
+            </p:txBody>
+          </p:sp>
+        </p:grpSp>
+        <p:sp>
+          <p:nvSpPr>
+            <p:cNvPr id="2" name="CasellaDiTesto 1"/>
+            <p:cNvSpPr txBox="1"/>
+            <p:nvPr/>
+          </p:nvSpPr>
+          <p:spPr>
+            <a:xfrm>
+              <a:off x="5477386" y="2295750"/>
+              <a:ext cx="906467" cy="307777"/>
+            </a:xfrm>
+            <a:prstGeom prst="rect">
+              <a:avLst/>
+            </a:prstGeom>
+            <a:noFill/>
+          </p:spPr>
+          <p:txBody>
+            <a:bodyPr wrap="none" rtlCol="0">
+              <a:spAutoFit/>
+            </a:bodyPr>
+            <a:lstStyle/>
+            <a:p>
+              <a:r>
+                <a:rPr lang="en-GB" sz="1400" b="1" dirty="0" err="1"/>
+                <a:t>CHFacade</a:t>
+              </a:r>
+              <a:endParaRPr lang="en-GB" sz="1400" dirty="0"/>
+            </a:p>
+          </p:txBody>
+        </p:sp>
+      </p:grpSp>
+      <p:cxnSp>
+        <p:nvCxnSpPr>
+          <p:cNvPr id="26" name="Connettore 2 25"/>
+          <p:cNvCxnSpPr/>
+          <p:nvPr/>
+        </p:nvCxnSpPr>
+        <p:spPr>
+          <a:xfrm flipH="1">
+            <a:off x="2447961" y="2224438"/>
+            <a:ext cx="13466" cy="393101"/>
+          </a:xfrm>
+          <a:prstGeom prst="straightConnector1">
+            <a:avLst/>
+          </a:prstGeom>
+          <a:ln>
+            <a:solidFill>
+              <a:srgbClr val="C00000"/>
+            </a:solidFill>
+            <a:tailEnd type="arrow"/>
+          </a:ln>
+        </p:spPr>
+        <p:style>
+          <a:lnRef idx="1">
+            <a:schemeClr val="accent1"/>
+          </a:lnRef>
+          <a:fillRef idx="0">
+            <a:schemeClr val="accent1"/>
+          </a:fillRef>
+          <a:effectRef idx="0">
+            <a:schemeClr val="accent1"/>
+          </a:effectRef>
+          <a:fontRef idx="minor">
+            <a:schemeClr val="tx1"/>
+          </a:fontRef>
+        </p:style>
+      </p:cxnSp>
+      <p:sp>
+        <p:nvSpPr>
+          <p:cNvPr id="17" name="Ovale 16"/>
+          <p:cNvSpPr/>
+          <p:nvPr/>
+        </p:nvSpPr>
+        <p:spPr>
+          <a:xfrm>
+            <a:off x="2323450" y="2608331"/>
+            <a:ext cx="312982" cy="345684"/>
+          </a:xfrm>
+          <a:prstGeom prst="ellipse">
+            <a:avLst/>
+          </a:prstGeom>
+        </p:spPr>
+        <p:style>
+          <a:lnRef idx="1">
+            <a:schemeClr val="accent3"/>
+          </a:lnRef>
+          <a:fillRef idx="2">
+            <a:schemeClr val="accent3"/>
+          </a:fillRef>
+          <a:effectRef idx="1">
+            <a:schemeClr val="accent3"/>
+          </a:effectRef>
+          <a:fontRef idx="minor">
+            <a:schemeClr val="dk1"/>
+          </a:fontRef>
+        </p:style>
+        <p:txBody>
+          <a:bodyPr rtlCol="0" anchor="ctr"/>
+          <a:lstStyle/>
+          <a:p>
+            <a:pPr algn="ctr"/>
+            <a:r>
+              <a:rPr lang="it-IT" dirty="0" smtClean="0"/>
+              <a:t>T</a:t>
+            </a:r>
+            <a:endParaRPr lang="en-GB" dirty="0"/>
+          </a:p>
+        </p:txBody>
+      </p:sp>
+      <p:grpSp>
+        <p:nvGrpSpPr>
+          <p:cNvPr id="29" name="Gruppo 28"/>
+          <p:cNvGrpSpPr/>
+          <p:nvPr/>
+        </p:nvGrpSpPr>
+        <p:grpSpPr>
+          <a:xfrm>
+            <a:off x="2091725" y="3317005"/>
+            <a:ext cx="805955" cy="772447"/>
+            <a:chOff x="565700" y="4940367"/>
+            <a:chExt cx="805955" cy="772447"/>
+          </a:xfrm>
+        </p:grpSpPr>
+        <p:sp>
+          <p:nvSpPr>
+            <p:cNvPr id="30" name="Ovale 29"/>
+            <p:cNvSpPr/>
+            <p:nvPr/>
+          </p:nvSpPr>
+          <p:spPr>
+            <a:xfrm>
+              <a:off x="565700" y="4983583"/>
+              <a:ext cx="805955" cy="729231"/>
+            </a:xfrm>
+            <a:prstGeom prst="ellipse">
+              <a:avLst/>
+            </a:prstGeom>
+            <a:ln/>
+          </p:spPr>
+          <p:style>
+            <a:lnRef idx="1">
+              <a:schemeClr val="accent4"/>
+            </a:lnRef>
+            <a:fillRef idx="2">
+              <a:schemeClr val="accent4"/>
+            </a:fillRef>
+            <a:effectRef idx="1">
+              <a:schemeClr val="accent4"/>
+            </a:effectRef>
+            <a:fontRef idx="minor">
+              <a:schemeClr val="dk1"/>
+            </a:fontRef>
+          </p:style>
+          <p:txBody>
+            <a:bodyPr rtlCol="0" anchor="ctr"/>
+            <a:lstStyle/>
+            <a:p>
+              <a:pPr algn="ctr"/>
+              <a:r>
+                <a:rPr lang="en-GB" sz="1200" dirty="0"/>
+                <a:t> </a:t>
+              </a:r>
+            </a:p>
+          </p:txBody>
+        </p:sp>
+        <p:sp>
+          <p:nvSpPr>
+            <p:cNvPr id="31" name="Triangolo isoscele 30"/>
+            <p:cNvSpPr/>
+            <p:nvPr/>
+          </p:nvSpPr>
+          <p:spPr>
+            <a:xfrm rot="16200000">
+              <a:off x="905299" y="4913952"/>
+              <a:ext cx="86434" cy="139263"/>
+            </a:xfrm>
+            <a:prstGeom prst="triangle">
+              <a:avLst/>
+            </a:prstGeom>
+            <a:solidFill>
+              <a:srgbClr val="C00000"/>
+            </a:solidFill>
+            <a:ln/>
+          </p:spPr>
+          <p:style>
+            <a:lnRef idx="1">
+              <a:schemeClr val="accent5"/>
+            </a:lnRef>
+            <a:fillRef idx="2">
+              <a:schemeClr val="accent5"/>
+            </a:fillRef>
+            <a:effectRef idx="1">
+              <a:schemeClr val="accent5"/>
+            </a:effectRef>
+            <a:fontRef idx="minor">
+              <a:schemeClr val="dk1"/>
+            </a:fontRef>
+          </p:style>
+          <p:txBody>
+            <a:bodyPr rtlCol="0" anchor="ctr"/>
+            <a:lstStyle/>
+            <a:p>
+              <a:pPr algn="ctr"/>
+              <a:endParaRPr lang="en-GB" sz="1200">
+                <a:solidFill>
+                  <a:schemeClr val="dk1"/>
+                </a:solidFill>
+              </a:endParaRPr>
+            </a:p>
+          </p:txBody>
+        </p:sp>
+      </p:grpSp>
+      <p:sp>
+        <p:nvSpPr>
+          <p:cNvPr id="33" name="CasellaDiTesto 32"/>
+          <p:cNvSpPr txBox="1"/>
+          <p:nvPr/>
+        </p:nvSpPr>
+        <p:spPr>
+          <a:xfrm>
+            <a:off x="2041468" y="3581965"/>
+            <a:ext cx="941155" cy="307777"/>
+          </a:xfrm>
+          <a:prstGeom prst="rect">
+            <a:avLst/>
+          </a:prstGeom>
+          <a:noFill/>
+        </p:spPr>
+        <p:txBody>
+          <a:bodyPr wrap="none" rtlCol="0">
+            <a:spAutoFit/>
+          </a:bodyPr>
+          <a:lstStyle/>
+          <a:p>
+            <a:r>
+              <a:rPr lang="en-GB" sz="1400" b="1" dirty="0" err="1" smtClean="0"/>
+              <a:t>ItelFacade</a:t>
+            </a:r>
+            <a:endParaRPr lang="en-GB" sz="1400" dirty="0"/>
+          </a:p>
+        </p:txBody>
+      </p:sp>
+    </p:spTree>
+    <p:extLst>
+      <p:ext uri="{BB962C8B-B14F-4D97-AF65-F5344CB8AC3E}">
+        <p14:creationId xmlns:p14="http://schemas.microsoft.com/office/powerpoint/2010/main" val="2878598520"/>
+      </p:ext>
+    </p:extLst>
+  </p:cSld>
+  <p:clrMapOvr>
+    <a:masterClrMapping/>
+  </p:clrMapOvr>
+  <p:timing>
+    <p:tnLst>
+      <p:par>
+        <p:cTn id="1" dur="indefinite" restart="never" nodeType="tmRoot"/>
+      </p:par>
+    </p:tnLst>
+  </p:timing>
+</p:sld>
+</file>
+
+<file path=ppt/slides/slide13.xml><?xml version="1.0" encoding="utf-8"?>
 <p:sld xmlns:a="http://schemas.openxmlformats.org/drawingml/2006/main" xmlns:r="http://schemas.openxmlformats.org/officeDocument/2006/relationships" xmlns:p="http://schemas.openxmlformats.org/presentationml/2006/main">
   <p:cSld>
     <p:spTree>
@@ -8940,7 +9727,7 @@
           <p:cNvPr id="6" name="TextBox 45">
             <a:extLst>
               <a:ext uri="{FF2B5EF4-FFF2-40B4-BE49-F238E27FC236}">
-                <a16:creationId xmlns="" xmlns:a16="http://schemas.microsoft.com/office/drawing/2014/main" id="{6BDA7693-CA76-4C97-8FED-A4A65AB5032B}"/>
+                <a16:creationId xmlns:a16="http://schemas.microsoft.com/office/drawing/2014/main" xmlns="" id="{6BDA7693-CA76-4C97-8FED-A4A65AB5032B}"/>
               </a:ext>
             </a:extLst>
           </p:cNvPr>
@@ -9448,7 +10235,7 @@
           <p:cNvPr id="27" name="TextBox 45">
             <a:extLst>
               <a:ext uri="{FF2B5EF4-FFF2-40B4-BE49-F238E27FC236}">
-                <a16:creationId xmlns="" xmlns:a16="http://schemas.microsoft.com/office/drawing/2014/main" id="{6BDA7693-CA76-4C97-8FED-A4A65AB5032B}"/>
+                <a16:creationId xmlns:a16="http://schemas.microsoft.com/office/drawing/2014/main" xmlns="" id="{6BDA7693-CA76-4C97-8FED-A4A65AB5032B}"/>
               </a:ext>
             </a:extLst>
           </p:cNvPr>
@@ -9484,7 +10271,7 @@
           <p:cNvPr id="28" name="TextBox 45">
             <a:extLst>
               <a:ext uri="{FF2B5EF4-FFF2-40B4-BE49-F238E27FC236}">
-                <a16:creationId xmlns="" xmlns:a16="http://schemas.microsoft.com/office/drawing/2014/main" id="{6BDA7693-CA76-4C97-8FED-A4A65AB5032B}"/>
+                <a16:creationId xmlns:a16="http://schemas.microsoft.com/office/drawing/2014/main" xmlns="" id="{6BDA7693-CA76-4C97-8FED-A4A65AB5032B}"/>
               </a:ext>
             </a:extLst>
           </p:cNvPr>
@@ -9633,7 +10420,7 @@
         <p:spPr>
           <a:xfrm>
             <a:off x="471412" y="256292"/>
-            <a:ext cx="2350708" cy="584775"/>
+            <a:ext cx="2149114" cy="584775"/>
           </a:xfrm>
           <a:prstGeom prst="rect">
             <a:avLst/>
@@ -9660,8 +10447,8 @@
           <a:lstStyle/>
           <a:p>
             <a:r>
-              <a:rPr lang="it-IT" sz="3200" dirty="0" err="1" smtClean="0"/>
-              <a:t>Smart@even</a:t>
+              <a:rPr lang="it-IT" sz="3200" dirty="0" err="1"/>
+              <a:t>Sm@rteven</a:t>
             </a:r>
             <a:endParaRPr lang="en-GB" sz="3200" dirty="0"/>
           </a:p>
@@ -10794,6 +11581,1551 @@
     <p:extLst>
       <p:ext uri="{BB962C8B-B14F-4D97-AF65-F5344CB8AC3E}">
         <p14:creationId xmlns:p14="http://schemas.microsoft.com/office/powerpoint/2010/main" val="119035942"/>
+      </p:ext>
+    </p:extLst>
+  </p:cSld>
+  <p:clrMapOvr>
+    <a:masterClrMapping/>
+  </p:clrMapOvr>
+</p:sld>
+</file>
+
+<file path=ppt/slides/slide14.xml><?xml version="1.0" encoding="utf-8"?>
+<p:sld xmlns:a="http://schemas.openxmlformats.org/drawingml/2006/main" xmlns:r="http://schemas.openxmlformats.org/officeDocument/2006/relationships" xmlns:p="http://schemas.openxmlformats.org/presentationml/2006/main">
+  <p:cSld>
+    <p:spTree>
+      <p:nvGrpSpPr>
+        <p:cNvPr id="1" name=""/>
+        <p:cNvGrpSpPr/>
+        <p:nvPr/>
+      </p:nvGrpSpPr>
+      <p:grpSpPr>
+        <a:xfrm>
+          <a:off x="0" y="0"/>
+          <a:ext cx="0" cy="0"/>
+          <a:chOff x="0" y="0"/>
+          <a:chExt cx="0" cy="0"/>
+        </a:xfrm>
+      </p:grpSpPr>
+      <p:cxnSp>
+        <p:nvCxnSpPr>
+          <p:cNvPr id="39" name="Connettore 1 38"/>
+          <p:cNvCxnSpPr/>
+          <p:nvPr/>
+        </p:nvCxnSpPr>
+        <p:spPr>
+          <a:xfrm flipH="1">
+            <a:off x="3170215" y="1288864"/>
+            <a:ext cx="33952" cy="3130316"/>
+          </a:xfrm>
+          <a:prstGeom prst="line">
+            <a:avLst/>
+          </a:prstGeom>
+        </p:spPr>
+        <p:style>
+          <a:lnRef idx="1">
+            <a:schemeClr val="accent1"/>
+          </a:lnRef>
+          <a:fillRef idx="0">
+            <a:schemeClr val="accent1"/>
+          </a:fillRef>
+          <a:effectRef idx="0">
+            <a:schemeClr val="accent1"/>
+          </a:effectRef>
+          <a:fontRef idx="minor">
+            <a:schemeClr val="tx1"/>
+          </a:fontRef>
+        </p:style>
+      </p:cxnSp>
+      <p:cxnSp>
+        <p:nvCxnSpPr>
+          <p:cNvPr id="40" name="Connettore 1 39"/>
+          <p:cNvCxnSpPr/>
+          <p:nvPr/>
+        </p:nvCxnSpPr>
+        <p:spPr>
+          <a:xfrm>
+            <a:off x="5773965" y="1096756"/>
+            <a:ext cx="0" cy="3400564"/>
+          </a:xfrm>
+          <a:prstGeom prst="line">
+            <a:avLst/>
+          </a:prstGeom>
+        </p:spPr>
+        <p:style>
+          <a:lnRef idx="1">
+            <a:schemeClr val="accent1"/>
+          </a:lnRef>
+          <a:fillRef idx="0">
+            <a:schemeClr val="accent1"/>
+          </a:fillRef>
+          <a:effectRef idx="0">
+            <a:schemeClr val="accent1"/>
+          </a:effectRef>
+          <a:fontRef idx="minor">
+            <a:schemeClr val="tx1"/>
+          </a:fontRef>
+        </p:style>
+      </p:cxnSp>
+      <p:grpSp>
+        <p:nvGrpSpPr>
+          <p:cNvPr id="2" name="Gruppo 1"/>
+          <p:cNvGrpSpPr/>
+          <p:nvPr/>
+        </p:nvGrpSpPr>
+        <p:grpSpPr>
+          <a:xfrm>
+            <a:off x="6432359" y="3248126"/>
+            <a:ext cx="805955" cy="772447"/>
+            <a:chOff x="565700" y="4940367"/>
+            <a:chExt cx="805955" cy="772447"/>
+          </a:xfrm>
+        </p:grpSpPr>
+        <p:sp>
+          <p:nvSpPr>
+            <p:cNvPr id="3" name="Ovale 2"/>
+            <p:cNvSpPr/>
+            <p:nvPr/>
+          </p:nvSpPr>
+          <p:spPr>
+            <a:xfrm>
+              <a:off x="565700" y="4983583"/>
+              <a:ext cx="805955" cy="729231"/>
+            </a:xfrm>
+            <a:prstGeom prst="ellipse">
+              <a:avLst/>
+            </a:prstGeom>
+            <a:solidFill>
+              <a:srgbClr val="FF99CC"/>
+            </a:solidFill>
+          </p:spPr>
+          <p:style>
+            <a:lnRef idx="2">
+              <a:schemeClr val="accent1">
+                <a:shade val="50000"/>
+              </a:schemeClr>
+            </a:lnRef>
+            <a:fillRef idx="1">
+              <a:schemeClr val="accent1"/>
+            </a:fillRef>
+            <a:effectRef idx="0">
+              <a:schemeClr val="accent1"/>
+            </a:effectRef>
+            <a:fontRef idx="minor">
+              <a:schemeClr val="lt1"/>
+            </a:fontRef>
+          </p:style>
+          <p:txBody>
+            <a:bodyPr rtlCol="0" anchor="ctr"/>
+            <a:lstStyle/>
+            <a:p>
+              <a:pPr algn="ctr"/>
+              <a:r>
+                <a:rPr lang="en-GB" dirty="0">
+                  <a:solidFill>
+                    <a:schemeClr val="lt1"/>
+                  </a:solidFill>
+                </a:rPr>
+                <a:t> </a:t>
+              </a:r>
+            </a:p>
+          </p:txBody>
+        </p:sp>
+        <p:sp>
+          <p:nvSpPr>
+            <p:cNvPr id="4" name="Triangolo isoscele 3"/>
+            <p:cNvSpPr/>
+            <p:nvPr/>
+          </p:nvSpPr>
+          <p:spPr>
+            <a:xfrm rot="16200000">
+              <a:off x="905299" y="4913952"/>
+              <a:ext cx="86434" cy="139263"/>
+            </a:xfrm>
+            <a:prstGeom prst="triangle">
+              <a:avLst/>
+            </a:prstGeom>
+            <a:solidFill>
+              <a:srgbClr val="FF99CC"/>
+            </a:solidFill>
+            <a:ln>
+              <a:solidFill>
+                <a:schemeClr val="tx1"/>
+              </a:solidFill>
+            </a:ln>
+          </p:spPr>
+          <p:style>
+            <a:lnRef idx="2">
+              <a:schemeClr val="accent1">
+                <a:shade val="50000"/>
+              </a:schemeClr>
+            </a:lnRef>
+            <a:fillRef idx="1">
+              <a:schemeClr val="accent1"/>
+            </a:fillRef>
+            <a:effectRef idx="0">
+              <a:schemeClr val="accent1"/>
+            </a:effectRef>
+            <a:fontRef idx="minor">
+              <a:schemeClr val="lt1"/>
+            </a:fontRef>
+          </p:style>
+          <p:txBody>
+            <a:bodyPr rtlCol="0" anchor="ctr"/>
+            <a:lstStyle/>
+            <a:p>
+              <a:pPr algn="ctr"/>
+              <a:endParaRPr lang="en-GB">
+                <a:solidFill>
+                  <a:schemeClr val="lt1"/>
+                </a:solidFill>
+              </a:endParaRPr>
+            </a:p>
+          </p:txBody>
+        </p:sp>
+      </p:grpSp>
+      <p:sp>
+        <p:nvSpPr>
+          <p:cNvPr id="5" name="CasellaDiTesto 4"/>
+          <p:cNvSpPr txBox="1"/>
+          <p:nvPr/>
+        </p:nvSpPr>
+        <p:spPr>
+          <a:xfrm>
+            <a:off x="6572463" y="1205059"/>
+            <a:ext cx="1460528" cy="369332"/>
+          </a:xfrm>
+          <a:prstGeom prst="rect">
+            <a:avLst/>
+          </a:prstGeom>
+          <a:noFill/>
+        </p:spPr>
+        <p:txBody>
+          <a:bodyPr wrap="none" rtlCol="0">
+            <a:spAutoFit/>
+          </a:bodyPr>
+          <a:lstStyle/>
+          <a:p>
+            <a:r>
+              <a:rPr lang="en-GB" b="1" dirty="0" err="1"/>
+              <a:t>CentroHealth</a:t>
+            </a:r>
+            <a:endParaRPr lang="en-GB" dirty="0"/>
+          </a:p>
+        </p:txBody>
+      </p:sp>
+      <p:sp>
+        <p:nvSpPr>
+          <p:cNvPr id="6" name="TextBox 45">
+            <a:extLst>
+              <a:ext uri="{FF2B5EF4-FFF2-40B4-BE49-F238E27FC236}">
+                <a16:creationId xmlns:a16="http://schemas.microsoft.com/office/drawing/2014/main" xmlns="" id="{6BDA7693-CA76-4C97-8FED-A4A65AB5032B}"/>
+              </a:ext>
+            </a:extLst>
+          </p:cNvPr>
+          <p:cNvSpPr txBox="1"/>
+          <p:nvPr/>
+        </p:nvSpPr>
+        <p:spPr>
+          <a:xfrm>
+            <a:off x="3648643" y="1205059"/>
+            <a:ext cx="1568443" cy="369332"/>
+          </a:xfrm>
+          <a:prstGeom prst="rect">
+            <a:avLst/>
+          </a:prstGeom>
+          <a:noFill/>
+        </p:spPr>
+        <p:txBody>
+          <a:bodyPr wrap="none" rtlCol="0">
+            <a:spAutoFit/>
+          </a:bodyPr>
+          <a:lstStyle/>
+          <a:p>
+            <a:r>
+              <a:rPr lang="en-US" b="1" dirty="0" err="1"/>
+              <a:t>HealthProduct</a:t>
+            </a:r>
+            <a:endParaRPr lang="en-US" b="1" dirty="0"/>
+          </a:p>
+        </p:txBody>
+      </p:sp>
+      <p:grpSp>
+        <p:nvGrpSpPr>
+          <p:cNvPr id="7" name="Gruppo 6"/>
+          <p:cNvGrpSpPr/>
+          <p:nvPr/>
+        </p:nvGrpSpPr>
+        <p:grpSpPr>
+          <a:xfrm>
+            <a:off x="3971455" y="2036757"/>
+            <a:ext cx="805955" cy="772447"/>
+            <a:chOff x="565700" y="4940367"/>
+            <a:chExt cx="805955" cy="772447"/>
+          </a:xfrm>
+        </p:grpSpPr>
+        <p:sp>
+          <p:nvSpPr>
+            <p:cNvPr id="8" name="Ovale 7"/>
+            <p:cNvSpPr/>
+            <p:nvPr/>
+          </p:nvSpPr>
+          <p:spPr>
+            <a:xfrm>
+              <a:off x="565700" y="4983583"/>
+              <a:ext cx="805955" cy="729231"/>
+            </a:xfrm>
+            <a:prstGeom prst="ellipse">
+              <a:avLst/>
+            </a:prstGeom>
+            <a:ln/>
+          </p:spPr>
+          <p:style>
+            <a:lnRef idx="1">
+              <a:schemeClr val="accent4"/>
+            </a:lnRef>
+            <a:fillRef idx="2">
+              <a:schemeClr val="accent4"/>
+            </a:fillRef>
+            <a:effectRef idx="1">
+              <a:schemeClr val="accent4"/>
+            </a:effectRef>
+            <a:fontRef idx="minor">
+              <a:schemeClr val="dk1"/>
+            </a:fontRef>
+          </p:style>
+          <p:txBody>
+            <a:bodyPr rtlCol="0" anchor="ctr"/>
+            <a:lstStyle/>
+            <a:p>
+              <a:pPr algn="ctr"/>
+              <a:r>
+                <a:rPr lang="en-GB" sz="1200" dirty="0"/>
+                <a:t> </a:t>
+              </a:r>
+            </a:p>
+          </p:txBody>
+        </p:sp>
+        <p:sp>
+          <p:nvSpPr>
+            <p:cNvPr id="9" name="Triangolo isoscele 8"/>
+            <p:cNvSpPr/>
+            <p:nvPr/>
+          </p:nvSpPr>
+          <p:spPr>
+            <a:xfrm rot="16200000">
+              <a:off x="905299" y="4913952"/>
+              <a:ext cx="86434" cy="139263"/>
+            </a:xfrm>
+            <a:prstGeom prst="triangle">
+              <a:avLst/>
+            </a:prstGeom>
+            <a:solidFill>
+              <a:srgbClr val="C00000"/>
+            </a:solidFill>
+            <a:ln/>
+          </p:spPr>
+          <p:style>
+            <a:lnRef idx="1">
+              <a:schemeClr val="accent5"/>
+            </a:lnRef>
+            <a:fillRef idx="2">
+              <a:schemeClr val="accent5"/>
+            </a:fillRef>
+            <a:effectRef idx="1">
+              <a:schemeClr val="accent5"/>
+            </a:effectRef>
+            <a:fontRef idx="minor">
+              <a:schemeClr val="dk1"/>
+            </a:fontRef>
+          </p:style>
+          <p:txBody>
+            <a:bodyPr rtlCol="0" anchor="ctr"/>
+            <a:lstStyle/>
+            <a:p>
+              <a:pPr algn="ctr"/>
+              <a:endParaRPr lang="en-GB" sz="1200">
+                <a:solidFill>
+                  <a:schemeClr val="dk1"/>
+                </a:solidFill>
+              </a:endParaRPr>
+            </a:p>
+          </p:txBody>
+        </p:sp>
+      </p:grpSp>
+      <p:grpSp>
+        <p:nvGrpSpPr>
+          <p:cNvPr id="16" name="Gruppo 15"/>
+          <p:cNvGrpSpPr/>
+          <p:nvPr/>
+        </p:nvGrpSpPr>
+        <p:grpSpPr>
+          <a:xfrm>
+            <a:off x="5259578" y="3480121"/>
+            <a:ext cx="666895" cy="86434"/>
+            <a:chOff x="4592177" y="4419530"/>
+            <a:chExt cx="666895" cy="86434"/>
+          </a:xfrm>
+        </p:grpSpPr>
+        <p:cxnSp>
+          <p:nvCxnSpPr>
+            <p:cNvPr id="17" name="Connettore 1 16"/>
+            <p:cNvCxnSpPr/>
+            <p:nvPr/>
+          </p:nvCxnSpPr>
+          <p:spPr>
+            <a:xfrm>
+              <a:off x="4611000" y="4462747"/>
+              <a:ext cx="648072" cy="0"/>
+            </a:xfrm>
+            <a:prstGeom prst="line">
+              <a:avLst/>
+            </a:prstGeom>
+            <a:ln>
+              <a:prstDash val="dash"/>
+            </a:ln>
+          </p:spPr>
+          <p:style>
+            <a:lnRef idx="1">
+              <a:schemeClr val="accent1"/>
+            </a:lnRef>
+            <a:fillRef idx="0">
+              <a:schemeClr val="accent1"/>
+            </a:fillRef>
+            <a:effectRef idx="0">
+              <a:schemeClr val="accent1"/>
+            </a:effectRef>
+            <a:fontRef idx="minor">
+              <a:schemeClr val="tx1"/>
+            </a:fontRef>
+          </p:style>
+        </p:cxnSp>
+        <p:sp>
+          <p:nvSpPr>
+            <p:cNvPr id="18" name="Triangolo isoscele 17"/>
+            <p:cNvSpPr/>
+            <p:nvPr/>
+          </p:nvSpPr>
+          <p:spPr>
+            <a:xfrm rot="16200000">
+              <a:off x="4618592" y="4393115"/>
+              <a:ext cx="86434" cy="139263"/>
+            </a:xfrm>
+            <a:prstGeom prst="triangle">
+              <a:avLst/>
+            </a:prstGeom>
+            <a:solidFill>
+              <a:schemeClr val="bg1"/>
+            </a:solidFill>
+            <a:ln/>
+          </p:spPr>
+          <p:style>
+            <a:lnRef idx="1">
+              <a:schemeClr val="accent5"/>
+            </a:lnRef>
+            <a:fillRef idx="2">
+              <a:schemeClr val="accent5"/>
+            </a:fillRef>
+            <a:effectRef idx="1">
+              <a:schemeClr val="accent5"/>
+            </a:effectRef>
+            <a:fontRef idx="minor">
+              <a:schemeClr val="dk1"/>
+            </a:fontRef>
+          </p:style>
+          <p:txBody>
+            <a:bodyPr rtlCol="0" anchor="ctr"/>
+            <a:lstStyle/>
+            <a:p>
+              <a:pPr algn="ctr"/>
+              <a:endParaRPr lang="en-GB" sz="1200"/>
+            </a:p>
+          </p:txBody>
+        </p:sp>
+      </p:grpSp>
+      <p:grpSp>
+        <p:nvGrpSpPr>
+          <p:cNvPr id="19" name="Gruppo 18"/>
+          <p:cNvGrpSpPr/>
+          <p:nvPr/>
+        </p:nvGrpSpPr>
+        <p:grpSpPr>
+          <a:xfrm>
+            <a:off x="5251491" y="3283916"/>
+            <a:ext cx="787334" cy="86434"/>
+            <a:chOff x="3452446" y="4176616"/>
+            <a:chExt cx="787334" cy="86434"/>
+          </a:xfrm>
+        </p:grpSpPr>
+        <p:sp>
+          <p:nvSpPr>
+            <p:cNvPr id="20" name="Triangolo isoscele 19"/>
+            <p:cNvSpPr/>
+            <p:nvPr/>
+          </p:nvSpPr>
+          <p:spPr>
+            <a:xfrm rot="5400000" flipH="1">
+              <a:off x="4126932" y="4150201"/>
+              <a:ext cx="86434" cy="139263"/>
+            </a:xfrm>
+            <a:prstGeom prst="triangle">
+              <a:avLst/>
+            </a:prstGeom>
+            <a:solidFill>
+              <a:schemeClr val="bg1"/>
+            </a:solidFill>
+            <a:ln/>
+          </p:spPr>
+          <p:style>
+            <a:lnRef idx="1">
+              <a:schemeClr val="accent5"/>
+            </a:lnRef>
+            <a:fillRef idx="2">
+              <a:schemeClr val="accent5"/>
+            </a:fillRef>
+            <a:effectRef idx="1">
+              <a:schemeClr val="accent5"/>
+            </a:effectRef>
+            <a:fontRef idx="minor">
+              <a:schemeClr val="dk1"/>
+            </a:fontRef>
+          </p:style>
+          <p:txBody>
+            <a:bodyPr rtlCol="0" anchor="ctr"/>
+            <a:lstStyle/>
+            <a:p>
+              <a:pPr algn="ctr"/>
+              <a:endParaRPr lang="en-GB" sz="1200"/>
+            </a:p>
+          </p:txBody>
+        </p:sp>
+        <p:cxnSp>
+          <p:nvCxnSpPr>
+            <p:cNvPr id="21" name="Connettore 1 20"/>
+            <p:cNvCxnSpPr>
+              <a:endCxn id="20" idx="3"/>
+            </p:cNvCxnSpPr>
+            <p:nvPr/>
+          </p:nvCxnSpPr>
+          <p:spPr>
+            <a:xfrm>
+              <a:off x="3452446" y="4219627"/>
+              <a:ext cx="648072" cy="206"/>
+            </a:xfrm>
+            <a:prstGeom prst="line">
+              <a:avLst/>
+            </a:prstGeom>
+          </p:spPr>
+          <p:style>
+            <a:lnRef idx="1">
+              <a:schemeClr val="accent1"/>
+            </a:lnRef>
+            <a:fillRef idx="0">
+              <a:schemeClr val="accent1"/>
+            </a:fillRef>
+            <a:effectRef idx="0">
+              <a:schemeClr val="accent1"/>
+            </a:effectRef>
+            <a:fontRef idx="minor">
+              <a:schemeClr val="tx1"/>
+            </a:fontRef>
+          </p:style>
+        </p:cxnSp>
+      </p:grpSp>
+      <p:sp>
+        <p:nvSpPr>
+          <p:cNvPr id="35" name="Rettangolo 34"/>
+          <p:cNvSpPr/>
+          <p:nvPr/>
+        </p:nvSpPr>
+        <p:spPr>
+          <a:xfrm>
+            <a:off x="860950" y="1217239"/>
+            <a:ext cx="1004827" cy="369332"/>
+          </a:xfrm>
+          <a:prstGeom prst="rect">
+            <a:avLst/>
+          </a:prstGeom>
+        </p:spPr>
+        <p:txBody>
+          <a:bodyPr wrap="none">
+            <a:spAutoFit/>
+          </a:bodyPr>
+          <a:lstStyle/>
+          <a:p>
+            <a:r>
+              <a:rPr lang="en-GB" b="1" dirty="0" smtClean="0"/>
+              <a:t>Core-</a:t>
+            </a:r>
+            <a:r>
+              <a:rPr lang="en-GB" b="1" dirty="0" err="1" smtClean="0"/>
+              <a:t>Itel</a:t>
+            </a:r>
+            <a:endParaRPr lang="en-GB" dirty="0"/>
+          </a:p>
+        </p:txBody>
+      </p:sp>
+      <p:cxnSp>
+        <p:nvCxnSpPr>
+          <p:cNvPr id="36" name="Connettore 1 35"/>
+          <p:cNvCxnSpPr/>
+          <p:nvPr/>
+        </p:nvCxnSpPr>
+        <p:spPr>
+          <a:xfrm>
+            <a:off x="738151" y="1555674"/>
+            <a:ext cx="7465934" cy="1"/>
+          </a:xfrm>
+          <a:prstGeom prst="line">
+            <a:avLst/>
+          </a:prstGeom>
+        </p:spPr>
+        <p:style>
+          <a:lnRef idx="1">
+            <a:schemeClr val="accent1"/>
+          </a:lnRef>
+          <a:fillRef idx="0">
+            <a:schemeClr val="accent1"/>
+          </a:fillRef>
+          <a:effectRef idx="0">
+            <a:schemeClr val="accent1"/>
+          </a:effectRef>
+          <a:fontRef idx="minor">
+            <a:schemeClr val="tx1"/>
+          </a:fontRef>
+        </p:style>
+      </p:cxnSp>
+      <p:sp>
+        <p:nvSpPr>
+          <p:cNvPr id="37" name="CasellaDiTesto 36"/>
+          <p:cNvSpPr txBox="1"/>
+          <p:nvPr/>
+        </p:nvSpPr>
+        <p:spPr>
+          <a:xfrm>
+            <a:off x="5569021" y="3633332"/>
+            <a:ext cx="638123" cy="369332"/>
+          </a:xfrm>
+          <a:prstGeom prst="rect">
+            <a:avLst/>
+          </a:prstGeom>
+        </p:spPr>
+        <p:style>
+          <a:lnRef idx="1">
+            <a:schemeClr val="accent3"/>
+          </a:lnRef>
+          <a:fillRef idx="2">
+            <a:schemeClr val="accent3"/>
+          </a:fillRef>
+          <a:effectRef idx="1">
+            <a:schemeClr val="accent3"/>
+          </a:effectRef>
+          <a:fontRef idx="minor">
+            <a:schemeClr val="dk1"/>
+          </a:fontRef>
+        </p:style>
+        <p:txBody>
+          <a:bodyPr wrap="none" rtlCol="0">
+            <a:spAutoFit/>
+          </a:bodyPr>
+          <a:lstStyle/>
+          <a:p>
+            <a:r>
+              <a:rPr lang="it-IT" dirty="0" err="1" smtClean="0"/>
+              <a:t>Rest</a:t>
+            </a:r>
+            <a:r>
+              <a:rPr lang="it-IT" dirty="0" smtClean="0"/>
+              <a:t> </a:t>
+            </a:r>
+          </a:p>
+        </p:txBody>
+      </p:sp>
+      <p:sp>
+        <p:nvSpPr>
+          <p:cNvPr id="41" name="CasellaDiTesto 40"/>
+          <p:cNvSpPr txBox="1"/>
+          <p:nvPr/>
+        </p:nvSpPr>
+        <p:spPr>
+          <a:xfrm>
+            <a:off x="471412" y="256292"/>
+            <a:ext cx="2149114" cy="584775"/>
+          </a:xfrm>
+          <a:prstGeom prst="rect">
+            <a:avLst/>
+          </a:prstGeom>
+        </p:spPr>
+        <p:style>
+          <a:lnRef idx="3">
+            <a:schemeClr val="lt1"/>
+          </a:lnRef>
+          <a:fillRef idx="1">
+            <a:schemeClr val="accent5"/>
+          </a:fillRef>
+          <a:effectRef idx="1">
+            <a:schemeClr val="accent5"/>
+          </a:effectRef>
+          <a:fontRef idx="minor">
+            <a:schemeClr val="lt1"/>
+          </a:fontRef>
+        </p:style>
+        <p:txBody>
+          <a:bodyPr wrap="none" rtlCol="0">
+            <a:spAutoFit/>
+          </a:bodyPr>
+          <a:lstStyle/>
+          <a:p>
+            <a:r>
+              <a:rPr lang="it-IT" sz="3200" dirty="0" err="1"/>
+              <a:t>Sm@rteven</a:t>
+            </a:r>
+            <a:endParaRPr lang="en-GB" sz="3200" dirty="0"/>
+          </a:p>
+        </p:txBody>
+      </p:sp>
+      <p:cxnSp>
+        <p:nvCxnSpPr>
+          <p:cNvPr id="48" name="Connettore 4 47"/>
+          <p:cNvCxnSpPr>
+            <a:stCxn id="8" idx="7"/>
+            <a:endCxn id="46" idx="1"/>
+          </p:cNvCxnSpPr>
+          <p:nvPr/>
+        </p:nvCxnSpPr>
+        <p:spPr>
+          <a:xfrm rot="5400000" flipH="1" flipV="1">
+            <a:off x="5404779" y="1187332"/>
+            <a:ext cx="254036" cy="1744833"/>
+          </a:xfrm>
+          <a:prstGeom prst="bentConnector2">
+            <a:avLst/>
+          </a:prstGeom>
+          <a:ln>
+            <a:prstDash val="lgDashDotDot"/>
+            <a:tailEnd type="arrow"/>
+          </a:ln>
+        </p:spPr>
+        <p:style>
+          <a:lnRef idx="1">
+            <a:schemeClr val="accent1"/>
+          </a:lnRef>
+          <a:fillRef idx="0">
+            <a:schemeClr val="accent1"/>
+          </a:fillRef>
+          <a:effectRef idx="0">
+            <a:schemeClr val="accent1"/>
+          </a:effectRef>
+          <a:fontRef idx="minor">
+            <a:schemeClr val="tx1"/>
+          </a:fontRef>
+        </p:style>
+      </p:cxnSp>
+      <p:cxnSp>
+        <p:nvCxnSpPr>
+          <p:cNvPr id="49" name="Connettore 4 48"/>
+          <p:cNvCxnSpPr>
+            <a:stCxn id="8" idx="6"/>
+            <a:endCxn id="56" idx="2"/>
+          </p:cNvCxnSpPr>
+          <p:nvPr/>
+        </p:nvCxnSpPr>
+        <p:spPr>
+          <a:xfrm>
+            <a:off x="4777410" y="2444589"/>
+            <a:ext cx="1634549" cy="343008"/>
+          </a:xfrm>
+          <a:prstGeom prst="bentConnector3">
+            <a:avLst>
+              <a:gd name="adj1" fmla="val 50000"/>
+            </a:avLst>
+          </a:prstGeom>
+          <a:ln>
+            <a:prstDash val="lgDashDotDot"/>
+            <a:tailEnd type="arrow"/>
+          </a:ln>
+        </p:spPr>
+        <p:style>
+          <a:lnRef idx="1">
+            <a:schemeClr val="accent1"/>
+          </a:lnRef>
+          <a:fillRef idx="0">
+            <a:schemeClr val="accent1"/>
+          </a:fillRef>
+          <a:effectRef idx="0">
+            <a:schemeClr val="accent1"/>
+          </a:effectRef>
+          <a:fontRef idx="minor">
+            <a:schemeClr val="tx1"/>
+          </a:fontRef>
+        </p:style>
+      </p:cxnSp>
+      <p:sp>
+        <p:nvSpPr>
+          <p:cNvPr id="53" name="CasellaDiTesto 52"/>
+          <p:cNvSpPr txBox="1"/>
+          <p:nvPr/>
+        </p:nvSpPr>
+        <p:spPr>
+          <a:xfrm>
+            <a:off x="7209555" y="1698561"/>
+            <a:ext cx="1435521" cy="369332"/>
+          </a:xfrm>
+          <a:prstGeom prst="rect">
+            <a:avLst/>
+          </a:prstGeom>
+          <a:noFill/>
+        </p:spPr>
+        <p:txBody>
+          <a:bodyPr wrap="none" rtlCol="0">
+            <a:spAutoFit/>
+          </a:bodyPr>
+          <a:lstStyle/>
+          <a:p>
+            <a:r>
+              <a:rPr lang="it-IT" dirty="0" smtClean="0"/>
+              <a:t>1) </a:t>
+            </a:r>
+            <a:r>
+              <a:rPr lang="it-IT" dirty="0" err="1" smtClean="0"/>
+              <a:t>Legacy</a:t>
+            </a:r>
+            <a:r>
+              <a:rPr lang="it-IT" dirty="0" smtClean="0"/>
+              <a:t> </a:t>
+            </a:r>
+            <a:r>
+              <a:rPr lang="it-IT" dirty="0" err="1" smtClean="0"/>
+              <a:t>Old</a:t>
+            </a:r>
+            <a:endParaRPr lang="en-GB" dirty="0"/>
+          </a:p>
+        </p:txBody>
+      </p:sp>
+      <p:sp>
+        <p:nvSpPr>
+          <p:cNvPr id="54" name="CasellaDiTesto 53"/>
+          <p:cNvSpPr txBox="1"/>
+          <p:nvPr/>
+        </p:nvSpPr>
+        <p:spPr>
+          <a:xfrm>
+            <a:off x="7238314" y="2571154"/>
+            <a:ext cx="1937262" cy="369332"/>
+          </a:xfrm>
+          <a:prstGeom prst="rect">
+            <a:avLst/>
+          </a:prstGeom>
+          <a:noFill/>
+        </p:spPr>
+        <p:txBody>
+          <a:bodyPr wrap="none" rtlCol="0">
+            <a:spAutoFit/>
+          </a:bodyPr>
+          <a:lstStyle/>
+          <a:p>
+            <a:r>
+              <a:rPr lang="it-IT" dirty="0" smtClean="0"/>
+              <a:t>2) </a:t>
+            </a:r>
+            <a:r>
+              <a:rPr lang="it-IT" dirty="0" err="1" smtClean="0"/>
+              <a:t>Legacy</a:t>
+            </a:r>
+            <a:r>
+              <a:rPr lang="it-IT" dirty="0" smtClean="0"/>
+              <a:t> with HL7</a:t>
+            </a:r>
+            <a:endParaRPr lang="en-GB" dirty="0"/>
+          </a:p>
+        </p:txBody>
+      </p:sp>
+      <p:sp>
+        <p:nvSpPr>
+          <p:cNvPr id="58" name="CasellaDiTesto 57"/>
+          <p:cNvSpPr txBox="1"/>
+          <p:nvPr/>
+        </p:nvSpPr>
+        <p:spPr>
+          <a:xfrm>
+            <a:off x="7361955" y="3449684"/>
+            <a:ext cx="1411156" cy="646331"/>
+          </a:xfrm>
+          <a:prstGeom prst="rect">
+            <a:avLst/>
+          </a:prstGeom>
+          <a:noFill/>
+        </p:spPr>
+        <p:txBody>
+          <a:bodyPr wrap="none" rtlCol="0">
+            <a:spAutoFit/>
+          </a:bodyPr>
+          <a:lstStyle/>
+          <a:p>
+            <a:r>
+              <a:rPr lang="it-IT" dirty="0" smtClean="0"/>
+              <a:t>3) The future</a:t>
+            </a:r>
+          </a:p>
+          <a:p>
+            <a:r>
+              <a:rPr lang="it-IT" dirty="0" smtClean="0"/>
+              <a:t>With FHIR</a:t>
+            </a:r>
+            <a:endParaRPr lang="en-GB" dirty="0"/>
+          </a:p>
+        </p:txBody>
+      </p:sp>
+      <p:sp>
+        <p:nvSpPr>
+          <p:cNvPr id="60" name="CasellaDiTesto 59"/>
+          <p:cNvSpPr txBox="1"/>
+          <p:nvPr/>
+        </p:nvSpPr>
+        <p:spPr>
+          <a:xfrm>
+            <a:off x="3262311" y="3772849"/>
+            <a:ext cx="2307619" cy="646331"/>
+          </a:xfrm>
+          <a:prstGeom prst="rect">
+            <a:avLst/>
+          </a:prstGeom>
+          <a:noFill/>
+        </p:spPr>
+        <p:txBody>
+          <a:bodyPr wrap="none" rtlCol="0">
+            <a:spAutoFit/>
+          </a:bodyPr>
+          <a:lstStyle/>
+          <a:p>
+            <a:r>
+              <a:rPr lang="it-IT" dirty="0" smtClean="0"/>
+              <a:t>A </a:t>
+            </a:r>
+            <a:r>
+              <a:rPr lang="it-IT" dirty="0" err="1" smtClean="0"/>
+              <a:t>framework</a:t>
+            </a:r>
+            <a:r>
+              <a:rPr lang="it-IT" dirty="0" smtClean="0"/>
+              <a:t> </a:t>
+            </a:r>
+            <a:r>
+              <a:rPr lang="it-IT" dirty="0" smtClean="0"/>
+              <a:t>: </a:t>
+            </a:r>
+            <a:r>
+              <a:rPr lang="en-GB" dirty="0" smtClean="0"/>
+              <a:t>exposes</a:t>
+            </a:r>
+          </a:p>
+          <a:p>
+            <a:r>
+              <a:rPr lang="it-IT" dirty="0"/>
+              <a:t>a REST-API </a:t>
+            </a:r>
+            <a:r>
+              <a:rPr lang="it-IT" dirty="0" smtClean="0"/>
+              <a:t>t</a:t>
+            </a:r>
+            <a:r>
+              <a:rPr lang="en-GB" dirty="0" smtClean="0"/>
+              <a:t>o Core-</a:t>
+            </a:r>
+            <a:r>
+              <a:rPr lang="en-GB" dirty="0" err="1" smtClean="0"/>
+              <a:t>Itel</a:t>
+            </a:r>
+            <a:endParaRPr lang="en-GB" dirty="0"/>
+          </a:p>
+        </p:txBody>
+      </p:sp>
+      <p:cxnSp>
+        <p:nvCxnSpPr>
+          <p:cNvPr id="62" name="Connettore 4 61"/>
+          <p:cNvCxnSpPr>
+            <a:stCxn id="8" idx="2"/>
+          </p:cNvCxnSpPr>
+          <p:nvPr/>
+        </p:nvCxnSpPr>
+        <p:spPr>
+          <a:xfrm rot="10800000" flipV="1">
+            <a:off x="2348651" y="2444588"/>
+            <a:ext cx="1622805" cy="12701"/>
+          </a:xfrm>
+          <a:prstGeom prst="bentConnector3">
+            <a:avLst>
+              <a:gd name="adj1" fmla="val 50000"/>
+            </a:avLst>
+          </a:prstGeom>
+          <a:ln>
+            <a:solidFill>
+              <a:srgbClr val="FF0000"/>
+            </a:solidFill>
+            <a:prstDash val="lgDashDotDot"/>
+            <a:tailEnd type="arrow"/>
+          </a:ln>
+        </p:spPr>
+        <p:style>
+          <a:lnRef idx="1">
+            <a:schemeClr val="accent1"/>
+          </a:lnRef>
+          <a:fillRef idx="0">
+            <a:schemeClr val="accent1"/>
+          </a:fillRef>
+          <a:effectRef idx="0">
+            <a:schemeClr val="accent1"/>
+          </a:effectRef>
+          <a:fontRef idx="minor">
+            <a:schemeClr val="tx1"/>
+          </a:fontRef>
+        </p:style>
+      </p:cxnSp>
+      <p:sp>
+        <p:nvSpPr>
+          <p:cNvPr id="69" name="CasellaDiTesto 68"/>
+          <p:cNvSpPr txBox="1"/>
+          <p:nvPr/>
+        </p:nvSpPr>
+        <p:spPr>
+          <a:xfrm>
+            <a:off x="738151" y="3019992"/>
+            <a:ext cx="2135521" cy="1415772"/>
+          </a:xfrm>
+          <a:prstGeom prst="rect">
+            <a:avLst/>
+          </a:prstGeom>
+          <a:noFill/>
+        </p:spPr>
+        <p:txBody>
+          <a:bodyPr wrap="none" rtlCol="0">
+            <a:spAutoFit/>
+          </a:bodyPr>
+          <a:lstStyle/>
+          <a:p>
+            <a:r>
+              <a:rPr lang="it-IT" dirty="0" err="1" smtClean="0"/>
+              <a:t>Exposes</a:t>
+            </a:r>
+            <a:r>
+              <a:rPr lang="it-IT" dirty="0" smtClean="0"/>
+              <a:t> an </a:t>
+            </a:r>
+            <a:r>
+              <a:rPr lang="it-IT" dirty="0" smtClean="0"/>
+              <a:t>API</a:t>
+            </a:r>
+          </a:p>
+          <a:p>
+            <a:r>
+              <a:rPr lang="it-IT" sz="1400" b="1" dirty="0" smtClean="0">
+                <a:latin typeface="Arial Black" panose="020B0A04020102020204" pitchFamily="34" charset="0"/>
+              </a:rPr>
+              <a:t>full FHIR</a:t>
+            </a:r>
+            <a:endParaRPr lang="en-GB" dirty="0" smtClean="0"/>
+          </a:p>
+          <a:p>
+            <a:r>
+              <a:rPr lang="it-IT" dirty="0" smtClean="0"/>
+              <a:t>….</a:t>
+            </a:r>
+            <a:endParaRPr lang="en-GB" dirty="0" smtClean="0"/>
+          </a:p>
+          <a:p>
+            <a:r>
+              <a:rPr lang="en-GB" dirty="0" smtClean="0"/>
+              <a:t>By </a:t>
+            </a:r>
+            <a:r>
+              <a:rPr lang="it-IT" dirty="0" err="1" smtClean="0"/>
+              <a:t>defining</a:t>
+            </a:r>
+            <a:r>
+              <a:rPr lang="it-IT" dirty="0" smtClean="0"/>
+              <a:t> </a:t>
+            </a:r>
+            <a:r>
+              <a:rPr lang="it-IT" dirty="0" smtClean="0"/>
+              <a:t>a </a:t>
+            </a:r>
+            <a:r>
+              <a:rPr lang="it-IT" dirty="0" err="1" smtClean="0"/>
+              <a:t>proper</a:t>
+            </a:r>
+            <a:r>
+              <a:rPr lang="it-IT" dirty="0" smtClean="0"/>
+              <a:t> </a:t>
+            </a:r>
+          </a:p>
+          <a:p>
+            <a:r>
+              <a:rPr lang="it-IT" dirty="0" smtClean="0"/>
+              <a:t>set of RESOURCES</a:t>
+            </a:r>
+            <a:endParaRPr lang="it-IT" dirty="0" smtClean="0"/>
+          </a:p>
+        </p:txBody>
+      </p:sp>
+      <p:grpSp>
+        <p:nvGrpSpPr>
+          <p:cNvPr id="43" name="Gruppo 42"/>
+          <p:cNvGrpSpPr/>
+          <p:nvPr/>
+        </p:nvGrpSpPr>
+        <p:grpSpPr>
+          <a:xfrm>
+            <a:off x="6404214" y="1555676"/>
+            <a:ext cx="906467" cy="772447"/>
+            <a:chOff x="5477386" y="2072585"/>
+            <a:chExt cx="906467" cy="772447"/>
+          </a:xfrm>
+        </p:grpSpPr>
+        <p:grpSp>
+          <p:nvGrpSpPr>
+            <p:cNvPr id="45" name="Gruppo 44"/>
+            <p:cNvGrpSpPr/>
+            <p:nvPr/>
+          </p:nvGrpSpPr>
+          <p:grpSpPr>
+            <a:xfrm>
+              <a:off x="5498762" y="2072585"/>
+              <a:ext cx="805955" cy="772447"/>
+              <a:chOff x="565700" y="4940367"/>
+              <a:chExt cx="805955" cy="772447"/>
+            </a:xfrm>
+          </p:grpSpPr>
+          <p:sp>
+            <p:nvSpPr>
+              <p:cNvPr id="47" name="Ovale 46"/>
+              <p:cNvSpPr/>
+              <p:nvPr/>
+            </p:nvSpPr>
+            <p:spPr>
+              <a:xfrm>
+                <a:off x="565700" y="4983583"/>
+                <a:ext cx="805955" cy="729231"/>
+              </a:xfrm>
+              <a:prstGeom prst="ellipse">
+                <a:avLst/>
+              </a:prstGeom>
+              <a:solidFill>
+                <a:srgbClr val="CCFF99"/>
+              </a:solidFill>
+              <a:ln/>
+            </p:spPr>
+            <p:style>
+              <a:lnRef idx="1">
+                <a:schemeClr val="accent4"/>
+              </a:lnRef>
+              <a:fillRef idx="2">
+                <a:schemeClr val="accent4"/>
+              </a:fillRef>
+              <a:effectRef idx="1">
+                <a:schemeClr val="accent4"/>
+              </a:effectRef>
+              <a:fontRef idx="minor">
+                <a:schemeClr val="dk1"/>
+              </a:fontRef>
+            </p:style>
+            <p:txBody>
+              <a:bodyPr rtlCol="0" anchor="ctr"/>
+              <a:lstStyle/>
+              <a:p>
+                <a:pPr algn="ctr"/>
+                <a:r>
+                  <a:rPr lang="en-GB" sz="1200" dirty="0"/>
+                  <a:t> </a:t>
+                </a:r>
+              </a:p>
+            </p:txBody>
+          </p:sp>
+          <p:sp>
+            <p:nvSpPr>
+              <p:cNvPr id="50" name="Triangolo isoscele 49"/>
+              <p:cNvSpPr/>
+              <p:nvPr/>
+            </p:nvSpPr>
+            <p:spPr>
+              <a:xfrm rot="16200000">
+                <a:off x="905299" y="4913952"/>
+                <a:ext cx="86434" cy="139263"/>
+              </a:xfrm>
+              <a:prstGeom prst="triangle">
+                <a:avLst/>
+              </a:prstGeom>
+              <a:solidFill>
+                <a:srgbClr val="C00000"/>
+              </a:solidFill>
+              <a:ln/>
+            </p:spPr>
+            <p:style>
+              <a:lnRef idx="1">
+                <a:schemeClr val="accent5"/>
+              </a:lnRef>
+              <a:fillRef idx="2">
+                <a:schemeClr val="accent5"/>
+              </a:fillRef>
+              <a:effectRef idx="1">
+                <a:schemeClr val="accent5"/>
+              </a:effectRef>
+              <a:fontRef idx="minor">
+                <a:schemeClr val="dk1"/>
+              </a:fontRef>
+            </p:style>
+            <p:txBody>
+              <a:bodyPr rtlCol="0" anchor="ctr"/>
+              <a:lstStyle/>
+              <a:p>
+                <a:pPr algn="ctr"/>
+                <a:endParaRPr lang="en-GB" sz="1200">
+                  <a:solidFill>
+                    <a:schemeClr val="dk1"/>
+                  </a:solidFill>
+                </a:endParaRPr>
+              </a:p>
+            </p:txBody>
+          </p:sp>
+        </p:grpSp>
+        <p:sp>
+          <p:nvSpPr>
+            <p:cNvPr id="46" name="CasellaDiTesto 45"/>
+            <p:cNvSpPr txBox="1"/>
+            <p:nvPr/>
+          </p:nvSpPr>
+          <p:spPr>
+            <a:xfrm>
+              <a:off x="5477386" y="2295750"/>
+              <a:ext cx="906467" cy="307777"/>
+            </a:xfrm>
+            <a:prstGeom prst="rect">
+              <a:avLst/>
+            </a:prstGeom>
+            <a:noFill/>
+          </p:spPr>
+          <p:txBody>
+            <a:bodyPr wrap="none" rtlCol="0">
+              <a:spAutoFit/>
+            </a:bodyPr>
+            <a:lstStyle/>
+            <a:p>
+              <a:r>
+                <a:rPr lang="en-GB" sz="1400" b="1" dirty="0" err="1"/>
+                <a:t>CHFacade</a:t>
+              </a:r>
+              <a:endParaRPr lang="en-GB" sz="1400" dirty="0"/>
+            </a:p>
+          </p:txBody>
+        </p:sp>
+      </p:grpSp>
+      <p:grpSp>
+        <p:nvGrpSpPr>
+          <p:cNvPr id="51" name="Gruppo 50"/>
+          <p:cNvGrpSpPr/>
+          <p:nvPr/>
+        </p:nvGrpSpPr>
+        <p:grpSpPr>
+          <a:xfrm>
+            <a:off x="6390583" y="2379765"/>
+            <a:ext cx="906467" cy="772447"/>
+            <a:chOff x="5477386" y="2072585"/>
+            <a:chExt cx="906467" cy="772447"/>
+          </a:xfrm>
+        </p:grpSpPr>
+        <p:grpSp>
+          <p:nvGrpSpPr>
+            <p:cNvPr id="52" name="Gruppo 51"/>
+            <p:cNvGrpSpPr/>
+            <p:nvPr/>
+          </p:nvGrpSpPr>
+          <p:grpSpPr>
+            <a:xfrm>
+              <a:off x="5498762" y="2072585"/>
+              <a:ext cx="805955" cy="772447"/>
+              <a:chOff x="565700" y="4940367"/>
+              <a:chExt cx="805955" cy="772447"/>
+            </a:xfrm>
+          </p:grpSpPr>
+          <p:sp>
+            <p:nvSpPr>
+              <p:cNvPr id="56" name="Ovale 55"/>
+              <p:cNvSpPr/>
+              <p:nvPr/>
+            </p:nvSpPr>
+            <p:spPr>
+              <a:xfrm>
+                <a:off x="565700" y="4983583"/>
+                <a:ext cx="805955" cy="729231"/>
+              </a:xfrm>
+              <a:prstGeom prst="ellipse">
+                <a:avLst/>
+              </a:prstGeom>
+              <a:solidFill>
+                <a:srgbClr val="CCFF99"/>
+              </a:solidFill>
+              <a:ln/>
+            </p:spPr>
+            <p:style>
+              <a:lnRef idx="1">
+                <a:schemeClr val="accent4"/>
+              </a:lnRef>
+              <a:fillRef idx="2">
+                <a:schemeClr val="accent4"/>
+              </a:fillRef>
+              <a:effectRef idx="1">
+                <a:schemeClr val="accent4"/>
+              </a:effectRef>
+              <a:fontRef idx="minor">
+                <a:schemeClr val="dk1"/>
+              </a:fontRef>
+            </p:style>
+            <p:txBody>
+              <a:bodyPr rtlCol="0" anchor="ctr"/>
+              <a:lstStyle/>
+              <a:p>
+                <a:pPr algn="ctr"/>
+                <a:r>
+                  <a:rPr lang="en-GB" sz="1200" dirty="0"/>
+                  <a:t> </a:t>
+                </a:r>
+              </a:p>
+            </p:txBody>
+          </p:sp>
+          <p:sp>
+            <p:nvSpPr>
+              <p:cNvPr id="57" name="Triangolo isoscele 56"/>
+              <p:cNvSpPr/>
+              <p:nvPr/>
+            </p:nvSpPr>
+            <p:spPr>
+              <a:xfrm rot="16200000">
+                <a:off x="905299" y="4913952"/>
+                <a:ext cx="86434" cy="139263"/>
+              </a:xfrm>
+              <a:prstGeom prst="triangle">
+                <a:avLst/>
+              </a:prstGeom>
+              <a:solidFill>
+                <a:srgbClr val="C00000"/>
+              </a:solidFill>
+              <a:ln/>
+            </p:spPr>
+            <p:style>
+              <a:lnRef idx="1">
+                <a:schemeClr val="accent5"/>
+              </a:lnRef>
+              <a:fillRef idx="2">
+                <a:schemeClr val="accent5"/>
+              </a:fillRef>
+              <a:effectRef idx="1">
+                <a:schemeClr val="accent5"/>
+              </a:effectRef>
+              <a:fontRef idx="minor">
+                <a:schemeClr val="dk1"/>
+              </a:fontRef>
+            </p:style>
+            <p:txBody>
+              <a:bodyPr rtlCol="0" anchor="ctr"/>
+              <a:lstStyle/>
+              <a:p>
+                <a:pPr algn="ctr"/>
+                <a:endParaRPr lang="en-GB" sz="1200">
+                  <a:solidFill>
+                    <a:schemeClr val="dk1"/>
+                  </a:solidFill>
+                </a:endParaRPr>
+              </a:p>
+            </p:txBody>
+          </p:sp>
+        </p:grpSp>
+        <p:sp>
+          <p:nvSpPr>
+            <p:cNvPr id="55" name="CasellaDiTesto 54"/>
+            <p:cNvSpPr txBox="1"/>
+            <p:nvPr/>
+          </p:nvSpPr>
+          <p:spPr>
+            <a:xfrm>
+              <a:off x="5477386" y="2295750"/>
+              <a:ext cx="906467" cy="523220"/>
+            </a:xfrm>
+            <a:prstGeom prst="rect">
+              <a:avLst/>
+            </a:prstGeom>
+            <a:noFill/>
+          </p:spPr>
+          <p:txBody>
+            <a:bodyPr wrap="none" rtlCol="0">
+              <a:spAutoFit/>
+            </a:bodyPr>
+            <a:lstStyle/>
+            <a:p>
+              <a:pPr algn="ctr"/>
+              <a:r>
+                <a:rPr lang="en-GB" sz="1400" b="1" dirty="0" err="1" smtClean="0"/>
+                <a:t>CHFacade</a:t>
+              </a:r>
+              <a:endParaRPr lang="en-GB" sz="1400" b="1" dirty="0" smtClean="0"/>
+            </a:p>
+            <a:p>
+              <a:pPr algn="ctr"/>
+              <a:r>
+                <a:rPr lang="it-IT" sz="1400" b="1" dirty="0" smtClean="0">
+                  <a:solidFill>
+                    <a:srgbClr val="0070C0"/>
+                  </a:solidFill>
+                </a:rPr>
+                <a:t>HL7</a:t>
+              </a:r>
+              <a:endParaRPr lang="en-GB" sz="1400" dirty="0">
+                <a:solidFill>
+                  <a:srgbClr val="0070C0"/>
+                </a:solidFill>
+              </a:endParaRPr>
+            </a:p>
+          </p:txBody>
+        </p:sp>
+      </p:grpSp>
+      <p:grpSp>
+        <p:nvGrpSpPr>
+          <p:cNvPr id="59" name="Gruppo 58"/>
+          <p:cNvGrpSpPr/>
+          <p:nvPr/>
+        </p:nvGrpSpPr>
+        <p:grpSpPr>
+          <a:xfrm>
+            <a:off x="1115617" y="1899069"/>
+            <a:ext cx="1053702" cy="965471"/>
+            <a:chOff x="565700" y="4940367"/>
+            <a:chExt cx="805955" cy="772447"/>
+          </a:xfrm>
+        </p:grpSpPr>
+        <p:sp>
+          <p:nvSpPr>
+            <p:cNvPr id="61" name="Ovale 60"/>
+            <p:cNvSpPr/>
+            <p:nvPr/>
+          </p:nvSpPr>
+          <p:spPr>
+            <a:xfrm>
+              <a:off x="565700" y="4983583"/>
+              <a:ext cx="805955" cy="729231"/>
+            </a:xfrm>
+            <a:prstGeom prst="ellipse">
+              <a:avLst/>
+            </a:prstGeom>
+            <a:solidFill>
+              <a:srgbClr val="FF99CC"/>
+            </a:solidFill>
+            <a:ln/>
+          </p:spPr>
+          <p:style>
+            <a:lnRef idx="1">
+              <a:schemeClr val="accent4"/>
+            </a:lnRef>
+            <a:fillRef idx="2">
+              <a:schemeClr val="accent4"/>
+            </a:fillRef>
+            <a:effectRef idx="1">
+              <a:schemeClr val="accent4"/>
+            </a:effectRef>
+            <a:fontRef idx="minor">
+              <a:schemeClr val="dk1"/>
+            </a:fontRef>
+          </p:style>
+          <p:txBody>
+            <a:bodyPr rtlCol="0" anchor="ctr"/>
+            <a:lstStyle/>
+            <a:p>
+              <a:pPr algn="ctr"/>
+              <a:r>
+                <a:rPr lang="en-GB" sz="1200" dirty="0"/>
+                <a:t> </a:t>
+              </a:r>
+            </a:p>
+          </p:txBody>
+        </p:sp>
+        <p:sp>
+          <p:nvSpPr>
+            <p:cNvPr id="64" name="Triangolo isoscele 63"/>
+            <p:cNvSpPr/>
+            <p:nvPr/>
+          </p:nvSpPr>
+          <p:spPr>
+            <a:xfrm rot="16200000">
+              <a:off x="905299" y="4913952"/>
+              <a:ext cx="86434" cy="139263"/>
+            </a:xfrm>
+            <a:prstGeom prst="triangle">
+              <a:avLst/>
+            </a:prstGeom>
+            <a:solidFill>
+              <a:srgbClr val="C00000"/>
+            </a:solidFill>
+            <a:ln/>
+          </p:spPr>
+          <p:style>
+            <a:lnRef idx="1">
+              <a:schemeClr val="accent5"/>
+            </a:lnRef>
+            <a:fillRef idx="2">
+              <a:schemeClr val="accent5"/>
+            </a:fillRef>
+            <a:effectRef idx="1">
+              <a:schemeClr val="accent5"/>
+            </a:effectRef>
+            <a:fontRef idx="minor">
+              <a:schemeClr val="dk1"/>
+            </a:fontRef>
+          </p:style>
+          <p:txBody>
+            <a:bodyPr rtlCol="0" anchor="ctr"/>
+            <a:lstStyle/>
+            <a:p>
+              <a:pPr algn="ctr"/>
+              <a:endParaRPr lang="en-GB" sz="1200">
+                <a:solidFill>
+                  <a:schemeClr val="dk1"/>
+                </a:solidFill>
+              </a:endParaRPr>
+            </a:p>
+          </p:txBody>
+        </p:sp>
+      </p:grpSp>
+      <p:sp>
+        <p:nvSpPr>
+          <p:cNvPr id="65" name="CasellaDiTesto 64"/>
+          <p:cNvSpPr txBox="1"/>
+          <p:nvPr/>
+        </p:nvSpPr>
+        <p:spPr>
+          <a:xfrm>
+            <a:off x="1162734" y="2247702"/>
+            <a:ext cx="1088824" cy="307777"/>
+          </a:xfrm>
+          <a:prstGeom prst="rect">
+            <a:avLst/>
+          </a:prstGeom>
+          <a:noFill/>
+        </p:spPr>
+        <p:txBody>
+          <a:bodyPr wrap="none" rtlCol="0">
+            <a:spAutoFit/>
+          </a:bodyPr>
+          <a:lstStyle/>
+          <a:p>
+            <a:r>
+              <a:rPr lang="en-GB" sz="1400" b="1" dirty="0" err="1" smtClean="0"/>
+              <a:t>ICoreFacade</a:t>
+            </a:r>
+            <a:endParaRPr lang="en-GB" sz="1400" dirty="0"/>
+          </a:p>
+        </p:txBody>
+      </p:sp>
+    </p:spTree>
+    <p:extLst>
+      <p:ext uri="{BB962C8B-B14F-4D97-AF65-F5344CB8AC3E}">
+        <p14:creationId xmlns:p14="http://schemas.microsoft.com/office/powerpoint/2010/main" val="2821166095"/>
       </p:ext>
     </p:extLst>
   </p:cSld>
@@ -16058,7 +18390,7 @@
           <p:cNvPr id="51" name="TextBox 50">
             <a:extLst>
               <a:ext uri="{FF2B5EF4-FFF2-40B4-BE49-F238E27FC236}">
-                <a16:creationId xmlns="" xmlns:a16="http://schemas.microsoft.com/office/drawing/2014/main" id="{38D92C47-6A24-433B-A9D7-48400DFBEE88}"/>
+                <a16:creationId xmlns:a16="http://schemas.microsoft.com/office/drawing/2014/main" xmlns="" id="{38D92C47-6A24-433B-A9D7-48400DFBEE88}"/>
               </a:ext>
             </a:extLst>
           </p:cNvPr>
@@ -16099,7 +18431,7 @@
           <p:cNvPr id="52" name="TextBox 51">
             <a:extLst>
               <a:ext uri="{FF2B5EF4-FFF2-40B4-BE49-F238E27FC236}">
-                <a16:creationId xmlns="" xmlns:a16="http://schemas.microsoft.com/office/drawing/2014/main" id="{46370455-EDDE-4BAF-A68F-1E721D22CFA3}"/>
+                <a16:creationId xmlns:a16="http://schemas.microsoft.com/office/drawing/2014/main" xmlns="" id="{46370455-EDDE-4BAF-A68F-1E721D22CFA3}"/>
               </a:ext>
             </a:extLst>
           </p:cNvPr>
@@ -16140,7 +18472,7 @@
           <p:cNvPr id="54" name="TextBox 53">
             <a:extLst>
               <a:ext uri="{FF2B5EF4-FFF2-40B4-BE49-F238E27FC236}">
-                <a16:creationId xmlns="" xmlns:a16="http://schemas.microsoft.com/office/drawing/2014/main" id="{1F0BD362-AB28-4ABC-B01D-E5FB51A4284F}"/>
+                <a16:creationId xmlns:a16="http://schemas.microsoft.com/office/drawing/2014/main" xmlns="" id="{1F0BD362-AB28-4ABC-B01D-E5FB51A4284F}"/>
               </a:ext>
             </a:extLst>
           </p:cNvPr>
@@ -16175,7 +18507,7 @@
           <p:cNvPr id="55" name="TextBox 54">
             <a:extLst>
               <a:ext uri="{FF2B5EF4-FFF2-40B4-BE49-F238E27FC236}">
-                <a16:creationId xmlns="" xmlns:a16="http://schemas.microsoft.com/office/drawing/2014/main" id="{66A6D040-E92F-405E-8F1C-224FD73DEB6A}"/>
+                <a16:creationId xmlns:a16="http://schemas.microsoft.com/office/drawing/2014/main" xmlns="" id="{66A6D040-E92F-405E-8F1C-224FD73DEB6A}"/>
               </a:ext>
             </a:extLst>
           </p:cNvPr>
@@ -16216,7 +18548,7 @@
           <p:cNvPr id="59" name="TextBox 58">
             <a:extLst>
               <a:ext uri="{FF2B5EF4-FFF2-40B4-BE49-F238E27FC236}">
-                <a16:creationId xmlns="" xmlns:a16="http://schemas.microsoft.com/office/drawing/2014/main" id="{8B737B46-BF72-4F50-880F-A81417342B9C}"/>
+                <a16:creationId xmlns:a16="http://schemas.microsoft.com/office/drawing/2014/main" xmlns="" id="{8B737B46-BF72-4F50-880F-A81417342B9C}"/>
               </a:ext>
             </a:extLst>
           </p:cNvPr>
@@ -16257,7 +18589,7 @@
           <p:cNvPr id="60" name="TextBox 59">
             <a:extLst>
               <a:ext uri="{FF2B5EF4-FFF2-40B4-BE49-F238E27FC236}">
-                <a16:creationId xmlns="" xmlns:a16="http://schemas.microsoft.com/office/drawing/2014/main" id="{635E5AB3-11BB-4188-A9F5-6624D8487908}"/>
+                <a16:creationId xmlns:a16="http://schemas.microsoft.com/office/drawing/2014/main" xmlns="" id="{635E5AB3-11BB-4188-A9F5-6624D8487908}"/>
               </a:ext>
             </a:extLst>
           </p:cNvPr>
@@ -18331,7 +20663,7 @@
           <p:cNvPr id="43" name="TextBox 42">
             <a:extLst>
               <a:ext uri="{FF2B5EF4-FFF2-40B4-BE49-F238E27FC236}">
-                <a16:creationId xmlns="" xmlns:a16="http://schemas.microsoft.com/office/drawing/2014/main" id="{C66D85E0-1A23-448C-9466-6DADEA26156A}"/>
+                <a16:creationId xmlns:a16="http://schemas.microsoft.com/office/drawing/2014/main" xmlns="" id="{C66D85E0-1A23-448C-9466-6DADEA26156A}"/>
               </a:ext>
             </a:extLst>
           </p:cNvPr>
@@ -18372,7 +20704,7 @@
           <p:cNvPr id="44" name="TextBox 43">
             <a:extLst>
               <a:ext uri="{FF2B5EF4-FFF2-40B4-BE49-F238E27FC236}">
-                <a16:creationId xmlns="" xmlns:a16="http://schemas.microsoft.com/office/drawing/2014/main" id="{73BB0B6F-DBD2-4682-88DA-A68E1C43C8EE}"/>
+                <a16:creationId xmlns:a16="http://schemas.microsoft.com/office/drawing/2014/main" xmlns="" id="{73BB0B6F-DBD2-4682-88DA-A68E1C43C8EE}"/>
               </a:ext>
             </a:extLst>
           </p:cNvPr>
@@ -18413,7 +20745,7 @@
           <p:cNvPr id="45" name="TextBox 44">
             <a:extLst>
               <a:ext uri="{FF2B5EF4-FFF2-40B4-BE49-F238E27FC236}">
-                <a16:creationId xmlns="" xmlns:a16="http://schemas.microsoft.com/office/drawing/2014/main" id="{06BB9D57-20AB-4911-8F91-1EAAD2C3D635}"/>
+                <a16:creationId xmlns:a16="http://schemas.microsoft.com/office/drawing/2014/main" xmlns="" id="{06BB9D57-20AB-4911-8F91-1EAAD2C3D635}"/>
               </a:ext>
             </a:extLst>
           </p:cNvPr>
@@ -18448,7 +20780,7 @@
           <p:cNvPr id="46" name="TextBox 45">
             <a:extLst>
               <a:ext uri="{FF2B5EF4-FFF2-40B4-BE49-F238E27FC236}">
-                <a16:creationId xmlns="" xmlns:a16="http://schemas.microsoft.com/office/drawing/2014/main" id="{6BDA7693-CA76-4C97-8FED-A4A65AB5032B}"/>
+                <a16:creationId xmlns:a16="http://schemas.microsoft.com/office/drawing/2014/main" xmlns="" id="{6BDA7693-CA76-4C97-8FED-A4A65AB5032B}"/>
               </a:ext>
             </a:extLst>
           </p:cNvPr>
@@ -18489,7 +20821,7 @@
           <p:cNvPr id="47" name="TextBox 46">
             <a:extLst>
               <a:ext uri="{FF2B5EF4-FFF2-40B4-BE49-F238E27FC236}">
-                <a16:creationId xmlns="" xmlns:a16="http://schemas.microsoft.com/office/drawing/2014/main" id="{F3FF60E3-5733-4A51-BB64-B5D227CFB6FE}"/>
+                <a16:creationId xmlns:a16="http://schemas.microsoft.com/office/drawing/2014/main" xmlns="" id="{F3FF60E3-5733-4A51-BB64-B5D227CFB6FE}"/>
               </a:ext>
             </a:extLst>
           </p:cNvPr>
@@ -18530,7 +20862,7 @@
           <p:cNvPr id="48" name="TextBox 47">
             <a:extLst>
               <a:ext uri="{FF2B5EF4-FFF2-40B4-BE49-F238E27FC236}">
-                <a16:creationId xmlns="" xmlns:a16="http://schemas.microsoft.com/office/drawing/2014/main" id="{6CFBFA02-2444-480B-B78F-A1A7AD55973E}"/>
+                <a16:creationId xmlns:a16="http://schemas.microsoft.com/office/drawing/2014/main" xmlns="" id="{6CFBFA02-2444-480B-B78F-A1A7AD55973E}"/>
               </a:ext>
             </a:extLst>
           </p:cNvPr>
@@ -19321,7 +21653,7 @@
           <p:cNvPr id="12" name="TextBox 45">
             <a:extLst>
               <a:ext uri="{FF2B5EF4-FFF2-40B4-BE49-F238E27FC236}">
-                <a16:creationId xmlns="" xmlns:a16="http://schemas.microsoft.com/office/drawing/2014/main" id="{6BDA7693-CA76-4C97-8FED-A4A65AB5032B}"/>
+                <a16:creationId xmlns:a16="http://schemas.microsoft.com/office/drawing/2014/main" xmlns="" id="{6BDA7693-CA76-4C97-8FED-A4A65AB5032B}"/>
               </a:ext>
             </a:extLst>
           </p:cNvPr>
@@ -19999,7 +22331,7 @@
           <p:cNvPr id="33" name="TextBox 45">
             <a:extLst>
               <a:ext uri="{FF2B5EF4-FFF2-40B4-BE49-F238E27FC236}">
-                <a16:creationId xmlns="" xmlns:a16="http://schemas.microsoft.com/office/drawing/2014/main" id="{6BDA7693-CA76-4C97-8FED-A4A65AB5032B}"/>
+                <a16:creationId xmlns:a16="http://schemas.microsoft.com/office/drawing/2014/main" xmlns="" id="{6BDA7693-CA76-4C97-8FED-A4A65AB5032B}"/>
               </a:ext>
             </a:extLst>
           </p:cNvPr>
@@ -20035,7 +22367,7 @@
           <p:cNvPr id="34" name="TextBox 45">
             <a:extLst>
               <a:ext uri="{FF2B5EF4-FFF2-40B4-BE49-F238E27FC236}">
-                <a16:creationId xmlns="" xmlns:a16="http://schemas.microsoft.com/office/drawing/2014/main" id="{6BDA7693-CA76-4C97-8FED-A4A65AB5032B}"/>
+                <a16:creationId xmlns:a16="http://schemas.microsoft.com/office/drawing/2014/main" xmlns="" id="{6BDA7693-CA76-4C97-8FED-A4A65AB5032B}"/>
               </a:ext>
             </a:extLst>
           </p:cNvPr>
@@ -20445,7 +22777,7 @@
           <p:cNvPr id="52" name="TextBox 45">
             <a:extLst>
               <a:ext uri="{FF2B5EF4-FFF2-40B4-BE49-F238E27FC236}">
-                <a16:creationId xmlns="" xmlns:a16="http://schemas.microsoft.com/office/drawing/2014/main" id="{6BDA7693-CA76-4C97-8FED-A4A65AB5032B}"/>
+                <a16:creationId xmlns:a16="http://schemas.microsoft.com/office/drawing/2014/main" xmlns="" id="{6BDA7693-CA76-4C97-8FED-A4A65AB5032B}"/>
               </a:ext>
             </a:extLst>
           </p:cNvPr>

--- a/health/userDocs/UniboFigs.pptx
+++ b/health/userDocs/UniboFigs.pptx
@@ -19,6 +19,10 @@
     <p:sldId id="271" r:id="rId13"/>
     <p:sldId id="270" r:id="rId14"/>
     <p:sldId id="272" r:id="rId15"/>
+    <p:sldId id="273" r:id="rId16"/>
+    <p:sldId id="274" r:id="rId17"/>
+    <p:sldId id="275" r:id="rId18"/>
+    <p:sldId id="276" r:id="rId19"/>
   </p:sldIdLst>
   <p:sldSz cx="9144000" cy="6858000" type="screen4x3"/>
   <p:notesSz cx="6858000" cy="9144000"/>
@@ -317,7 +321,7 @@
           <a:p>
             <a:fld id="{486DFF9D-000F-417D-A1D1-C441A4010B1E}" type="datetimeFigureOut">
               <a:rPr lang="en-GB" smtClean="0"/>
-              <a:t>30/07/2020</a:t>
+              <a:t>10/08/2020</a:t>
             </a:fld>
             <a:endParaRPr lang="en-GB"/>
           </a:p>
@@ -487,7 +491,7 @@
           <a:p>
             <a:fld id="{486DFF9D-000F-417D-A1D1-C441A4010B1E}" type="datetimeFigureOut">
               <a:rPr lang="en-GB" smtClean="0"/>
-              <a:t>30/07/2020</a:t>
+              <a:t>10/08/2020</a:t>
             </a:fld>
             <a:endParaRPr lang="en-GB"/>
           </a:p>
@@ -667,7 +671,7 @@
           <a:p>
             <a:fld id="{486DFF9D-000F-417D-A1D1-C441A4010B1E}" type="datetimeFigureOut">
               <a:rPr lang="en-GB" smtClean="0"/>
-              <a:t>30/07/2020</a:t>
+              <a:t>10/08/2020</a:t>
             </a:fld>
             <a:endParaRPr lang="en-GB"/>
           </a:p>
@@ -837,7 +841,7 @@
           <a:p>
             <a:fld id="{486DFF9D-000F-417D-A1D1-C441A4010B1E}" type="datetimeFigureOut">
               <a:rPr lang="en-GB" smtClean="0"/>
-              <a:t>30/07/2020</a:t>
+              <a:t>10/08/2020</a:t>
             </a:fld>
             <a:endParaRPr lang="en-GB"/>
           </a:p>
@@ -1083,7 +1087,7 @@
           <a:p>
             <a:fld id="{486DFF9D-000F-417D-A1D1-C441A4010B1E}" type="datetimeFigureOut">
               <a:rPr lang="en-GB" smtClean="0"/>
-              <a:t>30/07/2020</a:t>
+              <a:t>10/08/2020</a:t>
             </a:fld>
             <a:endParaRPr lang="en-GB"/>
           </a:p>
@@ -1371,7 +1375,7 @@
           <a:p>
             <a:fld id="{486DFF9D-000F-417D-A1D1-C441A4010B1E}" type="datetimeFigureOut">
               <a:rPr lang="en-GB" smtClean="0"/>
-              <a:t>30/07/2020</a:t>
+              <a:t>10/08/2020</a:t>
             </a:fld>
             <a:endParaRPr lang="en-GB"/>
           </a:p>
@@ -1793,7 +1797,7 @@
           <a:p>
             <a:fld id="{486DFF9D-000F-417D-A1D1-C441A4010B1E}" type="datetimeFigureOut">
               <a:rPr lang="en-GB" smtClean="0"/>
-              <a:t>30/07/2020</a:t>
+              <a:t>10/08/2020</a:t>
             </a:fld>
             <a:endParaRPr lang="en-GB"/>
           </a:p>
@@ -1911,7 +1915,7 @@
           <a:p>
             <a:fld id="{486DFF9D-000F-417D-A1D1-C441A4010B1E}" type="datetimeFigureOut">
               <a:rPr lang="en-GB" smtClean="0"/>
-              <a:t>30/07/2020</a:t>
+              <a:t>10/08/2020</a:t>
             </a:fld>
             <a:endParaRPr lang="en-GB"/>
           </a:p>
@@ -2006,7 +2010,7 @@
           <a:p>
             <a:fld id="{486DFF9D-000F-417D-A1D1-C441A4010B1E}" type="datetimeFigureOut">
               <a:rPr lang="en-GB" smtClean="0"/>
-              <a:t>30/07/2020</a:t>
+              <a:t>10/08/2020</a:t>
             </a:fld>
             <a:endParaRPr lang="en-GB"/>
           </a:p>
@@ -2283,7 +2287,7 @@
           <a:p>
             <a:fld id="{486DFF9D-000F-417D-A1D1-C441A4010B1E}" type="datetimeFigureOut">
               <a:rPr lang="en-GB" smtClean="0"/>
-              <a:t>30/07/2020</a:t>
+              <a:t>10/08/2020</a:t>
             </a:fld>
             <a:endParaRPr lang="en-GB"/>
           </a:p>
@@ -2536,7 +2540,7 @@
           <a:p>
             <a:fld id="{486DFF9D-000F-417D-A1D1-C441A4010B1E}" type="datetimeFigureOut">
               <a:rPr lang="en-GB" smtClean="0"/>
-              <a:t>30/07/2020</a:t>
+              <a:t>10/08/2020</a:t>
             </a:fld>
             <a:endParaRPr lang="en-GB"/>
           </a:p>
@@ -2749,7 +2753,7 @@
           <a:p>
             <a:fld id="{486DFF9D-000F-417D-A1D1-C441A4010B1E}" type="datetimeFigureOut">
               <a:rPr lang="en-GB" smtClean="0"/>
-              <a:t>30/07/2020</a:t>
+              <a:t>10/08/2020</a:t>
             </a:fld>
             <a:endParaRPr lang="en-GB"/>
           </a:p>
@@ -12508,11 +12512,7 @@
             </a:r>
             <a:r>
               <a:rPr lang="it-IT" dirty="0" smtClean="0"/>
-              <a:t> </a:t>
-            </a:r>
-            <a:r>
-              <a:rPr lang="it-IT" dirty="0" smtClean="0"/>
-              <a:t>: </a:t>
+              <a:t> : </a:t>
             </a:r>
             <a:r>
               <a:rPr lang="en-GB" dirty="0" smtClean="0"/>
@@ -12609,11 +12609,7 @@
             </a:r>
             <a:r>
               <a:rPr lang="it-IT" dirty="0" smtClean="0"/>
-              <a:t> an </a:t>
-            </a:r>
-            <a:r>
-              <a:rPr lang="it-IT" dirty="0" smtClean="0"/>
-              <a:t>API</a:t>
+              <a:t> an API</a:t>
             </a:r>
           </a:p>
           <a:p>
@@ -12643,11 +12639,7 @@
             </a:r>
             <a:r>
               <a:rPr lang="it-IT" dirty="0" smtClean="0"/>
-              <a:t> </a:t>
-            </a:r>
-            <a:r>
-              <a:rPr lang="it-IT" dirty="0" smtClean="0"/>
-              <a:t>a </a:t>
+              <a:t> a </a:t>
             </a:r>
             <a:r>
               <a:rPr lang="it-IT" dirty="0" err="1" smtClean="0"/>
@@ -12663,7 +12655,6 @@
               <a:rPr lang="it-IT" dirty="0" smtClean="0"/>
               <a:t>set of RESOURCES</a:t>
             </a:r>
-            <a:endParaRPr lang="it-IT" dirty="0" smtClean="0"/>
           </a:p>
         </p:txBody>
       </p:sp>
@@ -13126,6 +13117,342 @@
     <p:extLst>
       <p:ext uri="{BB962C8B-B14F-4D97-AF65-F5344CB8AC3E}">
         <p14:creationId xmlns:p14="http://schemas.microsoft.com/office/powerpoint/2010/main" val="2821166095"/>
+      </p:ext>
+    </p:extLst>
+  </p:cSld>
+  <p:clrMapOvr>
+    <a:masterClrMapping/>
+  </p:clrMapOvr>
+</p:sld>
+</file>
+
+<file path=ppt/slides/slide15.xml><?xml version="1.0" encoding="utf-8"?>
+<p:sld xmlns:a="http://schemas.openxmlformats.org/drawingml/2006/main" xmlns:r="http://schemas.openxmlformats.org/officeDocument/2006/relationships" xmlns:p="http://schemas.openxmlformats.org/presentationml/2006/main">
+  <p:cSld>
+    <p:spTree>
+      <p:nvGrpSpPr>
+        <p:cNvPr id="1" name=""/>
+        <p:cNvGrpSpPr/>
+        <p:nvPr/>
+      </p:nvGrpSpPr>
+      <p:grpSpPr>
+        <a:xfrm>
+          <a:off x="0" y="0"/>
+          <a:ext cx="0" cy="0"/>
+          <a:chOff x="0" y="0"/>
+          <a:chExt cx="0" cy="0"/>
+        </a:xfrm>
+      </p:grpSpPr>
+      <p:pic>
+        <p:nvPicPr>
+          <p:cNvPr id="1027" name="Picture 3"/>
+          <p:cNvPicPr>
+            <a:picLocks noChangeAspect="1" noChangeArrowheads="1"/>
+          </p:cNvPicPr>
+          <p:nvPr/>
+        </p:nvPicPr>
+        <p:blipFill>
+          <a:blip r:embed="rId2">
+            <a:extLst>
+              <a:ext uri="{28A0092B-C50C-407E-A947-70E740481C1C}">
+                <a14:useLocalDpi xmlns:a14="http://schemas.microsoft.com/office/drawing/2010/main" val="0"/>
+              </a:ext>
+            </a:extLst>
+          </a:blip>
+          <a:srcRect/>
+          <a:stretch>
+            <a:fillRect/>
+          </a:stretch>
+        </p:blipFill>
+        <p:spPr bwMode="auto">
+          <a:xfrm>
+            <a:off x="1252538" y="1119188"/>
+            <a:ext cx="6638925" cy="4619625"/>
+          </a:xfrm>
+          <a:prstGeom prst="rect">
+            <a:avLst/>
+          </a:prstGeom>
+          <a:noFill/>
+          <a:ln>
+            <a:noFill/>
+          </a:ln>
+          <a:extLst>
+            <a:ext uri="{909E8E84-426E-40DD-AFC4-6F175D3DCCD1}">
+              <a14:hiddenFill xmlns:a14="http://schemas.microsoft.com/office/drawing/2010/main">
+                <a:solidFill>
+                  <a:schemeClr val="accent1"/>
+                </a:solidFill>
+              </a14:hiddenFill>
+            </a:ext>
+            <a:ext uri="{91240B29-F687-4F45-9708-019B960494DF}">
+              <a14:hiddenLine xmlns:a14="http://schemas.microsoft.com/office/drawing/2010/main" w="9525">
+                <a:solidFill>
+                  <a:schemeClr val="tx1"/>
+                </a:solidFill>
+                <a:miter lim="800000"/>
+                <a:headEnd/>
+                <a:tailEnd/>
+              </a14:hiddenLine>
+            </a:ext>
+          </a:extLst>
+        </p:spPr>
+      </p:pic>
+    </p:spTree>
+    <p:extLst>
+      <p:ext uri="{BB962C8B-B14F-4D97-AF65-F5344CB8AC3E}">
+        <p14:creationId xmlns:p14="http://schemas.microsoft.com/office/powerpoint/2010/main" val="2167669677"/>
+      </p:ext>
+    </p:extLst>
+  </p:cSld>
+  <p:clrMapOvr>
+    <a:masterClrMapping/>
+  </p:clrMapOvr>
+</p:sld>
+</file>
+
+<file path=ppt/slides/slide16.xml><?xml version="1.0" encoding="utf-8"?>
+<p:sld xmlns:a="http://schemas.openxmlformats.org/drawingml/2006/main" xmlns:r="http://schemas.openxmlformats.org/officeDocument/2006/relationships" xmlns:p="http://schemas.openxmlformats.org/presentationml/2006/main">
+  <p:cSld>
+    <p:spTree>
+      <p:nvGrpSpPr>
+        <p:cNvPr id="1" name=""/>
+        <p:cNvGrpSpPr/>
+        <p:nvPr/>
+      </p:nvGrpSpPr>
+      <p:grpSpPr>
+        <a:xfrm>
+          <a:off x="0" y="0"/>
+          <a:ext cx="0" cy="0"/>
+          <a:chOff x="0" y="0"/>
+          <a:chExt cx="0" cy="0"/>
+        </a:xfrm>
+      </p:grpSpPr>
+      <p:pic>
+        <p:nvPicPr>
+          <p:cNvPr id="2050" name="Picture 2"/>
+          <p:cNvPicPr>
+            <a:picLocks noChangeAspect="1" noChangeArrowheads="1"/>
+          </p:cNvPicPr>
+          <p:nvPr/>
+        </p:nvPicPr>
+        <p:blipFill>
+          <a:blip r:embed="rId2">
+            <a:extLst>
+              <a:ext uri="{28A0092B-C50C-407E-A947-70E740481C1C}">
+                <a14:useLocalDpi xmlns:a14="http://schemas.microsoft.com/office/drawing/2010/main" val="0"/>
+              </a:ext>
+            </a:extLst>
+          </a:blip>
+          <a:srcRect/>
+          <a:stretch>
+            <a:fillRect/>
+          </a:stretch>
+        </p:blipFill>
+        <p:spPr bwMode="auto">
+          <a:xfrm>
+            <a:off x="1252538" y="1252538"/>
+            <a:ext cx="6638925" cy="4352925"/>
+          </a:xfrm>
+          <a:prstGeom prst="rect">
+            <a:avLst/>
+          </a:prstGeom>
+          <a:noFill/>
+          <a:ln>
+            <a:noFill/>
+          </a:ln>
+          <a:extLst>
+            <a:ext uri="{909E8E84-426E-40DD-AFC4-6F175D3DCCD1}">
+              <a14:hiddenFill xmlns:a14="http://schemas.microsoft.com/office/drawing/2010/main">
+                <a:solidFill>
+                  <a:schemeClr val="accent1"/>
+                </a:solidFill>
+              </a14:hiddenFill>
+            </a:ext>
+            <a:ext uri="{91240B29-F687-4F45-9708-019B960494DF}">
+              <a14:hiddenLine xmlns:a14="http://schemas.microsoft.com/office/drawing/2010/main" w="9525">
+                <a:solidFill>
+                  <a:schemeClr val="tx1"/>
+                </a:solidFill>
+                <a:miter lim="800000"/>
+                <a:headEnd/>
+                <a:tailEnd/>
+              </a14:hiddenLine>
+            </a:ext>
+          </a:extLst>
+        </p:spPr>
+      </p:pic>
+    </p:spTree>
+    <p:extLst>
+      <p:ext uri="{BB962C8B-B14F-4D97-AF65-F5344CB8AC3E}">
+        <p14:creationId xmlns:p14="http://schemas.microsoft.com/office/powerpoint/2010/main" val="1461316647"/>
+      </p:ext>
+    </p:extLst>
+  </p:cSld>
+  <p:clrMapOvr>
+    <a:masterClrMapping/>
+  </p:clrMapOvr>
+</p:sld>
+</file>
+
+<file path=ppt/slides/slide17.xml><?xml version="1.0" encoding="utf-8"?>
+<p:sld xmlns:a="http://schemas.openxmlformats.org/drawingml/2006/main" xmlns:r="http://schemas.openxmlformats.org/officeDocument/2006/relationships" xmlns:p="http://schemas.openxmlformats.org/presentationml/2006/main">
+  <p:cSld>
+    <p:spTree>
+      <p:nvGrpSpPr>
+        <p:cNvPr id="1" name=""/>
+        <p:cNvGrpSpPr/>
+        <p:nvPr/>
+      </p:nvGrpSpPr>
+      <p:grpSpPr>
+        <a:xfrm>
+          <a:off x="0" y="0"/>
+          <a:ext cx="0" cy="0"/>
+          <a:chOff x="0" y="0"/>
+          <a:chExt cx="0" cy="0"/>
+        </a:xfrm>
+      </p:grpSpPr>
+      <p:pic>
+        <p:nvPicPr>
+          <p:cNvPr id="3074" name="Picture 2"/>
+          <p:cNvPicPr>
+            <a:picLocks noChangeAspect="1" noChangeArrowheads="1"/>
+          </p:cNvPicPr>
+          <p:nvPr/>
+        </p:nvPicPr>
+        <p:blipFill>
+          <a:blip r:embed="rId2">
+            <a:extLst>
+              <a:ext uri="{28A0092B-C50C-407E-A947-70E740481C1C}">
+                <a14:useLocalDpi xmlns:a14="http://schemas.microsoft.com/office/drawing/2010/main" val="0"/>
+              </a:ext>
+            </a:extLst>
+          </a:blip>
+          <a:srcRect/>
+          <a:stretch>
+            <a:fillRect/>
+          </a:stretch>
+        </p:blipFill>
+        <p:spPr bwMode="auto">
+          <a:xfrm>
+            <a:off x="1252538" y="600075"/>
+            <a:ext cx="6638925" cy="5657850"/>
+          </a:xfrm>
+          <a:prstGeom prst="rect">
+            <a:avLst/>
+          </a:prstGeom>
+          <a:noFill/>
+          <a:ln>
+            <a:noFill/>
+          </a:ln>
+          <a:extLst>
+            <a:ext uri="{909E8E84-426E-40DD-AFC4-6F175D3DCCD1}">
+              <a14:hiddenFill xmlns:a14="http://schemas.microsoft.com/office/drawing/2010/main">
+                <a:solidFill>
+                  <a:schemeClr val="accent1"/>
+                </a:solidFill>
+              </a14:hiddenFill>
+            </a:ext>
+            <a:ext uri="{91240B29-F687-4F45-9708-019B960494DF}">
+              <a14:hiddenLine xmlns:a14="http://schemas.microsoft.com/office/drawing/2010/main" w="9525">
+                <a:solidFill>
+                  <a:schemeClr val="tx1"/>
+                </a:solidFill>
+                <a:miter lim="800000"/>
+                <a:headEnd/>
+                <a:tailEnd/>
+              </a14:hiddenLine>
+            </a:ext>
+          </a:extLst>
+        </p:spPr>
+      </p:pic>
+    </p:spTree>
+    <p:extLst>
+      <p:ext uri="{BB962C8B-B14F-4D97-AF65-F5344CB8AC3E}">
+        <p14:creationId xmlns:p14="http://schemas.microsoft.com/office/powerpoint/2010/main" val="3157537335"/>
+      </p:ext>
+    </p:extLst>
+  </p:cSld>
+  <p:clrMapOvr>
+    <a:masterClrMapping/>
+  </p:clrMapOvr>
+</p:sld>
+</file>
+
+<file path=ppt/slides/slide18.xml><?xml version="1.0" encoding="utf-8"?>
+<p:sld xmlns:a="http://schemas.openxmlformats.org/drawingml/2006/main" xmlns:r="http://schemas.openxmlformats.org/officeDocument/2006/relationships" xmlns:p="http://schemas.openxmlformats.org/presentationml/2006/main">
+  <p:cSld>
+    <p:spTree>
+      <p:nvGrpSpPr>
+        <p:cNvPr id="1" name=""/>
+        <p:cNvGrpSpPr/>
+        <p:nvPr/>
+      </p:nvGrpSpPr>
+      <p:grpSpPr>
+        <a:xfrm>
+          <a:off x="0" y="0"/>
+          <a:ext cx="0" cy="0"/>
+          <a:chOff x="0" y="0"/>
+          <a:chExt cx="0" cy="0"/>
+        </a:xfrm>
+      </p:grpSpPr>
+      <p:pic>
+        <p:nvPicPr>
+          <p:cNvPr id="1026" name="Picture 2"/>
+          <p:cNvPicPr>
+            <a:picLocks noChangeAspect="1" noChangeArrowheads="1"/>
+          </p:cNvPicPr>
+          <p:nvPr/>
+        </p:nvPicPr>
+        <p:blipFill>
+          <a:blip r:embed="rId2">
+            <a:extLst>
+              <a:ext uri="{28A0092B-C50C-407E-A947-70E740481C1C}">
+                <a14:useLocalDpi xmlns:a14="http://schemas.microsoft.com/office/drawing/2010/main" val="0"/>
+              </a:ext>
+            </a:extLst>
+          </a:blip>
+          <a:srcRect/>
+          <a:stretch>
+            <a:fillRect/>
+          </a:stretch>
+        </p:blipFill>
+        <p:spPr bwMode="auto">
+          <a:xfrm>
+            <a:off x="1871663" y="766763"/>
+            <a:ext cx="5400675" cy="5324475"/>
+          </a:xfrm>
+          <a:prstGeom prst="rect">
+            <a:avLst/>
+          </a:prstGeom>
+          <a:noFill/>
+          <a:ln>
+            <a:noFill/>
+          </a:ln>
+          <a:extLst>
+            <a:ext uri="{909E8E84-426E-40DD-AFC4-6F175D3DCCD1}">
+              <a14:hiddenFill xmlns:a14="http://schemas.microsoft.com/office/drawing/2010/main">
+                <a:solidFill>
+                  <a:schemeClr val="accent1"/>
+                </a:solidFill>
+              </a14:hiddenFill>
+            </a:ext>
+            <a:ext uri="{91240B29-F687-4F45-9708-019B960494DF}">
+              <a14:hiddenLine xmlns:a14="http://schemas.microsoft.com/office/drawing/2010/main" w="9525">
+                <a:solidFill>
+                  <a:schemeClr val="tx1"/>
+                </a:solidFill>
+                <a:miter lim="800000"/>
+                <a:headEnd/>
+                <a:tailEnd/>
+              </a14:hiddenLine>
+            </a:ext>
+          </a:extLst>
+        </p:spPr>
+      </p:pic>
+    </p:spTree>
+    <p:extLst>
+      <p:ext uri="{BB962C8B-B14F-4D97-AF65-F5344CB8AC3E}">
+        <p14:creationId xmlns:p14="http://schemas.microsoft.com/office/powerpoint/2010/main" val="1958561616"/>
       </p:ext>
     </p:extLst>
   </p:cSld>

--- a/health/userDocs/UniboFigs.pptx
+++ b/health/userDocs/UniboFigs.pptx
@@ -19,10 +19,11 @@
     <p:sldId id="271" r:id="rId13"/>
     <p:sldId id="270" r:id="rId14"/>
     <p:sldId id="272" r:id="rId15"/>
-    <p:sldId id="273" r:id="rId16"/>
-    <p:sldId id="274" r:id="rId17"/>
-    <p:sldId id="275" r:id="rId18"/>
-    <p:sldId id="276" r:id="rId19"/>
+    <p:sldId id="277" r:id="rId16"/>
+    <p:sldId id="273" r:id="rId17"/>
+    <p:sldId id="274" r:id="rId18"/>
+    <p:sldId id="275" r:id="rId19"/>
+    <p:sldId id="276" r:id="rId20"/>
   </p:sldIdLst>
   <p:sldSz cx="9144000" cy="6858000" type="screen4x3"/>
   <p:notesSz cx="6858000" cy="9144000"/>
@@ -123,7 +124,7 @@
   </p:defaultTextStyle>
   <p:extLst>
     <p:ext uri="{EFAFB233-063F-42B5-8137-9DF3F51BA10A}">
-      <p15:sldGuideLst xmlns:p15="http://schemas.microsoft.com/office/powerpoint/2012/main" xmlns="">
+      <p15:sldGuideLst xmlns="" xmlns:p15="http://schemas.microsoft.com/office/powerpoint/2012/main">
         <p15:guide id="1" orient="horz" pos="2160">
           <p15:clr>
             <a:srgbClr val="A4A3A4"/>
@@ -321,7 +322,7 @@
           <a:p>
             <a:fld id="{486DFF9D-000F-417D-A1D1-C441A4010B1E}" type="datetimeFigureOut">
               <a:rPr lang="en-GB" smtClean="0"/>
-              <a:t>10/08/2020</a:t>
+              <a:t>14/08/2020</a:t>
             </a:fld>
             <a:endParaRPr lang="en-GB"/>
           </a:p>
@@ -491,7 +492,7 @@
           <a:p>
             <a:fld id="{486DFF9D-000F-417D-A1D1-C441A4010B1E}" type="datetimeFigureOut">
               <a:rPr lang="en-GB" smtClean="0"/>
-              <a:t>10/08/2020</a:t>
+              <a:t>14/08/2020</a:t>
             </a:fld>
             <a:endParaRPr lang="en-GB"/>
           </a:p>
@@ -671,7 +672,7 @@
           <a:p>
             <a:fld id="{486DFF9D-000F-417D-A1D1-C441A4010B1E}" type="datetimeFigureOut">
               <a:rPr lang="en-GB" smtClean="0"/>
-              <a:t>10/08/2020</a:t>
+              <a:t>14/08/2020</a:t>
             </a:fld>
             <a:endParaRPr lang="en-GB"/>
           </a:p>
@@ -841,7 +842,7 @@
           <a:p>
             <a:fld id="{486DFF9D-000F-417D-A1D1-C441A4010B1E}" type="datetimeFigureOut">
               <a:rPr lang="en-GB" smtClean="0"/>
-              <a:t>10/08/2020</a:t>
+              <a:t>14/08/2020</a:t>
             </a:fld>
             <a:endParaRPr lang="en-GB"/>
           </a:p>
@@ -1087,7 +1088,7 @@
           <a:p>
             <a:fld id="{486DFF9D-000F-417D-A1D1-C441A4010B1E}" type="datetimeFigureOut">
               <a:rPr lang="en-GB" smtClean="0"/>
-              <a:t>10/08/2020</a:t>
+              <a:t>14/08/2020</a:t>
             </a:fld>
             <a:endParaRPr lang="en-GB"/>
           </a:p>
@@ -1375,7 +1376,7 @@
           <a:p>
             <a:fld id="{486DFF9D-000F-417D-A1D1-C441A4010B1E}" type="datetimeFigureOut">
               <a:rPr lang="en-GB" smtClean="0"/>
-              <a:t>10/08/2020</a:t>
+              <a:t>14/08/2020</a:t>
             </a:fld>
             <a:endParaRPr lang="en-GB"/>
           </a:p>
@@ -1797,7 +1798,7 @@
           <a:p>
             <a:fld id="{486DFF9D-000F-417D-A1D1-C441A4010B1E}" type="datetimeFigureOut">
               <a:rPr lang="en-GB" smtClean="0"/>
-              <a:t>10/08/2020</a:t>
+              <a:t>14/08/2020</a:t>
             </a:fld>
             <a:endParaRPr lang="en-GB"/>
           </a:p>
@@ -1915,7 +1916,7 @@
           <a:p>
             <a:fld id="{486DFF9D-000F-417D-A1D1-C441A4010B1E}" type="datetimeFigureOut">
               <a:rPr lang="en-GB" smtClean="0"/>
-              <a:t>10/08/2020</a:t>
+              <a:t>14/08/2020</a:t>
             </a:fld>
             <a:endParaRPr lang="en-GB"/>
           </a:p>
@@ -2010,7 +2011,7 @@
           <a:p>
             <a:fld id="{486DFF9D-000F-417D-A1D1-C441A4010B1E}" type="datetimeFigureOut">
               <a:rPr lang="en-GB" smtClean="0"/>
-              <a:t>10/08/2020</a:t>
+              <a:t>14/08/2020</a:t>
             </a:fld>
             <a:endParaRPr lang="en-GB"/>
           </a:p>
@@ -2287,7 +2288,7 @@
           <a:p>
             <a:fld id="{486DFF9D-000F-417D-A1D1-C441A4010B1E}" type="datetimeFigureOut">
               <a:rPr lang="en-GB" smtClean="0"/>
-              <a:t>10/08/2020</a:t>
+              <a:t>14/08/2020</a:t>
             </a:fld>
             <a:endParaRPr lang="en-GB"/>
           </a:p>
@@ -2540,7 +2541,7 @@
           <a:p>
             <a:fld id="{486DFF9D-000F-417D-A1D1-C441A4010B1E}" type="datetimeFigureOut">
               <a:rPr lang="en-GB" smtClean="0"/>
-              <a:t>10/08/2020</a:t>
+              <a:t>14/08/2020</a:t>
             </a:fld>
             <a:endParaRPr lang="en-GB"/>
           </a:p>
@@ -2753,7 +2754,7 @@
           <a:p>
             <a:fld id="{486DFF9D-000F-417D-A1D1-C441A4010B1E}" type="datetimeFigureOut">
               <a:rPr lang="en-GB" smtClean="0"/>
-              <a:t>10/08/2020</a:t>
+              <a:t>14/08/2020</a:t>
             </a:fld>
             <a:endParaRPr lang="en-GB"/>
           </a:p>
@@ -6170,7 +6171,7 @@
           <p:cNvPr id="12" name="TextBox 45">
             <a:extLst>
               <a:ext uri="{FF2B5EF4-FFF2-40B4-BE49-F238E27FC236}">
-                <a16:creationId xmlns:a16="http://schemas.microsoft.com/office/drawing/2014/main" xmlns="" id="{6BDA7693-CA76-4C97-8FED-A4A65AB5032B}"/>
+                <a16:creationId xmlns="" xmlns:a16="http://schemas.microsoft.com/office/drawing/2014/main" id="{6BDA7693-CA76-4C97-8FED-A4A65AB5032B}"/>
               </a:ext>
             </a:extLst>
           </p:cNvPr>
@@ -7718,7 +7719,7 @@
           <p:cNvPr id="12" name="TextBox 45">
             <a:extLst>
               <a:ext uri="{FF2B5EF4-FFF2-40B4-BE49-F238E27FC236}">
-                <a16:creationId xmlns:a16="http://schemas.microsoft.com/office/drawing/2014/main" xmlns="" id="{6BDA7693-CA76-4C97-8FED-A4A65AB5032B}"/>
+                <a16:creationId xmlns="" xmlns:a16="http://schemas.microsoft.com/office/drawing/2014/main" id="{6BDA7693-CA76-4C97-8FED-A4A65AB5032B}"/>
               </a:ext>
             </a:extLst>
           </p:cNvPr>
@@ -9731,7 +9732,7 @@
           <p:cNvPr id="6" name="TextBox 45">
             <a:extLst>
               <a:ext uri="{FF2B5EF4-FFF2-40B4-BE49-F238E27FC236}">
-                <a16:creationId xmlns:a16="http://schemas.microsoft.com/office/drawing/2014/main" xmlns="" id="{6BDA7693-CA76-4C97-8FED-A4A65AB5032B}"/>
+                <a16:creationId xmlns="" xmlns:a16="http://schemas.microsoft.com/office/drawing/2014/main" id="{6BDA7693-CA76-4C97-8FED-A4A65AB5032B}"/>
               </a:ext>
             </a:extLst>
           </p:cNvPr>
@@ -10239,7 +10240,7 @@
           <p:cNvPr id="27" name="TextBox 45">
             <a:extLst>
               <a:ext uri="{FF2B5EF4-FFF2-40B4-BE49-F238E27FC236}">
-                <a16:creationId xmlns:a16="http://schemas.microsoft.com/office/drawing/2014/main" xmlns="" id="{6BDA7693-CA76-4C97-8FED-A4A65AB5032B}"/>
+                <a16:creationId xmlns="" xmlns:a16="http://schemas.microsoft.com/office/drawing/2014/main" id="{6BDA7693-CA76-4C97-8FED-A4A65AB5032B}"/>
               </a:ext>
             </a:extLst>
           </p:cNvPr>
@@ -10275,7 +10276,7 @@
           <p:cNvPr id="28" name="TextBox 45">
             <a:extLst>
               <a:ext uri="{FF2B5EF4-FFF2-40B4-BE49-F238E27FC236}">
-                <a16:creationId xmlns:a16="http://schemas.microsoft.com/office/drawing/2014/main" xmlns="" id="{6BDA7693-CA76-4C97-8FED-A4A65AB5032B}"/>
+                <a16:creationId xmlns="" xmlns:a16="http://schemas.microsoft.com/office/drawing/2014/main" id="{6BDA7693-CA76-4C97-8FED-A4A65AB5032B}"/>
               </a:ext>
             </a:extLst>
           </p:cNvPr>
@@ -11823,7 +11824,7 @@
           <p:cNvPr id="6" name="TextBox 45">
             <a:extLst>
               <a:ext uri="{FF2B5EF4-FFF2-40B4-BE49-F238E27FC236}">
-                <a16:creationId xmlns:a16="http://schemas.microsoft.com/office/drawing/2014/main" xmlns="" id="{6BDA7693-CA76-4C97-8FED-A4A65AB5032B}"/>
+                <a16:creationId xmlns="" xmlns:a16="http://schemas.microsoft.com/office/drawing/2014/main" id="{6BDA7693-CA76-4C97-8FED-A4A65AB5032B}"/>
               </a:ext>
             </a:extLst>
           </p:cNvPr>
@@ -13143,64 +13144,2528 @@
           <a:chExt cx="0" cy="0"/>
         </a:xfrm>
       </p:grpSpPr>
-      <p:pic>
-        <p:nvPicPr>
-          <p:cNvPr id="1027" name="Picture 3"/>
-          <p:cNvPicPr>
-            <a:picLocks noChangeAspect="1" noChangeArrowheads="1"/>
-          </p:cNvPicPr>
-          <p:nvPr/>
-        </p:nvPicPr>
-        <p:blipFill>
-          <a:blip r:embed="rId2">
+      <p:cxnSp>
+        <p:nvCxnSpPr>
+          <p:cNvPr id="117" name="Connettore 1 116"/>
+          <p:cNvCxnSpPr/>
+          <p:nvPr/>
+        </p:nvCxnSpPr>
+        <p:spPr>
+          <a:xfrm flipH="1">
+            <a:off x="4821060" y="599368"/>
+            <a:ext cx="103835" cy="6069992"/>
+          </a:xfrm>
+          <a:prstGeom prst="line">
+            <a:avLst/>
+          </a:prstGeom>
+        </p:spPr>
+        <p:style>
+          <a:lnRef idx="1">
+            <a:schemeClr val="accent1"/>
+          </a:lnRef>
+          <a:fillRef idx="0">
+            <a:schemeClr val="accent1"/>
+          </a:fillRef>
+          <a:effectRef idx="0">
+            <a:schemeClr val="accent1"/>
+          </a:effectRef>
+          <a:fontRef idx="minor">
+            <a:schemeClr val="tx1"/>
+          </a:fontRef>
+        </p:style>
+      </p:cxnSp>
+      <p:sp>
+        <p:nvSpPr>
+          <p:cNvPr id="2" name="TextBox 45">
             <a:extLst>
-              <a:ext uri="{28A0092B-C50C-407E-A947-70E740481C1C}">
-                <a14:useLocalDpi xmlns:a14="http://schemas.microsoft.com/office/drawing/2010/main" val="0"/>
+              <a:ext uri="{FF2B5EF4-FFF2-40B4-BE49-F238E27FC236}">
+                <a16:creationId xmlns="" xmlns:a16="http://schemas.microsoft.com/office/drawing/2014/main" id="{6BDA7693-CA76-4C97-8FED-A4A65AB5032B}"/>
               </a:ext>
             </a:extLst>
-          </a:blip>
-          <a:srcRect/>
-          <a:stretch>
-            <a:fillRect/>
-          </a:stretch>
-        </p:blipFill>
-        <p:spPr bwMode="auto">
-          <a:xfrm>
-            <a:off x="1252538" y="1119188"/>
-            <a:ext cx="6638925" cy="4619625"/>
+          </p:cNvPr>
+          <p:cNvSpPr txBox="1"/>
+          <p:nvPr/>
+        </p:nvSpPr>
+        <p:spPr>
+          <a:xfrm>
+            <a:off x="2006916" y="373306"/>
+            <a:ext cx="1568443" cy="369332"/>
           </a:xfrm>
           <a:prstGeom prst="rect">
             <a:avLst/>
           </a:prstGeom>
           <a:noFill/>
+        </p:spPr>
+        <p:txBody>
+          <a:bodyPr wrap="none" rtlCol="0">
+            <a:spAutoFit/>
+          </a:bodyPr>
+          <a:lstStyle/>
+          <a:p>
+            <a:r>
+              <a:rPr lang="en-US" b="1" dirty="0" err="1" smtClean="0"/>
+              <a:t>HealthProduct</a:t>
+            </a:r>
+            <a:endParaRPr lang="en-US" b="1" dirty="0"/>
+          </a:p>
+        </p:txBody>
+      </p:sp>
+      <p:grpSp>
+        <p:nvGrpSpPr>
+          <p:cNvPr id="3" name="Gruppo 2"/>
+          <p:cNvGrpSpPr/>
+          <p:nvPr/>
+        </p:nvGrpSpPr>
+        <p:grpSpPr>
+          <a:xfrm>
+            <a:off x="944709" y="764704"/>
+            <a:ext cx="4347370" cy="4213779"/>
+            <a:chOff x="565700" y="4940367"/>
+            <a:chExt cx="805955" cy="772447"/>
+          </a:xfrm>
+        </p:grpSpPr>
+        <p:sp>
+          <p:nvSpPr>
+            <p:cNvPr id="4" name="Ovale 3"/>
+            <p:cNvSpPr/>
+            <p:nvPr/>
+          </p:nvSpPr>
+          <p:spPr>
+            <a:xfrm>
+              <a:off x="565700" y="4983583"/>
+              <a:ext cx="805955" cy="729231"/>
+            </a:xfrm>
+            <a:prstGeom prst="ellipse">
+              <a:avLst/>
+            </a:prstGeom>
+            <a:ln/>
+          </p:spPr>
+          <p:style>
+            <a:lnRef idx="1">
+              <a:schemeClr val="accent4"/>
+            </a:lnRef>
+            <a:fillRef idx="2">
+              <a:schemeClr val="accent4"/>
+            </a:fillRef>
+            <a:effectRef idx="1">
+              <a:schemeClr val="accent4"/>
+            </a:effectRef>
+            <a:fontRef idx="minor">
+              <a:schemeClr val="dk1"/>
+            </a:fontRef>
+          </p:style>
+          <p:txBody>
+            <a:bodyPr rtlCol="0" anchor="ctr"/>
+            <a:lstStyle/>
+            <a:p>
+              <a:pPr algn="ctr"/>
+              <a:r>
+                <a:rPr lang="en-GB" sz="1200" dirty="0"/>
+                <a:t> </a:t>
+              </a:r>
+            </a:p>
+          </p:txBody>
+        </p:sp>
+        <p:sp>
+          <p:nvSpPr>
+            <p:cNvPr id="5" name="Triangolo isoscele 4"/>
+            <p:cNvSpPr/>
+            <p:nvPr/>
+          </p:nvSpPr>
+          <p:spPr>
+            <a:xfrm rot="16200000">
+              <a:off x="905299" y="4913952"/>
+              <a:ext cx="86434" cy="139263"/>
+            </a:xfrm>
+            <a:prstGeom prst="triangle">
+              <a:avLst/>
+            </a:prstGeom>
+            <a:solidFill>
+              <a:srgbClr val="C00000"/>
+            </a:solidFill>
+            <a:ln/>
+          </p:spPr>
+          <p:style>
+            <a:lnRef idx="1">
+              <a:schemeClr val="accent5"/>
+            </a:lnRef>
+            <a:fillRef idx="2">
+              <a:schemeClr val="accent5"/>
+            </a:fillRef>
+            <a:effectRef idx="1">
+              <a:schemeClr val="accent5"/>
+            </a:effectRef>
+            <a:fontRef idx="minor">
+              <a:schemeClr val="dk1"/>
+            </a:fontRef>
+          </p:style>
+          <p:txBody>
+            <a:bodyPr rtlCol="0" anchor="ctr"/>
+            <a:lstStyle/>
+            <a:p>
+              <a:pPr algn="ctr"/>
+              <a:endParaRPr lang="en-GB" sz="1200">
+                <a:solidFill>
+                  <a:schemeClr val="dk1"/>
+                </a:solidFill>
+              </a:endParaRPr>
+            </a:p>
+          </p:txBody>
+        </p:sp>
+      </p:grpSp>
+      <p:sp>
+        <p:nvSpPr>
+          <p:cNvPr id="6" name="Ovale 5"/>
+          <p:cNvSpPr/>
+          <p:nvPr/>
+        </p:nvSpPr>
+        <p:spPr>
+          <a:xfrm>
+            <a:off x="1953589" y="1316865"/>
+            <a:ext cx="2160240" cy="1007945"/>
+          </a:xfrm>
+          <a:prstGeom prst="ellipse">
+            <a:avLst/>
+          </a:prstGeom>
+        </p:spPr>
+        <p:style>
+          <a:lnRef idx="1">
+            <a:schemeClr val="accent5"/>
+          </a:lnRef>
+          <a:fillRef idx="2">
+            <a:schemeClr val="accent5"/>
+          </a:fillRef>
+          <a:effectRef idx="1">
+            <a:schemeClr val="accent5"/>
+          </a:effectRef>
+          <a:fontRef idx="minor">
+            <a:schemeClr val="dk1"/>
+          </a:fontRef>
+        </p:style>
+        <p:txBody>
+          <a:bodyPr rtlCol="0" anchor="ctr"/>
+          <a:lstStyle/>
+          <a:p>
+            <a:pPr algn="ctr"/>
+            <a:r>
+              <a:rPr lang="en-GB" sz="1600" dirty="0" err="1" smtClean="0"/>
+              <a:t>HealthService</a:t>
+            </a:r>
+            <a:endParaRPr lang="en-GB" sz="1600" dirty="0" smtClean="0"/>
+          </a:p>
+          <a:p>
+            <a:pPr algn="ctr"/>
+            <a:r>
+              <a:rPr lang="it-IT" sz="1600" dirty="0" smtClean="0"/>
+              <a:t>(</a:t>
+            </a:r>
+            <a:r>
+              <a:rPr lang="it-IT" sz="1600" dirty="0" err="1" smtClean="0"/>
+              <a:t>BusinessLogic</a:t>
+            </a:r>
+            <a:r>
+              <a:rPr lang="it-IT" sz="1600" dirty="0" smtClean="0"/>
+              <a:t>)</a:t>
+            </a:r>
+            <a:endParaRPr lang="en-GB" sz="1600" dirty="0"/>
+          </a:p>
+        </p:txBody>
+      </p:sp>
+      <p:sp>
+        <p:nvSpPr>
+          <p:cNvPr id="7" name="Ovale 6"/>
+          <p:cNvSpPr/>
+          <p:nvPr/>
+        </p:nvSpPr>
+        <p:spPr>
+          <a:xfrm>
+            <a:off x="2676914" y="3819357"/>
+            <a:ext cx="2247981" cy="807067"/>
+          </a:xfrm>
+          <a:prstGeom prst="ellipse">
+            <a:avLst/>
+          </a:prstGeom>
+        </p:spPr>
+        <p:style>
+          <a:lnRef idx="1">
+            <a:schemeClr val="accent5"/>
+          </a:lnRef>
+          <a:fillRef idx="2">
+            <a:schemeClr val="accent5"/>
+          </a:fillRef>
+          <a:effectRef idx="1">
+            <a:schemeClr val="accent5"/>
+          </a:effectRef>
+          <a:fontRef idx="minor">
+            <a:schemeClr val="dk1"/>
+          </a:fontRef>
+        </p:style>
+        <p:txBody>
+          <a:bodyPr rtlCol="0" anchor="ctr"/>
+          <a:lstStyle/>
+          <a:p>
+            <a:pPr algn="ctr"/>
+            <a:r>
+              <a:rPr lang="en-GB" sz="1600" dirty="0" err="1">
+                <a:cs typeface="Arial" panose="020B0604020202020204" pitchFamily="34" charset="0"/>
+              </a:rPr>
+              <a:t>FhirServiceClient</a:t>
+            </a:r>
+            <a:endParaRPr lang="en-GB" sz="1600" dirty="0">
+              <a:cs typeface="Arial" panose="020B0604020202020204" pitchFamily="34" charset="0"/>
+            </a:endParaRPr>
+          </a:p>
+        </p:txBody>
+      </p:sp>
+      <p:cxnSp>
+        <p:nvCxnSpPr>
+          <p:cNvPr id="9" name="Connettore 2 8"/>
+          <p:cNvCxnSpPr>
+            <a:stCxn id="40" idx="4"/>
+            <a:endCxn id="7" idx="0"/>
+          </p:cNvCxnSpPr>
+          <p:nvPr/>
+        </p:nvCxnSpPr>
+        <p:spPr>
+          <a:xfrm flipH="1">
+            <a:off x="3800905" y="2905213"/>
+            <a:ext cx="196917" cy="914144"/>
+          </a:xfrm>
+          <a:prstGeom prst="straightConnector1">
+            <a:avLst/>
+          </a:prstGeom>
           <a:ln>
-            <a:noFill/>
+            <a:tailEnd type="arrow"/>
           </a:ln>
-          <a:extLst>
-            <a:ext uri="{909E8E84-426E-40DD-AFC4-6F175D3DCCD1}">
-              <a14:hiddenFill xmlns:a14="http://schemas.microsoft.com/office/drawing/2010/main">
+        </p:spPr>
+        <p:style>
+          <a:lnRef idx="1">
+            <a:schemeClr val="accent1"/>
+          </a:lnRef>
+          <a:fillRef idx="0">
+            <a:schemeClr val="accent1"/>
+          </a:fillRef>
+          <a:effectRef idx="0">
+            <a:schemeClr val="accent1"/>
+          </a:effectRef>
+          <a:fontRef idx="minor">
+            <a:schemeClr val="tx1"/>
+          </a:fontRef>
+        </p:style>
+      </p:cxnSp>
+      <p:sp>
+        <p:nvSpPr>
+          <p:cNvPr id="10" name="Ovale 9"/>
+          <p:cNvSpPr/>
+          <p:nvPr/>
+        </p:nvSpPr>
+        <p:spPr>
+          <a:xfrm>
+            <a:off x="5687070" y="1412775"/>
+            <a:ext cx="3122339" cy="793693"/>
+          </a:xfrm>
+          <a:prstGeom prst="ellipse">
+            <a:avLst/>
+          </a:prstGeom>
+        </p:spPr>
+        <p:style>
+          <a:lnRef idx="1">
+            <a:schemeClr val="accent5"/>
+          </a:lnRef>
+          <a:fillRef idx="2">
+            <a:schemeClr val="accent5"/>
+          </a:fillRef>
+          <a:effectRef idx="1">
+            <a:schemeClr val="accent5"/>
+          </a:effectRef>
+          <a:fontRef idx="minor">
+            <a:schemeClr val="dk1"/>
+          </a:fontRef>
+        </p:style>
+        <p:txBody>
+          <a:bodyPr rtlCol="0" anchor="ctr"/>
+          <a:lstStyle/>
+          <a:p>
+            <a:pPr algn="ctr"/>
+            <a:r>
+              <a:rPr lang="en-GB" sz="1600" dirty="0" err="1"/>
+              <a:t>HealthServiceFhirUsage</a:t>
+            </a:r>
+            <a:endParaRPr lang="en-GB" sz="1600" dirty="0"/>
+          </a:p>
+        </p:txBody>
+      </p:sp>
+      <p:cxnSp>
+        <p:nvCxnSpPr>
+          <p:cNvPr id="12" name="Connettore 2 11"/>
+          <p:cNvCxnSpPr>
+            <a:stCxn id="10" idx="2"/>
+            <a:endCxn id="40" idx="7"/>
+          </p:cNvCxnSpPr>
+          <p:nvPr/>
+        </p:nvCxnSpPr>
+        <p:spPr>
+          <a:xfrm flipH="1">
+            <a:off x="4821060" y="1809622"/>
+            <a:ext cx="866010" cy="580260"/>
+          </a:xfrm>
+          <a:prstGeom prst="straightConnector1">
+            <a:avLst/>
+          </a:prstGeom>
+          <a:ln>
+            <a:tailEnd type="arrow"/>
+          </a:ln>
+        </p:spPr>
+        <p:style>
+          <a:lnRef idx="1">
+            <a:schemeClr val="accent1"/>
+          </a:lnRef>
+          <a:fillRef idx="0">
+            <a:schemeClr val="accent1"/>
+          </a:fillRef>
+          <a:effectRef idx="0">
+            <a:schemeClr val="accent1"/>
+          </a:effectRef>
+          <a:fontRef idx="minor">
+            <a:schemeClr val="tx1"/>
+          </a:fontRef>
+        </p:style>
+      </p:cxnSp>
+      <p:grpSp>
+        <p:nvGrpSpPr>
+          <p:cNvPr id="13" name="Gruppo 12"/>
+          <p:cNvGrpSpPr/>
+          <p:nvPr/>
+        </p:nvGrpSpPr>
+        <p:grpSpPr>
+          <a:xfrm>
+            <a:off x="4977454" y="4342781"/>
+            <a:ext cx="666895" cy="86434"/>
+            <a:chOff x="4592177" y="4419530"/>
+            <a:chExt cx="666895" cy="86434"/>
+          </a:xfrm>
+        </p:grpSpPr>
+        <p:cxnSp>
+          <p:nvCxnSpPr>
+            <p:cNvPr id="14" name="Connettore 1 13"/>
+            <p:cNvCxnSpPr/>
+            <p:nvPr/>
+          </p:nvCxnSpPr>
+          <p:spPr>
+            <a:xfrm>
+              <a:off x="4611000" y="4462747"/>
+              <a:ext cx="648072" cy="0"/>
+            </a:xfrm>
+            <a:prstGeom prst="line">
+              <a:avLst/>
+            </a:prstGeom>
+            <a:ln>
+              <a:prstDash val="dash"/>
+            </a:ln>
+          </p:spPr>
+          <p:style>
+            <a:lnRef idx="1">
+              <a:schemeClr val="accent1"/>
+            </a:lnRef>
+            <a:fillRef idx="0">
+              <a:schemeClr val="accent1"/>
+            </a:fillRef>
+            <a:effectRef idx="0">
+              <a:schemeClr val="accent1"/>
+            </a:effectRef>
+            <a:fontRef idx="minor">
+              <a:schemeClr val="tx1"/>
+            </a:fontRef>
+          </p:style>
+        </p:cxnSp>
+        <p:sp>
+          <p:nvSpPr>
+            <p:cNvPr id="15" name="Triangolo isoscele 14"/>
+            <p:cNvSpPr/>
+            <p:nvPr/>
+          </p:nvSpPr>
+          <p:spPr>
+            <a:xfrm rot="16200000">
+              <a:off x="4618592" y="4393115"/>
+              <a:ext cx="86434" cy="139263"/>
+            </a:xfrm>
+            <a:prstGeom prst="triangle">
+              <a:avLst/>
+            </a:prstGeom>
+            <a:solidFill>
+              <a:schemeClr val="bg1"/>
+            </a:solidFill>
+            <a:ln/>
+          </p:spPr>
+          <p:style>
+            <a:lnRef idx="1">
+              <a:schemeClr val="accent5"/>
+            </a:lnRef>
+            <a:fillRef idx="2">
+              <a:schemeClr val="accent5"/>
+            </a:fillRef>
+            <a:effectRef idx="1">
+              <a:schemeClr val="accent5"/>
+            </a:effectRef>
+            <a:fontRef idx="minor">
+              <a:schemeClr val="dk1"/>
+            </a:fontRef>
+          </p:style>
+          <p:txBody>
+            <a:bodyPr rtlCol="0" anchor="ctr"/>
+            <a:lstStyle/>
+            <a:p>
+              <a:pPr algn="ctr"/>
+              <a:endParaRPr lang="en-GB" sz="1200"/>
+            </a:p>
+          </p:txBody>
+        </p:sp>
+      </p:grpSp>
+      <p:grpSp>
+        <p:nvGrpSpPr>
+          <p:cNvPr id="16" name="Gruppo 15"/>
+          <p:cNvGrpSpPr/>
+          <p:nvPr/>
+        </p:nvGrpSpPr>
+        <p:grpSpPr>
+          <a:xfrm>
+            <a:off x="4969367" y="4146576"/>
+            <a:ext cx="787334" cy="86434"/>
+            <a:chOff x="3452446" y="4176616"/>
+            <a:chExt cx="787334" cy="86434"/>
+          </a:xfrm>
+        </p:grpSpPr>
+        <p:sp>
+          <p:nvSpPr>
+            <p:cNvPr id="17" name="Triangolo isoscele 16"/>
+            <p:cNvSpPr/>
+            <p:nvPr/>
+          </p:nvSpPr>
+          <p:spPr>
+            <a:xfrm rot="5400000" flipH="1">
+              <a:off x="4126932" y="4150201"/>
+              <a:ext cx="86434" cy="139263"/>
+            </a:xfrm>
+            <a:prstGeom prst="triangle">
+              <a:avLst/>
+            </a:prstGeom>
+            <a:solidFill>
+              <a:schemeClr val="bg1"/>
+            </a:solidFill>
+            <a:ln/>
+          </p:spPr>
+          <p:style>
+            <a:lnRef idx="1">
+              <a:schemeClr val="accent5"/>
+            </a:lnRef>
+            <a:fillRef idx="2">
+              <a:schemeClr val="accent5"/>
+            </a:fillRef>
+            <a:effectRef idx="1">
+              <a:schemeClr val="accent5"/>
+            </a:effectRef>
+            <a:fontRef idx="minor">
+              <a:schemeClr val="dk1"/>
+            </a:fontRef>
+          </p:style>
+          <p:txBody>
+            <a:bodyPr rtlCol="0" anchor="ctr"/>
+            <a:lstStyle/>
+            <a:p>
+              <a:pPr algn="ctr"/>
+              <a:endParaRPr lang="en-GB" sz="1200"/>
+            </a:p>
+          </p:txBody>
+        </p:sp>
+        <p:cxnSp>
+          <p:nvCxnSpPr>
+            <p:cNvPr id="18" name="Connettore 1 17"/>
+            <p:cNvCxnSpPr>
+              <a:endCxn id="17" idx="3"/>
+            </p:cNvCxnSpPr>
+            <p:nvPr/>
+          </p:nvCxnSpPr>
+          <p:spPr>
+            <a:xfrm>
+              <a:off x="3452446" y="4219627"/>
+              <a:ext cx="648072" cy="206"/>
+            </a:xfrm>
+            <a:prstGeom prst="line">
+              <a:avLst/>
+            </a:prstGeom>
+          </p:spPr>
+          <p:style>
+            <a:lnRef idx="1">
+              <a:schemeClr val="accent1"/>
+            </a:lnRef>
+            <a:fillRef idx="0">
+              <a:schemeClr val="accent1"/>
+            </a:fillRef>
+            <a:effectRef idx="0">
+              <a:schemeClr val="accent1"/>
+            </a:effectRef>
+            <a:fontRef idx="minor">
+              <a:schemeClr val="tx1"/>
+            </a:fontRef>
+          </p:style>
+        </p:cxnSp>
+      </p:grpSp>
+      <p:sp>
+        <p:nvSpPr>
+          <p:cNvPr id="19" name="CasellaDiTesto 18"/>
+          <p:cNvSpPr txBox="1"/>
+          <p:nvPr/>
+        </p:nvSpPr>
+        <p:spPr>
+          <a:xfrm>
+            <a:off x="4787441" y="4515670"/>
+            <a:ext cx="1202380" cy="369332"/>
+          </a:xfrm>
+          <a:prstGeom prst="rect">
+            <a:avLst/>
+          </a:prstGeom>
+        </p:spPr>
+        <p:style>
+          <a:lnRef idx="1">
+            <a:schemeClr val="accent3"/>
+          </a:lnRef>
+          <a:fillRef idx="2">
+            <a:schemeClr val="accent3"/>
+          </a:fillRef>
+          <a:effectRef idx="1">
+            <a:schemeClr val="accent3"/>
+          </a:effectRef>
+          <a:fontRef idx="minor">
+            <a:schemeClr val="dk1"/>
+          </a:fontRef>
+        </p:style>
+        <p:txBody>
+          <a:bodyPr wrap="none" rtlCol="0">
+            <a:spAutoFit/>
+          </a:bodyPr>
+          <a:lstStyle/>
+          <a:p>
+            <a:r>
+              <a:rPr lang="it-IT" dirty="0" smtClean="0"/>
+              <a:t>M2M </a:t>
+            </a:r>
+            <a:r>
+              <a:rPr lang="it-IT" dirty="0" err="1" smtClean="0"/>
+              <a:t>Rest</a:t>
+            </a:r>
+            <a:r>
+              <a:rPr lang="it-IT" dirty="0" smtClean="0"/>
+              <a:t> </a:t>
+            </a:r>
+            <a:endParaRPr lang="it-IT" dirty="0" smtClean="0"/>
+          </a:p>
+        </p:txBody>
+      </p:sp>
+      <p:grpSp>
+        <p:nvGrpSpPr>
+          <p:cNvPr id="20" name="Gruppo 19"/>
+          <p:cNvGrpSpPr/>
+          <p:nvPr/>
+        </p:nvGrpSpPr>
+        <p:grpSpPr>
+          <a:xfrm>
+            <a:off x="6459193" y="3926578"/>
+            <a:ext cx="805955" cy="772447"/>
+            <a:chOff x="565700" y="4940367"/>
+            <a:chExt cx="805955" cy="772447"/>
+          </a:xfrm>
+        </p:grpSpPr>
+        <p:sp>
+          <p:nvSpPr>
+            <p:cNvPr id="21" name="Ovale 20"/>
+            <p:cNvSpPr/>
+            <p:nvPr/>
+          </p:nvSpPr>
+          <p:spPr>
+            <a:xfrm>
+              <a:off x="565700" y="4983583"/>
+              <a:ext cx="805955" cy="729231"/>
+            </a:xfrm>
+            <a:prstGeom prst="ellipse">
+              <a:avLst/>
+            </a:prstGeom>
+            <a:solidFill>
+              <a:srgbClr val="FF99CC"/>
+            </a:solidFill>
+          </p:spPr>
+          <p:style>
+            <a:lnRef idx="2">
+              <a:schemeClr val="accent1">
+                <a:shade val="50000"/>
+              </a:schemeClr>
+            </a:lnRef>
+            <a:fillRef idx="1">
+              <a:schemeClr val="accent1"/>
+            </a:fillRef>
+            <a:effectRef idx="0">
+              <a:schemeClr val="accent1"/>
+            </a:effectRef>
+            <a:fontRef idx="minor">
+              <a:schemeClr val="lt1"/>
+            </a:fontRef>
+          </p:style>
+          <p:txBody>
+            <a:bodyPr rtlCol="0" anchor="ctr"/>
+            <a:lstStyle/>
+            <a:p>
+              <a:pPr algn="ctr"/>
+              <a:r>
+                <a:rPr lang="en-GB" dirty="0">
+                  <a:solidFill>
+                    <a:schemeClr val="lt1"/>
+                  </a:solidFill>
+                </a:rPr>
+                <a:t> </a:t>
+              </a:r>
+            </a:p>
+          </p:txBody>
+        </p:sp>
+        <p:sp>
+          <p:nvSpPr>
+            <p:cNvPr id="22" name="Triangolo isoscele 21"/>
+            <p:cNvSpPr/>
+            <p:nvPr/>
+          </p:nvSpPr>
+          <p:spPr>
+            <a:xfrm rot="16200000">
+              <a:off x="905299" y="4913952"/>
+              <a:ext cx="86434" cy="139263"/>
+            </a:xfrm>
+            <a:prstGeom prst="triangle">
+              <a:avLst/>
+            </a:prstGeom>
+            <a:solidFill>
+              <a:srgbClr val="FF99CC"/>
+            </a:solidFill>
+            <a:ln>
+              <a:solidFill>
+                <a:schemeClr val="tx1"/>
+              </a:solidFill>
+            </a:ln>
+          </p:spPr>
+          <p:style>
+            <a:lnRef idx="2">
+              <a:schemeClr val="accent1">
+                <a:shade val="50000"/>
+              </a:schemeClr>
+            </a:lnRef>
+            <a:fillRef idx="1">
+              <a:schemeClr val="accent1"/>
+            </a:fillRef>
+            <a:effectRef idx="0">
+              <a:schemeClr val="accent1"/>
+            </a:effectRef>
+            <a:fontRef idx="minor">
+              <a:schemeClr val="lt1"/>
+            </a:fontRef>
+          </p:style>
+          <p:txBody>
+            <a:bodyPr rtlCol="0" anchor="ctr"/>
+            <a:lstStyle/>
+            <a:p>
+              <a:pPr algn="ctr"/>
+              <a:endParaRPr lang="en-GB">
                 <a:solidFill>
-                  <a:schemeClr val="accent1"/>
+                  <a:schemeClr val="lt1"/>
                 </a:solidFill>
-              </a14:hiddenFill>
-            </a:ext>
-            <a:ext uri="{91240B29-F687-4F45-9708-019B960494DF}">
-              <a14:hiddenLine xmlns:a14="http://schemas.microsoft.com/office/drawing/2010/main" w="9525">
+              </a:endParaRPr>
+            </a:p>
+          </p:txBody>
+        </p:sp>
+      </p:grpSp>
+      <p:sp>
+        <p:nvSpPr>
+          <p:cNvPr id="23" name="Rettangolo 22"/>
+          <p:cNvSpPr/>
+          <p:nvPr/>
+        </p:nvSpPr>
+        <p:spPr>
+          <a:xfrm>
+            <a:off x="7418582" y="3982445"/>
+            <a:ext cx="1513428" cy="646331"/>
+          </a:xfrm>
+          <a:prstGeom prst="rect">
+            <a:avLst/>
+          </a:prstGeom>
+        </p:spPr>
+        <p:txBody>
+          <a:bodyPr wrap="none">
+            <a:spAutoFit/>
+          </a:bodyPr>
+          <a:lstStyle/>
+          <a:p>
+            <a:r>
+              <a:rPr lang="it-IT" b="1" dirty="0" err="1" smtClean="0"/>
+              <a:t>CentroHealth</a:t>
+            </a:r>
+            <a:r>
+              <a:rPr lang="it-IT" b="1" dirty="0" smtClean="0"/>
+              <a:t> </a:t>
+            </a:r>
+          </a:p>
+          <a:p>
+            <a:r>
+              <a:rPr lang="it-IT" dirty="0" smtClean="0"/>
+              <a:t>FHIR server</a:t>
+            </a:r>
+            <a:endParaRPr lang="en-GB" dirty="0"/>
+          </a:p>
+        </p:txBody>
+      </p:sp>
+      <p:grpSp>
+        <p:nvGrpSpPr>
+          <p:cNvPr id="26" name="Gruppo 25"/>
+          <p:cNvGrpSpPr/>
+          <p:nvPr/>
+        </p:nvGrpSpPr>
+        <p:grpSpPr>
+          <a:xfrm>
+            <a:off x="277814" y="1469556"/>
+            <a:ext cx="666895" cy="86434"/>
+            <a:chOff x="4592177" y="4419530"/>
+            <a:chExt cx="666895" cy="86434"/>
+          </a:xfrm>
+        </p:grpSpPr>
+        <p:cxnSp>
+          <p:nvCxnSpPr>
+            <p:cNvPr id="27" name="Connettore 1 26"/>
+            <p:cNvCxnSpPr/>
+            <p:nvPr/>
+          </p:nvCxnSpPr>
+          <p:spPr>
+            <a:xfrm>
+              <a:off x="4611000" y="4462747"/>
+              <a:ext cx="648072" cy="0"/>
+            </a:xfrm>
+            <a:prstGeom prst="line">
+              <a:avLst/>
+            </a:prstGeom>
+            <a:ln>
+              <a:prstDash val="dash"/>
+            </a:ln>
+          </p:spPr>
+          <p:style>
+            <a:lnRef idx="1">
+              <a:schemeClr val="accent1"/>
+            </a:lnRef>
+            <a:fillRef idx="0">
+              <a:schemeClr val="accent1"/>
+            </a:fillRef>
+            <a:effectRef idx="0">
+              <a:schemeClr val="accent1"/>
+            </a:effectRef>
+            <a:fontRef idx="minor">
+              <a:schemeClr val="tx1"/>
+            </a:fontRef>
+          </p:style>
+        </p:cxnSp>
+        <p:sp>
+          <p:nvSpPr>
+            <p:cNvPr id="28" name="Triangolo isoscele 27"/>
+            <p:cNvSpPr/>
+            <p:nvPr/>
+          </p:nvSpPr>
+          <p:spPr>
+            <a:xfrm rot="16200000">
+              <a:off x="4618592" y="4393115"/>
+              <a:ext cx="86434" cy="139263"/>
+            </a:xfrm>
+            <a:prstGeom prst="triangle">
+              <a:avLst/>
+            </a:prstGeom>
+            <a:solidFill>
+              <a:schemeClr val="bg1"/>
+            </a:solidFill>
+            <a:ln/>
+          </p:spPr>
+          <p:style>
+            <a:lnRef idx="1">
+              <a:schemeClr val="accent5"/>
+            </a:lnRef>
+            <a:fillRef idx="2">
+              <a:schemeClr val="accent5"/>
+            </a:fillRef>
+            <a:effectRef idx="1">
+              <a:schemeClr val="accent5"/>
+            </a:effectRef>
+            <a:fontRef idx="minor">
+              <a:schemeClr val="dk1"/>
+            </a:fontRef>
+          </p:style>
+          <p:txBody>
+            <a:bodyPr rtlCol="0" anchor="ctr"/>
+            <a:lstStyle/>
+            <a:p>
+              <a:pPr algn="ctr"/>
+              <a:endParaRPr lang="en-GB" sz="1200"/>
+            </a:p>
+          </p:txBody>
+        </p:sp>
+      </p:grpSp>
+      <p:grpSp>
+        <p:nvGrpSpPr>
+          <p:cNvPr id="29" name="Gruppo 28"/>
+          <p:cNvGrpSpPr/>
+          <p:nvPr/>
+        </p:nvGrpSpPr>
+        <p:grpSpPr>
+          <a:xfrm>
+            <a:off x="269727" y="1273351"/>
+            <a:ext cx="787334" cy="86434"/>
+            <a:chOff x="3452446" y="4176616"/>
+            <a:chExt cx="787334" cy="86434"/>
+          </a:xfrm>
+        </p:grpSpPr>
+        <p:sp>
+          <p:nvSpPr>
+            <p:cNvPr id="30" name="Triangolo isoscele 29"/>
+            <p:cNvSpPr/>
+            <p:nvPr/>
+          </p:nvSpPr>
+          <p:spPr>
+            <a:xfrm rot="5400000" flipH="1">
+              <a:off x="4126932" y="4150201"/>
+              <a:ext cx="86434" cy="139263"/>
+            </a:xfrm>
+            <a:prstGeom prst="triangle">
+              <a:avLst/>
+            </a:prstGeom>
+            <a:solidFill>
+              <a:schemeClr val="bg1"/>
+            </a:solidFill>
+            <a:ln/>
+          </p:spPr>
+          <p:style>
+            <a:lnRef idx="1">
+              <a:schemeClr val="accent5"/>
+            </a:lnRef>
+            <a:fillRef idx="2">
+              <a:schemeClr val="accent5"/>
+            </a:fillRef>
+            <a:effectRef idx="1">
+              <a:schemeClr val="accent5"/>
+            </a:effectRef>
+            <a:fontRef idx="minor">
+              <a:schemeClr val="dk1"/>
+            </a:fontRef>
+          </p:style>
+          <p:txBody>
+            <a:bodyPr rtlCol="0" anchor="ctr"/>
+            <a:lstStyle/>
+            <a:p>
+              <a:pPr algn="ctr"/>
+              <a:endParaRPr lang="en-GB" sz="1200"/>
+            </a:p>
+          </p:txBody>
+        </p:sp>
+        <p:cxnSp>
+          <p:nvCxnSpPr>
+            <p:cNvPr id="31" name="Connettore 1 30"/>
+            <p:cNvCxnSpPr>
+              <a:endCxn id="30" idx="3"/>
+            </p:cNvCxnSpPr>
+            <p:nvPr/>
+          </p:nvCxnSpPr>
+          <p:spPr>
+            <a:xfrm>
+              <a:off x="3452446" y="4219627"/>
+              <a:ext cx="648072" cy="206"/>
+            </a:xfrm>
+            <a:prstGeom prst="line">
+              <a:avLst/>
+            </a:prstGeom>
+          </p:spPr>
+          <p:style>
+            <a:lnRef idx="1">
+              <a:schemeClr val="accent1"/>
+            </a:lnRef>
+            <a:fillRef idx="0">
+              <a:schemeClr val="accent1"/>
+            </a:fillRef>
+            <a:effectRef idx="0">
+              <a:schemeClr val="accent1"/>
+            </a:effectRef>
+            <a:fontRef idx="minor">
+              <a:schemeClr val="tx1"/>
+            </a:fontRef>
+          </p:style>
+        </p:cxnSp>
+      </p:grpSp>
+      <p:sp>
+        <p:nvSpPr>
+          <p:cNvPr id="32" name="CasellaDiTesto 31"/>
+          <p:cNvSpPr txBox="1"/>
+          <p:nvPr/>
+        </p:nvSpPr>
+        <p:spPr>
+          <a:xfrm>
+            <a:off x="269727" y="1654996"/>
+            <a:ext cx="1202380" cy="369332"/>
+          </a:xfrm>
+          <a:prstGeom prst="rect">
+            <a:avLst/>
+          </a:prstGeom>
+        </p:spPr>
+        <p:style>
+          <a:lnRef idx="1">
+            <a:schemeClr val="accent3"/>
+          </a:lnRef>
+          <a:fillRef idx="2">
+            <a:schemeClr val="accent3"/>
+          </a:fillRef>
+          <a:effectRef idx="1">
+            <a:schemeClr val="accent3"/>
+          </a:effectRef>
+          <a:fontRef idx="minor">
+            <a:schemeClr val="dk1"/>
+          </a:fontRef>
+        </p:style>
+        <p:txBody>
+          <a:bodyPr wrap="none" rtlCol="0">
+            <a:spAutoFit/>
+          </a:bodyPr>
+          <a:lstStyle/>
+          <a:p>
+            <a:r>
+              <a:rPr lang="it-IT" dirty="0" smtClean="0"/>
+              <a:t>M2M </a:t>
+            </a:r>
+            <a:r>
+              <a:rPr lang="it-IT" dirty="0" err="1" smtClean="0"/>
+              <a:t>Rest</a:t>
+            </a:r>
+            <a:r>
+              <a:rPr lang="it-IT" dirty="0" smtClean="0"/>
+              <a:t> </a:t>
+            </a:r>
+            <a:endParaRPr lang="it-IT" dirty="0" smtClean="0"/>
+          </a:p>
+        </p:txBody>
+      </p:sp>
+      <p:sp>
+        <p:nvSpPr>
+          <p:cNvPr id="34" name="TextBox 45">
+            <a:extLst>
+              <a:ext uri="{FF2B5EF4-FFF2-40B4-BE49-F238E27FC236}">
+                <a16:creationId xmlns="" xmlns:a16="http://schemas.microsoft.com/office/drawing/2014/main" id="{6BDA7693-CA76-4C97-8FED-A4A65AB5032B}"/>
+              </a:ext>
+            </a:extLst>
+          </p:cNvPr>
+          <p:cNvSpPr txBox="1"/>
+          <p:nvPr/>
+        </p:nvSpPr>
+        <p:spPr>
+          <a:xfrm>
+            <a:off x="6244200" y="417111"/>
+            <a:ext cx="1548694" cy="369332"/>
+          </a:xfrm>
+          <a:prstGeom prst="rect">
+            <a:avLst/>
+          </a:prstGeom>
+          <a:noFill/>
+        </p:spPr>
+        <p:txBody>
+          <a:bodyPr wrap="none" rtlCol="0">
+            <a:spAutoFit/>
+          </a:bodyPr>
+          <a:lstStyle/>
+          <a:p>
+            <a:r>
+              <a:rPr lang="en-US" b="1" dirty="0" smtClean="0"/>
+              <a:t>Java programs</a:t>
+            </a:r>
+            <a:endParaRPr lang="en-US" b="1" dirty="0"/>
+          </a:p>
+        </p:txBody>
+      </p:sp>
+      <p:sp>
+        <p:nvSpPr>
+          <p:cNvPr id="40" name="Ovale 39"/>
+          <p:cNvSpPr/>
+          <p:nvPr/>
+        </p:nvSpPr>
+        <p:spPr>
+          <a:xfrm>
+            <a:off x="2833586" y="2301465"/>
+            <a:ext cx="2328471" cy="603748"/>
+          </a:xfrm>
+          <a:prstGeom prst="ellipse">
+            <a:avLst/>
+          </a:prstGeom>
+        </p:spPr>
+        <p:style>
+          <a:lnRef idx="1">
+            <a:schemeClr val="accent5"/>
+          </a:lnRef>
+          <a:fillRef idx="2">
+            <a:schemeClr val="accent5"/>
+          </a:fillRef>
+          <a:effectRef idx="1">
+            <a:schemeClr val="accent5"/>
+          </a:effectRef>
+          <a:fontRef idx="minor">
+            <a:schemeClr val="dk1"/>
+          </a:fontRef>
+        </p:style>
+        <p:txBody>
+          <a:bodyPr rtlCol="0" anchor="ctr"/>
+          <a:lstStyle/>
+          <a:p>
+            <a:pPr algn="ctr"/>
+            <a:r>
+              <a:rPr lang="en-GB" sz="1600" dirty="0" err="1"/>
+              <a:t>HealthServiceFhir</a:t>
+            </a:r>
+            <a:endParaRPr lang="en-GB" sz="1600" dirty="0">
+              <a:cs typeface="Arial" panose="020B0604020202020204" pitchFamily="34" charset="0"/>
+            </a:endParaRPr>
+          </a:p>
+        </p:txBody>
+      </p:sp>
+      <p:sp>
+        <p:nvSpPr>
+          <p:cNvPr id="48" name="Ovale 47"/>
+          <p:cNvSpPr/>
+          <p:nvPr/>
+        </p:nvSpPr>
+        <p:spPr>
+          <a:xfrm>
+            <a:off x="906319" y="2206468"/>
+            <a:ext cx="1927267" cy="603748"/>
+          </a:xfrm>
+          <a:prstGeom prst="ellipse">
+            <a:avLst/>
+          </a:prstGeom>
+        </p:spPr>
+        <p:style>
+          <a:lnRef idx="1">
+            <a:schemeClr val="accent5"/>
+          </a:lnRef>
+          <a:fillRef idx="2">
+            <a:schemeClr val="accent5"/>
+          </a:fillRef>
+          <a:effectRef idx="1">
+            <a:schemeClr val="accent5"/>
+          </a:effectRef>
+          <a:fontRef idx="minor">
+            <a:schemeClr val="dk1"/>
+          </a:fontRef>
+        </p:style>
+        <p:txBody>
+          <a:bodyPr rtlCol="0" anchor="ctr"/>
+          <a:lstStyle/>
+          <a:p>
+            <a:pPr algn="ctr"/>
+            <a:r>
+              <a:rPr lang="en-GB" sz="1200" dirty="0"/>
+              <a:t>HealthServiceHL7</a:t>
+            </a:r>
+            <a:endParaRPr lang="en-GB" sz="1200" dirty="0">
+              <a:cs typeface="Arial" panose="020B0604020202020204" pitchFamily="34" charset="0"/>
+            </a:endParaRPr>
+          </a:p>
+        </p:txBody>
+      </p:sp>
+      <p:cxnSp>
+        <p:nvCxnSpPr>
+          <p:cNvPr id="52" name="Connettore 2 51"/>
+          <p:cNvCxnSpPr>
+            <a:stCxn id="55" idx="2"/>
+            <a:endCxn id="7" idx="7"/>
+          </p:cNvCxnSpPr>
+          <p:nvPr/>
+        </p:nvCxnSpPr>
+        <p:spPr>
+          <a:xfrm flipH="1">
+            <a:off x="4595686" y="3096540"/>
+            <a:ext cx="1150349" cy="841009"/>
+          </a:xfrm>
+          <a:prstGeom prst="straightConnector1">
+            <a:avLst/>
+          </a:prstGeom>
+          <a:ln>
+            <a:tailEnd type="arrow"/>
+          </a:ln>
+        </p:spPr>
+        <p:style>
+          <a:lnRef idx="1">
+            <a:schemeClr val="accent1"/>
+          </a:lnRef>
+          <a:fillRef idx="0">
+            <a:schemeClr val="accent1"/>
+          </a:fillRef>
+          <a:effectRef idx="0">
+            <a:schemeClr val="accent1"/>
+          </a:effectRef>
+          <a:fontRef idx="minor">
+            <a:schemeClr val="tx1"/>
+          </a:fontRef>
+        </p:style>
+      </p:cxnSp>
+      <p:sp>
+        <p:nvSpPr>
+          <p:cNvPr id="55" name="Ovale 54"/>
+          <p:cNvSpPr/>
+          <p:nvPr/>
+        </p:nvSpPr>
+        <p:spPr>
+          <a:xfrm>
+            <a:off x="5746035" y="2699693"/>
+            <a:ext cx="3083816" cy="793693"/>
+          </a:xfrm>
+          <a:prstGeom prst="ellipse">
+            <a:avLst/>
+          </a:prstGeom>
+        </p:spPr>
+        <p:style>
+          <a:lnRef idx="1">
+            <a:schemeClr val="accent5"/>
+          </a:lnRef>
+          <a:fillRef idx="2">
+            <a:schemeClr val="accent5"/>
+          </a:fillRef>
+          <a:effectRef idx="1">
+            <a:schemeClr val="accent5"/>
+          </a:effectRef>
+          <a:fontRef idx="minor">
+            <a:schemeClr val="dk1"/>
+          </a:fontRef>
+        </p:style>
+        <p:txBody>
+          <a:bodyPr rtlCol="0" anchor="ctr"/>
+          <a:lstStyle/>
+          <a:p>
+            <a:pPr algn="ctr"/>
+            <a:r>
+              <a:rPr lang="en-GB" sz="1600" dirty="0" err="1"/>
+              <a:t>FhirServiceClientUsage</a:t>
+            </a:r>
+            <a:endParaRPr lang="en-GB" sz="1600" dirty="0"/>
+          </a:p>
+        </p:txBody>
+      </p:sp>
+      <p:cxnSp>
+        <p:nvCxnSpPr>
+          <p:cNvPr id="79" name="Connettore 2 78"/>
+          <p:cNvCxnSpPr/>
+          <p:nvPr/>
+        </p:nvCxnSpPr>
+        <p:spPr>
+          <a:xfrm flipH="1">
+            <a:off x="8388424" y="1613071"/>
+            <a:ext cx="13466" cy="393101"/>
+          </a:xfrm>
+          <a:prstGeom prst="straightConnector1">
+            <a:avLst/>
+          </a:prstGeom>
+          <a:ln>
+            <a:solidFill>
+              <a:srgbClr val="C00000"/>
+            </a:solidFill>
+            <a:tailEnd type="arrow"/>
+          </a:ln>
+        </p:spPr>
+        <p:style>
+          <a:lnRef idx="1">
+            <a:schemeClr val="accent1"/>
+          </a:lnRef>
+          <a:fillRef idx="0">
+            <a:schemeClr val="accent1"/>
+          </a:fillRef>
+          <a:effectRef idx="0">
+            <a:schemeClr val="accent1"/>
+          </a:effectRef>
+          <a:fontRef idx="minor">
+            <a:schemeClr val="tx1"/>
+          </a:fontRef>
+        </p:style>
+      </p:cxnSp>
+      <p:cxnSp>
+        <p:nvCxnSpPr>
+          <p:cNvPr id="80" name="Connettore 2 79"/>
+          <p:cNvCxnSpPr/>
+          <p:nvPr/>
+        </p:nvCxnSpPr>
+        <p:spPr>
+          <a:xfrm flipH="1">
+            <a:off x="8330062" y="2922083"/>
+            <a:ext cx="13466" cy="393101"/>
+          </a:xfrm>
+          <a:prstGeom prst="straightConnector1">
+            <a:avLst/>
+          </a:prstGeom>
+          <a:ln>
+            <a:solidFill>
+              <a:srgbClr val="C00000"/>
+            </a:solidFill>
+            <a:tailEnd type="arrow"/>
+          </a:ln>
+        </p:spPr>
+        <p:style>
+          <a:lnRef idx="1">
+            <a:schemeClr val="accent1"/>
+          </a:lnRef>
+          <a:fillRef idx="0">
+            <a:schemeClr val="accent1"/>
+          </a:fillRef>
+          <a:effectRef idx="0">
+            <a:schemeClr val="accent1"/>
+          </a:effectRef>
+          <a:fontRef idx="minor">
+            <a:schemeClr val="tx1"/>
+          </a:fontRef>
+        </p:style>
+      </p:cxnSp>
+      <p:cxnSp>
+        <p:nvCxnSpPr>
+          <p:cNvPr id="82" name="Connettore 1 81"/>
+          <p:cNvCxnSpPr>
+            <a:stCxn id="32" idx="3"/>
+            <a:endCxn id="6" idx="2"/>
+          </p:cNvCxnSpPr>
+          <p:nvPr/>
+        </p:nvCxnSpPr>
+        <p:spPr>
+          <a:xfrm flipV="1">
+            <a:off x="1472107" y="1820838"/>
+            <a:ext cx="481482" cy="18824"/>
+          </a:xfrm>
+          <a:prstGeom prst="line">
+            <a:avLst/>
+          </a:prstGeom>
+          <a:ln>
+            <a:prstDash val="dash"/>
+          </a:ln>
+        </p:spPr>
+        <p:style>
+          <a:lnRef idx="1">
+            <a:schemeClr val="accent1"/>
+          </a:lnRef>
+          <a:fillRef idx="0">
+            <a:schemeClr val="accent1"/>
+          </a:fillRef>
+          <a:effectRef idx="0">
+            <a:schemeClr val="accent1"/>
+          </a:effectRef>
+          <a:fontRef idx="minor">
+            <a:schemeClr val="tx1"/>
+          </a:fontRef>
+        </p:style>
+      </p:cxnSp>
+      <p:sp>
+        <p:nvSpPr>
+          <p:cNvPr id="83" name="Ovale 82"/>
+          <p:cNvSpPr/>
+          <p:nvPr/>
+        </p:nvSpPr>
+        <p:spPr>
+          <a:xfrm>
+            <a:off x="2956622" y="2810238"/>
+            <a:ext cx="260828" cy="245237"/>
+          </a:xfrm>
+          <a:prstGeom prst="ellipse">
+            <a:avLst/>
+          </a:prstGeom>
+        </p:spPr>
+        <p:style>
+          <a:lnRef idx="1">
+            <a:schemeClr val="accent3"/>
+          </a:lnRef>
+          <a:fillRef idx="2">
+            <a:schemeClr val="accent3"/>
+          </a:fillRef>
+          <a:effectRef idx="1">
+            <a:schemeClr val="accent3"/>
+          </a:effectRef>
+          <a:fontRef idx="minor">
+            <a:schemeClr val="dk1"/>
+          </a:fontRef>
+        </p:style>
+        <p:txBody>
+          <a:bodyPr rtlCol="0" anchor="ctr"/>
+          <a:lstStyle/>
+          <a:p>
+            <a:pPr algn="ctr"/>
+            <a:endParaRPr lang="en-GB"/>
+          </a:p>
+        </p:txBody>
+      </p:sp>
+      <p:sp>
+        <p:nvSpPr>
+          <p:cNvPr id="87" name="Rettangolo 86"/>
+          <p:cNvSpPr/>
+          <p:nvPr/>
+        </p:nvSpPr>
+        <p:spPr>
+          <a:xfrm>
+            <a:off x="1472107" y="3096540"/>
+            <a:ext cx="2317686" cy="369332"/>
+          </a:xfrm>
+          <a:prstGeom prst="rect">
+            <a:avLst/>
+          </a:prstGeom>
+          <a:solidFill>
+            <a:srgbClr val="CCFF99"/>
+          </a:solidFill>
+        </p:spPr>
+        <p:style>
+          <a:lnRef idx="1">
+            <a:schemeClr val="accent3"/>
+          </a:lnRef>
+          <a:fillRef idx="3">
+            <a:schemeClr val="accent3"/>
+          </a:fillRef>
+          <a:effectRef idx="2">
+            <a:schemeClr val="accent3"/>
+          </a:effectRef>
+          <a:fontRef idx="minor">
+            <a:schemeClr val="lt1"/>
+          </a:fontRef>
+        </p:style>
+        <p:txBody>
+          <a:bodyPr wrap="none">
+            <a:spAutoFit/>
+          </a:bodyPr>
+          <a:lstStyle/>
+          <a:p>
+            <a:r>
+              <a:rPr lang="en-GB" dirty="0" err="1">
                 <a:solidFill>
-                  <a:schemeClr val="tx1"/>
+                  <a:srgbClr val="C00000"/>
                 </a:solidFill>
-                <a:miter lim="800000"/>
-                <a:headEnd/>
-                <a:tailEnd/>
-              </a14:hiddenLine>
-            </a:ext>
-          </a:extLst>
-        </p:spPr>
-      </p:pic>
+              </a:rPr>
+              <a:t>HealthServiceInterface</a:t>
+            </a:r>
+            <a:endParaRPr lang="en-GB" dirty="0">
+              <a:solidFill>
+                <a:srgbClr val="C00000"/>
+              </a:solidFill>
+            </a:endParaRPr>
+          </a:p>
+        </p:txBody>
+      </p:sp>
+      <p:sp>
+        <p:nvSpPr>
+          <p:cNvPr id="88" name="Ovale 87"/>
+          <p:cNvSpPr/>
+          <p:nvPr/>
+        </p:nvSpPr>
+        <p:spPr>
+          <a:xfrm>
+            <a:off x="1746088" y="2812594"/>
+            <a:ext cx="260828" cy="245237"/>
+          </a:xfrm>
+          <a:prstGeom prst="ellipse">
+            <a:avLst/>
+          </a:prstGeom>
+        </p:spPr>
+        <p:style>
+          <a:lnRef idx="1">
+            <a:schemeClr val="accent3"/>
+          </a:lnRef>
+          <a:fillRef idx="2">
+            <a:schemeClr val="accent3"/>
+          </a:fillRef>
+          <a:effectRef idx="1">
+            <a:schemeClr val="accent3"/>
+          </a:effectRef>
+          <a:fontRef idx="minor">
+            <a:schemeClr val="dk1"/>
+          </a:fontRef>
+        </p:style>
+        <p:txBody>
+          <a:bodyPr rtlCol="0" anchor="ctr"/>
+          <a:lstStyle/>
+          <a:p>
+            <a:pPr algn="ctr"/>
+            <a:endParaRPr lang="en-GB"/>
+          </a:p>
+        </p:txBody>
+      </p:sp>
+      <p:sp>
+        <p:nvSpPr>
+          <p:cNvPr id="91" name="Ovale 90"/>
+          <p:cNvSpPr/>
+          <p:nvPr/>
+        </p:nvSpPr>
+        <p:spPr>
+          <a:xfrm>
+            <a:off x="4850890" y="5181283"/>
+            <a:ext cx="3083816" cy="593051"/>
+          </a:xfrm>
+          <a:prstGeom prst="ellipse">
+            <a:avLst/>
+          </a:prstGeom>
+        </p:spPr>
+        <p:style>
+          <a:lnRef idx="1">
+            <a:schemeClr val="accent5"/>
+          </a:lnRef>
+          <a:fillRef idx="2">
+            <a:schemeClr val="accent5"/>
+          </a:fillRef>
+          <a:effectRef idx="1">
+            <a:schemeClr val="accent5"/>
+          </a:effectRef>
+          <a:fontRef idx="minor">
+            <a:schemeClr val="dk1"/>
+          </a:fontRef>
+        </p:style>
+        <p:txBody>
+          <a:bodyPr rtlCol="0" anchor="ctr"/>
+          <a:lstStyle/>
+          <a:p>
+            <a:pPr algn="ctr"/>
+            <a:r>
+              <a:rPr lang="en-GB" sz="1600" dirty="0" err="1"/>
+              <a:t>HealthHttpClient</a:t>
+            </a:r>
+            <a:endParaRPr lang="en-GB" sz="1600" dirty="0"/>
+          </a:p>
+        </p:txBody>
+      </p:sp>
+      <p:grpSp>
+        <p:nvGrpSpPr>
+          <p:cNvPr id="92" name="Gruppo 91"/>
+          <p:cNvGrpSpPr/>
+          <p:nvPr/>
+        </p:nvGrpSpPr>
+        <p:grpSpPr>
+          <a:xfrm flipH="1">
+            <a:off x="3789793" y="5549660"/>
+            <a:ext cx="666895" cy="86434"/>
+            <a:chOff x="4592177" y="4419530"/>
+            <a:chExt cx="666895" cy="86434"/>
+          </a:xfrm>
+        </p:grpSpPr>
+        <p:cxnSp>
+          <p:nvCxnSpPr>
+            <p:cNvPr id="93" name="Connettore 1 92"/>
+            <p:cNvCxnSpPr/>
+            <p:nvPr/>
+          </p:nvCxnSpPr>
+          <p:spPr>
+            <a:xfrm>
+              <a:off x="4611000" y="4462747"/>
+              <a:ext cx="648072" cy="0"/>
+            </a:xfrm>
+            <a:prstGeom prst="line">
+              <a:avLst/>
+            </a:prstGeom>
+            <a:ln>
+              <a:prstDash val="dash"/>
+            </a:ln>
+          </p:spPr>
+          <p:style>
+            <a:lnRef idx="1">
+              <a:schemeClr val="accent1"/>
+            </a:lnRef>
+            <a:fillRef idx="0">
+              <a:schemeClr val="accent1"/>
+            </a:fillRef>
+            <a:effectRef idx="0">
+              <a:schemeClr val="accent1"/>
+            </a:effectRef>
+            <a:fontRef idx="minor">
+              <a:schemeClr val="tx1"/>
+            </a:fontRef>
+          </p:style>
+        </p:cxnSp>
+        <p:sp>
+          <p:nvSpPr>
+            <p:cNvPr id="94" name="Triangolo isoscele 93"/>
+            <p:cNvSpPr/>
+            <p:nvPr/>
+          </p:nvSpPr>
+          <p:spPr>
+            <a:xfrm rot="16200000">
+              <a:off x="4618592" y="4393115"/>
+              <a:ext cx="86434" cy="139263"/>
+            </a:xfrm>
+            <a:prstGeom prst="triangle">
+              <a:avLst/>
+            </a:prstGeom>
+            <a:solidFill>
+              <a:schemeClr val="bg1"/>
+            </a:solidFill>
+            <a:ln/>
+          </p:spPr>
+          <p:style>
+            <a:lnRef idx="1">
+              <a:schemeClr val="accent5"/>
+            </a:lnRef>
+            <a:fillRef idx="2">
+              <a:schemeClr val="accent5"/>
+            </a:fillRef>
+            <a:effectRef idx="1">
+              <a:schemeClr val="accent5"/>
+            </a:effectRef>
+            <a:fontRef idx="minor">
+              <a:schemeClr val="dk1"/>
+            </a:fontRef>
+          </p:style>
+          <p:txBody>
+            <a:bodyPr rtlCol="0" anchor="ctr"/>
+            <a:lstStyle/>
+            <a:p>
+              <a:pPr algn="ctr"/>
+              <a:endParaRPr lang="en-GB" sz="1200"/>
+            </a:p>
+          </p:txBody>
+        </p:sp>
+      </p:grpSp>
+      <p:grpSp>
+        <p:nvGrpSpPr>
+          <p:cNvPr id="95" name="Gruppo 94"/>
+          <p:cNvGrpSpPr/>
+          <p:nvPr/>
+        </p:nvGrpSpPr>
+        <p:grpSpPr>
+          <a:xfrm flipH="1">
+            <a:off x="3781706" y="5353455"/>
+            <a:ext cx="787334" cy="86434"/>
+            <a:chOff x="3452446" y="4176616"/>
+            <a:chExt cx="787334" cy="86434"/>
+          </a:xfrm>
+        </p:grpSpPr>
+        <p:sp>
+          <p:nvSpPr>
+            <p:cNvPr id="96" name="Triangolo isoscele 95"/>
+            <p:cNvSpPr/>
+            <p:nvPr/>
+          </p:nvSpPr>
+          <p:spPr>
+            <a:xfrm rot="5400000" flipH="1">
+              <a:off x="4126932" y="4150201"/>
+              <a:ext cx="86434" cy="139263"/>
+            </a:xfrm>
+            <a:prstGeom prst="triangle">
+              <a:avLst/>
+            </a:prstGeom>
+            <a:solidFill>
+              <a:schemeClr val="bg1"/>
+            </a:solidFill>
+            <a:ln/>
+          </p:spPr>
+          <p:style>
+            <a:lnRef idx="1">
+              <a:schemeClr val="accent5"/>
+            </a:lnRef>
+            <a:fillRef idx="2">
+              <a:schemeClr val="accent5"/>
+            </a:fillRef>
+            <a:effectRef idx="1">
+              <a:schemeClr val="accent5"/>
+            </a:effectRef>
+            <a:fontRef idx="minor">
+              <a:schemeClr val="dk1"/>
+            </a:fontRef>
+          </p:style>
+          <p:txBody>
+            <a:bodyPr rtlCol="0" anchor="ctr"/>
+            <a:lstStyle/>
+            <a:p>
+              <a:pPr algn="ctr"/>
+              <a:endParaRPr lang="en-GB" sz="1200"/>
+            </a:p>
+          </p:txBody>
+        </p:sp>
+        <p:cxnSp>
+          <p:nvCxnSpPr>
+            <p:cNvPr id="97" name="Connettore 1 96"/>
+            <p:cNvCxnSpPr>
+              <a:endCxn id="96" idx="3"/>
+            </p:cNvCxnSpPr>
+            <p:nvPr/>
+          </p:nvCxnSpPr>
+          <p:spPr>
+            <a:xfrm>
+              <a:off x="3452446" y="4219627"/>
+              <a:ext cx="648072" cy="206"/>
+            </a:xfrm>
+            <a:prstGeom prst="line">
+              <a:avLst/>
+            </a:prstGeom>
+          </p:spPr>
+          <p:style>
+            <a:lnRef idx="1">
+              <a:schemeClr val="accent1"/>
+            </a:lnRef>
+            <a:fillRef idx="0">
+              <a:schemeClr val="accent1"/>
+            </a:fillRef>
+            <a:effectRef idx="0">
+              <a:schemeClr val="accent1"/>
+            </a:effectRef>
+            <a:fontRef idx="minor">
+              <a:schemeClr val="tx1"/>
+            </a:fontRef>
+          </p:style>
+        </p:cxnSp>
+      </p:grpSp>
+      <p:sp>
+        <p:nvSpPr>
+          <p:cNvPr id="98" name="Ovale 97"/>
+          <p:cNvSpPr/>
+          <p:nvPr/>
+        </p:nvSpPr>
+        <p:spPr>
+          <a:xfrm>
+            <a:off x="5599791" y="5915090"/>
+            <a:ext cx="3083816" cy="593051"/>
+          </a:xfrm>
+          <a:prstGeom prst="ellipse">
+            <a:avLst/>
+          </a:prstGeom>
+        </p:spPr>
+        <p:style>
+          <a:lnRef idx="1">
+            <a:schemeClr val="accent5"/>
+          </a:lnRef>
+          <a:fillRef idx="2">
+            <a:schemeClr val="accent5"/>
+          </a:fillRef>
+          <a:effectRef idx="1">
+            <a:schemeClr val="accent5"/>
+          </a:effectRef>
+          <a:fontRef idx="minor">
+            <a:schemeClr val="dk1"/>
+          </a:fontRef>
+        </p:style>
+        <p:txBody>
+          <a:bodyPr rtlCol="0" anchor="ctr"/>
+          <a:lstStyle/>
+          <a:p>
+            <a:pPr algn="ctr"/>
+            <a:r>
+              <a:rPr lang="en-GB" sz="1600" dirty="0" err="1"/>
+              <a:t>HealthWebClient</a:t>
+            </a:r>
+            <a:endParaRPr lang="en-GB" sz="1600" dirty="0"/>
+          </a:p>
+        </p:txBody>
+      </p:sp>
+      <p:grpSp>
+        <p:nvGrpSpPr>
+          <p:cNvPr id="99" name="Gruppo 98"/>
+          <p:cNvGrpSpPr/>
+          <p:nvPr/>
+        </p:nvGrpSpPr>
+        <p:grpSpPr>
+          <a:xfrm rot="5400000" flipH="1">
+            <a:off x="8100524" y="5290322"/>
+            <a:ext cx="472540" cy="98326"/>
+            <a:chOff x="4592177" y="4419530"/>
+            <a:chExt cx="666895" cy="86434"/>
+          </a:xfrm>
+        </p:grpSpPr>
+        <p:cxnSp>
+          <p:nvCxnSpPr>
+            <p:cNvPr id="100" name="Connettore 1 99"/>
+            <p:cNvCxnSpPr/>
+            <p:nvPr/>
+          </p:nvCxnSpPr>
+          <p:spPr>
+            <a:xfrm>
+              <a:off x="4611000" y="4462747"/>
+              <a:ext cx="648072" cy="0"/>
+            </a:xfrm>
+            <a:prstGeom prst="line">
+              <a:avLst/>
+            </a:prstGeom>
+            <a:ln>
+              <a:prstDash val="dash"/>
+            </a:ln>
+          </p:spPr>
+          <p:style>
+            <a:lnRef idx="1">
+              <a:schemeClr val="accent1"/>
+            </a:lnRef>
+            <a:fillRef idx="0">
+              <a:schemeClr val="accent1"/>
+            </a:fillRef>
+            <a:effectRef idx="0">
+              <a:schemeClr val="accent1"/>
+            </a:effectRef>
+            <a:fontRef idx="minor">
+              <a:schemeClr val="tx1"/>
+            </a:fontRef>
+          </p:style>
+        </p:cxnSp>
+        <p:sp>
+          <p:nvSpPr>
+            <p:cNvPr id="101" name="Triangolo isoscele 100"/>
+            <p:cNvSpPr/>
+            <p:nvPr/>
+          </p:nvSpPr>
+          <p:spPr>
+            <a:xfrm rot="16200000">
+              <a:off x="4618592" y="4393115"/>
+              <a:ext cx="86434" cy="139263"/>
+            </a:xfrm>
+            <a:prstGeom prst="triangle">
+              <a:avLst/>
+            </a:prstGeom>
+            <a:solidFill>
+              <a:schemeClr val="bg1"/>
+            </a:solidFill>
+            <a:ln/>
+          </p:spPr>
+          <p:style>
+            <a:lnRef idx="1">
+              <a:schemeClr val="accent5"/>
+            </a:lnRef>
+            <a:fillRef idx="2">
+              <a:schemeClr val="accent5"/>
+            </a:fillRef>
+            <a:effectRef idx="1">
+              <a:schemeClr val="accent5"/>
+            </a:effectRef>
+            <a:fontRef idx="minor">
+              <a:schemeClr val="dk1"/>
+            </a:fontRef>
+          </p:style>
+          <p:txBody>
+            <a:bodyPr rtlCol="0" anchor="ctr"/>
+            <a:lstStyle/>
+            <a:p>
+              <a:pPr algn="ctr"/>
+              <a:endParaRPr lang="en-GB" sz="1200"/>
+            </a:p>
+          </p:txBody>
+        </p:sp>
+      </p:grpSp>
+      <p:grpSp>
+        <p:nvGrpSpPr>
+          <p:cNvPr id="102" name="Gruppo 101"/>
+          <p:cNvGrpSpPr/>
+          <p:nvPr/>
+        </p:nvGrpSpPr>
+        <p:grpSpPr>
+          <a:xfrm rot="5400000" flipH="1" flipV="1">
+            <a:off x="7824088" y="5246291"/>
+            <a:ext cx="582125" cy="120293"/>
+            <a:chOff x="3452446" y="4176616"/>
+            <a:chExt cx="787334" cy="86434"/>
+          </a:xfrm>
+        </p:grpSpPr>
+        <p:sp>
+          <p:nvSpPr>
+            <p:cNvPr id="103" name="Triangolo isoscele 102"/>
+            <p:cNvSpPr/>
+            <p:nvPr/>
+          </p:nvSpPr>
+          <p:spPr>
+            <a:xfrm rot="5400000" flipH="1">
+              <a:off x="4126932" y="4150201"/>
+              <a:ext cx="86434" cy="139263"/>
+            </a:xfrm>
+            <a:prstGeom prst="triangle">
+              <a:avLst/>
+            </a:prstGeom>
+            <a:solidFill>
+              <a:schemeClr val="bg1"/>
+            </a:solidFill>
+            <a:ln/>
+          </p:spPr>
+          <p:style>
+            <a:lnRef idx="1">
+              <a:schemeClr val="accent5"/>
+            </a:lnRef>
+            <a:fillRef idx="2">
+              <a:schemeClr val="accent5"/>
+            </a:fillRef>
+            <a:effectRef idx="1">
+              <a:schemeClr val="accent5"/>
+            </a:effectRef>
+            <a:fontRef idx="minor">
+              <a:schemeClr val="dk1"/>
+            </a:fontRef>
+          </p:style>
+          <p:txBody>
+            <a:bodyPr rtlCol="0" anchor="ctr"/>
+            <a:lstStyle/>
+            <a:p>
+              <a:pPr algn="ctr"/>
+              <a:endParaRPr lang="en-GB" sz="1200"/>
+            </a:p>
+          </p:txBody>
+        </p:sp>
+        <p:cxnSp>
+          <p:nvCxnSpPr>
+            <p:cNvPr id="104" name="Connettore 1 103"/>
+            <p:cNvCxnSpPr>
+              <a:endCxn id="103" idx="3"/>
+            </p:cNvCxnSpPr>
+            <p:nvPr/>
+          </p:nvCxnSpPr>
+          <p:spPr>
+            <a:xfrm>
+              <a:off x="3452446" y="4219627"/>
+              <a:ext cx="648072" cy="206"/>
+            </a:xfrm>
+            <a:prstGeom prst="line">
+              <a:avLst/>
+            </a:prstGeom>
+          </p:spPr>
+          <p:style>
+            <a:lnRef idx="1">
+              <a:schemeClr val="accent1"/>
+            </a:lnRef>
+            <a:fillRef idx="0">
+              <a:schemeClr val="accent1"/>
+            </a:fillRef>
+            <a:effectRef idx="0">
+              <a:schemeClr val="accent1"/>
+            </a:effectRef>
+            <a:fontRef idx="minor">
+              <a:schemeClr val="tx1"/>
+            </a:fontRef>
+          </p:style>
+        </p:cxnSp>
+      </p:grpSp>
+      <p:grpSp>
+        <p:nvGrpSpPr>
+          <p:cNvPr id="105" name="Gruppo 104"/>
+          <p:cNvGrpSpPr/>
+          <p:nvPr/>
+        </p:nvGrpSpPr>
+        <p:grpSpPr>
+          <a:xfrm flipH="1">
+            <a:off x="3985452" y="6223259"/>
+            <a:ext cx="666895" cy="86434"/>
+            <a:chOff x="4592177" y="4419530"/>
+            <a:chExt cx="666895" cy="86434"/>
+          </a:xfrm>
+        </p:grpSpPr>
+        <p:cxnSp>
+          <p:nvCxnSpPr>
+            <p:cNvPr id="106" name="Connettore 1 105"/>
+            <p:cNvCxnSpPr/>
+            <p:nvPr/>
+          </p:nvCxnSpPr>
+          <p:spPr>
+            <a:xfrm>
+              <a:off x="4611000" y="4462747"/>
+              <a:ext cx="648072" cy="0"/>
+            </a:xfrm>
+            <a:prstGeom prst="line">
+              <a:avLst/>
+            </a:prstGeom>
+            <a:ln>
+              <a:prstDash val="dash"/>
+            </a:ln>
+          </p:spPr>
+          <p:style>
+            <a:lnRef idx="1">
+              <a:schemeClr val="accent1"/>
+            </a:lnRef>
+            <a:fillRef idx="0">
+              <a:schemeClr val="accent1"/>
+            </a:fillRef>
+            <a:effectRef idx="0">
+              <a:schemeClr val="accent1"/>
+            </a:effectRef>
+            <a:fontRef idx="minor">
+              <a:schemeClr val="tx1"/>
+            </a:fontRef>
+          </p:style>
+        </p:cxnSp>
+        <p:sp>
+          <p:nvSpPr>
+            <p:cNvPr id="107" name="Triangolo isoscele 106"/>
+            <p:cNvSpPr/>
+            <p:nvPr/>
+          </p:nvSpPr>
+          <p:spPr>
+            <a:xfrm rot="16200000">
+              <a:off x="4618592" y="4393115"/>
+              <a:ext cx="86434" cy="139263"/>
+            </a:xfrm>
+            <a:prstGeom prst="triangle">
+              <a:avLst/>
+            </a:prstGeom>
+            <a:solidFill>
+              <a:schemeClr val="bg1"/>
+            </a:solidFill>
+            <a:ln/>
+          </p:spPr>
+          <p:style>
+            <a:lnRef idx="1">
+              <a:schemeClr val="accent5"/>
+            </a:lnRef>
+            <a:fillRef idx="2">
+              <a:schemeClr val="accent5"/>
+            </a:fillRef>
+            <a:effectRef idx="1">
+              <a:schemeClr val="accent5"/>
+            </a:effectRef>
+            <a:fontRef idx="minor">
+              <a:schemeClr val="dk1"/>
+            </a:fontRef>
+          </p:style>
+          <p:txBody>
+            <a:bodyPr rtlCol="0" anchor="ctr"/>
+            <a:lstStyle/>
+            <a:p>
+              <a:pPr algn="ctr"/>
+              <a:endParaRPr lang="en-GB" sz="1200"/>
+            </a:p>
+          </p:txBody>
+        </p:sp>
+      </p:grpSp>
+      <p:grpSp>
+        <p:nvGrpSpPr>
+          <p:cNvPr id="108" name="Gruppo 107"/>
+          <p:cNvGrpSpPr/>
+          <p:nvPr/>
+        </p:nvGrpSpPr>
+        <p:grpSpPr>
+          <a:xfrm flipH="1">
+            <a:off x="3977365" y="6027054"/>
+            <a:ext cx="787334" cy="86434"/>
+            <a:chOff x="3452446" y="4176616"/>
+            <a:chExt cx="787334" cy="86434"/>
+          </a:xfrm>
+        </p:grpSpPr>
+        <p:sp>
+          <p:nvSpPr>
+            <p:cNvPr id="109" name="Triangolo isoscele 108"/>
+            <p:cNvSpPr/>
+            <p:nvPr/>
+          </p:nvSpPr>
+          <p:spPr>
+            <a:xfrm rot="5400000" flipH="1">
+              <a:off x="4126932" y="4150201"/>
+              <a:ext cx="86434" cy="139263"/>
+            </a:xfrm>
+            <a:prstGeom prst="triangle">
+              <a:avLst/>
+            </a:prstGeom>
+            <a:solidFill>
+              <a:schemeClr val="bg1"/>
+            </a:solidFill>
+            <a:ln/>
+          </p:spPr>
+          <p:style>
+            <a:lnRef idx="1">
+              <a:schemeClr val="accent5"/>
+            </a:lnRef>
+            <a:fillRef idx="2">
+              <a:schemeClr val="accent5"/>
+            </a:fillRef>
+            <a:effectRef idx="1">
+              <a:schemeClr val="accent5"/>
+            </a:effectRef>
+            <a:fontRef idx="minor">
+              <a:schemeClr val="dk1"/>
+            </a:fontRef>
+          </p:style>
+          <p:txBody>
+            <a:bodyPr rtlCol="0" anchor="ctr"/>
+            <a:lstStyle/>
+            <a:p>
+              <a:pPr algn="ctr"/>
+              <a:endParaRPr lang="en-GB" sz="1200"/>
+            </a:p>
+          </p:txBody>
+        </p:sp>
+        <p:cxnSp>
+          <p:nvCxnSpPr>
+            <p:cNvPr id="110" name="Connettore 1 109"/>
+            <p:cNvCxnSpPr>
+              <a:endCxn id="109" idx="3"/>
+            </p:cNvCxnSpPr>
+            <p:nvPr/>
+          </p:nvCxnSpPr>
+          <p:spPr>
+            <a:xfrm>
+              <a:off x="3452446" y="4219627"/>
+              <a:ext cx="648072" cy="206"/>
+            </a:xfrm>
+            <a:prstGeom prst="line">
+              <a:avLst/>
+            </a:prstGeom>
+          </p:spPr>
+          <p:style>
+            <a:lnRef idx="1">
+              <a:schemeClr val="accent1"/>
+            </a:lnRef>
+            <a:fillRef idx="0">
+              <a:schemeClr val="accent1"/>
+            </a:fillRef>
+            <a:effectRef idx="0">
+              <a:schemeClr val="accent1"/>
+            </a:effectRef>
+            <a:fontRef idx="minor">
+              <a:schemeClr val="tx1"/>
+            </a:fontRef>
+          </p:style>
+        </p:cxnSp>
+      </p:grpSp>
+      <p:cxnSp>
+        <p:nvCxnSpPr>
+          <p:cNvPr id="111" name="Connettore 2 110"/>
+          <p:cNvCxnSpPr/>
+          <p:nvPr/>
+        </p:nvCxnSpPr>
+        <p:spPr>
+          <a:xfrm flipH="1">
+            <a:off x="5364673" y="5281257"/>
+            <a:ext cx="13466" cy="393101"/>
+          </a:xfrm>
+          <a:prstGeom prst="straightConnector1">
+            <a:avLst/>
+          </a:prstGeom>
+          <a:ln>
+            <a:solidFill>
+              <a:srgbClr val="C00000"/>
+            </a:solidFill>
+            <a:tailEnd type="arrow"/>
+          </a:ln>
+        </p:spPr>
+        <p:style>
+          <a:lnRef idx="1">
+            <a:schemeClr val="accent1"/>
+          </a:lnRef>
+          <a:fillRef idx="0">
+            <a:schemeClr val="accent1"/>
+          </a:fillRef>
+          <a:effectRef idx="0">
+            <a:schemeClr val="accent1"/>
+          </a:effectRef>
+          <a:fontRef idx="minor">
+            <a:schemeClr val="tx1"/>
+          </a:fontRef>
+        </p:style>
+      </p:cxnSp>
+      <p:cxnSp>
+        <p:nvCxnSpPr>
+          <p:cNvPr id="112" name="Connettore 2 111"/>
+          <p:cNvCxnSpPr/>
+          <p:nvPr/>
+        </p:nvCxnSpPr>
+        <p:spPr>
+          <a:xfrm flipH="1">
+            <a:off x="6156176" y="6028030"/>
+            <a:ext cx="13466" cy="393101"/>
+          </a:xfrm>
+          <a:prstGeom prst="straightConnector1">
+            <a:avLst/>
+          </a:prstGeom>
+          <a:ln>
+            <a:solidFill>
+              <a:srgbClr val="C00000"/>
+            </a:solidFill>
+            <a:tailEnd type="arrow"/>
+          </a:ln>
+        </p:spPr>
+        <p:style>
+          <a:lnRef idx="1">
+            <a:schemeClr val="accent1"/>
+          </a:lnRef>
+          <a:fillRef idx="0">
+            <a:schemeClr val="accent1"/>
+          </a:fillRef>
+          <a:effectRef idx="0">
+            <a:schemeClr val="accent1"/>
+          </a:effectRef>
+          <a:fontRef idx="minor">
+            <a:schemeClr val="tx1"/>
+          </a:fontRef>
+        </p:style>
+      </p:cxnSp>
+      <p:sp>
+        <p:nvSpPr>
+          <p:cNvPr id="120" name="Rettangolo 119"/>
+          <p:cNvSpPr/>
+          <p:nvPr/>
+        </p:nvSpPr>
+        <p:spPr>
+          <a:xfrm>
+            <a:off x="1205132" y="4789148"/>
+            <a:ext cx="1936428" cy="1323439"/>
+          </a:xfrm>
+          <a:prstGeom prst="rect">
+            <a:avLst/>
+          </a:prstGeom>
+        </p:spPr>
+        <p:style>
+          <a:lnRef idx="1">
+            <a:schemeClr val="accent3"/>
+          </a:lnRef>
+          <a:fillRef idx="2">
+            <a:schemeClr val="accent3"/>
+          </a:fillRef>
+          <a:effectRef idx="1">
+            <a:schemeClr val="accent3"/>
+          </a:effectRef>
+          <a:fontRef idx="minor">
+            <a:schemeClr val="dk1"/>
+          </a:fontRef>
+        </p:style>
+        <p:txBody>
+          <a:bodyPr wrap="none">
+            <a:spAutoFit/>
+          </a:bodyPr>
+          <a:lstStyle/>
+          <a:p>
+            <a:r>
+              <a:rPr lang="en-GB" sz="1600" b="1" dirty="0">
+                <a:solidFill>
+                  <a:srgbClr val="0070C0"/>
+                </a:solidFill>
+              </a:rPr>
+              <a:t>/</a:t>
+            </a:r>
+            <a:r>
+              <a:rPr lang="en-GB" sz="1600" b="1" dirty="0" err="1">
+                <a:solidFill>
+                  <a:srgbClr val="0070C0"/>
+                </a:solidFill>
+              </a:rPr>
+              <a:t>selectHealthCenter</a:t>
+            </a:r>
+            <a:r>
+              <a:rPr lang="en-GB" sz="1600" b="1" dirty="0">
+                <a:solidFill>
+                  <a:srgbClr val="0070C0"/>
+                </a:solidFill>
+              </a:rPr>
+              <a:t> </a:t>
+            </a:r>
+            <a:endParaRPr lang="en-GB" sz="1600" b="1" dirty="0" smtClean="0">
+              <a:solidFill>
+                <a:srgbClr val="0070C0"/>
+              </a:solidFill>
+            </a:endParaRPr>
+          </a:p>
+          <a:p>
+            <a:r>
+              <a:rPr lang="en-GB" sz="1600" b="1" dirty="0" smtClean="0">
+                <a:solidFill>
+                  <a:srgbClr val="0070C0"/>
+                </a:solidFill>
+              </a:rPr>
+              <a:t>/</a:t>
+            </a:r>
+            <a:r>
+              <a:rPr lang="en-GB" sz="1600" b="1" dirty="0" err="1" smtClean="0">
+                <a:solidFill>
+                  <a:srgbClr val="0070C0"/>
+                </a:solidFill>
+              </a:rPr>
+              <a:t>createPatient</a:t>
+            </a:r>
+            <a:endParaRPr lang="en-GB" sz="1600" b="1" dirty="0" smtClean="0">
+              <a:solidFill>
+                <a:srgbClr val="0070C0"/>
+              </a:solidFill>
+            </a:endParaRPr>
+          </a:p>
+          <a:p>
+            <a:r>
+              <a:rPr lang="en-GB" sz="1600" b="1" dirty="0">
+                <a:solidFill>
+                  <a:srgbClr val="0070C0"/>
+                </a:solidFill>
+              </a:rPr>
+              <a:t>/</a:t>
+            </a:r>
+            <a:r>
+              <a:rPr lang="en-GB" sz="1600" b="1" dirty="0" err="1" smtClean="0">
+                <a:solidFill>
+                  <a:srgbClr val="0070C0"/>
+                </a:solidFill>
+              </a:rPr>
+              <a:t>searchPatient</a:t>
+            </a:r>
+            <a:endParaRPr lang="en-GB" sz="1600" b="1" dirty="0" smtClean="0">
+              <a:solidFill>
+                <a:srgbClr val="0070C0"/>
+              </a:solidFill>
+            </a:endParaRPr>
+          </a:p>
+          <a:p>
+            <a:r>
+              <a:rPr lang="en-GB" sz="1600" b="1" dirty="0">
+                <a:solidFill>
+                  <a:srgbClr val="0070C0"/>
+                </a:solidFill>
+              </a:rPr>
+              <a:t>/</a:t>
+            </a:r>
+            <a:r>
+              <a:rPr lang="en-GB" sz="1600" b="1" dirty="0" err="1" smtClean="0">
+                <a:solidFill>
+                  <a:srgbClr val="0070C0"/>
+                </a:solidFill>
+              </a:rPr>
+              <a:t>readResource</a:t>
+            </a:r>
+            <a:endParaRPr lang="en-GB" sz="1600" b="1" dirty="0" smtClean="0">
+              <a:solidFill>
+                <a:srgbClr val="0070C0"/>
+              </a:solidFill>
+            </a:endParaRPr>
+          </a:p>
+          <a:p>
+            <a:r>
+              <a:rPr lang="en-GB" sz="1600" b="1" dirty="0">
+                <a:solidFill>
+                  <a:srgbClr val="0070C0"/>
+                </a:solidFill>
+              </a:rPr>
+              <a:t>/</a:t>
+            </a:r>
+            <a:r>
+              <a:rPr lang="en-GB" sz="1600" b="1" dirty="0" err="1">
+                <a:solidFill>
+                  <a:srgbClr val="0070C0"/>
+                </a:solidFill>
+              </a:rPr>
+              <a:t>deleteResource</a:t>
+            </a:r>
+            <a:endParaRPr lang="en-GB" sz="1600" b="1" dirty="0">
+              <a:solidFill>
+                <a:srgbClr val="0070C0"/>
+              </a:solidFill>
+            </a:endParaRPr>
+          </a:p>
+        </p:txBody>
+      </p:sp>
+      <p:grpSp>
+        <p:nvGrpSpPr>
+          <p:cNvPr id="124" name="Gruppo 123"/>
+          <p:cNvGrpSpPr/>
+          <p:nvPr/>
+        </p:nvGrpSpPr>
+        <p:grpSpPr>
+          <a:xfrm>
+            <a:off x="43278" y="3860044"/>
+            <a:ext cx="1053702" cy="965471"/>
+            <a:chOff x="565700" y="4940367"/>
+            <a:chExt cx="805955" cy="772447"/>
+          </a:xfrm>
+        </p:grpSpPr>
+        <p:sp>
+          <p:nvSpPr>
+            <p:cNvPr id="125" name="Ovale 124"/>
+            <p:cNvSpPr/>
+            <p:nvPr/>
+          </p:nvSpPr>
+          <p:spPr>
+            <a:xfrm>
+              <a:off x="565700" y="4983583"/>
+              <a:ext cx="805955" cy="729231"/>
+            </a:xfrm>
+            <a:prstGeom prst="ellipse">
+              <a:avLst/>
+            </a:prstGeom>
+            <a:solidFill>
+              <a:srgbClr val="FF99CC"/>
+            </a:solidFill>
+            <a:ln/>
+          </p:spPr>
+          <p:style>
+            <a:lnRef idx="1">
+              <a:schemeClr val="accent4"/>
+            </a:lnRef>
+            <a:fillRef idx="2">
+              <a:schemeClr val="accent4"/>
+            </a:fillRef>
+            <a:effectRef idx="1">
+              <a:schemeClr val="accent4"/>
+            </a:effectRef>
+            <a:fontRef idx="minor">
+              <a:schemeClr val="dk1"/>
+            </a:fontRef>
+          </p:style>
+          <p:txBody>
+            <a:bodyPr rtlCol="0" anchor="ctr"/>
+            <a:lstStyle/>
+            <a:p>
+              <a:pPr algn="ctr"/>
+              <a:r>
+                <a:rPr lang="en-GB" sz="1200" dirty="0"/>
+                <a:t> </a:t>
+              </a:r>
+            </a:p>
+          </p:txBody>
+        </p:sp>
+        <p:sp>
+          <p:nvSpPr>
+            <p:cNvPr id="126" name="Triangolo isoscele 125"/>
+            <p:cNvSpPr/>
+            <p:nvPr/>
+          </p:nvSpPr>
+          <p:spPr>
+            <a:xfrm rot="16200000">
+              <a:off x="905299" y="4913952"/>
+              <a:ext cx="86434" cy="139263"/>
+            </a:xfrm>
+            <a:prstGeom prst="triangle">
+              <a:avLst/>
+            </a:prstGeom>
+            <a:solidFill>
+              <a:srgbClr val="C00000"/>
+            </a:solidFill>
+            <a:ln/>
+          </p:spPr>
+          <p:style>
+            <a:lnRef idx="1">
+              <a:schemeClr val="accent5"/>
+            </a:lnRef>
+            <a:fillRef idx="2">
+              <a:schemeClr val="accent5"/>
+            </a:fillRef>
+            <a:effectRef idx="1">
+              <a:schemeClr val="accent5"/>
+            </a:effectRef>
+            <a:fontRef idx="minor">
+              <a:schemeClr val="dk1"/>
+            </a:fontRef>
+          </p:style>
+          <p:txBody>
+            <a:bodyPr rtlCol="0" anchor="ctr"/>
+            <a:lstStyle/>
+            <a:p>
+              <a:pPr algn="ctr"/>
+              <a:endParaRPr lang="en-GB" sz="1200">
+                <a:solidFill>
+                  <a:schemeClr val="dk1"/>
+                </a:solidFill>
+              </a:endParaRPr>
+            </a:p>
+          </p:txBody>
+        </p:sp>
+      </p:grpSp>
+      <p:sp>
+        <p:nvSpPr>
+          <p:cNvPr id="127" name="CasellaDiTesto 126"/>
+          <p:cNvSpPr txBox="1"/>
+          <p:nvPr/>
+        </p:nvSpPr>
+        <p:spPr>
+          <a:xfrm>
+            <a:off x="90395" y="4208677"/>
+            <a:ext cx="1088824" cy="307777"/>
+          </a:xfrm>
+          <a:prstGeom prst="rect">
+            <a:avLst/>
+          </a:prstGeom>
+          <a:noFill/>
+        </p:spPr>
+        <p:txBody>
+          <a:bodyPr wrap="none" rtlCol="0">
+            <a:spAutoFit/>
+          </a:bodyPr>
+          <a:lstStyle/>
+          <a:p>
+            <a:r>
+              <a:rPr lang="en-GB" sz="1400" b="1" dirty="0" err="1" smtClean="0"/>
+              <a:t>ICoreFacade</a:t>
+            </a:r>
+            <a:endParaRPr lang="en-GB" sz="1400" dirty="0"/>
+          </a:p>
+        </p:txBody>
+      </p:sp>
+      <p:cxnSp>
+        <p:nvCxnSpPr>
+          <p:cNvPr id="129" name="Connettore 2 128"/>
+          <p:cNvCxnSpPr>
+            <a:stCxn id="7" idx="2"/>
+            <a:endCxn id="127" idx="3"/>
+          </p:cNvCxnSpPr>
+          <p:nvPr/>
+        </p:nvCxnSpPr>
+        <p:spPr>
+          <a:xfrm flipH="1">
+            <a:off x="1179219" y="4222891"/>
+            <a:ext cx="1497695" cy="139675"/>
+          </a:xfrm>
+          <a:prstGeom prst="straightConnector1">
+            <a:avLst/>
+          </a:prstGeom>
+          <a:ln w="28575">
+            <a:solidFill>
+              <a:srgbClr val="FF0000"/>
+            </a:solidFill>
+            <a:prstDash val="dash"/>
+            <a:tailEnd type="arrow"/>
+          </a:ln>
+        </p:spPr>
+        <p:style>
+          <a:lnRef idx="1">
+            <a:schemeClr val="accent1"/>
+          </a:lnRef>
+          <a:fillRef idx="0">
+            <a:schemeClr val="accent1"/>
+          </a:fillRef>
+          <a:effectRef idx="0">
+            <a:schemeClr val="accent1"/>
+          </a:effectRef>
+          <a:fontRef idx="minor">
+            <a:schemeClr val="tx1"/>
+          </a:fontRef>
+        </p:style>
+      </p:cxnSp>
+      <p:sp>
+        <p:nvSpPr>
+          <p:cNvPr id="130" name="CasellaDiTesto 129"/>
+          <p:cNvSpPr txBox="1"/>
+          <p:nvPr/>
+        </p:nvSpPr>
+        <p:spPr>
+          <a:xfrm>
+            <a:off x="1589191" y="3844653"/>
+            <a:ext cx="677750" cy="369332"/>
+          </a:xfrm>
+          <a:prstGeom prst="rect">
+            <a:avLst/>
+          </a:prstGeom>
+        </p:spPr>
+        <p:style>
+          <a:lnRef idx="1">
+            <a:schemeClr val="accent6"/>
+          </a:lnRef>
+          <a:fillRef idx="2">
+            <a:schemeClr val="accent6"/>
+          </a:fillRef>
+          <a:effectRef idx="1">
+            <a:schemeClr val="accent6"/>
+          </a:effectRef>
+          <a:fontRef idx="minor">
+            <a:schemeClr val="dk1"/>
+          </a:fontRef>
+        </p:style>
+        <p:txBody>
+          <a:bodyPr wrap="none" rtlCol="0">
+            <a:spAutoFit/>
+          </a:bodyPr>
+          <a:lstStyle/>
+          <a:p>
+            <a:r>
+              <a:rPr lang="it-IT" dirty="0" smtClean="0"/>
+              <a:t> </a:t>
+            </a:r>
+            <a:r>
+              <a:rPr lang="it-IT" dirty="0" err="1" smtClean="0"/>
+              <a:t>todo</a:t>
+            </a:r>
+            <a:endParaRPr lang="en-GB" dirty="0"/>
+          </a:p>
+        </p:txBody>
+      </p:sp>
     </p:spTree>
     <p:extLst>
       <p:ext uri="{BB962C8B-B14F-4D97-AF65-F5344CB8AC3E}">
-        <p14:creationId xmlns:p14="http://schemas.microsoft.com/office/powerpoint/2010/main" val="2167669677"/>
+        <p14:creationId xmlns:p14="http://schemas.microsoft.com/office/powerpoint/2010/main" val="1578021699"/>
       </p:ext>
     </p:extLst>
   </p:cSld>
@@ -13229,7 +15694,7 @@
       </p:grpSpPr>
       <p:pic>
         <p:nvPicPr>
-          <p:cNvPr id="2050" name="Picture 2"/>
+          <p:cNvPr id="1027" name="Picture 3"/>
           <p:cNvPicPr>
             <a:picLocks noChangeAspect="1" noChangeArrowheads="1"/>
           </p:cNvPicPr>
@@ -13250,8 +15715,8 @@
         </p:blipFill>
         <p:spPr bwMode="auto">
           <a:xfrm>
-            <a:off x="1252538" y="1252538"/>
-            <a:ext cx="6638925" cy="4352925"/>
+            <a:off x="1252538" y="1119188"/>
+            <a:ext cx="6638925" cy="4619625"/>
           </a:xfrm>
           <a:prstGeom prst="rect">
             <a:avLst/>
@@ -13284,7 +15749,7 @@
     </p:spTree>
     <p:extLst>
       <p:ext uri="{BB962C8B-B14F-4D97-AF65-F5344CB8AC3E}">
-        <p14:creationId xmlns:p14="http://schemas.microsoft.com/office/powerpoint/2010/main" val="1461316647"/>
+        <p14:creationId xmlns:p14="http://schemas.microsoft.com/office/powerpoint/2010/main" val="2167669677"/>
       </p:ext>
     </p:extLst>
   </p:cSld>
@@ -13313,7 +15778,7 @@
       </p:grpSpPr>
       <p:pic>
         <p:nvPicPr>
-          <p:cNvPr id="3074" name="Picture 2"/>
+          <p:cNvPr id="2050" name="Picture 2"/>
           <p:cNvPicPr>
             <a:picLocks noChangeAspect="1" noChangeArrowheads="1"/>
           </p:cNvPicPr>
@@ -13334,8 +15799,8 @@
         </p:blipFill>
         <p:spPr bwMode="auto">
           <a:xfrm>
-            <a:off x="1252538" y="600075"/>
-            <a:ext cx="6638925" cy="5657850"/>
+            <a:off x="1252538" y="1252538"/>
+            <a:ext cx="6638925" cy="4352925"/>
           </a:xfrm>
           <a:prstGeom prst="rect">
             <a:avLst/>
@@ -13368,6 +15833,90 @@
     </p:spTree>
     <p:extLst>
       <p:ext uri="{BB962C8B-B14F-4D97-AF65-F5344CB8AC3E}">
+        <p14:creationId xmlns:p14="http://schemas.microsoft.com/office/powerpoint/2010/main" val="1461316647"/>
+      </p:ext>
+    </p:extLst>
+  </p:cSld>
+  <p:clrMapOvr>
+    <a:masterClrMapping/>
+  </p:clrMapOvr>
+</p:sld>
+</file>
+
+<file path=ppt/slides/slide18.xml><?xml version="1.0" encoding="utf-8"?>
+<p:sld xmlns:a="http://schemas.openxmlformats.org/drawingml/2006/main" xmlns:r="http://schemas.openxmlformats.org/officeDocument/2006/relationships" xmlns:p="http://schemas.openxmlformats.org/presentationml/2006/main">
+  <p:cSld>
+    <p:spTree>
+      <p:nvGrpSpPr>
+        <p:cNvPr id="1" name=""/>
+        <p:cNvGrpSpPr/>
+        <p:nvPr/>
+      </p:nvGrpSpPr>
+      <p:grpSpPr>
+        <a:xfrm>
+          <a:off x="0" y="0"/>
+          <a:ext cx="0" cy="0"/>
+          <a:chOff x="0" y="0"/>
+          <a:chExt cx="0" cy="0"/>
+        </a:xfrm>
+      </p:grpSpPr>
+      <p:pic>
+        <p:nvPicPr>
+          <p:cNvPr id="3074" name="Picture 2"/>
+          <p:cNvPicPr>
+            <a:picLocks noChangeAspect="1" noChangeArrowheads="1"/>
+          </p:cNvPicPr>
+          <p:nvPr/>
+        </p:nvPicPr>
+        <p:blipFill>
+          <a:blip r:embed="rId2">
+            <a:extLst>
+              <a:ext uri="{28A0092B-C50C-407E-A947-70E740481C1C}">
+                <a14:useLocalDpi xmlns:a14="http://schemas.microsoft.com/office/drawing/2010/main" val="0"/>
+              </a:ext>
+            </a:extLst>
+          </a:blip>
+          <a:srcRect/>
+          <a:stretch>
+            <a:fillRect/>
+          </a:stretch>
+        </p:blipFill>
+        <p:spPr bwMode="auto">
+          <a:xfrm>
+            <a:off x="1252538" y="600075"/>
+            <a:ext cx="6638925" cy="5657850"/>
+          </a:xfrm>
+          <a:prstGeom prst="rect">
+            <a:avLst/>
+          </a:prstGeom>
+          <a:noFill/>
+          <a:ln>
+            <a:noFill/>
+          </a:ln>
+          <a:extLst>
+            <a:ext uri="{909E8E84-426E-40DD-AFC4-6F175D3DCCD1}">
+              <a14:hiddenFill xmlns:a14="http://schemas.microsoft.com/office/drawing/2010/main">
+                <a:solidFill>
+                  <a:schemeClr val="accent1"/>
+                </a:solidFill>
+              </a14:hiddenFill>
+            </a:ext>
+            <a:ext uri="{91240B29-F687-4F45-9708-019B960494DF}">
+              <a14:hiddenLine xmlns:a14="http://schemas.microsoft.com/office/drawing/2010/main" w="9525">
+                <a:solidFill>
+                  <a:schemeClr val="tx1"/>
+                </a:solidFill>
+                <a:miter lim="800000"/>
+                <a:headEnd/>
+                <a:tailEnd/>
+              </a14:hiddenLine>
+            </a:ext>
+          </a:extLst>
+        </p:spPr>
+      </p:pic>
+    </p:spTree>
+    <p:extLst>
+      <p:ext uri="{BB962C8B-B14F-4D97-AF65-F5344CB8AC3E}">
         <p14:creationId xmlns:p14="http://schemas.microsoft.com/office/powerpoint/2010/main" val="3157537335"/>
       </p:ext>
     </p:extLst>
@@ -13378,7 +15927,7 @@
 </p:sld>
 </file>
 
-<file path=ppt/slides/slide18.xml><?xml version="1.0" encoding="utf-8"?>
+<file path=ppt/slides/slide19.xml><?xml version="1.0" encoding="utf-8"?>
 <p:sld xmlns:a="http://schemas.openxmlformats.org/drawingml/2006/main" xmlns:r="http://schemas.openxmlformats.org/officeDocument/2006/relationships" xmlns:p="http://schemas.openxmlformats.org/presentationml/2006/main">
   <p:cSld>
     <p:spTree>
@@ -18717,7 +21266,7 @@
           <p:cNvPr id="51" name="TextBox 50">
             <a:extLst>
               <a:ext uri="{FF2B5EF4-FFF2-40B4-BE49-F238E27FC236}">
-                <a16:creationId xmlns:a16="http://schemas.microsoft.com/office/drawing/2014/main" xmlns="" id="{38D92C47-6A24-433B-A9D7-48400DFBEE88}"/>
+                <a16:creationId xmlns="" xmlns:a16="http://schemas.microsoft.com/office/drawing/2014/main" id="{38D92C47-6A24-433B-A9D7-48400DFBEE88}"/>
               </a:ext>
             </a:extLst>
           </p:cNvPr>
@@ -18758,7 +21307,7 @@
           <p:cNvPr id="52" name="TextBox 51">
             <a:extLst>
               <a:ext uri="{FF2B5EF4-FFF2-40B4-BE49-F238E27FC236}">
-                <a16:creationId xmlns:a16="http://schemas.microsoft.com/office/drawing/2014/main" xmlns="" id="{46370455-EDDE-4BAF-A68F-1E721D22CFA3}"/>
+                <a16:creationId xmlns="" xmlns:a16="http://schemas.microsoft.com/office/drawing/2014/main" id="{46370455-EDDE-4BAF-A68F-1E721D22CFA3}"/>
               </a:ext>
             </a:extLst>
           </p:cNvPr>
@@ -18799,7 +21348,7 @@
           <p:cNvPr id="54" name="TextBox 53">
             <a:extLst>
               <a:ext uri="{FF2B5EF4-FFF2-40B4-BE49-F238E27FC236}">
-                <a16:creationId xmlns:a16="http://schemas.microsoft.com/office/drawing/2014/main" xmlns="" id="{1F0BD362-AB28-4ABC-B01D-E5FB51A4284F}"/>
+                <a16:creationId xmlns="" xmlns:a16="http://schemas.microsoft.com/office/drawing/2014/main" id="{1F0BD362-AB28-4ABC-B01D-E5FB51A4284F}"/>
               </a:ext>
             </a:extLst>
           </p:cNvPr>
@@ -18834,7 +21383,7 @@
           <p:cNvPr id="55" name="TextBox 54">
             <a:extLst>
               <a:ext uri="{FF2B5EF4-FFF2-40B4-BE49-F238E27FC236}">
-                <a16:creationId xmlns:a16="http://schemas.microsoft.com/office/drawing/2014/main" xmlns="" id="{66A6D040-E92F-405E-8F1C-224FD73DEB6A}"/>
+                <a16:creationId xmlns="" xmlns:a16="http://schemas.microsoft.com/office/drawing/2014/main" id="{66A6D040-E92F-405E-8F1C-224FD73DEB6A}"/>
               </a:ext>
             </a:extLst>
           </p:cNvPr>
@@ -18875,7 +21424,7 @@
           <p:cNvPr id="59" name="TextBox 58">
             <a:extLst>
               <a:ext uri="{FF2B5EF4-FFF2-40B4-BE49-F238E27FC236}">
-                <a16:creationId xmlns:a16="http://schemas.microsoft.com/office/drawing/2014/main" xmlns="" id="{8B737B46-BF72-4F50-880F-A81417342B9C}"/>
+                <a16:creationId xmlns="" xmlns:a16="http://schemas.microsoft.com/office/drawing/2014/main" id="{8B737B46-BF72-4F50-880F-A81417342B9C}"/>
               </a:ext>
             </a:extLst>
           </p:cNvPr>
@@ -18916,7 +21465,7 @@
           <p:cNvPr id="60" name="TextBox 59">
             <a:extLst>
               <a:ext uri="{FF2B5EF4-FFF2-40B4-BE49-F238E27FC236}">
-                <a16:creationId xmlns:a16="http://schemas.microsoft.com/office/drawing/2014/main" xmlns="" id="{635E5AB3-11BB-4188-A9F5-6624D8487908}"/>
+                <a16:creationId xmlns="" xmlns:a16="http://schemas.microsoft.com/office/drawing/2014/main" id="{635E5AB3-11BB-4188-A9F5-6624D8487908}"/>
               </a:ext>
             </a:extLst>
           </p:cNvPr>
@@ -20990,7 +23539,7 @@
           <p:cNvPr id="43" name="TextBox 42">
             <a:extLst>
               <a:ext uri="{FF2B5EF4-FFF2-40B4-BE49-F238E27FC236}">
-                <a16:creationId xmlns:a16="http://schemas.microsoft.com/office/drawing/2014/main" xmlns="" id="{C66D85E0-1A23-448C-9466-6DADEA26156A}"/>
+                <a16:creationId xmlns="" xmlns:a16="http://schemas.microsoft.com/office/drawing/2014/main" id="{C66D85E0-1A23-448C-9466-6DADEA26156A}"/>
               </a:ext>
             </a:extLst>
           </p:cNvPr>
@@ -21031,7 +23580,7 @@
           <p:cNvPr id="44" name="TextBox 43">
             <a:extLst>
               <a:ext uri="{FF2B5EF4-FFF2-40B4-BE49-F238E27FC236}">
-                <a16:creationId xmlns:a16="http://schemas.microsoft.com/office/drawing/2014/main" xmlns="" id="{73BB0B6F-DBD2-4682-88DA-A68E1C43C8EE}"/>
+                <a16:creationId xmlns="" xmlns:a16="http://schemas.microsoft.com/office/drawing/2014/main" id="{73BB0B6F-DBD2-4682-88DA-A68E1C43C8EE}"/>
               </a:ext>
             </a:extLst>
           </p:cNvPr>
@@ -21072,7 +23621,7 @@
           <p:cNvPr id="45" name="TextBox 44">
             <a:extLst>
               <a:ext uri="{FF2B5EF4-FFF2-40B4-BE49-F238E27FC236}">
-                <a16:creationId xmlns:a16="http://schemas.microsoft.com/office/drawing/2014/main" xmlns="" id="{06BB9D57-20AB-4911-8F91-1EAAD2C3D635}"/>
+                <a16:creationId xmlns="" xmlns:a16="http://schemas.microsoft.com/office/drawing/2014/main" id="{06BB9D57-20AB-4911-8F91-1EAAD2C3D635}"/>
               </a:ext>
             </a:extLst>
           </p:cNvPr>
@@ -21107,7 +23656,7 @@
           <p:cNvPr id="46" name="TextBox 45">
             <a:extLst>
               <a:ext uri="{FF2B5EF4-FFF2-40B4-BE49-F238E27FC236}">
-                <a16:creationId xmlns:a16="http://schemas.microsoft.com/office/drawing/2014/main" xmlns="" id="{6BDA7693-CA76-4C97-8FED-A4A65AB5032B}"/>
+                <a16:creationId xmlns="" xmlns:a16="http://schemas.microsoft.com/office/drawing/2014/main" id="{6BDA7693-CA76-4C97-8FED-A4A65AB5032B}"/>
               </a:ext>
             </a:extLst>
           </p:cNvPr>
@@ -21148,7 +23697,7 @@
           <p:cNvPr id="47" name="TextBox 46">
             <a:extLst>
               <a:ext uri="{FF2B5EF4-FFF2-40B4-BE49-F238E27FC236}">
-                <a16:creationId xmlns:a16="http://schemas.microsoft.com/office/drawing/2014/main" xmlns="" id="{F3FF60E3-5733-4A51-BB64-B5D227CFB6FE}"/>
+                <a16:creationId xmlns="" xmlns:a16="http://schemas.microsoft.com/office/drawing/2014/main" id="{F3FF60E3-5733-4A51-BB64-B5D227CFB6FE}"/>
               </a:ext>
             </a:extLst>
           </p:cNvPr>
@@ -21189,7 +23738,7 @@
           <p:cNvPr id="48" name="TextBox 47">
             <a:extLst>
               <a:ext uri="{FF2B5EF4-FFF2-40B4-BE49-F238E27FC236}">
-                <a16:creationId xmlns:a16="http://schemas.microsoft.com/office/drawing/2014/main" xmlns="" id="{6CFBFA02-2444-480B-B78F-A1A7AD55973E}"/>
+                <a16:creationId xmlns="" xmlns:a16="http://schemas.microsoft.com/office/drawing/2014/main" id="{6CFBFA02-2444-480B-B78F-A1A7AD55973E}"/>
               </a:ext>
             </a:extLst>
           </p:cNvPr>
@@ -21980,7 +24529,7 @@
           <p:cNvPr id="12" name="TextBox 45">
             <a:extLst>
               <a:ext uri="{FF2B5EF4-FFF2-40B4-BE49-F238E27FC236}">
-                <a16:creationId xmlns:a16="http://schemas.microsoft.com/office/drawing/2014/main" xmlns="" id="{6BDA7693-CA76-4C97-8FED-A4A65AB5032B}"/>
+                <a16:creationId xmlns="" xmlns:a16="http://schemas.microsoft.com/office/drawing/2014/main" id="{6BDA7693-CA76-4C97-8FED-A4A65AB5032B}"/>
               </a:ext>
             </a:extLst>
           </p:cNvPr>
@@ -22658,7 +25207,7 @@
           <p:cNvPr id="33" name="TextBox 45">
             <a:extLst>
               <a:ext uri="{FF2B5EF4-FFF2-40B4-BE49-F238E27FC236}">
-                <a16:creationId xmlns:a16="http://schemas.microsoft.com/office/drawing/2014/main" xmlns="" id="{6BDA7693-CA76-4C97-8FED-A4A65AB5032B}"/>
+                <a16:creationId xmlns="" xmlns:a16="http://schemas.microsoft.com/office/drawing/2014/main" id="{6BDA7693-CA76-4C97-8FED-A4A65AB5032B}"/>
               </a:ext>
             </a:extLst>
           </p:cNvPr>
@@ -22694,7 +25243,7 @@
           <p:cNvPr id="34" name="TextBox 45">
             <a:extLst>
               <a:ext uri="{FF2B5EF4-FFF2-40B4-BE49-F238E27FC236}">
-                <a16:creationId xmlns:a16="http://schemas.microsoft.com/office/drawing/2014/main" xmlns="" id="{6BDA7693-CA76-4C97-8FED-A4A65AB5032B}"/>
+                <a16:creationId xmlns="" xmlns:a16="http://schemas.microsoft.com/office/drawing/2014/main" id="{6BDA7693-CA76-4C97-8FED-A4A65AB5032B}"/>
               </a:ext>
             </a:extLst>
           </p:cNvPr>
@@ -23104,7 +25653,7 @@
           <p:cNvPr id="52" name="TextBox 45">
             <a:extLst>
               <a:ext uri="{FF2B5EF4-FFF2-40B4-BE49-F238E27FC236}">
-                <a16:creationId xmlns:a16="http://schemas.microsoft.com/office/drawing/2014/main" xmlns="" id="{6BDA7693-CA76-4C97-8FED-A4A65AB5032B}"/>
+                <a16:creationId xmlns="" xmlns:a16="http://schemas.microsoft.com/office/drawing/2014/main" id="{6BDA7693-CA76-4C97-8FED-A4A65AB5032B}"/>
               </a:ext>
             </a:extLst>
           </p:cNvPr>

--- a/health/userDocs/UniboFigs.pptx
+++ b/health/userDocs/UniboFigs.pptx
@@ -20,10 +20,11 @@
     <p:sldId id="270" r:id="rId14"/>
     <p:sldId id="272" r:id="rId15"/>
     <p:sldId id="277" r:id="rId16"/>
-    <p:sldId id="273" r:id="rId17"/>
-    <p:sldId id="274" r:id="rId18"/>
-    <p:sldId id="275" r:id="rId19"/>
-    <p:sldId id="276" r:id="rId20"/>
+    <p:sldId id="278" r:id="rId17"/>
+    <p:sldId id="273" r:id="rId18"/>
+    <p:sldId id="274" r:id="rId19"/>
+    <p:sldId id="275" r:id="rId20"/>
+    <p:sldId id="276" r:id="rId21"/>
   </p:sldIdLst>
   <p:sldSz cx="9144000" cy="6858000" type="screen4x3"/>
   <p:notesSz cx="6858000" cy="9144000"/>
@@ -124,7 +125,7 @@
   </p:defaultTextStyle>
   <p:extLst>
     <p:ext uri="{EFAFB233-063F-42B5-8137-9DF3F51BA10A}">
-      <p15:sldGuideLst xmlns="" xmlns:p15="http://schemas.microsoft.com/office/powerpoint/2012/main">
+      <p15:sldGuideLst xmlns:p15="http://schemas.microsoft.com/office/powerpoint/2012/main" xmlns="">
         <p15:guide id="1" orient="horz" pos="2160">
           <p15:clr>
             <a:srgbClr val="A4A3A4"/>
@@ -322,7 +323,7 @@
           <a:p>
             <a:fld id="{486DFF9D-000F-417D-A1D1-C441A4010B1E}" type="datetimeFigureOut">
               <a:rPr lang="en-GB" smtClean="0"/>
-              <a:t>14/08/2020</a:t>
+              <a:t>20/08/2020</a:t>
             </a:fld>
             <a:endParaRPr lang="en-GB"/>
           </a:p>
@@ -492,7 +493,7 @@
           <a:p>
             <a:fld id="{486DFF9D-000F-417D-A1D1-C441A4010B1E}" type="datetimeFigureOut">
               <a:rPr lang="en-GB" smtClean="0"/>
-              <a:t>14/08/2020</a:t>
+              <a:t>20/08/2020</a:t>
             </a:fld>
             <a:endParaRPr lang="en-GB"/>
           </a:p>
@@ -672,7 +673,7 @@
           <a:p>
             <a:fld id="{486DFF9D-000F-417D-A1D1-C441A4010B1E}" type="datetimeFigureOut">
               <a:rPr lang="en-GB" smtClean="0"/>
-              <a:t>14/08/2020</a:t>
+              <a:t>20/08/2020</a:t>
             </a:fld>
             <a:endParaRPr lang="en-GB"/>
           </a:p>
@@ -842,7 +843,7 @@
           <a:p>
             <a:fld id="{486DFF9D-000F-417D-A1D1-C441A4010B1E}" type="datetimeFigureOut">
               <a:rPr lang="en-GB" smtClean="0"/>
-              <a:t>14/08/2020</a:t>
+              <a:t>20/08/2020</a:t>
             </a:fld>
             <a:endParaRPr lang="en-GB"/>
           </a:p>
@@ -1088,7 +1089,7 @@
           <a:p>
             <a:fld id="{486DFF9D-000F-417D-A1D1-C441A4010B1E}" type="datetimeFigureOut">
               <a:rPr lang="en-GB" smtClean="0"/>
-              <a:t>14/08/2020</a:t>
+              <a:t>20/08/2020</a:t>
             </a:fld>
             <a:endParaRPr lang="en-GB"/>
           </a:p>
@@ -1376,7 +1377,7 @@
           <a:p>
             <a:fld id="{486DFF9D-000F-417D-A1D1-C441A4010B1E}" type="datetimeFigureOut">
               <a:rPr lang="en-GB" smtClean="0"/>
-              <a:t>14/08/2020</a:t>
+              <a:t>20/08/2020</a:t>
             </a:fld>
             <a:endParaRPr lang="en-GB"/>
           </a:p>
@@ -1798,7 +1799,7 @@
           <a:p>
             <a:fld id="{486DFF9D-000F-417D-A1D1-C441A4010B1E}" type="datetimeFigureOut">
               <a:rPr lang="en-GB" smtClean="0"/>
-              <a:t>14/08/2020</a:t>
+              <a:t>20/08/2020</a:t>
             </a:fld>
             <a:endParaRPr lang="en-GB"/>
           </a:p>
@@ -1916,7 +1917,7 @@
           <a:p>
             <a:fld id="{486DFF9D-000F-417D-A1D1-C441A4010B1E}" type="datetimeFigureOut">
               <a:rPr lang="en-GB" smtClean="0"/>
-              <a:t>14/08/2020</a:t>
+              <a:t>20/08/2020</a:t>
             </a:fld>
             <a:endParaRPr lang="en-GB"/>
           </a:p>
@@ -2011,7 +2012,7 @@
           <a:p>
             <a:fld id="{486DFF9D-000F-417D-A1D1-C441A4010B1E}" type="datetimeFigureOut">
               <a:rPr lang="en-GB" smtClean="0"/>
-              <a:t>14/08/2020</a:t>
+              <a:t>20/08/2020</a:t>
             </a:fld>
             <a:endParaRPr lang="en-GB"/>
           </a:p>
@@ -2288,7 +2289,7 @@
           <a:p>
             <a:fld id="{486DFF9D-000F-417D-A1D1-C441A4010B1E}" type="datetimeFigureOut">
               <a:rPr lang="en-GB" smtClean="0"/>
-              <a:t>14/08/2020</a:t>
+              <a:t>20/08/2020</a:t>
             </a:fld>
             <a:endParaRPr lang="en-GB"/>
           </a:p>
@@ -2541,7 +2542,7 @@
           <a:p>
             <a:fld id="{486DFF9D-000F-417D-A1D1-C441A4010B1E}" type="datetimeFigureOut">
               <a:rPr lang="en-GB" smtClean="0"/>
-              <a:t>14/08/2020</a:t>
+              <a:t>20/08/2020</a:t>
             </a:fld>
             <a:endParaRPr lang="en-GB"/>
           </a:p>
@@ -2754,7 +2755,7 @@
           <a:p>
             <a:fld id="{486DFF9D-000F-417D-A1D1-C441A4010B1E}" type="datetimeFigureOut">
               <a:rPr lang="en-GB" smtClean="0"/>
-              <a:t>14/08/2020</a:t>
+              <a:t>20/08/2020</a:t>
             </a:fld>
             <a:endParaRPr lang="en-GB"/>
           </a:p>
@@ -6171,7 +6172,7 @@
           <p:cNvPr id="12" name="TextBox 45">
             <a:extLst>
               <a:ext uri="{FF2B5EF4-FFF2-40B4-BE49-F238E27FC236}">
-                <a16:creationId xmlns="" xmlns:a16="http://schemas.microsoft.com/office/drawing/2014/main" id="{6BDA7693-CA76-4C97-8FED-A4A65AB5032B}"/>
+                <a16:creationId xmlns:a16="http://schemas.microsoft.com/office/drawing/2014/main" xmlns="" id="{6BDA7693-CA76-4C97-8FED-A4A65AB5032B}"/>
               </a:ext>
             </a:extLst>
           </p:cNvPr>
@@ -7719,7 +7720,7 @@
           <p:cNvPr id="12" name="TextBox 45">
             <a:extLst>
               <a:ext uri="{FF2B5EF4-FFF2-40B4-BE49-F238E27FC236}">
-                <a16:creationId xmlns="" xmlns:a16="http://schemas.microsoft.com/office/drawing/2014/main" id="{6BDA7693-CA76-4C97-8FED-A4A65AB5032B}"/>
+                <a16:creationId xmlns:a16="http://schemas.microsoft.com/office/drawing/2014/main" xmlns="" id="{6BDA7693-CA76-4C97-8FED-A4A65AB5032B}"/>
               </a:ext>
             </a:extLst>
           </p:cNvPr>
@@ -9732,7 +9733,7 @@
           <p:cNvPr id="6" name="TextBox 45">
             <a:extLst>
               <a:ext uri="{FF2B5EF4-FFF2-40B4-BE49-F238E27FC236}">
-                <a16:creationId xmlns="" xmlns:a16="http://schemas.microsoft.com/office/drawing/2014/main" id="{6BDA7693-CA76-4C97-8FED-A4A65AB5032B}"/>
+                <a16:creationId xmlns:a16="http://schemas.microsoft.com/office/drawing/2014/main" xmlns="" id="{6BDA7693-CA76-4C97-8FED-A4A65AB5032B}"/>
               </a:ext>
             </a:extLst>
           </p:cNvPr>
@@ -10240,7 +10241,7 @@
           <p:cNvPr id="27" name="TextBox 45">
             <a:extLst>
               <a:ext uri="{FF2B5EF4-FFF2-40B4-BE49-F238E27FC236}">
-                <a16:creationId xmlns="" xmlns:a16="http://schemas.microsoft.com/office/drawing/2014/main" id="{6BDA7693-CA76-4C97-8FED-A4A65AB5032B}"/>
+                <a16:creationId xmlns:a16="http://schemas.microsoft.com/office/drawing/2014/main" xmlns="" id="{6BDA7693-CA76-4C97-8FED-A4A65AB5032B}"/>
               </a:ext>
             </a:extLst>
           </p:cNvPr>
@@ -10276,7 +10277,7 @@
           <p:cNvPr id="28" name="TextBox 45">
             <a:extLst>
               <a:ext uri="{FF2B5EF4-FFF2-40B4-BE49-F238E27FC236}">
-                <a16:creationId xmlns="" xmlns:a16="http://schemas.microsoft.com/office/drawing/2014/main" id="{6BDA7693-CA76-4C97-8FED-A4A65AB5032B}"/>
+                <a16:creationId xmlns:a16="http://schemas.microsoft.com/office/drawing/2014/main" xmlns="" id="{6BDA7693-CA76-4C97-8FED-A4A65AB5032B}"/>
               </a:ext>
             </a:extLst>
           </p:cNvPr>
@@ -11824,7 +11825,7 @@
           <p:cNvPr id="6" name="TextBox 45">
             <a:extLst>
               <a:ext uri="{FF2B5EF4-FFF2-40B4-BE49-F238E27FC236}">
-                <a16:creationId xmlns="" xmlns:a16="http://schemas.microsoft.com/office/drawing/2014/main" id="{6BDA7693-CA76-4C97-8FED-A4A65AB5032B}"/>
+                <a16:creationId xmlns:a16="http://schemas.microsoft.com/office/drawing/2014/main" xmlns="" id="{6BDA7693-CA76-4C97-8FED-A4A65AB5032B}"/>
               </a:ext>
             </a:extLst>
           </p:cNvPr>
@@ -13179,7 +13180,7 @@
           <p:cNvPr id="2" name="TextBox 45">
             <a:extLst>
               <a:ext uri="{FF2B5EF4-FFF2-40B4-BE49-F238E27FC236}">
-                <a16:creationId xmlns="" xmlns:a16="http://schemas.microsoft.com/office/drawing/2014/main" id="{6BDA7693-CA76-4C97-8FED-A4A65AB5032B}"/>
+                <a16:creationId xmlns:a16="http://schemas.microsoft.com/office/drawing/2014/main" xmlns="" id="{6BDA7693-CA76-4C97-8FED-A4A65AB5032B}"/>
               </a:ext>
             </a:extLst>
           </p:cNvPr>
@@ -13757,7 +13758,6 @@
               <a:rPr lang="it-IT" dirty="0" smtClean="0"/>
               <a:t> </a:t>
             </a:r>
-            <a:endParaRPr lang="it-IT" dirty="0" smtClean="0"/>
           </a:p>
         </p:txBody>
       </p:sp>
@@ -14143,7 +14143,6 @@
               <a:rPr lang="it-IT" dirty="0" smtClean="0"/>
               <a:t> </a:t>
             </a:r>
-            <a:endParaRPr lang="it-IT" dirty="0" smtClean="0"/>
           </a:p>
         </p:txBody>
       </p:sp>
@@ -14152,7 +14151,7 @@
           <p:cNvPr id="34" name="TextBox 45">
             <a:extLst>
               <a:ext uri="{FF2B5EF4-FFF2-40B4-BE49-F238E27FC236}">
-                <a16:creationId xmlns="" xmlns:a16="http://schemas.microsoft.com/office/drawing/2014/main" id="{6BDA7693-CA76-4C97-8FED-A4A65AB5032B}"/>
+                <a16:creationId xmlns:a16="http://schemas.microsoft.com/office/drawing/2014/main" xmlns="" id="{6BDA7693-CA76-4C97-8FED-A4A65AB5032B}"/>
               </a:ext>
             </a:extLst>
           </p:cNvPr>
@@ -15692,64 +15691,2576 @@
           <a:chExt cx="0" cy="0"/>
         </a:xfrm>
       </p:grpSpPr>
-      <p:pic>
-        <p:nvPicPr>
-          <p:cNvPr id="1027" name="Picture 3"/>
-          <p:cNvPicPr>
-            <a:picLocks noChangeAspect="1" noChangeArrowheads="1"/>
-          </p:cNvPicPr>
-          <p:nvPr/>
-        </p:nvPicPr>
-        <p:blipFill>
-          <a:blip r:embed="rId2">
+      <p:cxnSp>
+        <p:nvCxnSpPr>
+          <p:cNvPr id="117" name="Connettore 1 116"/>
+          <p:cNvCxnSpPr/>
+          <p:nvPr/>
+        </p:nvCxnSpPr>
+        <p:spPr>
+          <a:xfrm flipH="1">
+            <a:off x="4821060" y="599368"/>
+            <a:ext cx="103835" cy="6069992"/>
+          </a:xfrm>
+          <a:prstGeom prst="line">
+            <a:avLst/>
+          </a:prstGeom>
+        </p:spPr>
+        <p:style>
+          <a:lnRef idx="1">
+            <a:schemeClr val="accent1"/>
+          </a:lnRef>
+          <a:fillRef idx="0">
+            <a:schemeClr val="accent1"/>
+          </a:fillRef>
+          <a:effectRef idx="0">
+            <a:schemeClr val="accent1"/>
+          </a:effectRef>
+          <a:fontRef idx="minor">
+            <a:schemeClr val="tx1"/>
+          </a:fontRef>
+        </p:style>
+      </p:cxnSp>
+      <p:sp>
+        <p:nvSpPr>
+          <p:cNvPr id="2" name="TextBox 45">
             <a:extLst>
-              <a:ext uri="{28A0092B-C50C-407E-A947-70E740481C1C}">
-                <a14:useLocalDpi xmlns:a14="http://schemas.microsoft.com/office/drawing/2010/main" val="0"/>
+              <a:ext uri="{FF2B5EF4-FFF2-40B4-BE49-F238E27FC236}">
+                <a16:creationId xmlns:a16="http://schemas.microsoft.com/office/drawing/2014/main" xmlns="" id="{6BDA7693-CA76-4C97-8FED-A4A65AB5032B}"/>
               </a:ext>
             </a:extLst>
-          </a:blip>
-          <a:srcRect/>
-          <a:stretch>
-            <a:fillRect/>
-          </a:stretch>
-        </p:blipFill>
-        <p:spPr bwMode="auto">
-          <a:xfrm>
-            <a:off x="1252538" y="1119188"/>
-            <a:ext cx="6638925" cy="4619625"/>
+          </p:cNvPr>
+          <p:cNvSpPr txBox="1"/>
+          <p:nvPr/>
+        </p:nvSpPr>
+        <p:spPr>
+          <a:xfrm>
+            <a:off x="2006916" y="373306"/>
+            <a:ext cx="1568443" cy="369332"/>
           </a:xfrm>
           <a:prstGeom prst="rect">
             <a:avLst/>
           </a:prstGeom>
           <a:noFill/>
+        </p:spPr>
+        <p:txBody>
+          <a:bodyPr wrap="none" rtlCol="0">
+            <a:spAutoFit/>
+          </a:bodyPr>
+          <a:lstStyle/>
+          <a:p>
+            <a:r>
+              <a:rPr lang="en-US" b="1" dirty="0" err="1" smtClean="0"/>
+              <a:t>HealthProduct</a:t>
+            </a:r>
+            <a:endParaRPr lang="en-US" b="1" dirty="0"/>
+          </a:p>
+        </p:txBody>
+      </p:sp>
+      <p:grpSp>
+        <p:nvGrpSpPr>
+          <p:cNvPr id="3" name="Gruppo 2"/>
+          <p:cNvGrpSpPr/>
+          <p:nvPr/>
+        </p:nvGrpSpPr>
+        <p:grpSpPr>
+          <a:xfrm>
+            <a:off x="944709" y="764704"/>
+            <a:ext cx="4347370" cy="4213779"/>
+            <a:chOff x="565700" y="4940367"/>
+            <a:chExt cx="805955" cy="772447"/>
+          </a:xfrm>
+        </p:grpSpPr>
+        <p:sp>
+          <p:nvSpPr>
+            <p:cNvPr id="4" name="Ovale 3"/>
+            <p:cNvSpPr/>
+            <p:nvPr/>
+          </p:nvSpPr>
+          <p:spPr>
+            <a:xfrm>
+              <a:off x="565700" y="4983583"/>
+              <a:ext cx="805955" cy="729231"/>
+            </a:xfrm>
+            <a:prstGeom prst="ellipse">
+              <a:avLst/>
+            </a:prstGeom>
+            <a:ln/>
+          </p:spPr>
+          <p:style>
+            <a:lnRef idx="1">
+              <a:schemeClr val="accent4"/>
+            </a:lnRef>
+            <a:fillRef idx="2">
+              <a:schemeClr val="accent4"/>
+            </a:fillRef>
+            <a:effectRef idx="1">
+              <a:schemeClr val="accent4"/>
+            </a:effectRef>
+            <a:fontRef idx="minor">
+              <a:schemeClr val="dk1"/>
+            </a:fontRef>
+          </p:style>
+          <p:txBody>
+            <a:bodyPr rtlCol="0" anchor="ctr"/>
+            <a:lstStyle/>
+            <a:p>
+              <a:pPr algn="ctr"/>
+              <a:r>
+                <a:rPr lang="en-GB" sz="1200" dirty="0"/>
+                <a:t> </a:t>
+              </a:r>
+            </a:p>
+          </p:txBody>
+        </p:sp>
+        <p:sp>
+          <p:nvSpPr>
+            <p:cNvPr id="5" name="Triangolo isoscele 4"/>
+            <p:cNvSpPr/>
+            <p:nvPr/>
+          </p:nvSpPr>
+          <p:spPr>
+            <a:xfrm rot="16200000">
+              <a:off x="905299" y="4913952"/>
+              <a:ext cx="86434" cy="139263"/>
+            </a:xfrm>
+            <a:prstGeom prst="triangle">
+              <a:avLst/>
+            </a:prstGeom>
+            <a:solidFill>
+              <a:srgbClr val="C00000"/>
+            </a:solidFill>
+            <a:ln/>
+          </p:spPr>
+          <p:style>
+            <a:lnRef idx="1">
+              <a:schemeClr val="accent5"/>
+            </a:lnRef>
+            <a:fillRef idx="2">
+              <a:schemeClr val="accent5"/>
+            </a:fillRef>
+            <a:effectRef idx="1">
+              <a:schemeClr val="accent5"/>
+            </a:effectRef>
+            <a:fontRef idx="minor">
+              <a:schemeClr val="dk1"/>
+            </a:fontRef>
+          </p:style>
+          <p:txBody>
+            <a:bodyPr rtlCol="0" anchor="ctr"/>
+            <a:lstStyle/>
+            <a:p>
+              <a:pPr algn="ctr"/>
+              <a:endParaRPr lang="en-GB" sz="1200">
+                <a:solidFill>
+                  <a:schemeClr val="dk1"/>
+                </a:solidFill>
+              </a:endParaRPr>
+            </a:p>
+          </p:txBody>
+        </p:sp>
+      </p:grpSp>
+      <p:sp>
+        <p:nvSpPr>
+          <p:cNvPr id="6" name="Ovale 5"/>
+          <p:cNvSpPr/>
+          <p:nvPr/>
+        </p:nvSpPr>
+        <p:spPr>
+          <a:xfrm>
+            <a:off x="1953589" y="1316865"/>
+            <a:ext cx="2160240" cy="1007945"/>
+          </a:xfrm>
+          <a:prstGeom prst="ellipse">
+            <a:avLst/>
+          </a:prstGeom>
+        </p:spPr>
+        <p:style>
+          <a:lnRef idx="1">
+            <a:schemeClr val="accent5"/>
+          </a:lnRef>
+          <a:fillRef idx="2">
+            <a:schemeClr val="accent5"/>
+          </a:fillRef>
+          <a:effectRef idx="1">
+            <a:schemeClr val="accent5"/>
+          </a:effectRef>
+          <a:fontRef idx="minor">
+            <a:schemeClr val="dk1"/>
+          </a:fontRef>
+        </p:style>
+        <p:txBody>
+          <a:bodyPr rtlCol="0" anchor="ctr"/>
+          <a:lstStyle/>
+          <a:p>
+            <a:pPr algn="ctr"/>
+            <a:r>
+              <a:rPr lang="en-GB" sz="1600" dirty="0" err="1" smtClean="0"/>
+              <a:t>HealthService</a:t>
+            </a:r>
+            <a:endParaRPr lang="en-GB" sz="1600" dirty="0" smtClean="0"/>
+          </a:p>
+          <a:p>
+            <a:pPr algn="ctr"/>
+            <a:r>
+              <a:rPr lang="it-IT" sz="1600" dirty="0" smtClean="0"/>
+              <a:t>(</a:t>
+            </a:r>
+            <a:r>
+              <a:rPr lang="it-IT" sz="1600" dirty="0" err="1" smtClean="0"/>
+              <a:t>BusinessLogic</a:t>
+            </a:r>
+            <a:r>
+              <a:rPr lang="it-IT" sz="1600" dirty="0" smtClean="0"/>
+              <a:t>)</a:t>
+            </a:r>
+            <a:endParaRPr lang="en-GB" sz="1600" dirty="0"/>
+          </a:p>
+        </p:txBody>
+      </p:sp>
+      <p:sp>
+        <p:nvSpPr>
+          <p:cNvPr id="7" name="Ovale 6"/>
+          <p:cNvSpPr/>
+          <p:nvPr/>
+        </p:nvSpPr>
+        <p:spPr>
+          <a:xfrm>
+            <a:off x="2676914" y="3819357"/>
+            <a:ext cx="2247981" cy="807067"/>
+          </a:xfrm>
+          <a:prstGeom prst="ellipse">
+            <a:avLst/>
+          </a:prstGeom>
+        </p:spPr>
+        <p:style>
+          <a:lnRef idx="1">
+            <a:schemeClr val="accent5"/>
+          </a:lnRef>
+          <a:fillRef idx="2">
+            <a:schemeClr val="accent5"/>
+          </a:fillRef>
+          <a:effectRef idx="1">
+            <a:schemeClr val="accent5"/>
+          </a:effectRef>
+          <a:fontRef idx="minor">
+            <a:schemeClr val="dk1"/>
+          </a:fontRef>
+        </p:style>
+        <p:txBody>
+          <a:bodyPr rtlCol="0" anchor="ctr"/>
+          <a:lstStyle/>
+          <a:p>
+            <a:pPr algn="ctr"/>
+            <a:r>
+              <a:rPr lang="en-GB" sz="1600" dirty="0" err="1">
+                <a:cs typeface="Arial" panose="020B0604020202020204" pitchFamily="34" charset="0"/>
+              </a:rPr>
+              <a:t>FhirServiceClient</a:t>
+            </a:r>
+            <a:endParaRPr lang="en-GB" sz="1600" dirty="0">
+              <a:cs typeface="Arial" panose="020B0604020202020204" pitchFamily="34" charset="0"/>
+            </a:endParaRPr>
+          </a:p>
+        </p:txBody>
+      </p:sp>
+      <p:cxnSp>
+        <p:nvCxnSpPr>
+          <p:cNvPr id="9" name="Connettore 2 8"/>
+          <p:cNvCxnSpPr>
+            <a:stCxn id="40" idx="4"/>
+            <a:endCxn id="7" idx="0"/>
+          </p:cNvCxnSpPr>
+          <p:nvPr/>
+        </p:nvCxnSpPr>
+        <p:spPr>
+          <a:xfrm flipH="1">
+            <a:off x="3800905" y="2905213"/>
+            <a:ext cx="196917" cy="914144"/>
+          </a:xfrm>
+          <a:prstGeom prst="straightConnector1">
+            <a:avLst/>
+          </a:prstGeom>
           <a:ln>
-            <a:noFill/>
+            <a:tailEnd type="arrow"/>
           </a:ln>
-          <a:extLst>
-            <a:ext uri="{909E8E84-426E-40DD-AFC4-6F175D3DCCD1}">
-              <a14:hiddenFill xmlns:a14="http://schemas.microsoft.com/office/drawing/2010/main">
+        </p:spPr>
+        <p:style>
+          <a:lnRef idx="1">
+            <a:schemeClr val="accent1"/>
+          </a:lnRef>
+          <a:fillRef idx="0">
+            <a:schemeClr val="accent1"/>
+          </a:fillRef>
+          <a:effectRef idx="0">
+            <a:schemeClr val="accent1"/>
+          </a:effectRef>
+          <a:fontRef idx="minor">
+            <a:schemeClr val="tx1"/>
+          </a:fontRef>
+        </p:style>
+      </p:cxnSp>
+      <p:sp>
+        <p:nvSpPr>
+          <p:cNvPr id="10" name="Ovale 9"/>
+          <p:cNvSpPr/>
+          <p:nvPr/>
+        </p:nvSpPr>
+        <p:spPr>
+          <a:xfrm>
+            <a:off x="5687070" y="1412775"/>
+            <a:ext cx="3122339" cy="793693"/>
+          </a:xfrm>
+          <a:prstGeom prst="ellipse">
+            <a:avLst/>
+          </a:prstGeom>
+        </p:spPr>
+        <p:style>
+          <a:lnRef idx="1">
+            <a:schemeClr val="accent5"/>
+          </a:lnRef>
+          <a:fillRef idx="2">
+            <a:schemeClr val="accent5"/>
+          </a:fillRef>
+          <a:effectRef idx="1">
+            <a:schemeClr val="accent5"/>
+          </a:effectRef>
+          <a:fontRef idx="minor">
+            <a:schemeClr val="dk1"/>
+          </a:fontRef>
+        </p:style>
+        <p:txBody>
+          <a:bodyPr rtlCol="0" anchor="ctr"/>
+          <a:lstStyle/>
+          <a:p>
+            <a:pPr algn="ctr"/>
+            <a:r>
+              <a:rPr lang="en-GB" sz="1600" dirty="0" err="1"/>
+              <a:t>HealthServiceFhirUsage</a:t>
+            </a:r>
+            <a:endParaRPr lang="en-GB" sz="1600" dirty="0"/>
+          </a:p>
+        </p:txBody>
+      </p:sp>
+      <p:cxnSp>
+        <p:nvCxnSpPr>
+          <p:cNvPr id="12" name="Connettore 2 11"/>
+          <p:cNvCxnSpPr>
+            <a:stCxn id="10" idx="2"/>
+            <a:endCxn id="40" idx="7"/>
+          </p:cNvCxnSpPr>
+          <p:nvPr/>
+        </p:nvCxnSpPr>
+        <p:spPr>
+          <a:xfrm flipH="1">
+            <a:off x="4821060" y="1809622"/>
+            <a:ext cx="866010" cy="580260"/>
+          </a:xfrm>
+          <a:prstGeom prst="straightConnector1">
+            <a:avLst/>
+          </a:prstGeom>
+          <a:ln>
+            <a:tailEnd type="arrow"/>
+          </a:ln>
+        </p:spPr>
+        <p:style>
+          <a:lnRef idx="1">
+            <a:schemeClr val="accent1"/>
+          </a:lnRef>
+          <a:fillRef idx="0">
+            <a:schemeClr val="accent1"/>
+          </a:fillRef>
+          <a:effectRef idx="0">
+            <a:schemeClr val="accent1"/>
+          </a:effectRef>
+          <a:fontRef idx="minor">
+            <a:schemeClr val="tx1"/>
+          </a:fontRef>
+        </p:style>
+      </p:cxnSp>
+      <p:grpSp>
+        <p:nvGrpSpPr>
+          <p:cNvPr id="13" name="Gruppo 12"/>
+          <p:cNvGrpSpPr/>
+          <p:nvPr/>
+        </p:nvGrpSpPr>
+        <p:grpSpPr>
+          <a:xfrm>
+            <a:off x="4977454" y="4342781"/>
+            <a:ext cx="666895" cy="86434"/>
+            <a:chOff x="4592177" y="4419530"/>
+            <a:chExt cx="666895" cy="86434"/>
+          </a:xfrm>
+        </p:grpSpPr>
+        <p:cxnSp>
+          <p:nvCxnSpPr>
+            <p:cNvPr id="14" name="Connettore 1 13"/>
+            <p:cNvCxnSpPr/>
+            <p:nvPr/>
+          </p:nvCxnSpPr>
+          <p:spPr>
+            <a:xfrm>
+              <a:off x="4611000" y="4462747"/>
+              <a:ext cx="648072" cy="0"/>
+            </a:xfrm>
+            <a:prstGeom prst="line">
+              <a:avLst/>
+            </a:prstGeom>
+            <a:ln>
+              <a:prstDash val="dash"/>
+            </a:ln>
+          </p:spPr>
+          <p:style>
+            <a:lnRef idx="1">
+              <a:schemeClr val="accent1"/>
+            </a:lnRef>
+            <a:fillRef idx="0">
+              <a:schemeClr val="accent1"/>
+            </a:fillRef>
+            <a:effectRef idx="0">
+              <a:schemeClr val="accent1"/>
+            </a:effectRef>
+            <a:fontRef idx="minor">
+              <a:schemeClr val="tx1"/>
+            </a:fontRef>
+          </p:style>
+        </p:cxnSp>
+        <p:sp>
+          <p:nvSpPr>
+            <p:cNvPr id="15" name="Triangolo isoscele 14"/>
+            <p:cNvSpPr/>
+            <p:nvPr/>
+          </p:nvSpPr>
+          <p:spPr>
+            <a:xfrm rot="16200000">
+              <a:off x="4618592" y="4393115"/>
+              <a:ext cx="86434" cy="139263"/>
+            </a:xfrm>
+            <a:prstGeom prst="triangle">
+              <a:avLst/>
+            </a:prstGeom>
+            <a:solidFill>
+              <a:schemeClr val="bg1"/>
+            </a:solidFill>
+            <a:ln/>
+          </p:spPr>
+          <p:style>
+            <a:lnRef idx="1">
+              <a:schemeClr val="accent5"/>
+            </a:lnRef>
+            <a:fillRef idx="2">
+              <a:schemeClr val="accent5"/>
+            </a:fillRef>
+            <a:effectRef idx="1">
+              <a:schemeClr val="accent5"/>
+            </a:effectRef>
+            <a:fontRef idx="minor">
+              <a:schemeClr val="dk1"/>
+            </a:fontRef>
+          </p:style>
+          <p:txBody>
+            <a:bodyPr rtlCol="0" anchor="ctr"/>
+            <a:lstStyle/>
+            <a:p>
+              <a:pPr algn="ctr"/>
+              <a:endParaRPr lang="en-GB" sz="1200"/>
+            </a:p>
+          </p:txBody>
+        </p:sp>
+      </p:grpSp>
+      <p:grpSp>
+        <p:nvGrpSpPr>
+          <p:cNvPr id="16" name="Gruppo 15"/>
+          <p:cNvGrpSpPr/>
+          <p:nvPr/>
+        </p:nvGrpSpPr>
+        <p:grpSpPr>
+          <a:xfrm>
+            <a:off x="4969367" y="4146576"/>
+            <a:ext cx="787334" cy="86434"/>
+            <a:chOff x="3452446" y="4176616"/>
+            <a:chExt cx="787334" cy="86434"/>
+          </a:xfrm>
+        </p:grpSpPr>
+        <p:sp>
+          <p:nvSpPr>
+            <p:cNvPr id="17" name="Triangolo isoscele 16"/>
+            <p:cNvSpPr/>
+            <p:nvPr/>
+          </p:nvSpPr>
+          <p:spPr>
+            <a:xfrm rot="5400000" flipH="1">
+              <a:off x="4126932" y="4150201"/>
+              <a:ext cx="86434" cy="139263"/>
+            </a:xfrm>
+            <a:prstGeom prst="triangle">
+              <a:avLst/>
+            </a:prstGeom>
+            <a:solidFill>
+              <a:schemeClr val="bg1"/>
+            </a:solidFill>
+            <a:ln/>
+          </p:spPr>
+          <p:style>
+            <a:lnRef idx="1">
+              <a:schemeClr val="accent5"/>
+            </a:lnRef>
+            <a:fillRef idx="2">
+              <a:schemeClr val="accent5"/>
+            </a:fillRef>
+            <a:effectRef idx="1">
+              <a:schemeClr val="accent5"/>
+            </a:effectRef>
+            <a:fontRef idx="minor">
+              <a:schemeClr val="dk1"/>
+            </a:fontRef>
+          </p:style>
+          <p:txBody>
+            <a:bodyPr rtlCol="0" anchor="ctr"/>
+            <a:lstStyle/>
+            <a:p>
+              <a:pPr algn="ctr"/>
+              <a:endParaRPr lang="en-GB" sz="1200"/>
+            </a:p>
+          </p:txBody>
+        </p:sp>
+        <p:cxnSp>
+          <p:nvCxnSpPr>
+            <p:cNvPr id="18" name="Connettore 1 17"/>
+            <p:cNvCxnSpPr>
+              <a:endCxn id="17" idx="3"/>
+            </p:cNvCxnSpPr>
+            <p:nvPr/>
+          </p:nvCxnSpPr>
+          <p:spPr>
+            <a:xfrm>
+              <a:off x="3452446" y="4219627"/>
+              <a:ext cx="648072" cy="206"/>
+            </a:xfrm>
+            <a:prstGeom prst="line">
+              <a:avLst/>
+            </a:prstGeom>
+          </p:spPr>
+          <p:style>
+            <a:lnRef idx="1">
+              <a:schemeClr val="accent1"/>
+            </a:lnRef>
+            <a:fillRef idx="0">
+              <a:schemeClr val="accent1"/>
+            </a:fillRef>
+            <a:effectRef idx="0">
+              <a:schemeClr val="accent1"/>
+            </a:effectRef>
+            <a:fontRef idx="minor">
+              <a:schemeClr val="tx1"/>
+            </a:fontRef>
+          </p:style>
+        </p:cxnSp>
+      </p:grpSp>
+      <p:sp>
+        <p:nvSpPr>
+          <p:cNvPr id="19" name="CasellaDiTesto 18"/>
+          <p:cNvSpPr txBox="1"/>
+          <p:nvPr/>
+        </p:nvSpPr>
+        <p:spPr>
+          <a:xfrm>
+            <a:off x="4787441" y="4515670"/>
+            <a:ext cx="1202380" cy="369332"/>
+          </a:xfrm>
+          <a:prstGeom prst="rect">
+            <a:avLst/>
+          </a:prstGeom>
+        </p:spPr>
+        <p:style>
+          <a:lnRef idx="1">
+            <a:schemeClr val="accent3"/>
+          </a:lnRef>
+          <a:fillRef idx="2">
+            <a:schemeClr val="accent3"/>
+          </a:fillRef>
+          <a:effectRef idx="1">
+            <a:schemeClr val="accent3"/>
+          </a:effectRef>
+          <a:fontRef idx="minor">
+            <a:schemeClr val="dk1"/>
+          </a:fontRef>
+        </p:style>
+        <p:txBody>
+          <a:bodyPr wrap="none" rtlCol="0">
+            <a:spAutoFit/>
+          </a:bodyPr>
+          <a:lstStyle/>
+          <a:p>
+            <a:r>
+              <a:rPr lang="it-IT" dirty="0" smtClean="0"/>
+              <a:t>M2M </a:t>
+            </a:r>
+            <a:r>
+              <a:rPr lang="it-IT" dirty="0" err="1" smtClean="0"/>
+              <a:t>Rest</a:t>
+            </a:r>
+            <a:r>
+              <a:rPr lang="it-IT" dirty="0" smtClean="0"/>
+              <a:t> </a:t>
+            </a:r>
+          </a:p>
+        </p:txBody>
+      </p:sp>
+      <p:grpSp>
+        <p:nvGrpSpPr>
+          <p:cNvPr id="20" name="Gruppo 19"/>
+          <p:cNvGrpSpPr/>
+          <p:nvPr/>
+        </p:nvGrpSpPr>
+        <p:grpSpPr>
+          <a:xfrm>
+            <a:off x="6459193" y="3926578"/>
+            <a:ext cx="805955" cy="772447"/>
+            <a:chOff x="565700" y="4940367"/>
+            <a:chExt cx="805955" cy="772447"/>
+          </a:xfrm>
+        </p:grpSpPr>
+        <p:sp>
+          <p:nvSpPr>
+            <p:cNvPr id="21" name="Ovale 20"/>
+            <p:cNvSpPr/>
+            <p:nvPr/>
+          </p:nvSpPr>
+          <p:spPr>
+            <a:xfrm>
+              <a:off x="565700" y="4983583"/>
+              <a:ext cx="805955" cy="729231"/>
+            </a:xfrm>
+            <a:prstGeom prst="ellipse">
+              <a:avLst/>
+            </a:prstGeom>
+            <a:solidFill>
+              <a:srgbClr val="FF99CC"/>
+            </a:solidFill>
+          </p:spPr>
+          <p:style>
+            <a:lnRef idx="2">
+              <a:schemeClr val="accent1">
+                <a:shade val="50000"/>
+              </a:schemeClr>
+            </a:lnRef>
+            <a:fillRef idx="1">
+              <a:schemeClr val="accent1"/>
+            </a:fillRef>
+            <a:effectRef idx="0">
+              <a:schemeClr val="accent1"/>
+            </a:effectRef>
+            <a:fontRef idx="minor">
+              <a:schemeClr val="lt1"/>
+            </a:fontRef>
+          </p:style>
+          <p:txBody>
+            <a:bodyPr rtlCol="0" anchor="ctr"/>
+            <a:lstStyle/>
+            <a:p>
+              <a:pPr algn="ctr"/>
+              <a:r>
+                <a:rPr lang="en-GB" dirty="0">
+                  <a:solidFill>
+                    <a:schemeClr val="lt1"/>
+                  </a:solidFill>
+                </a:rPr>
+                <a:t> </a:t>
+              </a:r>
+            </a:p>
+          </p:txBody>
+        </p:sp>
+        <p:sp>
+          <p:nvSpPr>
+            <p:cNvPr id="22" name="Triangolo isoscele 21"/>
+            <p:cNvSpPr/>
+            <p:nvPr/>
+          </p:nvSpPr>
+          <p:spPr>
+            <a:xfrm rot="16200000">
+              <a:off x="905299" y="4913952"/>
+              <a:ext cx="86434" cy="139263"/>
+            </a:xfrm>
+            <a:prstGeom prst="triangle">
+              <a:avLst/>
+            </a:prstGeom>
+            <a:solidFill>
+              <a:srgbClr val="FF99CC"/>
+            </a:solidFill>
+            <a:ln>
+              <a:solidFill>
+                <a:schemeClr val="tx1"/>
+              </a:solidFill>
+            </a:ln>
+          </p:spPr>
+          <p:style>
+            <a:lnRef idx="2">
+              <a:schemeClr val="accent1">
+                <a:shade val="50000"/>
+              </a:schemeClr>
+            </a:lnRef>
+            <a:fillRef idx="1">
+              <a:schemeClr val="accent1"/>
+            </a:fillRef>
+            <a:effectRef idx="0">
+              <a:schemeClr val="accent1"/>
+            </a:effectRef>
+            <a:fontRef idx="minor">
+              <a:schemeClr val="lt1"/>
+            </a:fontRef>
+          </p:style>
+          <p:txBody>
+            <a:bodyPr rtlCol="0" anchor="ctr"/>
+            <a:lstStyle/>
+            <a:p>
+              <a:pPr algn="ctr"/>
+              <a:endParaRPr lang="en-GB">
                 <a:solidFill>
-                  <a:schemeClr val="accent1"/>
+                  <a:schemeClr val="lt1"/>
                 </a:solidFill>
-              </a14:hiddenFill>
-            </a:ext>
-            <a:ext uri="{91240B29-F687-4F45-9708-019B960494DF}">
-              <a14:hiddenLine xmlns:a14="http://schemas.microsoft.com/office/drawing/2010/main" w="9525">
+              </a:endParaRPr>
+            </a:p>
+          </p:txBody>
+        </p:sp>
+      </p:grpSp>
+      <p:sp>
+        <p:nvSpPr>
+          <p:cNvPr id="23" name="Rettangolo 22"/>
+          <p:cNvSpPr/>
+          <p:nvPr/>
+        </p:nvSpPr>
+        <p:spPr>
+          <a:xfrm>
+            <a:off x="7418582" y="3982445"/>
+            <a:ext cx="1513428" cy="646331"/>
+          </a:xfrm>
+          <a:prstGeom prst="rect">
+            <a:avLst/>
+          </a:prstGeom>
+        </p:spPr>
+        <p:txBody>
+          <a:bodyPr wrap="none">
+            <a:spAutoFit/>
+          </a:bodyPr>
+          <a:lstStyle/>
+          <a:p>
+            <a:r>
+              <a:rPr lang="it-IT" b="1" dirty="0" err="1" smtClean="0"/>
+              <a:t>CentroHealth</a:t>
+            </a:r>
+            <a:r>
+              <a:rPr lang="it-IT" b="1" dirty="0" smtClean="0"/>
+              <a:t> </a:t>
+            </a:r>
+          </a:p>
+          <a:p>
+            <a:r>
+              <a:rPr lang="it-IT" dirty="0" smtClean="0"/>
+              <a:t>FHIR server</a:t>
+            </a:r>
+            <a:endParaRPr lang="en-GB" dirty="0"/>
+          </a:p>
+        </p:txBody>
+      </p:sp>
+      <p:grpSp>
+        <p:nvGrpSpPr>
+          <p:cNvPr id="26" name="Gruppo 25"/>
+          <p:cNvGrpSpPr/>
+          <p:nvPr/>
+        </p:nvGrpSpPr>
+        <p:grpSpPr>
+          <a:xfrm>
+            <a:off x="277814" y="1469556"/>
+            <a:ext cx="666895" cy="86434"/>
+            <a:chOff x="4592177" y="4419530"/>
+            <a:chExt cx="666895" cy="86434"/>
+          </a:xfrm>
+        </p:grpSpPr>
+        <p:cxnSp>
+          <p:nvCxnSpPr>
+            <p:cNvPr id="27" name="Connettore 1 26"/>
+            <p:cNvCxnSpPr/>
+            <p:nvPr/>
+          </p:nvCxnSpPr>
+          <p:spPr>
+            <a:xfrm>
+              <a:off x="4611000" y="4462747"/>
+              <a:ext cx="648072" cy="0"/>
+            </a:xfrm>
+            <a:prstGeom prst="line">
+              <a:avLst/>
+            </a:prstGeom>
+            <a:ln>
+              <a:prstDash val="dash"/>
+            </a:ln>
+          </p:spPr>
+          <p:style>
+            <a:lnRef idx="1">
+              <a:schemeClr val="accent1"/>
+            </a:lnRef>
+            <a:fillRef idx="0">
+              <a:schemeClr val="accent1"/>
+            </a:fillRef>
+            <a:effectRef idx="0">
+              <a:schemeClr val="accent1"/>
+            </a:effectRef>
+            <a:fontRef idx="minor">
+              <a:schemeClr val="tx1"/>
+            </a:fontRef>
+          </p:style>
+        </p:cxnSp>
+        <p:sp>
+          <p:nvSpPr>
+            <p:cNvPr id="28" name="Triangolo isoscele 27"/>
+            <p:cNvSpPr/>
+            <p:nvPr/>
+          </p:nvSpPr>
+          <p:spPr>
+            <a:xfrm rot="16200000">
+              <a:off x="4618592" y="4393115"/>
+              <a:ext cx="86434" cy="139263"/>
+            </a:xfrm>
+            <a:prstGeom prst="triangle">
+              <a:avLst/>
+            </a:prstGeom>
+            <a:solidFill>
+              <a:schemeClr val="bg1"/>
+            </a:solidFill>
+            <a:ln/>
+          </p:spPr>
+          <p:style>
+            <a:lnRef idx="1">
+              <a:schemeClr val="accent5"/>
+            </a:lnRef>
+            <a:fillRef idx="2">
+              <a:schemeClr val="accent5"/>
+            </a:fillRef>
+            <a:effectRef idx="1">
+              <a:schemeClr val="accent5"/>
+            </a:effectRef>
+            <a:fontRef idx="minor">
+              <a:schemeClr val="dk1"/>
+            </a:fontRef>
+          </p:style>
+          <p:txBody>
+            <a:bodyPr rtlCol="0" anchor="ctr"/>
+            <a:lstStyle/>
+            <a:p>
+              <a:pPr algn="ctr"/>
+              <a:endParaRPr lang="en-GB" sz="1200"/>
+            </a:p>
+          </p:txBody>
+        </p:sp>
+      </p:grpSp>
+      <p:grpSp>
+        <p:nvGrpSpPr>
+          <p:cNvPr id="29" name="Gruppo 28"/>
+          <p:cNvGrpSpPr/>
+          <p:nvPr/>
+        </p:nvGrpSpPr>
+        <p:grpSpPr>
+          <a:xfrm>
+            <a:off x="269727" y="1273351"/>
+            <a:ext cx="787334" cy="86434"/>
+            <a:chOff x="3452446" y="4176616"/>
+            <a:chExt cx="787334" cy="86434"/>
+          </a:xfrm>
+        </p:grpSpPr>
+        <p:sp>
+          <p:nvSpPr>
+            <p:cNvPr id="30" name="Triangolo isoscele 29"/>
+            <p:cNvSpPr/>
+            <p:nvPr/>
+          </p:nvSpPr>
+          <p:spPr>
+            <a:xfrm rot="5400000" flipH="1">
+              <a:off x="4126932" y="4150201"/>
+              <a:ext cx="86434" cy="139263"/>
+            </a:xfrm>
+            <a:prstGeom prst="triangle">
+              <a:avLst/>
+            </a:prstGeom>
+            <a:solidFill>
+              <a:schemeClr val="bg1"/>
+            </a:solidFill>
+            <a:ln/>
+          </p:spPr>
+          <p:style>
+            <a:lnRef idx="1">
+              <a:schemeClr val="accent5"/>
+            </a:lnRef>
+            <a:fillRef idx="2">
+              <a:schemeClr val="accent5"/>
+            </a:fillRef>
+            <a:effectRef idx="1">
+              <a:schemeClr val="accent5"/>
+            </a:effectRef>
+            <a:fontRef idx="minor">
+              <a:schemeClr val="dk1"/>
+            </a:fontRef>
+          </p:style>
+          <p:txBody>
+            <a:bodyPr rtlCol="0" anchor="ctr"/>
+            <a:lstStyle/>
+            <a:p>
+              <a:pPr algn="ctr"/>
+              <a:endParaRPr lang="en-GB" sz="1200"/>
+            </a:p>
+          </p:txBody>
+        </p:sp>
+        <p:cxnSp>
+          <p:nvCxnSpPr>
+            <p:cNvPr id="31" name="Connettore 1 30"/>
+            <p:cNvCxnSpPr>
+              <a:endCxn id="30" idx="3"/>
+            </p:cNvCxnSpPr>
+            <p:nvPr/>
+          </p:nvCxnSpPr>
+          <p:spPr>
+            <a:xfrm>
+              <a:off x="3452446" y="4219627"/>
+              <a:ext cx="648072" cy="206"/>
+            </a:xfrm>
+            <a:prstGeom prst="line">
+              <a:avLst/>
+            </a:prstGeom>
+          </p:spPr>
+          <p:style>
+            <a:lnRef idx="1">
+              <a:schemeClr val="accent1"/>
+            </a:lnRef>
+            <a:fillRef idx="0">
+              <a:schemeClr val="accent1"/>
+            </a:fillRef>
+            <a:effectRef idx="0">
+              <a:schemeClr val="accent1"/>
+            </a:effectRef>
+            <a:fontRef idx="minor">
+              <a:schemeClr val="tx1"/>
+            </a:fontRef>
+          </p:style>
+        </p:cxnSp>
+      </p:grpSp>
+      <p:sp>
+        <p:nvSpPr>
+          <p:cNvPr id="32" name="CasellaDiTesto 31"/>
+          <p:cNvSpPr txBox="1"/>
+          <p:nvPr/>
+        </p:nvSpPr>
+        <p:spPr>
+          <a:xfrm>
+            <a:off x="269727" y="1654996"/>
+            <a:ext cx="1202380" cy="369332"/>
+          </a:xfrm>
+          <a:prstGeom prst="rect">
+            <a:avLst/>
+          </a:prstGeom>
+        </p:spPr>
+        <p:style>
+          <a:lnRef idx="1">
+            <a:schemeClr val="accent3"/>
+          </a:lnRef>
+          <a:fillRef idx="2">
+            <a:schemeClr val="accent3"/>
+          </a:fillRef>
+          <a:effectRef idx="1">
+            <a:schemeClr val="accent3"/>
+          </a:effectRef>
+          <a:fontRef idx="minor">
+            <a:schemeClr val="dk1"/>
+          </a:fontRef>
+        </p:style>
+        <p:txBody>
+          <a:bodyPr wrap="none" rtlCol="0">
+            <a:spAutoFit/>
+          </a:bodyPr>
+          <a:lstStyle/>
+          <a:p>
+            <a:r>
+              <a:rPr lang="it-IT" dirty="0" smtClean="0"/>
+              <a:t>M2M </a:t>
+            </a:r>
+            <a:r>
+              <a:rPr lang="it-IT" dirty="0" err="1" smtClean="0"/>
+              <a:t>Rest</a:t>
+            </a:r>
+            <a:r>
+              <a:rPr lang="it-IT" dirty="0" smtClean="0"/>
+              <a:t> </a:t>
+            </a:r>
+          </a:p>
+        </p:txBody>
+      </p:sp>
+      <p:sp>
+        <p:nvSpPr>
+          <p:cNvPr id="34" name="TextBox 45">
+            <a:extLst>
+              <a:ext uri="{FF2B5EF4-FFF2-40B4-BE49-F238E27FC236}">
+                <a16:creationId xmlns:a16="http://schemas.microsoft.com/office/drawing/2014/main" xmlns="" id="{6BDA7693-CA76-4C97-8FED-A4A65AB5032B}"/>
+              </a:ext>
+            </a:extLst>
+          </p:cNvPr>
+          <p:cNvSpPr txBox="1"/>
+          <p:nvPr/>
+        </p:nvSpPr>
+        <p:spPr>
+          <a:xfrm>
+            <a:off x="6244200" y="417111"/>
+            <a:ext cx="1548694" cy="369332"/>
+          </a:xfrm>
+          <a:prstGeom prst="rect">
+            <a:avLst/>
+          </a:prstGeom>
+          <a:noFill/>
+        </p:spPr>
+        <p:txBody>
+          <a:bodyPr wrap="none" rtlCol="0">
+            <a:spAutoFit/>
+          </a:bodyPr>
+          <a:lstStyle/>
+          <a:p>
+            <a:r>
+              <a:rPr lang="en-US" b="1" dirty="0" smtClean="0"/>
+              <a:t>Java programs</a:t>
+            </a:r>
+            <a:endParaRPr lang="en-US" b="1" dirty="0"/>
+          </a:p>
+        </p:txBody>
+      </p:sp>
+      <p:sp>
+        <p:nvSpPr>
+          <p:cNvPr id="40" name="Ovale 39"/>
+          <p:cNvSpPr/>
+          <p:nvPr/>
+        </p:nvSpPr>
+        <p:spPr>
+          <a:xfrm>
+            <a:off x="2833586" y="2301465"/>
+            <a:ext cx="2328471" cy="603748"/>
+          </a:xfrm>
+          <a:prstGeom prst="ellipse">
+            <a:avLst/>
+          </a:prstGeom>
+        </p:spPr>
+        <p:style>
+          <a:lnRef idx="1">
+            <a:schemeClr val="accent5"/>
+          </a:lnRef>
+          <a:fillRef idx="2">
+            <a:schemeClr val="accent5"/>
+          </a:fillRef>
+          <a:effectRef idx="1">
+            <a:schemeClr val="accent5"/>
+          </a:effectRef>
+          <a:fontRef idx="minor">
+            <a:schemeClr val="dk1"/>
+          </a:fontRef>
+        </p:style>
+        <p:txBody>
+          <a:bodyPr rtlCol="0" anchor="ctr"/>
+          <a:lstStyle/>
+          <a:p>
+            <a:pPr algn="ctr"/>
+            <a:r>
+              <a:rPr lang="en-GB" sz="1600" dirty="0" err="1"/>
+              <a:t>HealthServiceFhir</a:t>
+            </a:r>
+            <a:endParaRPr lang="en-GB" sz="1600" dirty="0">
+              <a:cs typeface="Arial" panose="020B0604020202020204" pitchFamily="34" charset="0"/>
+            </a:endParaRPr>
+          </a:p>
+        </p:txBody>
+      </p:sp>
+      <p:sp>
+        <p:nvSpPr>
+          <p:cNvPr id="48" name="Ovale 47"/>
+          <p:cNvSpPr/>
+          <p:nvPr/>
+        </p:nvSpPr>
+        <p:spPr>
+          <a:xfrm>
+            <a:off x="906319" y="2206468"/>
+            <a:ext cx="1927267" cy="603748"/>
+          </a:xfrm>
+          <a:prstGeom prst="ellipse">
+            <a:avLst/>
+          </a:prstGeom>
+        </p:spPr>
+        <p:style>
+          <a:lnRef idx="1">
+            <a:schemeClr val="accent5"/>
+          </a:lnRef>
+          <a:fillRef idx="2">
+            <a:schemeClr val="accent5"/>
+          </a:fillRef>
+          <a:effectRef idx="1">
+            <a:schemeClr val="accent5"/>
+          </a:effectRef>
+          <a:fontRef idx="minor">
+            <a:schemeClr val="dk1"/>
+          </a:fontRef>
+        </p:style>
+        <p:txBody>
+          <a:bodyPr rtlCol="0" anchor="ctr"/>
+          <a:lstStyle/>
+          <a:p>
+            <a:pPr algn="ctr"/>
+            <a:r>
+              <a:rPr lang="en-GB" sz="1200" dirty="0"/>
+              <a:t>HealthServiceHL7</a:t>
+            </a:r>
+            <a:endParaRPr lang="en-GB" sz="1200" dirty="0">
+              <a:cs typeface="Arial" panose="020B0604020202020204" pitchFamily="34" charset="0"/>
+            </a:endParaRPr>
+          </a:p>
+        </p:txBody>
+      </p:sp>
+      <p:cxnSp>
+        <p:nvCxnSpPr>
+          <p:cNvPr id="52" name="Connettore 2 51"/>
+          <p:cNvCxnSpPr>
+            <a:stCxn id="55" idx="2"/>
+            <a:endCxn id="7" idx="7"/>
+          </p:cNvCxnSpPr>
+          <p:nvPr/>
+        </p:nvCxnSpPr>
+        <p:spPr>
+          <a:xfrm flipH="1">
+            <a:off x="4595686" y="3096540"/>
+            <a:ext cx="1150349" cy="841009"/>
+          </a:xfrm>
+          <a:prstGeom prst="straightConnector1">
+            <a:avLst/>
+          </a:prstGeom>
+          <a:ln>
+            <a:tailEnd type="arrow"/>
+          </a:ln>
+        </p:spPr>
+        <p:style>
+          <a:lnRef idx="1">
+            <a:schemeClr val="accent1"/>
+          </a:lnRef>
+          <a:fillRef idx="0">
+            <a:schemeClr val="accent1"/>
+          </a:fillRef>
+          <a:effectRef idx="0">
+            <a:schemeClr val="accent1"/>
+          </a:effectRef>
+          <a:fontRef idx="minor">
+            <a:schemeClr val="tx1"/>
+          </a:fontRef>
+        </p:style>
+      </p:cxnSp>
+      <p:sp>
+        <p:nvSpPr>
+          <p:cNvPr id="55" name="Ovale 54"/>
+          <p:cNvSpPr/>
+          <p:nvPr/>
+        </p:nvSpPr>
+        <p:spPr>
+          <a:xfrm>
+            <a:off x="5746035" y="2699693"/>
+            <a:ext cx="3083816" cy="793693"/>
+          </a:xfrm>
+          <a:prstGeom prst="ellipse">
+            <a:avLst/>
+          </a:prstGeom>
+        </p:spPr>
+        <p:style>
+          <a:lnRef idx="1">
+            <a:schemeClr val="accent5"/>
+          </a:lnRef>
+          <a:fillRef idx="2">
+            <a:schemeClr val="accent5"/>
+          </a:fillRef>
+          <a:effectRef idx="1">
+            <a:schemeClr val="accent5"/>
+          </a:effectRef>
+          <a:fontRef idx="minor">
+            <a:schemeClr val="dk1"/>
+          </a:fontRef>
+        </p:style>
+        <p:txBody>
+          <a:bodyPr rtlCol="0" anchor="ctr"/>
+          <a:lstStyle/>
+          <a:p>
+            <a:pPr algn="ctr"/>
+            <a:r>
+              <a:rPr lang="en-GB" sz="1600" dirty="0" err="1"/>
+              <a:t>FhirServiceClientUsage</a:t>
+            </a:r>
+            <a:endParaRPr lang="en-GB" sz="1600" dirty="0"/>
+          </a:p>
+        </p:txBody>
+      </p:sp>
+      <p:cxnSp>
+        <p:nvCxnSpPr>
+          <p:cNvPr id="79" name="Connettore 2 78"/>
+          <p:cNvCxnSpPr/>
+          <p:nvPr/>
+        </p:nvCxnSpPr>
+        <p:spPr>
+          <a:xfrm flipH="1">
+            <a:off x="8388424" y="1613071"/>
+            <a:ext cx="13466" cy="393101"/>
+          </a:xfrm>
+          <a:prstGeom prst="straightConnector1">
+            <a:avLst/>
+          </a:prstGeom>
+          <a:ln>
+            <a:solidFill>
+              <a:srgbClr val="C00000"/>
+            </a:solidFill>
+            <a:tailEnd type="arrow"/>
+          </a:ln>
+        </p:spPr>
+        <p:style>
+          <a:lnRef idx="1">
+            <a:schemeClr val="accent1"/>
+          </a:lnRef>
+          <a:fillRef idx="0">
+            <a:schemeClr val="accent1"/>
+          </a:fillRef>
+          <a:effectRef idx="0">
+            <a:schemeClr val="accent1"/>
+          </a:effectRef>
+          <a:fontRef idx="minor">
+            <a:schemeClr val="tx1"/>
+          </a:fontRef>
+        </p:style>
+      </p:cxnSp>
+      <p:cxnSp>
+        <p:nvCxnSpPr>
+          <p:cNvPr id="80" name="Connettore 2 79"/>
+          <p:cNvCxnSpPr/>
+          <p:nvPr/>
+        </p:nvCxnSpPr>
+        <p:spPr>
+          <a:xfrm flipH="1">
+            <a:off x="8330062" y="2922083"/>
+            <a:ext cx="13466" cy="393101"/>
+          </a:xfrm>
+          <a:prstGeom prst="straightConnector1">
+            <a:avLst/>
+          </a:prstGeom>
+          <a:ln>
+            <a:solidFill>
+              <a:srgbClr val="C00000"/>
+            </a:solidFill>
+            <a:tailEnd type="arrow"/>
+          </a:ln>
+        </p:spPr>
+        <p:style>
+          <a:lnRef idx="1">
+            <a:schemeClr val="accent1"/>
+          </a:lnRef>
+          <a:fillRef idx="0">
+            <a:schemeClr val="accent1"/>
+          </a:fillRef>
+          <a:effectRef idx="0">
+            <a:schemeClr val="accent1"/>
+          </a:effectRef>
+          <a:fontRef idx="minor">
+            <a:schemeClr val="tx1"/>
+          </a:fontRef>
+        </p:style>
+      </p:cxnSp>
+      <p:cxnSp>
+        <p:nvCxnSpPr>
+          <p:cNvPr id="82" name="Connettore 1 81"/>
+          <p:cNvCxnSpPr>
+            <a:stCxn id="32" idx="3"/>
+            <a:endCxn id="6" idx="2"/>
+          </p:cNvCxnSpPr>
+          <p:nvPr/>
+        </p:nvCxnSpPr>
+        <p:spPr>
+          <a:xfrm flipV="1">
+            <a:off x="1472107" y="1820838"/>
+            <a:ext cx="481482" cy="18824"/>
+          </a:xfrm>
+          <a:prstGeom prst="line">
+            <a:avLst/>
+          </a:prstGeom>
+          <a:ln>
+            <a:prstDash val="dash"/>
+          </a:ln>
+        </p:spPr>
+        <p:style>
+          <a:lnRef idx="1">
+            <a:schemeClr val="accent1"/>
+          </a:lnRef>
+          <a:fillRef idx="0">
+            <a:schemeClr val="accent1"/>
+          </a:fillRef>
+          <a:effectRef idx="0">
+            <a:schemeClr val="accent1"/>
+          </a:effectRef>
+          <a:fontRef idx="minor">
+            <a:schemeClr val="tx1"/>
+          </a:fontRef>
+        </p:style>
+      </p:cxnSp>
+      <p:sp>
+        <p:nvSpPr>
+          <p:cNvPr id="83" name="Ovale 82"/>
+          <p:cNvSpPr/>
+          <p:nvPr/>
+        </p:nvSpPr>
+        <p:spPr>
+          <a:xfrm>
+            <a:off x="2956622" y="2810238"/>
+            <a:ext cx="260828" cy="245237"/>
+          </a:xfrm>
+          <a:prstGeom prst="ellipse">
+            <a:avLst/>
+          </a:prstGeom>
+        </p:spPr>
+        <p:style>
+          <a:lnRef idx="1">
+            <a:schemeClr val="accent3"/>
+          </a:lnRef>
+          <a:fillRef idx="2">
+            <a:schemeClr val="accent3"/>
+          </a:fillRef>
+          <a:effectRef idx="1">
+            <a:schemeClr val="accent3"/>
+          </a:effectRef>
+          <a:fontRef idx="minor">
+            <a:schemeClr val="dk1"/>
+          </a:fontRef>
+        </p:style>
+        <p:txBody>
+          <a:bodyPr rtlCol="0" anchor="ctr"/>
+          <a:lstStyle/>
+          <a:p>
+            <a:pPr algn="ctr"/>
+            <a:endParaRPr lang="en-GB"/>
+          </a:p>
+        </p:txBody>
+      </p:sp>
+      <p:sp>
+        <p:nvSpPr>
+          <p:cNvPr id="87" name="Rettangolo 86"/>
+          <p:cNvSpPr/>
+          <p:nvPr/>
+        </p:nvSpPr>
+        <p:spPr>
+          <a:xfrm>
+            <a:off x="1472107" y="3096540"/>
+            <a:ext cx="2317686" cy="369332"/>
+          </a:xfrm>
+          <a:prstGeom prst="rect">
+            <a:avLst/>
+          </a:prstGeom>
+          <a:solidFill>
+            <a:srgbClr val="CCFF99"/>
+          </a:solidFill>
+        </p:spPr>
+        <p:style>
+          <a:lnRef idx="1">
+            <a:schemeClr val="accent3"/>
+          </a:lnRef>
+          <a:fillRef idx="3">
+            <a:schemeClr val="accent3"/>
+          </a:fillRef>
+          <a:effectRef idx="2">
+            <a:schemeClr val="accent3"/>
+          </a:effectRef>
+          <a:fontRef idx="minor">
+            <a:schemeClr val="lt1"/>
+          </a:fontRef>
+        </p:style>
+        <p:txBody>
+          <a:bodyPr wrap="none">
+            <a:spAutoFit/>
+          </a:bodyPr>
+          <a:lstStyle/>
+          <a:p>
+            <a:r>
+              <a:rPr lang="en-GB" dirty="0" err="1">
                 <a:solidFill>
-                  <a:schemeClr val="tx1"/>
+                  <a:srgbClr val="C00000"/>
                 </a:solidFill>
-                <a:miter lim="800000"/>
-                <a:headEnd/>
-                <a:tailEnd/>
-              </a14:hiddenLine>
-            </a:ext>
-          </a:extLst>
-        </p:spPr>
-      </p:pic>
+              </a:rPr>
+              <a:t>HealthServiceInterface</a:t>
+            </a:r>
+            <a:endParaRPr lang="en-GB" dirty="0">
+              <a:solidFill>
+                <a:srgbClr val="C00000"/>
+              </a:solidFill>
+            </a:endParaRPr>
+          </a:p>
+        </p:txBody>
+      </p:sp>
+      <p:sp>
+        <p:nvSpPr>
+          <p:cNvPr id="88" name="Ovale 87"/>
+          <p:cNvSpPr/>
+          <p:nvPr/>
+        </p:nvSpPr>
+        <p:spPr>
+          <a:xfrm>
+            <a:off x="1746088" y="2812594"/>
+            <a:ext cx="260828" cy="245237"/>
+          </a:xfrm>
+          <a:prstGeom prst="ellipse">
+            <a:avLst/>
+          </a:prstGeom>
+        </p:spPr>
+        <p:style>
+          <a:lnRef idx="1">
+            <a:schemeClr val="accent3"/>
+          </a:lnRef>
+          <a:fillRef idx="2">
+            <a:schemeClr val="accent3"/>
+          </a:fillRef>
+          <a:effectRef idx="1">
+            <a:schemeClr val="accent3"/>
+          </a:effectRef>
+          <a:fontRef idx="minor">
+            <a:schemeClr val="dk1"/>
+          </a:fontRef>
+        </p:style>
+        <p:txBody>
+          <a:bodyPr rtlCol="0" anchor="ctr"/>
+          <a:lstStyle/>
+          <a:p>
+            <a:pPr algn="ctr"/>
+            <a:endParaRPr lang="en-GB"/>
+          </a:p>
+        </p:txBody>
+      </p:sp>
+      <p:sp>
+        <p:nvSpPr>
+          <p:cNvPr id="91" name="Ovale 90"/>
+          <p:cNvSpPr/>
+          <p:nvPr/>
+        </p:nvSpPr>
+        <p:spPr>
+          <a:xfrm>
+            <a:off x="4850890" y="5181283"/>
+            <a:ext cx="3083816" cy="593051"/>
+          </a:xfrm>
+          <a:prstGeom prst="ellipse">
+            <a:avLst/>
+          </a:prstGeom>
+        </p:spPr>
+        <p:style>
+          <a:lnRef idx="1">
+            <a:schemeClr val="accent5"/>
+          </a:lnRef>
+          <a:fillRef idx="2">
+            <a:schemeClr val="accent5"/>
+          </a:fillRef>
+          <a:effectRef idx="1">
+            <a:schemeClr val="accent5"/>
+          </a:effectRef>
+          <a:fontRef idx="minor">
+            <a:schemeClr val="dk1"/>
+          </a:fontRef>
+        </p:style>
+        <p:txBody>
+          <a:bodyPr rtlCol="0" anchor="ctr"/>
+          <a:lstStyle/>
+          <a:p>
+            <a:pPr algn="ctr"/>
+            <a:r>
+              <a:rPr lang="en-GB" sz="1600" dirty="0" err="1"/>
+              <a:t>HealthHttpClient</a:t>
+            </a:r>
+            <a:endParaRPr lang="en-GB" sz="1600" dirty="0"/>
+          </a:p>
+        </p:txBody>
+      </p:sp>
+      <p:grpSp>
+        <p:nvGrpSpPr>
+          <p:cNvPr id="92" name="Gruppo 91"/>
+          <p:cNvGrpSpPr/>
+          <p:nvPr/>
+        </p:nvGrpSpPr>
+        <p:grpSpPr>
+          <a:xfrm flipH="1">
+            <a:off x="3789793" y="5549660"/>
+            <a:ext cx="666895" cy="86434"/>
+            <a:chOff x="4592177" y="4419530"/>
+            <a:chExt cx="666895" cy="86434"/>
+          </a:xfrm>
+        </p:grpSpPr>
+        <p:cxnSp>
+          <p:nvCxnSpPr>
+            <p:cNvPr id="93" name="Connettore 1 92"/>
+            <p:cNvCxnSpPr/>
+            <p:nvPr/>
+          </p:nvCxnSpPr>
+          <p:spPr>
+            <a:xfrm>
+              <a:off x="4611000" y="4462747"/>
+              <a:ext cx="648072" cy="0"/>
+            </a:xfrm>
+            <a:prstGeom prst="line">
+              <a:avLst/>
+            </a:prstGeom>
+            <a:ln>
+              <a:prstDash val="dash"/>
+            </a:ln>
+          </p:spPr>
+          <p:style>
+            <a:lnRef idx="1">
+              <a:schemeClr val="accent1"/>
+            </a:lnRef>
+            <a:fillRef idx="0">
+              <a:schemeClr val="accent1"/>
+            </a:fillRef>
+            <a:effectRef idx="0">
+              <a:schemeClr val="accent1"/>
+            </a:effectRef>
+            <a:fontRef idx="minor">
+              <a:schemeClr val="tx1"/>
+            </a:fontRef>
+          </p:style>
+        </p:cxnSp>
+        <p:sp>
+          <p:nvSpPr>
+            <p:cNvPr id="94" name="Triangolo isoscele 93"/>
+            <p:cNvSpPr/>
+            <p:nvPr/>
+          </p:nvSpPr>
+          <p:spPr>
+            <a:xfrm rot="16200000">
+              <a:off x="4618592" y="4393115"/>
+              <a:ext cx="86434" cy="139263"/>
+            </a:xfrm>
+            <a:prstGeom prst="triangle">
+              <a:avLst/>
+            </a:prstGeom>
+            <a:solidFill>
+              <a:schemeClr val="bg1"/>
+            </a:solidFill>
+            <a:ln/>
+          </p:spPr>
+          <p:style>
+            <a:lnRef idx="1">
+              <a:schemeClr val="accent5"/>
+            </a:lnRef>
+            <a:fillRef idx="2">
+              <a:schemeClr val="accent5"/>
+            </a:fillRef>
+            <a:effectRef idx="1">
+              <a:schemeClr val="accent5"/>
+            </a:effectRef>
+            <a:fontRef idx="minor">
+              <a:schemeClr val="dk1"/>
+            </a:fontRef>
+          </p:style>
+          <p:txBody>
+            <a:bodyPr rtlCol="0" anchor="ctr"/>
+            <a:lstStyle/>
+            <a:p>
+              <a:pPr algn="ctr"/>
+              <a:endParaRPr lang="en-GB" sz="1200"/>
+            </a:p>
+          </p:txBody>
+        </p:sp>
+      </p:grpSp>
+      <p:grpSp>
+        <p:nvGrpSpPr>
+          <p:cNvPr id="95" name="Gruppo 94"/>
+          <p:cNvGrpSpPr/>
+          <p:nvPr/>
+        </p:nvGrpSpPr>
+        <p:grpSpPr>
+          <a:xfrm flipH="1">
+            <a:off x="3781706" y="5353455"/>
+            <a:ext cx="787334" cy="86434"/>
+            <a:chOff x="3452446" y="4176616"/>
+            <a:chExt cx="787334" cy="86434"/>
+          </a:xfrm>
+        </p:grpSpPr>
+        <p:sp>
+          <p:nvSpPr>
+            <p:cNvPr id="96" name="Triangolo isoscele 95"/>
+            <p:cNvSpPr/>
+            <p:nvPr/>
+          </p:nvSpPr>
+          <p:spPr>
+            <a:xfrm rot="5400000" flipH="1">
+              <a:off x="4126932" y="4150201"/>
+              <a:ext cx="86434" cy="139263"/>
+            </a:xfrm>
+            <a:prstGeom prst="triangle">
+              <a:avLst/>
+            </a:prstGeom>
+            <a:solidFill>
+              <a:schemeClr val="bg1"/>
+            </a:solidFill>
+            <a:ln/>
+          </p:spPr>
+          <p:style>
+            <a:lnRef idx="1">
+              <a:schemeClr val="accent5"/>
+            </a:lnRef>
+            <a:fillRef idx="2">
+              <a:schemeClr val="accent5"/>
+            </a:fillRef>
+            <a:effectRef idx="1">
+              <a:schemeClr val="accent5"/>
+            </a:effectRef>
+            <a:fontRef idx="minor">
+              <a:schemeClr val="dk1"/>
+            </a:fontRef>
+          </p:style>
+          <p:txBody>
+            <a:bodyPr rtlCol="0" anchor="ctr"/>
+            <a:lstStyle/>
+            <a:p>
+              <a:pPr algn="ctr"/>
+              <a:endParaRPr lang="en-GB" sz="1200"/>
+            </a:p>
+          </p:txBody>
+        </p:sp>
+        <p:cxnSp>
+          <p:nvCxnSpPr>
+            <p:cNvPr id="97" name="Connettore 1 96"/>
+            <p:cNvCxnSpPr>
+              <a:endCxn id="96" idx="3"/>
+            </p:cNvCxnSpPr>
+            <p:nvPr/>
+          </p:nvCxnSpPr>
+          <p:spPr>
+            <a:xfrm>
+              <a:off x="3452446" y="4219627"/>
+              <a:ext cx="648072" cy="206"/>
+            </a:xfrm>
+            <a:prstGeom prst="line">
+              <a:avLst/>
+            </a:prstGeom>
+          </p:spPr>
+          <p:style>
+            <a:lnRef idx="1">
+              <a:schemeClr val="accent1"/>
+            </a:lnRef>
+            <a:fillRef idx="0">
+              <a:schemeClr val="accent1"/>
+            </a:fillRef>
+            <a:effectRef idx="0">
+              <a:schemeClr val="accent1"/>
+            </a:effectRef>
+            <a:fontRef idx="minor">
+              <a:schemeClr val="tx1"/>
+            </a:fontRef>
+          </p:style>
+        </p:cxnSp>
+      </p:grpSp>
+      <p:sp>
+        <p:nvSpPr>
+          <p:cNvPr id="98" name="Ovale 97"/>
+          <p:cNvSpPr/>
+          <p:nvPr/>
+        </p:nvSpPr>
+        <p:spPr>
+          <a:xfrm>
+            <a:off x="5599791" y="5915090"/>
+            <a:ext cx="3083816" cy="593051"/>
+          </a:xfrm>
+          <a:prstGeom prst="ellipse">
+            <a:avLst/>
+          </a:prstGeom>
+        </p:spPr>
+        <p:style>
+          <a:lnRef idx="1">
+            <a:schemeClr val="accent5"/>
+          </a:lnRef>
+          <a:fillRef idx="2">
+            <a:schemeClr val="accent5"/>
+          </a:fillRef>
+          <a:effectRef idx="1">
+            <a:schemeClr val="accent5"/>
+          </a:effectRef>
+          <a:fontRef idx="minor">
+            <a:schemeClr val="dk1"/>
+          </a:fontRef>
+        </p:style>
+        <p:txBody>
+          <a:bodyPr rtlCol="0" anchor="ctr"/>
+          <a:lstStyle/>
+          <a:p>
+            <a:pPr algn="ctr"/>
+            <a:r>
+              <a:rPr lang="en-GB" sz="1600" dirty="0" err="1"/>
+              <a:t>HealthWebClient</a:t>
+            </a:r>
+            <a:endParaRPr lang="en-GB" sz="1600" dirty="0"/>
+          </a:p>
+        </p:txBody>
+      </p:sp>
+      <p:grpSp>
+        <p:nvGrpSpPr>
+          <p:cNvPr id="99" name="Gruppo 98"/>
+          <p:cNvGrpSpPr/>
+          <p:nvPr/>
+        </p:nvGrpSpPr>
+        <p:grpSpPr>
+          <a:xfrm rot="5400000" flipH="1">
+            <a:off x="8100524" y="5290322"/>
+            <a:ext cx="472540" cy="98326"/>
+            <a:chOff x="4592177" y="4419530"/>
+            <a:chExt cx="666895" cy="86434"/>
+          </a:xfrm>
+        </p:grpSpPr>
+        <p:cxnSp>
+          <p:nvCxnSpPr>
+            <p:cNvPr id="100" name="Connettore 1 99"/>
+            <p:cNvCxnSpPr/>
+            <p:nvPr/>
+          </p:nvCxnSpPr>
+          <p:spPr>
+            <a:xfrm>
+              <a:off x="4611000" y="4462747"/>
+              <a:ext cx="648072" cy="0"/>
+            </a:xfrm>
+            <a:prstGeom prst="line">
+              <a:avLst/>
+            </a:prstGeom>
+            <a:ln>
+              <a:prstDash val="dash"/>
+            </a:ln>
+          </p:spPr>
+          <p:style>
+            <a:lnRef idx="1">
+              <a:schemeClr val="accent1"/>
+            </a:lnRef>
+            <a:fillRef idx="0">
+              <a:schemeClr val="accent1"/>
+            </a:fillRef>
+            <a:effectRef idx="0">
+              <a:schemeClr val="accent1"/>
+            </a:effectRef>
+            <a:fontRef idx="minor">
+              <a:schemeClr val="tx1"/>
+            </a:fontRef>
+          </p:style>
+        </p:cxnSp>
+        <p:sp>
+          <p:nvSpPr>
+            <p:cNvPr id="101" name="Triangolo isoscele 100"/>
+            <p:cNvSpPr/>
+            <p:nvPr/>
+          </p:nvSpPr>
+          <p:spPr>
+            <a:xfrm rot="16200000">
+              <a:off x="4618592" y="4393115"/>
+              <a:ext cx="86434" cy="139263"/>
+            </a:xfrm>
+            <a:prstGeom prst="triangle">
+              <a:avLst/>
+            </a:prstGeom>
+            <a:solidFill>
+              <a:schemeClr val="bg1"/>
+            </a:solidFill>
+            <a:ln/>
+          </p:spPr>
+          <p:style>
+            <a:lnRef idx="1">
+              <a:schemeClr val="accent5"/>
+            </a:lnRef>
+            <a:fillRef idx="2">
+              <a:schemeClr val="accent5"/>
+            </a:fillRef>
+            <a:effectRef idx="1">
+              <a:schemeClr val="accent5"/>
+            </a:effectRef>
+            <a:fontRef idx="minor">
+              <a:schemeClr val="dk1"/>
+            </a:fontRef>
+          </p:style>
+          <p:txBody>
+            <a:bodyPr rtlCol="0" anchor="ctr"/>
+            <a:lstStyle/>
+            <a:p>
+              <a:pPr algn="ctr"/>
+              <a:endParaRPr lang="en-GB" sz="1200"/>
+            </a:p>
+          </p:txBody>
+        </p:sp>
+      </p:grpSp>
+      <p:grpSp>
+        <p:nvGrpSpPr>
+          <p:cNvPr id="102" name="Gruppo 101"/>
+          <p:cNvGrpSpPr/>
+          <p:nvPr/>
+        </p:nvGrpSpPr>
+        <p:grpSpPr>
+          <a:xfrm rot="5400000" flipH="1" flipV="1">
+            <a:off x="7824088" y="5246291"/>
+            <a:ext cx="582125" cy="120293"/>
+            <a:chOff x="3452446" y="4176616"/>
+            <a:chExt cx="787334" cy="86434"/>
+          </a:xfrm>
+        </p:grpSpPr>
+        <p:sp>
+          <p:nvSpPr>
+            <p:cNvPr id="103" name="Triangolo isoscele 102"/>
+            <p:cNvSpPr/>
+            <p:nvPr/>
+          </p:nvSpPr>
+          <p:spPr>
+            <a:xfrm rot="5400000" flipH="1">
+              <a:off x="4126932" y="4150201"/>
+              <a:ext cx="86434" cy="139263"/>
+            </a:xfrm>
+            <a:prstGeom prst="triangle">
+              <a:avLst/>
+            </a:prstGeom>
+            <a:solidFill>
+              <a:schemeClr val="bg1"/>
+            </a:solidFill>
+            <a:ln/>
+          </p:spPr>
+          <p:style>
+            <a:lnRef idx="1">
+              <a:schemeClr val="accent5"/>
+            </a:lnRef>
+            <a:fillRef idx="2">
+              <a:schemeClr val="accent5"/>
+            </a:fillRef>
+            <a:effectRef idx="1">
+              <a:schemeClr val="accent5"/>
+            </a:effectRef>
+            <a:fontRef idx="minor">
+              <a:schemeClr val="dk1"/>
+            </a:fontRef>
+          </p:style>
+          <p:txBody>
+            <a:bodyPr rtlCol="0" anchor="ctr"/>
+            <a:lstStyle/>
+            <a:p>
+              <a:pPr algn="ctr"/>
+              <a:endParaRPr lang="en-GB" sz="1200"/>
+            </a:p>
+          </p:txBody>
+        </p:sp>
+        <p:cxnSp>
+          <p:nvCxnSpPr>
+            <p:cNvPr id="104" name="Connettore 1 103"/>
+            <p:cNvCxnSpPr>
+              <a:endCxn id="103" idx="3"/>
+            </p:cNvCxnSpPr>
+            <p:nvPr/>
+          </p:nvCxnSpPr>
+          <p:spPr>
+            <a:xfrm>
+              <a:off x="3452446" y="4219627"/>
+              <a:ext cx="648072" cy="206"/>
+            </a:xfrm>
+            <a:prstGeom prst="line">
+              <a:avLst/>
+            </a:prstGeom>
+          </p:spPr>
+          <p:style>
+            <a:lnRef idx="1">
+              <a:schemeClr val="accent1"/>
+            </a:lnRef>
+            <a:fillRef idx="0">
+              <a:schemeClr val="accent1"/>
+            </a:fillRef>
+            <a:effectRef idx="0">
+              <a:schemeClr val="accent1"/>
+            </a:effectRef>
+            <a:fontRef idx="minor">
+              <a:schemeClr val="tx1"/>
+            </a:fontRef>
+          </p:style>
+        </p:cxnSp>
+      </p:grpSp>
+      <p:grpSp>
+        <p:nvGrpSpPr>
+          <p:cNvPr id="105" name="Gruppo 104"/>
+          <p:cNvGrpSpPr/>
+          <p:nvPr/>
+        </p:nvGrpSpPr>
+        <p:grpSpPr>
+          <a:xfrm flipH="1">
+            <a:off x="3985452" y="6223259"/>
+            <a:ext cx="666895" cy="86434"/>
+            <a:chOff x="4592177" y="4419530"/>
+            <a:chExt cx="666895" cy="86434"/>
+          </a:xfrm>
+        </p:grpSpPr>
+        <p:cxnSp>
+          <p:nvCxnSpPr>
+            <p:cNvPr id="106" name="Connettore 1 105"/>
+            <p:cNvCxnSpPr/>
+            <p:nvPr/>
+          </p:nvCxnSpPr>
+          <p:spPr>
+            <a:xfrm>
+              <a:off x="4611000" y="4462747"/>
+              <a:ext cx="648072" cy="0"/>
+            </a:xfrm>
+            <a:prstGeom prst="line">
+              <a:avLst/>
+            </a:prstGeom>
+            <a:ln>
+              <a:prstDash val="dash"/>
+            </a:ln>
+          </p:spPr>
+          <p:style>
+            <a:lnRef idx="1">
+              <a:schemeClr val="accent1"/>
+            </a:lnRef>
+            <a:fillRef idx="0">
+              <a:schemeClr val="accent1"/>
+            </a:fillRef>
+            <a:effectRef idx="0">
+              <a:schemeClr val="accent1"/>
+            </a:effectRef>
+            <a:fontRef idx="minor">
+              <a:schemeClr val="tx1"/>
+            </a:fontRef>
+          </p:style>
+        </p:cxnSp>
+        <p:sp>
+          <p:nvSpPr>
+            <p:cNvPr id="107" name="Triangolo isoscele 106"/>
+            <p:cNvSpPr/>
+            <p:nvPr/>
+          </p:nvSpPr>
+          <p:spPr>
+            <a:xfrm rot="16200000">
+              <a:off x="4618592" y="4393115"/>
+              <a:ext cx="86434" cy="139263"/>
+            </a:xfrm>
+            <a:prstGeom prst="triangle">
+              <a:avLst/>
+            </a:prstGeom>
+            <a:solidFill>
+              <a:schemeClr val="bg1"/>
+            </a:solidFill>
+            <a:ln/>
+          </p:spPr>
+          <p:style>
+            <a:lnRef idx="1">
+              <a:schemeClr val="accent5"/>
+            </a:lnRef>
+            <a:fillRef idx="2">
+              <a:schemeClr val="accent5"/>
+            </a:fillRef>
+            <a:effectRef idx="1">
+              <a:schemeClr val="accent5"/>
+            </a:effectRef>
+            <a:fontRef idx="minor">
+              <a:schemeClr val="dk1"/>
+            </a:fontRef>
+          </p:style>
+          <p:txBody>
+            <a:bodyPr rtlCol="0" anchor="ctr"/>
+            <a:lstStyle/>
+            <a:p>
+              <a:pPr algn="ctr"/>
+              <a:endParaRPr lang="en-GB" sz="1200"/>
+            </a:p>
+          </p:txBody>
+        </p:sp>
+      </p:grpSp>
+      <p:grpSp>
+        <p:nvGrpSpPr>
+          <p:cNvPr id="108" name="Gruppo 107"/>
+          <p:cNvGrpSpPr/>
+          <p:nvPr/>
+        </p:nvGrpSpPr>
+        <p:grpSpPr>
+          <a:xfrm flipH="1">
+            <a:off x="3977365" y="6027054"/>
+            <a:ext cx="787334" cy="86434"/>
+            <a:chOff x="3452446" y="4176616"/>
+            <a:chExt cx="787334" cy="86434"/>
+          </a:xfrm>
+        </p:grpSpPr>
+        <p:sp>
+          <p:nvSpPr>
+            <p:cNvPr id="109" name="Triangolo isoscele 108"/>
+            <p:cNvSpPr/>
+            <p:nvPr/>
+          </p:nvSpPr>
+          <p:spPr>
+            <a:xfrm rot="5400000" flipH="1">
+              <a:off x="4126932" y="4150201"/>
+              <a:ext cx="86434" cy="139263"/>
+            </a:xfrm>
+            <a:prstGeom prst="triangle">
+              <a:avLst/>
+            </a:prstGeom>
+            <a:solidFill>
+              <a:schemeClr val="bg1"/>
+            </a:solidFill>
+            <a:ln/>
+          </p:spPr>
+          <p:style>
+            <a:lnRef idx="1">
+              <a:schemeClr val="accent5"/>
+            </a:lnRef>
+            <a:fillRef idx="2">
+              <a:schemeClr val="accent5"/>
+            </a:fillRef>
+            <a:effectRef idx="1">
+              <a:schemeClr val="accent5"/>
+            </a:effectRef>
+            <a:fontRef idx="minor">
+              <a:schemeClr val="dk1"/>
+            </a:fontRef>
+          </p:style>
+          <p:txBody>
+            <a:bodyPr rtlCol="0" anchor="ctr"/>
+            <a:lstStyle/>
+            <a:p>
+              <a:pPr algn="ctr"/>
+              <a:endParaRPr lang="en-GB" sz="1200"/>
+            </a:p>
+          </p:txBody>
+        </p:sp>
+        <p:cxnSp>
+          <p:nvCxnSpPr>
+            <p:cNvPr id="110" name="Connettore 1 109"/>
+            <p:cNvCxnSpPr>
+              <a:endCxn id="109" idx="3"/>
+            </p:cNvCxnSpPr>
+            <p:nvPr/>
+          </p:nvCxnSpPr>
+          <p:spPr>
+            <a:xfrm>
+              <a:off x="3452446" y="4219627"/>
+              <a:ext cx="648072" cy="206"/>
+            </a:xfrm>
+            <a:prstGeom prst="line">
+              <a:avLst/>
+            </a:prstGeom>
+          </p:spPr>
+          <p:style>
+            <a:lnRef idx="1">
+              <a:schemeClr val="accent1"/>
+            </a:lnRef>
+            <a:fillRef idx="0">
+              <a:schemeClr val="accent1"/>
+            </a:fillRef>
+            <a:effectRef idx="0">
+              <a:schemeClr val="accent1"/>
+            </a:effectRef>
+            <a:fontRef idx="minor">
+              <a:schemeClr val="tx1"/>
+            </a:fontRef>
+          </p:style>
+        </p:cxnSp>
+      </p:grpSp>
+      <p:cxnSp>
+        <p:nvCxnSpPr>
+          <p:cNvPr id="111" name="Connettore 2 110"/>
+          <p:cNvCxnSpPr/>
+          <p:nvPr/>
+        </p:nvCxnSpPr>
+        <p:spPr>
+          <a:xfrm flipH="1">
+            <a:off x="5364673" y="5281257"/>
+            <a:ext cx="13466" cy="393101"/>
+          </a:xfrm>
+          <a:prstGeom prst="straightConnector1">
+            <a:avLst/>
+          </a:prstGeom>
+          <a:ln>
+            <a:solidFill>
+              <a:srgbClr val="C00000"/>
+            </a:solidFill>
+            <a:tailEnd type="arrow"/>
+          </a:ln>
+        </p:spPr>
+        <p:style>
+          <a:lnRef idx="1">
+            <a:schemeClr val="accent1"/>
+          </a:lnRef>
+          <a:fillRef idx="0">
+            <a:schemeClr val="accent1"/>
+          </a:fillRef>
+          <a:effectRef idx="0">
+            <a:schemeClr val="accent1"/>
+          </a:effectRef>
+          <a:fontRef idx="minor">
+            <a:schemeClr val="tx1"/>
+          </a:fontRef>
+        </p:style>
+      </p:cxnSp>
+      <p:cxnSp>
+        <p:nvCxnSpPr>
+          <p:cNvPr id="112" name="Connettore 2 111"/>
+          <p:cNvCxnSpPr/>
+          <p:nvPr/>
+        </p:nvCxnSpPr>
+        <p:spPr>
+          <a:xfrm flipH="1">
+            <a:off x="6156176" y="6028030"/>
+            <a:ext cx="13466" cy="393101"/>
+          </a:xfrm>
+          <a:prstGeom prst="straightConnector1">
+            <a:avLst/>
+          </a:prstGeom>
+          <a:ln>
+            <a:solidFill>
+              <a:srgbClr val="C00000"/>
+            </a:solidFill>
+            <a:tailEnd type="arrow"/>
+          </a:ln>
+        </p:spPr>
+        <p:style>
+          <a:lnRef idx="1">
+            <a:schemeClr val="accent1"/>
+          </a:lnRef>
+          <a:fillRef idx="0">
+            <a:schemeClr val="accent1"/>
+          </a:fillRef>
+          <a:effectRef idx="0">
+            <a:schemeClr val="accent1"/>
+          </a:effectRef>
+          <a:fontRef idx="minor">
+            <a:schemeClr val="tx1"/>
+          </a:fontRef>
+        </p:style>
+      </p:cxnSp>
+      <p:sp>
+        <p:nvSpPr>
+          <p:cNvPr id="120" name="Rettangolo 119"/>
+          <p:cNvSpPr/>
+          <p:nvPr/>
+        </p:nvSpPr>
+        <p:spPr>
+          <a:xfrm>
+            <a:off x="1004657" y="5184702"/>
+            <a:ext cx="1936428" cy="1354217"/>
+          </a:xfrm>
+          <a:prstGeom prst="rect">
+            <a:avLst/>
+          </a:prstGeom>
+        </p:spPr>
+        <p:style>
+          <a:lnRef idx="1">
+            <a:schemeClr val="accent3"/>
+          </a:lnRef>
+          <a:fillRef idx="2">
+            <a:schemeClr val="accent3"/>
+          </a:fillRef>
+          <a:effectRef idx="1">
+            <a:schemeClr val="accent3"/>
+          </a:effectRef>
+          <a:fontRef idx="minor">
+            <a:schemeClr val="dk1"/>
+          </a:fontRef>
+        </p:style>
+        <p:txBody>
+          <a:bodyPr wrap="none">
+            <a:spAutoFit/>
+          </a:bodyPr>
+          <a:lstStyle/>
+          <a:p>
+            <a:r>
+              <a:rPr lang="en-GB" sz="1600" b="1" dirty="0">
+                <a:solidFill>
+                  <a:srgbClr val="0070C0"/>
+                </a:solidFill>
+              </a:rPr>
+              <a:t>/</a:t>
+            </a:r>
+            <a:r>
+              <a:rPr lang="en-GB" sz="1600" b="1" dirty="0" err="1">
+                <a:solidFill>
+                  <a:srgbClr val="0070C0"/>
+                </a:solidFill>
+              </a:rPr>
+              <a:t>selectHealthCenter</a:t>
+            </a:r>
+            <a:r>
+              <a:rPr lang="en-GB" sz="1600" b="1" dirty="0">
+                <a:solidFill>
+                  <a:srgbClr val="0070C0"/>
+                </a:solidFill>
+              </a:rPr>
+              <a:t> </a:t>
+            </a:r>
+            <a:endParaRPr lang="en-GB" sz="1600" b="1" dirty="0" smtClean="0">
+              <a:solidFill>
+                <a:srgbClr val="0070C0"/>
+              </a:solidFill>
+            </a:endParaRPr>
+          </a:p>
+          <a:p>
+            <a:r>
+              <a:rPr lang="en-GB" sz="1600" b="1" dirty="0" smtClean="0">
+                <a:solidFill>
+                  <a:srgbClr val="0070C0"/>
+                </a:solidFill>
+              </a:rPr>
+              <a:t>/</a:t>
+            </a:r>
+            <a:r>
+              <a:rPr lang="en-GB" sz="1600" b="1" dirty="0" err="1" smtClean="0">
+                <a:solidFill>
+                  <a:srgbClr val="0070C0"/>
+                </a:solidFill>
+              </a:rPr>
+              <a:t>createResource</a:t>
+            </a:r>
+            <a:endParaRPr lang="en-GB" sz="1600" b="1" dirty="0" smtClean="0">
+              <a:solidFill>
+                <a:srgbClr val="0070C0"/>
+              </a:solidFill>
+            </a:endParaRPr>
+          </a:p>
+          <a:p>
+            <a:r>
+              <a:rPr lang="en-GB" sz="1600" b="1" dirty="0">
+                <a:solidFill>
+                  <a:srgbClr val="0070C0"/>
+                </a:solidFill>
+              </a:rPr>
+              <a:t>/</a:t>
+            </a:r>
+            <a:r>
+              <a:rPr lang="en-GB" sz="1600" b="1" dirty="0" err="1">
+                <a:solidFill>
+                  <a:srgbClr val="0070C0"/>
+                </a:solidFill>
+              </a:rPr>
+              <a:t>searchResource</a:t>
+            </a:r>
+            <a:endParaRPr lang="en-GB" sz="1600" b="1" dirty="0">
+              <a:solidFill>
+                <a:srgbClr val="0070C0"/>
+              </a:solidFill>
+            </a:endParaRPr>
+          </a:p>
+          <a:p>
+            <a:r>
+              <a:rPr lang="en-GB" sz="1600" b="1" dirty="0">
+                <a:solidFill>
+                  <a:srgbClr val="0070C0"/>
+                </a:solidFill>
+              </a:rPr>
+              <a:t>/</a:t>
+            </a:r>
+            <a:r>
+              <a:rPr lang="en-GB" sz="1600" b="1" dirty="0" err="1" smtClean="0">
+                <a:solidFill>
+                  <a:srgbClr val="0070C0"/>
+                </a:solidFill>
+              </a:rPr>
+              <a:t>readResource</a:t>
+            </a:r>
+            <a:endParaRPr lang="en-GB" sz="1600" b="1" dirty="0">
+              <a:solidFill>
+                <a:srgbClr val="0070C0"/>
+              </a:solidFill>
+            </a:endParaRPr>
+          </a:p>
+          <a:p>
+            <a:r>
+              <a:rPr lang="en-GB" sz="1600" b="1" dirty="0">
+                <a:solidFill>
+                  <a:srgbClr val="0070C0"/>
+                </a:solidFill>
+              </a:rPr>
+              <a:t>/</a:t>
+            </a:r>
+            <a:r>
+              <a:rPr lang="en-GB" sz="1600" b="1" dirty="0" err="1">
+                <a:solidFill>
+                  <a:srgbClr val="0070C0"/>
+                </a:solidFill>
+              </a:rPr>
+              <a:t>deleteResource</a:t>
+            </a:r>
+            <a:endParaRPr lang="en-GB" sz="1600" b="1" dirty="0">
+              <a:solidFill>
+                <a:srgbClr val="0070C0"/>
+              </a:solidFill>
+            </a:endParaRPr>
+          </a:p>
+        </p:txBody>
+      </p:sp>
+      <p:grpSp>
+        <p:nvGrpSpPr>
+          <p:cNvPr id="124" name="Gruppo 123"/>
+          <p:cNvGrpSpPr/>
+          <p:nvPr/>
+        </p:nvGrpSpPr>
+        <p:grpSpPr>
+          <a:xfrm>
+            <a:off x="43278" y="3860044"/>
+            <a:ext cx="1053702" cy="965471"/>
+            <a:chOff x="565700" y="4940367"/>
+            <a:chExt cx="805955" cy="772447"/>
+          </a:xfrm>
+        </p:grpSpPr>
+        <p:sp>
+          <p:nvSpPr>
+            <p:cNvPr id="125" name="Ovale 124"/>
+            <p:cNvSpPr/>
+            <p:nvPr/>
+          </p:nvSpPr>
+          <p:spPr>
+            <a:xfrm>
+              <a:off x="565700" y="4983583"/>
+              <a:ext cx="805955" cy="729231"/>
+            </a:xfrm>
+            <a:prstGeom prst="ellipse">
+              <a:avLst/>
+            </a:prstGeom>
+            <a:solidFill>
+              <a:srgbClr val="FF99CC"/>
+            </a:solidFill>
+            <a:ln/>
+          </p:spPr>
+          <p:style>
+            <a:lnRef idx="1">
+              <a:schemeClr val="accent4"/>
+            </a:lnRef>
+            <a:fillRef idx="2">
+              <a:schemeClr val="accent4"/>
+            </a:fillRef>
+            <a:effectRef idx="1">
+              <a:schemeClr val="accent4"/>
+            </a:effectRef>
+            <a:fontRef idx="minor">
+              <a:schemeClr val="dk1"/>
+            </a:fontRef>
+          </p:style>
+          <p:txBody>
+            <a:bodyPr rtlCol="0" anchor="ctr"/>
+            <a:lstStyle/>
+            <a:p>
+              <a:pPr algn="ctr"/>
+              <a:r>
+                <a:rPr lang="en-GB" sz="1200" dirty="0"/>
+                <a:t> </a:t>
+              </a:r>
+            </a:p>
+          </p:txBody>
+        </p:sp>
+        <p:sp>
+          <p:nvSpPr>
+            <p:cNvPr id="126" name="Triangolo isoscele 125"/>
+            <p:cNvSpPr/>
+            <p:nvPr/>
+          </p:nvSpPr>
+          <p:spPr>
+            <a:xfrm rot="16200000">
+              <a:off x="905299" y="4913952"/>
+              <a:ext cx="86434" cy="139263"/>
+            </a:xfrm>
+            <a:prstGeom prst="triangle">
+              <a:avLst/>
+            </a:prstGeom>
+            <a:solidFill>
+              <a:srgbClr val="C00000"/>
+            </a:solidFill>
+            <a:ln/>
+          </p:spPr>
+          <p:style>
+            <a:lnRef idx="1">
+              <a:schemeClr val="accent5"/>
+            </a:lnRef>
+            <a:fillRef idx="2">
+              <a:schemeClr val="accent5"/>
+            </a:fillRef>
+            <a:effectRef idx="1">
+              <a:schemeClr val="accent5"/>
+            </a:effectRef>
+            <a:fontRef idx="minor">
+              <a:schemeClr val="dk1"/>
+            </a:fontRef>
+          </p:style>
+          <p:txBody>
+            <a:bodyPr rtlCol="0" anchor="ctr"/>
+            <a:lstStyle/>
+            <a:p>
+              <a:pPr algn="ctr"/>
+              <a:endParaRPr lang="en-GB" sz="1200">
+                <a:solidFill>
+                  <a:schemeClr val="dk1"/>
+                </a:solidFill>
+              </a:endParaRPr>
+            </a:p>
+          </p:txBody>
+        </p:sp>
+      </p:grpSp>
+      <p:sp>
+        <p:nvSpPr>
+          <p:cNvPr id="127" name="CasellaDiTesto 126"/>
+          <p:cNvSpPr txBox="1"/>
+          <p:nvPr/>
+        </p:nvSpPr>
+        <p:spPr>
+          <a:xfrm>
+            <a:off x="90395" y="4208677"/>
+            <a:ext cx="920060" cy="523220"/>
+          </a:xfrm>
+          <a:prstGeom prst="rect">
+            <a:avLst/>
+          </a:prstGeom>
+          <a:noFill/>
+        </p:spPr>
+        <p:txBody>
+          <a:bodyPr wrap="none" rtlCol="0">
+            <a:spAutoFit/>
+          </a:bodyPr>
+          <a:lstStyle/>
+          <a:p>
+            <a:pPr algn="ctr"/>
+            <a:r>
+              <a:rPr lang="en-GB" sz="1400" b="1" dirty="0" err="1" smtClean="0"/>
+              <a:t>ICoreFHIR</a:t>
+            </a:r>
+            <a:endParaRPr lang="en-GB" sz="1400" b="1" dirty="0" smtClean="0"/>
+          </a:p>
+          <a:p>
+            <a:pPr algn="ctr"/>
+            <a:r>
+              <a:rPr lang="it-IT" sz="1400" b="1" dirty="0" smtClean="0"/>
+              <a:t>server</a:t>
+            </a:r>
+            <a:endParaRPr lang="en-GB" sz="1400" dirty="0"/>
+          </a:p>
+        </p:txBody>
+      </p:sp>
+      <p:cxnSp>
+        <p:nvCxnSpPr>
+          <p:cNvPr id="129" name="Connettore 2 128"/>
+          <p:cNvCxnSpPr>
+            <a:stCxn id="7" idx="2"/>
+            <a:endCxn id="127" idx="3"/>
+          </p:cNvCxnSpPr>
+          <p:nvPr/>
+        </p:nvCxnSpPr>
+        <p:spPr>
+          <a:xfrm flipH="1">
+            <a:off x="1010455" y="4222891"/>
+            <a:ext cx="1666459" cy="247396"/>
+          </a:xfrm>
+          <a:prstGeom prst="straightConnector1">
+            <a:avLst/>
+          </a:prstGeom>
+          <a:ln w="28575">
+            <a:solidFill>
+              <a:srgbClr val="FF0000"/>
+            </a:solidFill>
+            <a:prstDash val="dash"/>
+            <a:tailEnd type="arrow"/>
+          </a:ln>
+        </p:spPr>
+        <p:style>
+          <a:lnRef idx="1">
+            <a:schemeClr val="accent1"/>
+          </a:lnRef>
+          <a:fillRef idx="0">
+            <a:schemeClr val="accent1"/>
+          </a:fillRef>
+          <a:effectRef idx="0">
+            <a:schemeClr val="accent1"/>
+          </a:effectRef>
+          <a:fontRef idx="minor">
+            <a:schemeClr val="tx1"/>
+          </a:fontRef>
+        </p:style>
+      </p:cxnSp>
+      <p:sp>
+        <p:nvSpPr>
+          <p:cNvPr id="130" name="CasellaDiTesto 129"/>
+          <p:cNvSpPr txBox="1"/>
+          <p:nvPr/>
+        </p:nvSpPr>
+        <p:spPr>
+          <a:xfrm>
+            <a:off x="1589191" y="3844653"/>
+            <a:ext cx="677750" cy="369332"/>
+          </a:xfrm>
+          <a:prstGeom prst="rect">
+            <a:avLst/>
+          </a:prstGeom>
+        </p:spPr>
+        <p:style>
+          <a:lnRef idx="1">
+            <a:schemeClr val="accent6"/>
+          </a:lnRef>
+          <a:fillRef idx="2">
+            <a:schemeClr val="accent6"/>
+          </a:fillRef>
+          <a:effectRef idx="1">
+            <a:schemeClr val="accent6"/>
+          </a:effectRef>
+          <a:fontRef idx="minor">
+            <a:schemeClr val="dk1"/>
+          </a:fontRef>
+        </p:style>
+        <p:txBody>
+          <a:bodyPr wrap="none" rtlCol="0">
+            <a:spAutoFit/>
+          </a:bodyPr>
+          <a:lstStyle/>
+          <a:p>
+            <a:r>
+              <a:rPr lang="it-IT" dirty="0" smtClean="0"/>
+              <a:t> </a:t>
+            </a:r>
+            <a:r>
+              <a:rPr lang="it-IT" dirty="0" err="1" smtClean="0"/>
+              <a:t>todo</a:t>
+            </a:r>
+            <a:endParaRPr lang="en-GB" dirty="0"/>
+          </a:p>
+        </p:txBody>
+      </p:sp>
+      <p:cxnSp>
+        <p:nvCxnSpPr>
+          <p:cNvPr id="25" name="Connettore 4 24"/>
+          <p:cNvCxnSpPr>
+            <a:stCxn id="125" idx="4"/>
+            <a:endCxn id="4" idx="4"/>
+          </p:cNvCxnSpPr>
+          <p:nvPr/>
+        </p:nvCxnSpPr>
+        <p:spPr>
+          <a:xfrm rot="16200000" flipH="1">
+            <a:off x="1767777" y="3627866"/>
+            <a:ext cx="152968" cy="2548265"/>
+          </a:xfrm>
+          <a:prstGeom prst="bentConnector3">
+            <a:avLst>
+              <a:gd name="adj1" fmla="val 249443"/>
+            </a:avLst>
+          </a:prstGeom>
+          <a:ln w="28575">
+            <a:solidFill>
+              <a:srgbClr val="C00000"/>
+            </a:solidFill>
+            <a:tailEnd type="arrow"/>
+          </a:ln>
+        </p:spPr>
+        <p:style>
+          <a:lnRef idx="1">
+            <a:schemeClr val="accent1"/>
+          </a:lnRef>
+          <a:fillRef idx="0">
+            <a:schemeClr val="accent1"/>
+          </a:fillRef>
+          <a:effectRef idx="0">
+            <a:schemeClr val="accent1"/>
+          </a:effectRef>
+          <a:fontRef idx="minor">
+            <a:schemeClr val="tx1"/>
+          </a:fontRef>
+        </p:style>
+      </p:cxnSp>
     </p:spTree>
     <p:extLst>
       <p:ext uri="{BB962C8B-B14F-4D97-AF65-F5344CB8AC3E}">
-        <p14:creationId xmlns:p14="http://schemas.microsoft.com/office/powerpoint/2010/main" val="2167669677"/>
+        <p14:creationId xmlns:p14="http://schemas.microsoft.com/office/powerpoint/2010/main" val="3166074293"/>
       </p:ext>
     </p:extLst>
   </p:cSld>
@@ -15778,7 +18289,7 @@
       </p:grpSpPr>
       <p:pic>
         <p:nvPicPr>
-          <p:cNvPr id="2050" name="Picture 2"/>
+          <p:cNvPr id="1027" name="Picture 3"/>
           <p:cNvPicPr>
             <a:picLocks noChangeAspect="1" noChangeArrowheads="1"/>
           </p:cNvPicPr>
@@ -15799,8 +18310,8 @@
         </p:blipFill>
         <p:spPr bwMode="auto">
           <a:xfrm>
-            <a:off x="1252538" y="1252538"/>
-            <a:ext cx="6638925" cy="4352925"/>
+            <a:off x="1252538" y="1119188"/>
+            <a:ext cx="6638925" cy="4619625"/>
           </a:xfrm>
           <a:prstGeom prst="rect">
             <a:avLst/>
@@ -15833,7 +18344,7 @@
     </p:spTree>
     <p:extLst>
       <p:ext uri="{BB962C8B-B14F-4D97-AF65-F5344CB8AC3E}">
-        <p14:creationId xmlns:p14="http://schemas.microsoft.com/office/powerpoint/2010/main" val="1461316647"/>
+        <p14:creationId xmlns:p14="http://schemas.microsoft.com/office/powerpoint/2010/main" val="2167669677"/>
       </p:ext>
     </p:extLst>
   </p:cSld>
@@ -15862,7 +18373,7 @@
       </p:grpSpPr>
       <p:pic>
         <p:nvPicPr>
-          <p:cNvPr id="3074" name="Picture 2"/>
+          <p:cNvPr id="2050" name="Picture 2"/>
           <p:cNvPicPr>
             <a:picLocks noChangeAspect="1" noChangeArrowheads="1"/>
           </p:cNvPicPr>
@@ -15883,8 +18394,8 @@
         </p:blipFill>
         <p:spPr bwMode="auto">
           <a:xfrm>
-            <a:off x="1252538" y="600075"/>
-            <a:ext cx="6638925" cy="5657850"/>
+            <a:off x="1252538" y="1252538"/>
+            <a:ext cx="6638925" cy="4352925"/>
           </a:xfrm>
           <a:prstGeom prst="rect">
             <a:avLst/>
@@ -15917,7 +18428,7 @@
     </p:spTree>
     <p:extLst>
       <p:ext uri="{BB962C8B-B14F-4D97-AF65-F5344CB8AC3E}">
-        <p14:creationId xmlns:p14="http://schemas.microsoft.com/office/powerpoint/2010/main" val="3157537335"/>
+        <p14:creationId xmlns:p14="http://schemas.microsoft.com/office/powerpoint/2010/main" val="1461316647"/>
       </p:ext>
     </p:extLst>
   </p:cSld>
@@ -15946,7 +18457,7 @@
       </p:grpSpPr>
       <p:pic>
         <p:nvPicPr>
-          <p:cNvPr id="1026" name="Picture 2"/>
+          <p:cNvPr id="3074" name="Picture 2"/>
           <p:cNvPicPr>
             <a:picLocks noChangeAspect="1" noChangeArrowheads="1"/>
           </p:cNvPicPr>
@@ -15967,8 +18478,8 @@
         </p:blipFill>
         <p:spPr bwMode="auto">
           <a:xfrm>
-            <a:off x="1871663" y="766763"/>
-            <a:ext cx="5400675" cy="5324475"/>
+            <a:off x="1252538" y="600075"/>
+            <a:ext cx="6638925" cy="5657850"/>
           </a:xfrm>
           <a:prstGeom prst="rect">
             <a:avLst/>
@@ -16001,7 +18512,7 @@
     </p:spTree>
     <p:extLst>
       <p:ext uri="{BB962C8B-B14F-4D97-AF65-F5344CB8AC3E}">
-        <p14:creationId xmlns:p14="http://schemas.microsoft.com/office/powerpoint/2010/main" val="1958561616"/>
+        <p14:creationId xmlns:p14="http://schemas.microsoft.com/office/powerpoint/2010/main" val="3157537335"/>
       </p:ext>
     </p:extLst>
   </p:cSld>
@@ -17407,6 +19918,90 @@
       </p:par>
     </p:tnLst>
   </p:timing>
+</p:sld>
+</file>
+
+<file path=ppt/slides/slide20.xml><?xml version="1.0" encoding="utf-8"?>
+<p:sld xmlns:a="http://schemas.openxmlformats.org/drawingml/2006/main" xmlns:r="http://schemas.openxmlformats.org/officeDocument/2006/relationships" xmlns:p="http://schemas.openxmlformats.org/presentationml/2006/main">
+  <p:cSld>
+    <p:spTree>
+      <p:nvGrpSpPr>
+        <p:cNvPr id="1" name=""/>
+        <p:cNvGrpSpPr/>
+        <p:nvPr/>
+      </p:nvGrpSpPr>
+      <p:grpSpPr>
+        <a:xfrm>
+          <a:off x="0" y="0"/>
+          <a:ext cx="0" cy="0"/>
+          <a:chOff x="0" y="0"/>
+          <a:chExt cx="0" cy="0"/>
+        </a:xfrm>
+      </p:grpSpPr>
+      <p:pic>
+        <p:nvPicPr>
+          <p:cNvPr id="1026" name="Picture 2"/>
+          <p:cNvPicPr>
+            <a:picLocks noChangeAspect="1" noChangeArrowheads="1"/>
+          </p:cNvPicPr>
+          <p:nvPr/>
+        </p:nvPicPr>
+        <p:blipFill>
+          <a:blip r:embed="rId2">
+            <a:extLst>
+              <a:ext uri="{28A0092B-C50C-407E-A947-70E740481C1C}">
+                <a14:useLocalDpi xmlns:a14="http://schemas.microsoft.com/office/drawing/2010/main" val="0"/>
+              </a:ext>
+            </a:extLst>
+          </a:blip>
+          <a:srcRect/>
+          <a:stretch>
+            <a:fillRect/>
+          </a:stretch>
+        </p:blipFill>
+        <p:spPr bwMode="auto">
+          <a:xfrm>
+            <a:off x="1871663" y="766763"/>
+            <a:ext cx="5400675" cy="5324475"/>
+          </a:xfrm>
+          <a:prstGeom prst="rect">
+            <a:avLst/>
+          </a:prstGeom>
+          <a:noFill/>
+          <a:ln>
+            <a:noFill/>
+          </a:ln>
+          <a:extLst>
+            <a:ext uri="{909E8E84-426E-40DD-AFC4-6F175D3DCCD1}">
+              <a14:hiddenFill xmlns:a14="http://schemas.microsoft.com/office/drawing/2010/main">
+                <a:solidFill>
+                  <a:schemeClr val="accent1"/>
+                </a:solidFill>
+              </a14:hiddenFill>
+            </a:ext>
+            <a:ext uri="{91240B29-F687-4F45-9708-019B960494DF}">
+              <a14:hiddenLine xmlns:a14="http://schemas.microsoft.com/office/drawing/2010/main" w="9525">
+                <a:solidFill>
+                  <a:schemeClr val="tx1"/>
+                </a:solidFill>
+                <a:miter lim="800000"/>
+                <a:headEnd/>
+                <a:tailEnd/>
+              </a14:hiddenLine>
+            </a:ext>
+          </a:extLst>
+        </p:spPr>
+      </p:pic>
+    </p:spTree>
+    <p:extLst>
+      <p:ext uri="{BB962C8B-B14F-4D97-AF65-F5344CB8AC3E}">
+        <p14:creationId xmlns:p14="http://schemas.microsoft.com/office/powerpoint/2010/main" val="1958561616"/>
+      </p:ext>
+    </p:extLst>
+  </p:cSld>
+  <p:clrMapOvr>
+    <a:masterClrMapping/>
+  </p:clrMapOvr>
 </p:sld>
 </file>
 
@@ -21266,7 +23861,7 @@
           <p:cNvPr id="51" name="TextBox 50">
             <a:extLst>
               <a:ext uri="{FF2B5EF4-FFF2-40B4-BE49-F238E27FC236}">
-                <a16:creationId xmlns="" xmlns:a16="http://schemas.microsoft.com/office/drawing/2014/main" id="{38D92C47-6A24-433B-A9D7-48400DFBEE88}"/>
+                <a16:creationId xmlns:a16="http://schemas.microsoft.com/office/drawing/2014/main" xmlns="" id="{38D92C47-6A24-433B-A9D7-48400DFBEE88}"/>
               </a:ext>
             </a:extLst>
           </p:cNvPr>
@@ -21307,7 +23902,7 @@
           <p:cNvPr id="52" name="TextBox 51">
             <a:extLst>
               <a:ext uri="{FF2B5EF4-FFF2-40B4-BE49-F238E27FC236}">
-                <a16:creationId xmlns="" xmlns:a16="http://schemas.microsoft.com/office/drawing/2014/main" id="{46370455-EDDE-4BAF-A68F-1E721D22CFA3}"/>
+                <a16:creationId xmlns:a16="http://schemas.microsoft.com/office/drawing/2014/main" xmlns="" id="{46370455-EDDE-4BAF-A68F-1E721D22CFA3}"/>
               </a:ext>
             </a:extLst>
           </p:cNvPr>
@@ -21348,7 +23943,7 @@
           <p:cNvPr id="54" name="TextBox 53">
             <a:extLst>
               <a:ext uri="{FF2B5EF4-FFF2-40B4-BE49-F238E27FC236}">
-                <a16:creationId xmlns="" xmlns:a16="http://schemas.microsoft.com/office/drawing/2014/main" id="{1F0BD362-AB28-4ABC-B01D-E5FB51A4284F}"/>
+                <a16:creationId xmlns:a16="http://schemas.microsoft.com/office/drawing/2014/main" xmlns="" id="{1F0BD362-AB28-4ABC-B01D-E5FB51A4284F}"/>
               </a:ext>
             </a:extLst>
           </p:cNvPr>
@@ -21383,7 +23978,7 @@
           <p:cNvPr id="55" name="TextBox 54">
             <a:extLst>
               <a:ext uri="{FF2B5EF4-FFF2-40B4-BE49-F238E27FC236}">
-                <a16:creationId xmlns="" xmlns:a16="http://schemas.microsoft.com/office/drawing/2014/main" id="{66A6D040-E92F-405E-8F1C-224FD73DEB6A}"/>
+                <a16:creationId xmlns:a16="http://schemas.microsoft.com/office/drawing/2014/main" xmlns="" id="{66A6D040-E92F-405E-8F1C-224FD73DEB6A}"/>
               </a:ext>
             </a:extLst>
           </p:cNvPr>
@@ -21424,7 +24019,7 @@
           <p:cNvPr id="59" name="TextBox 58">
             <a:extLst>
               <a:ext uri="{FF2B5EF4-FFF2-40B4-BE49-F238E27FC236}">
-                <a16:creationId xmlns="" xmlns:a16="http://schemas.microsoft.com/office/drawing/2014/main" id="{8B737B46-BF72-4F50-880F-A81417342B9C}"/>
+                <a16:creationId xmlns:a16="http://schemas.microsoft.com/office/drawing/2014/main" xmlns="" id="{8B737B46-BF72-4F50-880F-A81417342B9C}"/>
               </a:ext>
             </a:extLst>
           </p:cNvPr>
@@ -21465,7 +24060,7 @@
           <p:cNvPr id="60" name="TextBox 59">
             <a:extLst>
               <a:ext uri="{FF2B5EF4-FFF2-40B4-BE49-F238E27FC236}">
-                <a16:creationId xmlns="" xmlns:a16="http://schemas.microsoft.com/office/drawing/2014/main" id="{635E5AB3-11BB-4188-A9F5-6624D8487908}"/>
+                <a16:creationId xmlns:a16="http://schemas.microsoft.com/office/drawing/2014/main" xmlns="" id="{635E5AB3-11BB-4188-A9F5-6624D8487908}"/>
               </a:ext>
             </a:extLst>
           </p:cNvPr>
@@ -23539,7 +26134,7 @@
           <p:cNvPr id="43" name="TextBox 42">
             <a:extLst>
               <a:ext uri="{FF2B5EF4-FFF2-40B4-BE49-F238E27FC236}">
-                <a16:creationId xmlns="" xmlns:a16="http://schemas.microsoft.com/office/drawing/2014/main" id="{C66D85E0-1A23-448C-9466-6DADEA26156A}"/>
+                <a16:creationId xmlns:a16="http://schemas.microsoft.com/office/drawing/2014/main" xmlns="" id="{C66D85E0-1A23-448C-9466-6DADEA26156A}"/>
               </a:ext>
             </a:extLst>
           </p:cNvPr>
@@ -23580,7 +26175,7 @@
           <p:cNvPr id="44" name="TextBox 43">
             <a:extLst>
               <a:ext uri="{FF2B5EF4-FFF2-40B4-BE49-F238E27FC236}">
-                <a16:creationId xmlns="" xmlns:a16="http://schemas.microsoft.com/office/drawing/2014/main" id="{73BB0B6F-DBD2-4682-88DA-A68E1C43C8EE}"/>
+                <a16:creationId xmlns:a16="http://schemas.microsoft.com/office/drawing/2014/main" xmlns="" id="{73BB0B6F-DBD2-4682-88DA-A68E1C43C8EE}"/>
               </a:ext>
             </a:extLst>
           </p:cNvPr>
@@ -23621,7 +26216,7 @@
           <p:cNvPr id="45" name="TextBox 44">
             <a:extLst>
               <a:ext uri="{FF2B5EF4-FFF2-40B4-BE49-F238E27FC236}">
-                <a16:creationId xmlns="" xmlns:a16="http://schemas.microsoft.com/office/drawing/2014/main" id="{06BB9D57-20AB-4911-8F91-1EAAD2C3D635}"/>
+                <a16:creationId xmlns:a16="http://schemas.microsoft.com/office/drawing/2014/main" xmlns="" id="{06BB9D57-20AB-4911-8F91-1EAAD2C3D635}"/>
               </a:ext>
             </a:extLst>
           </p:cNvPr>
@@ -23656,7 +26251,7 @@
           <p:cNvPr id="46" name="TextBox 45">
             <a:extLst>
               <a:ext uri="{FF2B5EF4-FFF2-40B4-BE49-F238E27FC236}">
-                <a16:creationId xmlns="" xmlns:a16="http://schemas.microsoft.com/office/drawing/2014/main" id="{6BDA7693-CA76-4C97-8FED-A4A65AB5032B}"/>
+                <a16:creationId xmlns:a16="http://schemas.microsoft.com/office/drawing/2014/main" xmlns="" id="{6BDA7693-CA76-4C97-8FED-A4A65AB5032B}"/>
               </a:ext>
             </a:extLst>
           </p:cNvPr>
@@ -23697,7 +26292,7 @@
           <p:cNvPr id="47" name="TextBox 46">
             <a:extLst>
               <a:ext uri="{FF2B5EF4-FFF2-40B4-BE49-F238E27FC236}">
-                <a16:creationId xmlns="" xmlns:a16="http://schemas.microsoft.com/office/drawing/2014/main" id="{F3FF60E3-5733-4A51-BB64-B5D227CFB6FE}"/>
+                <a16:creationId xmlns:a16="http://schemas.microsoft.com/office/drawing/2014/main" xmlns="" id="{F3FF60E3-5733-4A51-BB64-B5D227CFB6FE}"/>
               </a:ext>
             </a:extLst>
           </p:cNvPr>
@@ -23738,7 +26333,7 @@
           <p:cNvPr id="48" name="TextBox 47">
             <a:extLst>
               <a:ext uri="{FF2B5EF4-FFF2-40B4-BE49-F238E27FC236}">
-                <a16:creationId xmlns="" xmlns:a16="http://schemas.microsoft.com/office/drawing/2014/main" id="{6CFBFA02-2444-480B-B78F-A1A7AD55973E}"/>
+                <a16:creationId xmlns:a16="http://schemas.microsoft.com/office/drawing/2014/main" xmlns="" id="{6CFBFA02-2444-480B-B78F-A1A7AD55973E}"/>
               </a:ext>
             </a:extLst>
           </p:cNvPr>
@@ -24529,7 +27124,7 @@
           <p:cNvPr id="12" name="TextBox 45">
             <a:extLst>
               <a:ext uri="{FF2B5EF4-FFF2-40B4-BE49-F238E27FC236}">
-                <a16:creationId xmlns="" xmlns:a16="http://schemas.microsoft.com/office/drawing/2014/main" id="{6BDA7693-CA76-4C97-8FED-A4A65AB5032B}"/>
+                <a16:creationId xmlns:a16="http://schemas.microsoft.com/office/drawing/2014/main" xmlns="" id="{6BDA7693-CA76-4C97-8FED-A4A65AB5032B}"/>
               </a:ext>
             </a:extLst>
           </p:cNvPr>
@@ -25207,7 +27802,7 @@
           <p:cNvPr id="33" name="TextBox 45">
             <a:extLst>
               <a:ext uri="{FF2B5EF4-FFF2-40B4-BE49-F238E27FC236}">
-                <a16:creationId xmlns="" xmlns:a16="http://schemas.microsoft.com/office/drawing/2014/main" id="{6BDA7693-CA76-4C97-8FED-A4A65AB5032B}"/>
+                <a16:creationId xmlns:a16="http://schemas.microsoft.com/office/drawing/2014/main" xmlns="" id="{6BDA7693-CA76-4C97-8FED-A4A65AB5032B}"/>
               </a:ext>
             </a:extLst>
           </p:cNvPr>
@@ -25243,7 +27838,7 @@
           <p:cNvPr id="34" name="TextBox 45">
             <a:extLst>
               <a:ext uri="{FF2B5EF4-FFF2-40B4-BE49-F238E27FC236}">
-                <a16:creationId xmlns="" xmlns:a16="http://schemas.microsoft.com/office/drawing/2014/main" id="{6BDA7693-CA76-4C97-8FED-A4A65AB5032B}"/>
+                <a16:creationId xmlns:a16="http://schemas.microsoft.com/office/drawing/2014/main" xmlns="" id="{6BDA7693-CA76-4C97-8FED-A4A65AB5032B}"/>
               </a:ext>
             </a:extLst>
           </p:cNvPr>
@@ -25653,7 +28248,7 @@
           <p:cNvPr id="52" name="TextBox 45">
             <a:extLst>
               <a:ext uri="{FF2B5EF4-FFF2-40B4-BE49-F238E27FC236}">
-                <a16:creationId xmlns="" xmlns:a16="http://schemas.microsoft.com/office/drawing/2014/main" id="{6BDA7693-CA76-4C97-8FED-A4A65AB5032B}"/>
+                <a16:creationId xmlns:a16="http://schemas.microsoft.com/office/drawing/2014/main" xmlns="" id="{6BDA7693-CA76-4C97-8FED-A4A65AB5032B}"/>
               </a:ext>
             </a:extLst>
           </p:cNvPr>

--- a/health/userDocs/UniboFigs.pptx
+++ b/health/userDocs/UniboFigs.pptx
@@ -21,10 +21,11 @@
     <p:sldId id="272" r:id="rId15"/>
     <p:sldId id="277" r:id="rId16"/>
     <p:sldId id="278" r:id="rId17"/>
-    <p:sldId id="273" r:id="rId18"/>
-    <p:sldId id="274" r:id="rId19"/>
-    <p:sldId id="275" r:id="rId20"/>
-    <p:sldId id="276" r:id="rId21"/>
+    <p:sldId id="280" r:id="rId18"/>
+    <p:sldId id="273" r:id="rId19"/>
+    <p:sldId id="274" r:id="rId20"/>
+    <p:sldId id="275" r:id="rId21"/>
+    <p:sldId id="276" r:id="rId22"/>
   </p:sldIdLst>
   <p:sldSz cx="9144000" cy="6858000" type="screen4x3"/>
   <p:notesSz cx="6858000" cy="9144000"/>
@@ -125,7 +126,7 @@
   </p:defaultTextStyle>
   <p:extLst>
     <p:ext uri="{EFAFB233-063F-42B5-8137-9DF3F51BA10A}">
-      <p15:sldGuideLst xmlns:p15="http://schemas.microsoft.com/office/powerpoint/2012/main" xmlns="">
+      <p15:sldGuideLst xmlns="" xmlns:p15="http://schemas.microsoft.com/office/powerpoint/2012/main">
         <p15:guide id="1" orient="horz" pos="2160">
           <p15:clr>
             <a:srgbClr val="A4A3A4"/>
@@ -323,7 +324,7 @@
           <a:p>
             <a:fld id="{486DFF9D-000F-417D-A1D1-C441A4010B1E}" type="datetimeFigureOut">
               <a:rPr lang="en-GB" smtClean="0"/>
-              <a:t>20/08/2020</a:t>
+              <a:t>24/08/2020</a:t>
             </a:fld>
             <a:endParaRPr lang="en-GB"/>
           </a:p>
@@ -493,7 +494,7 @@
           <a:p>
             <a:fld id="{486DFF9D-000F-417D-A1D1-C441A4010B1E}" type="datetimeFigureOut">
               <a:rPr lang="en-GB" smtClean="0"/>
-              <a:t>20/08/2020</a:t>
+              <a:t>24/08/2020</a:t>
             </a:fld>
             <a:endParaRPr lang="en-GB"/>
           </a:p>
@@ -673,7 +674,7 @@
           <a:p>
             <a:fld id="{486DFF9D-000F-417D-A1D1-C441A4010B1E}" type="datetimeFigureOut">
               <a:rPr lang="en-GB" smtClean="0"/>
-              <a:t>20/08/2020</a:t>
+              <a:t>24/08/2020</a:t>
             </a:fld>
             <a:endParaRPr lang="en-GB"/>
           </a:p>
@@ -843,7 +844,7 @@
           <a:p>
             <a:fld id="{486DFF9D-000F-417D-A1D1-C441A4010B1E}" type="datetimeFigureOut">
               <a:rPr lang="en-GB" smtClean="0"/>
-              <a:t>20/08/2020</a:t>
+              <a:t>24/08/2020</a:t>
             </a:fld>
             <a:endParaRPr lang="en-GB"/>
           </a:p>
@@ -1089,7 +1090,7 @@
           <a:p>
             <a:fld id="{486DFF9D-000F-417D-A1D1-C441A4010B1E}" type="datetimeFigureOut">
               <a:rPr lang="en-GB" smtClean="0"/>
-              <a:t>20/08/2020</a:t>
+              <a:t>24/08/2020</a:t>
             </a:fld>
             <a:endParaRPr lang="en-GB"/>
           </a:p>
@@ -1377,7 +1378,7 @@
           <a:p>
             <a:fld id="{486DFF9D-000F-417D-A1D1-C441A4010B1E}" type="datetimeFigureOut">
               <a:rPr lang="en-GB" smtClean="0"/>
-              <a:t>20/08/2020</a:t>
+              <a:t>24/08/2020</a:t>
             </a:fld>
             <a:endParaRPr lang="en-GB"/>
           </a:p>
@@ -1799,7 +1800,7 @@
           <a:p>
             <a:fld id="{486DFF9D-000F-417D-A1D1-C441A4010B1E}" type="datetimeFigureOut">
               <a:rPr lang="en-GB" smtClean="0"/>
-              <a:t>20/08/2020</a:t>
+              <a:t>24/08/2020</a:t>
             </a:fld>
             <a:endParaRPr lang="en-GB"/>
           </a:p>
@@ -1917,7 +1918,7 @@
           <a:p>
             <a:fld id="{486DFF9D-000F-417D-A1D1-C441A4010B1E}" type="datetimeFigureOut">
               <a:rPr lang="en-GB" smtClean="0"/>
-              <a:t>20/08/2020</a:t>
+              <a:t>24/08/2020</a:t>
             </a:fld>
             <a:endParaRPr lang="en-GB"/>
           </a:p>
@@ -2012,7 +2013,7 @@
           <a:p>
             <a:fld id="{486DFF9D-000F-417D-A1D1-C441A4010B1E}" type="datetimeFigureOut">
               <a:rPr lang="en-GB" smtClean="0"/>
-              <a:t>20/08/2020</a:t>
+              <a:t>24/08/2020</a:t>
             </a:fld>
             <a:endParaRPr lang="en-GB"/>
           </a:p>
@@ -2289,7 +2290,7 @@
           <a:p>
             <a:fld id="{486DFF9D-000F-417D-A1D1-C441A4010B1E}" type="datetimeFigureOut">
               <a:rPr lang="en-GB" smtClean="0"/>
-              <a:t>20/08/2020</a:t>
+              <a:t>24/08/2020</a:t>
             </a:fld>
             <a:endParaRPr lang="en-GB"/>
           </a:p>
@@ -2542,7 +2543,7 @@
           <a:p>
             <a:fld id="{486DFF9D-000F-417D-A1D1-C441A4010B1E}" type="datetimeFigureOut">
               <a:rPr lang="en-GB" smtClean="0"/>
-              <a:t>20/08/2020</a:t>
+              <a:t>24/08/2020</a:t>
             </a:fld>
             <a:endParaRPr lang="en-GB"/>
           </a:p>
@@ -2755,7 +2756,7 @@
           <a:p>
             <a:fld id="{486DFF9D-000F-417D-A1D1-C441A4010B1E}" type="datetimeFigureOut">
               <a:rPr lang="en-GB" smtClean="0"/>
-              <a:t>20/08/2020</a:t>
+              <a:t>24/08/2020</a:t>
             </a:fld>
             <a:endParaRPr lang="en-GB"/>
           </a:p>
@@ -6172,7 +6173,7 @@
           <p:cNvPr id="12" name="TextBox 45">
             <a:extLst>
               <a:ext uri="{FF2B5EF4-FFF2-40B4-BE49-F238E27FC236}">
-                <a16:creationId xmlns:a16="http://schemas.microsoft.com/office/drawing/2014/main" xmlns="" id="{6BDA7693-CA76-4C97-8FED-A4A65AB5032B}"/>
+                <a16:creationId xmlns="" xmlns:a16="http://schemas.microsoft.com/office/drawing/2014/main" id="{6BDA7693-CA76-4C97-8FED-A4A65AB5032B}"/>
               </a:ext>
             </a:extLst>
           </p:cNvPr>
@@ -7720,7 +7721,7 @@
           <p:cNvPr id="12" name="TextBox 45">
             <a:extLst>
               <a:ext uri="{FF2B5EF4-FFF2-40B4-BE49-F238E27FC236}">
-                <a16:creationId xmlns:a16="http://schemas.microsoft.com/office/drawing/2014/main" xmlns="" id="{6BDA7693-CA76-4C97-8FED-A4A65AB5032B}"/>
+                <a16:creationId xmlns="" xmlns:a16="http://schemas.microsoft.com/office/drawing/2014/main" id="{6BDA7693-CA76-4C97-8FED-A4A65AB5032B}"/>
               </a:ext>
             </a:extLst>
           </p:cNvPr>
@@ -9733,7 +9734,7 @@
           <p:cNvPr id="6" name="TextBox 45">
             <a:extLst>
               <a:ext uri="{FF2B5EF4-FFF2-40B4-BE49-F238E27FC236}">
-                <a16:creationId xmlns:a16="http://schemas.microsoft.com/office/drawing/2014/main" xmlns="" id="{6BDA7693-CA76-4C97-8FED-A4A65AB5032B}"/>
+                <a16:creationId xmlns="" xmlns:a16="http://schemas.microsoft.com/office/drawing/2014/main" id="{6BDA7693-CA76-4C97-8FED-A4A65AB5032B}"/>
               </a:ext>
             </a:extLst>
           </p:cNvPr>
@@ -10241,7 +10242,7 @@
           <p:cNvPr id="27" name="TextBox 45">
             <a:extLst>
               <a:ext uri="{FF2B5EF4-FFF2-40B4-BE49-F238E27FC236}">
-                <a16:creationId xmlns:a16="http://schemas.microsoft.com/office/drawing/2014/main" xmlns="" id="{6BDA7693-CA76-4C97-8FED-A4A65AB5032B}"/>
+                <a16:creationId xmlns="" xmlns:a16="http://schemas.microsoft.com/office/drawing/2014/main" id="{6BDA7693-CA76-4C97-8FED-A4A65AB5032B}"/>
               </a:ext>
             </a:extLst>
           </p:cNvPr>
@@ -10277,7 +10278,7 @@
           <p:cNvPr id="28" name="TextBox 45">
             <a:extLst>
               <a:ext uri="{FF2B5EF4-FFF2-40B4-BE49-F238E27FC236}">
-                <a16:creationId xmlns:a16="http://schemas.microsoft.com/office/drawing/2014/main" xmlns="" id="{6BDA7693-CA76-4C97-8FED-A4A65AB5032B}"/>
+                <a16:creationId xmlns="" xmlns:a16="http://schemas.microsoft.com/office/drawing/2014/main" id="{6BDA7693-CA76-4C97-8FED-A4A65AB5032B}"/>
               </a:ext>
             </a:extLst>
           </p:cNvPr>
@@ -11825,7 +11826,7 @@
           <p:cNvPr id="6" name="TextBox 45">
             <a:extLst>
               <a:ext uri="{FF2B5EF4-FFF2-40B4-BE49-F238E27FC236}">
-                <a16:creationId xmlns:a16="http://schemas.microsoft.com/office/drawing/2014/main" xmlns="" id="{6BDA7693-CA76-4C97-8FED-A4A65AB5032B}"/>
+                <a16:creationId xmlns="" xmlns:a16="http://schemas.microsoft.com/office/drawing/2014/main" id="{6BDA7693-CA76-4C97-8FED-A4A65AB5032B}"/>
               </a:ext>
             </a:extLst>
           </p:cNvPr>
@@ -13180,7 +13181,7 @@
           <p:cNvPr id="2" name="TextBox 45">
             <a:extLst>
               <a:ext uri="{FF2B5EF4-FFF2-40B4-BE49-F238E27FC236}">
-                <a16:creationId xmlns:a16="http://schemas.microsoft.com/office/drawing/2014/main" xmlns="" id="{6BDA7693-CA76-4C97-8FED-A4A65AB5032B}"/>
+                <a16:creationId xmlns="" xmlns:a16="http://schemas.microsoft.com/office/drawing/2014/main" id="{6BDA7693-CA76-4C97-8FED-A4A65AB5032B}"/>
               </a:ext>
             </a:extLst>
           </p:cNvPr>
@@ -14151,7 +14152,7 @@
           <p:cNvPr id="34" name="TextBox 45">
             <a:extLst>
               <a:ext uri="{FF2B5EF4-FFF2-40B4-BE49-F238E27FC236}">
-                <a16:creationId xmlns:a16="http://schemas.microsoft.com/office/drawing/2014/main" xmlns="" id="{6BDA7693-CA76-4C97-8FED-A4A65AB5032B}"/>
+                <a16:creationId xmlns="" xmlns:a16="http://schemas.microsoft.com/office/drawing/2014/main" id="{6BDA7693-CA76-4C97-8FED-A4A65AB5032B}"/>
               </a:ext>
             </a:extLst>
           </p:cNvPr>
@@ -15693,13 +15694,54 @@
       </p:grpSpPr>
       <p:cxnSp>
         <p:nvCxnSpPr>
+          <p:cNvPr id="25" name="Connettore 4 24"/>
+          <p:cNvCxnSpPr>
+            <a:stCxn id="126" idx="5"/>
+            <a:endCxn id="32" idx="2"/>
+          </p:cNvCxnSpPr>
+          <p:nvPr/>
+        </p:nvCxnSpPr>
+        <p:spPr>
+          <a:xfrm rot="5400000" flipH="1" flipV="1">
+            <a:off x="-309365" y="2861561"/>
+            <a:ext cx="2265067" cy="22978"/>
+          </a:xfrm>
+          <a:prstGeom prst="bentConnector3">
+            <a:avLst>
+              <a:gd name="adj1" fmla="val 50000"/>
+            </a:avLst>
+          </a:prstGeom>
+          <a:ln w="28575">
+            <a:solidFill>
+              <a:srgbClr val="C00000"/>
+            </a:solidFill>
+            <a:tailEnd type="arrow"/>
+          </a:ln>
+        </p:spPr>
+        <p:style>
+          <a:lnRef idx="1">
+            <a:schemeClr val="accent1"/>
+          </a:lnRef>
+          <a:fillRef idx="0">
+            <a:schemeClr val="accent1"/>
+          </a:fillRef>
+          <a:effectRef idx="0">
+            <a:schemeClr val="accent1"/>
+          </a:effectRef>
+          <a:fontRef idx="minor">
+            <a:schemeClr val="tx1"/>
+          </a:fontRef>
+        </p:style>
+      </p:cxnSp>
+      <p:cxnSp>
+        <p:nvCxnSpPr>
           <p:cNvPr id="117" name="Connettore 1 116"/>
           <p:cNvCxnSpPr/>
           <p:nvPr/>
         </p:nvCxnSpPr>
         <p:spPr>
           <a:xfrm flipH="1">
-            <a:off x="4821060" y="599368"/>
+            <a:off x="4821060" y="414562"/>
             <a:ext cx="103835" cy="6069992"/>
           </a:xfrm>
           <a:prstGeom prst="line">
@@ -15726,7 +15768,7 @@
           <p:cNvPr id="2" name="TextBox 45">
             <a:extLst>
               <a:ext uri="{FF2B5EF4-FFF2-40B4-BE49-F238E27FC236}">
-                <a16:creationId xmlns:a16="http://schemas.microsoft.com/office/drawing/2014/main" xmlns="" id="{6BDA7693-CA76-4C97-8FED-A4A65AB5032B}"/>
+                <a16:creationId xmlns="" xmlns:a16="http://schemas.microsoft.com/office/drawing/2014/main" id="{6BDA7693-CA76-4C97-8FED-A4A65AB5032B}"/>
               </a:ext>
             </a:extLst>
           </p:cNvPr>
@@ -15735,7 +15777,7 @@
         </p:nvSpPr>
         <p:spPr>
           <a:xfrm>
-            <a:off x="2006916" y="373306"/>
+            <a:off x="2314628" y="210239"/>
             <a:ext cx="1568443" cy="369332"/>
           </a:xfrm>
           <a:prstGeom prst="rect">
@@ -15765,7 +15807,7 @@
         </p:nvGrpSpPr>
         <p:grpSpPr>
           <a:xfrm>
-            <a:off x="944709" y="764704"/>
+            <a:off x="1252421" y="601637"/>
             <a:ext cx="4347370" cy="4213779"/>
             <a:chOff x="565700" y="4940367"/>
             <a:chExt cx="805955" cy="772447"/>
@@ -15868,7 +15910,7 @@
         </p:nvSpPr>
         <p:spPr>
           <a:xfrm>
-            <a:off x="1953589" y="1316865"/>
+            <a:off x="2303033" y="1013717"/>
             <a:ext cx="2160240" cy="1007945"/>
           </a:xfrm>
           <a:prstGeom prst="ellipse">
@@ -15926,7 +15968,7 @@
         </p:nvSpPr>
         <p:spPr>
           <a:xfrm>
-            <a:off x="2676914" y="3819357"/>
+            <a:off x="2861461" y="3582759"/>
             <a:ext cx="2247981" cy="807067"/>
           </a:xfrm>
           <a:prstGeom prst="ellipse">
@@ -15975,8 +16017,8 @@
         </p:nvCxnSpPr>
         <p:spPr>
           <a:xfrm flipH="1">
-            <a:off x="3800905" y="2905213"/>
-            <a:ext cx="196917" cy="914144"/>
+            <a:off x="3985452" y="2528689"/>
+            <a:ext cx="401604" cy="1054070"/>
           </a:xfrm>
           <a:prstGeom prst="straightConnector1">
             <a:avLst/>
@@ -16008,12 +16050,20 @@
         </p:nvSpPr>
         <p:spPr>
           <a:xfrm>
-            <a:off x="5687070" y="1412775"/>
+            <a:off x="5687070" y="1227969"/>
             <a:ext cx="3122339" cy="793693"/>
           </a:xfrm>
           <a:prstGeom prst="ellipse">
             <a:avLst/>
           </a:prstGeom>
+          <a:solidFill>
+            <a:srgbClr val="FFFFCC"/>
+          </a:solidFill>
+          <a:ln w="38100">
+            <a:solidFill>
+              <a:srgbClr val="C00000"/>
+            </a:solidFill>
+          </a:ln>
         </p:spPr>
         <p:style>
           <a:lnRef idx="1">
@@ -16035,10 +16085,18 @@
           <a:p>
             <a:pPr algn="ctr"/>
             <a:r>
-              <a:rPr lang="en-GB" sz="1600" dirty="0" err="1"/>
+              <a:rPr lang="en-GB" sz="1600" b="1" dirty="0" err="1">
+                <a:solidFill>
+                  <a:srgbClr val="0070C0"/>
+                </a:solidFill>
+              </a:rPr>
               <a:t>HealthServiceFhirUsage</a:t>
             </a:r>
-            <a:endParaRPr lang="en-GB" sz="1600" dirty="0"/>
+            <a:endParaRPr lang="en-GB" sz="1600" b="1" dirty="0">
+              <a:solidFill>
+                <a:srgbClr val="0070C0"/>
+              </a:solidFill>
+            </a:endParaRPr>
           </a:p>
         </p:txBody>
       </p:sp>
@@ -16053,8 +16111,8 @@
         </p:nvCxnSpPr>
         <p:spPr>
           <a:xfrm flipH="1">
-            <a:off x="4821060" y="1809622"/>
-            <a:ext cx="866010" cy="580260"/>
+            <a:off x="5210294" y="1624816"/>
+            <a:ext cx="476776" cy="388542"/>
           </a:xfrm>
           <a:prstGeom prst="straightConnector1">
             <a:avLst/>
@@ -16080,242 +16138,13 @@
       </p:cxnSp>
       <p:grpSp>
         <p:nvGrpSpPr>
-          <p:cNvPr id="13" name="Gruppo 12"/>
+          <p:cNvPr id="20" name="Gruppo 19"/>
           <p:cNvGrpSpPr/>
           <p:nvPr/>
         </p:nvGrpSpPr>
         <p:grpSpPr>
           <a:xfrm>
-            <a:off x="4977454" y="4342781"/>
-            <a:ext cx="666895" cy="86434"/>
-            <a:chOff x="4592177" y="4419530"/>
-            <a:chExt cx="666895" cy="86434"/>
-          </a:xfrm>
-        </p:grpSpPr>
-        <p:cxnSp>
-          <p:nvCxnSpPr>
-            <p:cNvPr id="14" name="Connettore 1 13"/>
-            <p:cNvCxnSpPr/>
-            <p:nvPr/>
-          </p:nvCxnSpPr>
-          <p:spPr>
-            <a:xfrm>
-              <a:off x="4611000" y="4462747"/>
-              <a:ext cx="648072" cy="0"/>
-            </a:xfrm>
-            <a:prstGeom prst="line">
-              <a:avLst/>
-            </a:prstGeom>
-            <a:ln>
-              <a:prstDash val="dash"/>
-            </a:ln>
-          </p:spPr>
-          <p:style>
-            <a:lnRef idx="1">
-              <a:schemeClr val="accent1"/>
-            </a:lnRef>
-            <a:fillRef idx="0">
-              <a:schemeClr val="accent1"/>
-            </a:fillRef>
-            <a:effectRef idx="0">
-              <a:schemeClr val="accent1"/>
-            </a:effectRef>
-            <a:fontRef idx="minor">
-              <a:schemeClr val="tx1"/>
-            </a:fontRef>
-          </p:style>
-        </p:cxnSp>
-        <p:sp>
-          <p:nvSpPr>
-            <p:cNvPr id="15" name="Triangolo isoscele 14"/>
-            <p:cNvSpPr/>
-            <p:nvPr/>
-          </p:nvSpPr>
-          <p:spPr>
-            <a:xfrm rot="16200000">
-              <a:off x="4618592" y="4393115"/>
-              <a:ext cx="86434" cy="139263"/>
-            </a:xfrm>
-            <a:prstGeom prst="triangle">
-              <a:avLst/>
-            </a:prstGeom>
-            <a:solidFill>
-              <a:schemeClr val="bg1"/>
-            </a:solidFill>
-            <a:ln/>
-          </p:spPr>
-          <p:style>
-            <a:lnRef idx="1">
-              <a:schemeClr val="accent5"/>
-            </a:lnRef>
-            <a:fillRef idx="2">
-              <a:schemeClr val="accent5"/>
-            </a:fillRef>
-            <a:effectRef idx="1">
-              <a:schemeClr val="accent5"/>
-            </a:effectRef>
-            <a:fontRef idx="minor">
-              <a:schemeClr val="dk1"/>
-            </a:fontRef>
-          </p:style>
-          <p:txBody>
-            <a:bodyPr rtlCol="0" anchor="ctr"/>
-            <a:lstStyle/>
-            <a:p>
-              <a:pPr algn="ctr"/>
-              <a:endParaRPr lang="en-GB" sz="1200"/>
-            </a:p>
-          </p:txBody>
-        </p:sp>
-      </p:grpSp>
-      <p:grpSp>
-        <p:nvGrpSpPr>
-          <p:cNvPr id="16" name="Gruppo 15"/>
-          <p:cNvGrpSpPr/>
-          <p:nvPr/>
-        </p:nvGrpSpPr>
-        <p:grpSpPr>
-          <a:xfrm>
-            <a:off x="4969367" y="4146576"/>
-            <a:ext cx="787334" cy="86434"/>
-            <a:chOff x="3452446" y="4176616"/>
-            <a:chExt cx="787334" cy="86434"/>
-          </a:xfrm>
-        </p:grpSpPr>
-        <p:sp>
-          <p:nvSpPr>
-            <p:cNvPr id="17" name="Triangolo isoscele 16"/>
-            <p:cNvSpPr/>
-            <p:nvPr/>
-          </p:nvSpPr>
-          <p:spPr>
-            <a:xfrm rot="5400000" flipH="1">
-              <a:off x="4126932" y="4150201"/>
-              <a:ext cx="86434" cy="139263"/>
-            </a:xfrm>
-            <a:prstGeom prst="triangle">
-              <a:avLst/>
-            </a:prstGeom>
-            <a:solidFill>
-              <a:schemeClr val="bg1"/>
-            </a:solidFill>
-            <a:ln/>
-          </p:spPr>
-          <p:style>
-            <a:lnRef idx="1">
-              <a:schemeClr val="accent5"/>
-            </a:lnRef>
-            <a:fillRef idx="2">
-              <a:schemeClr val="accent5"/>
-            </a:fillRef>
-            <a:effectRef idx="1">
-              <a:schemeClr val="accent5"/>
-            </a:effectRef>
-            <a:fontRef idx="minor">
-              <a:schemeClr val="dk1"/>
-            </a:fontRef>
-          </p:style>
-          <p:txBody>
-            <a:bodyPr rtlCol="0" anchor="ctr"/>
-            <a:lstStyle/>
-            <a:p>
-              <a:pPr algn="ctr"/>
-              <a:endParaRPr lang="en-GB" sz="1200"/>
-            </a:p>
-          </p:txBody>
-        </p:sp>
-        <p:cxnSp>
-          <p:nvCxnSpPr>
-            <p:cNvPr id="18" name="Connettore 1 17"/>
-            <p:cNvCxnSpPr>
-              <a:endCxn id="17" idx="3"/>
-            </p:cNvCxnSpPr>
-            <p:nvPr/>
-          </p:nvCxnSpPr>
-          <p:spPr>
-            <a:xfrm>
-              <a:off x="3452446" y="4219627"/>
-              <a:ext cx="648072" cy="206"/>
-            </a:xfrm>
-            <a:prstGeom prst="line">
-              <a:avLst/>
-            </a:prstGeom>
-          </p:spPr>
-          <p:style>
-            <a:lnRef idx="1">
-              <a:schemeClr val="accent1"/>
-            </a:lnRef>
-            <a:fillRef idx="0">
-              <a:schemeClr val="accent1"/>
-            </a:fillRef>
-            <a:effectRef idx="0">
-              <a:schemeClr val="accent1"/>
-            </a:effectRef>
-            <a:fontRef idx="minor">
-              <a:schemeClr val="tx1"/>
-            </a:fontRef>
-          </p:style>
-        </p:cxnSp>
-      </p:grpSp>
-      <p:sp>
-        <p:nvSpPr>
-          <p:cNvPr id="19" name="CasellaDiTesto 18"/>
-          <p:cNvSpPr txBox="1"/>
-          <p:nvPr/>
-        </p:nvSpPr>
-        <p:spPr>
-          <a:xfrm>
-            <a:off x="4787441" y="4515670"/>
-            <a:ext cx="1202380" cy="369332"/>
-          </a:xfrm>
-          <a:prstGeom prst="rect">
-            <a:avLst/>
-          </a:prstGeom>
-        </p:spPr>
-        <p:style>
-          <a:lnRef idx="1">
-            <a:schemeClr val="accent3"/>
-          </a:lnRef>
-          <a:fillRef idx="2">
-            <a:schemeClr val="accent3"/>
-          </a:fillRef>
-          <a:effectRef idx="1">
-            <a:schemeClr val="accent3"/>
-          </a:effectRef>
-          <a:fontRef idx="minor">
-            <a:schemeClr val="dk1"/>
-          </a:fontRef>
-        </p:style>
-        <p:txBody>
-          <a:bodyPr wrap="none" rtlCol="0">
-            <a:spAutoFit/>
-          </a:bodyPr>
-          <a:lstStyle/>
-          <a:p>
-            <a:r>
-              <a:rPr lang="it-IT" dirty="0" smtClean="0"/>
-              <a:t>M2M </a:t>
-            </a:r>
-            <a:r>
-              <a:rPr lang="it-IT" dirty="0" err="1" smtClean="0"/>
-              <a:t>Rest</a:t>
-            </a:r>
-            <a:r>
-              <a:rPr lang="it-IT" dirty="0" smtClean="0"/>
-              <a:t> </a:t>
-            </a:r>
-          </a:p>
-        </p:txBody>
-      </p:sp>
-      <p:grpSp>
-        <p:nvGrpSpPr>
-          <p:cNvPr id="20" name="Gruppo 19"/>
-          <p:cNvGrpSpPr/>
-          <p:nvPr/>
-        </p:nvGrpSpPr>
-        <p:grpSpPr>
-          <a:xfrm>
-            <a:off x="6459193" y="3926578"/>
+            <a:off x="6459193" y="3741772"/>
             <a:ext cx="805955" cy="772447"/>
             <a:chOff x="565700" y="4940367"/>
             <a:chExt cx="805955" cy="772447"/>
@@ -16432,7 +16261,7 @@
         </p:nvSpPr>
         <p:spPr>
           <a:xfrm>
-            <a:off x="7418582" y="3982445"/>
+            <a:off x="7418582" y="3797639"/>
             <a:ext cx="1513428" cy="646331"/>
           </a:xfrm>
           <a:prstGeom prst="rect">
@@ -16471,7 +16300,7 @@
         </p:nvGrpSpPr>
         <p:grpSpPr>
           <a:xfrm>
-            <a:off x="277814" y="1469556"/>
+            <a:off x="241554" y="1185744"/>
             <a:ext cx="666895" cy="86434"/>
             <a:chOff x="4592177" y="4419530"/>
             <a:chExt cx="666895" cy="86434"/>
@@ -16491,22 +16320,20 @@
             <a:prstGeom prst="line">
               <a:avLst/>
             </a:prstGeom>
-            <a:ln>
-              <a:prstDash val="dash"/>
-            </a:ln>
+            <a:ln/>
           </p:spPr>
           <p:style>
             <a:lnRef idx="1">
-              <a:schemeClr val="accent1"/>
+              <a:schemeClr val="accent6"/>
             </a:lnRef>
-            <a:fillRef idx="0">
-              <a:schemeClr val="accent1"/>
+            <a:fillRef idx="2">
+              <a:schemeClr val="accent6"/>
             </a:fillRef>
-            <a:effectRef idx="0">
-              <a:schemeClr val="accent1"/>
+            <a:effectRef idx="1">
+              <a:schemeClr val="accent6"/>
             </a:effectRef>
             <a:fontRef idx="minor">
-              <a:schemeClr val="tx1"/>
+              <a:schemeClr val="dk1"/>
             </a:fontRef>
           </p:style>
         </p:cxnSp>
@@ -16524,20 +16351,17 @@
             <a:prstGeom prst="triangle">
               <a:avLst/>
             </a:prstGeom>
-            <a:solidFill>
-              <a:schemeClr val="bg1"/>
-            </a:solidFill>
             <a:ln/>
           </p:spPr>
           <p:style>
             <a:lnRef idx="1">
-              <a:schemeClr val="accent5"/>
+              <a:schemeClr val="accent6"/>
             </a:lnRef>
             <a:fillRef idx="2">
-              <a:schemeClr val="accent5"/>
+              <a:schemeClr val="accent6"/>
             </a:fillRef>
             <a:effectRef idx="1">
-              <a:schemeClr val="accent5"/>
+              <a:schemeClr val="accent6"/>
             </a:effectRef>
             <a:fontRef idx="minor">
               <a:schemeClr val="dk1"/>
@@ -16561,7 +16385,7 @@
         </p:nvGrpSpPr>
         <p:grpSpPr>
           <a:xfrm>
-            <a:off x="269727" y="1273351"/>
+            <a:off x="233467" y="989539"/>
             <a:ext cx="787334" cy="86434"/>
             <a:chOff x="3452446" y="4176616"/>
             <a:chExt cx="787334" cy="86434"/>
@@ -16581,20 +16405,17 @@
             <a:prstGeom prst="triangle">
               <a:avLst/>
             </a:prstGeom>
-            <a:solidFill>
-              <a:schemeClr val="bg1"/>
-            </a:solidFill>
             <a:ln/>
           </p:spPr>
           <p:style>
             <a:lnRef idx="1">
-              <a:schemeClr val="accent5"/>
+              <a:schemeClr val="accent6"/>
             </a:lnRef>
             <a:fillRef idx="2">
-              <a:schemeClr val="accent5"/>
+              <a:schemeClr val="accent6"/>
             </a:fillRef>
             <a:effectRef idx="1">
-              <a:schemeClr val="accent5"/>
+              <a:schemeClr val="accent6"/>
             </a:effectRef>
             <a:fontRef idx="minor">
               <a:schemeClr val="dk1"/>
@@ -16628,16 +16449,16 @@
           </p:spPr>
           <p:style>
             <a:lnRef idx="1">
-              <a:schemeClr val="accent1"/>
+              <a:schemeClr val="accent6"/>
             </a:lnRef>
-            <a:fillRef idx="0">
-              <a:schemeClr val="accent1"/>
+            <a:fillRef idx="2">
+              <a:schemeClr val="accent6"/>
             </a:fillRef>
-            <a:effectRef idx="0">
-              <a:schemeClr val="accent1"/>
+            <a:effectRef idx="1">
+              <a:schemeClr val="accent6"/>
             </a:effectRef>
             <a:fontRef idx="minor">
-              <a:schemeClr val="tx1"/>
+              <a:schemeClr val="dk1"/>
             </a:fontRef>
           </p:style>
         </p:cxnSp>
@@ -16650,7 +16471,7 @@
         </p:nvSpPr>
         <p:spPr>
           <a:xfrm>
-            <a:off x="269727" y="1654996"/>
+            <a:off x="233467" y="1371184"/>
             <a:ext cx="1202380" cy="369332"/>
           </a:xfrm>
           <a:prstGeom prst="rect">
@@ -16697,7 +16518,7 @@
           <p:cNvPr id="34" name="TextBox 45">
             <a:extLst>
               <a:ext uri="{FF2B5EF4-FFF2-40B4-BE49-F238E27FC236}">
-                <a16:creationId xmlns:a16="http://schemas.microsoft.com/office/drawing/2014/main" xmlns="" id="{6BDA7693-CA76-4C97-8FED-A4A65AB5032B}"/>
+                <a16:creationId xmlns="" xmlns:a16="http://schemas.microsoft.com/office/drawing/2014/main" id="{6BDA7693-CA76-4C97-8FED-A4A65AB5032B}"/>
               </a:ext>
             </a:extLst>
           </p:cNvPr>
@@ -16706,7 +16527,7 @@
         </p:nvSpPr>
         <p:spPr>
           <a:xfrm>
-            <a:off x="6244200" y="417111"/>
+            <a:off x="6244200" y="232305"/>
             <a:ext cx="1548694" cy="369332"/>
           </a:xfrm>
           <a:prstGeom prst="rect">
@@ -16736,7 +16557,7 @@
         </p:nvSpPr>
         <p:spPr>
           <a:xfrm>
-            <a:off x="2833586" y="2301465"/>
+            <a:off x="3222820" y="1924941"/>
             <a:ext cx="2328471" cy="603748"/>
           </a:xfrm>
           <a:prstGeom prst="ellipse">
@@ -16780,7 +16601,7 @@
         </p:nvSpPr>
         <p:spPr>
           <a:xfrm>
-            <a:off x="906319" y="2206468"/>
+            <a:off x="1272144" y="1880219"/>
             <a:ext cx="1927267" cy="603748"/>
           </a:xfrm>
           <a:prstGeom prst="ellipse">
@@ -16827,8 +16648,8 @@
         </p:nvCxnSpPr>
         <p:spPr>
           <a:xfrm flipH="1">
-            <a:off x="4595686" y="3096540"/>
-            <a:ext cx="1150349" cy="841009"/>
+            <a:off x="4780233" y="2911734"/>
+            <a:ext cx="965802" cy="789217"/>
           </a:xfrm>
           <a:prstGeom prst="straightConnector1">
             <a:avLst/>
@@ -16860,7 +16681,7 @@
         </p:nvSpPr>
         <p:spPr>
           <a:xfrm>
-            <a:off x="5746035" y="2699693"/>
+            <a:off x="5746035" y="2514887"/>
             <a:ext cx="3083816" cy="793693"/>
           </a:xfrm>
           <a:prstGeom prst="ellipse">
@@ -16902,7 +16723,7 @@
         </p:nvCxnSpPr>
         <p:spPr>
           <a:xfrm flipH="1">
-            <a:off x="8388424" y="1613071"/>
+            <a:off x="8388424" y="1428265"/>
             <a:ext cx="13466" cy="393101"/>
           </a:xfrm>
           <a:prstGeom prst="straightConnector1">
@@ -16938,7 +16759,7 @@
         </p:nvCxnSpPr>
         <p:spPr>
           <a:xfrm flipH="1">
-            <a:off x="8330062" y="2922083"/>
+            <a:off x="8330062" y="2737277"/>
             <a:ext cx="13466" cy="393101"/>
           </a:xfrm>
           <a:prstGeom prst="straightConnector1">
@@ -16977,8 +16798,8 @@
         </p:nvCxnSpPr>
         <p:spPr>
           <a:xfrm flipV="1">
-            <a:off x="1472107" y="1820838"/>
-            <a:ext cx="481482" cy="18824"/>
+            <a:off x="1435847" y="1517690"/>
+            <a:ext cx="867186" cy="38160"/>
           </a:xfrm>
           <a:prstGeom prst="line">
             <a:avLst/>
@@ -17010,7 +16831,7 @@
         </p:nvSpPr>
         <p:spPr>
           <a:xfrm>
-            <a:off x="2956622" y="2810238"/>
+            <a:off x="3716536" y="2507122"/>
             <a:ext cx="260828" cy="245237"/>
           </a:xfrm>
           <a:prstGeom prst="ellipse">
@@ -17048,8 +16869,8 @@
         </p:nvSpPr>
         <p:spPr>
           <a:xfrm>
-            <a:off x="1472107" y="3096540"/>
-            <a:ext cx="2317686" cy="369332"/>
+            <a:off x="2059045" y="2764550"/>
+            <a:ext cx="2079608" cy="338554"/>
           </a:xfrm>
           <a:prstGeom prst="rect">
             <a:avLst/>
@@ -17079,14 +16900,14 @@
           <a:lstStyle/>
           <a:p>
             <a:r>
-              <a:rPr lang="en-GB" dirty="0" err="1">
+              <a:rPr lang="en-GB" sz="1600" dirty="0" err="1">
                 <a:solidFill>
                   <a:srgbClr val="C00000"/>
                 </a:solidFill>
               </a:rPr>
               <a:t>HealthServiceInterface</a:t>
             </a:r>
-            <a:endParaRPr lang="en-GB" dirty="0">
+            <a:endParaRPr lang="en-GB" sz="1600" dirty="0">
               <a:solidFill>
                 <a:srgbClr val="C00000"/>
               </a:solidFill>
@@ -17102,7 +16923,7 @@
         </p:nvSpPr>
         <p:spPr>
           <a:xfrm>
-            <a:off x="1746088" y="2812594"/>
+            <a:off x="2314628" y="2532602"/>
             <a:ext cx="260828" cy="245237"/>
           </a:xfrm>
           <a:prstGeom prst="ellipse">
@@ -17140,7 +16961,7 @@
         </p:nvSpPr>
         <p:spPr>
           <a:xfrm>
-            <a:off x="4850890" y="5181283"/>
+            <a:off x="4850890" y="4996477"/>
             <a:ext cx="3083816" cy="593051"/>
           </a:xfrm>
           <a:prstGeom prst="ellipse">
@@ -17182,7 +17003,7 @@
         </p:nvGrpSpPr>
         <p:grpSpPr>
           <a:xfrm flipH="1">
-            <a:off x="3789793" y="5549660"/>
+            <a:off x="4618271" y="4728982"/>
             <a:ext cx="666895" cy="86434"/>
             <a:chOff x="4592177" y="4419530"/>
             <a:chExt cx="666895" cy="86434"/>
@@ -17202,22 +17023,20 @@
             <a:prstGeom prst="line">
               <a:avLst/>
             </a:prstGeom>
-            <a:ln>
-              <a:prstDash val="dash"/>
-            </a:ln>
+            <a:ln/>
           </p:spPr>
           <p:style>
             <a:lnRef idx="1">
-              <a:schemeClr val="accent1"/>
+              <a:schemeClr val="accent6"/>
             </a:lnRef>
-            <a:fillRef idx="0">
-              <a:schemeClr val="accent1"/>
+            <a:fillRef idx="2">
+              <a:schemeClr val="accent6"/>
             </a:fillRef>
-            <a:effectRef idx="0">
-              <a:schemeClr val="accent1"/>
+            <a:effectRef idx="1">
+              <a:schemeClr val="accent6"/>
             </a:effectRef>
             <a:fontRef idx="minor">
-              <a:schemeClr val="tx1"/>
+              <a:schemeClr val="dk1"/>
             </a:fontRef>
           </p:style>
         </p:cxnSp>
@@ -17235,20 +17054,17 @@
             <a:prstGeom prst="triangle">
               <a:avLst/>
             </a:prstGeom>
-            <a:solidFill>
-              <a:schemeClr val="bg1"/>
-            </a:solidFill>
             <a:ln/>
           </p:spPr>
           <p:style>
             <a:lnRef idx="1">
-              <a:schemeClr val="accent5"/>
+              <a:schemeClr val="accent6"/>
             </a:lnRef>
             <a:fillRef idx="2">
-              <a:schemeClr val="accent5"/>
+              <a:schemeClr val="accent6"/>
             </a:fillRef>
             <a:effectRef idx="1">
-              <a:schemeClr val="accent5"/>
+              <a:schemeClr val="accent6"/>
             </a:effectRef>
             <a:fontRef idx="minor">
               <a:schemeClr val="dk1"/>
@@ -17272,7 +17088,7 @@
         </p:nvGrpSpPr>
         <p:grpSpPr>
           <a:xfrm flipH="1">
-            <a:off x="3781706" y="5353455"/>
+            <a:off x="4553524" y="4520698"/>
             <a:ext cx="787334" cy="86434"/>
             <a:chOff x="3452446" y="4176616"/>
             <a:chExt cx="787334" cy="86434"/>
@@ -17292,20 +17108,17 @@
             <a:prstGeom prst="triangle">
               <a:avLst/>
             </a:prstGeom>
-            <a:solidFill>
-              <a:schemeClr val="bg1"/>
-            </a:solidFill>
             <a:ln/>
           </p:spPr>
           <p:style>
             <a:lnRef idx="1">
-              <a:schemeClr val="accent5"/>
+              <a:schemeClr val="accent6"/>
             </a:lnRef>
             <a:fillRef idx="2">
-              <a:schemeClr val="accent5"/>
+              <a:schemeClr val="accent6"/>
             </a:fillRef>
             <a:effectRef idx="1">
-              <a:schemeClr val="accent5"/>
+              <a:schemeClr val="accent6"/>
             </a:effectRef>
             <a:fontRef idx="minor">
               <a:schemeClr val="dk1"/>
@@ -17339,16 +17152,16 @@
           </p:spPr>
           <p:style>
             <a:lnRef idx="1">
-              <a:schemeClr val="accent1"/>
+              <a:schemeClr val="accent6"/>
             </a:lnRef>
-            <a:fillRef idx="0">
-              <a:schemeClr val="accent1"/>
+            <a:fillRef idx="2">
+              <a:schemeClr val="accent6"/>
             </a:fillRef>
-            <a:effectRef idx="0">
-              <a:schemeClr val="accent1"/>
+            <a:effectRef idx="1">
+              <a:schemeClr val="accent6"/>
             </a:effectRef>
             <a:fontRef idx="minor">
-              <a:schemeClr val="tx1"/>
+              <a:schemeClr val="dk1"/>
             </a:fontRef>
           </p:style>
         </p:cxnSp>
@@ -17361,12 +17174,20 @@
         </p:nvSpPr>
         <p:spPr>
           <a:xfrm>
-            <a:off x="5599791" y="5915090"/>
+            <a:off x="5599791" y="5730284"/>
             <a:ext cx="3083816" cy="593051"/>
           </a:xfrm>
           <a:prstGeom prst="ellipse">
             <a:avLst/>
           </a:prstGeom>
+          <a:solidFill>
+            <a:srgbClr val="FFFFCC"/>
+          </a:solidFill>
+          <a:ln w="38100">
+            <a:solidFill>
+              <a:srgbClr val="C00000"/>
+            </a:solidFill>
+          </a:ln>
         </p:spPr>
         <p:style>
           <a:lnRef idx="1">
@@ -17388,10 +17209,18 @@
           <a:p>
             <a:pPr algn="ctr"/>
             <a:r>
-              <a:rPr lang="en-GB" sz="1600" dirty="0" err="1"/>
+              <a:rPr lang="en-GB" sz="1600" b="1" dirty="0" err="1">
+                <a:solidFill>
+                  <a:srgbClr val="0070C0"/>
+                </a:solidFill>
+              </a:rPr>
               <a:t>HealthWebClient</a:t>
             </a:r>
-            <a:endParaRPr lang="en-GB" sz="1600" dirty="0"/>
+            <a:endParaRPr lang="en-GB" sz="1600" b="1" dirty="0">
+              <a:solidFill>
+                <a:srgbClr val="0070C0"/>
+              </a:solidFill>
+            </a:endParaRPr>
           </a:p>
         </p:txBody>
       </p:sp>
@@ -17403,7 +17232,7 @@
         </p:nvGrpSpPr>
         <p:grpSpPr>
           <a:xfrm rot="5400000" flipH="1">
-            <a:off x="8100524" y="5290322"/>
+            <a:off x="8152154" y="4790539"/>
             <a:ext cx="472540" cy="98326"/>
             <a:chOff x="4592177" y="4419530"/>
             <a:chExt cx="666895" cy="86434"/>
@@ -17423,22 +17252,20 @@
             <a:prstGeom prst="line">
               <a:avLst/>
             </a:prstGeom>
-            <a:ln>
-              <a:prstDash val="dash"/>
-            </a:ln>
+            <a:ln/>
           </p:spPr>
           <p:style>
             <a:lnRef idx="1">
-              <a:schemeClr val="accent1"/>
+              <a:schemeClr val="accent6"/>
             </a:lnRef>
-            <a:fillRef idx="0">
-              <a:schemeClr val="accent1"/>
+            <a:fillRef idx="2">
+              <a:schemeClr val="accent6"/>
             </a:fillRef>
-            <a:effectRef idx="0">
-              <a:schemeClr val="accent1"/>
+            <a:effectRef idx="1">
+              <a:schemeClr val="accent6"/>
             </a:effectRef>
             <a:fontRef idx="minor">
-              <a:schemeClr val="tx1"/>
+              <a:schemeClr val="dk1"/>
             </a:fontRef>
           </p:style>
         </p:cxnSp>
@@ -17456,20 +17283,17 @@
             <a:prstGeom prst="triangle">
               <a:avLst/>
             </a:prstGeom>
-            <a:solidFill>
-              <a:schemeClr val="bg1"/>
-            </a:solidFill>
             <a:ln/>
           </p:spPr>
           <p:style>
             <a:lnRef idx="1">
-              <a:schemeClr val="accent5"/>
+              <a:schemeClr val="accent6"/>
             </a:lnRef>
             <a:fillRef idx="2">
-              <a:schemeClr val="accent5"/>
+              <a:schemeClr val="accent6"/>
             </a:fillRef>
             <a:effectRef idx="1">
-              <a:schemeClr val="accent5"/>
+              <a:schemeClr val="accent6"/>
             </a:effectRef>
             <a:fontRef idx="minor">
               <a:schemeClr val="dk1"/>
@@ -17493,7 +17317,7 @@
         </p:nvGrpSpPr>
         <p:grpSpPr>
           <a:xfrm rot="5400000" flipH="1" flipV="1">
-            <a:off x="7824088" y="5246291"/>
+            <a:off x="7875718" y="4746508"/>
             <a:ext cx="582125" cy="120293"/>
             <a:chOff x="3452446" y="4176616"/>
             <a:chExt cx="787334" cy="86434"/>
@@ -17513,20 +17337,17 @@
             <a:prstGeom prst="triangle">
               <a:avLst/>
             </a:prstGeom>
-            <a:solidFill>
-              <a:schemeClr val="bg1"/>
-            </a:solidFill>
             <a:ln/>
           </p:spPr>
           <p:style>
             <a:lnRef idx="1">
-              <a:schemeClr val="accent5"/>
+              <a:schemeClr val="accent6"/>
             </a:lnRef>
             <a:fillRef idx="2">
-              <a:schemeClr val="accent5"/>
+              <a:schemeClr val="accent6"/>
             </a:fillRef>
             <a:effectRef idx="1">
-              <a:schemeClr val="accent5"/>
+              <a:schemeClr val="accent6"/>
             </a:effectRef>
             <a:fontRef idx="minor">
               <a:schemeClr val="dk1"/>
@@ -17560,195 +17381,16 @@
           </p:spPr>
           <p:style>
             <a:lnRef idx="1">
-              <a:schemeClr val="accent1"/>
-            </a:lnRef>
-            <a:fillRef idx="0">
-              <a:schemeClr val="accent1"/>
-            </a:fillRef>
-            <a:effectRef idx="0">
-              <a:schemeClr val="accent1"/>
-            </a:effectRef>
-            <a:fontRef idx="minor">
-              <a:schemeClr val="tx1"/>
-            </a:fontRef>
-          </p:style>
-        </p:cxnSp>
-      </p:grpSp>
-      <p:grpSp>
-        <p:nvGrpSpPr>
-          <p:cNvPr id="105" name="Gruppo 104"/>
-          <p:cNvGrpSpPr/>
-          <p:nvPr/>
-        </p:nvGrpSpPr>
-        <p:grpSpPr>
-          <a:xfrm flipH="1">
-            <a:off x="3985452" y="6223259"/>
-            <a:ext cx="666895" cy="86434"/>
-            <a:chOff x="4592177" y="4419530"/>
-            <a:chExt cx="666895" cy="86434"/>
-          </a:xfrm>
-        </p:grpSpPr>
-        <p:cxnSp>
-          <p:nvCxnSpPr>
-            <p:cNvPr id="106" name="Connettore 1 105"/>
-            <p:cNvCxnSpPr/>
-            <p:nvPr/>
-          </p:nvCxnSpPr>
-          <p:spPr>
-            <a:xfrm>
-              <a:off x="4611000" y="4462747"/>
-              <a:ext cx="648072" cy="0"/>
-            </a:xfrm>
-            <a:prstGeom prst="line">
-              <a:avLst/>
-            </a:prstGeom>
-            <a:ln>
-              <a:prstDash val="dash"/>
-            </a:ln>
-          </p:spPr>
-          <p:style>
-            <a:lnRef idx="1">
-              <a:schemeClr val="accent1"/>
-            </a:lnRef>
-            <a:fillRef idx="0">
-              <a:schemeClr val="accent1"/>
-            </a:fillRef>
-            <a:effectRef idx="0">
-              <a:schemeClr val="accent1"/>
-            </a:effectRef>
-            <a:fontRef idx="minor">
-              <a:schemeClr val="tx1"/>
-            </a:fontRef>
-          </p:style>
-        </p:cxnSp>
-        <p:sp>
-          <p:nvSpPr>
-            <p:cNvPr id="107" name="Triangolo isoscele 106"/>
-            <p:cNvSpPr/>
-            <p:nvPr/>
-          </p:nvSpPr>
-          <p:spPr>
-            <a:xfrm rot="16200000">
-              <a:off x="4618592" y="4393115"/>
-              <a:ext cx="86434" cy="139263"/>
-            </a:xfrm>
-            <a:prstGeom prst="triangle">
-              <a:avLst/>
-            </a:prstGeom>
-            <a:solidFill>
-              <a:schemeClr val="bg1"/>
-            </a:solidFill>
-            <a:ln/>
-          </p:spPr>
-          <p:style>
-            <a:lnRef idx="1">
-              <a:schemeClr val="accent5"/>
+              <a:schemeClr val="accent6"/>
             </a:lnRef>
             <a:fillRef idx="2">
-              <a:schemeClr val="accent5"/>
+              <a:schemeClr val="accent6"/>
             </a:fillRef>
             <a:effectRef idx="1">
-              <a:schemeClr val="accent5"/>
+              <a:schemeClr val="accent6"/>
             </a:effectRef>
             <a:fontRef idx="minor">
               <a:schemeClr val="dk1"/>
-            </a:fontRef>
-          </p:style>
-          <p:txBody>
-            <a:bodyPr rtlCol="0" anchor="ctr"/>
-            <a:lstStyle/>
-            <a:p>
-              <a:pPr algn="ctr"/>
-              <a:endParaRPr lang="en-GB" sz="1200"/>
-            </a:p>
-          </p:txBody>
-        </p:sp>
-      </p:grpSp>
-      <p:grpSp>
-        <p:nvGrpSpPr>
-          <p:cNvPr id="108" name="Gruppo 107"/>
-          <p:cNvGrpSpPr/>
-          <p:nvPr/>
-        </p:nvGrpSpPr>
-        <p:grpSpPr>
-          <a:xfrm flipH="1">
-            <a:off x="3977365" y="6027054"/>
-            <a:ext cx="787334" cy="86434"/>
-            <a:chOff x="3452446" y="4176616"/>
-            <a:chExt cx="787334" cy="86434"/>
-          </a:xfrm>
-        </p:grpSpPr>
-        <p:sp>
-          <p:nvSpPr>
-            <p:cNvPr id="109" name="Triangolo isoscele 108"/>
-            <p:cNvSpPr/>
-            <p:nvPr/>
-          </p:nvSpPr>
-          <p:spPr>
-            <a:xfrm rot="5400000" flipH="1">
-              <a:off x="4126932" y="4150201"/>
-              <a:ext cx="86434" cy="139263"/>
-            </a:xfrm>
-            <a:prstGeom prst="triangle">
-              <a:avLst/>
-            </a:prstGeom>
-            <a:solidFill>
-              <a:schemeClr val="bg1"/>
-            </a:solidFill>
-            <a:ln/>
-          </p:spPr>
-          <p:style>
-            <a:lnRef idx="1">
-              <a:schemeClr val="accent5"/>
-            </a:lnRef>
-            <a:fillRef idx="2">
-              <a:schemeClr val="accent5"/>
-            </a:fillRef>
-            <a:effectRef idx="1">
-              <a:schemeClr val="accent5"/>
-            </a:effectRef>
-            <a:fontRef idx="minor">
-              <a:schemeClr val="dk1"/>
-            </a:fontRef>
-          </p:style>
-          <p:txBody>
-            <a:bodyPr rtlCol="0" anchor="ctr"/>
-            <a:lstStyle/>
-            <a:p>
-              <a:pPr algn="ctr"/>
-              <a:endParaRPr lang="en-GB" sz="1200"/>
-            </a:p>
-          </p:txBody>
-        </p:sp>
-        <p:cxnSp>
-          <p:nvCxnSpPr>
-            <p:cNvPr id="110" name="Connettore 1 109"/>
-            <p:cNvCxnSpPr>
-              <a:endCxn id="109" idx="3"/>
-            </p:cNvCxnSpPr>
-            <p:nvPr/>
-          </p:nvCxnSpPr>
-          <p:spPr>
-            <a:xfrm>
-              <a:off x="3452446" y="4219627"/>
-              <a:ext cx="648072" cy="206"/>
-            </a:xfrm>
-            <a:prstGeom prst="line">
-              <a:avLst/>
-            </a:prstGeom>
-          </p:spPr>
-          <p:style>
-            <a:lnRef idx="1">
-              <a:schemeClr val="accent1"/>
-            </a:lnRef>
-            <a:fillRef idx="0">
-              <a:schemeClr val="accent1"/>
-            </a:fillRef>
-            <a:effectRef idx="0">
-              <a:schemeClr val="accent1"/>
-            </a:effectRef>
-            <a:fontRef idx="minor">
-              <a:schemeClr val="tx1"/>
             </a:fontRef>
           </p:style>
         </p:cxnSp>
@@ -17761,7 +17403,7 @@
         </p:nvCxnSpPr>
         <p:spPr>
           <a:xfrm flipH="1">
-            <a:off x="5364673" y="5281257"/>
+            <a:off x="7405116" y="5096451"/>
             <a:ext cx="13466" cy="393101"/>
           </a:xfrm>
           <a:prstGeom prst="straightConnector1">
@@ -17797,7 +17439,7 @@
         </p:nvCxnSpPr>
         <p:spPr>
           <a:xfrm flipH="1">
-            <a:off x="6156176" y="6028030"/>
+            <a:off x="8126100" y="5843224"/>
             <a:ext cx="13466" cy="393101"/>
           </a:xfrm>
           <a:prstGeom prst="straightConnector1">
@@ -17833,12 +17475,15 @@
         </p:nvSpPr>
         <p:spPr>
           <a:xfrm>
-            <a:off x="1004657" y="5184702"/>
+            <a:off x="19216" y="2453269"/>
             <a:ext cx="1936428" cy="1354217"/>
           </a:xfrm>
           <a:prstGeom prst="rect">
             <a:avLst/>
           </a:prstGeom>
+          <a:solidFill>
+            <a:srgbClr val="FFFFCC"/>
+          </a:solidFill>
         </p:spPr>
         <p:style>
           <a:lnRef idx="1">
@@ -17986,162 +17631,177 @@
       </p:sp>
       <p:grpSp>
         <p:nvGrpSpPr>
-          <p:cNvPr id="124" name="Gruppo 123"/>
+          <p:cNvPr id="50" name="Gruppo 49"/>
           <p:cNvGrpSpPr/>
           <p:nvPr/>
         </p:nvGrpSpPr>
         <p:grpSpPr>
           <a:xfrm>
-            <a:off x="43278" y="3860044"/>
+            <a:off x="311186" y="3978575"/>
             <a:ext cx="1053702" cy="965471"/>
-            <a:chOff x="565700" y="4940367"/>
-            <a:chExt cx="805955" cy="772447"/>
+            <a:chOff x="311186" y="4305610"/>
+            <a:chExt cx="1053702" cy="965471"/>
           </a:xfrm>
         </p:grpSpPr>
+        <p:grpSp>
+          <p:nvGrpSpPr>
+            <p:cNvPr id="124" name="Gruppo 123"/>
+            <p:cNvGrpSpPr/>
+            <p:nvPr/>
+          </p:nvGrpSpPr>
+          <p:grpSpPr>
+            <a:xfrm>
+              <a:off x="311186" y="4305610"/>
+              <a:ext cx="1053702" cy="965471"/>
+              <a:chOff x="565700" y="4940367"/>
+              <a:chExt cx="805955" cy="772447"/>
+            </a:xfrm>
+          </p:grpSpPr>
+          <p:sp>
+            <p:nvSpPr>
+              <p:cNvPr id="125" name="Ovale 124"/>
+              <p:cNvSpPr/>
+              <p:nvPr/>
+            </p:nvSpPr>
+            <p:spPr>
+              <a:xfrm>
+                <a:off x="565700" y="4983583"/>
+                <a:ext cx="805955" cy="729231"/>
+              </a:xfrm>
+              <a:prstGeom prst="ellipse">
+                <a:avLst/>
+              </a:prstGeom>
+              <a:solidFill>
+                <a:srgbClr val="FF99CC"/>
+              </a:solidFill>
+              <a:ln/>
+            </p:spPr>
+            <p:style>
+              <a:lnRef idx="1">
+                <a:schemeClr val="accent4"/>
+              </a:lnRef>
+              <a:fillRef idx="2">
+                <a:schemeClr val="accent4"/>
+              </a:fillRef>
+              <a:effectRef idx="1">
+                <a:schemeClr val="accent4"/>
+              </a:effectRef>
+              <a:fontRef idx="minor">
+                <a:schemeClr val="dk1"/>
+              </a:fontRef>
+            </p:style>
+            <p:txBody>
+              <a:bodyPr rtlCol="0" anchor="ctr"/>
+              <a:lstStyle/>
+              <a:p>
+                <a:pPr algn="ctr"/>
+                <a:r>
+                  <a:rPr lang="en-GB" sz="1200" dirty="0"/>
+                  <a:t> </a:t>
+                </a:r>
+              </a:p>
+            </p:txBody>
+          </p:sp>
+          <p:sp>
+            <p:nvSpPr>
+              <p:cNvPr id="126" name="Triangolo isoscele 125"/>
+              <p:cNvSpPr/>
+              <p:nvPr/>
+            </p:nvSpPr>
+            <p:spPr>
+              <a:xfrm rot="16200000">
+                <a:off x="905299" y="4913952"/>
+                <a:ext cx="86434" cy="139263"/>
+              </a:xfrm>
+              <a:prstGeom prst="triangle">
+                <a:avLst/>
+              </a:prstGeom>
+              <a:solidFill>
+                <a:srgbClr val="C00000"/>
+              </a:solidFill>
+              <a:ln/>
+            </p:spPr>
+            <p:style>
+              <a:lnRef idx="1">
+                <a:schemeClr val="accent5"/>
+              </a:lnRef>
+              <a:fillRef idx="2">
+                <a:schemeClr val="accent5"/>
+              </a:fillRef>
+              <a:effectRef idx="1">
+                <a:schemeClr val="accent5"/>
+              </a:effectRef>
+              <a:fontRef idx="minor">
+                <a:schemeClr val="dk1"/>
+              </a:fontRef>
+            </p:style>
+            <p:txBody>
+              <a:bodyPr rtlCol="0" anchor="ctr"/>
+              <a:lstStyle/>
+              <a:p>
+                <a:pPr algn="ctr"/>
+                <a:endParaRPr lang="en-GB" sz="1200">
+                  <a:solidFill>
+                    <a:schemeClr val="dk1"/>
+                  </a:solidFill>
+                </a:endParaRPr>
+              </a:p>
+            </p:txBody>
+          </p:sp>
+        </p:grpSp>
         <p:sp>
           <p:nvSpPr>
-            <p:cNvPr id="125" name="Ovale 124"/>
-            <p:cNvSpPr/>
+            <p:cNvPr id="127" name="CasellaDiTesto 126"/>
+            <p:cNvSpPr txBox="1"/>
             <p:nvPr/>
           </p:nvSpPr>
           <p:spPr>
             <a:xfrm>
-              <a:off x="565700" y="4983583"/>
-              <a:ext cx="805955" cy="729231"/>
+              <a:off x="332361" y="4565617"/>
+              <a:ext cx="920060" cy="523220"/>
             </a:xfrm>
-            <a:prstGeom prst="ellipse">
+            <a:prstGeom prst="rect">
               <a:avLst/>
             </a:prstGeom>
-            <a:solidFill>
-              <a:srgbClr val="FF99CC"/>
-            </a:solidFill>
-            <a:ln/>
+            <a:noFill/>
           </p:spPr>
-          <p:style>
-            <a:lnRef idx="1">
-              <a:schemeClr val="accent4"/>
-            </a:lnRef>
-            <a:fillRef idx="2">
-              <a:schemeClr val="accent4"/>
-            </a:fillRef>
-            <a:effectRef idx="1">
-              <a:schemeClr val="accent4"/>
-            </a:effectRef>
-            <a:fontRef idx="minor">
-              <a:schemeClr val="dk1"/>
-            </a:fontRef>
-          </p:style>
           <p:txBody>
-            <a:bodyPr rtlCol="0" anchor="ctr"/>
+            <a:bodyPr wrap="none" rtlCol="0">
+              <a:spAutoFit/>
+            </a:bodyPr>
             <a:lstStyle/>
             <a:p>
               <a:pPr algn="ctr"/>
               <a:r>
-                <a:rPr lang="en-GB" sz="1200" dirty="0"/>
-                <a:t> </a:t>
+                <a:rPr lang="en-GB" sz="1400" b="1" dirty="0" err="1" smtClean="0"/>
+                <a:t>ICoreFHIR</a:t>
               </a:r>
+              <a:endParaRPr lang="en-GB" sz="1400" b="1" dirty="0" smtClean="0"/>
             </a:p>
-          </p:txBody>
-        </p:sp>
-        <p:sp>
-          <p:nvSpPr>
-            <p:cNvPr id="126" name="Triangolo isoscele 125"/>
-            <p:cNvSpPr/>
-            <p:nvPr/>
-          </p:nvSpPr>
-          <p:spPr>
-            <a:xfrm rot="16200000">
-              <a:off x="905299" y="4913952"/>
-              <a:ext cx="86434" cy="139263"/>
-            </a:xfrm>
-            <a:prstGeom prst="triangle">
-              <a:avLst/>
-            </a:prstGeom>
-            <a:solidFill>
-              <a:srgbClr val="C00000"/>
-            </a:solidFill>
-            <a:ln/>
-          </p:spPr>
-          <p:style>
-            <a:lnRef idx="1">
-              <a:schemeClr val="accent5"/>
-            </a:lnRef>
-            <a:fillRef idx="2">
-              <a:schemeClr val="accent5"/>
-            </a:fillRef>
-            <a:effectRef idx="1">
-              <a:schemeClr val="accent5"/>
-            </a:effectRef>
-            <a:fontRef idx="minor">
-              <a:schemeClr val="dk1"/>
-            </a:fontRef>
-          </p:style>
-          <p:txBody>
-            <a:bodyPr rtlCol="0" anchor="ctr"/>
-            <a:lstStyle/>
             <a:p>
               <a:pPr algn="ctr"/>
-              <a:endParaRPr lang="en-GB" sz="1200">
-                <a:solidFill>
-                  <a:schemeClr val="dk1"/>
-                </a:solidFill>
-              </a:endParaRPr>
+              <a:r>
+                <a:rPr lang="it-IT" sz="1400" b="1" dirty="0" smtClean="0"/>
+                <a:t>server</a:t>
+              </a:r>
+              <a:endParaRPr lang="en-GB" sz="1400" dirty="0"/>
             </a:p>
           </p:txBody>
         </p:sp>
       </p:grpSp>
-      <p:sp>
-        <p:nvSpPr>
-          <p:cNvPr id="127" name="CasellaDiTesto 126"/>
-          <p:cNvSpPr txBox="1"/>
-          <p:nvPr/>
-        </p:nvSpPr>
-        <p:spPr>
-          <a:xfrm>
-            <a:off x="90395" y="4208677"/>
-            <a:ext cx="920060" cy="523220"/>
-          </a:xfrm>
-          <a:prstGeom prst="rect">
-            <a:avLst/>
-          </a:prstGeom>
-          <a:noFill/>
-        </p:spPr>
-        <p:txBody>
-          <a:bodyPr wrap="none" rtlCol="0">
-            <a:spAutoFit/>
-          </a:bodyPr>
-          <a:lstStyle/>
-          <a:p>
-            <a:pPr algn="ctr"/>
-            <a:r>
-              <a:rPr lang="en-GB" sz="1400" b="1" dirty="0" err="1" smtClean="0"/>
-              <a:t>ICoreFHIR</a:t>
-            </a:r>
-            <a:endParaRPr lang="en-GB" sz="1400" b="1" dirty="0" smtClean="0"/>
-          </a:p>
-          <a:p>
-            <a:pPr algn="ctr"/>
-            <a:r>
-              <a:rPr lang="it-IT" sz="1400" b="1" dirty="0" smtClean="0"/>
-              <a:t>server</a:t>
-            </a:r>
-            <a:endParaRPr lang="en-GB" sz="1400" dirty="0"/>
-          </a:p>
-        </p:txBody>
-      </p:sp>
       <p:cxnSp>
         <p:nvCxnSpPr>
           <p:cNvPr id="129" name="Connettore 2 128"/>
           <p:cNvCxnSpPr>
             <a:stCxn id="7" idx="2"/>
-            <a:endCxn id="127" idx="3"/>
+            <a:endCxn id="125" idx="6"/>
           </p:cNvCxnSpPr>
           <p:nvPr/>
         </p:nvCxnSpPr>
         <p:spPr>
           <a:xfrm flipH="1">
-            <a:off x="1010455" y="4222891"/>
-            <a:ext cx="1666459" cy="247396"/>
+            <a:off x="1364888" y="3986293"/>
+            <a:ext cx="1496573" cy="502025"/>
           </a:xfrm>
           <a:prstGeom prst="straightConnector1">
             <a:avLst/>
@@ -18177,7 +17837,7 @@
         </p:nvSpPr>
         <p:spPr>
           <a:xfrm>
-            <a:off x="1589191" y="3844653"/>
+            <a:off x="1754588" y="3936138"/>
             <a:ext cx="677750" cy="369332"/>
           </a:xfrm>
           <a:prstGeom prst="rect">
@@ -18216,47 +17876,96 @@
           </a:p>
         </p:txBody>
       </p:sp>
-      <p:cxnSp>
-        <p:nvCxnSpPr>
-          <p:cNvPr id="25" name="Connettore 4 24"/>
-          <p:cNvCxnSpPr>
-            <a:stCxn id="125" idx="4"/>
-            <a:endCxn id="4" idx="4"/>
-          </p:cNvCxnSpPr>
-          <p:nvPr/>
-        </p:nvCxnSpPr>
-        <p:spPr>
-          <a:xfrm rot="16200000" flipH="1">
-            <a:off x="1767777" y="3627866"/>
-            <a:ext cx="152968" cy="2548265"/>
-          </a:xfrm>
-          <a:prstGeom prst="bentConnector3">
-            <a:avLst>
-              <a:gd name="adj1" fmla="val 249443"/>
-            </a:avLst>
+      <p:sp>
+        <p:nvSpPr>
+          <p:cNvPr id="114" name="TextBox 45">
+            <a:extLst>
+              <a:ext uri="{FF2B5EF4-FFF2-40B4-BE49-F238E27FC236}">
+                <a16:creationId xmlns="" xmlns:a16="http://schemas.microsoft.com/office/drawing/2014/main" id="{6BDA7693-CA76-4C97-8FED-A4A65AB5032B}"/>
+              </a:ext>
+            </a:extLst>
+          </p:cNvPr>
+          <p:cNvSpPr txBox="1"/>
+          <p:nvPr/>
+        </p:nvSpPr>
+        <p:spPr>
+          <a:xfrm>
+            <a:off x="48821" y="5638377"/>
+            <a:ext cx="975011" cy="369332"/>
+          </a:xfrm>
+          <a:prstGeom prst="rect">
+            <a:avLst/>
           </a:prstGeom>
-          <a:ln w="28575">
-            <a:solidFill>
-              <a:srgbClr val="C00000"/>
-            </a:solidFill>
-            <a:tailEnd type="arrow"/>
+          <a:noFill/>
+        </p:spPr>
+        <p:txBody>
+          <a:bodyPr wrap="none" rtlCol="0">
+            <a:spAutoFit/>
+          </a:bodyPr>
+          <a:lstStyle/>
+          <a:p>
+            <a:r>
+              <a:rPr lang="en-US" b="1" dirty="0" smtClean="0"/>
+              <a:t>Browser</a:t>
+            </a:r>
+            <a:endParaRPr lang="en-US" b="1" dirty="0"/>
+          </a:p>
+        </p:txBody>
+      </p:sp>
+      <p:pic>
+        <p:nvPicPr>
+          <p:cNvPr id="115" name="Picture 2"/>
+          <p:cNvPicPr>
+            <a:picLocks noChangeAspect="1" noChangeArrowheads="1"/>
+          </p:cNvPicPr>
+          <p:nvPr/>
+        </p:nvPicPr>
+        <p:blipFill>
+          <a:blip r:embed="rId2" cstate="print">
+            <a:extLst>
+              <a:ext uri="{28A0092B-C50C-407E-A947-70E740481C1C}">
+                <a14:useLocalDpi xmlns:a14="http://schemas.microsoft.com/office/drawing/2010/main" val="0"/>
+              </a:ext>
+            </a:extLst>
+          </a:blip>
+          <a:srcRect/>
+          <a:stretch>
+            <a:fillRect/>
+          </a:stretch>
+        </p:blipFill>
+        <p:spPr bwMode="auto">
+          <a:xfrm>
+            <a:off x="1060956" y="5118969"/>
+            <a:ext cx="2233738" cy="1418824"/>
+          </a:xfrm>
+          <a:prstGeom prst="rect">
+            <a:avLst/>
+          </a:prstGeom>
+          <a:noFill/>
+          <a:ln>
+            <a:noFill/>
           </a:ln>
-        </p:spPr>
-        <p:style>
-          <a:lnRef idx="1">
-            <a:schemeClr val="accent1"/>
-          </a:lnRef>
-          <a:fillRef idx="0">
-            <a:schemeClr val="accent1"/>
-          </a:fillRef>
-          <a:effectRef idx="0">
-            <a:schemeClr val="accent1"/>
-          </a:effectRef>
-          <a:fontRef idx="minor">
-            <a:schemeClr val="tx1"/>
-          </a:fontRef>
-        </p:style>
-      </p:cxnSp>
+          <a:extLst>
+            <a:ext uri="{909E8E84-426E-40DD-AFC4-6F175D3DCCD1}">
+              <a14:hiddenFill xmlns:a14="http://schemas.microsoft.com/office/drawing/2010/main">
+                <a:solidFill>
+                  <a:schemeClr val="accent1"/>
+                </a:solidFill>
+              </a14:hiddenFill>
+            </a:ext>
+            <a:ext uri="{91240B29-F687-4F45-9708-019B960494DF}">
+              <a14:hiddenLine xmlns:a14="http://schemas.microsoft.com/office/drawing/2010/main" w="9525">
+                <a:solidFill>
+                  <a:schemeClr val="tx1"/>
+                </a:solidFill>
+                <a:miter lim="800000"/>
+                <a:headEnd/>
+                <a:tailEnd/>
+              </a14:hiddenLine>
+            </a:ext>
+          </a:extLst>
+        </p:spPr>
+      </p:pic>
     </p:spTree>
     <p:extLst>
       <p:ext uri="{BB962C8B-B14F-4D97-AF65-F5344CB8AC3E}">
@@ -18289,7 +17998,7 @@
       </p:grpSpPr>
       <p:pic>
         <p:nvPicPr>
-          <p:cNvPr id="1027" name="Picture 3"/>
+          <p:cNvPr id="2050" name="Picture 2"/>
           <p:cNvPicPr>
             <a:picLocks noChangeAspect="1" noChangeArrowheads="1"/>
           </p:cNvPicPr>
@@ -18310,8 +18019,8 @@
         </p:blipFill>
         <p:spPr bwMode="auto">
           <a:xfrm>
-            <a:off x="1252538" y="1119188"/>
-            <a:ext cx="6638925" cy="4619625"/>
+            <a:off x="185738" y="642938"/>
+            <a:ext cx="8772525" cy="5572125"/>
           </a:xfrm>
           <a:prstGeom prst="rect">
             <a:avLst/>
@@ -18344,7 +18053,7 @@
     </p:spTree>
     <p:extLst>
       <p:ext uri="{BB962C8B-B14F-4D97-AF65-F5344CB8AC3E}">
-        <p14:creationId xmlns:p14="http://schemas.microsoft.com/office/powerpoint/2010/main" val="2167669677"/>
+        <p14:creationId xmlns:p14="http://schemas.microsoft.com/office/powerpoint/2010/main" val="2631222391"/>
       </p:ext>
     </p:extLst>
   </p:cSld>
@@ -18373,7 +18082,7 @@
       </p:grpSpPr>
       <p:pic>
         <p:nvPicPr>
-          <p:cNvPr id="2050" name="Picture 2"/>
+          <p:cNvPr id="1027" name="Picture 3"/>
           <p:cNvPicPr>
             <a:picLocks noChangeAspect="1" noChangeArrowheads="1"/>
           </p:cNvPicPr>
@@ -18394,8 +18103,8 @@
         </p:blipFill>
         <p:spPr bwMode="auto">
           <a:xfrm>
-            <a:off x="1252538" y="1252538"/>
-            <a:ext cx="6638925" cy="4352925"/>
+            <a:off x="1252538" y="1119188"/>
+            <a:ext cx="6638925" cy="4619625"/>
           </a:xfrm>
           <a:prstGeom prst="rect">
             <a:avLst/>
@@ -18428,7 +18137,7 @@
     </p:spTree>
     <p:extLst>
       <p:ext uri="{BB962C8B-B14F-4D97-AF65-F5344CB8AC3E}">
-        <p14:creationId xmlns:p14="http://schemas.microsoft.com/office/powerpoint/2010/main" val="1461316647"/>
+        <p14:creationId xmlns:p14="http://schemas.microsoft.com/office/powerpoint/2010/main" val="2167669677"/>
       </p:ext>
     </p:extLst>
   </p:cSld>
@@ -18457,7 +18166,7 @@
       </p:grpSpPr>
       <p:pic>
         <p:nvPicPr>
-          <p:cNvPr id="3074" name="Picture 2"/>
+          <p:cNvPr id="2050" name="Picture 2"/>
           <p:cNvPicPr>
             <a:picLocks noChangeAspect="1" noChangeArrowheads="1"/>
           </p:cNvPicPr>
@@ -18478,8 +18187,8 @@
         </p:blipFill>
         <p:spPr bwMode="auto">
           <a:xfrm>
-            <a:off x="1252538" y="600075"/>
-            <a:ext cx="6638925" cy="5657850"/>
+            <a:off x="1252538" y="1252538"/>
+            <a:ext cx="6638925" cy="4352925"/>
           </a:xfrm>
           <a:prstGeom prst="rect">
             <a:avLst/>
@@ -18512,7 +18221,7 @@
     </p:spTree>
     <p:extLst>
       <p:ext uri="{BB962C8B-B14F-4D97-AF65-F5344CB8AC3E}">
-        <p14:creationId xmlns:p14="http://schemas.microsoft.com/office/powerpoint/2010/main" val="3157537335"/>
+        <p14:creationId xmlns:p14="http://schemas.microsoft.com/office/powerpoint/2010/main" val="1461316647"/>
       </p:ext>
     </p:extLst>
   </p:cSld>
@@ -19922,6 +19631,90 @@
 </file>
 
 <file path=ppt/slides/slide20.xml><?xml version="1.0" encoding="utf-8"?>
+<p:sld xmlns:a="http://schemas.openxmlformats.org/drawingml/2006/main" xmlns:r="http://schemas.openxmlformats.org/officeDocument/2006/relationships" xmlns:p="http://schemas.openxmlformats.org/presentationml/2006/main">
+  <p:cSld>
+    <p:spTree>
+      <p:nvGrpSpPr>
+        <p:cNvPr id="1" name=""/>
+        <p:cNvGrpSpPr/>
+        <p:nvPr/>
+      </p:nvGrpSpPr>
+      <p:grpSpPr>
+        <a:xfrm>
+          <a:off x="0" y="0"/>
+          <a:ext cx="0" cy="0"/>
+          <a:chOff x="0" y="0"/>
+          <a:chExt cx="0" cy="0"/>
+        </a:xfrm>
+      </p:grpSpPr>
+      <p:pic>
+        <p:nvPicPr>
+          <p:cNvPr id="3074" name="Picture 2"/>
+          <p:cNvPicPr>
+            <a:picLocks noChangeAspect="1" noChangeArrowheads="1"/>
+          </p:cNvPicPr>
+          <p:nvPr/>
+        </p:nvPicPr>
+        <p:blipFill>
+          <a:blip r:embed="rId2">
+            <a:extLst>
+              <a:ext uri="{28A0092B-C50C-407E-A947-70E740481C1C}">
+                <a14:useLocalDpi xmlns:a14="http://schemas.microsoft.com/office/drawing/2010/main" val="0"/>
+              </a:ext>
+            </a:extLst>
+          </a:blip>
+          <a:srcRect/>
+          <a:stretch>
+            <a:fillRect/>
+          </a:stretch>
+        </p:blipFill>
+        <p:spPr bwMode="auto">
+          <a:xfrm>
+            <a:off x="1252538" y="600075"/>
+            <a:ext cx="6638925" cy="5657850"/>
+          </a:xfrm>
+          <a:prstGeom prst="rect">
+            <a:avLst/>
+          </a:prstGeom>
+          <a:noFill/>
+          <a:ln>
+            <a:noFill/>
+          </a:ln>
+          <a:extLst>
+            <a:ext uri="{909E8E84-426E-40DD-AFC4-6F175D3DCCD1}">
+              <a14:hiddenFill xmlns:a14="http://schemas.microsoft.com/office/drawing/2010/main">
+                <a:solidFill>
+                  <a:schemeClr val="accent1"/>
+                </a:solidFill>
+              </a14:hiddenFill>
+            </a:ext>
+            <a:ext uri="{91240B29-F687-4F45-9708-019B960494DF}">
+              <a14:hiddenLine xmlns:a14="http://schemas.microsoft.com/office/drawing/2010/main" w="9525">
+                <a:solidFill>
+                  <a:schemeClr val="tx1"/>
+                </a:solidFill>
+                <a:miter lim="800000"/>
+                <a:headEnd/>
+                <a:tailEnd/>
+              </a14:hiddenLine>
+            </a:ext>
+          </a:extLst>
+        </p:spPr>
+      </p:pic>
+    </p:spTree>
+    <p:extLst>
+      <p:ext uri="{BB962C8B-B14F-4D97-AF65-F5344CB8AC3E}">
+        <p14:creationId xmlns:p14="http://schemas.microsoft.com/office/powerpoint/2010/main" val="3157537335"/>
+      </p:ext>
+    </p:extLst>
+  </p:cSld>
+  <p:clrMapOvr>
+    <a:masterClrMapping/>
+  </p:clrMapOvr>
+</p:sld>
+</file>
+
+<file path=ppt/slides/slide21.xml><?xml version="1.0" encoding="utf-8"?>
 <p:sld xmlns:a="http://schemas.openxmlformats.org/drawingml/2006/main" xmlns:r="http://schemas.openxmlformats.org/officeDocument/2006/relationships" xmlns:p="http://schemas.openxmlformats.org/presentationml/2006/main">
   <p:cSld>
     <p:spTree>
@@ -23861,7 +23654,7 @@
           <p:cNvPr id="51" name="TextBox 50">
             <a:extLst>
               <a:ext uri="{FF2B5EF4-FFF2-40B4-BE49-F238E27FC236}">
-                <a16:creationId xmlns:a16="http://schemas.microsoft.com/office/drawing/2014/main" xmlns="" id="{38D92C47-6A24-433B-A9D7-48400DFBEE88}"/>
+                <a16:creationId xmlns="" xmlns:a16="http://schemas.microsoft.com/office/drawing/2014/main" id="{38D92C47-6A24-433B-A9D7-48400DFBEE88}"/>
               </a:ext>
             </a:extLst>
           </p:cNvPr>
@@ -23902,7 +23695,7 @@
           <p:cNvPr id="52" name="TextBox 51">
             <a:extLst>
               <a:ext uri="{FF2B5EF4-FFF2-40B4-BE49-F238E27FC236}">
-                <a16:creationId xmlns:a16="http://schemas.microsoft.com/office/drawing/2014/main" xmlns="" id="{46370455-EDDE-4BAF-A68F-1E721D22CFA3}"/>
+                <a16:creationId xmlns="" xmlns:a16="http://schemas.microsoft.com/office/drawing/2014/main" id="{46370455-EDDE-4BAF-A68F-1E721D22CFA3}"/>
               </a:ext>
             </a:extLst>
           </p:cNvPr>
@@ -23943,7 +23736,7 @@
           <p:cNvPr id="54" name="TextBox 53">
             <a:extLst>
               <a:ext uri="{FF2B5EF4-FFF2-40B4-BE49-F238E27FC236}">
-                <a16:creationId xmlns:a16="http://schemas.microsoft.com/office/drawing/2014/main" xmlns="" id="{1F0BD362-AB28-4ABC-B01D-E5FB51A4284F}"/>
+                <a16:creationId xmlns="" xmlns:a16="http://schemas.microsoft.com/office/drawing/2014/main" id="{1F0BD362-AB28-4ABC-B01D-E5FB51A4284F}"/>
               </a:ext>
             </a:extLst>
           </p:cNvPr>
@@ -23978,7 +23771,7 @@
           <p:cNvPr id="55" name="TextBox 54">
             <a:extLst>
               <a:ext uri="{FF2B5EF4-FFF2-40B4-BE49-F238E27FC236}">
-                <a16:creationId xmlns:a16="http://schemas.microsoft.com/office/drawing/2014/main" xmlns="" id="{66A6D040-E92F-405E-8F1C-224FD73DEB6A}"/>
+                <a16:creationId xmlns="" xmlns:a16="http://schemas.microsoft.com/office/drawing/2014/main" id="{66A6D040-E92F-405E-8F1C-224FD73DEB6A}"/>
               </a:ext>
             </a:extLst>
           </p:cNvPr>
@@ -24019,7 +23812,7 @@
           <p:cNvPr id="59" name="TextBox 58">
             <a:extLst>
               <a:ext uri="{FF2B5EF4-FFF2-40B4-BE49-F238E27FC236}">
-                <a16:creationId xmlns:a16="http://schemas.microsoft.com/office/drawing/2014/main" xmlns="" id="{8B737B46-BF72-4F50-880F-A81417342B9C}"/>
+                <a16:creationId xmlns="" xmlns:a16="http://schemas.microsoft.com/office/drawing/2014/main" id="{8B737B46-BF72-4F50-880F-A81417342B9C}"/>
               </a:ext>
             </a:extLst>
           </p:cNvPr>
@@ -24060,7 +23853,7 @@
           <p:cNvPr id="60" name="TextBox 59">
             <a:extLst>
               <a:ext uri="{FF2B5EF4-FFF2-40B4-BE49-F238E27FC236}">
-                <a16:creationId xmlns:a16="http://schemas.microsoft.com/office/drawing/2014/main" xmlns="" id="{635E5AB3-11BB-4188-A9F5-6624D8487908}"/>
+                <a16:creationId xmlns="" xmlns:a16="http://schemas.microsoft.com/office/drawing/2014/main" id="{635E5AB3-11BB-4188-A9F5-6624D8487908}"/>
               </a:ext>
             </a:extLst>
           </p:cNvPr>
@@ -26134,7 +25927,7 @@
           <p:cNvPr id="43" name="TextBox 42">
             <a:extLst>
               <a:ext uri="{FF2B5EF4-FFF2-40B4-BE49-F238E27FC236}">
-                <a16:creationId xmlns:a16="http://schemas.microsoft.com/office/drawing/2014/main" xmlns="" id="{C66D85E0-1A23-448C-9466-6DADEA26156A}"/>
+                <a16:creationId xmlns="" xmlns:a16="http://schemas.microsoft.com/office/drawing/2014/main" id="{C66D85E0-1A23-448C-9466-6DADEA26156A}"/>
               </a:ext>
             </a:extLst>
           </p:cNvPr>
@@ -26175,7 +25968,7 @@
           <p:cNvPr id="44" name="TextBox 43">
             <a:extLst>
               <a:ext uri="{FF2B5EF4-FFF2-40B4-BE49-F238E27FC236}">
-                <a16:creationId xmlns:a16="http://schemas.microsoft.com/office/drawing/2014/main" xmlns="" id="{73BB0B6F-DBD2-4682-88DA-A68E1C43C8EE}"/>
+                <a16:creationId xmlns="" xmlns:a16="http://schemas.microsoft.com/office/drawing/2014/main" id="{73BB0B6F-DBD2-4682-88DA-A68E1C43C8EE}"/>
               </a:ext>
             </a:extLst>
           </p:cNvPr>
@@ -26216,7 +26009,7 @@
           <p:cNvPr id="45" name="TextBox 44">
             <a:extLst>
               <a:ext uri="{FF2B5EF4-FFF2-40B4-BE49-F238E27FC236}">
-                <a16:creationId xmlns:a16="http://schemas.microsoft.com/office/drawing/2014/main" xmlns="" id="{06BB9D57-20AB-4911-8F91-1EAAD2C3D635}"/>
+                <a16:creationId xmlns="" xmlns:a16="http://schemas.microsoft.com/office/drawing/2014/main" id="{06BB9D57-20AB-4911-8F91-1EAAD2C3D635}"/>
               </a:ext>
             </a:extLst>
           </p:cNvPr>
@@ -26251,7 +26044,7 @@
           <p:cNvPr id="46" name="TextBox 45">
             <a:extLst>
               <a:ext uri="{FF2B5EF4-FFF2-40B4-BE49-F238E27FC236}">
-                <a16:creationId xmlns:a16="http://schemas.microsoft.com/office/drawing/2014/main" xmlns="" id="{6BDA7693-CA76-4C97-8FED-A4A65AB5032B}"/>
+                <a16:creationId xmlns="" xmlns:a16="http://schemas.microsoft.com/office/drawing/2014/main" id="{6BDA7693-CA76-4C97-8FED-A4A65AB5032B}"/>
               </a:ext>
             </a:extLst>
           </p:cNvPr>
@@ -26292,7 +26085,7 @@
           <p:cNvPr id="47" name="TextBox 46">
             <a:extLst>
               <a:ext uri="{FF2B5EF4-FFF2-40B4-BE49-F238E27FC236}">
-                <a16:creationId xmlns:a16="http://schemas.microsoft.com/office/drawing/2014/main" xmlns="" id="{F3FF60E3-5733-4A51-BB64-B5D227CFB6FE}"/>
+                <a16:creationId xmlns="" xmlns:a16="http://schemas.microsoft.com/office/drawing/2014/main" id="{F3FF60E3-5733-4A51-BB64-B5D227CFB6FE}"/>
               </a:ext>
             </a:extLst>
           </p:cNvPr>
@@ -26333,7 +26126,7 @@
           <p:cNvPr id="48" name="TextBox 47">
             <a:extLst>
               <a:ext uri="{FF2B5EF4-FFF2-40B4-BE49-F238E27FC236}">
-                <a16:creationId xmlns:a16="http://schemas.microsoft.com/office/drawing/2014/main" xmlns="" id="{6CFBFA02-2444-480B-B78F-A1A7AD55973E}"/>
+                <a16:creationId xmlns="" xmlns:a16="http://schemas.microsoft.com/office/drawing/2014/main" id="{6CFBFA02-2444-480B-B78F-A1A7AD55973E}"/>
               </a:ext>
             </a:extLst>
           </p:cNvPr>
@@ -27124,7 +26917,7 @@
           <p:cNvPr id="12" name="TextBox 45">
             <a:extLst>
               <a:ext uri="{FF2B5EF4-FFF2-40B4-BE49-F238E27FC236}">
-                <a16:creationId xmlns:a16="http://schemas.microsoft.com/office/drawing/2014/main" xmlns="" id="{6BDA7693-CA76-4C97-8FED-A4A65AB5032B}"/>
+                <a16:creationId xmlns="" xmlns:a16="http://schemas.microsoft.com/office/drawing/2014/main" id="{6BDA7693-CA76-4C97-8FED-A4A65AB5032B}"/>
               </a:ext>
             </a:extLst>
           </p:cNvPr>
@@ -27802,7 +27595,7 @@
           <p:cNvPr id="33" name="TextBox 45">
             <a:extLst>
               <a:ext uri="{FF2B5EF4-FFF2-40B4-BE49-F238E27FC236}">
-                <a16:creationId xmlns:a16="http://schemas.microsoft.com/office/drawing/2014/main" xmlns="" id="{6BDA7693-CA76-4C97-8FED-A4A65AB5032B}"/>
+                <a16:creationId xmlns="" xmlns:a16="http://schemas.microsoft.com/office/drawing/2014/main" id="{6BDA7693-CA76-4C97-8FED-A4A65AB5032B}"/>
               </a:ext>
             </a:extLst>
           </p:cNvPr>
@@ -27838,7 +27631,7 @@
           <p:cNvPr id="34" name="TextBox 45">
             <a:extLst>
               <a:ext uri="{FF2B5EF4-FFF2-40B4-BE49-F238E27FC236}">
-                <a16:creationId xmlns:a16="http://schemas.microsoft.com/office/drawing/2014/main" xmlns="" id="{6BDA7693-CA76-4C97-8FED-A4A65AB5032B}"/>
+                <a16:creationId xmlns="" xmlns:a16="http://schemas.microsoft.com/office/drawing/2014/main" id="{6BDA7693-CA76-4C97-8FED-A4A65AB5032B}"/>
               </a:ext>
             </a:extLst>
           </p:cNvPr>
@@ -28248,7 +28041,7 @@
           <p:cNvPr id="52" name="TextBox 45">
             <a:extLst>
               <a:ext uri="{FF2B5EF4-FFF2-40B4-BE49-F238E27FC236}">
-                <a16:creationId xmlns:a16="http://schemas.microsoft.com/office/drawing/2014/main" xmlns="" id="{6BDA7693-CA76-4C97-8FED-A4A65AB5032B}"/>
+                <a16:creationId xmlns="" xmlns:a16="http://schemas.microsoft.com/office/drawing/2014/main" id="{6BDA7693-CA76-4C97-8FED-A4A65AB5032B}"/>
               </a:ext>
             </a:extLst>
           </p:cNvPr>

--- a/health/userDocs/UniboFigs.pptx
+++ b/health/userDocs/UniboFigs.pptx
@@ -19,13 +19,14 @@
     <p:sldId id="271" r:id="rId13"/>
     <p:sldId id="270" r:id="rId14"/>
     <p:sldId id="272" r:id="rId15"/>
-    <p:sldId id="277" r:id="rId16"/>
-    <p:sldId id="278" r:id="rId17"/>
-    <p:sldId id="280" r:id="rId18"/>
-    <p:sldId id="273" r:id="rId19"/>
-    <p:sldId id="274" r:id="rId20"/>
-    <p:sldId id="275" r:id="rId21"/>
-    <p:sldId id="276" r:id="rId22"/>
+    <p:sldId id="281" r:id="rId16"/>
+    <p:sldId id="277" r:id="rId17"/>
+    <p:sldId id="278" r:id="rId18"/>
+    <p:sldId id="280" r:id="rId19"/>
+    <p:sldId id="273" r:id="rId20"/>
+    <p:sldId id="274" r:id="rId21"/>
+    <p:sldId id="275" r:id="rId22"/>
+    <p:sldId id="276" r:id="rId23"/>
   </p:sldIdLst>
   <p:sldSz cx="9144000" cy="6858000" type="screen4x3"/>
   <p:notesSz cx="6858000" cy="9144000"/>
@@ -126,7 +127,7 @@
   </p:defaultTextStyle>
   <p:extLst>
     <p:ext uri="{EFAFB233-063F-42B5-8137-9DF3F51BA10A}">
-      <p15:sldGuideLst xmlns="" xmlns:p15="http://schemas.microsoft.com/office/powerpoint/2012/main">
+      <p15:sldGuideLst xmlns:p15="http://schemas.microsoft.com/office/powerpoint/2012/main" xmlns="">
         <p15:guide id="1" orient="horz" pos="2160">
           <p15:clr>
             <a:srgbClr val="A4A3A4"/>
@@ -324,7 +325,7 @@
           <a:p>
             <a:fld id="{486DFF9D-000F-417D-A1D1-C441A4010B1E}" type="datetimeFigureOut">
               <a:rPr lang="en-GB" smtClean="0"/>
-              <a:t>24/08/2020</a:t>
+              <a:t>26/08/2020</a:t>
             </a:fld>
             <a:endParaRPr lang="en-GB"/>
           </a:p>
@@ -494,7 +495,7 @@
           <a:p>
             <a:fld id="{486DFF9D-000F-417D-A1D1-C441A4010B1E}" type="datetimeFigureOut">
               <a:rPr lang="en-GB" smtClean="0"/>
-              <a:t>24/08/2020</a:t>
+              <a:t>26/08/2020</a:t>
             </a:fld>
             <a:endParaRPr lang="en-GB"/>
           </a:p>
@@ -674,7 +675,7 @@
           <a:p>
             <a:fld id="{486DFF9D-000F-417D-A1D1-C441A4010B1E}" type="datetimeFigureOut">
               <a:rPr lang="en-GB" smtClean="0"/>
-              <a:t>24/08/2020</a:t>
+              <a:t>26/08/2020</a:t>
             </a:fld>
             <a:endParaRPr lang="en-GB"/>
           </a:p>
@@ -844,7 +845,7 @@
           <a:p>
             <a:fld id="{486DFF9D-000F-417D-A1D1-C441A4010B1E}" type="datetimeFigureOut">
               <a:rPr lang="en-GB" smtClean="0"/>
-              <a:t>24/08/2020</a:t>
+              <a:t>26/08/2020</a:t>
             </a:fld>
             <a:endParaRPr lang="en-GB"/>
           </a:p>
@@ -1090,7 +1091,7 @@
           <a:p>
             <a:fld id="{486DFF9D-000F-417D-A1D1-C441A4010B1E}" type="datetimeFigureOut">
               <a:rPr lang="en-GB" smtClean="0"/>
-              <a:t>24/08/2020</a:t>
+              <a:t>26/08/2020</a:t>
             </a:fld>
             <a:endParaRPr lang="en-GB"/>
           </a:p>
@@ -1378,7 +1379,7 @@
           <a:p>
             <a:fld id="{486DFF9D-000F-417D-A1D1-C441A4010B1E}" type="datetimeFigureOut">
               <a:rPr lang="en-GB" smtClean="0"/>
-              <a:t>24/08/2020</a:t>
+              <a:t>26/08/2020</a:t>
             </a:fld>
             <a:endParaRPr lang="en-GB"/>
           </a:p>
@@ -1800,7 +1801,7 @@
           <a:p>
             <a:fld id="{486DFF9D-000F-417D-A1D1-C441A4010B1E}" type="datetimeFigureOut">
               <a:rPr lang="en-GB" smtClean="0"/>
-              <a:t>24/08/2020</a:t>
+              <a:t>26/08/2020</a:t>
             </a:fld>
             <a:endParaRPr lang="en-GB"/>
           </a:p>
@@ -1918,7 +1919,7 @@
           <a:p>
             <a:fld id="{486DFF9D-000F-417D-A1D1-C441A4010B1E}" type="datetimeFigureOut">
               <a:rPr lang="en-GB" smtClean="0"/>
-              <a:t>24/08/2020</a:t>
+              <a:t>26/08/2020</a:t>
             </a:fld>
             <a:endParaRPr lang="en-GB"/>
           </a:p>
@@ -2013,7 +2014,7 @@
           <a:p>
             <a:fld id="{486DFF9D-000F-417D-A1D1-C441A4010B1E}" type="datetimeFigureOut">
               <a:rPr lang="en-GB" smtClean="0"/>
-              <a:t>24/08/2020</a:t>
+              <a:t>26/08/2020</a:t>
             </a:fld>
             <a:endParaRPr lang="en-GB"/>
           </a:p>
@@ -2290,7 +2291,7 @@
           <a:p>
             <a:fld id="{486DFF9D-000F-417D-A1D1-C441A4010B1E}" type="datetimeFigureOut">
               <a:rPr lang="en-GB" smtClean="0"/>
-              <a:t>24/08/2020</a:t>
+              <a:t>26/08/2020</a:t>
             </a:fld>
             <a:endParaRPr lang="en-GB"/>
           </a:p>
@@ -2543,7 +2544,7 @@
           <a:p>
             <a:fld id="{486DFF9D-000F-417D-A1D1-C441A4010B1E}" type="datetimeFigureOut">
               <a:rPr lang="en-GB" smtClean="0"/>
-              <a:t>24/08/2020</a:t>
+              <a:t>26/08/2020</a:t>
             </a:fld>
             <a:endParaRPr lang="en-GB"/>
           </a:p>
@@ -2756,7 +2757,7 @@
           <a:p>
             <a:fld id="{486DFF9D-000F-417D-A1D1-C441A4010B1E}" type="datetimeFigureOut">
               <a:rPr lang="en-GB" smtClean="0"/>
-              <a:t>24/08/2020</a:t>
+              <a:t>26/08/2020</a:t>
             </a:fld>
             <a:endParaRPr lang="en-GB"/>
           </a:p>
@@ -6173,7 +6174,7 @@
           <p:cNvPr id="12" name="TextBox 45">
             <a:extLst>
               <a:ext uri="{FF2B5EF4-FFF2-40B4-BE49-F238E27FC236}">
-                <a16:creationId xmlns="" xmlns:a16="http://schemas.microsoft.com/office/drawing/2014/main" id="{6BDA7693-CA76-4C97-8FED-A4A65AB5032B}"/>
+                <a16:creationId xmlns:a16="http://schemas.microsoft.com/office/drawing/2014/main" xmlns="" id="{6BDA7693-CA76-4C97-8FED-A4A65AB5032B}"/>
               </a:ext>
             </a:extLst>
           </p:cNvPr>
@@ -7721,7 +7722,7 @@
           <p:cNvPr id="12" name="TextBox 45">
             <a:extLst>
               <a:ext uri="{FF2B5EF4-FFF2-40B4-BE49-F238E27FC236}">
-                <a16:creationId xmlns="" xmlns:a16="http://schemas.microsoft.com/office/drawing/2014/main" id="{6BDA7693-CA76-4C97-8FED-A4A65AB5032B}"/>
+                <a16:creationId xmlns:a16="http://schemas.microsoft.com/office/drawing/2014/main" xmlns="" id="{6BDA7693-CA76-4C97-8FED-A4A65AB5032B}"/>
               </a:ext>
             </a:extLst>
           </p:cNvPr>
@@ -9734,7 +9735,7 @@
           <p:cNvPr id="6" name="TextBox 45">
             <a:extLst>
               <a:ext uri="{FF2B5EF4-FFF2-40B4-BE49-F238E27FC236}">
-                <a16:creationId xmlns="" xmlns:a16="http://schemas.microsoft.com/office/drawing/2014/main" id="{6BDA7693-CA76-4C97-8FED-A4A65AB5032B}"/>
+                <a16:creationId xmlns:a16="http://schemas.microsoft.com/office/drawing/2014/main" xmlns="" id="{6BDA7693-CA76-4C97-8FED-A4A65AB5032B}"/>
               </a:ext>
             </a:extLst>
           </p:cNvPr>
@@ -10242,7 +10243,7 @@
           <p:cNvPr id="27" name="TextBox 45">
             <a:extLst>
               <a:ext uri="{FF2B5EF4-FFF2-40B4-BE49-F238E27FC236}">
-                <a16:creationId xmlns="" xmlns:a16="http://schemas.microsoft.com/office/drawing/2014/main" id="{6BDA7693-CA76-4C97-8FED-A4A65AB5032B}"/>
+                <a16:creationId xmlns:a16="http://schemas.microsoft.com/office/drawing/2014/main" xmlns="" id="{6BDA7693-CA76-4C97-8FED-A4A65AB5032B}"/>
               </a:ext>
             </a:extLst>
           </p:cNvPr>
@@ -10278,7 +10279,7 @@
           <p:cNvPr id="28" name="TextBox 45">
             <a:extLst>
               <a:ext uri="{FF2B5EF4-FFF2-40B4-BE49-F238E27FC236}">
-                <a16:creationId xmlns="" xmlns:a16="http://schemas.microsoft.com/office/drawing/2014/main" id="{6BDA7693-CA76-4C97-8FED-A4A65AB5032B}"/>
+                <a16:creationId xmlns:a16="http://schemas.microsoft.com/office/drawing/2014/main" xmlns="" id="{6BDA7693-CA76-4C97-8FED-A4A65AB5032B}"/>
               </a:ext>
             </a:extLst>
           </p:cNvPr>
@@ -11826,7 +11827,7 @@
           <p:cNvPr id="6" name="TextBox 45">
             <a:extLst>
               <a:ext uri="{FF2B5EF4-FFF2-40B4-BE49-F238E27FC236}">
-                <a16:creationId xmlns="" xmlns:a16="http://schemas.microsoft.com/office/drawing/2014/main" id="{6BDA7693-CA76-4C97-8FED-A4A65AB5032B}"/>
+                <a16:creationId xmlns:a16="http://schemas.microsoft.com/office/drawing/2014/main" xmlns="" id="{6BDA7693-CA76-4C97-8FED-A4A65AB5032B}"/>
               </a:ext>
             </a:extLst>
           </p:cNvPr>
@@ -13148,6 +13149,1616 @@
       </p:grpSpPr>
       <p:cxnSp>
         <p:nvCxnSpPr>
+          <p:cNvPr id="39" name="Connettore 1 38"/>
+          <p:cNvCxnSpPr/>
+          <p:nvPr/>
+        </p:nvCxnSpPr>
+        <p:spPr>
+          <a:xfrm flipH="1">
+            <a:off x="3170215" y="1288864"/>
+            <a:ext cx="33952" cy="3130316"/>
+          </a:xfrm>
+          <a:prstGeom prst="line">
+            <a:avLst/>
+          </a:prstGeom>
+        </p:spPr>
+        <p:style>
+          <a:lnRef idx="1">
+            <a:schemeClr val="accent1"/>
+          </a:lnRef>
+          <a:fillRef idx="0">
+            <a:schemeClr val="accent1"/>
+          </a:fillRef>
+          <a:effectRef idx="0">
+            <a:schemeClr val="accent1"/>
+          </a:effectRef>
+          <a:fontRef idx="minor">
+            <a:schemeClr val="tx1"/>
+          </a:fontRef>
+        </p:style>
+      </p:cxnSp>
+      <p:cxnSp>
+        <p:nvCxnSpPr>
+          <p:cNvPr id="40" name="Connettore 1 39"/>
+          <p:cNvCxnSpPr/>
+          <p:nvPr/>
+        </p:nvCxnSpPr>
+        <p:spPr>
+          <a:xfrm>
+            <a:off x="5773965" y="1096756"/>
+            <a:ext cx="0" cy="3400564"/>
+          </a:xfrm>
+          <a:prstGeom prst="line">
+            <a:avLst/>
+          </a:prstGeom>
+        </p:spPr>
+        <p:style>
+          <a:lnRef idx="1">
+            <a:schemeClr val="accent1"/>
+          </a:lnRef>
+          <a:fillRef idx="0">
+            <a:schemeClr val="accent1"/>
+          </a:fillRef>
+          <a:effectRef idx="0">
+            <a:schemeClr val="accent1"/>
+          </a:effectRef>
+          <a:fontRef idx="minor">
+            <a:schemeClr val="tx1"/>
+          </a:fontRef>
+        </p:style>
+      </p:cxnSp>
+      <p:grpSp>
+        <p:nvGrpSpPr>
+          <p:cNvPr id="2" name="Gruppo 1"/>
+          <p:cNvGrpSpPr/>
+          <p:nvPr/>
+        </p:nvGrpSpPr>
+        <p:grpSpPr>
+          <a:xfrm>
+            <a:off x="6432359" y="3248126"/>
+            <a:ext cx="805955" cy="772447"/>
+            <a:chOff x="565700" y="4940367"/>
+            <a:chExt cx="805955" cy="772447"/>
+          </a:xfrm>
+        </p:grpSpPr>
+        <p:sp>
+          <p:nvSpPr>
+            <p:cNvPr id="3" name="Ovale 2"/>
+            <p:cNvSpPr/>
+            <p:nvPr/>
+          </p:nvSpPr>
+          <p:spPr>
+            <a:xfrm>
+              <a:off x="565700" y="4983583"/>
+              <a:ext cx="805955" cy="729231"/>
+            </a:xfrm>
+            <a:prstGeom prst="ellipse">
+              <a:avLst/>
+            </a:prstGeom>
+            <a:solidFill>
+              <a:srgbClr val="FF99CC"/>
+            </a:solidFill>
+          </p:spPr>
+          <p:style>
+            <a:lnRef idx="2">
+              <a:schemeClr val="accent1">
+                <a:shade val="50000"/>
+              </a:schemeClr>
+            </a:lnRef>
+            <a:fillRef idx="1">
+              <a:schemeClr val="accent1"/>
+            </a:fillRef>
+            <a:effectRef idx="0">
+              <a:schemeClr val="accent1"/>
+            </a:effectRef>
+            <a:fontRef idx="minor">
+              <a:schemeClr val="lt1"/>
+            </a:fontRef>
+          </p:style>
+          <p:txBody>
+            <a:bodyPr rtlCol="0" anchor="ctr"/>
+            <a:lstStyle/>
+            <a:p>
+              <a:pPr algn="ctr"/>
+              <a:r>
+                <a:rPr lang="en-GB" dirty="0">
+                  <a:solidFill>
+                    <a:schemeClr val="lt1"/>
+                  </a:solidFill>
+                </a:rPr>
+                <a:t> </a:t>
+              </a:r>
+            </a:p>
+          </p:txBody>
+        </p:sp>
+        <p:sp>
+          <p:nvSpPr>
+            <p:cNvPr id="4" name="Triangolo isoscele 3"/>
+            <p:cNvSpPr/>
+            <p:nvPr/>
+          </p:nvSpPr>
+          <p:spPr>
+            <a:xfrm rot="16200000">
+              <a:off x="905299" y="4913952"/>
+              <a:ext cx="86434" cy="139263"/>
+            </a:xfrm>
+            <a:prstGeom prst="triangle">
+              <a:avLst/>
+            </a:prstGeom>
+            <a:solidFill>
+              <a:srgbClr val="FF99CC"/>
+            </a:solidFill>
+            <a:ln>
+              <a:solidFill>
+                <a:schemeClr val="tx1"/>
+              </a:solidFill>
+            </a:ln>
+          </p:spPr>
+          <p:style>
+            <a:lnRef idx="2">
+              <a:schemeClr val="accent1">
+                <a:shade val="50000"/>
+              </a:schemeClr>
+            </a:lnRef>
+            <a:fillRef idx="1">
+              <a:schemeClr val="accent1"/>
+            </a:fillRef>
+            <a:effectRef idx="0">
+              <a:schemeClr val="accent1"/>
+            </a:effectRef>
+            <a:fontRef idx="minor">
+              <a:schemeClr val="lt1"/>
+            </a:fontRef>
+          </p:style>
+          <p:txBody>
+            <a:bodyPr rtlCol="0" anchor="ctr"/>
+            <a:lstStyle/>
+            <a:p>
+              <a:pPr algn="ctr"/>
+              <a:endParaRPr lang="en-GB">
+                <a:solidFill>
+                  <a:schemeClr val="lt1"/>
+                </a:solidFill>
+              </a:endParaRPr>
+            </a:p>
+          </p:txBody>
+        </p:sp>
+      </p:grpSp>
+      <p:sp>
+        <p:nvSpPr>
+          <p:cNvPr id="5" name="CasellaDiTesto 4"/>
+          <p:cNvSpPr txBox="1"/>
+          <p:nvPr/>
+        </p:nvSpPr>
+        <p:spPr>
+          <a:xfrm>
+            <a:off x="6572463" y="1205059"/>
+            <a:ext cx="1460528" cy="369332"/>
+          </a:xfrm>
+          <a:prstGeom prst="rect">
+            <a:avLst/>
+          </a:prstGeom>
+          <a:noFill/>
+        </p:spPr>
+        <p:txBody>
+          <a:bodyPr wrap="none" rtlCol="0">
+            <a:spAutoFit/>
+          </a:bodyPr>
+          <a:lstStyle/>
+          <a:p>
+            <a:r>
+              <a:rPr lang="en-GB" b="1" dirty="0" err="1"/>
+              <a:t>CentroHealth</a:t>
+            </a:r>
+            <a:endParaRPr lang="en-GB" dirty="0"/>
+          </a:p>
+        </p:txBody>
+      </p:sp>
+      <p:sp>
+        <p:nvSpPr>
+          <p:cNvPr id="6" name="TextBox 45">
+            <a:extLst>
+              <a:ext uri="{FF2B5EF4-FFF2-40B4-BE49-F238E27FC236}">
+                <a16:creationId xmlns:a16="http://schemas.microsoft.com/office/drawing/2014/main" xmlns="" id="{6BDA7693-CA76-4C97-8FED-A4A65AB5032B}"/>
+              </a:ext>
+            </a:extLst>
+          </p:cNvPr>
+          <p:cNvSpPr txBox="1"/>
+          <p:nvPr/>
+        </p:nvSpPr>
+        <p:spPr>
+          <a:xfrm>
+            <a:off x="3648643" y="1205059"/>
+            <a:ext cx="1568443" cy="369332"/>
+          </a:xfrm>
+          <a:prstGeom prst="rect">
+            <a:avLst/>
+          </a:prstGeom>
+          <a:noFill/>
+        </p:spPr>
+        <p:txBody>
+          <a:bodyPr wrap="none" rtlCol="0">
+            <a:spAutoFit/>
+          </a:bodyPr>
+          <a:lstStyle/>
+          <a:p>
+            <a:r>
+              <a:rPr lang="en-US" b="1" dirty="0" err="1"/>
+              <a:t>HealthProduct</a:t>
+            </a:r>
+            <a:endParaRPr lang="en-US" b="1" dirty="0"/>
+          </a:p>
+        </p:txBody>
+      </p:sp>
+      <p:grpSp>
+        <p:nvGrpSpPr>
+          <p:cNvPr id="7" name="Gruppo 6"/>
+          <p:cNvGrpSpPr/>
+          <p:nvPr/>
+        </p:nvGrpSpPr>
+        <p:grpSpPr>
+          <a:xfrm>
+            <a:off x="3971455" y="2036757"/>
+            <a:ext cx="805955" cy="772447"/>
+            <a:chOff x="565700" y="4940367"/>
+            <a:chExt cx="805955" cy="772447"/>
+          </a:xfrm>
+        </p:grpSpPr>
+        <p:sp>
+          <p:nvSpPr>
+            <p:cNvPr id="8" name="Ovale 7"/>
+            <p:cNvSpPr/>
+            <p:nvPr/>
+          </p:nvSpPr>
+          <p:spPr>
+            <a:xfrm>
+              <a:off x="565700" y="4983583"/>
+              <a:ext cx="805955" cy="729231"/>
+            </a:xfrm>
+            <a:prstGeom prst="ellipse">
+              <a:avLst/>
+            </a:prstGeom>
+            <a:ln/>
+          </p:spPr>
+          <p:style>
+            <a:lnRef idx="1">
+              <a:schemeClr val="accent4"/>
+            </a:lnRef>
+            <a:fillRef idx="2">
+              <a:schemeClr val="accent4"/>
+            </a:fillRef>
+            <a:effectRef idx="1">
+              <a:schemeClr val="accent4"/>
+            </a:effectRef>
+            <a:fontRef idx="minor">
+              <a:schemeClr val="dk1"/>
+            </a:fontRef>
+          </p:style>
+          <p:txBody>
+            <a:bodyPr rtlCol="0" anchor="ctr"/>
+            <a:lstStyle/>
+            <a:p>
+              <a:pPr algn="ctr"/>
+              <a:r>
+                <a:rPr lang="en-GB" sz="1200" dirty="0"/>
+                <a:t> </a:t>
+              </a:r>
+            </a:p>
+          </p:txBody>
+        </p:sp>
+        <p:sp>
+          <p:nvSpPr>
+            <p:cNvPr id="9" name="Triangolo isoscele 8"/>
+            <p:cNvSpPr/>
+            <p:nvPr/>
+          </p:nvSpPr>
+          <p:spPr>
+            <a:xfrm rot="16200000">
+              <a:off x="905299" y="4913952"/>
+              <a:ext cx="86434" cy="139263"/>
+            </a:xfrm>
+            <a:prstGeom prst="triangle">
+              <a:avLst/>
+            </a:prstGeom>
+            <a:solidFill>
+              <a:srgbClr val="C00000"/>
+            </a:solidFill>
+            <a:ln/>
+          </p:spPr>
+          <p:style>
+            <a:lnRef idx="1">
+              <a:schemeClr val="accent5"/>
+            </a:lnRef>
+            <a:fillRef idx="2">
+              <a:schemeClr val="accent5"/>
+            </a:fillRef>
+            <a:effectRef idx="1">
+              <a:schemeClr val="accent5"/>
+            </a:effectRef>
+            <a:fontRef idx="minor">
+              <a:schemeClr val="dk1"/>
+            </a:fontRef>
+          </p:style>
+          <p:txBody>
+            <a:bodyPr rtlCol="0" anchor="ctr"/>
+            <a:lstStyle/>
+            <a:p>
+              <a:pPr algn="ctr"/>
+              <a:endParaRPr lang="en-GB" sz="1200">
+                <a:solidFill>
+                  <a:schemeClr val="dk1"/>
+                </a:solidFill>
+              </a:endParaRPr>
+            </a:p>
+          </p:txBody>
+        </p:sp>
+      </p:grpSp>
+      <p:grpSp>
+        <p:nvGrpSpPr>
+          <p:cNvPr id="16" name="Gruppo 15"/>
+          <p:cNvGrpSpPr/>
+          <p:nvPr/>
+        </p:nvGrpSpPr>
+        <p:grpSpPr>
+          <a:xfrm>
+            <a:off x="5259578" y="3480121"/>
+            <a:ext cx="666895" cy="86434"/>
+            <a:chOff x="4592177" y="4419530"/>
+            <a:chExt cx="666895" cy="86434"/>
+          </a:xfrm>
+        </p:grpSpPr>
+        <p:cxnSp>
+          <p:nvCxnSpPr>
+            <p:cNvPr id="17" name="Connettore 1 16"/>
+            <p:cNvCxnSpPr/>
+            <p:nvPr/>
+          </p:nvCxnSpPr>
+          <p:spPr>
+            <a:xfrm>
+              <a:off x="4611000" y="4462747"/>
+              <a:ext cx="648072" cy="0"/>
+            </a:xfrm>
+            <a:prstGeom prst="line">
+              <a:avLst/>
+            </a:prstGeom>
+            <a:ln/>
+          </p:spPr>
+          <p:style>
+            <a:lnRef idx="1">
+              <a:schemeClr val="accent6"/>
+            </a:lnRef>
+            <a:fillRef idx="2">
+              <a:schemeClr val="accent6"/>
+            </a:fillRef>
+            <a:effectRef idx="1">
+              <a:schemeClr val="accent6"/>
+            </a:effectRef>
+            <a:fontRef idx="minor">
+              <a:schemeClr val="dk1"/>
+            </a:fontRef>
+          </p:style>
+        </p:cxnSp>
+        <p:sp>
+          <p:nvSpPr>
+            <p:cNvPr id="18" name="Triangolo isoscele 17"/>
+            <p:cNvSpPr/>
+            <p:nvPr/>
+          </p:nvSpPr>
+          <p:spPr>
+            <a:xfrm rot="16200000">
+              <a:off x="4618592" y="4393115"/>
+              <a:ext cx="86434" cy="139263"/>
+            </a:xfrm>
+            <a:prstGeom prst="triangle">
+              <a:avLst/>
+            </a:prstGeom>
+            <a:ln/>
+          </p:spPr>
+          <p:style>
+            <a:lnRef idx="1">
+              <a:schemeClr val="accent6"/>
+            </a:lnRef>
+            <a:fillRef idx="2">
+              <a:schemeClr val="accent6"/>
+            </a:fillRef>
+            <a:effectRef idx="1">
+              <a:schemeClr val="accent6"/>
+            </a:effectRef>
+            <a:fontRef idx="minor">
+              <a:schemeClr val="dk1"/>
+            </a:fontRef>
+          </p:style>
+          <p:txBody>
+            <a:bodyPr rtlCol="0" anchor="ctr"/>
+            <a:lstStyle/>
+            <a:p>
+              <a:pPr algn="ctr"/>
+              <a:endParaRPr lang="en-GB" sz="1200"/>
+            </a:p>
+          </p:txBody>
+        </p:sp>
+      </p:grpSp>
+      <p:grpSp>
+        <p:nvGrpSpPr>
+          <p:cNvPr id="19" name="Gruppo 18"/>
+          <p:cNvGrpSpPr/>
+          <p:nvPr/>
+        </p:nvGrpSpPr>
+        <p:grpSpPr>
+          <a:xfrm>
+            <a:off x="5251491" y="3283916"/>
+            <a:ext cx="787334" cy="86434"/>
+            <a:chOff x="3452446" y="4176616"/>
+            <a:chExt cx="787334" cy="86434"/>
+          </a:xfrm>
+        </p:grpSpPr>
+        <p:sp>
+          <p:nvSpPr>
+            <p:cNvPr id="20" name="Triangolo isoscele 19"/>
+            <p:cNvSpPr/>
+            <p:nvPr/>
+          </p:nvSpPr>
+          <p:spPr>
+            <a:xfrm rot="5400000" flipH="1">
+              <a:off x="4126932" y="4150201"/>
+              <a:ext cx="86434" cy="139263"/>
+            </a:xfrm>
+            <a:prstGeom prst="triangle">
+              <a:avLst/>
+            </a:prstGeom>
+            <a:ln/>
+          </p:spPr>
+          <p:style>
+            <a:lnRef idx="1">
+              <a:schemeClr val="accent6"/>
+            </a:lnRef>
+            <a:fillRef idx="2">
+              <a:schemeClr val="accent6"/>
+            </a:fillRef>
+            <a:effectRef idx="1">
+              <a:schemeClr val="accent6"/>
+            </a:effectRef>
+            <a:fontRef idx="minor">
+              <a:schemeClr val="dk1"/>
+            </a:fontRef>
+          </p:style>
+          <p:txBody>
+            <a:bodyPr rtlCol="0" anchor="ctr"/>
+            <a:lstStyle/>
+            <a:p>
+              <a:pPr algn="ctr"/>
+              <a:endParaRPr lang="en-GB" sz="1200"/>
+            </a:p>
+          </p:txBody>
+        </p:sp>
+        <p:cxnSp>
+          <p:nvCxnSpPr>
+            <p:cNvPr id="21" name="Connettore 1 20"/>
+            <p:cNvCxnSpPr>
+              <a:endCxn id="20" idx="3"/>
+            </p:cNvCxnSpPr>
+            <p:nvPr/>
+          </p:nvCxnSpPr>
+          <p:spPr>
+            <a:xfrm>
+              <a:off x="3452446" y="4219627"/>
+              <a:ext cx="648072" cy="206"/>
+            </a:xfrm>
+            <a:prstGeom prst="line">
+              <a:avLst/>
+            </a:prstGeom>
+          </p:spPr>
+          <p:style>
+            <a:lnRef idx="1">
+              <a:schemeClr val="accent6"/>
+            </a:lnRef>
+            <a:fillRef idx="2">
+              <a:schemeClr val="accent6"/>
+            </a:fillRef>
+            <a:effectRef idx="1">
+              <a:schemeClr val="accent6"/>
+            </a:effectRef>
+            <a:fontRef idx="minor">
+              <a:schemeClr val="dk1"/>
+            </a:fontRef>
+          </p:style>
+        </p:cxnSp>
+      </p:grpSp>
+      <p:sp>
+        <p:nvSpPr>
+          <p:cNvPr id="35" name="Rettangolo 34"/>
+          <p:cNvSpPr/>
+          <p:nvPr/>
+        </p:nvSpPr>
+        <p:spPr>
+          <a:xfrm>
+            <a:off x="860950" y="1217239"/>
+            <a:ext cx="1004827" cy="369332"/>
+          </a:xfrm>
+          <a:prstGeom prst="rect">
+            <a:avLst/>
+          </a:prstGeom>
+        </p:spPr>
+        <p:txBody>
+          <a:bodyPr wrap="none">
+            <a:spAutoFit/>
+          </a:bodyPr>
+          <a:lstStyle/>
+          <a:p>
+            <a:r>
+              <a:rPr lang="en-GB" b="1" dirty="0" smtClean="0"/>
+              <a:t>Core-</a:t>
+            </a:r>
+            <a:r>
+              <a:rPr lang="en-GB" b="1" dirty="0" err="1" smtClean="0"/>
+              <a:t>Itel</a:t>
+            </a:r>
+            <a:endParaRPr lang="en-GB" dirty="0"/>
+          </a:p>
+        </p:txBody>
+      </p:sp>
+      <p:cxnSp>
+        <p:nvCxnSpPr>
+          <p:cNvPr id="36" name="Connettore 1 35"/>
+          <p:cNvCxnSpPr/>
+          <p:nvPr/>
+        </p:nvCxnSpPr>
+        <p:spPr>
+          <a:xfrm>
+            <a:off x="738151" y="1555674"/>
+            <a:ext cx="7465934" cy="1"/>
+          </a:xfrm>
+          <a:prstGeom prst="line">
+            <a:avLst/>
+          </a:prstGeom>
+        </p:spPr>
+        <p:style>
+          <a:lnRef idx="1">
+            <a:schemeClr val="accent1"/>
+          </a:lnRef>
+          <a:fillRef idx="0">
+            <a:schemeClr val="accent1"/>
+          </a:fillRef>
+          <a:effectRef idx="0">
+            <a:schemeClr val="accent1"/>
+          </a:effectRef>
+          <a:fontRef idx="minor">
+            <a:schemeClr val="tx1"/>
+          </a:fontRef>
+        </p:style>
+      </p:cxnSp>
+      <p:sp>
+        <p:nvSpPr>
+          <p:cNvPr id="37" name="CasellaDiTesto 36"/>
+          <p:cNvSpPr txBox="1"/>
+          <p:nvPr/>
+        </p:nvSpPr>
+        <p:spPr>
+          <a:xfrm>
+            <a:off x="2851153" y="2727905"/>
+            <a:ext cx="638123" cy="369332"/>
+          </a:xfrm>
+          <a:prstGeom prst="rect">
+            <a:avLst/>
+          </a:prstGeom>
+        </p:spPr>
+        <p:style>
+          <a:lnRef idx="1">
+            <a:schemeClr val="accent3"/>
+          </a:lnRef>
+          <a:fillRef idx="2">
+            <a:schemeClr val="accent3"/>
+          </a:fillRef>
+          <a:effectRef idx="1">
+            <a:schemeClr val="accent3"/>
+          </a:effectRef>
+          <a:fontRef idx="minor">
+            <a:schemeClr val="dk1"/>
+          </a:fontRef>
+        </p:style>
+        <p:txBody>
+          <a:bodyPr wrap="none" rtlCol="0">
+            <a:spAutoFit/>
+          </a:bodyPr>
+          <a:lstStyle/>
+          <a:p>
+            <a:r>
+              <a:rPr lang="it-IT" dirty="0" err="1" smtClean="0"/>
+              <a:t>Rest</a:t>
+            </a:r>
+            <a:r>
+              <a:rPr lang="it-IT" dirty="0" smtClean="0"/>
+              <a:t> </a:t>
+            </a:r>
+          </a:p>
+        </p:txBody>
+      </p:sp>
+      <p:sp>
+        <p:nvSpPr>
+          <p:cNvPr id="41" name="CasellaDiTesto 40"/>
+          <p:cNvSpPr txBox="1"/>
+          <p:nvPr/>
+        </p:nvSpPr>
+        <p:spPr>
+          <a:xfrm>
+            <a:off x="471412" y="256292"/>
+            <a:ext cx="2149114" cy="584775"/>
+          </a:xfrm>
+          <a:prstGeom prst="rect">
+            <a:avLst/>
+          </a:prstGeom>
+        </p:spPr>
+        <p:style>
+          <a:lnRef idx="3">
+            <a:schemeClr val="lt1"/>
+          </a:lnRef>
+          <a:fillRef idx="1">
+            <a:schemeClr val="accent5"/>
+          </a:fillRef>
+          <a:effectRef idx="1">
+            <a:schemeClr val="accent5"/>
+          </a:effectRef>
+          <a:fontRef idx="minor">
+            <a:schemeClr val="lt1"/>
+          </a:fontRef>
+        </p:style>
+        <p:txBody>
+          <a:bodyPr wrap="none" rtlCol="0">
+            <a:spAutoFit/>
+          </a:bodyPr>
+          <a:lstStyle/>
+          <a:p>
+            <a:r>
+              <a:rPr lang="it-IT" sz="3200" dirty="0" err="1"/>
+              <a:t>Sm@rteven</a:t>
+            </a:r>
+            <a:endParaRPr lang="en-GB" sz="3200" dirty="0"/>
+          </a:p>
+        </p:txBody>
+      </p:sp>
+      <p:cxnSp>
+        <p:nvCxnSpPr>
+          <p:cNvPr id="48" name="Connettore 4 47"/>
+          <p:cNvCxnSpPr>
+            <a:stCxn id="8" idx="7"/>
+            <a:endCxn id="46" idx="1"/>
+          </p:cNvCxnSpPr>
+          <p:nvPr/>
+        </p:nvCxnSpPr>
+        <p:spPr>
+          <a:xfrm rot="5400000" flipH="1" flipV="1">
+            <a:off x="5404779" y="1187332"/>
+            <a:ext cx="254036" cy="1744833"/>
+          </a:xfrm>
+          <a:prstGeom prst="bentConnector2">
+            <a:avLst/>
+          </a:prstGeom>
+          <a:ln>
+            <a:prstDash val="lgDashDotDot"/>
+            <a:tailEnd type="arrow"/>
+          </a:ln>
+        </p:spPr>
+        <p:style>
+          <a:lnRef idx="1">
+            <a:schemeClr val="accent1"/>
+          </a:lnRef>
+          <a:fillRef idx="0">
+            <a:schemeClr val="accent1"/>
+          </a:fillRef>
+          <a:effectRef idx="0">
+            <a:schemeClr val="accent1"/>
+          </a:effectRef>
+          <a:fontRef idx="minor">
+            <a:schemeClr val="tx1"/>
+          </a:fontRef>
+        </p:style>
+      </p:cxnSp>
+      <p:cxnSp>
+        <p:nvCxnSpPr>
+          <p:cNvPr id="49" name="Connettore 4 48"/>
+          <p:cNvCxnSpPr>
+            <a:stCxn id="8" idx="6"/>
+            <a:endCxn id="56" idx="2"/>
+          </p:cNvCxnSpPr>
+          <p:nvPr/>
+        </p:nvCxnSpPr>
+        <p:spPr>
+          <a:xfrm>
+            <a:off x="4777410" y="2444589"/>
+            <a:ext cx="1634549" cy="343008"/>
+          </a:xfrm>
+          <a:prstGeom prst="bentConnector3">
+            <a:avLst>
+              <a:gd name="adj1" fmla="val 50000"/>
+            </a:avLst>
+          </a:prstGeom>
+          <a:ln>
+            <a:prstDash val="lgDashDotDot"/>
+            <a:tailEnd type="arrow"/>
+          </a:ln>
+        </p:spPr>
+        <p:style>
+          <a:lnRef idx="1">
+            <a:schemeClr val="accent1"/>
+          </a:lnRef>
+          <a:fillRef idx="0">
+            <a:schemeClr val="accent1"/>
+          </a:fillRef>
+          <a:effectRef idx="0">
+            <a:schemeClr val="accent1"/>
+          </a:effectRef>
+          <a:fontRef idx="minor">
+            <a:schemeClr val="tx1"/>
+          </a:fontRef>
+        </p:style>
+      </p:cxnSp>
+      <p:sp>
+        <p:nvSpPr>
+          <p:cNvPr id="53" name="CasellaDiTesto 52"/>
+          <p:cNvSpPr txBox="1"/>
+          <p:nvPr/>
+        </p:nvSpPr>
+        <p:spPr>
+          <a:xfrm>
+            <a:off x="7209555" y="1698561"/>
+            <a:ext cx="1451551" cy="369332"/>
+          </a:xfrm>
+          <a:prstGeom prst="rect">
+            <a:avLst/>
+          </a:prstGeom>
+          <a:noFill/>
+        </p:spPr>
+        <p:txBody>
+          <a:bodyPr wrap="none" rtlCol="0">
+            <a:spAutoFit/>
+          </a:bodyPr>
+          <a:lstStyle/>
+          <a:p>
+            <a:r>
+              <a:rPr lang="it-IT" dirty="0" smtClean="0"/>
+              <a:t>A) </a:t>
+            </a:r>
+            <a:r>
+              <a:rPr lang="it-IT" dirty="0" err="1" smtClean="0"/>
+              <a:t>Legacy</a:t>
+            </a:r>
+            <a:r>
+              <a:rPr lang="it-IT" dirty="0" smtClean="0"/>
+              <a:t> </a:t>
+            </a:r>
+            <a:r>
+              <a:rPr lang="it-IT" dirty="0" err="1" smtClean="0"/>
+              <a:t>Old</a:t>
+            </a:r>
+            <a:endParaRPr lang="en-GB" dirty="0"/>
+          </a:p>
+        </p:txBody>
+      </p:sp>
+      <p:sp>
+        <p:nvSpPr>
+          <p:cNvPr id="54" name="CasellaDiTesto 53"/>
+          <p:cNvSpPr txBox="1"/>
+          <p:nvPr/>
+        </p:nvSpPr>
+        <p:spPr>
+          <a:xfrm>
+            <a:off x="7238314" y="2571154"/>
+            <a:ext cx="1937262" cy="369332"/>
+          </a:xfrm>
+          <a:prstGeom prst="rect">
+            <a:avLst/>
+          </a:prstGeom>
+          <a:noFill/>
+        </p:spPr>
+        <p:txBody>
+          <a:bodyPr wrap="none" rtlCol="0">
+            <a:spAutoFit/>
+          </a:bodyPr>
+          <a:lstStyle/>
+          <a:p>
+            <a:r>
+              <a:rPr lang="it-IT" dirty="0" smtClean="0"/>
+              <a:t>B) </a:t>
+            </a:r>
+            <a:r>
+              <a:rPr lang="it-IT" dirty="0" err="1" smtClean="0"/>
+              <a:t>Legacy</a:t>
+            </a:r>
+            <a:r>
+              <a:rPr lang="it-IT" dirty="0" smtClean="0"/>
+              <a:t> with HL7</a:t>
+            </a:r>
+            <a:endParaRPr lang="en-GB" dirty="0"/>
+          </a:p>
+        </p:txBody>
+      </p:sp>
+      <p:sp>
+        <p:nvSpPr>
+          <p:cNvPr id="58" name="CasellaDiTesto 57"/>
+          <p:cNvSpPr txBox="1"/>
+          <p:nvPr/>
+        </p:nvSpPr>
+        <p:spPr>
+          <a:xfrm>
+            <a:off x="7302727" y="3419790"/>
+            <a:ext cx="1548694" cy="369332"/>
+          </a:xfrm>
+          <a:prstGeom prst="rect">
+            <a:avLst/>
+          </a:prstGeom>
+          <a:noFill/>
+        </p:spPr>
+        <p:txBody>
+          <a:bodyPr wrap="none" rtlCol="0">
+            <a:spAutoFit/>
+          </a:bodyPr>
+          <a:lstStyle/>
+          <a:p>
+            <a:r>
+              <a:rPr lang="it-IT" dirty="0" smtClean="0"/>
+              <a:t>C)  FHIR server</a:t>
+            </a:r>
+            <a:endParaRPr lang="en-GB" dirty="0"/>
+          </a:p>
+        </p:txBody>
+      </p:sp>
+      <p:sp>
+        <p:nvSpPr>
+          <p:cNvPr id="60" name="CasellaDiTesto 59"/>
+          <p:cNvSpPr txBox="1"/>
+          <p:nvPr/>
+        </p:nvSpPr>
+        <p:spPr>
+          <a:xfrm>
+            <a:off x="3542243" y="3612324"/>
+            <a:ext cx="2035494" cy="369332"/>
+          </a:xfrm>
+          <a:prstGeom prst="rect">
+            <a:avLst/>
+          </a:prstGeom>
+          <a:noFill/>
+        </p:spPr>
+        <p:txBody>
+          <a:bodyPr wrap="none" rtlCol="0">
+            <a:spAutoFit/>
+          </a:bodyPr>
+          <a:lstStyle/>
+          <a:p>
+            <a:r>
+              <a:rPr lang="en-GB" dirty="0" smtClean="0"/>
+              <a:t>E</a:t>
+            </a:r>
+            <a:r>
+              <a:rPr lang="en-GB" dirty="0" smtClean="0"/>
+              <a:t>xposes</a:t>
+            </a:r>
+            <a:r>
+              <a:rPr lang="en-GB" dirty="0"/>
+              <a:t> </a:t>
+            </a:r>
+            <a:r>
+              <a:rPr lang="it-IT" dirty="0" smtClean="0"/>
+              <a:t>a </a:t>
+            </a:r>
+            <a:r>
+              <a:rPr lang="it-IT" dirty="0"/>
+              <a:t>REST-API </a:t>
+            </a:r>
+            <a:endParaRPr lang="en-GB" dirty="0"/>
+          </a:p>
+        </p:txBody>
+      </p:sp>
+      <p:sp>
+        <p:nvSpPr>
+          <p:cNvPr id="69" name="CasellaDiTesto 68"/>
+          <p:cNvSpPr txBox="1"/>
+          <p:nvPr/>
+        </p:nvSpPr>
+        <p:spPr>
+          <a:xfrm>
+            <a:off x="471412" y="3622006"/>
+            <a:ext cx="2483372" cy="369332"/>
+          </a:xfrm>
+          <a:prstGeom prst="rect">
+            <a:avLst/>
+          </a:prstGeom>
+          <a:noFill/>
+        </p:spPr>
+        <p:txBody>
+          <a:bodyPr wrap="none" rtlCol="0">
+            <a:spAutoFit/>
+          </a:bodyPr>
+          <a:lstStyle/>
+          <a:p>
+            <a:r>
+              <a:rPr lang="it-IT" dirty="0" err="1" smtClean="0"/>
+              <a:t>Exposes</a:t>
+            </a:r>
+            <a:r>
+              <a:rPr lang="it-IT" dirty="0" smtClean="0"/>
+              <a:t> an </a:t>
+            </a:r>
+            <a:r>
+              <a:rPr lang="it-IT" dirty="0" smtClean="0"/>
+              <a:t>API </a:t>
+            </a:r>
+            <a:r>
+              <a:rPr lang="it-IT" sz="1400" b="1" dirty="0" smtClean="0">
+                <a:latin typeface="Arial Black" panose="020B0A04020102020204" pitchFamily="34" charset="0"/>
+              </a:rPr>
+              <a:t>full FHIR</a:t>
+            </a:r>
+            <a:endParaRPr lang="en-GB" dirty="0" smtClean="0"/>
+          </a:p>
+        </p:txBody>
+      </p:sp>
+      <p:grpSp>
+        <p:nvGrpSpPr>
+          <p:cNvPr id="43" name="Gruppo 42"/>
+          <p:cNvGrpSpPr/>
+          <p:nvPr/>
+        </p:nvGrpSpPr>
+        <p:grpSpPr>
+          <a:xfrm>
+            <a:off x="6404214" y="1555676"/>
+            <a:ext cx="906467" cy="772447"/>
+            <a:chOff x="5477386" y="2072585"/>
+            <a:chExt cx="906467" cy="772447"/>
+          </a:xfrm>
+        </p:grpSpPr>
+        <p:grpSp>
+          <p:nvGrpSpPr>
+            <p:cNvPr id="45" name="Gruppo 44"/>
+            <p:cNvGrpSpPr/>
+            <p:nvPr/>
+          </p:nvGrpSpPr>
+          <p:grpSpPr>
+            <a:xfrm>
+              <a:off x="5498762" y="2072585"/>
+              <a:ext cx="805955" cy="772447"/>
+              <a:chOff x="565700" y="4940367"/>
+              <a:chExt cx="805955" cy="772447"/>
+            </a:xfrm>
+          </p:grpSpPr>
+          <p:sp>
+            <p:nvSpPr>
+              <p:cNvPr id="47" name="Ovale 46"/>
+              <p:cNvSpPr/>
+              <p:nvPr/>
+            </p:nvSpPr>
+            <p:spPr>
+              <a:xfrm>
+                <a:off x="565700" y="4983583"/>
+                <a:ext cx="805955" cy="729231"/>
+              </a:xfrm>
+              <a:prstGeom prst="ellipse">
+                <a:avLst/>
+              </a:prstGeom>
+              <a:solidFill>
+                <a:srgbClr val="CCFF99"/>
+              </a:solidFill>
+              <a:ln/>
+            </p:spPr>
+            <p:style>
+              <a:lnRef idx="1">
+                <a:schemeClr val="accent4"/>
+              </a:lnRef>
+              <a:fillRef idx="2">
+                <a:schemeClr val="accent4"/>
+              </a:fillRef>
+              <a:effectRef idx="1">
+                <a:schemeClr val="accent4"/>
+              </a:effectRef>
+              <a:fontRef idx="minor">
+                <a:schemeClr val="dk1"/>
+              </a:fontRef>
+            </p:style>
+            <p:txBody>
+              <a:bodyPr rtlCol="0" anchor="ctr"/>
+              <a:lstStyle/>
+              <a:p>
+                <a:pPr algn="ctr"/>
+                <a:r>
+                  <a:rPr lang="en-GB" sz="1200" dirty="0"/>
+                  <a:t> </a:t>
+                </a:r>
+              </a:p>
+            </p:txBody>
+          </p:sp>
+          <p:sp>
+            <p:nvSpPr>
+              <p:cNvPr id="50" name="Triangolo isoscele 49"/>
+              <p:cNvSpPr/>
+              <p:nvPr/>
+            </p:nvSpPr>
+            <p:spPr>
+              <a:xfrm rot="16200000">
+                <a:off x="905299" y="4913952"/>
+                <a:ext cx="86434" cy="139263"/>
+              </a:xfrm>
+              <a:prstGeom prst="triangle">
+                <a:avLst/>
+              </a:prstGeom>
+              <a:solidFill>
+                <a:srgbClr val="C00000"/>
+              </a:solidFill>
+              <a:ln/>
+            </p:spPr>
+            <p:style>
+              <a:lnRef idx="1">
+                <a:schemeClr val="accent5"/>
+              </a:lnRef>
+              <a:fillRef idx="2">
+                <a:schemeClr val="accent5"/>
+              </a:fillRef>
+              <a:effectRef idx="1">
+                <a:schemeClr val="accent5"/>
+              </a:effectRef>
+              <a:fontRef idx="minor">
+                <a:schemeClr val="dk1"/>
+              </a:fontRef>
+            </p:style>
+            <p:txBody>
+              <a:bodyPr rtlCol="0" anchor="ctr"/>
+              <a:lstStyle/>
+              <a:p>
+                <a:pPr algn="ctr"/>
+                <a:endParaRPr lang="en-GB" sz="1200">
+                  <a:solidFill>
+                    <a:schemeClr val="dk1"/>
+                  </a:solidFill>
+                </a:endParaRPr>
+              </a:p>
+            </p:txBody>
+          </p:sp>
+        </p:grpSp>
+        <p:sp>
+          <p:nvSpPr>
+            <p:cNvPr id="46" name="CasellaDiTesto 45"/>
+            <p:cNvSpPr txBox="1"/>
+            <p:nvPr/>
+          </p:nvSpPr>
+          <p:spPr>
+            <a:xfrm>
+              <a:off x="5477386" y="2295750"/>
+              <a:ext cx="906467" cy="307777"/>
+            </a:xfrm>
+            <a:prstGeom prst="rect">
+              <a:avLst/>
+            </a:prstGeom>
+            <a:noFill/>
+          </p:spPr>
+          <p:txBody>
+            <a:bodyPr wrap="none" rtlCol="0">
+              <a:spAutoFit/>
+            </a:bodyPr>
+            <a:lstStyle/>
+            <a:p>
+              <a:r>
+                <a:rPr lang="en-GB" sz="1400" b="1" dirty="0" err="1"/>
+                <a:t>CHFacade</a:t>
+              </a:r>
+              <a:endParaRPr lang="en-GB" sz="1400" dirty="0"/>
+            </a:p>
+          </p:txBody>
+        </p:sp>
+      </p:grpSp>
+      <p:grpSp>
+        <p:nvGrpSpPr>
+          <p:cNvPr id="51" name="Gruppo 50"/>
+          <p:cNvGrpSpPr/>
+          <p:nvPr/>
+        </p:nvGrpSpPr>
+        <p:grpSpPr>
+          <a:xfrm>
+            <a:off x="6390583" y="2379765"/>
+            <a:ext cx="906467" cy="772447"/>
+            <a:chOff x="5477386" y="2072585"/>
+            <a:chExt cx="906467" cy="772447"/>
+          </a:xfrm>
+        </p:grpSpPr>
+        <p:grpSp>
+          <p:nvGrpSpPr>
+            <p:cNvPr id="52" name="Gruppo 51"/>
+            <p:cNvGrpSpPr/>
+            <p:nvPr/>
+          </p:nvGrpSpPr>
+          <p:grpSpPr>
+            <a:xfrm>
+              <a:off x="5498762" y="2072585"/>
+              <a:ext cx="805955" cy="772447"/>
+              <a:chOff x="565700" y="4940367"/>
+              <a:chExt cx="805955" cy="772447"/>
+            </a:xfrm>
+          </p:grpSpPr>
+          <p:sp>
+            <p:nvSpPr>
+              <p:cNvPr id="56" name="Ovale 55"/>
+              <p:cNvSpPr/>
+              <p:nvPr/>
+            </p:nvSpPr>
+            <p:spPr>
+              <a:xfrm>
+                <a:off x="565700" y="4983583"/>
+                <a:ext cx="805955" cy="729231"/>
+              </a:xfrm>
+              <a:prstGeom prst="ellipse">
+                <a:avLst/>
+              </a:prstGeom>
+              <a:solidFill>
+                <a:srgbClr val="CCFF99"/>
+              </a:solidFill>
+              <a:ln/>
+            </p:spPr>
+            <p:style>
+              <a:lnRef idx="1">
+                <a:schemeClr val="accent4"/>
+              </a:lnRef>
+              <a:fillRef idx="2">
+                <a:schemeClr val="accent4"/>
+              </a:fillRef>
+              <a:effectRef idx="1">
+                <a:schemeClr val="accent4"/>
+              </a:effectRef>
+              <a:fontRef idx="minor">
+                <a:schemeClr val="dk1"/>
+              </a:fontRef>
+            </p:style>
+            <p:txBody>
+              <a:bodyPr rtlCol="0" anchor="ctr"/>
+              <a:lstStyle/>
+              <a:p>
+                <a:pPr algn="ctr"/>
+                <a:r>
+                  <a:rPr lang="en-GB" sz="1200" dirty="0"/>
+                  <a:t> </a:t>
+                </a:r>
+              </a:p>
+            </p:txBody>
+          </p:sp>
+          <p:sp>
+            <p:nvSpPr>
+              <p:cNvPr id="57" name="Triangolo isoscele 56"/>
+              <p:cNvSpPr/>
+              <p:nvPr/>
+            </p:nvSpPr>
+            <p:spPr>
+              <a:xfrm rot="16200000">
+                <a:off x="905299" y="4913952"/>
+                <a:ext cx="86434" cy="139263"/>
+              </a:xfrm>
+              <a:prstGeom prst="triangle">
+                <a:avLst/>
+              </a:prstGeom>
+              <a:solidFill>
+                <a:srgbClr val="C00000"/>
+              </a:solidFill>
+              <a:ln/>
+            </p:spPr>
+            <p:style>
+              <a:lnRef idx="1">
+                <a:schemeClr val="accent5"/>
+              </a:lnRef>
+              <a:fillRef idx="2">
+                <a:schemeClr val="accent5"/>
+              </a:fillRef>
+              <a:effectRef idx="1">
+                <a:schemeClr val="accent5"/>
+              </a:effectRef>
+              <a:fontRef idx="minor">
+                <a:schemeClr val="dk1"/>
+              </a:fontRef>
+            </p:style>
+            <p:txBody>
+              <a:bodyPr rtlCol="0" anchor="ctr"/>
+              <a:lstStyle/>
+              <a:p>
+                <a:pPr algn="ctr"/>
+                <a:endParaRPr lang="en-GB" sz="1200">
+                  <a:solidFill>
+                    <a:schemeClr val="dk1"/>
+                  </a:solidFill>
+                </a:endParaRPr>
+              </a:p>
+            </p:txBody>
+          </p:sp>
+        </p:grpSp>
+        <p:sp>
+          <p:nvSpPr>
+            <p:cNvPr id="55" name="CasellaDiTesto 54"/>
+            <p:cNvSpPr txBox="1"/>
+            <p:nvPr/>
+          </p:nvSpPr>
+          <p:spPr>
+            <a:xfrm>
+              <a:off x="5477386" y="2295750"/>
+              <a:ext cx="906467" cy="523220"/>
+            </a:xfrm>
+            <a:prstGeom prst="rect">
+              <a:avLst/>
+            </a:prstGeom>
+            <a:noFill/>
+          </p:spPr>
+          <p:txBody>
+            <a:bodyPr wrap="none" rtlCol="0">
+              <a:spAutoFit/>
+            </a:bodyPr>
+            <a:lstStyle/>
+            <a:p>
+              <a:pPr algn="ctr"/>
+              <a:r>
+                <a:rPr lang="en-GB" sz="1400" b="1" dirty="0" err="1" smtClean="0"/>
+                <a:t>CHFacade</a:t>
+              </a:r>
+              <a:endParaRPr lang="en-GB" sz="1400" b="1" dirty="0" smtClean="0"/>
+            </a:p>
+            <a:p>
+              <a:pPr algn="ctr"/>
+              <a:r>
+                <a:rPr lang="it-IT" sz="1400" b="1" dirty="0" smtClean="0">
+                  <a:solidFill>
+                    <a:srgbClr val="0070C0"/>
+                  </a:solidFill>
+                </a:rPr>
+                <a:t>HL7</a:t>
+              </a:r>
+              <a:endParaRPr lang="en-GB" sz="1400" dirty="0">
+                <a:solidFill>
+                  <a:srgbClr val="0070C0"/>
+                </a:solidFill>
+              </a:endParaRPr>
+            </a:p>
+          </p:txBody>
+        </p:sp>
+      </p:grpSp>
+      <p:grpSp>
+        <p:nvGrpSpPr>
+          <p:cNvPr id="59" name="Gruppo 58"/>
+          <p:cNvGrpSpPr/>
+          <p:nvPr/>
+        </p:nvGrpSpPr>
+        <p:grpSpPr>
+          <a:xfrm>
+            <a:off x="1115617" y="1899069"/>
+            <a:ext cx="1053702" cy="965471"/>
+            <a:chOff x="565700" y="4940367"/>
+            <a:chExt cx="805955" cy="772447"/>
+          </a:xfrm>
+        </p:grpSpPr>
+        <p:sp>
+          <p:nvSpPr>
+            <p:cNvPr id="61" name="Ovale 60"/>
+            <p:cNvSpPr/>
+            <p:nvPr/>
+          </p:nvSpPr>
+          <p:spPr>
+            <a:xfrm>
+              <a:off x="565700" y="4983583"/>
+              <a:ext cx="805955" cy="729231"/>
+            </a:xfrm>
+            <a:prstGeom prst="ellipse">
+              <a:avLst/>
+            </a:prstGeom>
+            <a:solidFill>
+              <a:srgbClr val="FF99CC"/>
+            </a:solidFill>
+            <a:ln/>
+          </p:spPr>
+          <p:style>
+            <a:lnRef idx="1">
+              <a:schemeClr val="accent4"/>
+            </a:lnRef>
+            <a:fillRef idx="2">
+              <a:schemeClr val="accent4"/>
+            </a:fillRef>
+            <a:effectRef idx="1">
+              <a:schemeClr val="accent4"/>
+            </a:effectRef>
+            <a:fontRef idx="minor">
+              <a:schemeClr val="dk1"/>
+            </a:fontRef>
+          </p:style>
+          <p:txBody>
+            <a:bodyPr rtlCol="0" anchor="ctr"/>
+            <a:lstStyle/>
+            <a:p>
+              <a:pPr algn="ctr"/>
+              <a:r>
+                <a:rPr lang="en-GB" sz="1200" dirty="0"/>
+                <a:t> </a:t>
+              </a:r>
+            </a:p>
+          </p:txBody>
+        </p:sp>
+        <p:sp>
+          <p:nvSpPr>
+            <p:cNvPr id="64" name="Triangolo isoscele 63"/>
+            <p:cNvSpPr/>
+            <p:nvPr/>
+          </p:nvSpPr>
+          <p:spPr>
+            <a:xfrm rot="16200000">
+              <a:off x="905299" y="4913952"/>
+              <a:ext cx="86434" cy="139263"/>
+            </a:xfrm>
+            <a:prstGeom prst="triangle">
+              <a:avLst/>
+            </a:prstGeom>
+            <a:solidFill>
+              <a:srgbClr val="C00000"/>
+            </a:solidFill>
+            <a:ln/>
+          </p:spPr>
+          <p:style>
+            <a:lnRef idx="1">
+              <a:schemeClr val="accent5"/>
+            </a:lnRef>
+            <a:fillRef idx="2">
+              <a:schemeClr val="accent5"/>
+            </a:fillRef>
+            <a:effectRef idx="1">
+              <a:schemeClr val="accent5"/>
+            </a:effectRef>
+            <a:fontRef idx="minor">
+              <a:schemeClr val="dk1"/>
+            </a:fontRef>
+          </p:style>
+          <p:txBody>
+            <a:bodyPr rtlCol="0" anchor="ctr"/>
+            <a:lstStyle/>
+            <a:p>
+              <a:pPr algn="ctr"/>
+              <a:endParaRPr lang="en-GB" sz="1200">
+                <a:solidFill>
+                  <a:schemeClr val="dk1"/>
+                </a:solidFill>
+              </a:endParaRPr>
+            </a:p>
+          </p:txBody>
+        </p:sp>
+      </p:grpSp>
+      <p:sp>
+        <p:nvSpPr>
+          <p:cNvPr id="65" name="CasellaDiTesto 64"/>
+          <p:cNvSpPr txBox="1"/>
+          <p:nvPr/>
+        </p:nvSpPr>
+        <p:spPr>
+          <a:xfrm>
+            <a:off x="1196001" y="2123191"/>
+            <a:ext cx="1034194" cy="523220"/>
+          </a:xfrm>
+          <a:prstGeom prst="rect">
+            <a:avLst/>
+          </a:prstGeom>
+          <a:noFill/>
+        </p:spPr>
+        <p:txBody>
+          <a:bodyPr wrap="none" rtlCol="0">
+            <a:spAutoFit/>
+          </a:bodyPr>
+          <a:lstStyle/>
+          <a:p>
+            <a:pPr algn="ctr"/>
+            <a:r>
+              <a:rPr lang="en-GB" sz="1400" b="1" dirty="0" err="1" smtClean="0"/>
+              <a:t>Icore</a:t>
+            </a:r>
+            <a:endParaRPr lang="en-GB" sz="1400" b="1" dirty="0" smtClean="0"/>
+          </a:p>
+          <a:p>
+            <a:pPr algn="ctr"/>
+            <a:r>
+              <a:rPr lang="it-IT" sz="1400" b="1" dirty="0" smtClean="0"/>
+              <a:t>FHIR server</a:t>
+            </a:r>
+            <a:endParaRPr lang="en-GB" sz="1400" dirty="0"/>
+          </a:p>
+        </p:txBody>
+      </p:sp>
+      <p:grpSp>
+        <p:nvGrpSpPr>
+          <p:cNvPr id="44" name="Gruppo 43"/>
+          <p:cNvGrpSpPr/>
+          <p:nvPr/>
+        </p:nvGrpSpPr>
+        <p:grpSpPr>
+          <a:xfrm>
+            <a:off x="2628613" y="2489535"/>
+            <a:ext cx="666895" cy="86434"/>
+            <a:chOff x="4592177" y="4419530"/>
+            <a:chExt cx="666895" cy="86434"/>
+          </a:xfrm>
+        </p:grpSpPr>
+        <p:cxnSp>
+          <p:nvCxnSpPr>
+            <p:cNvPr id="63" name="Connettore 1 62"/>
+            <p:cNvCxnSpPr/>
+            <p:nvPr/>
+          </p:nvCxnSpPr>
+          <p:spPr>
+            <a:xfrm>
+              <a:off x="4611000" y="4462747"/>
+              <a:ext cx="648072" cy="0"/>
+            </a:xfrm>
+            <a:prstGeom prst="line">
+              <a:avLst/>
+            </a:prstGeom>
+            <a:ln/>
+          </p:spPr>
+          <p:style>
+            <a:lnRef idx="1">
+              <a:schemeClr val="accent6"/>
+            </a:lnRef>
+            <a:fillRef idx="2">
+              <a:schemeClr val="accent6"/>
+            </a:fillRef>
+            <a:effectRef idx="1">
+              <a:schemeClr val="accent6"/>
+            </a:effectRef>
+            <a:fontRef idx="minor">
+              <a:schemeClr val="dk1"/>
+            </a:fontRef>
+          </p:style>
+        </p:cxnSp>
+        <p:sp>
+          <p:nvSpPr>
+            <p:cNvPr id="66" name="Triangolo isoscele 65"/>
+            <p:cNvSpPr/>
+            <p:nvPr/>
+          </p:nvSpPr>
+          <p:spPr>
+            <a:xfrm rot="16200000">
+              <a:off x="4618592" y="4393115"/>
+              <a:ext cx="86434" cy="139263"/>
+            </a:xfrm>
+            <a:prstGeom prst="triangle">
+              <a:avLst/>
+            </a:prstGeom>
+            <a:ln/>
+          </p:spPr>
+          <p:style>
+            <a:lnRef idx="1">
+              <a:schemeClr val="accent6"/>
+            </a:lnRef>
+            <a:fillRef idx="2">
+              <a:schemeClr val="accent6"/>
+            </a:fillRef>
+            <a:effectRef idx="1">
+              <a:schemeClr val="accent6"/>
+            </a:effectRef>
+            <a:fontRef idx="minor">
+              <a:schemeClr val="dk1"/>
+            </a:fontRef>
+          </p:style>
+          <p:txBody>
+            <a:bodyPr rtlCol="0" anchor="ctr"/>
+            <a:lstStyle/>
+            <a:p>
+              <a:pPr algn="ctr"/>
+              <a:endParaRPr lang="en-GB" sz="1200"/>
+            </a:p>
+          </p:txBody>
+        </p:sp>
+      </p:grpSp>
+      <p:grpSp>
+        <p:nvGrpSpPr>
+          <p:cNvPr id="67" name="Gruppo 66"/>
+          <p:cNvGrpSpPr/>
+          <p:nvPr/>
+        </p:nvGrpSpPr>
+        <p:grpSpPr>
+          <a:xfrm>
+            <a:off x="2620526" y="2293330"/>
+            <a:ext cx="787334" cy="86434"/>
+            <a:chOff x="3452446" y="4176616"/>
+            <a:chExt cx="787334" cy="86434"/>
+          </a:xfrm>
+        </p:grpSpPr>
+        <p:sp>
+          <p:nvSpPr>
+            <p:cNvPr id="68" name="Triangolo isoscele 67"/>
+            <p:cNvSpPr/>
+            <p:nvPr/>
+          </p:nvSpPr>
+          <p:spPr>
+            <a:xfrm rot="5400000" flipH="1">
+              <a:off x="4126932" y="4150201"/>
+              <a:ext cx="86434" cy="139263"/>
+            </a:xfrm>
+            <a:prstGeom prst="triangle">
+              <a:avLst/>
+            </a:prstGeom>
+            <a:ln/>
+          </p:spPr>
+          <p:style>
+            <a:lnRef idx="1">
+              <a:schemeClr val="accent6"/>
+            </a:lnRef>
+            <a:fillRef idx="2">
+              <a:schemeClr val="accent6"/>
+            </a:fillRef>
+            <a:effectRef idx="1">
+              <a:schemeClr val="accent6"/>
+            </a:effectRef>
+            <a:fontRef idx="minor">
+              <a:schemeClr val="dk1"/>
+            </a:fontRef>
+          </p:style>
+          <p:txBody>
+            <a:bodyPr rtlCol="0" anchor="ctr"/>
+            <a:lstStyle/>
+            <a:p>
+              <a:pPr algn="ctr"/>
+              <a:endParaRPr lang="en-GB" sz="1200"/>
+            </a:p>
+          </p:txBody>
+        </p:sp>
+        <p:cxnSp>
+          <p:nvCxnSpPr>
+            <p:cNvPr id="70" name="Connettore 1 69"/>
+            <p:cNvCxnSpPr>
+              <a:endCxn id="68" idx="3"/>
+            </p:cNvCxnSpPr>
+            <p:nvPr/>
+          </p:nvCxnSpPr>
+          <p:spPr>
+            <a:xfrm>
+              <a:off x="3452446" y="4219627"/>
+              <a:ext cx="648072" cy="206"/>
+            </a:xfrm>
+            <a:prstGeom prst="line">
+              <a:avLst/>
+            </a:prstGeom>
+          </p:spPr>
+          <p:style>
+            <a:lnRef idx="1">
+              <a:schemeClr val="accent6"/>
+            </a:lnRef>
+            <a:fillRef idx="2">
+              <a:schemeClr val="accent6"/>
+            </a:fillRef>
+            <a:effectRef idx="1">
+              <a:schemeClr val="accent6"/>
+            </a:effectRef>
+            <a:fontRef idx="minor">
+              <a:schemeClr val="dk1"/>
+            </a:fontRef>
+          </p:style>
+        </p:cxnSp>
+      </p:grpSp>
+    </p:spTree>
+    <p:extLst>
+      <p:ext uri="{BB962C8B-B14F-4D97-AF65-F5344CB8AC3E}">
+        <p14:creationId xmlns:p14="http://schemas.microsoft.com/office/powerpoint/2010/main" val="1098200059"/>
+      </p:ext>
+    </p:extLst>
+  </p:cSld>
+  <p:clrMapOvr>
+    <a:masterClrMapping/>
+  </p:clrMapOvr>
+</p:sld>
+</file>
+
+<file path=ppt/slides/slide16.xml><?xml version="1.0" encoding="utf-8"?>
+<p:sld xmlns:a="http://schemas.openxmlformats.org/drawingml/2006/main" xmlns:r="http://schemas.openxmlformats.org/officeDocument/2006/relationships" xmlns:p="http://schemas.openxmlformats.org/presentationml/2006/main">
+  <p:cSld>
+    <p:spTree>
+      <p:nvGrpSpPr>
+        <p:cNvPr id="1" name=""/>
+        <p:cNvGrpSpPr/>
+        <p:nvPr/>
+      </p:nvGrpSpPr>
+      <p:grpSpPr>
+        <a:xfrm>
+          <a:off x="0" y="0"/>
+          <a:ext cx="0" cy="0"/>
+          <a:chOff x="0" y="0"/>
+          <a:chExt cx="0" cy="0"/>
+        </a:xfrm>
+      </p:grpSpPr>
+      <p:cxnSp>
+        <p:nvCxnSpPr>
           <p:cNvPr id="117" name="Connettore 1 116"/>
           <p:cNvCxnSpPr/>
           <p:nvPr/>
@@ -13181,7 +14792,7 @@
           <p:cNvPr id="2" name="TextBox 45">
             <a:extLst>
               <a:ext uri="{FF2B5EF4-FFF2-40B4-BE49-F238E27FC236}">
-                <a16:creationId xmlns="" xmlns:a16="http://schemas.microsoft.com/office/drawing/2014/main" id="{6BDA7693-CA76-4C97-8FED-A4A65AB5032B}"/>
+                <a16:creationId xmlns:a16="http://schemas.microsoft.com/office/drawing/2014/main" xmlns="" id="{6BDA7693-CA76-4C97-8FED-A4A65AB5032B}"/>
               </a:ext>
             </a:extLst>
           </p:cNvPr>
@@ -14152,7 +15763,7 @@
           <p:cNvPr id="34" name="TextBox 45">
             <a:extLst>
               <a:ext uri="{FF2B5EF4-FFF2-40B4-BE49-F238E27FC236}">
-                <a16:creationId xmlns="" xmlns:a16="http://schemas.microsoft.com/office/drawing/2014/main" id="{6BDA7693-CA76-4C97-8FED-A4A65AB5032B}"/>
+                <a16:creationId xmlns:a16="http://schemas.microsoft.com/office/drawing/2014/main" xmlns="" id="{6BDA7693-CA76-4C97-8FED-A4A65AB5032B}"/>
               </a:ext>
             </a:extLst>
           </p:cNvPr>
@@ -15675,7 +17286,7 @@
 </p:sld>
 </file>
 
-<file path=ppt/slides/slide16.xml><?xml version="1.0" encoding="utf-8"?>
+<file path=ppt/slides/slide17.xml><?xml version="1.0" encoding="utf-8"?>
 <p:sld xmlns:a="http://schemas.openxmlformats.org/drawingml/2006/main" xmlns:r="http://schemas.openxmlformats.org/officeDocument/2006/relationships" xmlns:p="http://schemas.openxmlformats.org/presentationml/2006/main">
   <p:cSld>
     <p:spTree>
@@ -15768,7 +17379,7 @@
           <p:cNvPr id="2" name="TextBox 45">
             <a:extLst>
               <a:ext uri="{FF2B5EF4-FFF2-40B4-BE49-F238E27FC236}">
-                <a16:creationId xmlns="" xmlns:a16="http://schemas.microsoft.com/office/drawing/2014/main" id="{6BDA7693-CA76-4C97-8FED-A4A65AB5032B}"/>
+                <a16:creationId xmlns:a16="http://schemas.microsoft.com/office/drawing/2014/main" xmlns="" id="{6BDA7693-CA76-4C97-8FED-A4A65AB5032B}"/>
               </a:ext>
             </a:extLst>
           </p:cNvPr>
@@ -16518,7 +18129,7 @@
           <p:cNvPr id="34" name="TextBox 45">
             <a:extLst>
               <a:ext uri="{FF2B5EF4-FFF2-40B4-BE49-F238E27FC236}">
-                <a16:creationId xmlns="" xmlns:a16="http://schemas.microsoft.com/office/drawing/2014/main" id="{6BDA7693-CA76-4C97-8FED-A4A65AB5032B}"/>
+                <a16:creationId xmlns:a16="http://schemas.microsoft.com/office/drawing/2014/main" xmlns="" id="{6BDA7693-CA76-4C97-8FED-A4A65AB5032B}"/>
               </a:ext>
             </a:extLst>
           </p:cNvPr>
@@ -17881,7 +19492,7 @@
           <p:cNvPr id="114" name="TextBox 45">
             <a:extLst>
               <a:ext uri="{FF2B5EF4-FFF2-40B4-BE49-F238E27FC236}">
-                <a16:creationId xmlns="" xmlns:a16="http://schemas.microsoft.com/office/drawing/2014/main" id="{6BDA7693-CA76-4C97-8FED-A4A65AB5032B}"/>
+                <a16:creationId xmlns:a16="http://schemas.microsoft.com/office/drawing/2014/main" xmlns="" id="{6BDA7693-CA76-4C97-8FED-A4A65AB5032B}"/>
               </a:ext>
             </a:extLst>
           </p:cNvPr>
@@ -17970,90 +19581,6 @@
     <p:extLst>
       <p:ext uri="{BB962C8B-B14F-4D97-AF65-F5344CB8AC3E}">
         <p14:creationId xmlns:p14="http://schemas.microsoft.com/office/powerpoint/2010/main" val="3166074293"/>
-      </p:ext>
-    </p:extLst>
-  </p:cSld>
-  <p:clrMapOvr>
-    <a:masterClrMapping/>
-  </p:clrMapOvr>
-</p:sld>
-</file>
-
-<file path=ppt/slides/slide17.xml><?xml version="1.0" encoding="utf-8"?>
-<p:sld xmlns:a="http://schemas.openxmlformats.org/drawingml/2006/main" xmlns:r="http://schemas.openxmlformats.org/officeDocument/2006/relationships" xmlns:p="http://schemas.openxmlformats.org/presentationml/2006/main">
-  <p:cSld>
-    <p:spTree>
-      <p:nvGrpSpPr>
-        <p:cNvPr id="1" name=""/>
-        <p:cNvGrpSpPr/>
-        <p:nvPr/>
-      </p:nvGrpSpPr>
-      <p:grpSpPr>
-        <a:xfrm>
-          <a:off x="0" y="0"/>
-          <a:ext cx="0" cy="0"/>
-          <a:chOff x="0" y="0"/>
-          <a:chExt cx="0" cy="0"/>
-        </a:xfrm>
-      </p:grpSpPr>
-      <p:pic>
-        <p:nvPicPr>
-          <p:cNvPr id="2050" name="Picture 2"/>
-          <p:cNvPicPr>
-            <a:picLocks noChangeAspect="1" noChangeArrowheads="1"/>
-          </p:cNvPicPr>
-          <p:nvPr/>
-        </p:nvPicPr>
-        <p:blipFill>
-          <a:blip r:embed="rId2">
-            <a:extLst>
-              <a:ext uri="{28A0092B-C50C-407E-A947-70E740481C1C}">
-                <a14:useLocalDpi xmlns:a14="http://schemas.microsoft.com/office/drawing/2010/main" val="0"/>
-              </a:ext>
-            </a:extLst>
-          </a:blip>
-          <a:srcRect/>
-          <a:stretch>
-            <a:fillRect/>
-          </a:stretch>
-        </p:blipFill>
-        <p:spPr bwMode="auto">
-          <a:xfrm>
-            <a:off x="185738" y="642938"/>
-            <a:ext cx="8772525" cy="5572125"/>
-          </a:xfrm>
-          <a:prstGeom prst="rect">
-            <a:avLst/>
-          </a:prstGeom>
-          <a:noFill/>
-          <a:ln>
-            <a:noFill/>
-          </a:ln>
-          <a:extLst>
-            <a:ext uri="{909E8E84-426E-40DD-AFC4-6F175D3DCCD1}">
-              <a14:hiddenFill xmlns:a14="http://schemas.microsoft.com/office/drawing/2010/main">
-                <a:solidFill>
-                  <a:schemeClr val="accent1"/>
-                </a:solidFill>
-              </a14:hiddenFill>
-            </a:ext>
-            <a:ext uri="{91240B29-F687-4F45-9708-019B960494DF}">
-              <a14:hiddenLine xmlns:a14="http://schemas.microsoft.com/office/drawing/2010/main" w="9525">
-                <a:solidFill>
-                  <a:schemeClr val="tx1"/>
-                </a:solidFill>
-                <a:miter lim="800000"/>
-                <a:headEnd/>
-                <a:tailEnd/>
-              </a14:hiddenLine>
-            </a:ext>
-          </a:extLst>
-        </p:spPr>
-      </p:pic>
-    </p:spTree>
-    <p:extLst>
-      <p:ext uri="{BB962C8B-B14F-4D97-AF65-F5344CB8AC3E}">
-        <p14:creationId xmlns:p14="http://schemas.microsoft.com/office/powerpoint/2010/main" val="2631222391"/>
       </p:ext>
     </p:extLst>
   </p:cSld>
@@ -18082,7 +19609,7 @@
       </p:grpSpPr>
       <p:pic>
         <p:nvPicPr>
-          <p:cNvPr id="1027" name="Picture 3"/>
+          <p:cNvPr id="2050" name="Picture 2"/>
           <p:cNvPicPr>
             <a:picLocks noChangeAspect="1" noChangeArrowheads="1"/>
           </p:cNvPicPr>
@@ -18103,8 +19630,8 @@
         </p:blipFill>
         <p:spPr bwMode="auto">
           <a:xfrm>
-            <a:off x="1252538" y="1119188"/>
-            <a:ext cx="6638925" cy="4619625"/>
+            <a:off x="185738" y="642938"/>
+            <a:ext cx="8772525" cy="5572125"/>
           </a:xfrm>
           <a:prstGeom prst="rect">
             <a:avLst/>
@@ -18137,7 +19664,7 @@
     </p:spTree>
     <p:extLst>
       <p:ext uri="{BB962C8B-B14F-4D97-AF65-F5344CB8AC3E}">
-        <p14:creationId xmlns:p14="http://schemas.microsoft.com/office/powerpoint/2010/main" val="2167669677"/>
+        <p14:creationId xmlns:p14="http://schemas.microsoft.com/office/powerpoint/2010/main" val="2631222391"/>
       </p:ext>
     </p:extLst>
   </p:cSld>
@@ -18166,7 +19693,7 @@
       </p:grpSpPr>
       <p:pic>
         <p:nvPicPr>
-          <p:cNvPr id="2050" name="Picture 2"/>
+          <p:cNvPr id="1027" name="Picture 3"/>
           <p:cNvPicPr>
             <a:picLocks noChangeAspect="1" noChangeArrowheads="1"/>
           </p:cNvPicPr>
@@ -18187,8 +19714,8 @@
         </p:blipFill>
         <p:spPr bwMode="auto">
           <a:xfrm>
-            <a:off x="1252538" y="1252538"/>
-            <a:ext cx="6638925" cy="4352925"/>
+            <a:off x="1252538" y="1119188"/>
+            <a:ext cx="6638925" cy="4619625"/>
           </a:xfrm>
           <a:prstGeom prst="rect">
             <a:avLst/>
@@ -18221,7 +19748,7 @@
     </p:spTree>
     <p:extLst>
       <p:ext uri="{BB962C8B-B14F-4D97-AF65-F5344CB8AC3E}">
-        <p14:creationId xmlns:p14="http://schemas.microsoft.com/office/powerpoint/2010/main" val="1461316647"/>
+        <p14:creationId xmlns:p14="http://schemas.microsoft.com/office/powerpoint/2010/main" val="2167669677"/>
       </p:ext>
     </p:extLst>
   </p:cSld>
@@ -19649,7 +21176,7 @@
       </p:grpSpPr>
       <p:pic>
         <p:nvPicPr>
-          <p:cNvPr id="3074" name="Picture 2"/>
+          <p:cNvPr id="2050" name="Picture 2"/>
           <p:cNvPicPr>
             <a:picLocks noChangeAspect="1" noChangeArrowheads="1"/>
           </p:cNvPicPr>
@@ -19670,8 +21197,8 @@
         </p:blipFill>
         <p:spPr bwMode="auto">
           <a:xfrm>
-            <a:off x="1252538" y="600075"/>
-            <a:ext cx="6638925" cy="5657850"/>
+            <a:off x="1252538" y="1252538"/>
+            <a:ext cx="6638925" cy="4352925"/>
           </a:xfrm>
           <a:prstGeom prst="rect">
             <a:avLst/>
@@ -19704,6 +21231,90 @@
     </p:spTree>
     <p:extLst>
       <p:ext uri="{BB962C8B-B14F-4D97-AF65-F5344CB8AC3E}">
+        <p14:creationId xmlns:p14="http://schemas.microsoft.com/office/powerpoint/2010/main" val="1461316647"/>
+      </p:ext>
+    </p:extLst>
+  </p:cSld>
+  <p:clrMapOvr>
+    <a:masterClrMapping/>
+  </p:clrMapOvr>
+</p:sld>
+</file>
+
+<file path=ppt/slides/slide21.xml><?xml version="1.0" encoding="utf-8"?>
+<p:sld xmlns:a="http://schemas.openxmlformats.org/drawingml/2006/main" xmlns:r="http://schemas.openxmlformats.org/officeDocument/2006/relationships" xmlns:p="http://schemas.openxmlformats.org/presentationml/2006/main">
+  <p:cSld>
+    <p:spTree>
+      <p:nvGrpSpPr>
+        <p:cNvPr id="1" name=""/>
+        <p:cNvGrpSpPr/>
+        <p:nvPr/>
+      </p:nvGrpSpPr>
+      <p:grpSpPr>
+        <a:xfrm>
+          <a:off x="0" y="0"/>
+          <a:ext cx="0" cy="0"/>
+          <a:chOff x="0" y="0"/>
+          <a:chExt cx="0" cy="0"/>
+        </a:xfrm>
+      </p:grpSpPr>
+      <p:pic>
+        <p:nvPicPr>
+          <p:cNvPr id="3074" name="Picture 2"/>
+          <p:cNvPicPr>
+            <a:picLocks noChangeAspect="1" noChangeArrowheads="1"/>
+          </p:cNvPicPr>
+          <p:nvPr/>
+        </p:nvPicPr>
+        <p:blipFill>
+          <a:blip r:embed="rId2">
+            <a:extLst>
+              <a:ext uri="{28A0092B-C50C-407E-A947-70E740481C1C}">
+                <a14:useLocalDpi xmlns:a14="http://schemas.microsoft.com/office/drawing/2010/main" val="0"/>
+              </a:ext>
+            </a:extLst>
+          </a:blip>
+          <a:srcRect/>
+          <a:stretch>
+            <a:fillRect/>
+          </a:stretch>
+        </p:blipFill>
+        <p:spPr bwMode="auto">
+          <a:xfrm>
+            <a:off x="1252538" y="600075"/>
+            <a:ext cx="6638925" cy="5657850"/>
+          </a:xfrm>
+          <a:prstGeom prst="rect">
+            <a:avLst/>
+          </a:prstGeom>
+          <a:noFill/>
+          <a:ln>
+            <a:noFill/>
+          </a:ln>
+          <a:extLst>
+            <a:ext uri="{909E8E84-426E-40DD-AFC4-6F175D3DCCD1}">
+              <a14:hiddenFill xmlns:a14="http://schemas.microsoft.com/office/drawing/2010/main">
+                <a:solidFill>
+                  <a:schemeClr val="accent1"/>
+                </a:solidFill>
+              </a14:hiddenFill>
+            </a:ext>
+            <a:ext uri="{91240B29-F687-4F45-9708-019B960494DF}">
+              <a14:hiddenLine xmlns:a14="http://schemas.microsoft.com/office/drawing/2010/main" w="9525">
+                <a:solidFill>
+                  <a:schemeClr val="tx1"/>
+                </a:solidFill>
+                <a:miter lim="800000"/>
+                <a:headEnd/>
+                <a:tailEnd/>
+              </a14:hiddenLine>
+            </a:ext>
+          </a:extLst>
+        </p:spPr>
+      </p:pic>
+    </p:spTree>
+    <p:extLst>
+      <p:ext uri="{BB962C8B-B14F-4D97-AF65-F5344CB8AC3E}">
         <p14:creationId xmlns:p14="http://schemas.microsoft.com/office/powerpoint/2010/main" val="3157537335"/>
       </p:ext>
     </p:extLst>
@@ -19714,7 +21325,7 @@
 </p:sld>
 </file>
 
-<file path=ppt/slides/slide21.xml><?xml version="1.0" encoding="utf-8"?>
+<file path=ppt/slides/slide22.xml><?xml version="1.0" encoding="utf-8"?>
 <p:sld xmlns:a="http://schemas.openxmlformats.org/drawingml/2006/main" xmlns:r="http://schemas.openxmlformats.org/officeDocument/2006/relationships" xmlns:p="http://schemas.openxmlformats.org/presentationml/2006/main">
   <p:cSld>
     <p:spTree>
@@ -23654,7 +25265,7 @@
           <p:cNvPr id="51" name="TextBox 50">
             <a:extLst>
               <a:ext uri="{FF2B5EF4-FFF2-40B4-BE49-F238E27FC236}">
-                <a16:creationId xmlns="" xmlns:a16="http://schemas.microsoft.com/office/drawing/2014/main" id="{38D92C47-6A24-433B-A9D7-48400DFBEE88}"/>
+                <a16:creationId xmlns:a16="http://schemas.microsoft.com/office/drawing/2014/main" xmlns="" id="{38D92C47-6A24-433B-A9D7-48400DFBEE88}"/>
               </a:ext>
             </a:extLst>
           </p:cNvPr>
@@ -23695,7 +25306,7 @@
           <p:cNvPr id="52" name="TextBox 51">
             <a:extLst>
               <a:ext uri="{FF2B5EF4-FFF2-40B4-BE49-F238E27FC236}">
-                <a16:creationId xmlns="" xmlns:a16="http://schemas.microsoft.com/office/drawing/2014/main" id="{46370455-EDDE-4BAF-A68F-1E721D22CFA3}"/>
+                <a16:creationId xmlns:a16="http://schemas.microsoft.com/office/drawing/2014/main" xmlns="" id="{46370455-EDDE-4BAF-A68F-1E721D22CFA3}"/>
               </a:ext>
             </a:extLst>
           </p:cNvPr>
@@ -23736,7 +25347,7 @@
           <p:cNvPr id="54" name="TextBox 53">
             <a:extLst>
               <a:ext uri="{FF2B5EF4-FFF2-40B4-BE49-F238E27FC236}">
-                <a16:creationId xmlns="" xmlns:a16="http://schemas.microsoft.com/office/drawing/2014/main" id="{1F0BD362-AB28-4ABC-B01D-E5FB51A4284F}"/>
+                <a16:creationId xmlns:a16="http://schemas.microsoft.com/office/drawing/2014/main" xmlns="" id="{1F0BD362-AB28-4ABC-B01D-E5FB51A4284F}"/>
               </a:ext>
             </a:extLst>
           </p:cNvPr>
@@ -23771,7 +25382,7 @@
           <p:cNvPr id="55" name="TextBox 54">
             <a:extLst>
               <a:ext uri="{FF2B5EF4-FFF2-40B4-BE49-F238E27FC236}">
-                <a16:creationId xmlns="" xmlns:a16="http://schemas.microsoft.com/office/drawing/2014/main" id="{66A6D040-E92F-405E-8F1C-224FD73DEB6A}"/>
+                <a16:creationId xmlns:a16="http://schemas.microsoft.com/office/drawing/2014/main" xmlns="" id="{66A6D040-E92F-405E-8F1C-224FD73DEB6A}"/>
               </a:ext>
             </a:extLst>
           </p:cNvPr>
@@ -23812,7 +25423,7 @@
           <p:cNvPr id="59" name="TextBox 58">
             <a:extLst>
               <a:ext uri="{FF2B5EF4-FFF2-40B4-BE49-F238E27FC236}">
-                <a16:creationId xmlns="" xmlns:a16="http://schemas.microsoft.com/office/drawing/2014/main" id="{8B737B46-BF72-4F50-880F-A81417342B9C}"/>
+                <a16:creationId xmlns:a16="http://schemas.microsoft.com/office/drawing/2014/main" xmlns="" id="{8B737B46-BF72-4F50-880F-A81417342B9C}"/>
               </a:ext>
             </a:extLst>
           </p:cNvPr>
@@ -23853,7 +25464,7 @@
           <p:cNvPr id="60" name="TextBox 59">
             <a:extLst>
               <a:ext uri="{FF2B5EF4-FFF2-40B4-BE49-F238E27FC236}">
-                <a16:creationId xmlns="" xmlns:a16="http://schemas.microsoft.com/office/drawing/2014/main" id="{635E5AB3-11BB-4188-A9F5-6624D8487908}"/>
+                <a16:creationId xmlns:a16="http://schemas.microsoft.com/office/drawing/2014/main" xmlns="" id="{635E5AB3-11BB-4188-A9F5-6624D8487908}"/>
               </a:ext>
             </a:extLst>
           </p:cNvPr>
@@ -25927,7 +27538,7 @@
           <p:cNvPr id="43" name="TextBox 42">
             <a:extLst>
               <a:ext uri="{FF2B5EF4-FFF2-40B4-BE49-F238E27FC236}">
-                <a16:creationId xmlns="" xmlns:a16="http://schemas.microsoft.com/office/drawing/2014/main" id="{C66D85E0-1A23-448C-9466-6DADEA26156A}"/>
+                <a16:creationId xmlns:a16="http://schemas.microsoft.com/office/drawing/2014/main" xmlns="" id="{C66D85E0-1A23-448C-9466-6DADEA26156A}"/>
               </a:ext>
             </a:extLst>
           </p:cNvPr>
@@ -25968,7 +27579,7 @@
           <p:cNvPr id="44" name="TextBox 43">
             <a:extLst>
               <a:ext uri="{FF2B5EF4-FFF2-40B4-BE49-F238E27FC236}">
-                <a16:creationId xmlns="" xmlns:a16="http://schemas.microsoft.com/office/drawing/2014/main" id="{73BB0B6F-DBD2-4682-88DA-A68E1C43C8EE}"/>
+                <a16:creationId xmlns:a16="http://schemas.microsoft.com/office/drawing/2014/main" xmlns="" id="{73BB0B6F-DBD2-4682-88DA-A68E1C43C8EE}"/>
               </a:ext>
             </a:extLst>
           </p:cNvPr>
@@ -26009,7 +27620,7 @@
           <p:cNvPr id="45" name="TextBox 44">
             <a:extLst>
               <a:ext uri="{FF2B5EF4-FFF2-40B4-BE49-F238E27FC236}">
-                <a16:creationId xmlns="" xmlns:a16="http://schemas.microsoft.com/office/drawing/2014/main" id="{06BB9D57-20AB-4911-8F91-1EAAD2C3D635}"/>
+                <a16:creationId xmlns:a16="http://schemas.microsoft.com/office/drawing/2014/main" xmlns="" id="{06BB9D57-20AB-4911-8F91-1EAAD2C3D635}"/>
               </a:ext>
             </a:extLst>
           </p:cNvPr>
@@ -26044,7 +27655,7 @@
           <p:cNvPr id="46" name="TextBox 45">
             <a:extLst>
               <a:ext uri="{FF2B5EF4-FFF2-40B4-BE49-F238E27FC236}">
-                <a16:creationId xmlns="" xmlns:a16="http://schemas.microsoft.com/office/drawing/2014/main" id="{6BDA7693-CA76-4C97-8FED-A4A65AB5032B}"/>
+                <a16:creationId xmlns:a16="http://schemas.microsoft.com/office/drawing/2014/main" xmlns="" id="{6BDA7693-CA76-4C97-8FED-A4A65AB5032B}"/>
               </a:ext>
             </a:extLst>
           </p:cNvPr>
@@ -26085,7 +27696,7 @@
           <p:cNvPr id="47" name="TextBox 46">
             <a:extLst>
               <a:ext uri="{FF2B5EF4-FFF2-40B4-BE49-F238E27FC236}">
-                <a16:creationId xmlns="" xmlns:a16="http://schemas.microsoft.com/office/drawing/2014/main" id="{F3FF60E3-5733-4A51-BB64-B5D227CFB6FE}"/>
+                <a16:creationId xmlns:a16="http://schemas.microsoft.com/office/drawing/2014/main" xmlns="" id="{F3FF60E3-5733-4A51-BB64-B5D227CFB6FE}"/>
               </a:ext>
             </a:extLst>
           </p:cNvPr>
@@ -26126,7 +27737,7 @@
           <p:cNvPr id="48" name="TextBox 47">
             <a:extLst>
               <a:ext uri="{FF2B5EF4-FFF2-40B4-BE49-F238E27FC236}">
-                <a16:creationId xmlns="" xmlns:a16="http://schemas.microsoft.com/office/drawing/2014/main" id="{6CFBFA02-2444-480B-B78F-A1A7AD55973E}"/>
+                <a16:creationId xmlns:a16="http://schemas.microsoft.com/office/drawing/2014/main" xmlns="" id="{6CFBFA02-2444-480B-B78F-A1A7AD55973E}"/>
               </a:ext>
             </a:extLst>
           </p:cNvPr>
@@ -26917,7 +28528,7 @@
           <p:cNvPr id="12" name="TextBox 45">
             <a:extLst>
               <a:ext uri="{FF2B5EF4-FFF2-40B4-BE49-F238E27FC236}">
-                <a16:creationId xmlns="" xmlns:a16="http://schemas.microsoft.com/office/drawing/2014/main" id="{6BDA7693-CA76-4C97-8FED-A4A65AB5032B}"/>
+                <a16:creationId xmlns:a16="http://schemas.microsoft.com/office/drawing/2014/main" xmlns="" id="{6BDA7693-CA76-4C97-8FED-A4A65AB5032B}"/>
               </a:ext>
             </a:extLst>
           </p:cNvPr>
@@ -27595,7 +29206,7 @@
           <p:cNvPr id="33" name="TextBox 45">
             <a:extLst>
               <a:ext uri="{FF2B5EF4-FFF2-40B4-BE49-F238E27FC236}">
-                <a16:creationId xmlns="" xmlns:a16="http://schemas.microsoft.com/office/drawing/2014/main" id="{6BDA7693-CA76-4C97-8FED-A4A65AB5032B}"/>
+                <a16:creationId xmlns:a16="http://schemas.microsoft.com/office/drawing/2014/main" xmlns="" id="{6BDA7693-CA76-4C97-8FED-A4A65AB5032B}"/>
               </a:ext>
             </a:extLst>
           </p:cNvPr>
@@ -27631,7 +29242,7 @@
           <p:cNvPr id="34" name="TextBox 45">
             <a:extLst>
               <a:ext uri="{FF2B5EF4-FFF2-40B4-BE49-F238E27FC236}">
-                <a16:creationId xmlns="" xmlns:a16="http://schemas.microsoft.com/office/drawing/2014/main" id="{6BDA7693-CA76-4C97-8FED-A4A65AB5032B}"/>
+                <a16:creationId xmlns:a16="http://schemas.microsoft.com/office/drawing/2014/main" xmlns="" id="{6BDA7693-CA76-4C97-8FED-A4A65AB5032B}"/>
               </a:ext>
             </a:extLst>
           </p:cNvPr>
@@ -28041,7 +29652,7 @@
           <p:cNvPr id="52" name="TextBox 45">
             <a:extLst>
               <a:ext uri="{FF2B5EF4-FFF2-40B4-BE49-F238E27FC236}">
-                <a16:creationId xmlns="" xmlns:a16="http://schemas.microsoft.com/office/drawing/2014/main" id="{6BDA7693-CA76-4C97-8FED-A4A65AB5032B}"/>
+                <a16:creationId xmlns:a16="http://schemas.microsoft.com/office/drawing/2014/main" xmlns="" id="{6BDA7693-CA76-4C97-8FED-A4A65AB5032B}"/>
               </a:ext>
             </a:extLst>
           </p:cNvPr>

--- a/health/userDocs/UniboFigs.pptx
+++ b/health/userDocs/UniboFigs.pptx
@@ -22,11 +22,13 @@
     <p:sldId id="281" r:id="rId16"/>
     <p:sldId id="277" r:id="rId17"/>
     <p:sldId id="278" r:id="rId18"/>
-    <p:sldId id="280" r:id="rId19"/>
-    <p:sldId id="273" r:id="rId20"/>
-    <p:sldId id="274" r:id="rId21"/>
-    <p:sldId id="275" r:id="rId22"/>
-    <p:sldId id="276" r:id="rId23"/>
+    <p:sldId id="282" r:id="rId19"/>
+    <p:sldId id="283" r:id="rId20"/>
+    <p:sldId id="284" r:id="rId21"/>
+    <p:sldId id="273" r:id="rId22"/>
+    <p:sldId id="274" r:id="rId23"/>
+    <p:sldId id="275" r:id="rId24"/>
+    <p:sldId id="276" r:id="rId25"/>
   </p:sldIdLst>
   <p:sldSz cx="9144000" cy="6858000" type="screen4x3"/>
   <p:notesSz cx="6858000" cy="9144000"/>
@@ -127,7 +129,7 @@
   </p:defaultTextStyle>
   <p:extLst>
     <p:ext uri="{EFAFB233-063F-42B5-8137-9DF3F51BA10A}">
-      <p15:sldGuideLst xmlns:p15="http://schemas.microsoft.com/office/powerpoint/2012/main" xmlns="">
+      <p15:sldGuideLst xmlns="" xmlns:p15="http://schemas.microsoft.com/office/powerpoint/2012/main">
         <p15:guide id="1" orient="horz" pos="2160">
           <p15:clr>
             <a:srgbClr val="A4A3A4"/>
@@ -325,7 +327,7 @@
           <a:p>
             <a:fld id="{486DFF9D-000F-417D-A1D1-C441A4010B1E}" type="datetimeFigureOut">
               <a:rPr lang="en-GB" smtClean="0"/>
-              <a:t>26/08/2020</a:t>
+              <a:t>02/09/2020</a:t>
             </a:fld>
             <a:endParaRPr lang="en-GB"/>
           </a:p>
@@ -495,7 +497,7 @@
           <a:p>
             <a:fld id="{486DFF9D-000F-417D-A1D1-C441A4010B1E}" type="datetimeFigureOut">
               <a:rPr lang="en-GB" smtClean="0"/>
-              <a:t>26/08/2020</a:t>
+              <a:t>02/09/2020</a:t>
             </a:fld>
             <a:endParaRPr lang="en-GB"/>
           </a:p>
@@ -675,7 +677,7 @@
           <a:p>
             <a:fld id="{486DFF9D-000F-417D-A1D1-C441A4010B1E}" type="datetimeFigureOut">
               <a:rPr lang="en-GB" smtClean="0"/>
-              <a:t>26/08/2020</a:t>
+              <a:t>02/09/2020</a:t>
             </a:fld>
             <a:endParaRPr lang="en-GB"/>
           </a:p>
@@ -845,7 +847,7 @@
           <a:p>
             <a:fld id="{486DFF9D-000F-417D-A1D1-C441A4010B1E}" type="datetimeFigureOut">
               <a:rPr lang="en-GB" smtClean="0"/>
-              <a:t>26/08/2020</a:t>
+              <a:t>02/09/2020</a:t>
             </a:fld>
             <a:endParaRPr lang="en-GB"/>
           </a:p>
@@ -1091,7 +1093,7 @@
           <a:p>
             <a:fld id="{486DFF9D-000F-417D-A1D1-C441A4010B1E}" type="datetimeFigureOut">
               <a:rPr lang="en-GB" smtClean="0"/>
-              <a:t>26/08/2020</a:t>
+              <a:t>02/09/2020</a:t>
             </a:fld>
             <a:endParaRPr lang="en-GB"/>
           </a:p>
@@ -1379,7 +1381,7 @@
           <a:p>
             <a:fld id="{486DFF9D-000F-417D-A1D1-C441A4010B1E}" type="datetimeFigureOut">
               <a:rPr lang="en-GB" smtClean="0"/>
-              <a:t>26/08/2020</a:t>
+              <a:t>02/09/2020</a:t>
             </a:fld>
             <a:endParaRPr lang="en-GB"/>
           </a:p>
@@ -1801,7 +1803,7 @@
           <a:p>
             <a:fld id="{486DFF9D-000F-417D-A1D1-C441A4010B1E}" type="datetimeFigureOut">
               <a:rPr lang="en-GB" smtClean="0"/>
-              <a:t>26/08/2020</a:t>
+              <a:t>02/09/2020</a:t>
             </a:fld>
             <a:endParaRPr lang="en-GB"/>
           </a:p>
@@ -1919,7 +1921,7 @@
           <a:p>
             <a:fld id="{486DFF9D-000F-417D-A1D1-C441A4010B1E}" type="datetimeFigureOut">
               <a:rPr lang="en-GB" smtClean="0"/>
-              <a:t>26/08/2020</a:t>
+              <a:t>02/09/2020</a:t>
             </a:fld>
             <a:endParaRPr lang="en-GB"/>
           </a:p>
@@ -2014,7 +2016,7 @@
           <a:p>
             <a:fld id="{486DFF9D-000F-417D-A1D1-C441A4010B1E}" type="datetimeFigureOut">
               <a:rPr lang="en-GB" smtClean="0"/>
-              <a:t>26/08/2020</a:t>
+              <a:t>02/09/2020</a:t>
             </a:fld>
             <a:endParaRPr lang="en-GB"/>
           </a:p>
@@ -2291,7 +2293,7 @@
           <a:p>
             <a:fld id="{486DFF9D-000F-417D-A1D1-C441A4010B1E}" type="datetimeFigureOut">
               <a:rPr lang="en-GB" smtClean="0"/>
-              <a:t>26/08/2020</a:t>
+              <a:t>02/09/2020</a:t>
             </a:fld>
             <a:endParaRPr lang="en-GB"/>
           </a:p>
@@ -2544,7 +2546,7 @@
           <a:p>
             <a:fld id="{486DFF9D-000F-417D-A1D1-C441A4010B1E}" type="datetimeFigureOut">
               <a:rPr lang="en-GB" smtClean="0"/>
-              <a:t>26/08/2020</a:t>
+              <a:t>02/09/2020</a:t>
             </a:fld>
             <a:endParaRPr lang="en-GB"/>
           </a:p>
@@ -2757,7 +2759,7 @@
           <a:p>
             <a:fld id="{486DFF9D-000F-417D-A1D1-C441A4010B1E}" type="datetimeFigureOut">
               <a:rPr lang="en-GB" smtClean="0"/>
-              <a:t>26/08/2020</a:t>
+              <a:t>02/09/2020</a:t>
             </a:fld>
             <a:endParaRPr lang="en-GB"/>
           </a:p>
@@ -6174,7 +6176,7 @@
           <p:cNvPr id="12" name="TextBox 45">
             <a:extLst>
               <a:ext uri="{FF2B5EF4-FFF2-40B4-BE49-F238E27FC236}">
-                <a16:creationId xmlns:a16="http://schemas.microsoft.com/office/drawing/2014/main" xmlns="" id="{6BDA7693-CA76-4C97-8FED-A4A65AB5032B}"/>
+                <a16:creationId xmlns="" xmlns:a16="http://schemas.microsoft.com/office/drawing/2014/main" id="{6BDA7693-CA76-4C97-8FED-A4A65AB5032B}"/>
               </a:ext>
             </a:extLst>
           </p:cNvPr>
@@ -7722,7 +7724,7 @@
           <p:cNvPr id="12" name="TextBox 45">
             <a:extLst>
               <a:ext uri="{FF2B5EF4-FFF2-40B4-BE49-F238E27FC236}">
-                <a16:creationId xmlns:a16="http://schemas.microsoft.com/office/drawing/2014/main" xmlns="" id="{6BDA7693-CA76-4C97-8FED-A4A65AB5032B}"/>
+                <a16:creationId xmlns="" xmlns:a16="http://schemas.microsoft.com/office/drawing/2014/main" id="{6BDA7693-CA76-4C97-8FED-A4A65AB5032B}"/>
               </a:ext>
             </a:extLst>
           </p:cNvPr>
@@ -9735,7 +9737,7 @@
           <p:cNvPr id="6" name="TextBox 45">
             <a:extLst>
               <a:ext uri="{FF2B5EF4-FFF2-40B4-BE49-F238E27FC236}">
-                <a16:creationId xmlns:a16="http://schemas.microsoft.com/office/drawing/2014/main" xmlns="" id="{6BDA7693-CA76-4C97-8FED-A4A65AB5032B}"/>
+                <a16:creationId xmlns="" xmlns:a16="http://schemas.microsoft.com/office/drawing/2014/main" id="{6BDA7693-CA76-4C97-8FED-A4A65AB5032B}"/>
               </a:ext>
             </a:extLst>
           </p:cNvPr>
@@ -10243,7 +10245,7 @@
           <p:cNvPr id="27" name="TextBox 45">
             <a:extLst>
               <a:ext uri="{FF2B5EF4-FFF2-40B4-BE49-F238E27FC236}">
-                <a16:creationId xmlns:a16="http://schemas.microsoft.com/office/drawing/2014/main" xmlns="" id="{6BDA7693-CA76-4C97-8FED-A4A65AB5032B}"/>
+                <a16:creationId xmlns="" xmlns:a16="http://schemas.microsoft.com/office/drawing/2014/main" id="{6BDA7693-CA76-4C97-8FED-A4A65AB5032B}"/>
               </a:ext>
             </a:extLst>
           </p:cNvPr>
@@ -10279,7 +10281,7 @@
           <p:cNvPr id="28" name="TextBox 45">
             <a:extLst>
               <a:ext uri="{FF2B5EF4-FFF2-40B4-BE49-F238E27FC236}">
-                <a16:creationId xmlns:a16="http://schemas.microsoft.com/office/drawing/2014/main" xmlns="" id="{6BDA7693-CA76-4C97-8FED-A4A65AB5032B}"/>
+                <a16:creationId xmlns="" xmlns:a16="http://schemas.microsoft.com/office/drawing/2014/main" id="{6BDA7693-CA76-4C97-8FED-A4A65AB5032B}"/>
               </a:ext>
             </a:extLst>
           </p:cNvPr>
@@ -11827,7 +11829,7 @@
           <p:cNvPr id="6" name="TextBox 45">
             <a:extLst>
               <a:ext uri="{FF2B5EF4-FFF2-40B4-BE49-F238E27FC236}">
-                <a16:creationId xmlns:a16="http://schemas.microsoft.com/office/drawing/2014/main" xmlns="" id="{6BDA7693-CA76-4C97-8FED-A4A65AB5032B}"/>
+                <a16:creationId xmlns="" xmlns:a16="http://schemas.microsoft.com/office/drawing/2014/main" id="{6BDA7693-CA76-4C97-8FED-A4A65AB5032B}"/>
               </a:ext>
             </a:extLst>
           </p:cNvPr>
@@ -13359,7 +13361,7 @@
           <p:cNvPr id="6" name="TextBox 45">
             <a:extLst>
               <a:ext uri="{FF2B5EF4-FFF2-40B4-BE49-F238E27FC236}">
-                <a16:creationId xmlns:a16="http://schemas.microsoft.com/office/drawing/2014/main" xmlns="" id="{6BDA7693-CA76-4C97-8FED-A4A65AB5032B}"/>
+                <a16:creationId xmlns="" xmlns:a16="http://schemas.microsoft.com/office/drawing/2014/main" id="{6BDA7693-CA76-4C97-8FED-A4A65AB5032B}"/>
               </a:ext>
             </a:extLst>
           </p:cNvPr>
@@ -14026,11 +14028,7 @@
           <a:p>
             <a:r>
               <a:rPr lang="en-GB" dirty="0" smtClean="0"/>
-              <a:t>E</a:t>
-            </a:r>
-            <a:r>
-              <a:rPr lang="en-GB" dirty="0" smtClean="0"/>
-              <a:t>xposes</a:t>
+              <a:t>Exposes</a:t>
             </a:r>
             <a:r>
               <a:rPr lang="en-GB" dirty="0"/>
@@ -14076,11 +14074,7 @@
             </a:r>
             <a:r>
               <a:rPr lang="it-IT" dirty="0" smtClean="0"/>
-              <a:t> an </a:t>
-            </a:r>
-            <a:r>
-              <a:rPr lang="it-IT" dirty="0" smtClean="0"/>
-              <a:t>API </a:t>
+              <a:t> an API </a:t>
             </a:r>
             <a:r>
               <a:rPr lang="it-IT" sz="1400" b="1" dirty="0" smtClean="0">
@@ -14792,7 +14786,7 @@
           <p:cNvPr id="2" name="TextBox 45">
             <a:extLst>
               <a:ext uri="{FF2B5EF4-FFF2-40B4-BE49-F238E27FC236}">
-                <a16:creationId xmlns:a16="http://schemas.microsoft.com/office/drawing/2014/main" xmlns="" id="{6BDA7693-CA76-4C97-8FED-A4A65AB5032B}"/>
+                <a16:creationId xmlns="" xmlns:a16="http://schemas.microsoft.com/office/drawing/2014/main" id="{6BDA7693-CA76-4C97-8FED-A4A65AB5032B}"/>
               </a:ext>
             </a:extLst>
           </p:cNvPr>
@@ -15763,7 +15757,7 @@
           <p:cNvPr id="34" name="TextBox 45">
             <a:extLst>
               <a:ext uri="{FF2B5EF4-FFF2-40B4-BE49-F238E27FC236}">
-                <a16:creationId xmlns:a16="http://schemas.microsoft.com/office/drawing/2014/main" xmlns="" id="{6BDA7693-CA76-4C97-8FED-A4A65AB5032B}"/>
+                <a16:creationId xmlns="" xmlns:a16="http://schemas.microsoft.com/office/drawing/2014/main" id="{6BDA7693-CA76-4C97-8FED-A4A65AB5032B}"/>
               </a:ext>
             </a:extLst>
           </p:cNvPr>
@@ -17379,7 +17373,7 @@
           <p:cNvPr id="2" name="TextBox 45">
             <a:extLst>
               <a:ext uri="{FF2B5EF4-FFF2-40B4-BE49-F238E27FC236}">
-                <a16:creationId xmlns:a16="http://schemas.microsoft.com/office/drawing/2014/main" xmlns="" id="{6BDA7693-CA76-4C97-8FED-A4A65AB5032B}"/>
+                <a16:creationId xmlns="" xmlns:a16="http://schemas.microsoft.com/office/drawing/2014/main" id="{6BDA7693-CA76-4C97-8FED-A4A65AB5032B}"/>
               </a:ext>
             </a:extLst>
           </p:cNvPr>
@@ -18129,7 +18123,7 @@
           <p:cNvPr id="34" name="TextBox 45">
             <a:extLst>
               <a:ext uri="{FF2B5EF4-FFF2-40B4-BE49-F238E27FC236}">
-                <a16:creationId xmlns:a16="http://schemas.microsoft.com/office/drawing/2014/main" xmlns="" id="{6BDA7693-CA76-4C97-8FED-A4A65AB5032B}"/>
+                <a16:creationId xmlns="" xmlns:a16="http://schemas.microsoft.com/office/drawing/2014/main" id="{6BDA7693-CA76-4C97-8FED-A4A65AB5032B}"/>
               </a:ext>
             </a:extLst>
           </p:cNvPr>
@@ -19492,7 +19486,7 @@
           <p:cNvPr id="114" name="TextBox 45">
             <a:extLst>
               <a:ext uri="{FF2B5EF4-FFF2-40B4-BE49-F238E27FC236}">
-                <a16:creationId xmlns:a16="http://schemas.microsoft.com/office/drawing/2014/main" xmlns="" id="{6BDA7693-CA76-4C97-8FED-A4A65AB5032B}"/>
+                <a16:creationId xmlns="" xmlns:a16="http://schemas.microsoft.com/office/drawing/2014/main" id="{6BDA7693-CA76-4C97-8FED-A4A65AB5032B}"/>
               </a:ext>
             </a:extLst>
           </p:cNvPr>
@@ -19609,14 +19603,14 @@
       </p:grpSpPr>
       <p:pic>
         <p:nvPicPr>
-          <p:cNvPr id="2050" name="Picture 2"/>
+          <p:cNvPr id="115" name="Picture 2"/>
           <p:cNvPicPr>
             <a:picLocks noChangeAspect="1" noChangeArrowheads="1"/>
           </p:cNvPicPr>
           <p:nvPr/>
         </p:nvPicPr>
         <p:blipFill>
-          <a:blip r:embed="rId2">
+          <a:blip r:embed="rId2" cstate="print">
             <a:extLst>
               <a:ext uri="{28A0092B-C50C-407E-A947-70E740481C1C}">
                 <a14:useLocalDpi xmlns:a14="http://schemas.microsoft.com/office/drawing/2010/main" val="0"/>
@@ -19630,8 +19624,8 @@
         </p:blipFill>
         <p:spPr bwMode="auto">
           <a:xfrm>
-            <a:off x="185738" y="642938"/>
-            <a:ext cx="8772525" cy="5572125"/>
+            <a:off x="1814769" y="4409108"/>
+            <a:ext cx="2823871" cy="1793664"/>
           </a:xfrm>
           <a:prstGeom prst="rect">
             <a:avLst/>
@@ -19661,10 +19655,1850 @@
           </a:extLst>
         </p:spPr>
       </p:pic>
+      <p:sp>
+        <p:nvSpPr>
+          <p:cNvPr id="2" name="TextBox 45">
+            <a:extLst>
+              <a:ext uri="{FF2B5EF4-FFF2-40B4-BE49-F238E27FC236}">
+                <a16:creationId xmlns="" xmlns:a16="http://schemas.microsoft.com/office/drawing/2014/main" id="{6BDA7693-CA76-4C97-8FED-A4A65AB5032B}"/>
+              </a:ext>
+            </a:extLst>
+          </p:cNvPr>
+          <p:cNvSpPr txBox="1"/>
+          <p:nvPr/>
+        </p:nvSpPr>
+        <p:spPr>
+          <a:xfrm>
+            <a:off x="4249812" y="204901"/>
+            <a:ext cx="1568443" cy="369332"/>
+          </a:xfrm>
+          <a:prstGeom prst="rect">
+            <a:avLst/>
+          </a:prstGeom>
+          <a:noFill/>
+        </p:spPr>
+        <p:txBody>
+          <a:bodyPr wrap="none" rtlCol="0">
+            <a:spAutoFit/>
+          </a:bodyPr>
+          <a:lstStyle/>
+          <a:p>
+            <a:r>
+              <a:rPr lang="en-US" b="1" dirty="0" err="1" smtClean="0"/>
+              <a:t>HealthProduct</a:t>
+            </a:r>
+            <a:endParaRPr lang="en-US" b="1" dirty="0"/>
+          </a:p>
+        </p:txBody>
+      </p:sp>
+      <p:grpSp>
+        <p:nvGrpSpPr>
+          <p:cNvPr id="3" name="Gruppo 2"/>
+          <p:cNvGrpSpPr/>
+          <p:nvPr/>
+        </p:nvGrpSpPr>
+        <p:grpSpPr>
+          <a:xfrm>
+            <a:off x="3144652" y="646076"/>
+            <a:ext cx="4347370" cy="4117387"/>
+            <a:chOff x="565700" y="4958037"/>
+            <a:chExt cx="805955" cy="754777"/>
+          </a:xfrm>
+        </p:grpSpPr>
+        <p:sp>
+          <p:nvSpPr>
+            <p:cNvPr id="4" name="Ovale 3"/>
+            <p:cNvSpPr/>
+            <p:nvPr/>
+          </p:nvSpPr>
+          <p:spPr>
+            <a:xfrm>
+              <a:off x="565700" y="4983583"/>
+              <a:ext cx="805955" cy="729231"/>
+            </a:xfrm>
+            <a:prstGeom prst="ellipse">
+              <a:avLst/>
+            </a:prstGeom>
+            <a:ln/>
+          </p:spPr>
+          <p:style>
+            <a:lnRef idx="1">
+              <a:schemeClr val="accent4"/>
+            </a:lnRef>
+            <a:fillRef idx="2">
+              <a:schemeClr val="accent4"/>
+            </a:fillRef>
+            <a:effectRef idx="1">
+              <a:schemeClr val="accent4"/>
+            </a:effectRef>
+            <a:fontRef idx="minor">
+              <a:schemeClr val="dk1"/>
+            </a:fontRef>
+          </p:style>
+          <p:txBody>
+            <a:bodyPr rtlCol="0" anchor="ctr"/>
+            <a:lstStyle/>
+            <a:p>
+              <a:pPr algn="ctr"/>
+              <a:r>
+                <a:rPr lang="en-GB" sz="1200" dirty="0"/>
+                <a:t> </a:t>
+              </a:r>
+            </a:p>
+          </p:txBody>
+        </p:sp>
+        <p:sp>
+          <p:nvSpPr>
+            <p:cNvPr id="5" name="Triangolo isoscele 4"/>
+            <p:cNvSpPr/>
+            <p:nvPr/>
+          </p:nvSpPr>
+          <p:spPr>
+            <a:xfrm rot="16200000">
+              <a:off x="885418" y="4951504"/>
+              <a:ext cx="68763" cy="81830"/>
+            </a:xfrm>
+            <a:prstGeom prst="triangle">
+              <a:avLst/>
+            </a:prstGeom>
+            <a:solidFill>
+              <a:srgbClr val="C00000"/>
+            </a:solidFill>
+            <a:ln/>
+          </p:spPr>
+          <p:style>
+            <a:lnRef idx="1">
+              <a:schemeClr val="accent5"/>
+            </a:lnRef>
+            <a:fillRef idx="2">
+              <a:schemeClr val="accent5"/>
+            </a:fillRef>
+            <a:effectRef idx="1">
+              <a:schemeClr val="accent5"/>
+            </a:effectRef>
+            <a:fontRef idx="minor">
+              <a:schemeClr val="dk1"/>
+            </a:fontRef>
+          </p:style>
+          <p:txBody>
+            <a:bodyPr rtlCol="0" anchor="ctr"/>
+            <a:lstStyle/>
+            <a:p>
+              <a:pPr algn="ctr"/>
+              <a:endParaRPr lang="en-GB" sz="1200">
+                <a:solidFill>
+                  <a:schemeClr val="dk1"/>
+                </a:solidFill>
+              </a:endParaRPr>
+            </a:p>
+          </p:txBody>
+        </p:sp>
+      </p:grpSp>
+      <p:sp>
+        <p:nvSpPr>
+          <p:cNvPr id="6" name="Ovale 5"/>
+          <p:cNvSpPr/>
+          <p:nvPr/>
+        </p:nvSpPr>
+        <p:spPr>
+          <a:xfrm>
+            <a:off x="4238217" y="1008379"/>
+            <a:ext cx="2160240" cy="726799"/>
+          </a:xfrm>
+          <a:prstGeom prst="ellipse">
+            <a:avLst/>
+          </a:prstGeom>
+        </p:spPr>
+        <p:style>
+          <a:lnRef idx="1">
+            <a:schemeClr val="accent5"/>
+          </a:lnRef>
+          <a:fillRef idx="2">
+            <a:schemeClr val="accent5"/>
+          </a:fillRef>
+          <a:effectRef idx="1">
+            <a:schemeClr val="accent5"/>
+          </a:effectRef>
+          <a:fontRef idx="minor">
+            <a:schemeClr val="dk1"/>
+          </a:fontRef>
+        </p:style>
+        <p:txBody>
+          <a:bodyPr rtlCol="0" anchor="ctr"/>
+          <a:lstStyle/>
+          <a:p>
+            <a:pPr algn="ctr"/>
+            <a:r>
+              <a:rPr lang="en-GB" sz="1600" dirty="0" err="1"/>
+              <a:t>HealthAdapterMIController</a:t>
+            </a:r>
+            <a:endParaRPr lang="en-GB" sz="1600" dirty="0"/>
+          </a:p>
+        </p:txBody>
+      </p:sp>
+      <p:sp>
+        <p:nvSpPr>
+          <p:cNvPr id="7" name="Ovale 6"/>
+          <p:cNvSpPr/>
+          <p:nvPr/>
+        </p:nvSpPr>
+        <p:spPr>
+          <a:xfrm>
+            <a:off x="4694263" y="3426581"/>
+            <a:ext cx="2247981" cy="807067"/>
+          </a:xfrm>
+          <a:prstGeom prst="ellipse">
+            <a:avLst/>
+          </a:prstGeom>
+        </p:spPr>
+        <p:style>
+          <a:lnRef idx="1">
+            <a:schemeClr val="accent5"/>
+          </a:lnRef>
+          <a:fillRef idx="2">
+            <a:schemeClr val="accent5"/>
+          </a:fillRef>
+          <a:effectRef idx="1">
+            <a:schemeClr val="accent5"/>
+          </a:effectRef>
+          <a:fontRef idx="minor">
+            <a:schemeClr val="dk1"/>
+          </a:fontRef>
+        </p:style>
+        <p:txBody>
+          <a:bodyPr rtlCol="0" anchor="ctr"/>
+          <a:lstStyle/>
+          <a:p>
+            <a:pPr algn="ctr"/>
+            <a:r>
+              <a:rPr lang="en-GB" sz="1600" dirty="0" err="1">
+                <a:cs typeface="Arial" panose="020B0604020202020204" pitchFamily="34" charset="0"/>
+              </a:rPr>
+              <a:t>FhirServiceClient</a:t>
+            </a:r>
+            <a:endParaRPr lang="en-GB" sz="1600" dirty="0">
+              <a:cs typeface="Arial" panose="020B0604020202020204" pitchFamily="34" charset="0"/>
+            </a:endParaRPr>
+          </a:p>
+        </p:txBody>
+      </p:sp>
+      <p:cxnSp>
+        <p:nvCxnSpPr>
+          <p:cNvPr id="9" name="Connettore 2 8"/>
+          <p:cNvCxnSpPr>
+            <a:stCxn id="40" idx="4"/>
+            <a:endCxn id="7" idx="0"/>
+          </p:cNvCxnSpPr>
+          <p:nvPr/>
+        </p:nvCxnSpPr>
+        <p:spPr>
+          <a:xfrm flipH="1">
+            <a:off x="5818254" y="2738394"/>
+            <a:ext cx="1" cy="688187"/>
+          </a:xfrm>
+          <a:prstGeom prst="straightConnector1">
+            <a:avLst/>
+          </a:prstGeom>
+          <a:ln>
+            <a:tailEnd type="arrow"/>
+          </a:ln>
+        </p:spPr>
+        <p:style>
+          <a:lnRef idx="1">
+            <a:schemeClr val="accent1"/>
+          </a:lnRef>
+          <a:fillRef idx="0">
+            <a:schemeClr val="accent1"/>
+          </a:fillRef>
+          <a:effectRef idx="0">
+            <a:schemeClr val="accent1"/>
+          </a:effectRef>
+          <a:fontRef idx="minor">
+            <a:schemeClr val="tx1"/>
+          </a:fontRef>
+        </p:style>
+      </p:cxnSp>
+      <p:grpSp>
+        <p:nvGrpSpPr>
+          <p:cNvPr id="26" name="Gruppo 25"/>
+          <p:cNvGrpSpPr/>
+          <p:nvPr/>
+        </p:nvGrpSpPr>
+        <p:grpSpPr>
+          <a:xfrm>
+            <a:off x="2811204" y="1501983"/>
+            <a:ext cx="666895" cy="86434"/>
+            <a:chOff x="4592177" y="4419530"/>
+            <a:chExt cx="666895" cy="86434"/>
+          </a:xfrm>
+        </p:grpSpPr>
+        <p:cxnSp>
+          <p:nvCxnSpPr>
+            <p:cNvPr id="27" name="Connettore 1 26"/>
+            <p:cNvCxnSpPr/>
+            <p:nvPr/>
+          </p:nvCxnSpPr>
+          <p:spPr>
+            <a:xfrm>
+              <a:off x="4611000" y="4462747"/>
+              <a:ext cx="648072" cy="0"/>
+            </a:xfrm>
+            <a:prstGeom prst="line">
+              <a:avLst/>
+            </a:prstGeom>
+            <a:ln/>
+          </p:spPr>
+          <p:style>
+            <a:lnRef idx="1">
+              <a:schemeClr val="accent6"/>
+            </a:lnRef>
+            <a:fillRef idx="2">
+              <a:schemeClr val="accent6"/>
+            </a:fillRef>
+            <a:effectRef idx="1">
+              <a:schemeClr val="accent6"/>
+            </a:effectRef>
+            <a:fontRef idx="minor">
+              <a:schemeClr val="dk1"/>
+            </a:fontRef>
+          </p:style>
+        </p:cxnSp>
+        <p:sp>
+          <p:nvSpPr>
+            <p:cNvPr id="28" name="Triangolo isoscele 27"/>
+            <p:cNvSpPr/>
+            <p:nvPr/>
+          </p:nvSpPr>
+          <p:spPr>
+            <a:xfrm rot="16200000">
+              <a:off x="4618592" y="4393115"/>
+              <a:ext cx="86434" cy="139263"/>
+            </a:xfrm>
+            <a:prstGeom prst="triangle">
+              <a:avLst/>
+            </a:prstGeom>
+            <a:ln/>
+          </p:spPr>
+          <p:style>
+            <a:lnRef idx="1">
+              <a:schemeClr val="accent6"/>
+            </a:lnRef>
+            <a:fillRef idx="2">
+              <a:schemeClr val="accent6"/>
+            </a:fillRef>
+            <a:effectRef idx="1">
+              <a:schemeClr val="accent6"/>
+            </a:effectRef>
+            <a:fontRef idx="minor">
+              <a:schemeClr val="dk1"/>
+            </a:fontRef>
+          </p:style>
+          <p:txBody>
+            <a:bodyPr rtlCol="0" anchor="ctr"/>
+            <a:lstStyle/>
+            <a:p>
+              <a:pPr algn="ctr"/>
+              <a:endParaRPr lang="en-GB" sz="1200"/>
+            </a:p>
+          </p:txBody>
+        </p:sp>
+      </p:grpSp>
+      <p:grpSp>
+        <p:nvGrpSpPr>
+          <p:cNvPr id="29" name="Gruppo 28"/>
+          <p:cNvGrpSpPr/>
+          <p:nvPr/>
+        </p:nvGrpSpPr>
+        <p:grpSpPr>
+          <a:xfrm>
+            <a:off x="2803117" y="1305778"/>
+            <a:ext cx="787334" cy="86434"/>
+            <a:chOff x="3452446" y="4176616"/>
+            <a:chExt cx="787334" cy="86434"/>
+          </a:xfrm>
+        </p:grpSpPr>
+        <p:sp>
+          <p:nvSpPr>
+            <p:cNvPr id="30" name="Triangolo isoscele 29"/>
+            <p:cNvSpPr/>
+            <p:nvPr/>
+          </p:nvSpPr>
+          <p:spPr>
+            <a:xfrm rot="5400000" flipH="1">
+              <a:off x="4126932" y="4150201"/>
+              <a:ext cx="86434" cy="139263"/>
+            </a:xfrm>
+            <a:prstGeom prst="triangle">
+              <a:avLst/>
+            </a:prstGeom>
+            <a:ln/>
+          </p:spPr>
+          <p:style>
+            <a:lnRef idx="1">
+              <a:schemeClr val="accent6"/>
+            </a:lnRef>
+            <a:fillRef idx="2">
+              <a:schemeClr val="accent6"/>
+            </a:fillRef>
+            <a:effectRef idx="1">
+              <a:schemeClr val="accent6"/>
+            </a:effectRef>
+            <a:fontRef idx="minor">
+              <a:schemeClr val="dk1"/>
+            </a:fontRef>
+          </p:style>
+          <p:txBody>
+            <a:bodyPr rtlCol="0" anchor="ctr"/>
+            <a:lstStyle/>
+            <a:p>
+              <a:pPr algn="ctr"/>
+              <a:endParaRPr lang="en-GB" sz="1200"/>
+            </a:p>
+          </p:txBody>
+        </p:sp>
+        <p:cxnSp>
+          <p:nvCxnSpPr>
+            <p:cNvPr id="31" name="Connettore 1 30"/>
+            <p:cNvCxnSpPr>
+              <a:endCxn id="30" idx="3"/>
+            </p:cNvCxnSpPr>
+            <p:nvPr/>
+          </p:nvCxnSpPr>
+          <p:spPr>
+            <a:xfrm>
+              <a:off x="3452446" y="4219627"/>
+              <a:ext cx="648072" cy="206"/>
+            </a:xfrm>
+            <a:prstGeom prst="line">
+              <a:avLst/>
+            </a:prstGeom>
+          </p:spPr>
+          <p:style>
+            <a:lnRef idx="1">
+              <a:schemeClr val="accent6"/>
+            </a:lnRef>
+            <a:fillRef idx="2">
+              <a:schemeClr val="accent6"/>
+            </a:fillRef>
+            <a:effectRef idx="1">
+              <a:schemeClr val="accent6"/>
+            </a:effectRef>
+            <a:fontRef idx="minor">
+              <a:schemeClr val="dk1"/>
+            </a:fontRef>
+          </p:style>
+        </p:cxnSp>
+      </p:grpSp>
+      <p:sp>
+        <p:nvSpPr>
+          <p:cNvPr id="40" name="Ovale 39"/>
+          <p:cNvSpPr/>
+          <p:nvPr/>
+        </p:nvSpPr>
+        <p:spPr>
+          <a:xfrm>
+            <a:off x="4654019" y="2134646"/>
+            <a:ext cx="2328471" cy="603748"/>
+          </a:xfrm>
+          <a:prstGeom prst="ellipse">
+            <a:avLst/>
+          </a:prstGeom>
+        </p:spPr>
+        <p:style>
+          <a:lnRef idx="1">
+            <a:schemeClr val="accent5"/>
+          </a:lnRef>
+          <a:fillRef idx="2">
+            <a:schemeClr val="accent5"/>
+          </a:fillRef>
+          <a:effectRef idx="1">
+            <a:schemeClr val="accent5"/>
+          </a:effectRef>
+          <a:fontRef idx="minor">
+            <a:schemeClr val="dk1"/>
+          </a:fontRef>
+        </p:style>
+        <p:txBody>
+          <a:bodyPr rtlCol="0" anchor="ctr"/>
+          <a:lstStyle/>
+          <a:p>
+            <a:pPr algn="ctr"/>
+            <a:r>
+              <a:rPr lang="en-GB" sz="1600" dirty="0" err="1"/>
+              <a:t>HealthServiceFhir</a:t>
+            </a:r>
+            <a:endParaRPr lang="en-GB" sz="1600" dirty="0">
+              <a:cs typeface="Arial" panose="020B0604020202020204" pitchFamily="34" charset="0"/>
+            </a:endParaRPr>
+          </a:p>
+        </p:txBody>
+      </p:sp>
+      <p:sp>
+        <p:nvSpPr>
+          <p:cNvPr id="48" name="Ovale 47"/>
+          <p:cNvSpPr/>
+          <p:nvPr/>
+        </p:nvSpPr>
+        <p:spPr>
+          <a:xfrm>
+            <a:off x="3315962" y="2780613"/>
+            <a:ext cx="1927267" cy="603748"/>
+          </a:xfrm>
+          <a:prstGeom prst="ellipse">
+            <a:avLst/>
+          </a:prstGeom>
+        </p:spPr>
+        <p:style>
+          <a:lnRef idx="1">
+            <a:schemeClr val="accent5"/>
+          </a:lnRef>
+          <a:fillRef idx="2">
+            <a:schemeClr val="accent5"/>
+          </a:fillRef>
+          <a:effectRef idx="1">
+            <a:schemeClr val="accent5"/>
+          </a:effectRef>
+          <a:fontRef idx="minor">
+            <a:schemeClr val="dk1"/>
+          </a:fontRef>
+        </p:style>
+        <p:txBody>
+          <a:bodyPr rtlCol="0" anchor="ctr"/>
+          <a:lstStyle/>
+          <a:p>
+            <a:pPr algn="ctr"/>
+            <a:r>
+              <a:rPr lang="en-GB" sz="1200" dirty="0"/>
+              <a:t>HealthServiceHL7</a:t>
+            </a:r>
+            <a:endParaRPr lang="en-GB" sz="1200" dirty="0">
+              <a:cs typeface="Arial" panose="020B0604020202020204" pitchFamily="34" charset="0"/>
+            </a:endParaRPr>
+          </a:p>
+        </p:txBody>
+      </p:sp>
+      <p:sp>
+        <p:nvSpPr>
+          <p:cNvPr id="83" name="Ovale 82"/>
+          <p:cNvSpPr/>
+          <p:nvPr/>
+        </p:nvSpPr>
+        <p:spPr>
+          <a:xfrm>
+            <a:off x="5187923" y="1937087"/>
+            <a:ext cx="260828" cy="245237"/>
+          </a:xfrm>
+          <a:prstGeom prst="ellipse">
+            <a:avLst/>
+          </a:prstGeom>
+          <a:ln>
+            <a:solidFill>
+              <a:srgbClr val="C00000"/>
+            </a:solidFill>
+          </a:ln>
+        </p:spPr>
+        <p:style>
+          <a:lnRef idx="1">
+            <a:schemeClr val="accent3"/>
+          </a:lnRef>
+          <a:fillRef idx="2">
+            <a:schemeClr val="accent3"/>
+          </a:fillRef>
+          <a:effectRef idx="1">
+            <a:schemeClr val="accent3"/>
+          </a:effectRef>
+          <a:fontRef idx="minor">
+            <a:schemeClr val="dk1"/>
+          </a:fontRef>
+        </p:style>
+        <p:txBody>
+          <a:bodyPr rtlCol="0" anchor="ctr"/>
+          <a:lstStyle/>
+          <a:p>
+            <a:pPr algn="ctr"/>
+            <a:endParaRPr lang="en-GB"/>
+          </a:p>
+        </p:txBody>
+      </p:sp>
+      <p:sp>
+        <p:nvSpPr>
+          <p:cNvPr id="87" name="Rettangolo 86"/>
+          <p:cNvSpPr/>
+          <p:nvPr/>
+        </p:nvSpPr>
+        <p:spPr>
+          <a:xfrm>
+            <a:off x="5473395" y="1855756"/>
+            <a:ext cx="2079608" cy="338554"/>
+          </a:xfrm>
+          <a:prstGeom prst="rect">
+            <a:avLst/>
+          </a:prstGeom>
+          <a:solidFill>
+            <a:srgbClr val="CCFF99"/>
+          </a:solidFill>
+        </p:spPr>
+        <p:style>
+          <a:lnRef idx="1">
+            <a:schemeClr val="accent3"/>
+          </a:lnRef>
+          <a:fillRef idx="3">
+            <a:schemeClr val="accent3"/>
+          </a:fillRef>
+          <a:effectRef idx="2">
+            <a:schemeClr val="accent3"/>
+          </a:effectRef>
+          <a:fontRef idx="minor">
+            <a:schemeClr val="lt1"/>
+          </a:fontRef>
+        </p:style>
+        <p:txBody>
+          <a:bodyPr wrap="none">
+            <a:spAutoFit/>
+          </a:bodyPr>
+          <a:lstStyle/>
+          <a:p>
+            <a:r>
+              <a:rPr lang="en-GB" sz="1600" dirty="0" err="1">
+                <a:solidFill>
+                  <a:srgbClr val="C00000"/>
+                </a:solidFill>
+              </a:rPr>
+              <a:t>HealthServiceInterface</a:t>
+            </a:r>
+            <a:endParaRPr lang="en-GB" sz="1600" dirty="0">
+              <a:solidFill>
+                <a:srgbClr val="C00000"/>
+              </a:solidFill>
+            </a:endParaRPr>
+          </a:p>
+        </p:txBody>
+      </p:sp>
+      <p:sp>
+        <p:nvSpPr>
+          <p:cNvPr id="88" name="Ovale 87"/>
+          <p:cNvSpPr/>
+          <p:nvPr/>
+        </p:nvSpPr>
+        <p:spPr>
+          <a:xfrm>
+            <a:off x="4020475" y="2601573"/>
+            <a:ext cx="260828" cy="245237"/>
+          </a:xfrm>
+          <a:prstGeom prst="ellipse">
+            <a:avLst/>
+          </a:prstGeom>
+          <a:ln>
+            <a:solidFill>
+              <a:srgbClr val="C00000"/>
+            </a:solidFill>
+          </a:ln>
+        </p:spPr>
+        <p:style>
+          <a:lnRef idx="1">
+            <a:schemeClr val="accent3"/>
+          </a:lnRef>
+          <a:fillRef idx="2">
+            <a:schemeClr val="accent3"/>
+          </a:fillRef>
+          <a:effectRef idx="1">
+            <a:schemeClr val="accent3"/>
+          </a:effectRef>
+          <a:fontRef idx="minor">
+            <a:schemeClr val="dk1"/>
+          </a:fontRef>
+        </p:style>
+        <p:txBody>
+          <a:bodyPr rtlCol="0" anchor="ctr"/>
+          <a:lstStyle/>
+          <a:p>
+            <a:pPr algn="ctr"/>
+            <a:endParaRPr lang="en-GB"/>
+          </a:p>
+        </p:txBody>
+      </p:sp>
+      <p:grpSp>
+        <p:nvGrpSpPr>
+          <p:cNvPr id="92" name="Gruppo 91"/>
+          <p:cNvGrpSpPr/>
+          <p:nvPr/>
+        </p:nvGrpSpPr>
+        <p:grpSpPr>
+          <a:xfrm flipH="1">
+            <a:off x="7099973" y="4013022"/>
+            <a:ext cx="666895" cy="86434"/>
+            <a:chOff x="4592177" y="4419530"/>
+            <a:chExt cx="666895" cy="86434"/>
+          </a:xfrm>
+        </p:grpSpPr>
+        <p:cxnSp>
+          <p:nvCxnSpPr>
+            <p:cNvPr id="93" name="Connettore 1 92"/>
+            <p:cNvCxnSpPr/>
+            <p:nvPr/>
+          </p:nvCxnSpPr>
+          <p:spPr>
+            <a:xfrm>
+              <a:off x="4611000" y="4462747"/>
+              <a:ext cx="648072" cy="0"/>
+            </a:xfrm>
+            <a:prstGeom prst="line">
+              <a:avLst/>
+            </a:prstGeom>
+            <a:ln/>
+          </p:spPr>
+          <p:style>
+            <a:lnRef idx="1">
+              <a:schemeClr val="accent6"/>
+            </a:lnRef>
+            <a:fillRef idx="2">
+              <a:schemeClr val="accent6"/>
+            </a:fillRef>
+            <a:effectRef idx="1">
+              <a:schemeClr val="accent6"/>
+            </a:effectRef>
+            <a:fontRef idx="minor">
+              <a:schemeClr val="dk1"/>
+            </a:fontRef>
+          </p:style>
+        </p:cxnSp>
+        <p:sp>
+          <p:nvSpPr>
+            <p:cNvPr id="94" name="Triangolo isoscele 93"/>
+            <p:cNvSpPr/>
+            <p:nvPr/>
+          </p:nvSpPr>
+          <p:spPr>
+            <a:xfrm rot="16200000">
+              <a:off x="4618592" y="4393115"/>
+              <a:ext cx="86434" cy="139263"/>
+            </a:xfrm>
+            <a:prstGeom prst="triangle">
+              <a:avLst/>
+            </a:prstGeom>
+            <a:ln/>
+          </p:spPr>
+          <p:style>
+            <a:lnRef idx="1">
+              <a:schemeClr val="accent6"/>
+            </a:lnRef>
+            <a:fillRef idx="2">
+              <a:schemeClr val="accent6"/>
+            </a:fillRef>
+            <a:effectRef idx="1">
+              <a:schemeClr val="accent6"/>
+            </a:effectRef>
+            <a:fontRef idx="minor">
+              <a:schemeClr val="dk1"/>
+            </a:fontRef>
+          </p:style>
+          <p:txBody>
+            <a:bodyPr rtlCol="0" anchor="ctr"/>
+            <a:lstStyle/>
+            <a:p>
+              <a:pPr algn="ctr"/>
+              <a:endParaRPr lang="en-GB" sz="1200"/>
+            </a:p>
+          </p:txBody>
+        </p:sp>
+      </p:grpSp>
+      <p:grpSp>
+        <p:nvGrpSpPr>
+          <p:cNvPr id="95" name="Gruppo 94"/>
+          <p:cNvGrpSpPr/>
+          <p:nvPr/>
+        </p:nvGrpSpPr>
+        <p:grpSpPr>
+          <a:xfrm flipH="1">
+            <a:off x="7035226" y="3804738"/>
+            <a:ext cx="787334" cy="86434"/>
+            <a:chOff x="3452446" y="4176616"/>
+            <a:chExt cx="787334" cy="86434"/>
+          </a:xfrm>
+        </p:grpSpPr>
+        <p:sp>
+          <p:nvSpPr>
+            <p:cNvPr id="96" name="Triangolo isoscele 95"/>
+            <p:cNvSpPr/>
+            <p:nvPr/>
+          </p:nvSpPr>
+          <p:spPr>
+            <a:xfrm rot="5400000" flipH="1">
+              <a:off x="4126932" y="4150201"/>
+              <a:ext cx="86434" cy="139263"/>
+            </a:xfrm>
+            <a:prstGeom prst="triangle">
+              <a:avLst/>
+            </a:prstGeom>
+            <a:ln/>
+          </p:spPr>
+          <p:style>
+            <a:lnRef idx="1">
+              <a:schemeClr val="accent6"/>
+            </a:lnRef>
+            <a:fillRef idx="2">
+              <a:schemeClr val="accent6"/>
+            </a:fillRef>
+            <a:effectRef idx="1">
+              <a:schemeClr val="accent6"/>
+            </a:effectRef>
+            <a:fontRef idx="minor">
+              <a:schemeClr val="dk1"/>
+            </a:fontRef>
+          </p:style>
+          <p:txBody>
+            <a:bodyPr rtlCol="0" anchor="ctr"/>
+            <a:lstStyle/>
+            <a:p>
+              <a:pPr algn="ctr"/>
+              <a:endParaRPr lang="en-GB" sz="1200"/>
+            </a:p>
+          </p:txBody>
+        </p:sp>
+        <p:cxnSp>
+          <p:nvCxnSpPr>
+            <p:cNvPr id="97" name="Connettore 1 96"/>
+            <p:cNvCxnSpPr>
+              <a:endCxn id="96" idx="3"/>
+            </p:cNvCxnSpPr>
+            <p:nvPr/>
+          </p:nvCxnSpPr>
+          <p:spPr>
+            <a:xfrm>
+              <a:off x="3452446" y="4219627"/>
+              <a:ext cx="648072" cy="206"/>
+            </a:xfrm>
+            <a:prstGeom prst="line">
+              <a:avLst/>
+            </a:prstGeom>
+          </p:spPr>
+          <p:style>
+            <a:lnRef idx="1">
+              <a:schemeClr val="accent6"/>
+            </a:lnRef>
+            <a:fillRef idx="2">
+              <a:schemeClr val="accent6"/>
+            </a:fillRef>
+            <a:effectRef idx="1">
+              <a:schemeClr val="accent6"/>
+            </a:effectRef>
+            <a:fontRef idx="minor">
+              <a:schemeClr val="dk1"/>
+            </a:fontRef>
+          </p:style>
+        </p:cxnSp>
+      </p:grpSp>
+      <p:grpSp>
+        <p:nvGrpSpPr>
+          <p:cNvPr id="124" name="Gruppo 123"/>
+          <p:cNvGrpSpPr/>
+          <p:nvPr/>
+        </p:nvGrpSpPr>
+        <p:grpSpPr>
+          <a:xfrm>
+            <a:off x="345089" y="763239"/>
+            <a:ext cx="2721534" cy="3470409"/>
+            <a:chOff x="565700" y="4961976"/>
+            <a:chExt cx="805955" cy="750838"/>
+          </a:xfrm>
+        </p:grpSpPr>
+        <p:sp>
+          <p:nvSpPr>
+            <p:cNvPr id="125" name="Ovale 124"/>
+            <p:cNvSpPr/>
+            <p:nvPr/>
+          </p:nvSpPr>
+          <p:spPr>
+            <a:xfrm>
+              <a:off x="565700" y="4983583"/>
+              <a:ext cx="805955" cy="729231"/>
+            </a:xfrm>
+            <a:prstGeom prst="ellipse">
+              <a:avLst/>
+            </a:prstGeom>
+            <a:solidFill>
+              <a:srgbClr val="FF99CC"/>
+            </a:solidFill>
+            <a:ln/>
+          </p:spPr>
+          <p:style>
+            <a:lnRef idx="1">
+              <a:schemeClr val="accent4"/>
+            </a:lnRef>
+            <a:fillRef idx="2">
+              <a:schemeClr val="accent4"/>
+            </a:fillRef>
+            <a:effectRef idx="1">
+              <a:schemeClr val="accent4"/>
+            </a:effectRef>
+            <a:fontRef idx="minor">
+              <a:schemeClr val="dk1"/>
+            </a:fontRef>
+          </p:style>
+          <p:txBody>
+            <a:bodyPr rtlCol="0" anchor="ctr"/>
+            <a:lstStyle/>
+            <a:p>
+              <a:pPr algn="ctr"/>
+              <a:r>
+                <a:rPr lang="en-GB" sz="1200" dirty="0"/>
+                <a:t> </a:t>
+              </a:r>
+            </a:p>
+          </p:txBody>
+        </p:sp>
+        <p:sp>
+          <p:nvSpPr>
+            <p:cNvPr id="126" name="Triangolo isoscele 125"/>
+            <p:cNvSpPr/>
+            <p:nvPr/>
+          </p:nvSpPr>
+          <p:spPr>
+            <a:xfrm rot="16200000">
+              <a:off x="904012" y="4936848"/>
+              <a:ext cx="39538" cy="89794"/>
+            </a:xfrm>
+            <a:prstGeom prst="triangle">
+              <a:avLst/>
+            </a:prstGeom>
+            <a:solidFill>
+              <a:srgbClr val="C00000"/>
+            </a:solidFill>
+            <a:ln/>
+          </p:spPr>
+          <p:style>
+            <a:lnRef idx="1">
+              <a:schemeClr val="accent5"/>
+            </a:lnRef>
+            <a:fillRef idx="2">
+              <a:schemeClr val="accent5"/>
+            </a:fillRef>
+            <a:effectRef idx="1">
+              <a:schemeClr val="accent5"/>
+            </a:effectRef>
+            <a:fontRef idx="minor">
+              <a:schemeClr val="dk1"/>
+            </a:fontRef>
+          </p:style>
+          <p:txBody>
+            <a:bodyPr rtlCol="0" anchor="ctr"/>
+            <a:lstStyle/>
+            <a:p>
+              <a:pPr algn="ctr"/>
+              <a:endParaRPr lang="en-GB" sz="1200">
+                <a:solidFill>
+                  <a:schemeClr val="dk1"/>
+                </a:solidFill>
+              </a:endParaRPr>
+            </a:p>
+          </p:txBody>
+        </p:sp>
+      </p:grpSp>
+      <p:sp>
+        <p:nvSpPr>
+          <p:cNvPr id="114" name="TextBox 45">
+            <a:extLst>
+              <a:ext uri="{FF2B5EF4-FFF2-40B4-BE49-F238E27FC236}">
+                <a16:creationId xmlns="" xmlns:a16="http://schemas.microsoft.com/office/drawing/2014/main" id="{6BDA7693-CA76-4C97-8FED-A4A65AB5032B}"/>
+              </a:ext>
+            </a:extLst>
+          </p:cNvPr>
+          <p:cNvSpPr txBox="1"/>
+          <p:nvPr/>
+        </p:nvSpPr>
+        <p:spPr>
+          <a:xfrm>
+            <a:off x="4498384" y="5733256"/>
+            <a:ext cx="975011" cy="369332"/>
+          </a:xfrm>
+          <a:prstGeom prst="rect">
+            <a:avLst/>
+          </a:prstGeom>
+          <a:noFill/>
+        </p:spPr>
+        <p:txBody>
+          <a:bodyPr wrap="none" rtlCol="0">
+            <a:spAutoFit/>
+          </a:bodyPr>
+          <a:lstStyle/>
+          <a:p>
+            <a:r>
+              <a:rPr lang="en-US" b="1" dirty="0" smtClean="0"/>
+              <a:t>Browser</a:t>
+            </a:r>
+            <a:endParaRPr lang="en-US" b="1" dirty="0"/>
+          </a:p>
+        </p:txBody>
+      </p:sp>
+      <p:grpSp>
+        <p:nvGrpSpPr>
+          <p:cNvPr id="61" name="Gruppo 60"/>
+          <p:cNvGrpSpPr/>
+          <p:nvPr/>
+        </p:nvGrpSpPr>
+        <p:grpSpPr>
+          <a:xfrm>
+            <a:off x="7959531" y="3547076"/>
+            <a:ext cx="805955" cy="772447"/>
+            <a:chOff x="565700" y="4940367"/>
+            <a:chExt cx="805955" cy="772447"/>
+          </a:xfrm>
+        </p:grpSpPr>
+        <p:sp>
+          <p:nvSpPr>
+            <p:cNvPr id="62" name="Ovale 61"/>
+            <p:cNvSpPr/>
+            <p:nvPr/>
+          </p:nvSpPr>
+          <p:spPr>
+            <a:xfrm>
+              <a:off x="565700" y="4983583"/>
+              <a:ext cx="805955" cy="729231"/>
+            </a:xfrm>
+            <a:prstGeom prst="ellipse">
+              <a:avLst/>
+            </a:prstGeom>
+            <a:solidFill>
+              <a:srgbClr val="FF99CC"/>
+            </a:solidFill>
+          </p:spPr>
+          <p:style>
+            <a:lnRef idx="2">
+              <a:schemeClr val="accent1">
+                <a:shade val="50000"/>
+              </a:schemeClr>
+            </a:lnRef>
+            <a:fillRef idx="1">
+              <a:schemeClr val="accent1"/>
+            </a:fillRef>
+            <a:effectRef idx="0">
+              <a:schemeClr val="accent1"/>
+            </a:effectRef>
+            <a:fontRef idx="minor">
+              <a:schemeClr val="lt1"/>
+            </a:fontRef>
+          </p:style>
+          <p:txBody>
+            <a:bodyPr rtlCol="0" anchor="ctr"/>
+            <a:lstStyle/>
+            <a:p>
+              <a:pPr algn="ctr"/>
+              <a:r>
+                <a:rPr lang="en-GB" dirty="0">
+                  <a:solidFill>
+                    <a:schemeClr val="lt1"/>
+                  </a:solidFill>
+                </a:rPr>
+                <a:t> </a:t>
+              </a:r>
+            </a:p>
+          </p:txBody>
+        </p:sp>
+        <p:sp>
+          <p:nvSpPr>
+            <p:cNvPr id="63" name="Triangolo isoscele 62"/>
+            <p:cNvSpPr/>
+            <p:nvPr/>
+          </p:nvSpPr>
+          <p:spPr>
+            <a:xfrm rot="16200000">
+              <a:off x="905299" y="4913952"/>
+              <a:ext cx="86434" cy="139263"/>
+            </a:xfrm>
+            <a:prstGeom prst="triangle">
+              <a:avLst/>
+            </a:prstGeom>
+            <a:solidFill>
+              <a:srgbClr val="FF99CC"/>
+            </a:solidFill>
+            <a:ln>
+              <a:solidFill>
+                <a:schemeClr val="tx1"/>
+              </a:solidFill>
+            </a:ln>
+          </p:spPr>
+          <p:style>
+            <a:lnRef idx="2">
+              <a:schemeClr val="accent1">
+                <a:shade val="50000"/>
+              </a:schemeClr>
+            </a:lnRef>
+            <a:fillRef idx="1">
+              <a:schemeClr val="accent1"/>
+            </a:fillRef>
+            <a:effectRef idx="0">
+              <a:schemeClr val="accent1"/>
+            </a:effectRef>
+            <a:fontRef idx="minor">
+              <a:schemeClr val="lt1"/>
+            </a:fontRef>
+          </p:style>
+          <p:txBody>
+            <a:bodyPr rtlCol="0" anchor="ctr"/>
+            <a:lstStyle/>
+            <a:p>
+              <a:pPr algn="ctr"/>
+              <a:endParaRPr lang="en-GB">
+                <a:solidFill>
+                  <a:schemeClr val="lt1"/>
+                </a:solidFill>
+              </a:endParaRPr>
+            </a:p>
+          </p:txBody>
+        </p:sp>
+      </p:grpSp>
+      <p:sp>
+        <p:nvSpPr>
+          <p:cNvPr id="64" name="Rettangolo 63"/>
+          <p:cNvSpPr/>
+          <p:nvPr/>
+        </p:nvSpPr>
+        <p:spPr>
+          <a:xfrm>
+            <a:off x="7427427" y="4319523"/>
+            <a:ext cx="1255344" cy="369332"/>
+          </a:xfrm>
+          <a:prstGeom prst="rect">
+            <a:avLst/>
+          </a:prstGeom>
+        </p:spPr>
+        <p:txBody>
+          <a:bodyPr wrap="none">
+            <a:spAutoFit/>
+          </a:bodyPr>
+          <a:lstStyle/>
+          <a:p>
+            <a:r>
+              <a:rPr lang="it-IT" dirty="0" smtClean="0"/>
+              <a:t>FHIR </a:t>
+            </a:r>
+            <a:r>
+              <a:rPr lang="it-IT" dirty="0" smtClean="0"/>
+              <a:t>server</a:t>
+            </a:r>
+            <a:endParaRPr lang="en-GB" dirty="0"/>
+          </a:p>
+        </p:txBody>
+      </p:sp>
+      <p:sp>
+        <p:nvSpPr>
+          <p:cNvPr id="13" name="CasellaDiTesto 12"/>
+          <p:cNvSpPr txBox="1"/>
+          <p:nvPr/>
+        </p:nvSpPr>
+        <p:spPr>
+          <a:xfrm>
+            <a:off x="5402022" y="5121274"/>
+            <a:ext cx="675121" cy="369332"/>
+          </a:xfrm>
+          <a:prstGeom prst="rect">
+            <a:avLst/>
+          </a:prstGeom>
+          <a:noFill/>
+        </p:spPr>
+        <p:txBody>
+          <a:bodyPr wrap="none" rtlCol="0">
+            <a:spAutoFit/>
+          </a:bodyPr>
+          <a:lstStyle/>
+          <a:p>
+            <a:r>
+              <a:rPr lang="it-IT" dirty="0" smtClean="0"/>
+              <a:t>HTTP</a:t>
+            </a:r>
+            <a:endParaRPr lang="en-GB" dirty="0"/>
+          </a:p>
+        </p:txBody>
+      </p:sp>
+      <p:cxnSp>
+        <p:nvCxnSpPr>
+          <p:cNvPr id="37" name="Connettore 2 36"/>
+          <p:cNvCxnSpPr>
+            <a:endCxn id="40" idx="2"/>
+          </p:cNvCxnSpPr>
+          <p:nvPr/>
+        </p:nvCxnSpPr>
+        <p:spPr>
+          <a:xfrm flipV="1">
+            <a:off x="2954748" y="2436520"/>
+            <a:ext cx="1699271" cy="10887"/>
+          </a:xfrm>
+          <a:prstGeom prst="straightConnector1">
+            <a:avLst/>
+          </a:prstGeom>
+          <a:ln>
+            <a:tailEnd type="arrow"/>
+          </a:ln>
+        </p:spPr>
+        <p:style>
+          <a:lnRef idx="1">
+            <a:schemeClr val="accent1"/>
+          </a:lnRef>
+          <a:fillRef idx="0">
+            <a:schemeClr val="accent1"/>
+          </a:fillRef>
+          <a:effectRef idx="0">
+            <a:schemeClr val="accent1"/>
+          </a:effectRef>
+          <a:fontRef idx="minor">
+            <a:schemeClr val="tx1"/>
+          </a:fontRef>
+        </p:style>
+      </p:cxnSp>
+      <p:sp>
+        <p:nvSpPr>
+          <p:cNvPr id="81" name="Ovale 80"/>
+          <p:cNvSpPr/>
+          <p:nvPr/>
+        </p:nvSpPr>
+        <p:spPr>
+          <a:xfrm>
+            <a:off x="629027" y="1167714"/>
+            <a:ext cx="2080557" cy="593051"/>
+          </a:xfrm>
+          <a:prstGeom prst="ellipse">
+            <a:avLst/>
+          </a:prstGeom>
+          <a:solidFill>
+            <a:srgbClr val="FFFFCC"/>
+          </a:solidFill>
+          <a:ln w="38100">
+            <a:solidFill>
+              <a:srgbClr val="C00000"/>
+            </a:solidFill>
+          </a:ln>
+        </p:spPr>
+        <p:style>
+          <a:lnRef idx="1">
+            <a:schemeClr val="accent5"/>
+          </a:lnRef>
+          <a:fillRef idx="2">
+            <a:schemeClr val="accent5"/>
+          </a:fillRef>
+          <a:effectRef idx="1">
+            <a:schemeClr val="accent5"/>
+          </a:effectRef>
+          <a:fontRef idx="minor">
+            <a:schemeClr val="dk1"/>
+          </a:fontRef>
+        </p:style>
+        <p:txBody>
+          <a:bodyPr rtlCol="0" anchor="ctr"/>
+          <a:lstStyle/>
+          <a:p>
+            <a:pPr algn="ctr"/>
+            <a:r>
+              <a:rPr lang="en-GB" sz="1600" b="1" dirty="0" err="1" smtClean="0">
+                <a:solidFill>
+                  <a:srgbClr val="0070C0"/>
+                </a:solidFill>
+              </a:rPr>
+              <a:t>HealthProductClient</a:t>
+            </a:r>
+            <a:endParaRPr lang="en-GB" sz="1600" b="1" dirty="0">
+              <a:solidFill>
+                <a:srgbClr val="0070C0"/>
+              </a:solidFill>
+            </a:endParaRPr>
+          </a:p>
+        </p:txBody>
+      </p:sp>
+      <p:cxnSp>
+        <p:nvCxnSpPr>
+          <p:cNvPr id="46" name="Connettore 4 45"/>
+          <p:cNvCxnSpPr>
+            <a:stCxn id="48" idx="6"/>
+            <a:endCxn id="123" idx="2"/>
+          </p:cNvCxnSpPr>
+          <p:nvPr/>
+        </p:nvCxnSpPr>
+        <p:spPr>
+          <a:xfrm flipV="1">
+            <a:off x="5243229" y="3079487"/>
+            <a:ext cx="2761997" cy="3000"/>
+          </a:xfrm>
+          <a:prstGeom prst="bentConnector3">
+            <a:avLst>
+              <a:gd name="adj1" fmla="val 50000"/>
+            </a:avLst>
+          </a:prstGeom>
+          <a:ln w="28575">
+            <a:solidFill>
+              <a:srgbClr val="FF0000"/>
+            </a:solidFill>
+            <a:prstDash val="dash"/>
+            <a:tailEnd type="arrow"/>
+          </a:ln>
+        </p:spPr>
+        <p:style>
+          <a:lnRef idx="1">
+            <a:schemeClr val="accent1"/>
+          </a:lnRef>
+          <a:fillRef idx="0">
+            <a:schemeClr val="accent1"/>
+          </a:fillRef>
+          <a:effectRef idx="0">
+            <a:schemeClr val="accent1"/>
+          </a:effectRef>
+          <a:fontRef idx="minor">
+            <a:schemeClr val="tx1"/>
+          </a:fontRef>
+        </p:style>
+      </p:cxnSp>
+      <p:cxnSp>
+        <p:nvCxnSpPr>
+          <p:cNvPr id="66" name="Connettore 4 65"/>
+          <p:cNvCxnSpPr>
+            <a:stCxn id="115" idx="3"/>
+            <a:endCxn id="4" idx="4"/>
+          </p:cNvCxnSpPr>
+          <p:nvPr/>
+        </p:nvCxnSpPr>
+        <p:spPr>
+          <a:xfrm flipV="1">
+            <a:off x="4638640" y="4763463"/>
+            <a:ext cx="679697" cy="542477"/>
+          </a:xfrm>
+          <a:prstGeom prst="bentConnector2">
+            <a:avLst/>
+          </a:prstGeom>
+          <a:ln>
+            <a:tailEnd type="arrow"/>
+          </a:ln>
+        </p:spPr>
+        <p:style>
+          <a:lnRef idx="1">
+            <a:schemeClr val="accent1"/>
+          </a:lnRef>
+          <a:fillRef idx="0">
+            <a:schemeClr val="accent1"/>
+          </a:fillRef>
+          <a:effectRef idx="0">
+            <a:schemeClr val="accent1"/>
+          </a:effectRef>
+          <a:fontRef idx="minor">
+            <a:schemeClr val="tx1"/>
+          </a:fontRef>
+        </p:style>
+      </p:cxnSp>
+      <p:cxnSp>
+        <p:nvCxnSpPr>
+          <p:cNvPr id="76" name="Connettore 2 75"/>
+          <p:cNvCxnSpPr>
+            <a:stCxn id="6" idx="4"/>
+            <a:endCxn id="83" idx="0"/>
+          </p:cNvCxnSpPr>
+          <p:nvPr/>
+        </p:nvCxnSpPr>
+        <p:spPr>
+          <a:xfrm>
+            <a:off x="5318337" y="1735178"/>
+            <a:ext cx="0" cy="201909"/>
+          </a:xfrm>
+          <a:prstGeom prst="straightConnector1">
+            <a:avLst/>
+          </a:prstGeom>
+          <a:ln>
+            <a:tailEnd type="arrow"/>
+          </a:ln>
+        </p:spPr>
+        <p:style>
+          <a:lnRef idx="1">
+            <a:schemeClr val="accent1"/>
+          </a:lnRef>
+          <a:fillRef idx="0">
+            <a:schemeClr val="accent1"/>
+          </a:fillRef>
+          <a:effectRef idx="0">
+            <a:schemeClr val="accent1"/>
+          </a:effectRef>
+          <a:fontRef idx="minor">
+            <a:schemeClr val="tx1"/>
+          </a:fontRef>
+        </p:style>
+      </p:cxnSp>
+      <p:sp>
+        <p:nvSpPr>
+          <p:cNvPr id="118" name="CasellaDiTesto 117"/>
+          <p:cNvSpPr txBox="1"/>
+          <p:nvPr/>
+        </p:nvSpPr>
+        <p:spPr>
+          <a:xfrm>
+            <a:off x="7553003" y="2244213"/>
+            <a:ext cx="1696811" cy="369332"/>
+          </a:xfrm>
+          <a:prstGeom prst="rect">
+            <a:avLst/>
+          </a:prstGeom>
+          <a:noFill/>
+        </p:spPr>
+        <p:txBody>
+          <a:bodyPr wrap="none" rtlCol="0">
+            <a:spAutoFit/>
+          </a:bodyPr>
+          <a:lstStyle/>
+          <a:p>
+            <a:r>
+              <a:rPr lang="it-IT" dirty="0" err="1" smtClean="0"/>
+              <a:t>Legacy</a:t>
+            </a:r>
+            <a:r>
+              <a:rPr lang="it-IT" dirty="0" smtClean="0"/>
+              <a:t> </a:t>
+            </a:r>
+            <a:r>
+              <a:rPr lang="it-IT" dirty="0" smtClean="0"/>
+              <a:t>with HL7</a:t>
+            </a:r>
+            <a:endParaRPr lang="en-GB" dirty="0"/>
+          </a:p>
+        </p:txBody>
+      </p:sp>
+      <p:grpSp>
+        <p:nvGrpSpPr>
+          <p:cNvPr id="119" name="Gruppo 118"/>
+          <p:cNvGrpSpPr/>
+          <p:nvPr/>
+        </p:nvGrpSpPr>
+        <p:grpSpPr>
+          <a:xfrm>
+            <a:off x="8005226" y="2671655"/>
+            <a:ext cx="805955" cy="772447"/>
+            <a:chOff x="5498762" y="2072585"/>
+            <a:chExt cx="805955" cy="772447"/>
+          </a:xfrm>
+        </p:grpSpPr>
+        <p:grpSp>
+          <p:nvGrpSpPr>
+            <p:cNvPr id="121" name="Gruppo 120"/>
+            <p:cNvGrpSpPr/>
+            <p:nvPr/>
+          </p:nvGrpSpPr>
+          <p:grpSpPr>
+            <a:xfrm>
+              <a:off x="5498762" y="2072585"/>
+              <a:ext cx="805955" cy="772447"/>
+              <a:chOff x="565700" y="4940367"/>
+              <a:chExt cx="805955" cy="772447"/>
+            </a:xfrm>
+          </p:grpSpPr>
+          <p:sp>
+            <p:nvSpPr>
+              <p:cNvPr id="123" name="Ovale 122"/>
+              <p:cNvSpPr/>
+              <p:nvPr/>
+            </p:nvSpPr>
+            <p:spPr>
+              <a:xfrm>
+                <a:off x="565700" y="4983583"/>
+                <a:ext cx="805955" cy="729231"/>
+              </a:xfrm>
+              <a:prstGeom prst="ellipse">
+                <a:avLst/>
+              </a:prstGeom>
+              <a:solidFill>
+                <a:srgbClr val="CCFF99"/>
+              </a:solidFill>
+              <a:ln/>
+            </p:spPr>
+            <p:style>
+              <a:lnRef idx="1">
+                <a:schemeClr val="accent4"/>
+              </a:lnRef>
+              <a:fillRef idx="2">
+                <a:schemeClr val="accent4"/>
+              </a:fillRef>
+              <a:effectRef idx="1">
+                <a:schemeClr val="accent4"/>
+              </a:effectRef>
+              <a:fontRef idx="minor">
+                <a:schemeClr val="dk1"/>
+              </a:fontRef>
+            </p:style>
+            <p:txBody>
+              <a:bodyPr rtlCol="0" anchor="ctr"/>
+              <a:lstStyle/>
+              <a:p>
+                <a:pPr algn="ctr"/>
+                <a:r>
+                  <a:rPr lang="en-GB" sz="1200" dirty="0"/>
+                  <a:t> </a:t>
+                </a:r>
+              </a:p>
+            </p:txBody>
+          </p:sp>
+          <p:sp>
+            <p:nvSpPr>
+              <p:cNvPr id="128" name="Triangolo isoscele 127"/>
+              <p:cNvSpPr/>
+              <p:nvPr/>
+            </p:nvSpPr>
+            <p:spPr>
+              <a:xfrm rot="16200000">
+                <a:off x="905299" y="4913952"/>
+                <a:ext cx="86434" cy="139263"/>
+              </a:xfrm>
+              <a:prstGeom prst="triangle">
+                <a:avLst/>
+              </a:prstGeom>
+              <a:solidFill>
+                <a:srgbClr val="C00000"/>
+              </a:solidFill>
+              <a:ln/>
+            </p:spPr>
+            <p:style>
+              <a:lnRef idx="1">
+                <a:schemeClr val="accent5"/>
+              </a:lnRef>
+              <a:fillRef idx="2">
+                <a:schemeClr val="accent5"/>
+              </a:fillRef>
+              <a:effectRef idx="1">
+                <a:schemeClr val="accent5"/>
+              </a:effectRef>
+              <a:fontRef idx="minor">
+                <a:schemeClr val="dk1"/>
+              </a:fontRef>
+            </p:style>
+            <p:txBody>
+              <a:bodyPr rtlCol="0" anchor="ctr"/>
+              <a:lstStyle/>
+              <a:p>
+                <a:pPr algn="ctr"/>
+                <a:endParaRPr lang="en-GB" sz="1200">
+                  <a:solidFill>
+                    <a:schemeClr val="dk1"/>
+                  </a:solidFill>
+                </a:endParaRPr>
+              </a:p>
+            </p:txBody>
+          </p:sp>
+        </p:grpSp>
+        <p:sp>
+          <p:nvSpPr>
+            <p:cNvPr id="122" name="CasellaDiTesto 121"/>
+            <p:cNvSpPr txBox="1"/>
+            <p:nvPr/>
+          </p:nvSpPr>
+          <p:spPr>
+            <a:xfrm>
+              <a:off x="5838254" y="2295750"/>
+              <a:ext cx="184731" cy="307777"/>
+            </a:xfrm>
+            <a:prstGeom prst="rect">
+              <a:avLst/>
+            </a:prstGeom>
+            <a:noFill/>
+          </p:spPr>
+          <p:txBody>
+            <a:bodyPr wrap="none" rtlCol="0">
+              <a:spAutoFit/>
+            </a:bodyPr>
+            <a:lstStyle/>
+            <a:p>
+              <a:pPr algn="ctr"/>
+              <a:endParaRPr lang="en-GB" sz="1400" dirty="0">
+                <a:solidFill>
+                  <a:srgbClr val="0070C0"/>
+                </a:solidFill>
+              </a:endParaRPr>
+            </a:p>
+          </p:txBody>
+        </p:sp>
+      </p:grpSp>
+      <p:sp>
+        <p:nvSpPr>
+          <p:cNvPr id="106" name="Rettangolo 105"/>
+          <p:cNvSpPr/>
+          <p:nvPr/>
+        </p:nvSpPr>
+        <p:spPr>
+          <a:xfrm>
+            <a:off x="7348517" y="232102"/>
+            <a:ext cx="1513428" cy="369332"/>
+          </a:xfrm>
+          <a:prstGeom prst="rect">
+            <a:avLst/>
+          </a:prstGeom>
+        </p:spPr>
+        <p:txBody>
+          <a:bodyPr wrap="none">
+            <a:spAutoFit/>
+          </a:bodyPr>
+          <a:lstStyle/>
+          <a:p>
+            <a:r>
+              <a:rPr lang="it-IT" b="1" dirty="0" err="1"/>
+              <a:t>CentroHealth</a:t>
+            </a:r>
+            <a:r>
+              <a:rPr lang="it-IT" b="1" dirty="0"/>
+              <a:t> </a:t>
+            </a:r>
+          </a:p>
+        </p:txBody>
+      </p:sp>
+      <p:sp>
+        <p:nvSpPr>
+          <p:cNvPr id="89" name="CasellaDiTesto 88"/>
+          <p:cNvSpPr txBox="1"/>
+          <p:nvPr/>
+        </p:nvSpPr>
+        <p:spPr>
+          <a:xfrm>
+            <a:off x="6087454" y="2864042"/>
+            <a:ext cx="1102225" cy="369332"/>
+          </a:xfrm>
+          <a:prstGeom prst="rect">
+            <a:avLst/>
+          </a:prstGeom>
+        </p:spPr>
+        <p:style>
+          <a:lnRef idx="1">
+            <a:schemeClr val="accent3"/>
+          </a:lnRef>
+          <a:fillRef idx="2">
+            <a:schemeClr val="accent3"/>
+          </a:fillRef>
+          <a:effectRef idx="1">
+            <a:schemeClr val="accent3"/>
+          </a:effectRef>
+          <a:fontRef idx="minor">
+            <a:schemeClr val="dk1"/>
+          </a:fontRef>
+        </p:style>
+        <p:txBody>
+          <a:bodyPr wrap="none" rtlCol="0">
+            <a:spAutoFit/>
+          </a:bodyPr>
+          <a:lstStyle/>
+          <a:p>
+            <a:r>
+              <a:rPr lang="it-IT" dirty="0" smtClean="0"/>
+              <a:t>TCP/HTTP</a:t>
+            </a:r>
+            <a:endParaRPr lang="it-IT" dirty="0" smtClean="0"/>
+          </a:p>
+        </p:txBody>
+      </p:sp>
+      <p:sp>
+        <p:nvSpPr>
+          <p:cNvPr id="143" name="CasellaDiTesto 142"/>
+          <p:cNvSpPr txBox="1"/>
+          <p:nvPr/>
+        </p:nvSpPr>
+        <p:spPr>
+          <a:xfrm>
+            <a:off x="657801" y="241231"/>
+            <a:ext cx="2051783" cy="369332"/>
+          </a:xfrm>
+          <a:prstGeom prst="rect">
+            <a:avLst/>
+          </a:prstGeom>
+          <a:noFill/>
+        </p:spPr>
+        <p:txBody>
+          <a:bodyPr wrap="square" rtlCol="0">
+            <a:spAutoFit/>
+          </a:bodyPr>
+          <a:lstStyle>
+            <a:defPPr>
+              <a:defRPr lang="en-US"/>
+            </a:defPPr>
+            <a:lvl1pPr>
+              <a:defRPr b="1"/>
+            </a:lvl1pPr>
+          </a:lstStyle>
+          <a:p>
+            <a:r>
+              <a:rPr lang="en-GB" dirty="0" err="1" smtClean="0"/>
+              <a:t>ICoreFHIR</a:t>
+            </a:r>
+            <a:r>
+              <a:rPr lang="en-GB" dirty="0" smtClean="0"/>
+              <a:t> </a:t>
+            </a:r>
+            <a:r>
+              <a:rPr lang="it-IT" dirty="0" smtClean="0"/>
+              <a:t>server</a:t>
+            </a:r>
+            <a:endParaRPr lang="en-GB" dirty="0"/>
+          </a:p>
+        </p:txBody>
+      </p:sp>
+      <p:sp>
+        <p:nvSpPr>
+          <p:cNvPr id="147" name="Ovale 146"/>
+          <p:cNvSpPr/>
+          <p:nvPr/>
+        </p:nvSpPr>
+        <p:spPr>
+          <a:xfrm>
+            <a:off x="858300" y="3082487"/>
+            <a:ext cx="1695116" cy="554921"/>
+          </a:xfrm>
+          <a:prstGeom prst="ellipse">
+            <a:avLst/>
+          </a:prstGeom>
+          <a:solidFill>
+            <a:srgbClr val="FFFFCC"/>
+          </a:solidFill>
+          <a:ln w="38100">
+            <a:solidFill>
+              <a:srgbClr val="C00000"/>
+            </a:solidFill>
+          </a:ln>
+        </p:spPr>
+        <p:style>
+          <a:lnRef idx="1">
+            <a:schemeClr val="accent5"/>
+          </a:lnRef>
+          <a:fillRef idx="2">
+            <a:schemeClr val="accent5"/>
+          </a:fillRef>
+          <a:effectRef idx="1">
+            <a:schemeClr val="accent5"/>
+          </a:effectRef>
+          <a:fontRef idx="minor">
+            <a:schemeClr val="dk1"/>
+          </a:fontRef>
+        </p:style>
+        <p:txBody>
+          <a:bodyPr rtlCol="0" anchor="ctr"/>
+          <a:lstStyle/>
+          <a:p>
+            <a:pPr algn="ctr"/>
+            <a:r>
+              <a:rPr lang="en-GB" sz="1600" b="1" dirty="0" err="1" smtClean="0">
+                <a:solidFill>
+                  <a:srgbClr val="0070C0"/>
+                </a:solidFill>
+              </a:rPr>
+              <a:t>Todo</a:t>
+            </a:r>
+            <a:endParaRPr lang="en-GB" sz="1600" b="1" dirty="0">
+              <a:solidFill>
+                <a:srgbClr val="0070C0"/>
+              </a:solidFill>
+            </a:endParaRPr>
+          </a:p>
+        </p:txBody>
+      </p:sp>
+      <p:cxnSp>
+        <p:nvCxnSpPr>
+          <p:cNvPr id="148" name="Connettore 2 147"/>
+          <p:cNvCxnSpPr>
+            <a:endCxn id="48" idx="3"/>
+          </p:cNvCxnSpPr>
+          <p:nvPr/>
+        </p:nvCxnSpPr>
+        <p:spPr>
+          <a:xfrm flipV="1">
+            <a:off x="2531250" y="3295944"/>
+            <a:ext cx="1066954" cy="88418"/>
+          </a:xfrm>
+          <a:prstGeom prst="straightConnector1">
+            <a:avLst/>
+          </a:prstGeom>
+          <a:ln>
+            <a:prstDash val="dash"/>
+            <a:tailEnd type="arrow"/>
+          </a:ln>
+        </p:spPr>
+        <p:style>
+          <a:lnRef idx="1">
+            <a:schemeClr val="accent1"/>
+          </a:lnRef>
+          <a:fillRef idx="0">
+            <a:schemeClr val="accent1"/>
+          </a:fillRef>
+          <a:effectRef idx="0">
+            <a:schemeClr val="accent1"/>
+          </a:effectRef>
+          <a:fontRef idx="minor">
+            <a:schemeClr val="tx1"/>
+          </a:fontRef>
+        </p:style>
+      </p:cxnSp>
+      <p:sp>
+        <p:nvSpPr>
+          <p:cNvPr id="151" name="Ovale 150"/>
+          <p:cNvSpPr/>
+          <p:nvPr/>
+        </p:nvSpPr>
+        <p:spPr>
+          <a:xfrm>
+            <a:off x="345089" y="2074806"/>
+            <a:ext cx="2593165" cy="723428"/>
+          </a:xfrm>
+          <a:prstGeom prst="ellipse">
+            <a:avLst/>
+          </a:prstGeom>
+          <a:solidFill>
+            <a:srgbClr val="FFFFCC"/>
+          </a:solidFill>
+          <a:ln w="38100">
+            <a:solidFill>
+              <a:srgbClr val="C00000"/>
+            </a:solidFill>
+          </a:ln>
+        </p:spPr>
+        <p:style>
+          <a:lnRef idx="1">
+            <a:schemeClr val="accent5"/>
+          </a:lnRef>
+          <a:fillRef idx="2">
+            <a:schemeClr val="accent5"/>
+          </a:fillRef>
+          <a:effectRef idx="1">
+            <a:schemeClr val="accent5"/>
+          </a:effectRef>
+          <a:fontRef idx="minor">
+            <a:schemeClr val="dk1"/>
+          </a:fontRef>
+        </p:style>
+        <p:txBody>
+          <a:bodyPr rtlCol="0" anchor="ctr"/>
+          <a:lstStyle/>
+          <a:p>
+            <a:pPr algn="ctr"/>
+            <a:r>
+              <a:rPr lang="en-GB" sz="1600" b="1" dirty="0" err="1" smtClean="0">
+                <a:solidFill>
+                  <a:srgbClr val="0070C0"/>
+                </a:solidFill>
+              </a:rPr>
+              <a:t>HealthServiceFhirUsageSynch</a:t>
+            </a:r>
+            <a:r>
+              <a:rPr lang="en-GB" sz="1600" b="1" dirty="0" smtClean="0">
+                <a:solidFill>
+                  <a:srgbClr val="0070C0"/>
+                </a:solidFill>
+              </a:rPr>
+              <a:t>/</a:t>
+            </a:r>
+            <a:r>
+              <a:rPr lang="en-GB" sz="1600" b="1" dirty="0" err="1" smtClean="0">
+                <a:solidFill>
+                  <a:srgbClr val="0070C0"/>
+                </a:solidFill>
+              </a:rPr>
+              <a:t>Asynch</a:t>
+            </a:r>
+            <a:endParaRPr lang="en-GB" sz="1600" b="1" dirty="0">
+              <a:solidFill>
+                <a:srgbClr val="0070C0"/>
+              </a:solidFill>
+            </a:endParaRPr>
+          </a:p>
+        </p:txBody>
+      </p:sp>
     </p:spTree>
     <p:extLst>
       <p:ext uri="{BB962C8B-B14F-4D97-AF65-F5344CB8AC3E}">
-        <p14:creationId xmlns:p14="http://schemas.microsoft.com/office/powerpoint/2010/main" val="2631222391"/>
+        <p14:creationId xmlns:p14="http://schemas.microsoft.com/office/powerpoint/2010/main" val="1516812416"/>
       </p:ext>
     </p:extLst>
   </p:cSld>
@@ -19691,64 +21525,711 @@
           <a:chExt cx="0" cy="0"/>
         </a:xfrm>
       </p:grpSpPr>
-      <p:pic>
-        <p:nvPicPr>
-          <p:cNvPr id="1027" name="Picture 3"/>
-          <p:cNvPicPr>
-            <a:picLocks noChangeAspect="1" noChangeArrowheads="1"/>
-          </p:cNvPicPr>
-          <p:nvPr/>
-        </p:nvPicPr>
-        <p:blipFill>
-          <a:blip r:embed="rId2">
+      <p:grpSp>
+        <p:nvGrpSpPr>
+          <p:cNvPr id="3" name="Gruppo 2"/>
+          <p:cNvGrpSpPr/>
+          <p:nvPr/>
+        </p:nvGrpSpPr>
+        <p:grpSpPr>
+          <a:xfrm>
+            <a:off x="3342280" y="790675"/>
+            <a:ext cx="1747728" cy="1617004"/>
+            <a:chOff x="565700" y="4958037"/>
+            <a:chExt cx="805955" cy="754777"/>
+          </a:xfrm>
+        </p:grpSpPr>
+        <p:sp>
+          <p:nvSpPr>
+            <p:cNvPr id="4" name="Ovale 3"/>
+            <p:cNvSpPr/>
+            <p:nvPr/>
+          </p:nvSpPr>
+          <p:spPr>
+            <a:xfrm>
+              <a:off x="565700" y="4983583"/>
+              <a:ext cx="805955" cy="729231"/>
+            </a:xfrm>
+            <a:prstGeom prst="ellipse">
+              <a:avLst/>
+            </a:prstGeom>
+            <a:ln/>
+          </p:spPr>
+          <p:style>
+            <a:lnRef idx="1">
+              <a:schemeClr val="accent4"/>
+            </a:lnRef>
+            <a:fillRef idx="2">
+              <a:schemeClr val="accent4"/>
+            </a:fillRef>
+            <a:effectRef idx="1">
+              <a:schemeClr val="accent4"/>
+            </a:effectRef>
+            <a:fontRef idx="minor">
+              <a:schemeClr val="dk1"/>
+            </a:fontRef>
+          </p:style>
+          <p:txBody>
+            <a:bodyPr rtlCol="0" anchor="ctr"/>
+            <a:lstStyle/>
+            <a:p>
+              <a:pPr algn="ctr"/>
+              <a:r>
+                <a:rPr lang="en-GB" sz="1200" dirty="0"/>
+                <a:t> </a:t>
+              </a:r>
+            </a:p>
+          </p:txBody>
+        </p:sp>
+        <p:sp>
+          <p:nvSpPr>
+            <p:cNvPr id="5" name="Triangolo isoscele 4"/>
+            <p:cNvSpPr/>
+            <p:nvPr/>
+          </p:nvSpPr>
+          <p:spPr>
+            <a:xfrm rot="16200000">
+              <a:off x="885418" y="4951504"/>
+              <a:ext cx="68763" cy="81830"/>
+            </a:xfrm>
+            <a:prstGeom prst="triangle">
+              <a:avLst/>
+            </a:prstGeom>
+            <a:solidFill>
+              <a:srgbClr val="C00000"/>
+            </a:solidFill>
+            <a:ln/>
+          </p:spPr>
+          <p:style>
+            <a:lnRef idx="1">
+              <a:schemeClr val="accent5"/>
+            </a:lnRef>
+            <a:fillRef idx="2">
+              <a:schemeClr val="accent5"/>
+            </a:fillRef>
+            <a:effectRef idx="1">
+              <a:schemeClr val="accent5"/>
+            </a:effectRef>
+            <a:fontRef idx="minor">
+              <a:schemeClr val="dk1"/>
+            </a:fontRef>
+          </p:style>
+          <p:txBody>
+            <a:bodyPr rtlCol="0" anchor="ctr"/>
+            <a:lstStyle/>
+            <a:p>
+              <a:pPr algn="ctr"/>
+              <a:endParaRPr lang="en-GB" sz="1200">
+                <a:solidFill>
+                  <a:schemeClr val="dk1"/>
+                </a:solidFill>
+              </a:endParaRPr>
+            </a:p>
+          </p:txBody>
+        </p:sp>
+      </p:grpSp>
+      <p:grpSp>
+        <p:nvGrpSpPr>
+          <p:cNvPr id="26" name="Gruppo 25"/>
+          <p:cNvGrpSpPr/>
+          <p:nvPr/>
+        </p:nvGrpSpPr>
+        <p:grpSpPr>
+          <a:xfrm>
+            <a:off x="2629776" y="1085917"/>
+            <a:ext cx="666895" cy="86434"/>
+            <a:chOff x="4592177" y="4419530"/>
+            <a:chExt cx="666895" cy="86434"/>
+          </a:xfrm>
+        </p:grpSpPr>
+        <p:cxnSp>
+          <p:nvCxnSpPr>
+            <p:cNvPr id="27" name="Connettore 1 26"/>
+            <p:cNvCxnSpPr/>
+            <p:nvPr/>
+          </p:nvCxnSpPr>
+          <p:spPr>
+            <a:xfrm>
+              <a:off x="4611000" y="4462747"/>
+              <a:ext cx="648072" cy="0"/>
+            </a:xfrm>
+            <a:prstGeom prst="line">
+              <a:avLst/>
+            </a:prstGeom>
+            <a:ln/>
+          </p:spPr>
+          <p:style>
+            <a:lnRef idx="1">
+              <a:schemeClr val="accent6"/>
+            </a:lnRef>
+            <a:fillRef idx="2">
+              <a:schemeClr val="accent6"/>
+            </a:fillRef>
+            <a:effectRef idx="1">
+              <a:schemeClr val="accent6"/>
+            </a:effectRef>
+            <a:fontRef idx="minor">
+              <a:schemeClr val="dk1"/>
+            </a:fontRef>
+          </p:style>
+        </p:cxnSp>
+        <p:sp>
+          <p:nvSpPr>
+            <p:cNvPr id="28" name="Triangolo isoscele 27"/>
+            <p:cNvSpPr/>
+            <p:nvPr/>
+          </p:nvSpPr>
+          <p:spPr>
+            <a:xfrm rot="16200000">
+              <a:off x="4618592" y="4393115"/>
+              <a:ext cx="86434" cy="139263"/>
+            </a:xfrm>
+            <a:prstGeom prst="triangle">
+              <a:avLst/>
+            </a:prstGeom>
+            <a:ln/>
+          </p:spPr>
+          <p:style>
+            <a:lnRef idx="1">
+              <a:schemeClr val="accent6"/>
+            </a:lnRef>
+            <a:fillRef idx="2">
+              <a:schemeClr val="accent6"/>
+            </a:fillRef>
+            <a:effectRef idx="1">
+              <a:schemeClr val="accent6"/>
+            </a:effectRef>
+            <a:fontRef idx="minor">
+              <a:schemeClr val="dk1"/>
+            </a:fontRef>
+          </p:style>
+          <p:txBody>
+            <a:bodyPr rtlCol="0" anchor="ctr"/>
+            <a:lstStyle/>
+            <a:p>
+              <a:pPr algn="ctr"/>
+              <a:endParaRPr lang="en-GB" sz="1200"/>
+            </a:p>
+          </p:txBody>
+        </p:sp>
+      </p:grpSp>
+      <p:grpSp>
+        <p:nvGrpSpPr>
+          <p:cNvPr id="29" name="Gruppo 28"/>
+          <p:cNvGrpSpPr/>
+          <p:nvPr/>
+        </p:nvGrpSpPr>
+        <p:grpSpPr>
+          <a:xfrm>
+            <a:off x="2621689" y="962771"/>
+            <a:ext cx="787334" cy="86434"/>
+            <a:chOff x="3452446" y="4176616"/>
+            <a:chExt cx="787334" cy="86434"/>
+          </a:xfrm>
+        </p:grpSpPr>
+        <p:sp>
+          <p:nvSpPr>
+            <p:cNvPr id="30" name="Triangolo isoscele 29"/>
+            <p:cNvSpPr/>
+            <p:nvPr/>
+          </p:nvSpPr>
+          <p:spPr>
+            <a:xfrm rot="5400000" flipH="1">
+              <a:off x="4126932" y="4150201"/>
+              <a:ext cx="86434" cy="139263"/>
+            </a:xfrm>
+            <a:prstGeom prst="triangle">
+              <a:avLst/>
+            </a:prstGeom>
+            <a:ln/>
+          </p:spPr>
+          <p:style>
+            <a:lnRef idx="1">
+              <a:schemeClr val="accent6"/>
+            </a:lnRef>
+            <a:fillRef idx="2">
+              <a:schemeClr val="accent6"/>
+            </a:fillRef>
+            <a:effectRef idx="1">
+              <a:schemeClr val="accent6"/>
+            </a:effectRef>
+            <a:fontRef idx="minor">
+              <a:schemeClr val="dk1"/>
+            </a:fontRef>
+          </p:style>
+          <p:txBody>
+            <a:bodyPr rtlCol="0" anchor="ctr"/>
+            <a:lstStyle/>
+            <a:p>
+              <a:pPr algn="ctr"/>
+              <a:endParaRPr lang="en-GB" sz="1200"/>
+            </a:p>
+          </p:txBody>
+        </p:sp>
+        <p:cxnSp>
+          <p:nvCxnSpPr>
+            <p:cNvPr id="31" name="Connettore 1 30"/>
+            <p:cNvCxnSpPr>
+              <a:endCxn id="30" idx="3"/>
+            </p:cNvCxnSpPr>
+            <p:nvPr/>
+          </p:nvCxnSpPr>
+          <p:spPr>
+            <a:xfrm>
+              <a:off x="3452446" y="4219627"/>
+              <a:ext cx="648072" cy="206"/>
+            </a:xfrm>
+            <a:prstGeom prst="line">
+              <a:avLst/>
+            </a:prstGeom>
+          </p:spPr>
+          <p:style>
+            <a:lnRef idx="1">
+              <a:schemeClr val="accent6"/>
+            </a:lnRef>
+            <a:fillRef idx="2">
+              <a:schemeClr val="accent6"/>
+            </a:fillRef>
+            <a:effectRef idx="1">
+              <a:schemeClr val="accent6"/>
+            </a:effectRef>
+            <a:fontRef idx="minor">
+              <a:schemeClr val="dk1"/>
+            </a:fontRef>
+          </p:style>
+        </p:cxnSp>
+      </p:grpSp>
+      <p:grpSp>
+        <p:nvGrpSpPr>
+          <p:cNvPr id="50" name="Gruppo 49"/>
+          <p:cNvGrpSpPr/>
+          <p:nvPr/>
+        </p:nvGrpSpPr>
+        <p:grpSpPr>
+          <a:xfrm>
+            <a:off x="862294" y="884872"/>
+            <a:ext cx="1758071" cy="1658791"/>
+            <a:chOff x="311187" y="4356891"/>
+            <a:chExt cx="1053702" cy="936601"/>
+          </a:xfrm>
+        </p:grpSpPr>
+        <p:grpSp>
+          <p:nvGrpSpPr>
+            <p:cNvPr id="124" name="Gruppo 123"/>
+            <p:cNvGrpSpPr/>
+            <p:nvPr/>
+          </p:nvGrpSpPr>
+          <p:grpSpPr>
+            <a:xfrm>
+              <a:off x="311187" y="4356891"/>
+              <a:ext cx="1053702" cy="936601"/>
+              <a:chOff x="565701" y="4981396"/>
+              <a:chExt cx="805955" cy="749349"/>
+            </a:xfrm>
+          </p:grpSpPr>
+          <p:sp>
+            <p:nvSpPr>
+              <p:cNvPr id="125" name="Ovale 124"/>
+              <p:cNvSpPr/>
+              <p:nvPr/>
+            </p:nvSpPr>
+            <p:spPr>
+              <a:xfrm>
+                <a:off x="565701" y="5001514"/>
+                <a:ext cx="805955" cy="729231"/>
+              </a:xfrm>
+              <a:prstGeom prst="ellipse">
+                <a:avLst/>
+              </a:prstGeom>
+              <a:solidFill>
+                <a:srgbClr val="FF99CC"/>
+              </a:solidFill>
+              <a:ln/>
+            </p:spPr>
+            <p:style>
+              <a:lnRef idx="1">
+                <a:schemeClr val="accent4"/>
+              </a:lnRef>
+              <a:fillRef idx="2">
+                <a:schemeClr val="accent4"/>
+              </a:fillRef>
+              <a:effectRef idx="1">
+                <a:schemeClr val="accent4"/>
+              </a:effectRef>
+              <a:fontRef idx="minor">
+                <a:schemeClr val="dk1"/>
+              </a:fontRef>
+            </p:style>
+            <p:txBody>
+              <a:bodyPr rtlCol="0" anchor="ctr"/>
+              <a:lstStyle/>
+              <a:p>
+                <a:pPr algn="ctr"/>
+                <a:r>
+                  <a:rPr lang="en-GB" sz="1200" dirty="0"/>
+                  <a:t> </a:t>
+                </a:r>
+              </a:p>
+            </p:txBody>
+          </p:sp>
+          <p:sp>
+            <p:nvSpPr>
+              <p:cNvPr id="126" name="Triangolo isoscele 125"/>
+              <p:cNvSpPr/>
+              <p:nvPr/>
+            </p:nvSpPr>
+            <p:spPr>
+              <a:xfrm rot="16200000">
+                <a:off x="910687" y="4956268"/>
+                <a:ext cx="39538" cy="89794"/>
+              </a:xfrm>
+              <a:prstGeom prst="triangle">
+                <a:avLst/>
+              </a:prstGeom>
+              <a:solidFill>
+                <a:srgbClr val="C00000"/>
+              </a:solidFill>
+              <a:ln/>
+            </p:spPr>
+            <p:style>
+              <a:lnRef idx="1">
+                <a:schemeClr val="accent5"/>
+              </a:lnRef>
+              <a:fillRef idx="2">
+                <a:schemeClr val="accent5"/>
+              </a:fillRef>
+              <a:effectRef idx="1">
+                <a:schemeClr val="accent5"/>
+              </a:effectRef>
+              <a:fontRef idx="minor">
+                <a:schemeClr val="dk1"/>
+              </a:fontRef>
+            </p:style>
+            <p:txBody>
+              <a:bodyPr rtlCol="0" anchor="ctr"/>
+              <a:lstStyle/>
+              <a:p>
+                <a:pPr algn="ctr"/>
+                <a:endParaRPr lang="en-GB" sz="1200">
+                  <a:solidFill>
+                    <a:schemeClr val="dk1"/>
+                  </a:solidFill>
+                </a:endParaRPr>
+              </a:p>
+            </p:txBody>
+          </p:sp>
+        </p:grpSp>
+        <p:sp>
+          <p:nvSpPr>
+            <p:cNvPr id="127" name="CasellaDiTesto 126"/>
+            <p:cNvSpPr txBox="1"/>
+            <p:nvPr/>
+          </p:nvSpPr>
+          <p:spPr>
+            <a:xfrm>
+              <a:off x="647924" y="4496286"/>
+              <a:ext cx="397680" cy="95429"/>
+            </a:xfrm>
+            <a:prstGeom prst="rect">
+              <a:avLst/>
+            </a:prstGeom>
+            <a:noFill/>
+          </p:spPr>
+          <p:txBody>
+            <a:bodyPr wrap="none" rtlCol="0">
+              <a:spAutoFit/>
+            </a:bodyPr>
+            <a:lstStyle/>
+            <a:p>
+              <a:pPr algn="ctr"/>
+              <a:r>
+                <a:rPr lang="en-GB" sz="1600" b="1" dirty="0" err="1" smtClean="0"/>
+                <a:t>ICoreFHIR</a:t>
+              </a:r>
+              <a:endParaRPr lang="en-GB" sz="1600" b="1" dirty="0" smtClean="0"/>
+            </a:p>
+            <a:p>
+              <a:pPr algn="ctr"/>
+              <a:r>
+                <a:rPr lang="it-IT" sz="1600" b="1" dirty="0" smtClean="0"/>
+                <a:t>server</a:t>
+              </a:r>
+              <a:endParaRPr lang="en-GB" sz="1600" dirty="0"/>
+            </a:p>
+          </p:txBody>
+        </p:sp>
+      </p:grpSp>
+      <p:grpSp>
+        <p:nvGrpSpPr>
+          <p:cNvPr id="51" name="Gruppo 50"/>
+          <p:cNvGrpSpPr/>
+          <p:nvPr/>
+        </p:nvGrpSpPr>
+        <p:grpSpPr>
+          <a:xfrm>
+            <a:off x="2610953" y="2196457"/>
+            <a:ext cx="666895" cy="86434"/>
+            <a:chOff x="4592177" y="4419530"/>
+            <a:chExt cx="666895" cy="86434"/>
+          </a:xfrm>
+        </p:grpSpPr>
+        <p:cxnSp>
+          <p:nvCxnSpPr>
+            <p:cNvPr id="52" name="Connettore 1 51"/>
+            <p:cNvCxnSpPr/>
+            <p:nvPr/>
+          </p:nvCxnSpPr>
+          <p:spPr>
+            <a:xfrm>
+              <a:off x="4611000" y="4462747"/>
+              <a:ext cx="648072" cy="0"/>
+            </a:xfrm>
+            <a:prstGeom prst="line">
+              <a:avLst/>
+            </a:prstGeom>
+            <a:ln/>
+          </p:spPr>
+          <p:style>
+            <a:lnRef idx="1">
+              <a:schemeClr val="accent6"/>
+            </a:lnRef>
+            <a:fillRef idx="2">
+              <a:schemeClr val="accent6"/>
+            </a:fillRef>
+            <a:effectRef idx="1">
+              <a:schemeClr val="accent6"/>
+            </a:effectRef>
+            <a:fontRef idx="minor">
+              <a:schemeClr val="dk1"/>
+            </a:fontRef>
+          </p:style>
+        </p:cxnSp>
+        <p:sp>
+          <p:nvSpPr>
+            <p:cNvPr id="53" name="Triangolo isoscele 52"/>
+            <p:cNvSpPr/>
+            <p:nvPr/>
+          </p:nvSpPr>
+          <p:spPr>
+            <a:xfrm rot="16200000">
+              <a:off x="4618592" y="4393115"/>
+              <a:ext cx="86434" cy="139263"/>
+            </a:xfrm>
+            <a:prstGeom prst="triangle">
+              <a:avLst/>
+            </a:prstGeom>
+            <a:ln/>
+          </p:spPr>
+          <p:style>
+            <a:lnRef idx="1">
+              <a:schemeClr val="accent6"/>
+            </a:lnRef>
+            <a:fillRef idx="2">
+              <a:schemeClr val="accent6"/>
+            </a:fillRef>
+            <a:effectRef idx="1">
+              <a:schemeClr val="accent6"/>
+            </a:effectRef>
+            <a:fontRef idx="minor">
+              <a:schemeClr val="dk1"/>
+            </a:fontRef>
+          </p:style>
+          <p:txBody>
+            <a:bodyPr rtlCol="0" anchor="ctr"/>
+            <a:lstStyle/>
+            <a:p>
+              <a:pPr algn="ctr"/>
+              <a:endParaRPr lang="en-GB" sz="1200"/>
+            </a:p>
+          </p:txBody>
+        </p:sp>
+      </p:grpSp>
+      <p:grpSp>
+        <p:nvGrpSpPr>
+          <p:cNvPr id="54" name="Gruppo 53"/>
+          <p:cNvGrpSpPr/>
+          <p:nvPr/>
+        </p:nvGrpSpPr>
+        <p:grpSpPr>
+          <a:xfrm>
+            <a:off x="2620365" y="2301985"/>
+            <a:ext cx="787334" cy="86434"/>
+            <a:chOff x="3452446" y="4176616"/>
+            <a:chExt cx="787334" cy="86434"/>
+          </a:xfrm>
+        </p:grpSpPr>
+        <p:sp>
+          <p:nvSpPr>
+            <p:cNvPr id="55" name="Triangolo isoscele 54"/>
+            <p:cNvSpPr/>
+            <p:nvPr/>
+          </p:nvSpPr>
+          <p:spPr>
+            <a:xfrm rot="5400000" flipH="1">
+              <a:off x="4126932" y="4150201"/>
+              <a:ext cx="86434" cy="139263"/>
+            </a:xfrm>
+            <a:prstGeom prst="triangle">
+              <a:avLst/>
+            </a:prstGeom>
+            <a:ln/>
+          </p:spPr>
+          <p:style>
+            <a:lnRef idx="1">
+              <a:schemeClr val="accent6"/>
+            </a:lnRef>
+            <a:fillRef idx="2">
+              <a:schemeClr val="accent6"/>
+            </a:fillRef>
+            <a:effectRef idx="1">
+              <a:schemeClr val="accent6"/>
+            </a:effectRef>
+            <a:fontRef idx="minor">
+              <a:schemeClr val="dk1"/>
+            </a:fontRef>
+          </p:style>
+          <p:txBody>
+            <a:bodyPr rtlCol="0" anchor="ctr"/>
+            <a:lstStyle/>
+            <a:p>
+              <a:pPr algn="ctr"/>
+              <a:endParaRPr lang="en-GB" sz="1200"/>
+            </a:p>
+          </p:txBody>
+        </p:sp>
+        <p:cxnSp>
+          <p:nvCxnSpPr>
+            <p:cNvPr id="56" name="Connettore 1 55"/>
+            <p:cNvCxnSpPr>
+              <a:endCxn id="55" idx="3"/>
+            </p:cNvCxnSpPr>
+            <p:nvPr/>
+          </p:nvCxnSpPr>
+          <p:spPr>
+            <a:xfrm>
+              <a:off x="3452446" y="4219627"/>
+              <a:ext cx="648072" cy="206"/>
+            </a:xfrm>
+            <a:prstGeom prst="line">
+              <a:avLst/>
+            </a:prstGeom>
+          </p:spPr>
+          <p:style>
+            <a:lnRef idx="1">
+              <a:schemeClr val="accent6"/>
+            </a:lnRef>
+            <a:fillRef idx="2">
+              <a:schemeClr val="accent6"/>
+            </a:fillRef>
+            <a:effectRef idx="1">
+              <a:schemeClr val="accent6"/>
+            </a:effectRef>
+            <a:fontRef idx="minor">
+              <a:schemeClr val="dk1"/>
+            </a:fontRef>
+          </p:style>
+        </p:cxnSp>
+      </p:grpSp>
+      <p:sp>
+        <p:nvSpPr>
+          <p:cNvPr id="2" name="TextBox 45">
             <a:extLst>
-              <a:ext uri="{28A0092B-C50C-407E-A947-70E740481C1C}">
-                <a14:useLocalDpi xmlns:a14="http://schemas.microsoft.com/office/drawing/2010/main" val="0"/>
+              <a:ext uri="{FF2B5EF4-FFF2-40B4-BE49-F238E27FC236}">
+                <a16:creationId xmlns="" xmlns:a16="http://schemas.microsoft.com/office/drawing/2014/main" id="{6BDA7693-CA76-4C97-8FED-A4A65AB5032B}"/>
               </a:ext>
             </a:extLst>
-          </a:blip>
-          <a:srcRect/>
-          <a:stretch>
-            <a:fillRect/>
-          </a:stretch>
-        </p:blipFill>
-        <p:spPr bwMode="auto">
-          <a:xfrm>
-            <a:off x="1252538" y="1119188"/>
-            <a:ext cx="6638925" cy="4619625"/>
+          </p:cNvPr>
+          <p:cNvSpPr txBox="1"/>
+          <p:nvPr/>
+        </p:nvSpPr>
+        <p:spPr>
+          <a:xfrm>
+            <a:off x="3498599" y="1441875"/>
+            <a:ext cx="1568443" cy="369332"/>
           </a:xfrm>
           <a:prstGeom prst="rect">
             <a:avLst/>
           </a:prstGeom>
           <a:noFill/>
-          <a:ln>
-            <a:noFill/>
-          </a:ln>
-          <a:extLst>
-            <a:ext uri="{909E8E84-426E-40DD-AFC4-6F175D3DCCD1}">
-              <a14:hiddenFill xmlns:a14="http://schemas.microsoft.com/office/drawing/2010/main">
-                <a:solidFill>
-                  <a:schemeClr val="accent1"/>
-                </a:solidFill>
-              </a14:hiddenFill>
-            </a:ext>
-            <a:ext uri="{91240B29-F687-4F45-9708-019B960494DF}">
-              <a14:hiddenLine xmlns:a14="http://schemas.microsoft.com/office/drawing/2010/main" w="9525">
-                <a:solidFill>
-                  <a:schemeClr val="tx1"/>
-                </a:solidFill>
-                <a:miter lim="800000"/>
-                <a:headEnd/>
-                <a:tailEnd/>
-              </a14:hiddenLine>
-            </a:ext>
-          </a:extLst>
-        </p:spPr>
-      </p:pic>
+        </p:spPr>
+        <p:txBody>
+          <a:bodyPr wrap="none" rtlCol="0">
+            <a:spAutoFit/>
+          </a:bodyPr>
+          <a:lstStyle/>
+          <a:p>
+            <a:r>
+              <a:rPr lang="en-US" b="1" dirty="0" err="1" smtClean="0"/>
+              <a:t>HealthProduct</a:t>
+            </a:r>
+            <a:endParaRPr lang="en-US" b="1" dirty="0"/>
+          </a:p>
+        </p:txBody>
+      </p:sp>
+      <p:sp>
+        <p:nvSpPr>
+          <p:cNvPr id="10" name="CasellaDiTesto 9"/>
+          <p:cNvSpPr txBox="1"/>
+          <p:nvPr/>
+        </p:nvSpPr>
+        <p:spPr>
+          <a:xfrm>
+            <a:off x="2769040" y="548680"/>
+            <a:ext cx="398186" cy="369332"/>
+          </a:xfrm>
+          <a:prstGeom prst="rect">
+            <a:avLst/>
+          </a:prstGeom>
+          <a:noFill/>
+        </p:spPr>
+        <p:txBody>
+          <a:bodyPr wrap="none" rtlCol="0">
+            <a:spAutoFit/>
+          </a:bodyPr>
+          <a:lstStyle/>
+          <a:p>
+            <a:r>
+              <a:rPr lang="it-IT" dirty="0" smtClean="0"/>
+              <a:t>To</a:t>
+            </a:r>
+            <a:endParaRPr lang="en-GB" dirty="0"/>
+          </a:p>
+        </p:txBody>
+      </p:sp>
+      <p:sp>
+        <p:nvSpPr>
+          <p:cNvPr id="57" name="CasellaDiTesto 56"/>
+          <p:cNvSpPr txBox="1"/>
+          <p:nvPr/>
+        </p:nvSpPr>
+        <p:spPr>
+          <a:xfrm>
+            <a:off x="2669211" y="1811207"/>
+            <a:ext cx="673069" cy="369332"/>
+          </a:xfrm>
+          <a:prstGeom prst="rect">
+            <a:avLst/>
+          </a:prstGeom>
+          <a:noFill/>
+        </p:spPr>
+        <p:txBody>
+          <a:bodyPr wrap="none" rtlCol="0">
+            <a:spAutoFit/>
+          </a:bodyPr>
+          <a:lstStyle/>
+          <a:p>
+            <a:r>
+              <a:rPr lang="it-IT" dirty="0" smtClean="0"/>
+              <a:t>From</a:t>
+            </a:r>
+            <a:endParaRPr lang="en-GB" dirty="0"/>
+          </a:p>
+        </p:txBody>
+      </p:sp>
     </p:spTree>
     <p:extLst>
       <p:ext uri="{BB962C8B-B14F-4D97-AF65-F5344CB8AC3E}">
-        <p14:creationId xmlns:p14="http://schemas.microsoft.com/office/powerpoint/2010/main" val="2167669677"/>
+        <p14:creationId xmlns:p14="http://schemas.microsoft.com/office/powerpoint/2010/main" val="3554080985"/>
       </p:ext>
     </p:extLst>
   </p:cSld>
@@ -21176,14 +23657,14 @@
       </p:grpSpPr>
       <p:pic>
         <p:nvPicPr>
-          <p:cNvPr id="2050" name="Picture 2"/>
+          <p:cNvPr id="115" name="Picture 2"/>
           <p:cNvPicPr>
             <a:picLocks noChangeAspect="1" noChangeArrowheads="1"/>
           </p:cNvPicPr>
           <p:nvPr/>
         </p:nvPicPr>
         <p:blipFill>
-          <a:blip r:embed="rId2">
+          <a:blip r:embed="rId2" cstate="print">
             <a:extLst>
               <a:ext uri="{28A0092B-C50C-407E-A947-70E740481C1C}">
                 <a14:useLocalDpi xmlns:a14="http://schemas.microsoft.com/office/drawing/2010/main" val="0"/>
@@ -21197,8 +23678,8 @@
         </p:blipFill>
         <p:spPr bwMode="auto">
           <a:xfrm>
-            <a:off x="1252538" y="1252538"/>
-            <a:ext cx="6638925" cy="4352925"/>
+            <a:off x="6802999" y="76020"/>
+            <a:ext cx="2233738" cy="1418824"/>
           </a:xfrm>
           <a:prstGeom prst="rect">
             <a:avLst/>
@@ -21228,10 +23709,1793 @@
           </a:extLst>
         </p:spPr>
       </p:pic>
+      <p:sp>
+        <p:nvSpPr>
+          <p:cNvPr id="2" name="TextBox 45">
+            <a:extLst>
+              <a:ext uri="{FF2B5EF4-FFF2-40B4-BE49-F238E27FC236}">
+                <a16:creationId xmlns="" xmlns:a16="http://schemas.microsoft.com/office/drawing/2014/main" id="{6BDA7693-CA76-4C97-8FED-A4A65AB5032B}"/>
+              </a:ext>
+            </a:extLst>
+          </p:cNvPr>
+          <p:cNvSpPr txBox="1"/>
+          <p:nvPr/>
+        </p:nvSpPr>
+        <p:spPr>
+          <a:xfrm>
+            <a:off x="4249812" y="204901"/>
+            <a:ext cx="1568443" cy="369332"/>
+          </a:xfrm>
+          <a:prstGeom prst="rect">
+            <a:avLst/>
+          </a:prstGeom>
+          <a:noFill/>
+        </p:spPr>
+        <p:txBody>
+          <a:bodyPr wrap="none" rtlCol="0">
+            <a:spAutoFit/>
+          </a:bodyPr>
+          <a:lstStyle/>
+          <a:p>
+            <a:r>
+              <a:rPr lang="en-US" b="1" dirty="0" err="1" smtClean="0"/>
+              <a:t>HealthProduct</a:t>
+            </a:r>
+            <a:endParaRPr lang="en-US" b="1" dirty="0"/>
+          </a:p>
+        </p:txBody>
+      </p:sp>
+      <p:grpSp>
+        <p:nvGrpSpPr>
+          <p:cNvPr id="3" name="Gruppo 2"/>
+          <p:cNvGrpSpPr/>
+          <p:nvPr/>
+        </p:nvGrpSpPr>
+        <p:grpSpPr>
+          <a:xfrm>
+            <a:off x="3144652" y="646076"/>
+            <a:ext cx="4347370" cy="4117387"/>
+            <a:chOff x="565700" y="4958037"/>
+            <a:chExt cx="805955" cy="754777"/>
+          </a:xfrm>
+        </p:grpSpPr>
+        <p:sp>
+          <p:nvSpPr>
+            <p:cNvPr id="4" name="Ovale 3"/>
+            <p:cNvSpPr/>
+            <p:nvPr/>
+          </p:nvSpPr>
+          <p:spPr>
+            <a:xfrm>
+              <a:off x="565700" y="4983583"/>
+              <a:ext cx="805955" cy="729231"/>
+            </a:xfrm>
+            <a:prstGeom prst="ellipse">
+              <a:avLst/>
+            </a:prstGeom>
+            <a:ln/>
+          </p:spPr>
+          <p:style>
+            <a:lnRef idx="1">
+              <a:schemeClr val="accent4"/>
+            </a:lnRef>
+            <a:fillRef idx="2">
+              <a:schemeClr val="accent4"/>
+            </a:fillRef>
+            <a:effectRef idx="1">
+              <a:schemeClr val="accent4"/>
+            </a:effectRef>
+            <a:fontRef idx="minor">
+              <a:schemeClr val="dk1"/>
+            </a:fontRef>
+          </p:style>
+          <p:txBody>
+            <a:bodyPr rtlCol="0" anchor="ctr"/>
+            <a:lstStyle/>
+            <a:p>
+              <a:pPr algn="ctr"/>
+              <a:r>
+                <a:rPr lang="en-GB" sz="1200" dirty="0"/>
+                <a:t> </a:t>
+              </a:r>
+            </a:p>
+          </p:txBody>
+        </p:sp>
+        <p:sp>
+          <p:nvSpPr>
+            <p:cNvPr id="5" name="Triangolo isoscele 4"/>
+            <p:cNvSpPr/>
+            <p:nvPr/>
+          </p:nvSpPr>
+          <p:spPr>
+            <a:xfrm rot="16200000">
+              <a:off x="885418" y="4951504"/>
+              <a:ext cx="68763" cy="81830"/>
+            </a:xfrm>
+            <a:prstGeom prst="triangle">
+              <a:avLst/>
+            </a:prstGeom>
+            <a:solidFill>
+              <a:srgbClr val="C00000"/>
+            </a:solidFill>
+            <a:ln/>
+          </p:spPr>
+          <p:style>
+            <a:lnRef idx="1">
+              <a:schemeClr val="accent5"/>
+            </a:lnRef>
+            <a:fillRef idx="2">
+              <a:schemeClr val="accent5"/>
+            </a:fillRef>
+            <a:effectRef idx="1">
+              <a:schemeClr val="accent5"/>
+            </a:effectRef>
+            <a:fontRef idx="minor">
+              <a:schemeClr val="dk1"/>
+            </a:fontRef>
+          </p:style>
+          <p:txBody>
+            <a:bodyPr rtlCol="0" anchor="ctr"/>
+            <a:lstStyle/>
+            <a:p>
+              <a:pPr algn="ctr"/>
+              <a:endParaRPr lang="en-GB" sz="1200">
+                <a:solidFill>
+                  <a:schemeClr val="dk1"/>
+                </a:solidFill>
+              </a:endParaRPr>
+            </a:p>
+          </p:txBody>
+        </p:sp>
+      </p:grpSp>
+      <p:sp>
+        <p:nvSpPr>
+          <p:cNvPr id="6" name="Ovale 5"/>
+          <p:cNvSpPr/>
+          <p:nvPr/>
+        </p:nvSpPr>
+        <p:spPr>
+          <a:xfrm>
+            <a:off x="4238217" y="1008379"/>
+            <a:ext cx="2160240" cy="726799"/>
+          </a:xfrm>
+          <a:prstGeom prst="ellipse">
+            <a:avLst/>
+          </a:prstGeom>
+        </p:spPr>
+        <p:style>
+          <a:lnRef idx="1">
+            <a:schemeClr val="accent5"/>
+          </a:lnRef>
+          <a:fillRef idx="2">
+            <a:schemeClr val="accent5"/>
+          </a:fillRef>
+          <a:effectRef idx="1">
+            <a:schemeClr val="accent5"/>
+          </a:effectRef>
+          <a:fontRef idx="minor">
+            <a:schemeClr val="dk1"/>
+          </a:fontRef>
+        </p:style>
+        <p:txBody>
+          <a:bodyPr rtlCol="0" anchor="ctr"/>
+          <a:lstStyle/>
+          <a:p>
+            <a:pPr algn="ctr"/>
+            <a:r>
+              <a:rPr lang="en-GB" sz="1600" dirty="0" err="1"/>
+              <a:t>HealthAdapterMIController</a:t>
+            </a:r>
+            <a:endParaRPr lang="en-GB" sz="1600" dirty="0"/>
+          </a:p>
+        </p:txBody>
+      </p:sp>
+      <p:sp>
+        <p:nvSpPr>
+          <p:cNvPr id="7" name="Ovale 6"/>
+          <p:cNvSpPr/>
+          <p:nvPr/>
+        </p:nvSpPr>
+        <p:spPr>
+          <a:xfrm>
+            <a:off x="4694263" y="3426581"/>
+            <a:ext cx="2247981" cy="807067"/>
+          </a:xfrm>
+          <a:prstGeom prst="ellipse">
+            <a:avLst/>
+          </a:prstGeom>
+        </p:spPr>
+        <p:style>
+          <a:lnRef idx="1">
+            <a:schemeClr val="accent5"/>
+          </a:lnRef>
+          <a:fillRef idx="2">
+            <a:schemeClr val="accent5"/>
+          </a:fillRef>
+          <a:effectRef idx="1">
+            <a:schemeClr val="accent5"/>
+          </a:effectRef>
+          <a:fontRef idx="minor">
+            <a:schemeClr val="dk1"/>
+          </a:fontRef>
+        </p:style>
+        <p:txBody>
+          <a:bodyPr rtlCol="0" anchor="ctr"/>
+          <a:lstStyle/>
+          <a:p>
+            <a:pPr algn="ctr"/>
+            <a:r>
+              <a:rPr lang="en-GB" sz="1600" dirty="0" err="1">
+                <a:cs typeface="Arial" panose="020B0604020202020204" pitchFamily="34" charset="0"/>
+              </a:rPr>
+              <a:t>FhirServiceClient</a:t>
+            </a:r>
+            <a:endParaRPr lang="en-GB" sz="1600" dirty="0">
+              <a:cs typeface="Arial" panose="020B0604020202020204" pitchFamily="34" charset="0"/>
+            </a:endParaRPr>
+          </a:p>
+        </p:txBody>
+      </p:sp>
+      <p:cxnSp>
+        <p:nvCxnSpPr>
+          <p:cNvPr id="9" name="Connettore 2 8"/>
+          <p:cNvCxnSpPr>
+            <a:stCxn id="40" idx="4"/>
+            <a:endCxn id="7" idx="0"/>
+          </p:cNvCxnSpPr>
+          <p:nvPr/>
+        </p:nvCxnSpPr>
+        <p:spPr>
+          <a:xfrm flipH="1">
+            <a:off x="5818254" y="2738394"/>
+            <a:ext cx="1" cy="688187"/>
+          </a:xfrm>
+          <a:prstGeom prst="straightConnector1">
+            <a:avLst/>
+          </a:prstGeom>
+          <a:ln>
+            <a:tailEnd type="arrow"/>
+          </a:ln>
+        </p:spPr>
+        <p:style>
+          <a:lnRef idx="1">
+            <a:schemeClr val="accent1"/>
+          </a:lnRef>
+          <a:fillRef idx="0">
+            <a:schemeClr val="accent1"/>
+          </a:fillRef>
+          <a:effectRef idx="0">
+            <a:schemeClr val="accent1"/>
+          </a:effectRef>
+          <a:fontRef idx="minor">
+            <a:schemeClr val="tx1"/>
+          </a:fontRef>
+        </p:style>
+      </p:cxnSp>
+      <p:grpSp>
+        <p:nvGrpSpPr>
+          <p:cNvPr id="26" name="Gruppo 25"/>
+          <p:cNvGrpSpPr/>
+          <p:nvPr/>
+        </p:nvGrpSpPr>
+        <p:grpSpPr>
+          <a:xfrm>
+            <a:off x="2663638" y="1045101"/>
+            <a:ext cx="666895" cy="86434"/>
+            <a:chOff x="4592177" y="4419530"/>
+            <a:chExt cx="666895" cy="86434"/>
+          </a:xfrm>
+        </p:grpSpPr>
+        <p:cxnSp>
+          <p:nvCxnSpPr>
+            <p:cNvPr id="27" name="Connettore 1 26"/>
+            <p:cNvCxnSpPr/>
+            <p:nvPr/>
+          </p:nvCxnSpPr>
+          <p:spPr>
+            <a:xfrm>
+              <a:off x="4611000" y="4462747"/>
+              <a:ext cx="648072" cy="0"/>
+            </a:xfrm>
+            <a:prstGeom prst="line">
+              <a:avLst/>
+            </a:prstGeom>
+            <a:ln/>
+          </p:spPr>
+          <p:style>
+            <a:lnRef idx="1">
+              <a:schemeClr val="accent6"/>
+            </a:lnRef>
+            <a:fillRef idx="2">
+              <a:schemeClr val="accent6"/>
+            </a:fillRef>
+            <a:effectRef idx="1">
+              <a:schemeClr val="accent6"/>
+            </a:effectRef>
+            <a:fontRef idx="minor">
+              <a:schemeClr val="dk1"/>
+            </a:fontRef>
+          </p:style>
+        </p:cxnSp>
+        <p:sp>
+          <p:nvSpPr>
+            <p:cNvPr id="28" name="Triangolo isoscele 27"/>
+            <p:cNvSpPr/>
+            <p:nvPr/>
+          </p:nvSpPr>
+          <p:spPr>
+            <a:xfrm rot="16200000">
+              <a:off x="4618592" y="4393115"/>
+              <a:ext cx="86434" cy="139263"/>
+            </a:xfrm>
+            <a:prstGeom prst="triangle">
+              <a:avLst/>
+            </a:prstGeom>
+            <a:ln/>
+          </p:spPr>
+          <p:style>
+            <a:lnRef idx="1">
+              <a:schemeClr val="accent6"/>
+            </a:lnRef>
+            <a:fillRef idx="2">
+              <a:schemeClr val="accent6"/>
+            </a:fillRef>
+            <a:effectRef idx="1">
+              <a:schemeClr val="accent6"/>
+            </a:effectRef>
+            <a:fontRef idx="minor">
+              <a:schemeClr val="dk1"/>
+            </a:fontRef>
+          </p:style>
+          <p:txBody>
+            <a:bodyPr rtlCol="0" anchor="ctr"/>
+            <a:lstStyle/>
+            <a:p>
+              <a:pPr algn="ctr"/>
+              <a:endParaRPr lang="en-GB" sz="1200"/>
+            </a:p>
+          </p:txBody>
+        </p:sp>
+      </p:grpSp>
+      <p:grpSp>
+        <p:nvGrpSpPr>
+          <p:cNvPr id="29" name="Gruppo 28"/>
+          <p:cNvGrpSpPr/>
+          <p:nvPr/>
+        </p:nvGrpSpPr>
+        <p:grpSpPr>
+          <a:xfrm>
+            <a:off x="2655551" y="848896"/>
+            <a:ext cx="787334" cy="86434"/>
+            <a:chOff x="3452446" y="4176616"/>
+            <a:chExt cx="787334" cy="86434"/>
+          </a:xfrm>
+        </p:grpSpPr>
+        <p:sp>
+          <p:nvSpPr>
+            <p:cNvPr id="30" name="Triangolo isoscele 29"/>
+            <p:cNvSpPr/>
+            <p:nvPr/>
+          </p:nvSpPr>
+          <p:spPr>
+            <a:xfrm rot="5400000" flipH="1">
+              <a:off x="4126932" y="4150201"/>
+              <a:ext cx="86434" cy="139263"/>
+            </a:xfrm>
+            <a:prstGeom prst="triangle">
+              <a:avLst/>
+            </a:prstGeom>
+            <a:ln/>
+          </p:spPr>
+          <p:style>
+            <a:lnRef idx="1">
+              <a:schemeClr val="accent6"/>
+            </a:lnRef>
+            <a:fillRef idx="2">
+              <a:schemeClr val="accent6"/>
+            </a:fillRef>
+            <a:effectRef idx="1">
+              <a:schemeClr val="accent6"/>
+            </a:effectRef>
+            <a:fontRef idx="minor">
+              <a:schemeClr val="dk1"/>
+            </a:fontRef>
+          </p:style>
+          <p:txBody>
+            <a:bodyPr rtlCol="0" anchor="ctr"/>
+            <a:lstStyle/>
+            <a:p>
+              <a:pPr algn="ctr"/>
+              <a:endParaRPr lang="en-GB" sz="1200"/>
+            </a:p>
+          </p:txBody>
+        </p:sp>
+        <p:cxnSp>
+          <p:nvCxnSpPr>
+            <p:cNvPr id="31" name="Connettore 1 30"/>
+            <p:cNvCxnSpPr>
+              <a:endCxn id="30" idx="3"/>
+            </p:cNvCxnSpPr>
+            <p:nvPr/>
+          </p:nvCxnSpPr>
+          <p:spPr>
+            <a:xfrm>
+              <a:off x="3452446" y="4219627"/>
+              <a:ext cx="648072" cy="206"/>
+            </a:xfrm>
+            <a:prstGeom prst="line">
+              <a:avLst/>
+            </a:prstGeom>
+          </p:spPr>
+          <p:style>
+            <a:lnRef idx="1">
+              <a:schemeClr val="accent6"/>
+            </a:lnRef>
+            <a:fillRef idx="2">
+              <a:schemeClr val="accent6"/>
+            </a:fillRef>
+            <a:effectRef idx="1">
+              <a:schemeClr val="accent6"/>
+            </a:effectRef>
+            <a:fontRef idx="minor">
+              <a:schemeClr val="dk1"/>
+            </a:fontRef>
+          </p:style>
+        </p:cxnSp>
+      </p:grpSp>
+      <p:sp>
+        <p:nvSpPr>
+          <p:cNvPr id="40" name="Ovale 39"/>
+          <p:cNvSpPr/>
+          <p:nvPr/>
+        </p:nvSpPr>
+        <p:spPr>
+          <a:xfrm>
+            <a:off x="4654019" y="2134646"/>
+            <a:ext cx="2328471" cy="603748"/>
+          </a:xfrm>
+          <a:prstGeom prst="ellipse">
+            <a:avLst/>
+          </a:prstGeom>
+        </p:spPr>
+        <p:style>
+          <a:lnRef idx="1">
+            <a:schemeClr val="accent5"/>
+          </a:lnRef>
+          <a:fillRef idx="2">
+            <a:schemeClr val="accent5"/>
+          </a:fillRef>
+          <a:effectRef idx="1">
+            <a:schemeClr val="accent5"/>
+          </a:effectRef>
+          <a:fontRef idx="minor">
+            <a:schemeClr val="dk1"/>
+          </a:fontRef>
+        </p:style>
+        <p:txBody>
+          <a:bodyPr rtlCol="0" anchor="ctr"/>
+          <a:lstStyle/>
+          <a:p>
+            <a:pPr algn="ctr"/>
+            <a:r>
+              <a:rPr lang="en-GB" sz="1600" dirty="0" err="1"/>
+              <a:t>HealthServiceFhir</a:t>
+            </a:r>
+            <a:endParaRPr lang="en-GB" sz="1600" dirty="0">
+              <a:cs typeface="Arial" panose="020B0604020202020204" pitchFamily="34" charset="0"/>
+            </a:endParaRPr>
+          </a:p>
+        </p:txBody>
+      </p:sp>
+      <p:sp>
+        <p:nvSpPr>
+          <p:cNvPr id="48" name="Ovale 47"/>
+          <p:cNvSpPr/>
+          <p:nvPr/>
+        </p:nvSpPr>
+        <p:spPr>
+          <a:xfrm>
+            <a:off x="3304243" y="2869527"/>
+            <a:ext cx="1927267" cy="603748"/>
+          </a:xfrm>
+          <a:prstGeom prst="ellipse">
+            <a:avLst/>
+          </a:prstGeom>
+        </p:spPr>
+        <p:style>
+          <a:lnRef idx="1">
+            <a:schemeClr val="accent5"/>
+          </a:lnRef>
+          <a:fillRef idx="2">
+            <a:schemeClr val="accent5"/>
+          </a:fillRef>
+          <a:effectRef idx="1">
+            <a:schemeClr val="accent5"/>
+          </a:effectRef>
+          <a:fontRef idx="minor">
+            <a:schemeClr val="dk1"/>
+          </a:fontRef>
+        </p:style>
+        <p:txBody>
+          <a:bodyPr rtlCol="0" anchor="ctr"/>
+          <a:lstStyle/>
+          <a:p>
+            <a:pPr algn="ctr"/>
+            <a:r>
+              <a:rPr lang="en-GB" sz="1200" dirty="0"/>
+              <a:t>HealthServiceHL7</a:t>
+            </a:r>
+            <a:endParaRPr lang="en-GB" sz="1200" dirty="0">
+              <a:cs typeface="Arial" panose="020B0604020202020204" pitchFamily="34" charset="0"/>
+            </a:endParaRPr>
+          </a:p>
+        </p:txBody>
+      </p:sp>
+      <p:sp>
+        <p:nvSpPr>
+          <p:cNvPr id="83" name="Ovale 82"/>
+          <p:cNvSpPr/>
+          <p:nvPr/>
+        </p:nvSpPr>
+        <p:spPr>
+          <a:xfrm>
+            <a:off x="5187923" y="1937087"/>
+            <a:ext cx="260828" cy="245237"/>
+          </a:xfrm>
+          <a:prstGeom prst="ellipse">
+            <a:avLst/>
+          </a:prstGeom>
+          <a:ln>
+            <a:solidFill>
+              <a:srgbClr val="C00000"/>
+            </a:solidFill>
+          </a:ln>
+        </p:spPr>
+        <p:style>
+          <a:lnRef idx="1">
+            <a:schemeClr val="accent3"/>
+          </a:lnRef>
+          <a:fillRef idx="2">
+            <a:schemeClr val="accent3"/>
+          </a:fillRef>
+          <a:effectRef idx="1">
+            <a:schemeClr val="accent3"/>
+          </a:effectRef>
+          <a:fontRef idx="minor">
+            <a:schemeClr val="dk1"/>
+          </a:fontRef>
+        </p:style>
+        <p:txBody>
+          <a:bodyPr rtlCol="0" anchor="ctr"/>
+          <a:lstStyle/>
+          <a:p>
+            <a:pPr algn="ctr"/>
+            <a:endParaRPr lang="en-GB"/>
+          </a:p>
+        </p:txBody>
+      </p:sp>
+      <p:sp>
+        <p:nvSpPr>
+          <p:cNvPr id="87" name="Rettangolo 86"/>
+          <p:cNvSpPr/>
+          <p:nvPr/>
+        </p:nvSpPr>
+        <p:spPr>
+          <a:xfrm>
+            <a:off x="5473395" y="1855756"/>
+            <a:ext cx="2079608" cy="338554"/>
+          </a:xfrm>
+          <a:prstGeom prst="rect">
+            <a:avLst/>
+          </a:prstGeom>
+          <a:solidFill>
+            <a:srgbClr val="CCFF99"/>
+          </a:solidFill>
+        </p:spPr>
+        <p:style>
+          <a:lnRef idx="1">
+            <a:schemeClr val="accent3"/>
+          </a:lnRef>
+          <a:fillRef idx="3">
+            <a:schemeClr val="accent3"/>
+          </a:fillRef>
+          <a:effectRef idx="2">
+            <a:schemeClr val="accent3"/>
+          </a:effectRef>
+          <a:fontRef idx="minor">
+            <a:schemeClr val="lt1"/>
+          </a:fontRef>
+        </p:style>
+        <p:txBody>
+          <a:bodyPr wrap="none">
+            <a:spAutoFit/>
+          </a:bodyPr>
+          <a:lstStyle/>
+          <a:p>
+            <a:r>
+              <a:rPr lang="en-GB" sz="1600" dirty="0" err="1">
+                <a:solidFill>
+                  <a:srgbClr val="C00000"/>
+                </a:solidFill>
+              </a:rPr>
+              <a:t>HealthServiceInterface</a:t>
+            </a:r>
+            <a:endParaRPr lang="en-GB" sz="1600" dirty="0">
+              <a:solidFill>
+                <a:srgbClr val="C00000"/>
+              </a:solidFill>
+            </a:endParaRPr>
+          </a:p>
+        </p:txBody>
+      </p:sp>
+      <p:sp>
+        <p:nvSpPr>
+          <p:cNvPr id="88" name="Ovale 87"/>
+          <p:cNvSpPr/>
+          <p:nvPr/>
+        </p:nvSpPr>
+        <p:spPr>
+          <a:xfrm>
+            <a:off x="4007049" y="2630746"/>
+            <a:ext cx="260828" cy="245237"/>
+          </a:xfrm>
+          <a:prstGeom prst="ellipse">
+            <a:avLst/>
+          </a:prstGeom>
+          <a:ln>
+            <a:solidFill>
+              <a:srgbClr val="C00000"/>
+            </a:solidFill>
+          </a:ln>
+        </p:spPr>
+        <p:style>
+          <a:lnRef idx="1">
+            <a:schemeClr val="accent3"/>
+          </a:lnRef>
+          <a:fillRef idx="2">
+            <a:schemeClr val="accent3"/>
+          </a:fillRef>
+          <a:effectRef idx="1">
+            <a:schemeClr val="accent3"/>
+          </a:effectRef>
+          <a:fontRef idx="minor">
+            <a:schemeClr val="dk1"/>
+          </a:fontRef>
+        </p:style>
+        <p:txBody>
+          <a:bodyPr rtlCol="0" anchor="ctr"/>
+          <a:lstStyle/>
+          <a:p>
+            <a:pPr algn="ctr"/>
+            <a:endParaRPr lang="en-GB"/>
+          </a:p>
+        </p:txBody>
+      </p:sp>
+      <p:grpSp>
+        <p:nvGrpSpPr>
+          <p:cNvPr id="92" name="Gruppo 91"/>
+          <p:cNvGrpSpPr/>
+          <p:nvPr/>
+        </p:nvGrpSpPr>
+        <p:grpSpPr>
+          <a:xfrm flipH="1">
+            <a:off x="7344216" y="3758630"/>
+            <a:ext cx="666895" cy="86434"/>
+            <a:chOff x="4592177" y="4419530"/>
+            <a:chExt cx="666895" cy="86434"/>
+          </a:xfrm>
+        </p:grpSpPr>
+        <p:cxnSp>
+          <p:nvCxnSpPr>
+            <p:cNvPr id="93" name="Connettore 1 92"/>
+            <p:cNvCxnSpPr/>
+            <p:nvPr/>
+          </p:nvCxnSpPr>
+          <p:spPr>
+            <a:xfrm>
+              <a:off x="4611000" y="4462747"/>
+              <a:ext cx="648072" cy="0"/>
+            </a:xfrm>
+            <a:prstGeom prst="line">
+              <a:avLst/>
+            </a:prstGeom>
+            <a:ln/>
+          </p:spPr>
+          <p:style>
+            <a:lnRef idx="1">
+              <a:schemeClr val="accent6"/>
+            </a:lnRef>
+            <a:fillRef idx="2">
+              <a:schemeClr val="accent6"/>
+            </a:fillRef>
+            <a:effectRef idx="1">
+              <a:schemeClr val="accent6"/>
+            </a:effectRef>
+            <a:fontRef idx="minor">
+              <a:schemeClr val="dk1"/>
+            </a:fontRef>
+          </p:style>
+        </p:cxnSp>
+        <p:sp>
+          <p:nvSpPr>
+            <p:cNvPr id="94" name="Triangolo isoscele 93"/>
+            <p:cNvSpPr/>
+            <p:nvPr/>
+          </p:nvSpPr>
+          <p:spPr>
+            <a:xfrm rot="16200000">
+              <a:off x="4618592" y="4393115"/>
+              <a:ext cx="86434" cy="139263"/>
+            </a:xfrm>
+            <a:prstGeom prst="triangle">
+              <a:avLst/>
+            </a:prstGeom>
+            <a:ln/>
+          </p:spPr>
+          <p:style>
+            <a:lnRef idx="1">
+              <a:schemeClr val="accent6"/>
+            </a:lnRef>
+            <a:fillRef idx="2">
+              <a:schemeClr val="accent6"/>
+            </a:fillRef>
+            <a:effectRef idx="1">
+              <a:schemeClr val="accent6"/>
+            </a:effectRef>
+            <a:fontRef idx="minor">
+              <a:schemeClr val="dk1"/>
+            </a:fontRef>
+          </p:style>
+          <p:txBody>
+            <a:bodyPr rtlCol="0" anchor="ctr"/>
+            <a:lstStyle/>
+            <a:p>
+              <a:pPr algn="ctr"/>
+              <a:endParaRPr lang="en-GB" sz="1200"/>
+            </a:p>
+          </p:txBody>
+        </p:sp>
+      </p:grpSp>
+      <p:grpSp>
+        <p:nvGrpSpPr>
+          <p:cNvPr id="95" name="Gruppo 94"/>
+          <p:cNvGrpSpPr/>
+          <p:nvPr/>
+        </p:nvGrpSpPr>
+        <p:grpSpPr>
+          <a:xfrm flipH="1">
+            <a:off x="7279469" y="3550346"/>
+            <a:ext cx="787334" cy="86434"/>
+            <a:chOff x="3452446" y="4176616"/>
+            <a:chExt cx="787334" cy="86434"/>
+          </a:xfrm>
+        </p:grpSpPr>
+        <p:sp>
+          <p:nvSpPr>
+            <p:cNvPr id="96" name="Triangolo isoscele 95"/>
+            <p:cNvSpPr/>
+            <p:nvPr/>
+          </p:nvSpPr>
+          <p:spPr>
+            <a:xfrm rot="5400000" flipH="1">
+              <a:off x="4126932" y="4150201"/>
+              <a:ext cx="86434" cy="139263"/>
+            </a:xfrm>
+            <a:prstGeom prst="triangle">
+              <a:avLst/>
+            </a:prstGeom>
+            <a:ln/>
+          </p:spPr>
+          <p:style>
+            <a:lnRef idx="1">
+              <a:schemeClr val="accent6"/>
+            </a:lnRef>
+            <a:fillRef idx="2">
+              <a:schemeClr val="accent6"/>
+            </a:fillRef>
+            <a:effectRef idx="1">
+              <a:schemeClr val="accent6"/>
+            </a:effectRef>
+            <a:fontRef idx="minor">
+              <a:schemeClr val="dk1"/>
+            </a:fontRef>
+          </p:style>
+          <p:txBody>
+            <a:bodyPr rtlCol="0" anchor="ctr"/>
+            <a:lstStyle/>
+            <a:p>
+              <a:pPr algn="ctr"/>
+              <a:endParaRPr lang="en-GB" sz="1200"/>
+            </a:p>
+          </p:txBody>
+        </p:sp>
+        <p:cxnSp>
+          <p:nvCxnSpPr>
+            <p:cNvPr id="97" name="Connettore 1 96"/>
+            <p:cNvCxnSpPr>
+              <a:endCxn id="96" idx="3"/>
+            </p:cNvCxnSpPr>
+            <p:nvPr/>
+          </p:nvCxnSpPr>
+          <p:spPr>
+            <a:xfrm>
+              <a:off x="3452446" y="4219627"/>
+              <a:ext cx="648072" cy="206"/>
+            </a:xfrm>
+            <a:prstGeom prst="line">
+              <a:avLst/>
+            </a:prstGeom>
+          </p:spPr>
+          <p:style>
+            <a:lnRef idx="1">
+              <a:schemeClr val="accent6"/>
+            </a:lnRef>
+            <a:fillRef idx="2">
+              <a:schemeClr val="accent6"/>
+            </a:fillRef>
+            <a:effectRef idx="1">
+              <a:schemeClr val="accent6"/>
+            </a:effectRef>
+            <a:fontRef idx="minor">
+              <a:schemeClr val="dk1"/>
+            </a:fontRef>
+          </p:style>
+        </p:cxnSp>
+      </p:grpSp>
+      <p:grpSp>
+        <p:nvGrpSpPr>
+          <p:cNvPr id="50" name="Gruppo 49"/>
+          <p:cNvGrpSpPr/>
+          <p:nvPr/>
+        </p:nvGrpSpPr>
+        <p:grpSpPr>
+          <a:xfrm>
+            <a:off x="47948" y="271438"/>
+            <a:ext cx="2721534" cy="4492025"/>
+            <a:chOff x="311186" y="4332622"/>
+            <a:chExt cx="1053702" cy="938460"/>
+          </a:xfrm>
+        </p:grpSpPr>
+        <p:grpSp>
+          <p:nvGrpSpPr>
+            <p:cNvPr id="124" name="Gruppo 123"/>
+            <p:cNvGrpSpPr/>
+            <p:nvPr/>
+          </p:nvGrpSpPr>
+          <p:grpSpPr>
+            <a:xfrm>
+              <a:off x="311186" y="4332622"/>
+              <a:ext cx="1053702" cy="938460"/>
+              <a:chOff x="565700" y="4961976"/>
+              <a:chExt cx="805955" cy="750836"/>
+            </a:xfrm>
+          </p:grpSpPr>
+          <p:sp>
+            <p:nvSpPr>
+              <p:cNvPr id="125" name="Ovale 124"/>
+              <p:cNvSpPr/>
+              <p:nvPr/>
+            </p:nvSpPr>
+            <p:spPr>
+              <a:xfrm>
+                <a:off x="565700" y="4983581"/>
+                <a:ext cx="805955" cy="729231"/>
+              </a:xfrm>
+              <a:prstGeom prst="ellipse">
+                <a:avLst/>
+              </a:prstGeom>
+              <a:solidFill>
+                <a:srgbClr val="FF99CC"/>
+              </a:solidFill>
+              <a:ln/>
+            </p:spPr>
+            <p:style>
+              <a:lnRef idx="1">
+                <a:schemeClr val="accent4"/>
+              </a:lnRef>
+              <a:fillRef idx="2">
+                <a:schemeClr val="accent4"/>
+              </a:fillRef>
+              <a:effectRef idx="1">
+                <a:schemeClr val="accent4"/>
+              </a:effectRef>
+              <a:fontRef idx="minor">
+                <a:schemeClr val="dk1"/>
+              </a:fontRef>
+            </p:style>
+            <p:txBody>
+              <a:bodyPr rtlCol="0" anchor="ctr"/>
+              <a:lstStyle/>
+              <a:p>
+                <a:pPr algn="ctr"/>
+                <a:r>
+                  <a:rPr lang="en-GB" sz="1200" dirty="0"/>
+                  <a:t> </a:t>
+                </a:r>
+              </a:p>
+            </p:txBody>
+          </p:sp>
+          <p:sp>
+            <p:nvSpPr>
+              <p:cNvPr id="126" name="Triangolo isoscele 125"/>
+              <p:cNvSpPr/>
+              <p:nvPr/>
+            </p:nvSpPr>
+            <p:spPr>
+              <a:xfrm rot="16200000">
+                <a:off x="904012" y="4936848"/>
+                <a:ext cx="39538" cy="89794"/>
+              </a:xfrm>
+              <a:prstGeom prst="triangle">
+                <a:avLst/>
+              </a:prstGeom>
+              <a:solidFill>
+                <a:srgbClr val="C00000"/>
+              </a:solidFill>
+              <a:ln/>
+            </p:spPr>
+            <p:style>
+              <a:lnRef idx="1">
+                <a:schemeClr val="accent5"/>
+              </a:lnRef>
+              <a:fillRef idx="2">
+                <a:schemeClr val="accent5"/>
+              </a:fillRef>
+              <a:effectRef idx="1">
+                <a:schemeClr val="accent5"/>
+              </a:effectRef>
+              <a:fontRef idx="minor">
+                <a:schemeClr val="dk1"/>
+              </a:fontRef>
+            </p:style>
+            <p:txBody>
+              <a:bodyPr rtlCol="0" anchor="ctr"/>
+              <a:lstStyle/>
+              <a:p>
+                <a:pPr algn="ctr"/>
+                <a:endParaRPr lang="en-GB" sz="1200">
+                  <a:solidFill>
+                    <a:schemeClr val="dk1"/>
+                  </a:solidFill>
+                </a:endParaRPr>
+              </a:p>
+            </p:txBody>
+          </p:sp>
+        </p:grpSp>
+        <p:sp>
+          <p:nvSpPr>
+            <p:cNvPr id="127" name="CasellaDiTesto 126"/>
+            <p:cNvSpPr txBox="1"/>
+            <p:nvPr/>
+          </p:nvSpPr>
+          <p:spPr>
+            <a:xfrm>
+              <a:off x="612848" y="4896356"/>
+              <a:ext cx="397680" cy="95429"/>
+            </a:xfrm>
+            <a:prstGeom prst="rect">
+              <a:avLst/>
+            </a:prstGeom>
+            <a:noFill/>
+          </p:spPr>
+          <p:txBody>
+            <a:bodyPr wrap="none" rtlCol="0">
+              <a:spAutoFit/>
+            </a:bodyPr>
+            <a:lstStyle/>
+            <a:p>
+              <a:pPr algn="ctr"/>
+              <a:r>
+                <a:rPr lang="en-GB" sz="1600" b="1" dirty="0" err="1" smtClean="0"/>
+                <a:t>ICoreFHIR</a:t>
+              </a:r>
+              <a:endParaRPr lang="en-GB" sz="1600" b="1" dirty="0" smtClean="0"/>
+            </a:p>
+            <a:p>
+              <a:pPr algn="ctr"/>
+              <a:r>
+                <a:rPr lang="it-IT" sz="1600" b="1" dirty="0" smtClean="0"/>
+                <a:t>server</a:t>
+              </a:r>
+              <a:endParaRPr lang="en-GB" sz="1600" dirty="0"/>
+            </a:p>
+          </p:txBody>
+        </p:sp>
+      </p:grpSp>
+      <p:sp>
+        <p:nvSpPr>
+          <p:cNvPr id="114" name="TextBox 45">
+            <a:extLst>
+              <a:ext uri="{FF2B5EF4-FFF2-40B4-BE49-F238E27FC236}">
+                <a16:creationId xmlns="" xmlns:a16="http://schemas.microsoft.com/office/drawing/2014/main" id="{6BDA7693-CA76-4C97-8FED-A4A65AB5032B}"/>
+              </a:ext>
+            </a:extLst>
+          </p:cNvPr>
+          <p:cNvSpPr txBox="1"/>
+          <p:nvPr/>
+        </p:nvSpPr>
+        <p:spPr>
+          <a:xfrm>
+            <a:off x="8111906" y="1187112"/>
+            <a:ext cx="975011" cy="369332"/>
+          </a:xfrm>
+          <a:prstGeom prst="rect">
+            <a:avLst/>
+          </a:prstGeom>
+          <a:noFill/>
+        </p:spPr>
+        <p:txBody>
+          <a:bodyPr wrap="none" rtlCol="0">
+            <a:spAutoFit/>
+          </a:bodyPr>
+          <a:lstStyle/>
+          <a:p>
+            <a:r>
+              <a:rPr lang="en-US" b="1" dirty="0" smtClean="0"/>
+              <a:t>Browser</a:t>
+            </a:r>
+            <a:endParaRPr lang="en-US" b="1" dirty="0"/>
+          </a:p>
+        </p:txBody>
+      </p:sp>
+      <p:grpSp>
+        <p:nvGrpSpPr>
+          <p:cNvPr id="61" name="Gruppo 60"/>
+          <p:cNvGrpSpPr/>
+          <p:nvPr/>
+        </p:nvGrpSpPr>
+        <p:grpSpPr>
+          <a:xfrm>
+            <a:off x="8203774" y="3292684"/>
+            <a:ext cx="805955" cy="772447"/>
+            <a:chOff x="565700" y="4940367"/>
+            <a:chExt cx="805955" cy="772447"/>
+          </a:xfrm>
+        </p:grpSpPr>
+        <p:sp>
+          <p:nvSpPr>
+            <p:cNvPr id="62" name="Ovale 61"/>
+            <p:cNvSpPr/>
+            <p:nvPr/>
+          </p:nvSpPr>
+          <p:spPr>
+            <a:xfrm>
+              <a:off x="565700" y="4983583"/>
+              <a:ext cx="805955" cy="729231"/>
+            </a:xfrm>
+            <a:prstGeom prst="ellipse">
+              <a:avLst/>
+            </a:prstGeom>
+            <a:solidFill>
+              <a:srgbClr val="FF99CC"/>
+            </a:solidFill>
+          </p:spPr>
+          <p:style>
+            <a:lnRef idx="2">
+              <a:schemeClr val="accent1">
+                <a:shade val="50000"/>
+              </a:schemeClr>
+            </a:lnRef>
+            <a:fillRef idx="1">
+              <a:schemeClr val="accent1"/>
+            </a:fillRef>
+            <a:effectRef idx="0">
+              <a:schemeClr val="accent1"/>
+            </a:effectRef>
+            <a:fontRef idx="minor">
+              <a:schemeClr val="lt1"/>
+            </a:fontRef>
+          </p:style>
+          <p:txBody>
+            <a:bodyPr rtlCol="0" anchor="ctr"/>
+            <a:lstStyle/>
+            <a:p>
+              <a:pPr algn="ctr"/>
+              <a:r>
+                <a:rPr lang="en-GB" dirty="0">
+                  <a:solidFill>
+                    <a:schemeClr val="lt1"/>
+                  </a:solidFill>
+                </a:rPr>
+                <a:t> </a:t>
+              </a:r>
+            </a:p>
+          </p:txBody>
+        </p:sp>
+        <p:sp>
+          <p:nvSpPr>
+            <p:cNvPr id="63" name="Triangolo isoscele 62"/>
+            <p:cNvSpPr/>
+            <p:nvPr/>
+          </p:nvSpPr>
+          <p:spPr>
+            <a:xfrm rot="16200000">
+              <a:off x="905299" y="4913952"/>
+              <a:ext cx="86434" cy="139263"/>
+            </a:xfrm>
+            <a:prstGeom prst="triangle">
+              <a:avLst/>
+            </a:prstGeom>
+            <a:solidFill>
+              <a:srgbClr val="FF99CC"/>
+            </a:solidFill>
+            <a:ln>
+              <a:solidFill>
+                <a:schemeClr val="tx1"/>
+              </a:solidFill>
+            </a:ln>
+          </p:spPr>
+          <p:style>
+            <a:lnRef idx="2">
+              <a:schemeClr val="accent1">
+                <a:shade val="50000"/>
+              </a:schemeClr>
+            </a:lnRef>
+            <a:fillRef idx="1">
+              <a:schemeClr val="accent1"/>
+            </a:fillRef>
+            <a:effectRef idx="0">
+              <a:schemeClr val="accent1"/>
+            </a:effectRef>
+            <a:fontRef idx="minor">
+              <a:schemeClr val="lt1"/>
+            </a:fontRef>
+          </p:style>
+          <p:txBody>
+            <a:bodyPr rtlCol="0" anchor="ctr"/>
+            <a:lstStyle/>
+            <a:p>
+              <a:pPr algn="ctr"/>
+              <a:endParaRPr lang="en-GB">
+                <a:solidFill>
+                  <a:schemeClr val="lt1"/>
+                </a:solidFill>
+              </a:endParaRPr>
+            </a:p>
+          </p:txBody>
+        </p:sp>
+      </p:grpSp>
+      <p:sp>
+        <p:nvSpPr>
+          <p:cNvPr id="64" name="Rettangolo 63"/>
+          <p:cNvSpPr/>
+          <p:nvPr/>
+        </p:nvSpPr>
+        <p:spPr>
+          <a:xfrm>
+            <a:off x="7463184" y="4136545"/>
+            <a:ext cx="1513428" cy="646331"/>
+          </a:xfrm>
+          <a:prstGeom prst="rect">
+            <a:avLst/>
+          </a:prstGeom>
+        </p:spPr>
+        <p:txBody>
+          <a:bodyPr wrap="none">
+            <a:spAutoFit/>
+          </a:bodyPr>
+          <a:lstStyle/>
+          <a:p>
+            <a:r>
+              <a:rPr lang="it-IT" b="1" dirty="0" err="1" smtClean="0"/>
+              <a:t>CentroHealth</a:t>
+            </a:r>
+            <a:r>
+              <a:rPr lang="it-IT" b="1" dirty="0" smtClean="0"/>
+              <a:t> </a:t>
+            </a:r>
+          </a:p>
+          <a:p>
+            <a:r>
+              <a:rPr lang="it-IT" dirty="0" smtClean="0"/>
+              <a:t>FHIR server</a:t>
+            </a:r>
+            <a:endParaRPr lang="en-GB" dirty="0"/>
+          </a:p>
+        </p:txBody>
+      </p:sp>
+      <p:sp>
+        <p:nvSpPr>
+          <p:cNvPr id="13" name="CasellaDiTesto 12"/>
+          <p:cNvSpPr txBox="1"/>
+          <p:nvPr/>
+        </p:nvSpPr>
+        <p:spPr>
+          <a:xfrm>
+            <a:off x="8000484" y="1840367"/>
+            <a:ext cx="675121" cy="369332"/>
+          </a:xfrm>
+          <a:prstGeom prst="rect">
+            <a:avLst/>
+          </a:prstGeom>
+          <a:noFill/>
+        </p:spPr>
+        <p:txBody>
+          <a:bodyPr wrap="none" rtlCol="0">
+            <a:spAutoFit/>
+          </a:bodyPr>
+          <a:lstStyle/>
+          <a:p>
+            <a:r>
+              <a:rPr lang="it-IT" dirty="0" smtClean="0"/>
+              <a:t>HTTP</a:t>
+            </a:r>
+            <a:endParaRPr lang="en-GB" dirty="0"/>
+          </a:p>
+        </p:txBody>
+      </p:sp>
+      <p:sp>
+        <p:nvSpPr>
+          <p:cNvPr id="120" name="Rettangolo 119"/>
+          <p:cNvSpPr/>
+          <p:nvPr/>
+        </p:nvSpPr>
+        <p:spPr>
+          <a:xfrm>
+            <a:off x="3112762" y="1255592"/>
+            <a:ext cx="1050159" cy="584775"/>
+          </a:xfrm>
+          <a:prstGeom prst="rect">
+            <a:avLst/>
+          </a:prstGeom>
+          <a:solidFill>
+            <a:srgbClr val="FFFFCC"/>
+          </a:solidFill>
+        </p:spPr>
+        <p:style>
+          <a:lnRef idx="1">
+            <a:schemeClr val="accent3"/>
+          </a:lnRef>
+          <a:fillRef idx="2">
+            <a:schemeClr val="accent3"/>
+          </a:fillRef>
+          <a:effectRef idx="1">
+            <a:schemeClr val="accent3"/>
+          </a:effectRef>
+          <a:fontRef idx="minor">
+            <a:schemeClr val="dk1"/>
+          </a:fontRef>
+        </p:style>
+        <p:txBody>
+          <a:bodyPr wrap="none">
+            <a:spAutoFit/>
+          </a:bodyPr>
+          <a:lstStyle/>
+          <a:p>
+            <a:r>
+              <a:rPr lang="en-GB" sz="1600" b="1" dirty="0" smtClean="0">
+                <a:solidFill>
+                  <a:srgbClr val="0070C0"/>
+                </a:solidFill>
+              </a:rPr>
+              <a:t>/API</a:t>
+            </a:r>
+            <a:endParaRPr lang="en-GB" sz="1600" b="1" dirty="0" smtClean="0">
+              <a:solidFill>
+                <a:srgbClr val="0070C0"/>
+              </a:solidFill>
+            </a:endParaRPr>
+          </a:p>
+          <a:p>
+            <a:r>
+              <a:rPr lang="en-GB" sz="1600" b="1" dirty="0" smtClean="0">
+                <a:solidFill>
+                  <a:srgbClr val="0070C0"/>
+                </a:solidFill>
+              </a:rPr>
+              <a:t>/</a:t>
+            </a:r>
+            <a:r>
+              <a:rPr lang="en-GB" sz="1600" b="1" dirty="0" err="1" smtClean="0">
+                <a:solidFill>
+                  <a:srgbClr val="0070C0"/>
+                </a:solidFill>
+              </a:rPr>
+              <a:t>APISycnh</a:t>
+            </a:r>
+            <a:endParaRPr lang="en-GB" sz="1600" b="1" dirty="0" smtClean="0">
+              <a:solidFill>
+                <a:srgbClr val="0070C0"/>
+              </a:solidFill>
+            </a:endParaRPr>
+          </a:p>
+        </p:txBody>
+      </p:sp>
+      <p:sp>
+        <p:nvSpPr>
+          <p:cNvPr id="77" name="Ovale 76"/>
+          <p:cNvSpPr/>
+          <p:nvPr/>
+        </p:nvSpPr>
+        <p:spPr>
+          <a:xfrm>
+            <a:off x="112132" y="2074806"/>
+            <a:ext cx="2593165" cy="723428"/>
+          </a:xfrm>
+          <a:prstGeom prst="ellipse">
+            <a:avLst/>
+          </a:prstGeom>
+          <a:solidFill>
+            <a:srgbClr val="FFFFCC"/>
+          </a:solidFill>
+          <a:ln w="38100">
+            <a:solidFill>
+              <a:srgbClr val="C00000"/>
+            </a:solidFill>
+          </a:ln>
+        </p:spPr>
+        <p:style>
+          <a:lnRef idx="1">
+            <a:schemeClr val="accent5"/>
+          </a:lnRef>
+          <a:fillRef idx="2">
+            <a:schemeClr val="accent5"/>
+          </a:fillRef>
+          <a:effectRef idx="1">
+            <a:schemeClr val="accent5"/>
+          </a:effectRef>
+          <a:fontRef idx="minor">
+            <a:schemeClr val="dk1"/>
+          </a:fontRef>
+        </p:style>
+        <p:txBody>
+          <a:bodyPr rtlCol="0" anchor="ctr"/>
+          <a:lstStyle/>
+          <a:p>
+            <a:pPr algn="ctr"/>
+            <a:r>
+              <a:rPr lang="en-GB" sz="1600" b="1" dirty="0" err="1" smtClean="0">
+                <a:solidFill>
+                  <a:srgbClr val="0070C0"/>
+                </a:solidFill>
+              </a:rPr>
+              <a:t>HealthServiceFhirUsageSynch</a:t>
+            </a:r>
+            <a:r>
+              <a:rPr lang="en-GB" sz="1600" b="1" dirty="0" smtClean="0">
+                <a:solidFill>
+                  <a:srgbClr val="0070C0"/>
+                </a:solidFill>
+              </a:rPr>
+              <a:t>/</a:t>
+            </a:r>
+            <a:r>
+              <a:rPr lang="en-GB" sz="1600" b="1" dirty="0" err="1" smtClean="0">
+                <a:solidFill>
+                  <a:srgbClr val="0070C0"/>
+                </a:solidFill>
+              </a:rPr>
+              <a:t>Asynch</a:t>
+            </a:r>
+            <a:endParaRPr lang="en-GB" sz="1600" b="1" dirty="0">
+              <a:solidFill>
+                <a:srgbClr val="0070C0"/>
+              </a:solidFill>
+            </a:endParaRPr>
+          </a:p>
+        </p:txBody>
+      </p:sp>
+      <p:cxnSp>
+        <p:nvCxnSpPr>
+          <p:cNvPr id="37" name="Connettore 2 36"/>
+          <p:cNvCxnSpPr>
+            <a:stCxn id="77" idx="6"/>
+            <a:endCxn id="40" idx="2"/>
+          </p:cNvCxnSpPr>
+          <p:nvPr/>
+        </p:nvCxnSpPr>
+        <p:spPr>
+          <a:xfrm>
+            <a:off x="2705297" y="2436520"/>
+            <a:ext cx="1948722" cy="0"/>
+          </a:xfrm>
+          <a:prstGeom prst="straightConnector1">
+            <a:avLst/>
+          </a:prstGeom>
+          <a:ln>
+            <a:tailEnd type="arrow"/>
+          </a:ln>
+        </p:spPr>
+        <p:style>
+          <a:lnRef idx="1">
+            <a:schemeClr val="accent1"/>
+          </a:lnRef>
+          <a:fillRef idx="0">
+            <a:schemeClr val="accent1"/>
+          </a:fillRef>
+          <a:effectRef idx="0">
+            <a:schemeClr val="accent1"/>
+          </a:effectRef>
+          <a:fontRef idx="minor">
+            <a:schemeClr val="tx1"/>
+          </a:fontRef>
+        </p:style>
+      </p:cxnSp>
+      <p:sp>
+        <p:nvSpPr>
+          <p:cNvPr id="81" name="Ovale 80"/>
+          <p:cNvSpPr/>
+          <p:nvPr/>
+        </p:nvSpPr>
+        <p:spPr>
+          <a:xfrm>
+            <a:off x="300381" y="736996"/>
+            <a:ext cx="2080557" cy="593051"/>
+          </a:xfrm>
+          <a:prstGeom prst="ellipse">
+            <a:avLst/>
+          </a:prstGeom>
+          <a:solidFill>
+            <a:srgbClr val="FFFFCC"/>
+          </a:solidFill>
+          <a:ln w="38100">
+            <a:solidFill>
+              <a:srgbClr val="C00000"/>
+            </a:solidFill>
+          </a:ln>
+        </p:spPr>
+        <p:style>
+          <a:lnRef idx="1">
+            <a:schemeClr val="accent5"/>
+          </a:lnRef>
+          <a:fillRef idx="2">
+            <a:schemeClr val="accent5"/>
+          </a:fillRef>
+          <a:effectRef idx="1">
+            <a:schemeClr val="accent5"/>
+          </a:effectRef>
+          <a:fontRef idx="minor">
+            <a:schemeClr val="dk1"/>
+          </a:fontRef>
+        </p:style>
+        <p:txBody>
+          <a:bodyPr rtlCol="0" anchor="ctr"/>
+          <a:lstStyle/>
+          <a:p>
+            <a:pPr algn="ctr"/>
+            <a:r>
+              <a:rPr lang="en-GB" sz="1600" b="1" dirty="0" err="1" smtClean="0">
+                <a:solidFill>
+                  <a:srgbClr val="0070C0"/>
+                </a:solidFill>
+              </a:rPr>
+              <a:t>HealthProductClient</a:t>
+            </a:r>
+            <a:endParaRPr lang="en-GB" sz="1600" b="1" dirty="0">
+              <a:solidFill>
+                <a:srgbClr val="0070C0"/>
+              </a:solidFill>
+            </a:endParaRPr>
+          </a:p>
+        </p:txBody>
+      </p:sp>
+      <p:cxnSp>
+        <p:nvCxnSpPr>
+          <p:cNvPr id="66" name="Connettore 4 65"/>
+          <p:cNvCxnSpPr>
+            <a:stCxn id="115" idx="2"/>
+            <a:endCxn id="4" idx="6"/>
+          </p:cNvCxnSpPr>
+          <p:nvPr/>
+        </p:nvCxnSpPr>
+        <p:spPr>
+          <a:xfrm rot="5400000">
+            <a:off x="7066143" y="1920723"/>
+            <a:ext cx="1279604" cy="427846"/>
+          </a:xfrm>
+          <a:prstGeom prst="bentConnector2">
+            <a:avLst/>
+          </a:prstGeom>
+          <a:ln>
+            <a:tailEnd type="arrow"/>
+          </a:ln>
+        </p:spPr>
+        <p:style>
+          <a:lnRef idx="1">
+            <a:schemeClr val="accent1"/>
+          </a:lnRef>
+          <a:fillRef idx="0">
+            <a:schemeClr val="accent1"/>
+          </a:fillRef>
+          <a:effectRef idx="0">
+            <a:schemeClr val="accent1"/>
+          </a:effectRef>
+          <a:fontRef idx="minor">
+            <a:schemeClr val="tx1"/>
+          </a:fontRef>
+        </p:style>
+      </p:cxnSp>
+      <p:cxnSp>
+        <p:nvCxnSpPr>
+          <p:cNvPr id="76" name="Connettore 2 75"/>
+          <p:cNvCxnSpPr>
+            <a:stCxn id="6" idx="4"/>
+            <a:endCxn id="83" idx="0"/>
+          </p:cNvCxnSpPr>
+          <p:nvPr/>
+        </p:nvCxnSpPr>
+        <p:spPr>
+          <a:xfrm>
+            <a:off x="5318337" y="1735178"/>
+            <a:ext cx="0" cy="201909"/>
+          </a:xfrm>
+          <a:prstGeom prst="straightConnector1">
+            <a:avLst/>
+          </a:prstGeom>
+          <a:ln>
+            <a:tailEnd type="arrow"/>
+          </a:ln>
+        </p:spPr>
+        <p:style>
+          <a:lnRef idx="1">
+            <a:schemeClr val="accent1"/>
+          </a:lnRef>
+          <a:fillRef idx="0">
+            <a:schemeClr val="accent1"/>
+          </a:fillRef>
+          <a:effectRef idx="0">
+            <a:schemeClr val="accent1"/>
+          </a:effectRef>
+          <a:fontRef idx="minor">
+            <a:schemeClr val="tx1"/>
+          </a:fontRef>
+        </p:style>
+      </p:cxnSp>
+      <p:grpSp>
+        <p:nvGrpSpPr>
+          <p:cNvPr id="49" name="Gruppo 48"/>
+          <p:cNvGrpSpPr/>
+          <p:nvPr/>
+        </p:nvGrpSpPr>
+        <p:grpSpPr>
+          <a:xfrm>
+            <a:off x="2610953" y="4434232"/>
+            <a:ext cx="666895" cy="86434"/>
+            <a:chOff x="4592177" y="4419530"/>
+            <a:chExt cx="666895" cy="86434"/>
+          </a:xfrm>
+        </p:grpSpPr>
+        <p:cxnSp>
+          <p:nvCxnSpPr>
+            <p:cNvPr id="51" name="Connettore 1 50"/>
+            <p:cNvCxnSpPr/>
+            <p:nvPr/>
+          </p:nvCxnSpPr>
+          <p:spPr>
+            <a:xfrm>
+              <a:off x="4611000" y="4462747"/>
+              <a:ext cx="648072" cy="0"/>
+            </a:xfrm>
+            <a:prstGeom prst="line">
+              <a:avLst/>
+            </a:prstGeom>
+            <a:ln/>
+          </p:spPr>
+          <p:style>
+            <a:lnRef idx="1">
+              <a:schemeClr val="accent6"/>
+            </a:lnRef>
+            <a:fillRef idx="2">
+              <a:schemeClr val="accent6"/>
+            </a:fillRef>
+            <a:effectRef idx="1">
+              <a:schemeClr val="accent6"/>
+            </a:effectRef>
+            <a:fontRef idx="minor">
+              <a:schemeClr val="dk1"/>
+            </a:fontRef>
+          </p:style>
+        </p:cxnSp>
+        <p:sp>
+          <p:nvSpPr>
+            <p:cNvPr id="52" name="Triangolo isoscele 51"/>
+            <p:cNvSpPr/>
+            <p:nvPr/>
+          </p:nvSpPr>
+          <p:spPr>
+            <a:xfrm rot="16200000">
+              <a:off x="4618592" y="4393115"/>
+              <a:ext cx="86434" cy="139263"/>
+            </a:xfrm>
+            <a:prstGeom prst="triangle">
+              <a:avLst/>
+            </a:prstGeom>
+            <a:ln/>
+          </p:spPr>
+          <p:style>
+            <a:lnRef idx="1">
+              <a:schemeClr val="accent6"/>
+            </a:lnRef>
+            <a:fillRef idx="2">
+              <a:schemeClr val="accent6"/>
+            </a:fillRef>
+            <a:effectRef idx="1">
+              <a:schemeClr val="accent6"/>
+            </a:effectRef>
+            <a:fontRef idx="minor">
+              <a:schemeClr val="dk1"/>
+            </a:fontRef>
+          </p:style>
+          <p:txBody>
+            <a:bodyPr rtlCol="0" anchor="ctr"/>
+            <a:lstStyle/>
+            <a:p>
+              <a:pPr algn="ctr"/>
+              <a:endParaRPr lang="en-GB" sz="1200"/>
+            </a:p>
+          </p:txBody>
+        </p:sp>
+      </p:grpSp>
+      <p:grpSp>
+        <p:nvGrpSpPr>
+          <p:cNvPr id="53" name="Gruppo 52"/>
+          <p:cNvGrpSpPr/>
+          <p:nvPr/>
+        </p:nvGrpSpPr>
+        <p:grpSpPr>
+          <a:xfrm>
+            <a:off x="2620365" y="4539760"/>
+            <a:ext cx="787334" cy="86434"/>
+            <a:chOff x="3452446" y="4176616"/>
+            <a:chExt cx="787334" cy="86434"/>
+          </a:xfrm>
+        </p:grpSpPr>
+        <p:sp>
+          <p:nvSpPr>
+            <p:cNvPr id="54" name="Triangolo isoscele 53"/>
+            <p:cNvSpPr/>
+            <p:nvPr/>
+          </p:nvSpPr>
+          <p:spPr>
+            <a:xfrm rot="5400000" flipH="1">
+              <a:off x="4126932" y="4150201"/>
+              <a:ext cx="86434" cy="139263"/>
+            </a:xfrm>
+            <a:prstGeom prst="triangle">
+              <a:avLst/>
+            </a:prstGeom>
+            <a:ln/>
+          </p:spPr>
+          <p:style>
+            <a:lnRef idx="1">
+              <a:schemeClr val="accent6"/>
+            </a:lnRef>
+            <a:fillRef idx="2">
+              <a:schemeClr val="accent6"/>
+            </a:fillRef>
+            <a:effectRef idx="1">
+              <a:schemeClr val="accent6"/>
+            </a:effectRef>
+            <a:fontRef idx="minor">
+              <a:schemeClr val="dk1"/>
+            </a:fontRef>
+          </p:style>
+          <p:txBody>
+            <a:bodyPr rtlCol="0" anchor="ctr"/>
+            <a:lstStyle/>
+            <a:p>
+              <a:pPr algn="ctr"/>
+              <a:endParaRPr lang="en-GB" sz="1200"/>
+            </a:p>
+          </p:txBody>
+        </p:sp>
+        <p:cxnSp>
+          <p:nvCxnSpPr>
+            <p:cNvPr id="55" name="Connettore 1 54"/>
+            <p:cNvCxnSpPr>
+              <a:endCxn id="54" idx="3"/>
+            </p:cNvCxnSpPr>
+            <p:nvPr/>
+          </p:nvCxnSpPr>
+          <p:spPr>
+            <a:xfrm>
+              <a:off x="3452446" y="4219627"/>
+              <a:ext cx="648072" cy="206"/>
+            </a:xfrm>
+            <a:prstGeom prst="line">
+              <a:avLst/>
+            </a:prstGeom>
+          </p:spPr>
+          <p:style>
+            <a:lnRef idx="1">
+              <a:schemeClr val="accent6"/>
+            </a:lnRef>
+            <a:fillRef idx="2">
+              <a:schemeClr val="accent6"/>
+            </a:fillRef>
+            <a:effectRef idx="1">
+              <a:schemeClr val="accent6"/>
+            </a:effectRef>
+            <a:fontRef idx="minor">
+              <a:schemeClr val="dk1"/>
+            </a:fontRef>
+          </p:style>
+        </p:cxnSp>
+      </p:grpSp>
+      <p:sp>
+        <p:nvSpPr>
+          <p:cNvPr id="56" name="CasellaDiTesto 55"/>
+          <p:cNvSpPr txBox="1"/>
+          <p:nvPr/>
+        </p:nvSpPr>
+        <p:spPr>
+          <a:xfrm>
+            <a:off x="2669211" y="4048982"/>
+            <a:ext cx="673069" cy="369332"/>
+          </a:xfrm>
+          <a:prstGeom prst="rect">
+            <a:avLst/>
+          </a:prstGeom>
+          <a:noFill/>
+        </p:spPr>
+        <p:txBody>
+          <a:bodyPr wrap="none" rtlCol="0">
+            <a:spAutoFit/>
+          </a:bodyPr>
+          <a:lstStyle/>
+          <a:p>
+            <a:r>
+              <a:rPr lang="it-IT" dirty="0" smtClean="0"/>
+              <a:t>From</a:t>
+            </a:r>
+            <a:endParaRPr lang="en-GB" dirty="0"/>
+          </a:p>
+        </p:txBody>
+      </p:sp>
+      <p:sp>
+        <p:nvSpPr>
+          <p:cNvPr id="57" name="CasellaDiTesto 56"/>
+          <p:cNvSpPr txBox="1"/>
+          <p:nvPr/>
+        </p:nvSpPr>
+        <p:spPr>
+          <a:xfrm>
+            <a:off x="3489204" y="829235"/>
+            <a:ext cx="1202380" cy="369332"/>
+          </a:xfrm>
+          <a:prstGeom prst="rect">
+            <a:avLst/>
+          </a:prstGeom>
+        </p:spPr>
+        <p:style>
+          <a:lnRef idx="1">
+            <a:schemeClr val="accent3"/>
+          </a:lnRef>
+          <a:fillRef idx="2">
+            <a:schemeClr val="accent3"/>
+          </a:fillRef>
+          <a:effectRef idx="1">
+            <a:schemeClr val="accent3"/>
+          </a:effectRef>
+          <a:fontRef idx="minor">
+            <a:schemeClr val="dk1"/>
+          </a:fontRef>
+        </p:style>
+        <p:txBody>
+          <a:bodyPr wrap="none" rtlCol="0">
+            <a:spAutoFit/>
+          </a:bodyPr>
+          <a:lstStyle/>
+          <a:p>
+            <a:r>
+              <a:rPr lang="it-IT" dirty="0" smtClean="0"/>
+              <a:t>M2M </a:t>
+            </a:r>
+            <a:r>
+              <a:rPr lang="it-IT" dirty="0" err="1" smtClean="0"/>
+              <a:t>Rest</a:t>
+            </a:r>
+            <a:r>
+              <a:rPr lang="it-IT" dirty="0" smtClean="0"/>
+              <a:t> </a:t>
+            </a:r>
+          </a:p>
+        </p:txBody>
+      </p:sp>
     </p:spTree>
     <p:extLst>
       <p:ext uri="{BB962C8B-B14F-4D97-AF65-F5344CB8AC3E}">
-        <p14:creationId xmlns:p14="http://schemas.microsoft.com/office/powerpoint/2010/main" val="1461316647"/>
+        <p14:creationId xmlns:p14="http://schemas.microsoft.com/office/powerpoint/2010/main" val="254069052"/>
       </p:ext>
     </p:extLst>
   </p:cSld>
@@ -21260,7 +25524,7 @@
       </p:grpSpPr>
       <p:pic>
         <p:nvPicPr>
-          <p:cNvPr id="3074" name="Picture 2"/>
+          <p:cNvPr id="1027" name="Picture 3"/>
           <p:cNvPicPr>
             <a:picLocks noChangeAspect="1" noChangeArrowheads="1"/>
           </p:cNvPicPr>
@@ -21281,8 +25545,8 @@
         </p:blipFill>
         <p:spPr bwMode="auto">
           <a:xfrm>
-            <a:off x="1252538" y="600075"/>
-            <a:ext cx="6638925" cy="5657850"/>
+            <a:off x="1252538" y="1119188"/>
+            <a:ext cx="6638925" cy="4619625"/>
           </a:xfrm>
           <a:prstGeom prst="rect">
             <a:avLst/>
@@ -21315,6 +25579,584 @@
     </p:spTree>
     <p:extLst>
       <p:ext uri="{BB962C8B-B14F-4D97-AF65-F5344CB8AC3E}">
+        <p14:creationId xmlns:p14="http://schemas.microsoft.com/office/powerpoint/2010/main" val="2167669677"/>
+      </p:ext>
+    </p:extLst>
+  </p:cSld>
+  <p:clrMapOvr>
+    <a:masterClrMapping/>
+  </p:clrMapOvr>
+</p:sld>
+</file>
+
+<file path=ppt/slides/slide22.xml><?xml version="1.0" encoding="utf-8"?>
+<p:sld xmlns:a="http://schemas.openxmlformats.org/drawingml/2006/main" xmlns:r="http://schemas.openxmlformats.org/officeDocument/2006/relationships" xmlns:p="http://schemas.openxmlformats.org/presentationml/2006/main">
+  <p:cSld>
+    <p:spTree>
+      <p:nvGrpSpPr>
+        <p:cNvPr id="1" name=""/>
+        <p:cNvGrpSpPr/>
+        <p:nvPr/>
+      </p:nvGrpSpPr>
+      <p:grpSpPr>
+        <a:xfrm>
+          <a:off x="0" y="0"/>
+          <a:ext cx="0" cy="0"/>
+          <a:chOff x="0" y="0"/>
+          <a:chExt cx="0" cy="0"/>
+        </a:xfrm>
+      </p:grpSpPr>
+      <p:pic>
+        <p:nvPicPr>
+          <p:cNvPr id="3" name="Picture 2"/>
+          <p:cNvPicPr>
+            <a:picLocks noChangeAspect="1" noChangeArrowheads="1"/>
+          </p:cNvPicPr>
+          <p:nvPr/>
+        </p:nvPicPr>
+        <p:blipFill>
+          <a:blip r:embed="rId2">
+            <a:extLst>
+              <a:ext uri="{28A0092B-C50C-407E-A947-70E740481C1C}">
+                <a14:useLocalDpi xmlns:a14="http://schemas.microsoft.com/office/drawing/2010/main" val="0"/>
+              </a:ext>
+            </a:extLst>
+          </a:blip>
+          <a:srcRect/>
+          <a:stretch>
+            <a:fillRect/>
+          </a:stretch>
+        </p:blipFill>
+        <p:spPr bwMode="auto">
+          <a:xfrm>
+            <a:off x="0" y="176213"/>
+            <a:ext cx="9144000" cy="4886817"/>
+          </a:xfrm>
+          <a:prstGeom prst="rect">
+            <a:avLst/>
+          </a:prstGeom>
+          <a:noFill/>
+          <a:ln>
+            <a:noFill/>
+          </a:ln>
+          <a:extLst>
+            <a:ext uri="{909E8E84-426E-40DD-AFC4-6F175D3DCCD1}">
+              <a14:hiddenFill xmlns:a14="http://schemas.microsoft.com/office/drawing/2010/main">
+                <a:solidFill>
+                  <a:schemeClr val="accent1"/>
+                </a:solidFill>
+              </a14:hiddenFill>
+            </a:ext>
+            <a:ext uri="{91240B29-F687-4F45-9708-019B960494DF}">
+              <a14:hiddenLine xmlns:a14="http://schemas.microsoft.com/office/drawing/2010/main" w="9525">
+                <a:solidFill>
+                  <a:schemeClr val="tx1"/>
+                </a:solidFill>
+                <a:miter lim="800000"/>
+                <a:headEnd/>
+                <a:tailEnd/>
+              </a14:hiddenLine>
+            </a:ext>
+          </a:extLst>
+        </p:spPr>
+      </p:pic>
+      <p:sp>
+        <p:nvSpPr>
+          <p:cNvPr id="2" name="Rettangolo arrotondato 1"/>
+          <p:cNvSpPr/>
+          <p:nvPr/>
+        </p:nvSpPr>
+        <p:spPr>
+          <a:xfrm>
+            <a:off x="4716016" y="770721"/>
+            <a:ext cx="3528392" cy="648072"/>
+          </a:xfrm>
+          <a:prstGeom prst="roundRect">
+            <a:avLst/>
+          </a:prstGeom>
+        </p:spPr>
+        <p:style>
+          <a:lnRef idx="1">
+            <a:schemeClr val="accent6"/>
+          </a:lnRef>
+          <a:fillRef idx="2">
+            <a:schemeClr val="accent6"/>
+          </a:fillRef>
+          <a:effectRef idx="1">
+            <a:schemeClr val="accent6"/>
+          </a:effectRef>
+          <a:fontRef idx="minor">
+            <a:schemeClr val="dk1"/>
+          </a:fontRef>
+        </p:style>
+        <p:txBody>
+          <a:bodyPr rtlCol="0" anchor="ctr"/>
+          <a:lstStyle/>
+          <a:p>
+            <a:pPr algn="ctr"/>
+            <a:r>
+              <a:rPr lang="it-IT" dirty="0" smtClean="0"/>
+              <a:t>OPERAZIONI –CRUD </a:t>
+            </a:r>
+          </a:p>
+          <a:p>
+            <a:pPr algn="ctr"/>
+            <a:r>
+              <a:rPr lang="it-IT" dirty="0" smtClean="0"/>
+              <a:t>(</a:t>
+            </a:r>
+            <a:r>
+              <a:rPr lang="it-IT" dirty="0"/>
+              <a:t>API </a:t>
+            </a:r>
+            <a:r>
+              <a:rPr lang="it-IT" dirty="0" smtClean="0"/>
+              <a:t> </a:t>
+            </a:r>
+            <a:r>
+              <a:rPr lang="it-IT" dirty="0" err="1" smtClean="0"/>
+              <a:t>Synch</a:t>
+            </a:r>
+            <a:r>
+              <a:rPr lang="it-IT" dirty="0" smtClean="0"/>
+              <a:t> /</a:t>
+            </a:r>
+            <a:r>
+              <a:rPr lang="it-IT" dirty="0" err="1" smtClean="0"/>
+              <a:t>Asynch</a:t>
+            </a:r>
+            <a:r>
+              <a:rPr lang="it-IT" dirty="0" smtClean="0"/>
+              <a:t>)</a:t>
+            </a:r>
+            <a:endParaRPr lang="en-GB" dirty="0"/>
+          </a:p>
+        </p:txBody>
+      </p:sp>
+      <p:cxnSp>
+        <p:nvCxnSpPr>
+          <p:cNvPr id="5" name="Connettore 2 4"/>
+          <p:cNvCxnSpPr>
+            <a:stCxn id="2" idx="1"/>
+          </p:cNvCxnSpPr>
+          <p:nvPr/>
+        </p:nvCxnSpPr>
+        <p:spPr>
+          <a:xfrm flipH="1">
+            <a:off x="2915816" y="1094757"/>
+            <a:ext cx="1800200" cy="750067"/>
+          </a:xfrm>
+          <a:prstGeom prst="straightConnector1">
+            <a:avLst/>
+          </a:prstGeom>
+          <a:ln>
+            <a:tailEnd type="arrow"/>
+          </a:ln>
+        </p:spPr>
+        <p:style>
+          <a:lnRef idx="1">
+            <a:schemeClr val="accent1"/>
+          </a:lnRef>
+          <a:fillRef idx="0">
+            <a:schemeClr val="accent1"/>
+          </a:fillRef>
+          <a:effectRef idx="0">
+            <a:schemeClr val="accent1"/>
+          </a:effectRef>
+          <a:fontRef idx="minor">
+            <a:schemeClr val="tx1"/>
+          </a:fontRef>
+        </p:style>
+      </p:cxnSp>
+      <p:sp>
+        <p:nvSpPr>
+          <p:cNvPr id="7" name="Rettangolo arrotondato 6"/>
+          <p:cNvSpPr/>
+          <p:nvPr/>
+        </p:nvSpPr>
+        <p:spPr>
+          <a:xfrm>
+            <a:off x="5940152" y="1418793"/>
+            <a:ext cx="3203848" cy="648072"/>
+          </a:xfrm>
+          <a:prstGeom prst="roundRect">
+            <a:avLst/>
+          </a:prstGeom>
+        </p:spPr>
+        <p:style>
+          <a:lnRef idx="1">
+            <a:schemeClr val="accent6"/>
+          </a:lnRef>
+          <a:fillRef idx="2">
+            <a:schemeClr val="accent6"/>
+          </a:fillRef>
+          <a:effectRef idx="1">
+            <a:schemeClr val="accent6"/>
+          </a:effectRef>
+          <a:fontRef idx="minor">
+            <a:schemeClr val="dk1"/>
+          </a:fontRef>
+        </p:style>
+        <p:txBody>
+          <a:bodyPr rtlCol="0" anchor="ctr"/>
+          <a:lstStyle/>
+          <a:p>
+            <a:pPr algn="ctr"/>
+            <a:r>
+              <a:rPr lang="it-IT" dirty="0" smtClean="0"/>
+              <a:t>Esperimenti</a:t>
+            </a:r>
+          </a:p>
+          <a:p>
+            <a:pPr algn="ctr"/>
+            <a:r>
+              <a:rPr lang="it-IT" dirty="0" smtClean="0"/>
+              <a:t>Conversione HL7/FHIR</a:t>
+            </a:r>
+            <a:endParaRPr lang="en-GB" dirty="0"/>
+          </a:p>
+        </p:txBody>
+      </p:sp>
+      <p:cxnSp>
+        <p:nvCxnSpPr>
+          <p:cNvPr id="8" name="Connettore 2 7"/>
+          <p:cNvCxnSpPr/>
+          <p:nvPr/>
+        </p:nvCxnSpPr>
+        <p:spPr>
+          <a:xfrm flipH="1">
+            <a:off x="6300192" y="2066865"/>
+            <a:ext cx="1241884" cy="1146111"/>
+          </a:xfrm>
+          <a:prstGeom prst="straightConnector1">
+            <a:avLst/>
+          </a:prstGeom>
+          <a:ln>
+            <a:tailEnd type="arrow"/>
+          </a:ln>
+        </p:spPr>
+        <p:style>
+          <a:lnRef idx="1">
+            <a:schemeClr val="accent1"/>
+          </a:lnRef>
+          <a:fillRef idx="0">
+            <a:schemeClr val="accent1"/>
+          </a:fillRef>
+          <a:effectRef idx="0">
+            <a:schemeClr val="accent1"/>
+          </a:effectRef>
+          <a:fontRef idx="minor">
+            <a:schemeClr val="tx1"/>
+          </a:fontRef>
+        </p:style>
+      </p:cxnSp>
+      <p:sp>
+        <p:nvSpPr>
+          <p:cNvPr id="13" name="Rettangolo arrotondato 12"/>
+          <p:cNvSpPr/>
+          <p:nvPr/>
+        </p:nvSpPr>
+        <p:spPr>
+          <a:xfrm>
+            <a:off x="539552" y="176213"/>
+            <a:ext cx="3456384" cy="648072"/>
+          </a:xfrm>
+          <a:prstGeom prst="roundRect">
+            <a:avLst/>
+          </a:prstGeom>
+        </p:spPr>
+        <p:style>
+          <a:lnRef idx="1">
+            <a:schemeClr val="accent6"/>
+          </a:lnRef>
+          <a:fillRef idx="2">
+            <a:schemeClr val="accent6"/>
+          </a:fillRef>
+          <a:effectRef idx="1">
+            <a:schemeClr val="accent6"/>
+          </a:effectRef>
+          <a:fontRef idx="minor">
+            <a:schemeClr val="dk1"/>
+          </a:fontRef>
+        </p:style>
+        <p:txBody>
+          <a:bodyPr rtlCol="0" anchor="ctr"/>
+          <a:lstStyle/>
+          <a:p>
+            <a:pPr algn="ctr"/>
+            <a:r>
+              <a:rPr lang="it-IT" dirty="0" smtClean="0"/>
+              <a:t>Definizione del server </a:t>
+            </a:r>
+            <a:r>
+              <a:rPr lang="it-IT" dirty="0" err="1" smtClean="0"/>
+              <a:t>CentroHelath</a:t>
+            </a:r>
+            <a:endParaRPr lang="en-GB" dirty="0"/>
+          </a:p>
+        </p:txBody>
+      </p:sp>
+      <p:cxnSp>
+        <p:nvCxnSpPr>
+          <p:cNvPr id="14" name="Connettore 2 13"/>
+          <p:cNvCxnSpPr>
+            <a:stCxn id="13" idx="2"/>
+          </p:cNvCxnSpPr>
+          <p:nvPr/>
+        </p:nvCxnSpPr>
+        <p:spPr>
+          <a:xfrm>
+            <a:off x="2267744" y="824285"/>
+            <a:ext cx="648072" cy="645505"/>
+          </a:xfrm>
+          <a:prstGeom prst="straightConnector1">
+            <a:avLst/>
+          </a:prstGeom>
+          <a:ln>
+            <a:tailEnd type="arrow"/>
+          </a:ln>
+        </p:spPr>
+        <p:style>
+          <a:lnRef idx="1">
+            <a:schemeClr val="accent1"/>
+          </a:lnRef>
+          <a:fillRef idx="0">
+            <a:schemeClr val="accent1"/>
+          </a:fillRef>
+          <a:effectRef idx="0">
+            <a:schemeClr val="accent1"/>
+          </a:effectRef>
+          <a:fontRef idx="minor">
+            <a:schemeClr val="tx1"/>
+          </a:fontRef>
+        </p:style>
+      </p:cxnSp>
+      <p:sp>
+        <p:nvSpPr>
+          <p:cNvPr id="16" name="Rettangolo arrotondato 15"/>
+          <p:cNvSpPr/>
+          <p:nvPr/>
+        </p:nvSpPr>
+        <p:spPr>
+          <a:xfrm>
+            <a:off x="5436096" y="3861048"/>
+            <a:ext cx="3203848" cy="648072"/>
+          </a:xfrm>
+          <a:prstGeom prst="roundRect">
+            <a:avLst/>
+          </a:prstGeom>
+        </p:spPr>
+        <p:style>
+          <a:lnRef idx="1">
+            <a:schemeClr val="accent6"/>
+          </a:lnRef>
+          <a:fillRef idx="2">
+            <a:schemeClr val="accent6"/>
+          </a:fillRef>
+          <a:effectRef idx="1">
+            <a:schemeClr val="accent6"/>
+          </a:effectRef>
+          <a:fontRef idx="minor">
+            <a:schemeClr val="dk1"/>
+          </a:fontRef>
+        </p:style>
+        <p:txBody>
+          <a:bodyPr rtlCol="0" anchor="ctr"/>
+          <a:lstStyle/>
+          <a:p>
+            <a:pPr algn="ctr"/>
+            <a:r>
+              <a:rPr lang="it-IT" dirty="0" smtClean="0"/>
+              <a:t>Esperimenti</a:t>
+            </a:r>
+          </a:p>
+          <a:p>
+            <a:pPr algn="ctr"/>
+            <a:r>
+              <a:rPr lang="it-IT" dirty="0" err="1" smtClean="0"/>
+              <a:t>Flux</a:t>
+            </a:r>
+            <a:r>
+              <a:rPr lang="it-IT" dirty="0" smtClean="0"/>
+              <a:t> (Hot e </a:t>
+            </a:r>
+            <a:r>
+              <a:rPr lang="it-IT" dirty="0" err="1" smtClean="0"/>
+              <a:t>Cold</a:t>
+            </a:r>
+            <a:r>
+              <a:rPr lang="it-IT" dirty="0" smtClean="0"/>
+              <a:t>)</a:t>
+            </a:r>
+            <a:endParaRPr lang="en-GB" dirty="0"/>
+          </a:p>
+        </p:txBody>
+      </p:sp>
+      <p:cxnSp>
+        <p:nvCxnSpPr>
+          <p:cNvPr id="17" name="Connettore 2 16"/>
+          <p:cNvCxnSpPr>
+            <a:stCxn id="16" idx="1"/>
+          </p:cNvCxnSpPr>
+          <p:nvPr/>
+        </p:nvCxnSpPr>
+        <p:spPr>
+          <a:xfrm flipH="1">
+            <a:off x="4211960" y="4185084"/>
+            <a:ext cx="1224136" cy="396044"/>
+          </a:xfrm>
+          <a:prstGeom prst="straightConnector1">
+            <a:avLst/>
+          </a:prstGeom>
+          <a:ln>
+            <a:tailEnd type="arrow"/>
+          </a:ln>
+        </p:spPr>
+        <p:style>
+          <a:lnRef idx="1">
+            <a:schemeClr val="accent1"/>
+          </a:lnRef>
+          <a:fillRef idx="0">
+            <a:schemeClr val="accent1"/>
+          </a:fillRef>
+          <a:effectRef idx="0">
+            <a:schemeClr val="accent1"/>
+          </a:effectRef>
+          <a:fontRef idx="minor">
+            <a:schemeClr val="tx1"/>
+          </a:fontRef>
+        </p:style>
+      </p:cxnSp>
+      <p:sp>
+        <p:nvSpPr>
+          <p:cNvPr id="18" name="Rettangolo 17"/>
+          <p:cNvSpPr/>
+          <p:nvPr/>
+        </p:nvSpPr>
+        <p:spPr>
+          <a:xfrm>
+            <a:off x="107504" y="4725145"/>
+            <a:ext cx="1619672" cy="311630"/>
+          </a:xfrm>
+          <a:prstGeom prst="rect">
+            <a:avLst/>
+          </a:prstGeom>
+          <a:ln>
+            <a:solidFill>
+              <a:schemeClr val="bg1"/>
+            </a:solidFill>
+          </a:ln>
+        </p:spPr>
+        <p:style>
+          <a:lnRef idx="2">
+            <a:schemeClr val="accent5"/>
+          </a:lnRef>
+          <a:fillRef idx="1">
+            <a:schemeClr val="lt1"/>
+          </a:fillRef>
+          <a:effectRef idx="0">
+            <a:schemeClr val="accent5"/>
+          </a:effectRef>
+          <a:fontRef idx="minor">
+            <a:schemeClr val="dk1"/>
+          </a:fontRef>
+        </p:style>
+        <p:txBody>
+          <a:bodyPr rtlCol="0" anchor="ctr"/>
+          <a:lstStyle/>
+          <a:p>
+            <a:pPr algn="ctr"/>
+            <a:endParaRPr lang="en-GB"/>
+          </a:p>
+        </p:txBody>
+      </p:sp>
+    </p:spTree>
+    <p:extLst>
+      <p:ext uri="{BB962C8B-B14F-4D97-AF65-F5344CB8AC3E}">
+        <p14:creationId xmlns:p14="http://schemas.microsoft.com/office/powerpoint/2010/main" val="1461316647"/>
+      </p:ext>
+    </p:extLst>
+  </p:cSld>
+  <p:clrMapOvr>
+    <a:masterClrMapping/>
+  </p:clrMapOvr>
+</p:sld>
+</file>
+
+<file path=ppt/slides/slide23.xml><?xml version="1.0" encoding="utf-8"?>
+<p:sld xmlns:a="http://schemas.openxmlformats.org/drawingml/2006/main" xmlns:r="http://schemas.openxmlformats.org/officeDocument/2006/relationships" xmlns:p="http://schemas.openxmlformats.org/presentationml/2006/main">
+  <p:cSld>
+    <p:spTree>
+      <p:nvGrpSpPr>
+        <p:cNvPr id="1" name=""/>
+        <p:cNvGrpSpPr/>
+        <p:nvPr/>
+      </p:nvGrpSpPr>
+      <p:grpSpPr>
+        <a:xfrm>
+          <a:off x="0" y="0"/>
+          <a:ext cx="0" cy="0"/>
+          <a:chOff x="0" y="0"/>
+          <a:chExt cx="0" cy="0"/>
+        </a:xfrm>
+      </p:grpSpPr>
+      <p:pic>
+        <p:nvPicPr>
+          <p:cNvPr id="3074" name="Picture 2"/>
+          <p:cNvPicPr>
+            <a:picLocks noChangeAspect="1" noChangeArrowheads="1"/>
+          </p:cNvPicPr>
+          <p:nvPr/>
+        </p:nvPicPr>
+        <p:blipFill>
+          <a:blip r:embed="rId2">
+            <a:extLst>
+              <a:ext uri="{28A0092B-C50C-407E-A947-70E740481C1C}">
+                <a14:useLocalDpi xmlns:a14="http://schemas.microsoft.com/office/drawing/2010/main" val="0"/>
+              </a:ext>
+            </a:extLst>
+          </a:blip>
+          <a:srcRect/>
+          <a:stretch>
+            <a:fillRect/>
+          </a:stretch>
+        </p:blipFill>
+        <p:spPr bwMode="auto">
+          <a:xfrm>
+            <a:off x="1252538" y="600075"/>
+            <a:ext cx="6638925" cy="5657850"/>
+          </a:xfrm>
+          <a:prstGeom prst="rect">
+            <a:avLst/>
+          </a:prstGeom>
+          <a:noFill/>
+          <a:ln>
+            <a:noFill/>
+          </a:ln>
+          <a:extLst>
+            <a:ext uri="{909E8E84-426E-40DD-AFC4-6F175D3DCCD1}">
+              <a14:hiddenFill xmlns:a14="http://schemas.microsoft.com/office/drawing/2010/main">
+                <a:solidFill>
+                  <a:schemeClr val="accent1"/>
+                </a:solidFill>
+              </a14:hiddenFill>
+            </a:ext>
+            <a:ext uri="{91240B29-F687-4F45-9708-019B960494DF}">
+              <a14:hiddenLine xmlns:a14="http://schemas.microsoft.com/office/drawing/2010/main" w="9525">
+                <a:solidFill>
+                  <a:schemeClr val="tx1"/>
+                </a:solidFill>
+                <a:miter lim="800000"/>
+                <a:headEnd/>
+                <a:tailEnd/>
+              </a14:hiddenLine>
+            </a:ext>
+          </a:extLst>
+        </p:spPr>
+      </p:pic>
+    </p:spTree>
+    <p:extLst>
+      <p:ext uri="{BB962C8B-B14F-4D97-AF65-F5344CB8AC3E}">
         <p14:creationId xmlns:p14="http://schemas.microsoft.com/office/powerpoint/2010/main" val="3157537335"/>
       </p:ext>
     </p:extLst>
@@ -21325,7 +26167,7 @@
 </p:sld>
 </file>
 
-<file path=ppt/slides/slide22.xml><?xml version="1.0" encoding="utf-8"?>
+<file path=ppt/slides/slide24.xml><?xml version="1.0" encoding="utf-8"?>
 <p:sld xmlns:a="http://schemas.openxmlformats.org/drawingml/2006/main" xmlns:r="http://schemas.openxmlformats.org/officeDocument/2006/relationships" xmlns:p="http://schemas.openxmlformats.org/presentationml/2006/main">
   <p:cSld>
     <p:spTree>
@@ -25265,7 +30107,7 @@
           <p:cNvPr id="51" name="TextBox 50">
             <a:extLst>
               <a:ext uri="{FF2B5EF4-FFF2-40B4-BE49-F238E27FC236}">
-                <a16:creationId xmlns:a16="http://schemas.microsoft.com/office/drawing/2014/main" xmlns="" id="{38D92C47-6A24-433B-A9D7-48400DFBEE88}"/>
+                <a16:creationId xmlns="" xmlns:a16="http://schemas.microsoft.com/office/drawing/2014/main" id="{38D92C47-6A24-433B-A9D7-48400DFBEE88}"/>
               </a:ext>
             </a:extLst>
           </p:cNvPr>
@@ -25306,7 +30148,7 @@
           <p:cNvPr id="52" name="TextBox 51">
             <a:extLst>
               <a:ext uri="{FF2B5EF4-FFF2-40B4-BE49-F238E27FC236}">
-                <a16:creationId xmlns:a16="http://schemas.microsoft.com/office/drawing/2014/main" xmlns="" id="{46370455-EDDE-4BAF-A68F-1E721D22CFA3}"/>
+                <a16:creationId xmlns="" xmlns:a16="http://schemas.microsoft.com/office/drawing/2014/main" id="{46370455-EDDE-4BAF-A68F-1E721D22CFA3}"/>
               </a:ext>
             </a:extLst>
           </p:cNvPr>
@@ -25347,7 +30189,7 @@
           <p:cNvPr id="54" name="TextBox 53">
             <a:extLst>
               <a:ext uri="{FF2B5EF4-FFF2-40B4-BE49-F238E27FC236}">
-                <a16:creationId xmlns:a16="http://schemas.microsoft.com/office/drawing/2014/main" xmlns="" id="{1F0BD362-AB28-4ABC-B01D-E5FB51A4284F}"/>
+                <a16:creationId xmlns="" xmlns:a16="http://schemas.microsoft.com/office/drawing/2014/main" id="{1F0BD362-AB28-4ABC-B01D-E5FB51A4284F}"/>
               </a:ext>
             </a:extLst>
           </p:cNvPr>
@@ -25382,7 +30224,7 @@
           <p:cNvPr id="55" name="TextBox 54">
             <a:extLst>
               <a:ext uri="{FF2B5EF4-FFF2-40B4-BE49-F238E27FC236}">
-                <a16:creationId xmlns:a16="http://schemas.microsoft.com/office/drawing/2014/main" xmlns="" id="{66A6D040-E92F-405E-8F1C-224FD73DEB6A}"/>
+                <a16:creationId xmlns="" xmlns:a16="http://schemas.microsoft.com/office/drawing/2014/main" id="{66A6D040-E92F-405E-8F1C-224FD73DEB6A}"/>
               </a:ext>
             </a:extLst>
           </p:cNvPr>
@@ -25423,7 +30265,7 @@
           <p:cNvPr id="59" name="TextBox 58">
             <a:extLst>
               <a:ext uri="{FF2B5EF4-FFF2-40B4-BE49-F238E27FC236}">
-                <a16:creationId xmlns:a16="http://schemas.microsoft.com/office/drawing/2014/main" xmlns="" id="{8B737B46-BF72-4F50-880F-A81417342B9C}"/>
+                <a16:creationId xmlns="" xmlns:a16="http://schemas.microsoft.com/office/drawing/2014/main" id="{8B737B46-BF72-4F50-880F-A81417342B9C}"/>
               </a:ext>
             </a:extLst>
           </p:cNvPr>
@@ -25464,7 +30306,7 @@
           <p:cNvPr id="60" name="TextBox 59">
             <a:extLst>
               <a:ext uri="{FF2B5EF4-FFF2-40B4-BE49-F238E27FC236}">
-                <a16:creationId xmlns:a16="http://schemas.microsoft.com/office/drawing/2014/main" xmlns="" id="{635E5AB3-11BB-4188-A9F5-6624D8487908}"/>
+                <a16:creationId xmlns="" xmlns:a16="http://schemas.microsoft.com/office/drawing/2014/main" id="{635E5AB3-11BB-4188-A9F5-6624D8487908}"/>
               </a:ext>
             </a:extLst>
           </p:cNvPr>
@@ -27538,7 +32380,7 @@
           <p:cNvPr id="43" name="TextBox 42">
             <a:extLst>
               <a:ext uri="{FF2B5EF4-FFF2-40B4-BE49-F238E27FC236}">
-                <a16:creationId xmlns:a16="http://schemas.microsoft.com/office/drawing/2014/main" xmlns="" id="{C66D85E0-1A23-448C-9466-6DADEA26156A}"/>
+                <a16:creationId xmlns="" xmlns:a16="http://schemas.microsoft.com/office/drawing/2014/main" id="{C66D85E0-1A23-448C-9466-6DADEA26156A}"/>
               </a:ext>
             </a:extLst>
           </p:cNvPr>
@@ -27579,7 +32421,7 @@
           <p:cNvPr id="44" name="TextBox 43">
             <a:extLst>
               <a:ext uri="{FF2B5EF4-FFF2-40B4-BE49-F238E27FC236}">
-                <a16:creationId xmlns:a16="http://schemas.microsoft.com/office/drawing/2014/main" xmlns="" id="{73BB0B6F-DBD2-4682-88DA-A68E1C43C8EE}"/>
+                <a16:creationId xmlns="" xmlns:a16="http://schemas.microsoft.com/office/drawing/2014/main" id="{73BB0B6F-DBD2-4682-88DA-A68E1C43C8EE}"/>
               </a:ext>
             </a:extLst>
           </p:cNvPr>
@@ -27620,7 +32462,7 @@
           <p:cNvPr id="45" name="TextBox 44">
             <a:extLst>
               <a:ext uri="{FF2B5EF4-FFF2-40B4-BE49-F238E27FC236}">
-                <a16:creationId xmlns:a16="http://schemas.microsoft.com/office/drawing/2014/main" xmlns="" id="{06BB9D57-20AB-4911-8F91-1EAAD2C3D635}"/>
+                <a16:creationId xmlns="" xmlns:a16="http://schemas.microsoft.com/office/drawing/2014/main" id="{06BB9D57-20AB-4911-8F91-1EAAD2C3D635}"/>
               </a:ext>
             </a:extLst>
           </p:cNvPr>
@@ -27655,7 +32497,7 @@
           <p:cNvPr id="46" name="TextBox 45">
             <a:extLst>
               <a:ext uri="{FF2B5EF4-FFF2-40B4-BE49-F238E27FC236}">
-                <a16:creationId xmlns:a16="http://schemas.microsoft.com/office/drawing/2014/main" xmlns="" id="{6BDA7693-CA76-4C97-8FED-A4A65AB5032B}"/>
+                <a16:creationId xmlns="" xmlns:a16="http://schemas.microsoft.com/office/drawing/2014/main" id="{6BDA7693-CA76-4C97-8FED-A4A65AB5032B}"/>
               </a:ext>
             </a:extLst>
           </p:cNvPr>
@@ -27696,7 +32538,7 @@
           <p:cNvPr id="47" name="TextBox 46">
             <a:extLst>
               <a:ext uri="{FF2B5EF4-FFF2-40B4-BE49-F238E27FC236}">
-                <a16:creationId xmlns:a16="http://schemas.microsoft.com/office/drawing/2014/main" xmlns="" id="{F3FF60E3-5733-4A51-BB64-B5D227CFB6FE}"/>
+                <a16:creationId xmlns="" xmlns:a16="http://schemas.microsoft.com/office/drawing/2014/main" id="{F3FF60E3-5733-4A51-BB64-B5D227CFB6FE}"/>
               </a:ext>
             </a:extLst>
           </p:cNvPr>
@@ -27737,7 +32579,7 @@
           <p:cNvPr id="48" name="TextBox 47">
             <a:extLst>
               <a:ext uri="{FF2B5EF4-FFF2-40B4-BE49-F238E27FC236}">
-                <a16:creationId xmlns:a16="http://schemas.microsoft.com/office/drawing/2014/main" xmlns="" id="{6CFBFA02-2444-480B-B78F-A1A7AD55973E}"/>
+                <a16:creationId xmlns="" xmlns:a16="http://schemas.microsoft.com/office/drawing/2014/main" id="{6CFBFA02-2444-480B-B78F-A1A7AD55973E}"/>
               </a:ext>
             </a:extLst>
           </p:cNvPr>
@@ -28528,7 +33370,7 @@
           <p:cNvPr id="12" name="TextBox 45">
             <a:extLst>
               <a:ext uri="{FF2B5EF4-FFF2-40B4-BE49-F238E27FC236}">
-                <a16:creationId xmlns:a16="http://schemas.microsoft.com/office/drawing/2014/main" xmlns="" id="{6BDA7693-CA76-4C97-8FED-A4A65AB5032B}"/>
+                <a16:creationId xmlns="" xmlns:a16="http://schemas.microsoft.com/office/drawing/2014/main" id="{6BDA7693-CA76-4C97-8FED-A4A65AB5032B}"/>
               </a:ext>
             </a:extLst>
           </p:cNvPr>
@@ -29206,7 +34048,7 @@
           <p:cNvPr id="33" name="TextBox 45">
             <a:extLst>
               <a:ext uri="{FF2B5EF4-FFF2-40B4-BE49-F238E27FC236}">
-                <a16:creationId xmlns:a16="http://schemas.microsoft.com/office/drawing/2014/main" xmlns="" id="{6BDA7693-CA76-4C97-8FED-A4A65AB5032B}"/>
+                <a16:creationId xmlns="" xmlns:a16="http://schemas.microsoft.com/office/drawing/2014/main" id="{6BDA7693-CA76-4C97-8FED-A4A65AB5032B}"/>
               </a:ext>
             </a:extLst>
           </p:cNvPr>
@@ -29242,7 +34084,7 @@
           <p:cNvPr id="34" name="TextBox 45">
             <a:extLst>
               <a:ext uri="{FF2B5EF4-FFF2-40B4-BE49-F238E27FC236}">
-                <a16:creationId xmlns:a16="http://schemas.microsoft.com/office/drawing/2014/main" xmlns="" id="{6BDA7693-CA76-4C97-8FED-A4A65AB5032B}"/>
+                <a16:creationId xmlns="" xmlns:a16="http://schemas.microsoft.com/office/drawing/2014/main" id="{6BDA7693-CA76-4C97-8FED-A4A65AB5032B}"/>
               </a:ext>
             </a:extLst>
           </p:cNvPr>
@@ -29652,7 +34494,7 @@
           <p:cNvPr id="52" name="TextBox 45">
             <a:extLst>
               <a:ext uri="{FF2B5EF4-FFF2-40B4-BE49-F238E27FC236}">
-                <a16:creationId xmlns:a16="http://schemas.microsoft.com/office/drawing/2014/main" xmlns="" id="{6BDA7693-CA76-4C97-8FED-A4A65AB5032B}"/>
+                <a16:creationId xmlns="" xmlns:a16="http://schemas.microsoft.com/office/drawing/2014/main" id="{6BDA7693-CA76-4C97-8FED-A4A65AB5032B}"/>
               </a:ext>
             </a:extLst>
           </p:cNvPr>

--- a/health/userDocs/UniboFigs.pptx
+++ b/health/userDocs/UniboFigs.pptx
@@ -29,6 +29,7 @@
     <p:sldId id="274" r:id="rId23"/>
     <p:sldId id="275" r:id="rId24"/>
     <p:sldId id="276" r:id="rId25"/>
+    <p:sldId id="285" r:id="rId26"/>
   </p:sldIdLst>
   <p:sldSz cx="9144000" cy="6858000" type="screen4x3"/>
   <p:notesSz cx="6858000" cy="9144000"/>
@@ -129,7 +130,7 @@
   </p:defaultTextStyle>
   <p:extLst>
     <p:ext uri="{EFAFB233-063F-42B5-8137-9DF3F51BA10A}">
-      <p15:sldGuideLst xmlns="" xmlns:p15="http://schemas.microsoft.com/office/powerpoint/2012/main">
+      <p15:sldGuideLst xmlns:p15="http://schemas.microsoft.com/office/powerpoint/2012/main" xmlns="">
         <p15:guide id="1" orient="horz" pos="2160">
           <p15:clr>
             <a:srgbClr val="A4A3A4"/>
@@ -6176,7 +6177,7 @@
           <p:cNvPr id="12" name="TextBox 45">
             <a:extLst>
               <a:ext uri="{FF2B5EF4-FFF2-40B4-BE49-F238E27FC236}">
-                <a16:creationId xmlns="" xmlns:a16="http://schemas.microsoft.com/office/drawing/2014/main" id="{6BDA7693-CA76-4C97-8FED-A4A65AB5032B}"/>
+                <a16:creationId xmlns:a16="http://schemas.microsoft.com/office/drawing/2014/main" xmlns="" id="{6BDA7693-CA76-4C97-8FED-A4A65AB5032B}"/>
               </a:ext>
             </a:extLst>
           </p:cNvPr>
@@ -7724,7 +7725,7 @@
           <p:cNvPr id="12" name="TextBox 45">
             <a:extLst>
               <a:ext uri="{FF2B5EF4-FFF2-40B4-BE49-F238E27FC236}">
-                <a16:creationId xmlns="" xmlns:a16="http://schemas.microsoft.com/office/drawing/2014/main" id="{6BDA7693-CA76-4C97-8FED-A4A65AB5032B}"/>
+                <a16:creationId xmlns:a16="http://schemas.microsoft.com/office/drawing/2014/main" xmlns="" id="{6BDA7693-CA76-4C97-8FED-A4A65AB5032B}"/>
               </a:ext>
             </a:extLst>
           </p:cNvPr>
@@ -9737,7 +9738,7 @@
           <p:cNvPr id="6" name="TextBox 45">
             <a:extLst>
               <a:ext uri="{FF2B5EF4-FFF2-40B4-BE49-F238E27FC236}">
-                <a16:creationId xmlns="" xmlns:a16="http://schemas.microsoft.com/office/drawing/2014/main" id="{6BDA7693-CA76-4C97-8FED-A4A65AB5032B}"/>
+                <a16:creationId xmlns:a16="http://schemas.microsoft.com/office/drawing/2014/main" xmlns="" id="{6BDA7693-CA76-4C97-8FED-A4A65AB5032B}"/>
               </a:ext>
             </a:extLst>
           </p:cNvPr>
@@ -10245,7 +10246,7 @@
           <p:cNvPr id="27" name="TextBox 45">
             <a:extLst>
               <a:ext uri="{FF2B5EF4-FFF2-40B4-BE49-F238E27FC236}">
-                <a16:creationId xmlns="" xmlns:a16="http://schemas.microsoft.com/office/drawing/2014/main" id="{6BDA7693-CA76-4C97-8FED-A4A65AB5032B}"/>
+                <a16:creationId xmlns:a16="http://schemas.microsoft.com/office/drawing/2014/main" xmlns="" id="{6BDA7693-CA76-4C97-8FED-A4A65AB5032B}"/>
               </a:ext>
             </a:extLst>
           </p:cNvPr>
@@ -10281,7 +10282,7 @@
           <p:cNvPr id="28" name="TextBox 45">
             <a:extLst>
               <a:ext uri="{FF2B5EF4-FFF2-40B4-BE49-F238E27FC236}">
-                <a16:creationId xmlns="" xmlns:a16="http://schemas.microsoft.com/office/drawing/2014/main" id="{6BDA7693-CA76-4C97-8FED-A4A65AB5032B}"/>
+                <a16:creationId xmlns:a16="http://schemas.microsoft.com/office/drawing/2014/main" xmlns="" id="{6BDA7693-CA76-4C97-8FED-A4A65AB5032B}"/>
               </a:ext>
             </a:extLst>
           </p:cNvPr>
@@ -11829,7 +11830,7 @@
           <p:cNvPr id="6" name="TextBox 45">
             <a:extLst>
               <a:ext uri="{FF2B5EF4-FFF2-40B4-BE49-F238E27FC236}">
-                <a16:creationId xmlns="" xmlns:a16="http://schemas.microsoft.com/office/drawing/2014/main" id="{6BDA7693-CA76-4C97-8FED-A4A65AB5032B}"/>
+                <a16:creationId xmlns:a16="http://schemas.microsoft.com/office/drawing/2014/main" xmlns="" id="{6BDA7693-CA76-4C97-8FED-A4A65AB5032B}"/>
               </a:ext>
             </a:extLst>
           </p:cNvPr>
@@ -13361,7 +13362,7 @@
           <p:cNvPr id="6" name="TextBox 45">
             <a:extLst>
               <a:ext uri="{FF2B5EF4-FFF2-40B4-BE49-F238E27FC236}">
-                <a16:creationId xmlns="" xmlns:a16="http://schemas.microsoft.com/office/drawing/2014/main" id="{6BDA7693-CA76-4C97-8FED-A4A65AB5032B}"/>
+                <a16:creationId xmlns:a16="http://schemas.microsoft.com/office/drawing/2014/main" xmlns="" id="{6BDA7693-CA76-4C97-8FED-A4A65AB5032B}"/>
               </a:ext>
             </a:extLst>
           </p:cNvPr>
@@ -14786,7 +14787,7 @@
           <p:cNvPr id="2" name="TextBox 45">
             <a:extLst>
               <a:ext uri="{FF2B5EF4-FFF2-40B4-BE49-F238E27FC236}">
-                <a16:creationId xmlns="" xmlns:a16="http://schemas.microsoft.com/office/drawing/2014/main" id="{6BDA7693-CA76-4C97-8FED-A4A65AB5032B}"/>
+                <a16:creationId xmlns:a16="http://schemas.microsoft.com/office/drawing/2014/main" xmlns="" id="{6BDA7693-CA76-4C97-8FED-A4A65AB5032B}"/>
               </a:ext>
             </a:extLst>
           </p:cNvPr>
@@ -15757,7 +15758,7 @@
           <p:cNvPr id="34" name="TextBox 45">
             <a:extLst>
               <a:ext uri="{FF2B5EF4-FFF2-40B4-BE49-F238E27FC236}">
-                <a16:creationId xmlns="" xmlns:a16="http://schemas.microsoft.com/office/drawing/2014/main" id="{6BDA7693-CA76-4C97-8FED-A4A65AB5032B}"/>
+                <a16:creationId xmlns:a16="http://schemas.microsoft.com/office/drawing/2014/main" xmlns="" id="{6BDA7693-CA76-4C97-8FED-A4A65AB5032B}"/>
               </a:ext>
             </a:extLst>
           </p:cNvPr>
@@ -17373,7 +17374,7 @@
           <p:cNvPr id="2" name="TextBox 45">
             <a:extLst>
               <a:ext uri="{FF2B5EF4-FFF2-40B4-BE49-F238E27FC236}">
-                <a16:creationId xmlns="" xmlns:a16="http://schemas.microsoft.com/office/drawing/2014/main" id="{6BDA7693-CA76-4C97-8FED-A4A65AB5032B}"/>
+                <a16:creationId xmlns:a16="http://schemas.microsoft.com/office/drawing/2014/main" xmlns="" id="{6BDA7693-CA76-4C97-8FED-A4A65AB5032B}"/>
               </a:ext>
             </a:extLst>
           </p:cNvPr>
@@ -18123,7 +18124,7 @@
           <p:cNvPr id="34" name="TextBox 45">
             <a:extLst>
               <a:ext uri="{FF2B5EF4-FFF2-40B4-BE49-F238E27FC236}">
-                <a16:creationId xmlns="" xmlns:a16="http://schemas.microsoft.com/office/drawing/2014/main" id="{6BDA7693-CA76-4C97-8FED-A4A65AB5032B}"/>
+                <a16:creationId xmlns:a16="http://schemas.microsoft.com/office/drawing/2014/main" xmlns="" id="{6BDA7693-CA76-4C97-8FED-A4A65AB5032B}"/>
               </a:ext>
             </a:extLst>
           </p:cNvPr>
@@ -19486,7 +19487,7 @@
           <p:cNvPr id="114" name="TextBox 45">
             <a:extLst>
               <a:ext uri="{FF2B5EF4-FFF2-40B4-BE49-F238E27FC236}">
-                <a16:creationId xmlns="" xmlns:a16="http://schemas.microsoft.com/office/drawing/2014/main" id="{6BDA7693-CA76-4C97-8FED-A4A65AB5032B}"/>
+                <a16:creationId xmlns:a16="http://schemas.microsoft.com/office/drawing/2014/main" xmlns="" id="{6BDA7693-CA76-4C97-8FED-A4A65AB5032B}"/>
               </a:ext>
             </a:extLst>
           </p:cNvPr>
@@ -19660,7 +19661,7 @@
           <p:cNvPr id="2" name="TextBox 45">
             <a:extLst>
               <a:ext uri="{FF2B5EF4-FFF2-40B4-BE49-F238E27FC236}">
-                <a16:creationId xmlns="" xmlns:a16="http://schemas.microsoft.com/office/drawing/2014/main" id="{6BDA7693-CA76-4C97-8FED-A4A65AB5032B}"/>
+                <a16:creationId xmlns:a16="http://schemas.microsoft.com/office/drawing/2014/main" xmlns="" id="{6BDA7693-CA76-4C97-8FED-A4A65AB5032B}"/>
               </a:ext>
             </a:extLst>
           </p:cNvPr>
@@ -20599,7 +20600,7 @@
           <p:cNvPr id="114" name="TextBox 45">
             <a:extLst>
               <a:ext uri="{FF2B5EF4-FFF2-40B4-BE49-F238E27FC236}">
-                <a16:creationId xmlns="" xmlns:a16="http://schemas.microsoft.com/office/drawing/2014/main" id="{6BDA7693-CA76-4C97-8FED-A4A65AB5032B}"/>
+                <a16:creationId xmlns:a16="http://schemas.microsoft.com/office/drawing/2014/main" xmlns="" id="{6BDA7693-CA76-4C97-8FED-A4A65AB5032B}"/>
               </a:ext>
             </a:extLst>
           </p:cNvPr>
@@ -20770,11 +20771,7 @@
           <a:p>
             <a:r>
               <a:rPr lang="it-IT" dirty="0" smtClean="0"/>
-              <a:t>FHIR </a:t>
-            </a:r>
-            <a:r>
-              <a:rPr lang="it-IT" dirty="0" smtClean="0"/>
-              <a:t>server</a:t>
+              <a:t>FHIR server</a:t>
             </a:r>
             <a:endParaRPr lang="en-GB" dirty="0"/>
           </a:p>
@@ -21045,11 +21042,7 @@
             </a:r>
             <a:r>
               <a:rPr lang="it-IT" dirty="0" smtClean="0"/>
-              <a:t> </a:t>
-            </a:r>
-            <a:r>
-              <a:rPr lang="it-IT" dirty="0" smtClean="0"/>
-              <a:t>with HL7</a:t>
+              <a:t> with HL7</a:t>
             </a:r>
             <a:endParaRPr lang="en-GB" dirty="0"/>
           </a:p>
@@ -21278,7 +21271,6 @@
               <a:rPr lang="it-IT" dirty="0" smtClean="0"/>
               <a:t>TCP/HTTP</a:t>
             </a:r>
-            <a:endParaRPr lang="it-IT" dirty="0" smtClean="0"/>
           </a:p>
         </p:txBody>
       </p:sp>
@@ -22135,7 +22127,7 @@
           <p:cNvPr id="2" name="TextBox 45">
             <a:extLst>
               <a:ext uri="{FF2B5EF4-FFF2-40B4-BE49-F238E27FC236}">
-                <a16:creationId xmlns="" xmlns:a16="http://schemas.microsoft.com/office/drawing/2014/main" id="{6BDA7693-CA76-4C97-8FED-A4A65AB5032B}"/>
+                <a16:creationId xmlns:a16="http://schemas.microsoft.com/office/drawing/2014/main" xmlns="" id="{6BDA7693-CA76-4C97-8FED-A4A65AB5032B}"/>
               </a:ext>
             </a:extLst>
           </p:cNvPr>
@@ -23714,7 +23706,7 @@
           <p:cNvPr id="2" name="TextBox 45">
             <a:extLst>
               <a:ext uri="{FF2B5EF4-FFF2-40B4-BE49-F238E27FC236}">
-                <a16:creationId xmlns="" xmlns:a16="http://schemas.microsoft.com/office/drawing/2014/main" id="{6BDA7693-CA76-4C97-8FED-A4A65AB5032B}"/>
+                <a16:creationId xmlns:a16="http://schemas.microsoft.com/office/drawing/2014/main" xmlns="" id="{6BDA7693-CA76-4C97-8FED-A4A65AB5032B}"/>
               </a:ext>
             </a:extLst>
           </p:cNvPr>
@@ -24707,7 +24699,7 @@
           <p:cNvPr id="114" name="TextBox 45">
             <a:extLst>
               <a:ext uri="{FF2B5EF4-FFF2-40B4-BE49-F238E27FC236}">
-                <a16:creationId xmlns="" xmlns:a16="http://schemas.microsoft.com/office/drawing/2014/main" id="{6BDA7693-CA76-4C97-8FED-A4A65AB5032B}"/>
+                <a16:creationId xmlns:a16="http://schemas.microsoft.com/office/drawing/2014/main" xmlns="" id="{6BDA7693-CA76-4C97-8FED-A4A65AB5032B}"/>
               </a:ext>
             </a:extLst>
           </p:cNvPr>
@@ -24970,11 +24962,6 @@
               </a:rPr>
               <a:t>/API</a:t>
             </a:r>
-            <a:endParaRPr lang="en-GB" sz="1600" b="1" dirty="0" smtClean="0">
-              <a:solidFill>
-                <a:srgbClr val="0070C0"/>
-              </a:solidFill>
-            </a:endParaRPr>
           </a:p>
           <a:p>
             <a:r>
@@ -26242,6 +26229,495 @@
     <p:extLst>
       <p:ext uri="{BB962C8B-B14F-4D97-AF65-F5344CB8AC3E}">
         <p14:creationId xmlns:p14="http://schemas.microsoft.com/office/powerpoint/2010/main" val="1958561616"/>
+      </p:ext>
+    </p:extLst>
+  </p:cSld>
+  <p:clrMapOvr>
+    <a:masterClrMapping/>
+  </p:clrMapOvr>
+</p:sld>
+</file>
+
+<file path=ppt/slides/slide25.xml><?xml version="1.0" encoding="utf-8"?>
+<p:sld xmlns:a="http://schemas.openxmlformats.org/drawingml/2006/main" xmlns:r="http://schemas.openxmlformats.org/officeDocument/2006/relationships" xmlns:p="http://schemas.openxmlformats.org/presentationml/2006/main">
+  <p:cSld>
+    <p:spTree>
+      <p:nvGrpSpPr>
+        <p:cNvPr id="1" name=""/>
+        <p:cNvGrpSpPr/>
+        <p:nvPr/>
+      </p:nvGrpSpPr>
+      <p:grpSpPr>
+        <a:xfrm>
+          <a:off x="0" y="0"/>
+          <a:ext cx="0" cy="0"/>
+          <a:chOff x="0" y="0"/>
+          <a:chExt cx="0" cy="0"/>
+        </a:xfrm>
+      </p:grpSpPr>
+      <p:sp>
+        <p:nvSpPr>
+          <p:cNvPr id="4" name="Ovale 3"/>
+          <p:cNvSpPr/>
+          <p:nvPr/>
+        </p:nvSpPr>
+        <p:spPr>
+          <a:xfrm>
+            <a:off x="3419872" y="1124744"/>
+            <a:ext cx="2572409" cy="2088232"/>
+          </a:xfrm>
+          <a:prstGeom prst="ellipse">
+            <a:avLst/>
+          </a:prstGeom>
+        </p:spPr>
+        <p:style>
+          <a:lnRef idx="1">
+            <a:schemeClr val="accent6"/>
+          </a:lnRef>
+          <a:fillRef idx="2">
+            <a:schemeClr val="accent6"/>
+          </a:fillRef>
+          <a:effectRef idx="1">
+            <a:schemeClr val="accent6"/>
+          </a:effectRef>
+          <a:fontRef idx="minor">
+            <a:schemeClr val="dk1"/>
+          </a:fontRef>
+        </p:style>
+        <p:txBody>
+          <a:bodyPr rtlCol="0" anchor="ctr"/>
+          <a:lstStyle/>
+          <a:p>
+            <a:endParaRPr lang="en-GB" dirty="0"/>
+          </a:p>
+        </p:txBody>
+      </p:sp>
+      <p:sp>
+        <p:nvSpPr>
+          <p:cNvPr id="2" name="Ovale 1"/>
+          <p:cNvSpPr/>
+          <p:nvPr/>
+        </p:nvSpPr>
+        <p:spPr>
+          <a:xfrm>
+            <a:off x="3563888" y="1556792"/>
+            <a:ext cx="2448272" cy="2232248"/>
+          </a:xfrm>
+          <a:prstGeom prst="ellipse">
+            <a:avLst/>
+          </a:prstGeom>
+        </p:spPr>
+        <p:style>
+          <a:lnRef idx="1">
+            <a:schemeClr val="accent5"/>
+          </a:lnRef>
+          <a:fillRef idx="2">
+            <a:schemeClr val="accent5"/>
+          </a:fillRef>
+          <a:effectRef idx="1">
+            <a:schemeClr val="accent5"/>
+          </a:effectRef>
+          <a:fontRef idx="minor">
+            <a:schemeClr val="dk1"/>
+          </a:fontRef>
+        </p:style>
+        <p:txBody>
+          <a:bodyPr rtlCol="0" anchor="ctr"/>
+          <a:lstStyle/>
+          <a:p>
+            <a:r>
+              <a:rPr lang="it-IT" dirty="0" smtClean="0"/>
+              <a:t>FHIR</a:t>
+            </a:r>
+            <a:endParaRPr lang="en-GB" dirty="0"/>
+          </a:p>
+        </p:txBody>
+      </p:sp>
+      <p:sp>
+        <p:nvSpPr>
+          <p:cNvPr id="3" name="Ovale 2"/>
+          <p:cNvSpPr/>
+          <p:nvPr/>
+        </p:nvSpPr>
+        <p:spPr>
+          <a:xfrm>
+            <a:off x="4541966" y="2156788"/>
+            <a:ext cx="1446371" cy="1289698"/>
+          </a:xfrm>
+          <a:prstGeom prst="ellipse">
+            <a:avLst/>
+          </a:prstGeom>
+        </p:spPr>
+        <p:style>
+          <a:lnRef idx="1">
+            <a:schemeClr val="accent4"/>
+          </a:lnRef>
+          <a:fillRef idx="2">
+            <a:schemeClr val="accent4"/>
+          </a:fillRef>
+          <a:effectRef idx="1">
+            <a:schemeClr val="accent4"/>
+          </a:effectRef>
+          <a:fontRef idx="minor">
+            <a:schemeClr val="dk1"/>
+          </a:fontRef>
+        </p:style>
+        <p:txBody>
+          <a:bodyPr rtlCol="0" anchor="ctr"/>
+          <a:lstStyle/>
+          <a:p>
+            <a:pPr algn="ctr"/>
+            <a:r>
+              <a:rPr lang="it-IT" dirty="0" smtClean="0"/>
+              <a:t>HL7v23</a:t>
+            </a:r>
+            <a:endParaRPr lang="en-GB" dirty="0"/>
+          </a:p>
+        </p:txBody>
+      </p:sp>
+      <p:sp>
+        <p:nvSpPr>
+          <p:cNvPr id="5" name="CasellaDiTesto 4"/>
+          <p:cNvSpPr txBox="1"/>
+          <p:nvPr/>
+        </p:nvSpPr>
+        <p:spPr>
+          <a:xfrm>
+            <a:off x="4087797" y="1195963"/>
+            <a:ext cx="1236557" cy="369332"/>
+          </a:xfrm>
+          <a:prstGeom prst="rect">
+            <a:avLst/>
+          </a:prstGeom>
+          <a:noFill/>
+        </p:spPr>
+        <p:txBody>
+          <a:bodyPr wrap="none" rtlCol="0">
+            <a:spAutoFit/>
+          </a:bodyPr>
+          <a:lstStyle/>
+          <a:p>
+            <a:r>
+              <a:rPr lang="it-IT" dirty="0" err="1" smtClean="0"/>
+              <a:t>ITelDomain</a:t>
+            </a:r>
+            <a:endParaRPr lang="en-GB" dirty="0"/>
+          </a:p>
+        </p:txBody>
+      </p:sp>
+      <p:sp>
+        <p:nvSpPr>
+          <p:cNvPr id="6" name="CasellaDiTesto 5"/>
+          <p:cNvSpPr txBox="1"/>
+          <p:nvPr/>
+        </p:nvSpPr>
+        <p:spPr>
+          <a:xfrm>
+            <a:off x="6723109" y="260648"/>
+            <a:ext cx="2260940" cy="369332"/>
+          </a:xfrm>
+          <a:prstGeom prst="rect">
+            <a:avLst/>
+          </a:prstGeom>
+          <a:noFill/>
+        </p:spPr>
+        <p:txBody>
+          <a:bodyPr wrap="none" rtlCol="0">
+            <a:spAutoFit/>
+          </a:bodyPr>
+          <a:lstStyle/>
+          <a:p>
+            <a:r>
+              <a:rPr lang="it-IT" dirty="0" smtClean="0"/>
+              <a:t>RER/</a:t>
+            </a:r>
+            <a:r>
+              <a:rPr lang="it-IT" dirty="0" err="1" smtClean="0"/>
+              <a:t>Italy</a:t>
+            </a:r>
+            <a:r>
+              <a:rPr lang="it-IT" dirty="0" smtClean="0"/>
+              <a:t>/CEE Domain</a:t>
+            </a:r>
+            <a:endParaRPr lang="en-GB" dirty="0"/>
+          </a:p>
+        </p:txBody>
+      </p:sp>
+      <p:sp>
+        <p:nvSpPr>
+          <p:cNvPr id="7" name="CasellaDiTesto 6"/>
+          <p:cNvSpPr txBox="1"/>
+          <p:nvPr/>
+        </p:nvSpPr>
+        <p:spPr>
+          <a:xfrm>
+            <a:off x="858421" y="3123320"/>
+            <a:ext cx="3538726" cy="646331"/>
+          </a:xfrm>
+          <a:prstGeom prst="rect">
+            <a:avLst/>
+          </a:prstGeom>
+        </p:spPr>
+        <p:style>
+          <a:lnRef idx="1">
+            <a:schemeClr val="accent2"/>
+          </a:lnRef>
+          <a:fillRef idx="2">
+            <a:schemeClr val="accent2"/>
+          </a:fillRef>
+          <a:effectRef idx="1">
+            <a:schemeClr val="accent2"/>
+          </a:effectRef>
+          <a:fontRef idx="minor">
+            <a:schemeClr val="dk1"/>
+          </a:fontRef>
+        </p:style>
+        <p:txBody>
+          <a:bodyPr wrap="none" rtlCol="0">
+            <a:spAutoFit/>
+          </a:bodyPr>
+          <a:lstStyle/>
+          <a:p>
+            <a:r>
+              <a:rPr lang="it-IT" dirty="0" smtClean="0"/>
+              <a:t>«Leggere» FHIR alla luce </a:t>
+            </a:r>
+          </a:p>
+          <a:p>
+            <a:r>
+              <a:rPr lang="it-IT" dirty="0" smtClean="0"/>
+              <a:t>dei processi / protocolli che ipotizza</a:t>
+            </a:r>
+            <a:endParaRPr lang="en-GB" dirty="0"/>
+          </a:p>
+        </p:txBody>
+      </p:sp>
+      <p:cxnSp>
+        <p:nvCxnSpPr>
+          <p:cNvPr id="9" name="Connettore 4 8"/>
+          <p:cNvCxnSpPr>
+            <a:stCxn id="7" idx="0"/>
+            <a:endCxn id="4" idx="2"/>
+          </p:cNvCxnSpPr>
+          <p:nvPr/>
+        </p:nvCxnSpPr>
+        <p:spPr>
+          <a:xfrm rot="5400000" flipH="1" flipV="1">
+            <a:off x="2546598" y="2250046"/>
+            <a:ext cx="954460" cy="792088"/>
+          </a:xfrm>
+          <a:prstGeom prst="bentConnector2">
+            <a:avLst/>
+          </a:prstGeom>
+          <a:ln>
+            <a:tailEnd type="arrow"/>
+          </a:ln>
+        </p:spPr>
+        <p:style>
+          <a:lnRef idx="1">
+            <a:schemeClr val="accent1"/>
+          </a:lnRef>
+          <a:fillRef idx="0">
+            <a:schemeClr val="accent1"/>
+          </a:fillRef>
+          <a:effectRef idx="0">
+            <a:schemeClr val="accent1"/>
+          </a:effectRef>
+          <a:fontRef idx="minor">
+            <a:schemeClr val="tx1"/>
+          </a:fontRef>
+        </p:style>
+      </p:cxnSp>
+      <p:sp>
+        <p:nvSpPr>
+          <p:cNvPr id="15" name="Ovale 14"/>
+          <p:cNvSpPr/>
+          <p:nvPr/>
+        </p:nvSpPr>
+        <p:spPr>
+          <a:xfrm>
+            <a:off x="4764201" y="4181768"/>
+            <a:ext cx="2448272" cy="2232248"/>
+          </a:xfrm>
+          <a:prstGeom prst="ellipse">
+            <a:avLst/>
+          </a:prstGeom>
+        </p:spPr>
+        <p:style>
+          <a:lnRef idx="1">
+            <a:schemeClr val="accent5"/>
+          </a:lnRef>
+          <a:fillRef idx="2">
+            <a:schemeClr val="accent5"/>
+          </a:fillRef>
+          <a:effectRef idx="1">
+            <a:schemeClr val="accent5"/>
+          </a:effectRef>
+          <a:fontRef idx="minor">
+            <a:schemeClr val="dk1"/>
+          </a:fontRef>
+        </p:style>
+        <p:txBody>
+          <a:bodyPr rtlCol="0" anchor="ctr"/>
+          <a:lstStyle/>
+          <a:p>
+            <a:r>
+              <a:rPr lang="it-IT" dirty="0" smtClean="0"/>
+              <a:t>FHIR</a:t>
+            </a:r>
+            <a:endParaRPr lang="en-GB" dirty="0"/>
+          </a:p>
+        </p:txBody>
+      </p:sp>
+      <p:sp>
+        <p:nvSpPr>
+          <p:cNvPr id="16" name="Ovale 15"/>
+          <p:cNvSpPr/>
+          <p:nvPr/>
+        </p:nvSpPr>
+        <p:spPr>
+          <a:xfrm>
+            <a:off x="5742279" y="4781764"/>
+            <a:ext cx="1446371" cy="1289698"/>
+          </a:xfrm>
+          <a:prstGeom prst="ellipse">
+            <a:avLst/>
+          </a:prstGeom>
+        </p:spPr>
+        <p:style>
+          <a:lnRef idx="1">
+            <a:schemeClr val="accent4"/>
+          </a:lnRef>
+          <a:fillRef idx="2">
+            <a:schemeClr val="accent4"/>
+          </a:fillRef>
+          <a:effectRef idx="1">
+            <a:schemeClr val="accent4"/>
+          </a:effectRef>
+          <a:fontRef idx="minor">
+            <a:schemeClr val="dk1"/>
+          </a:fontRef>
+        </p:style>
+        <p:txBody>
+          <a:bodyPr rtlCol="0" anchor="ctr"/>
+          <a:lstStyle/>
+          <a:p>
+            <a:pPr algn="ctr"/>
+            <a:r>
+              <a:rPr lang="it-IT" dirty="0" smtClean="0"/>
+              <a:t>HL7v23</a:t>
+            </a:r>
+            <a:endParaRPr lang="en-GB" dirty="0"/>
+          </a:p>
+        </p:txBody>
+      </p:sp>
+      <p:sp>
+        <p:nvSpPr>
+          <p:cNvPr id="14" name="Ovale 13"/>
+          <p:cNvSpPr/>
+          <p:nvPr/>
+        </p:nvSpPr>
+        <p:spPr>
+          <a:xfrm>
+            <a:off x="5128700" y="4226584"/>
+            <a:ext cx="1800200" cy="1071308"/>
+          </a:xfrm>
+          <a:prstGeom prst="ellipse">
+            <a:avLst/>
+          </a:prstGeom>
+        </p:spPr>
+        <p:style>
+          <a:lnRef idx="1">
+            <a:schemeClr val="accent6"/>
+          </a:lnRef>
+          <a:fillRef idx="2">
+            <a:schemeClr val="accent6"/>
+          </a:fillRef>
+          <a:effectRef idx="1">
+            <a:schemeClr val="accent6"/>
+          </a:effectRef>
+          <a:fontRef idx="minor">
+            <a:schemeClr val="dk1"/>
+          </a:fontRef>
+        </p:style>
+        <p:txBody>
+          <a:bodyPr rtlCol="0" anchor="ctr"/>
+          <a:lstStyle/>
+          <a:p>
+            <a:endParaRPr lang="en-GB" dirty="0"/>
+          </a:p>
+        </p:txBody>
+      </p:sp>
+      <p:sp>
+        <p:nvSpPr>
+          <p:cNvPr id="17" name="CasellaDiTesto 16"/>
+          <p:cNvSpPr txBox="1"/>
+          <p:nvPr/>
+        </p:nvSpPr>
+        <p:spPr>
+          <a:xfrm>
+            <a:off x="5393881" y="4504646"/>
+            <a:ext cx="1236557" cy="369332"/>
+          </a:xfrm>
+          <a:prstGeom prst="rect">
+            <a:avLst/>
+          </a:prstGeom>
+          <a:noFill/>
+        </p:spPr>
+        <p:txBody>
+          <a:bodyPr wrap="none" rtlCol="0">
+            <a:spAutoFit/>
+          </a:bodyPr>
+          <a:lstStyle/>
+          <a:p>
+            <a:r>
+              <a:rPr lang="it-IT" dirty="0" err="1" smtClean="0"/>
+              <a:t>ITelDomain</a:t>
+            </a:r>
+            <a:endParaRPr lang="en-GB" dirty="0"/>
+          </a:p>
+        </p:txBody>
+      </p:sp>
+      <p:cxnSp>
+        <p:nvCxnSpPr>
+          <p:cNvPr id="18" name="Connettore 4 17"/>
+          <p:cNvCxnSpPr>
+            <a:stCxn id="7" idx="2"/>
+            <a:endCxn id="14" idx="2"/>
+          </p:cNvCxnSpPr>
+          <p:nvPr/>
+        </p:nvCxnSpPr>
+        <p:spPr>
+          <a:xfrm rot="16200000" flipH="1">
+            <a:off x="3381949" y="3015486"/>
+            <a:ext cx="992587" cy="2500916"/>
+          </a:xfrm>
+          <a:prstGeom prst="bentConnector2">
+            <a:avLst/>
+          </a:prstGeom>
+          <a:ln>
+            <a:tailEnd type="arrow"/>
+          </a:ln>
+        </p:spPr>
+        <p:style>
+          <a:lnRef idx="1">
+            <a:schemeClr val="accent1"/>
+          </a:lnRef>
+          <a:fillRef idx="0">
+            <a:schemeClr val="accent1"/>
+          </a:fillRef>
+          <a:effectRef idx="0">
+            <a:schemeClr val="accent1"/>
+          </a:effectRef>
+          <a:fontRef idx="minor">
+            <a:schemeClr val="tx1"/>
+          </a:fontRef>
+        </p:style>
+      </p:cxnSp>
+    </p:spTree>
+    <p:extLst>
+      <p:ext uri="{BB962C8B-B14F-4D97-AF65-F5344CB8AC3E}">
+        <p14:creationId xmlns:p14="http://schemas.microsoft.com/office/powerpoint/2010/main" val="204676631"/>
       </p:ext>
     </p:extLst>
   </p:cSld>
@@ -30107,7 +30583,7 @@
           <p:cNvPr id="51" name="TextBox 50">
             <a:extLst>
               <a:ext uri="{FF2B5EF4-FFF2-40B4-BE49-F238E27FC236}">
-                <a16:creationId xmlns="" xmlns:a16="http://schemas.microsoft.com/office/drawing/2014/main" id="{38D92C47-6A24-433B-A9D7-48400DFBEE88}"/>
+                <a16:creationId xmlns:a16="http://schemas.microsoft.com/office/drawing/2014/main" xmlns="" id="{38D92C47-6A24-433B-A9D7-48400DFBEE88}"/>
               </a:ext>
             </a:extLst>
           </p:cNvPr>
@@ -30148,7 +30624,7 @@
           <p:cNvPr id="52" name="TextBox 51">
             <a:extLst>
               <a:ext uri="{FF2B5EF4-FFF2-40B4-BE49-F238E27FC236}">
-                <a16:creationId xmlns="" xmlns:a16="http://schemas.microsoft.com/office/drawing/2014/main" id="{46370455-EDDE-4BAF-A68F-1E721D22CFA3}"/>
+                <a16:creationId xmlns:a16="http://schemas.microsoft.com/office/drawing/2014/main" xmlns="" id="{46370455-EDDE-4BAF-A68F-1E721D22CFA3}"/>
               </a:ext>
             </a:extLst>
           </p:cNvPr>
@@ -30189,7 +30665,7 @@
           <p:cNvPr id="54" name="TextBox 53">
             <a:extLst>
               <a:ext uri="{FF2B5EF4-FFF2-40B4-BE49-F238E27FC236}">
-                <a16:creationId xmlns="" xmlns:a16="http://schemas.microsoft.com/office/drawing/2014/main" id="{1F0BD362-AB28-4ABC-B01D-E5FB51A4284F}"/>
+                <a16:creationId xmlns:a16="http://schemas.microsoft.com/office/drawing/2014/main" xmlns="" id="{1F0BD362-AB28-4ABC-B01D-E5FB51A4284F}"/>
               </a:ext>
             </a:extLst>
           </p:cNvPr>
@@ -30224,7 +30700,7 @@
           <p:cNvPr id="55" name="TextBox 54">
             <a:extLst>
               <a:ext uri="{FF2B5EF4-FFF2-40B4-BE49-F238E27FC236}">
-                <a16:creationId xmlns="" xmlns:a16="http://schemas.microsoft.com/office/drawing/2014/main" id="{66A6D040-E92F-405E-8F1C-224FD73DEB6A}"/>
+                <a16:creationId xmlns:a16="http://schemas.microsoft.com/office/drawing/2014/main" xmlns="" id="{66A6D040-E92F-405E-8F1C-224FD73DEB6A}"/>
               </a:ext>
             </a:extLst>
           </p:cNvPr>
@@ -30265,7 +30741,7 @@
           <p:cNvPr id="59" name="TextBox 58">
             <a:extLst>
               <a:ext uri="{FF2B5EF4-FFF2-40B4-BE49-F238E27FC236}">
-                <a16:creationId xmlns="" xmlns:a16="http://schemas.microsoft.com/office/drawing/2014/main" id="{8B737B46-BF72-4F50-880F-A81417342B9C}"/>
+                <a16:creationId xmlns:a16="http://schemas.microsoft.com/office/drawing/2014/main" xmlns="" id="{8B737B46-BF72-4F50-880F-A81417342B9C}"/>
               </a:ext>
             </a:extLst>
           </p:cNvPr>
@@ -30306,7 +30782,7 @@
           <p:cNvPr id="60" name="TextBox 59">
             <a:extLst>
               <a:ext uri="{FF2B5EF4-FFF2-40B4-BE49-F238E27FC236}">
-                <a16:creationId xmlns="" xmlns:a16="http://schemas.microsoft.com/office/drawing/2014/main" id="{635E5AB3-11BB-4188-A9F5-6624D8487908}"/>
+                <a16:creationId xmlns:a16="http://schemas.microsoft.com/office/drawing/2014/main" xmlns="" id="{635E5AB3-11BB-4188-A9F5-6624D8487908}"/>
               </a:ext>
             </a:extLst>
           </p:cNvPr>
@@ -32380,7 +32856,7 @@
           <p:cNvPr id="43" name="TextBox 42">
             <a:extLst>
               <a:ext uri="{FF2B5EF4-FFF2-40B4-BE49-F238E27FC236}">
-                <a16:creationId xmlns="" xmlns:a16="http://schemas.microsoft.com/office/drawing/2014/main" id="{C66D85E0-1A23-448C-9466-6DADEA26156A}"/>
+                <a16:creationId xmlns:a16="http://schemas.microsoft.com/office/drawing/2014/main" xmlns="" id="{C66D85E0-1A23-448C-9466-6DADEA26156A}"/>
               </a:ext>
             </a:extLst>
           </p:cNvPr>
@@ -32421,7 +32897,7 @@
           <p:cNvPr id="44" name="TextBox 43">
             <a:extLst>
               <a:ext uri="{FF2B5EF4-FFF2-40B4-BE49-F238E27FC236}">
-                <a16:creationId xmlns="" xmlns:a16="http://schemas.microsoft.com/office/drawing/2014/main" id="{73BB0B6F-DBD2-4682-88DA-A68E1C43C8EE}"/>
+                <a16:creationId xmlns:a16="http://schemas.microsoft.com/office/drawing/2014/main" xmlns="" id="{73BB0B6F-DBD2-4682-88DA-A68E1C43C8EE}"/>
               </a:ext>
             </a:extLst>
           </p:cNvPr>
@@ -32462,7 +32938,7 @@
           <p:cNvPr id="45" name="TextBox 44">
             <a:extLst>
               <a:ext uri="{FF2B5EF4-FFF2-40B4-BE49-F238E27FC236}">
-                <a16:creationId xmlns="" xmlns:a16="http://schemas.microsoft.com/office/drawing/2014/main" id="{06BB9D57-20AB-4911-8F91-1EAAD2C3D635}"/>
+                <a16:creationId xmlns:a16="http://schemas.microsoft.com/office/drawing/2014/main" xmlns="" id="{06BB9D57-20AB-4911-8F91-1EAAD2C3D635}"/>
               </a:ext>
             </a:extLst>
           </p:cNvPr>
@@ -32497,7 +32973,7 @@
           <p:cNvPr id="46" name="TextBox 45">
             <a:extLst>
               <a:ext uri="{FF2B5EF4-FFF2-40B4-BE49-F238E27FC236}">
-                <a16:creationId xmlns="" xmlns:a16="http://schemas.microsoft.com/office/drawing/2014/main" id="{6BDA7693-CA76-4C97-8FED-A4A65AB5032B}"/>
+                <a16:creationId xmlns:a16="http://schemas.microsoft.com/office/drawing/2014/main" xmlns="" id="{6BDA7693-CA76-4C97-8FED-A4A65AB5032B}"/>
               </a:ext>
             </a:extLst>
           </p:cNvPr>
@@ -32538,7 +33014,7 @@
           <p:cNvPr id="47" name="TextBox 46">
             <a:extLst>
               <a:ext uri="{FF2B5EF4-FFF2-40B4-BE49-F238E27FC236}">
-                <a16:creationId xmlns="" xmlns:a16="http://schemas.microsoft.com/office/drawing/2014/main" id="{F3FF60E3-5733-4A51-BB64-B5D227CFB6FE}"/>
+                <a16:creationId xmlns:a16="http://schemas.microsoft.com/office/drawing/2014/main" xmlns="" id="{F3FF60E3-5733-4A51-BB64-B5D227CFB6FE}"/>
               </a:ext>
             </a:extLst>
           </p:cNvPr>
@@ -32579,7 +33055,7 @@
           <p:cNvPr id="48" name="TextBox 47">
             <a:extLst>
               <a:ext uri="{FF2B5EF4-FFF2-40B4-BE49-F238E27FC236}">
-                <a16:creationId xmlns="" xmlns:a16="http://schemas.microsoft.com/office/drawing/2014/main" id="{6CFBFA02-2444-480B-B78F-A1A7AD55973E}"/>
+                <a16:creationId xmlns:a16="http://schemas.microsoft.com/office/drawing/2014/main" xmlns="" id="{6CFBFA02-2444-480B-B78F-A1A7AD55973E}"/>
               </a:ext>
             </a:extLst>
           </p:cNvPr>
@@ -33370,7 +33846,7 @@
           <p:cNvPr id="12" name="TextBox 45">
             <a:extLst>
               <a:ext uri="{FF2B5EF4-FFF2-40B4-BE49-F238E27FC236}">
-                <a16:creationId xmlns="" xmlns:a16="http://schemas.microsoft.com/office/drawing/2014/main" id="{6BDA7693-CA76-4C97-8FED-A4A65AB5032B}"/>
+                <a16:creationId xmlns:a16="http://schemas.microsoft.com/office/drawing/2014/main" xmlns="" id="{6BDA7693-CA76-4C97-8FED-A4A65AB5032B}"/>
               </a:ext>
             </a:extLst>
           </p:cNvPr>
@@ -34048,7 +34524,7 @@
           <p:cNvPr id="33" name="TextBox 45">
             <a:extLst>
               <a:ext uri="{FF2B5EF4-FFF2-40B4-BE49-F238E27FC236}">
-                <a16:creationId xmlns="" xmlns:a16="http://schemas.microsoft.com/office/drawing/2014/main" id="{6BDA7693-CA76-4C97-8FED-A4A65AB5032B}"/>
+                <a16:creationId xmlns:a16="http://schemas.microsoft.com/office/drawing/2014/main" xmlns="" id="{6BDA7693-CA76-4C97-8FED-A4A65AB5032B}"/>
               </a:ext>
             </a:extLst>
           </p:cNvPr>
@@ -34084,7 +34560,7 @@
           <p:cNvPr id="34" name="TextBox 45">
             <a:extLst>
               <a:ext uri="{FF2B5EF4-FFF2-40B4-BE49-F238E27FC236}">
-                <a16:creationId xmlns="" xmlns:a16="http://schemas.microsoft.com/office/drawing/2014/main" id="{6BDA7693-CA76-4C97-8FED-A4A65AB5032B}"/>
+                <a16:creationId xmlns:a16="http://schemas.microsoft.com/office/drawing/2014/main" xmlns="" id="{6BDA7693-CA76-4C97-8FED-A4A65AB5032B}"/>
               </a:ext>
             </a:extLst>
           </p:cNvPr>
@@ -34494,7 +34970,7 @@
           <p:cNvPr id="52" name="TextBox 45">
             <a:extLst>
               <a:ext uri="{FF2B5EF4-FFF2-40B4-BE49-F238E27FC236}">
-                <a16:creationId xmlns="" xmlns:a16="http://schemas.microsoft.com/office/drawing/2014/main" id="{6BDA7693-CA76-4C97-8FED-A4A65AB5032B}"/>
+                <a16:creationId xmlns:a16="http://schemas.microsoft.com/office/drawing/2014/main" xmlns="" id="{6BDA7693-CA76-4C97-8FED-A4A65AB5032B}"/>
               </a:ext>
             </a:extLst>
           </p:cNvPr>

--- a/health/userDocs/UniboFigs.pptx
+++ b/health/userDocs/UniboFigs.pptx
@@ -25,11 +25,12 @@
     <p:sldId id="282" r:id="rId19"/>
     <p:sldId id="283" r:id="rId20"/>
     <p:sldId id="284" r:id="rId21"/>
-    <p:sldId id="273" r:id="rId22"/>
-    <p:sldId id="274" r:id="rId23"/>
-    <p:sldId id="275" r:id="rId24"/>
-    <p:sldId id="276" r:id="rId25"/>
-    <p:sldId id="285" r:id="rId26"/>
+    <p:sldId id="286" r:id="rId22"/>
+    <p:sldId id="273" r:id="rId23"/>
+    <p:sldId id="274" r:id="rId24"/>
+    <p:sldId id="275" r:id="rId25"/>
+    <p:sldId id="276" r:id="rId26"/>
+    <p:sldId id="285" r:id="rId27"/>
   </p:sldIdLst>
   <p:sldSz cx="9144000" cy="6858000" type="screen4x3"/>
   <p:notesSz cx="6858000" cy="9144000"/>
@@ -130,7 +131,7 @@
   </p:defaultTextStyle>
   <p:extLst>
     <p:ext uri="{EFAFB233-063F-42B5-8137-9DF3F51BA10A}">
-      <p15:sldGuideLst xmlns:p15="http://schemas.microsoft.com/office/powerpoint/2012/main" xmlns="">
+      <p15:sldGuideLst xmlns="" xmlns:p15="http://schemas.microsoft.com/office/powerpoint/2012/main">
         <p15:guide id="1" orient="horz" pos="2160">
           <p15:clr>
             <a:srgbClr val="A4A3A4"/>
@@ -328,7 +329,7 @@
           <a:p>
             <a:fld id="{486DFF9D-000F-417D-A1D1-C441A4010B1E}" type="datetimeFigureOut">
               <a:rPr lang="en-GB" smtClean="0"/>
-              <a:t>02/09/2020</a:t>
+              <a:t>07/09/2020</a:t>
             </a:fld>
             <a:endParaRPr lang="en-GB"/>
           </a:p>
@@ -498,7 +499,7 @@
           <a:p>
             <a:fld id="{486DFF9D-000F-417D-A1D1-C441A4010B1E}" type="datetimeFigureOut">
               <a:rPr lang="en-GB" smtClean="0"/>
-              <a:t>02/09/2020</a:t>
+              <a:t>07/09/2020</a:t>
             </a:fld>
             <a:endParaRPr lang="en-GB"/>
           </a:p>
@@ -678,7 +679,7 @@
           <a:p>
             <a:fld id="{486DFF9D-000F-417D-A1D1-C441A4010B1E}" type="datetimeFigureOut">
               <a:rPr lang="en-GB" smtClean="0"/>
-              <a:t>02/09/2020</a:t>
+              <a:t>07/09/2020</a:t>
             </a:fld>
             <a:endParaRPr lang="en-GB"/>
           </a:p>
@@ -848,7 +849,7 @@
           <a:p>
             <a:fld id="{486DFF9D-000F-417D-A1D1-C441A4010B1E}" type="datetimeFigureOut">
               <a:rPr lang="en-GB" smtClean="0"/>
-              <a:t>02/09/2020</a:t>
+              <a:t>07/09/2020</a:t>
             </a:fld>
             <a:endParaRPr lang="en-GB"/>
           </a:p>
@@ -1094,7 +1095,7 @@
           <a:p>
             <a:fld id="{486DFF9D-000F-417D-A1D1-C441A4010B1E}" type="datetimeFigureOut">
               <a:rPr lang="en-GB" smtClean="0"/>
-              <a:t>02/09/2020</a:t>
+              <a:t>07/09/2020</a:t>
             </a:fld>
             <a:endParaRPr lang="en-GB"/>
           </a:p>
@@ -1382,7 +1383,7 @@
           <a:p>
             <a:fld id="{486DFF9D-000F-417D-A1D1-C441A4010B1E}" type="datetimeFigureOut">
               <a:rPr lang="en-GB" smtClean="0"/>
-              <a:t>02/09/2020</a:t>
+              <a:t>07/09/2020</a:t>
             </a:fld>
             <a:endParaRPr lang="en-GB"/>
           </a:p>
@@ -1804,7 +1805,7 @@
           <a:p>
             <a:fld id="{486DFF9D-000F-417D-A1D1-C441A4010B1E}" type="datetimeFigureOut">
               <a:rPr lang="en-GB" smtClean="0"/>
-              <a:t>02/09/2020</a:t>
+              <a:t>07/09/2020</a:t>
             </a:fld>
             <a:endParaRPr lang="en-GB"/>
           </a:p>
@@ -1922,7 +1923,7 @@
           <a:p>
             <a:fld id="{486DFF9D-000F-417D-A1D1-C441A4010B1E}" type="datetimeFigureOut">
               <a:rPr lang="en-GB" smtClean="0"/>
-              <a:t>02/09/2020</a:t>
+              <a:t>07/09/2020</a:t>
             </a:fld>
             <a:endParaRPr lang="en-GB"/>
           </a:p>
@@ -2017,7 +2018,7 @@
           <a:p>
             <a:fld id="{486DFF9D-000F-417D-A1D1-C441A4010B1E}" type="datetimeFigureOut">
               <a:rPr lang="en-GB" smtClean="0"/>
-              <a:t>02/09/2020</a:t>
+              <a:t>07/09/2020</a:t>
             </a:fld>
             <a:endParaRPr lang="en-GB"/>
           </a:p>
@@ -2294,7 +2295,7 @@
           <a:p>
             <a:fld id="{486DFF9D-000F-417D-A1D1-C441A4010B1E}" type="datetimeFigureOut">
               <a:rPr lang="en-GB" smtClean="0"/>
-              <a:t>02/09/2020</a:t>
+              <a:t>07/09/2020</a:t>
             </a:fld>
             <a:endParaRPr lang="en-GB"/>
           </a:p>
@@ -2547,7 +2548,7 @@
           <a:p>
             <a:fld id="{486DFF9D-000F-417D-A1D1-C441A4010B1E}" type="datetimeFigureOut">
               <a:rPr lang="en-GB" smtClean="0"/>
-              <a:t>02/09/2020</a:t>
+              <a:t>07/09/2020</a:t>
             </a:fld>
             <a:endParaRPr lang="en-GB"/>
           </a:p>
@@ -2760,7 +2761,7 @@
           <a:p>
             <a:fld id="{486DFF9D-000F-417D-A1D1-C441A4010B1E}" type="datetimeFigureOut">
               <a:rPr lang="en-GB" smtClean="0"/>
-              <a:t>02/09/2020</a:t>
+              <a:t>07/09/2020</a:t>
             </a:fld>
             <a:endParaRPr lang="en-GB"/>
           </a:p>
@@ -6177,7 +6178,7 @@
           <p:cNvPr id="12" name="TextBox 45">
             <a:extLst>
               <a:ext uri="{FF2B5EF4-FFF2-40B4-BE49-F238E27FC236}">
-                <a16:creationId xmlns:a16="http://schemas.microsoft.com/office/drawing/2014/main" xmlns="" id="{6BDA7693-CA76-4C97-8FED-A4A65AB5032B}"/>
+                <a16:creationId xmlns="" xmlns:a16="http://schemas.microsoft.com/office/drawing/2014/main" id="{6BDA7693-CA76-4C97-8FED-A4A65AB5032B}"/>
               </a:ext>
             </a:extLst>
           </p:cNvPr>
@@ -7725,7 +7726,7 @@
           <p:cNvPr id="12" name="TextBox 45">
             <a:extLst>
               <a:ext uri="{FF2B5EF4-FFF2-40B4-BE49-F238E27FC236}">
-                <a16:creationId xmlns:a16="http://schemas.microsoft.com/office/drawing/2014/main" xmlns="" id="{6BDA7693-CA76-4C97-8FED-A4A65AB5032B}"/>
+                <a16:creationId xmlns="" xmlns:a16="http://schemas.microsoft.com/office/drawing/2014/main" id="{6BDA7693-CA76-4C97-8FED-A4A65AB5032B}"/>
               </a:ext>
             </a:extLst>
           </p:cNvPr>
@@ -9738,7 +9739,7 @@
           <p:cNvPr id="6" name="TextBox 45">
             <a:extLst>
               <a:ext uri="{FF2B5EF4-FFF2-40B4-BE49-F238E27FC236}">
-                <a16:creationId xmlns:a16="http://schemas.microsoft.com/office/drawing/2014/main" xmlns="" id="{6BDA7693-CA76-4C97-8FED-A4A65AB5032B}"/>
+                <a16:creationId xmlns="" xmlns:a16="http://schemas.microsoft.com/office/drawing/2014/main" id="{6BDA7693-CA76-4C97-8FED-A4A65AB5032B}"/>
               </a:ext>
             </a:extLst>
           </p:cNvPr>
@@ -10246,7 +10247,7 @@
           <p:cNvPr id="27" name="TextBox 45">
             <a:extLst>
               <a:ext uri="{FF2B5EF4-FFF2-40B4-BE49-F238E27FC236}">
-                <a16:creationId xmlns:a16="http://schemas.microsoft.com/office/drawing/2014/main" xmlns="" id="{6BDA7693-CA76-4C97-8FED-A4A65AB5032B}"/>
+                <a16:creationId xmlns="" xmlns:a16="http://schemas.microsoft.com/office/drawing/2014/main" id="{6BDA7693-CA76-4C97-8FED-A4A65AB5032B}"/>
               </a:ext>
             </a:extLst>
           </p:cNvPr>
@@ -10282,7 +10283,7 @@
           <p:cNvPr id="28" name="TextBox 45">
             <a:extLst>
               <a:ext uri="{FF2B5EF4-FFF2-40B4-BE49-F238E27FC236}">
-                <a16:creationId xmlns:a16="http://schemas.microsoft.com/office/drawing/2014/main" xmlns="" id="{6BDA7693-CA76-4C97-8FED-A4A65AB5032B}"/>
+                <a16:creationId xmlns="" xmlns:a16="http://schemas.microsoft.com/office/drawing/2014/main" id="{6BDA7693-CA76-4C97-8FED-A4A65AB5032B}"/>
               </a:ext>
             </a:extLst>
           </p:cNvPr>
@@ -11830,7 +11831,7 @@
           <p:cNvPr id="6" name="TextBox 45">
             <a:extLst>
               <a:ext uri="{FF2B5EF4-FFF2-40B4-BE49-F238E27FC236}">
-                <a16:creationId xmlns:a16="http://schemas.microsoft.com/office/drawing/2014/main" xmlns="" id="{6BDA7693-CA76-4C97-8FED-A4A65AB5032B}"/>
+                <a16:creationId xmlns="" xmlns:a16="http://schemas.microsoft.com/office/drawing/2014/main" id="{6BDA7693-CA76-4C97-8FED-A4A65AB5032B}"/>
               </a:ext>
             </a:extLst>
           </p:cNvPr>
@@ -13362,7 +13363,7 @@
           <p:cNvPr id="6" name="TextBox 45">
             <a:extLst>
               <a:ext uri="{FF2B5EF4-FFF2-40B4-BE49-F238E27FC236}">
-                <a16:creationId xmlns:a16="http://schemas.microsoft.com/office/drawing/2014/main" xmlns="" id="{6BDA7693-CA76-4C97-8FED-A4A65AB5032B}"/>
+                <a16:creationId xmlns="" xmlns:a16="http://schemas.microsoft.com/office/drawing/2014/main" id="{6BDA7693-CA76-4C97-8FED-A4A65AB5032B}"/>
               </a:ext>
             </a:extLst>
           </p:cNvPr>
@@ -14787,7 +14788,7 @@
           <p:cNvPr id="2" name="TextBox 45">
             <a:extLst>
               <a:ext uri="{FF2B5EF4-FFF2-40B4-BE49-F238E27FC236}">
-                <a16:creationId xmlns:a16="http://schemas.microsoft.com/office/drawing/2014/main" xmlns="" id="{6BDA7693-CA76-4C97-8FED-A4A65AB5032B}"/>
+                <a16:creationId xmlns="" xmlns:a16="http://schemas.microsoft.com/office/drawing/2014/main" id="{6BDA7693-CA76-4C97-8FED-A4A65AB5032B}"/>
               </a:ext>
             </a:extLst>
           </p:cNvPr>
@@ -15758,7 +15759,7 @@
           <p:cNvPr id="34" name="TextBox 45">
             <a:extLst>
               <a:ext uri="{FF2B5EF4-FFF2-40B4-BE49-F238E27FC236}">
-                <a16:creationId xmlns:a16="http://schemas.microsoft.com/office/drawing/2014/main" xmlns="" id="{6BDA7693-CA76-4C97-8FED-A4A65AB5032B}"/>
+                <a16:creationId xmlns="" xmlns:a16="http://schemas.microsoft.com/office/drawing/2014/main" id="{6BDA7693-CA76-4C97-8FED-A4A65AB5032B}"/>
               </a:ext>
             </a:extLst>
           </p:cNvPr>
@@ -17374,7 +17375,7 @@
           <p:cNvPr id="2" name="TextBox 45">
             <a:extLst>
               <a:ext uri="{FF2B5EF4-FFF2-40B4-BE49-F238E27FC236}">
-                <a16:creationId xmlns:a16="http://schemas.microsoft.com/office/drawing/2014/main" xmlns="" id="{6BDA7693-CA76-4C97-8FED-A4A65AB5032B}"/>
+                <a16:creationId xmlns="" xmlns:a16="http://schemas.microsoft.com/office/drawing/2014/main" id="{6BDA7693-CA76-4C97-8FED-A4A65AB5032B}"/>
               </a:ext>
             </a:extLst>
           </p:cNvPr>
@@ -18124,7 +18125,7 @@
           <p:cNvPr id="34" name="TextBox 45">
             <a:extLst>
               <a:ext uri="{FF2B5EF4-FFF2-40B4-BE49-F238E27FC236}">
-                <a16:creationId xmlns:a16="http://schemas.microsoft.com/office/drawing/2014/main" xmlns="" id="{6BDA7693-CA76-4C97-8FED-A4A65AB5032B}"/>
+                <a16:creationId xmlns="" xmlns:a16="http://schemas.microsoft.com/office/drawing/2014/main" id="{6BDA7693-CA76-4C97-8FED-A4A65AB5032B}"/>
               </a:ext>
             </a:extLst>
           </p:cNvPr>
@@ -19487,7 +19488,7 @@
           <p:cNvPr id="114" name="TextBox 45">
             <a:extLst>
               <a:ext uri="{FF2B5EF4-FFF2-40B4-BE49-F238E27FC236}">
-                <a16:creationId xmlns:a16="http://schemas.microsoft.com/office/drawing/2014/main" xmlns="" id="{6BDA7693-CA76-4C97-8FED-A4A65AB5032B}"/>
+                <a16:creationId xmlns="" xmlns:a16="http://schemas.microsoft.com/office/drawing/2014/main" id="{6BDA7693-CA76-4C97-8FED-A4A65AB5032B}"/>
               </a:ext>
             </a:extLst>
           </p:cNvPr>
@@ -19661,7 +19662,7 @@
           <p:cNvPr id="2" name="TextBox 45">
             <a:extLst>
               <a:ext uri="{FF2B5EF4-FFF2-40B4-BE49-F238E27FC236}">
-                <a16:creationId xmlns:a16="http://schemas.microsoft.com/office/drawing/2014/main" xmlns="" id="{6BDA7693-CA76-4C97-8FED-A4A65AB5032B}"/>
+                <a16:creationId xmlns="" xmlns:a16="http://schemas.microsoft.com/office/drawing/2014/main" id="{6BDA7693-CA76-4C97-8FED-A4A65AB5032B}"/>
               </a:ext>
             </a:extLst>
           </p:cNvPr>
@@ -20600,7 +20601,7 @@
           <p:cNvPr id="114" name="TextBox 45">
             <a:extLst>
               <a:ext uri="{FF2B5EF4-FFF2-40B4-BE49-F238E27FC236}">
-                <a16:creationId xmlns:a16="http://schemas.microsoft.com/office/drawing/2014/main" xmlns="" id="{6BDA7693-CA76-4C97-8FED-A4A65AB5032B}"/>
+                <a16:creationId xmlns="" xmlns:a16="http://schemas.microsoft.com/office/drawing/2014/main" id="{6BDA7693-CA76-4C97-8FED-A4A65AB5032B}"/>
               </a:ext>
             </a:extLst>
           </p:cNvPr>
@@ -22127,7 +22128,7 @@
           <p:cNvPr id="2" name="TextBox 45">
             <a:extLst>
               <a:ext uri="{FF2B5EF4-FFF2-40B4-BE49-F238E27FC236}">
-                <a16:creationId xmlns:a16="http://schemas.microsoft.com/office/drawing/2014/main" xmlns="" id="{6BDA7693-CA76-4C97-8FED-A4A65AB5032B}"/>
+                <a16:creationId xmlns="" xmlns:a16="http://schemas.microsoft.com/office/drawing/2014/main" id="{6BDA7693-CA76-4C97-8FED-A4A65AB5032B}"/>
               </a:ext>
             </a:extLst>
           </p:cNvPr>
@@ -23706,7 +23707,7 @@
           <p:cNvPr id="2" name="TextBox 45">
             <a:extLst>
               <a:ext uri="{FF2B5EF4-FFF2-40B4-BE49-F238E27FC236}">
-                <a16:creationId xmlns:a16="http://schemas.microsoft.com/office/drawing/2014/main" xmlns="" id="{6BDA7693-CA76-4C97-8FED-A4A65AB5032B}"/>
+                <a16:creationId xmlns="" xmlns:a16="http://schemas.microsoft.com/office/drawing/2014/main" id="{6BDA7693-CA76-4C97-8FED-A4A65AB5032B}"/>
               </a:ext>
             </a:extLst>
           </p:cNvPr>
@@ -24699,7 +24700,7 @@
           <p:cNvPr id="114" name="TextBox 45">
             <a:extLst>
               <a:ext uri="{FF2B5EF4-FFF2-40B4-BE49-F238E27FC236}">
-                <a16:creationId xmlns:a16="http://schemas.microsoft.com/office/drawing/2014/main" xmlns="" id="{6BDA7693-CA76-4C97-8FED-A4A65AB5032B}"/>
+                <a16:creationId xmlns="" xmlns:a16="http://schemas.microsoft.com/office/drawing/2014/main" id="{6BDA7693-CA76-4C97-8FED-A4A65AB5032B}"/>
               </a:ext>
             </a:extLst>
           </p:cNvPr>
@@ -25509,64 +25510,764 @@
           <a:chExt cx="0" cy="0"/>
         </a:xfrm>
       </p:grpSpPr>
-      <p:pic>
-        <p:nvPicPr>
-          <p:cNvPr id="1027" name="Picture 3"/>
-          <p:cNvPicPr>
-            <a:picLocks noChangeAspect="1" noChangeArrowheads="1"/>
-          </p:cNvPicPr>
-          <p:nvPr/>
-        </p:nvPicPr>
-        <p:blipFill>
-          <a:blip r:embed="rId2">
+      <p:sp>
+        <p:nvSpPr>
+          <p:cNvPr id="2" name="TextBox 45">
             <a:extLst>
-              <a:ext uri="{28A0092B-C50C-407E-A947-70E740481C1C}">
-                <a14:useLocalDpi xmlns:a14="http://schemas.microsoft.com/office/drawing/2010/main" val="0"/>
+              <a:ext uri="{FF2B5EF4-FFF2-40B4-BE49-F238E27FC236}">
+                <a16:creationId xmlns="" xmlns:a16="http://schemas.microsoft.com/office/drawing/2014/main" id="{6BDA7693-CA76-4C97-8FED-A4A65AB5032B}"/>
               </a:ext>
             </a:extLst>
-          </a:blip>
-          <a:srcRect/>
-          <a:stretch>
-            <a:fillRect/>
-          </a:stretch>
-        </p:blipFill>
-        <p:spPr bwMode="auto">
-          <a:xfrm>
-            <a:off x="1252538" y="1119188"/>
-            <a:ext cx="6638925" cy="4619625"/>
+          </p:cNvPr>
+          <p:cNvSpPr txBox="1"/>
+          <p:nvPr/>
+        </p:nvSpPr>
+        <p:spPr>
+          <a:xfrm>
+            <a:off x="4352791" y="204901"/>
+            <a:ext cx="1845185" cy="369332"/>
           </a:xfrm>
           <a:prstGeom prst="rect">
             <a:avLst/>
           </a:prstGeom>
           <a:noFill/>
-          <a:ln>
+        </p:spPr>
+        <p:txBody>
+          <a:bodyPr wrap="none" rtlCol="0">
+            <a:spAutoFit/>
+          </a:bodyPr>
+          <a:lstStyle/>
+          <a:p>
+            <a:r>
+              <a:rPr lang="en-US" b="1" dirty="0" err="1" smtClean="0"/>
+              <a:t>DisiFhirConverter</a:t>
+            </a:r>
+            <a:endParaRPr lang="en-US" b="1" dirty="0"/>
+          </a:p>
+        </p:txBody>
+      </p:sp>
+      <p:grpSp>
+        <p:nvGrpSpPr>
+          <p:cNvPr id="3" name="Gruppo 2"/>
+          <p:cNvGrpSpPr/>
+          <p:nvPr/>
+        </p:nvGrpSpPr>
+        <p:grpSpPr>
+          <a:xfrm>
+            <a:off x="3144652" y="646076"/>
+            <a:ext cx="4347370" cy="4117387"/>
+            <a:chOff x="565700" y="4958037"/>
+            <a:chExt cx="805955" cy="754777"/>
+          </a:xfrm>
+        </p:grpSpPr>
+        <p:sp>
+          <p:nvSpPr>
+            <p:cNvPr id="4" name="Ovale 3"/>
+            <p:cNvSpPr/>
+            <p:nvPr/>
+          </p:nvSpPr>
+          <p:spPr>
+            <a:xfrm>
+              <a:off x="565700" y="4983583"/>
+              <a:ext cx="805955" cy="729231"/>
+            </a:xfrm>
+            <a:prstGeom prst="ellipse">
+              <a:avLst/>
+            </a:prstGeom>
+            <a:ln/>
+          </p:spPr>
+          <p:style>
+            <a:lnRef idx="1">
+              <a:schemeClr val="accent4"/>
+            </a:lnRef>
+            <a:fillRef idx="2">
+              <a:schemeClr val="accent4"/>
+            </a:fillRef>
+            <a:effectRef idx="1">
+              <a:schemeClr val="accent4"/>
+            </a:effectRef>
+            <a:fontRef idx="minor">
+              <a:schemeClr val="dk1"/>
+            </a:fontRef>
+          </p:style>
+          <p:txBody>
+            <a:bodyPr rtlCol="0" anchor="ctr"/>
+            <a:lstStyle/>
+            <a:p>
+              <a:pPr algn="ctr"/>
+              <a:r>
+                <a:rPr lang="en-GB" sz="1200" dirty="0"/>
+                <a:t> </a:t>
+              </a:r>
+            </a:p>
+          </p:txBody>
+        </p:sp>
+        <p:sp>
+          <p:nvSpPr>
+            <p:cNvPr id="5" name="Triangolo isoscele 4"/>
+            <p:cNvSpPr/>
+            <p:nvPr/>
+          </p:nvSpPr>
+          <p:spPr>
+            <a:xfrm rot="16200000">
+              <a:off x="885418" y="4951504"/>
+              <a:ext cx="68763" cy="81830"/>
+            </a:xfrm>
+            <a:prstGeom prst="triangle">
+              <a:avLst/>
+            </a:prstGeom>
+            <a:solidFill>
+              <a:srgbClr val="C00000"/>
+            </a:solidFill>
+            <a:ln/>
+          </p:spPr>
+          <p:style>
+            <a:lnRef idx="1">
+              <a:schemeClr val="accent5"/>
+            </a:lnRef>
+            <a:fillRef idx="2">
+              <a:schemeClr val="accent5"/>
+            </a:fillRef>
+            <a:effectRef idx="1">
+              <a:schemeClr val="accent5"/>
+            </a:effectRef>
+            <a:fontRef idx="minor">
+              <a:schemeClr val="dk1"/>
+            </a:fontRef>
+          </p:style>
+          <p:txBody>
+            <a:bodyPr rtlCol="0" anchor="ctr"/>
+            <a:lstStyle/>
+            <a:p>
+              <a:pPr algn="ctr"/>
+              <a:endParaRPr lang="en-GB" sz="1200">
+                <a:solidFill>
+                  <a:schemeClr val="dk1"/>
+                </a:solidFill>
+              </a:endParaRPr>
+            </a:p>
+          </p:txBody>
+        </p:sp>
+      </p:grpSp>
+      <p:sp>
+        <p:nvSpPr>
+          <p:cNvPr id="6" name="Ovale 5"/>
+          <p:cNvSpPr/>
+          <p:nvPr/>
+        </p:nvSpPr>
+        <p:spPr>
+          <a:xfrm>
+            <a:off x="4238217" y="1008379"/>
+            <a:ext cx="2160240" cy="726799"/>
+          </a:xfrm>
+          <a:prstGeom prst="ellipse">
+            <a:avLst/>
+          </a:prstGeom>
+        </p:spPr>
+        <p:style>
+          <a:lnRef idx="1">
+            <a:schemeClr val="accent5"/>
+          </a:lnRef>
+          <a:fillRef idx="2">
+            <a:schemeClr val="accent5"/>
+          </a:fillRef>
+          <a:effectRef idx="1">
+            <a:schemeClr val="accent5"/>
+          </a:effectRef>
+          <a:fontRef idx="minor">
+            <a:schemeClr val="dk1"/>
+          </a:fontRef>
+        </p:style>
+        <p:txBody>
+          <a:bodyPr rtlCol="0" anchor="ctr"/>
+          <a:lstStyle/>
+          <a:p>
+            <a:pPr algn="ctr"/>
+            <a:r>
+              <a:rPr lang="en-GB" sz="1600" dirty="0" smtClean="0"/>
+              <a:t>uniboworker.js</a:t>
+            </a:r>
+          </a:p>
+          <a:p>
+            <a:pPr algn="ctr"/>
+            <a:r>
+              <a:rPr lang="en-GB" sz="1600" dirty="0"/>
+              <a:t>convert</a:t>
+            </a:r>
+            <a:endParaRPr lang="en-GB" sz="1600" dirty="0"/>
+          </a:p>
+        </p:txBody>
+      </p:sp>
+      <p:grpSp>
+        <p:nvGrpSpPr>
+          <p:cNvPr id="29" name="Gruppo 28"/>
+          <p:cNvGrpSpPr/>
+          <p:nvPr/>
+        </p:nvGrpSpPr>
+        <p:grpSpPr>
+          <a:xfrm>
+            <a:off x="2655551" y="848896"/>
+            <a:ext cx="787334" cy="86434"/>
+            <a:chOff x="3452446" y="4176616"/>
+            <a:chExt cx="787334" cy="86434"/>
+          </a:xfrm>
+        </p:grpSpPr>
+        <p:sp>
+          <p:nvSpPr>
+            <p:cNvPr id="30" name="Triangolo isoscele 29"/>
+            <p:cNvSpPr/>
+            <p:nvPr/>
+          </p:nvSpPr>
+          <p:spPr>
+            <a:xfrm rot="5400000" flipH="1">
+              <a:off x="4126932" y="4150201"/>
+              <a:ext cx="86434" cy="139263"/>
+            </a:xfrm>
+            <a:prstGeom prst="triangle">
+              <a:avLst/>
+            </a:prstGeom>
+            <a:ln/>
+          </p:spPr>
+          <p:style>
+            <a:lnRef idx="1">
+              <a:schemeClr val="accent6"/>
+            </a:lnRef>
+            <a:fillRef idx="2">
+              <a:schemeClr val="accent6"/>
+            </a:fillRef>
+            <a:effectRef idx="1">
+              <a:schemeClr val="accent6"/>
+            </a:effectRef>
+            <a:fontRef idx="minor">
+              <a:schemeClr val="dk1"/>
+            </a:fontRef>
+          </p:style>
+          <p:txBody>
+            <a:bodyPr rtlCol="0" anchor="ctr"/>
+            <a:lstStyle/>
+            <a:p>
+              <a:pPr algn="ctr"/>
+              <a:endParaRPr lang="en-GB" sz="1200"/>
+            </a:p>
+          </p:txBody>
+        </p:sp>
+        <p:cxnSp>
+          <p:nvCxnSpPr>
+            <p:cNvPr id="31" name="Connettore 1 30"/>
+            <p:cNvCxnSpPr>
+              <a:endCxn id="30" idx="3"/>
+            </p:cNvCxnSpPr>
+            <p:nvPr/>
+          </p:nvCxnSpPr>
+          <p:spPr>
+            <a:xfrm>
+              <a:off x="3452446" y="4219627"/>
+              <a:ext cx="648072" cy="206"/>
+            </a:xfrm>
+            <a:prstGeom prst="line">
+              <a:avLst/>
+            </a:prstGeom>
+          </p:spPr>
+          <p:style>
+            <a:lnRef idx="1">
+              <a:schemeClr val="accent6"/>
+            </a:lnRef>
+            <a:fillRef idx="2">
+              <a:schemeClr val="accent6"/>
+            </a:fillRef>
+            <a:effectRef idx="1">
+              <a:schemeClr val="accent6"/>
+            </a:effectRef>
+            <a:fontRef idx="minor">
+              <a:schemeClr val="dk1"/>
+            </a:fontRef>
+          </p:style>
+        </p:cxnSp>
+      </p:grpSp>
+      <p:grpSp>
+        <p:nvGrpSpPr>
+          <p:cNvPr id="50" name="Gruppo 49"/>
+          <p:cNvGrpSpPr/>
+          <p:nvPr/>
+        </p:nvGrpSpPr>
+        <p:grpSpPr>
+          <a:xfrm>
+            <a:off x="47948" y="271438"/>
+            <a:ext cx="2721534" cy="4492025"/>
+            <a:chOff x="311186" y="4332622"/>
+            <a:chExt cx="1053702" cy="938460"/>
+          </a:xfrm>
+        </p:grpSpPr>
+        <p:grpSp>
+          <p:nvGrpSpPr>
+            <p:cNvPr id="124" name="Gruppo 123"/>
+            <p:cNvGrpSpPr/>
+            <p:nvPr/>
+          </p:nvGrpSpPr>
+          <p:grpSpPr>
+            <a:xfrm>
+              <a:off x="311186" y="4332622"/>
+              <a:ext cx="1053702" cy="938460"/>
+              <a:chOff x="565700" y="4961976"/>
+              <a:chExt cx="805955" cy="750836"/>
+            </a:xfrm>
+          </p:grpSpPr>
+          <p:sp>
+            <p:nvSpPr>
+              <p:cNvPr id="125" name="Ovale 124"/>
+              <p:cNvSpPr/>
+              <p:nvPr/>
+            </p:nvSpPr>
+            <p:spPr>
+              <a:xfrm>
+                <a:off x="565700" y="4983581"/>
+                <a:ext cx="805955" cy="729231"/>
+              </a:xfrm>
+              <a:prstGeom prst="ellipse">
+                <a:avLst/>
+              </a:prstGeom>
+              <a:solidFill>
+                <a:srgbClr val="FF99CC"/>
+              </a:solidFill>
+              <a:ln/>
+            </p:spPr>
+            <p:style>
+              <a:lnRef idx="1">
+                <a:schemeClr val="accent4"/>
+              </a:lnRef>
+              <a:fillRef idx="2">
+                <a:schemeClr val="accent4"/>
+              </a:fillRef>
+              <a:effectRef idx="1">
+                <a:schemeClr val="accent4"/>
+              </a:effectRef>
+              <a:fontRef idx="minor">
+                <a:schemeClr val="dk1"/>
+              </a:fontRef>
+            </p:style>
+            <p:txBody>
+              <a:bodyPr rtlCol="0" anchor="ctr"/>
+              <a:lstStyle/>
+              <a:p>
+                <a:pPr algn="ctr"/>
+                <a:r>
+                  <a:rPr lang="en-GB" sz="1200" dirty="0"/>
+                  <a:t> </a:t>
+                </a:r>
+              </a:p>
+            </p:txBody>
+          </p:sp>
+          <p:sp>
+            <p:nvSpPr>
+              <p:cNvPr id="126" name="Triangolo isoscele 125"/>
+              <p:cNvSpPr/>
+              <p:nvPr/>
+            </p:nvSpPr>
+            <p:spPr>
+              <a:xfrm rot="16200000">
+                <a:off x="904012" y="4936848"/>
+                <a:ext cx="39538" cy="89794"/>
+              </a:xfrm>
+              <a:prstGeom prst="triangle">
+                <a:avLst/>
+              </a:prstGeom>
+              <a:solidFill>
+                <a:srgbClr val="C00000"/>
+              </a:solidFill>
+              <a:ln/>
+            </p:spPr>
+            <p:style>
+              <a:lnRef idx="1">
+                <a:schemeClr val="accent5"/>
+              </a:lnRef>
+              <a:fillRef idx="2">
+                <a:schemeClr val="accent5"/>
+              </a:fillRef>
+              <a:effectRef idx="1">
+                <a:schemeClr val="accent5"/>
+              </a:effectRef>
+              <a:fontRef idx="minor">
+                <a:schemeClr val="dk1"/>
+              </a:fontRef>
+            </p:style>
+            <p:txBody>
+              <a:bodyPr rtlCol="0" anchor="ctr"/>
+              <a:lstStyle/>
+              <a:p>
+                <a:pPr algn="ctr"/>
+                <a:endParaRPr lang="en-GB" sz="1200">
+                  <a:solidFill>
+                    <a:schemeClr val="dk1"/>
+                  </a:solidFill>
+                </a:endParaRPr>
+              </a:p>
+            </p:txBody>
+          </p:sp>
+        </p:grpSp>
+        <p:sp>
+          <p:nvSpPr>
+            <p:cNvPr id="127" name="CasellaDiTesto 126"/>
+            <p:cNvSpPr txBox="1"/>
+            <p:nvPr/>
+          </p:nvSpPr>
+          <p:spPr>
+            <a:xfrm>
+              <a:off x="612848" y="4896356"/>
+              <a:ext cx="397680" cy="95429"/>
+            </a:xfrm>
+            <a:prstGeom prst="rect">
+              <a:avLst/>
+            </a:prstGeom>
             <a:noFill/>
-          </a:ln>
-          <a:extLst>
-            <a:ext uri="{909E8E84-426E-40DD-AFC4-6F175D3DCCD1}">
-              <a14:hiddenFill xmlns:a14="http://schemas.microsoft.com/office/drawing/2010/main">
+          </p:spPr>
+          <p:txBody>
+            <a:bodyPr wrap="none" rtlCol="0">
+              <a:spAutoFit/>
+            </a:bodyPr>
+            <a:lstStyle/>
+            <a:p>
+              <a:pPr algn="ctr"/>
+              <a:r>
+                <a:rPr lang="en-GB" sz="1600" b="1" dirty="0" err="1" smtClean="0"/>
+                <a:t>ICoreFHIR</a:t>
+              </a:r>
+              <a:endParaRPr lang="en-GB" sz="1600" b="1" dirty="0" smtClean="0"/>
+            </a:p>
+            <a:p>
+              <a:pPr algn="ctr"/>
+              <a:r>
+                <a:rPr lang="it-IT" sz="1600" b="1" dirty="0" smtClean="0"/>
+                <a:t>server</a:t>
+              </a:r>
+              <a:endParaRPr lang="en-GB" sz="1600" dirty="0"/>
+            </a:p>
+          </p:txBody>
+        </p:sp>
+      </p:grpSp>
+      <p:sp>
+        <p:nvSpPr>
+          <p:cNvPr id="120" name="Rettangolo 119"/>
+          <p:cNvSpPr/>
+          <p:nvPr/>
+        </p:nvSpPr>
+        <p:spPr>
+          <a:xfrm>
+            <a:off x="3112762" y="1255592"/>
+            <a:ext cx="1041888" cy="338554"/>
+          </a:xfrm>
+          <a:prstGeom prst="rect">
+            <a:avLst/>
+          </a:prstGeom>
+          <a:solidFill>
+            <a:srgbClr val="FFFFCC"/>
+          </a:solidFill>
+        </p:spPr>
+        <p:style>
+          <a:lnRef idx="1">
+            <a:schemeClr val="accent3"/>
+          </a:lnRef>
+          <a:fillRef idx="2">
+            <a:schemeClr val="accent3"/>
+          </a:fillRef>
+          <a:effectRef idx="1">
+            <a:schemeClr val="accent3"/>
+          </a:effectRef>
+          <a:fontRef idx="minor">
+            <a:schemeClr val="dk1"/>
+          </a:fontRef>
+        </p:style>
+        <p:txBody>
+          <a:bodyPr wrap="none">
+            <a:spAutoFit/>
+          </a:bodyPr>
+          <a:lstStyle/>
+          <a:p>
+            <a:r>
+              <a:rPr lang="en-GB" sz="1600" b="1" dirty="0" smtClean="0">
                 <a:solidFill>
-                  <a:schemeClr val="accent1"/>
+                  <a:srgbClr val="0070C0"/>
                 </a:solidFill>
-              </a14:hiddenFill>
-            </a:ext>
-            <a:ext uri="{91240B29-F687-4F45-9708-019B960494DF}">
-              <a14:hiddenLine xmlns:a14="http://schemas.microsoft.com/office/drawing/2010/main" w="9525">
-                <a:solidFill>
-                  <a:schemeClr val="tx1"/>
-                </a:solidFill>
-                <a:miter lim="800000"/>
-                <a:headEnd/>
-                <a:tailEnd/>
-              </a14:hiddenLine>
-            </a:ext>
-          </a:extLst>
-        </p:spPr>
-      </p:pic>
+              </a:rPr>
+              <a:t>/</a:t>
+            </a:r>
+            <a:r>
+              <a:rPr lang="en-GB" sz="1600" dirty="0"/>
+              <a:t>hl7tofhir</a:t>
+            </a:r>
+            <a:r>
+              <a:rPr lang="en-GB" sz="1600" dirty="0"/>
+              <a:t> </a:t>
+            </a:r>
+            <a:endParaRPr lang="en-GB" sz="1600" b="1" dirty="0" smtClean="0">
+              <a:solidFill>
+                <a:srgbClr val="0070C0"/>
+              </a:solidFill>
+            </a:endParaRPr>
+          </a:p>
+        </p:txBody>
+      </p:sp>
+      <p:sp>
+        <p:nvSpPr>
+          <p:cNvPr id="57" name="CasellaDiTesto 56"/>
+          <p:cNvSpPr txBox="1"/>
+          <p:nvPr/>
+        </p:nvSpPr>
+        <p:spPr>
+          <a:xfrm>
+            <a:off x="3489204" y="829235"/>
+            <a:ext cx="1202380" cy="369332"/>
+          </a:xfrm>
+          <a:prstGeom prst="rect">
+            <a:avLst/>
+          </a:prstGeom>
+        </p:spPr>
+        <p:style>
+          <a:lnRef idx="1">
+            <a:schemeClr val="accent3"/>
+          </a:lnRef>
+          <a:fillRef idx="2">
+            <a:schemeClr val="accent3"/>
+          </a:fillRef>
+          <a:effectRef idx="1">
+            <a:schemeClr val="accent3"/>
+          </a:effectRef>
+          <a:fontRef idx="minor">
+            <a:schemeClr val="dk1"/>
+          </a:fontRef>
+        </p:style>
+        <p:txBody>
+          <a:bodyPr wrap="none" rtlCol="0">
+            <a:spAutoFit/>
+          </a:bodyPr>
+          <a:lstStyle/>
+          <a:p>
+            <a:r>
+              <a:rPr lang="it-IT" dirty="0" smtClean="0"/>
+              <a:t>M2M </a:t>
+            </a:r>
+            <a:r>
+              <a:rPr lang="it-IT" dirty="0" err="1" smtClean="0"/>
+              <a:t>Rest</a:t>
+            </a:r>
+            <a:r>
+              <a:rPr lang="it-IT" dirty="0" smtClean="0"/>
+              <a:t> </a:t>
+            </a:r>
+          </a:p>
+        </p:txBody>
+      </p:sp>
+      <p:grpSp>
+        <p:nvGrpSpPr>
+          <p:cNvPr id="58" name="Gruppo 57"/>
+          <p:cNvGrpSpPr/>
+          <p:nvPr/>
+        </p:nvGrpSpPr>
+        <p:grpSpPr>
+          <a:xfrm>
+            <a:off x="2663638" y="1045101"/>
+            <a:ext cx="666895" cy="86434"/>
+            <a:chOff x="4592177" y="4419530"/>
+            <a:chExt cx="666895" cy="86434"/>
+          </a:xfrm>
+        </p:grpSpPr>
+        <p:cxnSp>
+          <p:nvCxnSpPr>
+            <p:cNvPr id="59" name="Connettore 1 58"/>
+            <p:cNvCxnSpPr/>
+            <p:nvPr/>
+          </p:nvCxnSpPr>
+          <p:spPr>
+            <a:xfrm>
+              <a:off x="4611000" y="4462747"/>
+              <a:ext cx="648072" cy="0"/>
+            </a:xfrm>
+            <a:prstGeom prst="line">
+              <a:avLst/>
+            </a:prstGeom>
+            <a:ln/>
+          </p:spPr>
+          <p:style>
+            <a:lnRef idx="1">
+              <a:schemeClr val="accent6"/>
+            </a:lnRef>
+            <a:fillRef idx="2">
+              <a:schemeClr val="accent6"/>
+            </a:fillRef>
+            <a:effectRef idx="1">
+              <a:schemeClr val="accent6"/>
+            </a:effectRef>
+            <a:fontRef idx="minor">
+              <a:schemeClr val="dk1"/>
+            </a:fontRef>
+          </p:style>
+        </p:cxnSp>
+        <p:sp>
+          <p:nvSpPr>
+            <p:cNvPr id="60" name="Triangolo isoscele 59"/>
+            <p:cNvSpPr/>
+            <p:nvPr/>
+          </p:nvSpPr>
+          <p:spPr>
+            <a:xfrm rot="16200000">
+              <a:off x="4618592" y="4393115"/>
+              <a:ext cx="86434" cy="139263"/>
+            </a:xfrm>
+            <a:prstGeom prst="triangle">
+              <a:avLst/>
+            </a:prstGeom>
+            <a:ln/>
+          </p:spPr>
+          <p:style>
+            <a:lnRef idx="1">
+              <a:schemeClr val="accent6"/>
+            </a:lnRef>
+            <a:fillRef idx="2">
+              <a:schemeClr val="accent6"/>
+            </a:fillRef>
+            <a:effectRef idx="1">
+              <a:schemeClr val="accent6"/>
+            </a:effectRef>
+            <a:fontRef idx="minor">
+              <a:schemeClr val="dk1"/>
+            </a:fontRef>
+          </p:style>
+          <p:txBody>
+            <a:bodyPr rtlCol="0" anchor="ctr"/>
+            <a:lstStyle/>
+            <a:p>
+              <a:pPr algn="ctr"/>
+              <a:endParaRPr lang="en-GB" sz="1200"/>
+            </a:p>
+          </p:txBody>
+        </p:sp>
+      </p:grpSp>
+      <p:sp>
+        <p:nvSpPr>
+          <p:cNvPr id="65" name="Ovale 64"/>
+          <p:cNvSpPr/>
+          <p:nvPr/>
+        </p:nvSpPr>
+        <p:spPr>
+          <a:xfrm>
+            <a:off x="3552215" y="2047648"/>
+            <a:ext cx="2645761" cy="726799"/>
+          </a:xfrm>
+          <a:prstGeom prst="ellipse">
+            <a:avLst/>
+          </a:prstGeom>
+        </p:spPr>
+        <p:style>
+          <a:lnRef idx="1">
+            <a:schemeClr val="accent5"/>
+          </a:lnRef>
+          <a:fillRef idx="2">
+            <a:schemeClr val="accent5"/>
+          </a:fillRef>
+          <a:effectRef idx="1">
+            <a:schemeClr val="accent5"/>
+          </a:effectRef>
+          <a:fontRef idx="minor">
+            <a:schemeClr val="dk1"/>
+          </a:fontRef>
+        </p:style>
+        <p:txBody>
+          <a:bodyPr rtlCol="0" anchor="ctr"/>
+          <a:lstStyle/>
+          <a:p>
+            <a:r>
+              <a:rPr lang="en-GB" sz="1600" dirty="0" err="1"/>
+              <a:t>dataHandlerFactory</a:t>
+            </a:r>
+            <a:endParaRPr lang="en-GB" sz="1600" dirty="0"/>
+          </a:p>
+        </p:txBody>
+      </p:sp>
+      <p:sp>
+        <p:nvSpPr>
+          <p:cNvPr id="67" name="Ovale 66"/>
+          <p:cNvSpPr/>
+          <p:nvPr/>
+        </p:nvSpPr>
+        <p:spPr>
+          <a:xfrm>
+            <a:off x="4238217" y="2963567"/>
+            <a:ext cx="2837354" cy="726799"/>
+          </a:xfrm>
+          <a:prstGeom prst="ellipse">
+            <a:avLst/>
+          </a:prstGeom>
+        </p:spPr>
+        <p:style>
+          <a:lnRef idx="1">
+            <a:schemeClr val="accent5"/>
+          </a:lnRef>
+          <a:fillRef idx="2">
+            <a:schemeClr val="accent5"/>
+          </a:fillRef>
+          <a:effectRef idx="1">
+            <a:schemeClr val="accent5"/>
+          </a:effectRef>
+          <a:fontRef idx="minor">
+            <a:schemeClr val="dk1"/>
+          </a:fontRef>
+        </p:style>
+        <p:txBody>
+          <a:bodyPr rtlCol="0" anchor="ctr"/>
+          <a:lstStyle/>
+          <a:p>
+            <a:r>
+              <a:rPr lang="en-GB" sz="1600" dirty="0" err="1"/>
+              <a:t>HandlebarsConverter</a:t>
+            </a:r>
+            <a:endParaRPr lang="en-GB" sz="1600" dirty="0"/>
+          </a:p>
+        </p:txBody>
+      </p:sp>
+      <p:sp>
+        <p:nvSpPr>
+          <p:cNvPr id="68" name="Ovale 67"/>
+          <p:cNvSpPr/>
+          <p:nvPr/>
+        </p:nvSpPr>
+        <p:spPr>
+          <a:xfrm>
+            <a:off x="3899660" y="3861048"/>
+            <a:ext cx="2837354" cy="726799"/>
+          </a:xfrm>
+          <a:prstGeom prst="ellipse">
+            <a:avLst/>
+          </a:prstGeom>
+        </p:spPr>
+        <p:style>
+          <a:lnRef idx="1">
+            <a:schemeClr val="accent5"/>
+          </a:lnRef>
+          <a:fillRef idx="2">
+            <a:schemeClr val="accent5"/>
+          </a:fillRef>
+          <a:effectRef idx="1">
+            <a:schemeClr val="accent5"/>
+          </a:effectRef>
+          <a:fontRef idx="minor">
+            <a:schemeClr val="dk1"/>
+          </a:fontRef>
+        </p:style>
+        <p:txBody>
+          <a:bodyPr rtlCol="0" anchor="ctr"/>
+          <a:lstStyle/>
+          <a:p>
+            <a:r>
+              <a:rPr lang="en-GB" sz="1600" dirty="0" err="1"/>
+              <a:t>generateResult</a:t>
+            </a:r>
+            <a:endParaRPr lang="en-GB" sz="1600" dirty="0"/>
+          </a:p>
+        </p:txBody>
+      </p:sp>
     </p:spTree>
     <p:extLst>
       <p:ext uri="{BB962C8B-B14F-4D97-AF65-F5344CB8AC3E}">
-        <p14:creationId xmlns:p14="http://schemas.microsoft.com/office/powerpoint/2010/main" val="2167669677"/>
+        <p14:creationId xmlns:p14="http://schemas.microsoft.com/office/powerpoint/2010/main" val="294225988"/>
       </p:ext>
     </p:extLst>
   </p:cSld>
@@ -25595,7 +26296,7 @@
       </p:grpSpPr>
       <p:pic>
         <p:nvPicPr>
-          <p:cNvPr id="3" name="Picture 2"/>
+          <p:cNvPr id="1027" name="Picture 3"/>
           <p:cNvPicPr>
             <a:picLocks noChangeAspect="1" noChangeArrowheads="1"/>
           </p:cNvPicPr>
@@ -25616,8 +26317,8 @@
         </p:blipFill>
         <p:spPr bwMode="auto">
           <a:xfrm>
-            <a:off x="0" y="176213"/>
-            <a:ext cx="9144000" cy="4886817"/>
+            <a:off x="1252538" y="1119188"/>
+            <a:ext cx="6638925" cy="4619625"/>
           </a:xfrm>
           <a:prstGeom prst="rect">
             <a:avLst/>
@@ -25647,420 +26348,10 @@
           </a:extLst>
         </p:spPr>
       </p:pic>
-      <p:sp>
-        <p:nvSpPr>
-          <p:cNvPr id="2" name="Rettangolo arrotondato 1"/>
-          <p:cNvSpPr/>
-          <p:nvPr/>
-        </p:nvSpPr>
-        <p:spPr>
-          <a:xfrm>
-            <a:off x="4716016" y="770721"/>
-            <a:ext cx="3528392" cy="648072"/>
-          </a:xfrm>
-          <a:prstGeom prst="roundRect">
-            <a:avLst/>
-          </a:prstGeom>
-        </p:spPr>
-        <p:style>
-          <a:lnRef idx="1">
-            <a:schemeClr val="accent6"/>
-          </a:lnRef>
-          <a:fillRef idx="2">
-            <a:schemeClr val="accent6"/>
-          </a:fillRef>
-          <a:effectRef idx="1">
-            <a:schemeClr val="accent6"/>
-          </a:effectRef>
-          <a:fontRef idx="minor">
-            <a:schemeClr val="dk1"/>
-          </a:fontRef>
-        </p:style>
-        <p:txBody>
-          <a:bodyPr rtlCol="0" anchor="ctr"/>
-          <a:lstStyle/>
-          <a:p>
-            <a:pPr algn="ctr"/>
-            <a:r>
-              <a:rPr lang="it-IT" dirty="0" smtClean="0"/>
-              <a:t>OPERAZIONI –CRUD </a:t>
-            </a:r>
-          </a:p>
-          <a:p>
-            <a:pPr algn="ctr"/>
-            <a:r>
-              <a:rPr lang="it-IT" dirty="0" smtClean="0"/>
-              <a:t>(</a:t>
-            </a:r>
-            <a:r>
-              <a:rPr lang="it-IT" dirty="0"/>
-              <a:t>API </a:t>
-            </a:r>
-            <a:r>
-              <a:rPr lang="it-IT" dirty="0" smtClean="0"/>
-              <a:t> </a:t>
-            </a:r>
-            <a:r>
-              <a:rPr lang="it-IT" dirty="0" err="1" smtClean="0"/>
-              <a:t>Synch</a:t>
-            </a:r>
-            <a:r>
-              <a:rPr lang="it-IT" dirty="0" smtClean="0"/>
-              <a:t> /</a:t>
-            </a:r>
-            <a:r>
-              <a:rPr lang="it-IT" dirty="0" err="1" smtClean="0"/>
-              <a:t>Asynch</a:t>
-            </a:r>
-            <a:r>
-              <a:rPr lang="it-IT" dirty="0" smtClean="0"/>
-              <a:t>)</a:t>
-            </a:r>
-            <a:endParaRPr lang="en-GB" dirty="0"/>
-          </a:p>
-        </p:txBody>
-      </p:sp>
-      <p:cxnSp>
-        <p:nvCxnSpPr>
-          <p:cNvPr id="5" name="Connettore 2 4"/>
-          <p:cNvCxnSpPr>
-            <a:stCxn id="2" idx="1"/>
-          </p:cNvCxnSpPr>
-          <p:nvPr/>
-        </p:nvCxnSpPr>
-        <p:spPr>
-          <a:xfrm flipH="1">
-            <a:off x="2915816" y="1094757"/>
-            <a:ext cx="1800200" cy="750067"/>
-          </a:xfrm>
-          <a:prstGeom prst="straightConnector1">
-            <a:avLst/>
-          </a:prstGeom>
-          <a:ln>
-            <a:tailEnd type="arrow"/>
-          </a:ln>
-        </p:spPr>
-        <p:style>
-          <a:lnRef idx="1">
-            <a:schemeClr val="accent1"/>
-          </a:lnRef>
-          <a:fillRef idx="0">
-            <a:schemeClr val="accent1"/>
-          </a:fillRef>
-          <a:effectRef idx="0">
-            <a:schemeClr val="accent1"/>
-          </a:effectRef>
-          <a:fontRef idx="minor">
-            <a:schemeClr val="tx1"/>
-          </a:fontRef>
-        </p:style>
-      </p:cxnSp>
-      <p:sp>
-        <p:nvSpPr>
-          <p:cNvPr id="7" name="Rettangolo arrotondato 6"/>
-          <p:cNvSpPr/>
-          <p:nvPr/>
-        </p:nvSpPr>
-        <p:spPr>
-          <a:xfrm>
-            <a:off x="5940152" y="1418793"/>
-            <a:ext cx="3203848" cy="648072"/>
-          </a:xfrm>
-          <a:prstGeom prst="roundRect">
-            <a:avLst/>
-          </a:prstGeom>
-        </p:spPr>
-        <p:style>
-          <a:lnRef idx="1">
-            <a:schemeClr val="accent6"/>
-          </a:lnRef>
-          <a:fillRef idx="2">
-            <a:schemeClr val="accent6"/>
-          </a:fillRef>
-          <a:effectRef idx="1">
-            <a:schemeClr val="accent6"/>
-          </a:effectRef>
-          <a:fontRef idx="minor">
-            <a:schemeClr val="dk1"/>
-          </a:fontRef>
-        </p:style>
-        <p:txBody>
-          <a:bodyPr rtlCol="0" anchor="ctr"/>
-          <a:lstStyle/>
-          <a:p>
-            <a:pPr algn="ctr"/>
-            <a:r>
-              <a:rPr lang="it-IT" dirty="0" smtClean="0"/>
-              <a:t>Esperimenti</a:t>
-            </a:r>
-          </a:p>
-          <a:p>
-            <a:pPr algn="ctr"/>
-            <a:r>
-              <a:rPr lang="it-IT" dirty="0" smtClean="0"/>
-              <a:t>Conversione HL7/FHIR</a:t>
-            </a:r>
-            <a:endParaRPr lang="en-GB" dirty="0"/>
-          </a:p>
-        </p:txBody>
-      </p:sp>
-      <p:cxnSp>
-        <p:nvCxnSpPr>
-          <p:cNvPr id="8" name="Connettore 2 7"/>
-          <p:cNvCxnSpPr/>
-          <p:nvPr/>
-        </p:nvCxnSpPr>
-        <p:spPr>
-          <a:xfrm flipH="1">
-            <a:off x="6300192" y="2066865"/>
-            <a:ext cx="1241884" cy="1146111"/>
-          </a:xfrm>
-          <a:prstGeom prst="straightConnector1">
-            <a:avLst/>
-          </a:prstGeom>
-          <a:ln>
-            <a:tailEnd type="arrow"/>
-          </a:ln>
-        </p:spPr>
-        <p:style>
-          <a:lnRef idx="1">
-            <a:schemeClr val="accent1"/>
-          </a:lnRef>
-          <a:fillRef idx="0">
-            <a:schemeClr val="accent1"/>
-          </a:fillRef>
-          <a:effectRef idx="0">
-            <a:schemeClr val="accent1"/>
-          </a:effectRef>
-          <a:fontRef idx="minor">
-            <a:schemeClr val="tx1"/>
-          </a:fontRef>
-        </p:style>
-      </p:cxnSp>
-      <p:sp>
-        <p:nvSpPr>
-          <p:cNvPr id="13" name="Rettangolo arrotondato 12"/>
-          <p:cNvSpPr/>
-          <p:nvPr/>
-        </p:nvSpPr>
-        <p:spPr>
-          <a:xfrm>
-            <a:off x="539552" y="176213"/>
-            <a:ext cx="3456384" cy="648072"/>
-          </a:xfrm>
-          <a:prstGeom prst="roundRect">
-            <a:avLst/>
-          </a:prstGeom>
-        </p:spPr>
-        <p:style>
-          <a:lnRef idx="1">
-            <a:schemeClr val="accent6"/>
-          </a:lnRef>
-          <a:fillRef idx="2">
-            <a:schemeClr val="accent6"/>
-          </a:fillRef>
-          <a:effectRef idx="1">
-            <a:schemeClr val="accent6"/>
-          </a:effectRef>
-          <a:fontRef idx="minor">
-            <a:schemeClr val="dk1"/>
-          </a:fontRef>
-        </p:style>
-        <p:txBody>
-          <a:bodyPr rtlCol="0" anchor="ctr"/>
-          <a:lstStyle/>
-          <a:p>
-            <a:pPr algn="ctr"/>
-            <a:r>
-              <a:rPr lang="it-IT" dirty="0" smtClean="0"/>
-              <a:t>Definizione del server </a:t>
-            </a:r>
-            <a:r>
-              <a:rPr lang="it-IT" dirty="0" err="1" smtClean="0"/>
-              <a:t>CentroHelath</a:t>
-            </a:r>
-            <a:endParaRPr lang="en-GB" dirty="0"/>
-          </a:p>
-        </p:txBody>
-      </p:sp>
-      <p:cxnSp>
-        <p:nvCxnSpPr>
-          <p:cNvPr id="14" name="Connettore 2 13"/>
-          <p:cNvCxnSpPr>
-            <a:stCxn id="13" idx="2"/>
-          </p:cNvCxnSpPr>
-          <p:nvPr/>
-        </p:nvCxnSpPr>
-        <p:spPr>
-          <a:xfrm>
-            <a:off x="2267744" y="824285"/>
-            <a:ext cx="648072" cy="645505"/>
-          </a:xfrm>
-          <a:prstGeom prst="straightConnector1">
-            <a:avLst/>
-          </a:prstGeom>
-          <a:ln>
-            <a:tailEnd type="arrow"/>
-          </a:ln>
-        </p:spPr>
-        <p:style>
-          <a:lnRef idx="1">
-            <a:schemeClr val="accent1"/>
-          </a:lnRef>
-          <a:fillRef idx="0">
-            <a:schemeClr val="accent1"/>
-          </a:fillRef>
-          <a:effectRef idx="0">
-            <a:schemeClr val="accent1"/>
-          </a:effectRef>
-          <a:fontRef idx="minor">
-            <a:schemeClr val="tx1"/>
-          </a:fontRef>
-        </p:style>
-      </p:cxnSp>
-      <p:sp>
-        <p:nvSpPr>
-          <p:cNvPr id="16" name="Rettangolo arrotondato 15"/>
-          <p:cNvSpPr/>
-          <p:nvPr/>
-        </p:nvSpPr>
-        <p:spPr>
-          <a:xfrm>
-            <a:off x="5436096" y="3861048"/>
-            <a:ext cx="3203848" cy="648072"/>
-          </a:xfrm>
-          <a:prstGeom prst="roundRect">
-            <a:avLst/>
-          </a:prstGeom>
-        </p:spPr>
-        <p:style>
-          <a:lnRef idx="1">
-            <a:schemeClr val="accent6"/>
-          </a:lnRef>
-          <a:fillRef idx="2">
-            <a:schemeClr val="accent6"/>
-          </a:fillRef>
-          <a:effectRef idx="1">
-            <a:schemeClr val="accent6"/>
-          </a:effectRef>
-          <a:fontRef idx="minor">
-            <a:schemeClr val="dk1"/>
-          </a:fontRef>
-        </p:style>
-        <p:txBody>
-          <a:bodyPr rtlCol="0" anchor="ctr"/>
-          <a:lstStyle/>
-          <a:p>
-            <a:pPr algn="ctr"/>
-            <a:r>
-              <a:rPr lang="it-IT" dirty="0" smtClean="0"/>
-              <a:t>Esperimenti</a:t>
-            </a:r>
-          </a:p>
-          <a:p>
-            <a:pPr algn="ctr"/>
-            <a:r>
-              <a:rPr lang="it-IT" dirty="0" err="1" smtClean="0"/>
-              <a:t>Flux</a:t>
-            </a:r>
-            <a:r>
-              <a:rPr lang="it-IT" dirty="0" smtClean="0"/>
-              <a:t> (Hot e </a:t>
-            </a:r>
-            <a:r>
-              <a:rPr lang="it-IT" dirty="0" err="1" smtClean="0"/>
-              <a:t>Cold</a:t>
-            </a:r>
-            <a:r>
-              <a:rPr lang="it-IT" dirty="0" smtClean="0"/>
-              <a:t>)</a:t>
-            </a:r>
-            <a:endParaRPr lang="en-GB" dirty="0"/>
-          </a:p>
-        </p:txBody>
-      </p:sp>
-      <p:cxnSp>
-        <p:nvCxnSpPr>
-          <p:cNvPr id="17" name="Connettore 2 16"/>
-          <p:cNvCxnSpPr>
-            <a:stCxn id="16" idx="1"/>
-          </p:cNvCxnSpPr>
-          <p:nvPr/>
-        </p:nvCxnSpPr>
-        <p:spPr>
-          <a:xfrm flipH="1">
-            <a:off x="4211960" y="4185084"/>
-            <a:ext cx="1224136" cy="396044"/>
-          </a:xfrm>
-          <a:prstGeom prst="straightConnector1">
-            <a:avLst/>
-          </a:prstGeom>
-          <a:ln>
-            <a:tailEnd type="arrow"/>
-          </a:ln>
-        </p:spPr>
-        <p:style>
-          <a:lnRef idx="1">
-            <a:schemeClr val="accent1"/>
-          </a:lnRef>
-          <a:fillRef idx="0">
-            <a:schemeClr val="accent1"/>
-          </a:fillRef>
-          <a:effectRef idx="0">
-            <a:schemeClr val="accent1"/>
-          </a:effectRef>
-          <a:fontRef idx="minor">
-            <a:schemeClr val="tx1"/>
-          </a:fontRef>
-        </p:style>
-      </p:cxnSp>
-      <p:sp>
-        <p:nvSpPr>
-          <p:cNvPr id="18" name="Rettangolo 17"/>
-          <p:cNvSpPr/>
-          <p:nvPr/>
-        </p:nvSpPr>
-        <p:spPr>
-          <a:xfrm>
-            <a:off x="107504" y="4725145"/>
-            <a:ext cx="1619672" cy="311630"/>
-          </a:xfrm>
-          <a:prstGeom prst="rect">
-            <a:avLst/>
-          </a:prstGeom>
-          <a:ln>
-            <a:solidFill>
-              <a:schemeClr val="bg1"/>
-            </a:solidFill>
-          </a:ln>
-        </p:spPr>
-        <p:style>
-          <a:lnRef idx="2">
-            <a:schemeClr val="accent5"/>
-          </a:lnRef>
-          <a:fillRef idx="1">
-            <a:schemeClr val="lt1"/>
-          </a:fillRef>
-          <a:effectRef idx="0">
-            <a:schemeClr val="accent5"/>
-          </a:effectRef>
-          <a:fontRef idx="minor">
-            <a:schemeClr val="dk1"/>
-          </a:fontRef>
-        </p:style>
-        <p:txBody>
-          <a:bodyPr rtlCol="0" anchor="ctr"/>
-          <a:lstStyle/>
-          <a:p>
-            <a:pPr algn="ctr"/>
-            <a:endParaRPr lang="en-GB"/>
-          </a:p>
-        </p:txBody>
-      </p:sp>
     </p:spTree>
     <p:extLst>
       <p:ext uri="{BB962C8B-B14F-4D97-AF65-F5344CB8AC3E}">
-        <p14:creationId xmlns:p14="http://schemas.microsoft.com/office/powerpoint/2010/main" val="1461316647"/>
+        <p14:creationId xmlns:p14="http://schemas.microsoft.com/office/powerpoint/2010/main" val="2167669677"/>
       </p:ext>
     </p:extLst>
   </p:cSld>
@@ -26089,7 +26380,7 @@
       </p:grpSpPr>
       <p:pic>
         <p:nvPicPr>
-          <p:cNvPr id="3074" name="Picture 2"/>
+          <p:cNvPr id="3" name="Picture 2"/>
           <p:cNvPicPr>
             <a:picLocks noChangeAspect="1" noChangeArrowheads="1"/>
           </p:cNvPicPr>
@@ -26110,8 +26401,8 @@
         </p:blipFill>
         <p:spPr bwMode="auto">
           <a:xfrm>
-            <a:off x="1252538" y="600075"/>
-            <a:ext cx="6638925" cy="5657850"/>
+            <a:off x="0" y="176213"/>
+            <a:ext cx="9144000" cy="4886817"/>
           </a:xfrm>
           <a:prstGeom prst="rect">
             <a:avLst/>
@@ -26141,10 +26432,420 @@
           </a:extLst>
         </p:spPr>
       </p:pic>
+      <p:sp>
+        <p:nvSpPr>
+          <p:cNvPr id="2" name="Rettangolo arrotondato 1"/>
+          <p:cNvSpPr/>
+          <p:nvPr/>
+        </p:nvSpPr>
+        <p:spPr>
+          <a:xfrm>
+            <a:off x="4716016" y="770721"/>
+            <a:ext cx="3528392" cy="648072"/>
+          </a:xfrm>
+          <a:prstGeom prst="roundRect">
+            <a:avLst/>
+          </a:prstGeom>
+        </p:spPr>
+        <p:style>
+          <a:lnRef idx="1">
+            <a:schemeClr val="accent6"/>
+          </a:lnRef>
+          <a:fillRef idx="2">
+            <a:schemeClr val="accent6"/>
+          </a:fillRef>
+          <a:effectRef idx="1">
+            <a:schemeClr val="accent6"/>
+          </a:effectRef>
+          <a:fontRef idx="minor">
+            <a:schemeClr val="dk1"/>
+          </a:fontRef>
+        </p:style>
+        <p:txBody>
+          <a:bodyPr rtlCol="0" anchor="ctr"/>
+          <a:lstStyle/>
+          <a:p>
+            <a:pPr algn="ctr"/>
+            <a:r>
+              <a:rPr lang="it-IT" dirty="0" smtClean="0"/>
+              <a:t>OPERAZIONI –CRUD </a:t>
+            </a:r>
+          </a:p>
+          <a:p>
+            <a:pPr algn="ctr"/>
+            <a:r>
+              <a:rPr lang="it-IT" dirty="0" smtClean="0"/>
+              <a:t>(</a:t>
+            </a:r>
+            <a:r>
+              <a:rPr lang="it-IT" dirty="0"/>
+              <a:t>API </a:t>
+            </a:r>
+            <a:r>
+              <a:rPr lang="it-IT" dirty="0" smtClean="0"/>
+              <a:t> </a:t>
+            </a:r>
+            <a:r>
+              <a:rPr lang="it-IT" dirty="0" err="1" smtClean="0"/>
+              <a:t>Synch</a:t>
+            </a:r>
+            <a:r>
+              <a:rPr lang="it-IT" dirty="0" smtClean="0"/>
+              <a:t> /</a:t>
+            </a:r>
+            <a:r>
+              <a:rPr lang="it-IT" dirty="0" err="1" smtClean="0"/>
+              <a:t>Asynch</a:t>
+            </a:r>
+            <a:r>
+              <a:rPr lang="it-IT" dirty="0" smtClean="0"/>
+              <a:t>)</a:t>
+            </a:r>
+            <a:endParaRPr lang="en-GB" dirty="0"/>
+          </a:p>
+        </p:txBody>
+      </p:sp>
+      <p:cxnSp>
+        <p:nvCxnSpPr>
+          <p:cNvPr id="5" name="Connettore 2 4"/>
+          <p:cNvCxnSpPr>
+            <a:stCxn id="2" idx="1"/>
+          </p:cNvCxnSpPr>
+          <p:nvPr/>
+        </p:nvCxnSpPr>
+        <p:spPr>
+          <a:xfrm flipH="1">
+            <a:off x="2915816" y="1094757"/>
+            <a:ext cx="1800200" cy="750067"/>
+          </a:xfrm>
+          <a:prstGeom prst="straightConnector1">
+            <a:avLst/>
+          </a:prstGeom>
+          <a:ln>
+            <a:tailEnd type="arrow"/>
+          </a:ln>
+        </p:spPr>
+        <p:style>
+          <a:lnRef idx="1">
+            <a:schemeClr val="accent1"/>
+          </a:lnRef>
+          <a:fillRef idx="0">
+            <a:schemeClr val="accent1"/>
+          </a:fillRef>
+          <a:effectRef idx="0">
+            <a:schemeClr val="accent1"/>
+          </a:effectRef>
+          <a:fontRef idx="minor">
+            <a:schemeClr val="tx1"/>
+          </a:fontRef>
+        </p:style>
+      </p:cxnSp>
+      <p:sp>
+        <p:nvSpPr>
+          <p:cNvPr id="7" name="Rettangolo arrotondato 6"/>
+          <p:cNvSpPr/>
+          <p:nvPr/>
+        </p:nvSpPr>
+        <p:spPr>
+          <a:xfrm>
+            <a:off x="5940152" y="1418793"/>
+            <a:ext cx="3203848" cy="648072"/>
+          </a:xfrm>
+          <a:prstGeom prst="roundRect">
+            <a:avLst/>
+          </a:prstGeom>
+        </p:spPr>
+        <p:style>
+          <a:lnRef idx="1">
+            <a:schemeClr val="accent6"/>
+          </a:lnRef>
+          <a:fillRef idx="2">
+            <a:schemeClr val="accent6"/>
+          </a:fillRef>
+          <a:effectRef idx="1">
+            <a:schemeClr val="accent6"/>
+          </a:effectRef>
+          <a:fontRef idx="minor">
+            <a:schemeClr val="dk1"/>
+          </a:fontRef>
+        </p:style>
+        <p:txBody>
+          <a:bodyPr rtlCol="0" anchor="ctr"/>
+          <a:lstStyle/>
+          <a:p>
+            <a:pPr algn="ctr"/>
+            <a:r>
+              <a:rPr lang="it-IT" dirty="0" smtClean="0"/>
+              <a:t>Esperimenti</a:t>
+            </a:r>
+          </a:p>
+          <a:p>
+            <a:pPr algn="ctr"/>
+            <a:r>
+              <a:rPr lang="it-IT" dirty="0" smtClean="0"/>
+              <a:t>Conversione HL7/FHIR</a:t>
+            </a:r>
+            <a:endParaRPr lang="en-GB" dirty="0"/>
+          </a:p>
+        </p:txBody>
+      </p:sp>
+      <p:cxnSp>
+        <p:nvCxnSpPr>
+          <p:cNvPr id="8" name="Connettore 2 7"/>
+          <p:cNvCxnSpPr/>
+          <p:nvPr/>
+        </p:nvCxnSpPr>
+        <p:spPr>
+          <a:xfrm flipH="1">
+            <a:off x="6300192" y="2066865"/>
+            <a:ext cx="1241884" cy="1146111"/>
+          </a:xfrm>
+          <a:prstGeom prst="straightConnector1">
+            <a:avLst/>
+          </a:prstGeom>
+          <a:ln>
+            <a:tailEnd type="arrow"/>
+          </a:ln>
+        </p:spPr>
+        <p:style>
+          <a:lnRef idx="1">
+            <a:schemeClr val="accent1"/>
+          </a:lnRef>
+          <a:fillRef idx="0">
+            <a:schemeClr val="accent1"/>
+          </a:fillRef>
+          <a:effectRef idx="0">
+            <a:schemeClr val="accent1"/>
+          </a:effectRef>
+          <a:fontRef idx="minor">
+            <a:schemeClr val="tx1"/>
+          </a:fontRef>
+        </p:style>
+      </p:cxnSp>
+      <p:sp>
+        <p:nvSpPr>
+          <p:cNvPr id="13" name="Rettangolo arrotondato 12"/>
+          <p:cNvSpPr/>
+          <p:nvPr/>
+        </p:nvSpPr>
+        <p:spPr>
+          <a:xfrm>
+            <a:off x="539552" y="176213"/>
+            <a:ext cx="3456384" cy="648072"/>
+          </a:xfrm>
+          <a:prstGeom prst="roundRect">
+            <a:avLst/>
+          </a:prstGeom>
+        </p:spPr>
+        <p:style>
+          <a:lnRef idx="1">
+            <a:schemeClr val="accent6"/>
+          </a:lnRef>
+          <a:fillRef idx="2">
+            <a:schemeClr val="accent6"/>
+          </a:fillRef>
+          <a:effectRef idx="1">
+            <a:schemeClr val="accent6"/>
+          </a:effectRef>
+          <a:fontRef idx="minor">
+            <a:schemeClr val="dk1"/>
+          </a:fontRef>
+        </p:style>
+        <p:txBody>
+          <a:bodyPr rtlCol="0" anchor="ctr"/>
+          <a:lstStyle/>
+          <a:p>
+            <a:pPr algn="ctr"/>
+            <a:r>
+              <a:rPr lang="it-IT" dirty="0" smtClean="0"/>
+              <a:t>Definizione del server </a:t>
+            </a:r>
+            <a:r>
+              <a:rPr lang="it-IT" dirty="0" err="1" smtClean="0"/>
+              <a:t>CentroHelath</a:t>
+            </a:r>
+            <a:endParaRPr lang="en-GB" dirty="0"/>
+          </a:p>
+        </p:txBody>
+      </p:sp>
+      <p:cxnSp>
+        <p:nvCxnSpPr>
+          <p:cNvPr id="14" name="Connettore 2 13"/>
+          <p:cNvCxnSpPr>
+            <a:stCxn id="13" idx="2"/>
+          </p:cNvCxnSpPr>
+          <p:nvPr/>
+        </p:nvCxnSpPr>
+        <p:spPr>
+          <a:xfrm>
+            <a:off x="2267744" y="824285"/>
+            <a:ext cx="648072" cy="645505"/>
+          </a:xfrm>
+          <a:prstGeom prst="straightConnector1">
+            <a:avLst/>
+          </a:prstGeom>
+          <a:ln>
+            <a:tailEnd type="arrow"/>
+          </a:ln>
+        </p:spPr>
+        <p:style>
+          <a:lnRef idx="1">
+            <a:schemeClr val="accent1"/>
+          </a:lnRef>
+          <a:fillRef idx="0">
+            <a:schemeClr val="accent1"/>
+          </a:fillRef>
+          <a:effectRef idx="0">
+            <a:schemeClr val="accent1"/>
+          </a:effectRef>
+          <a:fontRef idx="minor">
+            <a:schemeClr val="tx1"/>
+          </a:fontRef>
+        </p:style>
+      </p:cxnSp>
+      <p:sp>
+        <p:nvSpPr>
+          <p:cNvPr id="16" name="Rettangolo arrotondato 15"/>
+          <p:cNvSpPr/>
+          <p:nvPr/>
+        </p:nvSpPr>
+        <p:spPr>
+          <a:xfrm>
+            <a:off x="5436096" y="3861048"/>
+            <a:ext cx="3203848" cy="648072"/>
+          </a:xfrm>
+          <a:prstGeom prst="roundRect">
+            <a:avLst/>
+          </a:prstGeom>
+        </p:spPr>
+        <p:style>
+          <a:lnRef idx="1">
+            <a:schemeClr val="accent6"/>
+          </a:lnRef>
+          <a:fillRef idx="2">
+            <a:schemeClr val="accent6"/>
+          </a:fillRef>
+          <a:effectRef idx="1">
+            <a:schemeClr val="accent6"/>
+          </a:effectRef>
+          <a:fontRef idx="minor">
+            <a:schemeClr val="dk1"/>
+          </a:fontRef>
+        </p:style>
+        <p:txBody>
+          <a:bodyPr rtlCol="0" anchor="ctr"/>
+          <a:lstStyle/>
+          <a:p>
+            <a:pPr algn="ctr"/>
+            <a:r>
+              <a:rPr lang="it-IT" dirty="0" smtClean="0"/>
+              <a:t>Esperimenti</a:t>
+            </a:r>
+          </a:p>
+          <a:p>
+            <a:pPr algn="ctr"/>
+            <a:r>
+              <a:rPr lang="it-IT" dirty="0" err="1" smtClean="0"/>
+              <a:t>Flux</a:t>
+            </a:r>
+            <a:r>
+              <a:rPr lang="it-IT" dirty="0" smtClean="0"/>
+              <a:t> (Hot e </a:t>
+            </a:r>
+            <a:r>
+              <a:rPr lang="it-IT" dirty="0" err="1" smtClean="0"/>
+              <a:t>Cold</a:t>
+            </a:r>
+            <a:r>
+              <a:rPr lang="it-IT" dirty="0" smtClean="0"/>
+              <a:t>)</a:t>
+            </a:r>
+            <a:endParaRPr lang="en-GB" dirty="0"/>
+          </a:p>
+        </p:txBody>
+      </p:sp>
+      <p:cxnSp>
+        <p:nvCxnSpPr>
+          <p:cNvPr id="17" name="Connettore 2 16"/>
+          <p:cNvCxnSpPr>
+            <a:stCxn id="16" idx="1"/>
+          </p:cNvCxnSpPr>
+          <p:nvPr/>
+        </p:nvCxnSpPr>
+        <p:spPr>
+          <a:xfrm flipH="1">
+            <a:off x="4211960" y="4185084"/>
+            <a:ext cx="1224136" cy="396044"/>
+          </a:xfrm>
+          <a:prstGeom prst="straightConnector1">
+            <a:avLst/>
+          </a:prstGeom>
+          <a:ln>
+            <a:tailEnd type="arrow"/>
+          </a:ln>
+        </p:spPr>
+        <p:style>
+          <a:lnRef idx="1">
+            <a:schemeClr val="accent1"/>
+          </a:lnRef>
+          <a:fillRef idx="0">
+            <a:schemeClr val="accent1"/>
+          </a:fillRef>
+          <a:effectRef idx="0">
+            <a:schemeClr val="accent1"/>
+          </a:effectRef>
+          <a:fontRef idx="minor">
+            <a:schemeClr val="tx1"/>
+          </a:fontRef>
+        </p:style>
+      </p:cxnSp>
+      <p:sp>
+        <p:nvSpPr>
+          <p:cNvPr id="18" name="Rettangolo 17"/>
+          <p:cNvSpPr/>
+          <p:nvPr/>
+        </p:nvSpPr>
+        <p:spPr>
+          <a:xfrm>
+            <a:off x="107504" y="4725145"/>
+            <a:ext cx="1619672" cy="311630"/>
+          </a:xfrm>
+          <a:prstGeom prst="rect">
+            <a:avLst/>
+          </a:prstGeom>
+          <a:ln>
+            <a:solidFill>
+              <a:schemeClr val="bg1"/>
+            </a:solidFill>
+          </a:ln>
+        </p:spPr>
+        <p:style>
+          <a:lnRef idx="2">
+            <a:schemeClr val="accent5"/>
+          </a:lnRef>
+          <a:fillRef idx="1">
+            <a:schemeClr val="lt1"/>
+          </a:fillRef>
+          <a:effectRef idx="0">
+            <a:schemeClr val="accent5"/>
+          </a:effectRef>
+          <a:fontRef idx="minor">
+            <a:schemeClr val="dk1"/>
+          </a:fontRef>
+        </p:style>
+        <p:txBody>
+          <a:bodyPr rtlCol="0" anchor="ctr"/>
+          <a:lstStyle/>
+          <a:p>
+            <a:pPr algn="ctr"/>
+            <a:endParaRPr lang="en-GB"/>
+          </a:p>
+        </p:txBody>
+      </p:sp>
     </p:spTree>
     <p:extLst>
       <p:ext uri="{BB962C8B-B14F-4D97-AF65-F5344CB8AC3E}">
-        <p14:creationId xmlns:p14="http://schemas.microsoft.com/office/powerpoint/2010/main" val="3157537335"/>
+        <p14:creationId xmlns:p14="http://schemas.microsoft.com/office/powerpoint/2010/main" val="1461316647"/>
       </p:ext>
     </p:extLst>
   </p:cSld>
@@ -26173,7 +26874,7 @@
       </p:grpSpPr>
       <p:pic>
         <p:nvPicPr>
-          <p:cNvPr id="1026" name="Picture 2"/>
+          <p:cNvPr id="3074" name="Picture 2"/>
           <p:cNvPicPr>
             <a:picLocks noChangeAspect="1" noChangeArrowheads="1"/>
           </p:cNvPicPr>
@@ -26194,8 +26895,8 @@
         </p:blipFill>
         <p:spPr bwMode="auto">
           <a:xfrm>
-            <a:off x="1871663" y="766763"/>
-            <a:ext cx="5400675" cy="5324475"/>
+            <a:off x="1252538" y="600075"/>
+            <a:ext cx="6638925" cy="5657850"/>
           </a:xfrm>
           <a:prstGeom prst="rect">
             <a:avLst/>
@@ -26228,6 +26929,90 @@
     </p:spTree>
     <p:extLst>
       <p:ext uri="{BB962C8B-B14F-4D97-AF65-F5344CB8AC3E}">
+        <p14:creationId xmlns:p14="http://schemas.microsoft.com/office/powerpoint/2010/main" val="3157537335"/>
+      </p:ext>
+    </p:extLst>
+  </p:cSld>
+  <p:clrMapOvr>
+    <a:masterClrMapping/>
+  </p:clrMapOvr>
+</p:sld>
+</file>
+
+<file path=ppt/slides/slide25.xml><?xml version="1.0" encoding="utf-8"?>
+<p:sld xmlns:a="http://schemas.openxmlformats.org/drawingml/2006/main" xmlns:r="http://schemas.openxmlformats.org/officeDocument/2006/relationships" xmlns:p="http://schemas.openxmlformats.org/presentationml/2006/main">
+  <p:cSld>
+    <p:spTree>
+      <p:nvGrpSpPr>
+        <p:cNvPr id="1" name=""/>
+        <p:cNvGrpSpPr/>
+        <p:nvPr/>
+      </p:nvGrpSpPr>
+      <p:grpSpPr>
+        <a:xfrm>
+          <a:off x="0" y="0"/>
+          <a:ext cx="0" cy="0"/>
+          <a:chOff x="0" y="0"/>
+          <a:chExt cx="0" cy="0"/>
+        </a:xfrm>
+      </p:grpSpPr>
+      <p:pic>
+        <p:nvPicPr>
+          <p:cNvPr id="1026" name="Picture 2"/>
+          <p:cNvPicPr>
+            <a:picLocks noChangeAspect="1" noChangeArrowheads="1"/>
+          </p:cNvPicPr>
+          <p:nvPr/>
+        </p:nvPicPr>
+        <p:blipFill>
+          <a:blip r:embed="rId2">
+            <a:extLst>
+              <a:ext uri="{28A0092B-C50C-407E-A947-70E740481C1C}">
+                <a14:useLocalDpi xmlns:a14="http://schemas.microsoft.com/office/drawing/2010/main" val="0"/>
+              </a:ext>
+            </a:extLst>
+          </a:blip>
+          <a:srcRect/>
+          <a:stretch>
+            <a:fillRect/>
+          </a:stretch>
+        </p:blipFill>
+        <p:spPr bwMode="auto">
+          <a:xfrm>
+            <a:off x="1871663" y="766763"/>
+            <a:ext cx="5400675" cy="5324475"/>
+          </a:xfrm>
+          <a:prstGeom prst="rect">
+            <a:avLst/>
+          </a:prstGeom>
+          <a:noFill/>
+          <a:ln>
+            <a:noFill/>
+          </a:ln>
+          <a:extLst>
+            <a:ext uri="{909E8E84-426E-40DD-AFC4-6F175D3DCCD1}">
+              <a14:hiddenFill xmlns:a14="http://schemas.microsoft.com/office/drawing/2010/main">
+                <a:solidFill>
+                  <a:schemeClr val="accent1"/>
+                </a:solidFill>
+              </a14:hiddenFill>
+            </a:ext>
+            <a:ext uri="{91240B29-F687-4F45-9708-019B960494DF}">
+              <a14:hiddenLine xmlns:a14="http://schemas.microsoft.com/office/drawing/2010/main" w="9525">
+                <a:solidFill>
+                  <a:schemeClr val="tx1"/>
+                </a:solidFill>
+                <a:miter lim="800000"/>
+                <a:headEnd/>
+                <a:tailEnd/>
+              </a14:hiddenLine>
+            </a:ext>
+          </a:extLst>
+        </p:spPr>
+      </p:pic>
+    </p:spTree>
+    <p:extLst>
+      <p:ext uri="{BB962C8B-B14F-4D97-AF65-F5344CB8AC3E}">
         <p14:creationId xmlns:p14="http://schemas.microsoft.com/office/powerpoint/2010/main" val="1958561616"/>
       </p:ext>
     </p:extLst>
@@ -26238,7 +27023,7 @@
 </p:sld>
 </file>
 
-<file path=ppt/slides/slide25.xml><?xml version="1.0" encoding="utf-8"?>
+<file path=ppt/slides/slide26.xml><?xml version="1.0" encoding="utf-8"?>
 <p:sld xmlns:a="http://schemas.openxmlformats.org/drawingml/2006/main" xmlns:r="http://schemas.openxmlformats.org/officeDocument/2006/relationships" xmlns:p="http://schemas.openxmlformats.org/presentationml/2006/main">
   <p:cSld>
     <p:spTree>
@@ -30583,7 +31368,7 @@
           <p:cNvPr id="51" name="TextBox 50">
             <a:extLst>
               <a:ext uri="{FF2B5EF4-FFF2-40B4-BE49-F238E27FC236}">
-                <a16:creationId xmlns:a16="http://schemas.microsoft.com/office/drawing/2014/main" xmlns="" id="{38D92C47-6A24-433B-A9D7-48400DFBEE88}"/>
+                <a16:creationId xmlns="" xmlns:a16="http://schemas.microsoft.com/office/drawing/2014/main" id="{38D92C47-6A24-433B-A9D7-48400DFBEE88}"/>
               </a:ext>
             </a:extLst>
           </p:cNvPr>
@@ -30624,7 +31409,7 @@
           <p:cNvPr id="52" name="TextBox 51">
             <a:extLst>
               <a:ext uri="{FF2B5EF4-FFF2-40B4-BE49-F238E27FC236}">
-                <a16:creationId xmlns:a16="http://schemas.microsoft.com/office/drawing/2014/main" xmlns="" id="{46370455-EDDE-4BAF-A68F-1E721D22CFA3}"/>
+                <a16:creationId xmlns="" xmlns:a16="http://schemas.microsoft.com/office/drawing/2014/main" id="{46370455-EDDE-4BAF-A68F-1E721D22CFA3}"/>
               </a:ext>
             </a:extLst>
           </p:cNvPr>
@@ -30665,7 +31450,7 @@
           <p:cNvPr id="54" name="TextBox 53">
             <a:extLst>
               <a:ext uri="{FF2B5EF4-FFF2-40B4-BE49-F238E27FC236}">
-                <a16:creationId xmlns:a16="http://schemas.microsoft.com/office/drawing/2014/main" xmlns="" id="{1F0BD362-AB28-4ABC-B01D-E5FB51A4284F}"/>
+                <a16:creationId xmlns="" xmlns:a16="http://schemas.microsoft.com/office/drawing/2014/main" id="{1F0BD362-AB28-4ABC-B01D-E5FB51A4284F}"/>
               </a:ext>
             </a:extLst>
           </p:cNvPr>
@@ -30700,7 +31485,7 @@
           <p:cNvPr id="55" name="TextBox 54">
             <a:extLst>
               <a:ext uri="{FF2B5EF4-FFF2-40B4-BE49-F238E27FC236}">
-                <a16:creationId xmlns:a16="http://schemas.microsoft.com/office/drawing/2014/main" xmlns="" id="{66A6D040-E92F-405E-8F1C-224FD73DEB6A}"/>
+                <a16:creationId xmlns="" xmlns:a16="http://schemas.microsoft.com/office/drawing/2014/main" id="{66A6D040-E92F-405E-8F1C-224FD73DEB6A}"/>
               </a:ext>
             </a:extLst>
           </p:cNvPr>
@@ -30741,7 +31526,7 @@
           <p:cNvPr id="59" name="TextBox 58">
             <a:extLst>
               <a:ext uri="{FF2B5EF4-FFF2-40B4-BE49-F238E27FC236}">
-                <a16:creationId xmlns:a16="http://schemas.microsoft.com/office/drawing/2014/main" xmlns="" id="{8B737B46-BF72-4F50-880F-A81417342B9C}"/>
+                <a16:creationId xmlns="" xmlns:a16="http://schemas.microsoft.com/office/drawing/2014/main" id="{8B737B46-BF72-4F50-880F-A81417342B9C}"/>
               </a:ext>
             </a:extLst>
           </p:cNvPr>
@@ -30782,7 +31567,7 @@
           <p:cNvPr id="60" name="TextBox 59">
             <a:extLst>
               <a:ext uri="{FF2B5EF4-FFF2-40B4-BE49-F238E27FC236}">
-                <a16:creationId xmlns:a16="http://schemas.microsoft.com/office/drawing/2014/main" xmlns="" id="{635E5AB3-11BB-4188-A9F5-6624D8487908}"/>
+                <a16:creationId xmlns="" xmlns:a16="http://schemas.microsoft.com/office/drawing/2014/main" id="{635E5AB3-11BB-4188-A9F5-6624D8487908}"/>
               </a:ext>
             </a:extLst>
           </p:cNvPr>
@@ -32856,7 +33641,7 @@
           <p:cNvPr id="43" name="TextBox 42">
             <a:extLst>
               <a:ext uri="{FF2B5EF4-FFF2-40B4-BE49-F238E27FC236}">
-                <a16:creationId xmlns:a16="http://schemas.microsoft.com/office/drawing/2014/main" xmlns="" id="{C66D85E0-1A23-448C-9466-6DADEA26156A}"/>
+                <a16:creationId xmlns="" xmlns:a16="http://schemas.microsoft.com/office/drawing/2014/main" id="{C66D85E0-1A23-448C-9466-6DADEA26156A}"/>
               </a:ext>
             </a:extLst>
           </p:cNvPr>
@@ -32897,7 +33682,7 @@
           <p:cNvPr id="44" name="TextBox 43">
             <a:extLst>
               <a:ext uri="{FF2B5EF4-FFF2-40B4-BE49-F238E27FC236}">
-                <a16:creationId xmlns:a16="http://schemas.microsoft.com/office/drawing/2014/main" xmlns="" id="{73BB0B6F-DBD2-4682-88DA-A68E1C43C8EE}"/>
+                <a16:creationId xmlns="" xmlns:a16="http://schemas.microsoft.com/office/drawing/2014/main" id="{73BB0B6F-DBD2-4682-88DA-A68E1C43C8EE}"/>
               </a:ext>
             </a:extLst>
           </p:cNvPr>
@@ -32938,7 +33723,7 @@
           <p:cNvPr id="45" name="TextBox 44">
             <a:extLst>
               <a:ext uri="{FF2B5EF4-FFF2-40B4-BE49-F238E27FC236}">
-                <a16:creationId xmlns:a16="http://schemas.microsoft.com/office/drawing/2014/main" xmlns="" id="{06BB9D57-20AB-4911-8F91-1EAAD2C3D635}"/>
+                <a16:creationId xmlns="" xmlns:a16="http://schemas.microsoft.com/office/drawing/2014/main" id="{06BB9D57-20AB-4911-8F91-1EAAD2C3D635}"/>
               </a:ext>
             </a:extLst>
           </p:cNvPr>
@@ -32973,7 +33758,7 @@
           <p:cNvPr id="46" name="TextBox 45">
             <a:extLst>
               <a:ext uri="{FF2B5EF4-FFF2-40B4-BE49-F238E27FC236}">
-                <a16:creationId xmlns:a16="http://schemas.microsoft.com/office/drawing/2014/main" xmlns="" id="{6BDA7693-CA76-4C97-8FED-A4A65AB5032B}"/>
+                <a16:creationId xmlns="" xmlns:a16="http://schemas.microsoft.com/office/drawing/2014/main" id="{6BDA7693-CA76-4C97-8FED-A4A65AB5032B}"/>
               </a:ext>
             </a:extLst>
           </p:cNvPr>
@@ -33014,7 +33799,7 @@
           <p:cNvPr id="47" name="TextBox 46">
             <a:extLst>
               <a:ext uri="{FF2B5EF4-FFF2-40B4-BE49-F238E27FC236}">
-                <a16:creationId xmlns:a16="http://schemas.microsoft.com/office/drawing/2014/main" xmlns="" id="{F3FF60E3-5733-4A51-BB64-B5D227CFB6FE}"/>
+                <a16:creationId xmlns="" xmlns:a16="http://schemas.microsoft.com/office/drawing/2014/main" id="{F3FF60E3-5733-4A51-BB64-B5D227CFB6FE}"/>
               </a:ext>
             </a:extLst>
           </p:cNvPr>
@@ -33055,7 +33840,7 @@
           <p:cNvPr id="48" name="TextBox 47">
             <a:extLst>
               <a:ext uri="{FF2B5EF4-FFF2-40B4-BE49-F238E27FC236}">
-                <a16:creationId xmlns:a16="http://schemas.microsoft.com/office/drawing/2014/main" xmlns="" id="{6CFBFA02-2444-480B-B78F-A1A7AD55973E}"/>
+                <a16:creationId xmlns="" xmlns:a16="http://schemas.microsoft.com/office/drawing/2014/main" id="{6CFBFA02-2444-480B-B78F-A1A7AD55973E}"/>
               </a:ext>
             </a:extLst>
           </p:cNvPr>
@@ -33846,7 +34631,7 @@
           <p:cNvPr id="12" name="TextBox 45">
             <a:extLst>
               <a:ext uri="{FF2B5EF4-FFF2-40B4-BE49-F238E27FC236}">
-                <a16:creationId xmlns:a16="http://schemas.microsoft.com/office/drawing/2014/main" xmlns="" id="{6BDA7693-CA76-4C97-8FED-A4A65AB5032B}"/>
+                <a16:creationId xmlns="" xmlns:a16="http://schemas.microsoft.com/office/drawing/2014/main" id="{6BDA7693-CA76-4C97-8FED-A4A65AB5032B}"/>
               </a:ext>
             </a:extLst>
           </p:cNvPr>
@@ -34524,7 +35309,7 @@
           <p:cNvPr id="33" name="TextBox 45">
             <a:extLst>
               <a:ext uri="{FF2B5EF4-FFF2-40B4-BE49-F238E27FC236}">
-                <a16:creationId xmlns:a16="http://schemas.microsoft.com/office/drawing/2014/main" xmlns="" id="{6BDA7693-CA76-4C97-8FED-A4A65AB5032B}"/>
+                <a16:creationId xmlns="" xmlns:a16="http://schemas.microsoft.com/office/drawing/2014/main" id="{6BDA7693-CA76-4C97-8FED-A4A65AB5032B}"/>
               </a:ext>
             </a:extLst>
           </p:cNvPr>
@@ -34560,7 +35345,7 @@
           <p:cNvPr id="34" name="TextBox 45">
             <a:extLst>
               <a:ext uri="{FF2B5EF4-FFF2-40B4-BE49-F238E27FC236}">
-                <a16:creationId xmlns:a16="http://schemas.microsoft.com/office/drawing/2014/main" xmlns="" id="{6BDA7693-CA76-4C97-8FED-A4A65AB5032B}"/>
+                <a16:creationId xmlns="" xmlns:a16="http://schemas.microsoft.com/office/drawing/2014/main" id="{6BDA7693-CA76-4C97-8FED-A4A65AB5032B}"/>
               </a:ext>
             </a:extLst>
           </p:cNvPr>
@@ -34970,7 +35755,7 @@
           <p:cNvPr id="52" name="TextBox 45">
             <a:extLst>
               <a:ext uri="{FF2B5EF4-FFF2-40B4-BE49-F238E27FC236}">
-                <a16:creationId xmlns:a16="http://schemas.microsoft.com/office/drawing/2014/main" xmlns="" id="{6BDA7693-CA76-4C97-8FED-A4A65AB5032B}"/>
+                <a16:creationId xmlns="" xmlns:a16="http://schemas.microsoft.com/office/drawing/2014/main" id="{6BDA7693-CA76-4C97-8FED-A4A65AB5032B}"/>
               </a:ext>
             </a:extLst>
           </p:cNvPr>

--- a/health/userDocs/UniboFigs.pptx
+++ b/health/userDocs/UniboFigs.pptx
@@ -26,11 +26,12 @@
     <p:sldId id="283" r:id="rId20"/>
     <p:sldId id="284" r:id="rId21"/>
     <p:sldId id="286" r:id="rId22"/>
-    <p:sldId id="273" r:id="rId23"/>
-    <p:sldId id="274" r:id="rId24"/>
-    <p:sldId id="275" r:id="rId25"/>
-    <p:sldId id="276" r:id="rId26"/>
-    <p:sldId id="285" r:id="rId27"/>
+    <p:sldId id="287" r:id="rId23"/>
+    <p:sldId id="273" r:id="rId24"/>
+    <p:sldId id="274" r:id="rId25"/>
+    <p:sldId id="275" r:id="rId26"/>
+    <p:sldId id="276" r:id="rId27"/>
+    <p:sldId id="285" r:id="rId28"/>
   </p:sldIdLst>
   <p:sldSz cx="9144000" cy="6858000" type="screen4x3"/>
   <p:notesSz cx="6858000" cy="9144000"/>
@@ -131,7 +132,7 @@
   </p:defaultTextStyle>
   <p:extLst>
     <p:ext uri="{EFAFB233-063F-42B5-8137-9DF3F51BA10A}">
-      <p15:sldGuideLst xmlns="" xmlns:p15="http://schemas.microsoft.com/office/powerpoint/2012/main">
+      <p15:sldGuideLst xmlns:p15="http://schemas.microsoft.com/office/powerpoint/2012/main" xmlns="">
         <p15:guide id="1" orient="horz" pos="2160">
           <p15:clr>
             <a:srgbClr val="A4A3A4"/>
@@ -329,7 +330,7 @@
           <a:p>
             <a:fld id="{486DFF9D-000F-417D-A1D1-C441A4010B1E}" type="datetimeFigureOut">
               <a:rPr lang="en-GB" smtClean="0"/>
-              <a:t>07/09/2020</a:t>
+              <a:t>14/09/2020</a:t>
             </a:fld>
             <a:endParaRPr lang="en-GB"/>
           </a:p>
@@ -499,7 +500,7 @@
           <a:p>
             <a:fld id="{486DFF9D-000F-417D-A1D1-C441A4010B1E}" type="datetimeFigureOut">
               <a:rPr lang="en-GB" smtClean="0"/>
-              <a:t>07/09/2020</a:t>
+              <a:t>14/09/2020</a:t>
             </a:fld>
             <a:endParaRPr lang="en-GB"/>
           </a:p>
@@ -679,7 +680,7 @@
           <a:p>
             <a:fld id="{486DFF9D-000F-417D-A1D1-C441A4010B1E}" type="datetimeFigureOut">
               <a:rPr lang="en-GB" smtClean="0"/>
-              <a:t>07/09/2020</a:t>
+              <a:t>14/09/2020</a:t>
             </a:fld>
             <a:endParaRPr lang="en-GB"/>
           </a:p>
@@ -849,7 +850,7 @@
           <a:p>
             <a:fld id="{486DFF9D-000F-417D-A1D1-C441A4010B1E}" type="datetimeFigureOut">
               <a:rPr lang="en-GB" smtClean="0"/>
-              <a:t>07/09/2020</a:t>
+              <a:t>14/09/2020</a:t>
             </a:fld>
             <a:endParaRPr lang="en-GB"/>
           </a:p>
@@ -1095,7 +1096,7 @@
           <a:p>
             <a:fld id="{486DFF9D-000F-417D-A1D1-C441A4010B1E}" type="datetimeFigureOut">
               <a:rPr lang="en-GB" smtClean="0"/>
-              <a:t>07/09/2020</a:t>
+              <a:t>14/09/2020</a:t>
             </a:fld>
             <a:endParaRPr lang="en-GB"/>
           </a:p>
@@ -1383,7 +1384,7 @@
           <a:p>
             <a:fld id="{486DFF9D-000F-417D-A1D1-C441A4010B1E}" type="datetimeFigureOut">
               <a:rPr lang="en-GB" smtClean="0"/>
-              <a:t>07/09/2020</a:t>
+              <a:t>14/09/2020</a:t>
             </a:fld>
             <a:endParaRPr lang="en-GB"/>
           </a:p>
@@ -1805,7 +1806,7 @@
           <a:p>
             <a:fld id="{486DFF9D-000F-417D-A1D1-C441A4010B1E}" type="datetimeFigureOut">
               <a:rPr lang="en-GB" smtClean="0"/>
-              <a:t>07/09/2020</a:t>
+              <a:t>14/09/2020</a:t>
             </a:fld>
             <a:endParaRPr lang="en-GB"/>
           </a:p>
@@ -1923,7 +1924,7 @@
           <a:p>
             <a:fld id="{486DFF9D-000F-417D-A1D1-C441A4010B1E}" type="datetimeFigureOut">
               <a:rPr lang="en-GB" smtClean="0"/>
-              <a:t>07/09/2020</a:t>
+              <a:t>14/09/2020</a:t>
             </a:fld>
             <a:endParaRPr lang="en-GB"/>
           </a:p>
@@ -2018,7 +2019,7 @@
           <a:p>
             <a:fld id="{486DFF9D-000F-417D-A1D1-C441A4010B1E}" type="datetimeFigureOut">
               <a:rPr lang="en-GB" smtClean="0"/>
-              <a:t>07/09/2020</a:t>
+              <a:t>14/09/2020</a:t>
             </a:fld>
             <a:endParaRPr lang="en-GB"/>
           </a:p>
@@ -2295,7 +2296,7 @@
           <a:p>
             <a:fld id="{486DFF9D-000F-417D-A1D1-C441A4010B1E}" type="datetimeFigureOut">
               <a:rPr lang="en-GB" smtClean="0"/>
-              <a:t>07/09/2020</a:t>
+              <a:t>14/09/2020</a:t>
             </a:fld>
             <a:endParaRPr lang="en-GB"/>
           </a:p>
@@ -2548,7 +2549,7 @@
           <a:p>
             <a:fld id="{486DFF9D-000F-417D-A1D1-C441A4010B1E}" type="datetimeFigureOut">
               <a:rPr lang="en-GB" smtClean="0"/>
-              <a:t>07/09/2020</a:t>
+              <a:t>14/09/2020</a:t>
             </a:fld>
             <a:endParaRPr lang="en-GB"/>
           </a:p>
@@ -2761,7 +2762,7 @@
           <a:p>
             <a:fld id="{486DFF9D-000F-417D-A1D1-C441A4010B1E}" type="datetimeFigureOut">
               <a:rPr lang="en-GB" smtClean="0"/>
-              <a:t>07/09/2020</a:t>
+              <a:t>14/09/2020</a:t>
             </a:fld>
             <a:endParaRPr lang="en-GB"/>
           </a:p>
@@ -3275,48 +3276,6 @@
       </p:sp>
       <p:sp>
         <p:nvSpPr>
-          <p:cNvPr id="44" name="Ovale 43"/>
-          <p:cNvSpPr/>
-          <p:nvPr/>
-        </p:nvSpPr>
-        <p:spPr>
-          <a:xfrm>
-            <a:off x="535601" y="3062002"/>
-            <a:ext cx="749721" cy="720080"/>
-          </a:xfrm>
-          <a:prstGeom prst="ellipse">
-            <a:avLst/>
-          </a:prstGeom>
-          <a:ln/>
-        </p:spPr>
-        <p:style>
-          <a:lnRef idx="1">
-            <a:schemeClr val="accent5"/>
-          </a:lnRef>
-          <a:fillRef idx="2">
-            <a:schemeClr val="accent5"/>
-          </a:fillRef>
-          <a:effectRef idx="1">
-            <a:schemeClr val="accent5"/>
-          </a:effectRef>
-          <a:fontRef idx="minor">
-            <a:schemeClr val="dk1"/>
-          </a:fontRef>
-        </p:style>
-        <p:txBody>
-          <a:bodyPr rtlCol="0" anchor="ctr"/>
-          <a:lstStyle/>
-          <a:p>
-            <a:pPr algn="ctr"/>
-            <a:r>
-              <a:rPr lang="en-GB" sz="1200" dirty="0"/>
-              <a:t> </a:t>
-            </a:r>
-          </a:p>
-        </p:txBody>
-      </p:sp>
-      <p:sp>
-        <p:nvSpPr>
           <p:cNvPr id="54" name="CasellaDiTesto 53"/>
           <p:cNvSpPr txBox="1"/>
           <p:nvPr/>
@@ -3900,42 +3859,99 @@
           </a:p>
         </p:txBody>
       </p:sp>
-      <p:cxnSp>
-        <p:nvCxnSpPr>
-          <p:cNvPr id="127" name="Connettore 2 126"/>
-          <p:cNvCxnSpPr/>
-          <p:nvPr/>
-        </p:nvCxnSpPr>
-        <p:spPr>
-          <a:xfrm flipH="1">
-            <a:off x="910461" y="3223931"/>
-            <a:ext cx="13466" cy="393101"/>
-          </a:xfrm>
-          <a:prstGeom prst="straightConnector1">
-            <a:avLst/>
-          </a:prstGeom>
-          <a:ln>
-            <a:solidFill>
-              <a:srgbClr val="C00000"/>
-            </a:solidFill>
-            <a:tailEnd type="arrow"/>
-          </a:ln>
-        </p:spPr>
-        <p:style>
-          <a:lnRef idx="1">
-            <a:schemeClr val="accent1"/>
-          </a:lnRef>
-          <a:fillRef idx="0">
-            <a:schemeClr val="accent1"/>
-          </a:fillRef>
-          <a:effectRef idx="0">
-            <a:schemeClr val="accent1"/>
-          </a:effectRef>
-          <a:fontRef idx="minor">
-            <a:schemeClr val="tx1"/>
-          </a:fontRef>
-        </p:style>
-      </p:cxnSp>
+      <p:grpSp>
+        <p:nvGrpSpPr>
+          <p:cNvPr id="5" name="Gruppo 4"/>
+          <p:cNvGrpSpPr/>
+          <p:nvPr/>
+        </p:nvGrpSpPr>
+        <p:grpSpPr>
+          <a:xfrm>
+            <a:off x="535601" y="3062002"/>
+            <a:ext cx="749721" cy="720080"/>
+            <a:chOff x="535601" y="3062002"/>
+            <a:chExt cx="749721" cy="720080"/>
+          </a:xfrm>
+        </p:grpSpPr>
+        <p:sp>
+          <p:nvSpPr>
+            <p:cNvPr id="44" name="Ovale 43"/>
+            <p:cNvSpPr/>
+            <p:nvPr/>
+          </p:nvSpPr>
+          <p:spPr>
+            <a:xfrm>
+              <a:off x="535601" y="3062002"/>
+              <a:ext cx="749721" cy="720080"/>
+            </a:xfrm>
+            <a:prstGeom prst="ellipse">
+              <a:avLst/>
+            </a:prstGeom>
+            <a:ln/>
+          </p:spPr>
+          <p:style>
+            <a:lnRef idx="1">
+              <a:schemeClr val="accent5"/>
+            </a:lnRef>
+            <a:fillRef idx="2">
+              <a:schemeClr val="accent5"/>
+            </a:fillRef>
+            <a:effectRef idx="1">
+              <a:schemeClr val="accent5"/>
+            </a:effectRef>
+            <a:fontRef idx="minor">
+              <a:schemeClr val="dk1"/>
+            </a:fontRef>
+          </p:style>
+          <p:txBody>
+            <a:bodyPr rtlCol="0" anchor="ctr"/>
+            <a:lstStyle/>
+            <a:p>
+              <a:pPr algn="ctr"/>
+              <a:r>
+                <a:rPr lang="en-GB" sz="1200" dirty="0"/>
+                <a:t> </a:t>
+              </a:r>
+            </a:p>
+          </p:txBody>
+        </p:sp>
+        <p:cxnSp>
+          <p:nvCxnSpPr>
+            <p:cNvPr id="127" name="Connettore 2 126"/>
+            <p:cNvCxnSpPr/>
+            <p:nvPr/>
+          </p:nvCxnSpPr>
+          <p:spPr>
+            <a:xfrm flipH="1">
+              <a:off x="910461" y="3223931"/>
+              <a:ext cx="13466" cy="393101"/>
+            </a:xfrm>
+            <a:prstGeom prst="straightConnector1">
+              <a:avLst/>
+            </a:prstGeom>
+            <a:ln>
+              <a:solidFill>
+                <a:srgbClr val="C00000"/>
+              </a:solidFill>
+              <a:tailEnd type="arrow"/>
+            </a:ln>
+          </p:spPr>
+          <p:style>
+            <a:lnRef idx="1">
+              <a:schemeClr val="accent1"/>
+            </a:lnRef>
+            <a:fillRef idx="0">
+              <a:schemeClr val="accent1"/>
+            </a:fillRef>
+            <a:effectRef idx="0">
+              <a:schemeClr val="accent1"/>
+            </a:effectRef>
+            <a:fontRef idx="minor">
+              <a:schemeClr val="tx1"/>
+            </a:fontRef>
+          </p:style>
+        </p:cxnSp>
+      </p:grpSp>
       <p:cxnSp>
         <p:nvCxnSpPr>
           <p:cNvPr id="10" name="Connettore 2 9"/>
@@ -6178,7 +6194,7 @@
           <p:cNvPr id="12" name="TextBox 45">
             <a:extLst>
               <a:ext uri="{FF2B5EF4-FFF2-40B4-BE49-F238E27FC236}">
-                <a16:creationId xmlns="" xmlns:a16="http://schemas.microsoft.com/office/drawing/2014/main" id="{6BDA7693-CA76-4C97-8FED-A4A65AB5032B}"/>
+                <a16:creationId xmlns:a16="http://schemas.microsoft.com/office/drawing/2014/main" xmlns="" id="{6BDA7693-CA76-4C97-8FED-A4A65AB5032B}"/>
               </a:ext>
             </a:extLst>
           </p:cNvPr>
@@ -7726,7 +7742,7 @@
           <p:cNvPr id="12" name="TextBox 45">
             <a:extLst>
               <a:ext uri="{FF2B5EF4-FFF2-40B4-BE49-F238E27FC236}">
-                <a16:creationId xmlns="" xmlns:a16="http://schemas.microsoft.com/office/drawing/2014/main" id="{6BDA7693-CA76-4C97-8FED-A4A65AB5032B}"/>
+                <a16:creationId xmlns:a16="http://schemas.microsoft.com/office/drawing/2014/main" xmlns="" id="{6BDA7693-CA76-4C97-8FED-A4A65AB5032B}"/>
               </a:ext>
             </a:extLst>
           </p:cNvPr>
@@ -9739,7 +9755,7 @@
           <p:cNvPr id="6" name="TextBox 45">
             <a:extLst>
               <a:ext uri="{FF2B5EF4-FFF2-40B4-BE49-F238E27FC236}">
-                <a16:creationId xmlns="" xmlns:a16="http://schemas.microsoft.com/office/drawing/2014/main" id="{6BDA7693-CA76-4C97-8FED-A4A65AB5032B}"/>
+                <a16:creationId xmlns:a16="http://schemas.microsoft.com/office/drawing/2014/main" xmlns="" id="{6BDA7693-CA76-4C97-8FED-A4A65AB5032B}"/>
               </a:ext>
             </a:extLst>
           </p:cNvPr>
@@ -10247,7 +10263,7 @@
           <p:cNvPr id="27" name="TextBox 45">
             <a:extLst>
               <a:ext uri="{FF2B5EF4-FFF2-40B4-BE49-F238E27FC236}">
-                <a16:creationId xmlns="" xmlns:a16="http://schemas.microsoft.com/office/drawing/2014/main" id="{6BDA7693-CA76-4C97-8FED-A4A65AB5032B}"/>
+                <a16:creationId xmlns:a16="http://schemas.microsoft.com/office/drawing/2014/main" xmlns="" id="{6BDA7693-CA76-4C97-8FED-A4A65AB5032B}"/>
               </a:ext>
             </a:extLst>
           </p:cNvPr>
@@ -10283,7 +10299,7 @@
           <p:cNvPr id="28" name="TextBox 45">
             <a:extLst>
               <a:ext uri="{FF2B5EF4-FFF2-40B4-BE49-F238E27FC236}">
-                <a16:creationId xmlns="" xmlns:a16="http://schemas.microsoft.com/office/drawing/2014/main" id="{6BDA7693-CA76-4C97-8FED-A4A65AB5032B}"/>
+                <a16:creationId xmlns:a16="http://schemas.microsoft.com/office/drawing/2014/main" xmlns="" id="{6BDA7693-CA76-4C97-8FED-A4A65AB5032B}"/>
               </a:ext>
             </a:extLst>
           </p:cNvPr>
@@ -11831,7 +11847,7 @@
           <p:cNvPr id="6" name="TextBox 45">
             <a:extLst>
               <a:ext uri="{FF2B5EF4-FFF2-40B4-BE49-F238E27FC236}">
-                <a16:creationId xmlns="" xmlns:a16="http://schemas.microsoft.com/office/drawing/2014/main" id="{6BDA7693-CA76-4C97-8FED-A4A65AB5032B}"/>
+                <a16:creationId xmlns:a16="http://schemas.microsoft.com/office/drawing/2014/main" xmlns="" id="{6BDA7693-CA76-4C97-8FED-A4A65AB5032B}"/>
               </a:ext>
             </a:extLst>
           </p:cNvPr>
@@ -13363,7 +13379,7 @@
           <p:cNvPr id="6" name="TextBox 45">
             <a:extLst>
               <a:ext uri="{FF2B5EF4-FFF2-40B4-BE49-F238E27FC236}">
-                <a16:creationId xmlns="" xmlns:a16="http://schemas.microsoft.com/office/drawing/2014/main" id="{6BDA7693-CA76-4C97-8FED-A4A65AB5032B}"/>
+                <a16:creationId xmlns:a16="http://schemas.microsoft.com/office/drawing/2014/main" xmlns="" id="{6BDA7693-CA76-4C97-8FED-A4A65AB5032B}"/>
               </a:ext>
             </a:extLst>
           </p:cNvPr>
@@ -14788,7 +14804,7 @@
           <p:cNvPr id="2" name="TextBox 45">
             <a:extLst>
               <a:ext uri="{FF2B5EF4-FFF2-40B4-BE49-F238E27FC236}">
-                <a16:creationId xmlns="" xmlns:a16="http://schemas.microsoft.com/office/drawing/2014/main" id="{6BDA7693-CA76-4C97-8FED-A4A65AB5032B}"/>
+                <a16:creationId xmlns:a16="http://schemas.microsoft.com/office/drawing/2014/main" xmlns="" id="{6BDA7693-CA76-4C97-8FED-A4A65AB5032B}"/>
               </a:ext>
             </a:extLst>
           </p:cNvPr>
@@ -15759,7 +15775,7 @@
           <p:cNvPr id="34" name="TextBox 45">
             <a:extLst>
               <a:ext uri="{FF2B5EF4-FFF2-40B4-BE49-F238E27FC236}">
-                <a16:creationId xmlns="" xmlns:a16="http://schemas.microsoft.com/office/drawing/2014/main" id="{6BDA7693-CA76-4C97-8FED-A4A65AB5032B}"/>
+                <a16:creationId xmlns:a16="http://schemas.microsoft.com/office/drawing/2014/main" xmlns="" id="{6BDA7693-CA76-4C97-8FED-A4A65AB5032B}"/>
               </a:ext>
             </a:extLst>
           </p:cNvPr>
@@ -17375,7 +17391,7 @@
           <p:cNvPr id="2" name="TextBox 45">
             <a:extLst>
               <a:ext uri="{FF2B5EF4-FFF2-40B4-BE49-F238E27FC236}">
-                <a16:creationId xmlns="" xmlns:a16="http://schemas.microsoft.com/office/drawing/2014/main" id="{6BDA7693-CA76-4C97-8FED-A4A65AB5032B}"/>
+                <a16:creationId xmlns:a16="http://schemas.microsoft.com/office/drawing/2014/main" xmlns="" id="{6BDA7693-CA76-4C97-8FED-A4A65AB5032B}"/>
               </a:ext>
             </a:extLst>
           </p:cNvPr>
@@ -18125,7 +18141,7 @@
           <p:cNvPr id="34" name="TextBox 45">
             <a:extLst>
               <a:ext uri="{FF2B5EF4-FFF2-40B4-BE49-F238E27FC236}">
-                <a16:creationId xmlns="" xmlns:a16="http://schemas.microsoft.com/office/drawing/2014/main" id="{6BDA7693-CA76-4C97-8FED-A4A65AB5032B}"/>
+                <a16:creationId xmlns:a16="http://schemas.microsoft.com/office/drawing/2014/main" xmlns="" id="{6BDA7693-CA76-4C97-8FED-A4A65AB5032B}"/>
               </a:ext>
             </a:extLst>
           </p:cNvPr>
@@ -19488,7 +19504,7 @@
           <p:cNvPr id="114" name="TextBox 45">
             <a:extLst>
               <a:ext uri="{FF2B5EF4-FFF2-40B4-BE49-F238E27FC236}">
-                <a16:creationId xmlns="" xmlns:a16="http://schemas.microsoft.com/office/drawing/2014/main" id="{6BDA7693-CA76-4C97-8FED-A4A65AB5032B}"/>
+                <a16:creationId xmlns:a16="http://schemas.microsoft.com/office/drawing/2014/main" xmlns="" id="{6BDA7693-CA76-4C97-8FED-A4A65AB5032B}"/>
               </a:ext>
             </a:extLst>
           </p:cNvPr>
@@ -19662,7 +19678,7 @@
           <p:cNvPr id="2" name="TextBox 45">
             <a:extLst>
               <a:ext uri="{FF2B5EF4-FFF2-40B4-BE49-F238E27FC236}">
-                <a16:creationId xmlns="" xmlns:a16="http://schemas.microsoft.com/office/drawing/2014/main" id="{6BDA7693-CA76-4C97-8FED-A4A65AB5032B}"/>
+                <a16:creationId xmlns:a16="http://schemas.microsoft.com/office/drawing/2014/main" xmlns="" id="{6BDA7693-CA76-4C97-8FED-A4A65AB5032B}"/>
               </a:ext>
             </a:extLst>
           </p:cNvPr>
@@ -20601,7 +20617,7 @@
           <p:cNvPr id="114" name="TextBox 45">
             <a:extLst>
               <a:ext uri="{FF2B5EF4-FFF2-40B4-BE49-F238E27FC236}">
-                <a16:creationId xmlns="" xmlns:a16="http://schemas.microsoft.com/office/drawing/2014/main" id="{6BDA7693-CA76-4C97-8FED-A4A65AB5032B}"/>
+                <a16:creationId xmlns:a16="http://schemas.microsoft.com/office/drawing/2014/main" xmlns="" id="{6BDA7693-CA76-4C97-8FED-A4A65AB5032B}"/>
               </a:ext>
             </a:extLst>
           </p:cNvPr>
@@ -22128,7 +22144,7 @@
           <p:cNvPr id="2" name="TextBox 45">
             <a:extLst>
               <a:ext uri="{FF2B5EF4-FFF2-40B4-BE49-F238E27FC236}">
-                <a16:creationId xmlns="" xmlns:a16="http://schemas.microsoft.com/office/drawing/2014/main" id="{6BDA7693-CA76-4C97-8FED-A4A65AB5032B}"/>
+                <a16:creationId xmlns:a16="http://schemas.microsoft.com/office/drawing/2014/main" xmlns="" id="{6BDA7693-CA76-4C97-8FED-A4A65AB5032B}"/>
               </a:ext>
             </a:extLst>
           </p:cNvPr>
@@ -23707,7 +23723,7 @@
           <p:cNvPr id="2" name="TextBox 45">
             <a:extLst>
               <a:ext uri="{FF2B5EF4-FFF2-40B4-BE49-F238E27FC236}">
-                <a16:creationId xmlns="" xmlns:a16="http://schemas.microsoft.com/office/drawing/2014/main" id="{6BDA7693-CA76-4C97-8FED-A4A65AB5032B}"/>
+                <a16:creationId xmlns:a16="http://schemas.microsoft.com/office/drawing/2014/main" xmlns="" id="{6BDA7693-CA76-4C97-8FED-A4A65AB5032B}"/>
               </a:ext>
             </a:extLst>
           </p:cNvPr>
@@ -24700,7 +24716,7 @@
           <p:cNvPr id="114" name="TextBox 45">
             <a:extLst>
               <a:ext uri="{FF2B5EF4-FFF2-40B4-BE49-F238E27FC236}">
-                <a16:creationId xmlns="" xmlns:a16="http://schemas.microsoft.com/office/drawing/2014/main" id="{6BDA7693-CA76-4C97-8FED-A4A65AB5032B}"/>
+                <a16:creationId xmlns:a16="http://schemas.microsoft.com/office/drawing/2014/main" xmlns="" id="{6BDA7693-CA76-4C97-8FED-A4A65AB5032B}"/>
               </a:ext>
             </a:extLst>
           </p:cNvPr>
@@ -25515,7 +25531,7 @@
           <p:cNvPr id="2" name="TextBox 45">
             <a:extLst>
               <a:ext uri="{FF2B5EF4-FFF2-40B4-BE49-F238E27FC236}">
-                <a16:creationId xmlns="" xmlns:a16="http://schemas.microsoft.com/office/drawing/2014/main" id="{6BDA7693-CA76-4C97-8FED-A4A65AB5032B}"/>
+                <a16:creationId xmlns:a16="http://schemas.microsoft.com/office/drawing/2014/main" xmlns="" id="{6BDA7693-CA76-4C97-8FED-A4A65AB5032B}"/>
               </a:ext>
             </a:extLst>
           </p:cNvPr>
@@ -25524,7 +25540,7 @@
         </p:nvSpPr>
         <p:spPr>
           <a:xfrm>
-            <a:off x="4352791" y="204901"/>
+            <a:off x="5599285" y="983694"/>
             <a:ext cx="1845185" cy="369332"/>
           </a:xfrm>
           <a:prstGeom prst="rect">
@@ -25554,8 +25570,8 @@
         </p:nvGrpSpPr>
         <p:grpSpPr>
           <a:xfrm>
-            <a:off x="3144652" y="646076"/>
-            <a:ext cx="4347370" cy="4117387"/>
+            <a:off x="4252991" y="1424869"/>
+            <a:ext cx="4069286" cy="1860115"/>
             <a:chOff x="565700" y="4958037"/>
             <a:chExt cx="805955" cy="754777"/>
           </a:xfrm>
@@ -25657,7 +25673,7 @@
         </p:nvSpPr>
         <p:spPr>
           <a:xfrm>
-            <a:off x="4238217" y="1008379"/>
+            <a:off x="5441757" y="1792694"/>
             <a:ext cx="2160240" cy="726799"/>
           </a:xfrm>
           <a:prstGeom prst="ellipse">
@@ -25691,10 +25707,13 @@
           <a:p>
             <a:pPr algn="ctr"/>
             <a:r>
-              <a:rPr lang="en-GB" sz="1600" dirty="0"/>
+              <a:rPr lang="en-GB" sz="1600" b="1" dirty="0">
+                <a:solidFill>
+                  <a:srgbClr val="C00000"/>
+                </a:solidFill>
+              </a:rPr>
               <a:t>convert</a:t>
             </a:r>
-            <a:endParaRPr lang="en-GB" sz="1600" dirty="0"/>
           </a:p>
         </p:txBody>
       </p:sp>
@@ -25706,7 +25725,1533 @@
         </p:nvGrpSpPr>
         <p:grpSpPr>
           <a:xfrm>
-            <a:off x="2655551" y="848896"/>
+            <a:off x="3902045" y="1627689"/>
+            <a:ext cx="787334" cy="86434"/>
+            <a:chOff x="3452446" y="4176616"/>
+            <a:chExt cx="787334" cy="86434"/>
+          </a:xfrm>
+        </p:grpSpPr>
+        <p:sp>
+          <p:nvSpPr>
+            <p:cNvPr id="30" name="Triangolo isoscele 29"/>
+            <p:cNvSpPr/>
+            <p:nvPr/>
+          </p:nvSpPr>
+          <p:spPr>
+            <a:xfrm rot="5400000" flipH="1">
+              <a:off x="4126932" y="4150201"/>
+              <a:ext cx="86434" cy="139263"/>
+            </a:xfrm>
+            <a:prstGeom prst="triangle">
+              <a:avLst/>
+            </a:prstGeom>
+            <a:ln/>
+          </p:spPr>
+          <p:style>
+            <a:lnRef idx="1">
+              <a:schemeClr val="accent6"/>
+            </a:lnRef>
+            <a:fillRef idx="2">
+              <a:schemeClr val="accent6"/>
+            </a:fillRef>
+            <a:effectRef idx="1">
+              <a:schemeClr val="accent6"/>
+            </a:effectRef>
+            <a:fontRef idx="minor">
+              <a:schemeClr val="dk1"/>
+            </a:fontRef>
+          </p:style>
+          <p:txBody>
+            <a:bodyPr rtlCol="0" anchor="ctr"/>
+            <a:lstStyle/>
+            <a:p>
+              <a:pPr algn="ctr"/>
+              <a:endParaRPr lang="en-GB" sz="1200"/>
+            </a:p>
+          </p:txBody>
+        </p:sp>
+        <p:cxnSp>
+          <p:nvCxnSpPr>
+            <p:cNvPr id="31" name="Connettore 1 30"/>
+            <p:cNvCxnSpPr>
+              <a:endCxn id="30" idx="3"/>
+            </p:cNvCxnSpPr>
+            <p:nvPr/>
+          </p:nvCxnSpPr>
+          <p:spPr>
+            <a:xfrm>
+              <a:off x="3452446" y="4219627"/>
+              <a:ext cx="648072" cy="206"/>
+            </a:xfrm>
+            <a:prstGeom prst="line">
+              <a:avLst/>
+            </a:prstGeom>
+          </p:spPr>
+          <p:style>
+            <a:lnRef idx="1">
+              <a:schemeClr val="accent6"/>
+            </a:lnRef>
+            <a:fillRef idx="2">
+              <a:schemeClr val="accent6"/>
+            </a:fillRef>
+            <a:effectRef idx="1">
+              <a:schemeClr val="accent6"/>
+            </a:effectRef>
+            <a:fontRef idx="minor">
+              <a:schemeClr val="dk1"/>
+            </a:fontRef>
+          </p:style>
+        </p:cxnSp>
+      </p:grpSp>
+      <p:sp>
+        <p:nvSpPr>
+          <p:cNvPr id="120" name="Rettangolo 119"/>
+          <p:cNvSpPr/>
+          <p:nvPr/>
+        </p:nvSpPr>
+        <p:spPr>
+          <a:xfrm>
+            <a:off x="3705137" y="1255593"/>
+            <a:ext cx="1041888" cy="338554"/>
+          </a:xfrm>
+          <a:prstGeom prst="rect">
+            <a:avLst/>
+          </a:prstGeom>
+          <a:solidFill>
+            <a:srgbClr val="FFFFCC"/>
+          </a:solidFill>
+        </p:spPr>
+        <p:style>
+          <a:lnRef idx="1">
+            <a:schemeClr val="accent3"/>
+          </a:lnRef>
+          <a:fillRef idx="2">
+            <a:schemeClr val="accent3"/>
+          </a:fillRef>
+          <a:effectRef idx="1">
+            <a:schemeClr val="accent3"/>
+          </a:effectRef>
+          <a:fontRef idx="minor">
+            <a:schemeClr val="dk1"/>
+          </a:fontRef>
+        </p:style>
+        <p:txBody>
+          <a:bodyPr wrap="none">
+            <a:spAutoFit/>
+          </a:bodyPr>
+          <a:lstStyle/>
+          <a:p>
+            <a:r>
+              <a:rPr lang="en-GB" sz="1600" b="1" dirty="0" smtClean="0">
+                <a:solidFill>
+                  <a:srgbClr val="0070C0"/>
+                </a:solidFill>
+              </a:rPr>
+              <a:t>/</a:t>
+            </a:r>
+            <a:r>
+              <a:rPr lang="en-GB" sz="1600" dirty="0"/>
+              <a:t>hl7tofhir </a:t>
+            </a:r>
+            <a:endParaRPr lang="en-GB" sz="1600" b="1" dirty="0" smtClean="0">
+              <a:solidFill>
+                <a:srgbClr val="0070C0"/>
+              </a:solidFill>
+            </a:endParaRPr>
+          </a:p>
+        </p:txBody>
+      </p:sp>
+      <p:sp>
+        <p:nvSpPr>
+          <p:cNvPr id="57" name="CasellaDiTesto 56"/>
+          <p:cNvSpPr txBox="1"/>
+          <p:nvPr/>
+        </p:nvSpPr>
+        <p:spPr>
+          <a:xfrm>
+            <a:off x="4735698" y="1608028"/>
+            <a:ext cx="1202380" cy="369332"/>
+          </a:xfrm>
+          <a:prstGeom prst="rect">
+            <a:avLst/>
+          </a:prstGeom>
+        </p:spPr>
+        <p:style>
+          <a:lnRef idx="1">
+            <a:schemeClr val="accent3"/>
+          </a:lnRef>
+          <a:fillRef idx="2">
+            <a:schemeClr val="accent3"/>
+          </a:fillRef>
+          <a:effectRef idx="1">
+            <a:schemeClr val="accent3"/>
+          </a:effectRef>
+          <a:fontRef idx="minor">
+            <a:schemeClr val="dk1"/>
+          </a:fontRef>
+        </p:style>
+        <p:txBody>
+          <a:bodyPr wrap="none" rtlCol="0">
+            <a:spAutoFit/>
+          </a:bodyPr>
+          <a:lstStyle/>
+          <a:p>
+            <a:r>
+              <a:rPr lang="it-IT" dirty="0" smtClean="0"/>
+              <a:t>M2M </a:t>
+            </a:r>
+            <a:r>
+              <a:rPr lang="it-IT" dirty="0" err="1" smtClean="0"/>
+              <a:t>Rest</a:t>
+            </a:r>
+            <a:r>
+              <a:rPr lang="it-IT" dirty="0" smtClean="0"/>
+              <a:t> </a:t>
+            </a:r>
+          </a:p>
+        </p:txBody>
+      </p:sp>
+      <p:grpSp>
+        <p:nvGrpSpPr>
+          <p:cNvPr id="58" name="Gruppo 57"/>
+          <p:cNvGrpSpPr/>
+          <p:nvPr/>
+        </p:nvGrpSpPr>
+        <p:grpSpPr>
+          <a:xfrm>
+            <a:off x="3910132" y="1823894"/>
+            <a:ext cx="666895" cy="86434"/>
+            <a:chOff x="4592177" y="4419530"/>
+            <a:chExt cx="666895" cy="86434"/>
+          </a:xfrm>
+        </p:grpSpPr>
+        <p:cxnSp>
+          <p:nvCxnSpPr>
+            <p:cNvPr id="59" name="Connettore 1 58"/>
+            <p:cNvCxnSpPr/>
+            <p:nvPr/>
+          </p:nvCxnSpPr>
+          <p:spPr>
+            <a:xfrm>
+              <a:off x="4611000" y="4462747"/>
+              <a:ext cx="648072" cy="0"/>
+            </a:xfrm>
+            <a:prstGeom prst="line">
+              <a:avLst/>
+            </a:prstGeom>
+            <a:ln/>
+          </p:spPr>
+          <p:style>
+            <a:lnRef idx="1">
+              <a:schemeClr val="accent6"/>
+            </a:lnRef>
+            <a:fillRef idx="2">
+              <a:schemeClr val="accent6"/>
+            </a:fillRef>
+            <a:effectRef idx="1">
+              <a:schemeClr val="accent6"/>
+            </a:effectRef>
+            <a:fontRef idx="minor">
+              <a:schemeClr val="dk1"/>
+            </a:fontRef>
+          </p:style>
+        </p:cxnSp>
+        <p:sp>
+          <p:nvSpPr>
+            <p:cNvPr id="60" name="Triangolo isoscele 59"/>
+            <p:cNvSpPr/>
+            <p:nvPr/>
+          </p:nvSpPr>
+          <p:spPr>
+            <a:xfrm rot="16200000">
+              <a:off x="4618592" y="4393115"/>
+              <a:ext cx="86434" cy="139263"/>
+            </a:xfrm>
+            <a:prstGeom prst="triangle">
+              <a:avLst/>
+            </a:prstGeom>
+            <a:ln/>
+          </p:spPr>
+          <p:style>
+            <a:lnRef idx="1">
+              <a:schemeClr val="accent6"/>
+            </a:lnRef>
+            <a:fillRef idx="2">
+              <a:schemeClr val="accent6"/>
+            </a:fillRef>
+            <a:effectRef idx="1">
+              <a:schemeClr val="accent6"/>
+            </a:effectRef>
+            <a:fontRef idx="minor">
+              <a:schemeClr val="dk1"/>
+            </a:fontRef>
+          </p:style>
+          <p:txBody>
+            <a:bodyPr rtlCol="0" anchor="ctr"/>
+            <a:lstStyle/>
+            <a:p>
+              <a:pPr algn="ctr"/>
+              <a:endParaRPr lang="en-GB" sz="1200"/>
+            </a:p>
+          </p:txBody>
+        </p:sp>
+      </p:grpSp>
+      <p:grpSp>
+        <p:nvGrpSpPr>
+          <p:cNvPr id="23" name="Gruppo 22"/>
+          <p:cNvGrpSpPr/>
+          <p:nvPr/>
+        </p:nvGrpSpPr>
+        <p:grpSpPr>
+          <a:xfrm>
+            <a:off x="1004561" y="1795496"/>
+            <a:ext cx="749721" cy="720080"/>
+            <a:chOff x="535601" y="3062002"/>
+            <a:chExt cx="749721" cy="720080"/>
+          </a:xfrm>
+        </p:grpSpPr>
+        <p:sp>
+          <p:nvSpPr>
+            <p:cNvPr id="24" name="Ovale 23"/>
+            <p:cNvSpPr/>
+            <p:nvPr/>
+          </p:nvSpPr>
+          <p:spPr>
+            <a:xfrm>
+              <a:off x="535601" y="3062002"/>
+              <a:ext cx="749721" cy="720080"/>
+            </a:xfrm>
+            <a:prstGeom prst="ellipse">
+              <a:avLst/>
+            </a:prstGeom>
+            <a:ln/>
+          </p:spPr>
+          <p:style>
+            <a:lnRef idx="1">
+              <a:schemeClr val="accent5"/>
+            </a:lnRef>
+            <a:fillRef idx="2">
+              <a:schemeClr val="accent5"/>
+            </a:fillRef>
+            <a:effectRef idx="1">
+              <a:schemeClr val="accent5"/>
+            </a:effectRef>
+            <a:fontRef idx="minor">
+              <a:schemeClr val="dk1"/>
+            </a:fontRef>
+          </p:style>
+          <p:txBody>
+            <a:bodyPr rtlCol="0" anchor="ctr"/>
+            <a:lstStyle/>
+            <a:p>
+              <a:pPr algn="ctr"/>
+              <a:r>
+                <a:rPr lang="en-GB" sz="1200" dirty="0"/>
+                <a:t> </a:t>
+              </a:r>
+            </a:p>
+          </p:txBody>
+        </p:sp>
+        <p:cxnSp>
+          <p:nvCxnSpPr>
+            <p:cNvPr id="25" name="Connettore 2 24"/>
+            <p:cNvCxnSpPr/>
+            <p:nvPr/>
+          </p:nvCxnSpPr>
+          <p:spPr>
+            <a:xfrm flipH="1">
+              <a:off x="910461" y="3223931"/>
+              <a:ext cx="13466" cy="393101"/>
+            </a:xfrm>
+            <a:prstGeom prst="straightConnector1">
+              <a:avLst/>
+            </a:prstGeom>
+            <a:ln>
+              <a:solidFill>
+                <a:srgbClr val="C00000"/>
+              </a:solidFill>
+              <a:tailEnd type="arrow"/>
+            </a:ln>
+          </p:spPr>
+          <p:style>
+            <a:lnRef idx="1">
+              <a:schemeClr val="accent1"/>
+            </a:lnRef>
+            <a:fillRef idx="0">
+              <a:schemeClr val="accent1"/>
+            </a:fillRef>
+            <a:effectRef idx="0">
+              <a:schemeClr val="accent1"/>
+            </a:effectRef>
+            <a:fontRef idx="minor">
+              <a:schemeClr val="tx1"/>
+            </a:fontRef>
+          </p:style>
+        </p:cxnSp>
+      </p:grpSp>
+      <p:sp>
+        <p:nvSpPr>
+          <p:cNvPr id="26" name="TextBox 45">
+            <a:extLst>
+              <a:ext uri="{FF2B5EF4-FFF2-40B4-BE49-F238E27FC236}">
+                <a16:creationId xmlns:a16="http://schemas.microsoft.com/office/drawing/2014/main" xmlns="" id="{6BDA7693-CA76-4C97-8FED-A4A65AB5032B}"/>
+              </a:ext>
+            </a:extLst>
+          </p:cNvPr>
+          <p:cNvSpPr txBox="1"/>
+          <p:nvPr/>
+        </p:nvSpPr>
+        <p:spPr>
+          <a:xfrm>
+            <a:off x="553016" y="1426164"/>
+            <a:ext cx="1930272" cy="369332"/>
+          </a:xfrm>
+          <a:prstGeom prst="rect">
+            <a:avLst/>
+          </a:prstGeom>
+          <a:noFill/>
+        </p:spPr>
+        <p:txBody>
+          <a:bodyPr wrap="none" rtlCol="0">
+            <a:spAutoFit/>
+          </a:bodyPr>
+          <a:lstStyle/>
+          <a:p>
+            <a:r>
+              <a:rPr lang="en-US" b="1" dirty="0"/>
+              <a:t>r</a:t>
+            </a:r>
+            <a:r>
+              <a:rPr lang="en-US" b="1" dirty="0" smtClean="0"/>
+              <a:t>ununiboworker.js</a:t>
+            </a:r>
+            <a:endParaRPr lang="en-US" b="1" dirty="0"/>
+          </a:p>
+        </p:txBody>
+      </p:sp>
+      <p:cxnSp>
+        <p:nvCxnSpPr>
+          <p:cNvPr id="8" name="Connettore 4 7"/>
+          <p:cNvCxnSpPr>
+            <a:stCxn id="24" idx="6"/>
+            <a:endCxn id="6" idx="2"/>
+          </p:cNvCxnSpPr>
+          <p:nvPr/>
+        </p:nvCxnSpPr>
+        <p:spPr>
+          <a:xfrm>
+            <a:off x="1754282" y="2155536"/>
+            <a:ext cx="3687475" cy="558"/>
+          </a:xfrm>
+          <a:prstGeom prst="bentConnector3">
+            <a:avLst/>
+          </a:prstGeom>
+          <a:ln>
+            <a:tailEnd type="arrow"/>
+          </a:ln>
+        </p:spPr>
+        <p:style>
+          <a:lnRef idx="1">
+            <a:schemeClr val="accent1"/>
+          </a:lnRef>
+          <a:fillRef idx="0">
+            <a:schemeClr val="accent1"/>
+          </a:fillRef>
+          <a:effectRef idx="0">
+            <a:schemeClr val="accent1"/>
+          </a:effectRef>
+          <a:fontRef idx="minor">
+            <a:schemeClr val="tx1"/>
+          </a:fontRef>
+        </p:style>
+      </p:cxnSp>
+      <p:sp>
+        <p:nvSpPr>
+          <p:cNvPr id="9" name="Rettangolo 8"/>
+          <p:cNvSpPr/>
+          <p:nvPr/>
+        </p:nvSpPr>
+        <p:spPr>
+          <a:xfrm>
+            <a:off x="1765717" y="2201739"/>
+            <a:ext cx="2643672" cy="261610"/>
+          </a:xfrm>
+          <a:prstGeom prst="rect">
+            <a:avLst/>
+          </a:prstGeom>
+        </p:spPr>
+        <p:txBody>
+          <a:bodyPr wrap="none">
+            <a:spAutoFit/>
+          </a:bodyPr>
+          <a:lstStyle/>
+          <a:p>
+            <a:r>
+              <a:rPr lang="en-GB" sz="1100" dirty="0" err="1"/>
+              <a:t>worker.convert</a:t>
+            </a:r>
+            <a:r>
+              <a:rPr lang="en-GB" sz="1100" dirty="0"/>
+              <a:t>(</a:t>
+            </a:r>
+            <a:r>
+              <a:rPr lang="en-GB" sz="1100" dirty="0" err="1"/>
+              <a:t>templateString</a:t>
+            </a:r>
+            <a:r>
+              <a:rPr lang="en-GB" sz="1100" dirty="0"/>
+              <a:t>, data, null);</a:t>
+            </a:r>
+            <a:endParaRPr lang="en-GB" sz="1100" dirty="0"/>
+          </a:p>
+        </p:txBody>
+      </p:sp>
+      <p:sp>
+        <p:nvSpPr>
+          <p:cNvPr id="32" name="TextBox 45">
+            <a:extLst>
+              <a:ext uri="{FF2B5EF4-FFF2-40B4-BE49-F238E27FC236}">
+                <a16:creationId xmlns:a16="http://schemas.microsoft.com/office/drawing/2014/main" xmlns="" id="{6BDA7693-CA76-4C97-8FED-A4A65AB5032B}"/>
+              </a:ext>
+            </a:extLst>
+          </p:cNvPr>
+          <p:cNvSpPr txBox="1"/>
+          <p:nvPr/>
+        </p:nvSpPr>
+        <p:spPr>
+          <a:xfrm>
+            <a:off x="5985928" y="3779913"/>
+            <a:ext cx="1845185" cy="369332"/>
+          </a:xfrm>
+          <a:prstGeom prst="rect">
+            <a:avLst/>
+          </a:prstGeom>
+          <a:noFill/>
+        </p:spPr>
+        <p:txBody>
+          <a:bodyPr wrap="none" rtlCol="0">
+            <a:spAutoFit/>
+          </a:bodyPr>
+          <a:lstStyle/>
+          <a:p>
+            <a:r>
+              <a:rPr lang="en-US" b="1" dirty="0" err="1" smtClean="0"/>
+              <a:t>DisiFhirConverter</a:t>
+            </a:r>
+            <a:endParaRPr lang="en-US" b="1" dirty="0"/>
+          </a:p>
+        </p:txBody>
+      </p:sp>
+      <p:grpSp>
+        <p:nvGrpSpPr>
+          <p:cNvPr id="33" name="Gruppo 32"/>
+          <p:cNvGrpSpPr/>
+          <p:nvPr/>
+        </p:nvGrpSpPr>
+        <p:grpSpPr>
+          <a:xfrm>
+            <a:off x="4639634" y="4221088"/>
+            <a:ext cx="4069286" cy="1860115"/>
+            <a:chOff x="565700" y="4958037"/>
+            <a:chExt cx="805955" cy="754777"/>
+          </a:xfrm>
+        </p:grpSpPr>
+        <p:sp>
+          <p:nvSpPr>
+            <p:cNvPr id="34" name="Ovale 33"/>
+            <p:cNvSpPr/>
+            <p:nvPr/>
+          </p:nvSpPr>
+          <p:spPr>
+            <a:xfrm>
+              <a:off x="565700" y="4983583"/>
+              <a:ext cx="805955" cy="729231"/>
+            </a:xfrm>
+            <a:prstGeom prst="ellipse">
+              <a:avLst/>
+            </a:prstGeom>
+            <a:ln/>
+          </p:spPr>
+          <p:style>
+            <a:lnRef idx="1">
+              <a:schemeClr val="accent4"/>
+            </a:lnRef>
+            <a:fillRef idx="2">
+              <a:schemeClr val="accent4"/>
+            </a:fillRef>
+            <a:effectRef idx="1">
+              <a:schemeClr val="accent4"/>
+            </a:effectRef>
+            <a:fontRef idx="minor">
+              <a:schemeClr val="dk1"/>
+            </a:fontRef>
+          </p:style>
+          <p:txBody>
+            <a:bodyPr rtlCol="0" anchor="ctr"/>
+            <a:lstStyle/>
+            <a:p>
+              <a:pPr algn="ctr"/>
+              <a:r>
+                <a:rPr lang="en-GB" sz="1200" dirty="0"/>
+                <a:t> </a:t>
+              </a:r>
+            </a:p>
+          </p:txBody>
+        </p:sp>
+        <p:sp>
+          <p:nvSpPr>
+            <p:cNvPr id="35" name="Triangolo isoscele 34"/>
+            <p:cNvSpPr/>
+            <p:nvPr/>
+          </p:nvSpPr>
+          <p:spPr>
+            <a:xfrm rot="16200000">
+              <a:off x="885418" y="4951504"/>
+              <a:ext cx="68763" cy="81830"/>
+            </a:xfrm>
+            <a:prstGeom prst="triangle">
+              <a:avLst/>
+            </a:prstGeom>
+            <a:solidFill>
+              <a:srgbClr val="C00000"/>
+            </a:solidFill>
+            <a:ln/>
+          </p:spPr>
+          <p:style>
+            <a:lnRef idx="1">
+              <a:schemeClr val="accent5"/>
+            </a:lnRef>
+            <a:fillRef idx="2">
+              <a:schemeClr val="accent5"/>
+            </a:fillRef>
+            <a:effectRef idx="1">
+              <a:schemeClr val="accent5"/>
+            </a:effectRef>
+            <a:fontRef idx="minor">
+              <a:schemeClr val="dk1"/>
+            </a:fontRef>
+          </p:style>
+          <p:txBody>
+            <a:bodyPr rtlCol="0" anchor="ctr"/>
+            <a:lstStyle/>
+            <a:p>
+              <a:pPr algn="ctr"/>
+              <a:endParaRPr lang="en-GB" sz="1200">
+                <a:solidFill>
+                  <a:schemeClr val="dk1"/>
+                </a:solidFill>
+              </a:endParaRPr>
+            </a:p>
+          </p:txBody>
+        </p:sp>
+      </p:grpSp>
+      <p:sp>
+        <p:nvSpPr>
+          <p:cNvPr id="36" name="Ovale 35"/>
+          <p:cNvSpPr/>
+          <p:nvPr/>
+        </p:nvSpPr>
+        <p:spPr>
+          <a:xfrm>
+            <a:off x="5828400" y="4588913"/>
+            <a:ext cx="2160240" cy="726799"/>
+          </a:xfrm>
+          <a:prstGeom prst="ellipse">
+            <a:avLst/>
+          </a:prstGeom>
+        </p:spPr>
+        <p:style>
+          <a:lnRef idx="1">
+            <a:schemeClr val="accent5"/>
+          </a:lnRef>
+          <a:fillRef idx="2">
+            <a:schemeClr val="accent5"/>
+          </a:fillRef>
+          <a:effectRef idx="1">
+            <a:schemeClr val="accent5"/>
+          </a:effectRef>
+          <a:fontRef idx="minor">
+            <a:schemeClr val="dk1"/>
+          </a:fontRef>
+        </p:style>
+        <p:txBody>
+          <a:bodyPr rtlCol="0" anchor="ctr"/>
+          <a:lstStyle/>
+          <a:p>
+            <a:pPr algn="ctr"/>
+            <a:r>
+              <a:rPr lang="en-GB" sz="1600" dirty="0" smtClean="0"/>
+              <a:t>uniboworker.js</a:t>
+            </a:r>
+          </a:p>
+          <a:p>
+            <a:pPr algn="ctr"/>
+            <a:r>
+              <a:rPr lang="en-GB" sz="1600" b="1" dirty="0">
+                <a:solidFill>
+                  <a:srgbClr val="C00000"/>
+                </a:solidFill>
+              </a:rPr>
+              <a:t>convert</a:t>
+            </a:r>
+          </a:p>
+        </p:txBody>
+      </p:sp>
+      <p:grpSp>
+        <p:nvGrpSpPr>
+          <p:cNvPr id="37" name="Gruppo 36"/>
+          <p:cNvGrpSpPr/>
+          <p:nvPr/>
+        </p:nvGrpSpPr>
+        <p:grpSpPr>
+          <a:xfrm>
+            <a:off x="4288688" y="4423908"/>
+            <a:ext cx="787334" cy="86434"/>
+            <a:chOff x="3452446" y="4176616"/>
+            <a:chExt cx="787334" cy="86434"/>
+          </a:xfrm>
+        </p:grpSpPr>
+        <p:sp>
+          <p:nvSpPr>
+            <p:cNvPr id="38" name="Triangolo isoscele 37"/>
+            <p:cNvSpPr/>
+            <p:nvPr/>
+          </p:nvSpPr>
+          <p:spPr>
+            <a:xfrm rot="5400000" flipH="1">
+              <a:off x="4126932" y="4150201"/>
+              <a:ext cx="86434" cy="139263"/>
+            </a:xfrm>
+            <a:prstGeom prst="triangle">
+              <a:avLst/>
+            </a:prstGeom>
+            <a:ln/>
+          </p:spPr>
+          <p:style>
+            <a:lnRef idx="1">
+              <a:schemeClr val="accent6"/>
+            </a:lnRef>
+            <a:fillRef idx="2">
+              <a:schemeClr val="accent6"/>
+            </a:fillRef>
+            <a:effectRef idx="1">
+              <a:schemeClr val="accent6"/>
+            </a:effectRef>
+            <a:fontRef idx="minor">
+              <a:schemeClr val="dk1"/>
+            </a:fontRef>
+          </p:style>
+          <p:txBody>
+            <a:bodyPr rtlCol="0" anchor="ctr"/>
+            <a:lstStyle/>
+            <a:p>
+              <a:pPr algn="ctr"/>
+              <a:endParaRPr lang="en-GB" sz="1200"/>
+            </a:p>
+          </p:txBody>
+        </p:sp>
+        <p:cxnSp>
+          <p:nvCxnSpPr>
+            <p:cNvPr id="39" name="Connettore 1 38"/>
+            <p:cNvCxnSpPr>
+              <a:endCxn id="38" idx="3"/>
+            </p:cNvCxnSpPr>
+            <p:nvPr/>
+          </p:nvCxnSpPr>
+          <p:spPr>
+            <a:xfrm>
+              <a:off x="3452446" y="4219627"/>
+              <a:ext cx="648072" cy="206"/>
+            </a:xfrm>
+            <a:prstGeom prst="line">
+              <a:avLst/>
+            </a:prstGeom>
+          </p:spPr>
+          <p:style>
+            <a:lnRef idx="1">
+              <a:schemeClr val="accent6"/>
+            </a:lnRef>
+            <a:fillRef idx="2">
+              <a:schemeClr val="accent6"/>
+            </a:fillRef>
+            <a:effectRef idx="1">
+              <a:schemeClr val="accent6"/>
+            </a:effectRef>
+            <a:fontRef idx="minor">
+              <a:schemeClr val="dk1"/>
+            </a:fontRef>
+          </p:style>
+        </p:cxnSp>
+      </p:grpSp>
+      <p:sp>
+        <p:nvSpPr>
+          <p:cNvPr id="40" name="Rettangolo 39"/>
+          <p:cNvSpPr/>
+          <p:nvPr/>
+        </p:nvSpPr>
+        <p:spPr>
+          <a:xfrm>
+            <a:off x="3184193" y="4390366"/>
+            <a:ext cx="1041888" cy="338554"/>
+          </a:xfrm>
+          <a:prstGeom prst="rect">
+            <a:avLst/>
+          </a:prstGeom>
+          <a:solidFill>
+            <a:srgbClr val="FFFFCC"/>
+          </a:solidFill>
+        </p:spPr>
+        <p:style>
+          <a:lnRef idx="1">
+            <a:schemeClr val="accent3"/>
+          </a:lnRef>
+          <a:fillRef idx="2">
+            <a:schemeClr val="accent3"/>
+          </a:fillRef>
+          <a:effectRef idx="1">
+            <a:schemeClr val="accent3"/>
+          </a:effectRef>
+          <a:fontRef idx="minor">
+            <a:schemeClr val="dk1"/>
+          </a:fontRef>
+        </p:style>
+        <p:txBody>
+          <a:bodyPr wrap="none">
+            <a:spAutoFit/>
+          </a:bodyPr>
+          <a:lstStyle/>
+          <a:p>
+            <a:r>
+              <a:rPr lang="en-GB" sz="1600" b="1" dirty="0" smtClean="0">
+                <a:solidFill>
+                  <a:srgbClr val="0070C0"/>
+                </a:solidFill>
+              </a:rPr>
+              <a:t>/</a:t>
+            </a:r>
+            <a:r>
+              <a:rPr lang="en-GB" sz="1600" dirty="0"/>
+              <a:t>hl7tofhir </a:t>
+            </a:r>
+            <a:endParaRPr lang="en-GB" sz="1600" b="1" dirty="0" smtClean="0">
+              <a:solidFill>
+                <a:srgbClr val="0070C0"/>
+              </a:solidFill>
+            </a:endParaRPr>
+          </a:p>
+        </p:txBody>
+      </p:sp>
+      <p:sp>
+        <p:nvSpPr>
+          <p:cNvPr id="41" name="CasellaDiTesto 40"/>
+          <p:cNvSpPr txBox="1"/>
+          <p:nvPr/>
+        </p:nvSpPr>
+        <p:spPr>
+          <a:xfrm>
+            <a:off x="5122341" y="4404247"/>
+            <a:ext cx="1202380" cy="369332"/>
+          </a:xfrm>
+          <a:prstGeom prst="rect">
+            <a:avLst/>
+          </a:prstGeom>
+        </p:spPr>
+        <p:style>
+          <a:lnRef idx="1">
+            <a:schemeClr val="accent3"/>
+          </a:lnRef>
+          <a:fillRef idx="2">
+            <a:schemeClr val="accent3"/>
+          </a:fillRef>
+          <a:effectRef idx="1">
+            <a:schemeClr val="accent3"/>
+          </a:effectRef>
+          <a:fontRef idx="minor">
+            <a:schemeClr val="dk1"/>
+          </a:fontRef>
+        </p:style>
+        <p:txBody>
+          <a:bodyPr wrap="none" rtlCol="0">
+            <a:spAutoFit/>
+          </a:bodyPr>
+          <a:lstStyle/>
+          <a:p>
+            <a:r>
+              <a:rPr lang="it-IT" dirty="0" smtClean="0"/>
+              <a:t>M2M </a:t>
+            </a:r>
+            <a:r>
+              <a:rPr lang="it-IT" dirty="0" err="1" smtClean="0"/>
+              <a:t>Rest</a:t>
+            </a:r>
+            <a:r>
+              <a:rPr lang="it-IT" dirty="0" smtClean="0"/>
+              <a:t> </a:t>
+            </a:r>
+          </a:p>
+        </p:txBody>
+      </p:sp>
+      <p:grpSp>
+        <p:nvGrpSpPr>
+          <p:cNvPr id="42" name="Gruppo 41"/>
+          <p:cNvGrpSpPr/>
+          <p:nvPr/>
+        </p:nvGrpSpPr>
+        <p:grpSpPr>
+          <a:xfrm>
+            <a:off x="4296775" y="4620113"/>
+            <a:ext cx="666895" cy="86434"/>
+            <a:chOff x="4592177" y="4419530"/>
+            <a:chExt cx="666895" cy="86434"/>
+          </a:xfrm>
+        </p:grpSpPr>
+        <p:cxnSp>
+          <p:nvCxnSpPr>
+            <p:cNvPr id="43" name="Connettore 1 42"/>
+            <p:cNvCxnSpPr/>
+            <p:nvPr/>
+          </p:nvCxnSpPr>
+          <p:spPr>
+            <a:xfrm>
+              <a:off x="4611000" y="4462747"/>
+              <a:ext cx="648072" cy="0"/>
+            </a:xfrm>
+            <a:prstGeom prst="line">
+              <a:avLst/>
+            </a:prstGeom>
+            <a:ln/>
+          </p:spPr>
+          <p:style>
+            <a:lnRef idx="1">
+              <a:schemeClr val="accent6"/>
+            </a:lnRef>
+            <a:fillRef idx="2">
+              <a:schemeClr val="accent6"/>
+            </a:fillRef>
+            <a:effectRef idx="1">
+              <a:schemeClr val="accent6"/>
+            </a:effectRef>
+            <a:fontRef idx="minor">
+              <a:schemeClr val="dk1"/>
+            </a:fontRef>
+          </p:style>
+        </p:cxnSp>
+        <p:sp>
+          <p:nvSpPr>
+            <p:cNvPr id="44" name="Triangolo isoscele 43"/>
+            <p:cNvSpPr/>
+            <p:nvPr/>
+          </p:nvSpPr>
+          <p:spPr>
+            <a:xfrm rot="16200000">
+              <a:off x="4618592" y="4393115"/>
+              <a:ext cx="86434" cy="139263"/>
+            </a:xfrm>
+            <a:prstGeom prst="triangle">
+              <a:avLst/>
+            </a:prstGeom>
+            <a:ln/>
+          </p:spPr>
+          <p:style>
+            <a:lnRef idx="1">
+              <a:schemeClr val="accent6"/>
+            </a:lnRef>
+            <a:fillRef idx="2">
+              <a:schemeClr val="accent6"/>
+            </a:fillRef>
+            <a:effectRef idx="1">
+              <a:schemeClr val="accent6"/>
+            </a:effectRef>
+            <a:fontRef idx="minor">
+              <a:schemeClr val="dk1"/>
+            </a:fontRef>
+          </p:style>
+          <p:txBody>
+            <a:bodyPr rtlCol="0" anchor="ctr"/>
+            <a:lstStyle/>
+            <a:p>
+              <a:pPr algn="ctr"/>
+              <a:endParaRPr lang="en-GB" sz="1200"/>
+            </a:p>
+          </p:txBody>
+        </p:sp>
+      </p:grpSp>
+      <p:grpSp>
+        <p:nvGrpSpPr>
+          <p:cNvPr id="45" name="Gruppo 44"/>
+          <p:cNvGrpSpPr/>
+          <p:nvPr/>
+        </p:nvGrpSpPr>
+        <p:grpSpPr>
+          <a:xfrm>
+            <a:off x="2526929" y="4316595"/>
+            <a:ext cx="749721" cy="720080"/>
+            <a:chOff x="535601" y="3062002"/>
+            <a:chExt cx="749721" cy="720080"/>
+          </a:xfrm>
+        </p:grpSpPr>
+        <p:sp>
+          <p:nvSpPr>
+            <p:cNvPr id="46" name="Ovale 45"/>
+            <p:cNvSpPr/>
+            <p:nvPr/>
+          </p:nvSpPr>
+          <p:spPr>
+            <a:xfrm>
+              <a:off x="535601" y="3062002"/>
+              <a:ext cx="749721" cy="720080"/>
+            </a:xfrm>
+            <a:prstGeom prst="ellipse">
+              <a:avLst/>
+            </a:prstGeom>
+            <a:ln/>
+          </p:spPr>
+          <p:style>
+            <a:lnRef idx="1">
+              <a:schemeClr val="accent5"/>
+            </a:lnRef>
+            <a:fillRef idx="2">
+              <a:schemeClr val="accent5"/>
+            </a:fillRef>
+            <a:effectRef idx="1">
+              <a:schemeClr val="accent5"/>
+            </a:effectRef>
+            <a:fontRef idx="minor">
+              <a:schemeClr val="dk1"/>
+            </a:fontRef>
+          </p:style>
+          <p:txBody>
+            <a:bodyPr rtlCol="0" anchor="ctr"/>
+            <a:lstStyle/>
+            <a:p>
+              <a:pPr algn="ctr"/>
+              <a:r>
+                <a:rPr lang="en-GB" sz="1200" dirty="0"/>
+                <a:t> </a:t>
+              </a:r>
+            </a:p>
+          </p:txBody>
+        </p:sp>
+        <p:cxnSp>
+          <p:nvCxnSpPr>
+            <p:cNvPr id="47" name="Connettore 2 46"/>
+            <p:cNvCxnSpPr/>
+            <p:nvPr/>
+          </p:nvCxnSpPr>
+          <p:spPr>
+            <a:xfrm flipH="1">
+              <a:off x="910461" y="3223931"/>
+              <a:ext cx="13466" cy="393101"/>
+            </a:xfrm>
+            <a:prstGeom prst="straightConnector1">
+              <a:avLst/>
+            </a:prstGeom>
+            <a:ln>
+              <a:solidFill>
+                <a:srgbClr val="C00000"/>
+              </a:solidFill>
+              <a:tailEnd type="arrow"/>
+            </a:ln>
+          </p:spPr>
+          <p:style>
+            <a:lnRef idx="1">
+              <a:schemeClr val="accent1"/>
+            </a:lnRef>
+            <a:fillRef idx="0">
+              <a:schemeClr val="accent1"/>
+            </a:fillRef>
+            <a:effectRef idx="0">
+              <a:schemeClr val="accent1"/>
+            </a:effectRef>
+            <a:fontRef idx="minor">
+              <a:schemeClr val="tx1"/>
+            </a:fontRef>
+          </p:style>
+        </p:cxnSp>
+      </p:grpSp>
+      <p:sp>
+        <p:nvSpPr>
+          <p:cNvPr id="48" name="TextBox 45">
+            <a:extLst>
+              <a:ext uri="{FF2B5EF4-FFF2-40B4-BE49-F238E27FC236}">
+                <a16:creationId xmlns:a16="http://schemas.microsoft.com/office/drawing/2014/main" xmlns="" id="{6BDA7693-CA76-4C97-8FED-A4A65AB5032B}"/>
+              </a:ext>
+            </a:extLst>
+          </p:cNvPr>
+          <p:cNvSpPr txBox="1"/>
+          <p:nvPr/>
+        </p:nvSpPr>
+        <p:spPr>
+          <a:xfrm>
+            <a:off x="2075384" y="3947263"/>
+            <a:ext cx="1821717" cy="369332"/>
+          </a:xfrm>
+          <a:prstGeom prst="rect">
+            <a:avLst/>
+          </a:prstGeom>
+          <a:noFill/>
+        </p:spPr>
+        <p:txBody>
+          <a:bodyPr wrap="none" rtlCol="0">
+            <a:spAutoFit/>
+          </a:bodyPr>
+          <a:lstStyle/>
+          <a:p>
+            <a:r>
+              <a:rPr lang="en-US" b="1" dirty="0" smtClean="0"/>
+              <a:t>DisicvtClient.java</a:t>
+            </a:r>
+            <a:endParaRPr lang="en-US" b="1" dirty="0"/>
+          </a:p>
+        </p:txBody>
+      </p:sp>
+      <p:pic>
+        <p:nvPicPr>
+          <p:cNvPr id="1026" name="Picture 2"/>
+          <p:cNvPicPr>
+            <a:picLocks noChangeAspect="1" noChangeArrowheads="1"/>
+          </p:cNvPicPr>
+          <p:nvPr/>
+        </p:nvPicPr>
+        <p:blipFill>
+          <a:blip r:embed="rId2" cstate="print">
+            <a:extLst>
+              <a:ext uri="{28A0092B-C50C-407E-A947-70E740481C1C}">
+                <a14:useLocalDpi xmlns:a14="http://schemas.microsoft.com/office/drawing/2010/main" val="0"/>
+              </a:ext>
+            </a:extLst>
+          </a:blip>
+          <a:srcRect/>
+          <a:stretch>
+            <a:fillRect/>
+          </a:stretch>
+        </p:blipFill>
+        <p:spPr bwMode="auto">
+          <a:xfrm>
+            <a:off x="2312824" y="5315712"/>
+            <a:ext cx="1616131" cy="1065616"/>
+          </a:xfrm>
+          <a:prstGeom prst="rect">
+            <a:avLst/>
+          </a:prstGeom>
+          <a:noFill/>
+          <a:ln>
+            <a:noFill/>
+          </a:ln>
+          <a:extLst>
+            <a:ext uri="{909E8E84-426E-40DD-AFC4-6F175D3DCCD1}">
+              <a14:hiddenFill xmlns:a14="http://schemas.microsoft.com/office/drawing/2010/main">
+                <a:solidFill>
+                  <a:schemeClr val="accent1"/>
+                </a:solidFill>
+              </a14:hiddenFill>
+            </a:ext>
+            <a:ext uri="{91240B29-F687-4F45-9708-019B960494DF}">
+              <a14:hiddenLine xmlns:a14="http://schemas.microsoft.com/office/drawing/2010/main" w="9525">
+                <a:solidFill>
+                  <a:schemeClr val="tx1"/>
+                </a:solidFill>
+                <a:miter lim="800000"/>
+                <a:headEnd/>
+                <a:tailEnd/>
+              </a14:hiddenLine>
+            </a:ext>
+          </a:extLst>
+        </p:spPr>
+      </p:pic>
+      <p:sp>
+        <p:nvSpPr>
+          <p:cNvPr id="49" name="TextBox 45">
+            <a:extLst>
+              <a:ext uri="{FF2B5EF4-FFF2-40B4-BE49-F238E27FC236}">
+                <a16:creationId xmlns:a16="http://schemas.microsoft.com/office/drawing/2014/main" xmlns="" id="{6BDA7693-CA76-4C97-8FED-A4A65AB5032B}"/>
+              </a:ext>
+            </a:extLst>
+          </p:cNvPr>
+          <p:cNvSpPr txBox="1"/>
+          <p:nvPr/>
+        </p:nvSpPr>
+        <p:spPr>
+          <a:xfrm>
+            <a:off x="3300624" y="6011996"/>
+            <a:ext cx="968598" cy="369332"/>
+          </a:xfrm>
+          <a:prstGeom prst="rect">
+            <a:avLst/>
+          </a:prstGeom>
+          <a:noFill/>
+        </p:spPr>
+        <p:txBody>
+          <a:bodyPr wrap="none" rtlCol="0">
+            <a:spAutoFit/>
+          </a:bodyPr>
+          <a:lstStyle/>
+          <a:p>
+            <a:r>
+              <a:rPr lang="en-US" b="1" dirty="0" smtClean="0"/>
+              <a:t>browser</a:t>
+            </a:r>
+            <a:endParaRPr lang="en-US" b="1" dirty="0"/>
+          </a:p>
+        </p:txBody>
+      </p:sp>
+    </p:spTree>
+    <p:extLst>
+      <p:ext uri="{BB962C8B-B14F-4D97-AF65-F5344CB8AC3E}">
+        <p14:creationId xmlns:p14="http://schemas.microsoft.com/office/powerpoint/2010/main" val="294225988"/>
+      </p:ext>
+    </p:extLst>
+  </p:cSld>
+  <p:clrMapOvr>
+    <a:masterClrMapping/>
+  </p:clrMapOvr>
+</p:sld>
+</file>
+
+<file path=ppt/slides/slide22.xml><?xml version="1.0" encoding="utf-8"?>
+<p:sld xmlns:a="http://schemas.openxmlformats.org/drawingml/2006/main" xmlns:r="http://schemas.openxmlformats.org/officeDocument/2006/relationships" xmlns:p="http://schemas.openxmlformats.org/presentationml/2006/main">
+  <p:cSld>
+    <p:spTree>
+      <p:nvGrpSpPr>
+        <p:cNvPr id="1" name=""/>
+        <p:cNvGrpSpPr/>
+        <p:nvPr/>
+      </p:nvGrpSpPr>
+      <p:grpSpPr>
+        <a:xfrm>
+          <a:off x="0" y="0"/>
+          <a:ext cx="0" cy="0"/>
+          <a:chOff x="0" y="0"/>
+          <a:chExt cx="0" cy="0"/>
+        </a:xfrm>
+      </p:grpSpPr>
+      <p:grpSp>
+        <p:nvGrpSpPr>
+          <p:cNvPr id="24" name="Gruppo 23"/>
+          <p:cNvGrpSpPr/>
+          <p:nvPr/>
+        </p:nvGrpSpPr>
+        <p:grpSpPr>
+          <a:xfrm>
+            <a:off x="1921672" y="953633"/>
+            <a:ext cx="1760231" cy="1667077"/>
+            <a:chOff x="565700" y="4958037"/>
+            <a:chExt cx="805955" cy="754777"/>
+          </a:xfrm>
+        </p:grpSpPr>
+        <p:sp>
+          <p:nvSpPr>
+            <p:cNvPr id="25" name="Ovale 24"/>
+            <p:cNvSpPr/>
+            <p:nvPr/>
+          </p:nvSpPr>
+          <p:spPr>
+            <a:xfrm>
+              <a:off x="565700" y="4983583"/>
+              <a:ext cx="805955" cy="729231"/>
+            </a:xfrm>
+            <a:prstGeom prst="ellipse">
+              <a:avLst/>
+            </a:prstGeom>
+            <a:ln/>
+          </p:spPr>
+          <p:style>
+            <a:lnRef idx="1">
+              <a:schemeClr val="accent4"/>
+            </a:lnRef>
+            <a:fillRef idx="2">
+              <a:schemeClr val="accent4"/>
+            </a:fillRef>
+            <a:effectRef idx="1">
+              <a:schemeClr val="accent4"/>
+            </a:effectRef>
+            <a:fontRef idx="minor">
+              <a:schemeClr val="dk1"/>
+            </a:fontRef>
+          </p:style>
+          <p:txBody>
+            <a:bodyPr rtlCol="0" anchor="ctr"/>
+            <a:lstStyle/>
+            <a:p>
+              <a:pPr algn="ctr"/>
+              <a:r>
+                <a:rPr lang="en-GB" sz="1200" dirty="0"/>
+                <a:t> </a:t>
+              </a:r>
+            </a:p>
+          </p:txBody>
+        </p:sp>
+        <p:sp>
+          <p:nvSpPr>
+            <p:cNvPr id="26" name="Triangolo isoscele 25"/>
+            <p:cNvSpPr/>
+            <p:nvPr/>
+          </p:nvSpPr>
+          <p:spPr>
+            <a:xfrm rot="16200000">
+              <a:off x="885418" y="4951504"/>
+              <a:ext cx="68763" cy="81830"/>
+            </a:xfrm>
+            <a:prstGeom prst="triangle">
+              <a:avLst/>
+            </a:prstGeom>
+            <a:solidFill>
+              <a:srgbClr val="C00000"/>
+            </a:solidFill>
+            <a:ln/>
+          </p:spPr>
+          <p:style>
+            <a:lnRef idx="1">
+              <a:schemeClr val="accent5"/>
+            </a:lnRef>
+            <a:fillRef idx="2">
+              <a:schemeClr val="accent5"/>
+            </a:fillRef>
+            <a:effectRef idx="1">
+              <a:schemeClr val="accent5"/>
+            </a:effectRef>
+            <a:fontRef idx="minor">
+              <a:schemeClr val="dk1"/>
+            </a:fontRef>
+          </p:style>
+          <p:txBody>
+            <a:bodyPr rtlCol="0" anchor="ctr"/>
+            <a:lstStyle/>
+            <a:p>
+              <a:pPr algn="ctr"/>
+              <a:endParaRPr lang="en-GB" sz="1200">
+                <a:solidFill>
+                  <a:schemeClr val="dk1"/>
+                </a:solidFill>
+              </a:endParaRPr>
+            </a:p>
+          </p:txBody>
+        </p:sp>
+      </p:grpSp>
+      <p:sp>
+        <p:nvSpPr>
+          <p:cNvPr id="2" name="TextBox 45">
+            <a:extLst>
+              <a:ext uri="{FF2B5EF4-FFF2-40B4-BE49-F238E27FC236}">
+                <a16:creationId xmlns:a16="http://schemas.microsoft.com/office/drawing/2014/main" xmlns="" id="{6BDA7693-CA76-4C97-8FED-A4A65AB5032B}"/>
+              </a:ext>
+            </a:extLst>
+          </p:cNvPr>
+          <p:cNvSpPr txBox="1"/>
+          <p:nvPr/>
+        </p:nvSpPr>
+        <p:spPr>
+          <a:xfrm>
+            <a:off x="5556331" y="444678"/>
+            <a:ext cx="1845185" cy="369332"/>
+          </a:xfrm>
+          <a:prstGeom prst="rect">
+            <a:avLst/>
+          </a:prstGeom>
+          <a:noFill/>
+        </p:spPr>
+        <p:txBody>
+          <a:bodyPr wrap="none" rtlCol="0">
+            <a:spAutoFit/>
+          </a:bodyPr>
+          <a:lstStyle/>
+          <a:p>
+            <a:r>
+              <a:rPr lang="en-US" b="1" dirty="0" err="1" smtClean="0"/>
+              <a:t>DisiFhirConverter</a:t>
+            </a:r>
+            <a:endParaRPr lang="en-US" b="1" dirty="0"/>
+          </a:p>
+        </p:txBody>
+      </p:sp>
+      <p:grpSp>
+        <p:nvGrpSpPr>
+          <p:cNvPr id="3" name="Gruppo 2"/>
+          <p:cNvGrpSpPr/>
+          <p:nvPr/>
+        </p:nvGrpSpPr>
+        <p:grpSpPr>
+          <a:xfrm>
+            <a:off x="4348192" y="885853"/>
+            <a:ext cx="4347370" cy="3839291"/>
+            <a:chOff x="565700" y="4958037"/>
+            <a:chExt cx="805955" cy="754777"/>
+          </a:xfrm>
+        </p:grpSpPr>
+        <p:sp>
+          <p:nvSpPr>
+            <p:cNvPr id="4" name="Ovale 3"/>
+            <p:cNvSpPr/>
+            <p:nvPr/>
+          </p:nvSpPr>
+          <p:spPr>
+            <a:xfrm>
+              <a:off x="565700" y="4983583"/>
+              <a:ext cx="805955" cy="729231"/>
+            </a:xfrm>
+            <a:prstGeom prst="ellipse">
+              <a:avLst/>
+            </a:prstGeom>
+            <a:ln/>
+          </p:spPr>
+          <p:style>
+            <a:lnRef idx="1">
+              <a:schemeClr val="accent4"/>
+            </a:lnRef>
+            <a:fillRef idx="2">
+              <a:schemeClr val="accent4"/>
+            </a:fillRef>
+            <a:effectRef idx="1">
+              <a:schemeClr val="accent4"/>
+            </a:effectRef>
+            <a:fontRef idx="minor">
+              <a:schemeClr val="dk1"/>
+            </a:fontRef>
+          </p:style>
+          <p:txBody>
+            <a:bodyPr rtlCol="0" anchor="ctr"/>
+            <a:lstStyle/>
+            <a:p>
+              <a:pPr algn="ctr"/>
+              <a:r>
+                <a:rPr lang="en-GB" sz="1200" dirty="0"/>
+                <a:t> </a:t>
+              </a:r>
+            </a:p>
+          </p:txBody>
+        </p:sp>
+        <p:sp>
+          <p:nvSpPr>
+            <p:cNvPr id="5" name="Triangolo isoscele 4"/>
+            <p:cNvSpPr/>
+            <p:nvPr/>
+          </p:nvSpPr>
+          <p:spPr>
+            <a:xfrm rot="16200000">
+              <a:off x="885418" y="4951504"/>
+              <a:ext cx="68763" cy="81830"/>
+            </a:xfrm>
+            <a:prstGeom prst="triangle">
+              <a:avLst/>
+            </a:prstGeom>
+            <a:solidFill>
+              <a:srgbClr val="C00000"/>
+            </a:solidFill>
+            <a:ln/>
+          </p:spPr>
+          <p:style>
+            <a:lnRef idx="1">
+              <a:schemeClr val="accent5"/>
+            </a:lnRef>
+            <a:fillRef idx="2">
+              <a:schemeClr val="accent5"/>
+            </a:fillRef>
+            <a:effectRef idx="1">
+              <a:schemeClr val="accent5"/>
+            </a:effectRef>
+            <a:fontRef idx="minor">
+              <a:schemeClr val="dk1"/>
+            </a:fontRef>
+          </p:style>
+          <p:txBody>
+            <a:bodyPr rtlCol="0" anchor="ctr"/>
+            <a:lstStyle/>
+            <a:p>
+              <a:pPr algn="ctr"/>
+              <a:endParaRPr lang="en-GB" sz="1200">
+                <a:solidFill>
+                  <a:schemeClr val="dk1"/>
+                </a:solidFill>
+              </a:endParaRPr>
+            </a:p>
+          </p:txBody>
+        </p:sp>
+      </p:grpSp>
+      <p:sp>
+        <p:nvSpPr>
+          <p:cNvPr id="6" name="Ovale 5"/>
+          <p:cNvSpPr/>
+          <p:nvPr/>
+        </p:nvSpPr>
+        <p:spPr>
+          <a:xfrm>
+            <a:off x="5441757" y="1248156"/>
+            <a:ext cx="2160240" cy="1017135"/>
+          </a:xfrm>
+          <a:prstGeom prst="ellipse">
+            <a:avLst/>
+          </a:prstGeom>
+        </p:spPr>
+        <p:style>
+          <a:lnRef idx="1">
+            <a:schemeClr val="accent5"/>
+          </a:lnRef>
+          <a:fillRef idx="2">
+            <a:schemeClr val="accent5"/>
+          </a:fillRef>
+          <a:effectRef idx="1">
+            <a:schemeClr val="accent5"/>
+          </a:effectRef>
+          <a:fontRef idx="minor">
+            <a:schemeClr val="dk1"/>
+          </a:fontRef>
+        </p:style>
+        <p:txBody>
+          <a:bodyPr rtlCol="0" anchor="ctr"/>
+          <a:lstStyle/>
+          <a:p>
+            <a:pPr algn="ctr"/>
+            <a:r>
+              <a:rPr lang="en-GB" sz="1600" dirty="0" smtClean="0"/>
+              <a:t>uniboworker.js</a:t>
+            </a:r>
+          </a:p>
+          <a:p>
+            <a:pPr algn="ctr"/>
+            <a:r>
+              <a:rPr lang="en-GB" sz="1600" dirty="0">
+                <a:solidFill>
+                  <a:srgbClr val="C00000"/>
+                </a:solidFill>
+              </a:rPr>
+              <a:t>c</a:t>
+            </a:r>
+            <a:r>
+              <a:rPr lang="en-GB" sz="1600" dirty="0" smtClean="0">
+                <a:solidFill>
+                  <a:srgbClr val="C00000"/>
+                </a:solidFill>
+              </a:rPr>
+              <a:t>onvert</a:t>
+            </a:r>
+          </a:p>
+          <a:p>
+            <a:pPr algn="ctr"/>
+            <a:r>
+              <a:rPr lang="en-GB" sz="1600" dirty="0" err="1">
+                <a:solidFill>
+                  <a:srgbClr val="C00000"/>
+                </a:solidFill>
+              </a:rPr>
+              <a:t>generateResult</a:t>
+            </a:r>
+            <a:endParaRPr lang="en-GB" sz="1600" dirty="0">
+              <a:solidFill>
+                <a:srgbClr val="C00000"/>
+              </a:solidFill>
+            </a:endParaRPr>
+          </a:p>
+        </p:txBody>
+      </p:sp>
+      <p:grpSp>
+        <p:nvGrpSpPr>
+          <p:cNvPr id="29" name="Gruppo 28"/>
+          <p:cNvGrpSpPr/>
+          <p:nvPr/>
+        </p:nvGrpSpPr>
+        <p:grpSpPr>
+          <a:xfrm>
+            <a:off x="3902045" y="1627689"/>
             <a:ext cx="787334" cy="86434"/>
             <a:chOff x="3452446" y="4176616"/>
             <a:chExt cx="787334" cy="86434"/>
@@ -25792,8 +27337,8 @@
         </p:nvGrpSpPr>
         <p:grpSpPr>
           <a:xfrm>
-            <a:off x="47948" y="271438"/>
-            <a:ext cx="2721534" cy="4492025"/>
+            <a:off x="162073" y="1023164"/>
+            <a:ext cx="1368152" cy="1242127"/>
             <a:chOff x="311186" y="4332622"/>
             <a:chExt cx="1053702" cy="938460"/>
           </a:xfrm>
@@ -25912,8 +27457,8 @@
           </p:nvSpPr>
           <p:spPr>
             <a:xfrm>
-              <a:off x="612848" y="4896356"/>
-              <a:ext cx="397680" cy="95429"/>
+              <a:off x="403050" y="4594447"/>
+              <a:ext cx="791067" cy="441813"/>
             </a:xfrm>
             <a:prstGeom prst="rect">
               <a:avLst/>
@@ -25936,8 +27481,8 @@
             <a:p>
               <a:pPr algn="ctr"/>
               <a:r>
-                <a:rPr lang="it-IT" sz="1600" b="1" dirty="0" smtClean="0"/>
-                <a:t>server</a:t>
+                <a:rPr lang="it-IT" sz="1600" b="1" dirty="0" err="1" smtClean="0"/>
+                <a:t>sever</a:t>
               </a:r>
               <a:endParaRPr lang="en-GB" sz="1600" dirty="0"/>
             </a:p>
@@ -25952,7 +27497,7 @@
         </p:nvSpPr>
         <p:spPr>
           <a:xfrm>
-            <a:off x="3112762" y="1255592"/>
+            <a:off x="3838312" y="1241199"/>
             <a:ext cx="1041888" cy="338554"/>
           </a:xfrm>
           <a:prstGeom prst="rect">
@@ -25992,11 +27537,7 @@
             </a:r>
             <a:r>
               <a:rPr lang="en-GB" sz="1600" dirty="0"/>
-              <a:t>hl7tofhir</a:t>
-            </a:r>
-            <a:r>
-              <a:rPr lang="en-GB" sz="1600" dirty="0"/>
-              <a:t> </a:t>
+              <a:t>hl7tofhir </a:t>
             </a:r>
             <a:endParaRPr lang="en-GB" sz="1600" b="1" dirty="0" smtClean="0">
               <a:solidFill>
@@ -26014,7 +27555,7 @@
         </p:nvSpPr>
         <p:spPr>
           <a:xfrm>
-            <a:off x="3489204" y="829235"/>
+            <a:off x="1320482" y="1379559"/>
             <a:ext cx="1202380" cy="369332"/>
           </a:xfrm>
           <a:prstGeom prst="rect">
@@ -26064,7 +27605,7 @@
         </p:nvGrpSpPr>
         <p:grpSpPr>
           <a:xfrm>
-            <a:off x="2663638" y="1045101"/>
+            <a:off x="3910132" y="1823894"/>
             <a:ext cx="666895" cy="86434"/>
             <a:chOff x="4592177" y="4419530"/>
             <a:chExt cx="666895" cy="86434"/>
@@ -26149,8 +27690,8 @@
         </p:nvSpPr>
         <p:spPr>
           <a:xfrm>
-            <a:off x="3552215" y="2047648"/>
-            <a:ext cx="2645761" cy="726799"/>
+            <a:off x="4359256" y="2614875"/>
+            <a:ext cx="2877040" cy="726799"/>
           </a:xfrm>
           <a:prstGeom prst="ellipse">
             <a:avLst/>
@@ -26174,11 +27715,39 @@
           <a:bodyPr rtlCol="0" anchor="ctr"/>
           <a:lstStyle/>
           <a:p>
-            <a:r>
-              <a:rPr lang="en-GB" sz="1600" dirty="0" err="1"/>
-              <a:t>dataHandlerFactory</a:t>
-            </a:r>
-            <a:endParaRPr lang="en-GB" sz="1600" dirty="0"/>
+            <a:pPr algn="ctr"/>
+            <a:r>
+              <a:rPr lang="en-GB" sz="1600" dirty="0" smtClean="0">
+                <a:solidFill>
+                  <a:srgbClr val="002060"/>
+                </a:solidFill>
+              </a:rPr>
+              <a:t>dataHandlerFactory.js</a:t>
+            </a:r>
+          </a:p>
+          <a:p>
+            <a:pPr algn="ctr"/>
+            <a:r>
+              <a:rPr lang="it-IT" sz="1600" dirty="0">
+                <a:solidFill>
+                  <a:srgbClr val="002060"/>
+                </a:solidFill>
+              </a:rPr>
+              <a:t>h</a:t>
+            </a:r>
+            <a:r>
+              <a:rPr lang="it-IT" sz="1600" dirty="0" smtClean="0">
+                <a:solidFill>
+                  <a:srgbClr val="002060"/>
+                </a:solidFill>
+              </a:rPr>
+              <a:t>l7v2.js</a:t>
+            </a:r>
+            <a:endParaRPr lang="en-GB" sz="1600" dirty="0">
+              <a:solidFill>
+                <a:srgbClr val="002060"/>
+              </a:solidFill>
+            </a:endParaRPr>
           </a:p>
         </p:txBody>
       </p:sp>
@@ -26190,8 +27759,8 @@
         </p:nvSpPr>
         <p:spPr>
           <a:xfrm>
-            <a:off x="4238217" y="2963567"/>
-            <a:ext cx="2837354" cy="726799"/>
+            <a:off x="5441757" y="3501008"/>
+            <a:ext cx="2978005" cy="726799"/>
           </a:xfrm>
           <a:prstGeom prst="ellipse">
             <a:avLst/>
@@ -26216,142 +27785,232 @@
           <a:lstStyle/>
           <a:p>
             <a:r>
-              <a:rPr lang="en-GB" sz="1600" dirty="0" err="1"/>
-              <a:t>HandlebarsConverter</a:t>
-            </a:r>
-            <a:endParaRPr lang="en-GB" sz="1600" dirty="0"/>
+              <a:rPr lang="en-GB" sz="1600" dirty="0" smtClean="0">
+                <a:solidFill>
+                  <a:srgbClr val="002060"/>
+                </a:solidFill>
+              </a:rPr>
+              <a:t>HandlebarsConverter.js</a:t>
+            </a:r>
+            <a:endParaRPr lang="en-GB" sz="1600" dirty="0">
+              <a:solidFill>
+                <a:srgbClr val="002060"/>
+              </a:solidFill>
+            </a:endParaRPr>
           </a:p>
         </p:txBody>
       </p:sp>
       <p:sp>
         <p:nvSpPr>
-          <p:cNvPr id="68" name="Ovale 67"/>
-          <p:cNvSpPr/>
-          <p:nvPr/>
-        </p:nvSpPr>
-        <p:spPr>
-          <a:xfrm>
-            <a:off x="3899660" y="3861048"/>
-            <a:ext cx="2837354" cy="726799"/>
-          </a:xfrm>
-          <a:prstGeom prst="ellipse">
-            <a:avLst/>
-          </a:prstGeom>
-        </p:spPr>
-        <p:style>
-          <a:lnRef idx="1">
-            <a:schemeClr val="accent5"/>
-          </a:lnRef>
-          <a:fillRef idx="2">
-            <a:schemeClr val="accent5"/>
-          </a:fillRef>
-          <a:effectRef idx="1">
-            <a:schemeClr val="accent5"/>
-          </a:effectRef>
-          <a:fontRef idx="minor">
-            <a:schemeClr val="dk1"/>
-          </a:fontRef>
-        </p:style>
-        <p:txBody>
-          <a:bodyPr rtlCol="0" anchor="ctr"/>
-          <a:lstStyle/>
-          <a:p>
-            <a:r>
-              <a:rPr lang="en-GB" sz="1600" dirty="0" err="1"/>
-              <a:t>generateResult</a:t>
-            </a:r>
-            <a:endParaRPr lang="en-GB" sz="1600" dirty="0"/>
-          </a:p>
-        </p:txBody>
-      </p:sp>
-    </p:spTree>
-    <p:extLst>
-      <p:ext uri="{BB962C8B-B14F-4D97-AF65-F5344CB8AC3E}">
-        <p14:creationId xmlns:p14="http://schemas.microsoft.com/office/powerpoint/2010/main" val="294225988"/>
-      </p:ext>
-    </p:extLst>
-  </p:cSld>
-  <p:clrMapOvr>
-    <a:masterClrMapping/>
-  </p:clrMapOvr>
-</p:sld>
-</file>
-
-<file path=ppt/slides/slide22.xml><?xml version="1.0" encoding="utf-8"?>
-<p:sld xmlns:a="http://schemas.openxmlformats.org/drawingml/2006/main" xmlns:r="http://schemas.openxmlformats.org/officeDocument/2006/relationships" xmlns:p="http://schemas.openxmlformats.org/presentationml/2006/main">
-  <p:cSld>
-    <p:spTree>
-      <p:nvGrpSpPr>
-        <p:cNvPr id="1" name=""/>
-        <p:cNvGrpSpPr/>
-        <p:nvPr/>
-      </p:nvGrpSpPr>
-      <p:grpSpPr>
-        <a:xfrm>
-          <a:off x="0" y="0"/>
-          <a:ext cx="0" cy="0"/>
-          <a:chOff x="0" y="0"/>
-          <a:chExt cx="0" cy="0"/>
-        </a:xfrm>
-      </p:grpSpPr>
-      <p:pic>
-        <p:nvPicPr>
-          <p:cNvPr id="1027" name="Picture 3"/>
-          <p:cNvPicPr>
-            <a:picLocks noChangeAspect="1" noChangeArrowheads="1"/>
-          </p:cNvPicPr>
-          <p:nvPr/>
-        </p:nvPicPr>
-        <p:blipFill>
-          <a:blip r:embed="rId2">
+          <p:cNvPr id="23" name="TextBox 45">
             <a:extLst>
-              <a:ext uri="{28A0092B-C50C-407E-A947-70E740481C1C}">
-                <a14:useLocalDpi xmlns:a14="http://schemas.microsoft.com/office/drawing/2010/main" val="0"/>
+              <a:ext uri="{FF2B5EF4-FFF2-40B4-BE49-F238E27FC236}">
+                <a16:creationId xmlns:a16="http://schemas.microsoft.com/office/drawing/2014/main" xmlns="" id="{6BDA7693-CA76-4C97-8FED-A4A65AB5032B}"/>
               </a:ext>
             </a:extLst>
-          </a:blip>
-          <a:srcRect/>
-          <a:stretch>
-            <a:fillRect/>
-          </a:stretch>
-        </p:blipFill>
-        <p:spPr bwMode="auto">
-          <a:xfrm>
-            <a:off x="1252538" y="1119188"/>
-            <a:ext cx="6638925" cy="4619625"/>
+          </p:cNvPr>
+          <p:cNvSpPr txBox="1"/>
+          <p:nvPr/>
+        </p:nvSpPr>
+        <p:spPr>
+          <a:xfrm>
+            <a:off x="1701530" y="336530"/>
+            <a:ext cx="2200516" cy="369332"/>
           </a:xfrm>
           <a:prstGeom prst="rect">
             <a:avLst/>
           </a:prstGeom>
           <a:noFill/>
-          <a:ln>
-            <a:noFill/>
-          </a:ln>
-          <a:extLst>
-            <a:ext uri="{909E8E84-426E-40DD-AFC4-6F175D3DCCD1}">
-              <a14:hiddenFill xmlns:a14="http://schemas.microsoft.com/office/drawing/2010/main">
-                <a:solidFill>
-                  <a:schemeClr val="accent1"/>
-                </a:solidFill>
-              </a14:hiddenFill>
-            </a:ext>
-            <a:ext uri="{91240B29-F687-4F45-9708-019B960494DF}">
-              <a14:hiddenLine xmlns:a14="http://schemas.microsoft.com/office/drawing/2010/main" w="9525">
-                <a:solidFill>
-                  <a:schemeClr val="tx1"/>
-                </a:solidFill>
-                <a:miter lim="800000"/>
-                <a:headEnd/>
-                <a:tailEnd/>
-              </a14:hiddenLine>
-            </a:ext>
-          </a:extLst>
-        </p:spPr>
-      </p:pic>
+        </p:spPr>
+        <p:txBody>
+          <a:bodyPr wrap="square" rtlCol="0">
+            <a:spAutoFit/>
+          </a:bodyPr>
+          <a:lstStyle/>
+          <a:p>
+            <a:r>
+              <a:rPr lang="en-US" b="1" dirty="0" err="1" smtClean="0"/>
+              <a:t>HealthProduct</a:t>
+            </a:r>
+            <a:endParaRPr lang="en-US" b="1" dirty="0"/>
+          </a:p>
+        </p:txBody>
+      </p:sp>
+      <p:grpSp>
+        <p:nvGrpSpPr>
+          <p:cNvPr id="27" name="Gruppo 26"/>
+          <p:cNvGrpSpPr/>
+          <p:nvPr/>
+        </p:nvGrpSpPr>
+        <p:grpSpPr>
+          <a:xfrm>
+            <a:off x="1334558" y="980153"/>
+            <a:ext cx="787334" cy="86434"/>
+            <a:chOff x="3452446" y="4176616"/>
+            <a:chExt cx="787334" cy="86434"/>
+          </a:xfrm>
+        </p:grpSpPr>
+        <p:sp>
+          <p:nvSpPr>
+            <p:cNvPr id="28" name="Triangolo isoscele 27"/>
+            <p:cNvSpPr/>
+            <p:nvPr/>
+          </p:nvSpPr>
+          <p:spPr>
+            <a:xfrm rot="5400000" flipH="1">
+              <a:off x="4126932" y="4150201"/>
+              <a:ext cx="86434" cy="139263"/>
+            </a:xfrm>
+            <a:prstGeom prst="triangle">
+              <a:avLst/>
+            </a:prstGeom>
+            <a:ln/>
+          </p:spPr>
+          <p:style>
+            <a:lnRef idx="1">
+              <a:schemeClr val="accent6"/>
+            </a:lnRef>
+            <a:fillRef idx="2">
+              <a:schemeClr val="accent6"/>
+            </a:fillRef>
+            <a:effectRef idx="1">
+              <a:schemeClr val="accent6"/>
+            </a:effectRef>
+            <a:fontRef idx="minor">
+              <a:schemeClr val="dk1"/>
+            </a:fontRef>
+          </p:style>
+          <p:txBody>
+            <a:bodyPr rtlCol="0" anchor="ctr"/>
+            <a:lstStyle/>
+            <a:p>
+              <a:pPr algn="ctr"/>
+              <a:endParaRPr lang="en-GB" sz="1200"/>
+            </a:p>
+          </p:txBody>
+        </p:sp>
+        <p:cxnSp>
+          <p:nvCxnSpPr>
+            <p:cNvPr id="32" name="Connettore 1 31"/>
+            <p:cNvCxnSpPr>
+              <a:endCxn id="28" idx="3"/>
+            </p:cNvCxnSpPr>
+            <p:nvPr/>
+          </p:nvCxnSpPr>
+          <p:spPr>
+            <a:xfrm>
+              <a:off x="3452446" y="4219627"/>
+              <a:ext cx="648072" cy="206"/>
+            </a:xfrm>
+            <a:prstGeom prst="line">
+              <a:avLst/>
+            </a:prstGeom>
+          </p:spPr>
+          <p:style>
+            <a:lnRef idx="1">
+              <a:schemeClr val="accent6"/>
+            </a:lnRef>
+            <a:fillRef idx="2">
+              <a:schemeClr val="accent6"/>
+            </a:fillRef>
+            <a:effectRef idx="1">
+              <a:schemeClr val="accent6"/>
+            </a:effectRef>
+            <a:fontRef idx="minor">
+              <a:schemeClr val="dk1"/>
+            </a:fontRef>
+          </p:style>
+        </p:cxnSp>
+      </p:grpSp>
+      <p:grpSp>
+        <p:nvGrpSpPr>
+          <p:cNvPr id="33" name="Gruppo 32"/>
+          <p:cNvGrpSpPr/>
+          <p:nvPr/>
+        </p:nvGrpSpPr>
+        <p:grpSpPr>
+          <a:xfrm>
+            <a:off x="1342645" y="1176358"/>
+            <a:ext cx="666895" cy="86434"/>
+            <a:chOff x="4592177" y="4419530"/>
+            <a:chExt cx="666895" cy="86434"/>
+          </a:xfrm>
+        </p:grpSpPr>
+        <p:cxnSp>
+          <p:nvCxnSpPr>
+            <p:cNvPr id="34" name="Connettore 1 33"/>
+            <p:cNvCxnSpPr/>
+            <p:nvPr/>
+          </p:nvCxnSpPr>
+          <p:spPr>
+            <a:xfrm>
+              <a:off x="4611000" y="4462747"/>
+              <a:ext cx="648072" cy="0"/>
+            </a:xfrm>
+            <a:prstGeom prst="line">
+              <a:avLst/>
+            </a:prstGeom>
+            <a:ln/>
+          </p:spPr>
+          <p:style>
+            <a:lnRef idx="1">
+              <a:schemeClr val="accent6"/>
+            </a:lnRef>
+            <a:fillRef idx="2">
+              <a:schemeClr val="accent6"/>
+            </a:fillRef>
+            <a:effectRef idx="1">
+              <a:schemeClr val="accent6"/>
+            </a:effectRef>
+            <a:fontRef idx="minor">
+              <a:schemeClr val="dk1"/>
+            </a:fontRef>
+          </p:style>
+        </p:cxnSp>
+        <p:sp>
+          <p:nvSpPr>
+            <p:cNvPr id="35" name="Triangolo isoscele 34"/>
+            <p:cNvSpPr/>
+            <p:nvPr/>
+          </p:nvSpPr>
+          <p:spPr>
+            <a:xfrm rot="16200000">
+              <a:off x="4618592" y="4393115"/>
+              <a:ext cx="86434" cy="139263"/>
+            </a:xfrm>
+            <a:prstGeom prst="triangle">
+              <a:avLst/>
+            </a:prstGeom>
+            <a:ln/>
+          </p:spPr>
+          <p:style>
+            <a:lnRef idx="1">
+              <a:schemeClr val="accent6"/>
+            </a:lnRef>
+            <a:fillRef idx="2">
+              <a:schemeClr val="accent6"/>
+            </a:fillRef>
+            <a:effectRef idx="1">
+              <a:schemeClr val="accent6"/>
+            </a:effectRef>
+            <a:fontRef idx="minor">
+              <a:schemeClr val="dk1"/>
+            </a:fontRef>
+          </p:style>
+          <p:txBody>
+            <a:bodyPr rtlCol="0" anchor="ctr"/>
+            <a:lstStyle/>
+            <a:p>
+              <a:pPr algn="ctr"/>
+              <a:endParaRPr lang="en-GB" sz="1200"/>
+            </a:p>
+          </p:txBody>
+        </p:sp>
+      </p:grpSp>
     </p:spTree>
     <p:extLst>
       <p:ext uri="{BB962C8B-B14F-4D97-AF65-F5344CB8AC3E}">
-        <p14:creationId xmlns:p14="http://schemas.microsoft.com/office/powerpoint/2010/main" val="2167669677"/>
+        <p14:creationId xmlns:p14="http://schemas.microsoft.com/office/powerpoint/2010/main" val="1779429846"/>
       </p:ext>
     </p:extLst>
   </p:cSld>
@@ -26380,7 +28039,7 @@
       </p:grpSpPr>
       <p:pic>
         <p:nvPicPr>
-          <p:cNvPr id="3" name="Picture 2"/>
+          <p:cNvPr id="1027" name="Picture 3"/>
           <p:cNvPicPr>
             <a:picLocks noChangeAspect="1" noChangeArrowheads="1"/>
           </p:cNvPicPr>
@@ -26401,8 +28060,8 @@
         </p:blipFill>
         <p:spPr bwMode="auto">
           <a:xfrm>
-            <a:off x="0" y="176213"/>
-            <a:ext cx="9144000" cy="4886817"/>
+            <a:off x="1252538" y="1119188"/>
+            <a:ext cx="6638925" cy="4619625"/>
           </a:xfrm>
           <a:prstGeom prst="rect">
             <a:avLst/>
@@ -26432,420 +28091,10 @@
           </a:extLst>
         </p:spPr>
       </p:pic>
-      <p:sp>
-        <p:nvSpPr>
-          <p:cNvPr id="2" name="Rettangolo arrotondato 1"/>
-          <p:cNvSpPr/>
-          <p:nvPr/>
-        </p:nvSpPr>
-        <p:spPr>
-          <a:xfrm>
-            <a:off x="4716016" y="770721"/>
-            <a:ext cx="3528392" cy="648072"/>
-          </a:xfrm>
-          <a:prstGeom prst="roundRect">
-            <a:avLst/>
-          </a:prstGeom>
-        </p:spPr>
-        <p:style>
-          <a:lnRef idx="1">
-            <a:schemeClr val="accent6"/>
-          </a:lnRef>
-          <a:fillRef idx="2">
-            <a:schemeClr val="accent6"/>
-          </a:fillRef>
-          <a:effectRef idx="1">
-            <a:schemeClr val="accent6"/>
-          </a:effectRef>
-          <a:fontRef idx="minor">
-            <a:schemeClr val="dk1"/>
-          </a:fontRef>
-        </p:style>
-        <p:txBody>
-          <a:bodyPr rtlCol="0" anchor="ctr"/>
-          <a:lstStyle/>
-          <a:p>
-            <a:pPr algn="ctr"/>
-            <a:r>
-              <a:rPr lang="it-IT" dirty="0" smtClean="0"/>
-              <a:t>OPERAZIONI –CRUD </a:t>
-            </a:r>
-          </a:p>
-          <a:p>
-            <a:pPr algn="ctr"/>
-            <a:r>
-              <a:rPr lang="it-IT" dirty="0" smtClean="0"/>
-              <a:t>(</a:t>
-            </a:r>
-            <a:r>
-              <a:rPr lang="it-IT" dirty="0"/>
-              <a:t>API </a:t>
-            </a:r>
-            <a:r>
-              <a:rPr lang="it-IT" dirty="0" smtClean="0"/>
-              <a:t> </a:t>
-            </a:r>
-            <a:r>
-              <a:rPr lang="it-IT" dirty="0" err="1" smtClean="0"/>
-              <a:t>Synch</a:t>
-            </a:r>
-            <a:r>
-              <a:rPr lang="it-IT" dirty="0" smtClean="0"/>
-              <a:t> /</a:t>
-            </a:r>
-            <a:r>
-              <a:rPr lang="it-IT" dirty="0" err="1" smtClean="0"/>
-              <a:t>Asynch</a:t>
-            </a:r>
-            <a:r>
-              <a:rPr lang="it-IT" dirty="0" smtClean="0"/>
-              <a:t>)</a:t>
-            </a:r>
-            <a:endParaRPr lang="en-GB" dirty="0"/>
-          </a:p>
-        </p:txBody>
-      </p:sp>
-      <p:cxnSp>
-        <p:nvCxnSpPr>
-          <p:cNvPr id="5" name="Connettore 2 4"/>
-          <p:cNvCxnSpPr>
-            <a:stCxn id="2" idx="1"/>
-          </p:cNvCxnSpPr>
-          <p:nvPr/>
-        </p:nvCxnSpPr>
-        <p:spPr>
-          <a:xfrm flipH="1">
-            <a:off x="2915816" y="1094757"/>
-            <a:ext cx="1800200" cy="750067"/>
-          </a:xfrm>
-          <a:prstGeom prst="straightConnector1">
-            <a:avLst/>
-          </a:prstGeom>
-          <a:ln>
-            <a:tailEnd type="arrow"/>
-          </a:ln>
-        </p:spPr>
-        <p:style>
-          <a:lnRef idx="1">
-            <a:schemeClr val="accent1"/>
-          </a:lnRef>
-          <a:fillRef idx="0">
-            <a:schemeClr val="accent1"/>
-          </a:fillRef>
-          <a:effectRef idx="0">
-            <a:schemeClr val="accent1"/>
-          </a:effectRef>
-          <a:fontRef idx="minor">
-            <a:schemeClr val="tx1"/>
-          </a:fontRef>
-        </p:style>
-      </p:cxnSp>
-      <p:sp>
-        <p:nvSpPr>
-          <p:cNvPr id="7" name="Rettangolo arrotondato 6"/>
-          <p:cNvSpPr/>
-          <p:nvPr/>
-        </p:nvSpPr>
-        <p:spPr>
-          <a:xfrm>
-            <a:off x="5940152" y="1418793"/>
-            <a:ext cx="3203848" cy="648072"/>
-          </a:xfrm>
-          <a:prstGeom prst="roundRect">
-            <a:avLst/>
-          </a:prstGeom>
-        </p:spPr>
-        <p:style>
-          <a:lnRef idx="1">
-            <a:schemeClr val="accent6"/>
-          </a:lnRef>
-          <a:fillRef idx="2">
-            <a:schemeClr val="accent6"/>
-          </a:fillRef>
-          <a:effectRef idx="1">
-            <a:schemeClr val="accent6"/>
-          </a:effectRef>
-          <a:fontRef idx="minor">
-            <a:schemeClr val="dk1"/>
-          </a:fontRef>
-        </p:style>
-        <p:txBody>
-          <a:bodyPr rtlCol="0" anchor="ctr"/>
-          <a:lstStyle/>
-          <a:p>
-            <a:pPr algn="ctr"/>
-            <a:r>
-              <a:rPr lang="it-IT" dirty="0" smtClean="0"/>
-              <a:t>Esperimenti</a:t>
-            </a:r>
-          </a:p>
-          <a:p>
-            <a:pPr algn="ctr"/>
-            <a:r>
-              <a:rPr lang="it-IT" dirty="0" smtClean="0"/>
-              <a:t>Conversione HL7/FHIR</a:t>
-            </a:r>
-            <a:endParaRPr lang="en-GB" dirty="0"/>
-          </a:p>
-        </p:txBody>
-      </p:sp>
-      <p:cxnSp>
-        <p:nvCxnSpPr>
-          <p:cNvPr id="8" name="Connettore 2 7"/>
-          <p:cNvCxnSpPr/>
-          <p:nvPr/>
-        </p:nvCxnSpPr>
-        <p:spPr>
-          <a:xfrm flipH="1">
-            <a:off x="6300192" y="2066865"/>
-            <a:ext cx="1241884" cy="1146111"/>
-          </a:xfrm>
-          <a:prstGeom prst="straightConnector1">
-            <a:avLst/>
-          </a:prstGeom>
-          <a:ln>
-            <a:tailEnd type="arrow"/>
-          </a:ln>
-        </p:spPr>
-        <p:style>
-          <a:lnRef idx="1">
-            <a:schemeClr val="accent1"/>
-          </a:lnRef>
-          <a:fillRef idx="0">
-            <a:schemeClr val="accent1"/>
-          </a:fillRef>
-          <a:effectRef idx="0">
-            <a:schemeClr val="accent1"/>
-          </a:effectRef>
-          <a:fontRef idx="minor">
-            <a:schemeClr val="tx1"/>
-          </a:fontRef>
-        </p:style>
-      </p:cxnSp>
-      <p:sp>
-        <p:nvSpPr>
-          <p:cNvPr id="13" name="Rettangolo arrotondato 12"/>
-          <p:cNvSpPr/>
-          <p:nvPr/>
-        </p:nvSpPr>
-        <p:spPr>
-          <a:xfrm>
-            <a:off x="539552" y="176213"/>
-            <a:ext cx="3456384" cy="648072"/>
-          </a:xfrm>
-          <a:prstGeom prst="roundRect">
-            <a:avLst/>
-          </a:prstGeom>
-        </p:spPr>
-        <p:style>
-          <a:lnRef idx="1">
-            <a:schemeClr val="accent6"/>
-          </a:lnRef>
-          <a:fillRef idx="2">
-            <a:schemeClr val="accent6"/>
-          </a:fillRef>
-          <a:effectRef idx="1">
-            <a:schemeClr val="accent6"/>
-          </a:effectRef>
-          <a:fontRef idx="minor">
-            <a:schemeClr val="dk1"/>
-          </a:fontRef>
-        </p:style>
-        <p:txBody>
-          <a:bodyPr rtlCol="0" anchor="ctr"/>
-          <a:lstStyle/>
-          <a:p>
-            <a:pPr algn="ctr"/>
-            <a:r>
-              <a:rPr lang="it-IT" dirty="0" smtClean="0"/>
-              <a:t>Definizione del server </a:t>
-            </a:r>
-            <a:r>
-              <a:rPr lang="it-IT" dirty="0" err="1" smtClean="0"/>
-              <a:t>CentroHelath</a:t>
-            </a:r>
-            <a:endParaRPr lang="en-GB" dirty="0"/>
-          </a:p>
-        </p:txBody>
-      </p:sp>
-      <p:cxnSp>
-        <p:nvCxnSpPr>
-          <p:cNvPr id="14" name="Connettore 2 13"/>
-          <p:cNvCxnSpPr>
-            <a:stCxn id="13" idx="2"/>
-          </p:cNvCxnSpPr>
-          <p:nvPr/>
-        </p:nvCxnSpPr>
-        <p:spPr>
-          <a:xfrm>
-            <a:off x="2267744" y="824285"/>
-            <a:ext cx="648072" cy="645505"/>
-          </a:xfrm>
-          <a:prstGeom prst="straightConnector1">
-            <a:avLst/>
-          </a:prstGeom>
-          <a:ln>
-            <a:tailEnd type="arrow"/>
-          </a:ln>
-        </p:spPr>
-        <p:style>
-          <a:lnRef idx="1">
-            <a:schemeClr val="accent1"/>
-          </a:lnRef>
-          <a:fillRef idx="0">
-            <a:schemeClr val="accent1"/>
-          </a:fillRef>
-          <a:effectRef idx="0">
-            <a:schemeClr val="accent1"/>
-          </a:effectRef>
-          <a:fontRef idx="minor">
-            <a:schemeClr val="tx1"/>
-          </a:fontRef>
-        </p:style>
-      </p:cxnSp>
-      <p:sp>
-        <p:nvSpPr>
-          <p:cNvPr id="16" name="Rettangolo arrotondato 15"/>
-          <p:cNvSpPr/>
-          <p:nvPr/>
-        </p:nvSpPr>
-        <p:spPr>
-          <a:xfrm>
-            <a:off x="5436096" y="3861048"/>
-            <a:ext cx="3203848" cy="648072"/>
-          </a:xfrm>
-          <a:prstGeom prst="roundRect">
-            <a:avLst/>
-          </a:prstGeom>
-        </p:spPr>
-        <p:style>
-          <a:lnRef idx="1">
-            <a:schemeClr val="accent6"/>
-          </a:lnRef>
-          <a:fillRef idx="2">
-            <a:schemeClr val="accent6"/>
-          </a:fillRef>
-          <a:effectRef idx="1">
-            <a:schemeClr val="accent6"/>
-          </a:effectRef>
-          <a:fontRef idx="minor">
-            <a:schemeClr val="dk1"/>
-          </a:fontRef>
-        </p:style>
-        <p:txBody>
-          <a:bodyPr rtlCol="0" anchor="ctr"/>
-          <a:lstStyle/>
-          <a:p>
-            <a:pPr algn="ctr"/>
-            <a:r>
-              <a:rPr lang="it-IT" dirty="0" smtClean="0"/>
-              <a:t>Esperimenti</a:t>
-            </a:r>
-          </a:p>
-          <a:p>
-            <a:pPr algn="ctr"/>
-            <a:r>
-              <a:rPr lang="it-IT" dirty="0" err="1" smtClean="0"/>
-              <a:t>Flux</a:t>
-            </a:r>
-            <a:r>
-              <a:rPr lang="it-IT" dirty="0" smtClean="0"/>
-              <a:t> (Hot e </a:t>
-            </a:r>
-            <a:r>
-              <a:rPr lang="it-IT" dirty="0" err="1" smtClean="0"/>
-              <a:t>Cold</a:t>
-            </a:r>
-            <a:r>
-              <a:rPr lang="it-IT" dirty="0" smtClean="0"/>
-              <a:t>)</a:t>
-            </a:r>
-            <a:endParaRPr lang="en-GB" dirty="0"/>
-          </a:p>
-        </p:txBody>
-      </p:sp>
-      <p:cxnSp>
-        <p:nvCxnSpPr>
-          <p:cNvPr id="17" name="Connettore 2 16"/>
-          <p:cNvCxnSpPr>
-            <a:stCxn id="16" idx="1"/>
-          </p:cNvCxnSpPr>
-          <p:nvPr/>
-        </p:nvCxnSpPr>
-        <p:spPr>
-          <a:xfrm flipH="1">
-            <a:off x="4211960" y="4185084"/>
-            <a:ext cx="1224136" cy="396044"/>
-          </a:xfrm>
-          <a:prstGeom prst="straightConnector1">
-            <a:avLst/>
-          </a:prstGeom>
-          <a:ln>
-            <a:tailEnd type="arrow"/>
-          </a:ln>
-        </p:spPr>
-        <p:style>
-          <a:lnRef idx="1">
-            <a:schemeClr val="accent1"/>
-          </a:lnRef>
-          <a:fillRef idx="0">
-            <a:schemeClr val="accent1"/>
-          </a:fillRef>
-          <a:effectRef idx="0">
-            <a:schemeClr val="accent1"/>
-          </a:effectRef>
-          <a:fontRef idx="minor">
-            <a:schemeClr val="tx1"/>
-          </a:fontRef>
-        </p:style>
-      </p:cxnSp>
-      <p:sp>
-        <p:nvSpPr>
-          <p:cNvPr id="18" name="Rettangolo 17"/>
-          <p:cNvSpPr/>
-          <p:nvPr/>
-        </p:nvSpPr>
-        <p:spPr>
-          <a:xfrm>
-            <a:off x="107504" y="4725145"/>
-            <a:ext cx="1619672" cy="311630"/>
-          </a:xfrm>
-          <a:prstGeom prst="rect">
-            <a:avLst/>
-          </a:prstGeom>
-          <a:ln>
-            <a:solidFill>
-              <a:schemeClr val="bg1"/>
-            </a:solidFill>
-          </a:ln>
-        </p:spPr>
-        <p:style>
-          <a:lnRef idx="2">
-            <a:schemeClr val="accent5"/>
-          </a:lnRef>
-          <a:fillRef idx="1">
-            <a:schemeClr val="lt1"/>
-          </a:fillRef>
-          <a:effectRef idx="0">
-            <a:schemeClr val="accent5"/>
-          </a:effectRef>
-          <a:fontRef idx="minor">
-            <a:schemeClr val="dk1"/>
-          </a:fontRef>
-        </p:style>
-        <p:txBody>
-          <a:bodyPr rtlCol="0" anchor="ctr"/>
-          <a:lstStyle/>
-          <a:p>
-            <a:pPr algn="ctr"/>
-            <a:endParaRPr lang="en-GB"/>
-          </a:p>
-        </p:txBody>
-      </p:sp>
     </p:spTree>
     <p:extLst>
       <p:ext uri="{BB962C8B-B14F-4D97-AF65-F5344CB8AC3E}">
-        <p14:creationId xmlns:p14="http://schemas.microsoft.com/office/powerpoint/2010/main" val="1461316647"/>
+        <p14:creationId xmlns:p14="http://schemas.microsoft.com/office/powerpoint/2010/main" val="2167669677"/>
       </p:ext>
     </p:extLst>
   </p:cSld>
@@ -26874,7 +28123,7 @@
       </p:grpSpPr>
       <p:pic>
         <p:nvPicPr>
-          <p:cNvPr id="3074" name="Picture 2"/>
+          <p:cNvPr id="3" name="Picture 2"/>
           <p:cNvPicPr>
             <a:picLocks noChangeAspect="1" noChangeArrowheads="1"/>
           </p:cNvPicPr>
@@ -26895,8 +28144,8 @@
         </p:blipFill>
         <p:spPr bwMode="auto">
           <a:xfrm>
-            <a:off x="1252538" y="600075"/>
-            <a:ext cx="6638925" cy="5657850"/>
+            <a:off x="0" y="176213"/>
+            <a:ext cx="9144000" cy="4886817"/>
           </a:xfrm>
           <a:prstGeom prst="rect">
             <a:avLst/>
@@ -26926,10 +28175,420 @@
           </a:extLst>
         </p:spPr>
       </p:pic>
+      <p:sp>
+        <p:nvSpPr>
+          <p:cNvPr id="2" name="Rettangolo arrotondato 1"/>
+          <p:cNvSpPr/>
+          <p:nvPr/>
+        </p:nvSpPr>
+        <p:spPr>
+          <a:xfrm>
+            <a:off x="4716016" y="770721"/>
+            <a:ext cx="3528392" cy="648072"/>
+          </a:xfrm>
+          <a:prstGeom prst="roundRect">
+            <a:avLst/>
+          </a:prstGeom>
+        </p:spPr>
+        <p:style>
+          <a:lnRef idx="1">
+            <a:schemeClr val="accent6"/>
+          </a:lnRef>
+          <a:fillRef idx="2">
+            <a:schemeClr val="accent6"/>
+          </a:fillRef>
+          <a:effectRef idx="1">
+            <a:schemeClr val="accent6"/>
+          </a:effectRef>
+          <a:fontRef idx="minor">
+            <a:schemeClr val="dk1"/>
+          </a:fontRef>
+        </p:style>
+        <p:txBody>
+          <a:bodyPr rtlCol="0" anchor="ctr"/>
+          <a:lstStyle/>
+          <a:p>
+            <a:pPr algn="ctr"/>
+            <a:r>
+              <a:rPr lang="it-IT" dirty="0" smtClean="0"/>
+              <a:t>OPERAZIONI –CRUD </a:t>
+            </a:r>
+          </a:p>
+          <a:p>
+            <a:pPr algn="ctr"/>
+            <a:r>
+              <a:rPr lang="it-IT" dirty="0" smtClean="0"/>
+              <a:t>(</a:t>
+            </a:r>
+            <a:r>
+              <a:rPr lang="it-IT" dirty="0"/>
+              <a:t>API </a:t>
+            </a:r>
+            <a:r>
+              <a:rPr lang="it-IT" dirty="0" smtClean="0"/>
+              <a:t> </a:t>
+            </a:r>
+            <a:r>
+              <a:rPr lang="it-IT" dirty="0" err="1" smtClean="0"/>
+              <a:t>Synch</a:t>
+            </a:r>
+            <a:r>
+              <a:rPr lang="it-IT" dirty="0" smtClean="0"/>
+              <a:t> /</a:t>
+            </a:r>
+            <a:r>
+              <a:rPr lang="it-IT" dirty="0" err="1" smtClean="0"/>
+              <a:t>Asynch</a:t>
+            </a:r>
+            <a:r>
+              <a:rPr lang="it-IT" dirty="0" smtClean="0"/>
+              <a:t>)</a:t>
+            </a:r>
+            <a:endParaRPr lang="en-GB" dirty="0"/>
+          </a:p>
+        </p:txBody>
+      </p:sp>
+      <p:cxnSp>
+        <p:nvCxnSpPr>
+          <p:cNvPr id="5" name="Connettore 2 4"/>
+          <p:cNvCxnSpPr>
+            <a:stCxn id="2" idx="1"/>
+          </p:cNvCxnSpPr>
+          <p:nvPr/>
+        </p:nvCxnSpPr>
+        <p:spPr>
+          <a:xfrm flipH="1">
+            <a:off x="2915816" y="1094757"/>
+            <a:ext cx="1800200" cy="750067"/>
+          </a:xfrm>
+          <a:prstGeom prst="straightConnector1">
+            <a:avLst/>
+          </a:prstGeom>
+          <a:ln>
+            <a:tailEnd type="arrow"/>
+          </a:ln>
+        </p:spPr>
+        <p:style>
+          <a:lnRef idx="1">
+            <a:schemeClr val="accent1"/>
+          </a:lnRef>
+          <a:fillRef idx="0">
+            <a:schemeClr val="accent1"/>
+          </a:fillRef>
+          <a:effectRef idx="0">
+            <a:schemeClr val="accent1"/>
+          </a:effectRef>
+          <a:fontRef idx="minor">
+            <a:schemeClr val="tx1"/>
+          </a:fontRef>
+        </p:style>
+      </p:cxnSp>
+      <p:sp>
+        <p:nvSpPr>
+          <p:cNvPr id="7" name="Rettangolo arrotondato 6"/>
+          <p:cNvSpPr/>
+          <p:nvPr/>
+        </p:nvSpPr>
+        <p:spPr>
+          <a:xfrm>
+            <a:off x="5940152" y="1418793"/>
+            <a:ext cx="3203848" cy="648072"/>
+          </a:xfrm>
+          <a:prstGeom prst="roundRect">
+            <a:avLst/>
+          </a:prstGeom>
+        </p:spPr>
+        <p:style>
+          <a:lnRef idx="1">
+            <a:schemeClr val="accent6"/>
+          </a:lnRef>
+          <a:fillRef idx="2">
+            <a:schemeClr val="accent6"/>
+          </a:fillRef>
+          <a:effectRef idx="1">
+            <a:schemeClr val="accent6"/>
+          </a:effectRef>
+          <a:fontRef idx="minor">
+            <a:schemeClr val="dk1"/>
+          </a:fontRef>
+        </p:style>
+        <p:txBody>
+          <a:bodyPr rtlCol="0" anchor="ctr"/>
+          <a:lstStyle/>
+          <a:p>
+            <a:pPr algn="ctr"/>
+            <a:r>
+              <a:rPr lang="it-IT" dirty="0" smtClean="0"/>
+              <a:t>Esperimenti</a:t>
+            </a:r>
+          </a:p>
+          <a:p>
+            <a:pPr algn="ctr"/>
+            <a:r>
+              <a:rPr lang="it-IT" dirty="0" smtClean="0"/>
+              <a:t>Conversione HL7/FHIR</a:t>
+            </a:r>
+            <a:endParaRPr lang="en-GB" dirty="0"/>
+          </a:p>
+        </p:txBody>
+      </p:sp>
+      <p:cxnSp>
+        <p:nvCxnSpPr>
+          <p:cNvPr id="8" name="Connettore 2 7"/>
+          <p:cNvCxnSpPr/>
+          <p:nvPr/>
+        </p:nvCxnSpPr>
+        <p:spPr>
+          <a:xfrm flipH="1">
+            <a:off x="6300192" y="2066865"/>
+            <a:ext cx="1241884" cy="1146111"/>
+          </a:xfrm>
+          <a:prstGeom prst="straightConnector1">
+            <a:avLst/>
+          </a:prstGeom>
+          <a:ln>
+            <a:tailEnd type="arrow"/>
+          </a:ln>
+        </p:spPr>
+        <p:style>
+          <a:lnRef idx="1">
+            <a:schemeClr val="accent1"/>
+          </a:lnRef>
+          <a:fillRef idx="0">
+            <a:schemeClr val="accent1"/>
+          </a:fillRef>
+          <a:effectRef idx="0">
+            <a:schemeClr val="accent1"/>
+          </a:effectRef>
+          <a:fontRef idx="minor">
+            <a:schemeClr val="tx1"/>
+          </a:fontRef>
+        </p:style>
+      </p:cxnSp>
+      <p:sp>
+        <p:nvSpPr>
+          <p:cNvPr id="13" name="Rettangolo arrotondato 12"/>
+          <p:cNvSpPr/>
+          <p:nvPr/>
+        </p:nvSpPr>
+        <p:spPr>
+          <a:xfrm>
+            <a:off x="539552" y="176213"/>
+            <a:ext cx="3456384" cy="648072"/>
+          </a:xfrm>
+          <a:prstGeom prst="roundRect">
+            <a:avLst/>
+          </a:prstGeom>
+        </p:spPr>
+        <p:style>
+          <a:lnRef idx="1">
+            <a:schemeClr val="accent6"/>
+          </a:lnRef>
+          <a:fillRef idx="2">
+            <a:schemeClr val="accent6"/>
+          </a:fillRef>
+          <a:effectRef idx="1">
+            <a:schemeClr val="accent6"/>
+          </a:effectRef>
+          <a:fontRef idx="minor">
+            <a:schemeClr val="dk1"/>
+          </a:fontRef>
+        </p:style>
+        <p:txBody>
+          <a:bodyPr rtlCol="0" anchor="ctr"/>
+          <a:lstStyle/>
+          <a:p>
+            <a:pPr algn="ctr"/>
+            <a:r>
+              <a:rPr lang="it-IT" dirty="0" smtClean="0"/>
+              <a:t>Definizione del server </a:t>
+            </a:r>
+            <a:r>
+              <a:rPr lang="it-IT" dirty="0" err="1" smtClean="0"/>
+              <a:t>CentroHelath</a:t>
+            </a:r>
+            <a:endParaRPr lang="en-GB" dirty="0"/>
+          </a:p>
+        </p:txBody>
+      </p:sp>
+      <p:cxnSp>
+        <p:nvCxnSpPr>
+          <p:cNvPr id="14" name="Connettore 2 13"/>
+          <p:cNvCxnSpPr>
+            <a:stCxn id="13" idx="2"/>
+          </p:cNvCxnSpPr>
+          <p:nvPr/>
+        </p:nvCxnSpPr>
+        <p:spPr>
+          <a:xfrm>
+            <a:off x="2267744" y="824285"/>
+            <a:ext cx="648072" cy="645505"/>
+          </a:xfrm>
+          <a:prstGeom prst="straightConnector1">
+            <a:avLst/>
+          </a:prstGeom>
+          <a:ln>
+            <a:tailEnd type="arrow"/>
+          </a:ln>
+        </p:spPr>
+        <p:style>
+          <a:lnRef idx="1">
+            <a:schemeClr val="accent1"/>
+          </a:lnRef>
+          <a:fillRef idx="0">
+            <a:schemeClr val="accent1"/>
+          </a:fillRef>
+          <a:effectRef idx="0">
+            <a:schemeClr val="accent1"/>
+          </a:effectRef>
+          <a:fontRef idx="minor">
+            <a:schemeClr val="tx1"/>
+          </a:fontRef>
+        </p:style>
+      </p:cxnSp>
+      <p:sp>
+        <p:nvSpPr>
+          <p:cNvPr id="16" name="Rettangolo arrotondato 15"/>
+          <p:cNvSpPr/>
+          <p:nvPr/>
+        </p:nvSpPr>
+        <p:spPr>
+          <a:xfrm>
+            <a:off x="5436096" y="3861048"/>
+            <a:ext cx="3203848" cy="648072"/>
+          </a:xfrm>
+          <a:prstGeom prst="roundRect">
+            <a:avLst/>
+          </a:prstGeom>
+        </p:spPr>
+        <p:style>
+          <a:lnRef idx="1">
+            <a:schemeClr val="accent6"/>
+          </a:lnRef>
+          <a:fillRef idx="2">
+            <a:schemeClr val="accent6"/>
+          </a:fillRef>
+          <a:effectRef idx="1">
+            <a:schemeClr val="accent6"/>
+          </a:effectRef>
+          <a:fontRef idx="minor">
+            <a:schemeClr val="dk1"/>
+          </a:fontRef>
+        </p:style>
+        <p:txBody>
+          <a:bodyPr rtlCol="0" anchor="ctr"/>
+          <a:lstStyle/>
+          <a:p>
+            <a:pPr algn="ctr"/>
+            <a:r>
+              <a:rPr lang="it-IT" dirty="0" smtClean="0"/>
+              <a:t>Esperimenti</a:t>
+            </a:r>
+          </a:p>
+          <a:p>
+            <a:pPr algn="ctr"/>
+            <a:r>
+              <a:rPr lang="it-IT" dirty="0" err="1" smtClean="0"/>
+              <a:t>Flux</a:t>
+            </a:r>
+            <a:r>
+              <a:rPr lang="it-IT" dirty="0" smtClean="0"/>
+              <a:t> (Hot e </a:t>
+            </a:r>
+            <a:r>
+              <a:rPr lang="it-IT" dirty="0" err="1" smtClean="0"/>
+              <a:t>Cold</a:t>
+            </a:r>
+            <a:r>
+              <a:rPr lang="it-IT" dirty="0" smtClean="0"/>
+              <a:t>)</a:t>
+            </a:r>
+            <a:endParaRPr lang="en-GB" dirty="0"/>
+          </a:p>
+        </p:txBody>
+      </p:sp>
+      <p:cxnSp>
+        <p:nvCxnSpPr>
+          <p:cNvPr id="17" name="Connettore 2 16"/>
+          <p:cNvCxnSpPr>
+            <a:stCxn id="16" idx="1"/>
+          </p:cNvCxnSpPr>
+          <p:nvPr/>
+        </p:nvCxnSpPr>
+        <p:spPr>
+          <a:xfrm flipH="1">
+            <a:off x="4211960" y="4185084"/>
+            <a:ext cx="1224136" cy="396044"/>
+          </a:xfrm>
+          <a:prstGeom prst="straightConnector1">
+            <a:avLst/>
+          </a:prstGeom>
+          <a:ln>
+            <a:tailEnd type="arrow"/>
+          </a:ln>
+        </p:spPr>
+        <p:style>
+          <a:lnRef idx="1">
+            <a:schemeClr val="accent1"/>
+          </a:lnRef>
+          <a:fillRef idx="0">
+            <a:schemeClr val="accent1"/>
+          </a:fillRef>
+          <a:effectRef idx="0">
+            <a:schemeClr val="accent1"/>
+          </a:effectRef>
+          <a:fontRef idx="minor">
+            <a:schemeClr val="tx1"/>
+          </a:fontRef>
+        </p:style>
+      </p:cxnSp>
+      <p:sp>
+        <p:nvSpPr>
+          <p:cNvPr id="18" name="Rettangolo 17"/>
+          <p:cNvSpPr/>
+          <p:nvPr/>
+        </p:nvSpPr>
+        <p:spPr>
+          <a:xfrm>
+            <a:off x="107504" y="4725145"/>
+            <a:ext cx="1619672" cy="311630"/>
+          </a:xfrm>
+          <a:prstGeom prst="rect">
+            <a:avLst/>
+          </a:prstGeom>
+          <a:ln>
+            <a:solidFill>
+              <a:schemeClr val="bg1"/>
+            </a:solidFill>
+          </a:ln>
+        </p:spPr>
+        <p:style>
+          <a:lnRef idx="2">
+            <a:schemeClr val="accent5"/>
+          </a:lnRef>
+          <a:fillRef idx="1">
+            <a:schemeClr val="lt1"/>
+          </a:fillRef>
+          <a:effectRef idx="0">
+            <a:schemeClr val="accent5"/>
+          </a:effectRef>
+          <a:fontRef idx="minor">
+            <a:schemeClr val="dk1"/>
+          </a:fontRef>
+        </p:style>
+        <p:txBody>
+          <a:bodyPr rtlCol="0" anchor="ctr"/>
+          <a:lstStyle/>
+          <a:p>
+            <a:pPr algn="ctr"/>
+            <a:endParaRPr lang="en-GB"/>
+          </a:p>
+        </p:txBody>
+      </p:sp>
     </p:spTree>
     <p:extLst>
       <p:ext uri="{BB962C8B-B14F-4D97-AF65-F5344CB8AC3E}">
-        <p14:creationId xmlns:p14="http://schemas.microsoft.com/office/powerpoint/2010/main" val="3157537335"/>
+        <p14:creationId xmlns:p14="http://schemas.microsoft.com/office/powerpoint/2010/main" val="1461316647"/>
       </p:ext>
     </p:extLst>
   </p:cSld>
@@ -26958,7 +28617,7 @@
       </p:grpSpPr>
       <p:pic>
         <p:nvPicPr>
-          <p:cNvPr id="1026" name="Picture 2"/>
+          <p:cNvPr id="3074" name="Picture 2"/>
           <p:cNvPicPr>
             <a:picLocks noChangeAspect="1" noChangeArrowheads="1"/>
           </p:cNvPicPr>
@@ -26979,8 +28638,8 @@
         </p:blipFill>
         <p:spPr bwMode="auto">
           <a:xfrm>
-            <a:off x="1871663" y="766763"/>
-            <a:ext cx="5400675" cy="5324475"/>
+            <a:off x="1252538" y="600075"/>
+            <a:ext cx="6638925" cy="5657850"/>
           </a:xfrm>
           <a:prstGeom prst="rect">
             <a:avLst/>
@@ -27013,6 +28672,90 @@
     </p:spTree>
     <p:extLst>
       <p:ext uri="{BB962C8B-B14F-4D97-AF65-F5344CB8AC3E}">
+        <p14:creationId xmlns:p14="http://schemas.microsoft.com/office/powerpoint/2010/main" val="3157537335"/>
+      </p:ext>
+    </p:extLst>
+  </p:cSld>
+  <p:clrMapOvr>
+    <a:masterClrMapping/>
+  </p:clrMapOvr>
+</p:sld>
+</file>
+
+<file path=ppt/slides/slide26.xml><?xml version="1.0" encoding="utf-8"?>
+<p:sld xmlns:a="http://schemas.openxmlformats.org/drawingml/2006/main" xmlns:r="http://schemas.openxmlformats.org/officeDocument/2006/relationships" xmlns:p="http://schemas.openxmlformats.org/presentationml/2006/main">
+  <p:cSld>
+    <p:spTree>
+      <p:nvGrpSpPr>
+        <p:cNvPr id="1" name=""/>
+        <p:cNvGrpSpPr/>
+        <p:nvPr/>
+      </p:nvGrpSpPr>
+      <p:grpSpPr>
+        <a:xfrm>
+          <a:off x="0" y="0"/>
+          <a:ext cx="0" cy="0"/>
+          <a:chOff x="0" y="0"/>
+          <a:chExt cx="0" cy="0"/>
+        </a:xfrm>
+      </p:grpSpPr>
+      <p:pic>
+        <p:nvPicPr>
+          <p:cNvPr id="1026" name="Picture 2"/>
+          <p:cNvPicPr>
+            <a:picLocks noChangeAspect="1" noChangeArrowheads="1"/>
+          </p:cNvPicPr>
+          <p:nvPr/>
+        </p:nvPicPr>
+        <p:blipFill>
+          <a:blip r:embed="rId2">
+            <a:extLst>
+              <a:ext uri="{28A0092B-C50C-407E-A947-70E740481C1C}">
+                <a14:useLocalDpi xmlns:a14="http://schemas.microsoft.com/office/drawing/2010/main" val="0"/>
+              </a:ext>
+            </a:extLst>
+          </a:blip>
+          <a:srcRect/>
+          <a:stretch>
+            <a:fillRect/>
+          </a:stretch>
+        </p:blipFill>
+        <p:spPr bwMode="auto">
+          <a:xfrm>
+            <a:off x="1871663" y="766763"/>
+            <a:ext cx="5400675" cy="5324475"/>
+          </a:xfrm>
+          <a:prstGeom prst="rect">
+            <a:avLst/>
+          </a:prstGeom>
+          <a:noFill/>
+          <a:ln>
+            <a:noFill/>
+          </a:ln>
+          <a:extLst>
+            <a:ext uri="{909E8E84-426E-40DD-AFC4-6F175D3DCCD1}">
+              <a14:hiddenFill xmlns:a14="http://schemas.microsoft.com/office/drawing/2010/main">
+                <a:solidFill>
+                  <a:schemeClr val="accent1"/>
+                </a:solidFill>
+              </a14:hiddenFill>
+            </a:ext>
+            <a:ext uri="{91240B29-F687-4F45-9708-019B960494DF}">
+              <a14:hiddenLine xmlns:a14="http://schemas.microsoft.com/office/drawing/2010/main" w="9525">
+                <a:solidFill>
+                  <a:schemeClr val="tx1"/>
+                </a:solidFill>
+                <a:miter lim="800000"/>
+                <a:headEnd/>
+                <a:tailEnd/>
+              </a14:hiddenLine>
+            </a:ext>
+          </a:extLst>
+        </p:spPr>
+      </p:pic>
+    </p:spTree>
+    <p:extLst>
+      <p:ext uri="{BB962C8B-B14F-4D97-AF65-F5344CB8AC3E}">
         <p14:creationId xmlns:p14="http://schemas.microsoft.com/office/powerpoint/2010/main" val="1958561616"/>
       </p:ext>
     </p:extLst>
@@ -27023,7 +28766,7 @@
 </p:sld>
 </file>
 
-<file path=ppt/slides/slide26.xml><?xml version="1.0" encoding="utf-8"?>
+<file path=ppt/slides/slide27.xml><?xml version="1.0" encoding="utf-8"?>
 <p:sld xmlns:a="http://schemas.openxmlformats.org/drawingml/2006/main" xmlns:r="http://schemas.openxmlformats.org/officeDocument/2006/relationships" xmlns:p="http://schemas.openxmlformats.org/presentationml/2006/main">
   <p:cSld>
     <p:spTree>
@@ -31368,7 +33111,7 @@
           <p:cNvPr id="51" name="TextBox 50">
             <a:extLst>
               <a:ext uri="{FF2B5EF4-FFF2-40B4-BE49-F238E27FC236}">
-                <a16:creationId xmlns="" xmlns:a16="http://schemas.microsoft.com/office/drawing/2014/main" id="{38D92C47-6A24-433B-A9D7-48400DFBEE88}"/>
+                <a16:creationId xmlns:a16="http://schemas.microsoft.com/office/drawing/2014/main" xmlns="" id="{38D92C47-6A24-433B-A9D7-48400DFBEE88}"/>
               </a:ext>
             </a:extLst>
           </p:cNvPr>
@@ -31409,7 +33152,7 @@
           <p:cNvPr id="52" name="TextBox 51">
             <a:extLst>
               <a:ext uri="{FF2B5EF4-FFF2-40B4-BE49-F238E27FC236}">
-                <a16:creationId xmlns="" xmlns:a16="http://schemas.microsoft.com/office/drawing/2014/main" id="{46370455-EDDE-4BAF-A68F-1E721D22CFA3}"/>
+                <a16:creationId xmlns:a16="http://schemas.microsoft.com/office/drawing/2014/main" xmlns="" id="{46370455-EDDE-4BAF-A68F-1E721D22CFA3}"/>
               </a:ext>
             </a:extLst>
           </p:cNvPr>
@@ -31450,7 +33193,7 @@
           <p:cNvPr id="54" name="TextBox 53">
             <a:extLst>
               <a:ext uri="{FF2B5EF4-FFF2-40B4-BE49-F238E27FC236}">
-                <a16:creationId xmlns="" xmlns:a16="http://schemas.microsoft.com/office/drawing/2014/main" id="{1F0BD362-AB28-4ABC-B01D-E5FB51A4284F}"/>
+                <a16:creationId xmlns:a16="http://schemas.microsoft.com/office/drawing/2014/main" xmlns="" id="{1F0BD362-AB28-4ABC-B01D-E5FB51A4284F}"/>
               </a:ext>
             </a:extLst>
           </p:cNvPr>
@@ -31485,7 +33228,7 @@
           <p:cNvPr id="55" name="TextBox 54">
             <a:extLst>
               <a:ext uri="{FF2B5EF4-FFF2-40B4-BE49-F238E27FC236}">
-                <a16:creationId xmlns="" xmlns:a16="http://schemas.microsoft.com/office/drawing/2014/main" id="{66A6D040-E92F-405E-8F1C-224FD73DEB6A}"/>
+                <a16:creationId xmlns:a16="http://schemas.microsoft.com/office/drawing/2014/main" xmlns="" id="{66A6D040-E92F-405E-8F1C-224FD73DEB6A}"/>
               </a:ext>
             </a:extLst>
           </p:cNvPr>
@@ -31526,7 +33269,7 @@
           <p:cNvPr id="59" name="TextBox 58">
             <a:extLst>
               <a:ext uri="{FF2B5EF4-FFF2-40B4-BE49-F238E27FC236}">
-                <a16:creationId xmlns="" xmlns:a16="http://schemas.microsoft.com/office/drawing/2014/main" id="{8B737B46-BF72-4F50-880F-A81417342B9C}"/>
+                <a16:creationId xmlns:a16="http://schemas.microsoft.com/office/drawing/2014/main" xmlns="" id="{8B737B46-BF72-4F50-880F-A81417342B9C}"/>
               </a:ext>
             </a:extLst>
           </p:cNvPr>
@@ -31567,7 +33310,7 @@
           <p:cNvPr id="60" name="TextBox 59">
             <a:extLst>
               <a:ext uri="{FF2B5EF4-FFF2-40B4-BE49-F238E27FC236}">
-                <a16:creationId xmlns="" xmlns:a16="http://schemas.microsoft.com/office/drawing/2014/main" id="{635E5AB3-11BB-4188-A9F5-6624D8487908}"/>
+                <a16:creationId xmlns:a16="http://schemas.microsoft.com/office/drawing/2014/main" xmlns="" id="{635E5AB3-11BB-4188-A9F5-6624D8487908}"/>
               </a:ext>
             </a:extLst>
           </p:cNvPr>
@@ -33641,7 +35384,7 @@
           <p:cNvPr id="43" name="TextBox 42">
             <a:extLst>
               <a:ext uri="{FF2B5EF4-FFF2-40B4-BE49-F238E27FC236}">
-                <a16:creationId xmlns="" xmlns:a16="http://schemas.microsoft.com/office/drawing/2014/main" id="{C66D85E0-1A23-448C-9466-6DADEA26156A}"/>
+                <a16:creationId xmlns:a16="http://schemas.microsoft.com/office/drawing/2014/main" xmlns="" id="{C66D85E0-1A23-448C-9466-6DADEA26156A}"/>
               </a:ext>
             </a:extLst>
           </p:cNvPr>
@@ -33682,7 +35425,7 @@
           <p:cNvPr id="44" name="TextBox 43">
             <a:extLst>
               <a:ext uri="{FF2B5EF4-FFF2-40B4-BE49-F238E27FC236}">
-                <a16:creationId xmlns="" xmlns:a16="http://schemas.microsoft.com/office/drawing/2014/main" id="{73BB0B6F-DBD2-4682-88DA-A68E1C43C8EE}"/>
+                <a16:creationId xmlns:a16="http://schemas.microsoft.com/office/drawing/2014/main" xmlns="" id="{73BB0B6F-DBD2-4682-88DA-A68E1C43C8EE}"/>
               </a:ext>
             </a:extLst>
           </p:cNvPr>
@@ -33723,7 +35466,7 @@
           <p:cNvPr id="45" name="TextBox 44">
             <a:extLst>
               <a:ext uri="{FF2B5EF4-FFF2-40B4-BE49-F238E27FC236}">
-                <a16:creationId xmlns="" xmlns:a16="http://schemas.microsoft.com/office/drawing/2014/main" id="{06BB9D57-20AB-4911-8F91-1EAAD2C3D635}"/>
+                <a16:creationId xmlns:a16="http://schemas.microsoft.com/office/drawing/2014/main" xmlns="" id="{06BB9D57-20AB-4911-8F91-1EAAD2C3D635}"/>
               </a:ext>
             </a:extLst>
           </p:cNvPr>
@@ -33758,7 +35501,7 @@
           <p:cNvPr id="46" name="TextBox 45">
             <a:extLst>
               <a:ext uri="{FF2B5EF4-FFF2-40B4-BE49-F238E27FC236}">
-                <a16:creationId xmlns="" xmlns:a16="http://schemas.microsoft.com/office/drawing/2014/main" id="{6BDA7693-CA76-4C97-8FED-A4A65AB5032B}"/>
+                <a16:creationId xmlns:a16="http://schemas.microsoft.com/office/drawing/2014/main" xmlns="" id="{6BDA7693-CA76-4C97-8FED-A4A65AB5032B}"/>
               </a:ext>
             </a:extLst>
           </p:cNvPr>
@@ -33799,7 +35542,7 @@
           <p:cNvPr id="47" name="TextBox 46">
             <a:extLst>
               <a:ext uri="{FF2B5EF4-FFF2-40B4-BE49-F238E27FC236}">
-                <a16:creationId xmlns="" xmlns:a16="http://schemas.microsoft.com/office/drawing/2014/main" id="{F3FF60E3-5733-4A51-BB64-B5D227CFB6FE}"/>
+                <a16:creationId xmlns:a16="http://schemas.microsoft.com/office/drawing/2014/main" xmlns="" id="{F3FF60E3-5733-4A51-BB64-B5D227CFB6FE}"/>
               </a:ext>
             </a:extLst>
           </p:cNvPr>
@@ -33840,7 +35583,7 @@
           <p:cNvPr id="48" name="TextBox 47">
             <a:extLst>
               <a:ext uri="{FF2B5EF4-FFF2-40B4-BE49-F238E27FC236}">
-                <a16:creationId xmlns="" xmlns:a16="http://schemas.microsoft.com/office/drawing/2014/main" id="{6CFBFA02-2444-480B-B78F-A1A7AD55973E}"/>
+                <a16:creationId xmlns:a16="http://schemas.microsoft.com/office/drawing/2014/main" xmlns="" id="{6CFBFA02-2444-480B-B78F-A1A7AD55973E}"/>
               </a:ext>
             </a:extLst>
           </p:cNvPr>
@@ -34631,7 +36374,7 @@
           <p:cNvPr id="12" name="TextBox 45">
             <a:extLst>
               <a:ext uri="{FF2B5EF4-FFF2-40B4-BE49-F238E27FC236}">
-                <a16:creationId xmlns="" xmlns:a16="http://schemas.microsoft.com/office/drawing/2014/main" id="{6BDA7693-CA76-4C97-8FED-A4A65AB5032B}"/>
+                <a16:creationId xmlns:a16="http://schemas.microsoft.com/office/drawing/2014/main" xmlns="" id="{6BDA7693-CA76-4C97-8FED-A4A65AB5032B}"/>
               </a:ext>
             </a:extLst>
           </p:cNvPr>
@@ -35309,7 +37052,7 @@
           <p:cNvPr id="33" name="TextBox 45">
             <a:extLst>
               <a:ext uri="{FF2B5EF4-FFF2-40B4-BE49-F238E27FC236}">
-                <a16:creationId xmlns="" xmlns:a16="http://schemas.microsoft.com/office/drawing/2014/main" id="{6BDA7693-CA76-4C97-8FED-A4A65AB5032B}"/>
+                <a16:creationId xmlns:a16="http://schemas.microsoft.com/office/drawing/2014/main" xmlns="" id="{6BDA7693-CA76-4C97-8FED-A4A65AB5032B}"/>
               </a:ext>
             </a:extLst>
           </p:cNvPr>
@@ -35345,7 +37088,7 @@
           <p:cNvPr id="34" name="TextBox 45">
             <a:extLst>
               <a:ext uri="{FF2B5EF4-FFF2-40B4-BE49-F238E27FC236}">
-                <a16:creationId xmlns="" xmlns:a16="http://schemas.microsoft.com/office/drawing/2014/main" id="{6BDA7693-CA76-4C97-8FED-A4A65AB5032B}"/>
+                <a16:creationId xmlns:a16="http://schemas.microsoft.com/office/drawing/2014/main" xmlns="" id="{6BDA7693-CA76-4C97-8FED-A4A65AB5032B}"/>
               </a:ext>
             </a:extLst>
           </p:cNvPr>
@@ -35755,7 +37498,7 @@
           <p:cNvPr id="52" name="TextBox 45">
             <a:extLst>
               <a:ext uri="{FF2B5EF4-FFF2-40B4-BE49-F238E27FC236}">
-                <a16:creationId xmlns="" xmlns:a16="http://schemas.microsoft.com/office/drawing/2014/main" id="{6BDA7693-CA76-4C97-8FED-A4A65AB5032B}"/>
+                <a16:creationId xmlns:a16="http://schemas.microsoft.com/office/drawing/2014/main" xmlns="" id="{6BDA7693-CA76-4C97-8FED-A4A65AB5032B}"/>
               </a:ext>
             </a:extLst>
           </p:cNvPr>

--- a/health/userDocs/UniboFigs.pptx
+++ b/health/userDocs/UniboFigs.pptx
@@ -32,6 +32,7 @@
     <p:sldId id="275" r:id="rId26"/>
     <p:sldId id="276" r:id="rId27"/>
     <p:sldId id="285" r:id="rId28"/>
+    <p:sldId id="288" r:id="rId29"/>
   </p:sldIdLst>
   <p:sldSz cx="9144000" cy="6858000" type="screen4x3"/>
   <p:notesSz cx="6858000" cy="9144000"/>
@@ -132,7 +133,7 @@
   </p:defaultTextStyle>
   <p:extLst>
     <p:ext uri="{EFAFB233-063F-42B5-8137-9DF3F51BA10A}">
-      <p15:sldGuideLst xmlns:p15="http://schemas.microsoft.com/office/powerpoint/2012/main" xmlns="">
+      <p15:sldGuideLst xmlns="" xmlns:p15="http://schemas.microsoft.com/office/powerpoint/2012/main">
         <p15:guide id="1" orient="horz" pos="2160">
           <p15:clr>
             <a:srgbClr val="A4A3A4"/>
@@ -330,7 +331,7 @@
           <a:p>
             <a:fld id="{486DFF9D-000F-417D-A1D1-C441A4010B1E}" type="datetimeFigureOut">
               <a:rPr lang="en-GB" smtClean="0"/>
-              <a:t>14/09/2020</a:t>
+              <a:t>15/09/2020</a:t>
             </a:fld>
             <a:endParaRPr lang="en-GB"/>
           </a:p>
@@ -500,7 +501,7 @@
           <a:p>
             <a:fld id="{486DFF9D-000F-417D-A1D1-C441A4010B1E}" type="datetimeFigureOut">
               <a:rPr lang="en-GB" smtClean="0"/>
-              <a:t>14/09/2020</a:t>
+              <a:t>15/09/2020</a:t>
             </a:fld>
             <a:endParaRPr lang="en-GB"/>
           </a:p>
@@ -680,7 +681,7 @@
           <a:p>
             <a:fld id="{486DFF9D-000F-417D-A1D1-C441A4010B1E}" type="datetimeFigureOut">
               <a:rPr lang="en-GB" smtClean="0"/>
-              <a:t>14/09/2020</a:t>
+              <a:t>15/09/2020</a:t>
             </a:fld>
             <a:endParaRPr lang="en-GB"/>
           </a:p>
@@ -850,7 +851,7 @@
           <a:p>
             <a:fld id="{486DFF9D-000F-417D-A1D1-C441A4010B1E}" type="datetimeFigureOut">
               <a:rPr lang="en-GB" smtClean="0"/>
-              <a:t>14/09/2020</a:t>
+              <a:t>15/09/2020</a:t>
             </a:fld>
             <a:endParaRPr lang="en-GB"/>
           </a:p>
@@ -1096,7 +1097,7 @@
           <a:p>
             <a:fld id="{486DFF9D-000F-417D-A1D1-C441A4010B1E}" type="datetimeFigureOut">
               <a:rPr lang="en-GB" smtClean="0"/>
-              <a:t>14/09/2020</a:t>
+              <a:t>15/09/2020</a:t>
             </a:fld>
             <a:endParaRPr lang="en-GB"/>
           </a:p>
@@ -1384,7 +1385,7 @@
           <a:p>
             <a:fld id="{486DFF9D-000F-417D-A1D1-C441A4010B1E}" type="datetimeFigureOut">
               <a:rPr lang="en-GB" smtClean="0"/>
-              <a:t>14/09/2020</a:t>
+              <a:t>15/09/2020</a:t>
             </a:fld>
             <a:endParaRPr lang="en-GB"/>
           </a:p>
@@ -1806,7 +1807,7 @@
           <a:p>
             <a:fld id="{486DFF9D-000F-417D-A1D1-C441A4010B1E}" type="datetimeFigureOut">
               <a:rPr lang="en-GB" smtClean="0"/>
-              <a:t>14/09/2020</a:t>
+              <a:t>15/09/2020</a:t>
             </a:fld>
             <a:endParaRPr lang="en-GB"/>
           </a:p>
@@ -1924,7 +1925,7 @@
           <a:p>
             <a:fld id="{486DFF9D-000F-417D-A1D1-C441A4010B1E}" type="datetimeFigureOut">
               <a:rPr lang="en-GB" smtClean="0"/>
-              <a:t>14/09/2020</a:t>
+              <a:t>15/09/2020</a:t>
             </a:fld>
             <a:endParaRPr lang="en-GB"/>
           </a:p>
@@ -2019,7 +2020,7 @@
           <a:p>
             <a:fld id="{486DFF9D-000F-417D-A1D1-C441A4010B1E}" type="datetimeFigureOut">
               <a:rPr lang="en-GB" smtClean="0"/>
-              <a:t>14/09/2020</a:t>
+              <a:t>15/09/2020</a:t>
             </a:fld>
             <a:endParaRPr lang="en-GB"/>
           </a:p>
@@ -2296,7 +2297,7 @@
           <a:p>
             <a:fld id="{486DFF9D-000F-417D-A1D1-C441A4010B1E}" type="datetimeFigureOut">
               <a:rPr lang="en-GB" smtClean="0"/>
-              <a:t>14/09/2020</a:t>
+              <a:t>15/09/2020</a:t>
             </a:fld>
             <a:endParaRPr lang="en-GB"/>
           </a:p>
@@ -2549,7 +2550,7 @@
           <a:p>
             <a:fld id="{486DFF9D-000F-417D-A1D1-C441A4010B1E}" type="datetimeFigureOut">
               <a:rPr lang="en-GB" smtClean="0"/>
-              <a:t>14/09/2020</a:t>
+              <a:t>15/09/2020</a:t>
             </a:fld>
             <a:endParaRPr lang="en-GB"/>
           </a:p>
@@ -2762,7 +2763,7 @@
           <a:p>
             <a:fld id="{486DFF9D-000F-417D-A1D1-C441A4010B1E}" type="datetimeFigureOut">
               <a:rPr lang="en-GB" smtClean="0"/>
-              <a:t>14/09/2020</a:t>
+              <a:t>15/09/2020</a:t>
             </a:fld>
             <a:endParaRPr lang="en-GB"/>
           </a:p>
@@ -6194,7 +6195,7 @@
           <p:cNvPr id="12" name="TextBox 45">
             <a:extLst>
               <a:ext uri="{FF2B5EF4-FFF2-40B4-BE49-F238E27FC236}">
-                <a16:creationId xmlns:a16="http://schemas.microsoft.com/office/drawing/2014/main" xmlns="" id="{6BDA7693-CA76-4C97-8FED-A4A65AB5032B}"/>
+                <a16:creationId xmlns="" xmlns:a16="http://schemas.microsoft.com/office/drawing/2014/main" id="{6BDA7693-CA76-4C97-8FED-A4A65AB5032B}"/>
               </a:ext>
             </a:extLst>
           </p:cNvPr>
@@ -7742,7 +7743,7 @@
           <p:cNvPr id="12" name="TextBox 45">
             <a:extLst>
               <a:ext uri="{FF2B5EF4-FFF2-40B4-BE49-F238E27FC236}">
-                <a16:creationId xmlns:a16="http://schemas.microsoft.com/office/drawing/2014/main" xmlns="" id="{6BDA7693-CA76-4C97-8FED-A4A65AB5032B}"/>
+                <a16:creationId xmlns="" xmlns:a16="http://schemas.microsoft.com/office/drawing/2014/main" id="{6BDA7693-CA76-4C97-8FED-A4A65AB5032B}"/>
               </a:ext>
             </a:extLst>
           </p:cNvPr>
@@ -9755,7 +9756,7 @@
           <p:cNvPr id="6" name="TextBox 45">
             <a:extLst>
               <a:ext uri="{FF2B5EF4-FFF2-40B4-BE49-F238E27FC236}">
-                <a16:creationId xmlns:a16="http://schemas.microsoft.com/office/drawing/2014/main" xmlns="" id="{6BDA7693-CA76-4C97-8FED-A4A65AB5032B}"/>
+                <a16:creationId xmlns="" xmlns:a16="http://schemas.microsoft.com/office/drawing/2014/main" id="{6BDA7693-CA76-4C97-8FED-A4A65AB5032B}"/>
               </a:ext>
             </a:extLst>
           </p:cNvPr>
@@ -10263,7 +10264,7 @@
           <p:cNvPr id="27" name="TextBox 45">
             <a:extLst>
               <a:ext uri="{FF2B5EF4-FFF2-40B4-BE49-F238E27FC236}">
-                <a16:creationId xmlns:a16="http://schemas.microsoft.com/office/drawing/2014/main" xmlns="" id="{6BDA7693-CA76-4C97-8FED-A4A65AB5032B}"/>
+                <a16:creationId xmlns="" xmlns:a16="http://schemas.microsoft.com/office/drawing/2014/main" id="{6BDA7693-CA76-4C97-8FED-A4A65AB5032B}"/>
               </a:ext>
             </a:extLst>
           </p:cNvPr>
@@ -10299,7 +10300,7 @@
           <p:cNvPr id="28" name="TextBox 45">
             <a:extLst>
               <a:ext uri="{FF2B5EF4-FFF2-40B4-BE49-F238E27FC236}">
-                <a16:creationId xmlns:a16="http://schemas.microsoft.com/office/drawing/2014/main" xmlns="" id="{6BDA7693-CA76-4C97-8FED-A4A65AB5032B}"/>
+                <a16:creationId xmlns="" xmlns:a16="http://schemas.microsoft.com/office/drawing/2014/main" id="{6BDA7693-CA76-4C97-8FED-A4A65AB5032B}"/>
               </a:ext>
             </a:extLst>
           </p:cNvPr>
@@ -11847,7 +11848,7 @@
           <p:cNvPr id="6" name="TextBox 45">
             <a:extLst>
               <a:ext uri="{FF2B5EF4-FFF2-40B4-BE49-F238E27FC236}">
-                <a16:creationId xmlns:a16="http://schemas.microsoft.com/office/drawing/2014/main" xmlns="" id="{6BDA7693-CA76-4C97-8FED-A4A65AB5032B}"/>
+                <a16:creationId xmlns="" xmlns:a16="http://schemas.microsoft.com/office/drawing/2014/main" id="{6BDA7693-CA76-4C97-8FED-A4A65AB5032B}"/>
               </a:ext>
             </a:extLst>
           </p:cNvPr>
@@ -13379,7 +13380,7 @@
           <p:cNvPr id="6" name="TextBox 45">
             <a:extLst>
               <a:ext uri="{FF2B5EF4-FFF2-40B4-BE49-F238E27FC236}">
-                <a16:creationId xmlns:a16="http://schemas.microsoft.com/office/drawing/2014/main" xmlns="" id="{6BDA7693-CA76-4C97-8FED-A4A65AB5032B}"/>
+                <a16:creationId xmlns="" xmlns:a16="http://schemas.microsoft.com/office/drawing/2014/main" id="{6BDA7693-CA76-4C97-8FED-A4A65AB5032B}"/>
               </a:ext>
             </a:extLst>
           </p:cNvPr>
@@ -14804,7 +14805,7 @@
           <p:cNvPr id="2" name="TextBox 45">
             <a:extLst>
               <a:ext uri="{FF2B5EF4-FFF2-40B4-BE49-F238E27FC236}">
-                <a16:creationId xmlns:a16="http://schemas.microsoft.com/office/drawing/2014/main" xmlns="" id="{6BDA7693-CA76-4C97-8FED-A4A65AB5032B}"/>
+                <a16:creationId xmlns="" xmlns:a16="http://schemas.microsoft.com/office/drawing/2014/main" id="{6BDA7693-CA76-4C97-8FED-A4A65AB5032B}"/>
               </a:ext>
             </a:extLst>
           </p:cNvPr>
@@ -15775,7 +15776,7 @@
           <p:cNvPr id="34" name="TextBox 45">
             <a:extLst>
               <a:ext uri="{FF2B5EF4-FFF2-40B4-BE49-F238E27FC236}">
-                <a16:creationId xmlns:a16="http://schemas.microsoft.com/office/drawing/2014/main" xmlns="" id="{6BDA7693-CA76-4C97-8FED-A4A65AB5032B}"/>
+                <a16:creationId xmlns="" xmlns:a16="http://schemas.microsoft.com/office/drawing/2014/main" id="{6BDA7693-CA76-4C97-8FED-A4A65AB5032B}"/>
               </a:ext>
             </a:extLst>
           </p:cNvPr>
@@ -17391,7 +17392,7 @@
           <p:cNvPr id="2" name="TextBox 45">
             <a:extLst>
               <a:ext uri="{FF2B5EF4-FFF2-40B4-BE49-F238E27FC236}">
-                <a16:creationId xmlns:a16="http://schemas.microsoft.com/office/drawing/2014/main" xmlns="" id="{6BDA7693-CA76-4C97-8FED-A4A65AB5032B}"/>
+                <a16:creationId xmlns="" xmlns:a16="http://schemas.microsoft.com/office/drawing/2014/main" id="{6BDA7693-CA76-4C97-8FED-A4A65AB5032B}"/>
               </a:ext>
             </a:extLst>
           </p:cNvPr>
@@ -18141,7 +18142,7 @@
           <p:cNvPr id="34" name="TextBox 45">
             <a:extLst>
               <a:ext uri="{FF2B5EF4-FFF2-40B4-BE49-F238E27FC236}">
-                <a16:creationId xmlns:a16="http://schemas.microsoft.com/office/drawing/2014/main" xmlns="" id="{6BDA7693-CA76-4C97-8FED-A4A65AB5032B}"/>
+                <a16:creationId xmlns="" xmlns:a16="http://schemas.microsoft.com/office/drawing/2014/main" id="{6BDA7693-CA76-4C97-8FED-A4A65AB5032B}"/>
               </a:ext>
             </a:extLst>
           </p:cNvPr>
@@ -19504,7 +19505,7 @@
           <p:cNvPr id="114" name="TextBox 45">
             <a:extLst>
               <a:ext uri="{FF2B5EF4-FFF2-40B4-BE49-F238E27FC236}">
-                <a16:creationId xmlns:a16="http://schemas.microsoft.com/office/drawing/2014/main" xmlns="" id="{6BDA7693-CA76-4C97-8FED-A4A65AB5032B}"/>
+                <a16:creationId xmlns="" xmlns:a16="http://schemas.microsoft.com/office/drawing/2014/main" id="{6BDA7693-CA76-4C97-8FED-A4A65AB5032B}"/>
               </a:ext>
             </a:extLst>
           </p:cNvPr>
@@ -19678,7 +19679,7 @@
           <p:cNvPr id="2" name="TextBox 45">
             <a:extLst>
               <a:ext uri="{FF2B5EF4-FFF2-40B4-BE49-F238E27FC236}">
-                <a16:creationId xmlns:a16="http://schemas.microsoft.com/office/drawing/2014/main" xmlns="" id="{6BDA7693-CA76-4C97-8FED-A4A65AB5032B}"/>
+                <a16:creationId xmlns="" xmlns:a16="http://schemas.microsoft.com/office/drawing/2014/main" id="{6BDA7693-CA76-4C97-8FED-A4A65AB5032B}"/>
               </a:ext>
             </a:extLst>
           </p:cNvPr>
@@ -20617,7 +20618,7 @@
           <p:cNvPr id="114" name="TextBox 45">
             <a:extLst>
               <a:ext uri="{FF2B5EF4-FFF2-40B4-BE49-F238E27FC236}">
-                <a16:creationId xmlns:a16="http://schemas.microsoft.com/office/drawing/2014/main" xmlns="" id="{6BDA7693-CA76-4C97-8FED-A4A65AB5032B}"/>
+                <a16:creationId xmlns="" xmlns:a16="http://schemas.microsoft.com/office/drawing/2014/main" id="{6BDA7693-CA76-4C97-8FED-A4A65AB5032B}"/>
               </a:ext>
             </a:extLst>
           </p:cNvPr>
@@ -22144,7 +22145,7 @@
           <p:cNvPr id="2" name="TextBox 45">
             <a:extLst>
               <a:ext uri="{FF2B5EF4-FFF2-40B4-BE49-F238E27FC236}">
-                <a16:creationId xmlns:a16="http://schemas.microsoft.com/office/drawing/2014/main" xmlns="" id="{6BDA7693-CA76-4C97-8FED-A4A65AB5032B}"/>
+                <a16:creationId xmlns="" xmlns:a16="http://schemas.microsoft.com/office/drawing/2014/main" id="{6BDA7693-CA76-4C97-8FED-A4A65AB5032B}"/>
               </a:ext>
             </a:extLst>
           </p:cNvPr>
@@ -23723,7 +23724,7 @@
           <p:cNvPr id="2" name="TextBox 45">
             <a:extLst>
               <a:ext uri="{FF2B5EF4-FFF2-40B4-BE49-F238E27FC236}">
-                <a16:creationId xmlns:a16="http://schemas.microsoft.com/office/drawing/2014/main" xmlns="" id="{6BDA7693-CA76-4C97-8FED-A4A65AB5032B}"/>
+                <a16:creationId xmlns="" xmlns:a16="http://schemas.microsoft.com/office/drawing/2014/main" id="{6BDA7693-CA76-4C97-8FED-A4A65AB5032B}"/>
               </a:ext>
             </a:extLst>
           </p:cNvPr>
@@ -24716,7 +24717,7 @@
           <p:cNvPr id="114" name="TextBox 45">
             <a:extLst>
               <a:ext uri="{FF2B5EF4-FFF2-40B4-BE49-F238E27FC236}">
-                <a16:creationId xmlns:a16="http://schemas.microsoft.com/office/drawing/2014/main" xmlns="" id="{6BDA7693-CA76-4C97-8FED-A4A65AB5032B}"/>
+                <a16:creationId xmlns="" xmlns:a16="http://schemas.microsoft.com/office/drawing/2014/main" id="{6BDA7693-CA76-4C97-8FED-A4A65AB5032B}"/>
               </a:ext>
             </a:extLst>
           </p:cNvPr>
@@ -25531,7 +25532,7 @@
           <p:cNvPr id="2" name="TextBox 45">
             <a:extLst>
               <a:ext uri="{FF2B5EF4-FFF2-40B4-BE49-F238E27FC236}">
-                <a16:creationId xmlns:a16="http://schemas.microsoft.com/office/drawing/2014/main" xmlns="" id="{6BDA7693-CA76-4C97-8FED-A4A65AB5032B}"/>
+                <a16:creationId xmlns="" xmlns:a16="http://schemas.microsoft.com/office/drawing/2014/main" id="{6BDA7693-CA76-4C97-8FED-A4A65AB5032B}"/>
               </a:ext>
             </a:extLst>
           </p:cNvPr>
@@ -26094,7 +26095,7 @@
           <p:cNvPr id="26" name="TextBox 45">
             <a:extLst>
               <a:ext uri="{FF2B5EF4-FFF2-40B4-BE49-F238E27FC236}">
-                <a16:creationId xmlns:a16="http://schemas.microsoft.com/office/drawing/2014/main" xmlns="" id="{6BDA7693-CA76-4C97-8FED-A4A65AB5032B}"/>
+                <a16:creationId xmlns="" xmlns:a16="http://schemas.microsoft.com/office/drawing/2014/main" id="{6BDA7693-CA76-4C97-8FED-A4A65AB5032B}"/>
               </a:ext>
             </a:extLst>
           </p:cNvPr>
@@ -26202,7 +26203,6 @@
               <a:rPr lang="en-GB" sz="1100" dirty="0"/>
               <a:t>, data, null);</a:t>
             </a:r>
-            <a:endParaRPr lang="en-GB" sz="1100" dirty="0"/>
           </a:p>
         </p:txBody>
       </p:sp>
@@ -26211,7 +26211,7 @@
           <p:cNvPr id="32" name="TextBox 45">
             <a:extLst>
               <a:ext uri="{FF2B5EF4-FFF2-40B4-BE49-F238E27FC236}">
-                <a16:creationId xmlns:a16="http://schemas.microsoft.com/office/drawing/2014/main" xmlns="" id="{6BDA7693-CA76-4C97-8FED-A4A65AB5032B}"/>
+                <a16:creationId xmlns="" xmlns:a16="http://schemas.microsoft.com/office/drawing/2014/main" id="{6BDA7693-CA76-4C97-8FED-A4A65AB5032B}"/>
               </a:ext>
             </a:extLst>
           </p:cNvPr>
@@ -26774,7 +26774,7 @@
           <p:cNvPr id="48" name="TextBox 45">
             <a:extLst>
               <a:ext uri="{FF2B5EF4-FFF2-40B4-BE49-F238E27FC236}">
-                <a16:creationId xmlns:a16="http://schemas.microsoft.com/office/drawing/2014/main" xmlns="" id="{6BDA7693-CA76-4C97-8FED-A4A65AB5032B}"/>
+                <a16:creationId xmlns="" xmlns:a16="http://schemas.microsoft.com/office/drawing/2014/main" id="{6BDA7693-CA76-4C97-8FED-A4A65AB5032B}"/>
               </a:ext>
             </a:extLst>
           </p:cNvPr>
@@ -26864,7 +26864,7 @@
           <p:cNvPr id="49" name="TextBox 45">
             <a:extLst>
               <a:ext uri="{FF2B5EF4-FFF2-40B4-BE49-F238E27FC236}">
-                <a16:creationId xmlns:a16="http://schemas.microsoft.com/office/drawing/2014/main" xmlns="" id="{6BDA7693-CA76-4C97-8FED-A4A65AB5032B}"/>
+                <a16:creationId xmlns="" xmlns:a16="http://schemas.microsoft.com/office/drawing/2014/main" id="{6BDA7693-CA76-4C97-8FED-A4A65AB5032B}"/>
               </a:ext>
             </a:extLst>
           </p:cNvPr>
@@ -27033,7 +27033,7 @@
           <p:cNvPr id="2" name="TextBox 45">
             <a:extLst>
               <a:ext uri="{FF2B5EF4-FFF2-40B4-BE49-F238E27FC236}">
-                <a16:creationId xmlns:a16="http://schemas.microsoft.com/office/drawing/2014/main" xmlns="" id="{6BDA7693-CA76-4C97-8FED-A4A65AB5032B}"/>
+                <a16:creationId xmlns="" xmlns:a16="http://schemas.microsoft.com/office/drawing/2014/main" id="{6BDA7693-CA76-4C97-8FED-A4A65AB5032B}"/>
               </a:ext>
             </a:extLst>
           </p:cNvPr>
@@ -27805,7 +27805,7 @@
           <p:cNvPr id="23" name="TextBox 45">
             <a:extLst>
               <a:ext uri="{FF2B5EF4-FFF2-40B4-BE49-F238E27FC236}">
-                <a16:creationId xmlns:a16="http://schemas.microsoft.com/office/drawing/2014/main" xmlns="" id="{6BDA7693-CA76-4C97-8FED-A4A65AB5032B}"/>
+                <a16:creationId xmlns="" xmlns:a16="http://schemas.microsoft.com/office/drawing/2014/main" id="{6BDA7693-CA76-4C97-8FED-A4A65AB5032B}"/>
               </a:ext>
             </a:extLst>
           </p:cNvPr>
@@ -29246,6 +29246,90 @@
     <p:extLst>
       <p:ext uri="{BB962C8B-B14F-4D97-AF65-F5344CB8AC3E}">
         <p14:creationId xmlns:p14="http://schemas.microsoft.com/office/powerpoint/2010/main" val="204676631"/>
+      </p:ext>
+    </p:extLst>
+  </p:cSld>
+  <p:clrMapOvr>
+    <a:masterClrMapping/>
+  </p:clrMapOvr>
+</p:sld>
+</file>
+
+<file path=ppt/slides/slide28.xml><?xml version="1.0" encoding="utf-8"?>
+<p:sld xmlns:a="http://schemas.openxmlformats.org/drawingml/2006/main" xmlns:r="http://schemas.openxmlformats.org/officeDocument/2006/relationships" xmlns:p="http://schemas.openxmlformats.org/presentationml/2006/main">
+  <p:cSld>
+    <p:spTree>
+      <p:nvGrpSpPr>
+        <p:cNvPr id="1" name=""/>
+        <p:cNvGrpSpPr/>
+        <p:nvPr/>
+      </p:nvGrpSpPr>
+      <p:grpSpPr>
+        <a:xfrm>
+          <a:off x="0" y="0"/>
+          <a:ext cx="0" cy="0"/>
+          <a:chOff x="0" y="0"/>
+          <a:chExt cx="0" cy="0"/>
+        </a:xfrm>
+      </p:grpSpPr>
+      <p:pic>
+        <p:nvPicPr>
+          <p:cNvPr id="1026" name="Picture 2"/>
+          <p:cNvPicPr>
+            <a:picLocks noChangeAspect="1" noChangeArrowheads="1"/>
+          </p:cNvPicPr>
+          <p:nvPr/>
+        </p:nvPicPr>
+        <p:blipFill>
+          <a:blip r:embed="rId2">
+            <a:extLst>
+              <a:ext uri="{28A0092B-C50C-407E-A947-70E740481C1C}">
+                <a14:useLocalDpi xmlns:a14="http://schemas.microsoft.com/office/drawing/2010/main" val="0"/>
+              </a:ext>
+            </a:extLst>
+          </a:blip>
+          <a:srcRect/>
+          <a:stretch>
+            <a:fillRect/>
+          </a:stretch>
+        </p:blipFill>
+        <p:spPr bwMode="auto">
+          <a:xfrm>
+            <a:off x="419100" y="1233488"/>
+            <a:ext cx="8305800" cy="4391025"/>
+          </a:xfrm>
+          <a:prstGeom prst="rect">
+            <a:avLst/>
+          </a:prstGeom>
+          <a:noFill/>
+          <a:ln>
+            <a:noFill/>
+          </a:ln>
+          <a:extLst>
+            <a:ext uri="{909E8E84-426E-40DD-AFC4-6F175D3DCCD1}">
+              <a14:hiddenFill xmlns:a14="http://schemas.microsoft.com/office/drawing/2010/main">
+                <a:solidFill>
+                  <a:schemeClr val="accent1"/>
+                </a:solidFill>
+              </a14:hiddenFill>
+            </a:ext>
+            <a:ext uri="{91240B29-F687-4F45-9708-019B960494DF}">
+              <a14:hiddenLine xmlns:a14="http://schemas.microsoft.com/office/drawing/2010/main" w="9525">
+                <a:solidFill>
+                  <a:schemeClr val="tx1"/>
+                </a:solidFill>
+                <a:miter lim="800000"/>
+                <a:headEnd/>
+                <a:tailEnd/>
+              </a14:hiddenLine>
+            </a:ext>
+          </a:extLst>
+        </p:spPr>
+      </p:pic>
+    </p:spTree>
+    <p:extLst>
+      <p:ext uri="{BB962C8B-B14F-4D97-AF65-F5344CB8AC3E}">
+        <p14:creationId xmlns:p14="http://schemas.microsoft.com/office/powerpoint/2010/main" val="4041582797"/>
       </p:ext>
     </p:extLst>
   </p:cSld>
@@ -33111,7 +33195,7 @@
           <p:cNvPr id="51" name="TextBox 50">
             <a:extLst>
               <a:ext uri="{FF2B5EF4-FFF2-40B4-BE49-F238E27FC236}">
-                <a16:creationId xmlns:a16="http://schemas.microsoft.com/office/drawing/2014/main" xmlns="" id="{38D92C47-6A24-433B-A9D7-48400DFBEE88}"/>
+                <a16:creationId xmlns="" xmlns:a16="http://schemas.microsoft.com/office/drawing/2014/main" id="{38D92C47-6A24-433B-A9D7-48400DFBEE88}"/>
               </a:ext>
             </a:extLst>
           </p:cNvPr>
@@ -33152,7 +33236,7 @@
           <p:cNvPr id="52" name="TextBox 51">
             <a:extLst>
               <a:ext uri="{FF2B5EF4-FFF2-40B4-BE49-F238E27FC236}">
-                <a16:creationId xmlns:a16="http://schemas.microsoft.com/office/drawing/2014/main" xmlns="" id="{46370455-EDDE-4BAF-A68F-1E721D22CFA3}"/>
+                <a16:creationId xmlns="" xmlns:a16="http://schemas.microsoft.com/office/drawing/2014/main" id="{46370455-EDDE-4BAF-A68F-1E721D22CFA3}"/>
               </a:ext>
             </a:extLst>
           </p:cNvPr>
@@ -33193,7 +33277,7 @@
           <p:cNvPr id="54" name="TextBox 53">
             <a:extLst>
               <a:ext uri="{FF2B5EF4-FFF2-40B4-BE49-F238E27FC236}">
-                <a16:creationId xmlns:a16="http://schemas.microsoft.com/office/drawing/2014/main" xmlns="" id="{1F0BD362-AB28-4ABC-B01D-E5FB51A4284F}"/>
+                <a16:creationId xmlns="" xmlns:a16="http://schemas.microsoft.com/office/drawing/2014/main" id="{1F0BD362-AB28-4ABC-B01D-E5FB51A4284F}"/>
               </a:ext>
             </a:extLst>
           </p:cNvPr>
@@ -33228,7 +33312,7 @@
           <p:cNvPr id="55" name="TextBox 54">
             <a:extLst>
               <a:ext uri="{FF2B5EF4-FFF2-40B4-BE49-F238E27FC236}">
-                <a16:creationId xmlns:a16="http://schemas.microsoft.com/office/drawing/2014/main" xmlns="" id="{66A6D040-E92F-405E-8F1C-224FD73DEB6A}"/>
+                <a16:creationId xmlns="" xmlns:a16="http://schemas.microsoft.com/office/drawing/2014/main" id="{66A6D040-E92F-405E-8F1C-224FD73DEB6A}"/>
               </a:ext>
             </a:extLst>
           </p:cNvPr>
@@ -33269,7 +33353,7 @@
           <p:cNvPr id="59" name="TextBox 58">
             <a:extLst>
               <a:ext uri="{FF2B5EF4-FFF2-40B4-BE49-F238E27FC236}">
-                <a16:creationId xmlns:a16="http://schemas.microsoft.com/office/drawing/2014/main" xmlns="" id="{8B737B46-BF72-4F50-880F-A81417342B9C}"/>
+                <a16:creationId xmlns="" xmlns:a16="http://schemas.microsoft.com/office/drawing/2014/main" id="{8B737B46-BF72-4F50-880F-A81417342B9C}"/>
               </a:ext>
             </a:extLst>
           </p:cNvPr>
@@ -33310,7 +33394,7 @@
           <p:cNvPr id="60" name="TextBox 59">
             <a:extLst>
               <a:ext uri="{FF2B5EF4-FFF2-40B4-BE49-F238E27FC236}">
-                <a16:creationId xmlns:a16="http://schemas.microsoft.com/office/drawing/2014/main" xmlns="" id="{635E5AB3-11BB-4188-A9F5-6624D8487908}"/>
+                <a16:creationId xmlns="" xmlns:a16="http://schemas.microsoft.com/office/drawing/2014/main" id="{635E5AB3-11BB-4188-A9F5-6624D8487908}"/>
               </a:ext>
             </a:extLst>
           </p:cNvPr>
@@ -35384,7 +35468,7 @@
           <p:cNvPr id="43" name="TextBox 42">
             <a:extLst>
               <a:ext uri="{FF2B5EF4-FFF2-40B4-BE49-F238E27FC236}">
-                <a16:creationId xmlns:a16="http://schemas.microsoft.com/office/drawing/2014/main" xmlns="" id="{C66D85E0-1A23-448C-9466-6DADEA26156A}"/>
+                <a16:creationId xmlns="" xmlns:a16="http://schemas.microsoft.com/office/drawing/2014/main" id="{C66D85E0-1A23-448C-9466-6DADEA26156A}"/>
               </a:ext>
             </a:extLst>
           </p:cNvPr>
@@ -35425,7 +35509,7 @@
           <p:cNvPr id="44" name="TextBox 43">
             <a:extLst>
               <a:ext uri="{FF2B5EF4-FFF2-40B4-BE49-F238E27FC236}">
-                <a16:creationId xmlns:a16="http://schemas.microsoft.com/office/drawing/2014/main" xmlns="" id="{73BB0B6F-DBD2-4682-88DA-A68E1C43C8EE}"/>
+                <a16:creationId xmlns="" xmlns:a16="http://schemas.microsoft.com/office/drawing/2014/main" id="{73BB0B6F-DBD2-4682-88DA-A68E1C43C8EE}"/>
               </a:ext>
             </a:extLst>
           </p:cNvPr>
@@ -35466,7 +35550,7 @@
           <p:cNvPr id="45" name="TextBox 44">
             <a:extLst>
               <a:ext uri="{FF2B5EF4-FFF2-40B4-BE49-F238E27FC236}">
-                <a16:creationId xmlns:a16="http://schemas.microsoft.com/office/drawing/2014/main" xmlns="" id="{06BB9D57-20AB-4911-8F91-1EAAD2C3D635}"/>
+                <a16:creationId xmlns="" xmlns:a16="http://schemas.microsoft.com/office/drawing/2014/main" id="{06BB9D57-20AB-4911-8F91-1EAAD2C3D635}"/>
               </a:ext>
             </a:extLst>
           </p:cNvPr>
@@ -35501,7 +35585,7 @@
           <p:cNvPr id="46" name="TextBox 45">
             <a:extLst>
               <a:ext uri="{FF2B5EF4-FFF2-40B4-BE49-F238E27FC236}">
-                <a16:creationId xmlns:a16="http://schemas.microsoft.com/office/drawing/2014/main" xmlns="" id="{6BDA7693-CA76-4C97-8FED-A4A65AB5032B}"/>
+                <a16:creationId xmlns="" xmlns:a16="http://schemas.microsoft.com/office/drawing/2014/main" id="{6BDA7693-CA76-4C97-8FED-A4A65AB5032B}"/>
               </a:ext>
             </a:extLst>
           </p:cNvPr>
@@ -35542,7 +35626,7 @@
           <p:cNvPr id="47" name="TextBox 46">
             <a:extLst>
               <a:ext uri="{FF2B5EF4-FFF2-40B4-BE49-F238E27FC236}">
-                <a16:creationId xmlns:a16="http://schemas.microsoft.com/office/drawing/2014/main" xmlns="" id="{F3FF60E3-5733-4A51-BB64-B5D227CFB6FE}"/>
+                <a16:creationId xmlns="" xmlns:a16="http://schemas.microsoft.com/office/drawing/2014/main" id="{F3FF60E3-5733-4A51-BB64-B5D227CFB6FE}"/>
               </a:ext>
             </a:extLst>
           </p:cNvPr>
@@ -35583,7 +35667,7 @@
           <p:cNvPr id="48" name="TextBox 47">
             <a:extLst>
               <a:ext uri="{FF2B5EF4-FFF2-40B4-BE49-F238E27FC236}">
-                <a16:creationId xmlns:a16="http://schemas.microsoft.com/office/drawing/2014/main" xmlns="" id="{6CFBFA02-2444-480B-B78F-A1A7AD55973E}"/>
+                <a16:creationId xmlns="" xmlns:a16="http://schemas.microsoft.com/office/drawing/2014/main" id="{6CFBFA02-2444-480B-B78F-A1A7AD55973E}"/>
               </a:ext>
             </a:extLst>
           </p:cNvPr>
@@ -36374,7 +36458,7 @@
           <p:cNvPr id="12" name="TextBox 45">
             <a:extLst>
               <a:ext uri="{FF2B5EF4-FFF2-40B4-BE49-F238E27FC236}">
-                <a16:creationId xmlns:a16="http://schemas.microsoft.com/office/drawing/2014/main" xmlns="" id="{6BDA7693-CA76-4C97-8FED-A4A65AB5032B}"/>
+                <a16:creationId xmlns="" xmlns:a16="http://schemas.microsoft.com/office/drawing/2014/main" id="{6BDA7693-CA76-4C97-8FED-A4A65AB5032B}"/>
               </a:ext>
             </a:extLst>
           </p:cNvPr>
@@ -37052,7 +37136,7 @@
           <p:cNvPr id="33" name="TextBox 45">
             <a:extLst>
               <a:ext uri="{FF2B5EF4-FFF2-40B4-BE49-F238E27FC236}">
-                <a16:creationId xmlns:a16="http://schemas.microsoft.com/office/drawing/2014/main" xmlns="" id="{6BDA7693-CA76-4C97-8FED-A4A65AB5032B}"/>
+                <a16:creationId xmlns="" xmlns:a16="http://schemas.microsoft.com/office/drawing/2014/main" id="{6BDA7693-CA76-4C97-8FED-A4A65AB5032B}"/>
               </a:ext>
             </a:extLst>
           </p:cNvPr>
@@ -37088,7 +37172,7 @@
           <p:cNvPr id="34" name="TextBox 45">
             <a:extLst>
               <a:ext uri="{FF2B5EF4-FFF2-40B4-BE49-F238E27FC236}">
-                <a16:creationId xmlns:a16="http://schemas.microsoft.com/office/drawing/2014/main" xmlns="" id="{6BDA7693-CA76-4C97-8FED-A4A65AB5032B}"/>
+                <a16:creationId xmlns="" xmlns:a16="http://schemas.microsoft.com/office/drawing/2014/main" id="{6BDA7693-CA76-4C97-8FED-A4A65AB5032B}"/>
               </a:ext>
             </a:extLst>
           </p:cNvPr>
@@ -37498,7 +37582,7 @@
           <p:cNvPr id="52" name="TextBox 45">
             <a:extLst>
               <a:ext uri="{FF2B5EF4-FFF2-40B4-BE49-F238E27FC236}">
-                <a16:creationId xmlns:a16="http://schemas.microsoft.com/office/drawing/2014/main" xmlns="" id="{6BDA7693-CA76-4C97-8FED-A4A65AB5032B}"/>
+                <a16:creationId xmlns="" xmlns:a16="http://schemas.microsoft.com/office/drawing/2014/main" id="{6BDA7693-CA76-4C97-8FED-A4A65AB5032B}"/>
               </a:ext>
             </a:extLst>
           </p:cNvPr>

--- a/health/userDocs/UniboFigs.pptx
+++ b/health/userDocs/UniboFigs.pptx
@@ -133,7 +133,7 @@
   </p:defaultTextStyle>
   <p:extLst>
     <p:ext uri="{EFAFB233-063F-42B5-8137-9DF3F51BA10A}">
-      <p15:sldGuideLst xmlns="" xmlns:p15="http://schemas.microsoft.com/office/powerpoint/2012/main">
+      <p15:sldGuideLst xmlns:p15="http://schemas.microsoft.com/office/powerpoint/2012/main" xmlns="">
         <p15:guide id="1" orient="horz" pos="2160">
           <p15:clr>
             <a:srgbClr val="A4A3A4"/>
@@ -6195,7 +6195,7 @@
           <p:cNvPr id="12" name="TextBox 45">
             <a:extLst>
               <a:ext uri="{FF2B5EF4-FFF2-40B4-BE49-F238E27FC236}">
-                <a16:creationId xmlns="" xmlns:a16="http://schemas.microsoft.com/office/drawing/2014/main" id="{6BDA7693-CA76-4C97-8FED-A4A65AB5032B}"/>
+                <a16:creationId xmlns:a16="http://schemas.microsoft.com/office/drawing/2014/main" xmlns="" id="{6BDA7693-CA76-4C97-8FED-A4A65AB5032B}"/>
               </a:ext>
             </a:extLst>
           </p:cNvPr>
@@ -7743,7 +7743,7 @@
           <p:cNvPr id="12" name="TextBox 45">
             <a:extLst>
               <a:ext uri="{FF2B5EF4-FFF2-40B4-BE49-F238E27FC236}">
-                <a16:creationId xmlns="" xmlns:a16="http://schemas.microsoft.com/office/drawing/2014/main" id="{6BDA7693-CA76-4C97-8FED-A4A65AB5032B}"/>
+                <a16:creationId xmlns:a16="http://schemas.microsoft.com/office/drawing/2014/main" xmlns="" id="{6BDA7693-CA76-4C97-8FED-A4A65AB5032B}"/>
               </a:ext>
             </a:extLst>
           </p:cNvPr>
@@ -9756,7 +9756,7 @@
           <p:cNvPr id="6" name="TextBox 45">
             <a:extLst>
               <a:ext uri="{FF2B5EF4-FFF2-40B4-BE49-F238E27FC236}">
-                <a16:creationId xmlns="" xmlns:a16="http://schemas.microsoft.com/office/drawing/2014/main" id="{6BDA7693-CA76-4C97-8FED-A4A65AB5032B}"/>
+                <a16:creationId xmlns:a16="http://schemas.microsoft.com/office/drawing/2014/main" xmlns="" id="{6BDA7693-CA76-4C97-8FED-A4A65AB5032B}"/>
               </a:ext>
             </a:extLst>
           </p:cNvPr>
@@ -10264,7 +10264,7 @@
           <p:cNvPr id="27" name="TextBox 45">
             <a:extLst>
               <a:ext uri="{FF2B5EF4-FFF2-40B4-BE49-F238E27FC236}">
-                <a16:creationId xmlns="" xmlns:a16="http://schemas.microsoft.com/office/drawing/2014/main" id="{6BDA7693-CA76-4C97-8FED-A4A65AB5032B}"/>
+                <a16:creationId xmlns:a16="http://schemas.microsoft.com/office/drawing/2014/main" xmlns="" id="{6BDA7693-CA76-4C97-8FED-A4A65AB5032B}"/>
               </a:ext>
             </a:extLst>
           </p:cNvPr>
@@ -10300,7 +10300,7 @@
           <p:cNvPr id="28" name="TextBox 45">
             <a:extLst>
               <a:ext uri="{FF2B5EF4-FFF2-40B4-BE49-F238E27FC236}">
-                <a16:creationId xmlns="" xmlns:a16="http://schemas.microsoft.com/office/drawing/2014/main" id="{6BDA7693-CA76-4C97-8FED-A4A65AB5032B}"/>
+                <a16:creationId xmlns:a16="http://schemas.microsoft.com/office/drawing/2014/main" xmlns="" id="{6BDA7693-CA76-4C97-8FED-A4A65AB5032B}"/>
               </a:ext>
             </a:extLst>
           </p:cNvPr>
@@ -11848,7 +11848,7 @@
           <p:cNvPr id="6" name="TextBox 45">
             <a:extLst>
               <a:ext uri="{FF2B5EF4-FFF2-40B4-BE49-F238E27FC236}">
-                <a16:creationId xmlns="" xmlns:a16="http://schemas.microsoft.com/office/drawing/2014/main" id="{6BDA7693-CA76-4C97-8FED-A4A65AB5032B}"/>
+                <a16:creationId xmlns:a16="http://schemas.microsoft.com/office/drawing/2014/main" xmlns="" id="{6BDA7693-CA76-4C97-8FED-A4A65AB5032B}"/>
               </a:ext>
             </a:extLst>
           </p:cNvPr>
@@ -13380,7 +13380,7 @@
           <p:cNvPr id="6" name="TextBox 45">
             <a:extLst>
               <a:ext uri="{FF2B5EF4-FFF2-40B4-BE49-F238E27FC236}">
-                <a16:creationId xmlns="" xmlns:a16="http://schemas.microsoft.com/office/drawing/2014/main" id="{6BDA7693-CA76-4C97-8FED-A4A65AB5032B}"/>
+                <a16:creationId xmlns:a16="http://schemas.microsoft.com/office/drawing/2014/main" xmlns="" id="{6BDA7693-CA76-4C97-8FED-A4A65AB5032B}"/>
               </a:ext>
             </a:extLst>
           </p:cNvPr>
@@ -14805,7 +14805,7 @@
           <p:cNvPr id="2" name="TextBox 45">
             <a:extLst>
               <a:ext uri="{FF2B5EF4-FFF2-40B4-BE49-F238E27FC236}">
-                <a16:creationId xmlns="" xmlns:a16="http://schemas.microsoft.com/office/drawing/2014/main" id="{6BDA7693-CA76-4C97-8FED-A4A65AB5032B}"/>
+                <a16:creationId xmlns:a16="http://schemas.microsoft.com/office/drawing/2014/main" xmlns="" id="{6BDA7693-CA76-4C97-8FED-A4A65AB5032B}"/>
               </a:ext>
             </a:extLst>
           </p:cNvPr>
@@ -15776,7 +15776,7 @@
           <p:cNvPr id="34" name="TextBox 45">
             <a:extLst>
               <a:ext uri="{FF2B5EF4-FFF2-40B4-BE49-F238E27FC236}">
-                <a16:creationId xmlns="" xmlns:a16="http://schemas.microsoft.com/office/drawing/2014/main" id="{6BDA7693-CA76-4C97-8FED-A4A65AB5032B}"/>
+                <a16:creationId xmlns:a16="http://schemas.microsoft.com/office/drawing/2014/main" xmlns="" id="{6BDA7693-CA76-4C97-8FED-A4A65AB5032B}"/>
               </a:ext>
             </a:extLst>
           </p:cNvPr>
@@ -17392,7 +17392,7 @@
           <p:cNvPr id="2" name="TextBox 45">
             <a:extLst>
               <a:ext uri="{FF2B5EF4-FFF2-40B4-BE49-F238E27FC236}">
-                <a16:creationId xmlns="" xmlns:a16="http://schemas.microsoft.com/office/drawing/2014/main" id="{6BDA7693-CA76-4C97-8FED-A4A65AB5032B}"/>
+                <a16:creationId xmlns:a16="http://schemas.microsoft.com/office/drawing/2014/main" xmlns="" id="{6BDA7693-CA76-4C97-8FED-A4A65AB5032B}"/>
               </a:ext>
             </a:extLst>
           </p:cNvPr>
@@ -18142,7 +18142,7 @@
           <p:cNvPr id="34" name="TextBox 45">
             <a:extLst>
               <a:ext uri="{FF2B5EF4-FFF2-40B4-BE49-F238E27FC236}">
-                <a16:creationId xmlns="" xmlns:a16="http://schemas.microsoft.com/office/drawing/2014/main" id="{6BDA7693-CA76-4C97-8FED-A4A65AB5032B}"/>
+                <a16:creationId xmlns:a16="http://schemas.microsoft.com/office/drawing/2014/main" xmlns="" id="{6BDA7693-CA76-4C97-8FED-A4A65AB5032B}"/>
               </a:ext>
             </a:extLst>
           </p:cNvPr>
@@ -19505,7 +19505,7 @@
           <p:cNvPr id="114" name="TextBox 45">
             <a:extLst>
               <a:ext uri="{FF2B5EF4-FFF2-40B4-BE49-F238E27FC236}">
-                <a16:creationId xmlns="" xmlns:a16="http://schemas.microsoft.com/office/drawing/2014/main" id="{6BDA7693-CA76-4C97-8FED-A4A65AB5032B}"/>
+                <a16:creationId xmlns:a16="http://schemas.microsoft.com/office/drawing/2014/main" xmlns="" id="{6BDA7693-CA76-4C97-8FED-A4A65AB5032B}"/>
               </a:ext>
             </a:extLst>
           </p:cNvPr>
@@ -19679,7 +19679,7 @@
           <p:cNvPr id="2" name="TextBox 45">
             <a:extLst>
               <a:ext uri="{FF2B5EF4-FFF2-40B4-BE49-F238E27FC236}">
-                <a16:creationId xmlns="" xmlns:a16="http://schemas.microsoft.com/office/drawing/2014/main" id="{6BDA7693-CA76-4C97-8FED-A4A65AB5032B}"/>
+                <a16:creationId xmlns:a16="http://schemas.microsoft.com/office/drawing/2014/main" xmlns="" id="{6BDA7693-CA76-4C97-8FED-A4A65AB5032B}"/>
               </a:ext>
             </a:extLst>
           </p:cNvPr>
@@ -20618,7 +20618,7 @@
           <p:cNvPr id="114" name="TextBox 45">
             <a:extLst>
               <a:ext uri="{FF2B5EF4-FFF2-40B4-BE49-F238E27FC236}">
-                <a16:creationId xmlns="" xmlns:a16="http://schemas.microsoft.com/office/drawing/2014/main" id="{6BDA7693-CA76-4C97-8FED-A4A65AB5032B}"/>
+                <a16:creationId xmlns:a16="http://schemas.microsoft.com/office/drawing/2014/main" xmlns="" id="{6BDA7693-CA76-4C97-8FED-A4A65AB5032B}"/>
               </a:ext>
             </a:extLst>
           </p:cNvPr>
@@ -20774,7 +20774,7 @@
         </p:nvSpPr>
         <p:spPr>
           <a:xfrm>
-            <a:off x="7427427" y="4319523"/>
+            <a:off x="7485778" y="4233648"/>
             <a:ext cx="1255344" cy="369332"/>
           </a:xfrm>
           <a:prstGeom prst="rect">
@@ -21505,6 +21505,231 @@
           </a:p>
         </p:txBody>
       </p:sp>
+      <p:sp>
+        <p:nvSpPr>
+          <p:cNvPr id="53" name="Ovale 52"/>
+          <p:cNvSpPr/>
+          <p:nvPr/>
+        </p:nvSpPr>
+        <p:spPr>
+          <a:xfrm>
+            <a:off x="6087454" y="5324871"/>
+            <a:ext cx="3056547" cy="593051"/>
+          </a:xfrm>
+          <a:prstGeom prst="ellipse">
+            <a:avLst/>
+          </a:prstGeom>
+          <a:solidFill>
+            <a:srgbClr val="FFFFCC"/>
+          </a:solidFill>
+          <a:ln w="38100">
+            <a:solidFill>
+              <a:srgbClr val="C00000"/>
+            </a:solidFill>
+          </a:ln>
+        </p:spPr>
+        <p:style>
+          <a:lnRef idx="1">
+            <a:schemeClr val="accent5"/>
+          </a:lnRef>
+          <a:fillRef idx="2">
+            <a:schemeClr val="accent5"/>
+          </a:fillRef>
+          <a:effectRef idx="1">
+            <a:schemeClr val="accent5"/>
+          </a:effectRef>
+          <a:fontRef idx="minor">
+            <a:schemeClr val="dk1"/>
+          </a:fontRef>
+        </p:style>
+        <p:txBody>
+          <a:bodyPr rtlCol="0" anchor="ctr"/>
+          <a:lstStyle/>
+          <a:p>
+            <a:pPr algn="ctr"/>
+            <a:r>
+              <a:rPr lang="en-GB" sz="1600" dirty="0" err="1"/>
+              <a:t>HealthFhirpublicClient</a:t>
+            </a:r>
+            <a:endParaRPr lang="en-GB" sz="1600" b="1" dirty="0">
+              <a:solidFill>
+                <a:srgbClr val="0070C0"/>
+              </a:solidFill>
+            </a:endParaRPr>
+          </a:p>
+        </p:txBody>
+      </p:sp>
+      <p:grpSp>
+        <p:nvGrpSpPr>
+          <p:cNvPr id="54" name="Gruppo 53"/>
+          <p:cNvGrpSpPr/>
+          <p:nvPr/>
+        </p:nvGrpSpPr>
+        <p:grpSpPr>
+          <a:xfrm rot="16200000" flipH="1">
+            <a:off x="7903655" y="4841466"/>
+            <a:ext cx="666895" cy="86434"/>
+            <a:chOff x="4592177" y="4419530"/>
+            <a:chExt cx="666895" cy="86434"/>
+          </a:xfrm>
+        </p:grpSpPr>
+        <p:cxnSp>
+          <p:nvCxnSpPr>
+            <p:cNvPr id="55" name="Connettore 1 54"/>
+            <p:cNvCxnSpPr/>
+            <p:nvPr/>
+          </p:nvCxnSpPr>
+          <p:spPr>
+            <a:xfrm>
+              <a:off x="4611000" y="4462747"/>
+              <a:ext cx="648072" cy="0"/>
+            </a:xfrm>
+            <a:prstGeom prst="line">
+              <a:avLst/>
+            </a:prstGeom>
+            <a:ln/>
+          </p:spPr>
+          <p:style>
+            <a:lnRef idx="1">
+              <a:schemeClr val="accent6"/>
+            </a:lnRef>
+            <a:fillRef idx="2">
+              <a:schemeClr val="accent6"/>
+            </a:fillRef>
+            <a:effectRef idx="1">
+              <a:schemeClr val="accent6"/>
+            </a:effectRef>
+            <a:fontRef idx="minor">
+              <a:schemeClr val="dk1"/>
+            </a:fontRef>
+          </p:style>
+        </p:cxnSp>
+        <p:sp>
+          <p:nvSpPr>
+            <p:cNvPr id="56" name="Triangolo isoscele 55"/>
+            <p:cNvSpPr/>
+            <p:nvPr/>
+          </p:nvSpPr>
+          <p:spPr>
+            <a:xfrm rot="16200000">
+              <a:off x="4618592" y="4393115"/>
+              <a:ext cx="86434" cy="139263"/>
+            </a:xfrm>
+            <a:prstGeom prst="triangle">
+              <a:avLst/>
+            </a:prstGeom>
+            <a:ln/>
+          </p:spPr>
+          <p:style>
+            <a:lnRef idx="1">
+              <a:schemeClr val="accent6"/>
+            </a:lnRef>
+            <a:fillRef idx="2">
+              <a:schemeClr val="accent6"/>
+            </a:fillRef>
+            <a:effectRef idx="1">
+              <a:schemeClr val="accent6"/>
+            </a:effectRef>
+            <a:fontRef idx="minor">
+              <a:schemeClr val="dk1"/>
+            </a:fontRef>
+          </p:style>
+          <p:txBody>
+            <a:bodyPr rtlCol="0" anchor="ctr"/>
+            <a:lstStyle/>
+            <a:p>
+              <a:pPr algn="ctr"/>
+              <a:endParaRPr lang="en-GB" sz="1200"/>
+            </a:p>
+          </p:txBody>
+        </p:sp>
+      </p:grpSp>
+      <p:grpSp>
+        <p:nvGrpSpPr>
+          <p:cNvPr id="57" name="Gruppo 56"/>
+          <p:cNvGrpSpPr/>
+          <p:nvPr/>
+        </p:nvGrpSpPr>
+        <p:grpSpPr>
+          <a:xfrm rot="16200000" flipH="1">
+            <a:off x="8107224" y="4821118"/>
+            <a:ext cx="787334" cy="86434"/>
+            <a:chOff x="3452446" y="4176616"/>
+            <a:chExt cx="787334" cy="86434"/>
+          </a:xfrm>
+        </p:grpSpPr>
+        <p:sp>
+          <p:nvSpPr>
+            <p:cNvPr id="58" name="Triangolo isoscele 57"/>
+            <p:cNvSpPr/>
+            <p:nvPr/>
+          </p:nvSpPr>
+          <p:spPr>
+            <a:xfrm rot="5400000" flipH="1">
+              <a:off x="4126932" y="4150201"/>
+              <a:ext cx="86434" cy="139263"/>
+            </a:xfrm>
+            <a:prstGeom prst="triangle">
+              <a:avLst/>
+            </a:prstGeom>
+            <a:ln/>
+          </p:spPr>
+          <p:style>
+            <a:lnRef idx="1">
+              <a:schemeClr val="accent6"/>
+            </a:lnRef>
+            <a:fillRef idx="2">
+              <a:schemeClr val="accent6"/>
+            </a:fillRef>
+            <a:effectRef idx="1">
+              <a:schemeClr val="accent6"/>
+            </a:effectRef>
+            <a:fontRef idx="minor">
+              <a:schemeClr val="dk1"/>
+            </a:fontRef>
+          </p:style>
+          <p:txBody>
+            <a:bodyPr rtlCol="0" anchor="ctr"/>
+            <a:lstStyle/>
+            <a:p>
+              <a:pPr algn="ctr"/>
+              <a:endParaRPr lang="en-GB" sz="1200"/>
+            </a:p>
+          </p:txBody>
+        </p:sp>
+        <p:cxnSp>
+          <p:nvCxnSpPr>
+            <p:cNvPr id="59" name="Connettore 1 58"/>
+            <p:cNvCxnSpPr>
+              <a:endCxn id="58" idx="3"/>
+            </p:cNvCxnSpPr>
+            <p:nvPr/>
+          </p:nvCxnSpPr>
+          <p:spPr>
+            <a:xfrm>
+              <a:off x="3452446" y="4219627"/>
+              <a:ext cx="648072" cy="206"/>
+            </a:xfrm>
+            <a:prstGeom prst="line">
+              <a:avLst/>
+            </a:prstGeom>
+          </p:spPr>
+          <p:style>
+            <a:lnRef idx="1">
+              <a:schemeClr val="accent6"/>
+            </a:lnRef>
+            <a:fillRef idx="2">
+              <a:schemeClr val="accent6"/>
+            </a:fillRef>
+            <a:effectRef idx="1">
+              <a:schemeClr val="accent6"/>
+            </a:effectRef>
+            <a:fontRef idx="minor">
+              <a:schemeClr val="dk1"/>
+            </a:fontRef>
+          </p:style>
+        </p:cxnSp>
+      </p:grpSp>
     </p:spTree>
     <p:extLst>
       <p:ext uri="{BB962C8B-B14F-4D97-AF65-F5344CB8AC3E}">
@@ -22145,7 +22370,7 @@
           <p:cNvPr id="2" name="TextBox 45">
             <a:extLst>
               <a:ext uri="{FF2B5EF4-FFF2-40B4-BE49-F238E27FC236}">
-                <a16:creationId xmlns="" xmlns:a16="http://schemas.microsoft.com/office/drawing/2014/main" id="{6BDA7693-CA76-4C97-8FED-A4A65AB5032B}"/>
+                <a16:creationId xmlns:a16="http://schemas.microsoft.com/office/drawing/2014/main" xmlns="" id="{6BDA7693-CA76-4C97-8FED-A4A65AB5032B}"/>
               </a:ext>
             </a:extLst>
           </p:cNvPr>
@@ -23724,7 +23949,7 @@
           <p:cNvPr id="2" name="TextBox 45">
             <a:extLst>
               <a:ext uri="{FF2B5EF4-FFF2-40B4-BE49-F238E27FC236}">
-                <a16:creationId xmlns="" xmlns:a16="http://schemas.microsoft.com/office/drawing/2014/main" id="{6BDA7693-CA76-4C97-8FED-A4A65AB5032B}"/>
+                <a16:creationId xmlns:a16="http://schemas.microsoft.com/office/drawing/2014/main" xmlns="" id="{6BDA7693-CA76-4C97-8FED-A4A65AB5032B}"/>
               </a:ext>
             </a:extLst>
           </p:cNvPr>
@@ -24717,7 +24942,7 @@
           <p:cNvPr id="114" name="TextBox 45">
             <a:extLst>
               <a:ext uri="{FF2B5EF4-FFF2-40B4-BE49-F238E27FC236}">
-                <a16:creationId xmlns="" xmlns:a16="http://schemas.microsoft.com/office/drawing/2014/main" id="{6BDA7693-CA76-4C97-8FED-A4A65AB5032B}"/>
+                <a16:creationId xmlns:a16="http://schemas.microsoft.com/office/drawing/2014/main" xmlns="" id="{6BDA7693-CA76-4C97-8FED-A4A65AB5032B}"/>
               </a:ext>
             </a:extLst>
           </p:cNvPr>
@@ -25532,7 +25757,7 @@
           <p:cNvPr id="2" name="TextBox 45">
             <a:extLst>
               <a:ext uri="{FF2B5EF4-FFF2-40B4-BE49-F238E27FC236}">
-                <a16:creationId xmlns="" xmlns:a16="http://schemas.microsoft.com/office/drawing/2014/main" id="{6BDA7693-CA76-4C97-8FED-A4A65AB5032B}"/>
+                <a16:creationId xmlns:a16="http://schemas.microsoft.com/office/drawing/2014/main" xmlns="" id="{6BDA7693-CA76-4C97-8FED-A4A65AB5032B}"/>
               </a:ext>
             </a:extLst>
           </p:cNvPr>
@@ -26095,7 +26320,7 @@
           <p:cNvPr id="26" name="TextBox 45">
             <a:extLst>
               <a:ext uri="{FF2B5EF4-FFF2-40B4-BE49-F238E27FC236}">
-                <a16:creationId xmlns="" xmlns:a16="http://schemas.microsoft.com/office/drawing/2014/main" id="{6BDA7693-CA76-4C97-8FED-A4A65AB5032B}"/>
+                <a16:creationId xmlns:a16="http://schemas.microsoft.com/office/drawing/2014/main" xmlns="" id="{6BDA7693-CA76-4C97-8FED-A4A65AB5032B}"/>
               </a:ext>
             </a:extLst>
           </p:cNvPr>
@@ -26211,7 +26436,7 @@
           <p:cNvPr id="32" name="TextBox 45">
             <a:extLst>
               <a:ext uri="{FF2B5EF4-FFF2-40B4-BE49-F238E27FC236}">
-                <a16:creationId xmlns="" xmlns:a16="http://schemas.microsoft.com/office/drawing/2014/main" id="{6BDA7693-CA76-4C97-8FED-A4A65AB5032B}"/>
+                <a16:creationId xmlns:a16="http://schemas.microsoft.com/office/drawing/2014/main" xmlns="" id="{6BDA7693-CA76-4C97-8FED-A4A65AB5032B}"/>
               </a:ext>
             </a:extLst>
           </p:cNvPr>
@@ -26774,7 +26999,7 @@
           <p:cNvPr id="48" name="TextBox 45">
             <a:extLst>
               <a:ext uri="{FF2B5EF4-FFF2-40B4-BE49-F238E27FC236}">
-                <a16:creationId xmlns="" xmlns:a16="http://schemas.microsoft.com/office/drawing/2014/main" id="{6BDA7693-CA76-4C97-8FED-A4A65AB5032B}"/>
+                <a16:creationId xmlns:a16="http://schemas.microsoft.com/office/drawing/2014/main" xmlns="" id="{6BDA7693-CA76-4C97-8FED-A4A65AB5032B}"/>
               </a:ext>
             </a:extLst>
           </p:cNvPr>
@@ -26864,7 +27089,7 @@
           <p:cNvPr id="49" name="TextBox 45">
             <a:extLst>
               <a:ext uri="{FF2B5EF4-FFF2-40B4-BE49-F238E27FC236}">
-                <a16:creationId xmlns="" xmlns:a16="http://schemas.microsoft.com/office/drawing/2014/main" id="{6BDA7693-CA76-4C97-8FED-A4A65AB5032B}"/>
+                <a16:creationId xmlns:a16="http://schemas.microsoft.com/office/drawing/2014/main" xmlns="" id="{6BDA7693-CA76-4C97-8FED-A4A65AB5032B}"/>
               </a:ext>
             </a:extLst>
           </p:cNvPr>
@@ -27033,7 +27258,7 @@
           <p:cNvPr id="2" name="TextBox 45">
             <a:extLst>
               <a:ext uri="{FF2B5EF4-FFF2-40B4-BE49-F238E27FC236}">
-                <a16:creationId xmlns="" xmlns:a16="http://schemas.microsoft.com/office/drawing/2014/main" id="{6BDA7693-CA76-4C97-8FED-A4A65AB5032B}"/>
+                <a16:creationId xmlns:a16="http://schemas.microsoft.com/office/drawing/2014/main" xmlns="" id="{6BDA7693-CA76-4C97-8FED-A4A65AB5032B}"/>
               </a:ext>
             </a:extLst>
           </p:cNvPr>
@@ -27805,7 +28030,7 @@
           <p:cNvPr id="23" name="TextBox 45">
             <a:extLst>
               <a:ext uri="{FF2B5EF4-FFF2-40B4-BE49-F238E27FC236}">
-                <a16:creationId xmlns="" xmlns:a16="http://schemas.microsoft.com/office/drawing/2014/main" id="{6BDA7693-CA76-4C97-8FED-A4A65AB5032B}"/>
+                <a16:creationId xmlns:a16="http://schemas.microsoft.com/office/drawing/2014/main" xmlns="" id="{6BDA7693-CA76-4C97-8FED-A4A65AB5032B}"/>
               </a:ext>
             </a:extLst>
           </p:cNvPr>
@@ -33195,7 +33420,7 @@
           <p:cNvPr id="51" name="TextBox 50">
             <a:extLst>
               <a:ext uri="{FF2B5EF4-FFF2-40B4-BE49-F238E27FC236}">
-                <a16:creationId xmlns="" xmlns:a16="http://schemas.microsoft.com/office/drawing/2014/main" id="{38D92C47-6A24-433B-A9D7-48400DFBEE88}"/>
+                <a16:creationId xmlns:a16="http://schemas.microsoft.com/office/drawing/2014/main" xmlns="" id="{38D92C47-6A24-433B-A9D7-48400DFBEE88}"/>
               </a:ext>
             </a:extLst>
           </p:cNvPr>
@@ -33236,7 +33461,7 @@
           <p:cNvPr id="52" name="TextBox 51">
             <a:extLst>
               <a:ext uri="{FF2B5EF4-FFF2-40B4-BE49-F238E27FC236}">
-                <a16:creationId xmlns="" xmlns:a16="http://schemas.microsoft.com/office/drawing/2014/main" id="{46370455-EDDE-4BAF-A68F-1E721D22CFA3}"/>
+                <a16:creationId xmlns:a16="http://schemas.microsoft.com/office/drawing/2014/main" xmlns="" id="{46370455-EDDE-4BAF-A68F-1E721D22CFA3}"/>
               </a:ext>
             </a:extLst>
           </p:cNvPr>
@@ -33277,7 +33502,7 @@
           <p:cNvPr id="54" name="TextBox 53">
             <a:extLst>
               <a:ext uri="{FF2B5EF4-FFF2-40B4-BE49-F238E27FC236}">
-                <a16:creationId xmlns="" xmlns:a16="http://schemas.microsoft.com/office/drawing/2014/main" id="{1F0BD362-AB28-4ABC-B01D-E5FB51A4284F}"/>
+                <a16:creationId xmlns:a16="http://schemas.microsoft.com/office/drawing/2014/main" xmlns="" id="{1F0BD362-AB28-4ABC-B01D-E5FB51A4284F}"/>
               </a:ext>
             </a:extLst>
           </p:cNvPr>
@@ -33312,7 +33537,7 @@
           <p:cNvPr id="55" name="TextBox 54">
             <a:extLst>
               <a:ext uri="{FF2B5EF4-FFF2-40B4-BE49-F238E27FC236}">
-                <a16:creationId xmlns="" xmlns:a16="http://schemas.microsoft.com/office/drawing/2014/main" id="{66A6D040-E92F-405E-8F1C-224FD73DEB6A}"/>
+                <a16:creationId xmlns:a16="http://schemas.microsoft.com/office/drawing/2014/main" xmlns="" id="{66A6D040-E92F-405E-8F1C-224FD73DEB6A}"/>
               </a:ext>
             </a:extLst>
           </p:cNvPr>
@@ -33353,7 +33578,7 @@
           <p:cNvPr id="59" name="TextBox 58">
             <a:extLst>
               <a:ext uri="{FF2B5EF4-FFF2-40B4-BE49-F238E27FC236}">
-                <a16:creationId xmlns="" xmlns:a16="http://schemas.microsoft.com/office/drawing/2014/main" id="{8B737B46-BF72-4F50-880F-A81417342B9C}"/>
+                <a16:creationId xmlns:a16="http://schemas.microsoft.com/office/drawing/2014/main" xmlns="" id="{8B737B46-BF72-4F50-880F-A81417342B9C}"/>
               </a:ext>
             </a:extLst>
           </p:cNvPr>
@@ -33394,7 +33619,7 @@
           <p:cNvPr id="60" name="TextBox 59">
             <a:extLst>
               <a:ext uri="{FF2B5EF4-FFF2-40B4-BE49-F238E27FC236}">
-                <a16:creationId xmlns="" xmlns:a16="http://schemas.microsoft.com/office/drawing/2014/main" id="{635E5AB3-11BB-4188-A9F5-6624D8487908}"/>
+                <a16:creationId xmlns:a16="http://schemas.microsoft.com/office/drawing/2014/main" xmlns="" id="{635E5AB3-11BB-4188-A9F5-6624D8487908}"/>
               </a:ext>
             </a:extLst>
           </p:cNvPr>
@@ -35468,7 +35693,7 @@
           <p:cNvPr id="43" name="TextBox 42">
             <a:extLst>
               <a:ext uri="{FF2B5EF4-FFF2-40B4-BE49-F238E27FC236}">
-                <a16:creationId xmlns="" xmlns:a16="http://schemas.microsoft.com/office/drawing/2014/main" id="{C66D85E0-1A23-448C-9466-6DADEA26156A}"/>
+                <a16:creationId xmlns:a16="http://schemas.microsoft.com/office/drawing/2014/main" xmlns="" id="{C66D85E0-1A23-448C-9466-6DADEA26156A}"/>
               </a:ext>
             </a:extLst>
           </p:cNvPr>
@@ -35509,7 +35734,7 @@
           <p:cNvPr id="44" name="TextBox 43">
             <a:extLst>
               <a:ext uri="{FF2B5EF4-FFF2-40B4-BE49-F238E27FC236}">
-                <a16:creationId xmlns="" xmlns:a16="http://schemas.microsoft.com/office/drawing/2014/main" id="{73BB0B6F-DBD2-4682-88DA-A68E1C43C8EE}"/>
+                <a16:creationId xmlns:a16="http://schemas.microsoft.com/office/drawing/2014/main" xmlns="" id="{73BB0B6F-DBD2-4682-88DA-A68E1C43C8EE}"/>
               </a:ext>
             </a:extLst>
           </p:cNvPr>
@@ -35550,7 +35775,7 @@
           <p:cNvPr id="45" name="TextBox 44">
             <a:extLst>
               <a:ext uri="{FF2B5EF4-FFF2-40B4-BE49-F238E27FC236}">
-                <a16:creationId xmlns="" xmlns:a16="http://schemas.microsoft.com/office/drawing/2014/main" id="{06BB9D57-20AB-4911-8F91-1EAAD2C3D635}"/>
+                <a16:creationId xmlns:a16="http://schemas.microsoft.com/office/drawing/2014/main" xmlns="" id="{06BB9D57-20AB-4911-8F91-1EAAD2C3D635}"/>
               </a:ext>
             </a:extLst>
           </p:cNvPr>
@@ -35585,7 +35810,7 @@
           <p:cNvPr id="46" name="TextBox 45">
             <a:extLst>
               <a:ext uri="{FF2B5EF4-FFF2-40B4-BE49-F238E27FC236}">
-                <a16:creationId xmlns="" xmlns:a16="http://schemas.microsoft.com/office/drawing/2014/main" id="{6BDA7693-CA76-4C97-8FED-A4A65AB5032B}"/>
+                <a16:creationId xmlns:a16="http://schemas.microsoft.com/office/drawing/2014/main" xmlns="" id="{6BDA7693-CA76-4C97-8FED-A4A65AB5032B}"/>
               </a:ext>
             </a:extLst>
           </p:cNvPr>
@@ -35626,7 +35851,7 @@
           <p:cNvPr id="47" name="TextBox 46">
             <a:extLst>
               <a:ext uri="{FF2B5EF4-FFF2-40B4-BE49-F238E27FC236}">
-                <a16:creationId xmlns="" xmlns:a16="http://schemas.microsoft.com/office/drawing/2014/main" id="{F3FF60E3-5733-4A51-BB64-B5D227CFB6FE}"/>
+                <a16:creationId xmlns:a16="http://schemas.microsoft.com/office/drawing/2014/main" xmlns="" id="{F3FF60E3-5733-4A51-BB64-B5D227CFB6FE}"/>
               </a:ext>
             </a:extLst>
           </p:cNvPr>
@@ -35667,7 +35892,7 @@
           <p:cNvPr id="48" name="TextBox 47">
             <a:extLst>
               <a:ext uri="{FF2B5EF4-FFF2-40B4-BE49-F238E27FC236}">
-                <a16:creationId xmlns="" xmlns:a16="http://schemas.microsoft.com/office/drawing/2014/main" id="{6CFBFA02-2444-480B-B78F-A1A7AD55973E}"/>
+                <a16:creationId xmlns:a16="http://schemas.microsoft.com/office/drawing/2014/main" xmlns="" id="{6CFBFA02-2444-480B-B78F-A1A7AD55973E}"/>
               </a:ext>
             </a:extLst>
           </p:cNvPr>
@@ -36458,7 +36683,7 @@
           <p:cNvPr id="12" name="TextBox 45">
             <a:extLst>
               <a:ext uri="{FF2B5EF4-FFF2-40B4-BE49-F238E27FC236}">
-                <a16:creationId xmlns="" xmlns:a16="http://schemas.microsoft.com/office/drawing/2014/main" id="{6BDA7693-CA76-4C97-8FED-A4A65AB5032B}"/>
+                <a16:creationId xmlns:a16="http://schemas.microsoft.com/office/drawing/2014/main" xmlns="" id="{6BDA7693-CA76-4C97-8FED-A4A65AB5032B}"/>
               </a:ext>
             </a:extLst>
           </p:cNvPr>
@@ -37136,7 +37361,7 @@
           <p:cNvPr id="33" name="TextBox 45">
             <a:extLst>
               <a:ext uri="{FF2B5EF4-FFF2-40B4-BE49-F238E27FC236}">
-                <a16:creationId xmlns="" xmlns:a16="http://schemas.microsoft.com/office/drawing/2014/main" id="{6BDA7693-CA76-4C97-8FED-A4A65AB5032B}"/>
+                <a16:creationId xmlns:a16="http://schemas.microsoft.com/office/drawing/2014/main" xmlns="" id="{6BDA7693-CA76-4C97-8FED-A4A65AB5032B}"/>
               </a:ext>
             </a:extLst>
           </p:cNvPr>
@@ -37172,7 +37397,7 @@
           <p:cNvPr id="34" name="TextBox 45">
             <a:extLst>
               <a:ext uri="{FF2B5EF4-FFF2-40B4-BE49-F238E27FC236}">
-                <a16:creationId xmlns="" xmlns:a16="http://schemas.microsoft.com/office/drawing/2014/main" id="{6BDA7693-CA76-4C97-8FED-A4A65AB5032B}"/>
+                <a16:creationId xmlns:a16="http://schemas.microsoft.com/office/drawing/2014/main" xmlns="" id="{6BDA7693-CA76-4C97-8FED-A4A65AB5032B}"/>
               </a:ext>
             </a:extLst>
           </p:cNvPr>
@@ -37582,7 +37807,7 @@
           <p:cNvPr id="52" name="TextBox 45">
             <a:extLst>
               <a:ext uri="{FF2B5EF4-FFF2-40B4-BE49-F238E27FC236}">
-                <a16:creationId xmlns="" xmlns:a16="http://schemas.microsoft.com/office/drawing/2014/main" id="{6BDA7693-CA76-4C97-8FED-A4A65AB5032B}"/>
+                <a16:creationId xmlns:a16="http://schemas.microsoft.com/office/drawing/2014/main" xmlns="" id="{6BDA7693-CA76-4C97-8FED-A4A65AB5032B}"/>
               </a:ext>
             </a:extLst>
           </p:cNvPr>

--- a/health/userDocs/UniboFigs.pptx
+++ b/health/userDocs/UniboFigs.pptx
@@ -331,7 +331,7 @@
           <a:p>
             <a:fld id="{486DFF9D-000F-417D-A1D1-C441A4010B1E}" type="datetimeFigureOut">
               <a:rPr lang="en-GB" smtClean="0"/>
-              <a:t>15/09/2020</a:t>
+              <a:t>16/09/2020</a:t>
             </a:fld>
             <a:endParaRPr lang="en-GB"/>
           </a:p>
@@ -501,7 +501,7 @@
           <a:p>
             <a:fld id="{486DFF9D-000F-417D-A1D1-C441A4010B1E}" type="datetimeFigureOut">
               <a:rPr lang="en-GB" smtClean="0"/>
-              <a:t>15/09/2020</a:t>
+              <a:t>16/09/2020</a:t>
             </a:fld>
             <a:endParaRPr lang="en-GB"/>
           </a:p>
@@ -681,7 +681,7 @@
           <a:p>
             <a:fld id="{486DFF9D-000F-417D-A1D1-C441A4010B1E}" type="datetimeFigureOut">
               <a:rPr lang="en-GB" smtClean="0"/>
-              <a:t>15/09/2020</a:t>
+              <a:t>16/09/2020</a:t>
             </a:fld>
             <a:endParaRPr lang="en-GB"/>
           </a:p>
@@ -851,7 +851,7 @@
           <a:p>
             <a:fld id="{486DFF9D-000F-417D-A1D1-C441A4010B1E}" type="datetimeFigureOut">
               <a:rPr lang="en-GB" smtClean="0"/>
-              <a:t>15/09/2020</a:t>
+              <a:t>16/09/2020</a:t>
             </a:fld>
             <a:endParaRPr lang="en-GB"/>
           </a:p>
@@ -1097,7 +1097,7 @@
           <a:p>
             <a:fld id="{486DFF9D-000F-417D-A1D1-C441A4010B1E}" type="datetimeFigureOut">
               <a:rPr lang="en-GB" smtClean="0"/>
-              <a:t>15/09/2020</a:t>
+              <a:t>16/09/2020</a:t>
             </a:fld>
             <a:endParaRPr lang="en-GB"/>
           </a:p>
@@ -1385,7 +1385,7 @@
           <a:p>
             <a:fld id="{486DFF9D-000F-417D-A1D1-C441A4010B1E}" type="datetimeFigureOut">
               <a:rPr lang="en-GB" smtClean="0"/>
-              <a:t>15/09/2020</a:t>
+              <a:t>16/09/2020</a:t>
             </a:fld>
             <a:endParaRPr lang="en-GB"/>
           </a:p>
@@ -1807,7 +1807,7 @@
           <a:p>
             <a:fld id="{486DFF9D-000F-417D-A1D1-C441A4010B1E}" type="datetimeFigureOut">
               <a:rPr lang="en-GB" smtClean="0"/>
-              <a:t>15/09/2020</a:t>
+              <a:t>16/09/2020</a:t>
             </a:fld>
             <a:endParaRPr lang="en-GB"/>
           </a:p>
@@ -1925,7 +1925,7 @@
           <a:p>
             <a:fld id="{486DFF9D-000F-417D-A1D1-C441A4010B1E}" type="datetimeFigureOut">
               <a:rPr lang="en-GB" smtClean="0"/>
-              <a:t>15/09/2020</a:t>
+              <a:t>16/09/2020</a:t>
             </a:fld>
             <a:endParaRPr lang="en-GB"/>
           </a:p>
@@ -2020,7 +2020,7 @@
           <a:p>
             <a:fld id="{486DFF9D-000F-417D-A1D1-C441A4010B1E}" type="datetimeFigureOut">
               <a:rPr lang="en-GB" smtClean="0"/>
-              <a:t>15/09/2020</a:t>
+              <a:t>16/09/2020</a:t>
             </a:fld>
             <a:endParaRPr lang="en-GB"/>
           </a:p>
@@ -2297,7 +2297,7 @@
           <a:p>
             <a:fld id="{486DFF9D-000F-417D-A1D1-C441A4010B1E}" type="datetimeFigureOut">
               <a:rPr lang="en-GB" smtClean="0"/>
-              <a:t>15/09/2020</a:t>
+              <a:t>16/09/2020</a:t>
             </a:fld>
             <a:endParaRPr lang="en-GB"/>
           </a:p>
@@ -2550,7 +2550,7 @@
           <a:p>
             <a:fld id="{486DFF9D-000F-417D-A1D1-C441A4010B1E}" type="datetimeFigureOut">
               <a:rPr lang="en-GB" smtClean="0"/>
-              <a:t>15/09/2020</a:t>
+              <a:t>16/09/2020</a:t>
             </a:fld>
             <a:endParaRPr lang="en-GB"/>
           </a:p>
@@ -2763,7 +2763,7 @@
           <a:p>
             <a:fld id="{486DFF9D-000F-417D-A1D1-C441A4010B1E}" type="datetimeFigureOut">
               <a:rPr lang="en-GB" smtClean="0"/>
-              <a:t>15/09/2020</a:t>
+              <a:t>16/09/2020</a:t>
             </a:fld>
             <a:endParaRPr lang="en-GB"/>
           </a:p>

--- a/health/userDocs/UniboFigs.pptx
+++ b/health/userDocs/UniboFigs.pptx
@@ -33,6 +33,7 @@
     <p:sldId id="276" r:id="rId27"/>
     <p:sldId id="285" r:id="rId28"/>
     <p:sldId id="288" r:id="rId29"/>
+    <p:sldId id="289" r:id="rId30"/>
   </p:sldIdLst>
   <p:sldSz cx="9144000" cy="6858000" type="screen4x3"/>
   <p:notesSz cx="6858000" cy="9144000"/>
@@ -133,7 +134,7 @@
   </p:defaultTextStyle>
   <p:extLst>
     <p:ext uri="{EFAFB233-063F-42B5-8137-9DF3F51BA10A}">
-      <p15:sldGuideLst xmlns:p15="http://schemas.microsoft.com/office/powerpoint/2012/main" xmlns="">
+      <p15:sldGuideLst xmlns="" xmlns:p15="http://schemas.microsoft.com/office/powerpoint/2012/main">
         <p15:guide id="1" orient="horz" pos="2160">
           <p15:clr>
             <a:srgbClr val="A4A3A4"/>
@@ -331,7 +332,7 @@
           <a:p>
             <a:fld id="{486DFF9D-000F-417D-A1D1-C441A4010B1E}" type="datetimeFigureOut">
               <a:rPr lang="en-GB" smtClean="0"/>
-              <a:t>16/09/2020</a:t>
+              <a:t>18/09/2020</a:t>
             </a:fld>
             <a:endParaRPr lang="en-GB"/>
           </a:p>
@@ -501,7 +502,7 @@
           <a:p>
             <a:fld id="{486DFF9D-000F-417D-A1D1-C441A4010B1E}" type="datetimeFigureOut">
               <a:rPr lang="en-GB" smtClean="0"/>
-              <a:t>16/09/2020</a:t>
+              <a:t>18/09/2020</a:t>
             </a:fld>
             <a:endParaRPr lang="en-GB"/>
           </a:p>
@@ -681,7 +682,7 @@
           <a:p>
             <a:fld id="{486DFF9D-000F-417D-A1D1-C441A4010B1E}" type="datetimeFigureOut">
               <a:rPr lang="en-GB" smtClean="0"/>
-              <a:t>16/09/2020</a:t>
+              <a:t>18/09/2020</a:t>
             </a:fld>
             <a:endParaRPr lang="en-GB"/>
           </a:p>
@@ -851,7 +852,7 @@
           <a:p>
             <a:fld id="{486DFF9D-000F-417D-A1D1-C441A4010B1E}" type="datetimeFigureOut">
               <a:rPr lang="en-GB" smtClean="0"/>
-              <a:t>16/09/2020</a:t>
+              <a:t>18/09/2020</a:t>
             </a:fld>
             <a:endParaRPr lang="en-GB"/>
           </a:p>
@@ -1097,7 +1098,7 @@
           <a:p>
             <a:fld id="{486DFF9D-000F-417D-A1D1-C441A4010B1E}" type="datetimeFigureOut">
               <a:rPr lang="en-GB" smtClean="0"/>
-              <a:t>16/09/2020</a:t>
+              <a:t>18/09/2020</a:t>
             </a:fld>
             <a:endParaRPr lang="en-GB"/>
           </a:p>
@@ -1385,7 +1386,7 @@
           <a:p>
             <a:fld id="{486DFF9D-000F-417D-A1D1-C441A4010B1E}" type="datetimeFigureOut">
               <a:rPr lang="en-GB" smtClean="0"/>
-              <a:t>16/09/2020</a:t>
+              <a:t>18/09/2020</a:t>
             </a:fld>
             <a:endParaRPr lang="en-GB"/>
           </a:p>
@@ -1807,7 +1808,7 @@
           <a:p>
             <a:fld id="{486DFF9D-000F-417D-A1D1-C441A4010B1E}" type="datetimeFigureOut">
               <a:rPr lang="en-GB" smtClean="0"/>
-              <a:t>16/09/2020</a:t>
+              <a:t>18/09/2020</a:t>
             </a:fld>
             <a:endParaRPr lang="en-GB"/>
           </a:p>
@@ -1925,7 +1926,7 @@
           <a:p>
             <a:fld id="{486DFF9D-000F-417D-A1D1-C441A4010B1E}" type="datetimeFigureOut">
               <a:rPr lang="en-GB" smtClean="0"/>
-              <a:t>16/09/2020</a:t>
+              <a:t>18/09/2020</a:t>
             </a:fld>
             <a:endParaRPr lang="en-GB"/>
           </a:p>
@@ -2020,7 +2021,7 @@
           <a:p>
             <a:fld id="{486DFF9D-000F-417D-A1D1-C441A4010B1E}" type="datetimeFigureOut">
               <a:rPr lang="en-GB" smtClean="0"/>
-              <a:t>16/09/2020</a:t>
+              <a:t>18/09/2020</a:t>
             </a:fld>
             <a:endParaRPr lang="en-GB"/>
           </a:p>
@@ -2297,7 +2298,7 @@
           <a:p>
             <a:fld id="{486DFF9D-000F-417D-A1D1-C441A4010B1E}" type="datetimeFigureOut">
               <a:rPr lang="en-GB" smtClean="0"/>
-              <a:t>16/09/2020</a:t>
+              <a:t>18/09/2020</a:t>
             </a:fld>
             <a:endParaRPr lang="en-GB"/>
           </a:p>
@@ -2550,7 +2551,7 @@
           <a:p>
             <a:fld id="{486DFF9D-000F-417D-A1D1-C441A4010B1E}" type="datetimeFigureOut">
               <a:rPr lang="en-GB" smtClean="0"/>
-              <a:t>16/09/2020</a:t>
+              <a:t>18/09/2020</a:t>
             </a:fld>
             <a:endParaRPr lang="en-GB"/>
           </a:p>
@@ -2763,7 +2764,7 @@
           <a:p>
             <a:fld id="{486DFF9D-000F-417D-A1D1-C441A4010B1E}" type="datetimeFigureOut">
               <a:rPr lang="en-GB" smtClean="0"/>
-              <a:t>16/09/2020</a:t>
+              <a:t>18/09/2020</a:t>
             </a:fld>
             <a:endParaRPr lang="en-GB"/>
           </a:p>
@@ -6195,7 +6196,7 @@
           <p:cNvPr id="12" name="TextBox 45">
             <a:extLst>
               <a:ext uri="{FF2B5EF4-FFF2-40B4-BE49-F238E27FC236}">
-                <a16:creationId xmlns:a16="http://schemas.microsoft.com/office/drawing/2014/main" xmlns="" id="{6BDA7693-CA76-4C97-8FED-A4A65AB5032B}"/>
+                <a16:creationId xmlns="" xmlns:a16="http://schemas.microsoft.com/office/drawing/2014/main" id="{6BDA7693-CA76-4C97-8FED-A4A65AB5032B}"/>
               </a:ext>
             </a:extLst>
           </p:cNvPr>
@@ -7743,7 +7744,7 @@
           <p:cNvPr id="12" name="TextBox 45">
             <a:extLst>
               <a:ext uri="{FF2B5EF4-FFF2-40B4-BE49-F238E27FC236}">
-                <a16:creationId xmlns:a16="http://schemas.microsoft.com/office/drawing/2014/main" xmlns="" id="{6BDA7693-CA76-4C97-8FED-A4A65AB5032B}"/>
+                <a16:creationId xmlns="" xmlns:a16="http://schemas.microsoft.com/office/drawing/2014/main" id="{6BDA7693-CA76-4C97-8FED-A4A65AB5032B}"/>
               </a:ext>
             </a:extLst>
           </p:cNvPr>
@@ -9756,7 +9757,7 @@
           <p:cNvPr id="6" name="TextBox 45">
             <a:extLst>
               <a:ext uri="{FF2B5EF4-FFF2-40B4-BE49-F238E27FC236}">
-                <a16:creationId xmlns:a16="http://schemas.microsoft.com/office/drawing/2014/main" xmlns="" id="{6BDA7693-CA76-4C97-8FED-A4A65AB5032B}"/>
+                <a16:creationId xmlns="" xmlns:a16="http://schemas.microsoft.com/office/drawing/2014/main" id="{6BDA7693-CA76-4C97-8FED-A4A65AB5032B}"/>
               </a:ext>
             </a:extLst>
           </p:cNvPr>
@@ -10264,7 +10265,7 @@
           <p:cNvPr id="27" name="TextBox 45">
             <a:extLst>
               <a:ext uri="{FF2B5EF4-FFF2-40B4-BE49-F238E27FC236}">
-                <a16:creationId xmlns:a16="http://schemas.microsoft.com/office/drawing/2014/main" xmlns="" id="{6BDA7693-CA76-4C97-8FED-A4A65AB5032B}"/>
+                <a16:creationId xmlns="" xmlns:a16="http://schemas.microsoft.com/office/drawing/2014/main" id="{6BDA7693-CA76-4C97-8FED-A4A65AB5032B}"/>
               </a:ext>
             </a:extLst>
           </p:cNvPr>
@@ -10300,7 +10301,7 @@
           <p:cNvPr id="28" name="TextBox 45">
             <a:extLst>
               <a:ext uri="{FF2B5EF4-FFF2-40B4-BE49-F238E27FC236}">
-                <a16:creationId xmlns:a16="http://schemas.microsoft.com/office/drawing/2014/main" xmlns="" id="{6BDA7693-CA76-4C97-8FED-A4A65AB5032B}"/>
+                <a16:creationId xmlns="" xmlns:a16="http://schemas.microsoft.com/office/drawing/2014/main" id="{6BDA7693-CA76-4C97-8FED-A4A65AB5032B}"/>
               </a:ext>
             </a:extLst>
           </p:cNvPr>
@@ -11848,7 +11849,7 @@
           <p:cNvPr id="6" name="TextBox 45">
             <a:extLst>
               <a:ext uri="{FF2B5EF4-FFF2-40B4-BE49-F238E27FC236}">
-                <a16:creationId xmlns:a16="http://schemas.microsoft.com/office/drawing/2014/main" xmlns="" id="{6BDA7693-CA76-4C97-8FED-A4A65AB5032B}"/>
+                <a16:creationId xmlns="" xmlns:a16="http://schemas.microsoft.com/office/drawing/2014/main" id="{6BDA7693-CA76-4C97-8FED-A4A65AB5032B}"/>
               </a:ext>
             </a:extLst>
           </p:cNvPr>
@@ -13380,7 +13381,7 @@
           <p:cNvPr id="6" name="TextBox 45">
             <a:extLst>
               <a:ext uri="{FF2B5EF4-FFF2-40B4-BE49-F238E27FC236}">
-                <a16:creationId xmlns:a16="http://schemas.microsoft.com/office/drawing/2014/main" xmlns="" id="{6BDA7693-CA76-4C97-8FED-A4A65AB5032B}"/>
+                <a16:creationId xmlns="" xmlns:a16="http://schemas.microsoft.com/office/drawing/2014/main" id="{6BDA7693-CA76-4C97-8FED-A4A65AB5032B}"/>
               </a:ext>
             </a:extLst>
           </p:cNvPr>
@@ -14805,7 +14806,7 @@
           <p:cNvPr id="2" name="TextBox 45">
             <a:extLst>
               <a:ext uri="{FF2B5EF4-FFF2-40B4-BE49-F238E27FC236}">
-                <a16:creationId xmlns:a16="http://schemas.microsoft.com/office/drawing/2014/main" xmlns="" id="{6BDA7693-CA76-4C97-8FED-A4A65AB5032B}"/>
+                <a16:creationId xmlns="" xmlns:a16="http://schemas.microsoft.com/office/drawing/2014/main" id="{6BDA7693-CA76-4C97-8FED-A4A65AB5032B}"/>
               </a:ext>
             </a:extLst>
           </p:cNvPr>
@@ -15776,7 +15777,7 @@
           <p:cNvPr id="34" name="TextBox 45">
             <a:extLst>
               <a:ext uri="{FF2B5EF4-FFF2-40B4-BE49-F238E27FC236}">
-                <a16:creationId xmlns:a16="http://schemas.microsoft.com/office/drawing/2014/main" xmlns="" id="{6BDA7693-CA76-4C97-8FED-A4A65AB5032B}"/>
+                <a16:creationId xmlns="" xmlns:a16="http://schemas.microsoft.com/office/drawing/2014/main" id="{6BDA7693-CA76-4C97-8FED-A4A65AB5032B}"/>
               </a:ext>
             </a:extLst>
           </p:cNvPr>
@@ -17392,7 +17393,7 @@
           <p:cNvPr id="2" name="TextBox 45">
             <a:extLst>
               <a:ext uri="{FF2B5EF4-FFF2-40B4-BE49-F238E27FC236}">
-                <a16:creationId xmlns:a16="http://schemas.microsoft.com/office/drawing/2014/main" xmlns="" id="{6BDA7693-CA76-4C97-8FED-A4A65AB5032B}"/>
+                <a16:creationId xmlns="" xmlns:a16="http://schemas.microsoft.com/office/drawing/2014/main" id="{6BDA7693-CA76-4C97-8FED-A4A65AB5032B}"/>
               </a:ext>
             </a:extLst>
           </p:cNvPr>
@@ -18142,7 +18143,7 @@
           <p:cNvPr id="34" name="TextBox 45">
             <a:extLst>
               <a:ext uri="{FF2B5EF4-FFF2-40B4-BE49-F238E27FC236}">
-                <a16:creationId xmlns:a16="http://schemas.microsoft.com/office/drawing/2014/main" xmlns="" id="{6BDA7693-CA76-4C97-8FED-A4A65AB5032B}"/>
+                <a16:creationId xmlns="" xmlns:a16="http://schemas.microsoft.com/office/drawing/2014/main" id="{6BDA7693-CA76-4C97-8FED-A4A65AB5032B}"/>
               </a:ext>
             </a:extLst>
           </p:cNvPr>
@@ -19505,7 +19506,7 @@
           <p:cNvPr id="114" name="TextBox 45">
             <a:extLst>
               <a:ext uri="{FF2B5EF4-FFF2-40B4-BE49-F238E27FC236}">
-                <a16:creationId xmlns:a16="http://schemas.microsoft.com/office/drawing/2014/main" xmlns="" id="{6BDA7693-CA76-4C97-8FED-A4A65AB5032B}"/>
+                <a16:creationId xmlns="" xmlns:a16="http://schemas.microsoft.com/office/drawing/2014/main" id="{6BDA7693-CA76-4C97-8FED-A4A65AB5032B}"/>
               </a:ext>
             </a:extLst>
           </p:cNvPr>
@@ -19679,7 +19680,7 @@
           <p:cNvPr id="2" name="TextBox 45">
             <a:extLst>
               <a:ext uri="{FF2B5EF4-FFF2-40B4-BE49-F238E27FC236}">
-                <a16:creationId xmlns:a16="http://schemas.microsoft.com/office/drawing/2014/main" xmlns="" id="{6BDA7693-CA76-4C97-8FED-A4A65AB5032B}"/>
+                <a16:creationId xmlns="" xmlns:a16="http://schemas.microsoft.com/office/drawing/2014/main" id="{6BDA7693-CA76-4C97-8FED-A4A65AB5032B}"/>
               </a:ext>
             </a:extLst>
           </p:cNvPr>
@@ -20618,7 +20619,7 @@
           <p:cNvPr id="114" name="TextBox 45">
             <a:extLst>
               <a:ext uri="{FF2B5EF4-FFF2-40B4-BE49-F238E27FC236}">
-                <a16:creationId xmlns:a16="http://schemas.microsoft.com/office/drawing/2014/main" xmlns="" id="{6BDA7693-CA76-4C97-8FED-A4A65AB5032B}"/>
+                <a16:creationId xmlns="" xmlns:a16="http://schemas.microsoft.com/office/drawing/2014/main" id="{6BDA7693-CA76-4C97-8FED-A4A65AB5032B}"/>
               </a:ext>
             </a:extLst>
           </p:cNvPr>
@@ -22370,7 +22371,7 @@
           <p:cNvPr id="2" name="TextBox 45">
             <a:extLst>
               <a:ext uri="{FF2B5EF4-FFF2-40B4-BE49-F238E27FC236}">
-                <a16:creationId xmlns:a16="http://schemas.microsoft.com/office/drawing/2014/main" xmlns="" id="{6BDA7693-CA76-4C97-8FED-A4A65AB5032B}"/>
+                <a16:creationId xmlns="" xmlns:a16="http://schemas.microsoft.com/office/drawing/2014/main" id="{6BDA7693-CA76-4C97-8FED-A4A65AB5032B}"/>
               </a:ext>
             </a:extLst>
           </p:cNvPr>
@@ -23949,7 +23950,7 @@
           <p:cNvPr id="2" name="TextBox 45">
             <a:extLst>
               <a:ext uri="{FF2B5EF4-FFF2-40B4-BE49-F238E27FC236}">
-                <a16:creationId xmlns:a16="http://schemas.microsoft.com/office/drawing/2014/main" xmlns="" id="{6BDA7693-CA76-4C97-8FED-A4A65AB5032B}"/>
+                <a16:creationId xmlns="" xmlns:a16="http://schemas.microsoft.com/office/drawing/2014/main" id="{6BDA7693-CA76-4C97-8FED-A4A65AB5032B}"/>
               </a:ext>
             </a:extLst>
           </p:cNvPr>
@@ -24942,7 +24943,7 @@
           <p:cNvPr id="114" name="TextBox 45">
             <a:extLst>
               <a:ext uri="{FF2B5EF4-FFF2-40B4-BE49-F238E27FC236}">
-                <a16:creationId xmlns:a16="http://schemas.microsoft.com/office/drawing/2014/main" xmlns="" id="{6BDA7693-CA76-4C97-8FED-A4A65AB5032B}"/>
+                <a16:creationId xmlns="" xmlns:a16="http://schemas.microsoft.com/office/drawing/2014/main" id="{6BDA7693-CA76-4C97-8FED-A4A65AB5032B}"/>
               </a:ext>
             </a:extLst>
           </p:cNvPr>
@@ -25757,7 +25758,7 @@
           <p:cNvPr id="2" name="TextBox 45">
             <a:extLst>
               <a:ext uri="{FF2B5EF4-FFF2-40B4-BE49-F238E27FC236}">
-                <a16:creationId xmlns:a16="http://schemas.microsoft.com/office/drawing/2014/main" xmlns="" id="{6BDA7693-CA76-4C97-8FED-A4A65AB5032B}"/>
+                <a16:creationId xmlns="" xmlns:a16="http://schemas.microsoft.com/office/drawing/2014/main" id="{6BDA7693-CA76-4C97-8FED-A4A65AB5032B}"/>
               </a:ext>
             </a:extLst>
           </p:cNvPr>
@@ -26320,7 +26321,7 @@
           <p:cNvPr id="26" name="TextBox 45">
             <a:extLst>
               <a:ext uri="{FF2B5EF4-FFF2-40B4-BE49-F238E27FC236}">
-                <a16:creationId xmlns:a16="http://schemas.microsoft.com/office/drawing/2014/main" xmlns="" id="{6BDA7693-CA76-4C97-8FED-A4A65AB5032B}"/>
+                <a16:creationId xmlns="" xmlns:a16="http://schemas.microsoft.com/office/drawing/2014/main" id="{6BDA7693-CA76-4C97-8FED-A4A65AB5032B}"/>
               </a:ext>
             </a:extLst>
           </p:cNvPr>
@@ -26436,7 +26437,7 @@
           <p:cNvPr id="32" name="TextBox 45">
             <a:extLst>
               <a:ext uri="{FF2B5EF4-FFF2-40B4-BE49-F238E27FC236}">
-                <a16:creationId xmlns:a16="http://schemas.microsoft.com/office/drawing/2014/main" xmlns="" id="{6BDA7693-CA76-4C97-8FED-A4A65AB5032B}"/>
+                <a16:creationId xmlns="" xmlns:a16="http://schemas.microsoft.com/office/drawing/2014/main" id="{6BDA7693-CA76-4C97-8FED-A4A65AB5032B}"/>
               </a:ext>
             </a:extLst>
           </p:cNvPr>
@@ -26999,7 +27000,7 @@
           <p:cNvPr id="48" name="TextBox 45">
             <a:extLst>
               <a:ext uri="{FF2B5EF4-FFF2-40B4-BE49-F238E27FC236}">
-                <a16:creationId xmlns:a16="http://schemas.microsoft.com/office/drawing/2014/main" xmlns="" id="{6BDA7693-CA76-4C97-8FED-A4A65AB5032B}"/>
+                <a16:creationId xmlns="" xmlns:a16="http://schemas.microsoft.com/office/drawing/2014/main" id="{6BDA7693-CA76-4C97-8FED-A4A65AB5032B}"/>
               </a:ext>
             </a:extLst>
           </p:cNvPr>
@@ -27089,7 +27090,7 @@
           <p:cNvPr id="49" name="TextBox 45">
             <a:extLst>
               <a:ext uri="{FF2B5EF4-FFF2-40B4-BE49-F238E27FC236}">
-                <a16:creationId xmlns:a16="http://schemas.microsoft.com/office/drawing/2014/main" xmlns="" id="{6BDA7693-CA76-4C97-8FED-A4A65AB5032B}"/>
+                <a16:creationId xmlns="" xmlns:a16="http://schemas.microsoft.com/office/drawing/2014/main" id="{6BDA7693-CA76-4C97-8FED-A4A65AB5032B}"/>
               </a:ext>
             </a:extLst>
           </p:cNvPr>
@@ -27258,7 +27259,7 @@
           <p:cNvPr id="2" name="TextBox 45">
             <a:extLst>
               <a:ext uri="{FF2B5EF4-FFF2-40B4-BE49-F238E27FC236}">
-                <a16:creationId xmlns:a16="http://schemas.microsoft.com/office/drawing/2014/main" xmlns="" id="{6BDA7693-CA76-4C97-8FED-A4A65AB5032B}"/>
+                <a16:creationId xmlns="" xmlns:a16="http://schemas.microsoft.com/office/drawing/2014/main" id="{6BDA7693-CA76-4C97-8FED-A4A65AB5032B}"/>
               </a:ext>
             </a:extLst>
           </p:cNvPr>
@@ -28030,7 +28031,7 @@
           <p:cNvPr id="23" name="TextBox 45">
             <a:extLst>
               <a:ext uri="{FF2B5EF4-FFF2-40B4-BE49-F238E27FC236}">
-                <a16:creationId xmlns:a16="http://schemas.microsoft.com/office/drawing/2014/main" xmlns="" id="{6BDA7693-CA76-4C97-8FED-A4A65AB5032B}"/>
+                <a16:creationId xmlns="" xmlns:a16="http://schemas.microsoft.com/office/drawing/2014/main" id="{6BDA7693-CA76-4C97-8FED-A4A65AB5032B}"/>
               </a:ext>
             </a:extLst>
           </p:cNvPr>
@@ -29555,6 +29556,544 @@
     <p:extLst>
       <p:ext uri="{BB962C8B-B14F-4D97-AF65-F5344CB8AC3E}">
         <p14:creationId xmlns:p14="http://schemas.microsoft.com/office/powerpoint/2010/main" val="4041582797"/>
+      </p:ext>
+    </p:extLst>
+  </p:cSld>
+  <p:clrMapOvr>
+    <a:masterClrMapping/>
+  </p:clrMapOvr>
+</p:sld>
+</file>
+
+<file path=ppt/slides/slide29.xml><?xml version="1.0" encoding="utf-8"?>
+<p:sld xmlns:a="http://schemas.openxmlformats.org/drawingml/2006/main" xmlns:r="http://schemas.openxmlformats.org/officeDocument/2006/relationships" xmlns:p="http://schemas.openxmlformats.org/presentationml/2006/main">
+  <p:cSld>
+    <p:spTree>
+      <p:nvGrpSpPr>
+        <p:cNvPr id="1" name=""/>
+        <p:cNvGrpSpPr/>
+        <p:nvPr/>
+      </p:nvGrpSpPr>
+      <p:grpSpPr>
+        <a:xfrm>
+          <a:off x="0" y="0"/>
+          <a:ext cx="0" cy="0"/>
+          <a:chOff x="0" y="0"/>
+          <a:chExt cx="0" cy="0"/>
+        </a:xfrm>
+      </p:grpSpPr>
+      <p:sp>
+        <p:nvSpPr>
+          <p:cNvPr id="6" name="CasellaDiTesto 5"/>
+          <p:cNvSpPr txBox="1"/>
+          <p:nvPr/>
+        </p:nvSpPr>
+        <p:spPr>
+          <a:xfrm>
+            <a:off x="6723109" y="260648"/>
+            <a:ext cx="2260940" cy="369332"/>
+          </a:xfrm>
+          <a:prstGeom prst="rect">
+            <a:avLst/>
+          </a:prstGeom>
+          <a:noFill/>
+        </p:spPr>
+        <p:txBody>
+          <a:bodyPr wrap="none" rtlCol="0">
+            <a:spAutoFit/>
+          </a:bodyPr>
+          <a:lstStyle/>
+          <a:p>
+            <a:r>
+              <a:rPr lang="it-IT" dirty="0" smtClean="0"/>
+              <a:t>RER/</a:t>
+            </a:r>
+            <a:r>
+              <a:rPr lang="it-IT" dirty="0" err="1" smtClean="0"/>
+              <a:t>Italy</a:t>
+            </a:r>
+            <a:r>
+              <a:rPr lang="it-IT" dirty="0" smtClean="0"/>
+              <a:t>/CEE Domain</a:t>
+            </a:r>
+            <a:endParaRPr lang="en-GB" dirty="0"/>
+          </a:p>
+        </p:txBody>
+      </p:sp>
+      <p:sp>
+        <p:nvSpPr>
+          <p:cNvPr id="15" name="Ovale 14"/>
+          <p:cNvSpPr/>
+          <p:nvPr/>
+        </p:nvSpPr>
+        <p:spPr>
+          <a:xfrm>
+            <a:off x="1048815" y="1015651"/>
+            <a:ext cx="2448272" cy="2232248"/>
+          </a:xfrm>
+          <a:prstGeom prst="ellipse">
+            <a:avLst/>
+          </a:prstGeom>
+        </p:spPr>
+        <p:style>
+          <a:lnRef idx="1">
+            <a:schemeClr val="accent5"/>
+          </a:lnRef>
+          <a:fillRef idx="2">
+            <a:schemeClr val="accent5"/>
+          </a:fillRef>
+          <a:effectRef idx="1">
+            <a:schemeClr val="accent5"/>
+          </a:effectRef>
+          <a:fontRef idx="minor">
+            <a:schemeClr val="dk1"/>
+          </a:fontRef>
+        </p:style>
+        <p:txBody>
+          <a:bodyPr rtlCol="0" anchor="ctr"/>
+          <a:lstStyle/>
+          <a:p>
+            <a:endParaRPr lang="en-GB" dirty="0"/>
+          </a:p>
+        </p:txBody>
+      </p:sp>
+      <p:sp>
+        <p:nvSpPr>
+          <p:cNvPr id="16" name="Ovale 15"/>
+          <p:cNvSpPr/>
+          <p:nvPr/>
+        </p:nvSpPr>
+        <p:spPr>
+          <a:xfrm>
+            <a:off x="1536600" y="1293713"/>
+            <a:ext cx="1905409" cy="1731956"/>
+          </a:xfrm>
+          <a:prstGeom prst="ellipse">
+            <a:avLst/>
+          </a:prstGeom>
+        </p:spPr>
+        <p:style>
+          <a:lnRef idx="1">
+            <a:schemeClr val="accent4"/>
+          </a:lnRef>
+          <a:fillRef idx="2">
+            <a:schemeClr val="accent4"/>
+          </a:fillRef>
+          <a:effectRef idx="1">
+            <a:schemeClr val="accent4"/>
+          </a:effectRef>
+          <a:fontRef idx="minor">
+            <a:schemeClr val="dk1"/>
+          </a:fontRef>
+        </p:style>
+        <p:txBody>
+          <a:bodyPr rtlCol="0" anchor="ctr"/>
+          <a:lstStyle/>
+          <a:p>
+            <a:pPr algn="ctr"/>
+            <a:endParaRPr lang="en-GB" dirty="0"/>
+          </a:p>
+        </p:txBody>
+      </p:sp>
+      <p:sp>
+        <p:nvSpPr>
+          <p:cNvPr id="14" name="Ovale 13"/>
+          <p:cNvSpPr/>
+          <p:nvPr/>
+        </p:nvSpPr>
+        <p:spPr>
+          <a:xfrm>
+            <a:off x="1248568" y="1609920"/>
+            <a:ext cx="1800200" cy="1071308"/>
+          </a:xfrm>
+          <a:prstGeom prst="ellipse">
+            <a:avLst/>
+          </a:prstGeom>
+        </p:spPr>
+        <p:style>
+          <a:lnRef idx="1">
+            <a:schemeClr val="accent6"/>
+          </a:lnRef>
+          <a:fillRef idx="2">
+            <a:schemeClr val="accent6"/>
+          </a:fillRef>
+          <a:effectRef idx="1">
+            <a:schemeClr val="accent6"/>
+          </a:effectRef>
+          <a:fontRef idx="minor">
+            <a:schemeClr val="dk1"/>
+          </a:fontRef>
+        </p:style>
+        <p:txBody>
+          <a:bodyPr rtlCol="0" anchor="ctr"/>
+          <a:lstStyle/>
+          <a:p>
+            <a:endParaRPr lang="en-GB" dirty="0"/>
+          </a:p>
+        </p:txBody>
+      </p:sp>
+      <p:sp>
+        <p:nvSpPr>
+          <p:cNvPr id="17" name="CasellaDiTesto 16"/>
+          <p:cNvSpPr txBox="1"/>
+          <p:nvPr/>
+        </p:nvSpPr>
+        <p:spPr>
+          <a:xfrm>
+            <a:off x="1530389" y="1975025"/>
+            <a:ext cx="1236557" cy="369332"/>
+          </a:xfrm>
+          <a:prstGeom prst="rect">
+            <a:avLst/>
+          </a:prstGeom>
+          <a:noFill/>
+        </p:spPr>
+        <p:txBody>
+          <a:bodyPr wrap="none" rtlCol="0">
+            <a:spAutoFit/>
+          </a:bodyPr>
+          <a:lstStyle/>
+          <a:p>
+            <a:r>
+              <a:rPr lang="it-IT" dirty="0" err="1" smtClean="0"/>
+              <a:t>ITelDomain</a:t>
+            </a:r>
+            <a:endParaRPr lang="en-GB" dirty="0"/>
+          </a:p>
+        </p:txBody>
+      </p:sp>
+      <p:sp>
+        <p:nvSpPr>
+          <p:cNvPr id="8" name="CasellaDiTesto 7"/>
+          <p:cNvSpPr txBox="1"/>
+          <p:nvPr/>
+        </p:nvSpPr>
+        <p:spPr>
+          <a:xfrm>
+            <a:off x="1248568" y="1293713"/>
+            <a:ext cx="617477" cy="369332"/>
+          </a:xfrm>
+          <a:prstGeom prst="rect">
+            <a:avLst/>
+          </a:prstGeom>
+          <a:noFill/>
+        </p:spPr>
+        <p:txBody>
+          <a:bodyPr wrap="none" rtlCol="0">
+            <a:spAutoFit/>
+          </a:bodyPr>
+          <a:lstStyle/>
+          <a:p>
+            <a:r>
+              <a:rPr lang="it-IT" dirty="0" smtClean="0"/>
+              <a:t>FHIR</a:t>
+            </a:r>
+            <a:endParaRPr lang="en-GB" dirty="0"/>
+          </a:p>
+        </p:txBody>
+      </p:sp>
+      <p:sp>
+        <p:nvSpPr>
+          <p:cNvPr id="10" name="CasellaDiTesto 9"/>
+          <p:cNvSpPr txBox="1"/>
+          <p:nvPr/>
+        </p:nvSpPr>
+        <p:spPr>
+          <a:xfrm>
+            <a:off x="2158944" y="2656337"/>
+            <a:ext cx="881973" cy="369332"/>
+          </a:xfrm>
+          <a:prstGeom prst="rect">
+            <a:avLst/>
+          </a:prstGeom>
+          <a:noFill/>
+        </p:spPr>
+        <p:txBody>
+          <a:bodyPr wrap="none" rtlCol="0">
+            <a:spAutoFit/>
+          </a:bodyPr>
+          <a:lstStyle/>
+          <a:p>
+            <a:r>
+              <a:rPr lang="it-IT" dirty="0" smtClean="0"/>
+              <a:t>HL7v23</a:t>
+            </a:r>
+            <a:endParaRPr lang="en-GB" dirty="0"/>
+          </a:p>
+        </p:txBody>
+      </p:sp>
+      <p:sp>
+        <p:nvSpPr>
+          <p:cNvPr id="19" name="Ovale 18"/>
+          <p:cNvSpPr/>
+          <p:nvPr/>
+        </p:nvSpPr>
+        <p:spPr>
+          <a:xfrm>
+            <a:off x="1705103" y="1015651"/>
+            <a:ext cx="1800200" cy="581130"/>
+          </a:xfrm>
+          <a:prstGeom prst="ellipse">
+            <a:avLst/>
+          </a:prstGeom>
+          <a:solidFill>
+            <a:srgbClr val="FFCCFF"/>
+          </a:solidFill>
+        </p:spPr>
+        <p:style>
+          <a:lnRef idx="1">
+            <a:schemeClr val="accent6"/>
+          </a:lnRef>
+          <a:fillRef idx="2">
+            <a:schemeClr val="accent6"/>
+          </a:fillRef>
+          <a:effectRef idx="1">
+            <a:schemeClr val="accent6"/>
+          </a:effectRef>
+          <a:fontRef idx="minor">
+            <a:schemeClr val="dk1"/>
+          </a:fontRef>
+        </p:style>
+        <p:txBody>
+          <a:bodyPr rtlCol="0" anchor="ctr"/>
+          <a:lstStyle/>
+          <a:p>
+            <a:endParaRPr lang="en-GB" dirty="0"/>
+          </a:p>
+        </p:txBody>
+      </p:sp>
+      <p:sp>
+        <p:nvSpPr>
+          <p:cNvPr id="20" name="CasellaDiTesto 19"/>
+          <p:cNvSpPr txBox="1"/>
+          <p:nvPr/>
+        </p:nvSpPr>
+        <p:spPr>
+          <a:xfrm>
+            <a:off x="1902933" y="1121550"/>
+            <a:ext cx="1539076" cy="369332"/>
+          </a:xfrm>
+          <a:prstGeom prst="rect">
+            <a:avLst/>
+          </a:prstGeom>
+          <a:noFill/>
+        </p:spPr>
+        <p:txBody>
+          <a:bodyPr wrap="none" rtlCol="0">
+            <a:spAutoFit/>
+          </a:bodyPr>
+          <a:lstStyle/>
+          <a:p>
+            <a:r>
+              <a:rPr lang="it-IT" dirty="0" err="1" smtClean="0"/>
+              <a:t>ITelOperations</a:t>
+            </a:r>
+            <a:endParaRPr lang="en-GB" dirty="0"/>
+          </a:p>
+        </p:txBody>
+      </p:sp>
+      <p:sp>
+        <p:nvSpPr>
+          <p:cNvPr id="11" name="Rettangolo arrotondato 10"/>
+          <p:cNvSpPr/>
+          <p:nvPr/>
+        </p:nvSpPr>
+        <p:spPr>
+          <a:xfrm>
+            <a:off x="4093028" y="1751858"/>
+            <a:ext cx="1847123" cy="787431"/>
+          </a:xfrm>
+          <a:prstGeom prst="roundRect">
+            <a:avLst/>
+          </a:prstGeom>
+          <a:solidFill>
+            <a:srgbClr val="CCFF99"/>
+          </a:solidFill>
+        </p:spPr>
+        <p:style>
+          <a:lnRef idx="2">
+            <a:schemeClr val="accent1">
+              <a:shade val="50000"/>
+            </a:schemeClr>
+          </a:lnRef>
+          <a:fillRef idx="1">
+            <a:schemeClr val="accent1"/>
+          </a:fillRef>
+          <a:effectRef idx="0">
+            <a:schemeClr val="accent1"/>
+          </a:effectRef>
+          <a:fontRef idx="minor">
+            <a:schemeClr val="lt1"/>
+          </a:fontRef>
+        </p:style>
+        <p:txBody>
+          <a:bodyPr rtlCol="0" anchor="ctr"/>
+          <a:lstStyle/>
+          <a:p>
+            <a:pPr algn="ctr"/>
+            <a:r>
+              <a:rPr lang="it-IT" dirty="0" smtClean="0">
+                <a:solidFill>
+                  <a:schemeClr val="tx1"/>
+                </a:solidFill>
+              </a:rPr>
+              <a:t>FHIR-to-HL7</a:t>
+            </a:r>
+            <a:endParaRPr lang="en-GB" dirty="0">
+              <a:solidFill>
+                <a:schemeClr val="tx1"/>
+              </a:solidFill>
+            </a:endParaRPr>
+          </a:p>
+        </p:txBody>
+      </p:sp>
+      <p:cxnSp>
+        <p:nvCxnSpPr>
+          <p:cNvPr id="13" name="Connettore 4 12"/>
+          <p:cNvCxnSpPr>
+            <a:stCxn id="19" idx="6"/>
+            <a:endCxn id="11" idx="1"/>
+          </p:cNvCxnSpPr>
+          <p:nvPr/>
+        </p:nvCxnSpPr>
+        <p:spPr>
+          <a:xfrm>
+            <a:off x="3505303" y="1306216"/>
+            <a:ext cx="587725" cy="839358"/>
+          </a:xfrm>
+          <a:prstGeom prst="bentConnector3">
+            <a:avLst/>
+          </a:prstGeom>
+          <a:ln>
+            <a:tailEnd type="arrow"/>
+          </a:ln>
+        </p:spPr>
+        <p:style>
+          <a:lnRef idx="1">
+            <a:schemeClr val="accent1"/>
+          </a:lnRef>
+          <a:fillRef idx="0">
+            <a:schemeClr val="accent1"/>
+          </a:fillRef>
+          <a:effectRef idx="0">
+            <a:schemeClr val="accent1"/>
+          </a:effectRef>
+          <a:fontRef idx="minor">
+            <a:schemeClr val="tx1"/>
+          </a:fontRef>
+        </p:style>
+      </p:cxnSp>
+      <p:cxnSp>
+        <p:nvCxnSpPr>
+          <p:cNvPr id="22" name="Connettore 4 21"/>
+          <p:cNvCxnSpPr>
+            <a:stCxn id="14" idx="6"/>
+            <a:endCxn id="11" idx="1"/>
+          </p:cNvCxnSpPr>
+          <p:nvPr/>
+        </p:nvCxnSpPr>
+        <p:spPr>
+          <a:xfrm>
+            <a:off x="3048768" y="2145574"/>
+            <a:ext cx="1044260" cy="12700"/>
+          </a:xfrm>
+          <a:prstGeom prst="bentConnector3">
+            <a:avLst/>
+          </a:prstGeom>
+          <a:ln>
+            <a:tailEnd type="arrow"/>
+          </a:ln>
+        </p:spPr>
+        <p:style>
+          <a:lnRef idx="1">
+            <a:schemeClr val="accent1"/>
+          </a:lnRef>
+          <a:fillRef idx="0">
+            <a:schemeClr val="accent1"/>
+          </a:fillRef>
+          <a:effectRef idx="0">
+            <a:schemeClr val="accent1"/>
+          </a:effectRef>
+          <a:fontRef idx="minor">
+            <a:schemeClr val="tx1"/>
+          </a:fontRef>
+        </p:style>
+      </p:cxnSp>
+      <p:sp>
+        <p:nvSpPr>
+          <p:cNvPr id="29" name="CasellaDiTesto 28"/>
+          <p:cNvSpPr txBox="1"/>
+          <p:nvPr/>
+        </p:nvSpPr>
+        <p:spPr>
+          <a:xfrm>
+            <a:off x="5981677" y="1478379"/>
+            <a:ext cx="997068" cy="646331"/>
+          </a:xfrm>
+          <a:prstGeom prst="rect">
+            <a:avLst/>
+          </a:prstGeom>
+          <a:noFill/>
+        </p:spPr>
+        <p:txBody>
+          <a:bodyPr wrap="none" rtlCol="0">
+            <a:spAutoFit/>
+          </a:bodyPr>
+          <a:lstStyle/>
+          <a:p>
+            <a:r>
+              <a:rPr lang="it-IT" dirty="0" smtClean="0"/>
+              <a:t>HL7v23 </a:t>
+            </a:r>
+          </a:p>
+          <a:p>
+            <a:r>
+              <a:rPr lang="it-IT" dirty="0" err="1" smtClean="0"/>
+              <a:t>message</a:t>
+            </a:r>
+            <a:endParaRPr lang="en-GB" dirty="0"/>
+          </a:p>
+        </p:txBody>
+      </p:sp>
+      <p:cxnSp>
+        <p:nvCxnSpPr>
+          <p:cNvPr id="31" name="Connettore 2 30"/>
+          <p:cNvCxnSpPr>
+            <a:stCxn id="11" idx="3"/>
+          </p:cNvCxnSpPr>
+          <p:nvPr/>
+        </p:nvCxnSpPr>
+        <p:spPr>
+          <a:xfrm>
+            <a:off x="5940151" y="2145574"/>
+            <a:ext cx="1080121" cy="14117"/>
+          </a:xfrm>
+          <a:prstGeom prst="straightConnector1">
+            <a:avLst/>
+          </a:prstGeom>
+          <a:ln>
+            <a:tailEnd type="arrow"/>
+          </a:ln>
+        </p:spPr>
+        <p:style>
+          <a:lnRef idx="1">
+            <a:schemeClr val="accent1"/>
+          </a:lnRef>
+          <a:fillRef idx="0">
+            <a:schemeClr val="accent1"/>
+          </a:fillRef>
+          <a:effectRef idx="0">
+            <a:schemeClr val="accent1"/>
+          </a:effectRef>
+          <a:fontRef idx="minor">
+            <a:schemeClr val="tx1"/>
+          </a:fontRef>
+        </p:style>
+      </p:cxnSp>
+    </p:spTree>
+    <p:extLst>
+      <p:ext uri="{BB962C8B-B14F-4D97-AF65-F5344CB8AC3E}">
+        <p14:creationId xmlns:p14="http://schemas.microsoft.com/office/powerpoint/2010/main" val="1228154765"/>
       </p:ext>
     </p:extLst>
   </p:cSld>
@@ -33420,7 +33959,7 @@
           <p:cNvPr id="51" name="TextBox 50">
             <a:extLst>
               <a:ext uri="{FF2B5EF4-FFF2-40B4-BE49-F238E27FC236}">
-                <a16:creationId xmlns:a16="http://schemas.microsoft.com/office/drawing/2014/main" xmlns="" id="{38D92C47-6A24-433B-A9D7-48400DFBEE88}"/>
+                <a16:creationId xmlns="" xmlns:a16="http://schemas.microsoft.com/office/drawing/2014/main" id="{38D92C47-6A24-433B-A9D7-48400DFBEE88}"/>
               </a:ext>
             </a:extLst>
           </p:cNvPr>
@@ -33461,7 +34000,7 @@
           <p:cNvPr id="52" name="TextBox 51">
             <a:extLst>
               <a:ext uri="{FF2B5EF4-FFF2-40B4-BE49-F238E27FC236}">
-                <a16:creationId xmlns:a16="http://schemas.microsoft.com/office/drawing/2014/main" xmlns="" id="{46370455-EDDE-4BAF-A68F-1E721D22CFA3}"/>
+                <a16:creationId xmlns="" xmlns:a16="http://schemas.microsoft.com/office/drawing/2014/main" id="{46370455-EDDE-4BAF-A68F-1E721D22CFA3}"/>
               </a:ext>
             </a:extLst>
           </p:cNvPr>
@@ -33502,7 +34041,7 @@
           <p:cNvPr id="54" name="TextBox 53">
             <a:extLst>
               <a:ext uri="{FF2B5EF4-FFF2-40B4-BE49-F238E27FC236}">
-                <a16:creationId xmlns:a16="http://schemas.microsoft.com/office/drawing/2014/main" xmlns="" id="{1F0BD362-AB28-4ABC-B01D-E5FB51A4284F}"/>
+                <a16:creationId xmlns="" xmlns:a16="http://schemas.microsoft.com/office/drawing/2014/main" id="{1F0BD362-AB28-4ABC-B01D-E5FB51A4284F}"/>
               </a:ext>
             </a:extLst>
           </p:cNvPr>
@@ -33537,7 +34076,7 @@
           <p:cNvPr id="55" name="TextBox 54">
             <a:extLst>
               <a:ext uri="{FF2B5EF4-FFF2-40B4-BE49-F238E27FC236}">
-                <a16:creationId xmlns:a16="http://schemas.microsoft.com/office/drawing/2014/main" xmlns="" id="{66A6D040-E92F-405E-8F1C-224FD73DEB6A}"/>
+                <a16:creationId xmlns="" xmlns:a16="http://schemas.microsoft.com/office/drawing/2014/main" id="{66A6D040-E92F-405E-8F1C-224FD73DEB6A}"/>
               </a:ext>
             </a:extLst>
           </p:cNvPr>
@@ -33578,7 +34117,7 @@
           <p:cNvPr id="59" name="TextBox 58">
             <a:extLst>
               <a:ext uri="{FF2B5EF4-FFF2-40B4-BE49-F238E27FC236}">
-                <a16:creationId xmlns:a16="http://schemas.microsoft.com/office/drawing/2014/main" xmlns="" id="{8B737B46-BF72-4F50-880F-A81417342B9C}"/>
+                <a16:creationId xmlns="" xmlns:a16="http://schemas.microsoft.com/office/drawing/2014/main" id="{8B737B46-BF72-4F50-880F-A81417342B9C}"/>
               </a:ext>
             </a:extLst>
           </p:cNvPr>
@@ -33619,7 +34158,7 @@
           <p:cNvPr id="60" name="TextBox 59">
             <a:extLst>
               <a:ext uri="{FF2B5EF4-FFF2-40B4-BE49-F238E27FC236}">
-                <a16:creationId xmlns:a16="http://schemas.microsoft.com/office/drawing/2014/main" xmlns="" id="{635E5AB3-11BB-4188-A9F5-6624D8487908}"/>
+                <a16:creationId xmlns="" xmlns:a16="http://schemas.microsoft.com/office/drawing/2014/main" id="{635E5AB3-11BB-4188-A9F5-6624D8487908}"/>
               </a:ext>
             </a:extLst>
           </p:cNvPr>
@@ -35693,7 +36232,7 @@
           <p:cNvPr id="43" name="TextBox 42">
             <a:extLst>
               <a:ext uri="{FF2B5EF4-FFF2-40B4-BE49-F238E27FC236}">
-                <a16:creationId xmlns:a16="http://schemas.microsoft.com/office/drawing/2014/main" xmlns="" id="{C66D85E0-1A23-448C-9466-6DADEA26156A}"/>
+                <a16:creationId xmlns="" xmlns:a16="http://schemas.microsoft.com/office/drawing/2014/main" id="{C66D85E0-1A23-448C-9466-6DADEA26156A}"/>
               </a:ext>
             </a:extLst>
           </p:cNvPr>
@@ -35734,7 +36273,7 @@
           <p:cNvPr id="44" name="TextBox 43">
             <a:extLst>
               <a:ext uri="{FF2B5EF4-FFF2-40B4-BE49-F238E27FC236}">
-                <a16:creationId xmlns:a16="http://schemas.microsoft.com/office/drawing/2014/main" xmlns="" id="{73BB0B6F-DBD2-4682-88DA-A68E1C43C8EE}"/>
+                <a16:creationId xmlns="" xmlns:a16="http://schemas.microsoft.com/office/drawing/2014/main" id="{73BB0B6F-DBD2-4682-88DA-A68E1C43C8EE}"/>
               </a:ext>
             </a:extLst>
           </p:cNvPr>
@@ -35775,7 +36314,7 @@
           <p:cNvPr id="45" name="TextBox 44">
             <a:extLst>
               <a:ext uri="{FF2B5EF4-FFF2-40B4-BE49-F238E27FC236}">
-                <a16:creationId xmlns:a16="http://schemas.microsoft.com/office/drawing/2014/main" xmlns="" id="{06BB9D57-20AB-4911-8F91-1EAAD2C3D635}"/>
+                <a16:creationId xmlns="" xmlns:a16="http://schemas.microsoft.com/office/drawing/2014/main" id="{06BB9D57-20AB-4911-8F91-1EAAD2C3D635}"/>
               </a:ext>
             </a:extLst>
           </p:cNvPr>
@@ -35810,7 +36349,7 @@
           <p:cNvPr id="46" name="TextBox 45">
             <a:extLst>
               <a:ext uri="{FF2B5EF4-FFF2-40B4-BE49-F238E27FC236}">
-                <a16:creationId xmlns:a16="http://schemas.microsoft.com/office/drawing/2014/main" xmlns="" id="{6BDA7693-CA76-4C97-8FED-A4A65AB5032B}"/>
+                <a16:creationId xmlns="" xmlns:a16="http://schemas.microsoft.com/office/drawing/2014/main" id="{6BDA7693-CA76-4C97-8FED-A4A65AB5032B}"/>
               </a:ext>
             </a:extLst>
           </p:cNvPr>
@@ -35851,7 +36390,7 @@
           <p:cNvPr id="47" name="TextBox 46">
             <a:extLst>
               <a:ext uri="{FF2B5EF4-FFF2-40B4-BE49-F238E27FC236}">
-                <a16:creationId xmlns:a16="http://schemas.microsoft.com/office/drawing/2014/main" xmlns="" id="{F3FF60E3-5733-4A51-BB64-B5D227CFB6FE}"/>
+                <a16:creationId xmlns="" xmlns:a16="http://schemas.microsoft.com/office/drawing/2014/main" id="{F3FF60E3-5733-4A51-BB64-B5D227CFB6FE}"/>
               </a:ext>
             </a:extLst>
           </p:cNvPr>
@@ -35892,7 +36431,7 @@
           <p:cNvPr id="48" name="TextBox 47">
             <a:extLst>
               <a:ext uri="{FF2B5EF4-FFF2-40B4-BE49-F238E27FC236}">
-                <a16:creationId xmlns:a16="http://schemas.microsoft.com/office/drawing/2014/main" xmlns="" id="{6CFBFA02-2444-480B-B78F-A1A7AD55973E}"/>
+                <a16:creationId xmlns="" xmlns:a16="http://schemas.microsoft.com/office/drawing/2014/main" id="{6CFBFA02-2444-480B-B78F-A1A7AD55973E}"/>
               </a:ext>
             </a:extLst>
           </p:cNvPr>
@@ -36683,7 +37222,7 @@
           <p:cNvPr id="12" name="TextBox 45">
             <a:extLst>
               <a:ext uri="{FF2B5EF4-FFF2-40B4-BE49-F238E27FC236}">
-                <a16:creationId xmlns:a16="http://schemas.microsoft.com/office/drawing/2014/main" xmlns="" id="{6BDA7693-CA76-4C97-8FED-A4A65AB5032B}"/>
+                <a16:creationId xmlns="" xmlns:a16="http://schemas.microsoft.com/office/drawing/2014/main" id="{6BDA7693-CA76-4C97-8FED-A4A65AB5032B}"/>
               </a:ext>
             </a:extLst>
           </p:cNvPr>
@@ -37361,7 +37900,7 @@
           <p:cNvPr id="33" name="TextBox 45">
             <a:extLst>
               <a:ext uri="{FF2B5EF4-FFF2-40B4-BE49-F238E27FC236}">
-                <a16:creationId xmlns:a16="http://schemas.microsoft.com/office/drawing/2014/main" xmlns="" id="{6BDA7693-CA76-4C97-8FED-A4A65AB5032B}"/>
+                <a16:creationId xmlns="" xmlns:a16="http://schemas.microsoft.com/office/drawing/2014/main" id="{6BDA7693-CA76-4C97-8FED-A4A65AB5032B}"/>
               </a:ext>
             </a:extLst>
           </p:cNvPr>
@@ -37397,7 +37936,7 @@
           <p:cNvPr id="34" name="TextBox 45">
             <a:extLst>
               <a:ext uri="{FF2B5EF4-FFF2-40B4-BE49-F238E27FC236}">
-                <a16:creationId xmlns:a16="http://schemas.microsoft.com/office/drawing/2014/main" xmlns="" id="{6BDA7693-CA76-4C97-8FED-A4A65AB5032B}"/>
+                <a16:creationId xmlns="" xmlns:a16="http://schemas.microsoft.com/office/drawing/2014/main" id="{6BDA7693-CA76-4C97-8FED-A4A65AB5032B}"/>
               </a:ext>
             </a:extLst>
           </p:cNvPr>
@@ -37807,7 +38346,7 @@
           <p:cNvPr id="52" name="TextBox 45">
             <a:extLst>
               <a:ext uri="{FF2B5EF4-FFF2-40B4-BE49-F238E27FC236}">
-                <a16:creationId xmlns:a16="http://schemas.microsoft.com/office/drawing/2014/main" xmlns="" id="{6BDA7693-CA76-4C97-8FED-A4A65AB5032B}"/>
+                <a16:creationId xmlns="" xmlns:a16="http://schemas.microsoft.com/office/drawing/2014/main" id="{6BDA7693-CA76-4C97-8FED-A4A65AB5032B}"/>
               </a:ext>
             </a:extLst>
           </p:cNvPr>

--- a/health/userDocs/UniboFigs.pptx
+++ b/health/userDocs/UniboFigs.pptx
@@ -34,6 +34,13 @@
     <p:sldId id="285" r:id="rId28"/>
     <p:sldId id="288" r:id="rId29"/>
     <p:sldId id="289" r:id="rId30"/>
+    <p:sldId id="291" r:id="rId31"/>
+    <p:sldId id="290" r:id="rId32"/>
+    <p:sldId id="293" r:id="rId33"/>
+    <p:sldId id="295" r:id="rId34"/>
+    <p:sldId id="296" r:id="rId35"/>
+    <p:sldId id="292" r:id="rId36"/>
+    <p:sldId id="294" r:id="rId37"/>
   </p:sldIdLst>
   <p:sldSz cx="9144000" cy="6858000" type="screen4x3"/>
   <p:notesSz cx="6858000" cy="9144000"/>
@@ -134,7 +141,7 @@
   </p:defaultTextStyle>
   <p:extLst>
     <p:ext uri="{EFAFB233-063F-42B5-8137-9DF3F51BA10A}">
-      <p15:sldGuideLst xmlns="" xmlns:p15="http://schemas.microsoft.com/office/powerpoint/2012/main">
+      <p15:sldGuideLst xmlns:p15="http://schemas.microsoft.com/office/powerpoint/2012/main" xmlns="">
         <p15:guide id="1" orient="horz" pos="2160">
           <p15:clr>
             <a:srgbClr val="A4A3A4"/>
@@ -332,7 +339,7 @@
           <a:p>
             <a:fld id="{486DFF9D-000F-417D-A1D1-C441A4010B1E}" type="datetimeFigureOut">
               <a:rPr lang="en-GB" smtClean="0"/>
-              <a:t>18/09/2020</a:t>
+              <a:t>23/09/2020</a:t>
             </a:fld>
             <a:endParaRPr lang="en-GB"/>
           </a:p>
@@ -502,7 +509,7 @@
           <a:p>
             <a:fld id="{486DFF9D-000F-417D-A1D1-C441A4010B1E}" type="datetimeFigureOut">
               <a:rPr lang="en-GB" smtClean="0"/>
-              <a:t>18/09/2020</a:t>
+              <a:t>23/09/2020</a:t>
             </a:fld>
             <a:endParaRPr lang="en-GB"/>
           </a:p>
@@ -682,7 +689,7 @@
           <a:p>
             <a:fld id="{486DFF9D-000F-417D-A1D1-C441A4010B1E}" type="datetimeFigureOut">
               <a:rPr lang="en-GB" smtClean="0"/>
-              <a:t>18/09/2020</a:t>
+              <a:t>23/09/2020</a:t>
             </a:fld>
             <a:endParaRPr lang="en-GB"/>
           </a:p>
@@ -852,7 +859,7 @@
           <a:p>
             <a:fld id="{486DFF9D-000F-417D-A1D1-C441A4010B1E}" type="datetimeFigureOut">
               <a:rPr lang="en-GB" smtClean="0"/>
-              <a:t>18/09/2020</a:t>
+              <a:t>23/09/2020</a:t>
             </a:fld>
             <a:endParaRPr lang="en-GB"/>
           </a:p>
@@ -1098,7 +1105,7 @@
           <a:p>
             <a:fld id="{486DFF9D-000F-417D-A1D1-C441A4010B1E}" type="datetimeFigureOut">
               <a:rPr lang="en-GB" smtClean="0"/>
-              <a:t>18/09/2020</a:t>
+              <a:t>23/09/2020</a:t>
             </a:fld>
             <a:endParaRPr lang="en-GB"/>
           </a:p>
@@ -1386,7 +1393,7 @@
           <a:p>
             <a:fld id="{486DFF9D-000F-417D-A1D1-C441A4010B1E}" type="datetimeFigureOut">
               <a:rPr lang="en-GB" smtClean="0"/>
-              <a:t>18/09/2020</a:t>
+              <a:t>23/09/2020</a:t>
             </a:fld>
             <a:endParaRPr lang="en-GB"/>
           </a:p>
@@ -1808,7 +1815,7 @@
           <a:p>
             <a:fld id="{486DFF9D-000F-417D-A1D1-C441A4010B1E}" type="datetimeFigureOut">
               <a:rPr lang="en-GB" smtClean="0"/>
-              <a:t>18/09/2020</a:t>
+              <a:t>23/09/2020</a:t>
             </a:fld>
             <a:endParaRPr lang="en-GB"/>
           </a:p>
@@ -1926,7 +1933,7 @@
           <a:p>
             <a:fld id="{486DFF9D-000F-417D-A1D1-C441A4010B1E}" type="datetimeFigureOut">
               <a:rPr lang="en-GB" smtClean="0"/>
-              <a:t>18/09/2020</a:t>
+              <a:t>23/09/2020</a:t>
             </a:fld>
             <a:endParaRPr lang="en-GB"/>
           </a:p>
@@ -2021,7 +2028,7 @@
           <a:p>
             <a:fld id="{486DFF9D-000F-417D-A1D1-C441A4010B1E}" type="datetimeFigureOut">
               <a:rPr lang="en-GB" smtClean="0"/>
-              <a:t>18/09/2020</a:t>
+              <a:t>23/09/2020</a:t>
             </a:fld>
             <a:endParaRPr lang="en-GB"/>
           </a:p>
@@ -2298,7 +2305,7 @@
           <a:p>
             <a:fld id="{486DFF9D-000F-417D-A1D1-C441A4010B1E}" type="datetimeFigureOut">
               <a:rPr lang="en-GB" smtClean="0"/>
-              <a:t>18/09/2020</a:t>
+              <a:t>23/09/2020</a:t>
             </a:fld>
             <a:endParaRPr lang="en-GB"/>
           </a:p>
@@ -2551,7 +2558,7 @@
           <a:p>
             <a:fld id="{486DFF9D-000F-417D-A1D1-C441A4010B1E}" type="datetimeFigureOut">
               <a:rPr lang="en-GB" smtClean="0"/>
-              <a:t>18/09/2020</a:t>
+              <a:t>23/09/2020</a:t>
             </a:fld>
             <a:endParaRPr lang="en-GB"/>
           </a:p>
@@ -2764,7 +2771,7 @@
           <a:p>
             <a:fld id="{486DFF9D-000F-417D-A1D1-C441A4010B1E}" type="datetimeFigureOut">
               <a:rPr lang="en-GB" smtClean="0"/>
-              <a:t>18/09/2020</a:t>
+              <a:t>23/09/2020</a:t>
             </a:fld>
             <a:endParaRPr lang="en-GB"/>
           </a:p>
@@ -6196,7 +6203,7 @@
           <p:cNvPr id="12" name="TextBox 45">
             <a:extLst>
               <a:ext uri="{FF2B5EF4-FFF2-40B4-BE49-F238E27FC236}">
-                <a16:creationId xmlns="" xmlns:a16="http://schemas.microsoft.com/office/drawing/2014/main" id="{6BDA7693-CA76-4C97-8FED-A4A65AB5032B}"/>
+                <a16:creationId xmlns:a16="http://schemas.microsoft.com/office/drawing/2014/main" xmlns="" id="{6BDA7693-CA76-4C97-8FED-A4A65AB5032B}"/>
               </a:ext>
             </a:extLst>
           </p:cNvPr>
@@ -7744,7 +7751,7 @@
           <p:cNvPr id="12" name="TextBox 45">
             <a:extLst>
               <a:ext uri="{FF2B5EF4-FFF2-40B4-BE49-F238E27FC236}">
-                <a16:creationId xmlns="" xmlns:a16="http://schemas.microsoft.com/office/drawing/2014/main" id="{6BDA7693-CA76-4C97-8FED-A4A65AB5032B}"/>
+                <a16:creationId xmlns:a16="http://schemas.microsoft.com/office/drawing/2014/main" xmlns="" id="{6BDA7693-CA76-4C97-8FED-A4A65AB5032B}"/>
               </a:ext>
             </a:extLst>
           </p:cNvPr>
@@ -9757,7 +9764,7 @@
           <p:cNvPr id="6" name="TextBox 45">
             <a:extLst>
               <a:ext uri="{FF2B5EF4-FFF2-40B4-BE49-F238E27FC236}">
-                <a16:creationId xmlns="" xmlns:a16="http://schemas.microsoft.com/office/drawing/2014/main" id="{6BDA7693-CA76-4C97-8FED-A4A65AB5032B}"/>
+                <a16:creationId xmlns:a16="http://schemas.microsoft.com/office/drawing/2014/main" xmlns="" id="{6BDA7693-CA76-4C97-8FED-A4A65AB5032B}"/>
               </a:ext>
             </a:extLst>
           </p:cNvPr>
@@ -10265,7 +10272,7 @@
           <p:cNvPr id="27" name="TextBox 45">
             <a:extLst>
               <a:ext uri="{FF2B5EF4-FFF2-40B4-BE49-F238E27FC236}">
-                <a16:creationId xmlns="" xmlns:a16="http://schemas.microsoft.com/office/drawing/2014/main" id="{6BDA7693-CA76-4C97-8FED-A4A65AB5032B}"/>
+                <a16:creationId xmlns:a16="http://schemas.microsoft.com/office/drawing/2014/main" xmlns="" id="{6BDA7693-CA76-4C97-8FED-A4A65AB5032B}"/>
               </a:ext>
             </a:extLst>
           </p:cNvPr>
@@ -10301,7 +10308,7 @@
           <p:cNvPr id="28" name="TextBox 45">
             <a:extLst>
               <a:ext uri="{FF2B5EF4-FFF2-40B4-BE49-F238E27FC236}">
-                <a16:creationId xmlns="" xmlns:a16="http://schemas.microsoft.com/office/drawing/2014/main" id="{6BDA7693-CA76-4C97-8FED-A4A65AB5032B}"/>
+                <a16:creationId xmlns:a16="http://schemas.microsoft.com/office/drawing/2014/main" xmlns="" id="{6BDA7693-CA76-4C97-8FED-A4A65AB5032B}"/>
               </a:ext>
             </a:extLst>
           </p:cNvPr>
@@ -11849,7 +11856,7 @@
           <p:cNvPr id="6" name="TextBox 45">
             <a:extLst>
               <a:ext uri="{FF2B5EF4-FFF2-40B4-BE49-F238E27FC236}">
-                <a16:creationId xmlns="" xmlns:a16="http://schemas.microsoft.com/office/drawing/2014/main" id="{6BDA7693-CA76-4C97-8FED-A4A65AB5032B}"/>
+                <a16:creationId xmlns:a16="http://schemas.microsoft.com/office/drawing/2014/main" xmlns="" id="{6BDA7693-CA76-4C97-8FED-A4A65AB5032B}"/>
               </a:ext>
             </a:extLst>
           </p:cNvPr>
@@ -13381,7 +13388,7 @@
           <p:cNvPr id="6" name="TextBox 45">
             <a:extLst>
               <a:ext uri="{FF2B5EF4-FFF2-40B4-BE49-F238E27FC236}">
-                <a16:creationId xmlns="" xmlns:a16="http://schemas.microsoft.com/office/drawing/2014/main" id="{6BDA7693-CA76-4C97-8FED-A4A65AB5032B}"/>
+                <a16:creationId xmlns:a16="http://schemas.microsoft.com/office/drawing/2014/main" xmlns="" id="{6BDA7693-CA76-4C97-8FED-A4A65AB5032B}"/>
               </a:ext>
             </a:extLst>
           </p:cNvPr>
@@ -14806,7 +14813,7 @@
           <p:cNvPr id="2" name="TextBox 45">
             <a:extLst>
               <a:ext uri="{FF2B5EF4-FFF2-40B4-BE49-F238E27FC236}">
-                <a16:creationId xmlns="" xmlns:a16="http://schemas.microsoft.com/office/drawing/2014/main" id="{6BDA7693-CA76-4C97-8FED-A4A65AB5032B}"/>
+                <a16:creationId xmlns:a16="http://schemas.microsoft.com/office/drawing/2014/main" xmlns="" id="{6BDA7693-CA76-4C97-8FED-A4A65AB5032B}"/>
               </a:ext>
             </a:extLst>
           </p:cNvPr>
@@ -15777,7 +15784,7 @@
           <p:cNvPr id="34" name="TextBox 45">
             <a:extLst>
               <a:ext uri="{FF2B5EF4-FFF2-40B4-BE49-F238E27FC236}">
-                <a16:creationId xmlns="" xmlns:a16="http://schemas.microsoft.com/office/drawing/2014/main" id="{6BDA7693-CA76-4C97-8FED-A4A65AB5032B}"/>
+                <a16:creationId xmlns:a16="http://schemas.microsoft.com/office/drawing/2014/main" xmlns="" id="{6BDA7693-CA76-4C97-8FED-A4A65AB5032B}"/>
               </a:ext>
             </a:extLst>
           </p:cNvPr>
@@ -17393,7 +17400,7 @@
           <p:cNvPr id="2" name="TextBox 45">
             <a:extLst>
               <a:ext uri="{FF2B5EF4-FFF2-40B4-BE49-F238E27FC236}">
-                <a16:creationId xmlns="" xmlns:a16="http://schemas.microsoft.com/office/drawing/2014/main" id="{6BDA7693-CA76-4C97-8FED-A4A65AB5032B}"/>
+                <a16:creationId xmlns:a16="http://schemas.microsoft.com/office/drawing/2014/main" xmlns="" id="{6BDA7693-CA76-4C97-8FED-A4A65AB5032B}"/>
               </a:ext>
             </a:extLst>
           </p:cNvPr>
@@ -18143,7 +18150,7 @@
           <p:cNvPr id="34" name="TextBox 45">
             <a:extLst>
               <a:ext uri="{FF2B5EF4-FFF2-40B4-BE49-F238E27FC236}">
-                <a16:creationId xmlns="" xmlns:a16="http://schemas.microsoft.com/office/drawing/2014/main" id="{6BDA7693-CA76-4C97-8FED-A4A65AB5032B}"/>
+                <a16:creationId xmlns:a16="http://schemas.microsoft.com/office/drawing/2014/main" xmlns="" id="{6BDA7693-CA76-4C97-8FED-A4A65AB5032B}"/>
               </a:ext>
             </a:extLst>
           </p:cNvPr>
@@ -19506,7 +19513,7 @@
           <p:cNvPr id="114" name="TextBox 45">
             <a:extLst>
               <a:ext uri="{FF2B5EF4-FFF2-40B4-BE49-F238E27FC236}">
-                <a16:creationId xmlns="" xmlns:a16="http://schemas.microsoft.com/office/drawing/2014/main" id="{6BDA7693-CA76-4C97-8FED-A4A65AB5032B}"/>
+                <a16:creationId xmlns:a16="http://schemas.microsoft.com/office/drawing/2014/main" xmlns="" id="{6BDA7693-CA76-4C97-8FED-A4A65AB5032B}"/>
               </a:ext>
             </a:extLst>
           </p:cNvPr>
@@ -19680,7 +19687,7 @@
           <p:cNvPr id="2" name="TextBox 45">
             <a:extLst>
               <a:ext uri="{FF2B5EF4-FFF2-40B4-BE49-F238E27FC236}">
-                <a16:creationId xmlns="" xmlns:a16="http://schemas.microsoft.com/office/drawing/2014/main" id="{6BDA7693-CA76-4C97-8FED-A4A65AB5032B}"/>
+                <a16:creationId xmlns:a16="http://schemas.microsoft.com/office/drawing/2014/main" xmlns="" id="{6BDA7693-CA76-4C97-8FED-A4A65AB5032B}"/>
               </a:ext>
             </a:extLst>
           </p:cNvPr>
@@ -20619,7 +20626,7 @@
           <p:cNvPr id="114" name="TextBox 45">
             <a:extLst>
               <a:ext uri="{FF2B5EF4-FFF2-40B4-BE49-F238E27FC236}">
-                <a16:creationId xmlns="" xmlns:a16="http://schemas.microsoft.com/office/drawing/2014/main" id="{6BDA7693-CA76-4C97-8FED-A4A65AB5032B}"/>
+                <a16:creationId xmlns:a16="http://schemas.microsoft.com/office/drawing/2014/main" xmlns="" id="{6BDA7693-CA76-4C97-8FED-A4A65AB5032B}"/>
               </a:ext>
             </a:extLst>
           </p:cNvPr>
@@ -22371,7 +22378,7 @@
           <p:cNvPr id="2" name="TextBox 45">
             <a:extLst>
               <a:ext uri="{FF2B5EF4-FFF2-40B4-BE49-F238E27FC236}">
-                <a16:creationId xmlns="" xmlns:a16="http://schemas.microsoft.com/office/drawing/2014/main" id="{6BDA7693-CA76-4C97-8FED-A4A65AB5032B}"/>
+                <a16:creationId xmlns:a16="http://schemas.microsoft.com/office/drawing/2014/main" xmlns="" id="{6BDA7693-CA76-4C97-8FED-A4A65AB5032B}"/>
               </a:ext>
             </a:extLst>
           </p:cNvPr>
@@ -23950,7 +23957,7 @@
           <p:cNvPr id="2" name="TextBox 45">
             <a:extLst>
               <a:ext uri="{FF2B5EF4-FFF2-40B4-BE49-F238E27FC236}">
-                <a16:creationId xmlns="" xmlns:a16="http://schemas.microsoft.com/office/drawing/2014/main" id="{6BDA7693-CA76-4C97-8FED-A4A65AB5032B}"/>
+                <a16:creationId xmlns:a16="http://schemas.microsoft.com/office/drawing/2014/main" xmlns="" id="{6BDA7693-CA76-4C97-8FED-A4A65AB5032B}"/>
               </a:ext>
             </a:extLst>
           </p:cNvPr>
@@ -24943,7 +24950,7 @@
           <p:cNvPr id="114" name="TextBox 45">
             <a:extLst>
               <a:ext uri="{FF2B5EF4-FFF2-40B4-BE49-F238E27FC236}">
-                <a16:creationId xmlns="" xmlns:a16="http://schemas.microsoft.com/office/drawing/2014/main" id="{6BDA7693-CA76-4C97-8FED-A4A65AB5032B}"/>
+                <a16:creationId xmlns:a16="http://schemas.microsoft.com/office/drawing/2014/main" xmlns="" id="{6BDA7693-CA76-4C97-8FED-A4A65AB5032B}"/>
               </a:ext>
             </a:extLst>
           </p:cNvPr>
@@ -25758,7 +25765,7 @@
           <p:cNvPr id="2" name="TextBox 45">
             <a:extLst>
               <a:ext uri="{FF2B5EF4-FFF2-40B4-BE49-F238E27FC236}">
-                <a16:creationId xmlns="" xmlns:a16="http://schemas.microsoft.com/office/drawing/2014/main" id="{6BDA7693-CA76-4C97-8FED-A4A65AB5032B}"/>
+                <a16:creationId xmlns:a16="http://schemas.microsoft.com/office/drawing/2014/main" xmlns="" id="{6BDA7693-CA76-4C97-8FED-A4A65AB5032B}"/>
               </a:ext>
             </a:extLst>
           </p:cNvPr>
@@ -26321,7 +26328,7 @@
           <p:cNvPr id="26" name="TextBox 45">
             <a:extLst>
               <a:ext uri="{FF2B5EF4-FFF2-40B4-BE49-F238E27FC236}">
-                <a16:creationId xmlns="" xmlns:a16="http://schemas.microsoft.com/office/drawing/2014/main" id="{6BDA7693-CA76-4C97-8FED-A4A65AB5032B}"/>
+                <a16:creationId xmlns:a16="http://schemas.microsoft.com/office/drawing/2014/main" xmlns="" id="{6BDA7693-CA76-4C97-8FED-A4A65AB5032B}"/>
               </a:ext>
             </a:extLst>
           </p:cNvPr>
@@ -26437,7 +26444,7 @@
           <p:cNvPr id="32" name="TextBox 45">
             <a:extLst>
               <a:ext uri="{FF2B5EF4-FFF2-40B4-BE49-F238E27FC236}">
-                <a16:creationId xmlns="" xmlns:a16="http://schemas.microsoft.com/office/drawing/2014/main" id="{6BDA7693-CA76-4C97-8FED-A4A65AB5032B}"/>
+                <a16:creationId xmlns:a16="http://schemas.microsoft.com/office/drawing/2014/main" xmlns="" id="{6BDA7693-CA76-4C97-8FED-A4A65AB5032B}"/>
               </a:ext>
             </a:extLst>
           </p:cNvPr>
@@ -27000,7 +27007,7 @@
           <p:cNvPr id="48" name="TextBox 45">
             <a:extLst>
               <a:ext uri="{FF2B5EF4-FFF2-40B4-BE49-F238E27FC236}">
-                <a16:creationId xmlns="" xmlns:a16="http://schemas.microsoft.com/office/drawing/2014/main" id="{6BDA7693-CA76-4C97-8FED-A4A65AB5032B}"/>
+                <a16:creationId xmlns:a16="http://schemas.microsoft.com/office/drawing/2014/main" xmlns="" id="{6BDA7693-CA76-4C97-8FED-A4A65AB5032B}"/>
               </a:ext>
             </a:extLst>
           </p:cNvPr>
@@ -27090,7 +27097,7 @@
           <p:cNvPr id="49" name="TextBox 45">
             <a:extLst>
               <a:ext uri="{FF2B5EF4-FFF2-40B4-BE49-F238E27FC236}">
-                <a16:creationId xmlns="" xmlns:a16="http://schemas.microsoft.com/office/drawing/2014/main" id="{6BDA7693-CA76-4C97-8FED-A4A65AB5032B}"/>
+                <a16:creationId xmlns:a16="http://schemas.microsoft.com/office/drawing/2014/main" xmlns="" id="{6BDA7693-CA76-4C97-8FED-A4A65AB5032B}"/>
               </a:ext>
             </a:extLst>
           </p:cNvPr>
@@ -27259,7 +27266,7 @@
           <p:cNvPr id="2" name="TextBox 45">
             <a:extLst>
               <a:ext uri="{FF2B5EF4-FFF2-40B4-BE49-F238E27FC236}">
-                <a16:creationId xmlns="" xmlns:a16="http://schemas.microsoft.com/office/drawing/2014/main" id="{6BDA7693-CA76-4C97-8FED-A4A65AB5032B}"/>
+                <a16:creationId xmlns:a16="http://schemas.microsoft.com/office/drawing/2014/main" xmlns="" id="{6BDA7693-CA76-4C97-8FED-A4A65AB5032B}"/>
               </a:ext>
             </a:extLst>
           </p:cNvPr>
@@ -28031,7 +28038,7 @@
           <p:cNvPr id="23" name="TextBox 45">
             <a:extLst>
               <a:ext uri="{FF2B5EF4-FFF2-40B4-BE49-F238E27FC236}">
-                <a16:creationId xmlns="" xmlns:a16="http://schemas.microsoft.com/office/drawing/2014/main" id="{6BDA7693-CA76-4C97-8FED-A4A65AB5032B}"/>
+                <a16:creationId xmlns:a16="http://schemas.microsoft.com/office/drawing/2014/main" xmlns="" id="{6BDA7693-CA76-4C97-8FED-A4A65AB5032B}"/>
               </a:ext>
             </a:extLst>
           </p:cNvPr>
@@ -31989,6 +31996,7095 @@
 </p:sld>
 </file>
 
+<file path=ppt/slides/slide30.xml><?xml version="1.0" encoding="utf-8"?>
+<p:sld xmlns:a="http://schemas.openxmlformats.org/drawingml/2006/main" xmlns:r="http://schemas.openxmlformats.org/officeDocument/2006/relationships" xmlns:p="http://schemas.openxmlformats.org/presentationml/2006/main">
+  <p:cSld>
+    <p:spTree>
+      <p:nvGrpSpPr>
+        <p:cNvPr id="1" name=""/>
+        <p:cNvGrpSpPr/>
+        <p:nvPr/>
+      </p:nvGrpSpPr>
+      <p:grpSpPr>
+        <a:xfrm>
+          <a:off x="0" y="0"/>
+          <a:ext cx="0" cy="0"/>
+          <a:chOff x="0" y="0"/>
+          <a:chExt cx="0" cy="0"/>
+        </a:xfrm>
+      </p:grpSpPr>
+      <p:sp>
+        <p:nvSpPr>
+          <p:cNvPr id="121" name="Rettangolo 120"/>
+          <p:cNvSpPr/>
+          <p:nvPr/>
+        </p:nvSpPr>
+        <p:spPr>
+          <a:xfrm>
+            <a:off x="1735537" y="2505832"/>
+            <a:ext cx="7184793" cy="3424858"/>
+          </a:xfrm>
+          <a:prstGeom prst="rect">
+            <a:avLst/>
+          </a:prstGeom>
+          <a:solidFill>
+            <a:srgbClr val="FFFFCC"/>
+          </a:solidFill>
+        </p:spPr>
+        <p:style>
+          <a:lnRef idx="2">
+            <a:schemeClr val="accent1">
+              <a:shade val="50000"/>
+            </a:schemeClr>
+          </a:lnRef>
+          <a:fillRef idx="1">
+            <a:schemeClr val="accent1"/>
+          </a:fillRef>
+          <a:effectRef idx="0">
+            <a:schemeClr val="accent1"/>
+          </a:effectRef>
+          <a:fontRef idx="minor">
+            <a:schemeClr val="lt1"/>
+          </a:fontRef>
+        </p:style>
+        <p:txBody>
+          <a:bodyPr rtlCol="0" anchor="ctr"/>
+          <a:lstStyle/>
+          <a:p>
+            <a:pPr algn="ctr"/>
+            <a:endParaRPr lang="it-IT" dirty="0" smtClean="0">
+              <a:solidFill>
+                <a:schemeClr val="tx1"/>
+              </a:solidFill>
+            </a:endParaRPr>
+          </a:p>
+          <a:p>
+            <a:pPr algn="ctr"/>
+            <a:endParaRPr lang="it-IT" dirty="0">
+              <a:solidFill>
+                <a:schemeClr val="tx1"/>
+              </a:solidFill>
+            </a:endParaRPr>
+          </a:p>
+          <a:p>
+            <a:pPr algn="ctr"/>
+            <a:endParaRPr lang="it-IT" dirty="0" smtClean="0">
+              <a:solidFill>
+                <a:schemeClr val="tx1"/>
+              </a:solidFill>
+            </a:endParaRPr>
+          </a:p>
+          <a:p>
+            <a:pPr algn="ctr"/>
+            <a:r>
+              <a:rPr lang="it-IT" dirty="0" smtClean="0">
+                <a:solidFill>
+                  <a:schemeClr val="tx1"/>
+                </a:solidFill>
+              </a:rPr>
+              <a:t>SmartEven2019</a:t>
+            </a:r>
+          </a:p>
+          <a:p>
+            <a:pPr algn="ctr"/>
+            <a:endParaRPr lang="it-IT" dirty="0" smtClean="0">
+              <a:solidFill>
+                <a:schemeClr val="tx1"/>
+              </a:solidFill>
+            </a:endParaRPr>
+          </a:p>
+          <a:p>
+            <a:pPr algn="ctr"/>
+            <a:endParaRPr lang="it-IT" dirty="0">
+              <a:solidFill>
+                <a:schemeClr val="tx1"/>
+              </a:solidFill>
+            </a:endParaRPr>
+          </a:p>
+          <a:p>
+            <a:pPr algn="ctr"/>
+            <a:endParaRPr lang="it-IT" dirty="0" smtClean="0">
+              <a:solidFill>
+                <a:schemeClr val="tx1"/>
+              </a:solidFill>
+            </a:endParaRPr>
+          </a:p>
+          <a:p>
+            <a:pPr algn="ctr"/>
+            <a:endParaRPr lang="it-IT" dirty="0">
+              <a:solidFill>
+                <a:schemeClr val="tx1"/>
+              </a:solidFill>
+            </a:endParaRPr>
+          </a:p>
+          <a:p>
+            <a:pPr algn="ctr"/>
+            <a:endParaRPr lang="it-IT" dirty="0" smtClean="0">
+              <a:solidFill>
+                <a:schemeClr val="tx1"/>
+              </a:solidFill>
+            </a:endParaRPr>
+          </a:p>
+          <a:p>
+            <a:pPr algn="ctr"/>
+            <a:endParaRPr lang="it-IT" dirty="0">
+              <a:solidFill>
+                <a:schemeClr val="tx1"/>
+              </a:solidFill>
+            </a:endParaRPr>
+          </a:p>
+          <a:p>
+            <a:pPr algn="ctr"/>
+            <a:endParaRPr lang="it-IT" dirty="0" smtClean="0">
+              <a:solidFill>
+                <a:schemeClr val="tx1"/>
+              </a:solidFill>
+            </a:endParaRPr>
+          </a:p>
+          <a:p>
+            <a:pPr algn="ctr"/>
+            <a:endParaRPr lang="it-IT" dirty="0">
+              <a:solidFill>
+                <a:schemeClr val="tx1"/>
+              </a:solidFill>
+            </a:endParaRPr>
+          </a:p>
+          <a:p>
+            <a:pPr algn="ctr"/>
+            <a:endParaRPr lang="it-IT" dirty="0" smtClean="0">
+              <a:solidFill>
+                <a:schemeClr val="tx1"/>
+              </a:solidFill>
+            </a:endParaRPr>
+          </a:p>
+          <a:p>
+            <a:pPr algn="ctr"/>
+            <a:endParaRPr lang="it-IT" dirty="0">
+              <a:solidFill>
+                <a:schemeClr val="tx1"/>
+              </a:solidFill>
+            </a:endParaRPr>
+          </a:p>
+          <a:p>
+            <a:pPr algn="ctr"/>
+            <a:endParaRPr lang="it-IT" dirty="0" smtClean="0">
+              <a:solidFill>
+                <a:schemeClr val="tx1"/>
+              </a:solidFill>
+            </a:endParaRPr>
+          </a:p>
+          <a:p>
+            <a:pPr algn="ctr"/>
+            <a:endParaRPr lang="it-IT" dirty="0" smtClean="0">
+              <a:solidFill>
+                <a:schemeClr val="tx1"/>
+              </a:solidFill>
+            </a:endParaRPr>
+          </a:p>
+          <a:p>
+            <a:pPr algn="ctr"/>
+            <a:endParaRPr lang="it-IT" dirty="0">
+              <a:solidFill>
+                <a:schemeClr val="tx1"/>
+              </a:solidFill>
+            </a:endParaRPr>
+          </a:p>
+          <a:p>
+            <a:pPr algn="ctr"/>
+            <a:endParaRPr lang="en-GB" dirty="0">
+              <a:solidFill>
+                <a:schemeClr val="tx1"/>
+              </a:solidFill>
+            </a:endParaRPr>
+          </a:p>
+        </p:txBody>
+      </p:sp>
+      <p:sp>
+        <p:nvSpPr>
+          <p:cNvPr id="5" name="Rettangolo 4"/>
+          <p:cNvSpPr/>
+          <p:nvPr/>
+        </p:nvSpPr>
+        <p:spPr>
+          <a:xfrm>
+            <a:off x="1959473" y="2973242"/>
+            <a:ext cx="4770513" cy="2160240"/>
+          </a:xfrm>
+          <a:prstGeom prst="rect">
+            <a:avLst/>
+          </a:prstGeom>
+          <a:solidFill>
+            <a:srgbClr val="CCFFFF"/>
+          </a:solidFill>
+        </p:spPr>
+        <p:style>
+          <a:lnRef idx="2">
+            <a:schemeClr val="accent1">
+              <a:shade val="50000"/>
+            </a:schemeClr>
+          </a:lnRef>
+          <a:fillRef idx="1">
+            <a:schemeClr val="accent1"/>
+          </a:fillRef>
+          <a:effectRef idx="0">
+            <a:schemeClr val="accent1"/>
+          </a:effectRef>
+          <a:fontRef idx="minor">
+            <a:schemeClr val="lt1"/>
+          </a:fontRef>
+        </p:style>
+        <p:txBody>
+          <a:bodyPr rtlCol="0" anchor="ctr"/>
+          <a:lstStyle/>
+          <a:p>
+            <a:pPr algn="ctr"/>
+            <a:endParaRPr lang="en-GB">
+              <a:solidFill>
+                <a:schemeClr val="tx1"/>
+              </a:solidFill>
+            </a:endParaRPr>
+          </a:p>
+        </p:txBody>
+      </p:sp>
+      <p:sp>
+        <p:nvSpPr>
+          <p:cNvPr id="3" name="Rettangolo 2"/>
+          <p:cNvSpPr/>
+          <p:nvPr/>
+        </p:nvSpPr>
+        <p:spPr>
+          <a:xfrm>
+            <a:off x="2012581" y="3193814"/>
+            <a:ext cx="1317433" cy="675591"/>
+          </a:xfrm>
+          <a:prstGeom prst="rect">
+            <a:avLst/>
+          </a:prstGeom>
+          <a:solidFill>
+            <a:schemeClr val="accent6">
+              <a:lumMod val="20000"/>
+              <a:lumOff val="80000"/>
+            </a:schemeClr>
+          </a:solidFill>
+        </p:spPr>
+        <p:style>
+          <a:lnRef idx="2">
+            <a:schemeClr val="accent1">
+              <a:shade val="50000"/>
+            </a:schemeClr>
+          </a:lnRef>
+          <a:fillRef idx="1">
+            <a:schemeClr val="accent1"/>
+          </a:fillRef>
+          <a:effectRef idx="0">
+            <a:schemeClr val="accent1"/>
+          </a:effectRef>
+          <a:fontRef idx="minor">
+            <a:schemeClr val="lt1"/>
+          </a:fontRef>
+        </p:style>
+        <p:txBody>
+          <a:bodyPr rtlCol="0" anchor="ctr"/>
+          <a:lstStyle/>
+          <a:p>
+            <a:pPr algn="ctr"/>
+            <a:r>
+              <a:rPr lang="it-IT" sz="1400" dirty="0" smtClean="0">
+                <a:solidFill>
+                  <a:schemeClr val="tx1"/>
+                </a:solidFill>
+              </a:rPr>
+              <a:t>Iltel19</a:t>
+            </a:r>
+          </a:p>
+          <a:p>
+            <a:pPr algn="ctr"/>
+            <a:r>
+              <a:rPr lang="it-IT" sz="1200" dirty="0" err="1" smtClean="0">
+                <a:solidFill>
+                  <a:schemeClr val="tx1"/>
+                </a:solidFill>
+              </a:rPr>
+              <a:t>InputHandlerXXX</a:t>
+            </a:r>
+            <a:endParaRPr lang="en-GB" sz="1200" dirty="0">
+              <a:solidFill>
+                <a:schemeClr val="tx1"/>
+              </a:solidFill>
+            </a:endParaRPr>
+          </a:p>
+        </p:txBody>
+      </p:sp>
+      <p:sp>
+        <p:nvSpPr>
+          <p:cNvPr id="4" name="Rettangolo 3"/>
+          <p:cNvSpPr/>
+          <p:nvPr/>
+        </p:nvSpPr>
+        <p:spPr>
+          <a:xfrm>
+            <a:off x="6800589" y="5107801"/>
+            <a:ext cx="2119741" cy="676226"/>
+          </a:xfrm>
+          <a:prstGeom prst="rect">
+            <a:avLst/>
+          </a:prstGeom>
+          <a:solidFill>
+            <a:srgbClr val="99FFCC"/>
+          </a:solidFill>
+        </p:spPr>
+        <p:style>
+          <a:lnRef idx="2">
+            <a:schemeClr val="accent1">
+              <a:shade val="50000"/>
+            </a:schemeClr>
+          </a:lnRef>
+          <a:fillRef idx="1">
+            <a:schemeClr val="accent1"/>
+          </a:fillRef>
+          <a:effectRef idx="0">
+            <a:schemeClr val="accent1"/>
+          </a:effectRef>
+          <a:fontRef idx="minor">
+            <a:schemeClr val="lt1"/>
+          </a:fontRef>
+        </p:style>
+        <p:txBody>
+          <a:bodyPr rtlCol="0" anchor="ctr"/>
+          <a:lstStyle/>
+          <a:p>
+            <a:pPr algn="ctr"/>
+            <a:r>
+              <a:rPr lang="it-IT" sz="1400" dirty="0">
+                <a:solidFill>
+                  <a:schemeClr val="tx1"/>
+                </a:solidFill>
+              </a:rPr>
+              <a:t>Iltel19Domain </a:t>
+            </a:r>
+          </a:p>
+          <a:p>
+            <a:pPr algn="ctr"/>
+            <a:r>
+              <a:rPr lang="it-IT" sz="1400" dirty="0">
+                <a:solidFill>
+                  <a:schemeClr val="tx1"/>
+                </a:solidFill>
+              </a:rPr>
+              <a:t>(</a:t>
+            </a:r>
+            <a:r>
+              <a:rPr lang="it-IT" sz="1400" dirty="0" err="1">
+                <a:solidFill>
+                  <a:schemeClr val="tx1"/>
+                </a:solidFill>
+              </a:rPr>
+              <a:t>Internal</a:t>
+            </a:r>
+            <a:r>
+              <a:rPr lang="it-IT" sz="1400" dirty="0">
+                <a:solidFill>
+                  <a:schemeClr val="tx1"/>
+                </a:solidFill>
+              </a:rPr>
+              <a:t> </a:t>
+            </a:r>
+            <a:r>
+              <a:rPr lang="it-IT" sz="1400" dirty="0" err="1">
+                <a:solidFill>
+                  <a:schemeClr val="tx1"/>
+                </a:solidFill>
+              </a:rPr>
+              <a:t>DataModel</a:t>
+            </a:r>
+            <a:r>
+              <a:rPr lang="it-IT" sz="1400" dirty="0">
+                <a:solidFill>
+                  <a:schemeClr val="tx1"/>
+                </a:solidFill>
+              </a:rPr>
+              <a:t>)</a:t>
+            </a:r>
+            <a:endParaRPr lang="en-GB" sz="1400" dirty="0">
+              <a:solidFill>
+                <a:schemeClr val="tx1"/>
+              </a:solidFill>
+            </a:endParaRPr>
+          </a:p>
+        </p:txBody>
+      </p:sp>
+      <p:sp>
+        <p:nvSpPr>
+          <p:cNvPr id="6" name="CasellaDiTesto 5"/>
+          <p:cNvSpPr txBox="1"/>
+          <p:nvPr/>
+        </p:nvSpPr>
+        <p:spPr>
+          <a:xfrm>
+            <a:off x="3597269" y="5176923"/>
+            <a:ext cx="2269917" cy="369332"/>
+          </a:xfrm>
+          <a:prstGeom prst="rect">
+            <a:avLst/>
+          </a:prstGeom>
+          <a:noFill/>
+        </p:spPr>
+        <p:txBody>
+          <a:bodyPr wrap="none" rtlCol="0">
+            <a:spAutoFit/>
+          </a:bodyPr>
+          <a:lstStyle/>
+          <a:p>
+            <a:r>
+              <a:rPr lang="it-IT" dirty="0" err="1"/>
+              <a:t>LegacyXXXSpecificPart</a:t>
+            </a:r>
+            <a:endParaRPr lang="en-GB" dirty="0"/>
+          </a:p>
+        </p:txBody>
+      </p:sp>
+      <p:sp>
+        <p:nvSpPr>
+          <p:cNvPr id="7" name="Rettangolo 6"/>
+          <p:cNvSpPr/>
+          <p:nvPr/>
+        </p:nvSpPr>
+        <p:spPr>
+          <a:xfrm>
+            <a:off x="542951" y="3409303"/>
+            <a:ext cx="1066463" cy="612526"/>
+          </a:xfrm>
+          <a:prstGeom prst="rect">
+            <a:avLst/>
+          </a:prstGeom>
+          <a:solidFill>
+            <a:schemeClr val="bg1">
+              <a:lumMod val="95000"/>
+            </a:schemeClr>
+          </a:solidFill>
+        </p:spPr>
+        <p:style>
+          <a:lnRef idx="2">
+            <a:schemeClr val="accent1">
+              <a:shade val="50000"/>
+            </a:schemeClr>
+          </a:lnRef>
+          <a:fillRef idx="1">
+            <a:schemeClr val="accent1"/>
+          </a:fillRef>
+          <a:effectRef idx="0">
+            <a:schemeClr val="accent1"/>
+          </a:effectRef>
+          <a:fontRef idx="minor">
+            <a:schemeClr val="lt1"/>
+          </a:fontRef>
+        </p:style>
+        <p:txBody>
+          <a:bodyPr rtlCol="0" anchor="ctr"/>
+          <a:lstStyle/>
+          <a:p>
+            <a:pPr algn="ctr"/>
+            <a:r>
+              <a:rPr lang="it-IT" sz="1400" dirty="0" smtClean="0">
+                <a:solidFill>
+                  <a:schemeClr val="tx1"/>
+                </a:solidFill>
+              </a:rPr>
+              <a:t>Input</a:t>
+            </a:r>
+          </a:p>
+          <a:p>
+            <a:pPr algn="ctr"/>
+            <a:r>
+              <a:rPr lang="it-IT" sz="1400" dirty="0">
+                <a:solidFill>
+                  <a:schemeClr val="tx1"/>
+                </a:solidFill>
+              </a:rPr>
+              <a:t>T</a:t>
+            </a:r>
+            <a:r>
+              <a:rPr lang="it-IT" sz="1400" dirty="0" smtClean="0">
+                <a:solidFill>
+                  <a:schemeClr val="tx1"/>
+                </a:solidFill>
+              </a:rPr>
+              <a:t>ext</a:t>
+            </a:r>
+            <a:endParaRPr lang="en-GB" sz="1400" dirty="0">
+              <a:solidFill>
+                <a:schemeClr val="tx1"/>
+              </a:solidFill>
+            </a:endParaRPr>
+          </a:p>
+        </p:txBody>
+      </p:sp>
+      <p:grpSp>
+        <p:nvGrpSpPr>
+          <p:cNvPr id="25" name="Gruppo 24"/>
+          <p:cNvGrpSpPr/>
+          <p:nvPr/>
+        </p:nvGrpSpPr>
+        <p:grpSpPr>
+          <a:xfrm>
+            <a:off x="644708" y="5445915"/>
+            <a:ext cx="1713283" cy="772447"/>
+            <a:chOff x="5498762" y="2072585"/>
+            <a:chExt cx="805955" cy="772447"/>
+          </a:xfrm>
+        </p:grpSpPr>
+        <p:grpSp>
+          <p:nvGrpSpPr>
+            <p:cNvPr id="26" name="Gruppo 25"/>
+            <p:cNvGrpSpPr/>
+            <p:nvPr/>
+          </p:nvGrpSpPr>
+          <p:grpSpPr>
+            <a:xfrm>
+              <a:off x="5498762" y="2072585"/>
+              <a:ext cx="805955" cy="772447"/>
+              <a:chOff x="565700" y="4940367"/>
+              <a:chExt cx="805955" cy="772447"/>
+            </a:xfrm>
+          </p:grpSpPr>
+          <p:sp>
+            <p:nvSpPr>
+              <p:cNvPr id="28" name="Ovale 27"/>
+              <p:cNvSpPr/>
+              <p:nvPr/>
+            </p:nvSpPr>
+            <p:spPr>
+              <a:xfrm>
+                <a:off x="565700" y="4983583"/>
+                <a:ext cx="805955" cy="729231"/>
+              </a:xfrm>
+              <a:prstGeom prst="ellipse">
+                <a:avLst/>
+              </a:prstGeom>
+              <a:solidFill>
+                <a:srgbClr val="FF99CC"/>
+              </a:solidFill>
+              <a:ln/>
+            </p:spPr>
+            <p:style>
+              <a:lnRef idx="1">
+                <a:schemeClr val="accent4"/>
+              </a:lnRef>
+              <a:fillRef idx="2">
+                <a:schemeClr val="accent4"/>
+              </a:fillRef>
+              <a:effectRef idx="1">
+                <a:schemeClr val="accent4"/>
+              </a:effectRef>
+              <a:fontRef idx="minor">
+                <a:schemeClr val="dk1"/>
+              </a:fontRef>
+            </p:style>
+            <p:txBody>
+              <a:bodyPr rtlCol="0" anchor="ctr"/>
+              <a:lstStyle/>
+              <a:p>
+                <a:pPr algn="ctr"/>
+                <a:r>
+                  <a:rPr lang="en-GB" sz="1200" dirty="0"/>
+                  <a:t> </a:t>
+                </a:r>
+              </a:p>
+            </p:txBody>
+          </p:sp>
+          <p:sp>
+            <p:nvSpPr>
+              <p:cNvPr id="29" name="Triangolo isoscele 28"/>
+              <p:cNvSpPr/>
+              <p:nvPr/>
+            </p:nvSpPr>
+            <p:spPr>
+              <a:xfrm rot="16200000">
+                <a:off x="905299" y="4913952"/>
+                <a:ext cx="86434" cy="139263"/>
+              </a:xfrm>
+              <a:prstGeom prst="triangle">
+                <a:avLst/>
+              </a:prstGeom>
+              <a:solidFill>
+                <a:srgbClr val="C00000"/>
+              </a:solidFill>
+              <a:ln/>
+            </p:spPr>
+            <p:style>
+              <a:lnRef idx="1">
+                <a:schemeClr val="accent5"/>
+              </a:lnRef>
+              <a:fillRef idx="2">
+                <a:schemeClr val="accent5"/>
+              </a:fillRef>
+              <a:effectRef idx="1">
+                <a:schemeClr val="accent5"/>
+              </a:effectRef>
+              <a:fontRef idx="minor">
+                <a:schemeClr val="dk1"/>
+              </a:fontRef>
+            </p:style>
+            <p:txBody>
+              <a:bodyPr rtlCol="0" anchor="ctr"/>
+              <a:lstStyle/>
+              <a:p>
+                <a:pPr algn="ctr"/>
+                <a:endParaRPr lang="en-GB" sz="1200">
+                  <a:solidFill>
+                    <a:schemeClr val="dk1"/>
+                  </a:solidFill>
+                </a:endParaRPr>
+              </a:p>
+            </p:txBody>
+          </p:sp>
+        </p:grpSp>
+        <p:sp>
+          <p:nvSpPr>
+            <p:cNvPr id="27" name="CasellaDiTesto 26"/>
+            <p:cNvSpPr txBox="1"/>
+            <p:nvPr/>
+          </p:nvSpPr>
+          <p:spPr>
+            <a:xfrm>
+              <a:off x="5719012" y="2295750"/>
+              <a:ext cx="423219" cy="523220"/>
+            </a:xfrm>
+            <a:prstGeom prst="rect">
+              <a:avLst/>
+            </a:prstGeom>
+            <a:noFill/>
+          </p:spPr>
+          <p:txBody>
+            <a:bodyPr wrap="none" rtlCol="0">
+              <a:spAutoFit/>
+            </a:bodyPr>
+            <a:lstStyle/>
+            <a:p>
+              <a:pPr algn="ctr"/>
+              <a:r>
+                <a:rPr lang="en-GB" sz="1400" b="1" dirty="0" err="1" smtClean="0"/>
+                <a:t>LegayXXX</a:t>
+              </a:r>
+              <a:endParaRPr lang="en-GB" sz="1400" b="1" dirty="0" smtClean="0"/>
+            </a:p>
+            <a:p>
+              <a:pPr algn="ctr"/>
+              <a:r>
+                <a:rPr lang="it-IT" sz="1400" b="1" dirty="0" smtClean="0">
+                  <a:solidFill>
+                    <a:srgbClr val="0070C0"/>
+                  </a:solidFill>
+                </a:rPr>
+                <a:t>HL7</a:t>
+              </a:r>
+              <a:endParaRPr lang="en-GB" sz="1400" dirty="0">
+                <a:solidFill>
+                  <a:srgbClr val="0070C0"/>
+                </a:solidFill>
+              </a:endParaRPr>
+            </a:p>
+          </p:txBody>
+        </p:sp>
+      </p:grpSp>
+      <p:cxnSp>
+        <p:nvCxnSpPr>
+          <p:cNvPr id="31" name="Connettore 4 30"/>
+          <p:cNvCxnSpPr>
+            <a:stCxn id="29" idx="5"/>
+            <a:endCxn id="3" idx="1"/>
+          </p:cNvCxnSpPr>
+          <p:nvPr/>
+        </p:nvCxnSpPr>
+        <p:spPr>
+          <a:xfrm rot="5400000" flipH="1" flipV="1">
+            <a:off x="767580" y="4222521"/>
+            <a:ext cx="1935912" cy="554090"/>
+          </a:xfrm>
+          <a:prstGeom prst="bentConnector2">
+            <a:avLst/>
+          </a:prstGeom>
+          <a:ln>
+            <a:tailEnd type="arrow"/>
+          </a:ln>
+        </p:spPr>
+        <p:style>
+          <a:lnRef idx="1">
+            <a:schemeClr val="accent1"/>
+          </a:lnRef>
+          <a:fillRef idx="0">
+            <a:schemeClr val="accent1"/>
+          </a:fillRef>
+          <a:effectRef idx="0">
+            <a:schemeClr val="accent1"/>
+          </a:effectRef>
+          <a:fontRef idx="minor">
+            <a:schemeClr val="tx1"/>
+          </a:fontRef>
+        </p:style>
+      </p:cxnSp>
+      <p:cxnSp>
+        <p:nvCxnSpPr>
+          <p:cNvPr id="35" name="Connettore 4 34"/>
+          <p:cNvCxnSpPr>
+            <a:stCxn id="3" idx="3"/>
+            <a:endCxn id="71" idx="2"/>
+          </p:cNvCxnSpPr>
+          <p:nvPr/>
+        </p:nvCxnSpPr>
+        <p:spPr>
+          <a:xfrm flipV="1">
+            <a:off x="3330014" y="3521171"/>
+            <a:ext cx="1309098" cy="10439"/>
+          </a:xfrm>
+          <a:prstGeom prst="bentConnector3">
+            <a:avLst/>
+          </a:prstGeom>
+          <a:ln>
+            <a:tailEnd type="arrow"/>
+          </a:ln>
+        </p:spPr>
+        <p:style>
+          <a:lnRef idx="1">
+            <a:schemeClr val="accent1"/>
+          </a:lnRef>
+          <a:fillRef idx="0">
+            <a:schemeClr val="accent1"/>
+          </a:fillRef>
+          <a:effectRef idx="0">
+            <a:schemeClr val="accent1"/>
+          </a:effectRef>
+          <a:fontRef idx="minor">
+            <a:schemeClr val="tx1"/>
+          </a:fontRef>
+        </p:style>
+      </p:cxnSp>
+      <p:sp>
+        <p:nvSpPr>
+          <p:cNvPr id="37" name="Rettangolo 36"/>
+          <p:cNvSpPr/>
+          <p:nvPr/>
+        </p:nvSpPr>
+        <p:spPr>
+          <a:xfrm>
+            <a:off x="2012018" y="4161770"/>
+            <a:ext cx="1378234" cy="675591"/>
+          </a:xfrm>
+          <a:prstGeom prst="rect">
+            <a:avLst/>
+          </a:prstGeom>
+          <a:solidFill>
+            <a:schemeClr val="accent6">
+              <a:lumMod val="20000"/>
+              <a:lumOff val="80000"/>
+            </a:schemeClr>
+          </a:solidFill>
+        </p:spPr>
+        <p:style>
+          <a:lnRef idx="2">
+            <a:schemeClr val="accent1">
+              <a:shade val="50000"/>
+            </a:schemeClr>
+          </a:lnRef>
+          <a:fillRef idx="1">
+            <a:schemeClr val="accent1"/>
+          </a:fillRef>
+          <a:effectRef idx="0">
+            <a:schemeClr val="accent1"/>
+          </a:effectRef>
+          <a:fontRef idx="minor">
+            <a:schemeClr val="lt1"/>
+          </a:fontRef>
+        </p:style>
+        <p:txBody>
+          <a:bodyPr rtlCol="0" anchor="ctr"/>
+          <a:lstStyle/>
+          <a:p>
+            <a:pPr algn="ctr"/>
+            <a:r>
+              <a:rPr lang="it-IT" sz="1400" dirty="0" smtClean="0">
+                <a:solidFill>
+                  <a:schemeClr val="tx1"/>
+                </a:solidFill>
+              </a:rPr>
+              <a:t>Iltel19</a:t>
+            </a:r>
+          </a:p>
+          <a:p>
+            <a:pPr algn="ctr"/>
+            <a:r>
+              <a:rPr lang="it-IT" sz="1200" dirty="0" err="1" smtClean="0">
+                <a:solidFill>
+                  <a:schemeClr val="tx1"/>
+                </a:solidFill>
+              </a:rPr>
+              <a:t>OutpuHandlerXXX</a:t>
+            </a:r>
+            <a:endParaRPr lang="en-GB" sz="1200" dirty="0">
+              <a:solidFill>
+                <a:schemeClr val="tx1"/>
+              </a:solidFill>
+            </a:endParaRPr>
+          </a:p>
+        </p:txBody>
+      </p:sp>
+      <p:sp>
+        <p:nvSpPr>
+          <p:cNvPr id="40" name="Ovale 39"/>
+          <p:cNvSpPr/>
+          <p:nvPr/>
+        </p:nvSpPr>
+        <p:spPr>
+          <a:xfrm>
+            <a:off x="6853081" y="4300081"/>
+            <a:ext cx="1927267" cy="603748"/>
+          </a:xfrm>
+          <a:prstGeom prst="ellipse">
+            <a:avLst/>
+          </a:prstGeom>
+          <a:solidFill>
+            <a:schemeClr val="accent5">
+              <a:lumMod val="20000"/>
+              <a:lumOff val="80000"/>
+            </a:schemeClr>
+          </a:solidFill>
+        </p:spPr>
+        <p:style>
+          <a:lnRef idx="1">
+            <a:schemeClr val="accent5"/>
+          </a:lnRef>
+          <a:fillRef idx="2">
+            <a:schemeClr val="accent5"/>
+          </a:fillRef>
+          <a:effectRef idx="1">
+            <a:schemeClr val="accent5"/>
+          </a:effectRef>
+          <a:fontRef idx="minor">
+            <a:schemeClr val="dk1"/>
+          </a:fontRef>
+        </p:style>
+        <p:txBody>
+          <a:bodyPr rtlCol="0" anchor="ctr"/>
+          <a:lstStyle/>
+          <a:p>
+            <a:pPr algn="ctr"/>
+            <a:r>
+              <a:rPr lang="en-GB" sz="1200" dirty="0"/>
+              <a:t>ITel19</a:t>
+            </a:r>
+          </a:p>
+          <a:p>
+            <a:pPr algn="ctr"/>
+            <a:r>
+              <a:rPr lang="en-GB" sz="1200" dirty="0" err="1"/>
+              <a:t>BusinessLogic</a:t>
+            </a:r>
+            <a:endParaRPr lang="en-GB" sz="1200" dirty="0"/>
+          </a:p>
+        </p:txBody>
+      </p:sp>
+      <p:cxnSp>
+        <p:nvCxnSpPr>
+          <p:cNvPr id="49" name="Connettore 4 48"/>
+          <p:cNvCxnSpPr>
+            <a:stCxn id="71" idx="6"/>
+            <a:endCxn id="40" idx="0"/>
+          </p:cNvCxnSpPr>
+          <p:nvPr/>
+        </p:nvCxnSpPr>
+        <p:spPr>
+          <a:xfrm>
+            <a:off x="6538844" y="3521171"/>
+            <a:ext cx="1277871" cy="778910"/>
+          </a:xfrm>
+          <a:prstGeom prst="bentConnector2">
+            <a:avLst/>
+          </a:prstGeom>
+          <a:ln>
+            <a:headEnd type="arrow"/>
+            <a:tailEnd type="arrow"/>
+          </a:ln>
+        </p:spPr>
+        <p:style>
+          <a:lnRef idx="1">
+            <a:schemeClr val="accent1"/>
+          </a:lnRef>
+          <a:fillRef idx="0">
+            <a:schemeClr val="accent1"/>
+          </a:fillRef>
+          <a:effectRef idx="0">
+            <a:schemeClr val="accent1"/>
+          </a:effectRef>
+          <a:fontRef idx="minor">
+            <a:schemeClr val="tx1"/>
+          </a:fontRef>
+        </p:style>
+      </p:cxnSp>
+      <p:cxnSp>
+        <p:nvCxnSpPr>
+          <p:cNvPr id="68" name="Connettore 1 67"/>
+          <p:cNvCxnSpPr/>
+          <p:nvPr/>
+        </p:nvCxnSpPr>
+        <p:spPr>
+          <a:xfrm>
+            <a:off x="3446261" y="2652436"/>
+            <a:ext cx="0" cy="3278254"/>
+          </a:xfrm>
+          <a:prstGeom prst="line">
+            <a:avLst/>
+          </a:prstGeom>
+          <a:ln w="38100"/>
+        </p:spPr>
+        <p:style>
+          <a:lnRef idx="1">
+            <a:schemeClr val="accent1"/>
+          </a:lnRef>
+          <a:fillRef idx="0">
+            <a:schemeClr val="accent1"/>
+          </a:fillRef>
+          <a:effectRef idx="0">
+            <a:schemeClr val="accent1"/>
+          </a:effectRef>
+          <a:fontRef idx="minor">
+            <a:schemeClr val="tx1"/>
+          </a:fontRef>
+        </p:style>
+      </p:cxnSp>
+      <p:grpSp>
+        <p:nvGrpSpPr>
+          <p:cNvPr id="70" name="Gruppo 69"/>
+          <p:cNvGrpSpPr/>
+          <p:nvPr/>
+        </p:nvGrpSpPr>
+        <p:grpSpPr>
+          <a:xfrm>
+            <a:off x="4639112" y="3113339"/>
+            <a:ext cx="1899732" cy="772447"/>
+            <a:chOff x="565700" y="4940367"/>
+            <a:chExt cx="805955" cy="772447"/>
+          </a:xfrm>
+        </p:grpSpPr>
+        <p:sp>
+          <p:nvSpPr>
+            <p:cNvPr id="71" name="Ovale 70"/>
+            <p:cNvSpPr/>
+            <p:nvPr/>
+          </p:nvSpPr>
+          <p:spPr>
+            <a:xfrm>
+              <a:off x="565700" y="4983583"/>
+              <a:ext cx="805955" cy="729231"/>
+            </a:xfrm>
+            <a:prstGeom prst="ellipse">
+              <a:avLst/>
+            </a:prstGeom>
+            <a:ln/>
+          </p:spPr>
+          <p:style>
+            <a:lnRef idx="1">
+              <a:schemeClr val="accent4"/>
+            </a:lnRef>
+            <a:fillRef idx="2">
+              <a:schemeClr val="accent4"/>
+            </a:fillRef>
+            <a:effectRef idx="1">
+              <a:schemeClr val="accent4"/>
+            </a:effectRef>
+            <a:fontRef idx="minor">
+              <a:schemeClr val="dk1"/>
+            </a:fontRef>
+          </p:style>
+          <p:txBody>
+            <a:bodyPr rtlCol="0" anchor="ctr"/>
+            <a:lstStyle/>
+            <a:p>
+              <a:pPr algn="ctr"/>
+              <a:r>
+                <a:rPr lang="en-GB" sz="1200" dirty="0"/>
+                <a:t> </a:t>
+              </a:r>
+            </a:p>
+          </p:txBody>
+        </p:sp>
+        <p:sp>
+          <p:nvSpPr>
+            <p:cNvPr id="72" name="Triangolo isoscele 71"/>
+            <p:cNvSpPr/>
+            <p:nvPr/>
+          </p:nvSpPr>
+          <p:spPr>
+            <a:xfrm rot="16200000">
+              <a:off x="960472" y="4928411"/>
+              <a:ext cx="45719" cy="69631"/>
+            </a:xfrm>
+            <a:prstGeom prst="triangle">
+              <a:avLst/>
+            </a:prstGeom>
+            <a:solidFill>
+              <a:srgbClr val="C00000"/>
+            </a:solidFill>
+            <a:ln/>
+          </p:spPr>
+          <p:style>
+            <a:lnRef idx="1">
+              <a:schemeClr val="accent5"/>
+            </a:lnRef>
+            <a:fillRef idx="2">
+              <a:schemeClr val="accent5"/>
+            </a:fillRef>
+            <a:effectRef idx="1">
+              <a:schemeClr val="accent5"/>
+            </a:effectRef>
+            <a:fontRef idx="minor">
+              <a:schemeClr val="dk1"/>
+            </a:fontRef>
+          </p:style>
+          <p:txBody>
+            <a:bodyPr rtlCol="0" anchor="ctr"/>
+            <a:lstStyle/>
+            <a:p>
+              <a:pPr algn="ctr"/>
+              <a:endParaRPr lang="en-GB" sz="1200">
+                <a:solidFill>
+                  <a:schemeClr val="dk1"/>
+                </a:solidFill>
+              </a:endParaRPr>
+            </a:p>
+          </p:txBody>
+        </p:sp>
+      </p:grpSp>
+      <p:sp>
+        <p:nvSpPr>
+          <p:cNvPr id="73" name="CasellaDiTesto 72"/>
+          <p:cNvSpPr txBox="1"/>
+          <p:nvPr/>
+        </p:nvSpPr>
+        <p:spPr>
+          <a:xfrm>
+            <a:off x="5099838" y="3290337"/>
+            <a:ext cx="978281" cy="461665"/>
+          </a:xfrm>
+          <a:prstGeom prst="rect">
+            <a:avLst/>
+          </a:prstGeom>
+          <a:noFill/>
+        </p:spPr>
+        <p:txBody>
+          <a:bodyPr wrap="none" rtlCol="0">
+            <a:spAutoFit/>
+          </a:bodyPr>
+          <a:lstStyle/>
+          <a:p>
+            <a:pPr algn="ctr"/>
+            <a:r>
+              <a:rPr lang="en-GB" sz="1200" dirty="0"/>
+              <a:t>ITel19server</a:t>
+            </a:r>
+          </a:p>
+          <a:p>
+            <a:pPr algn="ctr"/>
+            <a:r>
+              <a:rPr lang="en-GB" sz="1200" dirty="0" err="1" smtClean="0"/>
+              <a:t>ForLegayXXX</a:t>
+            </a:r>
+            <a:endParaRPr lang="en-GB" sz="1200" dirty="0">
+              <a:cs typeface="Arial" panose="020B0604020202020204" pitchFamily="34" charset="0"/>
+            </a:endParaRPr>
+          </a:p>
+        </p:txBody>
+      </p:sp>
+      <p:sp>
+        <p:nvSpPr>
+          <p:cNvPr id="81" name="Figura a mano libera 80"/>
+          <p:cNvSpPr/>
+          <p:nvPr/>
+        </p:nvSpPr>
+        <p:spPr>
+          <a:xfrm>
+            <a:off x="5132490" y="6012178"/>
+            <a:ext cx="817930" cy="648072"/>
+          </a:xfrm>
+          <a:custGeom>
+            <a:avLst/>
+            <a:gdLst>
+              <a:gd name="connsiteX0" fmla="*/ 168812 w 773723"/>
+              <a:gd name="connsiteY0" fmla="*/ 0 h 604911"/>
+              <a:gd name="connsiteX1" fmla="*/ 168812 w 773723"/>
+              <a:gd name="connsiteY1" fmla="*/ 0 h 604911"/>
+              <a:gd name="connsiteX2" fmla="*/ 28135 w 773723"/>
+              <a:gd name="connsiteY2" fmla="*/ 70339 h 604911"/>
+              <a:gd name="connsiteX3" fmla="*/ 0 w 773723"/>
+              <a:gd name="connsiteY3" fmla="*/ 112542 h 604911"/>
+              <a:gd name="connsiteX4" fmla="*/ 14068 w 773723"/>
+              <a:gd name="connsiteY4" fmla="*/ 492369 h 604911"/>
+              <a:gd name="connsiteX5" fmla="*/ 42203 w 773723"/>
+              <a:gd name="connsiteY5" fmla="*/ 520505 h 604911"/>
+              <a:gd name="connsiteX6" fmla="*/ 168812 w 773723"/>
+              <a:gd name="connsiteY6" fmla="*/ 576776 h 604911"/>
+              <a:gd name="connsiteX7" fmla="*/ 225083 w 773723"/>
+              <a:gd name="connsiteY7" fmla="*/ 604911 h 604911"/>
+              <a:gd name="connsiteX8" fmla="*/ 576775 w 773723"/>
+              <a:gd name="connsiteY8" fmla="*/ 590843 h 604911"/>
+              <a:gd name="connsiteX9" fmla="*/ 633046 w 773723"/>
+              <a:gd name="connsiteY9" fmla="*/ 393896 h 604911"/>
+              <a:gd name="connsiteX10" fmla="*/ 661181 w 773723"/>
+              <a:gd name="connsiteY10" fmla="*/ 365760 h 604911"/>
+              <a:gd name="connsiteX11" fmla="*/ 703385 w 773723"/>
+              <a:gd name="connsiteY11" fmla="*/ 337625 h 604911"/>
+              <a:gd name="connsiteX12" fmla="*/ 759655 w 773723"/>
+              <a:gd name="connsiteY12" fmla="*/ 295422 h 604911"/>
+              <a:gd name="connsiteX13" fmla="*/ 773723 w 773723"/>
+              <a:gd name="connsiteY13" fmla="*/ 253219 h 604911"/>
+              <a:gd name="connsiteX14" fmla="*/ 731520 w 773723"/>
+              <a:gd name="connsiteY14" fmla="*/ 154745 h 604911"/>
+              <a:gd name="connsiteX15" fmla="*/ 661181 w 773723"/>
+              <a:gd name="connsiteY15" fmla="*/ 84406 h 604911"/>
+              <a:gd name="connsiteX16" fmla="*/ 576775 w 773723"/>
+              <a:gd name="connsiteY16" fmla="*/ 28136 h 604911"/>
+              <a:gd name="connsiteX17" fmla="*/ 464234 w 773723"/>
+              <a:gd name="connsiteY17" fmla="*/ 42203 h 604911"/>
+              <a:gd name="connsiteX18" fmla="*/ 436098 w 773723"/>
+              <a:gd name="connsiteY18" fmla="*/ 70339 h 604911"/>
+              <a:gd name="connsiteX19" fmla="*/ 393895 w 773723"/>
+              <a:gd name="connsiteY19" fmla="*/ 84406 h 604911"/>
+              <a:gd name="connsiteX20" fmla="*/ 351692 w 773723"/>
+              <a:gd name="connsiteY20" fmla="*/ 70339 h 604911"/>
+              <a:gd name="connsiteX21" fmla="*/ 267286 w 773723"/>
+              <a:gd name="connsiteY21" fmla="*/ 56271 h 604911"/>
+              <a:gd name="connsiteX22" fmla="*/ 168812 w 773723"/>
+              <a:gd name="connsiteY22" fmla="*/ 0 h 604911"/>
+            </a:gdLst>
+            <a:ahLst/>
+            <a:cxnLst>
+              <a:cxn ang="0">
+                <a:pos x="connsiteX0" y="connsiteY0"/>
+              </a:cxn>
+              <a:cxn ang="0">
+                <a:pos x="connsiteX1" y="connsiteY1"/>
+              </a:cxn>
+              <a:cxn ang="0">
+                <a:pos x="connsiteX2" y="connsiteY2"/>
+              </a:cxn>
+              <a:cxn ang="0">
+                <a:pos x="connsiteX3" y="connsiteY3"/>
+              </a:cxn>
+              <a:cxn ang="0">
+                <a:pos x="connsiteX4" y="connsiteY4"/>
+              </a:cxn>
+              <a:cxn ang="0">
+                <a:pos x="connsiteX5" y="connsiteY5"/>
+              </a:cxn>
+              <a:cxn ang="0">
+                <a:pos x="connsiteX6" y="connsiteY6"/>
+              </a:cxn>
+              <a:cxn ang="0">
+                <a:pos x="connsiteX7" y="connsiteY7"/>
+              </a:cxn>
+              <a:cxn ang="0">
+                <a:pos x="connsiteX8" y="connsiteY8"/>
+              </a:cxn>
+              <a:cxn ang="0">
+                <a:pos x="connsiteX9" y="connsiteY9"/>
+              </a:cxn>
+              <a:cxn ang="0">
+                <a:pos x="connsiteX10" y="connsiteY10"/>
+              </a:cxn>
+              <a:cxn ang="0">
+                <a:pos x="connsiteX11" y="connsiteY11"/>
+              </a:cxn>
+              <a:cxn ang="0">
+                <a:pos x="connsiteX12" y="connsiteY12"/>
+              </a:cxn>
+              <a:cxn ang="0">
+                <a:pos x="connsiteX13" y="connsiteY13"/>
+              </a:cxn>
+              <a:cxn ang="0">
+                <a:pos x="connsiteX14" y="connsiteY14"/>
+              </a:cxn>
+              <a:cxn ang="0">
+                <a:pos x="connsiteX15" y="connsiteY15"/>
+              </a:cxn>
+              <a:cxn ang="0">
+                <a:pos x="connsiteX16" y="connsiteY16"/>
+              </a:cxn>
+              <a:cxn ang="0">
+                <a:pos x="connsiteX17" y="connsiteY17"/>
+              </a:cxn>
+              <a:cxn ang="0">
+                <a:pos x="connsiteX18" y="connsiteY18"/>
+              </a:cxn>
+              <a:cxn ang="0">
+                <a:pos x="connsiteX19" y="connsiteY19"/>
+              </a:cxn>
+              <a:cxn ang="0">
+                <a:pos x="connsiteX20" y="connsiteY20"/>
+              </a:cxn>
+              <a:cxn ang="0">
+                <a:pos x="connsiteX21" y="connsiteY21"/>
+              </a:cxn>
+              <a:cxn ang="0">
+                <a:pos x="connsiteX22" y="connsiteY22"/>
+              </a:cxn>
+            </a:cxnLst>
+            <a:rect l="l" t="t" r="r" b="b"/>
+            <a:pathLst>
+              <a:path w="773723" h="604911">
+                <a:moveTo>
+                  <a:pt x="168812" y="0"/>
+                </a:moveTo>
+                <a:lnTo>
+                  <a:pt x="168812" y="0"/>
+                </a:lnTo>
+                <a:cubicBezTo>
+                  <a:pt x="92586" y="28585"/>
+                  <a:pt x="68468" y="19923"/>
+                  <a:pt x="28135" y="70339"/>
+                </a:cubicBezTo>
+                <a:cubicBezTo>
+                  <a:pt x="17573" y="83541"/>
+                  <a:pt x="9378" y="98474"/>
+                  <a:pt x="0" y="112542"/>
+                </a:cubicBezTo>
+                <a:cubicBezTo>
+                  <a:pt x="4689" y="239151"/>
+                  <a:pt x="1031" y="366346"/>
+                  <a:pt x="14068" y="492369"/>
+                </a:cubicBezTo>
+                <a:cubicBezTo>
+                  <a:pt x="15433" y="505562"/>
+                  <a:pt x="31846" y="512219"/>
+                  <a:pt x="42203" y="520505"/>
+                </a:cubicBezTo>
+                <a:cubicBezTo>
+                  <a:pt x="111164" y="575674"/>
+                  <a:pt x="64716" y="524729"/>
+                  <a:pt x="168812" y="576776"/>
+                </a:cubicBezTo>
+                <a:lnTo>
+                  <a:pt x="225083" y="604911"/>
+                </a:lnTo>
+                <a:cubicBezTo>
+                  <a:pt x="342314" y="600222"/>
+                  <a:pt x="460118" y="603342"/>
+                  <a:pt x="576775" y="590843"/>
+                </a:cubicBezTo>
+                <a:cubicBezTo>
+                  <a:pt x="662467" y="581662"/>
+                  <a:pt x="629241" y="411651"/>
+                  <a:pt x="633046" y="393896"/>
+                </a:cubicBezTo>
+                <a:cubicBezTo>
+                  <a:pt x="635825" y="380927"/>
+                  <a:pt x="650824" y="374045"/>
+                  <a:pt x="661181" y="365760"/>
+                </a:cubicBezTo>
+                <a:cubicBezTo>
+                  <a:pt x="674384" y="355198"/>
+                  <a:pt x="689627" y="347452"/>
+                  <a:pt x="703385" y="337625"/>
+                </a:cubicBezTo>
+                <a:cubicBezTo>
+                  <a:pt x="722464" y="323997"/>
+                  <a:pt x="740898" y="309490"/>
+                  <a:pt x="759655" y="295422"/>
+                </a:cubicBezTo>
+                <a:cubicBezTo>
+                  <a:pt x="764344" y="281354"/>
+                  <a:pt x="773723" y="268048"/>
+                  <a:pt x="773723" y="253219"/>
+                </a:cubicBezTo>
+                <a:cubicBezTo>
+                  <a:pt x="773723" y="217181"/>
+                  <a:pt x="754492" y="180999"/>
+                  <a:pt x="731520" y="154745"/>
+                </a:cubicBezTo>
+                <a:cubicBezTo>
+                  <a:pt x="709685" y="129791"/>
+                  <a:pt x="688770" y="102799"/>
+                  <a:pt x="661181" y="84406"/>
+                </a:cubicBezTo>
+                <a:lnTo>
+                  <a:pt x="576775" y="28136"/>
+                </a:lnTo>
+                <a:cubicBezTo>
+                  <a:pt x="539261" y="32825"/>
+                  <a:pt x="500445" y="31340"/>
+                  <a:pt x="464234" y="42203"/>
+                </a:cubicBezTo>
+                <a:cubicBezTo>
+                  <a:pt x="451530" y="46014"/>
+                  <a:pt x="447471" y="63515"/>
+                  <a:pt x="436098" y="70339"/>
+                </a:cubicBezTo>
+                <a:cubicBezTo>
+                  <a:pt x="423383" y="77968"/>
+                  <a:pt x="407963" y="79717"/>
+                  <a:pt x="393895" y="84406"/>
+                </a:cubicBezTo>
+                <a:cubicBezTo>
+                  <a:pt x="379827" y="79717"/>
+                  <a:pt x="366167" y="73556"/>
+                  <a:pt x="351692" y="70339"/>
+                </a:cubicBezTo>
+                <a:cubicBezTo>
+                  <a:pt x="323848" y="64151"/>
+                  <a:pt x="294346" y="65291"/>
+                  <a:pt x="267286" y="56271"/>
+                </a:cubicBezTo>
+                <a:cubicBezTo>
+                  <a:pt x="167275" y="22934"/>
+                  <a:pt x="185224" y="9378"/>
+                  <a:pt x="168812" y="0"/>
+                </a:cubicBezTo>
+                <a:close/>
+              </a:path>
+            </a:pathLst>
+          </a:custGeom>
+          <a:solidFill>
+            <a:schemeClr val="bg1"/>
+          </a:solidFill>
+        </p:spPr>
+        <p:style>
+          <a:lnRef idx="2">
+            <a:schemeClr val="accent1">
+              <a:shade val="50000"/>
+            </a:schemeClr>
+          </a:lnRef>
+          <a:fillRef idx="1">
+            <a:schemeClr val="accent1"/>
+          </a:fillRef>
+          <a:effectRef idx="0">
+            <a:schemeClr val="accent1"/>
+          </a:effectRef>
+          <a:fontRef idx="minor">
+            <a:schemeClr val="lt1"/>
+          </a:fontRef>
+        </p:style>
+        <p:txBody>
+          <a:bodyPr rtlCol="0" anchor="ctr"/>
+          <a:lstStyle/>
+          <a:p>
+            <a:pPr algn="ctr"/>
+            <a:endParaRPr lang="en-GB"/>
+          </a:p>
+        </p:txBody>
+      </p:sp>
+      <p:cxnSp>
+        <p:nvCxnSpPr>
+          <p:cNvPr id="92" name="Connettore 4 91"/>
+          <p:cNvCxnSpPr>
+            <a:stCxn id="71" idx="5"/>
+            <a:endCxn id="81" idx="13"/>
+          </p:cNvCxnSpPr>
+          <p:nvPr/>
+        </p:nvCxnSpPr>
+        <p:spPr>
+          <a:xfrm rot="5400000">
+            <a:off x="4853293" y="4876121"/>
+            <a:ext cx="2504471" cy="310215"/>
+          </a:xfrm>
+          <a:prstGeom prst="bentConnector2">
+            <a:avLst/>
+          </a:prstGeom>
+          <a:ln>
+            <a:prstDash val="dash"/>
+            <a:tailEnd type="arrow"/>
+          </a:ln>
+        </p:spPr>
+        <p:style>
+          <a:lnRef idx="1">
+            <a:schemeClr val="accent1"/>
+          </a:lnRef>
+          <a:fillRef idx="0">
+            <a:schemeClr val="accent1"/>
+          </a:fillRef>
+          <a:effectRef idx="0">
+            <a:schemeClr val="accent1"/>
+          </a:effectRef>
+          <a:fontRef idx="minor">
+            <a:schemeClr val="tx1"/>
+          </a:fontRef>
+        </p:style>
+      </p:cxnSp>
+      <p:sp>
+        <p:nvSpPr>
+          <p:cNvPr id="101" name="Rettangolo 100"/>
+          <p:cNvSpPr/>
+          <p:nvPr/>
+        </p:nvSpPr>
+        <p:spPr>
+          <a:xfrm>
+            <a:off x="432489" y="242372"/>
+            <a:ext cx="8397521" cy="1170403"/>
+          </a:xfrm>
+          <a:prstGeom prst="rect">
+            <a:avLst/>
+          </a:prstGeom>
+          <a:solidFill>
+            <a:srgbClr val="FFFFCC"/>
+          </a:solidFill>
+        </p:spPr>
+        <p:style>
+          <a:lnRef idx="2">
+            <a:schemeClr val="accent1">
+              <a:shade val="50000"/>
+            </a:schemeClr>
+          </a:lnRef>
+          <a:fillRef idx="1">
+            <a:schemeClr val="accent1"/>
+          </a:fillRef>
+          <a:effectRef idx="0">
+            <a:schemeClr val="accent1"/>
+          </a:effectRef>
+          <a:fontRef idx="minor">
+            <a:schemeClr val="lt1"/>
+          </a:fontRef>
+        </p:style>
+        <p:txBody>
+          <a:bodyPr rtlCol="0" anchor="ctr"/>
+          <a:lstStyle/>
+          <a:p>
+            <a:pPr algn="ctr"/>
+            <a:r>
+              <a:rPr lang="it-IT" dirty="0" smtClean="0">
+                <a:solidFill>
+                  <a:schemeClr val="tx1"/>
+                </a:solidFill>
+              </a:rPr>
+              <a:t>SmartEven2019</a:t>
+            </a:r>
+          </a:p>
+          <a:p>
+            <a:pPr algn="ctr"/>
+            <a:endParaRPr lang="it-IT" dirty="0" smtClean="0">
+              <a:solidFill>
+                <a:schemeClr val="tx1"/>
+              </a:solidFill>
+            </a:endParaRPr>
+          </a:p>
+          <a:p>
+            <a:pPr algn="ctr"/>
+            <a:endParaRPr lang="it-IT" dirty="0">
+              <a:solidFill>
+                <a:schemeClr val="tx1"/>
+              </a:solidFill>
+            </a:endParaRPr>
+          </a:p>
+          <a:p>
+            <a:pPr algn="ctr"/>
+            <a:endParaRPr lang="en-GB" dirty="0">
+              <a:solidFill>
+                <a:schemeClr val="tx1"/>
+              </a:solidFill>
+            </a:endParaRPr>
+          </a:p>
+        </p:txBody>
+      </p:sp>
+      <p:sp>
+        <p:nvSpPr>
+          <p:cNvPr id="102" name="Ovale 101"/>
+          <p:cNvSpPr/>
+          <p:nvPr/>
+        </p:nvSpPr>
+        <p:spPr>
+          <a:xfrm>
+            <a:off x="4364301" y="717588"/>
+            <a:ext cx="1927267" cy="603748"/>
+          </a:xfrm>
+          <a:prstGeom prst="ellipse">
+            <a:avLst/>
+          </a:prstGeom>
+          <a:solidFill>
+            <a:srgbClr val="FFCCFF"/>
+          </a:solidFill>
+        </p:spPr>
+        <p:style>
+          <a:lnRef idx="1">
+            <a:schemeClr val="accent5"/>
+          </a:lnRef>
+          <a:fillRef idx="2">
+            <a:schemeClr val="accent5"/>
+          </a:fillRef>
+          <a:effectRef idx="1">
+            <a:schemeClr val="accent5"/>
+          </a:effectRef>
+          <a:fontRef idx="minor">
+            <a:schemeClr val="dk1"/>
+          </a:fontRef>
+        </p:style>
+        <p:txBody>
+          <a:bodyPr rtlCol="0" anchor="ctr"/>
+          <a:lstStyle/>
+          <a:p>
+            <a:pPr algn="ctr"/>
+            <a:r>
+              <a:rPr lang="en-GB" sz="1200" dirty="0" smtClean="0"/>
+              <a:t>ITel19</a:t>
+            </a:r>
+          </a:p>
+          <a:p>
+            <a:pPr algn="ctr"/>
+            <a:r>
+              <a:rPr lang="en-GB" sz="1200" dirty="0" err="1" smtClean="0"/>
+              <a:t>BusinessLogic</a:t>
+            </a:r>
+            <a:endParaRPr lang="en-GB" sz="1200" dirty="0">
+              <a:cs typeface="Arial" panose="020B0604020202020204" pitchFamily="34" charset="0"/>
+            </a:endParaRPr>
+          </a:p>
+        </p:txBody>
+      </p:sp>
+      <p:sp>
+        <p:nvSpPr>
+          <p:cNvPr id="103" name="Rettangolo 102"/>
+          <p:cNvSpPr/>
+          <p:nvPr/>
+        </p:nvSpPr>
+        <p:spPr>
+          <a:xfrm>
+            <a:off x="502947" y="778825"/>
+            <a:ext cx="3709014" cy="468052"/>
+          </a:xfrm>
+          <a:prstGeom prst="rect">
+            <a:avLst/>
+          </a:prstGeom>
+          <a:solidFill>
+            <a:srgbClr val="CCFFFF"/>
+          </a:solidFill>
+        </p:spPr>
+        <p:style>
+          <a:lnRef idx="2">
+            <a:schemeClr val="accent1">
+              <a:shade val="50000"/>
+            </a:schemeClr>
+          </a:lnRef>
+          <a:fillRef idx="1">
+            <a:schemeClr val="accent1"/>
+          </a:fillRef>
+          <a:effectRef idx="0">
+            <a:schemeClr val="accent1"/>
+          </a:effectRef>
+          <a:fontRef idx="minor">
+            <a:schemeClr val="lt1"/>
+          </a:fontRef>
+        </p:style>
+        <p:txBody>
+          <a:bodyPr rtlCol="0" anchor="ctr"/>
+          <a:lstStyle/>
+          <a:p>
+            <a:pPr algn="ctr"/>
+            <a:r>
+              <a:rPr lang="it-IT" dirty="0" err="1" smtClean="0">
+                <a:solidFill>
+                  <a:schemeClr val="tx1"/>
+                </a:solidFill>
+              </a:rPr>
+              <a:t>LegacyXXXSpecificPart</a:t>
+            </a:r>
+            <a:endParaRPr lang="en-GB" dirty="0">
+              <a:solidFill>
+                <a:schemeClr val="tx1"/>
+              </a:solidFill>
+            </a:endParaRPr>
+          </a:p>
+        </p:txBody>
+      </p:sp>
+      <p:sp>
+        <p:nvSpPr>
+          <p:cNvPr id="104" name="Rettangolo 103"/>
+          <p:cNvSpPr/>
+          <p:nvPr/>
+        </p:nvSpPr>
+        <p:spPr>
+          <a:xfrm>
+            <a:off x="6444208" y="751788"/>
+            <a:ext cx="2143039" cy="535348"/>
+          </a:xfrm>
+          <a:prstGeom prst="rect">
+            <a:avLst/>
+          </a:prstGeom>
+          <a:solidFill>
+            <a:srgbClr val="99FFCC"/>
+          </a:solidFill>
+        </p:spPr>
+        <p:style>
+          <a:lnRef idx="2">
+            <a:schemeClr val="accent1">
+              <a:shade val="50000"/>
+            </a:schemeClr>
+          </a:lnRef>
+          <a:fillRef idx="1">
+            <a:schemeClr val="accent1"/>
+          </a:fillRef>
+          <a:effectRef idx="0">
+            <a:schemeClr val="accent1"/>
+          </a:effectRef>
+          <a:fontRef idx="minor">
+            <a:schemeClr val="lt1"/>
+          </a:fontRef>
+        </p:style>
+        <p:txBody>
+          <a:bodyPr rtlCol="0" anchor="ctr"/>
+          <a:lstStyle/>
+          <a:p>
+            <a:pPr algn="ctr"/>
+            <a:r>
+              <a:rPr lang="it-IT" sz="1400" dirty="0" smtClean="0">
+                <a:solidFill>
+                  <a:schemeClr val="tx1"/>
+                </a:solidFill>
+              </a:rPr>
+              <a:t>Iltel19Domain </a:t>
+            </a:r>
+          </a:p>
+          <a:p>
+            <a:pPr algn="ctr"/>
+            <a:r>
+              <a:rPr lang="it-IT" sz="1400" dirty="0" smtClean="0">
+                <a:solidFill>
+                  <a:schemeClr val="tx1"/>
+                </a:solidFill>
+              </a:rPr>
+              <a:t>(</a:t>
+            </a:r>
+            <a:r>
+              <a:rPr lang="it-IT" sz="1400" dirty="0" err="1" smtClean="0">
+                <a:solidFill>
+                  <a:schemeClr val="tx1"/>
+                </a:solidFill>
+              </a:rPr>
+              <a:t>Internal</a:t>
+            </a:r>
+            <a:r>
+              <a:rPr lang="it-IT" sz="1400" dirty="0" smtClean="0">
+                <a:solidFill>
+                  <a:schemeClr val="tx1"/>
+                </a:solidFill>
+              </a:rPr>
+              <a:t> </a:t>
+            </a:r>
+            <a:r>
+              <a:rPr lang="it-IT" sz="1400" dirty="0" err="1" smtClean="0">
+                <a:solidFill>
+                  <a:schemeClr val="tx1"/>
+                </a:solidFill>
+              </a:rPr>
+              <a:t>DataModel</a:t>
+            </a:r>
+            <a:r>
+              <a:rPr lang="it-IT" sz="1400" dirty="0" smtClean="0">
+                <a:solidFill>
+                  <a:schemeClr val="tx1"/>
+                </a:solidFill>
+              </a:rPr>
+              <a:t>)</a:t>
+            </a:r>
+            <a:endParaRPr lang="en-GB" sz="1400" dirty="0">
+              <a:solidFill>
+                <a:schemeClr val="tx1"/>
+              </a:solidFill>
+            </a:endParaRPr>
+          </a:p>
+        </p:txBody>
+      </p:sp>
+      <p:cxnSp>
+        <p:nvCxnSpPr>
+          <p:cNvPr id="107" name="Connettore 4 106"/>
+          <p:cNvCxnSpPr>
+            <a:stCxn id="71" idx="4"/>
+            <a:endCxn id="29" idx="5"/>
+          </p:cNvCxnSpPr>
+          <p:nvPr/>
+        </p:nvCxnSpPr>
+        <p:spPr>
+          <a:xfrm rot="5400000">
+            <a:off x="2732867" y="2611411"/>
+            <a:ext cx="1581736" cy="4130487"/>
+          </a:xfrm>
+          <a:prstGeom prst="bentConnector3">
+            <a:avLst/>
+          </a:prstGeom>
+          <a:ln>
+            <a:tailEnd type="arrow"/>
+          </a:ln>
+        </p:spPr>
+        <p:style>
+          <a:lnRef idx="1">
+            <a:schemeClr val="accent1"/>
+          </a:lnRef>
+          <a:fillRef idx="0">
+            <a:schemeClr val="accent1"/>
+          </a:fillRef>
+          <a:effectRef idx="0">
+            <a:schemeClr val="accent1"/>
+          </a:effectRef>
+          <a:fontRef idx="minor">
+            <a:schemeClr val="tx1"/>
+          </a:fontRef>
+        </p:style>
+      </p:cxnSp>
+      <p:cxnSp>
+        <p:nvCxnSpPr>
+          <p:cNvPr id="109" name="Connettore 1 108"/>
+          <p:cNvCxnSpPr/>
+          <p:nvPr/>
+        </p:nvCxnSpPr>
+        <p:spPr>
+          <a:xfrm flipV="1">
+            <a:off x="432489" y="642577"/>
+            <a:ext cx="8397522" cy="67848"/>
+          </a:xfrm>
+          <a:prstGeom prst="line">
+            <a:avLst/>
+          </a:prstGeom>
+        </p:spPr>
+        <p:style>
+          <a:lnRef idx="1">
+            <a:schemeClr val="accent1"/>
+          </a:lnRef>
+          <a:fillRef idx="0">
+            <a:schemeClr val="accent1"/>
+          </a:fillRef>
+          <a:effectRef idx="0">
+            <a:schemeClr val="accent1"/>
+          </a:effectRef>
+          <a:fontRef idx="minor">
+            <a:schemeClr val="tx1"/>
+          </a:fontRef>
+        </p:style>
+      </p:cxnSp>
+      <p:sp>
+        <p:nvSpPr>
+          <p:cNvPr id="112" name="CasellaDiTesto 111"/>
+          <p:cNvSpPr txBox="1"/>
+          <p:nvPr/>
+        </p:nvSpPr>
+        <p:spPr>
+          <a:xfrm>
+            <a:off x="1182697" y="1556792"/>
+            <a:ext cx="7099059" cy="646331"/>
+          </a:xfrm>
+          <a:prstGeom prst="rect">
+            <a:avLst/>
+          </a:prstGeom>
+          <a:noFill/>
+        </p:spPr>
+        <p:txBody>
+          <a:bodyPr wrap="none" rtlCol="0">
+            <a:spAutoFit/>
+          </a:bodyPr>
+          <a:lstStyle/>
+          <a:p>
+            <a:r>
+              <a:rPr lang="en-GB" dirty="0"/>
+              <a:t>The use cases could be implemented </a:t>
+            </a:r>
+            <a:r>
+              <a:rPr lang="en-GB" dirty="0"/>
+              <a:t> </a:t>
+            </a:r>
+            <a:r>
+              <a:rPr lang="en-GB" dirty="0" smtClean="0"/>
+              <a:t>using </a:t>
+            </a:r>
+            <a:r>
+              <a:rPr lang="en-GB" dirty="0"/>
+              <a:t>a </a:t>
+            </a:r>
+            <a:r>
+              <a:rPr lang="en-GB" b="1" dirty="0">
+                <a:solidFill>
+                  <a:srgbClr val="FF0000"/>
+                </a:solidFill>
+              </a:rPr>
+              <a:t>domain model </a:t>
+            </a:r>
+            <a:r>
+              <a:rPr lang="en-GB" dirty="0"/>
+              <a:t>independent </a:t>
+            </a:r>
+            <a:endParaRPr lang="en-GB" b="1" dirty="0" smtClean="0">
+              <a:solidFill>
+                <a:srgbClr val="FF0000"/>
+              </a:solidFill>
+            </a:endParaRPr>
+          </a:p>
+          <a:p>
+            <a:r>
+              <a:rPr lang="en-GB" dirty="0" smtClean="0"/>
+              <a:t>from </a:t>
+            </a:r>
+            <a:r>
+              <a:rPr lang="en-GB" dirty="0"/>
+              <a:t>any </a:t>
+            </a:r>
+            <a:r>
+              <a:rPr lang="en-GB" dirty="0" smtClean="0"/>
+              <a:t>specific input details</a:t>
+            </a:r>
+            <a:r>
+              <a:rPr lang="en-GB" dirty="0"/>
+              <a:t>.</a:t>
+            </a:r>
+            <a:endParaRPr lang="en-GB" dirty="0"/>
+          </a:p>
+        </p:txBody>
+      </p:sp>
+    </p:spTree>
+    <p:extLst>
+      <p:ext uri="{BB962C8B-B14F-4D97-AF65-F5344CB8AC3E}">
+        <p14:creationId xmlns:p14="http://schemas.microsoft.com/office/powerpoint/2010/main" val="3529288335"/>
+      </p:ext>
+    </p:extLst>
+  </p:cSld>
+  <p:clrMapOvr>
+    <a:masterClrMapping/>
+  </p:clrMapOvr>
+</p:sld>
+</file>
+
+<file path=ppt/slides/slide31.xml><?xml version="1.0" encoding="utf-8"?>
+<p:sld xmlns:a="http://schemas.openxmlformats.org/drawingml/2006/main" xmlns:r="http://schemas.openxmlformats.org/officeDocument/2006/relationships" xmlns:p="http://schemas.openxmlformats.org/presentationml/2006/main">
+  <p:cSld>
+    <p:spTree>
+      <p:nvGrpSpPr>
+        <p:cNvPr id="1" name=""/>
+        <p:cNvGrpSpPr/>
+        <p:nvPr/>
+      </p:nvGrpSpPr>
+      <p:grpSpPr>
+        <a:xfrm>
+          <a:off x="0" y="0"/>
+          <a:ext cx="0" cy="0"/>
+          <a:chOff x="0" y="0"/>
+          <a:chExt cx="0" cy="0"/>
+        </a:xfrm>
+      </p:grpSpPr>
+      <p:pic>
+        <p:nvPicPr>
+          <p:cNvPr id="1026" name="Picture 2" descr="portAdapterArch"/>
+          <p:cNvPicPr>
+            <a:picLocks noChangeAspect="1" noChangeArrowheads="1"/>
+          </p:cNvPicPr>
+          <p:nvPr/>
+        </p:nvPicPr>
+        <p:blipFill>
+          <a:blip r:embed="rId2">
+            <a:extLst>
+              <a:ext uri="{28A0092B-C50C-407E-A947-70E740481C1C}">
+                <a14:useLocalDpi xmlns:a14="http://schemas.microsoft.com/office/drawing/2010/main" val="0"/>
+              </a:ext>
+            </a:extLst>
+          </a:blip>
+          <a:srcRect/>
+          <a:stretch>
+            <a:fillRect/>
+          </a:stretch>
+        </p:blipFill>
+        <p:spPr bwMode="auto">
+          <a:xfrm>
+            <a:off x="755576" y="404664"/>
+            <a:ext cx="7560840" cy="5640365"/>
+          </a:xfrm>
+          <a:prstGeom prst="rect">
+            <a:avLst/>
+          </a:prstGeom>
+          <a:noFill/>
+          <a:extLst>
+            <a:ext uri="{909E8E84-426E-40DD-AFC4-6F175D3DCCD1}">
+              <a14:hiddenFill xmlns:a14="http://schemas.microsoft.com/office/drawing/2010/main">
+                <a:solidFill>
+                  <a:srgbClr val="FFFFFF"/>
+                </a:solidFill>
+              </a14:hiddenFill>
+            </a:ext>
+          </a:extLst>
+        </p:spPr>
+      </p:pic>
+      <p:graphicFrame>
+        <p:nvGraphicFramePr>
+          <p:cNvPr id="3" name="Tabella 2"/>
+          <p:cNvGraphicFramePr>
+            <a:graphicFrameLocks noGrp="1"/>
+          </p:cNvGraphicFramePr>
+          <p:nvPr>
+            <p:extLst>
+              <p:ext uri="{D42A27DB-BD31-4B8C-83A1-F6EECF244321}">
+                <p14:modId xmlns:p14="http://schemas.microsoft.com/office/powerpoint/2010/main" val="2533244005"/>
+              </p:ext>
+            </p:extLst>
+          </p:nvPr>
+        </p:nvGraphicFramePr>
+        <p:xfrm>
+          <a:off x="86816" y="122168"/>
+          <a:ext cx="8229600" cy="282496"/>
+        </p:xfrm>
+        <a:graphic>
+          <a:graphicData uri="http://schemas.openxmlformats.org/drawingml/2006/table">
+            <a:tbl>
+              <a:tblPr/>
+              <a:tblGrid>
+                <a:gridCol w="8229600"/>
+              </a:tblGrid>
+              <a:tr h="0">
+                <a:tc>
+                  <a:txBody>
+                    <a:bodyPr/>
+                    <a:lstStyle/>
+                    <a:p>
+                      <a:r>
+                        <a:rPr lang="en-GB" sz="1400" b="1" dirty="0">
+                          <a:solidFill>
+                            <a:srgbClr val="242424"/>
+                          </a:solidFill>
+                          <a:effectLst/>
+                          <a:latin typeface="Tahoma"/>
+                        </a:rPr>
+                        <a:t>From </a:t>
+                      </a:r>
+                      <a:r>
+                        <a:rPr lang="en-GB" sz="1400" b="1" u="sng" dirty="0">
+                          <a:solidFill>
+                            <a:srgbClr val="545454"/>
+                          </a:solidFill>
+                          <a:effectLst/>
+                          <a:latin typeface="Tahoma"/>
+                          <a:hlinkClick r:id="rId3"/>
+                        </a:rPr>
+                        <a:t>The Clean Architecture</a:t>
+                      </a:r>
+                      <a:endParaRPr lang="en-GB" sz="1400" b="1" dirty="0">
+                        <a:solidFill>
+                          <a:srgbClr val="242424"/>
+                        </a:solidFill>
+                        <a:effectLst/>
+                        <a:latin typeface="Tahoma"/>
+                      </a:endParaRPr>
+                    </a:p>
+                  </a:txBody>
+                  <a:tcPr marL="69136" marR="69136" marT="34568" marB="34568" anchor="ctr">
+                    <a:lnL w="9525" cap="flat" cmpd="sng" algn="ctr">
+                      <a:solidFill>
+                        <a:srgbClr val="000000"/>
+                      </a:solidFill>
+                      <a:prstDash val="solid"/>
+                      <a:round/>
+                      <a:headEnd type="none" w="med" len="med"/>
+                      <a:tailEnd type="none" w="med" len="med"/>
+                    </a:lnL>
+                    <a:lnR w="9525" cap="flat" cmpd="sng" algn="ctr">
+                      <a:solidFill>
+                        <a:srgbClr val="000000"/>
+                      </a:solidFill>
+                      <a:prstDash val="solid"/>
+                      <a:round/>
+                      <a:headEnd type="none" w="med" len="med"/>
+                      <a:tailEnd type="none" w="med" len="med"/>
+                    </a:lnR>
+                    <a:lnT w="9525" cap="flat" cmpd="sng" algn="ctr">
+                      <a:solidFill>
+                        <a:srgbClr val="000000"/>
+                      </a:solidFill>
+                      <a:prstDash val="solid"/>
+                      <a:round/>
+                      <a:headEnd type="none" w="med" len="med"/>
+                      <a:tailEnd type="none" w="med" len="med"/>
+                    </a:lnT>
+                    <a:lnB w="9525" cap="flat" cmpd="sng" algn="ctr">
+                      <a:solidFill>
+                        <a:srgbClr val="000000"/>
+                      </a:solidFill>
+                      <a:prstDash val="solid"/>
+                      <a:round/>
+                      <a:headEnd type="none" w="med" len="med"/>
+                      <a:tailEnd type="none" w="med" len="med"/>
+                    </a:lnB>
+                  </a:tcPr>
+                </a:tc>
+              </a:tr>
+            </a:tbl>
+          </a:graphicData>
+        </a:graphic>
+      </p:graphicFrame>
+    </p:spTree>
+    <p:extLst>
+      <p:ext uri="{BB962C8B-B14F-4D97-AF65-F5344CB8AC3E}">
+        <p14:creationId xmlns:p14="http://schemas.microsoft.com/office/powerpoint/2010/main" val="2057688776"/>
+      </p:ext>
+    </p:extLst>
+  </p:cSld>
+  <p:clrMapOvr>
+    <a:masterClrMapping/>
+  </p:clrMapOvr>
+</p:sld>
+</file>
+
+<file path=ppt/slides/slide32.xml><?xml version="1.0" encoding="utf-8"?>
+<p:sld xmlns:a="http://schemas.openxmlformats.org/drawingml/2006/main" xmlns:r="http://schemas.openxmlformats.org/officeDocument/2006/relationships" xmlns:p="http://schemas.openxmlformats.org/presentationml/2006/main">
+  <p:cSld>
+    <p:spTree>
+      <p:nvGrpSpPr>
+        <p:cNvPr id="1" name=""/>
+        <p:cNvGrpSpPr/>
+        <p:nvPr/>
+      </p:nvGrpSpPr>
+      <p:grpSpPr>
+        <a:xfrm>
+          <a:off x="0" y="0"/>
+          <a:ext cx="0" cy="0"/>
+          <a:chOff x="0" y="0"/>
+          <a:chExt cx="0" cy="0"/>
+        </a:xfrm>
+      </p:grpSpPr>
+      <p:sp>
+        <p:nvSpPr>
+          <p:cNvPr id="18" name="Rettangolo 17"/>
+          <p:cNvSpPr/>
+          <p:nvPr/>
+        </p:nvSpPr>
+        <p:spPr>
+          <a:xfrm>
+            <a:off x="1624590" y="251143"/>
+            <a:ext cx="2803395" cy="6264696"/>
+          </a:xfrm>
+          <a:prstGeom prst="rect">
+            <a:avLst/>
+          </a:prstGeom>
+          <a:solidFill>
+            <a:srgbClr val="CCFF99"/>
+          </a:solidFill>
+        </p:spPr>
+        <p:style>
+          <a:lnRef idx="2">
+            <a:schemeClr val="accent1">
+              <a:shade val="50000"/>
+            </a:schemeClr>
+          </a:lnRef>
+          <a:fillRef idx="1">
+            <a:schemeClr val="accent1"/>
+          </a:fillRef>
+          <a:effectRef idx="0">
+            <a:schemeClr val="accent1"/>
+          </a:effectRef>
+          <a:fontRef idx="minor">
+            <a:schemeClr val="lt1"/>
+          </a:fontRef>
+        </p:style>
+        <p:txBody>
+          <a:bodyPr rtlCol="0" anchor="ctr"/>
+          <a:lstStyle/>
+          <a:p>
+            <a:pPr algn="ctr"/>
+            <a:endParaRPr lang="en-GB"/>
+          </a:p>
+        </p:txBody>
+      </p:sp>
+      <p:sp>
+        <p:nvSpPr>
+          <p:cNvPr id="34" name="Rettangolo 33"/>
+          <p:cNvSpPr/>
+          <p:nvPr/>
+        </p:nvSpPr>
+        <p:spPr>
+          <a:xfrm>
+            <a:off x="1711130" y="4437112"/>
+            <a:ext cx="2621353" cy="2042385"/>
+          </a:xfrm>
+          <a:prstGeom prst="rect">
+            <a:avLst/>
+          </a:prstGeom>
+          <a:solidFill>
+            <a:srgbClr val="CCFFFF"/>
+          </a:solidFill>
+        </p:spPr>
+        <p:style>
+          <a:lnRef idx="2">
+            <a:schemeClr val="accent1">
+              <a:shade val="50000"/>
+            </a:schemeClr>
+          </a:lnRef>
+          <a:fillRef idx="1">
+            <a:schemeClr val="accent1"/>
+          </a:fillRef>
+          <a:effectRef idx="0">
+            <a:schemeClr val="accent1"/>
+          </a:effectRef>
+          <a:fontRef idx="minor">
+            <a:schemeClr val="lt1"/>
+          </a:fontRef>
+        </p:style>
+        <p:txBody>
+          <a:bodyPr rtlCol="0" anchor="ctr"/>
+          <a:lstStyle/>
+          <a:p>
+            <a:pPr algn="ctr"/>
+            <a:endParaRPr lang="en-GB">
+              <a:solidFill>
+                <a:schemeClr val="tx1"/>
+              </a:solidFill>
+            </a:endParaRPr>
+          </a:p>
+        </p:txBody>
+      </p:sp>
+      <p:sp>
+        <p:nvSpPr>
+          <p:cNvPr id="33" name="Rettangolo 32"/>
+          <p:cNvSpPr/>
+          <p:nvPr/>
+        </p:nvSpPr>
+        <p:spPr>
+          <a:xfrm>
+            <a:off x="1624590" y="476671"/>
+            <a:ext cx="2621353" cy="2189781"/>
+          </a:xfrm>
+          <a:prstGeom prst="rect">
+            <a:avLst/>
+          </a:prstGeom>
+          <a:solidFill>
+            <a:srgbClr val="CCFFFF"/>
+          </a:solidFill>
+        </p:spPr>
+        <p:style>
+          <a:lnRef idx="2">
+            <a:schemeClr val="accent1">
+              <a:shade val="50000"/>
+            </a:schemeClr>
+          </a:lnRef>
+          <a:fillRef idx="1">
+            <a:schemeClr val="accent1"/>
+          </a:fillRef>
+          <a:effectRef idx="0">
+            <a:schemeClr val="accent1"/>
+          </a:effectRef>
+          <a:fontRef idx="minor">
+            <a:schemeClr val="lt1"/>
+          </a:fontRef>
+        </p:style>
+        <p:txBody>
+          <a:bodyPr rtlCol="0" anchor="ctr"/>
+          <a:lstStyle/>
+          <a:p>
+            <a:pPr algn="ctr"/>
+            <a:endParaRPr lang="en-GB">
+              <a:solidFill>
+                <a:schemeClr val="tx1"/>
+              </a:solidFill>
+            </a:endParaRPr>
+          </a:p>
+        </p:txBody>
+      </p:sp>
+      <p:grpSp>
+        <p:nvGrpSpPr>
+          <p:cNvPr id="39" name="Gruppo 38"/>
+          <p:cNvGrpSpPr/>
+          <p:nvPr/>
+        </p:nvGrpSpPr>
+        <p:grpSpPr>
+          <a:xfrm>
+            <a:off x="5369726" y="3933056"/>
+            <a:ext cx="3384377" cy="2808312"/>
+            <a:chOff x="5436095" y="2015001"/>
+            <a:chExt cx="3384377" cy="2808312"/>
+          </a:xfrm>
+        </p:grpSpPr>
+        <p:sp>
+          <p:nvSpPr>
+            <p:cNvPr id="4" name="Ovale 3"/>
+            <p:cNvSpPr/>
+            <p:nvPr/>
+          </p:nvSpPr>
+          <p:spPr>
+            <a:xfrm>
+              <a:off x="5436095" y="2015001"/>
+              <a:ext cx="3384377" cy="2808312"/>
+            </a:xfrm>
+            <a:prstGeom prst="ellipse">
+              <a:avLst/>
+            </a:prstGeom>
+            <a:solidFill>
+              <a:srgbClr val="FFCCFF"/>
+            </a:solidFill>
+          </p:spPr>
+          <p:style>
+            <a:lnRef idx="2">
+              <a:schemeClr val="accent1">
+                <a:shade val="50000"/>
+              </a:schemeClr>
+            </a:lnRef>
+            <a:fillRef idx="1">
+              <a:schemeClr val="accent1"/>
+            </a:fillRef>
+            <a:effectRef idx="0">
+              <a:schemeClr val="accent1"/>
+            </a:effectRef>
+            <a:fontRef idx="minor">
+              <a:schemeClr val="lt1"/>
+            </a:fontRef>
+          </p:style>
+          <p:txBody>
+            <a:bodyPr rtlCol="0" anchor="ctr"/>
+            <a:lstStyle/>
+            <a:p>
+              <a:pPr algn="ctr"/>
+              <a:endParaRPr lang="en-GB"/>
+            </a:p>
+          </p:txBody>
+        </p:sp>
+        <p:sp>
+          <p:nvSpPr>
+            <p:cNvPr id="3" name="Ovale 2"/>
+            <p:cNvSpPr/>
+            <p:nvPr/>
+          </p:nvSpPr>
+          <p:spPr>
+            <a:xfrm>
+              <a:off x="6060615" y="2666453"/>
+              <a:ext cx="2088232" cy="1458370"/>
+            </a:xfrm>
+            <a:prstGeom prst="ellipse">
+              <a:avLst/>
+            </a:prstGeom>
+            <a:solidFill>
+              <a:srgbClr val="99FFCC"/>
+            </a:solidFill>
+          </p:spPr>
+          <p:style>
+            <a:lnRef idx="2">
+              <a:schemeClr val="accent1">
+                <a:shade val="50000"/>
+              </a:schemeClr>
+            </a:lnRef>
+            <a:fillRef idx="1">
+              <a:schemeClr val="accent1"/>
+            </a:fillRef>
+            <a:effectRef idx="0">
+              <a:schemeClr val="accent1"/>
+            </a:effectRef>
+            <a:fontRef idx="minor">
+              <a:schemeClr val="lt1"/>
+            </a:fontRef>
+          </p:style>
+          <p:txBody>
+            <a:bodyPr rtlCol="0" anchor="ctr"/>
+            <a:lstStyle/>
+            <a:p>
+              <a:pPr algn="ctr"/>
+              <a:r>
+                <a:rPr lang="it-IT" sz="1400" dirty="0">
+                  <a:solidFill>
+                    <a:schemeClr val="tx1"/>
+                  </a:solidFill>
+                </a:rPr>
+                <a:t>ITel20</a:t>
+              </a:r>
+            </a:p>
+            <a:p>
+              <a:pPr algn="ctr"/>
+              <a:r>
+                <a:rPr lang="it-IT" sz="1400" dirty="0">
+                  <a:solidFill>
+                    <a:schemeClr val="tx1"/>
+                  </a:solidFill>
+                </a:rPr>
+                <a:t>FHIR data model</a:t>
+              </a:r>
+              <a:endParaRPr lang="en-GB" sz="1400" dirty="0">
+                <a:solidFill>
+                  <a:schemeClr val="tx1"/>
+                </a:solidFill>
+              </a:endParaRPr>
+            </a:p>
+          </p:txBody>
+        </p:sp>
+        <p:sp>
+          <p:nvSpPr>
+            <p:cNvPr id="5" name="CasellaDiTesto 4"/>
+            <p:cNvSpPr txBox="1"/>
+            <p:nvPr/>
+          </p:nvSpPr>
+          <p:spPr>
+            <a:xfrm>
+              <a:off x="6450966" y="2049154"/>
+              <a:ext cx="1422569" cy="646331"/>
+            </a:xfrm>
+            <a:prstGeom prst="rect">
+              <a:avLst/>
+            </a:prstGeom>
+            <a:noFill/>
+          </p:spPr>
+          <p:txBody>
+            <a:bodyPr wrap="none" rtlCol="0">
+              <a:spAutoFit/>
+            </a:bodyPr>
+            <a:lstStyle/>
+            <a:p>
+              <a:r>
+                <a:rPr lang="it-IT" dirty="0" smtClean="0"/>
+                <a:t>SmartEven20</a:t>
+              </a:r>
+            </a:p>
+            <a:p>
+              <a:r>
+                <a:rPr lang="it-IT" dirty="0" smtClean="0"/>
+                <a:t>(controller)</a:t>
+              </a:r>
+              <a:endParaRPr lang="en-GB" dirty="0"/>
+            </a:p>
+          </p:txBody>
+        </p:sp>
+      </p:grpSp>
+      <p:sp>
+        <p:nvSpPr>
+          <p:cNvPr id="6" name="Rettangolo 5"/>
+          <p:cNvSpPr/>
+          <p:nvPr/>
+        </p:nvSpPr>
+        <p:spPr>
+          <a:xfrm>
+            <a:off x="1763467" y="729037"/>
+            <a:ext cx="1800200" cy="651452"/>
+          </a:xfrm>
+          <a:prstGeom prst="rect">
+            <a:avLst/>
+          </a:prstGeom>
+          <a:solidFill>
+            <a:schemeClr val="accent6">
+              <a:lumMod val="20000"/>
+              <a:lumOff val="80000"/>
+            </a:schemeClr>
+          </a:solidFill>
+        </p:spPr>
+        <p:style>
+          <a:lnRef idx="2">
+            <a:schemeClr val="accent1">
+              <a:shade val="50000"/>
+            </a:schemeClr>
+          </a:lnRef>
+          <a:fillRef idx="1">
+            <a:schemeClr val="accent1"/>
+          </a:fillRef>
+          <a:effectRef idx="0">
+            <a:schemeClr val="accent1"/>
+          </a:effectRef>
+          <a:fontRef idx="minor">
+            <a:schemeClr val="lt1"/>
+          </a:fontRef>
+        </p:style>
+        <p:txBody>
+          <a:bodyPr rtlCol="0" anchor="ctr"/>
+          <a:lstStyle/>
+          <a:p>
+            <a:pPr algn="ctr"/>
+            <a:r>
+              <a:rPr lang="it-IT" sz="2000" dirty="0">
+                <a:solidFill>
+                  <a:schemeClr val="tx1"/>
+                </a:solidFill>
+              </a:rPr>
+              <a:t>Iltel19</a:t>
+            </a:r>
+          </a:p>
+          <a:p>
+            <a:pPr algn="ctr"/>
+            <a:r>
+              <a:rPr lang="it-IT" dirty="0" err="1">
+                <a:solidFill>
+                  <a:schemeClr val="tx1"/>
+                </a:solidFill>
+              </a:rPr>
+              <a:t>InputHandlerXXX</a:t>
+            </a:r>
+            <a:endParaRPr lang="en-GB" dirty="0">
+              <a:solidFill>
+                <a:schemeClr val="tx1"/>
+              </a:solidFill>
+            </a:endParaRPr>
+          </a:p>
+        </p:txBody>
+      </p:sp>
+      <p:sp>
+        <p:nvSpPr>
+          <p:cNvPr id="7" name="Rettangolo 6"/>
+          <p:cNvSpPr/>
+          <p:nvPr/>
+        </p:nvSpPr>
+        <p:spPr>
+          <a:xfrm>
+            <a:off x="1756472" y="5677827"/>
+            <a:ext cx="1800200" cy="651452"/>
+          </a:xfrm>
+          <a:prstGeom prst="rect">
+            <a:avLst/>
+          </a:prstGeom>
+          <a:solidFill>
+            <a:schemeClr val="accent6">
+              <a:lumMod val="20000"/>
+              <a:lumOff val="80000"/>
+            </a:schemeClr>
+          </a:solidFill>
+        </p:spPr>
+        <p:style>
+          <a:lnRef idx="2">
+            <a:schemeClr val="accent1">
+              <a:shade val="50000"/>
+            </a:schemeClr>
+          </a:lnRef>
+          <a:fillRef idx="1">
+            <a:schemeClr val="accent1"/>
+          </a:fillRef>
+          <a:effectRef idx="0">
+            <a:schemeClr val="accent1"/>
+          </a:effectRef>
+          <a:fontRef idx="minor">
+            <a:schemeClr val="lt1"/>
+          </a:fontRef>
+        </p:style>
+        <p:txBody>
+          <a:bodyPr rtlCol="0" anchor="ctr"/>
+          <a:lstStyle/>
+          <a:p>
+            <a:pPr algn="ctr"/>
+            <a:r>
+              <a:rPr lang="it-IT" sz="2000" dirty="0" smtClean="0">
+                <a:solidFill>
+                  <a:schemeClr val="tx1"/>
+                </a:solidFill>
+              </a:rPr>
+              <a:t>Iltel20</a:t>
+            </a:r>
+            <a:endParaRPr lang="it-IT" sz="2000" dirty="0">
+              <a:solidFill>
+                <a:schemeClr val="tx1"/>
+              </a:solidFill>
+            </a:endParaRPr>
+          </a:p>
+          <a:p>
+            <a:pPr algn="ctr"/>
+            <a:r>
+              <a:rPr lang="it-IT" dirty="0" err="1" smtClean="0">
+                <a:solidFill>
+                  <a:schemeClr val="tx1"/>
+                </a:solidFill>
+              </a:rPr>
+              <a:t>InputHandlerZZZ</a:t>
+            </a:r>
+            <a:endParaRPr lang="en-GB" dirty="0">
+              <a:solidFill>
+                <a:schemeClr val="tx1"/>
+              </a:solidFill>
+            </a:endParaRPr>
+          </a:p>
+        </p:txBody>
+      </p:sp>
+      <p:grpSp>
+        <p:nvGrpSpPr>
+          <p:cNvPr id="8" name="Gruppo 7"/>
+          <p:cNvGrpSpPr/>
+          <p:nvPr/>
+        </p:nvGrpSpPr>
+        <p:grpSpPr>
+          <a:xfrm>
+            <a:off x="146854" y="650653"/>
+            <a:ext cx="1532662" cy="772447"/>
+            <a:chOff x="5498762" y="2072585"/>
+            <a:chExt cx="805955" cy="772447"/>
+          </a:xfrm>
+        </p:grpSpPr>
+        <p:grpSp>
+          <p:nvGrpSpPr>
+            <p:cNvPr id="9" name="Gruppo 8"/>
+            <p:cNvGrpSpPr/>
+            <p:nvPr/>
+          </p:nvGrpSpPr>
+          <p:grpSpPr>
+            <a:xfrm>
+              <a:off x="5498762" y="2072585"/>
+              <a:ext cx="805955" cy="772447"/>
+              <a:chOff x="565700" y="4940367"/>
+              <a:chExt cx="805955" cy="772447"/>
+            </a:xfrm>
+          </p:grpSpPr>
+          <p:sp>
+            <p:nvSpPr>
+              <p:cNvPr id="11" name="Ovale 10"/>
+              <p:cNvSpPr/>
+              <p:nvPr/>
+            </p:nvSpPr>
+            <p:spPr>
+              <a:xfrm>
+                <a:off x="565700" y="4983583"/>
+                <a:ext cx="805955" cy="729231"/>
+              </a:xfrm>
+              <a:prstGeom prst="ellipse">
+                <a:avLst/>
+              </a:prstGeom>
+              <a:solidFill>
+                <a:srgbClr val="FF99CC"/>
+              </a:solidFill>
+              <a:ln/>
+            </p:spPr>
+            <p:style>
+              <a:lnRef idx="1">
+                <a:schemeClr val="accent4"/>
+              </a:lnRef>
+              <a:fillRef idx="2">
+                <a:schemeClr val="accent4"/>
+              </a:fillRef>
+              <a:effectRef idx="1">
+                <a:schemeClr val="accent4"/>
+              </a:effectRef>
+              <a:fontRef idx="minor">
+                <a:schemeClr val="dk1"/>
+              </a:fontRef>
+            </p:style>
+            <p:txBody>
+              <a:bodyPr rtlCol="0" anchor="ctr"/>
+              <a:lstStyle/>
+              <a:p>
+                <a:pPr algn="ctr"/>
+                <a:r>
+                  <a:rPr lang="en-GB" sz="1200" dirty="0"/>
+                  <a:t> </a:t>
+                </a:r>
+              </a:p>
+            </p:txBody>
+          </p:sp>
+          <p:sp>
+            <p:nvSpPr>
+              <p:cNvPr id="12" name="Triangolo isoscele 11"/>
+              <p:cNvSpPr/>
+              <p:nvPr/>
+            </p:nvSpPr>
+            <p:spPr>
+              <a:xfrm rot="16200000">
+                <a:off x="905299" y="4913952"/>
+                <a:ext cx="86434" cy="139263"/>
+              </a:xfrm>
+              <a:prstGeom prst="triangle">
+                <a:avLst/>
+              </a:prstGeom>
+              <a:solidFill>
+                <a:srgbClr val="C00000"/>
+              </a:solidFill>
+              <a:ln/>
+            </p:spPr>
+            <p:style>
+              <a:lnRef idx="1">
+                <a:schemeClr val="accent5"/>
+              </a:lnRef>
+              <a:fillRef idx="2">
+                <a:schemeClr val="accent5"/>
+              </a:fillRef>
+              <a:effectRef idx="1">
+                <a:schemeClr val="accent5"/>
+              </a:effectRef>
+              <a:fontRef idx="minor">
+                <a:schemeClr val="dk1"/>
+              </a:fontRef>
+            </p:style>
+            <p:txBody>
+              <a:bodyPr rtlCol="0" anchor="ctr"/>
+              <a:lstStyle/>
+              <a:p>
+                <a:pPr algn="ctr"/>
+                <a:endParaRPr lang="en-GB" sz="1200">
+                  <a:solidFill>
+                    <a:schemeClr val="dk1"/>
+                  </a:solidFill>
+                </a:endParaRPr>
+              </a:p>
+            </p:txBody>
+          </p:sp>
+        </p:grpSp>
+        <p:sp>
+          <p:nvSpPr>
+            <p:cNvPr id="10" name="CasellaDiTesto 9"/>
+            <p:cNvSpPr txBox="1"/>
+            <p:nvPr/>
+          </p:nvSpPr>
+          <p:spPr>
+            <a:xfrm>
+              <a:off x="5719012" y="2295750"/>
+              <a:ext cx="423219" cy="523220"/>
+            </a:xfrm>
+            <a:prstGeom prst="rect">
+              <a:avLst/>
+            </a:prstGeom>
+            <a:noFill/>
+          </p:spPr>
+          <p:txBody>
+            <a:bodyPr wrap="none" rtlCol="0">
+              <a:spAutoFit/>
+            </a:bodyPr>
+            <a:lstStyle/>
+            <a:p>
+              <a:pPr algn="ctr"/>
+              <a:r>
+                <a:rPr lang="en-GB" sz="1400" b="1" dirty="0" err="1" smtClean="0"/>
+                <a:t>LegayXXX</a:t>
+              </a:r>
+              <a:endParaRPr lang="en-GB" sz="1400" b="1" dirty="0" smtClean="0"/>
+            </a:p>
+            <a:p>
+              <a:pPr algn="ctr"/>
+              <a:r>
+                <a:rPr lang="it-IT" sz="1400" b="1" dirty="0" smtClean="0">
+                  <a:solidFill>
+                    <a:srgbClr val="0070C0"/>
+                  </a:solidFill>
+                </a:rPr>
+                <a:t>HL7</a:t>
+              </a:r>
+              <a:endParaRPr lang="en-GB" sz="1400" dirty="0">
+                <a:solidFill>
+                  <a:srgbClr val="0070C0"/>
+                </a:solidFill>
+              </a:endParaRPr>
+            </a:p>
+          </p:txBody>
+        </p:sp>
+      </p:grpSp>
+      <p:grpSp>
+        <p:nvGrpSpPr>
+          <p:cNvPr id="13" name="Gruppo 12"/>
+          <p:cNvGrpSpPr/>
+          <p:nvPr/>
+        </p:nvGrpSpPr>
+        <p:grpSpPr>
+          <a:xfrm>
+            <a:off x="91928" y="5550533"/>
+            <a:ext cx="1532662" cy="772447"/>
+            <a:chOff x="5498762" y="2072585"/>
+            <a:chExt cx="805955" cy="772447"/>
+          </a:xfrm>
+        </p:grpSpPr>
+        <p:grpSp>
+          <p:nvGrpSpPr>
+            <p:cNvPr id="14" name="Gruppo 13"/>
+            <p:cNvGrpSpPr/>
+            <p:nvPr/>
+          </p:nvGrpSpPr>
+          <p:grpSpPr>
+            <a:xfrm>
+              <a:off x="5498762" y="2072585"/>
+              <a:ext cx="805955" cy="772447"/>
+              <a:chOff x="565700" y="4940367"/>
+              <a:chExt cx="805955" cy="772447"/>
+            </a:xfrm>
+          </p:grpSpPr>
+          <p:sp>
+            <p:nvSpPr>
+              <p:cNvPr id="16" name="Ovale 15"/>
+              <p:cNvSpPr/>
+              <p:nvPr/>
+            </p:nvSpPr>
+            <p:spPr>
+              <a:xfrm>
+                <a:off x="565700" y="4983583"/>
+                <a:ext cx="805955" cy="729231"/>
+              </a:xfrm>
+              <a:prstGeom prst="ellipse">
+                <a:avLst/>
+              </a:prstGeom>
+              <a:solidFill>
+                <a:srgbClr val="FF99CC"/>
+              </a:solidFill>
+              <a:ln/>
+            </p:spPr>
+            <p:style>
+              <a:lnRef idx="1">
+                <a:schemeClr val="accent4"/>
+              </a:lnRef>
+              <a:fillRef idx="2">
+                <a:schemeClr val="accent4"/>
+              </a:fillRef>
+              <a:effectRef idx="1">
+                <a:schemeClr val="accent4"/>
+              </a:effectRef>
+              <a:fontRef idx="minor">
+                <a:schemeClr val="dk1"/>
+              </a:fontRef>
+            </p:style>
+            <p:txBody>
+              <a:bodyPr rtlCol="0" anchor="ctr"/>
+              <a:lstStyle/>
+              <a:p>
+                <a:pPr algn="ctr"/>
+                <a:r>
+                  <a:rPr lang="en-GB" sz="1200" dirty="0"/>
+                  <a:t> </a:t>
+                </a:r>
+              </a:p>
+            </p:txBody>
+          </p:sp>
+          <p:sp>
+            <p:nvSpPr>
+              <p:cNvPr id="17" name="Triangolo isoscele 16"/>
+              <p:cNvSpPr/>
+              <p:nvPr/>
+            </p:nvSpPr>
+            <p:spPr>
+              <a:xfrm rot="16200000">
+                <a:off x="905299" y="4913952"/>
+                <a:ext cx="86434" cy="139263"/>
+              </a:xfrm>
+              <a:prstGeom prst="triangle">
+                <a:avLst/>
+              </a:prstGeom>
+              <a:solidFill>
+                <a:srgbClr val="C00000"/>
+              </a:solidFill>
+              <a:ln/>
+            </p:spPr>
+            <p:style>
+              <a:lnRef idx="1">
+                <a:schemeClr val="accent5"/>
+              </a:lnRef>
+              <a:fillRef idx="2">
+                <a:schemeClr val="accent5"/>
+              </a:fillRef>
+              <a:effectRef idx="1">
+                <a:schemeClr val="accent5"/>
+              </a:effectRef>
+              <a:fontRef idx="minor">
+                <a:schemeClr val="dk1"/>
+              </a:fontRef>
+            </p:style>
+            <p:txBody>
+              <a:bodyPr rtlCol="0" anchor="ctr"/>
+              <a:lstStyle/>
+              <a:p>
+                <a:pPr algn="ctr"/>
+                <a:endParaRPr lang="en-GB" sz="1200">
+                  <a:solidFill>
+                    <a:schemeClr val="dk1"/>
+                  </a:solidFill>
+                </a:endParaRPr>
+              </a:p>
+            </p:txBody>
+          </p:sp>
+        </p:grpSp>
+        <p:sp>
+          <p:nvSpPr>
+            <p:cNvPr id="15" name="CasellaDiTesto 14"/>
+            <p:cNvSpPr txBox="1"/>
+            <p:nvPr/>
+          </p:nvSpPr>
+          <p:spPr>
+            <a:xfrm>
+              <a:off x="5680993" y="2295750"/>
+              <a:ext cx="499259" cy="523220"/>
+            </a:xfrm>
+            <a:prstGeom prst="rect">
+              <a:avLst/>
+            </a:prstGeom>
+            <a:noFill/>
+          </p:spPr>
+          <p:txBody>
+            <a:bodyPr wrap="none" rtlCol="0">
+              <a:spAutoFit/>
+            </a:bodyPr>
+            <a:lstStyle/>
+            <a:p>
+              <a:pPr algn="ctr"/>
+              <a:r>
+                <a:rPr lang="en-GB" sz="1400" b="1" dirty="0" err="1" smtClean="0"/>
+                <a:t>LegagyZZZ</a:t>
+              </a:r>
+              <a:endParaRPr lang="en-GB" sz="1400" b="1" dirty="0" smtClean="0"/>
+            </a:p>
+            <a:p>
+              <a:pPr algn="ctr"/>
+              <a:r>
+                <a:rPr lang="it-IT" sz="1400" dirty="0" smtClean="0">
+                  <a:solidFill>
+                    <a:srgbClr val="0070C0"/>
+                  </a:solidFill>
+                </a:rPr>
+                <a:t>New</a:t>
+              </a:r>
+              <a:endParaRPr lang="en-GB" sz="1400" dirty="0">
+                <a:solidFill>
+                  <a:srgbClr val="0070C0"/>
+                </a:solidFill>
+              </a:endParaRPr>
+            </a:p>
+          </p:txBody>
+        </p:sp>
+      </p:grpSp>
+      <p:sp>
+        <p:nvSpPr>
+          <p:cNvPr id="20" name="Ovale 19"/>
+          <p:cNvSpPr/>
+          <p:nvPr/>
+        </p:nvSpPr>
+        <p:spPr>
+          <a:xfrm>
+            <a:off x="1805424" y="1383255"/>
+            <a:ext cx="2448272" cy="1000496"/>
+          </a:xfrm>
+          <a:prstGeom prst="ellipse">
+            <a:avLst/>
+          </a:prstGeom>
+        </p:spPr>
+        <p:style>
+          <a:lnRef idx="1">
+            <a:schemeClr val="accent5"/>
+          </a:lnRef>
+          <a:fillRef idx="2">
+            <a:schemeClr val="accent5"/>
+          </a:fillRef>
+          <a:effectRef idx="1">
+            <a:schemeClr val="accent5"/>
+          </a:effectRef>
+          <a:fontRef idx="minor">
+            <a:schemeClr val="dk1"/>
+          </a:fontRef>
+        </p:style>
+        <p:txBody>
+          <a:bodyPr rtlCol="0" anchor="ctr"/>
+          <a:lstStyle/>
+          <a:p>
+            <a:pPr algn="ctr"/>
+            <a:endParaRPr lang="en-GB" sz="1200" dirty="0" smtClean="0"/>
+          </a:p>
+          <a:p>
+            <a:pPr algn="ctr"/>
+            <a:r>
+              <a:rPr lang="en-GB" sz="1200" dirty="0" err="1" smtClean="0"/>
+              <a:t>HealthServiceLegacyXXX</a:t>
+            </a:r>
+            <a:endParaRPr lang="en-GB" sz="1200" dirty="0" smtClean="0"/>
+          </a:p>
+          <a:p>
+            <a:pPr algn="ctr"/>
+            <a:r>
+              <a:rPr lang="en-GB" sz="1200" dirty="0" smtClean="0"/>
+              <a:t>INCLUDES</a:t>
+            </a:r>
+          </a:p>
+          <a:p>
+            <a:pPr algn="ctr"/>
+            <a:r>
+              <a:rPr lang="en-GB" sz="1200" dirty="0" smtClean="0"/>
+              <a:t>ITel19codeForLegayXXX</a:t>
+            </a:r>
+            <a:endParaRPr lang="en-GB" sz="1200" dirty="0">
+              <a:cs typeface="Arial" panose="020B0604020202020204" pitchFamily="34" charset="0"/>
+            </a:endParaRPr>
+          </a:p>
+          <a:p>
+            <a:pPr algn="ctr"/>
+            <a:endParaRPr lang="en-GB" sz="1200" dirty="0" smtClean="0"/>
+          </a:p>
+          <a:p>
+            <a:pPr algn="ctr"/>
+            <a:endParaRPr lang="en-GB" sz="1200" dirty="0">
+              <a:cs typeface="Arial" panose="020B0604020202020204" pitchFamily="34" charset="0"/>
+            </a:endParaRPr>
+          </a:p>
+        </p:txBody>
+      </p:sp>
+      <p:sp>
+        <p:nvSpPr>
+          <p:cNvPr id="21" name="Ovale 20"/>
+          <p:cNvSpPr/>
+          <p:nvPr/>
+        </p:nvSpPr>
+        <p:spPr>
+          <a:xfrm>
+            <a:off x="1797671" y="4509120"/>
+            <a:ext cx="2448272" cy="1094840"/>
+          </a:xfrm>
+          <a:prstGeom prst="ellipse">
+            <a:avLst/>
+          </a:prstGeom>
+        </p:spPr>
+        <p:style>
+          <a:lnRef idx="1">
+            <a:schemeClr val="accent5"/>
+          </a:lnRef>
+          <a:fillRef idx="2">
+            <a:schemeClr val="accent5"/>
+          </a:fillRef>
+          <a:effectRef idx="1">
+            <a:schemeClr val="accent5"/>
+          </a:effectRef>
+          <a:fontRef idx="minor">
+            <a:schemeClr val="dk1"/>
+          </a:fontRef>
+        </p:style>
+        <p:txBody>
+          <a:bodyPr rtlCol="0" anchor="ctr"/>
+          <a:lstStyle/>
+          <a:p>
+            <a:pPr algn="ctr"/>
+            <a:r>
+              <a:rPr lang="en-GB" sz="1200" dirty="0" err="1" smtClean="0"/>
+              <a:t>HealthServiceLegacyZZZ</a:t>
+            </a:r>
+            <a:endParaRPr lang="en-GB" sz="1200" dirty="0" smtClean="0"/>
+          </a:p>
+          <a:p>
+            <a:pPr algn="ctr"/>
+            <a:r>
+              <a:rPr lang="en-GB" sz="1200" dirty="0"/>
+              <a:t>INCLUDES</a:t>
+            </a:r>
+          </a:p>
+          <a:p>
+            <a:pPr algn="ctr"/>
+            <a:r>
+              <a:rPr lang="en-GB" sz="1200" dirty="0" smtClean="0"/>
+              <a:t>ITel20codeForLegayXXX</a:t>
+            </a:r>
+            <a:endParaRPr lang="en-GB" sz="1200" dirty="0">
+              <a:cs typeface="Arial" panose="020B0604020202020204" pitchFamily="34" charset="0"/>
+            </a:endParaRPr>
+          </a:p>
+        </p:txBody>
+      </p:sp>
+      <p:grpSp>
+        <p:nvGrpSpPr>
+          <p:cNvPr id="23" name="Gruppo 22"/>
+          <p:cNvGrpSpPr/>
+          <p:nvPr/>
+        </p:nvGrpSpPr>
+        <p:grpSpPr>
+          <a:xfrm>
+            <a:off x="2244904" y="2673719"/>
+            <a:ext cx="2174002" cy="1490875"/>
+            <a:chOff x="565700" y="4963095"/>
+            <a:chExt cx="805955" cy="749719"/>
+          </a:xfrm>
+        </p:grpSpPr>
+        <p:sp>
+          <p:nvSpPr>
+            <p:cNvPr id="24" name="Ovale 23"/>
+            <p:cNvSpPr/>
+            <p:nvPr/>
+          </p:nvSpPr>
+          <p:spPr>
+            <a:xfrm>
+              <a:off x="565700" y="4983583"/>
+              <a:ext cx="805955" cy="729231"/>
+            </a:xfrm>
+            <a:prstGeom prst="ellipse">
+              <a:avLst/>
+            </a:prstGeom>
+            <a:ln/>
+          </p:spPr>
+          <p:style>
+            <a:lnRef idx="1">
+              <a:schemeClr val="accent4"/>
+            </a:lnRef>
+            <a:fillRef idx="2">
+              <a:schemeClr val="accent4"/>
+            </a:fillRef>
+            <a:effectRef idx="1">
+              <a:schemeClr val="accent4"/>
+            </a:effectRef>
+            <a:fontRef idx="minor">
+              <a:schemeClr val="dk1"/>
+            </a:fontRef>
+          </p:style>
+          <p:txBody>
+            <a:bodyPr rtlCol="0" anchor="ctr"/>
+            <a:lstStyle/>
+            <a:p>
+              <a:pPr algn="ctr"/>
+              <a:r>
+                <a:rPr lang="en-GB" sz="1200" dirty="0"/>
+                <a:t> </a:t>
+              </a:r>
+            </a:p>
+          </p:txBody>
+        </p:sp>
+        <p:sp>
+          <p:nvSpPr>
+            <p:cNvPr id="25" name="Triangolo isoscele 24"/>
+            <p:cNvSpPr/>
+            <p:nvPr/>
+          </p:nvSpPr>
+          <p:spPr>
+            <a:xfrm rot="16200000">
+              <a:off x="947101" y="4964510"/>
+              <a:ext cx="22991" cy="20161"/>
+            </a:xfrm>
+            <a:prstGeom prst="triangle">
+              <a:avLst/>
+            </a:prstGeom>
+            <a:solidFill>
+              <a:srgbClr val="C00000"/>
+            </a:solidFill>
+            <a:ln/>
+          </p:spPr>
+          <p:style>
+            <a:lnRef idx="1">
+              <a:schemeClr val="accent5"/>
+            </a:lnRef>
+            <a:fillRef idx="2">
+              <a:schemeClr val="accent5"/>
+            </a:fillRef>
+            <a:effectRef idx="1">
+              <a:schemeClr val="accent5"/>
+            </a:effectRef>
+            <a:fontRef idx="minor">
+              <a:schemeClr val="dk1"/>
+            </a:fontRef>
+          </p:style>
+          <p:txBody>
+            <a:bodyPr rtlCol="0" anchor="ctr"/>
+            <a:lstStyle/>
+            <a:p>
+              <a:pPr algn="ctr"/>
+              <a:endParaRPr lang="en-GB" sz="1200">
+                <a:solidFill>
+                  <a:schemeClr val="dk1"/>
+                </a:solidFill>
+              </a:endParaRPr>
+            </a:p>
+          </p:txBody>
+        </p:sp>
+      </p:grpSp>
+      <p:sp>
+        <p:nvSpPr>
+          <p:cNvPr id="26" name="CasellaDiTesto 25"/>
+          <p:cNvSpPr txBox="1"/>
+          <p:nvPr/>
+        </p:nvSpPr>
+        <p:spPr>
+          <a:xfrm>
+            <a:off x="2317494" y="3257128"/>
+            <a:ext cx="1979324" cy="400110"/>
+          </a:xfrm>
+          <a:prstGeom prst="rect">
+            <a:avLst/>
+          </a:prstGeom>
+          <a:noFill/>
+        </p:spPr>
+        <p:txBody>
+          <a:bodyPr wrap="none" rtlCol="0">
+            <a:spAutoFit/>
+          </a:bodyPr>
+          <a:lstStyle/>
+          <a:p>
+            <a:r>
+              <a:rPr lang="en-GB" sz="2000" dirty="0" smtClean="0"/>
+              <a:t>HealthAdapter20</a:t>
+            </a:r>
+            <a:endParaRPr lang="en-GB" sz="2000" dirty="0"/>
+          </a:p>
+        </p:txBody>
+      </p:sp>
+      <p:grpSp>
+        <p:nvGrpSpPr>
+          <p:cNvPr id="27" name="Gruppo 26"/>
+          <p:cNvGrpSpPr/>
+          <p:nvPr/>
+        </p:nvGrpSpPr>
+        <p:grpSpPr>
+          <a:xfrm>
+            <a:off x="4687689" y="2803181"/>
+            <a:ext cx="787334" cy="86434"/>
+            <a:chOff x="3452446" y="4176616"/>
+            <a:chExt cx="787334" cy="86434"/>
+          </a:xfrm>
+        </p:grpSpPr>
+        <p:sp>
+          <p:nvSpPr>
+            <p:cNvPr id="28" name="Triangolo isoscele 27"/>
+            <p:cNvSpPr/>
+            <p:nvPr/>
+          </p:nvSpPr>
+          <p:spPr>
+            <a:xfrm rot="5400000" flipH="1">
+              <a:off x="4126932" y="4150201"/>
+              <a:ext cx="86434" cy="139263"/>
+            </a:xfrm>
+            <a:prstGeom prst="triangle">
+              <a:avLst/>
+            </a:prstGeom>
+            <a:ln/>
+          </p:spPr>
+          <p:style>
+            <a:lnRef idx="1">
+              <a:schemeClr val="accent6"/>
+            </a:lnRef>
+            <a:fillRef idx="2">
+              <a:schemeClr val="accent6"/>
+            </a:fillRef>
+            <a:effectRef idx="1">
+              <a:schemeClr val="accent6"/>
+            </a:effectRef>
+            <a:fontRef idx="minor">
+              <a:schemeClr val="dk1"/>
+            </a:fontRef>
+          </p:style>
+          <p:txBody>
+            <a:bodyPr rtlCol="0" anchor="ctr"/>
+            <a:lstStyle/>
+            <a:p>
+              <a:pPr algn="ctr"/>
+              <a:endParaRPr lang="en-GB" sz="1200"/>
+            </a:p>
+          </p:txBody>
+        </p:sp>
+        <p:cxnSp>
+          <p:nvCxnSpPr>
+            <p:cNvPr id="29" name="Connettore 1 28"/>
+            <p:cNvCxnSpPr>
+              <a:endCxn id="28" idx="3"/>
+            </p:cNvCxnSpPr>
+            <p:nvPr/>
+          </p:nvCxnSpPr>
+          <p:spPr>
+            <a:xfrm>
+              <a:off x="3452446" y="4219627"/>
+              <a:ext cx="648072" cy="206"/>
+            </a:xfrm>
+            <a:prstGeom prst="line">
+              <a:avLst/>
+            </a:prstGeom>
+          </p:spPr>
+          <p:style>
+            <a:lnRef idx="1">
+              <a:schemeClr val="accent6"/>
+            </a:lnRef>
+            <a:fillRef idx="2">
+              <a:schemeClr val="accent6"/>
+            </a:fillRef>
+            <a:effectRef idx="1">
+              <a:schemeClr val="accent6"/>
+            </a:effectRef>
+            <a:fontRef idx="minor">
+              <a:schemeClr val="dk1"/>
+            </a:fontRef>
+          </p:style>
+        </p:cxnSp>
+      </p:grpSp>
+      <p:grpSp>
+        <p:nvGrpSpPr>
+          <p:cNvPr id="30" name="Gruppo 29"/>
+          <p:cNvGrpSpPr/>
+          <p:nvPr/>
+        </p:nvGrpSpPr>
+        <p:grpSpPr>
+          <a:xfrm>
+            <a:off x="4687689" y="2999386"/>
+            <a:ext cx="666895" cy="86434"/>
+            <a:chOff x="4592177" y="4419530"/>
+            <a:chExt cx="666895" cy="86434"/>
+          </a:xfrm>
+        </p:grpSpPr>
+        <p:cxnSp>
+          <p:nvCxnSpPr>
+            <p:cNvPr id="31" name="Connettore 1 30"/>
+            <p:cNvCxnSpPr/>
+            <p:nvPr/>
+          </p:nvCxnSpPr>
+          <p:spPr>
+            <a:xfrm>
+              <a:off x="4611000" y="4462747"/>
+              <a:ext cx="648072" cy="0"/>
+            </a:xfrm>
+            <a:prstGeom prst="line">
+              <a:avLst/>
+            </a:prstGeom>
+            <a:ln/>
+          </p:spPr>
+          <p:style>
+            <a:lnRef idx="1">
+              <a:schemeClr val="accent6"/>
+            </a:lnRef>
+            <a:fillRef idx="2">
+              <a:schemeClr val="accent6"/>
+            </a:fillRef>
+            <a:effectRef idx="1">
+              <a:schemeClr val="accent6"/>
+            </a:effectRef>
+            <a:fontRef idx="minor">
+              <a:schemeClr val="dk1"/>
+            </a:fontRef>
+          </p:style>
+        </p:cxnSp>
+        <p:sp>
+          <p:nvSpPr>
+            <p:cNvPr id="32" name="Triangolo isoscele 31"/>
+            <p:cNvSpPr/>
+            <p:nvPr/>
+          </p:nvSpPr>
+          <p:spPr>
+            <a:xfrm rot="16200000">
+              <a:off x="4618592" y="4393115"/>
+              <a:ext cx="86434" cy="139263"/>
+            </a:xfrm>
+            <a:prstGeom prst="triangle">
+              <a:avLst/>
+            </a:prstGeom>
+            <a:ln/>
+          </p:spPr>
+          <p:style>
+            <a:lnRef idx="1">
+              <a:schemeClr val="accent6"/>
+            </a:lnRef>
+            <a:fillRef idx="2">
+              <a:schemeClr val="accent6"/>
+            </a:fillRef>
+            <a:effectRef idx="1">
+              <a:schemeClr val="accent6"/>
+            </a:effectRef>
+            <a:fontRef idx="minor">
+              <a:schemeClr val="dk1"/>
+            </a:fontRef>
+          </p:style>
+          <p:txBody>
+            <a:bodyPr rtlCol="0" anchor="ctr"/>
+            <a:lstStyle/>
+            <a:p>
+              <a:pPr algn="ctr"/>
+              <a:endParaRPr lang="en-GB" sz="1200"/>
+            </a:p>
+          </p:txBody>
+        </p:sp>
+      </p:grpSp>
+      <p:sp>
+        <p:nvSpPr>
+          <p:cNvPr id="35" name="CasellaDiTesto 34"/>
+          <p:cNvSpPr txBox="1"/>
+          <p:nvPr/>
+        </p:nvSpPr>
+        <p:spPr>
+          <a:xfrm>
+            <a:off x="4743934" y="251143"/>
+            <a:ext cx="2146870" cy="1754326"/>
+          </a:xfrm>
+          <a:prstGeom prst="rect">
+            <a:avLst/>
+          </a:prstGeom>
+          <a:noFill/>
+        </p:spPr>
+        <p:txBody>
+          <a:bodyPr wrap="none" rtlCol="0">
+            <a:spAutoFit/>
+          </a:bodyPr>
+          <a:lstStyle/>
+          <a:p>
+            <a:r>
+              <a:rPr lang="it-IT" dirty="0" err="1" smtClean="0"/>
+              <a:t>registerHealthCenter</a:t>
+            </a:r>
+            <a:endParaRPr lang="it-IT" dirty="0" smtClean="0"/>
+          </a:p>
+          <a:p>
+            <a:r>
+              <a:rPr lang="it-IT" dirty="0"/>
+              <a:t>i</a:t>
+            </a:r>
+            <a:r>
+              <a:rPr lang="it-IT" dirty="0" smtClean="0"/>
+              <a:t>mport</a:t>
+            </a:r>
+          </a:p>
+          <a:p>
+            <a:r>
+              <a:rPr lang="it-IT" dirty="0" err="1" smtClean="0"/>
+              <a:t>enrollment</a:t>
+            </a:r>
+            <a:endParaRPr lang="it-IT" dirty="0" smtClean="0"/>
+          </a:p>
+          <a:p>
+            <a:r>
+              <a:rPr lang="it-IT" dirty="0"/>
+              <a:t>u</a:t>
+            </a:r>
+            <a:r>
+              <a:rPr lang="it-IT" dirty="0" smtClean="0"/>
+              <a:t>pdate</a:t>
+            </a:r>
+          </a:p>
+          <a:p>
+            <a:r>
+              <a:rPr lang="it-IT" dirty="0" err="1"/>
+              <a:t>n</a:t>
+            </a:r>
+            <a:r>
+              <a:rPr lang="it-IT" dirty="0" err="1" smtClean="0"/>
+              <a:t>otify</a:t>
+            </a:r>
+            <a:endParaRPr lang="it-IT" dirty="0" smtClean="0"/>
+          </a:p>
+          <a:p>
+            <a:r>
+              <a:rPr lang="it-IT" dirty="0" err="1" smtClean="0"/>
+              <a:t>getstatus</a:t>
+            </a:r>
+            <a:endParaRPr lang="en-GB" dirty="0"/>
+          </a:p>
+        </p:txBody>
+      </p:sp>
+      <p:grpSp>
+        <p:nvGrpSpPr>
+          <p:cNvPr id="36" name="Gruppo 35"/>
+          <p:cNvGrpSpPr/>
+          <p:nvPr/>
+        </p:nvGrpSpPr>
+        <p:grpSpPr>
+          <a:xfrm>
+            <a:off x="5736848" y="2272461"/>
+            <a:ext cx="2307911" cy="1490875"/>
+            <a:chOff x="565700" y="4963095"/>
+            <a:chExt cx="805955" cy="749719"/>
+          </a:xfrm>
+          <a:solidFill>
+            <a:srgbClr val="FF99CC"/>
+          </a:solidFill>
+        </p:grpSpPr>
+        <p:sp>
+          <p:nvSpPr>
+            <p:cNvPr id="37" name="Ovale 36"/>
+            <p:cNvSpPr/>
+            <p:nvPr/>
+          </p:nvSpPr>
+          <p:spPr>
+            <a:xfrm>
+              <a:off x="565700" y="4983583"/>
+              <a:ext cx="805955" cy="729231"/>
+            </a:xfrm>
+            <a:prstGeom prst="ellipse">
+              <a:avLst/>
+            </a:prstGeom>
+            <a:grpFill/>
+            <a:ln/>
+          </p:spPr>
+          <p:style>
+            <a:lnRef idx="1">
+              <a:schemeClr val="accent4"/>
+            </a:lnRef>
+            <a:fillRef idx="2">
+              <a:schemeClr val="accent4"/>
+            </a:fillRef>
+            <a:effectRef idx="1">
+              <a:schemeClr val="accent4"/>
+            </a:effectRef>
+            <a:fontRef idx="minor">
+              <a:schemeClr val="dk1"/>
+            </a:fontRef>
+          </p:style>
+          <p:txBody>
+            <a:bodyPr rtlCol="0" anchor="ctr"/>
+            <a:lstStyle/>
+            <a:p>
+              <a:pPr algn="ctr"/>
+              <a:r>
+                <a:rPr lang="en-GB" sz="1200" dirty="0"/>
+                <a:t> </a:t>
+              </a:r>
+            </a:p>
+          </p:txBody>
+        </p:sp>
+        <p:sp>
+          <p:nvSpPr>
+            <p:cNvPr id="38" name="Triangolo isoscele 37"/>
+            <p:cNvSpPr/>
+            <p:nvPr/>
+          </p:nvSpPr>
+          <p:spPr>
+            <a:xfrm rot="16200000">
+              <a:off x="947101" y="4964510"/>
+              <a:ext cx="22991" cy="20161"/>
+            </a:xfrm>
+            <a:prstGeom prst="triangle">
+              <a:avLst/>
+            </a:prstGeom>
+            <a:grpFill/>
+            <a:ln/>
+          </p:spPr>
+          <p:style>
+            <a:lnRef idx="1">
+              <a:schemeClr val="accent5"/>
+            </a:lnRef>
+            <a:fillRef idx="2">
+              <a:schemeClr val="accent5"/>
+            </a:fillRef>
+            <a:effectRef idx="1">
+              <a:schemeClr val="accent5"/>
+            </a:effectRef>
+            <a:fontRef idx="minor">
+              <a:schemeClr val="dk1"/>
+            </a:fontRef>
+          </p:style>
+          <p:txBody>
+            <a:bodyPr rtlCol="0" anchor="ctr"/>
+            <a:lstStyle/>
+            <a:p>
+              <a:pPr algn="ctr"/>
+              <a:endParaRPr lang="en-GB" sz="1200">
+                <a:solidFill>
+                  <a:schemeClr val="dk1"/>
+                </a:solidFill>
+              </a:endParaRPr>
+            </a:p>
+          </p:txBody>
+        </p:sp>
+      </p:grpSp>
+      <p:sp>
+        <p:nvSpPr>
+          <p:cNvPr id="42" name="CasellaDiTesto 41"/>
+          <p:cNvSpPr txBox="1"/>
+          <p:nvPr/>
+        </p:nvSpPr>
+        <p:spPr>
+          <a:xfrm>
+            <a:off x="6205397" y="2719438"/>
+            <a:ext cx="1255344" cy="646331"/>
+          </a:xfrm>
+          <a:prstGeom prst="rect">
+            <a:avLst/>
+          </a:prstGeom>
+          <a:noFill/>
+        </p:spPr>
+        <p:txBody>
+          <a:bodyPr wrap="none" rtlCol="0">
+            <a:spAutoFit/>
+          </a:bodyPr>
+          <a:lstStyle/>
+          <a:p>
+            <a:pPr algn="ctr"/>
+            <a:r>
+              <a:rPr lang="it-IT" dirty="0" err="1" smtClean="0"/>
+              <a:t>Itel</a:t>
+            </a:r>
+            <a:endParaRPr lang="it-IT" dirty="0" smtClean="0"/>
+          </a:p>
+          <a:p>
+            <a:pPr algn="ctr"/>
+            <a:r>
+              <a:rPr lang="it-IT" dirty="0" smtClean="0"/>
+              <a:t>FHIR server</a:t>
+            </a:r>
+            <a:endParaRPr lang="en-GB" dirty="0"/>
+          </a:p>
+        </p:txBody>
+      </p:sp>
+    </p:spTree>
+    <p:extLst>
+      <p:ext uri="{BB962C8B-B14F-4D97-AF65-F5344CB8AC3E}">
+        <p14:creationId xmlns:p14="http://schemas.microsoft.com/office/powerpoint/2010/main" val="1466230175"/>
+      </p:ext>
+    </p:extLst>
+  </p:cSld>
+  <p:clrMapOvr>
+    <a:masterClrMapping/>
+  </p:clrMapOvr>
+</p:sld>
+</file>
+
+<file path=ppt/slides/slide33.xml><?xml version="1.0" encoding="utf-8"?>
+<p:sld xmlns:a="http://schemas.openxmlformats.org/drawingml/2006/main" xmlns:r="http://schemas.openxmlformats.org/officeDocument/2006/relationships" xmlns:p="http://schemas.openxmlformats.org/presentationml/2006/main">
+  <p:cSld>
+    <p:spTree>
+      <p:nvGrpSpPr>
+        <p:cNvPr id="1" name=""/>
+        <p:cNvGrpSpPr/>
+        <p:nvPr/>
+      </p:nvGrpSpPr>
+      <p:grpSpPr>
+        <a:xfrm>
+          <a:off x="0" y="0"/>
+          <a:ext cx="0" cy="0"/>
+          <a:chOff x="0" y="0"/>
+          <a:chExt cx="0" cy="0"/>
+        </a:xfrm>
+      </p:grpSpPr>
+      <p:pic>
+        <p:nvPicPr>
+          <p:cNvPr id="3" name="Immagine 2"/>
+          <p:cNvPicPr>
+            <a:picLocks noChangeAspect="1"/>
+          </p:cNvPicPr>
+          <p:nvPr/>
+        </p:nvPicPr>
+        <p:blipFill>
+          <a:blip r:embed="rId2">
+            <a:extLst>
+              <a:ext uri="{28A0092B-C50C-407E-A947-70E740481C1C}">
+                <a14:useLocalDpi xmlns:a14="http://schemas.microsoft.com/office/drawing/2010/main" val="0"/>
+              </a:ext>
+            </a:extLst>
+          </a:blip>
+          <a:stretch>
+            <a:fillRect/>
+          </a:stretch>
+        </p:blipFill>
+        <p:spPr>
+          <a:xfrm>
+            <a:off x="323528" y="116632"/>
+            <a:ext cx="6010275" cy="3914775"/>
+          </a:xfrm>
+          <a:prstGeom prst="rect">
+            <a:avLst/>
+          </a:prstGeom>
+        </p:spPr>
+      </p:pic>
+    </p:spTree>
+    <p:extLst>
+      <p:ext uri="{BB962C8B-B14F-4D97-AF65-F5344CB8AC3E}">
+        <p14:creationId xmlns:p14="http://schemas.microsoft.com/office/powerpoint/2010/main" val="142788332"/>
+      </p:ext>
+    </p:extLst>
+  </p:cSld>
+  <p:clrMapOvr>
+    <a:masterClrMapping/>
+  </p:clrMapOvr>
+</p:sld>
+</file>
+
+<file path=ppt/slides/slide34.xml><?xml version="1.0" encoding="utf-8"?>
+<p:sld xmlns:a="http://schemas.openxmlformats.org/drawingml/2006/main" xmlns:r="http://schemas.openxmlformats.org/officeDocument/2006/relationships" xmlns:p="http://schemas.openxmlformats.org/presentationml/2006/main">
+  <p:cSld>
+    <p:spTree>
+      <p:nvGrpSpPr>
+        <p:cNvPr id="1" name=""/>
+        <p:cNvGrpSpPr/>
+        <p:nvPr/>
+      </p:nvGrpSpPr>
+      <p:grpSpPr>
+        <a:xfrm>
+          <a:off x="0" y="0"/>
+          <a:ext cx="0" cy="0"/>
+          <a:chOff x="0" y="0"/>
+          <a:chExt cx="0" cy="0"/>
+        </a:xfrm>
+      </p:grpSpPr>
+      <p:pic>
+        <p:nvPicPr>
+          <p:cNvPr id="2" name="Immagine 1"/>
+          <p:cNvPicPr>
+            <a:picLocks noChangeAspect="1"/>
+          </p:cNvPicPr>
+          <p:nvPr/>
+        </p:nvPicPr>
+        <p:blipFill>
+          <a:blip r:embed="rId2">
+            <a:extLst>
+              <a:ext uri="{28A0092B-C50C-407E-A947-70E740481C1C}">
+                <a14:useLocalDpi xmlns:a14="http://schemas.microsoft.com/office/drawing/2010/main" val="0"/>
+              </a:ext>
+            </a:extLst>
+          </a:blip>
+          <a:stretch>
+            <a:fillRect/>
+          </a:stretch>
+        </p:blipFill>
+        <p:spPr>
+          <a:xfrm>
+            <a:off x="111016" y="0"/>
+            <a:ext cx="8921967" cy="6858000"/>
+          </a:xfrm>
+          <a:prstGeom prst="rect">
+            <a:avLst/>
+          </a:prstGeom>
+        </p:spPr>
+      </p:pic>
+    </p:spTree>
+    <p:extLst>
+      <p:ext uri="{BB962C8B-B14F-4D97-AF65-F5344CB8AC3E}">
+        <p14:creationId xmlns:p14="http://schemas.microsoft.com/office/powerpoint/2010/main" val="2928571388"/>
+      </p:ext>
+    </p:extLst>
+  </p:cSld>
+  <p:clrMapOvr>
+    <a:masterClrMapping/>
+  </p:clrMapOvr>
+</p:sld>
+</file>
+
+<file path=ppt/slides/slide35.xml><?xml version="1.0" encoding="utf-8"?>
+<p:sld xmlns:a="http://schemas.openxmlformats.org/drawingml/2006/main" xmlns:r="http://schemas.openxmlformats.org/officeDocument/2006/relationships" xmlns:p="http://schemas.openxmlformats.org/presentationml/2006/main">
+  <p:cSld>
+    <p:spTree>
+      <p:nvGrpSpPr>
+        <p:cNvPr id="1" name=""/>
+        <p:cNvGrpSpPr/>
+        <p:nvPr/>
+      </p:nvGrpSpPr>
+      <p:grpSpPr>
+        <a:xfrm>
+          <a:off x="0" y="0"/>
+          <a:ext cx="0" cy="0"/>
+          <a:chOff x="0" y="0"/>
+          <a:chExt cx="0" cy="0"/>
+        </a:xfrm>
+      </p:grpSpPr>
+      <p:sp>
+        <p:nvSpPr>
+          <p:cNvPr id="5" name="Rettangolo 4"/>
+          <p:cNvSpPr/>
+          <p:nvPr/>
+        </p:nvSpPr>
+        <p:spPr>
+          <a:xfrm>
+            <a:off x="1304831" y="2112467"/>
+            <a:ext cx="5112568" cy="2160240"/>
+          </a:xfrm>
+          <a:prstGeom prst="rect">
+            <a:avLst/>
+          </a:prstGeom>
+          <a:solidFill>
+            <a:srgbClr val="CCFFFF"/>
+          </a:solidFill>
+        </p:spPr>
+        <p:style>
+          <a:lnRef idx="2">
+            <a:schemeClr val="accent1">
+              <a:shade val="50000"/>
+            </a:schemeClr>
+          </a:lnRef>
+          <a:fillRef idx="1">
+            <a:schemeClr val="accent1"/>
+          </a:fillRef>
+          <a:effectRef idx="0">
+            <a:schemeClr val="accent1"/>
+          </a:effectRef>
+          <a:fontRef idx="minor">
+            <a:schemeClr val="lt1"/>
+          </a:fontRef>
+        </p:style>
+        <p:txBody>
+          <a:bodyPr rtlCol="0" anchor="ctr"/>
+          <a:lstStyle/>
+          <a:p>
+            <a:pPr algn="ctr"/>
+            <a:endParaRPr lang="en-GB">
+              <a:solidFill>
+                <a:schemeClr val="tx1"/>
+              </a:solidFill>
+            </a:endParaRPr>
+          </a:p>
+        </p:txBody>
+      </p:sp>
+      <p:sp>
+        <p:nvSpPr>
+          <p:cNvPr id="3" name="Rettangolo 2"/>
+          <p:cNvSpPr/>
+          <p:nvPr/>
+        </p:nvSpPr>
+        <p:spPr>
+          <a:xfrm>
+            <a:off x="1357939" y="2333039"/>
+            <a:ext cx="1317433" cy="675591"/>
+          </a:xfrm>
+          <a:prstGeom prst="rect">
+            <a:avLst/>
+          </a:prstGeom>
+          <a:solidFill>
+            <a:schemeClr val="accent6">
+              <a:lumMod val="20000"/>
+              <a:lumOff val="80000"/>
+            </a:schemeClr>
+          </a:solidFill>
+        </p:spPr>
+        <p:style>
+          <a:lnRef idx="2">
+            <a:schemeClr val="accent1">
+              <a:shade val="50000"/>
+            </a:schemeClr>
+          </a:lnRef>
+          <a:fillRef idx="1">
+            <a:schemeClr val="accent1"/>
+          </a:fillRef>
+          <a:effectRef idx="0">
+            <a:schemeClr val="accent1"/>
+          </a:effectRef>
+          <a:fontRef idx="minor">
+            <a:schemeClr val="lt1"/>
+          </a:fontRef>
+        </p:style>
+        <p:txBody>
+          <a:bodyPr rtlCol="0" anchor="ctr"/>
+          <a:lstStyle/>
+          <a:p>
+            <a:pPr algn="ctr"/>
+            <a:r>
+              <a:rPr lang="it-IT" sz="1400" dirty="0" smtClean="0">
+                <a:solidFill>
+                  <a:schemeClr val="tx1"/>
+                </a:solidFill>
+              </a:rPr>
+              <a:t>Iltel19</a:t>
+            </a:r>
+          </a:p>
+          <a:p>
+            <a:pPr algn="ctr"/>
+            <a:r>
+              <a:rPr lang="it-IT" sz="1200" dirty="0" err="1" smtClean="0">
+                <a:solidFill>
+                  <a:schemeClr val="tx1"/>
+                </a:solidFill>
+              </a:rPr>
+              <a:t>InputHandlerXXX</a:t>
+            </a:r>
+            <a:endParaRPr lang="en-GB" sz="1200" dirty="0">
+              <a:solidFill>
+                <a:schemeClr val="tx1"/>
+              </a:solidFill>
+            </a:endParaRPr>
+          </a:p>
+        </p:txBody>
+      </p:sp>
+      <p:sp>
+        <p:nvSpPr>
+          <p:cNvPr id="7" name="Rettangolo 6"/>
+          <p:cNvSpPr/>
+          <p:nvPr/>
+        </p:nvSpPr>
+        <p:spPr>
+          <a:xfrm>
+            <a:off x="258465" y="2548528"/>
+            <a:ext cx="784085" cy="612526"/>
+          </a:xfrm>
+          <a:prstGeom prst="rect">
+            <a:avLst/>
+          </a:prstGeom>
+          <a:solidFill>
+            <a:schemeClr val="bg1">
+              <a:lumMod val="95000"/>
+            </a:schemeClr>
+          </a:solidFill>
+        </p:spPr>
+        <p:style>
+          <a:lnRef idx="2">
+            <a:schemeClr val="accent1">
+              <a:shade val="50000"/>
+            </a:schemeClr>
+          </a:lnRef>
+          <a:fillRef idx="1">
+            <a:schemeClr val="accent1"/>
+          </a:fillRef>
+          <a:effectRef idx="0">
+            <a:schemeClr val="accent1"/>
+          </a:effectRef>
+          <a:fontRef idx="minor">
+            <a:schemeClr val="lt1"/>
+          </a:fontRef>
+        </p:style>
+        <p:txBody>
+          <a:bodyPr rtlCol="0" anchor="ctr"/>
+          <a:lstStyle/>
+          <a:p>
+            <a:pPr algn="ctr"/>
+            <a:r>
+              <a:rPr lang="it-IT" sz="1400" dirty="0" smtClean="0">
+                <a:solidFill>
+                  <a:schemeClr val="tx1"/>
+                </a:solidFill>
+              </a:rPr>
+              <a:t>Input</a:t>
+            </a:r>
+          </a:p>
+          <a:p>
+            <a:pPr algn="ctr"/>
+            <a:r>
+              <a:rPr lang="it-IT" sz="1400" dirty="0">
+                <a:solidFill>
+                  <a:schemeClr val="tx1"/>
+                </a:solidFill>
+              </a:rPr>
+              <a:t>T</a:t>
+            </a:r>
+            <a:r>
+              <a:rPr lang="it-IT" sz="1400" dirty="0" smtClean="0">
+                <a:solidFill>
+                  <a:schemeClr val="tx1"/>
+                </a:solidFill>
+              </a:rPr>
+              <a:t>ext</a:t>
+            </a:r>
+            <a:endParaRPr lang="en-GB" sz="1400" dirty="0">
+              <a:solidFill>
+                <a:schemeClr val="tx1"/>
+              </a:solidFill>
+            </a:endParaRPr>
+          </a:p>
+        </p:txBody>
+      </p:sp>
+      <p:grpSp>
+        <p:nvGrpSpPr>
+          <p:cNvPr id="25" name="Gruppo 24"/>
+          <p:cNvGrpSpPr/>
+          <p:nvPr/>
+        </p:nvGrpSpPr>
+        <p:grpSpPr>
+          <a:xfrm>
+            <a:off x="170687" y="4585140"/>
+            <a:ext cx="1532662" cy="772447"/>
+            <a:chOff x="5498762" y="2072585"/>
+            <a:chExt cx="805955" cy="772447"/>
+          </a:xfrm>
+        </p:grpSpPr>
+        <p:grpSp>
+          <p:nvGrpSpPr>
+            <p:cNvPr id="26" name="Gruppo 25"/>
+            <p:cNvGrpSpPr/>
+            <p:nvPr/>
+          </p:nvGrpSpPr>
+          <p:grpSpPr>
+            <a:xfrm>
+              <a:off x="5498762" y="2072585"/>
+              <a:ext cx="805955" cy="772447"/>
+              <a:chOff x="565700" y="4940367"/>
+              <a:chExt cx="805955" cy="772447"/>
+            </a:xfrm>
+          </p:grpSpPr>
+          <p:sp>
+            <p:nvSpPr>
+              <p:cNvPr id="28" name="Ovale 27"/>
+              <p:cNvSpPr/>
+              <p:nvPr/>
+            </p:nvSpPr>
+            <p:spPr>
+              <a:xfrm>
+                <a:off x="565700" y="4983583"/>
+                <a:ext cx="805955" cy="729231"/>
+              </a:xfrm>
+              <a:prstGeom prst="ellipse">
+                <a:avLst/>
+              </a:prstGeom>
+              <a:solidFill>
+                <a:srgbClr val="FF99CC"/>
+              </a:solidFill>
+              <a:ln/>
+            </p:spPr>
+            <p:style>
+              <a:lnRef idx="1">
+                <a:schemeClr val="accent4"/>
+              </a:lnRef>
+              <a:fillRef idx="2">
+                <a:schemeClr val="accent4"/>
+              </a:fillRef>
+              <a:effectRef idx="1">
+                <a:schemeClr val="accent4"/>
+              </a:effectRef>
+              <a:fontRef idx="minor">
+                <a:schemeClr val="dk1"/>
+              </a:fontRef>
+            </p:style>
+            <p:txBody>
+              <a:bodyPr rtlCol="0" anchor="ctr"/>
+              <a:lstStyle/>
+              <a:p>
+                <a:pPr algn="ctr"/>
+                <a:r>
+                  <a:rPr lang="en-GB" sz="1200" dirty="0"/>
+                  <a:t> </a:t>
+                </a:r>
+              </a:p>
+            </p:txBody>
+          </p:sp>
+          <p:sp>
+            <p:nvSpPr>
+              <p:cNvPr id="29" name="Triangolo isoscele 28"/>
+              <p:cNvSpPr/>
+              <p:nvPr/>
+            </p:nvSpPr>
+            <p:spPr>
+              <a:xfrm rot="16200000">
+                <a:off x="905299" y="4913952"/>
+                <a:ext cx="86434" cy="139263"/>
+              </a:xfrm>
+              <a:prstGeom prst="triangle">
+                <a:avLst/>
+              </a:prstGeom>
+              <a:solidFill>
+                <a:srgbClr val="C00000"/>
+              </a:solidFill>
+              <a:ln/>
+            </p:spPr>
+            <p:style>
+              <a:lnRef idx="1">
+                <a:schemeClr val="accent5"/>
+              </a:lnRef>
+              <a:fillRef idx="2">
+                <a:schemeClr val="accent5"/>
+              </a:fillRef>
+              <a:effectRef idx="1">
+                <a:schemeClr val="accent5"/>
+              </a:effectRef>
+              <a:fontRef idx="minor">
+                <a:schemeClr val="dk1"/>
+              </a:fontRef>
+            </p:style>
+            <p:txBody>
+              <a:bodyPr rtlCol="0" anchor="ctr"/>
+              <a:lstStyle/>
+              <a:p>
+                <a:pPr algn="ctr"/>
+                <a:endParaRPr lang="en-GB" sz="1200">
+                  <a:solidFill>
+                    <a:schemeClr val="dk1"/>
+                  </a:solidFill>
+                </a:endParaRPr>
+              </a:p>
+            </p:txBody>
+          </p:sp>
+        </p:grpSp>
+        <p:sp>
+          <p:nvSpPr>
+            <p:cNvPr id="27" name="CasellaDiTesto 26"/>
+            <p:cNvSpPr txBox="1"/>
+            <p:nvPr/>
+          </p:nvSpPr>
+          <p:spPr>
+            <a:xfrm>
+              <a:off x="5719012" y="2295750"/>
+              <a:ext cx="423219" cy="523220"/>
+            </a:xfrm>
+            <a:prstGeom prst="rect">
+              <a:avLst/>
+            </a:prstGeom>
+            <a:noFill/>
+          </p:spPr>
+          <p:txBody>
+            <a:bodyPr wrap="none" rtlCol="0">
+              <a:spAutoFit/>
+            </a:bodyPr>
+            <a:lstStyle/>
+            <a:p>
+              <a:pPr algn="ctr"/>
+              <a:r>
+                <a:rPr lang="en-GB" sz="1400" b="1" dirty="0" err="1" smtClean="0"/>
+                <a:t>LegayXXX</a:t>
+              </a:r>
+              <a:endParaRPr lang="en-GB" sz="1400" b="1" dirty="0" smtClean="0"/>
+            </a:p>
+            <a:p>
+              <a:pPr algn="ctr"/>
+              <a:r>
+                <a:rPr lang="it-IT" sz="1400" b="1" dirty="0" smtClean="0">
+                  <a:solidFill>
+                    <a:srgbClr val="0070C0"/>
+                  </a:solidFill>
+                </a:rPr>
+                <a:t>HL7</a:t>
+              </a:r>
+              <a:endParaRPr lang="en-GB" sz="1400" dirty="0">
+                <a:solidFill>
+                  <a:srgbClr val="0070C0"/>
+                </a:solidFill>
+              </a:endParaRPr>
+            </a:p>
+          </p:txBody>
+        </p:sp>
+      </p:grpSp>
+      <p:cxnSp>
+        <p:nvCxnSpPr>
+          <p:cNvPr id="31" name="Connettore 4 30"/>
+          <p:cNvCxnSpPr>
+            <a:stCxn id="29" idx="5"/>
+            <a:endCxn id="3" idx="1"/>
+          </p:cNvCxnSpPr>
+          <p:nvPr/>
+        </p:nvCxnSpPr>
+        <p:spPr>
+          <a:xfrm rot="5400000" flipH="1" flipV="1">
+            <a:off x="160352" y="3409162"/>
+            <a:ext cx="1935913" cy="459261"/>
+          </a:xfrm>
+          <a:prstGeom prst="bentConnector2">
+            <a:avLst/>
+          </a:prstGeom>
+          <a:ln>
+            <a:tailEnd type="arrow"/>
+          </a:ln>
+        </p:spPr>
+        <p:style>
+          <a:lnRef idx="1">
+            <a:schemeClr val="accent1"/>
+          </a:lnRef>
+          <a:fillRef idx="0">
+            <a:schemeClr val="accent1"/>
+          </a:fillRef>
+          <a:effectRef idx="0">
+            <a:schemeClr val="accent1"/>
+          </a:effectRef>
+          <a:fontRef idx="minor">
+            <a:schemeClr val="tx1"/>
+          </a:fontRef>
+        </p:style>
+      </p:cxnSp>
+      <p:sp>
+        <p:nvSpPr>
+          <p:cNvPr id="33" name="Rettangolo 32"/>
+          <p:cNvSpPr/>
+          <p:nvPr/>
+        </p:nvSpPr>
+        <p:spPr>
+          <a:xfrm>
+            <a:off x="3044419" y="2202782"/>
+            <a:ext cx="1296144" cy="936104"/>
+          </a:xfrm>
+          <a:prstGeom prst="rect">
+            <a:avLst/>
+          </a:prstGeom>
+          <a:solidFill>
+            <a:srgbClr val="FFFFCC"/>
+          </a:solidFill>
+        </p:spPr>
+        <p:style>
+          <a:lnRef idx="2">
+            <a:schemeClr val="accent1">
+              <a:shade val="50000"/>
+            </a:schemeClr>
+          </a:lnRef>
+          <a:fillRef idx="1">
+            <a:schemeClr val="accent1"/>
+          </a:fillRef>
+          <a:effectRef idx="0">
+            <a:schemeClr val="accent1"/>
+          </a:effectRef>
+          <a:fontRef idx="minor">
+            <a:schemeClr val="lt1"/>
+          </a:fontRef>
+        </p:style>
+        <p:txBody>
+          <a:bodyPr rtlCol="0" anchor="ctr"/>
+          <a:lstStyle/>
+          <a:p>
+            <a:pPr algn="ctr"/>
+            <a:r>
+              <a:rPr lang="it-IT" sz="1400" dirty="0" err="1" smtClean="0">
+                <a:solidFill>
+                  <a:schemeClr val="tx1"/>
+                </a:solidFill>
+              </a:rPr>
+              <a:t>Iltel</a:t>
+            </a:r>
+            <a:endParaRPr lang="it-IT" sz="1400" dirty="0">
+              <a:solidFill>
+                <a:schemeClr val="tx1"/>
+              </a:solidFill>
+            </a:endParaRPr>
+          </a:p>
+          <a:p>
+            <a:pPr algn="ctr"/>
+            <a:r>
+              <a:rPr lang="it-IT" sz="1400" dirty="0" err="1" smtClean="0">
+                <a:solidFill>
+                  <a:schemeClr val="tx1"/>
+                </a:solidFill>
+              </a:rPr>
+              <a:t>InputModel</a:t>
+            </a:r>
+            <a:endParaRPr lang="it-IT" sz="1400" dirty="0" smtClean="0">
+              <a:solidFill>
+                <a:schemeClr val="tx1"/>
+              </a:solidFill>
+            </a:endParaRPr>
+          </a:p>
+          <a:p>
+            <a:pPr algn="ctr"/>
+            <a:r>
+              <a:rPr lang="it-IT" sz="1400" dirty="0">
+                <a:solidFill>
+                  <a:schemeClr val="tx1"/>
+                </a:solidFill>
+              </a:rPr>
+              <a:t>?</a:t>
+            </a:r>
+            <a:endParaRPr lang="en-GB" sz="1400" dirty="0">
+              <a:solidFill>
+                <a:schemeClr val="tx1"/>
+              </a:solidFill>
+            </a:endParaRPr>
+          </a:p>
+        </p:txBody>
+      </p:sp>
+      <p:cxnSp>
+        <p:nvCxnSpPr>
+          <p:cNvPr id="35" name="Connettore 4 34"/>
+          <p:cNvCxnSpPr>
+            <a:stCxn id="3" idx="3"/>
+            <a:endCxn id="33" idx="1"/>
+          </p:cNvCxnSpPr>
+          <p:nvPr/>
+        </p:nvCxnSpPr>
+        <p:spPr>
+          <a:xfrm flipV="1">
+            <a:off x="2675372" y="2670834"/>
+            <a:ext cx="369047" cy="1"/>
+          </a:xfrm>
+          <a:prstGeom prst="bentConnector3">
+            <a:avLst/>
+          </a:prstGeom>
+          <a:ln>
+            <a:tailEnd type="arrow"/>
+          </a:ln>
+        </p:spPr>
+        <p:style>
+          <a:lnRef idx="1">
+            <a:schemeClr val="accent1"/>
+          </a:lnRef>
+          <a:fillRef idx="0">
+            <a:schemeClr val="accent1"/>
+          </a:fillRef>
+          <a:effectRef idx="0">
+            <a:schemeClr val="accent1"/>
+          </a:effectRef>
+          <a:fontRef idx="minor">
+            <a:schemeClr val="tx1"/>
+          </a:fontRef>
+        </p:style>
+      </p:cxnSp>
+      <p:sp>
+        <p:nvSpPr>
+          <p:cNvPr id="37" name="Rettangolo 36"/>
+          <p:cNvSpPr/>
+          <p:nvPr/>
+        </p:nvSpPr>
+        <p:spPr>
+          <a:xfrm>
+            <a:off x="1357939" y="3348756"/>
+            <a:ext cx="1378234" cy="675591"/>
+          </a:xfrm>
+          <a:prstGeom prst="rect">
+            <a:avLst/>
+          </a:prstGeom>
+          <a:solidFill>
+            <a:schemeClr val="accent6">
+              <a:lumMod val="20000"/>
+              <a:lumOff val="80000"/>
+            </a:schemeClr>
+          </a:solidFill>
+        </p:spPr>
+        <p:style>
+          <a:lnRef idx="2">
+            <a:schemeClr val="accent1">
+              <a:shade val="50000"/>
+            </a:schemeClr>
+          </a:lnRef>
+          <a:fillRef idx="1">
+            <a:schemeClr val="accent1"/>
+          </a:fillRef>
+          <a:effectRef idx="0">
+            <a:schemeClr val="accent1"/>
+          </a:effectRef>
+          <a:fontRef idx="minor">
+            <a:schemeClr val="lt1"/>
+          </a:fontRef>
+        </p:style>
+        <p:txBody>
+          <a:bodyPr rtlCol="0" anchor="ctr"/>
+          <a:lstStyle/>
+          <a:p>
+            <a:pPr algn="ctr"/>
+            <a:r>
+              <a:rPr lang="it-IT" sz="1400" dirty="0" smtClean="0">
+                <a:solidFill>
+                  <a:schemeClr val="tx1"/>
+                </a:solidFill>
+              </a:rPr>
+              <a:t>Iltel19</a:t>
+            </a:r>
+          </a:p>
+          <a:p>
+            <a:pPr algn="ctr"/>
+            <a:r>
+              <a:rPr lang="it-IT" sz="1200" dirty="0" err="1" smtClean="0">
+                <a:solidFill>
+                  <a:schemeClr val="tx1"/>
+                </a:solidFill>
+              </a:rPr>
+              <a:t>OutpuHandlerXXX</a:t>
+            </a:r>
+            <a:endParaRPr lang="en-GB" sz="1200" dirty="0">
+              <a:solidFill>
+                <a:schemeClr val="tx1"/>
+              </a:solidFill>
+            </a:endParaRPr>
+          </a:p>
+        </p:txBody>
+      </p:sp>
+      <p:cxnSp>
+        <p:nvCxnSpPr>
+          <p:cNvPr id="49" name="Connettore 4 48"/>
+          <p:cNvCxnSpPr>
+            <a:stCxn id="71" idx="6"/>
+            <a:endCxn id="48" idx="0"/>
+          </p:cNvCxnSpPr>
+          <p:nvPr/>
+        </p:nvCxnSpPr>
+        <p:spPr>
+          <a:xfrm>
+            <a:off x="6267831" y="2692443"/>
+            <a:ext cx="1546165" cy="2135200"/>
+          </a:xfrm>
+          <a:prstGeom prst="bentConnector2">
+            <a:avLst/>
+          </a:prstGeom>
+          <a:ln>
+            <a:headEnd type="arrow"/>
+            <a:tailEnd type="arrow"/>
+          </a:ln>
+        </p:spPr>
+        <p:style>
+          <a:lnRef idx="1">
+            <a:schemeClr val="accent1"/>
+          </a:lnRef>
+          <a:fillRef idx="0">
+            <a:schemeClr val="accent1"/>
+          </a:fillRef>
+          <a:effectRef idx="0">
+            <a:schemeClr val="accent1"/>
+          </a:effectRef>
+          <a:fontRef idx="minor">
+            <a:schemeClr val="tx1"/>
+          </a:fontRef>
+        </p:style>
+      </p:cxnSp>
+      <p:sp>
+        <p:nvSpPr>
+          <p:cNvPr id="55" name="Rettangolo 54"/>
+          <p:cNvSpPr/>
+          <p:nvPr/>
+        </p:nvSpPr>
+        <p:spPr>
+          <a:xfrm>
+            <a:off x="3054989" y="3235901"/>
+            <a:ext cx="1296144" cy="936104"/>
+          </a:xfrm>
+          <a:prstGeom prst="rect">
+            <a:avLst/>
+          </a:prstGeom>
+          <a:solidFill>
+            <a:srgbClr val="FFFFCC"/>
+          </a:solidFill>
+        </p:spPr>
+        <p:style>
+          <a:lnRef idx="2">
+            <a:schemeClr val="accent1">
+              <a:shade val="50000"/>
+            </a:schemeClr>
+          </a:lnRef>
+          <a:fillRef idx="1">
+            <a:schemeClr val="accent1"/>
+          </a:fillRef>
+          <a:effectRef idx="0">
+            <a:schemeClr val="accent1"/>
+          </a:effectRef>
+          <a:fontRef idx="minor">
+            <a:schemeClr val="lt1"/>
+          </a:fontRef>
+        </p:style>
+        <p:txBody>
+          <a:bodyPr rtlCol="0" anchor="ctr"/>
+          <a:lstStyle/>
+          <a:p>
+            <a:pPr algn="ctr"/>
+            <a:r>
+              <a:rPr lang="it-IT" sz="1400" dirty="0" err="1" smtClean="0">
+                <a:solidFill>
+                  <a:schemeClr val="tx1"/>
+                </a:solidFill>
+              </a:rPr>
+              <a:t>Iltel</a:t>
+            </a:r>
+            <a:endParaRPr lang="it-IT" sz="1400" dirty="0">
+              <a:solidFill>
+                <a:schemeClr val="tx1"/>
+              </a:solidFill>
+            </a:endParaRPr>
+          </a:p>
+          <a:p>
+            <a:pPr algn="ctr"/>
+            <a:r>
+              <a:rPr lang="it-IT" sz="1400" dirty="0" err="1" smtClean="0">
+                <a:solidFill>
+                  <a:schemeClr val="tx1"/>
+                </a:solidFill>
+              </a:rPr>
+              <a:t>OutputModel</a:t>
+            </a:r>
+            <a:endParaRPr lang="it-IT" sz="1400" dirty="0" smtClean="0">
+              <a:solidFill>
+                <a:schemeClr val="tx1"/>
+              </a:solidFill>
+            </a:endParaRPr>
+          </a:p>
+          <a:p>
+            <a:pPr algn="ctr"/>
+            <a:r>
+              <a:rPr lang="it-IT" sz="1400" dirty="0">
+                <a:solidFill>
+                  <a:schemeClr val="tx1"/>
+                </a:solidFill>
+              </a:rPr>
+              <a:t>?</a:t>
+            </a:r>
+            <a:endParaRPr lang="en-GB" sz="1400" dirty="0">
+              <a:solidFill>
+                <a:schemeClr val="tx1"/>
+              </a:solidFill>
+            </a:endParaRPr>
+          </a:p>
+        </p:txBody>
+      </p:sp>
+      <p:cxnSp>
+        <p:nvCxnSpPr>
+          <p:cNvPr id="66" name="Connettore 4 65"/>
+          <p:cNvCxnSpPr>
+            <a:endCxn id="55" idx="0"/>
+          </p:cNvCxnSpPr>
+          <p:nvPr/>
+        </p:nvCxnSpPr>
+        <p:spPr>
+          <a:xfrm rot="5400000">
+            <a:off x="3584233" y="3117072"/>
+            <a:ext cx="237658" cy="1"/>
+          </a:xfrm>
+          <a:prstGeom prst="bentConnector3">
+            <a:avLst/>
+          </a:prstGeom>
+          <a:ln>
+            <a:tailEnd type="arrow"/>
+          </a:ln>
+        </p:spPr>
+        <p:style>
+          <a:lnRef idx="1">
+            <a:schemeClr val="accent1"/>
+          </a:lnRef>
+          <a:fillRef idx="0">
+            <a:schemeClr val="accent1"/>
+          </a:fillRef>
+          <a:effectRef idx="0">
+            <a:schemeClr val="accent1"/>
+          </a:effectRef>
+          <a:fontRef idx="minor">
+            <a:schemeClr val="tx1"/>
+          </a:fontRef>
+        </p:style>
+      </p:cxnSp>
+      <p:cxnSp>
+        <p:nvCxnSpPr>
+          <p:cNvPr id="68" name="Connettore 1 67"/>
+          <p:cNvCxnSpPr/>
+          <p:nvPr/>
+        </p:nvCxnSpPr>
+        <p:spPr>
+          <a:xfrm>
+            <a:off x="2791619" y="1935677"/>
+            <a:ext cx="0" cy="2692679"/>
+          </a:xfrm>
+          <a:prstGeom prst="line">
+            <a:avLst/>
+          </a:prstGeom>
+          <a:ln w="38100"/>
+        </p:spPr>
+        <p:style>
+          <a:lnRef idx="1">
+            <a:schemeClr val="accent1"/>
+          </a:lnRef>
+          <a:fillRef idx="0">
+            <a:schemeClr val="accent1"/>
+          </a:fillRef>
+          <a:effectRef idx="0">
+            <a:schemeClr val="accent1"/>
+          </a:effectRef>
+          <a:fontRef idx="minor">
+            <a:schemeClr val="tx1"/>
+          </a:fontRef>
+        </p:style>
+      </p:cxnSp>
+      <p:grpSp>
+        <p:nvGrpSpPr>
+          <p:cNvPr id="70" name="Gruppo 69"/>
+          <p:cNvGrpSpPr/>
+          <p:nvPr/>
+        </p:nvGrpSpPr>
+        <p:grpSpPr>
+          <a:xfrm>
+            <a:off x="4600759" y="2284611"/>
+            <a:ext cx="1667072" cy="772447"/>
+            <a:chOff x="565700" y="4940367"/>
+            <a:chExt cx="805955" cy="772447"/>
+          </a:xfrm>
+        </p:grpSpPr>
+        <p:sp>
+          <p:nvSpPr>
+            <p:cNvPr id="71" name="Ovale 70"/>
+            <p:cNvSpPr/>
+            <p:nvPr/>
+          </p:nvSpPr>
+          <p:spPr>
+            <a:xfrm>
+              <a:off x="565700" y="4983583"/>
+              <a:ext cx="805955" cy="729231"/>
+            </a:xfrm>
+            <a:prstGeom prst="ellipse">
+              <a:avLst/>
+            </a:prstGeom>
+            <a:ln/>
+          </p:spPr>
+          <p:style>
+            <a:lnRef idx="1">
+              <a:schemeClr val="accent4"/>
+            </a:lnRef>
+            <a:fillRef idx="2">
+              <a:schemeClr val="accent4"/>
+            </a:fillRef>
+            <a:effectRef idx="1">
+              <a:schemeClr val="accent4"/>
+            </a:effectRef>
+            <a:fontRef idx="minor">
+              <a:schemeClr val="dk1"/>
+            </a:fontRef>
+          </p:style>
+          <p:txBody>
+            <a:bodyPr rtlCol="0" anchor="ctr"/>
+            <a:lstStyle/>
+            <a:p>
+              <a:pPr algn="ctr"/>
+              <a:r>
+                <a:rPr lang="en-GB" sz="1200" dirty="0"/>
+                <a:t> </a:t>
+              </a:r>
+            </a:p>
+          </p:txBody>
+        </p:sp>
+        <p:sp>
+          <p:nvSpPr>
+            <p:cNvPr id="72" name="Triangolo isoscele 71"/>
+            <p:cNvSpPr/>
+            <p:nvPr/>
+          </p:nvSpPr>
+          <p:spPr>
+            <a:xfrm rot="16200000">
+              <a:off x="960472" y="4928411"/>
+              <a:ext cx="45719" cy="69631"/>
+            </a:xfrm>
+            <a:prstGeom prst="triangle">
+              <a:avLst/>
+            </a:prstGeom>
+            <a:solidFill>
+              <a:srgbClr val="C00000"/>
+            </a:solidFill>
+            <a:ln/>
+          </p:spPr>
+          <p:style>
+            <a:lnRef idx="1">
+              <a:schemeClr val="accent5"/>
+            </a:lnRef>
+            <a:fillRef idx="2">
+              <a:schemeClr val="accent5"/>
+            </a:fillRef>
+            <a:effectRef idx="1">
+              <a:schemeClr val="accent5"/>
+            </a:effectRef>
+            <a:fontRef idx="minor">
+              <a:schemeClr val="dk1"/>
+            </a:fontRef>
+          </p:style>
+          <p:txBody>
+            <a:bodyPr rtlCol="0" anchor="ctr"/>
+            <a:lstStyle/>
+            <a:p>
+              <a:pPr algn="ctr"/>
+              <a:endParaRPr lang="en-GB" sz="1200">
+                <a:solidFill>
+                  <a:schemeClr val="dk1"/>
+                </a:solidFill>
+              </a:endParaRPr>
+            </a:p>
+          </p:txBody>
+        </p:sp>
+      </p:grpSp>
+      <p:sp>
+        <p:nvSpPr>
+          <p:cNvPr id="73" name="CasellaDiTesto 72"/>
+          <p:cNvSpPr txBox="1"/>
+          <p:nvPr/>
+        </p:nvSpPr>
+        <p:spPr>
+          <a:xfrm>
+            <a:off x="4945430" y="2389799"/>
+            <a:ext cx="978281" cy="461665"/>
+          </a:xfrm>
+          <a:prstGeom prst="rect">
+            <a:avLst/>
+          </a:prstGeom>
+          <a:noFill/>
+        </p:spPr>
+        <p:txBody>
+          <a:bodyPr wrap="none" rtlCol="0">
+            <a:spAutoFit/>
+          </a:bodyPr>
+          <a:lstStyle/>
+          <a:p>
+            <a:pPr algn="ctr"/>
+            <a:r>
+              <a:rPr lang="en-GB" sz="1200" dirty="0"/>
+              <a:t>ITel19server</a:t>
+            </a:r>
+          </a:p>
+          <a:p>
+            <a:pPr algn="ctr"/>
+            <a:r>
+              <a:rPr lang="en-GB" sz="1200" dirty="0" err="1" smtClean="0"/>
+              <a:t>ForLegayXXX</a:t>
+            </a:r>
+            <a:endParaRPr lang="en-GB" sz="1200" dirty="0">
+              <a:cs typeface="Arial" panose="020B0604020202020204" pitchFamily="34" charset="0"/>
+            </a:endParaRPr>
+          </a:p>
+        </p:txBody>
+      </p:sp>
+      <p:cxnSp>
+        <p:nvCxnSpPr>
+          <p:cNvPr id="32" name="Connettore 1 31"/>
+          <p:cNvCxnSpPr/>
+          <p:nvPr/>
+        </p:nvCxnSpPr>
+        <p:spPr>
+          <a:xfrm>
+            <a:off x="6544975" y="1935677"/>
+            <a:ext cx="0" cy="2692679"/>
+          </a:xfrm>
+          <a:prstGeom prst="line">
+            <a:avLst/>
+          </a:prstGeom>
+          <a:ln w="38100"/>
+        </p:spPr>
+        <p:style>
+          <a:lnRef idx="1">
+            <a:schemeClr val="accent1"/>
+          </a:lnRef>
+          <a:fillRef idx="0">
+            <a:schemeClr val="accent1"/>
+          </a:fillRef>
+          <a:effectRef idx="0">
+            <a:schemeClr val="accent1"/>
+          </a:effectRef>
+          <a:fontRef idx="minor">
+            <a:schemeClr val="tx1"/>
+          </a:fontRef>
+        </p:style>
+      </p:cxnSp>
+      <p:sp>
+        <p:nvSpPr>
+          <p:cNvPr id="41" name="CasellaDiTesto 40"/>
+          <p:cNvSpPr txBox="1"/>
+          <p:nvPr/>
+        </p:nvSpPr>
+        <p:spPr>
+          <a:xfrm>
+            <a:off x="2972432" y="4400473"/>
+            <a:ext cx="2269917" cy="369332"/>
+          </a:xfrm>
+          <a:prstGeom prst="rect">
+            <a:avLst/>
+          </a:prstGeom>
+          <a:noFill/>
+        </p:spPr>
+        <p:txBody>
+          <a:bodyPr wrap="none" rtlCol="0">
+            <a:spAutoFit/>
+          </a:bodyPr>
+          <a:lstStyle/>
+          <a:p>
+            <a:r>
+              <a:rPr lang="it-IT" dirty="0" err="1"/>
+              <a:t>LegacyXXXSpecificPart</a:t>
+            </a:r>
+            <a:endParaRPr lang="en-GB" dirty="0"/>
+          </a:p>
+        </p:txBody>
+      </p:sp>
+      <p:cxnSp>
+        <p:nvCxnSpPr>
+          <p:cNvPr id="21" name="Connettore 4 20"/>
+          <p:cNvCxnSpPr/>
+          <p:nvPr/>
+        </p:nvCxnSpPr>
+        <p:spPr>
+          <a:xfrm rot="10800000" flipV="1">
+            <a:off x="4368099" y="2975229"/>
+            <a:ext cx="1066472" cy="728724"/>
+          </a:xfrm>
+          <a:prstGeom prst="bentConnector3">
+            <a:avLst/>
+          </a:prstGeom>
+          <a:ln>
+            <a:tailEnd type="arrow"/>
+          </a:ln>
+        </p:spPr>
+        <p:style>
+          <a:lnRef idx="1">
+            <a:schemeClr val="accent1"/>
+          </a:lnRef>
+          <a:fillRef idx="0">
+            <a:schemeClr val="accent1"/>
+          </a:fillRef>
+          <a:effectRef idx="0">
+            <a:schemeClr val="accent1"/>
+          </a:effectRef>
+          <a:fontRef idx="minor">
+            <a:schemeClr val="tx1"/>
+          </a:fontRef>
+        </p:style>
+      </p:cxnSp>
+      <p:cxnSp>
+        <p:nvCxnSpPr>
+          <p:cNvPr id="23" name="Connettore 2 22"/>
+          <p:cNvCxnSpPr>
+            <a:stCxn id="33" idx="3"/>
+            <a:endCxn id="71" idx="2"/>
+          </p:cNvCxnSpPr>
+          <p:nvPr/>
+        </p:nvCxnSpPr>
+        <p:spPr>
+          <a:xfrm>
+            <a:off x="4340563" y="2670834"/>
+            <a:ext cx="260196" cy="21609"/>
+          </a:xfrm>
+          <a:prstGeom prst="straightConnector1">
+            <a:avLst/>
+          </a:prstGeom>
+          <a:ln>
+            <a:tailEnd type="arrow"/>
+          </a:ln>
+        </p:spPr>
+        <p:style>
+          <a:lnRef idx="1">
+            <a:schemeClr val="accent1"/>
+          </a:lnRef>
+          <a:fillRef idx="0">
+            <a:schemeClr val="accent1"/>
+          </a:fillRef>
+          <a:effectRef idx="0">
+            <a:schemeClr val="accent1"/>
+          </a:effectRef>
+          <a:fontRef idx="minor">
+            <a:schemeClr val="tx1"/>
+          </a:fontRef>
+        </p:style>
+      </p:cxnSp>
+      <p:sp>
+        <p:nvSpPr>
+          <p:cNvPr id="47" name="Rettangolo 46"/>
+          <p:cNvSpPr/>
+          <p:nvPr/>
+        </p:nvSpPr>
+        <p:spPr>
+          <a:xfrm>
+            <a:off x="6866297" y="5467142"/>
+            <a:ext cx="2119741" cy="676226"/>
+          </a:xfrm>
+          <a:prstGeom prst="rect">
+            <a:avLst/>
+          </a:prstGeom>
+          <a:solidFill>
+            <a:srgbClr val="99FFCC"/>
+          </a:solidFill>
+        </p:spPr>
+        <p:style>
+          <a:lnRef idx="2">
+            <a:schemeClr val="accent1">
+              <a:shade val="50000"/>
+            </a:schemeClr>
+          </a:lnRef>
+          <a:fillRef idx="1">
+            <a:schemeClr val="accent1"/>
+          </a:fillRef>
+          <a:effectRef idx="0">
+            <a:schemeClr val="accent1"/>
+          </a:effectRef>
+          <a:fontRef idx="minor">
+            <a:schemeClr val="lt1"/>
+          </a:fontRef>
+        </p:style>
+        <p:txBody>
+          <a:bodyPr rtlCol="0" anchor="ctr"/>
+          <a:lstStyle/>
+          <a:p>
+            <a:pPr algn="ctr"/>
+            <a:r>
+              <a:rPr lang="it-IT" sz="1400" dirty="0">
+                <a:solidFill>
+                  <a:schemeClr val="tx1"/>
+                </a:solidFill>
+              </a:rPr>
+              <a:t>Iltel19Domain </a:t>
+            </a:r>
+          </a:p>
+          <a:p>
+            <a:pPr algn="ctr"/>
+            <a:r>
+              <a:rPr lang="it-IT" sz="1400" dirty="0">
+                <a:solidFill>
+                  <a:schemeClr val="tx1"/>
+                </a:solidFill>
+              </a:rPr>
+              <a:t>(</a:t>
+            </a:r>
+            <a:r>
+              <a:rPr lang="it-IT" sz="1400" dirty="0" err="1">
+                <a:solidFill>
+                  <a:schemeClr val="tx1"/>
+                </a:solidFill>
+              </a:rPr>
+              <a:t>Internal</a:t>
+            </a:r>
+            <a:r>
+              <a:rPr lang="it-IT" sz="1400" dirty="0">
+                <a:solidFill>
+                  <a:schemeClr val="tx1"/>
+                </a:solidFill>
+              </a:rPr>
+              <a:t> </a:t>
+            </a:r>
+            <a:r>
+              <a:rPr lang="it-IT" sz="1400" dirty="0" err="1">
+                <a:solidFill>
+                  <a:schemeClr val="tx1"/>
+                </a:solidFill>
+              </a:rPr>
+              <a:t>DataModel</a:t>
+            </a:r>
+            <a:r>
+              <a:rPr lang="it-IT" sz="1400" dirty="0">
+                <a:solidFill>
+                  <a:schemeClr val="tx1"/>
+                </a:solidFill>
+              </a:rPr>
+              <a:t>)</a:t>
+            </a:r>
+            <a:endParaRPr lang="en-GB" sz="1400" dirty="0">
+              <a:solidFill>
+                <a:schemeClr val="tx1"/>
+              </a:solidFill>
+            </a:endParaRPr>
+          </a:p>
+        </p:txBody>
+      </p:sp>
+      <p:sp>
+        <p:nvSpPr>
+          <p:cNvPr id="48" name="Ovale 47"/>
+          <p:cNvSpPr/>
+          <p:nvPr/>
+        </p:nvSpPr>
+        <p:spPr>
+          <a:xfrm>
+            <a:off x="6850362" y="4827643"/>
+            <a:ext cx="1927267" cy="603748"/>
+          </a:xfrm>
+          <a:prstGeom prst="ellipse">
+            <a:avLst/>
+          </a:prstGeom>
+          <a:solidFill>
+            <a:schemeClr val="accent5">
+              <a:lumMod val="20000"/>
+              <a:lumOff val="80000"/>
+            </a:schemeClr>
+          </a:solidFill>
+        </p:spPr>
+        <p:style>
+          <a:lnRef idx="1">
+            <a:schemeClr val="accent5"/>
+          </a:lnRef>
+          <a:fillRef idx="2">
+            <a:schemeClr val="accent5"/>
+          </a:fillRef>
+          <a:effectRef idx="1">
+            <a:schemeClr val="accent5"/>
+          </a:effectRef>
+          <a:fontRef idx="minor">
+            <a:schemeClr val="dk1"/>
+          </a:fontRef>
+        </p:style>
+        <p:txBody>
+          <a:bodyPr rtlCol="0" anchor="ctr"/>
+          <a:lstStyle/>
+          <a:p>
+            <a:pPr algn="ctr"/>
+            <a:r>
+              <a:rPr lang="en-GB" sz="1200" dirty="0"/>
+              <a:t>ITel19</a:t>
+            </a:r>
+          </a:p>
+          <a:p>
+            <a:pPr algn="ctr"/>
+            <a:r>
+              <a:rPr lang="en-GB" sz="1200" dirty="0" err="1"/>
+              <a:t>BusinessLogic</a:t>
+            </a:r>
+            <a:endParaRPr lang="en-GB" sz="1200" dirty="0"/>
+          </a:p>
+        </p:txBody>
+      </p:sp>
+      <p:sp>
+        <p:nvSpPr>
+          <p:cNvPr id="54" name="CasellaDiTesto 53"/>
+          <p:cNvSpPr txBox="1"/>
+          <p:nvPr/>
+        </p:nvSpPr>
+        <p:spPr>
+          <a:xfrm>
+            <a:off x="729770" y="1071581"/>
+            <a:ext cx="6067110" cy="646331"/>
+          </a:xfrm>
+          <a:prstGeom prst="rect">
+            <a:avLst/>
+          </a:prstGeom>
+          <a:noFill/>
+        </p:spPr>
+        <p:txBody>
+          <a:bodyPr wrap="none" rtlCol="0">
+            <a:spAutoFit/>
+          </a:bodyPr>
+          <a:lstStyle/>
+          <a:p>
+            <a:r>
+              <a:rPr lang="en-GB" dirty="0"/>
+              <a:t>The use cases could be implemented using a </a:t>
+            </a:r>
+            <a:r>
+              <a:rPr lang="en-GB" dirty="0" smtClean="0">
+                <a:solidFill>
+                  <a:srgbClr val="FF0000"/>
+                </a:solidFill>
+              </a:rPr>
+              <a:t>input data </a:t>
+            </a:r>
+            <a:r>
+              <a:rPr lang="en-GB" dirty="0">
+                <a:solidFill>
+                  <a:srgbClr val="FF0000"/>
+                </a:solidFill>
+              </a:rPr>
+              <a:t>model </a:t>
+            </a:r>
+            <a:endParaRPr lang="en-GB" dirty="0" smtClean="0">
+              <a:solidFill>
+                <a:srgbClr val="FF0000"/>
+              </a:solidFill>
+            </a:endParaRPr>
+          </a:p>
+          <a:p>
+            <a:r>
+              <a:rPr lang="en-GB" dirty="0" smtClean="0"/>
+              <a:t>independent from </a:t>
+            </a:r>
+            <a:r>
+              <a:rPr lang="en-GB" dirty="0"/>
+              <a:t>any </a:t>
+            </a:r>
+            <a:r>
+              <a:rPr lang="en-GB" dirty="0" smtClean="0"/>
+              <a:t>specific input details</a:t>
+            </a:r>
+            <a:r>
+              <a:rPr lang="en-GB" dirty="0"/>
+              <a:t>.</a:t>
+            </a:r>
+            <a:endParaRPr lang="en-GB" dirty="0"/>
+          </a:p>
+        </p:txBody>
+      </p:sp>
+      <p:sp>
+        <p:nvSpPr>
+          <p:cNvPr id="42" name="Rettangolo 41"/>
+          <p:cNvSpPr/>
+          <p:nvPr/>
+        </p:nvSpPr>
+        <p:spPr>
+          <a:xfrm>
+            <a:off x="696380" y="332656"/>
+            <a:ext cx="4287584" cy="584775"/>
+          </a:xfrm>
+          <a:prstGeom prst="rect">
+            <a:avLst/>
+          </a:prstGeom>
+        </p:spPr>
+        <p:txBody>
+          <a:bodyPr wrap="none">
+            <a:spAutoFit/>
+          </a:bodyPr>
+          <a:lstStyle/>
+          <a:p>
+            <a:r>
+              <a:rPr lang="it-IT" sz="3200" dirty="0"/>
+              <a:t>Model–</a:t>
+            </a:r>
+            <a:r>
+              <a:rPr lang="it-IT" sz="3200" dirty="0" err="1"/>
+              <a:t>view</a:t>
+            </a:r>
+            <a:r>
+              <a:rPr lang="it-IT" sz="3200" dirty="0"/>
+              <a:t>–</a:t>
+            </a:r>
+            <a:r>
+              <a:rPr lang="it-IT" sz="3200" dirty="0" err="1"/>
+              <a:t>viewmodel</a:t>
+            </a:r>
+            <a:endParaRPr lang="it-IT" sz="3200" dirty="0"/>
+          </a:p>
+        </p:txBody>
+      </p:sp>
+    </p:spTree>
+    <p:extLst>
+      <p:ext uri="{BB962C8B-B14F-4D97-AF65-F5344CB8AC3E}">
+        <p14:creationId xmlns:p14="http://schemas.microsoft.com/office/powerpoint/2010/main" val="3296067804"/>
+      </p:ext>
+    </p:extLst>
+  </p:cSld>
+  <p:clrMapOvr>
+    <a:masterClrMapping/>
+  </p:clrMapOvr>
+</p:sld>
+</file>
+
+<file path=ppt/slides/slide36.xml><?xml version="1.0" encoding="utf-8"?>
+<p:sld xmlns:a="http://schemas.openxmlformats.org/drawingml/2006/main" xmlns:r="http://schemas.openxmlformats.org/officeDocument/2006/relationships" xmlns:p="http://schemas.openxmlformats.org/presentationml/2006/main">
+  <p:cSld>
+    <p:spTree>
+      <p:nvGrpSpPr>
+        <p:cNvPr id="1" name=""/>
+        <p:cNvGrpSpPr/>
+        <p:nvPr/>
+      </p:nvGrpSpPr>
+      <p:grpSpPr>
+        <a:xfrm>
+          <a:off x="0" y="0"/>
+          <a:ext cx="0" cy="0"/>
+          <a:chOff x="0" y="0"/>
+          <a:chExt cx="0" cy="0"/>
+        </a:xfrm>
+      </p:grpSpPr>
+      <p:pic>
+        <p:nvPicPr>
+          <p:cNvPr id="115" name="Picture 2"/>
+          <p:cNvPicPr>
+            <a:picLocks noChangeAspect="1" noChangeArrowheads="1"/>
+          </p:cNvPicPr>
+          <p:nvPr/>
+        </p:nvPicPr>
+        <p:blipFill>
+          <a:blip r:embed="rId2" cstate="print">
+            <a:extLst>
+              <a:ext uri="{28A0092B-C50C-407E-A947-70E740481C1C}">
+                <a14:useLocalDpi xmlns:a14="http://schemas.microsoft.com/office/drawing/2010/main" val="0"/>
+              </a:ext>
+            </a:extLst>
+          </a:blip>
+          <a:srcRect/>
+          <a:stretch>
+            <a:fillRect/>
+          </a:stretch>
+        </p:blipFill>
+        <p:spPr bwMode="auto">
+          <a:xfrm>
+            <a:off x="1814769" y="4409108"/>
+            <a:ext cx="2823871" cy="1793664"/>
+          </a:xfrm>
+          <a:prstGeom prst="rect">
+            <a:avLst/>
+          </a:prstGeom>
+          <a:noFill/>
+          <a:ln>
+            <a:noFill/>
+          </a:ln>
+          <a:extLst>
+            <a:ext uri="{909E8E84-426E-40DD-AFC4-6F175D3DCCD1}">
+              <a14:hiddenFill xmlns:a14="http://schemas.microsoft.com/office/drawing/2010/main">
+                <a:solidFill>
+                  <a:schemeClr val="accent1"/>
+                </a:solidFill>
+              </a14:hiddenFill>
+            </a:ext>
+            <a:ext uri="{91240B29-F687-4F45-9708-019B960494DF}">
+              <a14:hiddenLine xmlns:a14="http://schemas.microsoft.com/office/drawing/2010/main" w="9525">
+                <a:solidFill>
+                  <a:schemeClr val="tx1"/>
+                </a:solidFill>
+                <a:miter lim="800000"/>
+                <a:headEnd/>
+                <a:tailEnd/>
+              </a14:hiddenLine>
+            </a:ext>
+          </a:extLst>
+        </p:spPr>
+      </p:pic>
+      <p:sp>
+        <p:nvSpPr>
+          <p:cNvPr id="2" name="TextBox 45">
+            <a:extLst>
+              <a:ext uri="{FF2B5EF4-FFF2-40B4-BE49-F238E27FC236}">
+                <a16:creationId xmlns:a16="http://schemas.microsoft.com/office/drawing/2014/main" xmlns="" id="{6BDA7693-CA76-4C97-8FED-A4A65AB5032B}"/>
+              </a:ext>
+            </a:extLst>
+          </p:cNvPr>
+          <p:cNvSpPr txBox="1"/>
+          <p:nvPr/>
+        </p:nvSpPr>
+        <p:spPr>
+          <a:xfrm>
+            <a:off x="4249812" y="204901"/>
+            <a:ext cx="1568443" cy="369332"/>
+          </a:xfrm>
+          <a:prstGeom prst="rect">
+            <a:avLst/>
+          </a:prstGeom>
+          <a:noFill/>
+        </p:spPr>
+        <p:txBody>
+          <a:bodyPr wrap="none" rtlCol="0">
+            <a:spAutoFit/>
+          </a:bodyPr>
+          <a:lstStyle/>
+          <a:p>
+            <a:r>
+              <a:rPr lang="en-US" b="1" dirty="0" err="1" smtClean="0"/>
+              <a:t>HealthProduct</a:t>
+            </a:r>
+            <a:endParaRPr lang="en-US" b="1" dirty="0"/>
+          </a:p>
+        </p:txBody>
+      </p:sp>
+      <p:grpSp>
+        <p:nvGrpSpPr>
+          <p:cNvPr id="3" name="Gruppo 2"/>
+          <p:cNvGrpSpPr/>
+          <p:nvPr/>
+        </p:nvGrpSpPr>
+        <p:grpSpPr>
+          <a:xfrm>
+            <a:off x="3144652" y="646076"/>
+            <a:ext cx="4347370" cy="4117387"/>
+            <a:chOff x="565700" y="4958037"/>
+            <a:chExt cx="805955" cy="754777"/>
+          </a:xfrm>
+        </p:grpSpPr>
+        <p:sp>
+          <p:nvSpPr>
+            <p:cNvPr id="4" name="Ovale 3"/>
+            <p:cNvSpPr/>
+            <p:nvPr/>
+          </p:nvSpPr>
+          <p:spPr>
+            <a:xfrm>
+              <a:off x="565700" y="4983583"/>
+              <a:ext cx="805955" cy="729231"/>
+            </a:xfrm>
+            <a:prstGeom prst="ellipse">
+              <a:avLst/>
+            </a:prstGeom>
+            <a:ln/>
+          </p:spPr>
+          <p:style>
+            <a:lnRef idx="1">
+              <a:schemeClr val="accent4"/>
+            </a:lnRef>
+            <a:fillRef idx="2">
+              <a:schemeClr val="accent4"/>
+            </a:fillRef>
+            <a:effectRef idx="1">
+              <a:schemeClr val="accent4"/>
+            </a:effectRef>
+            <a:fontRef idx="minor">
+              <a:schemeClr val="dk1"/>
+            </a:fontRef>
+          </p:style>
+          <p:txBody>
+            <a:bodyPr rtlCol="0" anchor="ctr"/>
+            <a:lstStyle/>
+            <a:p>
+              <a:pPr algn="ctr"/>
+              <a:r>
+                <a:rPr lang="en-GB" sz="1200" dirty="0"/>
+                <a:t> </a:t>
+              </a:r>
+            </a:p>
+          </p:txBody>
+        </p:sp>
+        <p:sp>
+          <p:nvSpPr>
+            <p:cNvPr id="5" name="Triangolo isoscele 4"/>
+            <p:cNvSpPr/>
+            <p:nvPr/>
+          </p:nvSpPr>
+          <p:spPr>
+            <a:xfrm rot="16200000">
+              <a:off x="885418" y="4951504"/>
+              <a:ext cx="68763" cy="81830"/>
+            </a:xfrm>
+            <a:prstGeom prst="triangle">
+              <a:avLst/>
+            </a:prstGeom>
+            <a:solidFill>
+              <a:srgbClr val="C00000"/>
+            </a:solidFill>
+            <a:ln/>
+          </p:spPr>
+          <p:style>
+            <a:lnRef idx="1">
+              <a:schemeClr val="accent5"/>
+            </a:lnRef>
+            <a:fillRef idx="2">
+              <a:schemeClr val="accent5"/>
+            </a:fillRef>
+            <a:effectRef idx="1">
+              <a:schemeClr val="accent5"/>
+            </a:effectRef>
+            <a:fontRef idx="minor">
+              <a:schemeClr val="dk1"/>
+            </a:fontRef>
+          </p:style>
+          <p:txBody>
+            <a:bodyPr rtlCol="0" anchor="ctr"/>
+            <a:lstStyle/>
+            <a:p>
+              <a:pPr algn="ctr"/>
+              <a:endParaRPr lang="en-GB" sz="1200">
+                <a:solidFill>
+                  <a:schemeClr val="dk1"/>
+                </a:solidFill>
+              </a:endParaRPr>
+            </a:p>
+          </p:txBody>
+        </p:sp>
+      </p:grpSp>
+      <p:sp>
+        <p:nvSpPr>
+          <p:cNvPr id="6" name="Ovale 5"/>
+          <p:cNvSpPr/>
+          <p:nvPr/>
+        </p:nvSpPr>
+        <p:spPr>
+          <a:xfrm>
+            <a:off x="4238217" y="1008379"/>
+            <a:ext cx="2160240" cy="726799"/>
+          </a:xfrm>
+          <a:prstGeom prst="ellipse">
+            <a:avLst/>
+          </a:prstGeom>
+        </p:spPr>
+        <p:style>
+          <a:lnRef idx="1">
+            <a:schemeClr val="accent5"/>
+          </a:lnRef>
+          <a:fillRef idx="2">
+            <a:schemeClr val="accent5"/>
+          </a:fillRef>
+          <a:effectRef idx="1">
+            <a:schemeClr val="accent5"/>
+          </a:effectRef>
+          <a:fontRef idx="minor">
+            <a:schemeClr val="dk1"/>
+          </a:fontRef>
+        </p:style>
+        <p:txBody>
+          <a:bodyPr rtlCol="0" anchor="ctr"/>
+          <a:lstStyle/>
+          <a:p>
+            <a:pPr algn="ctr"/>
+            <a:r>
+              <a:rPr lang="en-GB" sz="1600" dirty="0" err="1"/>
+              <a:t>HealthAdapterMIController</a:t>
+            </a:r>
+            <a:endParaRPr lang="en-GB" sz="1600" dirty="0"/>
+          </a:p>
+        </p:txBody>
+      </p:sp>
+      <p:sp>
+        <p:nvSpPr>
+          <p:cNvPr id="7" name="Ovale 6"/>
+          <p:cNvSpPr/>
+          <p:nvPr/>
+        </p:nvSpPr>
+        <p:spPr>
+          <a:xfrm>
+            <a:off x="4694263" y="3426581"/>
+            <a:ext cx="2247981" cy="807067"/>
+          </a:xfrm>
+          <a:prstGeom prst="ellipse">
+            <a:avLst/>
+          </a:prstGeom>
+        </p:spPr>
+        <p:style>
+          <a:lnRef idx="1">
+            <a:schemeClr val="accent5"/>
+          </a:lnRef>
+          <a:fillRef idx="2">
+            <a:schemeClr val="accent5"/>
+          </a:fillRef>
+          <a:effectRef idx="1">
+            <a:schemeClr val="accent5"/>
+          </a:effectRef>
+          <a:fontRef idx="minor">
+            <a:schemeClr val="dk1"/>
+          </a:fontRef>
+        </p:style>
+        <p:txBody>
+          <a:bodyPr rtlCol="0" anchor="ctr"/>
+          <a:lstStyle/>
+          <a:p>
+            <a:pPr algn="ctr"/>
+            <a:r>
+              <a:rPr lang="en-GB" sz="1600" dirty="0" err="1">
+                <a:cs typeface="Arial" panose="020B0604020202020204" pitchFamily="34" charset="0"/>
+              </a:rPr>
+              <a:t>FhirServiceClient</a:t>
+            </a:r>
+            <a:endParaRPr lang="en-GB" sz="1600" dirty="0">
+              <a:cs typeface="Arial" panose="020B0604020202020204" pitchFamily="34" charset="0"/>
+            </a:endParaRPr>
+          </a:p>
+        </p:txBody>
+      </p:sp>
+      <p:cxnSp>
+        <p:nvCxnSpPr>
+          <p:cNvPr id="9" name="Connettore 2 8"/>
+          <p:cNvCxnSpPr>
+            <a:stCxn id="40" idx="4"/>
+            <a:endCxn id="7" idx="0"/>
+          </p:cNvCxnSpPr>
+          <p:nvPr/>
+        </p:nvCxnSpPr>
+        <p:spPr>
+          <a:xfrm flipH="1">
+            <a:off x="5818254" y="2738394"/>
+            <a:ext cx="1" cy="688187"/>
+          </a:xfrm>
+          <a:prstGeom prst="straightConnector1">
+            <a:avLst/>
+          </a:prstGeom>
+          <a:ln>
+            <a:tailEnd type="arrow"/>
+          </a:ln>
+        </p:spPr>
+        <p:style>
+          <a:lnRef idx="1">
+            <a:schemeClr val="accent1"/>
+          </a:lnRef>
+          <a:fillRef idx="0">
+            <a:schemeClr val="accent1"/>
+          </a:fillRef>
+          <a:effectRef idx="0">
+            <a:schemeClr val="accent1"/>
+          </a:effectRef>
+          <a:fontRef idx="minor">
+            <a:schemeClr val="tx1"/>
+          </a:fontRef>
+        </p:style>
+      </p:cxnSp>
+      <p:grpSp>
+        <p:nvGrpSpPr>
+          <p:cNvPr id="26" name="Gruppo 25"/>
+          <p:cNvGrpSpPr/>
+          <p:nvPr/>
+        </p:nvGrpSpPr>
+        <p:grpSpPr>
+          <a:xfrm>
+            <a:off x="2811204" y="1501983"/>
+            <a:ext cx="666895" cy="86434"/>
+            <a:chOff x="4592177" y="4419530"/>
+            <a:chExt cx="666895" cy="86434"/>
+          </a:xfrm>
+        </p:grpSpPr>
+        <p:cxnSp>
+          <p:nvCxnSpPr>
+            <p:cNvPr id="27" name="Connettore 1 26"/>
+            <p:cNvCxnSpPr/>
+            <p:nvPr/>
+          </p:nvCxnSpPr>
+          <p:spPr>
+            <a:xfrm>
+              <a:off x="4611000" y="4462747"/>
+              <a:ext cx="648072" cy="0"/>
+            </a:xfrm>
+            <a:prstGeom prst="line">
+              <a:avLst/>
+            </a:prstGeom>
+            <a:ln/>
+          </p:spPr>
+          <p:style>
+            <a:lnRef idx="1">
+              <a:schemeClr val="accent6"/>
+            </a:lnRef>
+            <a:fillRef idx="2">
+              <a:schemeClr val="accent6"/>
+            </a:fillRef>
+            <a:effectRef idx="1">
+              <a:schemeClr val="accent6"/>
+            </a:effectRef>
+            <a:fontRef idx="minor">
+              <a:schemeClr val="dk1"/>
+            </a:fontRef>
+          </p:style>
+        </p:cxnSp>
+        <p:sp>
+          <p:nvSpPr>
+            <p:cNvPr id="28" name="Triangolo isoscele 27"/>
+            <p:cNvSpPr/>
+            <p:nvPr/>
+          </p:nvSpPr>
+          <p:spPr>
+            <a:xfrm rot="16200000">
+              <a:off x="4618592" y="4393115"/>
+              <a:ext cx="86434" cy="139263"/>
+            </a:xfrm>
+            <a:prstGeom prst="triangle">
+              <a:avLst/>
+            </a:prstGeom>
+            <a:ln/>
+          </p:spPr>
+          <p:style>
+            <a:lnRef idx="1">
+              <a:schemeClr val="accent6"/>
+            </a:lnRef>
+            <a:fillRef idx="2">
+              <a:schemeClr val="accent6"/>
+            </a:fillRef>
+            <a:effectRef idx="1">
+              <a:schemeClr val="accent6"/>
+            </a:effectRef>
+            <a:fontRef idx="minor">
+              <a:schemeClr val="dk1"/>
+            </a:fontRef>
+          </p:style>
+          <p:txBody>
+            <a:bodyPr rtlCol="0" anchor="ctr"/>
+            <a:lstStyle/>
+            <a:p>
+              <a:pPr algn="ctr"/>
+              <a:endParaRPr lang="en-GB" sz="1200"/>
+            </a:p>
+          </p:txBody>
+        </p:sp>
+      </p:grpSp>
+      <p:grpSp>
+        <p:nvGrpSpPr>
+          <p:cNvPr id="29" name="Gruppo 28"/>
+          <p:cNvGrpSpPr/>
+          <p:nvPr/>
+        </p:nvGrpSpPr>
+        <p:grpSpPr>
+          <a:xfrm>
+            <a:off x="2803117" y="1305778"/>
+            <a:ext cx="787334" cy="86434"/>
+            <a:chOff x="3452446" y="4176616"/>
+            <a:chExt cx="787334" cy="86434"/>
+          </a:xfrm>
+        </p:grpSpPr>
+        <p:sp>
+          <p:nvSpPr>
+            <p:cNvPr id="30" name="Triangolo isoscele 29"/>
+            <p:cNvSpPr/>
+            <p:nvPr/>
+          </p:nvSpPr>
+          <p:spPr>
+            <a:xfrm rot="5400000" flipH="1">
+              <a:off x="4126932" y="4150201"/>
+              <a:ext cx="86434" cy="139263"/>
+            </a:xfrm>
+            <a:prstGeom prst="triangle">
+              <a:avLst/>
+            </a:prstGeom>
+            <a:ln/>
+          </p:spPr>
+          <p:style>
+            <a:lnRef idx="1">
+              <a:schemeClr val="accent6"/>
+            </a:lnRef>
+            <a:fillRef idx="2">
+              <a:schemeClr val="accent6"/>
+            </a:fillRef>
+            <a:effectRef idx="1">
+              <a:schemeClr val="accent6"/>
+            </a:effectRef>
+            <a:fontRef idx="minor">
+              <a:schemeClr val="dk1"/>
+            </a:fontRef>
+          </p:style>
+          <p:txBody>
+            <a:bodyPr rtlCol="0" anchor="ctr"/>
+            <a:lstStyle/>
+            <a:p>
+              <a:pPr algn="ctr"/>
+              <a:endParaRPr lang="en-GB" sz="1200"/>
+            </a:p>
+          </p:txBody>
+        </p:sp>
+        <p:cxnSp>
+          <p:nvCxnSpPr>
+            <p:cNvPr id="31" name="Connettore 1 30"/>
+            <p:cNvCxnSpPr>
+              <a:endCxn id="30" idx="3"/>
+            </p:cNvCxnSpPr>
+            <p:nvPr/>
+          </p:nvCxnSpPr>
+          <p:spPr>
+            <a:xfrm>
+              <a:off x="3452446" y="4219627"/>
+              <a:ext cx="648072" cy="206"/>
+            </a:xfrm>
+            <a:prstGeom prst="line">
+              <a:avLst/>
+            </a:prstGeom>
+          </p:spPr>
+          <p:style>
+            <a:lnRef idx="1">
+              <a:schemeClr val="accent6"/>
+            </a:lnRef>
+            <a:fillRef idx="2">
+              <a:schemeClr val="accent6"/>
+            </a:fillRef>
+            <a:effectRef idx="1">
+              <a:schemeClr val="accent6"/>
+            </a:effectRef>
+            <a:fontRef idx="minor">
+              <a:schemeClr val="dk1"/>
+            </a:fontRef>
+          </p:style>
+        </p:cxnSp>
+      </p:grpSp>
+      <p:sp>
+        <p:nvSpPr>
+          <p:cNvPr id="40" name="Ovale 39"/>
+          <p:cNvSpPr/>
+          <p:nvPr/>
+        </p:nvSpPr>
+        <p:spPr>
+          <a:xfrm>
+            <a:off x="4654019" y="2134646"/>
+            <a:ext cx="2328471" cy="603748"/>
+          </a:xfrm>
+          <a:prstGeom prst="ellipse">
+            <a:avLst/>
+          </a:prstGeom>
+        </p:spPr>
+        <p:style>
+          <a:lnRef idx="1">
+            <a:schemeClr val="accent5"/>
+          </a:lnRef>
+          <a:fillRef idx="2">
+            <a:schemeClr val="accent5"/>
+          </a:fillRef>
+          <a:effectRef idx="1">
+            <a:schemeClr val="accent5"/>
+          </a:effectRef>
+          <a:fontRef idx="minor">
+            <a:schemeClr val="dk1"/>
+          </a:fontRef>
+        </p:style>
+        <p:txBody>
+          <a:bodyPr rtlCol="0" anchor="ctr"/>
+          <a:lstStyle/>
+          <a:p>
+            <a:pPr algn="ctr"/>
+            <a:r>
+              <a:rPr lang="en-GB" sz="1600" dirty="0" err="1"/>
+              <a:t>HealthServiceFhir</a:t>
+            </a:r>
+            <a:endParaRPr lang="en-GB" sz="1600" dirty="0">
+              <a:cs typeface="Arial" panose="020B0604020202020204" pitchFamily="34" charset="0"/>
+            </a:endParaRPr>
+          </a:p>
+        </p:txBody>
+      </p:sp>
+      <p:sp>
+        <p:nvSpPr>
+          <p:cNvPr id="48" name="Ovale 47"/>
+          <p:cNvSpPr/>
+          <p:nvPr/>
+        </p:nvSpPr>
+        <p:spPr>
+          <a:xfrm>
+            <a:off x="3315962" y="2780613"/>
+            <a:ext cx="1927267" cy="603748"/>
+          </a:xfrm>
+          <a:prstGeom prst="ellipse">
+            <a:avLst/>
+          </a:prstGeom>
+        </p:spPr>
+        <p:style>
+          <a:lnRef idx="1">
+            <a:schemeClr val="accent5"/>
+          </a:lnRef>
+          <a:fillRef idx="2">
+            <a:schemeClr val="accent5"/>
+          </a:fillRef>
+          <a:effectRef idx="1">
+            <a:schemeClr val="accent5"/>
+          </a:effectRef>
+          <a:fontRef idx="minor">
+            <a:schemeClr val="dk1"/>
+          </a:fontRef>
+        </p:style>
+        <p:txBody>
+          <a:bodyPr rtlCol="0" anchor="ctr"/>
+          <a:lstStyle/>
+          <a:p>
+            <a:pPr algn="ctr"/>
+            <a:r>
+              <a:rPr lang="en-GB" sz="1200" dirty="0"/>
+              <a:t>HealthServiceHL7</a:t>
+            </a:r>
+            <a:endParaRPr lang="en-GB" sz="1200" dirty="0">
+              <a:cs typeface="Arial" panose="020B0604020202020204" pitchFamily="34" charset="0"/>
+            </a:endParaRPr>
+          </a:p>
+        </p:txBody>
+      </p:sp>
+      <p:sp>
+        <p:nvSpPr>
+          <p:cNvPr id="83" name="Ovale 82"/>
+          <p:cNvSpPr/>
+          <p:nvPr/>
+        </p:nvSpPr>
+        <p:spPr>
+          <a:xfrm>
+            <a:off x="5187923" y="1937087"/>
+            <a:ext cx="260828" cy="245237"/>
+          </a:xfrm>
+          <a:prstGeom prst="ellipse">
+            <a:avLst/>
+          </a:prstGeom>
+          <a:ln>
+            <a:solidFill>
+              <a:srgbClr val="C00000"/>
+            </a:solidFill>
+          </a:ln>
+        </p:spPr>
+        <p:style>
+          <a:lnRef idx="1">
+            <a:schemeClr val="accent3"/>
+          </a:lnRef>
+          <a:fillRef idx="2">
+            <a:schemeClr val="accent3"/>
+          </a:fillRef>
+          <a:effectRef idx="1">
+            <a:schemeClr val="accent3"/>
+          </a:effectRef>
+          <a:fontRef idx="minor">
+            <a:schemeClr val="dk1"/>
+          </a:fontRef>
+        </p:style>
+        <p:txBody>
+          <a:bodyPr rtlCol="0" anchor="ctr"/>
+          <a:lstStyle/>
+          <a:p>
+            <a:pPr algn="ctr"/>
+            <a:endParaRPr lang="en-GB"/>
+          </a:p>
+        </p:txBody>
+      </p:sp>
+      <p:sp>
+        <p:nvSpPr>
+          <p:cNvPr id="87" name="Rettangolo 86"/>
+          <p:cNvSpPr/>
+          <p:nvPr/>
+        </p:nvSpPr>
+        <p:spPr>
+          <a:xfrm>
+            <a:off x="5473395" y="1855756"/>
+            <a:ext cx="2079608" cy="338554"/>
+          </a:xfrm>
+          <a:prstGeom prst="rect">
+            <a:avLst/>
+          </a:prstGeom>
+          <a:solidFill>
+            <a:srgbClr val="CCFF99"/>
+          </a:solidFill>
+        </p:spPr>
+        <p:style>
+          <a:lnRef idx="1">
+            <a:schemeClr val="accent3"/>
+          </a:lnRef>
+          <a:fillRef idx="3">
+            <a:schemeClr val="accent3"/>
+          </a:fillRef>
+          <a:effectRef idx="2">
+            <a:schemeClr val="accent3"/>
+          </a:effectRef>
+          <a:fontRef idx="minor">
+            <a:schemeClr val="lt1"/>
+          </a:fontRef>
+        </p:style>
+        <p:txBody>
+          <a:bodyPr wrap="none">
+            <a:spAutoFit/>
+          </a:bodyPr>
+          <a:lstStyle/>
+          <a:p>
+            <a:r>
+              <a:rPr lang="en-GB" sz="1600" dirty="0" err="1">
+                <a:solidFill>
+                  <a:srgbClr val="C00000"/>
+                </a:solidFill>
+              </a:rPr>
+              <a:t>HealthServiceInterface</a:t>
+            </a:r>
+            <a:endParaRPr lang="en-GB" sz="1600" dirty="0">
+              <a:solidFill>
+                <a:srgbClr val="C00000"/>
+              </a:solidFill>
+            </a:endParaRPr>
+          </a:p>
+        </p:txBody>
+      </p:sp>
+      <p:sp>
+        <p:nvSpPr>
+          <p:cNvPr id="88" name="Ovale 87"/>
+          <p:cNvSpPr/>
+          <p:nvPr/>
+        </p:nvSpPr>
+        <p:spPr>
+          <a:xfrm>
+            <a:off x="4020475" y="2601573"/>
+            <a:ext cx="260828" cy="245237"/>
+          </a:xfrm>
+          <a:prstGeom prst="ellipse">
+            <a:avLst/>
+          </a:prstGeom>
+          <a:ln>
+            <a:solidFill>
+              <a:srgbClr val="C00000"/>
+            </a:solidFill>
+          </a:ln>
+        </p:spPr>
+        <p:style>
+          <a:lnRef idx="1">
+            <a:schemeClr val="accent3"/>
+          </a:lnRef>
+          <a:fillRef idx="2">
+            <a:schemeClr val="accent3"/>
+          </a:fillRef>
+          <a:effectRef idx="1">
+            <a:schemeClr val="accent3"/>
+          </a:effectRef>
+          <a:fontRef idx="minor">
+            <a:schemeClr val="dk1"/>
+          </a:fontRef>
+        </p:style>
+        <p:txBody>
+          <a:bodyPr rtlCol="0" anchor="ctr"/>
+          <a:lstStyle/>
+          <a:p>
+            <a:pPr algn="ctr"/>
+            <a:endParaRPr lang="en-GB"/>
+          </a:p>
+        </p:txBody>
+      </p:sp>
+      <p:grpSp>
+        <p:nvGrpSpPr>
+          <p:cNvPr id="92" name="Gruppo 91"/>
+          <p:cNvGrpSpPr/>
+          <p:nvPr/>
+        </p:nvGrpSpPr>
+        <p:grpSpPr>
+          <a:xfrm flipH="1">
+            <a:off x="7099973" y="4013022"/>
+            <a:ext cx="666895" cy="86434"/>
+            <a:chOff x="4592177" y="4419530"/>
+            <a:chExt cx="666895" cy="86434"/>
+          </a:xfrm>
+        </p:grpSpPr>
+        <p:cxnSp>
+          <p:nvCxnSpPr>
+            <p:cNvPr id="93" name="Connettore 1 92"/>
+            <p:cNvCxnSpPr/>
+            <p:nvPr/>
+          </p:nvCxnSpPr>
+          <p:spPr>
+            <a:xfrm>
+              <a:off x="4611000" y="4462747"/>
+              <a:ext cx="648072" cy="0"/>
+            </a:xfrm>
+            <a:prstGeom prst="line">
+              <a:avLst/>
+            </a:prstGeom>
+            <a:ln/>
+          </p:spPr>
+          <p:style>
+            <a:lnRef idx="1">
+              <a:schemeClr val="accent6"/>
+            </a:lnRef>
+            <a:fillRef idx="2">
+              <a:schemeClr val="accent6"/>
+            </a:fillRef>
+            <a:effectRef idx="1">
+              <a:schemeClr val="accent6"/>
+            </a:effectRef>
+            <a:fontRef idx="minor">
+              <a:schemeClr val="dk1"/>
+            </a:fontRef>
+          </p:style>
+        </p:cxnSp>
+        <p:sp>
+          <p:nvSpPr>
+            <p:cNvPr id="94" name="Triangolo isoscele 93"/>
+            <p:cNvSpPr/>
+            <p:nvPr/>
+          </p:nvSpPr>
+          <p:spPr>
+            <a:xfrm rot="16200000">
+              <a:off x="4618592" y="4393115"/>
+              <a:ext cx="86434" cy="139263"/>
+            </a:xfrm>
+            <a:prstGeom prst="triangle">
+              <a:avLst/>
+            </a:prstGeom>
+            <a:ln/>
+          </p:spPr>
+          <p:style>
+            <a:lnRef idx="1">
+              <a:schemeClr val="accent6"/>
+            </a:lnRef>
+            <a:fillRef idx="2">
+              <a:schemeClr val="accent6"/>
+            </a:fillRef>
+            <a:effectRef idx="1">
+              <a:schemeClr val="accent6"/>
+            </a:effectRef>
+            <a:fontRef idx="minor">
+              <a:schemeClr val="dk1"/>
+            </a:fontRef>
+          </p:style>
+          <p:txBody>
+            <a:bodyPr rtlCol="0" anchor="ctr"/>
+            <a:lstStyle/>
+            <a:p>
+              <a:pPr algn="ctr"/>
+              <a:endParaRPr lang="en-GB" sz="1200"/>
+            </a:p>
+          </p:txBody>
+        </p:sp>
+      </p:grpSp>
+      <p:grpSp>
+        <p:nvGrpSpPr>
+          <p:cNvPr id="95" name="Gruppo 94"/>
+          <p:cNvGrpSpPr/>
+          <p:nvPr/>
+        </p:nvGrpSpPr>
+        <p:grpSpPr>
+          <a:xfrm flipH="1">
+            <a:off x="7035226" y="3804738"/>
+            <a:ext cx="787334" cy="86434"/>
+            <a:chOff x="3452446" y="4176616"/>
+            <a:chExt cx="787334" cy="86434"/>
+          </a:xfrm>
+        </p:grpSpPr>
+        <p:sp>
+          <p:nvSpPr>
+            <p:cNvPr id="96" name="Triangolo isoscele 95"/>
+            <p:cNvSpPr/>
+            <p:nvPr/>
+          </p:nvSpPr>
+          <p:spPr>
+            <a:xfrm rot="5400000" flipH="1">
+              <a:off x="4126932" y="4150201"/>
+              <a:ext cx="86434" cy="139263"/>
+            </a:xfrm>
+            <a:prstGeom prst="triangle">
+              <a:avLst/>
+            </a:prstGeom>
+            <a:ln/>
+          </p:spPr>
+          <p:style>
+            <a:lnRef idx="1">
+              <a:schemeClr val="accent6"/>
+            </a:lnRef>
+            <a:fillRef idx="2">
+              <a:schemeClr val="accent6"/>
+            </a:fillRef>
+            <a:effectRef idx="1">
+              <a:schemeClr val="accent6"/>
+            </a:effectRef>
+            <a:fontRef idx="minor">
+              <a:schemeClr val="dk1"/>
+            </a:fontRef>
+          </p:style>
+          <p:txBody>
+            <a:bodyPr rtlCol="0" anchor="ctr"/>
+            <a:lstStyle/>
+            <a:p>
+              <a:pPr algn="ctr"/>
+              <a:endParaRPr lang="en-GB" sz="1200"/>
+            </a:p>
+          </p:txBody>
+        </p:sp>
+        <p:cxnSp>
+          <p:nvCxnSpPr>
+            <p:cNvPr id="97" name="Connettore 1 96"/>
+            <p:cNvCxnSpPr>
+              <a:endCxn id="96" idx="3"/>
+            </p:cNvCxnSpPr>
+            <p:nvPr/>
+          </p:nvCxnSpPr>
+          <p:spPr>
+            <a:xfrm>
+              <a:off x="3452446" y="4219627"/>
+              <a:ext cx="648072" cy="206"/>
+            </a:xfrm>
+            <a:prstGeom prst="line">
+              <a:avLst/>
+            </a:prstGeom>
+          </p:spPr>
+          <p:style>
+            <a:lnRef idx="1">
+              <a:schemeClr val="accent6"/>
+            </a:lnRef>
+            <a:fillRef idx="2">
+              <a:schemeClr val="accent6"/>
+            </a:fillRef>
+            <a:effectRef idx="1">
+              <a:schemeClr val="accent6"/>
+            </a:effectRef>
+            <a:fontRef idx="minor">
+              <a:schemeClr val="dk1"/>
+            </a:fontRef>
+          </p:style>
+        </p:cxnSp>
+      </p:grpSp>
+      <p:grpSp>
+        <p:nvGrpSpPr>
+          <p:cNvPr id="124" name="Gruppo 123"/>
+          <p:cNvGrpSpPr/>
+          <p:nvPr/>
+        </p:nvGrpSpPr>
+        <p:grpSpPr>
+          <a:xfrm>
+            <a:off x="345089" y="763239"/>
+            <a:ext cx="2721534" cy="3470409"/>
+            <a:chOff x="565700" y="4961976"/>
+            <a:chExt cx="805955" cy="750838"/>
+          </a:xfrm>
+        </p:grpSpPr>
+        <p:sp>
+          <p:nvSpPr>
+            <p:cNvPr id="125" name="Ovale 124"/>
+            <p:cNvSpPr/>
+            <p:nvPr/>
+          </p:nvSpPr>
+          <p:spPr>
+            <a:xfrm>
+              <a:off x="565700" y="4983583"/>
+              <a:ext cx="805955" cy="729231"/>
+            </a:xfrm>
+            <a:prstGeom prst="ellipse">
+              <a:avLst/>
+            </a:prstGeom>
+            <a:solidFill>
+              <a:srgbClr val="FF99CC"/>
+            </a:solidFill>
+            <a:ln/>
+          </p:spPr>
+          <p:style>
+            <a:lnRef idx="1">
+              <a:schemeClr val="accent4"/>
+            </a:lnRef>
+            <a:fillRef idx="2">
+              <a:schemeClr val="accent4"/>
+            </a:fillRef>
+            <a:effectRef idx="1">
+              <a:schemeClr val="accent4"/>
+            </a:effectRef>
+            <a:fontRef idx="minor">
+              <a:schemeClr val="dk1"/>
+            </a:fontRef>
+          </p:style>
+          <p:txBody>
+            <a:bodyPr rtlCol="0" anchor="ctr"/>
+            <a:lstStyle/>
+            <a:p>
+              <a:pPr algn="ctr"/>
+              <a:r>
+                <a:rPr lang="en-GB" sz="1200" dirty="0"/>
+                <a:t> </a:t>
+              </a:r>
+            </a:p>
+          </p:txBody>
+        </p:sp>
+        <p:sp>
+          <p:nvSpPr>
+            <p:cNvPr id="126" name="Triangolo isoscele 125"/>
+            <p:cNvSpPr/>
+            <p:nvPr/>
+          </p:nvSpPr>
+          <p:spPr>
+            <a:xfrm rot="16200000">
+              <a:off x="904012" y="4936848"/>
+              <a:ext cx="39538" cy="89794"/>
+            </a:xfrm>
+            <a:prstGeom prst="triangle">
+              <a:avLst/>
+            </a:prstGeom>
+            <a:solidFill>
+              <a:srgbClr val="C00000"/>
+            </a:solidFill>
+            <a:ln/>
+          </p:spPr>
+          <p:style>
+            <a:lnRef idx="1">
+              <a:schemeClr val="accent5"/>
+            </a:lnRef>
+            <a:fillRef idx="2">
+              <a:schemeClr val="accent5"/>
+            </a:fillRef>
+            <a:effectRef idx="1">
+              <a:schemeClr val="accent5"/>
+            </a:effectRef>
+            <a:fontRef idx="minor">
+              <a:schemeClr val="dk1"/>
+            </a:fontRef>
+          </p:style>
+          <p:txBody>
+            <a:bodyPr rtlCol="0" anchor="ctr"/>
+            <a:lstStyle/>
+            <a:p>
+              <a:pPr algn="ctr"/>
+              <a:endParaRPr lang="en-GB" sz="1200">
+                <a:solidFill>
+                  <a:schemeClr val="dk1"/>
+                </a:solidFill>
+              </a:endParaRPr>
+            </a:p>
+          </p:txBody>
+        </p:sp>
+      </p:grpSp>
+      <p:sp>
+        <p:nvSpPr>
+          <p:cNvPr id="114" name="TextBox 45">
+            <a:extLst>
+              <a:ext uri="{FF2B5EF4-FFF2-40B4-BE49-F238E27FC236}">
+                <a16:creationId xmlns:a16="http://schemas.microsoft.com/office/drawing/2014/main" xmlns="" id="{6BDA7693-CA76-4C97-8FED-A4A65AB5032B}"/>
+              </a:ext>
+            </a:extLst>
+          </p:cNvPr>
+          <p:cNvSpPr txBox="1"/>
+          <p:nvPr/>
+        </p:nvSpPr>
+        <p:spPr>
+          <a:xfrm>
+            <a:off x="4498384" y="5733256"/>
+            <a:ext cx="975011" cy="369332"/>
+          </a:xfrm>
+          <a:prstGeom prst="rect">
+            <a:avLst/>
+          </a:prstGeom>
+          <a:noFill/>
+        </p:spPr>
+        <p:txBody>
+          <a:bodyPr wrap="none" rtlCol="0">
+            <a:spAutoFit/>
+          </a:bodyPr>
+          <a:lstStyle/>
+          <a:p>
+            <a:r>
+              <a:rPr lang="en-US" b="1" dirty="0" smtClean="0"/>
+              <a:t>Browser</a:t>
+            </a:r>
+            <a:endParaRPr lang="en-US" b="1" dirty="0"/>
+          </a:p>
+        </p:txBody>
+      </p:sp>
+      <p:grpSp>
+        <p:nvGrpSpPr>
+          <p:cNvPr id="61" name="Gruppo 60"/>
+          <p:cNvGrpSpPr/>
+          <p:nvPr/>
+        </p:nvGrpSpPr>
+        <p:grpSpPr>
+          <a:xfrm>
+            <a:off x="7959531" y="3547076"/>
+            <a:ext cx="805955" cy="772447"/>
+            <a:chOff x="565700" y="4940367"/>
+            <a:chExt cx="805955" cy="772447"/>
+          </a:xfrm>
+        </p:grpSpPr>
+        <p:sp>
+          <p:nvSpPr>
+            <p:cNvPr id="62" name="Ovale 61"/>
+            <p:cNvSpPr/>
+            <p:nvPr/>
+          </p:nvSpPr>
+          <p:spPr>
+            <a:xfrm>
+              <a:off x="565700" y="4983583"/>
+              <a:ext cx="805955" cy="729231"/>
+            </a:xfrm>
+            <a:prstGeom prst="ellipse">
+              <a:avLst/>
+            </a:prstGeom>
+            <a:solidFill>
+              <a:srgbClr val="FF99CC"/>
+            </a:solidFill>
+          </p:spPr>
+          <p:style>
+            <a:lnRef idx="2">
+              <a:schemeClr val="accent1">
+                <a:shade val="50000"/>
+              </a:schemeClr>
+            </a:lnRef>
+            <a:fillRef idx="1">
+              <a:schemeClr val="accent1"/>
+            </a:fillRef>
+            <a:effectRef idx="0">
+              <a:schemeClr val="accent1"/>
+            </a:effectRef>
+            <a:fontRef idx="minor">
+              <a:schemeClr val="lt1"/>
+            </a:fontRef>
+          </p:style>
+          <p:txBody>
+            <a:bodyPr rtlCol="0" anchor="ctr"/>
+            <a:lstStyle/>
+            <a:p>
+              <a:pPr algn="ctr"/>
+              <a:r>
+                <a:rPr lang="en-GB" dirty="0">
+                  <a:solidFill>
+                    <a:schemeClr val="lt1"/>
+                  </a:solidFill>
+                </a:rPr>
+                <a:t> </a:t>
+              </a:r>
+            </a:p>
+          </p:txBody>
+        </p:sp>
+        <p:sp>
+          <p:nvSpPr>
+            <p:cNvPr id="63" name="Triangolo isoscele 62"/>
+            <p:cNvSpPr/>
+            <p:nvPr/>
+          </p:nvSpPr>
+          <p:spPr>
+            <a:xfrm rot="16200000">
+              <a:off x="905299" y="4913952"/>
+              <a:ext cx="86434" cy="139263"/>
+            </a:xfrm>
+            <a:prstGeom prst="triangle">
+              <a:avLst/>
+            </a:prstGeom>
+            <a:solidFill>
+              <a:srgbClr val="FF99CC"/>
+            </a:solidFill>
+            <a:ln>
+              <a:solidFill>
+                <a:schemeClr val="tx1"/>
+              </a:solidFill>
+            </a:ln>
+          </p:spPr>
+          <p:style>
+            <a:lnRef idx="2">
+              <a:schemeClr val="accent1">
+                <a:shade val="50000"/>
+              </a:schemeClr>
+            </a:lnRef>
+            <a:fillRef idx="1">
+              <a:schemeClr val="accent1"/>
+            </a:fillRef>
+            <a:effectRef idx="0">
+              <a:schemeClr val="accent1"/>
+            </a:effectRef>
+            <a:fontRef idx="minor">
+              <a:schemeClr val="lt1"/>
+            </a:fontRef>
+          </p:style>
+          <p:txBody>
+            <a:bodyPr rtlCol="0" anchor="ctr"/>
+            <a:lstStyle/>
+            <a:p>
+              <a:pPr algn="ctr"/>
+              <a:endParaRPr lang="en-GB">
+                <a:solidFill>
+                  <a:schemeClr val="lt1"/>
+                </a:solidFill>
+              </a:endParaRPr>
+            </a:p>
+          </p:txBody>
+        </p:sp>
+      </p:grpSp>
+      <p:sp>
+        <p:nvSpPr>
+          <p:cNvPr id="64" name="Rettangolo 63"/>
+          <p:cNvSpPr/>
+          <p:nvPr/>
+        </p:nvSpPr>
+        <p:spPr>
+          <a:xfrm>
+            <a:off x="7485778" y="4233648"/>
+            <a:ext cx="1255344" cy="369332"/>
+          </a:xfrm>
+          <a:prstGeom prst="rect">
+            <a:avLst/>
+          </a:prstGeom>
+        </p:spPr>
+        <p:txBody>
+          <a:bodyPr wrap="none">
+            <a:spAutoFit/>
+          </a:bodyPr>
+          <a:lstStyle/>
+          <a:p>
+            <a:r>
+              <a:rPr lang="it-IT" dirty="0" smtClean="0"/>
+              <a:t>FHIR server</a:t>
+            </a:r>
+            <a:endParaRPr lang="en-GB" dirty="0"/>
+          </a:p>
+        </p:txBody>
+      </p:sp>
+      <p:sp>
+        <p:nvSpPr>
+          <p:cNvPr id="13" name="CasellaDiTesto 12"/>
+          <p:cNvSpPr txBox="1"/>
+          <p:nvPr/>
+        </p:nvSpPr>
+        <p:spPr>
+          <a:xfrm>
+            <a:off x="5402022" y="5121274"/>
+            <a:ext cx="675121" cy="369332"/>
+          </a:xfrm>
+          <a:prstGeom prst="rect">
+            <a:avLst/>
+          </a:prstGeom>
+          <a:noFill/>
+        </p:spPr>
+        <p:txBody>
+          <a:bodyPr wrap="none" rtlCol="0">
+            <a:spAutoFit/>
+          </a:bodyPr>
+          <a:lstStyle/>
+          <a:p>
+            <a:r>
+              <a:rPr lang="it-IT" dirty="0" smtClean="0"/>
+              <a:t>HTTP</a:t>
+            </a:r>
+            <a:endParaRPr lang="en-GB" dirty="0"/>
+          </a:p>
+        </p:txBody>
+      </p:sp>
+      <p:cxnSp>
+        <p:nvCxnSpPr>
+          <p:cNvPr id="37" name="Connettore 2 36"/>
+          <p:cNvCxnSpPr>
+            <a:endCxn id="40" idx="2"/>
+          </p:cNvCxnSpPr>
+          <p:nvPr/>
+        </p:nvCxnSpPr>
+        <p:spPr>
+          <a:xfrm flipV="1">
+            <a:off x="2954748" y="2436520"/>
+            <a:ext cx="1699271" cy="10887"/>
+          </a:xfrm>
+          <a:prstGeom prst="straightConnector1">
+            <a:avLst/>
+          </a:prstGeom>
+          <a:ln>
+            <a:tailEnd type="arrow"/>
+          </a:ln>
+        </p:spPr>
+        <p:style>
+          <a:lnRef idx="1">
+            <a:schemeClr val="accent1"/>
+          </a:lnRef>
+          <a:fillRef idx="0">
+            <a:schemeClr val="accent1"/>
+          </a:fillRef>
+          <a:effectRef idx="0">
+            <a:schemeClr val="accent1"/>
+          </a:effectRef>
+          <a:fontRef idx="minor">
+            <a:schemeClr val="tx1"/>
+          </a:fontRef>
+        </p:style>
+      </p:cxnSp>
+      <p:sp>
+        <p:nvSpPr>
+          <p:cNvPr id="81" name="Ovale 80"/>
+          <p:cNvSpPr/>
+          <p:nvPr/>
+        </p:nvSpPr>
+        <p:spPr>
+          <a:xfrm>
+            <a:off x="629027" y="1167714"/>
+            <a:ext cx="2080557" cy="593051"/>
+          </a:xfrm>
+          <a:prstGeom prst="ellipse">
+            <a:avLst/>
+          </a:prstGeom>
+          <a:solidFill>
+            <a:srgbClr val="FFFFCC"/>
+          </a:solidFill>
+          <a:ln w="38100">
+            <a:solidFill>
+              <a:srgbClr val="C00000"/>
+            </a:solidFill>
+          </a:ln>
+        </p:spPr>
+        <p:style>
+          <a:lnRef idx="1">
+            <a:schemeClr val="accent5"/>
+          </a:lnRef>
+          <a:fillRef idx="2">
+            <a:schemeClr val="accent5"/>
+          </a:fillRef>
+          <a:effectRef idx="1">
+            <a:schemeClr val="accent5"/>
+          </a:effectRef>
+          <a:fontRef idx="minor">
+            <a:schemeClr val="dk1"/>
+          </a:fontRef>
+        </p:style>
+        <p:txBody>
+          <a:bodyPr rtlCol="0" anchor="ctr"/>
+          <a:lstStyle/>
+          <a:p>
+            <a:pPr algn="ctr"/>
+            <a:r>
+              <a:rPr lang="en-GB" sz="1600" b="1" dirty="0" err="1" smtClean="0">
+                <a:solidFill>
+                  <a:srgbClr val="0070C0"/>
+                </a:solidFill>
+              </a:rPr>
+              <a:t>HealthProductClient</a:t>
+            </a:r>
+            <a:endParaRPr lang="en-GB" sz="1600" b="1" dirty="0">
+              <a:solidFill>
+                <a:srgbClr val="0070C0"/>
+              </a:solidFill>
+            </a:endParaRPr>
+          </a:p>
+        </p:txBody>
+      </p:sp>
+      <p:cxnSp>
+        <p:nvCxnSpPr>
+          <p:cNvPr id="46" name="Connettore 4 45"/>
+          <p:cNvCxnSpPr>
+            <a:stCxn id="48" idx="6"/>
+            <a:endCxn id="123" idx="2"/>
+          </p:cNvCxnSpPr>
+          <p:nvPr/>
+        </p:nvCxnSpPr>
+        <p:spPr>
+          <a:xfrm flipV="1">
+            <a:off x="5243229" y="3079487"/>
+            <a:ext cx="2761997" cy="3000"/>
+          </a:xfrm>
+          <a:prstGeom prst="bentConnector3">
+            <a:avLst>
+              <a:gd name="adj1" fmla="val 50000"/>
+            </a:avLst>
+          </a:prstGeom>
+          <a:ln w="28575">
+            <a:solidFill>
+              <a:srgbClr val="FF0000"/>
+            </a:solidFill>
+            <a:prstDash val="dash"/>
+            <a:tailEnd type="arrow"/>
+          </a:ln>
+        </p:spPr>
+        <p:style>
+          <a:lnRef idx="1">
+            <a:schemeClr val="accent1"/>
+          </a:lnRef>
+          <a:fillRef idx="0">
+            <a:schemeClr val="accent1"/>
+          </a:fillRef>
+          <a:effectRef idx="0">
+            <a:schemeClr val="accent1"/>
+          </a:effectRef>
+          <a:fontRef idx="minor">
+            <a:schemeClr val="tx1"/>
+          </a:fontRef>
+        </p:style>
+      </p:cxnSp>
+      <p:cxnSp>
+        <p:nvCxnSpPr>
+          <p:cNvPr id="66" name="Connettore 4 65"/>
+          <p:cNvCxnSpPr>
+            <a:stCxn id="115" idx="3"/>
+            <a:endCxn id="4" idx="4"/>
+          </p:cNvCxnSpPr>
+          <p:nvPr/>
+        </p:nvCxnSpPr>
+        <p:spPr>
+          <a:xfrm flipV="1">
+            <a:off x="4638640" y="4763463"/>
+            <a:ext cx="679697" cy="542477"/>
+          </a:xfrm>
+          <a:prstGeom prst="bentConnector2">
+            <a:avLst/>
+          </a:prstGeom>
+          <a:ln>
+            <a:tailEnd type="arrow"/>
+          </a:ln>
+        </p:spPr>
+        <p:style>
+          <a:lnRef idx="1">
+            <a:schemeClr val="accent1"/>
+          </a:lnRef>
+          <a:fillRef idx="0">
+            <a:schemeClr val="accent1"/>
+          </a:fillRef>
+          <a:effectRef idx="0">
+            <a:schemeClr val="accent1"/>
+          </a:effectRef>
+          <a:fontRef idx="minor">
+            <a:schemeClr val="tx1"/>
+          </a:fontRef>
+        </p:style>
+      </p:cxnSp>
+      <p:cxnSp>
+        <p:nvCxnSpPr>
+          <p:cNvPr id="76" name="Connettore 2 75"/>
+          <p:cNvCxnSpPr>
+            <a:stCxn id="6" idx="4"/>
+            <a:endCxn id="83" idx="0"/>
+          </p:cNvCxnSpPr>
+          <p:nvPr/>
+        </p:nvCxnSpPr>
+        <p:spPr>
+          <a:xfrm>
+            <a:off x="5318337" y="1735178"/>
+            <a:ext cx="0" cy="201909"/>
+          </a:xfrm>
+          <a:prstGeom prst="straightConnector1">
+            <a:avLst/>
+          </a:prstGeom>
+          <a:ln>
+            <a:tailEnd type="arrow"/>
+          </a:ln>
+        </p:spPr>
+        <p:style>
+          <a:lnRef idx="1">
+            <a:schemeClr val="accent1"/>
+          </a:lnRef>
+          <a:fillRef idx="0">
+            <a:schemeClr val="accent1"/>
+          </a:fillRef>
+          <a:effectRef idx="0">
+            <a:schemeClr val="accent1"/>
+          </a:effectRef>
+          <a:fontRef idx="minor">
+            <a:schemeClr val="tx1"/>
+          </a:fontRef>
+        </p:style>
+      </p:cxnSp>
+      <p:sp>
+        <p:nvSpPr>
+          <p:cNvPr id="118" name="CasellaDiTesto 117"/>
+          <p:cNvSpPr txBox="1"/>
+          <p:nvPr/>
+        </p:nvSpPr>
+        <p:spPr>
+          <a:xfrm>
+            <a:off x="7553003" y="2244213"/>
+            <a:ext cx="1696811" cy="369332"/>
+          </a:xfrm>
+          <a:prstGeom prst="rect">
+            <a:avLst/>
+          </a:prstGeom>
+          <a:noFill/>
+        </p:spPr>
+        <p:txBody>
+          <a:bodyPr wrap="none" rtlCol="0">
+            <a:spAutoFit/>
+          </a:bodyPr>
+          <a:lstStyle/>
+          <a:p>
+            <a:r>
+              <a:rPr lang="it-IT" dirty="0" err="1" smtClean="0"/>
+              <a:t>Legacy</a:t>
+            </a:r>
+            <a:r>
+              <a:rPr lang="it-IT" dirty="0" smtClean="0"/>
+              <a:t> with HL7</a:t>
+            </a:r>
+            <a:endParaRPr lang="en-GB" dirty="0"/>
+          </a:p>
+        </p:txBody>
+      </p:sp>
+      <p:grpSp>
+        <p:nvGrpSpPr>
+          <p:cNvPr id="119" name="Gruppo 118"/>
+          <p:cNvGrpSpPr/>
+          <p:nvPr/>
+        </p:nvGrpSpPr>
+        <p:grpSpPr>
+          <a:xfrm>
+            <a:off x="8005226" y="2671655"/>
+            <a:ext cx="805955" cy="772447"/>
+            <a:chOff x="5498762" y="2072585"/>
+            <a:chExt cx="805955" cy="772447"/>
+          </a:xfrm>
+        </p:grpSpPr>
+        <p:grpSp>
+          <p:nvGrpSpPr>
+            <p:cNvPr id="121" name="Gruppo 120"/>
+            <p:cNvGrpSpPr/>
+            <p:nvPr/>
+          </p:nvGrpSpPr>
+          <p:grpSpPr>
+            <a:xfrm>
+              <a:off x="5498762" y="2072585"/>
+              <a:ext cx="805955" cy="772447"/>
+              <a:chOff x="565700" y="4940367"/>
+              <a:chExt cx="805955" cy="772447"/>
+            </a:xfrm>
+          </p:grpSpPr>
+          <p:sp>
+            <p:nvSpPr>
+              <p:cNvPr id="123" name="Ovale 122"/>
+              <p:cNvSpPr/>
+              <p:nvPr/>
+            </p:nvSpPr>
+            <p:spPr>
+              <a:xfrm>
+                <a:off x="565700" y="4983583"/>
+                <a:ext cx="805955" cy="729231"/>
+              </a:xfrm>
+              <a:prstGeom prst="ellipse">
+                <a:avLst/>
+              </a:prstGeom>
+              <a:solidFill>
+                <a:srgbClr val="CCFF99"/>
+              </a:solidFill>
+              <a:ln/>
+            </p:spPr>
+            <p:style>
+              <a:lnRef idx="1">
+                <a:schemeClr val="accent4"/>
+              </a:lnRef>
+              <a:fillRef idx="2">
+                <a:schemeClr val="accent4"/>
+              </a:fillRef>
+              <a:effectRef idx="1">
+                <a:schemeClr val="accent4"/>
+              </a:effectRef>
+              <a:fontRef idx="minor">
+                <a:schemeClr val="dk1"/>
+              </a:fontRef>
+            </p:style>
+            <p:txBody>
+              <a:bodyPr rtlCol="0" anchor="ctr"/>
+              <a:lstStyle/>
+              <a:p>
+                <a:pPr algn="ctr"/>
+                <a:r>
+                  <a:rPr lang="en-GB" sz="1200" dirty="0"/>
+                  <a:t> </a:t>
+                </a:r>
+              </a:p>
+            </p:txBody>
+          </p:sp>
+          <p:sp>
+            <p:nvSpPr>
+              <p:cNvPr id="128" name="Triangolo isoscele 127"/>
+              <p:cNvSpPr/>
+              <p:nvPr/>
+            </p:nvSpPr>
+            <p:spPr>
+              <a:xfrm rot="16200000">
+                <a:off x="905299" y="4913952"/>
+                <a:ext cx="86434" cy="139263"/>
+              </a:xfrm>
+              <a:prstGeom prst="triangle">
+                <a:avLst/>
+              </a:prstGeom>
+              <a:solidFill>
+                <a:srgbClr val="C00000"/>
+              </a:solidFill>
+              <a:ln/>
+            </p:spPr>
+            <p:style>
+              <a:lnRef idx="1">
+                <a:schemeClr val="accent5"/>
+              </a:lnRef>
+              <a:fillRef idx="2">
+                <a:schemeClr val="accent5"/>
+              </a:fillRef>
+              <a:effectRef idx="1">
+                <a:schemeClr val="accent5"/>
+              </a:effectRef>
+              <a:fontRef idx="minor">
+                <a:schemeClr val="dk1"/>
+              </a:fontRef>
+            </p:style>
+            <p:txBody>
+              <a:bodyPr rtlCol="0" anchor="ctr"/>
+              <a:lstStyle/>
+              <a:p>
+                <a:pPr algn="ctr"/>
+                <a:endParaRPr lang="en-GB" sz="1200">
+                  <a:solidFill>
+                    <a:schemeClr val="dk1"/>
+                  </a:solidFill>
+                </a:endParaRPr>
+              </a:p>
+            </p:txBody>
+          </p:sp>
+        </p:grpSp>
+        <p:sp>
+          <p:nvSpPr>
+            <p:cNvPr id="122" name="CasellaDiTesto 121"/>
+            <p:cNvSpPr txBox="1"/>
+            <p:nvPr/>
+          </p:nvSpPr>
+          <p:spPr>
+            <a:xfrm>
+              <a:off x="5838254" y="2295750"/>
+              <a:ext cx="184731" cy="307777"/>
+            </a:xfrm>
+            <a:prstGeom prst="rect">
+              <a:avLst/>
+            </a:prstGeom>
+            <a:noFill/>
+          </p:spPr>
+          <p:txBody>
+            <a:bodyPr wrap="none" rtlCol="0">
+              <a:spAutoFit/>
+            </a:bodyPr>
+            <a:lstStyle/>
+            <a:p>
+              <a:pPr algn="ctr"/>
+              <a:endParaRPr lang="en-GB" sz="1400" dirty="0">
+                <a:solidFill>
+                  <a:srgbClr val="0070C0"/>
+                </a:solidFill>
+              </a:endParaRPr>
+            </a:p>
+          </p:txBody>
+        </p:sp>
+      </p:grpSp>
+      <p:sp>
+        <p:nvSpPr>
+          <p:cNvPr id="106" name="Rettangolo 105"/>
+          <p:cNvSpPr/>
+          <p:nvPr/>
+        </p:nvSpPr>
+        <p:spPr>
+          <a:xfrm>
+            <a:off x="7348517" y="232102"/>
+            <a:ext cx="1513428" cy="369332"/>
+          </a:xfrm>
+          <a:prstGeom prst="rect">
+            <a:avLst/>
+          </a:prstGeom>
+        </p:spPr>
+        <p:txBody>
+          <a:bodyPr wrap="none">
+            <a:spAutoFit/>
+          </a:bodyPr>
+          <a:lstStyle/>
+          <a:p>
+            <a:r>
+              <a:rPr lang="it-IT" b="1" dirty="0" err="1"/>
+              <a:t>CentroHealth</a:t>
+            </a:r>
+            <a:r>
+              <a:rPr lang="it-IT" b="1" dirty="0"/>
+              <a:t> </a:t>
+            </a:r>
+          </a:p>
+        </p:txBody>
+      </p:sp>
+      <p:sp>
+        <p:nvSpPr>
+          <p:cNvPr id="89" name="CasellaDiTesto 88"/>
+          <p:cNvSpPr txBox="1"/>
+          <p:nvPr/>
+        </p:nvSpPr>
+        <p:spPr>
+          <a:xfrm>
+            <a:off x="6087454" y="2864042"/>
+            <a:ext cx="1102225" cy="369332"/>
+          </a:xfrm>
+          <a:prstGeom prst="rect">
+            <a:avLst/>
+          </a:prstGeom>
+        </p:spPr>
+        <p:style>
+          <a:lnRef idx="1">
+            <a:schemeClr val="accent3"/>
+          </a:lnRef>
+          <a:fillRef idx="2">
+            <a:schemeClr val="accent3"/>
+          </a:fillRef>
+          <a:effectRef idx="1">
+            <a:schemeClr val="accent3"/>
+          </a:effectRef>
+          <a:fontRef idx="minor">
+            <a:schemeClr val="dk1"/>
+          </a:fontRef>
+        </p:style>
+        <p:txBody>
+          <a:bodyPr wrap="none" rtlCol="0">
+            <a:spAutoFit/>
+          </a:bodyPr>
+          <a:lstStyle/>
+          <a:p>
+            <a:r>
+              <a:rPr lang="it-IT" dirty="0" smtClean="0"/>
+              <a:t>TCP/HTTP</a:t>
+            </a:r>
+          </a:p>
+        </p:txBody>
+      </p:sp>
+      <p:sp>
+        <p:nvSpPr>
+          <p:cNvPr id="143" name="CasellaDiTesto 142"/>
+          <p:cNvSpPr txBox="1"/>
+          <p:nvPr/>
+        </p:nvSpPr>
+        <p:spPr>
+          <a:xfrm>
+            <a:off x="657801" y="241231"/>
+            <a:ext cx="2051783" cy="369332"/>
+          </a:xfrm>
+          <a:prstGeom prst="rect">
+            <a:avLst/>
+          </a:prstGeom>
+          <a:noFill/>
+        </p:spPr>
+        <p:txBody>
+          <a:bodyPr wrap="square" rtlCol="0">
+            <a:spAutoFit/>
+          </a:bodyPr>
+          <a:lstStyle>
+            <a:defPPr>
+              <a:defRPr lang="en-US"/>
+            </a:defPPr>
+            <a:lvl1pPr>
+              <a:defRPr b="1"/>
+            </a:lvl1pPr>
+          </a:lstStyle>
+          <a:p>
+            <a:r>
+              <a:rPr lang="en-GB" dirty="0" err="1" smtClean="0"/>
+              <a:t>ICoreFHIR</a:t>
+            </a:r>
+            <a:r>
+              <a:rPr lang="en-GB" dirty="0" smtClean="0"/>
+              <a:t> </a:t>
+            </a:r>
+            <a:r>
+              <a:rPr lang="it-IT" dirty="0" smtClean="0"/>
+              <a:t>server</a:t>
+            </a:r>
+            <a:endParaRPr lang="en-GB" dirty="0"/>
+          </a:p>
+        </p:txBody>
+      </p:sp>
+      <p:sp>
+        <p:nvSpPr>
+          <p:cNvPr id="147" name="Ovale 146"/>
+          <p:cNvSpPr/>
+          <p:nvPr/>
+        </p:nvSpPr>
+        <p:spPr>
+          <a:xfrm>
+            <a:off x="858300" y="3082487"/>
+            <a:ext cx="1695116" cy="554921"/>
+          </a:xfrm>
+          <a:prstGeom prst="ellipse">
+            <a:avLst/>
+          </a:prstGeom>
+          <a:solidFill>
+            <a:srgbClr val="FFFFCC"/>
+          </a:solidFill>
+          <a:ln w="38100">
+            <a:solidFill>
+              <a:srgbClr val="C00000"/>
+            </a:solidFill>
+          </a:ln>
+        </p:spPr>
+        <p:style>
+          <a:lnRef idx="1">
+            <a:schemeClr val="accent5"/>
+          </a:lnRef>
+          <a:fillRef idx="2">
+            <a:schemeClr val="accent5"/>
+          </a:fillRef>
+          <a:effectRef idx="1">
+            <a:schemeClr val="accent5"/>
+          </a:effectRef>
+          <a:fontRef idx="minor">
+            <a:schemeClr val="dk1"/>
+          </a:fontRef>
+        </p:style>
+        <p:txBody>
+          <a:bodyPr rtlCol="0" anchor="ctr"/>
+          <a:lstStyle/>
+          <a:p>
+            <a:pPr algn="ctr"/>
+            <a:r>
+              <a:rPr lang="en-GB" sz="1600" b="1" dirty="0" err="1" smtClean="0">
+                <a:solidFill>
+                  <a:srgbClr val="0070C0"/>
+                </a:solidFill>
+              </a:rPr>
+              <a:t>Todo</a:t>
+            </a:r>
+            <a:endParaRPr lang="en-GB" sz="1600" b="1" dirty="0">
+              <a:solidFill>
+                <a:srgbClr val="0070C0"/>
+              </a:solidFill>
+            </a:endParaRPr>
+          </a:p>
+        </p:txBody>
+      </p:sp>
+      <p:cxnSp>
+        <p:nvCxnSpPr>
+          <p:cNvPr id="148" name="Connettore 2 147"/>
+          <p:cNvCxnSpPr>
+            <a:endCxn id="48" idx="3"/>
+          </p:cNvCxnSpPr>
+          <p:nvPr/>
+        </p:nvCxnSpPr>
+        <p:spPr>
+          <a:xfrm flipV="1">
+            <a:off x="2531250" y="3295944"/>
+            <a:ext cx="1066954" cy="88418"/>
+          </a:xfrm>
+          <a:prstGeom prst="straightConnector1">
+            <a:avLst/>
+          </a:prstGeom>
+          <a:ln>
+            <a:prstDash val="dash"/>
+            <a:tailEnd type="arrow"/>
+          </a:ln>
+        </p:spPr>
+        <p:style>
+          <a:lnRef idx="1">
+            <a:schemeClr val="accent1"/>
+          </a:lnRef>
+          <a:fillRef idx="0">
+            <a:schemeClr val="accent1"/>
+          </a:fillRef>
+          <a:effectRef idx="0">
+            <a:schemeClr val="accent1"/>
+          </a:effectRef>
+          <a:fontRef idx="minor">
+            <a:schemeClr val="tx1"/>
+          </a:fontRef>
+        </p:style>
+      </p:cxnSp>
+      <p:sp>
+        <p:nvSpPr>
+          <p:cNvPr id="151" name="Ovale 150"/>
+          <p:cNvSpPr/>
+          <p:nvPr/>
+        </p:nvSpPr>
+        <p:spPr>
+          <a:xfrm>
+            <a:off x="345089" y="2074806"/>
+            <a:ext cx="2593165" cy="723428"/>
+          </a:xfrm>
+          <a:prstGeom prst="ellipse">
+            <a:avLst/>
+          </a:prstGeom>
+          <a:solidFill>
+            <a:srgbClr val="FFFFCC"/>
+          </a:solidFill>
+          <a:ln w="38100">
+            <a:solidFill>
+              <a:srgbClr val="C00000"/>
+            </a:solidFill>
+          </a:ln>
+        </p:spPr>
+        <p:style>
+          <a:lnRef idx="1">
+            <a:schemeClr val="accent5"/>
+          </a:lnRef>
+          <a:fillRef idx="2">
+            <a:schemeClr val="accent5"/>
+          </a:fillRef>
+          <a:effectRef idx="1">
+            <a:schemeClr val="accent5"/>
+          </a:effectRef>
+          <a:fontRef idx="minor">
+            <a:schemeClr val="dk1"/>
+          </a:fontRef>
+        </p:style>
+        <p:txBody>
+          <a:bodyPr rtlCol="0" anchor="ctr"/>
+          <a:lstStyle/>
+          <a:p>
+            <a:pPr algn="ctr"/>
+            <a:r>
+              <a:rPr lang="en-GB" sz="1600" b="1" dirty="0" err="1" smtClean="0">
+                <a:solidFill>
+                  <a:srgbClr val="0070C0"/>
+                </a:solidFill>
+              </a:rPr>
+              <a:t>HealthServiceFhirUsageSynch</a:t>
+            </a:r>
+            <a:r>
+              <a:rPr lang="en-GB" sz="1600" b="1" dirty="0" smtClean="0">
+                <a:solidFill>
+                  <a:srgbClr val="0070C0"/>
+                </a:solidFill>
+              </a:rPr>
+              <a:t>/</a:t>
+            </a:r>
+            <a:r>
+              <a:rPr lang="en-GB" sz="1600" b="1" dirty="0" err="1" smtClean="0">
+                <a:solidFill>
+                  <a:srgbClr val="0070C0"/>
+                </a:solidFill>
+              </a:rPr>
+              <a:t>Asynch</a:t>
+            </a:r>
+            <a:endParaRPr lang="en-GB" sz="1600" b="1" dirty="0">
+              <a:solidFill>
+                <a:srgbClr val="0070C0"/>
+              </a:solidFill>
+            </a:endParaRPr>
+          </a:p>
+        </p:txBody>
+      </p:sp>
+      <p:sp>
+        <p:nvSpPr>
+          <p:cNvPr id="53" name="Ovale 52"/>
+          <p:cNvSpPr/>
+          <p:nvPr/>
+        </p:nvSpPr>
+        <p:spPr>
+          <a:xfrm>
+            <a:off x="6087454" y="5324871"/>
+            <a:ext cx="3056547" cy="593051"/>
+          </a:xfrm>
+          <a:prstGeom prst="ellipse">
+            <a:avLst/>
+          </a:prstGeom>
+          <a:solidFill>
+            <a:srgbClr val="FFFFCC"/>
+          </a:solidFill>
+          <a:ln w="38100">
+            <a:solidFill>
+              <a:srgbClr val="C00000"/>
+            </a:solidFill>
+          </a:ln>
+        </p:spPr>
+        <p:style>
+          <a:lnRef idx="1">
+            <a:schemeClr val="accent5"/>
+          </a:lnRef>
+          <a:fillRef idx="2">
+            <a:schemeClr val="accent5"/>
+          </a:fillRef>
+          <a:effectRef idx="1">
+            <a:schemeClr val="accent5"/>
+          </a:effectRef>
+          <a:fontRef idx="minor">
+            <a:schemeClr val="dk1"/>
+          </a:fontRef>
+        </p:style>
+        <p:txBody>
+          <a:bodyPr rtlCol="0" anchor="ctr"/>
+          <a:lstStyle/>
+          <a:p>
+            <a:pPr algn="ctr"/>
+            <a:r>
+              <a:rPr lang="en-GB" sz="1600" dirty="0" err="1"/>
+              <a:t>HealthFhirpublicClient</a:t>
+            </a:r>
+            <a:endParaRPr lang="en-GB" sz="1600" b="1" dirty="0">
+              <a:solidFill>
+                <a:srgbClr val="0070C0"/>
+              </a:solidFill>
+            </a:endParaRPr>
+          </a:p>
+        </p:txBody>
+      </p:sp>
+      <p:grpSp>
+        <p:nvGrpSpPr>
+          <p:cNvPr id="54" name="Gruppo 53"/>
+          <p:cNvGrpSpPr/>
+          <p:nvPr/>
+        </p:nvGrpSpPr>
+        <p:grpSpPr>
+          <a:xfrm rot="16200000" flipH="1">
+            <a:off x="7903655" y="4841466"/>
+            <a:ext cx="666895" cy="86434"/>
+            <a:chOff x="4592177" y="4419530"/>
+            <a:chExt cx="666895" cy="86434"/>
+          </a:xfrm>
+        </p:grpSpPr>
+        <p:cxnSp>
+          <p:nvCxnSpPr>
+            <p:cNvPr id="55" name="Connettore 1 54"/>
+            <p:cNvCxnSpPr/>
+            <p:nvPr/>
+          </p:nvCxnSpPr>
+          <p:spPr>
+            <a:xfrm>
+              <a:off x="4611000" y="4462747"/>
+              <a:ext cx="648072" cy="0"/>
+            </a:xfrm>
+            <a:prstGeom prst="line">
+              <a:avLst/>
+            </a:prstGeom>
+            <a:ln/>
+          </p:spPr>
+          <p:style>
+            <a:lnRef idx="1">
+              <a:schemeClr val="accent6"/>
+            </a:lnRef>
+            <a:fillRef idx="2">
+              <a:schemeClr val="accent6"/>
+            </a:fillRef>
+            <a:effectRef idx="1">
+              <a:schemeClr val="accent6"/>
+            </a:effectRef>
+            <a:fontRef idx="minor">
+              <a:schemeClr val="dk1"/>
+            </a:fontRef>
+          </p:style>
+        </p:cxnSp>
+        <p:sp>
+          <p:nvSpPr>
+            <p:cNvPr id="56" name="Triangolo isoscele 55"/>
+            <p:cNvSpPr/>
+            <p:nvPr/>
+          </p:nvSpPr>
+          <p:spPr>
+            <a:xfrm rot="16200000">
+              <a:off x="4618592" y="4393115"/>
+              <a:ext cx="86434" cy="139263"/>
+            </a:xfrm>
+            <a:prstGeom prst="triangle">
+              <a:avLst/>
+            </a:prstGeom>
+            <a:ln/>
+          </p:spPr>
+          <p:style>
+            <a:lnRef idx="1">
+              <a:schemeClr val="accent6"/>
+            </a:lnRef>
+            <a:fillRef idx="2">
+              <a:schemeClr val="accent6"/>
+            </a:fillRef>
+            <a:effectRef idx="1">
+              <a:schemeClr val="accent6"/>
+            </a:effectRef>
+            <a:fontRef idx="minor">
+              <a:schemeClr val="dk1"/>
+            </a:fontRef>
+          </p:style>
+          <p:txBody>
+            <a:bodyPr rtlCol="0" anchor="ctr"/>
+            <a:lstStyle/>
+            <a:p>
+              <a:pPr algn="ctr"/>
+              <a:endParaRPr lang="en-GB" sz="1200"/>
+            </a:p>
+          </p:txBody>
+        </p:sp>
+      </p:grpSp>
+      <p:grpSp>
+        <p:nvGrpSpPr>
+          <p:cNvPr id="57" name="Gruppo 56"/>
+          <p:cNvGrpSpPr/>
+          <p:nvPr/>
+        </p:nvGrpSpPr>
+        <p:grpSpPr>
+          <a:xfrm rot="16200000" flipH="1">
+            <a:off x="8107224" y="4821118"/>
+            <a:ext cx="787334" cy="86434"/>
+            <a:chOff x="3452446" y="4176616"/>
+            <a:chExt cx="787334" cy="86434"/>
+          </a:xfrm>
+        </p:grpSpPr>
+        <p:sp>
+          <p:nvSpPr>
+            <p:cNvPr id="58" name="Triangolo isoscele 57"/>
+            <p:cNvSpPr/>
+            <p:nvPr/>
+          </p:nvSpPr>
+          <p:spPr>
+            <a:xfrm rot="5400000" flipH="1">
+              <a:off x="4126932" y="4150201"/>
+              <a:ext cx="86434" cy="139263"/>
+            </a:xfrm>
+            <a:prstGeom prst="triangle">
+              <a:avLst/>
+            </a:prstGeom>
+            <a:ln/>
+          </p:spPr>
+          <p:style>
+            <a:lnRef idx="1">
+              <a:schemeClr val="accent6"/>
+            </a:lnRef>
+            <a:fillRef idx="2">
+              <a:schemeClr val="accent6"/>
+            </a:fillRef>
+            <a:effectRef idx="1">
+              <a:schemeClr val="accent6"/>
+            </a:effectRef>
+            <a:fontRef idx="minor">
+              <a:schemeClr val="dk1"/>
+            </a:fontRef>
+          </p:style>
+          <p:txBody>
+            <a:bodyPr rtlCol="0" anchor="ctr"/>
+            <a:lstStyle/>
+            <a:p>
+              <a:pPr algn="ctr"/>
+              <a:endParaRPr lang="en-GB" sz="1200"/>
+            </a:p>
+          </p:txBody>
+        </p:sp>
+        <p:cxnSp>
+          <p:nvCxnSpPr>
+            <p:cNvPr id="59" name="Connettore 1 58"/>
+            <p:cNvCxnSpPr>
+              <a:endCxn id="58" idx="3"/>
+            </p:cNvCxnSpPr>
+            <p:nvPr/>
+          </p:nvCxnSpPr>
+          <p:spPr>
+            <a:xfrm>
+              <a:off x="3452446" y="4219627"/>
+              <a:ext cx="648072" cy="206"/>
+            </a:xfrm>
+            <a:prstGeom prst="line">
+              <a:avLst/>
+            </a:prstGeom>
+          </p:spPr>
+          <p:style>
+            <a:lnRef idx="1">
+              <a:schemeClr val="accent6"/>
+            </a:lnRef>
+            <a:fillRef idx="2">
+              <a:schemeClr val="accent6"/>
+            </a:fillRef>
+            <a:effectRef idx="1">
+              <a:schemeClr val="accent6"/>
+            </a:effectRef>
+            <a:fontRef idx="minor">
+              <a:schemeClr val="dk1"/>
+            </a:fontRef>
+          </p:style>
+        </p:cxnSp>
+      </p:grpSp>
+    </p:spTree>
+    <p:extLst>
+      <p:ext uri="{BB962C8B-B14F-4D97-AF65-F5344CB8AC3E}">
+        <p14:creationId xmlns:p14="http://schemas.microsoft.com/office/powerpoint/2010/main" val="1045704792"/>
+      </p:ext>
+    </p:extLst>
+  </p:cSld>
+  <p:clrMapOvr>
+    <a:masterClrMapping/>
+  </p:clrMapOvr>
+</p:sld>
+</file>
+
 <file path=ppt/slides/slide4.xml><?xml version="1.0" encoding="utf-8"?>
 <p:sld xmlns:a="http://schemas.openxmlformats.org/drawingml/2006/main" xmlns:r="http://schemas.openxmlformats.org/officeDocument/2006/relationships" xmlns:p="http://schemas.openxmlformats.org/presentationml/2006/main">
   <p:cSld>
@@ -33959,7 +41055,7 @@
           <p:cNvPr id="51" name="TextBox 50">
             <a:extLst>
               <a:ext uri="{FF2B5EF4-FFF2-40B4-BE49-F238E27FC236}">
-                <a16:creationId xmlns="" xmlns:a16="http://schemas.microsoft.com/office/drawing/2014/main" id="{38D92C47-6A24-433B-A9D7-48400DFBEE88}"/>
+                <a16:creationId xmlns:a16="http://schemas.microsoft.com/office/drawing/2014/main" xmlns="" id="{38D92C47-6A24-433B-A9D7-48400DFBEE88}"/>
               </a:ext>
             </a:extLst>
           </p:cNvPr>
@@ -34000,7 +41096,7 @@
           <p:cNvPr id="52" name="TextBox 51">
             <a:extLst>
               <a:ext uri="{FF2B5EF4-FFF2-40B4-BE49-F238E27FC236}">
-                <a16:creationId xmlns="" xmlns:a16="http://schemas.microsoft.com/office/drawing/2014/main" id="{46370455-EDDE-4BAF-A68F-1E721D22CFA3}"/>
+                <a16:creationId xmlns:a16="http://schemas.microsoft.com/office/drawing/2014/main" xmlns="" id="{46370455-EDDE-4BAF-A68F-1E721D22CFA3}"/>
               </a:ext>
             </a:extLst>
           </p:cNvPr>
@@ -34041,7 +41137,7 @@
           <p:cNvPr id="54" name="TextBox 53">
             <a:extLst>
               <a:ext uri="{FF2B5EF4-FFF2-40B4-BE49-F238E27FC236}">
-                <a16:creationId xmlns="" xmlns:a16="http://schemas.microsoft.com/office/drawing/2014/main" id="{1F0BD362-AB28-4ABC-B01D-E5FB51A4284F}"/>
+                <a16:creationId xmlns:a16="http://schemas.microsoft.com/office/drawing/2014/main" xmlns="" id="{1F0BD362-AB28-4ABC-B01D-E5FB51A4284F}"/>
               </a:ext>
             </a:extLst>
           </p:cNvPr>
@@ -34076,7 +41172,7 @@
           <p:cNvPr id="55" name="TextBox 54">
             <a:extLst>
               <a:ext uri="{FF2B5EF4-FFF2-40B4-BE49-F238E27FC236}">
-                <a16:creationId xmlns="" xmlns:a16="http://schemas.microsoft.com/office/drawing/2014/main" id="{66A6D040-E92F-405E-8F1C-224FD73DEB6A}"/>
+                <a16:creationId xmlns:a16="http://schemas.microsoft.com/office/drawing/2014/main" xmlns="" id="{66A6D040-E92F-405E-8F1C-224FD73DEB6A}"/>
               </a:ext>
             </a:extLst>
           </p:cNvPr>
@@ -34117,7 +41213,7 @@
           <p:cNvPr id="59" name="TextBox 58">
             <a:extLst>
               <a:ext uri="{FF2B5EF4-FFF2-40B4-BE49-F238E27FC236}">
-                <a16:creationId xmlns="" xmlns:a16="http://schemas.microsoft.com/office/drawing/2014/main" id="{8B737B46-BF72-4F50-880F-A81417342B9C}"/>
+                <a16:creationId xmlns:a16="http://schemas.microsoft.com/office/drawing/2014/main" xmlns="" id="{8B737B46-BF72-4F50-880F-A81417342B9C}"/>
               </a:ext>
             </a:extLst>
           </p:cNvPr>
@@ -34158,7 +41254,7 @@
           <p:cNvPr id="60" name="TextBox 59">
             <a:extLst>
               <a:ext uri="{FF2B5EF4-FFF2-40B4-BE49-F238E27FC236}">
-                <a16:creationId xmlns="" xmlns:a16="http://schemas.microsoft.com/office/drawing/2014/main" id="{635E5AB3-11BB-4188-A9F5-6624D8487908}"/>
+                <a16:creationId xmlns:a16="http://schemas.microsoft.com/office/drawing/2014/main" xmlns="" id="{635E5AB3-11BB-4188-A9F5-6624D8487908}"/>
               </a:ext>
             </a:extLst>
           </p:cNvPr>
@@ -36232,7 +43328,7 @@
           <p:cNvPr id="43" name="TextBox 42">
             <a:extLst>
               <a:ext uri="{FF2B5EF4-FFF2-40B4-BE49-F238E27FC236}">
-                <a16:creationId xmlns="" xmlns:a16="http://schemas.microsoft.com/office/drawing/2014/main" id="{C66D85E0-1A23-448C-9466-6DADEA26156A}"/>
+                <a16:creationId xmlns:a16="http://schemas.microsoft.com/office/drawing/2014/main" xmlns="" id="{C66D85E0-1A23-448C-9466-6DADEA26156A}"/>
               </a:ext>
             </a:extLst>
           </p:cNvPr>
@@ -36273,7 +43369,7 @@
           <p:cNvPr id="44" name="TextBox 43">
             <a:extLst>
               <a:ext uri="{FF2B5EF4-FFF2-40B4-BE49-F238E27FC236}">
-                <a16:creationId xmlns="" xmlns:a16="http://schemas.microsoft.com/office/drawing/2014/main" id="{73BB0B6F-DBD2-4682-88DA-A68E1C43C8EE}"/>
+                <a16:creationId xmlns:a16="http://schemas.microsoft.com/office/drawing/2014/main" xmlns="" id="{73BB0B6F-DBD2-4682-88DA-A68E1C43C8EE}"/>
               </a:ext>
             </a:extLst>
           </p:cNvPr>
@@ -36314,7 +43410,7 @@
           <p:cNvPr id="45" name="TextBox 44">
             <a:extLst>
               <a:ext uri="{FF2B5EF4-FFF2-40B4-BE49-F238E27FC236}">
-                <a16:creationId xmlns="" xmlns:a16="http://schemas.microsoft.com/office/drawing/2014/main" id="{06BB9D57-20AB-4911-8F91-1EAAD2C3D635}"/>
+                <a16:creationId xmlns:a16="http://schemas.microsoft.com/office/drawing/2014/main" xmlns="" id="{06BB9D57-20AB-4911-8F91-1EAAD2C3D635}"/>
               </a:ext>
             </a:extLst>
           </p:cNvPr>
@@ -36349,7 +43445,7 @@
           <p:cNvPr id="46" name="TextBox 45">
             <a:extLst>
               <a:ext uri="{FF2B5EF4-FFF2-40B4-BE49-F238E27FC236}">
-                <a16:creationId xmlns="" xmlns:a16="http://schemas.microsoft.com/office/drawing/2014/main" id="{6BDA7693-CA76-4C97-8FED-A4A65AB5032B}"/>
+                <a16:creationId xmlns:a16="http://schemas.microsoft.com/office/drawing/2014/main" xmlns="" id="{6BDA7693-CA76-4C97-8FED-A4A65AB5032B}"/>
               </a:ext>
             </a:extLst>
           </p:cNvPr>
@@ -36390,7 +43486,7 @@
           <p:cNvPr id="47" name="TextBox 46">
             <a:extLst>
               <a:ext uri="{FF2B5EF4-FFF2-40B4-BE49-F238E27FC236}">
-                <a16:creationId xmlns="" xmlns:a16="http://schemas.microsoft.com/office/drawing/2014/main" id="{F3FF60E3-5733-4A51-BB64-B5D227CFB6FE}"/>
+                <a16:creationId xmlns:a16="http://schemas.microsoft.com/office/drawing/2014/main" xmlns="" id="{F3FF60E3-5733-4A51-BB64-B5D227CFB6FE}"/>
               </a:ext>
             </a:extLst>
           </p:cNvPr>
@@ -36431,7 +43527,7 @@
           <p:cNvPr id="48" name="TextBox 47">
             <a:extLst>
               <a:ext uri="{FF2B5EF4-FFF2-40B4-BE49-F238E27FC236}">
-                <a16:creationId xmlns="" xmlns:a16="http://schemas.microsoft.com/office/drawing/2014/main" id="{6CFBFA02-2444-480B-B78F-A1A7AD55973E}"/>
+                <a16:creationId xmlns:a16="http://schemas.microsoft.com/office/drawing/2014/main" xmlns="" id="{6CFBFA02-2444-480B-B78F-A1A7AD55973E}"/>
               </a:ext>
             </a:extLst>
           </p:cNvPr>
@@ -37222,7 +44318,7 @@
           <p:cNvPr id="12" name="TextBox 45">
             <a:extLst>
               <a:ext uri="{FF2B5EF4-FFF2-40B4-BE49-F238E27FC236}">
-                <a16:creationId xmlns="" xmlns:a16="http://schemas.microsoft.com/office/drawing/2014/main" id="{6BDA7693-CA76-4C97-8FED-A4A65AB5032B}"/>
+                <a16:creationId xmlns:a16="http://schemas.microsoft.com/office/drawing/2014/main" xmlns="" id="{6BDA7693-CA76-4C97-8FED-A4A65AB5032B}"/>
               </a:ext>
             </a:extLst>
           </p:cNvPr>
@@ -37900,7 +44996,7 @@
           <p:cNvPr id="33" name="TextBox 45">
             <a:extLst>
               <a:ext uri="{FF2B5EF4-FFF2-40B4-BE49-F238E27FC236}">
-                <a16:creationId xmlns="" xmlns:a16="http://schemas.microsoft.com/office/drawing/2014/main" id="{6BDA7693-CA76-4C97-8FED-A4A65AB5032B}"/>
+                <a16:creationId xmlns:a16="http://schemas.microsoft.com/office/drawing/2014/main" xmlns="" id="{6BDA7693-CA76-4C97-8FED-A4A65AB5032B}"/>
               </a:ext>
             </a:extLst>
           </p:cNvPr>
@@ -37936,7 +45032,7 @@
           <p:cNvPr id="34" name="TextBox 45">
             <a:extLst>
               <a:ext uri="{FF2B5EF4-FFF2-40B4-BE49-F238E27FC236}">
-                <a16:creationId xmlns="" xmlns:a16="http://schemas.microsoft.com/office/drawing/2014/main" id="{6BDA7693-CA76-4C97-8FED-A4A65AB5032B}"/>
+                <a16:creationId xmlns:a16="http://schemas.microsoft.com/office/drawing/2014/main" xmlns="" id="{6BDA7693-CA76-4C97-8FED-A4A65AB5032B}"/>
               </a:ext>
             </a:extLst>
           </p:cNvPr>
@@ -38346,7 +45442,7 @@
           <p:cNvPr id="52" name="TextBox 45">
             <a:extLst>
               <a:ext uri="{FF2B5EF4-FFF2-40B4-BE49-F238E27FC236}">
-                <a16:creationId xmlns="" xmlns:a16="http://schemas.microsoft.com/office/drawing/2014/main" id="{6BDA7693-CA76-4C97-8FED-A4A65AB5032B}"/>
+                <a16:creationId xmlns:a16="http://schemas.microsoft.com/office/drawing/2014/main" xmlns="" id="{6BDA7693-CA76-4C97-8FED-A4A65AB5032B}"/>
               </a:ext>
             </a:extLst>
           </p:cNvPr>

--- a/health/userDocs/UniboFigs.pptx
+++ b/health/userDocs/UniboFigs.pptx
@@ -41,6 +41,8 @@
     <p:sldId id="296" r:id="rId35"/>
     <p:sldId id="292" r:id="rId36"/>
     <p:sldId id="294" r:id="rId37"/>
+    <p:sldId id="297" r:id="rId38"/>
+    <p:sldId id="298" r:id="rId39"/>
   </p:sldIdLst>
   <p:sldSz cx="9144000" cy="6858000" type="screen4x3"/>
   <p:notesSz cx="6858000" cy="9144000"/>
@@ -141,7 +143,7 @@
   </p:defaultTextStyle>
   <p:extLst>
     <p:ext uri="{EFAFB233-063F-42B5-8137-9DF3F51BA10A}">
-      <p15:sldGuideLst xmlns:p15="http://schemas.microsoft.com/office/powerpoint/2012/main" xmlns="">
+      <p15:sldGuideLst xmlns="" xmlns:p15="http://schemas.microsoft.com/office/powerpoint/2012/main">
         <p15:guide id="1" orient="horz" pos="2160">
           <p15:clr>
             <a:srgbClr val="A4A3A4"/>
@@ -339,7 +341,7 @@
           <a:p>
             <a:fld id="{486DFF9D-000F-417D-A1D1-C441A4010B1E}" type="datetimeFigureOut">
               <a:rPr lang="en-GB" smtClean="0"/>
-              <a:t>23/09/2020</a:t>
+              <a:t>24/09/2020</a:t>
             </a:fld>
             <a:endParaRPr lang="en-GB"/>
           </a:p>
@@ -509,7 +511,7 @@
           <a:p>
             <a:fld id="{486DFF9D-000F-417D-A1D1-C441A4010B1E}" type="datetimeFigureOut">
               <a:rPr lang="en-GB" smtClean="0"/>
-              <a:t>23/09/2020</a:t>
+              <a:t>24/09/2020</a:t>
             </a:fld>
             <a:endParaRPr lang="en-GB"/>
           </a:p>
@@ -689,7 +691,7 @@
           <a:p>
             <a:fld id="{486DFF9D-000F-417D-A1D1-C441A4010B1E}" type="datetimeFigureOut">
               <a:rPr lang="en-GB" smtClean="0"/>
-              <a:t>23/09/2020</a:t>
+              <a:t>24/09/2020</a:t>
             </a:fld>
             <a:endParaRPr lang="en-GB"/>
           </a:p>
@@ -859,7 +861,7 @@
           <a:p>
             <a:fld id="{486DFF9D-000F-417D-A1D1-C441A4010B1E}" type="datetimeFigureOut">
               <a:rPr lang="en-GB" smtClean="0"/>
-              <a:t>23/09/2020</a:t>
+              <a:t>24/09/2020</a:t>
             </a:fld>
             <a:endParaRPr lang="en-GB"/>
           </a:p>
@@ -1105,7 +1107,7 @@
           <a:p>
             <a:fld id="{486DFF9D-000F-417D-A1D1-C441A4010B1E}" type="datetimeFigureOut">
               <a:rPr lang="en-GB" smtClean="0"/>
-              <a:t>23/09/2020</a:t>
+              <a:t>24/09/2020</a:t>
             </a:fld>
             <a:endParaRPr lang="en-GB"/>
           </a:p>
@@ -1393,7 +1395,7 @@
           <a:p>
             <a:fld id="{486DFF9D-000F-417D-A1D1-C441A4010B1E}" type="datetimeFigureOut">
               <a:rPr lang="en-GB" smtClean="0"/>
-              <a:t>23/09/2020</a:t>
+              <a:t>24/09/2020</a:t>
             </a:fld>
             <a:endParaRPr lang="en-GB"/>
           </a:p>
@@ -1815,7 +1817,7 @@
           <a:p>
             <a:fld id="{486DFF9D-000F-417D-A1D1-C441A4010B1E}" type="datetimeFigureOut">
               <a:rPr lang="en-GB" smtClean="0"/>
-              <a:t>23/09/2020</a:t>
+              <a:t>24/09/2020</a:t>
             </a:fld>
             <a:endParaRPr lang="en-GB"/>
           </a:p>
@@ -1933,7 +1935,7 @@
           <a:p>
             <a:fld id="{486DFF9D-000F-417D-A1D1-C441A4010B1E}" type="datetimeFigureOut">
               <a:rPr lang="en-GB" smtClean="0"/>
-              <a:t>23/09/2020</a:t>
+              <a:t>24/09/2020</a:t>
             </a:fld>
             <a:endParaRPr lang="en-GB"/>
           </a:p>
@@ -2028,7 +2030,7 @@
           <a:p>
             <a:fld id="{486DFF9D-000F-417D-A1D1-C441A4010B1E}" type="datetimeFigureOut">
               <a:rPr lang="en-GB" smtClean="0"/>
-              <a:t>23/09/2020</a:t>
+              <a:t>24/09/2020</a:t>
             </a:fld>
             <a:endParaRPr lang="en-GB"/>
           </a:p>
@@ -2305,7 +2307,7 @@
           <a:p>
             <a:fld id="{486DFF9D-000F-417D-A1D1-C441A4010B1E}" type="datetimeFigureOut">
               <a:rPr lang="en-GB" smtClean="0"/>
-              <a:t>23/09/2020</a:t>
+              <a:t>24/09/2020</a:t>
             </a:fld>
             <a:endParaRPr lang="en-GB"/>
           </a:p>
@@ -2558,7 +2560,7 @@
           <a:p>
             <a:fld id="{486DFF9D-000F-417D-A1D1-C441A4010B1E}" type="datetimeFigureOut">
               <a:rPr lang="en-GB" smtClean="0"/>
-              <a:t>23/09/2020</a:t>
+              <a:t>24/09/2020</a:t>
             </a:fld>
             <a:endParaRPr lang="en-GB"/>
           </a:p>
@@ -2771,7 +2773,7 @@
           <a:p>
             <a:fld id="{486DFF9D-000F-417D-A1D1-C441A4010B1E}" type="datetimeFigureOut">
               <a:rPr lang="en-GB" smtClean="0"/>
-              <a:t>23/09/2020</a:t>
+              <a:t>24/09/2020</a:t>
             </a:fld>
             <a:endParaRPr lang="en-GB"/>
           </a:p>
@@ -6203,7 +6205,7 @@
           <p:cNvPr id="12" name="TextBox 45">
             <a:extLst>
               <a:ext uri="{FF2B5EF4-FFF2-40B4-BE49-F238E27FC236}">
-                <a16:creationId xmlns:a16="http://schemas.microsoft.com/office/drawing/2014/main" xmlns="" id="{6BDA7693-CA76-4C97-8FED-A4A65AB5032B}"/>
+                <a16:creationId xmlns="" xmlns:a16="http://schemas.microsoft.com/office/drawing/2014/main" id="{6BDA7693-CA76-4C97-8FED-A4A65AB5032B}"/>
               </a:ext>
             </a:extLst>
           </p:cNvPr>
@@ -7751,7 +7753,7 @@
           <p:cNvPr id="12" name="TextBox 45">
             <a:extLst>
               <a:ext uri="{FF2B5EF4-FFF2-40B4-BE49-F238E27FC236}">
-                <a16:creationId xmlns:a16="http://schemas.microsoft.com/office/drawing/2014/main" xmlns="" id="{6BDA7693-CA76-4C97-8FED-A4A65AB5032B}"/>
+                <a16:creationId xmlns="" xmlns:a16="http://schemas.microsoft.com/office/drawing/2014/main" id="{6BDA7693-CA76-4C97-8FED-A4A65AB5032B}"/>
               </a:ext>
             </a:extLst>
           </p:cNvPr>
@@ -9764,7 +9766,7 @@
           <p:cNvPr id="6" name="TextBox 45">
             <a:extLst>
               <a:ext uri="{FF2B5EF4-FFF2-40B4-BE49-F238E27FC236}">
-                <a16:creationId xmlns:a16="http://schemas.microsoft.com/office/drawing/2014/main" xmlns="" id="{6BDA7693-CA76-4C97-8FED-A4A65AB5032B}"/>
+                <a16:creationId xmlns="" xmlns:a16="http://schemas.microsoft.com/office/drawing/2014/main" id="{6BDA7693-CA76-4C97-8FED-A4A65AB5032B}"/>
               </a:ext>
             </a:extLst>
           </p:cNvPr>
@@ -10272,7 +10274,7 @@
           <p:cNvPr id="27" name="TextBox 45">
             <a:extLst>
               <a:ext uri="{FF2B5EF4-FFF2-40B4-BE49-F238E27FC236}">
-                <a16:creationId xmlns:a16="http://schemas.microsoft.com/office/drawing/2014/main" xmlns="" id="{6BDA7693-CA76-4C97-8FED-A4A65AB5032B}"/>
+                <a16:creationId xmlns="" xmlns:a16="http://schemas.microsoft.com/office/drawing/2014/main" id="{6BDA7693-CA76-4C97-8FED-A4A65AB5032B}"/>
               </a:ext>
             </a:extLst>
           </p:cNvPr>
@@ -10308,7 +10310,7 @@
           <p:cNvPr id="28" name="TextBox 45">
             <a:extLst>
               <a:ext uri="{FF2B5EF4-FFF2-40B4-BE49-F238E27FC236}">
-                <a16:creationId xmlns:a16="http://schemas.microsoft.com/office/drawing/2014/main" xmlns="" id="{6BDA7693-CA76-4C97-8FED-A4A65AB5032B}"/>
+                <a16:creationId xmlns="" xmlns:a16="http://schemas.microsoft.com/office/drawing/2014/main" id="{6BDA7693-CA76-4C97-8FED-A4A65AB5032B}"/>
               </a:ext>
             </a:extLst>
           </p:cNvPr>
@@ -11856,7 +11858,7 @@
           <p:cNvPr id="6" name="TextBox 45">
             <a:extLst>
               <a:ext uri="{FF2B5EF4-FFF2-40B4-BE49-F238E27FC236}">
-                <a16:creationId xmlns:a16="http://schemas.microsoft.com/office/drawing/2014/main" xmlns="" id="{6BDA7693-CA76-4C97-8FED-A4A65AB5032B}"/>
+                <a16:creationId xmlns="" xmlns:a16="http://schemas.microsoft.com/office/drawing/2014/main" id="{6BDA7693-CA76-4C97-8FED-A4A65AB5032B}"/>
               </a:ext>
             </a:extLst>
           </p:cNvPr>
@@ -13388,7 +13390,7 @@
           <p:cNvPr id="6" name="TextBox 45">
             <a:extLst>
               <a:ext uri="{FF2B5EF4-FFF2-40B4-BE49-F238E27FC236}">
-                <a16:creationId xmlns:a16="http://schemas.microsoft.com/office/drawing/2014/main" xmlns="" id="{6BDA7693-CA76-4C97-8FED-A4A65AB5032B}"/>
+                <a16:creationId xmlns="" xmlns:a16="http://schemas.microsoft.com/office/drawing/2014/main" id="{6BDA7693-CA76-4C97-8FED-A4A65AB5032B}"/>
               </a:ext>
             </a:extLst>
           </p:cNvPr>
@@ -14813,7 +14815,7 @@
           <p:cNvPr id="2" name="TextBox 45">
             <a:extLst>
               <a:ext uri="{FF2B5EF4-FFF2-40B4-BE49-F238E27FC236}">
-                <a16:creationId xmlns:a16="http://schemas.microsoft.com/office/drawing/2014/main" xmlns="" id="{6BDA7693-CA76-4C97-8FED-A4A65AB5032B}"/>
+                <a16:creationId xmlns="" xmlns:a16="http://schemas.microsoft.com/office/drawing/2014/main" id="{6BDA7693-CA76-4C97-8FED-A4A65AB5032B}"/>
               </a:ext>
             </a:extLst>
           </p:cNvPr>
@@ -15784,7 +15786,7 @@
           <p:cNvPr id="34" name="TextBox 45">
             <a:extLst>
               <a:ext uri="{FF2B5EF4-FFF2-40B4-BE49-F238E27FC236}">
-                <a16:creationId xmlns:a16="http://schemas.microsoft.com/office/drawing/2014/main" xmlns="" id="{6BDA7693-CA76-4C97-8FED-A4A65AB5032B}"/>
+                <a16:creationId xmlns="" xmlns:a16="http://schemas.microsoft.com/office/drawing/2014/main" id="{6BDA7693-CA76-4C97-8FED-A4A65AB5032B}"/>
               </a:ext>
             </a:extLst>
           </p:cNvPr>
@@ -17400,7 +17402,7 @@
           <p:cNvPr id="2" name="TextBox 45">
             <a:extLst>
               <a:ext uri="{FF2B5EF4-FFF2-40B4-BE49-F238E27FC236}">
-                <a16:creationId xmlns:a16="http://schemas.microsoft.com/office/drawing/2014/main" xmlns="" id="{6BDA7693-CA76-4C97-8FED-A4A65AB5032B}"/>
+                <a16:creationId xmlns="" xmlns:a16="http://schemas.microsoft.com/office/drawing/2014/main" id="{6BDA7693-CA76-4C97-8FED-A4A65AB5032B}"/>
               </a:ext>
             </a:extLst>
           </p:cNvPr>
@@ -18150,7 +18152,7 @@
           <p:cNvPr id="34" name="TextBox 45">
             <a:extLst>
               <a:ext uri="{FF2B5EF4-FFF2-40B4-BE49-F238E27FC236}">
-                <a16:creationId xmlns:a16="http://schemas.microsoft.com/office/drawing/2014/main" xmlns="" id="{6BDA7693-CA76-4C97-8FED-A4A65AB5032B}"/>
+                <a16:creationId xmlns="" xmlns:a16="http://schemas.microsoft.com/office/drawing/2014/main" id="{6BDA7693-CA76-4C97-8FED-A4A65AB5032B}"/>
               </a:ext>
             </a:extLst>
           </p:cNvPr>
@@ -19513,7 +19515,7 @@
           <p:cNvPr id="114" name="TextBox 45">
             <a:extLst>
               <a:ext uri="{FF2B5EF4-FFF2-40B4-BE49-F238E27FC236}">
-                <a16:creationId xmlns:a16="http://schemas.microsoft.com/office/drawing/2014/main" xmlns="" id="{6BDA7693-CA76-4C97-8FED-A4A65AB5032B}"/>
+                <a16:creationId xmlns="" xmlns:a16="http://schemas.microsoft.com/office/drawing/2014/main" id="{6BDA7693-CA76-4C97-8FED-A4A65AB5032B}"/>
               </a:ext>
             </a:extLst>
           </p:cNvPr>
@@ -19687,7 +19689,7 @@
           <p:cNvPr id="2" name="TextBox 45">
             <a:extLst>
               <a:ext uri="{FF2B5EF4-FFF2-40B4-BE49-F238E27FC236}">
-                <a16:creationId xmlns:a16="http://schemas.microsoft.com/office/drawing/2014/main" xmlns="" id="{6BDA7693-CA76-4C97-8FED-A4A65AB5032B}"/>
+                <a16:creationId xmlns="" xmlns:a16="http://schemas.microsoft.com/office/drawing/2014/main" id="{6BDA7693-CA76-4C97-8FED-A4A65AB5032B}"/>
               </a:ext>
             </a:extLst>
           </p:cNvPr>
@@ -20626,7 +20628,7 @@
           <p:cNvPr id="114" name="TextBox 45">
             <a:extLst>
               <a:ext uri="{FF2B5EF4-FFF2-40B4-BE49-F238E27FC236}">
-                <a16:creationId xmlns:a16="http://schemas.microsoft.com/office/drawing/2014/main" xmlns="" id="{6BDA7693-CA76-4C97-8FED-A4A65AB5032B}"/>
+                <a16:creationId xmlns="" xmlns:a16="http://schemas.microsoft.com/office/drawing/2014/main" id="{6BDA7693-CA76-4C97-8FED-A4A65AB5032B}"/>
               </a:ext>
             </a:extLst>
           </p:cNvPr>
@@ -22378,7 +22380,7 @@
           <p:cNvPr id="2" name="TextBox 45">
             <a:extLst>
               <a:ext uri="{FF2B5EF4-FFF2-40B4-BE49-F238E27FC236}">
-                <a16:creationId xmlns:a16="http://schemas.microsoft.com/office/drawing/2014/main" xmlns="" id="{6BDA7693-CA76-4C97-8FED-A4A65AB5032B}"/>
+                <a16:creationId xmlns="" xmlns:a16="http://schemas.microsoft.com/office/drawing/2014/main" id="{6BDA7693-CA76-4C97-8FED-A4A65AB5032B}"/>
               </a:ext>
             </a:extLst>
           </p:cNvPr>
@@ -23957,7 +23959,7 @@
           <p:cNvPr id="2" name="TextBox 45">
             <a:extLst>
               <a:ext uri="{FF2B5EF4-FFF2-40B4-BE49-F238E27FC236}">
-                <a16:creationId xmlns:a16="http://schemas.microsoft.com/office/drawing/2014/main" xmlns="" id="{6BDA7693-CA76-4C97-8FED-A4A65AB5032B}"/>
+                <a16:creationId xmlns="" xmlns:a16="http://schemas.microsoft.com/office/drawing/2014/main" id="{6BDA7693-CA76-4C97-8FED-A4A65AB5032B}"/>
               </a:ext>
             </a:extLst>
           </p:cNvPr>
@@ -24950,7 +24952,7 @@
           <p:cNvPr id="114" name="TextBox 45">
             <a:extLst>
               <a:ext uri="{FF2B5EF4-FFF2-40B4-BE49-F238E27FC236}">
-                <a16:creationId xmlns:a16="http://schemas.microsoft.com/office/drawing/2014/main" xmlns="" id="{6BDA7693-CA76-4C97-8FED-A4A65AB5032B}"/>
+                <a16:creationId xmlns="" xmlns:a16="http://schemas.microsoft.com/office/drawing/2014/main" id="{6BDA7693-CA76-4C97-8FED-A4A65AB5032B}"/>
               </a:ext>
             </a:extLst>
           </p:cNvPr>
@@ -25765,7 +25767,7 @@
           <p:cNvPr id="2" name="TextBox 45">
             <a:extLst>
               <a:ext uri="{FF2B5EF4-FFF2-40B4-BE49-F238E27FC236}">
-                <a16:creationId xmlns:a16="http://schemas.microsoft.com/office/drawing/2014/main" xmlns="" id="{6BDA7693-CA76-4C97-8FED-A4A65AB5032B}"/>
+                <a16:creationId xmlns="" xmlns:a16="http://schemas.microsoft.com/office/drawing/2014/main" id="{6BDA7693-CA76-4C97-8FED-A4A65AB5032B}"/>
               </a:ext>
             </a:extLst>
           </p:cNvPr>
@@ -26328,7 +26330,7 @@
           <p:cNvPr id="26" name="TextBox 45">
             <a:extLst>
               <a:ext uri="{FF2B5EF4-FFF2-40B4-BE49-F238E27FC236}">
-                <a16:creationId xmlns:a16="http://schemas.microsoft.com/office/drawing/2014/main" xmlns="" id="{6BDA7693-CA76-4C97-8FED-A4A65AB5032B}"/>
+                <a16:creationId xmlns="" xmlns:a16="http://schemas.microsoft.com/office/drawing/2014/main" id="{6BDA7693-CA76-4C97-8FED-A4A65AB5032B}"/>
               </a:ext>
             </a:extLst>
           </p:cNvPr>
@@ -26444,7 +26446,7 @@
           <p:cNvPr id="32" name="TextBox 45">
             <a:extLst>
               <a:ext uri="{FF2B5EF4-FFF2-40B4-BE49-F238E27FC236}">
-                <a16:creationId xmlns:a16="http://schemas.microsoft.com/office/drawing/2014/main" xmlns="" id="{6BDA7693-CA76-4C97-8FED-A4A65AB5032B}"/>
+                <a16:creationId xmlns="" xmlns:a16="http://schemas.microsoft.com/office/drawing/2014/main" id="{6BDA7693-CA76-4C97-8FED-A4A65AB5032B}"/>
               </a:ext>
             </a:extLst>
           </p:cNvPr>
@@ -27007,7 +27009,7 @@
           <p:cNvPr id="48" name="TextBox 45">
             <a:extLst>
               <a:ext uri="{FF2B5EF4-FFF2-40B4-BE49-F238E27FC236}">
-                <a16:creationId xmlns:a16="http://schemas.microsoft.com/office/drawing/2014/main" xmlns="" id="{6BDA7693-CA76-4C97-8FED-A4A65AB5032B}"/>
+                <a16:creationId xmlns="" xmlns:a16="http://schemas.microsoft.com/office/drawing/2014/main" id="{6BDA7693-CA76-4C97-8FED-A4A65AB5032B}"/>
               </a:ext>
             </a:extLst>
           </p:cNvPr>
@@ -27097,7 +27099,7 @@
           <p:cNvPr id="49" name="TextBox 45">
             <a:extLst>
               <a:ext uri="{FF2B5EF4-FFF2-40B4-BE49-F238E27FC236}">
-                <a16:creationId xmlns:a16="http://schemas.microsoft.com/office/drawing/2014/main" xmlns="" id="{6BDA7693-CA76-4C97-8FED-A4A65AB5032B}"/>
+                <a16:creationId xmlns="" xmlns:a16="http://schemas.microsoft.com/office/drawing/2014/main" id="{6BDA7693-CA76-4C97-8FED-A4A65AB5032B}"/>
               </a:ext>
             </a:extLst>
           </p:cNvPr>
@@ -27266,7 +27268,7 @@
           <p:cNvPr id="2" name="TextBox 45">
             <a:extLst>
               <a:ext uri="{FF2B5EF4-FFF2-40B4-BE49-F238E27FC236}">
-                <a16:creationId xmlns:a16="http://schemas.microsoft.com/office/drawing/2014/main" xmlns="" id="{6BDA7693-CA76-4C97-8FED-A4A65AB5032B}"/>
+                <a16:creationId xmlns="" xmlns:a16="http://schemas.microsoft.com/office/drawing/2014/main" id="{6BDA7693-CA76-4C97-8FED-A4A65AB5032B}"/>
               </a:ext>
             </a:extLst>
           </p:cNvPr>
@@ -28038,7 +28040,7 @@
           <p:cNvPr id="23" name="TextBox 45">
             <a:extLst>
               <a:ext uri="{FF2B5EF4-FFF2-40B4-BE49-F238E27FC236}">
-                <a16:creationId xmlns:a16="http://schemas.microsoft.com/office/drawing/2014/main" xmlns="" id="{6BDA7693-CA76-4C97-8FED-A4A65AB5032B}"/>
+                <a16:creationId xmlns="" xmlns:a16="http://schemas.microsoft.com/office/drawing/2014/main" id="{6BDA7693-CA76-4C97-8FED-A4A65AB5032B}"/>
               </a:ext>
             </a:extLst>
           </p:cNvPr>
@@ -33778,11 +33780,7 @@
           <a:p>
             <a:r>
               <a:rPr lang="en-GB" dirty="0"/>
-              <a:t>The use cases could be implemented </a:t>
-            </a:r>
-            <a:r>
-              <a:rPr lang="en-GB" dirty="0"/>
-              <a:t> </a:t>
+              <a:t>The use cases could be implemented  </a:t>
             </a:r>
             <a:r>
               <a:rPr lang="en-GB" dirty="0" smtClean="0"/>
@@ -33827,7 +33825,6 @@
               <a:rPr lang="en-GB" dirty="0"/>
               <a:t>.</a:t>
             </a:r>
-            <a:endParaRPr lang="en-GB" dirty="0"/>
           </a:p>
         </p:txBody>
       </p:sp>
@@ -36887,7 +36884,6 @@
               <a:rPr lang="en-GB" dirty="0"/>
               <a:t>.</a:t>
             </a:r>
-            <a:endParaRPr lang="en-GB" dirty="0"/>
           </a:p>
         </p:txBody>
       </p:sp>
@@ -37021,7 +37017,7 @@
           <p:cNvPr id="2" name="TextBox 45">
             <a:extLst>
               <a:ext uri="{FF2B5EF4-FFF2-40B4-BE49-F238E27FC236}">
-                <a16:creationId xmlns:a16="http://schemas.microsoft.com/office/drawing/2014/main" xmlns="" id="{6BDA7693-CA76-4C97-8FED-A4A65AB5032B}"/>
+                <a16:creationId xmlns="" xmlns:a16="http://schemas.microsoft.com/office/drawing/2014/main" id="{6BDA7693-CA76-4C97-8FED-A4A65AB5032B}"/>
               </a:ext>
             </a:extLst>
           </p:cNvPr>
@@ -37960,7 +37956,7 @@
           <p:cNvPr id="114" name="TextBox 45">
             <a:extLst>
               <a:ext uri="{FF2B5EF4-FFF2-40B4-BE49-F238E27FC236}">
-                <a16:creationId xmlns:a16="http://schemas.microsoft.com/office/drawing/2014/main" xmlns="" id="{6BDA7693-CA76-4C97-8FED-A4A65AB5032B}"/>
+                <a16:creationId xmlns="" xmlns:a16="http://schemas.microsoft.com/office/drawing/2014/main" id="{6BDA7693-CA76-4C97-8FED-A4A65AB5032B}"/>
               </a:ext>
             </a:extLst>
           </p:cNvPr>
@@ -39085,6 +39081,3991 @@
 </p:sld>
 </file>
 
+<file path=ppt/slides/slide37.xml><?xml version="1.0" encoding="utf-8"?>
+<p:sld xmlns:a="http://schemas.openxmlformats.org/drawingml/2006/main" xmlns:r="http://schemas.openxmlformats.org/officeDocument/2006/relationships" xmlns:p="http://schemas.openxmlformats.org/presentationml/2006/main">
+  <p:cSld>
+    <p:spTree>
+      <p:nvGrpSpPr>
+        <p:cNvPr id="1" name=""/>
+        <p:cNvGrpSpPr/>
+        <p:nvPr/>
+      </p:nvGrpSpPr>
+      <p:grpSpPr>
+        <a:xfrm>
+          <a:off x="0" y="0"/>
+          <a:ext cx="0" cy="0"/>
+          <a:chOff x="0" y="0"/>
+          <a:chExt cx="0" cy="0"/>
+        </a:xfrm>
+      </p:grpSpPr>
+      <p:sp>
+        <p:nvSpPr>
+          <p:cNvPr id="2" name="TextBox 45">
+            <a:extLst>
+              <a:ext uri="{FF2B5EF4-FFF2-40B4-BE49-F238E27FC236}">
+                <a16:creationId xmlns="" xmlns:a16="http://schemas.microsoft.com/office/drawing/2014/main" id="{6BDA7693-CA76-4C97-8FED-A4A65AB5032B}"/>
+              </a:ext>
+            </a:extLst>
+          </p:cNvPr>
+          <p:cNvSpPr txBox="1"/>
+          <p:nvPr/>
+        </p:nvSpPr>
+        <p:spPr>
+          <a:xfrm>
+            <a:off x="4478787" y="221121"/>
+            <a:ext cx="1593193" cy="369332"/>
+          </a:xfrm>
+          <a:prstGeom prst="rect">
+            <a:avLst/>
+          </a:prstGeom>
+          <a:noFill/>
+        </p:spPr>
+        <p:txBody>
+          <a:bodyPr wrap="none" rtlCol="0">
+            <a:spAutoFit/>
+          </a:bodyPr>
+          <a:lstStyle/>
+          <a:p>
+            <a:r>
+              <a:rPr lang="en-US" b="1" dirty="0" err="1" smtClean="0"/>
+              <a:t>HealthAdapter</a:t>
+            </a:r>
+            <a:endParaRPr lang="en-US" b="1" dirty="0"/>
+          </a:p>
+        </p:txBody>
+      </p:sp>
+      <p:grpSp>
+        <p:nvGrpSpPr>
+          <p:cNvPr id="3" name="Gruppo 2"/>
+          <p:cNvGrpSpPr/>
+          <p:nvPr/>
+        </p:nvGrpSpPr>
+        <p:grpSpPr>
+          <a:xfrm>
+            <a:off x="3144652" y="646076"/>
+            <a:ext cx="4151198" cy="4117387"/>
+            <a:chOff x="565700" y="4958037"/>
+            <a:chExt cx="805955" cy="754777"/>
+          </a:xfrm>
+        </p:grpSpPr>
+        <p:sp>
+          <p:nvSpPr>
+            <p:cNvPr id="4" name="Ovale 3"/>
+            <p:cNvSpPr/>
+            <p:nvPr/>
+          </p:nvSpPr>
+          <p:spPr>
+            <a:xfrm>
+              <a:off x="565700" y="4983583"/>
+              <a:ext cx="805955" cy="729231"/>
+            </a:xfrm>
+            <a:prstGeom prst="ellipse">
+              <a:avLst/>
+            </a:prstGeom>
+            <a:ln/>
+          </p:spPr>
+          <p:style>
+            <a:lnRef idx="1">
+              <a:schemeClr val="accent4"/>
+            </a:lnRef>
+            <a:fillRef idx="2">
+              <a:schemeClr val="accent4"/>
+            </a:fillRef>
+            <a:effectRef idx="1">
+              <a:schemeClr val="accent4"/>
+            </a:effectRef>
+            <a:fontRef idx="minor">
+              <a:schemeClr val="dk1"/>
+            </a:fontRef>
+          </p:style>
+          <p:txBody>
+            <a:bodyPr rtlCol="0" anchor="ctr"/>
+            <a:lstStyle/>
+            <a:p>
+              <a:pPr algn="ctr"/>
+              <a:r>
+                <a:rPr lang="en-GB" sz="1200" dirty="0"/>
+                <a:t> </a:t>
+              </a:r>
+            </a:p>
+          </p:txBody>
+        </p:sp>
+        <p:sp>
+          <p:nvSpPr>
+            <p:cNvPr id="5" name="Triangolo isoscele 4"/>
+            <p:cNvSpPr/>
+            <p:nvPr/>
+          </p:nvSpPr>
+          <p:spPr>
+            <a:xfrm rot="16200000">
+              <a:off x="885418" y="4951504"/>
+              <a:ext cx="68763" cy="81830"/>
+            </a:xfrm>
+            <a:prstGeom prst="triangle">
+              <a:avLst/>
+            </a:prstGeom>
+            <a:solidFill>
+              <a:srgbClr val="C00000"/>
+            </a:solidFill>
+            <a:ln/>
+          </p:spPr>
+          <p:style>
+            <a:lnRef idx="1">
+              <a:schemeClr val="accent5"/>
+            </a:lnRef>
+            <a:fillRef idx="2">
+              <a:schemeClr val="accent5"/>
+            </a:fillRef>
+            <a:effectRef idx="1">
+              <a:schemeClr val="accent5"/>
+            </a:effectRef>
+            <a:fontRef idx="minor">
+              <a:schemeClr val="dk1"/>
+            </a:fontRef>
+          </p:style>
+          <p:txBody>
+            <a:bodyPr rtlCol="0" anchor="ctr"/>
+            <a:lstStyle/>
+            <a:p>
+              <a:pPr algn="ctr"/>
+              <a:endParaRPr lang="en-GB" sz="1200">
+                <a:solidFill>
+                  <a:schemeClr val="dk1"/>
+                </a:solidFill>
+              </a:endParaRPr>
+            </a:p>
+          </p:txBody>
+        </p:sp>
+      </p:grpSp>
+      <p:sp>
+        <p:nvSpPr>
+          <p:cNvPr id="6" name="Ovale 5"/>
+          <p:cNvSpPr/>
+          <p:nvPr/>
+        </p:nvSpPr>
+        <p:spPr>
+          <a:xfrm>
+            <a:off x="4185168" y="923163"/>
+            <a:ext cx="2160240" cy="726799"/>
+          </a:xfrm>
+          <a:prstGeom prst="ellipse">
+            <a:avLst/>
+          </a:prstGeom>
+        </p:spPr>
+        <p:style>
+          <a:lnRef idx="1">
+            <a:schemeClr val="accent5"/>
+          </a:lnRef>
+          <a:fillRef idx="2">
+            <a:schemeClr val="accent5"/>
+          </a:fillRef>
+          <a:effectRef idx="1">
+            <a:schemeClr val="accent5"/>
+          </a:effectRef>
+          <a:fontRef idx="minor">
+            <a:schemeClr val="dk1"/>
+          </a:fontRef>
+        </p:style>
+        <p:txBody>
+          <a:bodyPr rtlCol="0" anchor="ctr"/>
+          <a:lstStyle/>
+          <a:p>
+            <a:pPr algn="ctr"/>
+            <a:r>
+              <a:rPr lang="en-GB" sz="1600" dirty="0" err="1"/>
+              <a:t>HealthAdapterMIController</a:t>
+            </a:r>
+            <a:endParaRPr lang="en-GB" sz="1600" dirty="0"/>
+          </a:p>
+        </p:txBody>
+      </p:sp>
+      <p:sp>
+        <p:nvSpPr>
+          <p:cNvPr id="7" name="Ovale 6"/>
+          <p:cNvSpPr/>
+          <p:nvPr/>
+        </p:nvSpPr>
+        <p:spPr>
+          <a:xfrm>
+            <a:off x="4441473" y="3938929"/>
+            <a:ext cx="2275133" cy="509138"/>
+          </a:xfrm>
+          <a:prstGeom prst="ellipse">
+            <a:avLst/>
+          </a:prstGeom>
+        </p:spPr>
+        <p:style>
+          <a:lnRef idx="1">
+            <a:schemeClr val="accent5"/>
+          </a:lnRef>
+          <a:fillRef idx="2">
+            <a:schemeClr val="accent5"/>
+          </a:fillRef>
+          <a:effectRef idx="1">
+            <a:schemeClr val="accent5"/>
+          </a:effectRef>
+          <a:fontRef idx="minor">
+            <a:schemeClr val="dk1"/>
+          </a:fontRef>
+        </p:style>
+        <p:txBody>
+          <a:bodyPr rtlCol="0" anchor="ctr"/>
+          <a:lstStyle/>
+          <a:p>
+            <a:pPr algn="ctr"/>
+            <a:r>
+              <a:rPr lang="en-GB" sz="1600" dirty="0" err="1">
+                <a:cs typeface="Arial" panose="020B0604020202020204" pitchFamily="34" charset="0"/>
+              </a:rPr>
+              <a:t>FhirServiceClient</a:t>
+            </a:r>
+            <a:endParaRPr lang="en-GB" sz="1600" dirty="0">
+              <a:cs typeface="Arial" panose="020B0604020202020204" pitchFamily="34" charset="0"/>
+            </a:endParaRPr>
+          </a:p>
+        </p:txBody>
+      </p:sp>
+      <p:grpSp>
+        <p:nvGrpSpPr>
+          <p:cNvPr id="26" name="Gruppo 25"/>
+          <p:cNvGrpSpPr/>
+          <p:nvPr/>
+        </p:nvGrpSpPr>
+        <p:grpSpPr>
+          <a:xfrm>
+            <a:off x="2458024" y="2314723"/>
+            <a:ext cx="666895" cy="86434"/>
+            <a:chOff x="4592177" y="4419530"/>
+            <a:chExt cx="666895" cy="86434"/>
+          </a:xfrm>
+        </p:grpSpPr>
+        <p:cxnSp>
+          <p:nvCxnSpPr>
+            <p:cNvPr id="27" name="Connettore 1 26"/>
+            <p:cNvCxnSpPr/>
+            <p:nvPr/>
+          </p:nvCxnSpPr>
+          <p:spPr>
+            <a:xfrm>
+              <a:off x="4611000" y="4462747"/>
+              <a:ext cx="648072" cy="0"/>
+            </a:xfrm>
+            <a:prstGeom prst="line">
+              <a:avLst/>
+            </a:prstGeom>
+            <a:ln/>
+          </p:spPr>
+          <p:style>
+            <a:lnRef idx="1">
+              <a:schemeClr val="accent6"/>
+            </a:lnRef>
+            <a:fillRef idx="2">
+              <a:schemeClr val="accent6"/>
+            </a:fillRef>
+            <a:effectRef idx="1">
+              <a:schemeClr val="accent6"/>
+            </a:effectRef>
+            <a:fontRef idx="minor">
+              <a:schemeClr val="dk1"/>
+            </a:fontRef>
+          </p:style>
+        </p:cxnSp>
+        <p:sp>
+          <p:nvSpPr>
+            <p:cNvPr id="28" name="Triangolo isoscele 27"/>
+            <p:cNvSpPr/>
+            <p:nvPr/>
+          </p:nvSpPr>
+          <p:spPr>
+            <a:xfrm rot="16200000">
+              <a:off x="4618592" y="4393115"/>
+              <a:ext cx="86434" cy="139263"/>
+            </a:xfrm>
+            <a:prstGeom prst="triangle">
+              <a:avLst/>
+            </a:prstGeom>
+            <a:ln/>
+          </p:spPr>
+          <p:style>
+            <a:lnRef idx="1">
+              <a:schemeClr val="accent6"/>
+            </a:lnRef>
+            <a:fillRef idx="2">
+              <a:schemeClr val="accent6"/>
+            </a:fillRef>
+            <a:effectRef idx="1">
+              <a:schemeClr val="accent6"/>
+            </a:effectRef>
+            <a:fontRef idx="minor">
+              <a:schemeClr val="dk1"/>
+            </a:fontRef>
+          </p:style>
+          <p:txBody>
+            <a:bodyPr rtlCol="0" anchor="ctr"/>
+            <a:lstStyle/>
+            <a:p>
+              <a:pPr algn="ctr"/>
+              <a:endParaRPr lang="en-GB" sz="1200"/>
+            </a:p>
+          </p:txBody>
+        </p:sp>
+      </p:grpSp>
+      <p:grpSp>
+        <p:nvGrpSpPr>
+          <p:cNvPr id="29" name="Gruppo 28"/>
+          <p:cNvGrpSpPr/>
+          <p:nvPr/>
+        </p:nvGrpSpPr>
+        <p:grpSpPr>
+          <a:xfrm>
+            <a:off x="2458024" y="2525346"/>
+            <a:ext cx="787334" cy="86434"/>
+            <a:chOff x="3452446" y="4176616"/>
+            <a:chExt cx="787334" cy="86434"/>
+          </a:xfrm>
+        </p:grpSpPr>
+        <p:sp>
+          <p:nvSpPr>
+            <p:cNvPr id="30" name="Triangolo isoscele 29"/>
+            <p:cNvSpPr/>
+            <p:nvPr/>
+          </p:nvSpPr>
+          <p:spPr>
+            <a:xfrm rot="5400000" flipH="1">
+              <a:off x="4126932" y="4150201"/>
+              <a:ext cx="86434" cy="139263"/>
+            </a:xfrm>
+            <a:prstGeom prst="triangle">
+              <a:avLst/>
+            </a:prstGeom>
+            <a:ln/>
+          </p:spPr>
+          <p:style>
+            <a:lnRef idx="1">
+              <a:schemeClr val="accent6"/>
+            </a:lnRef>
+            <a:fillRef idx="2">
+              <a:schemeClr val="accent6"/>
+            </a:fillRef>
+            <a:effectRef idx="1">
+              <a:schemeClr val="accent6"/>
+            </a:effectRef>
+            <a:fontRef idx="minor">
+              <a:schemeClr val="dk1"/>
+            </a:fontRef>
+          </p:style>
+          <p:txBody>
+            <a:bodyPr rtlCol="0" anchor="ctr"/>
+            <a:lstStyle/>
+            <a:p>
+              <a:pPr algn="ctr"/>
+              <a:endParaRPr lang="en-GB" sz="1200"/>
+            </a:p>
+          </p:txBody>
+        </p:sp>
+        <p:cxnSp>
+          <p:nvCxnSpPr>
+            <p:cNvPr id="31" name="Connettore 1 30"/>
+            <p:cNvCxnSpPr>
+              <a:endCxn id="30" idx="3"/>
+            </p:cNvCxnSpPr>
+            <p:nvPr/>
+          </p:nvCxnSpPr>
+          <p:spPr>
+            <a:xfrm>
+              <a:off x="3452446" y="4219627"/>
+              <a:ext cx="648072" cy="206"/>
+            </a:xfrm>
+            <a:prstGeom prst="line">
+              <a:avLst/>
+            </a:prstGeom>
+          </p:spPr>
+          <p:style>
+            <a:lnRef idx="1">
+              <a:schemeClr val="accent6"/>
+            </a:lnRef>
+            <a:fillRef idx="2">
+              <a:schemeClr val="accent6"/>
+            </a:fillRef>
+            <a:effectRef idx="1">
+              <a:schemeClr val="accent6"/>
+            </a:effectRef>
+            <a:fontRef idx="minor">
+              <a:schemeClr val="dk1"/>
+            </a:fontRef>
+          </p:style>
+        </p:cxnSp>
+      </p:grpSp>
+      <p:sp>
+        <p:nvSpPr>
+          <p:cNvPr id="48" name="Ovale 47"/>
+          <p:cNvSpPr/>
+          <p:nvPr/>
+        </p:nvSpPr>
+        <p:spPr>
+          <a:xfrm>
+            <a:off x="3195760" y="2142359"/>
+            <a:ext cx="2876220" cy="595372"/>
+          </a:xfrm>
+          <a:prstGeom prst="ellipse">
+            <a:avLst/>
+          </a:prstGeom>
+        </p:spPr>
+        <p:style>
+          <a:lnRef idx="1">
+            <a:schemeClr val="accent5"/>
+          </a:lnRef>
+          <a:fillRef idx="2">
+            <a:schemeClr val="accent5"/>
+          </a:fillRef>
+          <a:effectRef idx="1">
+            <a:schemeClr val="accent5"/>
+          </a:effectRef>
+          <a:fontRef idx="minor">
+            <a:schemeClr val="dk1"/>
+          </a:fontRef>
+        </p:style>
+        <p:txBody>
+          <a:bodyPr rtlCol="0" anchor="ctr"/>
+          <a:lstStyle/>
+          <a:p>
+            <a:pPr algn="ctr"/>
+            <a:endParaRPr lang="en-GB" sz="1400" dirty="0" smtClean="0"/>
+          </a:p>
+          <a:p>
+            <a:pPr algn="ctr"/>
+            <a:endParaRPr lang="en-GB" sz="1400" dirty="0"/>
+          </a:p>
+          <a:p>
+            <a:pPr algn="ctr"/>
+            <a:r>
+              <a:rPr lang="en-GB" sz="1400" dirty="0" err="1" smtClean="0"/>
+              <a:t>HealthServiceLegacyDed</a:t>
+            </a:r>
+            <a:endParaRPr lang="en-GB" sz="1400" dirty="0" smtClean="0"/>
+          </a:p>
+          <a:p>
+            <a:pPr algn="ctr"/>
+            <a:endParaRPr lang="it-IT" sz="1400" dirty="0">
+              <a:cs typeface="Arial" panose="020B0604020202020204" pitchFamily="34" charset="0"/>
+            </a:endParaRPr>
+          </a:p>
+          <a:p>
+            <a:pPr algn="ctr"/>
+            <a:endParaRPr lang="en-GB" sz="1400" dirty="0">
+              <a:cs typeface="Arial" panose="020B0604020202020204" pitchFamily="34" charset="0"/>
+            </a:endParaRPr>
+          </a:p>
+        </p:txBody>
+      </p:sp>
+      <p:sp>
+        <p:nvSpPr>
+          <p:cNvPr id="83" name="Ovale 82"/>
+          <p:cNvSpPr/>
+          <p:nvPr/>
+        </p:nvSpPr>
+        <p:spPr>
+          <a:xfrm>
+            <a:off x="4371114" y="1983839"/>
+            <a:ext cx="260828" cy="245237"/>
+          </a:xfrm>
+          <a:prstGeom prst="ellipse">
+            <a:avLst/>
+          </a:prstGeom>
+          <a:ln>
+            <a:solidFill>
+              <a:srgbClr val="C00000"/>
+            </a:solidFill>
+          </a:ln>
+        </p:spPr>
+        <p:style>
+          <a:lnRef idx="1">
+            <a:schemeClr val="accent3"/>
+          </a:lnRef>
+          <a:fillRef idx="2">
+            <a:schemeClr val="accent3"/>
+          </a:fillRef>
+          <a:effectRef idx="1">
+            <a:schemeClr val="accent3"/>
+          </a:effectRef>
+          <a:fontRef idx="minor">
+            <a:schemeClr val="dk1"/>
+          </a:fontRef>
+        </p:style>
+        <p:txBody>
+          <a:bodyPr rtlCol="0" anchor="ctr"/>
+          <a:lstStyle/>
+          <a:p>
+            <a:pPr algn="ctr"/>
+            <a:endParaRPr lang="en-GB"/>
+          </a:p>
+        </p:txBody>
+      </p:sp>
+      <p:sp>
+        <p:nvSpPr>
+          <p:cNvPr id="87" name="Rettangolo 86"/>
+          <p:cNvSpPr/>
+          <p:nvPr/>
+        </p:nvSpPr>
+        <p:spPr>
+          <a:xfrm>
+            <a:off x="4537672" y="1814562"/>
+            <a:ext cx="2079608" cy="338554"/>
+          </a:xfrm>
+          <a:prstGeom prst="rect">
+            <a:avLst/>
+          </a:prstGeom>
+          <a:solidFill>
+            <a:srgbClr val="CCFF99"/>
+          </a:solidFill>
+        </p:spPr>
+        <p:style>
+          <a:lnRef idx="1">
+            <a:schemeClr val="accent3"/>
+          </a:lnRef>
+          <a:fillRef idx="3">
+            <a:schemeClr val="accent3"/>
+          </a:fillRef>
+          <a:effectRef idx="2">
+            <a:schemeClr val="accent3"/>
+          </a:effectRef>
+          <a:fontRef idx="minor">
+            <a:schemeClr val="lt1"/>
+          </a:fontRef>
+        </p:style>
+        <p:txBody>
+          <a:bodyPr wrap="none">
+            <a:spAutoFit/>
+          </a:bodyPr>
+          <a:lstStyle/>
+          <a:p>
+            <a:r>
+              <a:rPr lang="en-GB" sz="1600" dirty="0" err="1">
+                <a:solidFill>
+                  <a:srgbClr val="C00000"/>
+                </a:solidFill>
+              </a:rPr>
+              <a:t>HealthServiceInterface</a:t>
+            </a:r>
+            <a:endParaRPr lang="en-GB" sz="1600" dirty="0">
+              <a:solidFill>
+                <a:srgbClr val="C00000"/>
+              </a:solidFill>
+            </a:endParaRPr>
+          </a:p>
+        </p:txBody>
+      </p:sp>
+      <p:grpSp>
+        <p:nvGrpSpPr>
+          <p:cNvPr id="92" name="Gruppo 91"/>
+          <p:cNvGrpSpPr/>
+          <p:nvPr/>
+        </p:nvGrpSpPr>
+        <p:grpSpPr>
+          <a:xfrm flipH="1">
+            <a:off x="6855692" y="4147214"/>
+            <a:ext cx="666895" cy="86434"/>
+            <a:chOff x="4592177" y="4419530"/>
+            <a:chExt cx="666895" cy="86434"/>
+          </a:xfrm>
+        </p:grpSpPr>
+        <p:cxnSp>
+          <p:nvCxnSpPr>
+            <p:cNvPr id="93" name="Connettore 1 92"/>
+            <p:cNvCxnSpPr/>
+            <p:nvPr/>
+          </p:nvCxnSpPr>
+          <p:spPr>
+            <a:xfrm>
+              <a:off x="4611000" y="4462747"/>
+              <a:ext cx="648072" cy="0"/>
+            </a:xfrm>
+            <a:prstGeom prst="line">
+              <a:avLst/>
+            </a:prstGeom>
+            <a:ln/>
+          </p:spPr>
+          <p:style>
+            <a:lnRef idx="1">
+              <a:schemeClr val="accent6"/>
+            </a:lnRef>
+            <a:fillRef idx="2">
+              <a:schemeClr val="accent6"/>
+            </a:fillRef>
+            <a:effectRef idx="1">
+              <a:schemeClr val="accent6"/>
+            </a:effectRef>
+            <a:fontRef idx="minor">
+              <a:schemeClr val="dk1"/>
+            </a:fontRef>
+          </p:style>
+        </p:cxnSp>
+        <p:sp>
+          <p:nvSpPr>
+            <p:cNvPr id="94" name="Triangolo isoscele 93"/>
+            <p:cNvSpPr/>
+            <p:nvPr/>
+          </p:nvSpPr>
+          <p:spPr>
+            <a:xfrm rot="16200000">
+              <a:off x="4618592" y="4393115"/>
+              <a:ext cx="86434" cy="139263"/>
+            </a:xfrm>
+            <a:prstGeom prst="triangle">
+              <a:avLst/>
+            </a:prstGeom>
+            <a:ln/>
+          </p:spPr>
+          <p:style>
+            <a:lnRef idx="1">
+              <a:schemeClr val="accent6"/>
+            </a:lnRef>
+            <a:fillRef idx="2">
+              <a:schemeClr val="accent6"/>
+            </a:fillRef>
+            <a:effectRef idx="1">
+              <a:schemeClr val="accent6"/>
+            </a:effectRef>
+            <a:fontRef idx="minor">
+              <a:schemeClr val="dk1"/>
+            </a:fontRef>
+          </p:style>
+          <p:txBody>
+            <a:bodyPr rtlCol="0" anchor="ctr"/>
+            <a:lstStyle/>
+            <a:p>
+              <a:pPr algn="ctr"/>
+              <a:endParaRPr lang="en-GB" sz="1200"/>
+            </a:p>
+          </p:txBody>
+        </p:sp>
+      </p:grpSp>
+      <p:grpSp>
+        <p:nvGrpSpPr>
+          <p:cNvPr id="95" name="Gruppo 94"/>
+          <p:cNvGrpSpPr/>
+          <p:nvPr/>
+        </p:nvGrpSpPr>
+        <p:grpSpPr>
+          <a:xfrm flipH="1">
+            <a:off x="6790945" y="3938930"/>
+            <a:ext cx="787334" cy="86434"/>
+            <a:chOff x="3452446" y="4176616"/>
+            <a:chExt cx="787334" cy="86434"/>
+          </a:xfrm>
+        </p:grpSpPr>
+        <p:sp>
+          <p:nvSpPr>
+            <p:cNvPr id="96" name="Triangolo isoscele 95"/>
+            <p:cNvSpPr/>
+            <p:nvPr/>
+          </p:nvSpPr>
+          <p:spPr>
+            <a:xfrm rot="5400000" flipH="1">
+              <a:off x="4126932" y="4150201"/>
+              <a:ext cx="86434" cy="139263"/>
+            </a:xfrm>
+            <a:prstGeom prst="triangle">
+              <a:avLst/>
+            </a:prstGeom>
+            <a:ln/>
+          </p:spPr>
+          <p:style>
+            <a:lnRef idx="1">
+              <a:schemeClr val="accent6"/>
+            </a:lnRef>
+            <a:fillRef idx="2">
+              <a:schemeClr val="accent6"/>
+            </a:fillRef>
+            <a:effectRef idx="1">
+              <a:schemeClr val="accent6"/>
+            </a:effectRef>
+            <a:fontRef idx="minor">
+              <a:schemeClr val="dk1"/>
+            </a:fontRef>
+          </p:style>
+          <p:txBody>
+            <a:bodyPr rtlCol="0" anchor="ctr"/>
+            <a:lstStyle/>
+            <a:p>
+              <a:pPr algn="ctr"/>
+              <a:endParaRPr lang="en-GB" sz="1200"/>
+            </a:p>
+          </p:txBody>
+        </p:sp>
+        <p:cxnSp>
+          <p:nvCxnSpPr>
+            <p:cNvPr id="97" name="Connettore 1 96"/>
+            <p:cNvCxnSpPr>
+              <a:endCxn id="96" idx="3"/>
+            </p:cNvCxnSpPr>
+            <p:nvPr/>
+          </p:nvCxnSpPr>
+          <p:spPr>
+            <a:xfrm>
+              <a:off x="3452446" y="4219627"/>
+              <a:ext cx="648072" cy="206"/>
+            </a:xfrm>
+            <a:prstGeom prst="line">
+              <a:avLst/>
+            </a:prstGeom>
+          </p:spPr>
+          <p:style>
+            <a:lnRef idx="1">
+              <a:schemeClr val="accent6"/>
+            </a:lnRef>
+            <a:fillRef idx="2">
+              <a:schemeClr val="accent6"/>
+            </a:fillRef>
+            <a:effectRef idx="1">
+              <a:schemeClr val="accent6"/>
+            </a:effectRef>
+            <a:fontRef idx="minor">
+              <a:schemeClr val="dk1"/>
+            </a:fontRef>
+          </p:style>
+        </p:cxnSp>
+      </p:grpSp>
+      <p:grpSp>
+        <p:nvGrpSpPr>
+          <p:cNvPr id="61" name="Gruppo 60"/>
+          <p:cNvGrpSpPr/>
+          <p:nvPr/>
+        </p:nvGrpSpPr>
+        <p:grpSpPr>
+          <a:xfrm>
+            <a:off x="7959531" y="3547076"/>
+            <a:ext cx="805955" cy="772447"/>
+            <a:chOff x="565700" y="4940367"/>
+            <a:chExt cx="805955" cy="772447"/>
+          </a:xfrm>
+        </p:grpSpPr>
+        <p:sp>
+          <p:nvSpPr>
+            <p:cNvPr id="62" name="Ovale 61"/>
+            <p:cNvSpPr/>
+            <p:nvPr/>
+          </p:nvSpPr>
+          <p:spPr>
+            <a:xfrm>
+              <a:off x="565700" y="4983583"/>
+              <a:ext cx="805955" cy="729231"/>
+            </a:xfrm>
+            <a:prstGeom prst="ellipse">
+              <a:avLst/>
+            </a:prstGeom>
+            <a:solidFill>
+              <a:srgbClr val="FF99CC"/>
+            </a:solidFill>
+          </p:spPr>
+          <p:style>
+            <a:lnRef idx="2">
+              <a:schemeClr val="accent1">
+                <a:shade val="50000"/>
+              </a:schemeClr>
+            </a:lnRef>
+            <a:fillRef idx="1">
+              <a:schemeClr val="accent1"/>
+            </a:fillRef>
+            <a:effectRef idx="0">
+              <a:schemeClr val="accent1"/>
+            </a:effectRef>
+            <a:fontRef idx="minor">
+              <a:schemeClr val="lt1"/>
+            </a:fontRef>
+          </p:style>
+          <p:txBody>
+            <a:bodyPr rtlCol="0" anchor="ctr"/>
+            <a:lstStyle/>
+            <a:p>
+              <a:pPr algn="ctr"/>
+              <a:r>
+                <a:rPr lang="en-GB" dirty="0">
+                  <a:solidFill>
+                    <a:schemeClr val="lt1"/>
+                  </a:solidFill>
+                </a:rPr>
+                <a:t> </a:t>
+              </a:r>
+            </a:p>
+          </p:txBody>
+        </p:sp>
+        <p:sp>
+          <p:nvSpPr>
+            <p:cNvPr id="63" name="Triangolo isoscele 62"/>
+            <p:cNvSpPr/>
+            <p:nvPr/>
+          </p:nvSpPr>
+          <p:spPr>
+            <a:xfrm rot="16200000">
+              <a:off x="905299" y="4913952"/>
+              <a:ext cx="86434" cy="139263"/>
+            </a:xfrm>
+            <a:prstGeom prst="triangle">
+              <a:avLst/>
+            </a:prstGeom>
+            <a:solidFill>
+              <a:srgbClr val="FF99CC"/>
+            </a:solidFill>
+            <a:ln>
+              <a:solidFill>
+                <a:schemeClr val="tx1"/>
+              </a:solidFill>
+            </a:ln>
+          </p:spPr>
+          <p:style>
+            <a:lnRef idx="2">
+              <a:schemeClr val="accent1">
+                <a:shade val="50000"/>
+              </a:schemeClr>
+            </a:lnRef>
+            <a:fillRef idx="1">
+              <a:schemeClr val="accent1"/>
+            </a:fillRef>
+            <a:effectRef idx="0">
+              <a:schemeClr val="accent1"/>
+            </a:effectRef>
+            <a:fontRef idx="minor">
+              <a:schemeClr val="lt1"/>
+            </a:fontRef>
+          </p:style>
+          <p:txBody>
+            <a:bodyPr rtlCol="0" anchor="ctr"/>
+            <a:lstStyle/>
+            <a:p>
+              <a:pPr algn="ctr"/>
+              <a:endParaRPr lang="en-GB">
+                <a:solidFill>
+                  <a:schemeClr val="lt1"/>
+                </a:solidFill>
+              </a:endParaRPr>
+            </a:p>
+          </p:txBody>
+        </p:sp>
+      </p:grpSp>
+      <p:sp>
+        <p:nvSpPr>
+          <p:cNvPr id="64" name="Rettangolo 63"/>
+          <p:cNvSpPr/>
+          <p:nvPr/>
+        </p:nvSpPr>
+        <p:spPr>
+          <a:xfrm>
+            <a:off x="7485778" y="4233648"/>
+            <a:ext cx="1635256" cy="369332"/>
+          </a:xfrm>
+          <a:prstGeom prst="rect">
+            <a:avLst/>
+          </a:prstGeom>
+        </p:spPr>
+        <p:txBody>
+          <a:bodyPr wrap="none">
+            <a:spAutoFit/>
+          </a:bodyPr>
+          <a:lstStyle/>
+          <a:p>
+            <a:r>
+              <a:rPr lang="it-IT" dirty="0" err="1" smtClean="0"/>
+              <a:t>Ded</a:t>
+            </a:r>
+            <a:r>
+              <a:rPr lang="it-IT" dirty="0" err="1" smtClean="0"/>
+              <a:t>FHIR</a:t>
+            </a:r>
+            <a:r>
+              <a:rPr lang="it-IT" dirty="0" smtClean="0"/>
+              <a:t> </a:t>
+            </a:r>
+            <a:r>
+              <a:rPr lang="it-IT" dirty="0" smtClean="0"/>
+              <a:t>server</a:t>
+            </a:r>
+            <a:endParaRPr lang="en-GB" dirty="0"/>
+          </a:p>
+        </p:txBody>
+      </p:sp>
+      <p:grpSp>
+        <p:nvGrpSpPr>
+          <p:cNvPr id="119" name="Gruppo 118"/>
+          <p:cNvGrpSpPr/>
+          <p:nvPr/>
+        </p:nvGrpSpPr>
+        <p:grpSpPr>
+          <a:xfrm>
+            <a:off x="7655494" y="2560961"/>
+            <a:ext cx="805955" cy="772447"/>
+            <a:chOff x="5498762" y="2072585"/>
+            <a:chExt cx="805955" cy="772447"/>
+          </a:xfrm>
+        </p:grpSpPr>
+        <p:grpSp>
+          <p:nvGrpSpPr>
+            <p:cNvPr id="121" name="Gruppo 120"/>
+            <p:cNvGrpSpPr/>
+            <p:nvPr/>
+          </p:nvGrpSpPr>
+          <p:grpSpPr>
+            <a:xfrm>
+              <a:off x="5498762" y="2072585"/>
+              <a:ext cx="805955" cy="772447"/>
+              <a:chOff x="565700" y="4940367"/>
+              <a:chExt cx="805955" cy="772447"/>
+            </a:xfrm>
+          </p:grpSpPr>
+          <p:sp>
+            <p:nvSpPr>
+              <p:cNvPr id="123" name="Ovale 122"/>
+              <p:cNvSpPr/>
+              <p:nvPr/>
+            </p:nvSpPr>
+            <p:spPr>
+              <a:xfrm>
+                <a:off x="565700" y="4983583"/>
+                <a:ext cx="805955" cy="729231"/>
+              </a:xfrm>
+              <a:prstGeom prst="ellipse">
+                <a:avLst/>
+              </a:prstGeom>
+              <a:solidFill>
+                <a:srgbClr val="CCFF99"/>
+              </a:solidFill>
+              <a:ln/>
+            </p:spPr>
+            <p:style>
+              <a:lnRef idx="1">
+                <a:schemeClr val="accent4"/>
+              </a:lnRef>
+              <a:fillRef idx="2">
+                <a:schemeClr val="accent4"/>
+              </a:fillRef>
+              <a:effectRef idx="1">
+                <a:schemeClr val="accent4"/>
+              </a:effectRef>
+              <a:fontRef idx="minor">
+                <a:schemeClr val="dk1"/>
+              </a:fontRef>
+            </p:style>
+            <p:txBody>
+              <a:bodyPr rtlCol="0" anchor="ctr"/>
+              <a:lstStyle/>
+              <a:p>
+                <a:pPr algn="ctr"/>
+                <a:r>
+                  <a:rPr lang="en-GB" sz="1200" dirty="0"/>
+                  <a:t> </a:t>
+                </a:r>
+              </a:p>
+            </p:txBody>
+          </p:sp>
+          <p:sp>
+            <p:nvSpPr>
+              <p:cNvPr id="128" name="Triangolo isoscele 127"/>
+              <p:cNvSpPr/>
+              <p:nvPr/>
+            </p:nvSpPr>
+            <p:spPr>
+              <a:xfrm rot="16200000">
+                <a:off x="905299" y="4913952"/>
+                <a:ext cx="86434" cy="139263"/>
+              </a:xfrm>
+              <a:prstGeom prst="triangle">
+                <a:avLst/>
+              </a:prstGeom>
+              <a:solidFill>
+                <a:srgbClr val="C00000"/>
+              </a:solidFill>
+              <a:ln/>
+            </p:spPr>
+            <p:style>
+              <a:lnRef idx="1">
+                <a:schemeClr val="accent5"/>
+              </a:lnRef>
+              <a:fillRef idx="2">
+                <a:schemeClr val="accent5"/>
+              </a:fillRef>
+              <a:effectRef idx="1">
+                <a:schemeClr val="accent5"/>
+              </a:effectRef>
+              <a:fontRef idx="minor">
+                <a:schemeClr val="dk1"/>
+              </a:fontRef>
+            </p:style>
+            <p:txBody>
+              <a:bodyPr rtlCol="0" anchor="ctr"/>
+              <a:lstStyle/>
+              <a:p>
+                <a:pPr algn="ctr"/>
+                <a:endParaRPr lang="en-GB" sz="1200">
+                  <a:solidFill>
+                    <a:schemeClr val="dk1"/>
+                  </a:solidFill>
+                </a:endParaRPr>
+              </a:p>
+            </p:txBody>
+          </p:sp>
+        </p:grpSp>
+        <p:sp>
+          <p:nvSpPr>
+            <p:cNvPr id="122" name="CasellaDiTesto 121"/>
+            <p:cNvSpPr txBox="1"/>
+            <p:nvPr/>
+          </p:nvSpPr>
+          <p:spPr>
+            <a:xfrm>
+              <a:off x="5838254" y="2295750"/>
+              <a:ext cx="184731" cy="307777"/>
+            </a:xfrm>
+            <a:prstGeom prst="rect">
+              <a:avLst/>
+            </a:prstGeom>
+            <a:noFill/>
+          </p:spPr>
+          <p:txBody>
+            <a:bodyPr wrap="none" rtlCol="0">
+              <a:spAutoFit/>
+            </a:bodyPr>
+            <a:lstStyle/>
+            <a:p>
+              <a:pPr algn="ctr"/>
+              <a:endParaRPr lang="en-GB" sz="1400" dirty="0">
+                <a:solidFill>
+                  <a:srgbClr val="0070C0"/>
+                </a:solidFill>
+              </a:endParaRPr>
+            </a:p>
+          </p:txBody>
+        </p:sp>
+      </p:grpSp>
+      <p:sp>
+        <p:nvSpPr>
+          <p:cNvPr id="106" name="Rettangolo 105"/>
+          <p:cNvSpPr/>
+          <p:nvPr/>
+        </p:nvSpPr>
+        <p:spPr>
+          <a:xfrm>
+            <a:off x="7055790" y="245517"/>
+            <a:ext cx="1898148" cy="369332"/>
+          </a:xfrm>
+          <a:prstGeom prst="rect">
+            <a:avLst/>
+          </a:prstGeom>
+        </p:spPr>
+        <p:txBody>
+          <a:bodyPr wrap="none">
+            <a:spAutoFit/>
+          </a:bodyPr>
+          <a:lstStyle/>
+          <a:p>
+            <a:r>
+              <a:rPr lang="it-IT" b="1" dirty="0" err="1"/>
+              <a:t>CentroHealth</a:t>
+            </a:r>
+            <a:r>
+              <a:rPr lang="it-IT" b="1" dirty="0"/>
+              <a:t> </a:t>
+            </a:r>
+            <a:r>
+              <a:rPr lang="it-IT" b="1" dirty="0" err="1" smtClean="0"/>
+              <a:t>Ded</a:t>
+            </a:r>
+            <a:endParaRPr lang="it-IT" b="1" dirty="0"/>
+          </a:p>
+        </p:txBody>
+      </p:sp>
+      <p:cxnSp>
+        <p:nvCxnSpPr>
+          <p:cNvPr id="17" name="Connettore 4 16"/>
+          <p:cNvCxnSpPr>
+            <a:stCxn id="48" idx="3"/>
+            <a:endCxn id="7" idx="2"/>
+          </p:cNvCxnSpPr>
+          <p:nvPr/>
+        </p:nvCxnSpPr>
+        <p:spPr>
+          <a:xfrm rot="16200000" flipH="1">
+            <a:off x="3257745" y="3009769"/>
+            <a:ext cx="1542957" cy="824500"/>
+          </a:xfrm>
+          <a:prstGeom prst="bentConnector2">
+            <a:avLst/>
+          </a:prstGeom>
+          <a:ln>
+            <a:tailEnd type="arrow"/>
+          </a:ln>
+        </p:spPr>
+        <p:style>
+          <a:lnRef idx="1">
+            <a:schemeClr val="accent1"/>
+          </a:lnRef>
+          <a:fillRef idx="0">
+            <a:schemeClr val="accent1"/>
+          </a:fillRef>
+          <a:effectRef idx="0">
+            <a:schemeClr val="accent1"/>
+          </a:effectRef>
+          <a:fontRef idx="minor">
+            <a:schemeClr val="tx1"/>
+          </a:fontRef>
+        </p:style>
+      </p:cxnSp>
+      <p:grpSp>
+        <p:nvGrpSpPr>
+          <p:cNvPr id="68" name="Gruppo 67"/>
+          <p:cNvGrpSpPr/>
+          <p:nvPr/>
+        </p:nvGrpSpPr>
+        <p:grpSpPr>
+          <a:xfrm>
+            <a:off x="329173" y="1775161"/>
+            <a:ext cx="1715712" cy="1658032"/>
+            <a:chOff x="565700" y="4961976"/>
+            <a:chExt cx="805955" cy="750838"/>
+          </a:xfrm>
+        </p:grpSpPr>
+        <p:sp>
+          <p:nvSpPr>
+            <p:cNvPr id="69" name="Ovale 68"/>
+            <p:cNvSpPr/>
+            <p:nvPr/>
+          </p:nvSpPr>
+          <p:spPr>
+            <a:xfrm>
+              <a:off x="565700" y="4983583"/>
+              <a:ext cx="805955" cy="729231"/>
+            </a:xfrm>
+            <a:prstGeom prst="ellipse">
+              <a:avLst/>
+            </a:prstGeom>
+            <a:solidFill>
+              <a:srgbClr val="FF99CC"/>
+            </a:solidFill>
+            <a:ln/>
+          </p:spPr>
+          <p:style>
+            <a:lnRef idx="1">
+              <a:schemeClr val="accent4"/>
+            </a:lnRef>
+            <a:fillRef idx="2">
+              <a:schemeClr val="accent4"/>
+            </a:fillRef>
+            <a:effectRef idx="1">
+              <a:schemeClr val="accent4"/>
+            </a:effectRef>
+            <a:fontRef idx="minor">
+              <a:schemeClr val="dk1"/>
+            </a:fontRef>
+          </p:style>
+          <p:txBody>
+            <a:bodyPr rtlCol="0" anchor="ctr"/>
+            <a:lstStyle/>
+            <a:p>
+              <a:pPr algn="ctr"/>
+              <a:r>
+                <a:rPr lang="en-GB" sz="1200" dirty="0"/>
+                <a:t> </a:t>
+              </a:r>
+            </a:p>
+          </p:txBody>
+        </p:sp>
+        <p:sp>
+          <p:nvSpPr>
+            <p:cNvPr id="70" name="Triangolo isoscele 69"/>
+            <p:cNvSpPr/>
+            <p:nvPr/>
+          </p:nvSpPr>
+          <p:spPr>
+            <a:xfrm rot="16200000">
+              <a:off x="904012" y="4936848"/>
+              <a:ext cx="39538" cy="89794"/>
+            </a:xfrm>
+            <a:prstGeom prst="triangle">
+              <a:avLst/>
+            </a:prstGeom>
+            <a:solidFill>
+              <a:srgbClr val="C00000"/>
+            </a:solidFill>
+            <a:ln/>
+          </p:spPr>
+          <p:style>
+            <a:lnRef idx="1">
+              <a:schemeClr val="accent5"/>
+            </a:lnRef>
+            <a:fillRef idx="2">
+              <a:schemeClr val="accent5"/>
+            </a:fillRef>
+            <a:effectRef idx="1">
+              <a:schemeClr val="accent5"/>
+            </a:effectRef>
+            <a:fontRef idx="minor">
+              <a:schemeClr val="dk1"/>
+            </a:fontRef>
+          </p:style>
+          <p:txBody>
+            <a:bodyPr rtlCol="0" anchor="ctr"/>
+            <a:lstStyle/>
+            <a:p>
+              <a:pPr algn="ctr"/>
+              <a:endParaRPr lang="en-GB" sz="1200">
+                <a:solidFill>
+                  <a:schemeClr val="dk1"/>
+                </a:solidFill>
+              </a:endParaRPr>
+            </a:p>
+          </p:txBody>
+        </p:sp>
+      </p:grpSp>
+      <p:sp>
+        <p:nvSpPr>
+          <p:cNvPr id="71" name="CasellaDiTesto 70"/>
+          <p:cNvSpPr txBox="1"/>
+          <p:nvPr/>
+        </p:nvSpPr>
+        <p:spPr>
+          <a:xfrm>
+            <a:off x="345090" y="3348262"/>
+            <a:ext cx="2051783" cy="369332"/>
+          </a:xfrm>
+          <a:prstGeom prst="rect">
+            <a:avLst/>
+          </a:prstGeom>
+          <a:noFill/>
+        </p:spPr>
+        <p:txBody>
+          <a:bodyPr wrap="square" rtlCol="0">
+            <a:spAutoFit/>
+          </a:bodyPr>
+          <a:lstStyle>
+            <a:defPPr>
+              <a:defRPr lang="en-US"/>
+            </a:defPPr>
+            <a:lvl1pPr>
+              <a:defRPr b="1"/>
+            </a:lvl1pPr>
+          </a:lstStyle>
+          <a:p>
+            <a:r>
+              <a:rPr lang="en-GB" dirty="0" smtClean="0"/>
+              <a:t>FHIRServerItel20</a:t>
+            </a:r>
+            <a:endParaRPr lang="en-GB" dirty="0"/>
+          </a:p>
+        </p:txBody>
+      </p:sp>
+      <p:sp>
+        <p:nvSpPr>
+          <p:cNvPr id="72" name="CasellaDiTesto 71"/>
+          <p:cNvSpPr txBox="1"/>
+          <p:nvPr/>
+        </p:nvSpPr>
+        <p:spPr>
+          <a:xfrm>
+            <a:off x="2620536" y="759363"/>
+            <a:ext cx="1716880" cy="1384995"/>
+          </a:xfrm>
+          <a:prstGeom prst="rect">
+            <a:avLst/>
+          </a:prstGeom>
+          <a:noFill/>
+        </p:spPr>
+        <p:txBody>
+          <a:bodyPr wrap="none" rtlCol="0">
+            <a:spAutoFit/>
+          </a:bodyPr>
+          <a:lstStyle/>
+          <a:p>
+            <a:r>
+              <a:rPr lang="it-IT" sz="1400" dirty="0" err="1" smtClean="0"/>
+              <a:t>registerHealthCenter</a:t>
+            </a:r>
+            <a:endParaRPr lang="it-IT" sz="1400" dirty="0" smtClean="0"/>
+          </a:p>
+          <a:p>
+            <a:r>
+              <a:rPr lang="it-IT" sz="1400" dirty="0"/>
+              <a:t>i</a:t>
+            </a:r>
+            <a:r>
+              <a:rPr lang="it-IT" sz="1400" dirty="0" smtClean="0"/>
+              <a:t>mport</a:t>
+            </a:r>
+          </a:p>
+          <a:p>
+            <a:r>
+              <a:rPr lang="it-IT" sz="1400" dirty="0" err="1" smtClean="0"/>
+              <a:t>enrollment</a:t>
+            </a:r>
+            <a:endParaRPr lang="it-IT" sz="1400" dirty="0" smtClean="0"/>
+          </a:p>
+          <a:p>
+            <a:r>
+              <a:rPr lang="it-IT" sz="1400" dirty="0"/>
+              <a:t>u</a:t>
+            </a:r>
+            <a:r>
+              <a:rPr lang="it-IT" sz="1400" dirty="0" smtClean="0"/>
+              <a:t>pdate</a:t>
+            </a:r>
+          </a:p>
+          <a:p>
+            <a:r>
+              <a:rPr lang="it-IT" sz="1400" dirty="0" err="1"/>
+              <a:t>n</a:t>
+            </a:r>
+            <a:r>
+              <a:rPr lang="it-IT" sz="1400" dirty="0" err="1" smtClean="0"/>
+              <a:t>otify</a:t>
+            </a:r>
+            <a:endParaRPr lang="it-IT" sz="1400" dirty="0" smtClean="0"/>
+          </a:p>
+          <a:p>
+            <a:r>
+              <a:rPr lang="it-IT" sz="1400" dirty="0" err="1" smtClean="0"/>
+              <a:t>getstatus</a:t>
+            </a:r>
+            <a:endParaRPr lang="en-GB" sz="1400" dirty="0"/>
+          </a:p>
+        </p:txBody>
+      </p:sp>
+      <p:sp>
+        <p:nvSpPr>
+          <p:cNvPr id="78" name="Ovale 77"/>
+          <p:cNvSpPr/>
+          <p:nvPr/>
+        </p:nvSpPr>
+        <p:spPr>
+          <a:xfrm>
+            <a:off x="6144095" y="2589388"/>
+            <a:ext cx="805955" cy="729231"/>
+          </a:xfrm>
+          <a:prstGeom prst="ellipse">
+            <a:avLst/>
+          </a:prstGeom>
+          <a:solidFill>
+            <a:srgbClr val="CCFF99"/>
+          </a:solidFill>
+          <a:ln/>
+        </p:spPr>
+        <p:style>
+          <a:lnRef idx="1">
+            <a:schemeClr val="accent4"/>
+          </a:lnRef>
+          <a:fillRef idx="2">
+            <a:schemeClr val="accent4"/>
+          </a:fillRef>
+          <a:effectRef idx="1">
+            <a:schemeClr val="accent4"/>
+          </a:effectRef>
+          <a:fontRef idx="minor">
+            <a:schemeClr val="dk1"/>
+          </a:fontRef>
+        </p:style>
+        <p:txBody>
+          <a:bodyPr rtlCol="0" anchor="ctr"/>
+          <a:lstStyle/>
+          <a:p>
+            <a:pPr algn="ctr"/>
+            <a:r>
+              <a:rPr lang="en-GB" sz="1200" dirty="0"/>
+              <a:t> </a:t>
+            </a:r>
+          </a:p>
+        </p:txBody>
+      </p:sp>
+      <p:sp>
+        <p:nvSpPr>
+          <p:cNvPr id="79" name="Triangolo isoscele 78"/>
+          <p:cNvSpPr/>
+          <p:nvPr/>
+        </p:nvSpPr>
+        <p:spPr>
+          <a:xfrm rot="16200000">
+            <a:off x="7065940" y="1942927"/>
+            <a:ext cx="86434" cy="139263"/>
+          </a:xfrm>
+          <a:prstGeom prst="triangle">
+            <a:avLst/>
+          </a:prstGeom>
+          <a:solidFill>
+            <a:srgbClr val="C00000"/>
+          </a:solidFill>
+          <a:ln/>
+        </p:spPr>
+        <p:style>
+          <a:lnRef idx="1">
+            <a:schemeClr val="accent5"/>
+          </a:lnRef>
+          <a:fillRef idx="2">
+            <a:schemeClr val="accent5"/>
+          </a:fillRef>
+          <a:effectRef idx="1">
+            <a:schemeClr val="accent5"/>
+          </a:effectRef>
+          <a:fontRef idx="minor">
+            <a:schemeClr val="dk1"/>
+          </a:fontRef>
+        </p:style>
+        <p:txBody>
+          <a:bodyPr rtlCol="0" anchor="ctr"/>
+          <a:lstStyle/>
+          <a:p>
+            <a:pPr algn="ctr"/>
+            <a:endParaRPr lang="en-GB" sz="1200">
+              <a:solidFill>
+                <a:schemeClr val="dk1"/>
+              </a:solidFill>
+            </a:endParaRPr>
+          </a:p>
+        </p:txBody>
+      </p:sp>
+      <p:sp>
+        <p:nvSpPr>
+          <p:cNvPr id="24" name="CasellaDiTesto 23"/>
+          <p:cNvSpPr txBox="1"/>
+          <p:nvPr/>
+        </p:nvSpPr>
+        <p:spPr>
+          <a:xfrm>
+            <a:off x="6065968" y="2353860"/>
+            <a:ext cx="1308307" cy="369332"/>
+          </a:xfrm>
+          <a:prstGeom prst="rect">
+            <a:avLst/>
+          </a:prstGeom>
+          <a:noFill/>
+        </p:spPr>
+        <p:txBody>
+          <a:bodyPr wrap="none" rtlCol="0">
+            <a:spAutoFit/>
+          </a:bodyPr>
+          <a:lstStyle/>
+          <a:p>
+            <a:r>
+              <a:rPr lang="en-GB" b="1" dirty="0" err="1"/>
+              <a:t>InputServer</a:t>
+            </a:r>
+            <a:endParaRPr lang="en-GB" dirty="0"/>
+          </a:p>
+        </p:txBody>
+      </p:sp>
+      <p:sp>
+        <p:nvSpPr>
+          <p:cNvPr id="118" name="CasellaDiTesto 117"/>
+          <p:cNvSpPr txBox="1"/>
+          <p:nvPr/>
+        </p:nvSpPr>
+        <p:spPr>
+          <a:xfrm>
+            <a:off x="7295850" y="3148438"/>
+            <a:ext cx="1796069" cy="369332"/>
+          </a:xfrm>
+          <a:prstGeom prst="rect">
+            <a:avLst/>
+          </a:prstGeom>
+          <a:noFill/>
+        </p:spPr>
+        <p:txBody>
+          <a:bodyPr wrap="none" rtlCol="0">
+            <a:spAutoFit/>
+          </a:bodyPr>
+          <a:lstStyle/>
+          <a:p>
+            <a:r>
+              <a:rPr lang="it-IT" dirty="0" err="1" smtClean="0"/>
+              <a:t>Legacy</a:t>
+            </a:r>
+            <a:r>
+              <a:rPr lang="it-IT" dirty="0" err="1" smtClean="0"/>
+              <a:t>DedServer</a:t>
+            </a:r>
+            <a:endParaRPr lang="en-GB" dirty="0"/>
+          </a:p>
+        </p:txBody>
+      </p:sp>
+      <p:cxnSp>
+        <p:nvCxnSpPr>
+          <p:cNvPr id="80" name="Connettore 4 79"/>
+          <p:cNvCxnSpPr>
+            <a:stCxn id="123" idx="2"/>
+            <a:endCxn id="78" idx="6"/>
+          </p:cNvCxnSpPr>
+          <p:nvPr/>
+        </p:nvCxnSpPr>
+        <p:spPr>
+          <a:xfrm rot="10800000">
+            <a:off x="6950050" y="2954005"/>
+            <a:ext cx="705444" cy="14789"/>
+          </a:xfrm>
+          <a:prstGeom prst="bentConnector3">
+            <a:avLst>
+              <a:gd name="adj1" fmla="val 50000"/>
+            </a:avLst>
+          </a:prstGeom>
+          <a:ln>
+            <a:tailEnd type="arrow"/>
+          </a:ln>
+        </p:spPr>
+        <p:style>
+          <a:lnRef idx="1">
+            <a:schemeClr val="accent1"/>
+          </a:lnRef>
+          <a:fillRef idx="0">
+            <a:schemeClr val="accent1"/>
+          </a:fillRef>
+          <a:effectRef idx="0">
+            <a:schemeClr val="accent1"/>
+          </a:effectRef>
+          <a:fontRef idx="minor">
+            <a:schemeClr val="tx1"/>
+          </a:fontRef>
+        </p:style>
+      </p:cxnSp>
+      <p:sp>
+        <p:nvSpPr>
+          <p:cNvPr id="129" name="Rettangolo 128"/>
+          <p:cNvSpPr/>
+          <p:nvPr/>
+        </p:nvSpPr>
+        <p:spPr>
+          <a:xfrm>
+            <a:off x="3796227" y="3228310"/>
+            <a:ext cx="3396023" cy="489284"/>
+          </a:xfrm>
+          <a:prstGeom prst="rect">
+            <a:avLst/>
+          </a:prstGeom>
+          <a:solidFill>
+            <a:srgbClr val="FFFFCC"/>
+          </a:solidFill>
+        </p:spPr>
+        <p:style>
+          <a:lnRef idx="2">
+            <a:schemeClr val="accent1">
+              <a:shade val="50000"/>
+            </a:schemeClr>
+          </a:lnRef>
+          <a:fillRef idx="1">
+            <a:schemeClr val="accent1"/>
+          </a:fillRef>
+          <a:effectRef idx="0">
+            <a:schemeClr val="accent1"/>
+          </a:effectRef>
+          <a:fontRef idx="minor">
+            <a:schemeClr val="lt1"/>
+          </a:fontRef>
+        </p:style>
+        <p:txBody>
+          <a:bodyPr rtlCol="0" anchor="ctr"/>
+          <a:lstStyle/>
+          <a:p>
+            <a:pPr algn="ctr"/>
+            <a:endParaRPr lang="en-GB" sz="1000">
+              <a:solidFill>
+                <a:schemeClr val="tx1"/>
+              </a:solidFill>
+            </a:endParaRPr>
+          </a:p>
+        </p:txBody>
+      </p:sp>
+      <p:sp>
+        <p:nvSpPr>
+          <p:cNvPr id="130" name="Rettangolo 129"/>
+          <p:cNvSpPr/>
+          <p:nvPr/>
+        </p:nvSpPr>
+        <p:spPr>
+          <a:xfrm>
+            <a:off x="6100456" y="3333405"/>
+            <a:ext cx="1080120" cy="312180"/>
+          </a:xfrm>
+          <a:prstGeom prst="rect">
+            <a:avLst/>
+          </a:prstGeom>
+          <a:solidFill>
+            <a:schemeClr val="accent6">
+              <a:lumMod val="20000"/>
+              <a:lumOff val="80000"/>
+            </a:schemeClr>
+          </a:solidFill>
+        </p:spPr>
+        <p:style>
+          <a:lnRef idx="2">
+            <a:schemeClr val="accent1">
+              <a:shade val="50000"/>
+            </a:schemeClr>
+          </a:lnRef>
+          <a:fillRef idx="1">
+            <a:schemeClr val="accent1"/>
+          </a:fillRef>
+          <a:effectRef idx="0">
+            <a:schemeClr val="accent1"/>
+          </a:effectRef>
+          <a:fontRef idx="minor">
+            <a:schemeClr val="lt1"/>
+          </a:fontRef>
+        </p:style>
+        <p:txBody>
+          <a:bodyPr rtlCol="0" anchor="ctr"/>
+          <a:lstStyle/>
+          <a:p>
+            <a:pPr algn="ctr"/>
+            <a:r>
+              <a:rPr lang="it-IT" sz="1000" dirty="0" err="1" smtClean="0">
+                <a:solidFill>
+                  <a:schemeClr val="tx1"/>
+                </a:solidFill>
+              </a:rPr>
+              <a:t>InputHandlerDed</a:t>
+            </a:r>
+            <a:endParaRPr lang="en-GB" sz="1000" dirty="0">
+              <a:solidFill>
+                <a:schemeClr val="tx1"/>
+              </a:solidFill>
+            </a:endParaRPr>
+          </a:p>
+        </p:txBody>
+      </p:sp>
+      <p:sp>
+        <p:nvSpPr>
+          <p:cNvPr id="131" name="Rettangolo 130"/>
+          <p:cNvSpPr/>
+          <p:nvPr/>
+        </p:nvSpPr>
+        <p:spPr>
+          <a:xfrm>
+            <a:off x="5426872" y="3333408"/>
+            <a:ext cx="517988" cy="312180"/>
+          </a:xfrm>
+          <a:prstGeom prst="rect">
+            <a:avLst/>
+          </a:prstGeom>
+          <a:solidFill>
+            <a:schemeClr val="bg1">
+              <a:lumMod val="95000"/>
+            </a:schemeClr>
+          </a:solidFill>
+        </p:spPr>
+        <p:style>
+          <a:lnRef idx="2">
+            <a:schemeClr val="accent1">
+              <a:shade val="50000"/>
+            </a:schemeClr>
+          </a:lnRef>
+          <a:fillRef idx="1">
+            <a:schemeClr val="accent1"/>
+          </a:fillRef>
+          <a:effectRef idx="0">
+            <a:schemeClr val="accent1"/>
+          </a:effectRef>
+          <a:fontRef idx="minor">
+            <a:schemeClr val="lt1"/>
+          </a:fontRef>
+        </p:style>
+        <p:txBody>
+          <a:bodyPr rtlCol="0" anchor="ctr"/>
+          <a:lstStyle/>
+          <a:p>
+            <a:pPr algn="ctr"/>
+            <a:r>
+              <a:rPr lang="it-IT" sz="1000" dirty="0" smtClean="0">
+                <a:solidFill>
+                  <a:schemeClr val="tx1"/>
+                </a:solidFill>
+              </a:rPr>
+              <a:t>IODM</a:t>
+            </a:r>
+            <a:endParaRPr lang="en-GB" sz="1000" dirty="0">
+              <a:solidFill>
+                <a:schemeClr val="tx1"/>
+              </a:solidFill>
+            </a:endParaRPr>
+          </a:p>
+        </p:txBody>
+      </p:sp>
+      <p:sp>
+        <p:nvSpPr>
+          <p:cNvPr id="135" name="CasellaDiTesto 134"/>
+          <p:cNvSpPr txBox="1"/>
+          <p:nvPr/>
+        </p:nvSpPr>
+        <p:spPr>
+          <a:xfrm>
+            <a:off x="6216157" y="3676631"/>
+            <a:ext cx="996107" cy="276999"/>
+          </a:xfrm>
+          <a:prstGeom prst="rect">
+            <a:avLst/>
+          </a:prstGeom>
+          <a:noFill/>
+        </p:spPr>
+        <p:txBody>
+          <a:bodyPr wrap="none" rtlCol="0">
+            <a:spAutoFit/>
+          </a:bodyPr>
+          <a:lstStyle/>
+          <a:p>
+            <a:r>
+              <a:rPr lang="it-IT" sz="1200" dirty="0" err="1" smtClean="0"/>
+              <a:t>LegacyDedIO</a:t>
+            </a:r>
+            <a:endParaRPr lang="en-GB" sz="1200" dirty="0"/>
+          </a:p>
+        </p:txBody>
+      </p:sp>
+      <p:sp>
+        <p:nvSpPr>
+          <p:cNvPr id="137" name="Rettangolo 136"/>
+          <p:cNvSpPr/>
+          <p:nvPr/>
+        </p:nvSpPr>
+        <p:spPr>
+          <a:xfrm>
+            <a:off x="4523938" y="3297401"/>
+            <a:ext cx="752703" cy="384185"/>
+          </a:xfrm>
+          <a:prstGeom prst="rect">
+            <a:avLst/>
+          </a:prstGeom>
+          <a:solidFill>
+            <a:srgbClr val="FFC000"/>
+          </a:solidFill>
+        </p:spPr>
+        <p:style>
+          <a:lnRef idx="2">
+            <a:schemeClr val="accent1">
+              <a:shade val="50000"/>
+            </a:schemeClr>
+          </a:lnRef>
+          <a:fillRef idx="1">
+            <a:schemeClr val="accent1"/>
+          </a:fillRef>
+          <a:effectRef idx="0">
+            <a:schemeClr val="accent1"/>
+          </a:effectRef>
+          <a:fontRef idx="minor">
+            <a:schemeClr val="lt1"/>
+          </a:fontRef>
+        </p:style>
+        <p:txBody>
+          <a:bodyPr rtlCol="0" anchor="ctr"/>
+          <a:lstStyle/>
+          <a:p>
+            <a:pPr algn="ctr"/>
+            <a:r>
+              <a:rPr lang="it-IT" sz="1000" dirty="0" err="1" smtClean="0">
+                <a:solidFill>
+                  <a:schemeClr val="tx1"/>
+                </a:solidFill>
+              </a:rPr>
+              <a:t>cvtToFHIR</a:t>
+            </a:r>
+            <a:endParaRPr lang="en-GB" sz="1000" dirty="0">
+              <a:solidFill>
+                <a:schemeClr val="tx1"/>
+              </a:solidFill>
+            </a:endParaRPr>
+          </a:p>
+        </p:txBody>
+      </p:sp>
+      <p:sp>
+        <p:nvSpPr>
+          <p:cNvPr id="138" name="CasellaDiTesto 137"/>
+          <p:cNvSpPr txBox="1"/>
+          <p:nvPr/>
+        </p:nvSpPr>
+        <p:spPr>
+          <a:xfrm>
+            <a:off x="1565820" y="2357939"/>
+            <a:ext cx="748025" cy="307777"/>
+          </a:xfrm>
+          <a:prstGeom prst="rect">
+            <a:avLst/>
+          </a:prstGeom>
+          <a:noFill/>
+        </p:spPr>
+        <p:txBody>
+          <a:bodyPr wrap="none" rtlCol="0">
+            <a:spAutoFit/>
+          </a:bodyPr>
+          <a:lstStyle/>
+          <a:p>
+            <a:r>
+              <a:rPr lang="it-IT" sz="1400" dirty="0" err="1" smtClean="0"/>
+              <a:t>FhirOps</a:t>
+            </a:r>
+            <a:endParaRPr lang="en-GB" sz="1400" dirty="0"/>
+          </a:p>
+        </p:txBody>
+      </p:sp>
+      <p:grpSp>
+        <p:nvGrpSpPr>
+          <p:cNvPr id="139" name="Gruppo 138"/>
+          <p:cNvGrpSpPr/>
+          <p:nvPr/>
+        </p:nvGrpSpPr>
+        <p:grpSpPr>
+          <a:xfrm rot="16200000">
+            <a:off x="957890" y="1224101"/>
+            <a:ext cx="592487" cy="258092"/>
+            <a:chOff x="5133975" y="5295900"/>
+            <a:chExt cx="342900" cy="238125"/>
+          </a:xfrm>
+        </p:grpSpPr>
+        <p:sp>
+          <p:nvSpPr>
+            <p:cNvPr id="140" name="Figura a mano libera 139"/>
+            <p:cNvSpPr/>
+            <p:nvPr/>
+          </p:nvSpPr>
+          <p:spPr>
+            <a:xfrm>
+              <a:off x="5133975" y="5295900"/>
+              <a:ext cx="342900" cy="238125"/>
+            </a:xfrm>
+            <a:custGeom>
+              <a:avLst/>
+              <a:gdLst>
+                <a:gd name="connsiteX0" fmla="*/ 0 w 342900"/>
+                <a:gd name="connsiteY0" fmla="*/ 142875 h 238125"/>
+                <a:gd name="connsiteX1" fmla="*/ 28575 w 342900"/>
+                <a:gd name="connsiteY1" fmla="*/ 38100 h 238125"/>
+                <a:gd name="connsiteX2" fmla="*/ 47625 w 342900"/>
+                <a:gd name="connsiteY2" fmla="*/ 9525 h 238125"/>
+                <a:gd name="connsiteX3" fmla="*/ 76200 w 342900"/>
+                <a:gd name="connsiteY3" fmla="*/ 0 h 238125"/>
+                <a:gd name="connsiteX4" fmla="*/ 104775 w 342900"/>
+                <a:gd name="connsiteY4" fmla="*/ 9525 h 238125"/>
+                <a:gd name="connsiteX5" fmla="*/ 142875 w 342900"/>
+                <a:gd name="connsiteY5" fmla="*/ 95250 h 238125"/>
+                <a:gd name="connsiteX6" fmla="*/ 161925 w 342900"/>
+                <a:gd name="connsiteY6" fmla="*/ 152400 h 238125"/>
+                <a:gd name="connsiteX7" fmla="*/ 171450 w 342900"/>
+                <a:gd name="connsiteY7" fmla="*/ 180975 h 238125"/>
+                <a:gd name="connsiteX8" fmla="*/ 209550 w 342900"/>
+                <a:gd name="connsiteY8" fmla="*/ 238125 h 238125"/>
+                <a:gd name="connsiteX9" fmla="*/ 238125 w 342900"/>
+                <a:gd name="connsiteY9" fmla="*/ 180975 h 238125"/>
+                <a:gd name="connsiteX10" fmla="*/ 266700 w 342900"/>
+                <a:gd name="connsiteY10" fmla="*/ 104775 h 238125"/>
+                <a:gd name="connsiteX11" fmla="*/ 342900 w 342900"/>
+                <a:gd name="connsiteY11" fmla="*/ 85725 h 238125"/>
+              </a:gdLst>
+              <a:ahLst/>
+              <a:cxnLst>
+                <a:cxn ang="0">
+                  <a:pos x="connsiteX0" y="connsiteY0"/>
+                </a:cxn>
+                <a:cxn ang="0">
+                  <a:pos x="connsiteX1" y="connsiteY1"/>
+                </a:cxn>
+                <a:cxn ang="0">
+                  <a:pos x="connsiteX2" y="connsiteY2"/>
+                </a:cxn>
+                <a:cxn ang="0">
+                  <a:pos x="connsiteX3" y="connsiteY3"/>
+                </a:cxn>
+                <a:cxn ang="0">
+                  <a:pos x="connsiteX4" y="connsiteY4"/>
+                </a:cxn>
+                <a:cxn ang="0">
+                  <a:pos x="connsiteX5" y="connsiteY5"/>
+                </a:cxn>
+                <a:cxn ang="0">
+                  <a:pos x="connsiteX6" y="connsiteY6"/>
+                </a:cxn>
+                <a:cxn ang="0">
+                  <a:pos x="connsiteX7" y="connsiteY7"/>
+                </a:cxn>
+                <a:cxn ang="0">
+                  <a:pos x="connsiteX8" y="connsiteY8"/>
+                </a:cxn>
+                <a:cxn ang="0">
+                  <a:pos x="connsiteX9" y="connsiteY9"/>
+                </a:cxn>
+                <a:cxn ang="0">
+                  <a:pos x="connsiteX10" y="connsiteY10"/>
+                </a:cxn>
+                <a:cxn ang="0">
+                  <a:pos x="connsiteX11" y="connsiteY11"/>
+                </a:cxn>
+              </a:cxnLst>
+              <a:rect l="l" t="t" r="r" b="b"/>
+              <a:pathLst>
+                <a:path w="342900" h="238125">
+                  <a:moveTo>
+                    <a:pt x="0" y="142875"/>
+                  </a:moveTo>
+                  <a:cubicBezTo>
+                    <a:pt x="5112" y="117315"/>
+                    <a:pt x="14764" y="58817"/>
+                    <a:pt x="28575" y="38100"/>
+                  </a:cubicBezTo>
+                  <a:cubicBezTo>
+                    <a:pt x="34925" y="28575"/>
+                    <a:pt x="38686" y="16676"/>
+                    <a:pt x="47625" y="9525"/>
+                  </a:cubicBezTo>
+                  <a:cubicBezTo>
+                    <a:pt x="55465" y="3253"/>
+                    <a:pt x="66675" y="3175"/>
+                    <a:pt x="76200" y="0"/>
+                  </a:cubicBezTo>
+                  <a:cubicBezTo>
+                    <a:pt x="85725" y="3175"/>
+                    <a:pt x="96935" y="3253"/>
+                    <a:pt x="104775" y="9525"/>
+                  </a:cubicBezTo>
+                  <a:cubicBezTo>
+                    <a:pt x="125358" y="25992"/>
+                    <a:pt x="137054" y="77787"/>
+                    <a:pt x="142875" y="95250"/>
+                  </a:cubicBezTo>
+                  <a:lnTo>
+                    <a:pt x="161925" y="152400"/>
+                  </a:lnTo>
+                  <a:cubicBezTo>
+                    <a:pt x="165100" y="161925"/>
+                    <a:pt x="169481" y="171130"/>
+                    <a:pt x="171450" y="180975"/>
+                  </a:cubicBezTo>
+                  <a:cubicBezTo>
+                    <a:pt x="182944" y="238445"/>
+                    <a:pt x="165616" y="223480"/>
+                    <a:pt x="209550" y="238125"/>
+                  </a:cubicBezTo>
+                  <a:cubicBezTo>
+                    <a:pt x="228174" y="210189"/>
+                    <a:pt x="230238" y="212523"/>
+                    <a:pt x="238125" y="180975"/>
+                  </a:cubicBezTo>
+                  <a:cubicBezTo>
+                    <a:pt x="243105" y="161054"/>
+                    <a:pt x="243471" y="119293"/>
+                    <a:pt x="266700" y="104775"/>
+                  </a:cubicBezTo>
+                  <a:cubicBezTo>
+                    <a:pt x="300393" y="83717"/>
+                    <a:pt x="313092" y="85725"/>
+                    <a:pt x="342900" y="85725"/>
+                  </a:cubicBezTo>
+                </a:path>
+              </a:pathLst>
+            </a:custGeom>
+            <a:noFill/>
+            <a:ln>
+              <a:solidFill>
+                <a:srgbClr val="C00000"/>
+              </a:solidFill>
+            </a:ln>
+          </p:spPr>
+          <p:style>
+            <a:lnRef idx="2">
+              <a:schemeClr val="accent1">
+                <a:shade val="50000"/>
+              </a:schemeClr>
+            </a:lnRef>
+            <a:fillRef idx="1">
+              <a:schemeClr val="accent1"/>
+            </a:fillRef>
+            <a:effectRef idx="0">
+              <a:schemeClr val="accent1"/>
+            </a:effectRef>
+            <a:fontRef idx="minor">
+              <a:schemeClr val="lt1"/>
+            </a:fontRef>
+          </p:style>
+          <p:txBody>
+            <a:bodyPr rtlCol="0" anchor="ctr"/>
+            <a:lstStyle/>
+            <a:p>
+              <a:pPr algn="ctr"/>
+              <a:endParaRPr lang="it-IT"/>
+            </a:p>
+          </p:txBody>
+        </p:sp>
+        <p:sp>
+          <p:nvSpPr>
+            <p:cNvPr id="141" name="Figura a mano libera 140"/>
+            <p:cNvSpPr/>
+            <p:nvPr/>
+          </p:nvSpPr>
+          <p:spPr>
+            <a:xfrm>
+              <a:off x="5400675" y="5353050"/>
+              <a:ext cx="66675" cy="38100"/>
+            </a:xfrm>
+            <a:custGeom>
+              <a:avLst/>
+              <a:gdLst>
+                <a:gd name="connsiteX0" fmla="*/ 66675 w 66675"/>
+                <a:gd name="connsiteY0" fmla="*/ 38100 h 38100"/>
+                <a:gd name="connsiteX1" fmla="*/ 0 w 66675"/>
+                <a:gd name="connsiteY1" fmla="*/ 0 h 38100"/>
+              </a:gdLst>
+              <a:ahLst/>
+              <a:cxnLst>
+                <a:cxn ang="0">
+                  <a:pos x="connsiteX0" y="connsiteY0"/>
+                </a:cxn>
+                <a:cxn ang="0">
+                  <a:pos x="connsiteX1" y="connsiteY1"/>
+                </a:cxn>
+              </a:cxnLst>
+              <a:rect l="l" t="t" r="r" b="b"/>
+              <a:pathLst>
+                <a:path w="66675" h="38100">
+                  <a:moveTo>
+                    <a:pt x="66675" y="38100"/>
+                  </a:moveTo>
+                  <a:cubicBezTo>
+                    <a:pt x="12962" y="5872"/>
+                    <a:pt x="35609" y="17804"/>
+                    <a:pt x="0" y="0"/>
+                  </a:cubicBezTo>
+                </a:path>
+              </a:pathLst>
+            </a:custGeom>
+            <a:noFill/>
+            <a:ln>
+              <a:solidFill>
+                <a:srgbClr val="C00000"/>
+              </a:solidFill>
+            </a:ln>
+          </p:spPr>
+          <p:style>
+            <a:lnRef idx="2">
+              <a:schemeClr val="accent1">
+                <a:shade val="50000"/>
+              </a:schemeClr>
+            </a:lnRef>
+            <a:fillRef idx="1">
+              <a:schemeClr val="accent1"/>
+            </a:fillRef>
+            <a:effectRef idx="0">
+              <a:schemeClr val="accent1"/>
+            </a:effectRef>
+            <a:fontRef idx="minor">
+              <a:schemeClr val="lt1"/>
+            </a:fontRef>
+          </p:style>
+          <p:txBody>
+            <a:bodyPr rtlCol="0" anchor="ctr"/>
+            <a:lstStyle/>
+            <a:p>
+              <a:pPr algn="ctr"/>
+              <a:endParaRPr lang="it-IT"/>
+            </a:p>
+          </p:txBody>
+        </p:sp>
+        <p:sp>
+          <p:nvSpPr>
+            <p:cNvPr id="142" name="Figura a mano libera 141"/>
+            <p:cNvSpPr/>
+            <p:nvPr/>
+          </p:nvSpPr>
+          <p:spPr>
+            <a:xfrm>
+              <a:off x="5419725" y="5381625"/>
+              <a:ext cx="47625" cy="57150"/>
+            </a:xfrm>
+            <a:custGeom>
+              <a:avLst/>
+              <a:gdLst>
+                <a:gd name="connsiteX0" fmla="*/ 47625 w 47625"/>
+                <a:gd name="connsiteY0" fmla="*/ 0 h 57150"/>
+                <a:gd name="connsiteX1" fmla="*/ 0 w 47625"/>
+                <a:gd name="connsiteY1" fmla="*/ 57150 h 57150"/>
+              </a:gdLst>
+              <a:ahLst/>
+              <a:cxnLst>
+                <a:cxn ang="0">
+                  <a:pos x="connsiteX0" y="connsiteY0"/>
+                </a:cxn>
+                <a:cxn ang="0">
+                  <a:pos x="connsiteX1" y="connsiteY1"/>
+                </a:cxn>
+              </a:cxnLst>
+              <a:rect l="l" t="t" r="r" b="b"/>
+              <a:pathLst>
+                <a:path w="47625" h="57150">
+                  <a:moveTo>
+                    <a:pt x="47625" y="0"/>
+                  </a:moveTo>
+                  <a:cubicBezTo>
+                    <a:pt x="15397" y="53713"/>
+                    <a:pt x="35609" y="39346"/>
+                    <a:pt x="0" y="57150"/>
+                  </a:cubicBezTo>
+                </a:path>
+              </a:pathLst>
+            </a:custGeom>
+            <a:noFill/>
+            <a:ln>
+              <a:solidFill>
+                <a:srgbClr val="C00000"/>
+              </a:solidFill>
+            </a:ln>
+          </p:spPr>
+          <p:style>
+            <a:lnRef idx="2">
+              <a:schemeClr val="accent1">
+                <a:shade val="50000"/>
+              </a:schemeClr>
+            </a:lnRef>
+            <a:fillRef idx="1">
+              <a:schemeClr val="accent1"/>
+            </a:fillRef>
+            <a:effectRef idx="0">
+              <a:schemeClr val="accent1"/>
+            </a:effectRef>
+            <a:fontRef idx="minor">
+              <a:schemeClr val="lt1"/>
+            </a:fontRef>
+          </p:style>
+          <p:txBody>
+            <a:bodyPr rtlCol="0" anchor="ctr"/>
+            <a:lstStyle/>
+            <a:p>
+              <a:pPr algn="ctr"/>
+              <a:endParaRPr lang="it-IT"/>
+            </a:p>
+          </p:txBody>
+        </p:sp>
+      </p:grpSp>
+      <p:sp>
+        <p:nvSpPr>
+          <p:cNvPr id="144" name="Rettangolo 143"/>
+          <p:cNvSpPr/>
+          <p:nvPr/>
+        </p:nvSpPr>
+        <p:spPr>
+          <a:xfrm>
+            <a:off x="358248" y="233752"/>
+            <a:ext cx="1740150" cy="680791"/>
+          </a:xfrm>
+          <a:prstGeom prst="rect">
+            <a:avLst/>
+          </a:prstGeom>
+          <a:solidFill>
+            <a:srgbClr val="FFFFCC"/>
+          </a:solidFill>
+        </p:spPr>
+        <p:style>
+          <a:lnRef idx="2">
+            <a:schemeClr val="accent1">
+              <a:shade val="50000"/>
+            </a:schemeClr>
+          </a:lnRef>
+          <a:fillRef idx="1">
+            <a:schemeClr val="accent1"/>
+          </a:fillRef>
+          <a:effectRef idx="0">
+            <a:schemeClr val="accent1"/>
+          </a:effectRef>
+          <a:fontRef idx="minor">
+            <a:schemeClr val="lt1"/>
+          </a:fontRef>
+        </p:style>
+        <p:txBody>
+          <a:bodyPr rtlCol="0" anchor="ctr"/>
+          <a:lstStyle/>
+          <a:p>
+            <a:pPr algn="ctr"/>
+            <a:endParaRPr lang="it-IT" dirty="0" smtClean="0">
+              <a:solidFill>
+                <a:schemeClr val="tx1"/>
+              </a:solidFill>
+            </a:endParaRPr>
+          </a:p>
+          <a:p>
+            <a:pPr algn="ctr"/>
+            <a:endParaRPr lang="it-IT" dirty="0">
+              <a:solidFill>
+                <a:schemeClr val="tx1"/>
+              </a:solidFill>
+            </a:endParaRPr>
+          </a:p>
+          <a:p>
+            <a:pPr algn="ctr"/>
+            <a:endParaRPr lang="it-IT" dirty="0" smtClean="0">
+              <a:solidFill>
+                <a:schemeClr val="tx1"/>
+              </a:solidFill>
+            </a:endParaRPr>
+          </a:p>
+          <a:p>
+            <a:pPr algn="ctr"/>
+            <a:r>
+              <a:rPr lang="it-IT" dirty="0" smtClean="0">
+                <a:solidFill>
+                  <a:schemeClr val="tx1"/>
+                </a:solidFill>
+              </a:rPr>
+              <a:t>SmartEven2020</a:t>
+            </a:r>
+            <a:endParaRPr lang="it-IT" dirty="0" smtClean="0">
+              <a:solidFill>
+                <a:schemeClr val="tx1"/>
+              </a:solidFill>
+            </a:endParaRPr>
+          </a:p>
+          <a:p>
+            <a:pPr algn="ctr"/>
+            <a:endParaRPr lang="it-IT" dirty="0" smtClean="0">
+              <a:solidFill>
+                <a:schemeClr val="tx1"/>
+              </a:solidFill>
+            </a:endParaRPr>
+          </a:p>
+          <a:p>
+            <a:pPr algn="ctr"/>
+            <a:endParaRPr lang="it-IT" dirty="0">
+              <a:solidFill>
+                <a:schemeClr val="tx1"/>
+              </a:solidFill>
+            </a:endParaRPr>
+          </a:p>
+          <a:p>
+            <a:pPr algn="ctr"/>
+            <a:endParaRPr lang="en-GB" dirty="0">
+              <a:solidFill>
+                <a:schemeClr val="tx1"/>
+              </a:solidFill>
+            </a:endParaRPr>
+          </a:p>
+        </p:txBody>
+      </p:sp>
+      <p:grpSp>
+        <p:nvGrpSpPr>
+          <p:cNvPr id="145" name="Gruppo 144"/>
+          <p:cNvGrpSpPr/>
+          <p:nvPr/>
+        </p:nvGrpSpPr>
+        <p:grpSpPr>
+          <a:xfrm>
+            <a:off x="2209659" y="716146"/>
+            <a:ext cx="666895" cy="86434"/>
+            <a:chOff x="4592177" y="4419530"/>
+            <a:chExt cx="666895" cy="86434"/>
+          </a:xfrm>
+        </p:grpSpPr>
+        <p:cxnSp>
+          <p:nvCxnSpPr>
+            <p:cNvPr id="146" name="Connettore 1 145"/>
+            <p:cNvCxnSpPr/>
+            <p:nvPr/>
+          </p:nvCxnSpPr>
+          <p:spPr>
+            <a:xfrm>
+              <a:off x="4611000" y="4462747"/>
+              <a:ext cx="648072" cy="0"/>
+            </a:xfrm>
+            <a:prstGeom prst="line">
+              <a:avLst/>
+            </a:prstGeom>
+            <a:ln/>
+          </p:spPr>
+          <p:style>
+            <a:lnRef idx="1">
+              <a:schemeClr val="accent6"/>
+            </a:lnRef>
+            <a:fillRef idx="2">
+              <a:schemeClr val="accent6"/>
+            </a:fillRef>
+            <a:effectRef idx="1">
+              <a:schemeClr val="accent6"/>
+            </a:effectRef>
+            <a:fontRef idx="minor">
+              <a:schemeClr val="dk1"/>
+            </a:fontRef>
+          </p:style>
+        </p:cxnSp>
+        <p:sp>
+          <p:nvSpPr>
+            <p:cNvPr id="149" name="Triangolo isoscele 148"/>
+            <p:cNvSpPr/>
+            <p:nvPr/>
+          </p:nvSpPr>
+          <p:spPr>
+            <a:xfrm rot="16200000">
+              <a:off x="4618592" y="4393115"/>
+              <a:ext cx="86434" cy="139263"/>
+            </a:xfrm>
+            <a:prstGeom prst="triangle">
+              <a:avLst/>
+            </a:prstGeom>
+            <a:ln/>
+          </p:spPr>
+          <p:style>
+            <a:lnRef idx="1">
+              <a:schemeClr val="accent6"/>
+            </a:lnRef>
+            <a:fillRef idx="2">
+              <a:schemeClr val="accent6"/>
+            </a:fillRef>
+            <a:effectRef idx="1">
+              <a:schemeClr val="accent6"/>
+            </a:effectRef>
+            <a:fontRef idx="minor">
+              <a:schemeClr val="dk1"/>
+            </a:fontRef>
+          </p:style>
+          <p:txBody>
+            <a:bodyPr rtlCol="0" anchor="ctr"/>
+            <a:lstStyle/>
+            <a:p>
+              <a:pPr algn="ctr"/>
+              <a:endParaRPr lang="en-GB" sz="1200"/>
+            </a:p>
+          </p:txBody>
+        </p:sp>
+      </p:grpSp>
+      <p:grpSp>
+        <p:nvGrpSpPr>
+          <p:cNvPr id="150" name="Gruppo 149"/>
+          <p:cNvGrpSpPr/>
+          <p:nvPr/>
+        </p:nvGrpSpPr>
+        <p:grpSpPr>
+          <a:xfrm>
+            <a:off x="2201572" y="519941"/>
+            <a:ext cx="787334" cy="86434"/>
+            <a:chOff x="3452446" y="4176616"/>
+            <a:chExt cx="787334" cy="86434"/>
+          </a:xfrm>
+        </p:grpSpPr>
+        <p:sp>
+          <p:nvSpPr>
+            <p:cNvPr id="152" name="Triangolo isoscele 151"/>
+            <p:cNvSpPr/>
+            <p:nvPr/>
+          </p:nvSpPr>
+          <p:spPr>
+            <a:xfrm rot="5400000" flipH="1">
+              <a:off x="4126932" y="4150201"/>
+              <a:ext cx="86434" cy="139263"/>
+            </a:xfrm>
+            <a:prstGeom prst="triangle">
+              <a:avLst/>
+            </a:prstGeom>
+            <a:ln/>
+          </p:spPr>
+          <p:style>
+            <a:lnRef idx="1">
+              <a:schemeClr val="accent6"/>
+            </a:lnRef>
+            <a:fillRef idx="2">
+              <a:schemeClr val="accent6"/>
+            </a:fillRef>
+            <a:effectRef idx="1">
+              <a:schemeClr val="accent6"/>
+            </a:effectRef>
+            <a:fontRef idx="minor">
+              <a:schemeClr val="dk1"/>
+            </a:fontRef>
+          </p:style>
+          <p:txBody>
+            <a:bodyPr rtlCol="0" anchor="ctr"/>
+            <a:lstStyle/>
+            <a:p>
+              <a:pPr algn="ctr"/>
+              <a:endParaRPr lang="en-GB" sz="1200"/>
+            </a:p>
+          </p:txBody>
+        </p:sp>
+        <p:cxnSp>
+          <p:nvCxnSpPr>
+            <p:cNvPr id="153" name="Connettore 1 152"/>
+            <p:cNvCxnSpPr>
+              <a:endCxn id="152" idx="3"/>
+            </p:cNvCxnSpPr>
+            <p:nvPr/>
+          </p:nvCxnSpPr>
+          <p:spPr>
+            <a:xfrm>
+              <a:off x="3452446" y="4219627"/>
+              <a:ext cx="648072" cy="206"/>
+            </a:xfrm>
+            <a:prstGeom prst="line">
+              <a:avLst/>
+            </a:prstGeom>
+          </p:spPr>
+          <p:style>
+            <a:lnRef idx="1">
+              <a:schemeClr val="accent6"/>
+            </a:lnRef>
+            <a:fillRef idx="2">
+              <a:schemeClr val="accent6"/>
+            </a:fillRef>
+            <a:effectRef idx="1">
+              <a:schemeClr val="accent6"/>
+            </a:effectRef>
+            <a:fontRef idx="minor">
+              <a:schemeClr val="dk1"/>
+            </a:fontRef>
+          </p:style>
+        </p:cxnSp>
+      </p:grpSp>
+      <p:cxnSp>
+        <p:nvCxnSpPr>
+          <p:cNvPr id="116" name="Connettore 4 115"/>
+          <p:cNvCxnSpPr>
+            <a:stCxn id="130" idx="1"/>
+            <a:endCxn id="131" idx="3"/>
+          </p:cNvCxnSpPr>
+          <p:nvPr/>
+        </p:nvCxnSpPr>
+        <p:spPr>
+          <a:xfrm rot="10800000" flipV="1">
+            <a:off x="5944860" y="3489494"/>
+            <a:ext cx="155596" cy="3"/>
+          </a:xfrm>
+          <a:prstGeom prst="bentConnector3">
+            <a:avLst/>
+          </a:prstGeom>
+          <a:ln>
+            <a:tailEnd type="arrow"/>
+          </a:ln>
+        </p:spPr>
+        <p:style>
+          <a:lnRef idx="1">
+            <a:schemeClr val="accent1"/>
+          </a:lnRef>
+          <a:fillRef idx="0">
+            <a:schemeClr val="accent1"/>
+          </a:fillRef>
+          <a:effectRef idx="0">
+            <a:schemeClr val="accent1"/>
+          </a:effectRef>
+          <a:fontRef idx="minor">
+            <a:schemeClr val="tx1"/>
+          </a:fontRef>
+        </p:style>
+      </p:cxnSp>
+      <p:cxnSp>
+        <p:nvCxnSpPr>
+          <p:cNvPr id="120" name="Connettore 4 119"/>
+          <p:cNvCxnSpPr>
+            <a:stCxn id="137" idx="1"/>
+            <a:endCxn id="161" idx="3"/>
+          </p:cNvCxnSpPr>
+          <p:nvPr/>
+        </p:nvCxnSpPr>
+        <p:spPr>
+          <a:xfrm rot="10800000" flipV="1">
+            <a:off x="4352240" y="3489493"/>
+            <a:ext cx="171699" cy="5"/>
+          </a:xfrm>
+          <a:prstGeom prst="bentConnector3">
+            <a:avLst/>
+          </a:prstGeom>
+          <a:ln>
+            <a:tailEnd type="arrow"/>
+          </a:ln>
+        </p:spPr>
+        <p:style>
+          <a:lnRef idx="1">
+            <a:schemeClr val="accent1"/>
+          </a:lnRef>
+          <a:fillRef idx="0">
+            <a:schemeClr val="accent1"/>
+          </a:fillRef>
+          <a:effectRef idx="0">
+            <a:schemeClr val="accent1"/>
+          </a:effectRef>
+          <a:fontRef idx="minor">
+            <a:schemeClr val="tx1"/>
+          </a:fontRef>
+        </p:style>
+      </p:cxnSp>
+      <p:cxnSp>
+        <p:nvCxnSpPr>
+          <p:cNvPr id="160" name="Connettore 4 159"/>
+          <p:cNvCxnSpPr>
+            <a:stCxn id="131" idx="1"/>
+            <a:endCxn id="137" idx="3"/>
+          </p:cNvCxnSpPr>
+          <p:nvPr/>
+        </p:nvCxnSpPr>
+        <p:spPr>
+          <a:xfrm rot="10800000">
+            <a:off x="5276642" y="3489494"/>
+            <a:ext cx="150231" cy="4"/>
+          </a:xfrm>
+          <a:prstGeom prst="bentConnector3">
+            <a:avLst/>
+          </a:prstGeom>
+          <a:ln>
+            <a:tailEnd type="arrow"/>
+          </a:ln>
+        </p:spPr>
+        <p:style>
+          <a:lnRef idx="1">
+            <a:schemeClr val="accent1"/>
+          </a:lnRef>
+          <a:fillRef idx="0">
+            <a:schemeClr val="accent1"/>
+          </a:fillRef>
+          <a:effectRef idx="0">
+            <a:schemeClr val="accent1"/>
+          </a:effectRef>
+          <a:fontRef idx="minor">
+            <a:schemeClr val="tx1"/>
+          </a:fontRef>
+        </p:style>
+      </p:cxnSp>
+      <p:sp>
+        <p:nvSpPr>
+          <p:cNvPr id="161" name="Rettangolo 160"/>
+          <p:cNvSpPr/>
+          <p:nvPr/>
+        </p:nvSpPr>
+        <p:spPr>
+          <a:xfrm>
+            <a:off x="3859697" y="3358318"/>
+            <a:ext cx="492542" cy="262361"/>
+          </a:xfrm>
+          <a:prstGeom prst="rect">
+            <a:avLst/>
+          </a:prstGeom>
+          <a:solidFill>
+            <a:schemeClr val="bg1">
+              <a:lumMod val="95000"/>
+            </a:schemeClr>
+          </a:solidFill>
+        </p:spPr>
+        <p:style>
+          <a:lnRef idx="2">
+            <a:schemeClr val="accent1">
+              <a:shade val="50000"/>
+            </a:schemeClr>
+          </a:lnRef>
+          <a:fillRef idx="1">
+            <a:schemeClr val="accent1"/>
+          </a:fillRef>
+          <a:effectRef idx="0">
+            <a:schemeClr val="accent1"/>
+          </a:effectRef>
+          <a:fontRef idx="minor">
+            <a:schemeClr val="lt1"/>
+          </a:fontRef>
+        </p:style>
+        <p:txBody>
+          <a:bodyPr rtlCol="0" anchor="ctr"/>
+          <a:lstStyle/>
+          <a:p>
+            <a:pPr algn="ctr"/>
+            <a:r>
+              <a:rPr lang="it-IT" sz="1000" dirty="0" smtClean="0">
+                <a:solidFill>
+                  <a:schemeClr val="tx1"/>
+                </a:solidFill>
+              </a:rPr>
+              <a:t>FHIR</a:t>
+            </a:r>
+            <a:endParaRPr lang="en-GB" sz="1000" dirty="0">
+              <a:solidFill>
+                <a:schemeClr val="tx1"/>
+              </a:solidFill>
+            </a:endParaRPr>
+          </a:p>
+        </p:txBody>
+      </p:sp>
+      <p:sp>
+        <p:nvSpPr>
+          <p:cNvPr id="189" name="Rettangolo 188"/>
+          <p:cNvSpPr/>
+          <p:nvPr/>
+        </p:nvSpPr>
+        <p:spPr>
+          <a:xfrm>
+            <a:off x="1540904" y="5445223"/>
+            <a:ext cx="5635530" cy="851015"/>
+          </a:xfrm>
+          <a:prstGeom prst="rect">
+            <a:avLst/>
+          </a:prstGeom>
+          <a:solidFill>
+            <a:srgbClr val="FFFFCC"/>
+          </a:solidFill>
+        </p:spPr>
+        <p:style>
+          <a:lnRef idx="2">
+            <a:schemeClr val="accent1">
+              <a:shade val="50000"/>
+            </a:schemeClr>
+          </a:lnRef>
+          <a:fillRef idx="1">
+            <a:schemeClr val="accent1"/>
+          </a:fillRef>
+          <a:effectRef idx="0">
+            <a:schemeClr val="accent1"/>
+          </a:effectRef>
+          <a:fontRef idx="minor">
+            <a:schemeClr val="lt1"/>
+          </a:fontRef>
+        </p:style>
+        <p:txBody>
+          <a:bodyPr rtlCol="0" anchor="ctr"/>
+          <a:lstStyle/>
+          <a:p>
+            <a:pPr algn="ctr"/>
+            <a:endParaRPr lang="en-GB" sz="1600">
+              <a:solidFill>
+                <a:schemeClr val="tx1"/>
+              </a:solidFill>
+            </a:endParaRPr>
+          </a:p>
+        </p:txBody>
+      </p:sp>
+      <p:sp>
+        <p:nvSpPr>
+          <p:cNvPr id="190" name="Rettangolo 189"/>
+          <p:cNvSpPr/>
+          <p:nvPr/>
+        </p:nvSpPr>
+        <p:spPr>
+          <a:xfrm>
+            <a:off x="5330694" y="5599241"/>
+            <a:ext cx="1792405" cy="542977"/>
+          </a:xfrm>
+          <a:prstGeom prst="rect">
+            <a:avLst/>
+          </a:prstGeom>
+          <a:solidFill>
+            <a:schemeClr val="accent6">
+              <a:lumMod val="20000"/>
+              <a:lumOff val="80000"/>
+            </a:schemeClr>
+          </a:solidFill>
+        </p:spPr>
+        <p:style>
+          <a:lnRef idx="2">
+            <a:schemeClr val="accent1">
+              <a:shade val="50000"/>
+            </a:schemeClr>
+          </a:lnRef>
+          <a:fillRef idx="1">
+            <a:schemeClr val="accent1"/>
+          </a:fillRef>
+          <a:effectRef idx="0">
+            <a:schemeClr val="accent1"/>
+          </a:effectRef>
+          <a:fontRef idx="minor">
+            <a:schemeClr val="lt1"/>
+          </a:fontRef>
+        </p:style>
+        <p:txBody>
+          <a:bodyPr rtlCol="0" anchor="ctr"/>
+          <a:lstStyle/>
+          <a:p>
+            <a:pPr algn="ctr"/>
+            <a:r>
+              <a:rPr lang="it-IT" sz="1600" dirty="0" err="1" smtClean="0">
+                <a:solidFill>
+                  <a:schemeClr val="tx1"/>
+                </a:solidFill>
+              </a:rPr>
+              <a:t>InputHandlerDed</a:t>
+            </a:r>
+            <a:endParaRPr lang="en-GB" sz="1600" dirty="0">
+              <a:solidFill>
+                <a:schemeClr val="tx1"/>
+              </a:solidFill>
+            </a:endParaRPr>
+          </a:p>
+        </p:txBody>
+      </p:sp>
+      <p:sp>
+        <p:nvSpPr>
+          <p:cNvPr id="191" name="Rettangolo 190"/>
+          <p:cNvSpPr/>
+          <p:nvPr/>
+        </p:nvSpPr>
+        <p:spPr>
+          <a:xfrm>
+            <a:off x="4223019" y="5611053"/>
+            <a:ext cx="859575" cy="542977"/>
+          </a:xfrm>
+          <a:prstGeom prst="rect">
+            <a:avLst/>
+          </a:prstGeom>
+          <a:solidFill>
+            <a:schemeClr val="bg1">
+              <a:lumMod val="95000"/>
+            </a:schemeClr>
+          </a:solidFill>
+        </p:spPr>
+        <p:style>
+          <a:lnRef idx="2">
+            <a:schemeClr val="accent1">
+              <a:shade val="50000"/>
+            </a:schemeClr>
+          </a:lnRef>
+          <a:fillRef idx="1">
+            <a:schemeClr val="accent1"/>
+          </a:fillRef>
+          <a:effectRef idx="0">
+            <a:schemeClr val="accent1"/>
+          </a:effectRef>
+          <a:fontRef idx="minor">
+            <a:schemeClr val="lt1"/>
+          </a:fontRef>
+        </p:style>
+        <p:txBody>
+          <a:bodyPr rtlCol="0" anchor="ctr"/>
+          <a:lstStyle/>
+          <a:p>
+            <a:pPr algn="ctr"/>
+            <a:r>
+              <a:rPr lang="it-IT" sz="1600" dirty="0" smtClean="0">
+                <a:solidFill>
+                  <a:schemeClr val="tx1"/>
+                </a:solidFill>
+              </a:rPr>
+              <a:t>IODM</a:t>
+            </a:r>
+            <a:endParaRPr lang="en-GB" sz="1600" dirty="0">
+              <a:solidFill>
+                <a:schemeClr val="tx1"/>
+              </a:solidFill>
+            </a:endParaRPr>
+          </a:p>
+        </p:txBody>
+      </p:sp>
+      <p:sp>
+        <p:nvSpPr>
+          <p:cNvPr id="192" name="Rettangolo 191"/>
+          <p:cNvSpPr/>
+          <p:nvPr/>
+        </p:nvSpPr>
+        <p:spPr>
+          <a:xfrm>
+            <a:off x="2674754" y="5551108"/>
+            <a:ext cx="1249073" cy="668216"/>
+          </a:xfrm>
+          <a:prstGeom prst="rect">
+            <a:avLst/>
+          </a:prstGeom>
+          <a:solidFill>
+            <a:srgbClr val="FFC000"/>
+          </a:solidFill>
+        </p:spPr>
+        <p:style>
+          <a:lnRef idx="2">
+            <a:schemeClr val="accent1">
+              <a:shade val="50000"/>
+            </a:schemeClr>
+          </a:lnRef>
+          <a:fillRef idx="1">
+            <a:schemeClr val="accent1"/>
+          </a:fillRef>
+          <a:effectRef idx="0">
+            <a:schemeClr val="accent1"/>
+          </a:effectRef>
+          <a:fontRef idx="minor">
+            <a:schemeClr val="lt1"/>
+          </a:fontRef>
+        </p:style>
+        <p:txBody>
+          <a:bodyPr rtlCol="0" anchor="ctr"/>
+          <a:lstStyle/>
+          <a:p>
+            <a:pPr algn="ctr"/>
+            <a:r>
+              <a:rPr lang="it-IT" sz="1600" dirty="0" err="1" smtClean="0">
+                <a:solidFill>
+                  <a:schemeClr val="tx1"/>
+                </a:solidFill>
+              </a:rPr>
+              <a:t>cvtToFHIR</a:t>
+            </a:r>
+            <a:endParaRPr lang="en-GB" sz="1600" dirty="0">
+              <a:solidFill>
+                <a:schemeClr val="tx1"/>
+              </a:solidFill>
+            </a:endParaRPr>
+          </a:p>
+        </p:txBody>
+      </p:sp>
+      <p:sp>
+        <p:nvSpPr>
+          <p:cNvPr id="193" name="Rettangolo 192"/>
+          <p:cNvSpPr/>
+          <p:nvPr/>
+        </p:nvSpPr>
+        <p:spPr>
+          <a:xfrm>
+            <a:off x="1604373" y="5636399"/>
+            <a:ext cx="817349" cy="456326"/>
+          </a:xfrm>
+          <a:prstGeom prst="rect">
+            <a:avLst/>
+          </a:prstGeom>
+          <a:solidFill>
+            <a:schemeClr val="bg1">
+              <a:lumMod val="95000"/>
+            </a:schemeClr>
+          </a:solidFill>
+        </p:spPr>
+        <p:style>
+          <a:lnRef idx="2">
+            <a:schemeClr val="accent1">
+              <a:shade val="50000"/>
+            </a:schemeClr>
+          </a:lnRef>
+          <a:fillRef idx="1">
+            <a:schemeClr val="accent1"/>
+          </a:fillRef>
+          <a:effectRef idx="0">
+            <a:schemeClr val="accent1"/>
+          </a:effectRef>
+          <a:fontRef idx="minor">
+            <a:schemeClr val="lt1"/>
+          </a:fontRef>
+        </p:style>
+        <p:txBody>
+          <a:bodyPr rtlCol="0" anchor="ctr"/>
+          <a:lstStyle/>
+          <a:p>
+            <a:pPr algn="ctr"/>
+            <a:r>
+              <a:rPr lang="it-IT" sz="1600" dirty="0" smtClean="0">
+                <a:solidFill>
+                  <a:schemeClr val="tx1"/>
+                </a:solidFill>
+              </a:rPr>
+              <a:t>FHIR</a:t>
+            </a:r>
+            <a:endParaRPr lang="en-GB" sz="1600" dirty="0">
+              <a:solidFill>
+                <a:schemeClr val="tx1"/>
+              </a:solidFill>
+            </a:endParaRPr>
+          </a:p>
+        </p:txBody>
+      </p:sp>
+      <p:cxnSp>
+        <p:nvCxnSpPr>
+          <p:cNvPr id="195" name="Connettore 4 194"/>
+          <p:cNvCxnSpPr>
+            <a:stCxn id="190" idx="1"/>
+          </p:cNvCxnSpPr>
+          <p:nvPr/>
+        </p:nvCxnSpPr>
+        <p:spPr>
+          <a:xfrm rot="10800000" flipV="1">
+            <a:off x="5082594" y="5870730"/>
+            <a:ext cx="248100" cy="14486"/>
+          </a:xfrm>
+          <a:prstGeom prst="bentConnector3">
+            <a:avLst/>
+          </a:prstGeom>
+          <a:ln>
+            <a:tailEnd type="arrow"/>
+          </a:ln>
+        </p:spPr>
+        <p:style>
+          <a:lnRef idx="1">
+            <a:schemeClr val="accent1"/>
+          </a:lnRef>
+          <a:fillRef idx="0">
+            <a:schemeClr val="accent1"/>
+          </a:fillRef>
+          <a:effectRef idx="0">
+            <a:schemeClr val="accent1"/>
+          </a:effectRef>
+          <a:fontRef idx="minor">
+            <a:schemeClr val="tx1"/>
+          </a:fontRef>
+        </p:style>
+      </p:cxnSp>
+      <p:cxnSp>
+        <p:nvCxnSpPr>
+          <p:cNvPr id="197" name="Connettore 4 196"/>
+          <p:cNvCxnSpPr>
+            <a:stCxn id="191" idx="1"/>
+            <a:endCxn id="192" idx="3"/>
+          </p:cNvCxnSpPr>
+          <p:nvPr/>
+        </p:nvCxnSpPr>
+        <p:spPr>
+          <a:xfrm rot="10800000" flipV="1">
+            <a:off x="3923827" y="5882542"/>
+            <a:ext cx="299192" cy="2674"/>
+          </a:xfrm>
+          <a:prstGeom prst="bentConnector3">
+            <a:avLst/>
+          </a:prstGeom>
+          <a:ln>
+            <a:tailEnd type="arrow"/>
+          </a:ln>
+        </p:spPr>
+        <p:style>
+          <a:lnRef idx="1">
+            <a:schemeClr val="accent1"/>
+          </a:lnRef>
+          <a:fillRef idx="0">
+            <a:schemeClr val="accent1"/>
+          </a:fillRef>
+          <a:effectRef idx="0">
+            <a:schemeClr val="accent1"/>
+          </a:effectRef>
+          <a:fontRef idx="minor">
+            <a:schemeClr val="tx1"/>
+          </a:fontRef>
+        </p:style>
+      </p:cxnSp>
+      <p:cxnSp>
+        <p:nvCxnSpPr>
+          <p:cNvPr id="199" name="Connettore 4 198"/>
+          <p:cNvCxnSpPr>
+            <a:stCxn id="192" idx="1"/>
+            <a:endCxn id="193" idx="3"/>
+          </p:cNvCxnSpPr>
+          <p:nvPr/>
+        </p:nvCxnSpPr>
+        <p:spPr>
+          <a:xfrm rot="10800000">
+            <a:off x="2421722" y="5864562"/>
+            <a:ext cx="253032" cy="20654"/>
+          </a:xfrm>
+          <a:prstGeom prst="bentConnector3">
+            <a:avLst/>
+          </a:prstGeom>
+          <a:ln>
+            <a:tailEnd type="arrow"/>
+          </a:ln>
+        </p:spPr>
+        <p:style>
+          <a:lnRef idx="1">
+            <a:schemeClr val="accent1"/>
+          </a:lnRef>
+          <a:fillRef idx="0">
+            <a:schemeClr val="accent1"/>
+          </a:fillRef>
+          <a:effectRef idx="0">
+            <a:schemeClr val="accent1"/>
+          </a:effectRef>
+          <a:fontRef idx="minor">
+            <a:schemeClr val="tx1"/>
+          </a:fontRef>
+        </p:style>
+      </p:cxnSp>
+      <p:cxnSp>
+        <p:nvCxnSpPr>
+          <p:cNvPr id="204" name="Connettore 4 203"/>
+          <p:cNvCxnSpPr>
+            <a:stCxn id="6" idx="3"/>
+            <a:endCxn id="83" idx="0"/>
+          </p:cNvCxnSpPr>
+          <p:nvPr/>
+        </p:nvCxnSpPr>
+        <p:spPr>
+          <a:xfrm rot="5400000">
+            <a:off x="4281371" y="1763682"/>
+            <a:ext cx="440314" cy="12700"/>
+          </a:xfrm>
+          <a:prstGeom prst="bentConnector3">
+            <a:avLst/>
+          </a:prstGeom>
+          <a:ln>
+            <a:tailEnd type="arrow"/>
+          </a:ln>
+        </p:spPr>
+        <p:style>
+          <a:lnRef idx="1">
+            <a:schemeClr val="accent1"/>
+          </a:lnRef>
+          <a:fillRef idx="0">
+            <a:schemeClr val="accent1"/>
+          </a:fillRef>
+          <a:effectRef idx="0">
+            <a:schemeClr val="accent1"/>
+          </a:effectRef>
+          <a:fontRef idx="minor">
+            <a:schemeClr val="tx1"/>
+          </a:fontRef>
+        </p:style>
+      </p:cxnSp>
+      <p:cxnSp>
+        <p:nvCxnSpPr>
+          <p:cNvPr id="212" name="Connettore 4 211"/>
+          <p:cNvCxnSpPr>
+            <a:stCxn id="78" idx="2"/>
+            <a:endCxn id="48" idx="4"/>
+          </p:cNvCxnSpPr>
+          <p:nvPr/>
+        </p:nvCxnSpPr>
+        <p:spPr>
+          <a:xfrm rot="10800000">
+            <a:off x="4633871" y="2737732"/>
+            <a:ext cx="1510225" cy="216273"/>
+          </a:xfrm>
+          <a:prstGeom prst="bentConnector2">
+            <a:avLst/>
+          </a:prstGeom>
+          <a:ln>
+            <a:tailEnd type="arrow"/>
+          </a:ln>
+        </p:spPr>
+        <p:style>
+          <a:lnRef idx="1">
+            <a:schemeClr val="accent1"/>
+          </a:lnRef>
+          <a:fillRef idx="0">
+            <a:schemeClr val="accent1"/>
+          </a:fillRef>
+          <a:effectRef idx="0">
+            <a:schemeClr val="accent1"/>
+          </a:effectRef>
+          <a:fontRef idx="minor">
+            <a:schemeClr val="tx1"/>
+          </a:fontRef>
+        </p:style>
+      </p:cxnSp>
+      <p:sp>
+        <p:nvSpPr>
+          <p:cNvPr id="213" name="Rettangolo 212"/>
+          <p:cNvSpPr/>
+          <p:nvPr/>
+        </p:nvSpPr>
+        <p:spPr>
+          <a:xfrm>
+            <a:off x="5018198" y="2802685"/>
+            <a:ext cx="817349" cy="302570"/>
+          </a:xfrm>
+          <a:prstGeom prst="rect">
+            <a:avLst/>
+          </a:prstGeom>
+          <a:solidFill>
+            <a:schemeClr val="bg1">
+              <a:lumMod val="95000"/>
+            </a:schemeClr>
+          </a:solidFill>
+        </p:spPr>
+        <p:style>
+          <a:lnRef idx="2">
+            <a:schemeClr val="accent1">
+              <a:shade val="50000"/>
+            </a:schemeClr>
+          </a:lnRef>
+          <a:fillRef idx="1">
+            <a:schemeClr val="accent1"/>
+          </a:fillRef>
+          <a:effectRef idx="0">
+            <a:schemeClr val="accent1"/>
+          </a:effectRef>
+          <a:fontRef idx="minor">
+            <a:schemeClr val="lt1"/>
+          </a:fontRef>
+        </p:style>
+        <p:txBody>
+          <a:bodyPr rtlCol="0" anchor="ctr"/>
+          <a:lstStyle/>
+          <a:p>
+            <a:pPr algn="ctr"/>
+            <a:r>
+              <a:rPr lang="it-IT" sz="1600" dirty="0" smtClean="0">
+                <a:solidFill>
+                  <a:schemeClr val="tx1"/>
+                </a:solidFill>
+              </a:rPr>
+              <a:t>FHIR</a:t>
+            </a:r>
+            <a:endParaRPr lang="en-GB" sz="1600" dirty="0">
+              <a:solidFill>
+                <a:schemeClr val="tx1"/>
+              </a:solidFill>
+            </a:endParaRPr>
+          </a:p>
+        </p:txBody>
+      </p:sp>
+    </p:spTree>
+    <p:extLst>
+      <p:ext uri="{BB962C8B-B14F-4D97-AF65-F5344CB8AC3E}">
+        <p14:creationId xmlns:p14="http://schemas.microsoft.com/office/powerpoint/2010/main" val="1920654101"/>
+      </p:ext>
+    </p:extLst>
+  </p:cSld>
+  <p:clrMapOvr>
+    <a:masterClrMapping/>
+  </p:clrMapOvr>
+</p:sld>
+</file>
+
+<file path=ppt/slides/slide38.xml><?xml version="1.0" encoding="utf-8"?>
+<p:sld xmlns:a="http://schemas.openxmlformats.org/drawingml/2006/main" xmlns:r="http://schemas.openxmlformats.org/officeDocument/2006/relationships" xmlns:p="http://schemas.openxmlformats.org/presentationml/2006/main">
+  <p:cSld>
+    <p:spTree>
+      <p:nvGrpSpPr>
+        <p:cNvPr id="1" name=""/>
+        <p:cNvGrpSpPr/>
+        <p:nvPr/>
+      </p:nvGrpSpPr>
+      <p:grpSpPr>
+        <a:xfrm>
+          <a:off x="0" y="0"/>
+          <a:ext cx="0" cy="0"/>
+          <a:chOff x="0" y="0"/>
+          <a:chExt cx="0" cy="0"/>
+        </a:xfrm>
+      </p:grpSpPr>
+      <p:sp>
+        <p:nvSpPr>
+          <p:cNvPr id="2" name="Rettangolo 1"/>
+          <p:cNvSpPr/>
+          <p:nvPr/>
+        </p:nvSpPr>
+        <p:spPr>
+          <a:xfrm>
+            <a:off x="3707904" y="548680"/>
+            <a:ext cx="1512168" cy="720080"/>
+          </a:xfrm>
+          <a:prstGeom prst="rect">
+            <a:avLst/>
+          </a:prstGeom>
+          <a:solidFill>
+            <a:schemeClr val="bg1">
+              <a:lumMod val="95000"/>
+            </a:schemeClr>
+          </a:solidFill>
+        </p:spPr>
+        <p:style>
+          <a:lnRef idx="2">
+            <a:schemeClr val="accent1">
+              <a:shade val="50000"/>
+            </a:schemeClr>
+          </a:lnRef>
+          <a:fillRef idx="1">
+            <a:schemeClr val="accent1"/>
+          </a:fillRef>
+          <a:effectRef idx="0">
+            <a:schemeClr val="accent1"/>
+          </a:effectRef>
+          <a:fontRef idx="minor">
+            <a:schemeClr val="lt1"/>
+          </a:fontRef>
+        </p:style>
+        <p:txBody>
+          <a:bodyPr rtlCol="0" anchor="ctr"/>
+          <a:lstStyle/>
+          <a:p>
+            <a:pPr algn="ctr"/>
+            <a:r>
+              <a:rPr lang="it-IT" dirty="0" smtClean="0">
+                <a:solidFill>
+                  <a:schemeClr val="tx1"/>
+                </a:solidFill>
+              </a:rPr>
+              <a:t>IODATA</a:t>
+            </a:r>
+            <a:endParaRPr lang="en-GB" dirty="0">
+              <a:solidFill>
+                <a:schemeClr val="tx1"/>
+              </a:solidFill>
+            </a:endParaRPr>
+          </a:p>
+        </p:txBody>
+      </p:sp>
+      <p:sp>
+        <p:nvSpPr>
+          <p:cNvPr id="3" name="Rettangolo 2"/>
+          <p:cNvSpPr/>
+          <p:nvPr/>
+        </p:nvSpPr>
+        <p:spPr>
+          <a:xfrm>
+            <a:off x="1907704" y="1700808"/>
+            <a:ext cx="1512168" cy="720080"/>
+          </a:xfrm>
+          <a:prstGeom prst="rect">
+            <a:avLst/>
+          </a:prstGeom>
+          <a:solidFill>
+            <a:schemeClr val="bg1">
+              <a:lumMod val="95000"/>
+            </a:schemeClr>
+          </a:solidFill>
+        </p:spPr>
+        <p:style>
+          <a:lnRef idx="2">
+            <a:schemeClr val="accent1">
+              <a:shade val="50000"/>
+            </a:schemeClr>
+          </a:lnRef>
+          <a:fillRef idx="1">
+            <a:schemeClr val="accent1"/>
+          </a:fillRef>
+          <a:effectRef idx="0">
+            <a:schemeClr val="accent1"/>
+          </a:effectRef>
+          <a:fontRef idx="minor">
+            <a:schemeClr val="lt1"/>
+          </a:fontRef>
+        </p:style>
+        <p:txBody>
+          <a:bodyPr rtlCol="0" anchor="ctr"/>
+          <a:lstStyle/>
+          <a:p>
+            <a:pPr algn="ctr"/>
+            <a:r>
+              <a:rPr lang="it-IT" dirty="0" err="1" smtClean="0">
+                <a:solidFill>
+                  <a:schemeClr val="tx1"/>
+                </a:solidFill>
+              </a:rPr>
+              <a:t>InputDATA</a:t>
+            </a:r>
+            <a:endParaRPr lang="en-GB" dirty="0">
+              <a:solidFill>
+                <a:schemeClr val="tx1"/>
+              </a:solidFill>
+            </a:endParaRPr>
+          </a:p>
+        </p:txBody>
+      </p:sp>
+      <p:sp>
+        <p:nvSpPr>
+          <p:cNvPr id="4" name="Rettangolo 3"/>
+          <p:cNvSpPr/>
+          <p:nvPr/>
+        </p:nvSpPr>
+        <p:spPr>
+          <a:xfrm>
+            <a:off x="6012160" y="1700808"/>
+            <a:ext cx="1512168" cy="720080"/>
+          </a:xfrm>
+          <a:prstGeom prst="rect">
+            <a:avLst/>
+          </a:prstGeom>
+          <a:solidFill>
+            <a:schemeClr val="bg1">
+              <a:lumMod val="95000"/>
+            </a:schemeClr>
+          </a:solidFill>
+        </p:spPr>
+        <p:style>
+          <a:lnRef idx="2">
+            <a:schemeClr val="accent1">
+              <a:shade val="50000"/>
+            </a:schemeClr>
+          </a:lnRef>
+          <a:fillRef idx="1">
+            <a:schemeClr val="accent1"/>
+          </a:fillRef>
+          <a:effectRef idx="0">
+            <a:schemeClr val="accent1"/>
+          </a:effectRef>
+          <a:fontRef idx="minor">
+            <a:schemeClr val="lt1"/>
+          </a:fontRef>
+        </p:style>
+        <p:txBody>
+          <a:bodyPr rtlCol="0" anchor="ctr"/>
+          <a:lstStyle/>
+          <a:p>
+            <a:pPr algn="ctr"/>
+            <a:r>
+              <a:rPr lang="it-IT" dirty="0" err="1" smtClean="0">
+                <a:solidFill>
+                  <a:schemeClr val="tx1"/>
+                </a:solidFill>
+              </a:rPr>
+              <a:t>OutputDATA</a:t>
+            </a:r>
+            <a:endParaRPr lang="en-GB" dirty="0">
+              <a:solidFill>
+                <a:schemeClr val="tx1"/>
+              </a:solidFill>
+            </a:endParaRPr>
+          </a:p>
+        </p:txBody>
+      </p:sp>
+      <p:cxnSp>
+        <p:nvCxnSpPr>
+          <p:cNvPr id="6" name="Connettore 4 5"/>
+          <p:cNvCxnSpPr>
+            <a:stCxn id="3" idx="0"/>
+            <a:endCxn id="2" idx="1"/>
+          </p:cNvCxnSpPr>
+          <p:nvPr/>
+        </p:nvCxnSpPr>
+        <p:spPr>
+          <a:xfrm rot="5400000" flipH="1" flipV="1">
+            <a:off x="2789802" y="782706"/>
+            <a:ext cx="792088" cy="1044116"/>
+          </a:xfrm>
+          <a:prstGeom prst="bentConnector2">
+            <a:avLst/>
+          </a:prstGeom>
+          <a:ln>
+            <a:tailEnd type="arrow"/>
+          </a:ln>
+        </p:spPr>
+        <p:style>
+          <a:lnRef idx="1">
+            <a:schemeClr val="accent1"/>
+          </a:lnRef>
+          <a:fillRef idx="0">
+            <a:schemeClr val="accent1"/>
+          </a:fillRef>
+          <a:effectRef idx="0">
+            <a:schemeClr val="accent1"/>
+          </a:effectRef>
+          <a:fontRef idx="minor">
+            <a:schemeClr val="tx1"/>
+          </a:fontRef>
+        </p:style>
+      </p:cxnSp>
+      <p:cxnSp>
+        <p:nvCxnSpPr>
+          <p:cNvPr id="8" name="Connettore 4 7"/>
+          <p:cNvCxnSpPr>
+            <a:stCxn id="4" idx="0"/>
+            <a:endCxn id="2" idx="3"/>
+          </p:cNvCxnSpPr>
+          <p:nvPr/>
+        </p:nvCxnSpPr>
+        <p:spPr>
+          <a:xfrm rot="16200000" flipV="1">
+            <a:off x="5598114" y="530678"/>
+            <a:ext cx="792088" cy="1548172"/>
+          </a:xfrm>
+          <a:prstGeom prst="bentConnector2">
+            <a:avLst/>
+          </a:prstGeom>
+          <a:ln>
+            <a:tailEnd type="arrow"/>
+          </a:ln>
+        </p:spPr>
+        <p:style>
+          <a:lnRef idx="1">
+            <a:schemeClr val="accent1"/>
+          </a:lnRef>
+          <a:fillRef idx="0">
+            <a:schemeClr val="accent1"/>
+          </a:fillRef>
+          <a:effectRef idx="0">
+            <a:schemeClr val="accent1"/>
+          </a:effectRef>
+          <a:fontRef idx="minor">
+            <a:schemeClr val="tx1"/>
+          </a:fontRef>
+        </p:style>
+      </p:cxnSp>
+      <p:sp>
+        <p:nvSpPr>
+          <p:cNvPr id="9" name="Rettangolo 8"/>
+          <p:cNvSpPr/>
+          <p:nvPr/>
+        </p:nvSpPr>
+        <p:spPr>
+          <a:xfrm>
+            <a:off x="755576" y="2852936"/>
+            <a:ext cx="1512168" cy="720080"/>
+          </a:xfrm>
+          <a:prstGeom prst="rect">
+            <a:avLst/>
+          </a:prstGeom>
+          <a:solidFill>
+            <a:schemeClr val="bg1">
+              <a:lumMod val="95000"/>
+            </a:schemeClr>
+          </a:solidFill>
+        </p:spPr>
+        <p:style>
+          <a:lnRef idx="2">
+            <a:schemeClr val="accent1">
+              <a:shade val="50000"/>
+            </a:schemeClr>
+          </a:lnRef>
+          <a:fillRef idx="1">
+            <a:schemeClr val="accent1"/>
+          </a:fillRef>
+          <a:effectRef idx="0">
+            <a:schemeClr val="accent1"/>
+          </a:effectRef>
+          <a:fontRef idx="minor">
+            <a:schemeClr val="lt1"/>
+          </a:fontRef>
+        </p:style>
+        <p:txBody>
+          <a:bodyPr rtlCol="0" anchor="ctr"/>
+          <a:lstStyle/>
+          <a:p>
+            <a:pPr algn="ctr"/>
+            <a:r>
+              <a:rPr lang="it-IT" dirty="0" err="1">
+                <a:solidFill>
+                  <a:schemeClr val="tx1"/>
+                </a:solidFill>
+              </a:rPr>
+              <a:t>InputPatient</a:t>
+            </a:r>
+            <a:endParaRPr lang="en-GB" dirty="0">
+              <a:solidFill>
+                <a:schemeClr val="tx1"/>
+              </a:solidFill>
+            </a:endParaRPr>
+          </a:p>
+        </p:txBody>
+      </p:sp>
+      <p:sp>
+        <p:nvSpPr>
+          <p:cNvPr id="10" name="Rettangolo 9"/>
+          <p:cNvSpPr/>
+          <p:nvPr/>
+        </p:nvSpPr>
+        <p:spPr>
+          <a:xfrm>
+            <a:off x="3705087" y="2852936"/>
+            <a:ext cx="1512168" cy="720080"/>
+          </a:xfrm>
+          <a:prstGeom prst="rect">
+            <a:avLst/>
+          </a:prstGeom>
+          <a:solidFill>
+            <a:schemeClr val="bg1">
+              <a:lumMod val="95000"/>
+            </a:schemeClr>
+          </a:solidFill>
+        </p:spPr>
+        <p:style>
+          <a:lnRef idx="2">
+            <a:schemeClr val="accent1">
+              <a:shade val="50000"/>
+            </a:schemeClr>
+          </a:lnRef>
+          <a:fillRef idx="1">
+            <a:schemeClr val="accent1"/>
+          </a:fillRef>
+          <a:effectRef idx="0">
+            <a:schemeClr val="accent1"/>
+          </a:effectRef>
+          <a:fontRef idx="minor">
+            <a:schemeClr val="lt1"/>
+          </a:fontRef>
+        </p:style>
+        <p:txBody>
+          <a:bodyPr rtlCol="0" anchor="ctr"/>
+          <a:lstStyle/>
+          <a:p>
+            <a:pPr algn="ctr"/>
+            <a:r>
+              <a:rPr lang="it-IT" dirty="0" err="1">
+                <a:solidFill>
+                  <a:schemeClr val="tx1"/>
+                </a:solidFill>
+              </a:rPr>
+              <a:t>InputCarePlan</a:t>
+            </a:r>
+            <a:endParaRPr lang="en-GB" dirty="0">
+              <a:solidFill>
+                <a:schemeClr val="tx1"/>
+              </a:solidFill>
+            </a:endParaRPr>
+          </a:p>
+        </p:txBody>
+      </p:sp>
+      <p:cxnSp>
+        <p:nvCxnSpPr>
+          <p:cNvPr id="12" name="Connettore 4 11"/>
+          <p:cNvCxnSpPr>
+            <a:stCxn id="9" idx="0"/>
+            <a:endCxn id="3" idx="1"/>
+          </p:cNvCxnSpPr>
+          <p:nvPr/>
+        </p:nvCxnSpPr>
+        <p:spPr>
+          <a:xfrm rot="5400000" flipH="1" flipV="1">
+            <a:off x="1313638" y="2258870"/>
+            <a:ext cx="792088" cy="396044"/>
+          </a:xfrm>
+          <a:prstGeom prst="bentConnector2">
+            <a:avLst/>
+          </a:prstGeom>
+          <a:ln>
+            <a:tailEnd type="arrow"/>
+          </a:ln>
+        </p:spPr>
+        <p:style>
+          <a:lnRef idx="1">
+            <a:schemeClr val="accent1"/>
+          </a:lnRef>
+          <a:fillRef idx="0">
+            <a:schemeClr val="accent1"/>
+          </a:fillRef>
+          <a:effectRef idx="0">
+            <a:schemeClr val="accent1"/>
+          </a:effectRef>
+          <a:fontRef idx="minor">
+            <a:schemeClr val="tx1"/>
+          </a:fontRef>
+        </p:style>
+      </p:cxnSp>
+      <p:cxnSp>
+        <p:nvCxnSpPr>
+          <p:cNvPr id="14" name="Connettore 4 13"/>
+          <p:cNvCxnSpPr>
+            <a:stCxn id="10" idx="0"/>
+            <a:endCxn id="3" idx="3"/>
+          </p:cNvCxnSpPr>
+          <p:nvPr/>
+        </p:nvCxnSpPr>
+        <p:spPr>
+          <a:xfrm rot="16200000" flipV="1">
+            <a:off x="3544478" y="1936242"/>
+            <a:ext cx="792088" cy="1041299"/>
+          </a:xfrm>
+          <a:prstGeom prst="bentConnector2">
+            <a:avLst/>
+          </a:prstGeom>
+          <a:ln>
+            <a:tailEnd type="arrow"/>
+          </a:ln>
+        </p:spPr>
+        <p:style>
+          <a:lnRef idx="1">
+            <a:schemeClr val="accent1"/>
+          </a:lnRef>
+          <a:fillRef idx="0">
+            <a:schemeClr val="accent1"/>
+          </a:fillRef>
+          <a:effectRef idx="0">
+            <a:schemeClr val="accent1"/>
+          </a:effectRef>
+          <a:fontRef idx="minor">
+            <a:schemeClr val="tx1"/>
+          </a:fontRef>
+        </p:style>
+      </p:cxnSp>
+      <p:sp>
+        <p:nvSpPr>
+          <p:cNvPr id="16" name="Triangolo isoscele 15"/>
+          <p:cNvSpPr/>
+          <p:nvPr/>
+        </p:nvSpPr>
+        <p:spPr>
+          <a:xfrm rot="5400000">
+            <a:off x="1685753" y="1946547"/>
+            <a:ext cx="215301" cy="228600"/>
+          </a:xfrm>
+          <a:prstGeom prst="triangle">
+            <a:avLst/>
+          </a:prstGeom>
+          <a:solidFill>
+            <a:srgbClr val="FFFF00"/>
+          </a:solidFill>
+        </p:spPr>
+        <p:style>
+          <a:lnRef idx="2">
+            <a:schemeClr val="accent1">
+              <a:shade val="50000"/>
+            </a:schemeClr>
+          </a:lnRef>
+          <a:fillRef idx="1">
+            <a:schemeClr val="accent1"/>
+          </a:fillRef>
+          <a:effectRef idx="0">
+            <a:schemeClr val="accent1"/>
+          </a:effectRef>
+          <a:fontRef idx="minor">
+            <a:schemeClr val="lt1"/>
+          </a:fontRef>
+        </p:style>
+        <p:txBody>
+          <a:bodyPr rtlCol="0" anchor="ctr"/>
+          <a:lstStyle/>
+          <a:p>
+            <a:pPr algn="ctr"/>
+            <a:endParaRPr lang="en-GB"/>
+          </a:p>
+        </p:txBody>
+      </p:sp>
+      <p:sp>
+        <p:nvSpPr>
+          <p:cNvPr id="17" name="Triangolo isoscele 16"/>
+          <p:cNvSpPr/>
+          <p:nvPr/>
+        </p:nvSpPr>
+        <p:spPr>
+          <a:xfrm rot="5400000">
+            <a:off x="3468810" y="794420"/>
+            <a:ext cx="215301" cy="228600"/>
+          </a:xfrm>
+          <a:prstGeom prst="triangle">
+            <a:avLst/>
+          </a:prstGeom>
+          <a:solidFill>
+            <a:srgbClr val="FFFF00"/>
+          </a:solidFill>
+        </p:spPr>
+        <p:style>
+          <a:lnRef idx="2">
+            <a:schemeClr val="accent1">
+              <a:shade val="50000"/>
+            </a:schemeClr>
+          </a:lnRef>
+          <a:fillRef idx="1">
+            <a:schemeClr val="accent1"/>
+          </a:fillRef>
+          <a:effectRef idx="0">
+            <a:schemeClr val="accent1"/>
+          </a:effectRef>
+          <a:fontRef idx="minor">
+            <a:schemeClr val="lt1"/>
+          </a:fontRef>
+        </p:style>
+        <p:txBody>
+          <a:bodyPr rtlCol="0" anchor="ctr"/>
+          <a:lstStyle/>
+          <a:p>
+            <a:pPr algn="ctr"/>
+            <a:endParaRPr lang="en-GB"/>
+          </a:p>
+        </p:txBody>
+      </p:sp>
+      <p:sp>
+        <p:nvSpPr>
+          <p:cNvPr id="18" name="Triangolo isoscele 17"/>
+          <p:cNvSpPr/>
+          <p:nvPr/>
+        </p:nvSpPr>
+        <p:spPr>
+          <a:xfrm rot="5400000">
+            <a:off x="906241" y="4718495"/>
+            <a:ext cx="215301" cy="228600"/>
+          </a:xfrm>
+          <a:prstGeom prst="triangle">
+            <a:avLst/>
+          </a:prstGeom>
+          <a:solidFill>
+            <a:srgbClr val="FFFF00"/>
+          </a:solidFill>
+        </p:spPr>
+        <p:style>
+          <a:lnRef idx="2">
+            <a:schemeClr val="accent1">
+              <a:shade val="50000"/>
+            </a:schemeClr>
+          </a:lnRef>
+          <a:fillRef idx="1">
+            <a:schemeClr val="accent1"/>
+          </a:fillRef>
+          <a:effectRef idx="0">
+            <a:schemeClr val="accent1"/>
+          </a:effectRef>
+          <a:fontRef idx="minor">
+            <a:schemeClr val="lt1"/>
+          </a:fontRef>
+        </p:style>
+        <p:txBody>
+          <a:bodyPr rtlCol="0" anchor="ctr"/>
+          <a:lstStyle/>
+          <a:p>
+            <a:pPr algn="ctr"/>
+            <a:endParaRPr lang="en-GB"/>
+          </a:p>
+        </p:txBody>
+      </p:sp>
+      <p:sp>
+        <p:nvSpPr>
+          <p:cNvPr id="22" name="Triangolo isoscele 21"/>
+          <p:cNvSpPr/>
+          <p:nvPr/>
+        </p:nvSpPr>
+        <p:spPr>
+          <a:xfrm>
+            <a:off x="944340" y="5099043"/>
+            <a:ext cx="215301" cy="228600"/>
+          </a:xfrm>
+          <a:prstGeom prst="triangle">
+            <a:avLst/>
+          </a:prstGeom>
+          <a:solidFill>
+            <a:srgbClr val="FFFF00"/>
+          </a:solidFill>
+        </p:spPr>
+        <p:style>
+          <a:lnRef idx="2">
+            <a:schemeClr val="accent1">
+              <a:shade val="50000"/>
+            </a:schemeClr>
+          </a:lnRef>
+          <a:fillRef idx="1">
+            <a:schemeClr val="accent1"/>
+          </a:fillRef>
+          <a:effectRef idx="0">
+            <a:schemeClr val="accent1"/>
+          </a:effectRef>
+          <a:fontRef idx="minor">
+            <a:schemeClr val="lt1"/>
+          </a:fontRef>
+        </p:style>
+        <p:txBody>
+          <a:bodyPr rtlCol="0" anchor="ctr"/>
+          <a:lstStyle/>
+          <a:p>
+            <a:pPr algn="ctr"/>
+            <a:endParaRPr lang="en-GB"/>
+          </a:p>
+        </p:txBody>
+      </p:sp>
+      <p:sp>
+        <p:nvSpPr>
+          <p:cNvPr id="23" name="Triangolo isoscele 22"/>
+          <p:cNvSpPr/>
+          <p:nvPr/>
+        </p:nvSpPr>
+        <p:spPr>
+          <a:xfrm rot="16200000">
+            <a:off x="1449600" y="4718494"/>
+            <a:ext cx="215301" cy="228600"/>
+          </a:xfrm>
+          <a:prstGeom prst="triangle">
+            <a:avLst/>
+          </a:prstGeom>
+          <a:solidFill>
+            <a:srgbClr val="FFFF00"/>
+          </a:solidFill>
+        </p:spPr>
+        <p:style>
+          <a:lnRef idx="2">
+            <a:schemeClr val="accent1">
+              <a:shade val="50000"/>
+            </a:schemeClr>
+          </a:lnRef>
+          <a:fillRef idx="1">
+            <a:schemeClr val="accent1"/>
+          </a:fillRef>
+          <a:effectRef idx="0">
+            <a:schemeClr val="accent1"/>
+          </a:effectRef>
+          <a:fontRef idx="minor">
+            <a:schemeClr val="lt1"/>
+          </a:fontRef>
+        </p:style>
+        <p:txBody>
+          <a:bodyPr rtlCol="0" anchor="ctr"/>
+          <a:lstStyle/>
+          <a:p>
+            <a:pPr algn="ctr"/>
+            <a:endParaRPr lang="en-GB"/>
+          </a:p>
+        </p:txBody>
+      </p:sp>
+      <p:sp>
+        <p:nvSpPr>
+          <p:cNvPr id="24" name="Triangolo isoscele 23"/>
+          <p:cNvSpPr/>
+          <p:nvPr/>
+        </p:nvSpPr>
+        <p:spPr>
+          <a:xfrm flipV="1">
+            <a:off x="1511660" y="5084821"/>
+            <a:ext cx="215301" cy="228600"/>
+          </a:xfrm>
+          <a:prstGeom prst="triangle">
+            <a:avLst/>
+          </a:prstGeom>
+          <a:solidFill>
+            <a:srgbClr val="FFFF00"/>
+          </a:solidFill>
+        </p:spPr>
+        <p:style>
+          <a:lnRef idx="2">
+            <a:schemeClr val="accent1">
+              <a:shade val="50000"/>
+            </a:schemeClr>
+          </a:lnRef>
+          <a:fillRef idx="1">
+            <a:schemeClr val="accent1"/>
+          </a:fillRef>
+          <a:effectRef idx="0">
+            <a:schemeClr val="accent1"/>
+          </a:effectRef>
+          <a:fontRef idx="minor">
+            <a:schemeClr val="lt1"/>
+          </a:fontRef>
+        </p:style>
+        <p:txBody>
+          <a:bodyPr rtlCol="0" anchor="ctr"/>
+          <a:lstStyle/>
+          <a:p>
+            <a:pPr algn="ctr"/>
+            <a:endParaRPr lang="en-GB"/>
+          </a:p>
+        </p:txBody>
+      </p:sp>
+      <p:sp>
+        <p:nvSpPr>
+          <p:cNvPr id="25" name="Triangolo isoscele 24"/>
+          <p:cNvSpPr/>
+          <p:nvPr/>
+        </p:nvSpPr>
+        <p:spPr>
+          <a:xfrm rot="16200000">
+            <a:off x="3426281" y="1946546"/>
+            <a:ext cx="215301" cy="228600"/>
+          </a:xfrm>
+          <a:prstGeom prst="triangle">
+            <a:avLst/>
+          </a:prstGeom>
+          <a:solidFill>
+            <a:srgbClr val="FFFF00"/>
+          </a:solidFill>
+        </p:spPr>
+        <p:style>
+          <a:lnRef idx="2">
+            <a:schemeClr val="accent1">
+              <a:shade val="50000"/>
+            </a:schemeClr>
+          </a:lnRef>
+          <a:fillRef idx="1">
+            <a:schemeClr val="accent1"/>
+          </a:fillRef>
+          <a:effectRef idx="0">
+            <a:schemeClr val="accent1"/>
+          </a:effectRef>
+          <a:fontRef idx="minor">
+            <a:schemeClr val="lt1"/>
+          </a:fontRef>
+        </p:style>
+        <p:txBody>
+          <a:bodyPr rtlCol="0" anchor="ctr"/>
+          <a:lstStyle/>
+          <a:p>
+            <a:pPr algn="ctr"/>
+            <a:endParaRPr lang="en-GB"/>
+          </a:p>
+        </p:txBody>
+      </p:sp>
+      <p:sp>
+        <p:nvSpPr>
+          <p:cNvPr id="26" name="Triangolo isoscele 25"/>
+          <p:cNvSpPr/>
+          <p:nvPr/>
+        </p:nvSpPr>
+        <p:spPr>
+          <a:xfrm rot="16200000">
+            <a:off x="5238200" y="794420"/>
+            <a:ext cx="215301" cy="228600"/>
+          </a:xfrm>
+          <a:prstGeom prst="triangle">
+            <a:avLst/>
+          </a:prstGeom>
+          <a:solidFill>
+            <a:srgbClr val="FFFF00"/>
+          </a:solidFill>
+        </p:spPr>
+        <p:style>
+          <a:lnRef idx="2">
+            <a:schemeClr val="accent1">
+              <a:shade val="50000"/>
+            </a:schemeClr>
+          </a:lnRef>
+          <a:fillRef idx="1">
+            <a:schemeClr val="accent1"/>
+          </a:fillRef>
+          <a:effectRef idx="0">
+            <a:schemeClr val="accent1"/>
+          </a:effectRef>
+          <a:fontRef idx="minor">
+            <a:schemeClr val="lt1"/>
+          </a:fontRef>
+        </p:style>
+        <p:txBody>
+          <a:bodyPr rtlCol="0" anchor="ctr"/>
+          <a:lstStyle/>
+          <a:p>
+            <a:pPr algn="ctr"/>
+            <a:endParaRPr lang="en-GB"/>
+          </a:p>
+        </p:txBody>
+      </p:sp>
+      <p:cxnSp>
+        <p:nvCxnSpPr>
+          <p:cNvPr id="29" name="Connettore 4 28"/>
+          <p:cNvCxnSpPr>
+            <a:stCxn id="10" idx="1"/>
+            <a:endCxn id="9" idx="3"/>
+          </p:cNvCxnSpPr>
+          <p:nvPr/>
+        </p:nvCxnSpPr>
+        <p:spPr>
+          <a:xfrm rot="10800000">
+            <a:off x="2267745" y="3212976"/>
+            <a:ext cx="1437343" cy="12700"/>
+          </a:xfrm>
+          <a:prstGeom prst="bentConnector3">
+            <a:avLst/>
+          </a:prstGeom>
+          <a:ln w="28575">
+            <a:solidFill>
+              <a:srgbClr val="FF0000"/>
+            </a:solidFill>
+            <a:tailEnd type="arrow"/>
+          </a:ln>
+        </p:spPr>
+        <p:style>
+          <a:lnRef idx="1">
+            <a:schemeClr val="accent1"/>
+          </a:lnRef>
+          <a:fillRef idx="0">
+            <a:schemeClr val="accent1"/>
+          </a:fillRef>
+          <a:effectRef idx="0">
+            <a:schemeClr val="accent1"/>
+          </a:effectRef>
+          <a:fontRef idx="minor">
+            <a:schemeClr val="tx1"/>
+          </a:fontRef>
+        </p:style>
+      </p:cxnSp>
+      <p:sp>
+        <p:nvSpPr>
+          <p:cNvPr id="32" name="CasellaDiTesto 31"/>
+          <p:cNvSpPr txBox="1"/>
+          <p:nvPr/>
+        </p:nvSpPr>
+        <p:spPr>
+          <a:xfrm>
+            <a:off x="2456577" y="3225677"/>
+            <a:ext cx="1234184" cy="369332"/>
+          </a:xfrm>
+          <a:prstGeom prst="rect">
+            <a:avLst/>
+          </a:prstGeom>
+          <a:noFill/>
+        </p:spPr>
+        <p:txBody>
+          <a:bodyPr wrap="none" rtlCol="0">
+            <a:spAutoFit/>
+          </a:bodyPr>
+          <a:lstStyle/>
+          <a:p>
+            <a:r>
+              <a:rPr lang="it-IT" dirty="0" smtClean="0"/>
+              <a:t>Reference?</a:t>
+            </a:r>
+            <a:endParaRPr lang="en-GB" dirty="0"/>
+          </a:p>
+        </p:txBody>
+      </p:sp>
+    </p:spTree>
+    <p:extLst>
+      <p:ext uri="{BB962C8B-B14F-4D97-AF65-F5344CB8AC3E}">
+        <p14:creationId xmlns:p14="http://schemas.microsoft.com/office/powerpoint/2010/main" val="3687236005"/>
+      </p:ext>
+    </p:extLst>
+  </p:cSld>
+  <p:clrMapOvr>
+    <a:masterClrMapping/>
+  </p:clrMapOvr>
+</p:sld>
+</file>
+
 <file path=ppt/slides/slide4.xml><?xml version="1.0" encoding="utf-8"?>
 <p:sld xmlns:a="http://schemas.openxmlformats.org/drawingml/2006/main" xmlns:r="http://schemas.openxmlformats.org/officeDocument/2006/relationships" xmlns:p="http://schemas.openxmlformats.org/presentationml/2006/main">
   <p:cSld>
@@ -41055,7 +45036,7 @@
           <p:cNvPr id="51" name="TextBox 50">
             <a:extLst>
               <a:ext uri="{FF2B5EF4-FFF2-40B4-BE49-F238E27FC236}">
-                <a16:creationId xmlns:a16="http://schemas.microsoft.com/office/drawing/2014/main" xmlns="" id="{38D92C47-6A24-433B-A9D7-48400DFBEE88}"/>
+                <a16:creationId xmlns="" xmlns:a16="http://schemas.microsoft.com/office/drawing/2014/main" id="{38D92C47-6A24-433B-A9D7-48400DFBEE88}"/>
               </a:ext>
             </a:extLst>
           </p:cNvPr>
@@ -41096,7 +45077,7 @@
           <p:cNvPr id="52" name="TextBox 51">
             <a:extLst>
               <a:ext uri="{FF2B5EF4-FFF2-40B4-BE49-F238E27FC236}">
-                <a16:creationId xmlns:a16="http://schemas.microsoft.com/office/drawing/2014/main" xmlns="" id="{46370455-EDDE-4BAF-A68F-1E721D22CFA3}"/>
+                <a16:creationId xmlns="" xmlns:a16="http://schemas.microsoft.com/office/drawing/2014/main" id="{46370455-EDDE-4BAF-A68F-1E721D22CFA3}"/>
               </a:ext>
             </a:extLst>
           </p:cNvPr>
@@ -41137,7 +45118,7 @@
           <p:cNvPr id="54" name="TextBox 53">
             <a:extLst>
               <a:ext uri="{FF2B5EF4-FFF2-40B4-BE49-F238E27FC236}">
-                <a16:creationId xmlns:a16="http://schemas.microsoft.com/office/drawing/2014/main" xmlns="" id="{1F0BD362-AB28-4ABC-B01D-E5FB51A4284F}"/>
+                <a16:creationId xmlns="" xmlns:a16="http://schemas.microsoft.com/office/drawing/2014/main" id="{1F0BD362-AB28-4ABC-B01D-E5FB51A4284F}"/>
               </a:ext>
             </a:extLst>
           </p:cNvPr>
@@ -41172,7 +45153,7 @@
           <p:cNvPr id="55" name="TextBox 54">
             <a:extLst>
               <a:ext uri="{FF2B5EF4-FFF2-40B4-BE49-F238E27FC236}">
-                <a16:creationId xmlns:a16="http://schemas.microsoft.com/office/drawing/2014/main" xmlns="" id="{66A6D040-E92F-405E-8F1C-224FD73DEB6A}"/>
+                <a16:creationId xmlns="" xmlns:a16="http://schemas.microsoft.com/office/drawing/2014/main" id="{66A6D040-E92F-405E-8F1C-224FD73DEB6A}"/>
               </a:ext>
             </a:extLst>
           </p:cNvPr>
@@ -41213,7 +45194,7 @@
           <p:cNvPr id="59" name="TextBox 58">
             <a:extLst>
               <a:ext uri="{FF2B5EF4-FFF2-40B4-BE49-F238E27FC236}">
-                <a16:creationId xmlns:a16="http://schemas.microsoft.com/office/drawing/2014/main" xmlns="" id="{8B737B46-BF72-4F50-880F-A81417342B9C}"/>
+                <a16:creationId xmlns="" xmlns:a16="http://schemas.microsoft.com/office/drawing/2014/main" id="{8B737B46-BF72-4F50-880F-A81417342B9C}"/>
               </a:ext>
             </a:extLst>
           </p:cNvPr>
@@ -41254,7 +45235,7 @@
           <p:cNvPr id="60" name="TextBox 59">
             <a:extLst>
               <a:ext uri="{FF2B5EF4-FFF2-40B4-BE49-F238E27FC236}">
-                <a16:creationId xmlns:a16="http://schemas.microsoft.com/office/drawing/2014/main" xmlns="" id="{635E5AB3-11BB-4188-A9F5-6624D8487908}"/>
+                <a16:creationId xmlns="" xmlns:a16="http://schemas.microsoft.com/office/drawing/2014/main" id="{635E5AB3-11BB-4188-A9F5-6624D8487908}"/>
               </a:ext>
             </a:extLst>
           </p:cNvPr>
@@ -43328,7 +47309,7 @@
           <p:cNvPr id="43" name="TextBox 42">
             <a:extLst>
               <a:ext uri="{FF2B5EF4-FFF2-40B4-BE49-F238E27FC236}">
-                <a16:creationId xmlns:a16="http://schemas.microsoft.com/office/drawing/2014/main" xmlns="" id="{C66D85E0-1A23-448C-9466-6DADEA26156A}"/>
+                <a16:creationId xmlns="" xmlns:a16="http://schemas.microsoft.com/office/drawing/2014/main" id="{C66D85E0-1A23-448C-9466-6DADEA26156A}"/>
               </a:ext>
             </a:extLst>
           </p:cNvPr>
@@ -43369,7 +47350,7 @@
           <p:cNvPr id="44" name="TextBox 43">
             <a:extLst>
               <a:ext uri="{FF2B5EF4-FFF2-40B4-BE49-F238E27FC236}">
-                <a16:creationId xmlns:a16="http://schemas.microsoft.com/office/drawing/2014/main" xmlns="" id="{73BB0B6F-DBD2-4682-88DA-A68E1C43C8EE}"/>
+                <a16:creationId xmlns="" xmlns:a16="http://schemas.microsoft.com/office/drawing/2014/main" id="{73BB0B6F-DBD2-4682-88DA-A68E1C43C8EE}"/>
               </a:ext>
             </a:extLst>
           </p:cNvPr>
@@ -43410,7 +47391,7 @@
           <p:cNvPr id="45" name="TextBox 44">
             <a:extLst>
               <a:ext uri="{FF2B5EF4-FFF2-40B4-BE49-F238E27FC236}">
-                <a16:creationId xmlns:a16="http://schemas.microsoft.com/office/drawing/2014/main" xmlns="" id="{06BB9D57-20AB-4911-8F91-1EAAD2C3D635}"/>
+                <a16:creationId xmlns="" xmlns:a16="http://schemas.microsoft.com/office/drawing/2014/main" id="{06BB9D57-20AB-4911-8F91-1EAAD2C3D635}"/>
               </a:ext>
             </a:extLst>
           </p:cNvPr>
@@ -43445,7 +47426,7 @@
           <p:cNvPr id="46" name="TextBox 45">
             <a:extLst>
               <a:ext uri="{FF2B5EF4-FFF2-40B4-BE49-F238E27FC236}">
-                <a16:creationId xmlns:a16="http://schemas.microsoft.com/office/drawing/2014/main" xmlns="" id="{6BDA7693-CA76-4C97-8FED-A4A65AB5032B}"/>
+                <a16:creationId xmlns="" xmlns:a16="http://schemas.microsoft.com/office/drawing/2014/main" id="{6BDA7693-CA76-4C97-8FED-A4A65AB5032B}"/>
               </a:ext>
             </a:extLst>
           </p:cNvPr>
@@ -43486,7 +47467,7 @@
           <p:cNvPr id="47" name="TextBox 46">
             <a:extLst>
               <a:ext uri="{FF2B5EF4-FFF2-40B4-BE49-F238E27FC236}">
-                <a16:creationId xmlns:a16="http://schemas.microsoft.com/office/drawing/2014/main" xmlns="" id="{F3FF60E3-5733-4A51-BB64-B5D227CFB6FE}"/>
+                <a16:creationId xmlns="" xmlns:a16="http://schemas.microsoft.com/office/drawing/2014/main" id="{F3FF60E3-5733-4A51-BB64-B5D227CFB6FE}"/>
               </a:ext>
             </a:extLst>
           </p:cNvPr>
@@ -43527,7 +47508,7 @@
           <p:cNvPr id="48" name="TextBox 47">
             <a:extLst>
               <a:ext uri="{FF2B5EF4-FFF2-40B4-BE49-F238E27FC236}">
-                <a16:creationId xmlns:a16="http://schemas.microsoft.com/office/drawing/2014/main" xmlns="" id="{6CFBFA02-2444-480B-B78F-A1A7AD55973E}"/>
+                <a16:creationId xmlns="" xmlns:a16="http://schemas.microsoft.com/office/drawing/2014/main" id="{6CFBFA02-2444-480B-B78F-A1A7AD55973E}"/>
               </a:ext>
             </a:extLst>
           </p:cNvPr>
@@ -44318,7 +48299,7 @@
           <p:cNvPr id="12" name="TextBox 45">
             <a:extLst>
               <a:ext uri="{FF2B5EF4-FFF2-40B4-BE49-F238E27FC236}">
-                <a16:creationId xmlns:a16="http://schemas.microsoft.com/office/drawing/2014/main" xmlns="" id="{6BDA7693-CA76-4C97-8FED-A4A65AB5032B}"/>
+                <a16:creationId xmlns="" xmlns:a16="http://schemas.microsoft.com/office/drawing/2014/main" id="{6BDA7693-CA76-4C97-8FED-A4A65AB5032B}"/>
               </a:ext>
             </a:extLst>
           </p:cNvPr>
@@ -44996,7 +48977,7 @@
           <p:cNvPr id="33" name="TextBox 45">
             <a:extLst>
               <a:ext uri="{FF2B5EF4-FFF2-40B4-BE49-F238E27FC236}">
-                <a16:creationId xmlns:a16="http://schemas.microsoft.com/office/drawing/2014/main" xmlns="" id="{6BDA7693-CA76-4C97-8FED-A4A65AB5032B}"/>
+                <a16:creationId xmlns="" xmlns:a16="http://schemas.microsoft.com/office/drawing/2014/main" id="{6BDA7693-CA76-4C97-8FED-A4A65AB5032B}"/>
               </a:ext>
             </a:extLst>
           </p:cNvPr>
@@ -45032,7 +49013,7 @@
           <p:cNvPr id="34" name="TextBox 45">
             <a:extLst>
               <a:ext uri="{FF2B5EF4-FFF2-40B4-BE49-F238E27FC236}">
-                <a16:creationId xmlns:a16="http://schemas.microsoft.com/office/drawing/2014/main" xmlns="" id="{6BDA7693-CA76-4C97-8FED-A4A65AB5032B}"/>
+                <a16:creationId xmlns="" xmlns:a16="http://schemas.microsoft.com/office/drawing/2014/main" id="{6BDA7693-CA76-4C97-8FED-A4A65AB5032B}"/>
               </a:ext>
             </a:extLst>
           </p:cNvPr>
@@ -45442,7 +49423,7 @@
           <p:cNvPr id="52" name="TextBox 45">
             <a:extLst>
               <a:ext uri="{FF2B5EF4-FFF2-40B4-BE49-F238E27FC236}">
-                <a16:creationId xmlns:a16="http://schemas.microsoft.com/office/drawing/2014/main" xmlns="" id="{6BDA7693-CA76-4C97-8FED-A4A65AB5032B}"/>
+                <a16:creationId xmlns="" xmlns:a16="http://schemas.microsoft.com/office/drawing/2014/main" id="{6BDA7693-CA76-4C97-8FED-A4A65AB5032B}"/>
               </a:ext>
             </a:extLst>
           </p:cNvPr>

--- a/health/userDocs/UniboFigs.pptx
+++ b/health/userDocs/UniboFigs.pptx
@@ -143,7 +143,7 @@
   </p:defaultTextStyle>
   <p:extLst>
     <p:ext uri="{EFAFB233-063F-42B5-8137-9DF3F51BA10A}">
-      <p15:sldGuideLst xmlns="" xmlns:p15="http://schemas.microsoft.com/office/powerpoint/2012/main">
+      <p15:sldGuideLst xmlns:p15="http://schemas.microsoft.com/office/powerpoint/2012/main" xmlns="">
         <p15:guide id="1" orient="horz" pos="2160">
           <p15:clr>
             <a:srgbClr val="A4A3A4"/>
@@ -6205,7 +6205,7 @@
           <p:cNvPr id="12" name="TextBox 45">
             <a:extLst>
               <a:ext uri="{FF2B5EF4-FFF2-40B4-BE49-F238E27FC236}">
-                <a16:creationId xmlns="" xmlns:a16="http://schemas.microsoft.com/office/drawing/2014/main" id="{6BDA7693-CA76-4C97-8FED-A4A65AB5032B}"/>
+                <a16:creationId xmlns:a16="http://schemas.microsoft.com/office/drawing/2014/main" xmlns="" id="{6BDA7693-CA76-4C97-8FED-A4A65AB5032B}"/>
               </a:ext>
             </a:extLst>
           </p:cNvPr>
@@ -7753,7 +7753,7 @@
           <p:cNvPr id="12" name="TextBox 45">
             <a:extLst>
               <a:ext uri="{FF2B5EF4-FFF2-40B4-BE49-F238E27FC236}">
-                <a16:creationId xmlns="" xmlns:a16="http://schemas.microsoft.com/office/drawing/2014/main" id="{6BDA7693-CA76-4C97-8FED-A4A65AB5032B}"/>
+                <a16:creationId xmlns:a16="http://schemas.microsoft.com/office/drawing/2014/main" xmlns="" id="{6BDA7693-CA76-4C97-8FED-A4A65AB5032B}"/>
               </a:ext>
             </a:extLst>
           </p:cNvPr>
@@ -9766,7 +9766,7 @@
           <p:cNvPr id="6" name="TextBox 45">
             <a:extLst>
               <a:ext uri="{FF2B5EF4-FFF2-40B4-BE49-F238E27FC236}">
-                <a16:creationId xmlns="" xmlns:a16="http://schemas.microsoft.com/office/drawing/2014/main" id="{6BDA7693-CA76-4C97-8FED-A4A65AB5032B}"/>
+                <a16:creationId xmlns:a16="http://schemas.microsoft.com/office/drawing/2014/main" xmlns="" id="{6BDA7693-CA76-4C97-8FED-A4A65AB5032B}"/>
               </a:ext>
             </a:extLst>
           </p:cNvPr>
@@ -10274,7 +10274,7 @@
           <p:cNvPr id="27" name="TextBox 45">
             <a:extLst>
               <a:ext uri="{FF2B5EF4-FFF2-40B4-BE49-F238E27FC236}">
-                <a16:creationId xmlns="" xmlns:a16="http://schemas.microsoft.com/office/drawing/2014/main" id="{6BDA7693-CA76-4C97-8FED-A4A65AB5032B}"/>
+                <a16:creationId xmlns:a16="http://schemas.microsoft.com/office/drawing/2014/main" xmlns="" id="{6BDA7693-CA76-4C97-8FED-A4A65AB5032B}"/>
               </a:ext>
             </a:extLst>
           </p:cNvPr>
@@ -10310,7 +10310,7 @@
           <p:cNvPr id="28" name="TextBox 45">
             <a:extLst>
               <a:ext uri="{FF2B5EF4-FFF2-40B4-BE49-F238E27FC236}">
-                <a16:creationId xmlns="" xmlns:a16="http://schemas.microsoft.com/office/drawing/2014/main" id="{6BDA7693-CA76-4C97-8FED-A4A65AB5032B}"/>
+                <a16:creationId xmlns:a16="http://schemas.microsoft.com/office/drawing/2014/main" xmlns="" id="{6BDA7693-CA76-4C97-8FED-A4A65AB5032B}"/>
               </a:ext>
             </a:extLst>
           </p:cNvPr>
@@ -11858,7 +11858,7 @@
           <p:cNvPr id="6" name="TextBox 45">
             <a:extLst>
               <a:ext uri="{FF2B5EF4-FFF2-40B4-BE49-F238E27FC236}">
-                <a16:creationId xmlns="" xmlns:a16="http://schemas.microsoft.com/office/drawing/2014/main" id="{6BDA7693-CA76-4C97-8FED-A4A65AB5032B}"/>
+                <a16:creationId xmlns:a16="http://schemas.microsoft.com/office/drawing/2014/main" xmlns="" id="{6BDA7693-CA76-4C97-8FED-A4A65AB5032B}"/>
               </a:ext>
             </a:extLst>
           </p:cNvPr>
@@ -13390,7 +13390,7 @@
           <p:cNvPr id="6" name="TextBox 45">
             <a:extLst>
               <a:ext uri="{FF2B5EF4-FFF2-40B4-BE49-F238E27FC236}">
-                <a16:creationId xmlns="" xmlns:a16="http://schemas.microsoft.com/office/drawing/2014/main" id="{6BDA7693-CA76-4C97-8FED-A4A65AB5032B}"/>
+                <a16:creationId xmlns:a16="http://schemas.microsoft.com/office/drawing/2014/main" xmlns="" id="{6BDA7693-CA76-4C97-8FED-A4A65AB5032B}"/>
               </a:ext>
             </a:extLst>
           </p:cNvPr>
@@ -14815,7 +14815,7 @@
           <p:cNvPr id="2" name="TextBox 45">
             <a:extLst>
               <a:ext uri="{FF2B5EF4-FFF2-40B4-BE49-F238E27FC236}">
-                <a16:creationId xmlns="" xmlns:a16="http://schemas.microsoft.com/office/drawing/2014/main" id="{6BDA7693-CA76-4C97-8FED-A4A65AB5032B}"/>
+                <a16:creationId xmlns:a16="http://schemas.microsoft.com/office/drawing/2014/main" xmlns="" id="{6BDA7693-CA76-4C97-8FED-A4A65AB5032B}"/>
               </a:ext>
             </a:extLst>
           </p:cNvPr>
@@ -15786,7 +15786,7 @@
           <p:cNvPr id="34" name="TextBox 45">
             <a:extLst>
               <a:ext uri="{FF2B5EF4-FFF2-40B4-BE49-F238E27FC236}">
-                <a16:creationId xmlns="" xmlns:a16="http://schemas.microsoft.com/office/drawing/2014/main" id="{6BDA7693-CA76-4C97-8FED-A4A65AB5032B}"/>
+                <a16:creationId xmlns:a16="http://schemas.microsoft.com/office/drawing/2014/main" xmlns="" id="{6BDA7693-CA76-4C97-8FED-A4A65AB5032B}"/>
               </a:ext>
             </a:extLst>
           </p:cNvPr>
@@ -17402,7 +17402,7 @@
           <p:cNvPr id="2" name="TextBox 45">
             <a:extLst>
               <a:ext uri="{FF2B5EF4-FFF2-40B4-BE49-F238E27FC236}">
-                <a16:creationId xmlns="" xmlns:a16="http://schemas.microsoft.com/office/drawing/2014/main" id="{6BDA7693-CA76-4C97-8FED-A4A65AB5032B}"/>
+                <a16:creationId xmlns:a16="http://schemas.microsoft.com/office/drawing/2014/main" xmlns="" id="{6BDA7693-CA76-4C97-8FED-A4A65AB5032B}"/>
               </a:ext>
             </a:extLst>
           </p:cNvPr>
@@ -18152,7 +18152,7 @@
           <p:cNvPr id="34" name="TextBox 45">
             <a:extLst>
               <a:ext uri="{FF2B5EF4-FFF2-40B4-BE49-F238E27FC236}">
-                <a16:creationId xmlns="" xmlns:a16="http://schemas.microsoft.com/office/drawing/2014/main" id="{6BDA7693-CA76-4C97-8FED-A4A65AB5032B}"/>
+                <a16:creationId xmlns:a16="http://schemas.microsoft.com/office/drawing/2014/main" xmlns="" id="{6BDA7693-CA76-4C97-8FED-A4A65AB5032B}"/>
               </a:ext>
             </a:extLst>
           </p:cNvPr>
@@ -19515,7 +19515,7 @@
           <p:cNvPr id="114" name="TextBox 45">
             <a:extLst>
               <a:ext uri="{FF2B5EF4-FFF2-40B4-BE49-F238E27FC236}">
-                <a16:creationId xmlns="" xmlns:a16="http://schemas.microsoft.com/office/drawing/2014/main" id="{6BDA7693-CA76-4C97-8FED-A4A65AB5032B}"/>
+                <a16:creationId xmlns:a16="http://schemas.microsoft.com/office/drawing/2014/main" xmlns="" id="{6BDA7693-CA76-4C97-8FED-A4A65AB5032B}"/>
               </a:ext>
             </a:extLst>
           </p:cNvPr>
@@ -19689,7 +19689,7 @@
           <p:cNvPr id="2" name="TextBox 45">
             <a:extLst>
               <a:ext uri="{FF2B5EF4-FFF2-40B4-BE49-F238E27FC236}">
-                <a16:creationId xmlns="" xmlns:a16="http://schemas.microsoft.com/office/drawing/2014/main" id="{6BDA7693-CA76-4C97-8FED-A4A65AB5032B}"/>
+                <a16:creationId xmlns:a16="http://schemas.microsoft.com/office/drawing/2014/main" xmlns="" id="{6BDA7693-CA76-4C97-8FED-A4A65AB5032B}"/>
               </a:ext>
             </a:extLst>
           </p:cNvPr>
@@ -20628,7 +20628,7 @@
           <p:cNvPr id="114" name="TextBox 45">
             <a:extLst>
               <a:ext uri="{FF2B5EF4-FFF2-40B4-BE49-F238E27FC236}">
-                <a16:creationId xmlns="" xmlns:a16="http://schemas.microsoft.com/office/drawing/2014/main" id="{6BDA7693-CA76-4C97-8FED-A4A65AB5032B}"/>
+                <a16:creationId xmlns:a16="http://schemas.microsoft.com/office/drawing/2014/main" xmlns="" id="{6BDA7693-CA76-4C97-8FED-A4A65AB5032B}"/>
               </a:ext>
             </a:extLst>
           </p:cNvPr>
@@ -22380,7 +22380,7 @@
           <p:cNvPr id="2" name="TextBox 45">
             <a:extLst>
               <a:ext uri="{FF2B5EF4-FFF2-40B4-BE49-F238E27FC236}">
-                <a16:creationId xmlns="" xmlns:a16="http://schemas.microsoft.com/office/drawing/2014/main" id="{6BDA7693-CA76-4C97-8FED-A4A65AB5032B}"/>
+                <a16:creationId xmlns:a16="http://schemas.microsoft.com/office/drawing/2014/main" xmlns="" id="{6BDA7693-CA76-4C97-8FED-A4A65AB5032B}"/>
               </a:ext>
             </a:extLst>
           </p:cNvPr>
@@ -23959,7 +23959,7 @@
           <p:cNvPr id="2" name="TextBox 45">
             <a:extLst>
               <a:ext uri="{FF2B5EF4-FFF2-40B4-BE49-F238E27FC236}">
-                <a16:creationId xmlns="" xmlns:a16="http://schemas.microsoft.com/office/drawing/2014/main" id="{6BDA7693-CA76-4C97-8FED-A4A65AB5032B}"/>
+                <a16:creationId xmlns:a16="http://schemas.microsoft.com/office/drawing/2014/main" xmlns="" id="{6BDA7693-CA76-4C97-8FED-A4A65AB5032B}"/>
               </a:ext>
             </a:extLst>
           </p:cNvPr>
@@ -24952,7 +24952,7 @@
           <p:cNvPr id="114" name="TextBox 45">
             <a:extLst>
               <a:ext uri="{FF2B5EF4-FFF2-40B4-BE49-F238E27FC236}">
-                <a16:creationId xmlns="" xmlns:a16="http://schemas.microsoft.com/office/drawing/2014/main" id="{6BDA7693-CA76-4C97-8FED-A4A65AB5032B}"/>
+                <a16:creationId xmlns:a16="http://schemas.microsoft.com/office/drawing/2014/main" xmlns="" id="{6BDA7693-CA76-4C97-8FED-A4A65AB5032B}"/>
               </a:ext>
             </a:extLst>
           </p:cNvPr>
@@ -25767,7 +25767,7 @@
           <p:cNvPr id="2" name="TextBox 45">
             <a:extLst>
               <a:ext uri="{FF2B5EF4-FFF2-40B4-BE49-F238E27FC236}">
-                <a16:creationId xmlns="" xmlns:a16="http://schemas.microsoft.com/office/drawing/2014/main" id="{6BDA7693-CA76-4C97-8FED-A4A65AB5032B}"/>
+                <a16:creationId xmlns:a16="http://schemas.microsoft.com/office/drawing/2014/main" xmlns="" id="{6BDA7693-CA76-4C97-8FED-A4A65AB5032B}"/>
               </a:ext>
             </a:extLst>
           </p:cNvPr>
@@ -26330,7 +26330,7 @@
           <p:cNvPr id="26" name="TextBox 45">
             <a:extLst>
               <a:ext uri="{FF2B5EF4-FFF2-40B4-BE49-F238E27FC236}">
-                <a16:creationId xmlns="" xmlns:a16="http://schemas.microsoft.com/office/drawing/2014/main" id="{6BDA7693-CA76-4C97-8FED-A4A65AB5032B}"/>
+                <a16:creationId xmlns:a16="http://schemas.microsoft.com/office/drawing/2014/main" xmlns="" id="{6BDA7693-CA76-4C97-8FED-A4A65AB5032B}"/>
               </a:ext>
             </a:extLst>
           </p:cNvPr>
@@ -26446,7 +26446,7 @@
           <p:cNvPr id="32" name="TextBox 45">
             <a:extLst>
               <a:ext uri="{FF2B5EF4-FFF2-40B4-BE49-F238E27FC236}">
-                <a16:creationId xmlns="" xmlns:a16="http://schemas.microsoft.com/office/drawing/2014/main" id="{6BDA7693-CA76-4C97-8FED-A4A65AB5032B}"/>
+                <a16:creationId xmlns:a16="http://schemas.microsoft.com/office/drawing/2014/main" xmlns="" id="{6BDA7693-CA76-4C97-8FED-A4A65AB5032B}"/>
               </a:ext>
             </a:extLst>
           </p:cNvPr>
@@ -27009,7 +27009,7 @@
           <p:cNvPr id="48" name="TextBox 45">
             <a:extLst>
               <a:ext uri="{FF2B5EF4-FFF2-40B4-BE49-F238E27FC236}">
-                <a16:creationId xmlns="" xmlns:a16="http://schemas.microsoft.com/office/drawing/2014/main" id="{6BDA7693-CA76-4C97-8FED-A4A65AB5032B}"/>
+                <a16:creationId xmlns:a16="http://schemas.microsoft.com/office/drawing/2014/main" xmlns="" id="{6BDA7693-CA76-4C97-8FED-A4A65AB5032B}"/>
               </a:ext>
             </a:extLst>
           </p:cNvPr>
@@ -27099,7 +27099,7 @@
           <p:cNvPr id="49" name="TextBox 45">
             <a:extLst>
               <a:ext uri="{FF2B5EF4-FFF2-40B4-BE49-F238E27FC236}">
-                <a16:creationId xmlns="" xmlns:a16="http://schemas.microsoft.com/office/drawing/2014/main" id="{6BDA7693-CA76-4C97-8FED-A4A65AB5032B}"/>
+                <a16:creationId xmlns:a16="http://schemas.microsoft.com/office/drawing/2014/main" xmlns="" id="{6BDA7693-CA76-4C97-8FED-A4A65AB5032B}"/>
               </a:ext>
             </a:extLst>
           </p:cNvPr>
@@ -27268,7 +27268,7 @@
           <p:cNvPr id="2" name="TextBox 45">
             <a:extLst>
               <a:ext uri="{FF2B5EF4-FFF2-40B4-BE49-F238E27FC236}">
-                <a16:creationId xmlns="" xmlns:a16="http://schemas.microsoft.com/office/drawing/2014/main" id="{6BDA7693-CA76-4C97-8FED-A4A65AB5032B}"/>
+                <a16:creationId xmlns:a16="http://schemas.microsoft.com/office/drawing/2014/main" xmlns="" id="{6BDA7693-CA76-4C97-8FED-A4A65AB5032B}"/>
               </a:ext>
             </a:extLst>
           </p:cNvPr>
@@ -28040,7 +28040,7 @@
           <p:cNvPr id="23" name="TextBox 45">
             <a:extLst>
               <a:ext uri="{FF2B5EF4-FFF2-40B4-BE49-F238E27FC236}">
-                <a16:creationId xmlns="" xmlns:a16="http://schemas.microsoft.com/office/drawing/2014/main" id="{6BDA7693-CA76-4C97-8FED-A4A65AB5032B}"/>
+                <a16:creationId xmlns:a16="http://schemas.microsoft.com/office/drawing/2014/main" xmlns="" id="{6BDA7693-CA76-4C97-8FED-A4A65AB5032B}"/>
               </a:ext>
             </a:extLst>
           </p:cNvPr>
@@ -37017,7 +37017,7 @@
           <p:cNvPr id="2" name="TextBox 45">
             <a:extLst>
               <a:ext uri="{FF2B5EF4-FFF2-40B4-BE49-F238E27FC236}">
-                <a16:creationId xmlns="" xmlns:a16="http://schemas.microsoft.com/office/drawing/2014/main" id="{6BDA7693-CA76-4C97-8FED-A4A65AB5032B}"/>
+                <a16:creationId xmlns:a16="http://schemas.microsoft.com/office/drawing/2014/main" xmlns="" id="{6BDA7693-CA76-4C97-8FED-A4A65AB5032B}"/>
               </a:ext>
             </a:extLst>
           </p:cNvPr>
@@ -37956,7 +37956,7 @@
           <p:cNvPr id="114" name="TextBox 45">
             <a:extLst>
               <a:ext uri="{FF2B5EF4-FFF2-40B4-BE49-F238E27FC236}">
-                <a16:creationId xmlns="" xmlns:a16="http://schemas.microsoft.com/office/drawing/2014/main" id="{6BDA7693-CA76-4C97-8FED-A4A65AB5032B}"/>
+                <a16:creationId xmlns:a16="http://schemas.microsoft.com/office/drawing/2014/main" xmlns="" id="{6BDA7693-CA76-4C97-8FED-A4A65AB5032B}"/>
               </a:ext>
             </a:extLst>
           </p:cNvPr>
@@ -39103,7 +39103,7 @@
           <p:cNvPr id="2" name="TextBox 45">
             <a:extLst>
               <a:ext uri="{FF2B5EF4-FFF2-40B4-BE49-F238E27FC236}">
-                <a16:creationId xmlns="" xmlns:a16="http://schemas.microsoft.com/office/drawing/2014/main" id="{6BDA7693-CA76-4C97-8FED-A4A65AB5032B}"/>
+                <a16:creationId xmlns:a16="http://schemas.microsoft.com/office/drawing/2014/main" xmlns="" id="{6BDA7693-CA76-4C97-8FED-A4A65AB5032B}"/>
               </a:ext>
             </a:extLst>
           </p:cNvPr>
@@ -39966,19 +39966,11 @@
           <a:p>
             <a:r>
               <a:rPr lang="it-IT" dirty="0" err="1" smtClean="0"/>
-              <a:t>Ded</a:t>
-            </a:r>
-            <a:r>
-              <a:rPr lang="it-IT" dirty="0" err="1" smtClean="0"/>
-              <a:t>FHIR</a:t>
+              <a:t>DedFHIR</a:t>
             </a:r>
             <a:r>
               <a:rPr lang="it-IT" dirty="0" smtClean="0"/>
-              <a:t> </a:t>
-            </a:r>
-            <a:r>
-              <a:rPr lang="it-IT" dirty="0" smtClean="0"/>
-              <a:t>server</a:t>
+              <a:t> server</a:t>
             </a:r>
             <a:endParaRPr lang="en-GB" dirty="0"/>
           </a:p>
@@ -40527,7 +40519,7 @@
         <p:spPr>
           <a:xfrm>
             <a:off x="6065968" y="2353860"/>
-            <a:ext cx="1308307" cy="369332"/>
+            <a:ext cx="1693028" cy="369332"/>
           </a:xfrm>
           <a:prstGeom prst="rect">
             <a:avLst/>
@@ -40542,7 +40534,7 @@
           <a:p>
             <a:r>
               <a:rPr lang="en-GB" b="1" dirty="0" err="1"/>
-              <a:t>InputServer</a:t>
+              <a:t>InputServerDed</a:t>
             </a:r>
             <a:endParaRPr lang="en-GB" dirty="0"/>
           </a:p>
@@ -40572,11 +40564,7 @@
           <a:p>
             <a:r>
               <a:rPr lang="it-IT" dirty="0" err="1" smtClean="0"/>
-              <a:t>Legacy</a:t>
-            </a:r>
-            <a:r>
-              <a:rPr lang="it-IT" dirty="0" err="1" smtClean="0"/>
-              <a:t>DedServer</a:t>
+              <a:t>LegacyDedServer</a:t>
             </a:r>
             <a:endParaRPr lang="en-GB" dirty="0"/>
           </a:p>
@@ -41303,11 +41291,6 @@
               </a:rPr>
               <a:t>SmartEven2020</a:t>
             </a:r>
-            <a:endParaRPr lang="it-IT" dirty="0" smtClean="0">
-              <a:solidFill>
-                <a:schemeClr val="tx1"/>
-              </a:solidFill>
-            </a:endParaRPr>
           </a:p>
           <a:p>
             <a:pPr algn="ctr"/>
@@ -45036,7 +45019,7 @@
           <p:cNvPr id="51" name="TextBox 50">
             <a:extLst>
               <a:ext uri="{FF2B5EF4-FFF2-40B4-BE49-F238E27FC236}">
-                <a16:creationId xmlns="" xmlns:a16="http://schemas.microsoft.com/office/drawing/2014/main" id="{38D92C47-6A24-433B-A9D7-48400DFBEE88}"/>
+                <a16:creationId xmlns:a16="http://schemas.microsoft.com/office/drawing/2014/main" xmlns="" id="{38D92C47-6A24-433B-A9D7-48400DFBEE88}"/>
               </a:ext>
             </a:extLst>
           </p:cNvPr>
@@ -45077,7 +45060,7 @@
           <p:cNvPr id="52" name="TextBox 51">
             <a:extLst>
               <a:ext uri="{FF2B5EF4-FFF2-40B4-BE49-F238E27FC236}">
-                <a16:creationId xmlns="" xmlns:a16="http://schemas.microsoft.com/office/drawing/2014/main" id="{46370455-EDDE-4BAF-A68F-1E721D22CFA3}"/>
+                <a16:creationId xmlns:a16="http://schemas.microsoft.com/office/drawing/2014/main" xmlns="" id="{46370455-EDDE-4BAF-A68F-1E721D22CFA3}"/>
               </a:ext>
             </a:extLst>
           </p:cNvPr>
@@ -45118,7 +45101,7 @@
           <p:cNvPr id="54" name="TextBox 53">
             <a:extLst>
               <a:ext uri="{FF2B5EF4-FFF2-40B4-BE49-F238E27FC236}">
-                <a16:creationId xmlns="" xmlns:a16="http://schemas.microsoft.com/office/drawing/2014/main" id="{1F0BD362-AB28-4ABC-B01D-E5FB51A4284F}"/>
+                <a16:creationId xmlns:a16="http://schemas.microsoft.com/office/drawing/2014/main" xmlns="" id="{1F0BD362-AB28-4ABC-B01D-E5FB51A4284F}"/>
               </a:ext>
             </a:extLst>
           </p:cNvPr>
@@ -45153,7 +45136,7 @@
           <p:cNvPr id="55" name="TextBox 54">
             <a:extLst>
               <a:ext uri="{FF2B5EF4-FFF2-40B4-BE49-F238E27FC236}">
-                <a16:creationId xmlns="" xmlns:a16="http://schemas.microsoft.com/office/drawing/2014/main" id="{66A6D040-E92F-405E-8F1C-224FD73DEB6A}"/>
+                <a16:creationId xmlns:a16="http://schemas.microsoft.com/office/drawing/2014/main" xmlns="" id="{66A6D040-E92F-405E-8F1C-224FD73DEB6A}"/>
               </a:ext>
             </a:extLst>
           </p:cNvPr>
@@ -45194,7 +45177,7 @@
           <p:cNvPr id="59" name="TextBox 58">
             <a:extLst>
               <a:ext uri="{FF2B5EF4-FFF2-40B4-BE49-F238E27FC236}">
-                <a16:creationId xmlns="" xmlns:a16="http://schemas.microsoft.com/office/drawing/2014/main" id="{8B737B46-BF72-4F50-880F-A81417342B9C}"/>
+                <a16:creationId xmlns:a16="http://schemas.microsoft.com/office/drawing/2014/main" xmlns="" id="{8B737B46-BF72-4F50-880F-A81417342B9C}"/>
               </a:ext>
             </a:extLst>
           </p:cNvPr>
@@ -45235,7 +45218,7 @@
           <p:cNvPr id="60" name="TextBox 59">
             <a:extLst>
               <a:ext uri="{FF2B5EF4-FFF2-40B4-BE49-F238E27FC236}">
-                <a16:creationId xmlns="" xmlns:a16="http://schemas.microsoft.com/office/drawing/2014/main" id="{635E5AB3-11BB-4188-A9F5-6624D8487908}"/>
+                <a16:creationId xmlns:a16="http://schemas.microsoft.com/office/drawing/2014/main" xmlns="" id="{635E5AB3-11BB-4188-A9F5-6624D8487908}"/>
               </a:ext>
             </a:extLst>
           </p:cNvPr>
@@ -47309,7 +47292,7 @@
           <p:cNvPr id="43" name="TextBox 42">
             <a:extLst>
               <a:ext uri="{FF2B5EF4-FFF2-40B4-BE49-F238E27FC236}">
-                <a16:creationId xmlns="" xmlns:a16="http://schemas.microsoft.com/office/drawing/2014/main" id="{C66D85E0-1A23-448C-9466-6DADEA26156A}"/>
+                <a16:creationId xmlns:a16="http://schemas.microsoft.com/office/drawing/2014/main" xmlns="" id="{C66D85E0-1A23-448C-9466-6DADEA26156A}"/>
               </a:ext>
             </a:extLst>
           </p:cNvPr>
@@ -47350,7 +47333,7 @@
           <p:cNvPr id="44" name="TextBox 43">
             <a:extLst>
               <a:ext uri="{FF2B5EF4-FFF2-40B4-BE49-F238E27FC236}">
-                <a16:creationId xmlns="" xmlns:a16="http://schemas.microsoft.com/office/drawing/2014/main" id="{73BB0B6F-DBD2-4682-88DA-A68E1C43C8EE}"/>
+                <a16:creationId xmlns:a16="http://schemas.microsoft.com/office/drawing/2014/main" xmlns="" id="{73BB0B6F-DBD2-4682-88DA-A68E1C43C8EE}"/>
               </a:ext>
             </a:extLst>
           </p:cNvPr>
@@ -47391,7 +47374,7 @@
           <p:cNvPr id="45" name="TextBox 44">
             <a:extLst>
               <a:ext uri="{FF2B5EF4-FFF2-40B4-BE49-F238E27FC236}">
-                <a16:creationId xmlns="" xmlns:a16="http://schemas.microsoft.com/office/drawing/2014/main" id="{06BB9D57-20AB-4911-8F91-1EAAD2C3D635}"/>
+                <a16:creationId xmlns:a16="http://schemas.microsoft.com/office/drawing/2014/main" xmlns="" id="{06BB9D57-20AB-4911-8F91-1EAAD2C3D635}"/>
               </a:ext>
             </a:extLst>
           </p:cNvPr>
@@ -47426,7 +47409,7 @@
           <p:cNvPr id="46" name="TextBox 45">
             <a:extLst>
               <a:ext uri="{FF2B5EF4-FFF2-40B4-BE49-F238E27FC236}">
-                <a16:creationId xmlns="" xmlns:a16="http://schemas.microsoft.com/office/drawing/2014/main" id="{6BDA7693-CA76-4C97-8FED-A4A65AB5032B}"/>
+                <a16:creationId xmlns:a16="http://schemas.microsoft.com/office/drawing/2014/main" xmlns="" id="{6BDA7693-CA76-4C97-8FED-A4A65AB5032B}"/>
               </a:ext>
             </a:extLst>
           </p:cNvPr>
@@ -47467,7 +47450,7 @@
           <p:cNvPr id="47" name="TextBox 46">
             <a:extLst>
               <a:ext uri="{FF2B5EF4-FFF2-40B4-BE49-F238E27FC236}">
-                <a16:creationId xmlns="" xmlns:a16="http://schemas.microsoft.com/office/drawing/2014/main" id="{F3FF60E3-5733-4A51-BB64-B5D227CFB6FE}"/>
+                <a16:creationId xmlns:a16="http://schemas.microsoft.com/office/drawing/2014/main" xmlns="" id="{F3FF60E3-5733-4A51-BB64-B5D227CFB6FE}"/>
               </a:ext>
             </a:extLst>
           </p:cNvPr>
@@ -47508,7 +47491,7 @@
           <p:cNvPr id="48" name="TextBox 47">
             <a:extLst>
               <a:ext uri="{FF2B5EF4-FFF2-40B4-BE49-F238E27FC236}">
-                <a16:creationId xmlns="" xmlns:a16="http://schemas.microsoft.com/office/drawing/2014/main" id="{6CFBFA02-2444-480B-B78F-A1A7AD55973E}"/>
+                <a16:creationId xmlns:a16="http://schemas.microsoft.com/office/drawing/2014/main" xmlns="" id="{6CFBFA02-2444-480B-B78F-A1A7AD55973E}"/>
               </a:ext>
             </a:extLst>
           </p:cNvPr>
@@ -48299,7 +48282,7 @@
           <p:cNvPr id="12" name="TextBox 45">
             <a:extLst>
               <a:ext uri="{FF2B5EF4-FFF2-40B4-BE49-F238E27FC236}">
-                <a16:creationId xmlns="" xmlns:a16="http://schemas.microsoft.com/office/drawing/2014/main" id="{6BDA7693-CA76-4C97-8FED-A4A65AB5032B}"/>
+                <a16:creationId xmlns:a16="http://schemas.microsoft.com/office/drawing/2014/main" xmlns="" id="{6BDA7693-CA76-4C97-8FED-A4A65AB5032B}"/>
               </a:ext>
             </a:extLst>
           </p:cNvPr>
@@ -48977,7 +48960,7 @@
           <p:cNvPr id="33" name="TextBox 45">
             <a:extLst>
               <a:ext uri="{FF2B5EF4-FFF2-40B4-BE49-F238E27FC236}">
-                <a16:creationId xmlns="" xmlns:a16="http://schemas.microsoft.com/office/drawing/2014/main" id="{6BDA7693-CA76-4C97-8FED-A4A65AB5032B}"/>
+                <a16:creationId xmlns:a16="http://schemas.microsoft.com/office/drawing/2014/main" xmlns="" id="{6BDA7693-CA76-4C97-8FED-A4A65AB5032B}"/>
               </a:ext>
             </a:extLst>
           </p:cNvPr>
@@ -49013,7 +48996,7 @@
           <p:cNvPr id="34" name="TextBox 45">
             <a:extLst>
               <a:ext uri="{FF2B5EF4-FFF2-40B4-BE49-F238E27FC236}">
-                <a16:creationId xmlns="" xmlns:a16="http://schemas.microsoft.com/office/drawing/2014/main" id="{6BDA7693-CA76-4C97-8FED-A4A65AB5032B}"/>
+                <a16:creationId xmlns:a16="http://schemas.microsoft.com/office/drawing/2014/main" xmlns="" id="{6BDA7693-CA76-4C97-8FED-A4A65AB5032B}"/>
               </a:ext>
             </a:extLst>
           </p:cNvPr>
@@ -49423,7 +49406,7 @@
           <p:cNvPr id="52" name="TextBox 45">
             <a:extLst>
               <a:ext uri="{FF2B5EF4-FFF2-40B4-BE49-F238E27FC236}">
-                <a16:creationId xmlns="" xmlns:a16="http://schemas.microsoft.com/office/drawing/2014/main" id="{6BDA7693-CA76-4C97-8FED-A4A65AB5032B}"/>
+                <a16:creationId xmlns:a16="http://schemas.microsoft.com/office/drawing/2014/main" xmlns="" id="{6BDA7693-CA76-4C97-8FED-A4A65AB5032B}"/>
               </a:ext>
             </a:extLst>
           </p:cNvPr>

--- a/health/userDocs/UniboFigs.pptx
+++ b/health/userDocs/UniboFigs.pptx
@@ -43,6 +43,7 @@
     <p:sldId id="294" r:id="rId37"/>
     <p:sldId id="297" r:id="rId38"/>
     <p:sldId id="298" r:id="rId39"/>
+    <p:sldId id="299" r:id="rId40"/>
   </p:sldIdLst>
   <p:sldSz cx="9144000" cy="6858000" type="screen4x3"/>
   <p:notesSz cx="6858000" cy="9144000"/>
@@ -143,7 +144,7 @@
   </p:defaultTextStyle>
   <p:extLst>
     <p:ext uri="{EFAFB233-063F-42B5-8137-9DF3F51BA10A}">
-      <p15:sldGuideLst xmlns:p15="http://schemas.microsoft.com/office/powerpoint/2012/main" xmlns="">
+      <p15:sldGuideLst xmlns="" xmlns:p15="http://schemas.microsoft.com/office/powerpoint/2012/main">
         <p15:guide id="1" orient="horz" pos="2160">
           <p15:clr>
             <a:srgbClr val="A4A3A4"/>
@@ -341,7 +342,7 @@
           <a:p>
             <a:fld id="{486DFF9D-000F-417D-A1D1-C441A4010B1E}" type="datetimeFigureOut">
               <a:rPr lang="en-GB" smtClean="0"/>
-              <a:t>24/09/2020</a:t>
+              <a:t>25/09/2020</a:t>
             </a:fld>
             <a:endParaRPr lang="en-GB"/>
           </a:p>
@@ -511,7 +512,7 @@
           <a:p>
             <a:fld id="{486DFF9D-000F-417D-A1D1-C441A4010B1E}" type="datetimeFigureOut">
               <a:rPr lang="en-GB" smtClean="0"/>
-              <a:t>24/09/2020</a:t>
+              <a:t>25/09/2020</a:t>
             </a:fld>
             <a:endParaRPr lang="en-GB"/>
           </a:p>
@@ -691,7 +692,7 @@
           <a:p>
             <a:fld id="{486DFF9D-000F-417D-A1D1-C441A4010B1E}" type="datetimeFigureOut">
               <a:rPr lang="en-GB" smtClean="0"/>
-              <a:t>24/09/2020</a:t>
+              <a:t>25/09/2020</a:t>
             </a:fld>
             <a:endParaRPr lang="en-GB"/>
           </a:p>
@@ -861,7 +862,7 @@
           <a:p>
             <a:fld id="{486DFF9D-000F-417D-A1D1-C441A4010B1E}" type="datetimeFigureOut">
               <a:rPr lang="en-GB" smtClean="0"/>
-              <a:t>24/09/2020</a:t>
+              <a:t>25/09/2020</a:t>
             </a:fld>
             <a:endParaRPr lang="en-GB"/>
           </a:p>
@@ -1107,7 +1108,7 @@
           <a:p>
             <a:fld id="{486DFF9D-000F-417D-A1D1-C441A4010B1E}" type="datetimeFigureOut">
               <a:rPr lang="en-GB" smtClean="0"/>
-              <a:t>24/09/2020</a:t>
+              <a:t>25/09/2020</a:t>
             </a:fld>
             <a:endParaRPr lang="en-GB"/>
           </a:p>
@@ -1395,7 +1396,7 @@
           <a:p>
             <a:fld id="{486DFF9D-000F-417D-A1D1-C441A4010B1E}" type="datetimeFigureOut">
               <a:rPr lang="en-GB" smtClean="0"/>
-              <a:t>24/09/2020</a:t>
+              <a:t>25/09/2020</a:t>
             </a:fld>
             <a:endParaRPr lang="en-GB"/>
           </a:p>
@@ -1817,7 +1818,7 @@
           <a:p>
             <a:fld id="{486DFF9D-000F-417D-A1D1-C441A4010B1E}" type="datetimeFigureOut">
               <a:rPr lang="en-GB" smtClean="0"/>
-              <a:t>24/09/2020</a:t>
+              <a:t>25/09/2020</a:t>
             </a:fld>
             <a:endParaRPr lang="en-GB"/>
           </a:p>
@@ -1935,7 +1936,7 @@
           <a:p>
             <a:fld id="{486DFF9D-000F-417D-A1D1-C441A4010B1E}" type="datetimeFigureOut">
               <a:rPr lang="en-GB" smtClean="0"/>
-              <a:t>24/09/2020</a:t>
+              <a:t>25/09/2020</a:t>
             </a:fld>
             <a:endParaRPr lang="en-GB"/>
           </a:p>
@@ -2030,7 +2031,7 @@
           <a:p>
             <a:fld id="{486DFF9D-000F-417D-A1D1-C441A4010B1E}" type="datetimeFigureOut">
               <a:rPr lang="en-GB" smtClean="0"/>
-              <a:t>24/09/2020</a:t>
+              <a:t>25/09/2020</a:t>
             </a:fld>
             <a:endParaRPr lang="en-GB"/>
           </a:p>
@@ -2307,7 +2308,7 @@
           <a:p>
             <a:fld id="{486DFF9D-000F-417D-A1D1-C441A4010B1E}" type="datetimeFigureOut">
               <a:rPr lang="en-GB" smtClean="0"/>
-              <a:t>24/09/2020</a:t>
+              <a:t>25/09/2020</a:t>
             </a:fld>
             <a:endParaRPr lang="en-GB"/>
           </a:p>
@@ -2560,7 +2561,7 @@
           <a:p>
             <a:fld id="{486DFF9D-000F-417D-A1D1-C441A4010B1E}" type="datetimeFigureOut">
               <a:rPr lang="en-GB" smtClean="0"/>
-              <a:t>24/09/2020</a:t>
+              <a:t>25/09/2020</a:t>
             </a:fld>
             <a:endParaRPr lang="en-GB"/>
           </a:p>
@@ -2773,7 +2774,7 @@
           <a:p>
             <a:fld id="{486DFF9D-000F-417D-A1D1-C441A4010B1E}" type="datetimeFigureOut">
               <a:rPr lang="en-GB" smtClean="0"/>
-              <a:t>24/09/2020</a:t>
+              <a:t>25/09/2020</a:t>
             </a:fld>
             <a:endParaRPr lang="en-GB"/>
           </a:p>
@@ -6205,7 +6206,7 @@
           <p:cNvPr id="12" name="TextBox 45">
             <a:extLst>
               <a:ext uri="{FF2B5EF4-FFF2-40B4-BE49-F238E27FC236}">
-                <a16:creationId xmlns:a16="http://schemas.microsoft.com/office/drawing/2014/main" xmlns="" id="{6BDA7693-CA76-4C97-8FED-A4A65AB5032B}"/>
+                <a16:creationId xmlns="" xmlns:a16="http://schemas.microsoft.com/office/drawing/2014/main" id="{6BDA7693-CA76-4C97-8FED-A4A65AB5032B}"/>
               </a:ext>
             </a:extLst>
           </p:cNvPr>
@@ -7753,7 +7754,7 @@
           <p:cNvPr id="12" name="TextBox 45">
             <a:extLst>
               <a:ext uri="{FF2B5EF4-FFF2-40B4-BE49-F238E27FC236}">
-                <a16:creationId xmlns:a16="http://schemas.microsoft.com/office/drawing/2014/main" xmlns="" id="{6BDA7693-CA76-4C97-8FED-A4A65AB5032B}"/>
+                <a16:creationId xmlns="" xmlns:a16="http://schemas.microsoft.com/office/drawing/2014/main" id="{6BDA7693-CA76-4C97-8FED-A4A65AB5032B}"/>
               </a:ext>
             </a:extLst>
           </p:cNvPr>
@@ -9766,7 +9767,7 @@
           <p:cNvPr id="6" name="TextBox 45">
             <a:extLst>
               <a:ext uri="{FF2B5EF4-FFF2-40B4-BE49-F238E27FC236}">
-                <a16:creationId xmlns:a16="http://schemas.microsoft.com/office/drawing/2014/main" xmlns="" id="{6BDA7693-CA76-4C97-8FED-A4A65AB5032B}"/>
+                <a16:creationId xmlns="" xmlns:a16="http://schemas.microsoft.com/office/drawing/2014/main" id="{6BDA7693-CA76-4C97-8FED-A4A65AB5032B}"/>
               </a:ext>
             </a:extLst>
           </p:cNvPr>
@@ -10274,7 +10275,7 @@
           <p:cNvPr id="27" name="TextBox 45">
             <a:extLst>
               <a:ext uri="{FF2B5EF4-FFF2-40B4-BE49-F238E27FC236}">
-                <a16:creationId xmlns:a16="http://schemas.microsoft.com/office/drawing/2014/main" xmlns="" id="{6BDA7693-CA76-4C97-8FED-A4A65AB5032B}"/>
+                <a16:creationId xmlns="" xmlns:a16="http://schemas.microsoft.com/office/drawing/2014/main" id="{6BDA7693-CA76-4C97-8FED-A4A65AB5032B}"/>
               </a:ext>
             </a:extLst>
           </p:cNvPr>
@@ -10310,7 +10311,7 @@
           <p:cNvPr id="28" name="TextBox 45">
             <a:extLst>
               <a:ext uri="{FF2B5EF4-FFF2-40B4-BE49-F238E27FC236}">
-                <a16:creationId xmlns:a16="http://schemas.microsoft.com/office/drawing/2014/main" xmlns="" id="{6BDA7693-CA76-4C97-8FED-A4A65AB5032B}"/>
+                <a16:creationId xmlns="" xmlns:a16="http://schemas.microsoft.com/office/drawing/2014/main" id="{6BDA7693-CA76-4C97-8FED-A4A65AB5032B}"/>
               </a:ext>
             </a:extLst>
           </p:cNvPr>
@@ -11858,7 +11859,7 @@
           <p:cNvPr id="6" name="TextBox 45">
             <a:extLst>
               <a:ext uri="{FF2B5EF4-FFF2-40B4-BE49-F238E27FC236}">
-                <a16:creationId xmlns:a16="http://schemas.microsoft.com/office/drawing/2014/main" xmlns="" id="{6BDA7693-CA76-4C97-8FED-A4A65AB5032B}"/>
+                <a16:creationId xmlns="" xmlns:a16="http://schemas.microsoft.com/office/drawing/2014/main" id="{6BDA7693-CA76-4C97-8FED-A4A65AB5032B}"/>
               </a:ext>
             </a:extLst>
           </p:cNvPr>
@@ -13390,7 +13391,7 @@
           <p:cNvPr id="6" name="TextBox 45">
             <a:extLst>
               <a:ext uri="{FF2B5EF4-FFF2-40B4-BE49-F238E27FC236}">
-                <a16:creationId xmlns:a16="http://schemas.microsoft.com/office/drawing/2014/main" xmlns="" id="{6BDA7693-CA76-4C97-8FED-A4A65AB5032B}"/>
+                <a16:creationId xmlns="" xmlns:a16="http://schemas.microsoft.com/office/drawing/2014/main" id="{6BDA7693-CA76-4C97-8FED-A4A65AB5032B}"/>
               </a:ext>
             </a:extLst>
           </p:cNvPr>
@@ -14815,7 +14816,7 @@
           <p:cNvPr id="2" name="TextBox 45">
             <a:extLst>
               <a:ext uri="{FF2B5EF4-FFF2-40B4-BE49-F238E27FC236}">
-                <a16:creationId xmlns:a16="http://schemas.microsoft.com/office/drawing/2014/main" xmlns="" id="{6BDA7693-CA76-4C97-8FED-A4A65AB5032B}"/>
+                <a16:creationId xmlns="" xmlns:a16="http://schemas.microsoft.com/office/drawing/2014/main" id="{6BDA7693-CA76-4C97-8FED-A4A65AB5032B}"/>
               </a:ext>
             </a:extLst>
           </p:cNvPr>
@@ -15786,7 +15787,7 @@
           <p:cNvPr id="34" name="TextBox 45">
             <a:extLst>
               <a:ext uri="{FF2B5EF4-FFF2-40B4-BE49-F238E27FC236}">
-                <a16:creationId xmlns:a16="http://schemas.microsoft.com/office/drawing/2014/main" xmlns="" id="{6BDA7693-CA76-4C97-8FED-A4A65AB5032B}"/>
+                <a16:creationId xmlns="" xmlns:a16="http://schemas.microsoft.com/office/drawing/2014/main" id="{6BDA7693-CA76-4C97-8FED-A4A65AB5032B}"/>
               </a:ext>
             </a:extLst>
           </p:cNvPr>
@@ -17402,7 +17403,7 @@
           <p:cNvPr id="2" name="TextBox 45">
             <a:extLst>
               <a:ext uri="{FF2B5EF4-FFF2-40B4-BE49-F238E27FC236}">
-                <a16:creationId xmlns:a16="http://schemas.microsoft.com/office/drawing/2014/main" xmlns="" id="{6BDA7693-CA76-4C97-8FED-A4A65AB5032B}"/>
+                <a16:creationId xmlns="" xmlns:a16="http://schemas.microsoft.com/office/drawing/2014/main" id="{6BDA7693-CA76-4C97-8FED-A4A65AB5032B}"/>
               </a:ext>
             </a:extLst>
           </p:cNvPr>
@@ -18152,7 +18153,7 @@
           <p:cNvPr id="34" name="TextBox 45">
             <a:extLst>
               <a:ext uri="{FF2B5EF4-FFF2-40B4-BE49-F238E27FC236}">
-                <a16:creationId xmlns:a16="http://schemas.microsoft.com/office/drawing/2014/main" xmlns="" id="{6BDA7693-CA76-4C97-8FED-A4A65AB5032B}"/>
+                <a16:creationId xmlns="" xmlns:a16="http://schemas.microsoft.com/office/drawing/2014/main" id="{6BDA7693-CA76-4C97-8FED-A4A65AB5032B}"/>
               </a:ext>
             </a:extLst>
           </p:cNvPr>
@@ -19515,7 +19516,7 @@
           <p:cNvPr id="114" name="TextBox 45">
             <a:extLst>
               <a:ext uri="{FF2B5EF4-FFF2-40B4-BE49-F238E27FC236}">
-                <a16:creationId xmlns:a16="http://schemas.microsoft.com/office/drawing/2014/main" xmlns="" id="{6BDA7693-CA76-4C97-8FED-A4A65AB5032B}"/>
+                <a16:creationId xmlns="" xmlns:a16="http://schemas.microsoft.com/office/drawing/2014/main" id="{6BDA7693-CA76-4C97-8FED-A4A65AB5032B}"/>
               </a:ext>
             </a:extLst>
           </p:cNvPr>
@@ -19689,7 +19690,7 @@
           <p:cNvPr id="2" name="TextBox 45">
             <a:extLst>
               <a:ext uri="{FF2B5EF4-FFF2-40B4-BE49-F238E27FC236}">
-                <a16:creationId xmlns:a16="http://schemas.microsoft.com/office/drawing/2014/main" xmlns="" id="{6BDA7693-CA76-4C97-8FED-A4A65AB5032B}"/>
+                <a16:creationId xmlns="" xmlns:a16="http://schemas.microsoft.com/office/drawing/2014/main" id="{6BDA7693-CA76-4C97-8FED-A4A65AB5032B}"/>
               </a:ext>
             </a:extLst>
           </p:cNvPr>
@@ -20628,7 +20629,7 @@
           <p:cNvPr id="114" name="TextBox 45">
             <a:extLst>
               <a:ext uri="{FF2B5EF4-FFF2-40B4-BE49-F238E27FC236}">
-                <a16:creationId xmlns:a16="http://schemas.microsoft.com/office/drawing/2014/main" xmlns="" id="{6BDA7693-CA76-4C97-8FED-A4A65AB5032B}"/>
+                <a16:creationId xmlns="" xmlns:a16="http://schemas.microsoft.com/office/drawing/2014/main" id="{6BDA7693-CA76-4C97-8FED-A4A65AB5032B}"/>
               </a:ext>
             </a:extLst>
           </p:cNvPr>
@@ -22380,7 +22381,7 @@
           <p:cNvPr id="2" name="TextBox 45">
             <a:extLst>
               <a:ext uri="{FF2B5EF4-FFF2-40B4-BE49-F238E27FC236}">
-                <a16:creationId xmlns:a16="http://schemas.microsoft.com/office/drawing/2014/main" xmlns="" id="{6BDA7693-CA76-4C97-8FED-A4A65AB5032B}"/>
+                <a16:creationId xmlns="" xmlns:a16="http://schemas.microsoft.com/office/drawing/2014/main" id="{6BDA7693-CA76-4C97-8FED-A4A65AB5032B}"/>
               </a:ext>
             </a:extLst>
           </p:cNvPr>
@@ -23959,7 +23960,7 @@
           <p:cNvPr id="2" name="TextBox 45">
             <a:extLst>
               <a:ext uri="{FF2B5EF4-FFF2-40B4-BE49-F238E27FC236}">
-                <a16:creationId xmlns:a16="http://schemas.microsoft.com/office/drawing/2014/main" xmlns="" id="{6BDA7693-CA76-4C97-8FED-A4A65AB5032B}"/>
+                <a16:creationId xmlns="" xmlns:a16="http://schemas.microsoft.com/office/drawing/2014/main" id="{6BDA7693-CA76-4C97-8FED-A4A65AB5032B}"/>
               </a:ext>
             </a:extLst>
           </p:cNvPr>
@@ -24952,7 +24953,7 @@
           <p:cNvPr id="114" name="TextBox 45">
             <a:extLst>
               <a:ext uri="{FF2B5EF4-FFF2-40B4-BE49-F238E27FC236}">
-                <a16:creationId xmlns:a16="http://schemas.microsoft.com/office/drawing/2014/main" xmlns="" id="{6BDA7693-CA76-4C97-8FED-A4A65AB5032B}"/>
+                <a16:creationId xmlns="" xmlns:a16="http://schemas.microsoft.com/office/drawing/2014/main" id="{6BDA7693-CA76-4C97-8FED-A4A65AB5032B}"/>
               </a:ext>
             </a:extLst>
           </p:cNvPr>
@@ -25767,7 +25768,7 @@
           <p:cNvPr id="2" name="TextBox 45">
             <a:extLst>
               <a:ext uri="{FF2B5EF4-FFF2-40B4-BE49-F238E27FC236}">
-                <a16:creationId xmlns:a16="http://schemas.microsoft.com/office/drawing/2014/main" xmlns="" id="{6BDA7693-CA76-4C97-8FED-A4A65AB5032B}"/>
+                <a16:creationId xmlns="" xmlns:a16="http://schemas.microsoft.com/office/drawing/2014/main" id="{6BDA7693-CA76-4C97-8FED-A4A65AB5032B}"/>
               </a:ext>
             </a:extLst>
           </p:cNvPr>
@@ -26330,7 +26331,7 @@
           <p:cNvPr id="26" name="TextBox 45">
             <a:extLst>
               <a:ext uri="{FF2B5EF4-FFF2-40B4-BE49-F238E27FC236}">
-                <a16:creationId xmlns:a16="http://schemas.microsoft.com/office/drawing/2014/main" xmlns="" id="{6BDA7693-CA76-4C97-8FED-A4A65AB5032B}"/>
+                <a16:creationId xmlns="" xmlns:a16="http://schemas.microsoft.com/office/drawing/2014/main" id="{6BDA7693-CA76-4C97-8FED-A4A65AB5032B}"/>
               </a:ext>
             </a:extLst>
           </p:cNvPr>
@@ -26446,7 +26447,7 @@
           <p:cNvPr id="32" name="TextBox 45">
             <a:extLst>
               <a:ext uri="{FF2B5EF4-FFF2-40B4-BE49-F238E27FC236}">
-                <a16:creationId xmlns:a16="http://schemas.microsoft.com/office/drawing/2014/main" xmlns="" id="{6BDA7693-CA76-4C97-8FED-A4A65AB5032B}"/>
+                <a16:creationId xmlns="" xmlns:a16="http://schemas.microsoft.com/office/drawing/2014/main" id="{6BDA7693-CA76-4C97-8FED-A4A65AB5032B}"/>
               </a:ext>
             </a:extLst>
           </p:cNvPr>
@@ -27009,7 +27010,7 @@
           <p:cNvPr id="48" name="TextBox 45">
             <a:extLst>
               <a:ext uri="{FF2B5EF4-FFF2-40B4-BE49-F238E27FC236}">
-                <a16:creationId xmlns:a16="http://schemas.microsoft.com/office/drawing/2014/main" xmlns="" id="{6BDA7693-CA76-4C97-8FED-A4A65AB5032B}"/>
+                <a16:creationId xmlns="" xmlns:a16="http://schemas.microsoft.com/office/drawing/2014/main" id="{6BDA7693-CA76-4C97-8FED-A4A65AB5032B}"/>
               </a:ext>
             </a:extLst>
           </p:cNvPr>
@@ -27099,7 +27100,7 @@
           <p:cNvPr id="49" name="TextBox 45">
             <a:extLst>
               <a:ext uri="{FF2B5EF4-FFF2-40B4-BE49-F238E27FC236}">
-                <a16:creationId xmlns:a16="http://schemas.microsoft.com/office/drawing/2014/main" xmlns="" id="{6BDA7693-CA76-4C97-8FED-A4A65AB5032B}"/>
+                <a16:creationId xmlns="" xmlns:a16="http://schemas.microsoft.com/office/drawing/2014/main" id="{6BDA7693-CA76-4C97-8FED-A4A65AB5032B}"/>
               </a:ext>
             </a:extLst>
           </p:cNvPr>
@@ -27268,7 +27269,7 @@
           <p:cNvPr id="2" name="TextBox 45">
             <a:extLst>
               <a:ext uri="{FF2B5EF4-FFF2-40B4-BE49-F238E27FC236}">
-                <a16:creationId xmlns:a16="http://schemas.microsoft.com/office/drawing/2014/main" xmlns="" id="{6BDA7693-CA76-4C97-8FED-A4A65AB5032B}"/>
+                <a16:creationId xmlns="" xmlns:a16="http://schemas.microsoft.com/office/drawing/2014/main" id="{6BDA7693-CA76-4C97-8FED-A4A65AB5032B}"/>
               </a:ext>
             </a:extLst>
           </p:cNvPr>
@@ -28040,7 +28041,7 @@
           <p:cNvPr id="23" name="TextBox 45">
             <a:extLst>
               <a:ext uri="{FF2B5EF4-FFF2-40B4-BE49-F238E27FC236}">
-                <a16:creationId xmlns:a16="http://schemas.microsoft.com/office/drawing/2014/main" xmlns="" id="{6BDA7693-CA76-4C97-8FED-A4A65AB5032B}"/>
+                <a16:creationId xmlns="" xmlns:a16="http://schemas.microsoft.com/office/drawing/2014/main" id="{6BDA7693-CA76-4C97-8FED-A4A65AB5032B}"/>
               </a:ext>
             </a:extLst>
           </p:cNvPr>
@@ -37017,7 +37018,7 @@
           <p:cNvPr id="2" name="TextBox 45">
             <a:extLst>
               <a:ext uri="{FF2B5EF4-FFF2-40B4-BE49-F238E27FC236}">
-                <a16:creationId xmlns:a16="http://schemas.microsoft.com/office/drawing/2014/main" xmlns="" id="{6BDA7693-CA76-4C97-8FED-A4A65AB5032B}"/>
+                <a16:creationId xmlns="" xmlns:a16="http://schemas.microsoft.com/office/drawing/2014/main" id="{6BDA7693-CA76-4C97-8FED-A4A65AB5032B}"/>
               </a:ext>
             </a:extLst>
           </p:cNvPr>
@@ -37956,7 +37957,7 @@
           <p:cNvPr id="114" name="TextBox 45">
             <a:extLst>
               <a:ext uri="{FF2B5EF4-FFF2-40B4-BE49-F238E27FC236}">
-                <a16:creationId xmlns:a16="http://schemas.microsoft.com/office/drawing/2014/main" xmlns="" id="{6BDA7693-CA76-4C97-8FED-A4A65AB5032B}"/>
+                <a16:creationId xmlns="" xmlns:a16="http://schemas.microsoft.com/office/drawing/2014/main" id="{6BDA7693-CA76-4C97-8FED-A4A65AB5032B}"/>
               </a:ext>
             </a:extLst>
           </p:cNvPr>
@@ -39103,7 +39104,7 @@
           <p:cNvPr id="2" name="TextBox 45">
             <a:extLst>
               <a:ext uri="{FF2B5EF4-FFF2-40B4-BE49-F238E27FC236}">
-                <a16:creationId xmlns:a16="http://schemas.microsoft.com/office/drawing/2014/main" xmlns="" id="{6BDA7693-CA76-4C97-8FED-A4A65AB5032B}"/>
+                <a16:creationId xmlns="" xmlns:a16="http://schemas.microsoft.com/office/drawing/2014/main" id="{6BDA7693-CA76-4C97-8FED-A4A65AB5032B}"/>
               </a:ext>
             </a:extLst>
           </p:cNvPr>
@@ -40472,7 +40473,7 @@
         </p:nvSpPr>
         <p:spPr>
           <a:xfrm rot="16200000">
-            <a:off x="7065940" y="1942927"/>
+            <a:off x="6483779" y="2524774"/>
             <a:ext cx="86434" cy="139263"/>
           </a:xfrm>
           <a:prstGeom prst="triangle">
@@ -40507,36 +40508,6 @@
                 <a:schemeClr val="dk1"/>
               </a:solidFill>
             </a:endParaRPr>
-          </a:p>
-        </p:txBody>
-      </p:sp>
-      <p:sp>
-        <p:nvSpPr>
-          <p:cNvPr id="24" name="CasellaDiTesto 23"/>
-          <p:cNvSpPr txBox="1"/>
-          <p:nvPr/>
-        </p:nvSpPr>
-        <p:spPr>
-          <a:xfrm>
-            <a:off x="6065968" y="2353860"/>
-            <a:ext cx="1693028" cy="369332"/>
-          </a:xfrm>
-          <a:prstGeom prst="rect">
-            <a:avLst/>
-          </a:prstGeom>
-          <a:noFill/>
-        </p:spPr>
-        <p:txBody>
-          <a:bodyPr wrap="none" rtlCol="0">
-            <a:spAutoFit/>
-          </a:bodyPr>
-          <a:lstStyle/>
-          <a:p>
-            <a:r>
-              <a:rPr lang="en-GB" b="1" dirty="0" err="1"/>
-              <a:t>InputServerDed</a:t>
-            </a:r>
-            <a:endParaRPr lang="en-GB" dirty="0"/>
           </a:p>
         </p:txBody>
       </p:sp>
@@ -42164,6 +42135,36 @@
           </a:p>
         </p:txBody>
       </p:sp>
+      <p:sp>
+        <p:nvSpPr>
+          <p:cNvPr id="24" name="CasellaDiTesto 23"/>
+          <p:cNvSpPr txBox="1"/>
+          <p:nvPr/>
+        </p:nvSpPr>
+        <p:spPr>
+          <a:xfrm>
+            <a:off x="6071980" y="2314722"/>
+            <a:ext cx="1693028" cy="369332"/>
+          </a:xfrm>
+          <a:prstGeom prst="rect">
+            <a:avLst/>
+          </a:prstGeom>
+          <a:noFill/>
+        </p:spPr>
+        <p:txBody>
+          <a:bodyPr wrap="none" rtlCol="0">
+            <a:spAutoFit/>
+          </a:bodyPr>
+          <a:lstStyle/>
+          <a:p>
+            <a:r>
+              <a:rPr lang="en-GB" b="1" dirty="0" err="1"/>
+              <a:t>InputServerDed</a:t>
+            </a:r>
+            <a:endParaRPr lang="en-GB" dirty="0"/>
+          </a:p>
+        </p:txBody>
+      </p:sp>
     </p:spTree>
     <p:extLst>
       <p:ext uri="{BB962C8B-B14F-4D97-AF65-F5344CB8AC3E}">
@@ -43040,6 +43041,1768 @@
     <p:extLst>
       <p:ext uri="{BB962C8B-B14F-4D97-AF65-F5344CB8AC3E}">
         <p14:creationId xmlns:p14="http://schemas.microsoft.com/office/powerpoint/2010/main" val="3687236005"/>
+      </p:ext>
+    </p:extLst>
+  </p:cSld>
+  <p:clrMapOvr>
+    <a:masterClrMapping/>
+  </p:clrMapOvr>
+</p:sld>
+</file>
+
+<file path=ppt/slides/slide39.xml><?xml version="1.0" encoding="utf-8"?>
+<p:sld xmlns:a="http://schemas.openxmlformats.org/drawingml/2006/main" xmlns:r="http://schemas.openxmlformats.org/officeDocument/2006/relationships" xmlns:p="http://schemas.openxmlformats.org/presentationml/2006/main">
+  <p:cSld>
+    <p:spTree>
+      <p:nvGrpSpPr>
+        <p:cNvPr id="1" name=""/>
+        <p:cNvGrpSpPr/>
+        <p:nvPr/>
+      </p:nvGrpSpPr>
+      <p:grpSpPr>
+        <a:xfrm>
+          <a:off x="0" y="0"/>
+          <a:ext cx="0" cy="0"/>
+          <a:chOff x="0" y="0"/>
+          <a:chExt cx="0" cy="0"/>
+        </a:xfrm>
+      </p:grpSpPr>
+      <p:sp>
+        <p:nvSpPr>
+          <p:cNvPr id="2" name="Rettangolo 1"/>
+          <p:cNvSpPr/>
+          <p:nvPr/>
+        </p:nvSpPr>
+        <p:spPr>
+          <a:xfrm>
+            <a:off x="3026843" y="404358"/>
+            <a:ext cx="2079608" cy="338554"/>
+          </a:xfrm>
+          <a:prstGeom prst="rect">
+            <a:avLst/>
+          </a:prstGeom>
+          <a:solidFill>
+            <a:srgbClr val="CCFF99"/>
+          </a:solidFill>
+        </p:spPr>
+        <p:style>
+          <a:lnRef idx="1">
+            <a:schemeClr val="accent3"/>
+          </a:lnRef>
+          <a:fillRef idx="3">
+            <a:schemeClr val="accent3"/>
+          </a:fillRef>
+          <a:effectRef idx="2">
+            <a:schemeClr val="accent3"/>
+          </a:effectRef>
+          <a:fontRef idx="minor">
+            <a:schemeClr val="lt1"/>
+          </a:fontRef>
+        </p:style>
+        <p:txBody>
+          <a:bodyPr wrap="none">
+            <a:spAutoFit/>
+          </a:bodyPr>
+          <a:lstStyle/>
+          <a:p>
+            <a:r>
+              <a:rPr lang="en-GB" sz="1600" dirty="0" err="1">
+                <a:solidFill>
+                  <a:srgbClr val="C00000"/>
+                </a:solidFill>
+              </a:rPr>
+              <a:t>HealthServiceInterface</a:t>
+            </a:r>
+            <a:endParaRPr lang="en-GB" sz="1600" dirty="0">
+              <a:solidFill>
+                <a:srgbClr val="C00000"/>
+              </a:solidFill>
+            </a:endParaRPr>
+          </a:p>
+        </p:txBody>
+      </p:sp>
+      <p:sp>
+        <p:nvSpPr>
+          <p:cNvPr id="3" name="Rettangolo 2"/>
+          <p:cNvSpPr/>
+          <p:nvPr/>
+        </p:nvSpPr>
+        <p:spPr>
+          <a:xfrm>
+            <a:off x="2770502" y="1298908"/>
+            <a:ext cx="2592288" cy="720080"/>
+          </a:xfrm>
+          <a:prstGeom prst="rect">
+            <a:avLst/>
+          </a:prstGeom>
+          <a:solidFill>
+            <a:srgbClr val="FFFFCC"/>
+          </a:solidFill>
+        </p:spPr>
+        <p:style>
+          <a:lnRef idx="2">
+            <a:schemeClr val="accent1">
+              <a:shade val="50000"/>
+            </a:schemeClr>
+          </a:lnRef>
+          <a:fillRef idx="1">
+            <a:schemeClr val="accent1"/>
+          </a:fillRef>
+          <a:effectRef idx="0">
+            <a:schemeClr val="accent1"/>
+          </a:effectRef>
+          <a:fontRef idx="minor">
+            <a:schemeClr val="lt1"/>
+          </a:fontRef>
+        </p:style>
+        <p:txBody>
+          <a:bodyPr rtlCol="0" anchor="ctr"/>
+          <a:lstStyle/>
+          <a:p>
+            <a:pPr algn="ctr"/>
+            <a:r>
+              <a:rPr lang="en-GB" b="1" dirty="0">
+                <a:solidFill>
+                  <a:srgbClr val="0070C0"/>
+                </a:solidFill>
+              </a:rPr>
+              <a:t>HealthServiceItel20</a:t>
+            </a:r>
+            <a:endParaRPr lang="en-GB" dirty="0">
+              <a:solidFill>
+                <a:srgbClr val="0070C0"/>
+              </a:solidFill>
+            </a:endParaRPr>
+          </a:p>
+        </p:txBody>
+      </p:sp>
+      <p:sp>
+        <p:nvSpPr>
+          <p:cNvPr id="4" name="Rettangolo 3"/>
+          <p:cNvSpPr/>
+          <p:nvPr/>
+        </p:nvSpPr>
+        <p:spPr>
+          <a:xfrm>
+            <a:off x="2770502" y="2868953"/>
+            <a:ext cx="2592288" cy="720080"/>
+          </a:xfrm>
+          <a:prstGeom prst="rect">
+            <a:avLst/>
+          </a:prstGeom>
+          <a:solidFill>
+            <a:srgbClr val="FFFFCC"/>
+          </a:solidFill>
+        </p:spPr>
+        <p:style>
+          <a:lnRef idx="2">
+            <a:schemeClr val="accent1">
+              <a:shade val="50000"/>
+            </a:schemeClr>
+          </a:lnRef>
+          <a:fillRef idx="1">
+            <a:schemeClr val="accent1"/>
+          </a:fillRef>
+          <a:effectRef idx="0">
+            <a:schemeClr val="accent1"/>
+          </a:effectRef>
+          <a:fontRef idx="minor">
+            <a:schemeClr val="lt1"/>
+          </a:fontRef>
+        </p:style>
+        <p:txBody>
+          <a:bodyPr rtlCol="0" anchor="ctr"/>
+          <a:lstStyle/>
+          <a:p>
+            <a:pPr algn="ctr"/>
+            <a:r>
+              <a:rPr lang="en-GB" b="1" dirty="0" err="1">
+                <a:solidFill>
+                  <a:srgbClr val="0070C0"/>
+                </a:solidFill>
+              </a:rPr>
+              <a:t>HealthServiceLegacyDed</a:t>
+            </a:r>
+            <a:endParaRPr lang="en-GB" dirty="0">
+              <a:solidFill>
+                <a:srgbClr val="0070C0"/>
+              </a:solidFill>
+            </a:endParaRPr>
+          </a:p>
+        </p:txBody>
+      </p:sp>
+      <p:cxnSp>
+        <p:nvCxnSpPr>
+          <p:cNvPr id="6" name="Connettore 4 5"/>
+          <p:cNvCxnSpPr>
+            <a:stCxn id="3" idx="0"/>
+            <a:endCxn id="2" idx="2"/>
+          </p:cNvCxnSpPr>
+          <p:nvPr/>
+        </p:nvCxnSpPr>
+        <p:spPr>
+          <a:xfrm rot="5400000" flipH="1" flipV="1">
+            <a:off x="3788648" y="1020910"/>
+            <a:ext cx="555996" cy="1"/>
+          </a:xfrm>
+          <a:prstGeom prst="bentConnector3">
+            <a:avLst>
+              <a:gd name="adj1" fmla="val 50000"/>
+            </a:avLst>
+          </a:prstGeom>
+          <a:ln>
+            <a:tailEnd type="arrow"/>
+          </a:ln>
+        </p:spPr>
+        <p:style>
+          <a:lnRef idx="1">
+            <a:schemeClr val="accent1"/>
+          </a:lnRef>
+          <a:fillRef idx="0">
+            <a:schemeClr val="accent1"/>
+          </a:fillRef>
+          <a:effectRef idx="0">
+            <a:schemeClr val="accent1"/>
+          </a:effectRef>
+          <a:fontRef idx="minor">
+            <a:schemeClr val="tx1"/>
+          </a:fontRef>
+        </p:style>
+      </p:cxnSp>
+      <p:sp>
+        <p:nvSpPr>
+          <p:cNvPr id="8" name="CasellaDiTesto 7"/>
+          <p:cNvSpPr txBox="1"/>
+          <p:nvPr/>
+        </p:nvSpPr>
+        <p:spPr>
+          <a:xfrm>
+            <a:off x="2768404" y="765130"/>
+            <a:ext cx="1298241" cy="369332"/>
+          </a:xfrm>
+          <a:prstGeom prst="rect">
+            <a:avLst/>
+          </a:prstGeom>
+          <a:noFill/>
+        </p:spPr>
+        <p:txBody>
+          <a:bodyPr wrap="none" rtlCol="0">
+            <a:spAutoFit/>
+          </a:bodyPr>
+          <a:lstStyle/>
+          <a:p>
+            <a:r>
+              <a:rPr lang="it-IT" dirty="0" err="1" smtClean="0"/>
+              <a:t>implements</a:t>
+            </a:r>
+            <a:endParaRPr lang="en-GB" dirty="0"/>
+          </a:p>
+        </p:txBody>
+      </p:sp>
+      <p:sp>
+        <p:nvSpPr>
+          <p:cNvPr id="9" name="Triangolo isoscele 8"/>
+          <p:cNvSpPr/>
+          <p:nvPr/>
+        </p:nvSpPr>
+        <p:spPr>
+          <a:xfrm>
+            <a:off x="3958995" y="2018988"/>
+            <a:ext cx="215301" cy="228600"/>
+          </a:xfrm>
+          <a:prstGeom prst="triangle">
+            <a:avLst/>
+          </a:prstGeom>
+          <a:solidFill>
+            <a:srgbClr val="FFFF00"/>
+          </a:solidFill>
+        </p:spPr>
+        <p:style>
+          <a:lnRef idx="2">
+            <a:schemeClr val="accent1">
+              <a:shade val="50000"/>
+            </a:schemeClr>
+          </a:lnRef>
+          <a:fillRef idx="1">
+            <a:schemeClr val="accent1"/>
+          </a:fillRef>
+          <a:effectRef idx="0">
+            <a:schemeClr val="accent1"/>
+          </a:effectRef>
+          <a:fontRef idx="minor">
+            <a:schemeClr val="lt1"/>
+          </a:fontRef>
+        </p:style>
+        <p:txBody>
+          <a:bodyPr rtlCol="0" anchor="ctr"/>
+          <a:lstStyle/>
+          <a:p>
+            <a:pPr algn="ctr"/>
+            <a:endParaRPr lang="en-GB"/>
+          </a:p>
+        </p:txBody>
+      </p:sp>
+      <p:cxnSp>
+        <p:nvCxnSpPr>
+          <p:cNvPr id="15" name="Connettore 1 14"/>
+          <p:cNvCxnSpPr>
+            <a:stCxn id="4" idx="0"/>
+            <a:endCxn id="9" idx="3"/>
+          </p:cNvCxnSpPr>
+          <p:nvPr/>
+        </p:nvCxnSpPr>
+        <p:spPr>
+          <a:xfrm flipV="1">
+            <a:off x="4066646" y="2247588"/>
+            <a:ext cx="0" cy="621365"/>
+          </a:xfrm>
+          <a:prstGeom prst="line">
+            <a:avLst/>
+          </a:prstGeom>
+        </p:spPr>
+        <p:style>
+          <a:lnRef idx="1">
+            <a:schemeClr val="accent1"/>
+          </a:lnRef>
+          <a:fillRef idx="0">
+            <a:schemeClr val="accent1"/>
+          </a:fillRef>
+          <a:effectRef idx="0">
+            <a:schemeClr val="accent1"/>
+          </a:effectRef>
+          <a:fontRef idx="minor">
+            <a:schemeClr val="tx1"/>
+          </a:fontRef>
+        </p:style>
+      </p:cxnSp>
+      <p:grpSp>
+        <p:nvGrpSpPr>
+          <p:cNvPr id="16" name="Gruppo 15"/>
+          <p:cNvGrpSpPr/>
+          <p:nvPr/>
+        </p:nvGrpSpPr>
+        <p:grpSpPr>
+          <a:xfrm>
+            <a:off x="7292485" y="1298908"/>
+            <a:ext cx="857856" cy="702646"/>
+            <a:chOff x="565700" y="4961976"/>
+            <a:chExt cx="805955" cy="750838"/>
+          </a:xfrm>
+        </p:grpSpPr>
+        <p:sp>
+          <p:nvSpPr>
+            <p:cNvPr id="17" name="Ovale 16"/>
+            <p:cNvSpPr/>
+            <p:nvPr/>
+          </p:nvSpPr>
+          <p:spPr>
+            <a:xfrm>
+              <a:off x="565700" y="4983583"/>
+              <a:ext cx="805955" cy="729231"/>
+            </a:xfrm>
+            <a:prstGeom prst="ellipse">
+              <a:avLst/>
+            </a:prstGeom>
+            <a:solidFill>
+              <a:srgbClr val="FF99CC"/>
+            </a:solidFill>
+            <a:ln/>
+          </p:spPr>
+          <p:style>
+            <a:lnRef idx="1">
+              <a:schemeClr val="accent4"/>
+            </a:lnRef>
+            <a:fillRef idx="2">
+              <a:schemeClr val="accent4"/>
+            </a:fillRef>
+            <a:effectRef idx="1">
+              <a:schemeClr val="accent4"/>
+            </a:effectRef>
+            <a:fontRef idx="minor">
+              <a:schemeClr val="dk1"/>
+            </a:fontRef>
+          </p:style>
+          <p:txBody>
+            <a:bodyPr rtlCol="0" anchor="ctr"/>
+            <a:lstStyle/>
+            <a:p>
+              <a:pPr algn="ctr"/>
+              <a:r>
+                <a:rPr lang="en-GB" sz="1200" dirty="0"/>
+                <a:t> </a:t>
+              </a:r>
+            </a:p>
+          </p:txBody>
+        </p:sp>
+        <p:sp>
+          <p:nvSpPr>
+            <p:cNvPr id="18" name="Triangolo isoscele 17"/>
+            <p:cNvSpPr/>
+            <p:nvPr/>
+          </p:nvSpPr>
+          <p:spPr>
+            <a:xfrm rot="16200000">
+              <a:off x="904012" y="4936848"/>
+              <a:ext cx="39538" cy="89794"/>
+            </a:xfrm>
+            <a:prstGeom prst="triangle">
+              <a:avLst/>
+            </a:prstGeom>
+            <a:solidFill>
+              <a:srgbClr val="C00000"/>
+            </a:solidFill>
+            <a:ln/>
+          </p:spPr>
+          <p:style>
+            <a:lnRef idx="1">
+              <a:schemeClr val="accent5"/>
+            </a:lnRef>
+            <a:fillRef idx="2">
+              <a:schemeClr val="accent5"/>
+            </a:fillRef>
+            <a:effectRef idx="1">
+              <a:schemeClr val="accent5"/>
+            </a:effectRef>
+            <a:fontRef idx="minor">
+              <a:schemeClr val="dk1"/>
+            </a:fontRef>
+          </p:style>
+          <p:txBody>
+            <a:bodyPr rtlCol="0" anchor="ctr"/>
+            <a:lstStyle/>
+            <a:p>
+              <a:pPr algn="ctr"/>
+              <a:endParaRPr lang="en-GB" sz="1200">
+                <a:solidFill>
+                  <a:schemeClr val="dk1"/>
+                </a:solidFill>
+              </a:endParaRPr>
+            </a:p>
+          </p:txBody>
+        </p:sp>
+      </p:grpSp>
+      <p:sp>
+        <p:nvSpPr>
+          <p:cNvPr id="19" name="CasellaDiTesto 18"/>
+          <p:cNvSpPr txBox="1"/>
+          <p:nvPr/>
+        </p:nvSpPr>
+        <p:spPr>
+          <a:xfrm>
+            <a:off x="6807898" y="949796"/>
+            <a:ext cx="2051783" cy="369332"/>
+          </a:xfrm>
+          <a:prstGeom prst="rect">
+            <a:avLst/>
+          </a:prstGeom>
+          <a:noFill/>
+        </p:spPr>
+        <p:txBody>
+          <a:bodyPr wrap="square" rtlCol="0">
+            <a:spAutoFit/>
+          </a:bodyPr>
+          <a:lstStyle>
+            <a:defPPr>
+              <a:defRPr lang="en-US"/>
+            </a:defPPr>
+            <a:lvl1pPr>
+              <a:defRPr b="1"/>
+            </a:lvl1pPr>
+          </a:lstStyle>
+          <a:p>
+            <a:r>
+              <a:rPr lang="en-GB" dirty="0" smtClean="0"/>
+              <a:t>FHIRServerItel20</a:t>
+            </a:r>
+            <a:endParaRPr lang="en-GB" dirty="0"/>
+          </a:p>
+        </p:txBody>
+      </p:sp>
+      <p:cxnSp>
+        <p:nvCxnSpPr>
+          <p:cNvPr id="21" name="Connettore 2 20"/>
+          <p:cNvCxnSpPr>
+            <a:stCxn id="3" idx="3"/>
+            <a:endCxn id="17" idx="2"/>
+          </p:cNvCxnSpPr>
+          <p:nvPr/>
+        </p:nvCxnSpPr>
+        <p:spPr>
+          <a:xfrm>
+            <a:off x="5362790" y="1658948"/>
+            <a:ext cx="1929695" cy="1393"/>
+          </a:xfrm>
+          <a:prstGeom prst="straightConnector1">
+            <a:avLst/>
+          </a:prstGeom>
+          <a:ln>
+            <a:prstDash val="dash"/>
+            <a:tailEnd type="arrow"/>
+          </a:ln>
+        </p:spPr>
+        <p:style>
+          <a:lnRef idx="1">
+            <a:schemeClr val="accent1"/>
+          </a:lnRef>
+          <a:fillRef idx="0">
+            <a:schemeClr val="accent1"/>
+          </a:fillRef>
+          <a:effectRef idx="0">
+            <a:schemeClr val="accent1"/>
+          </a:effectRef>
+          <a:fontRef idx="minor">
+            <a:schemeClr val="tx1"/>
+          </a:fontRef>
+        </p:style>
+      </p:cxnSp>
+      <p:grpSp>
+        <p:nvGrpSpPr>
+          <p:cNvPr id="22" name="Gruppo 21"/>
+          <p:cNvGrpSpPr/>
+          <p:nvPr/>
+        </p:nvGrpSpPr>
+        <p:grpSpPr>
+          <a:xfrm>
+            <a:off x="7309567" y="2797820"/>
+            <a:ext cx="805955" cy="772447"/>
+            <a:chOff x="5498762" y="2072585"/>
+            <a:chExt cx="805955" cy="772447"/>
+          </a:xfrm>
+        </p:grpSpPr>
+        <p:grpSp>
+          <p:nvGrpSpPr>
+            <p:cNvPr id="23" name="Gruppo 22"/>
+            <p:cNvGrpSpPr/>
+            <p:nvPr/>
+          </p:nvGrpSpPr>
+          <p:grpSpPr>
+            <a:xfrm>
+              <a:off x="5498762" y="2072585"/>
+              <a:ext cx="805955" cy="772447"/>
+              <a:chOff x="565700" y="4940367"/>
+              <a:chExt cx="805955" cy="772447"/>
+            </a:xfrm>
+          </p:grpSpPr>
+          <p:sp>
+            <p:nvSpPr>
+              <p:cNvPr id="25" name="Ovale 24"/>
+              <p:cNvSpPr/>
+              <p:nvPr/>
+            </p:nvSpPr>
+            <p:spPr>
+              <a:xfrm>
+                <a:off x="565700" y="4983583"/>
+                <a:ext cx="805955" cy="729231"/>
+              </a:xfrm>
+              <a:prstGeom prst="ellipse">
+                <a:avLst/>
+              </a:prstGeom>
+              <a:solidFill>
+                <a:srgbClr val="CCFF99"/>
+              </a:solidFill>
+              <a:ln/>
+            </p:spPr>
+            <p:style>
+              <a:lnRef idx="1">
+                <a:schemeClr val="accent4"/>
+              </a:lnRef>
+              <a:fillRef idx="2">
+                <a:schemeClr val="accent4"/>
+              </a:fillRef>
+              <a:effectRef idx="1">
+                <a:schemeClr val="accent4"/>
+              </a:effectRef>
+              <a:fontRef idx="minor">
+                <a:schemeClr val="dk1"/>
+              </a:fontRef>
+            </p:style>
+            <p:txBody>
+              <a:bodyPr rtlCol="0" anchor="ctr"/>
+              <a:lstStyle/>
+              <a:p>
+                <a:pPr algn="ctr"/>
+                <a:r>
+                  <a:rPr lang="en-GB" sz="1200" dirty="0"/>
+                  <a:t> </a:t>
+                </a:r>
+              </a:p>
+            </p:txBody>
+          </p:sp>
+          <p:sp>
+            <p:nvSpPr>
+              <p:cNvPr id="26" name="Triangolo isoscele 25"/>
+              <p:cNvSpPr/>
+              <p:nvPr/>
+            </p:nvSpPr>
+            <p:spPr>
+              <a:xfrm rot="16200000">
+                <a:off x="905299" y="4913952"/>
+                <a:ext cx="86434" cy="139263"/>
+              </a:xfrm>
+              <a:prstGeom prst="triangle">
+                <a:avLst/>
+              </a:prstGeom>
+              <a:solidFill>
+                <a:srgbClr val="C00000"/>
+              </a:solidFill>
+              <a:ln/>
+            </p:spPr>
+            <p:style>
+              <a:lnRef idx="1">
+                <a:schemeClr val="accent5"/>
+              </a:lnRef>
+              <a:fillRef idx="2">
+                <a:schemeClr val="accent5"/>
+              </a:fillRef>
+              <a:effectRef idx="1">
+                <a:schemeClr val="accent5"/>
+              </a:effectRef>
+              <a:fontRef idx="minor">
+                <a:schemeClr val="dk1"/>
+              </a:fontRef>
+            </p:style>
+            <p:txBody>
+              <a:bodyPr rtlCol="0" anchor="ctr"/>
+              <a:lstStyle/>
+              <a:p>
+                <a:pPr algn="ctr"/>
+                <a:endParaRPr lang="en-GB" sz="1200">
+                  <a:solidFill>
+                    <a:schemeClr val="dk1"/>
+                  </a:solidFill>
+                </a:endParaRPr>
+              </a:p>
+            </p:txBody>
+          </p:sp>
+        </p:grpSp>
+        <p:sp>
+          <p:nvSpPr>
+            <p:cNvPr id="24" name="CasellaDiTesto 23"/>
+            <p:cNvSpPr txBox="1"/>
+            <p:nvPr/>
+          </p:nvSpPr>
+          <p:spPr>
+            <a:xfrm>
+              <a:off x="5838254" y="2295750"/>
+              <a:ext cx="184731" cy="307777"/>
+            </a:xfrm>
+            <a:prstGeom prst="rect">
+              <a:avLst/>
+            </a:prstGeom>
+            <a:noFill/>
+          </p:spPr>
+          <p:txBody>
+            <a:bodyPr wrap="none" rtlCol="0">
+              <a:spAutoFit/>
+            </a:bodyPr>
+            <a:lstStyle/>
+            <a:p>
+              <a:pPr algn="ctr"/>
+              <a:endParaRPr lang="en-GB" sz="1400" dirty="0">
+                <a:solidFill>
+                  <a:srgbClr val="0070C0"/>
+                </a:solidFill>
+              </a:endParaRPr>
+            </a:p>
+          </p:txBody>
+        </p:sp>
+      </p:grpSp>
+      <p:sp>
+        <p:nvSpPr>
+          <p:cNvPr id="27" name="CasellaDiTesto 26"/>
+          <p:cNvSpPr txBox="1"/>
+          <p:nvPr/>
+        </p:nvSpPr>
+        <p:spPr>
+          <a:xfrm>
+            <a:off x="6696952" y="2494905"/>
+            <a:ext cx="2374753" cy="369332"/>
+          </a:xfrm>
+          <a:prstGeom prst="rect">
+            <a:avLst/>
+          </a:prstGeom>
+          <a:noFill/>
+        </p:spPr>
+        <p:txBody>
+          <a:bodyPr wrap="none" rtlCol="0">
+            <a:spAutoFit/>
+          </a:bodyPr>
+          <a:lstStyle/>
+          <a:p>
+            <a:r>
+              <a:rPr lang="en-GB" dirty="0" err="1"/>
+              <a:t>LegacyMockServerDed</a:t>
+            </a:r>
+            <a:r>
+              <a:rPr lang="en-GB" dirty="0"/>
+              <a:t> </a:t>
+            </a:r>
+            <a:endParaRPr lang="en-GB" dirty="0"/>
+          </a:p>
+        </p:txBody>
+      </p:sp>
+      <p:cxnSp>
+        <p:nvCxnSpPr>
+          <p:cNvPr id="28" name="Connettore 2 27"/>
+          <p:cNvCxnSpPr>
+            <a:stCxn id="4" idx="3"/>
+            <a:endCxn id="25" idx="2"/>
+          </p:cNvCxnSpPr>
+          <p:nvPr/>
+        </p:nvCxnSpPr>
+        <p:spPr>
+          <a:xfrm flipV="1">
+            <a:off x="5362790" y="3205652"/>
+            <a:ext cx="1946777" cy="23341"/>
+          </a:xfrm>
+          <a:prstGeom prst="straightConnector1">
+            <a:avLst/>
+          </a:prstGeom>
+          <a:ln>
+            <a:prstDash val="dash"/>
+            <a:tailEnd type="arrow"/>
+          </a:ln>
+        </p:spPr>
+        <p:style>
+          <a:lnRef idx="1">
+            <a:schemeClr val="accent1"/>
+          </a:lnRef>
+          <a:fillRef idx="0">
+            <a:schemeClr val="accent1"/>
+          </a:fillRef>
+          <a:effectRef idx="0">
+            <a:schemeClr val="accent1"/>
+          </a:effectRef>
+          <a:fontRef idx="minor">
+            <a:schemeClr val="tx1"/>
+          </a:fontRef>
+        </p:style>
+      </p:cxnSp>
+      <p:sp>
+        <p:nvSpPr>
+          <p:cNvPr id="32" name="CasellaDiTesto 31"/>
+          <p:cNvSpPr txBox="1"/>
+          <p:nvPr/>
+        </p:nvSpPr>
+        <p:spPr>
+          <a:xfrm>
+            <a:off x="4626681" y="3632687"/>
+            <a:ext cx="1693028" cy="369332"/>
+          </a:xfrm>
+          <a:prstGeom prst="rect">
+            <a:avLst/>
+          </a:prstGeom>
+          <a:noFill/>
+        </p:spPr>
+        <p:txBody>
+          <a:bodyPr wrap="none" rtlCol="0">
+            <a:spAutoFit/>
+          </a:bodyPr>
+          <a:lstStyle/>
+          <a:p>
+            <a:r>
+              <a:rPr lang="en-GB" b="1" dirty="0" err="1"/>
+              <a:t>InputServerDed</a:t>
+            </a:r>
+            <a:endParaRPr lang="en-GB" dirty="0"/>
+          </a:p>
+        </p:txBody>
+      </p:sp>
+      <p:cxnSp>
+        <p:nvCxnSpPr>
+          <p:cNvPr id="34" name="Connettore 4 33"/>
+          <p:cNvCxnSpPr>
+            <a:stCxn id="4" idx="2"/>
+          </p:cNvCxnSpPr>
+          <p:nvPr/>
+        </p:nvCxnSpPr>
+        <p:spPr>
+          <a:xfrm rot="16200000" flipH="1">
+            <a:off x="4120158" y="3535521"/>
+            <a:ext cx="786142" cy="893166"/>
+          </a:xfrm>
+          <a:prstGeom prst="bentConnector2">
+            <a:avLst/>
+          </a:prstGeom>
+          <a:ln>
+            <a:prstDash val="dash"/>
+            <a:tailEnd type="arrow"/>
+          </a:ln>
+        </p:spPr>
+        <p:style>
+          <a:lnRef idx="1">
+            <a:schemeClr val="accent1"/>
+          </a:lnRef>
+          <a:fillRef idx="0">
+            <a:schemeClr val="accent1"/>
+          </a:fillRef>
+          <a:effectRef idx="0">
+            <a:schemeClr val="accent1"/>
+          </a:effectRef>
+          <a:fontRef idx="minor">
+            <a:schemeClr val="tx1"/>
+          </a:fontRef>
+        </p:style>
+      </p:cxnSp>
+      <p:sp>
+        <p:nvSpPr>
+          <p:cNvPr id="35" name="CasellaDiTesto 34"/>
+          <p:cNvSpPr txBox="1"/>
+          <p:nvPr/>
+        </p:nvSpPr>
+        <p:spPr>
+          <a:xfrm>
+            <a:off x="3825592" y="3774137"/>
+            <a:ext cx="863121" cy="369332"/>
+          </a:xfrm>
+          <a:prstGeom prst="rect">
+            <a:avLst/>
+          </a:prstGeom>
+          <a:noFill/>
+        </p:spPr>
+        <p:txBody>
+          <a:bodyPr wrap="none" rtlCol="0">
+            <a:spAutoFit/>
+          </a:bodyPr>
+          <a:lstStyle/>
+          <a:p>
+            <a:r>
+              <a:rPr lang="it-IT" dirty="0" err="1" smtClean="0"/>
+              <a:t>creates</a:t>
+            </a:r>
+            <a:endParaRPr lang="en-GB" dirty="0"/>
+          </a:p>
+        </p:txBody>
+      </p:sp>
+      <p:cxnSp>
+        <p:nvCxnSpPr>
+          <p:cNvPr id="37" name="Connettore 4 36"/>
+          <p:cNvCxnSpPr>
+            <a:stCxn id="25" idx="4"/>
+          </p:cNvCxnSpPr>
+          <p:nvPr/>
+        </p:nvCxnSpPr>
+        <p:spPr>
+          <a:xfrm rot="5400000">
+            <a:off x="6336702" y="2999332"/>
+            <a:ext cx="804908" cy="1946778"/>
+          </a:xfrm>
+          <a:prstGeom prst="bentConnector2">
+            <a:avLst/>
+          </a:prstGeom>
+          <a:ln>
+            <a:tailEnd type="arrow"/>
+          </a:ln>
+        </p:spPr>
+        <p:style>
+          <a:lnRef idx="1">
+            <a:schemeClr val="accent1"/>
+          </a:lnRef>
+          <a:fillRef idx="0">
+            <a:schemeClr val="accent1"/>
+          </a:fillRef>
+          <a:effectRef idx="0">
+            <a:schemeClr val="accent1"/>
+          </a:effectRef>
+          <a:fontRef idx="minor">
+            <a:schemeClr val="tx1"/>
+          </a:fontRef>
+        </p:style>
+      </p:cxnSp>
+      <p:sp>
+        <p:nvSpPr>
+          <p:cNvPr id="38" name="CasellaDiTesto 37"/>
+          <p:cNvSpPr txBox="1"/>
+          <p:nvPr/>
+        </p:nvSpPr>
+        <p:spPr>
+          <a:xfrm>
+            <a:off x="6538056" y="4016337"/>
+            <a:ext cx="900439" cy="369332"/>
+          </a:xfrm>
+          <a:prstGeom prst="rect">
+            <a:avLst/>
+          </a:prstGeom>
+          <a:noFill/>
+        </p:spPr>
+        <p:txBody>
+          <a:bodyPr wrap="none" rtlCol="0">
+            <a:spAutoFit/>
+          </a:bodyPr>
+          <a:lstStyle/>
+          <a:p>
+            <a:r>
+              <a:rPr lang="it-IT" dirty="0" err="1" smtClean="0"/>
+              <a:t>request</a:t>
+            </a:r>
+            <a:endParaRPr lang="en-GB" dirty="0"/>
+          </a:p>
+        </p:txBody>
+      </p:sp>
+      <p:grpSp>
+        <p:nvGrpSpPr>
+          <p:cNvPr id="39" name="Gruppo 38"/>
+          <p:cNvGrpSpPr/>
+          <p:nvPr/>
+        </p:nvGrpSpPr>
+        <p:grpSpPr>
+          <a:xfrm>
+            <a:off x="4948972" y="3958803"/>
+            <a:ext cx="805955" cy="772447"/>
+            <a:chOff x="5498762" y="2072585"/>
+            <a:chExt cx="805955" cy="772447"/>
+          </a:xfrm>
+        </p:grpSpPr>
+        <p:grpSp>
+          <p:nvGrpSpPr>
+            <p:cNvPr id="40" name="Gruppo 39"/>
+            <p:cNvGrpSpPr/>
+            <p:nvPr/>
+          </p:nvGrpSpPr>
+          <p:grpSpPr>
+            <a:xfrm>
+              <a:off x="5498762" y="2072585"/>
+              <a:ext cx="805955" cy="772447"/>
+              <a:chOff x="565700" y="4940367"/>
+              <a:chExt cx="805955" cy="772447"/>
+            </a:xfrm>
+          </p:grpSpPr>
+          <p:sp>
+            <p:nvSpPr>
+              <p:cNvPr id="42" name="Ovale 41"/>
+              <p:cNvSpPr/>
+              <p:nvPr/>
+            </p:nvSpPr>
+            <p:spPr>
+              <a:xfrm>
+                <a:off x="565700" y="4983583"/>
+                <a:ext cx="805955" cy="729231"/>
+              </a:xfrm>
+              <a:prstGeom prst="ellipse">
+                <a:avLst/>
+              </a:prstGeom>
+              <a:solidFill>
+                <a:srgbClr val="CCFF99"/>
+              </a:solidFill>
+              <a:ln/>
+            </p:spPr>
+            <p:style>
+              <a:lnRef idx="1">
+                <a:schemeClr val="accent4"/>
+              </a:lnRef>
+              <a:fillRef idx="2">
+                <a:schemeClr val="accent4"/>
+              </a:fillRef>
+              <a:effectRef idx="1">
+                <a:schemeClr val="accent4"/>
+              </a:effectRef>
+              <a:fontRef idx="minor">
+                <a:schemeClr val="dk1"/>
+              </a:fontRef>
+            </p:style>
+            <p:txBody>
+              <a:bodyPr rtlCol="0" anchor="ctr"/>
+              <a:lstStyle/>
+              <a:p>
+                <a:pPr algn="ctr"/>
+                <a:r>
+                  <a:rPr lang="en-GB" sz="1200" dirty="0"/>
+                  <a:t> </a:t>
+                </a:r>
+              </a:p>
+            </p:txBody>
+          </p:sp>
+          <p:sp>
+            <p:nvSpPr>
+              <p:cNvPr id="43" name="Triangolo isoscele 42"/>
+              <p:cNvSpPr/>
+              <p:nvPr/>
+            </p:nvSpPr>
+            <p:spPr>
+              <a:xfrm rot="16200000">
+                <a:off x="905299" y="4913952"/>
+                <a:ext cx="86434" cy="139263"/>
+              </a:xfrm>
+              <a:prstGeom prst="triangle">
+                <a:avLst/>
+              </a:prstGeom>
+              <a:solidFill>
+                <a:srgbClr val="C00000"/>
+              </a:solidFill>
+              <a:ln/>
+            </p:spPr>
+            <p:style>
+              <a:lnRef idx="1">
+                <a:schemeClr val="accent5"/>
+              </a:lnRef>
+              <a:fillRef idx="2">
+                <a:schemeClr val="accent5"/>
+              </a:fillRef>
+              <a:effectRef idx="1">
+                <a:schemeClr val="accent5"/>
+              </a:effectRef>
+              <a:fontRef idx="minor">
+                <a:schemeClr val="dk1"/>
+              </a:fontRef>
+            </p:style>
+            <p:txBody>
+              <a:bodyPr rtlCol="0" anchor="ctr"/>
+              <a:lstStyle/>
+              <a:p>
+                <a:pPr algn="ctr"/>
+                <a:endParaRPr lang="en-GB" sz="1200">
+                  <a:solidFill>
+                    <a:schemeClr val="dk1"/>
+                  </a:solidFill>
+                </a:endParaRPr>
+              </a:p>
+            </p:txBody>
+          </p:sp>
+        </p:grpSp>
+        <p:sp>
+          <p:nvSpPr>
+            <p:cNvPr id="41" name="CasellaDiTesto 40"/>
+            <p:cNvSpPr txBox="1"/>
+            <p:nvPr/>
+          </p:nvSpPr>
+          <p:spPr>
+            <a:xfrm>
+              <a:off x="5838254" y="2295750"/>
+              <a:ext cx="184731" cy="307777"/>
+            </a:xfrm>
+            <a:prstGeom prst="rect">
+              <a:avLst/>
+            </a:prstGeom>
+            <a:noFill/>
+          </p:spPr>
+          <p:txBody>
+            <a:bodyPr wrap="none" rtlCol="0">
+              <a:spAutoFit/>
+            </a:bodyPr>
+            <a:lstStyle/>
+            <a:p>
+              <a:pPr algn="ctr"/>
+              <a:endParaRPr lang="en-GB" sz="1400" dirty="0">
+                <a:solidFill>
+                  <a:srgbClr val="0070C0"/>
+                </a:solidFill>
+              </a:endParaRPr>
+            </a:p>
+          </p:txBody>
+        </p:sp>
+      </p:grpSp>
+      <p:sp>
+        <p:nvSpPr>
+          <p:cNvPr id="44" name="CasellaDiTesto 43"/>
+          <p:cNvSpPr txBox="1"/>
+          <p:nvPr/>
+        </p:nvSpPr>
+        <p:spPr>
+          <a:xfrm>
+            <a:off x="5737773" y="1341156"/>
+            <a:ext cx="659219" cy="369332"/>
+          </a:xfrm>
+          <a:prstGeom prst="rect">
+            <a:avLst/>
+          </a:prstGeom>
+          <a:noFill/>
+        </p:spPr>
+        <p:txBody>
+          <a:bodyPr wrap="none" rtlCol="0">
+            <a:spAutoFit/>
+          </a:bodyPr>
+          <a:lstStyle/>
+          <a:p>
+            <a:r>
+              <a:rPr lang="it-IT" dirty="0" err="1" smtClean="0"/>
+              <a:t>refTo</a:t>
+            </a:r>
+            <a:endParaRPr lang="en-GB" dirty="0"/>
+          </a:p>
+        </p:txBody>
+      </p:sp>
+      <p:sp>
+        <p:nvSpPr>
+          <p:cNvPr id="45" name="CasellaDiTesto 44"/>
+          <p:cNvSpPr txBox="1"/>
+          <p:nvPr/>
+        </p:nvSpPr>
+        <p:spPr>
+          <a:xfrm>
+            <a:off x="5878837" y="2888519"/>
+            <a:ext cx="659219" cy="369332"/>
+          </a:xfrm>
+          <a:prstGeom prst="rect">
+            <a:avLst/>
+          </a:prstGeom>
+          <a:noFill/>
+        </p:spPr>
+        <p:txBody>
+          <a:bodyPr wrap="none" rtlCol="0">
+            <a:spAutoFit/>
+          </a:bodyPr>
+          <a:lstStyle/>
+          <a:p>
+            <a:r>
+              <a:rPr lang="it-IT" dirty="0" err="1" smtClean="0"/>
+              <a:t>refTo</a:t>
+            </a:r>
+            <a:endParaRPr lang="en-GB" dirty="0"/>
+          </a:p>
+        </p:txBody>
+      </p:sp>
+      <p:sp>
+        <p:nvSpPr>
+          <p:cNvPr id="51" name="CasellaDiTesto 50"/>
+          <p:cNvSpPr txBox="1"/>
+          <p:nvPr/>
+        </p:nvSpPr>
+        <p:spPr>
+          <a:xfrm>
+            <a:off x="3146650" y="2310239"/>
+            <a:ext cx="919995" cy="369332"/>
+          </a:xfrm>
+          <a:prstGeom prst="rect">
+            <a:avLst/>
+          </a:prstGeom>
+          <a:noFill/>
+        </p:spPr>
+        <p:txBody>
+          <a:bodyPr wrap="none" rtlCol="0">
+            <a:spAutoFit/>
+          </a:bodyPr>
+          <a:lstStyle/>
+          <a:p>
+            <a:r>
+              <a:rPr lang="it-IT" dirty="0" err="1" smtClean="0"/>
+              <a:t>extends</a:t>
+            </a:r>
+            <a:endParaRPr lang="en-GB" dirty="0"/>
+          </a:p>
+        </p:txBody>
+      </p:sp>
+      <p:sp>
+        <p:nvSpPr>
+          <p:cNvPr id="52" name="Rettangolo 51"/>
+          <p:cNvSpPr/>
+          <p:nvPr/>
+        </p:nvSpPr>
+        <p:spPr>
+          <a:xfrm>
+            <a:off x="827584" y="2860984"/>
+            <a:ext cx="1815350" cy="720080"/>
+          </a:xfrm>
+          <a:prstGeom prst="rect">
+            <a:avLst/>
+          </a:prstGeom>
+          <a:solidFill>
+            <a:srgbClr val="FFFFCC"/>
+          </a:solidFill>
+          <a:ln>
+            <a:prstDash val="sysDash"/>
+          </a:ln>
+        </p:spPr>
+        <p:style>
+          <a:lnRef idx="2">
+            <a:schemeClr val="accent1">
+              <a:shade val="50000"/>
+            </a:schemeClr>
+          </a:lnRef>
+          <a:fillRef idx="1">
+            <a:schemeClr val="accent1"/>
+          </a:fillRef>
+          <a:effectRef idx="0">
+            <a:schemeClr val="accent1"/>
+          </a:effectRef>
+          <a:fontRef idx="minor">
+            <a:schemeClr val="lt1"/>
+          </a:fontRef>
+        </p:style>
+        <p:txBody>
+          <a:bodyPr rtlCol="0" anchor="ctr"/>
+          <a:lstStyle/>
+          <a:p>
+            <a:pPr algn="ctr"/>
+            <a:r>
+              <a:rPr lang="en-GB" sz="1100" b="1" dirty="0" err="1" smtClean="0">
+                <a:solidFill>
+                  <a:srgbClr val="0070C0"/>
+                </a:solidFill>
+              </a:rPr>
+              <a:t>HealthServiceLegacyZZZ</a:t>
+            </a:r>
+            <a:endParaRPr lang="en-GB" sz="1100" dirty="0">
+              <a:solidFill>
+                <a:srgbClr val="0070C0"/>
+              </a:solidFill>
+            </a:endParaRPr>
+          </a:p>
+        </p:txBody>
+      </p:sp>
+      <p:sp>
+        <p:nvSpPr>
+          <p:cNvPr id="53" name="Triangolo isoscele 52"/>
+          <p:cNvSpPr/>
+          <p:nvPr/>
+        </p:nvSpPr>
+        <p:spPr>
+          <a:xfrm rot="5400000">
+            <a:off x="2531928" y="1539274"/>
+            <a:ext cx="215301" cy="228600"/>
+          </a:xfrm>
+          <a:prstGeom prst="triangle">
+            <a:avLst/>
+          </a:prstGeom>
+          <a:solidFill>
+            <a:srgbClr val="FFFF00"/>
+          </a:solidFill>
+        </p:spPr>
+        <p:style>
+          <a:lnRef idx="2">
+            <a:schemeClr val="accent1">
+              <a:shade val="50000"/>
+            </a:schemeClr>
+          </a:lnRef>
+          <a:fillRef idx="1">
+            <a:schemeClr val="accent1"/>
+          </a:fillRef>
+          <a:effectRef idx="0">
+            <a:schemeClr val="accent1"/>
+          </a:effectRef>
+          <a:fontRef idx="minor">
+            <a:schemeClr val="lt1"/>
+          </a:fontRef>
+        </p:style>
+        <p:txBody>
+          <a:bodyPr rtlCol="0" anchor="ctr"/>
+          <a:lstStyle/>
+          <a:p>
+            <a:pPr algn="ctr"/>
+            <a:endParaRPr lang="en-GB"/>
+          </a:p>
+        </p:txBody>
+      </p:sp>
+      <p:cxnSp>
+        <p:nvCxnSpPr>
+          <p:cNvPr id="55" name="Connettore 4 54"/>
+          <p:cNvCxnSpPr>
+            <a:stCxn id="52" idx="0"/>
+            <a:endCxn id="53" idx="3"/>
+          </p:cNvCxnSpPr>
+          <p:nvPr/>
+        </p:nvCxnSpPr>
+        <p:spPr>
+          <a:xfrm rot="5400000" flipH="1" flipV="1">
+            <a:off x="1526565" y="1862270"/>
+            <a:ext cx="1207409" cy="790020"/>
+          </a:xfrm>
+          <a:prstGeom prst="bentConnector2">
+            <a:avLst/>
+          </a:prstGeom>
+        </p:spPr>
+        <p:style>
+          <a:lnRef idx="1">
+            <a:schemeClr val="accent1"/>
+          </a:lnRef>
+          <a:fillRef idx="0">
+            <a:schemeClr val="accent1"/>
+          </a:fillRef>
+          <a:effectRef idx="0">
+            <a:schemeClr val="accent1"/>
+          </a:effectRef>
+          <a:fontRef idx="minor">
+            <a:schemeClr val="tx1"/>
+          </a:fontRef>
+        </p:style>
+      </p:cxnSp>
+      <p:sp>
+        <p:nvSpPr>
+          <p:cNvPr id="60" name="Rettangolo 59"/>
+          <p:cNvSpPr/>
+          <p:nvPr/>
+        </p:nvSpPr>
+        <p:spPr>
+          <a:xfrm>
+            <a:off x="1172368" y="5084496"/>
+            <a:ext cx="5635530" cy="1128660"/>
+          </a:xfrm>
+          <a:prstGeom prst="rect">
+            <a:avLst/>
+          </a:prstGeom>
+          <a:solidFill>
+            <a:srgbClr val="FFFFCC"/>
+          </a:solidFill>
+        </p:spPr>
+        <p:style>
+          <a:lnRef idx="2">
+            <a:schemeClr val="accent1">
+              <a:shade val="50000"/>
+            </a:schemeClr>
+          </a:lnRef>
+          <a:fillRef idx="1">
+            <a:schemeClr val="accent1"/>
+          </a:fillRef>
+          <a:effectRef idx="0">
+            <a:schemeClr val="accent1"/>
+          </a:effectRef>
+          <a:fontRef idx="minor">
+            <a:schemeClr val="lt1"/>
+          </a:fontRef>
+        </p:style>
+        <p:txBody>
+          <a:bodyPr rtlCol="0" anchor="ctr"/>
+          <a:lstStyle/>
+          <a:p>
+            <a:pPr algn="ctr"/>
+            <a:endParaRPr lang="en-GB" sz="1600">
+              <a:solidFill>
+                <a:schemeClr val="tx1"/>
+              </a:solidFill>
+            </a:endParaRPr>
+          </a:p>
+        </p:txBody>
+      </p:sp>
+      <p:sp>
+        <p:nvSpPr>
+          <p:cNvPr id="61" name="Rettangolo 60"/>
+          <p:cNvSpPr/>
+          <p:nvPr/>
+        </p:nvSpPr>
+        <p:spPr>
+          <a:xfrm>
+            <a:off x="4962158" y="5501961"/>
+            <a:ext cx="1792405" cy="542977"/>
+          </a:xfrm>
+          <a:prstGeom prst="rect">
+            <a:avLst/>
+          </a:prstGeom>
+          <a:solidFill>
+            <a:schemeClr val="accent6">
+              <a:lumMod val="20000"/>
+              <a:lumOff val="80000"/>
+            </a:schemeClr>
+          </a:solidFill>
+        </p:spPr>
+        <p:style>
+          <a:lnRef idx="2">
+            <a:schemeClr val="accent1">
+              <a:shade val="50000"/>
+            </a:schemeClr>
+          </a:lnRef>
+          <a:fillRef idx="1">
+            <a:schemeClr val="accent1"/>
+          </a:fillRef>
+          <a:effectRef idx="0">
+            <a:schemeClr val="accent1"/>
+          </a:effectRef>
+          <a:fontRef idx="minor">
+            <a:schemeClr val="lt1"/>
+          </a:fontRef>
+        </p:style>
+        <p:txBody>
+          <a:bodyPr rtlCol="0" anchor="ctr"/>
+          <a:lstStyle/>
+          <a:p>
+            <a:pPr algn="ctr"/>
+            <a:r>
+              <a:rPr lang="it-IT" sz="1600" dirty="0" err="1" smtClean="0">
+                <a:solidFill>
+                  <a:schemeClr val="tx1"/>
+                </a:solidFill>
+              </a:rPr>
+              <a:t>InputHandlerDed</a:t>
+            </a:r>
+            <a:endParaRPr lang="en-GB" sz="1600" dirty="0">
+              <a:solidFill>
+                <a:schemeClr val="tx1"/>
+              </a:solidFill>
+            </a:endParaRPr>
+          </a:p>
+        </p:txBody>
+      </p:sp>
+      <p:sp>
+        <p:nvSpPr>
+          <p:cNvPr id="62" name="Rettangolo 61"/>
+          <p:cNvSpPr/>
+          <p:nvPr/>
+        </p:nvSpPr>
+        <p:spPr>
+          <a:xfrm>
+            <a:off x="3854483" y="5513773"/>
+            <a:ext cx="859575" cy="542977"/>
+          </a:xfrm>
+          <a:prstGeom prst="rect">
+            <a:avLst/>
+          </a:prstGeom>
+          <a:solidFill>
+            <a:schemeClr val="bg1">
+              <a:lumMod val="95000"/>
+            </a:schemeClr>
+          </a:solidFill>
+        </p:spPr>
+        <p:style>
+          <a:lnRef idx="2">
+            <a:schemeClr val="accent1">
+              <a:shade val="50000"/>
+            </a:schemeClr>
+          </a:lnRef>
+          <a:fillRef idx="1">
+            <a:schemeClr val="accent1"/>
+          </a:fillRef>
+          <a:effectRef idx="0">
+            <a:schemeClr val="accent1"/>
+          </a:effectRef>
+          <a:fontRef idx="minor">
+            <a:schemeClr val="lt1"/>
+          </a:fontRef>
+        </p:style>
+        <p:txBody>
+          <a:bodyPr rtlCol="0" anchor="ctr"/>
+          <a:lstStyle/>
+          <a:p>
+            <a:pPr algn="ctr"/>
+            <a:r>
+              <a:rPr lang="it-IT" sz="1600" dirty="0" smtClean="0">
+                <a:solidFill>
+                  <a:schemeClr val="tx1"/>
+                </a:solidFill>
+              </a:rPr>
+              <a:t>IODM</a:t>
+            </a:r>
+            <a:endParaRPr lang="en-GB" sz="1600" dirty="0">
+              <a:solidFill>
+                <a:schemeClr val="tx1"/>
+              </a:solidFill>
+            </a:endParaRPr>
+          </a:p>
+        </p:txBody>
+      </p:sp>
+      <p:sp>
+        <p:nvSpPr>
+          <p:cNvPr id="63" name="Rettangolo 62"/>
+          <p:cNvSpPr/>
+          <p:nvPr/>
+        </p:nvSpPr>
+        <p:spPr>
+          <a:xfrm>
+            <a:off x="2306218" y="5453828"/>
+            <a:ext cx="1249073" cy="668216"/>
+          </a:xfrm>
+          <a:prstGeom prst="rect">
+            <a:avLst/>
+          </a:prstGeom>
+          <a:solidFill>
+            <a:srgbClr val="FFC000"/>
+          </a:solidFill>
+        </p:spPr>
+        <p:style>
+          <a:lnRef idx="2">
+            <a:schemeClr val="accent1">
+              <a:shade val="50000"/>
+            </a:schemeClr>
+          </a:lnRef>
+          <a:fillRef idx="1">
+            <a:schemeClr val="accent1"/>
+          </a:fillRef>
+          <a:effectRef idx="0">
+            <a:schemeClr val="accent1"/>
+          </a:effectRef>
+          <a:fontRef idx="minor">
+            <a:schemeClr val="lt1"/>
+          </a:fontRef>
+        </p:style>
+        <p:txBody>
+          <a:bodyPr rtlCol="0" anchor="ctr"/>
+          <a:lstStyle/>
+          <a:p>
+            <a:pPr algn="ctr"/>
+            <a:r>
+              <a:rPr lang="it-IT" sz="1600" dirty="0" err="1" smtClean="0">
+                <a:solidFill>
+                  <a:schemeClr val="tx1"/>
+                </a:solidFill>
+              </a:rPr>
+              <a:t>cvtToFHIR</a:t>
+            </a:r>
+            <a:endParaRPr lang="en-GB" sz="1600" dirty="0">
+              <a:solidFill>
+                <a:schemeClr val="tx1"/>
+              </a:solidFill>
+            </a:endParaRPr>
+          </a:p>
+        </p:txBody>
+      </p:sp>
+      <p:sp>
+        <p:nvSpPr>
+          <p:cNvPr id="64" name="Rettangolo 63"/>
+          <p:cNvSpPr/>
+          <p:nvPr/>
+        </p:nvSpPr>
+        <p:spPr>
+          <a:xfrm>
+            <a:off x="1235837" y="5539119"/>
+            <a:ext cx="817349" cy="456326"/>
+          </a:xfrm>
+          <a:prstGeom prst="rect">
+            <a:avLst/>
+          </a:prstGeom>
+          <a:solidFill>
+            <a:schemeClr val="bg1">
+              <a:lumMod val="95000"/>
+            </a:schemeClr>
+          </a:solidFill>
+        </p:spPr>
+        <p:style>
+          <a:lnRef idx="2">
+            <a:schemeClr val="accent1">
+              <a:shade val="50000"/>
+            </a:schemeClr>
+          </a:lnRef>
+          <a:fillRef idx="1">
+            <a:schemeClr val="accent1"/>
+          </a:fillRef>
+          <a:effectRef idx="0">
+            <a:schemeClr val="accent1"/>
+          </a:effectRef>
+          <a:fontRef idx="minor">
+            <a:schemeClr val="lt1"/>
+          </a:fontRef>
+        </p:style>
+        <p:txBody>
+          <a:bodyPr rtlCol="0" anchor="ctr"/>
+          <a:lstStyle/>
+          <a:p>
+            <a:pPr algn="ctr"/>
+            <a:r>
+              <a:rPr lang="it-IT" sz="1600" dirty="0" smtClean="0">
+                <a:solidFill>
+                  <a:schemeClr val="tx1"/>
+                </a:solidFill>
+              </a:rPr>
+              <a:t>FHIR</a:t>
+            </a:r>
+            <a:endParaRPr lang="en-GB" sz="1600" dirty="0">
+              <a:solidFill>
+                <a:schemeClr val="tx1"/>
+              </a:solidFill>
+            </a:endParaRPr>
+          </a:p>
+        </p:txBody>
+      </p:sp>
+      <p:cxnSp>
+        <p:nvCxnSpPr>
+          <p:cNvPr id="65" name="Connettore 4 64"/>
+          <p:cNvCxnSpPr>
+            <a:stCxn id="61" idx="1"/>
+          </p:cNvCxnSpPr>
+          <p:nvPr/>
+        </p:nvCxnSpPr>
+        <p:spPr>
+          <a:xfrm rot="10800000" flipV="1">
+            <a:off x="4714058" y="5773450"/>
+            <a:ext cx="248100" cy="14486"/>
+          </a:xfrm>
+          <a:prstGeom prst="bentConnector3">
+            <a:avLst/>
+          </a:prstGeom>
+          <a:ln>
+            <a:tailEnd type="arrow"/>
+          </a:ln>
+        </p:spPr>
+        <p:style>
+          <a:lnRef idx="1">
+            <a:schemeClr val="accent1"/>
+          </a:lnRef>
+          <a:fillRef idx="0">
+            <a:schemeClr val="accent1"/>
+          </a:fillRef>
+          <a:effectRef idx="0">
+            <a:schemeClr val="accent1"/>
+          </a:effectRef>
+          <a:fontRef idx="minor">
+            <a:schemeClr val="tx1"/>
+          </a:fontRef>
+        </p:style>
+      </p:cxnSp>
+      <p:cxnSp>
+        <p:nvCxnSpPr>
+          <p:cNvPr id="66" name="Connettore 4 65"/>
+          <p:cNvCxnSpPr>
+            <a:stCxn id="62" idx="1"/>
+            <a:endCxn id="63" idx="3"/>
+          </p:cNvCxnSpPr>
+          <p:nvPr/>
+        </p:nvCxnSpPr>
+        <p:spPr>
+          <a:xfrm rot="10800000" flipV="1">
+            <a:off x="3555291" y="5785262"/>
+            <a:ext cx="299192" cy="2674"/>
+          </a:xfrm>
+          <a:prstGeom prst="bentConnector3">
+            <a:avLst/>
+          </a:prstGeom>
+          <a:ln>
+            <a:tailEnd type="arrow"/>
+          </a:ln>
+        </p:spPr>
+        <p:style>
+          <a:lnRef idx="1">
+            <a:schemeClr val="accent1"/>
+          </a:lnRef>
+          <a:fillRef idx="0">
+            <a:schemeClr val="accent1"/>
+          </a:fillRef>
+          <a:effectRef idx="0">
+            <a:schemeClr val="accent1"/>
+          </a:effectRef>
+          <a:fontRef idx="minor">
+            <a:schemeClr val="tx1"/>
+          </a:fontRef>
+        </p:style>
+      </p:cxnSp>
+      <p:cxnSp>
+        <p:nvCxnSpPr>
+          <p:cNvPr id="67" name="Connettore 4 66"/>
+          <p:cNvCxnSpPr>
+            <a:stCxn id="63" idx="1"/>
+            <a:endCxn id="64" idx="3"/>
+          </p:cNvCxnSpPr>
+          <p:nvPr/>
+        </p:nvCxnSpPr>
+        <p:spPr>
+          <a:xfrm rot="10800000">
+            <a:off x="2053186" y="5767282"/>
+            <a:ext cx="253032" cy="20654"/>
+          </a:xfrm>
+          <a:prstGeom prst="bentConnector3">
+            <a:avLst/>
+          </a:prstGeom>
+          <a:ln>
+            <a:tailEnd type="arrow"/>
+          </a:ln>
+        </p:spPr>
+        <p:style>
+          <a:lnRef idx="1">
+            <a:schemeClr val="accent1"/>
+          </a:lnRef>
+          <a:fillRef idx="0">
+            <a:schemeClr val="accent1"/>
+          </a:fillRef>
+          <a:effectRef idx="0">
+            <a:schemeClr val="accent1"/>
+          </a:effectRef>
+          <a:fontRef idx="minor">
+            <a:schemeClr val="tx1"/>
+          </a:fontRef>
+        </p:style>
+      </p:cxnSp>
+      <p:sp>
+        <p:nvSpPr>
+          <p:cNvPr id="68" name="CasellaDiTesto 67"/>
+          <p:cNvSpPr txBox="1"/>
+          <p:nvPr/>
+        </p:nvSpPr>
+        <p:spPr>
+          <a:xfrm>
+            <a:off x="1259895" y="5084496"/>
+            <a:ext cx="1423018" cy="369332"/>
+          </a:xfrm>
+          <a:prstGeom prst="rect">
+            <a:avLst/>
+          </a:prstGeom>
+          <a:noFill/>
+        </p:spPr>
+        <p:txBody>
+          <a:bodyPr wrap="none" rtlCol="0">
+            <a:spAutoFit/>
+          </a:bodyPr>
+          <a:lstStyle/>
+          <a:p>
+            <a:r>
+              <a:rPr lang="it-IT" b="1" dirty="0" err="1">
+                <a:solidFill>
+                  <a:srgbClr val="0070C0"/>
+                </a:solidFill>
+              </a:rPr>
+              <a:t>LegacyDedIO</a:t>
+            </a:r>
+            <a:endParaRPr lang="en-GB" b="1" dirty="0">
+              <a:solidFill>
+                <a:srgbClr val="0070C0"/>
+              </a:solidFill>
+            </a:endParaRPr>
+          </a:p>
+        </p:txBody>
+      </p:sp>
+      <p:sp>
+        <p:nvSpPr>
+          <p:cNvPr id="71" name="CasellaDiTesto 70"/>
+          <p:cNvSpPr txBox="1"/>
+          <p:nvPr/>
+        </p:nvSpPr>
+        <p:spPr>
+          <a:xfrm>
+            <a:off x="3357548" y="4556671"/>
+            <a:ext cx="601447" cy="369332"/>
+          </a:xfrm>
+          <a:prstGeom prst="rect">
+            <a:avLst/>
+          </a:prstGeom>
+          <a:noFill/>
+        </p:spPr>
+        <p:txBody>
+          <a:bodyPr wrap="none" rtlCol="0">
+            <a:spAutoFit/>
+          </a:bodyPr>
+          <a:lstStyle/>
+          <a:p>
+            <a:r>
+              <a:rPr lang="it-IT" dirty="0" err="1" smtClean="0"/>
+              <a:t>uses</a:t>
+            </a:r>
+            <a:endParaRPr lang="en-GB" dirty="0"/>
+          </a:p>
+        </p:txBody>
+      </p:sp>
+      <p:cxnSp>
+        <p:nvCxnSpPr>
+          <p:cNvPr id="75" name="Connettore 4 74"/>
+          <p:cNvCxnSpPr>
+            <a:endCxn id="60" idx="0"/>
+          </p:cNvCxnSpPr>
+          <p:nvPr/>
+        </p:nvCxnSpPr>
+        <p:spPr>
+          <a:xfrm rot="10800000" flipV="1">
+            <a:off x="3990134" y="4546584"/>
+            <a:ext cx="972025" cy="537912"/>
+          </a:xfrm>
+          <a:prstGeom prst="bentConnector2">
+            <a:avLst/>
+          </a:prstGeom>
+          <a:ln>
+            <a:tailEnd type="arrow"/>
+          </a:ln>
+        </p:spPr>
+        <p:style>
+          <a:lnRef idx="1">
+            <a:schemeClr val="accent1"/>
+          </a:lnRef>
+          <a:fillRef idx="0">
+            <a:schemeClr val="accent1"/>
+          </a:fillRef>
+          <a:effectRef idx="0">
+            <a:schemeClr val="accent1"/>
+          </a:effectRef>
+          <a:fontRef idx="minor">
+            <a:schemeClr val="tx1"/>
+          </a:fontRef>
+        </p:style>
+      </p:cxnSp>
+    </p:spTree>
+    <p:extLst>
+      <p:ext uri="{BB962C8B-B14F-4D97-AF65-F5344CB8AC3E}">
+        <p14:creationId xmlns:p14="http://schemas.microsoft.com/office/powerpoint/2010/main" val="2077428496"/>
       </p:ext>
     </p:extLst>
   </p:cSld>
@@ -45019,7 +46782,7 @@
           <p:cNvPr id="51" name="TextBox 50">
             <a:extLst>
               <a:ext uri="{FF2B5EF4-FFF2-40B4-BE49-F238E27FC236}">
-                <a16:creationId xmlns:a16="http://schemas.microsoft.com/office/drawing/2014/main" xmlns="" id="{38D92C47-6A24-433B-A9D7-48400DFBEE88}"/>
+                <a16:creationId xmlns="" xmlns:a16="http://schemas.microsoft.com/office/drawing/2014/main" id="{38D92C47-6A24-433B-A9D7-48400DFBEE88}"/>
               </a:ext>
             </a:extLst>
           </p:cNvPr>
@@ -45060,7 +46823,7 @@
           <p:cNvPr id="52" name="TextBox 51">
             <a:extLst>
               <a:ext uri="{FF2B5EF4-FFF2-40B4-BE49-F238E27FC236}">
-                <a16:creationId xmlns:a16="http://schemas.microsoft.com/office/drawing/2014/main" xmlns="" id="{46370455-EDDE-4BAF-A68F-1E721D22CFA3}"/>
+                <a16:creationId xmlns="" xmlns:a16="http://schemas.microsoft.com/office/drawing/2014/main" id="{46370455-EDDE-4BAF-A68F-1E721D22CFA3}"/>
               </a:ext>
             </a:extLst>
           </p:cNvPr>
@@ -45101,7 +46864,7 @@
           <p:cNvPr id="54" name="TextBox 53">
             <a:extLst>
               <a:ext uri="{FF2B5EF4-FFF2-40B4-BE49-F238E27FC236}">
-                <a16:creationId xmlns:a16="http://schemas.microsoft.com/office/drawing/2014/main" xmlns="" id="{1F0BD362-AB28-4ABC-B01D-E5FB51A4284F}"/>
+                <a16:creationId xmlns="" xmlns:a16="http://schemas.microsoft.com/office/drawing/2014/main" id="{1F0BD362-AB28-4ABC-B01D-E5FB51A4284F}"/>
               </a:ext>
             </a:extLst>
           </p:cNvPr>
@@ -45136,7 +46899,7 @@
           <p:cNvPr id="55" name="TextBox 54">
             <a:extLst>
               <a:ext uri="{FF2B5EF4-FFF2-40B4-BE49-F238E27FC236}">
-                <a16:creationId xmlns:a16="http://schemas.microsoft.com/office/drawing/2014/main" xmlns="" id="{66A6D040-E92F-405E-8F1C-224FD73DEB6A}"/>
+                <a16:creationId xmlns="" xmlns:a16="http://schemas.microsoft.com/office/drawing/2014/main" id="{66A6D040-E92F-405E-8F1C-224FD73DEB6A}"/>
               </a:ext>
             </a:extLst>
           </p:cNvPr>
@@ -45177,7 +46940,7 @@
           <p:cNvPr id="59" name="TextBox 58">
             <a:extLst>
               <a:ext uri="{FF2B5EF4-FFF2-40B4-BE49-F238E27FC236}">
-                <a16:creationId xmlns:a16="http://schemas.microsoft.com/office/drawing/2014/main" xmlns="" id="{8B737B46-BF72-4F50-880F-A81417342B9C}"/>
+                <a16:creationId xmlns="" xmlns:a16="http://schemas.microsoft.com/office/drawing/2014/main" id="{8B737B46-BF72-4F50-880F-A81417342B9C}"/>
               </a:ext>
             </a:extLst>
           </p:cNvPr>
@@ -45218,7 +46981,7 @@
           <p:cNvPr id="60" name="TextBox 59">
             <a:extLst>
               <a:ext uri="{FF2B5EF4-FFF2-40B4-BE49-F238E27FC236}">
-                <a16:creationId xmlns:a16="http://schemas.microsoft.com/office/drawing/2014/main" xmlns="" id="{635E5AB3-11BB-4188-A9F5-6624D8487908}"/>
+                <a16:creationId xmlns="" xmlns:a16="http://schemas.microsoft.com/office/drawing/2014/main" id="{635E5AB3-11BB-4188-A9F5-6624D8487908}"/>
               </a:ext>
             </a:extLst>
           </p:cNvPr>
@@ -47292,7 +49055,7 @@
           <p:cNvPr id="43" name="TextBox 42">
             <a:extLst>
               <a:ext uri="{FF2B5EF4-FFF2-40B4-BE49-F238E27FC236}">
-                <a16:creationId xmlns:a16="http://schemas.microsoft.com/office/drawing/2014/main" xmlns="" id="{C66D85E0-1A23-448C-9466-6DADEA26156A}"/>
+                <a16:creationId xmlns="" xmlns:a16="http://schemas.microsoft.com/office/drawing/2014/main" id="{C66D85E0-1A23-448C-9466-6DADEA26156A}"/>
               </a:ext>
             </a:extLst>
           </p:cNvPr>
@@ -47333,7 +49096,7 @@
           <p:cNvPr id="44" name="TextBox 43">
             <a:extLst>
               <a:ext uri="{FF2B5EF4-FFF2-40B4-BE49-F238E27FC236}">
-                <a16:creationId xmlns:a16="http://schemas.microsoft.com/office/drawing/2014/main" xmlns="" id="{73BB0B6F-DBD2-4682-88DA-A68E1C43C8EE}"/>
+                <a16:creationId xmlns="" xmlns:a16="http://schemas.microsoft.com/office/drawing/2014/main" id="{73BB0B6F-DBD2-4682-88DA-A68E1C43C8EE}"/>
               </a:ext>
             </a:extLst>
           </p:cNvPr>
@@ -47374,7 +49137,7 @@
           <p:cNvPr id="45" name="TextBox 44">
             <a:extLst>
               <a:ext uri="{FF2B5EF4-FFF2-40B4-BE49-F238E27FC236}">
-                <a16:creationId xmlns:a16="http://schemas.microsoft.com/office/drawing/2014/main" xmlns="" id="{06BB9D57-20AB-4911-8F91-1EAAD2C3D635}"/>
+                <a16:creationId xmlns="" xmlns:a16="http://schemas.microsoft.com/office/drawing/2014/main" id="{06BB9D57-20AB-4911-8F91-1EAAD2C3D635}"/>
               </a:ext>
             </a:extLst>
           </p:cNvPr>
@@ -47409,7 +49172,7 @@
           <p:cNvPr id="46" name="TextBox 45">
             <a:extLst>
               <a:ext uri="{FF2B5EF4-FFF2-40B4-BE49-F238E27FC236}">
-                <a16:creationId xmlns:a16="http://schemas.microsoft.com/office/drawing/2014/main" xmlns="" id="{6BDA7693-CA76-4C97-8FED-A4A65AB5032B}"/>
+                <a16:creationId xmlns="" xmlns:a16="http://schemas.microsoft.com/office/drawing/2014/main" id="{6BDA7693-CA76-4C97-8FED-A4A65AB5032B}"/>
               </a:ext>
             </a:extLst>
           </p:cNvPr>
@@ -47450,7 +49213,7 @@
           <p:cNvPr id="47" name="TextBox 46">
             <a:extLst>
               <a:ext uri="{FF2B5EF4-FFF2-40B4-BE49-F238E27FC236}">
-                <a16:creationId xmlns:a16="http://schemas.microsoft.com/office/drawing/2014/main" xmlns="" id="{F3FF60E3-5733-4A51-BB64-B5D227CFB6FE}"/>
+                <a16:creationId xmlns="" xmlns:a16="http://schemas.microsoft.com/office/drawing/2014/main" id="{F3FF60E3-5733-4A51-BB64-B5D227CFB6FE}"/>
               </a:ext>
             </a:extLst>
           </p:cNvPr>
@@ -47491,7 +49254,7 @@
           <p:cNvPr id="48" name="TextBox 47">
             <a:extLst>
               <a:ext uri="{FF2B5EF4-FFF2-40B4-BE49-F238E27FC236}">
-                <a16:creationId xmlns:a16="http://schemas.microsoft.com/office/drawing/2014/main" xmlns="" id="{6CFBFA02-2444-480B-B78F-A1A7AD55973E}"/>
+                <a16:creationId xmlns="" xmlns:a16="http://schemas.microsoft.com/office/drawing/2014/main" id="{6CFBFA02-2444-480B-B78F-A1A7AD55973E}"/>
               </a:ext>
             </a:extLst>
           </p:cNvPr>
@@ -48282,7 +50045,7 @@
           <p:cNvPr id="12" name="TextBox 45">
             <a:extLst>
               <a:ext uri="{FF2B5EF4-FFF2-40B4-BE49-F238E27FC236}">
-                <a16:creationId xmlns:a16="http://schemas.microsoft.com/office/drawing/2014/main" xmlns="" id="{6BDA7693-CA76-4C97-8FED-A4A65AB5032B}"/>
+                <a16:creationId xmlns="" xmlns:a16="http://schemas.microsoft.com/office/drawing/2014/main" id="{6BDA7693-CA76-4C97-8FED-A4A65AB5032B}"/>
               </a:ext>
             </a:extLst>
           </p:cNvPr>
@@ -48960,7 +50723,7 @@
           <p:cNvPr id="33" name="TextBox 45">
             <a:extLst>
               <a:ext uri="{FF2B5EF4-FFF2-40B4-BE49-F238E27FC236}">
-                <a16:creationId xmlns:a16="http://schemas.microsoft.com/office/drawing/2014/main" xmlns="" id="{6BDA7693-CA76-4C97-8FED-A4A65AB5032B}"/>
+                <a16:creationId xmlns="" xmlns:a16="http://schemas.microsoft.com/office/drawing/2014/main" id="{6BDA7693-CA76-4C97-8FED-A4A65AB5032B}"/>
               </a:ext>
             </a:extLst>
           </p:cNvPr>
@@ -48996,7 +50759,7 @@
           <p:cNvPr id="34" name="TextBox 45">
             <a:extLst>
               <a:ext uri="{FF2B5EF4-FFF2-40B4-BE49-F238E27FC236}">
-                <a16:creationId xmlns:a16="http://schemas.microsoft.com/office/drawing/2014/main" xmlns="" id="{6BDA7693-CA76-4C97-8FED-A4A65AB5032B}"/>
+                <a16:creationId xmlns="" xmlns:a16="http://schemas.microsoft.com/office/drawing/2014/main" id="{6BDA7693-CA76-4C97-8FED-A4A65AB5032B}"/>
               </a:ext>
             </a:extLst>
           </p:cNvPr>
@@ -49406,7 +51169,7 @@
           <p:cNvPr id="52" name="TextBox 45">
             <a:extLst>
               <a:ext uri="{FF2B5EF4-FFF2-40B4-BE49-F238E27FC236}">
-                <a16:creationId xmlns:a16="http://schemas.microsoft.com/office/drawing/2014/main" xmlns="" id="{6BDA7693-CA76-4C97-8FED-A4A65AB5032B}"/>
+                <a16:creationId xmlns="" xmlns:a16="http://schemas.microsoft.com/office/drawing/2014/main" id="{6BDA7693-CA76-4C97-8FED-A4A65AB5032B}"/>
               </a:ext>
             </a:extLst>
           </p:cNvPr>

--- a/health/userDocs/UniboFigs.pptx
+++ b/health/userDocs/UniboFigs.pptx
@@ -44,6 +44,7 @@
     <p:sldId id="297" r:id="rId38"/>
     <p:sldId id="298" r:id="rId39"/>
     <p:sldId id="299" r:id="rId40"/>
+    <p:sldId id="300" r:id="rId41"/>
   </p:sldIdLst>
   <p:sldSz cx="9144000" cy="6858000" type="screen4x3"/>
   <p:notesSz cx="6858000" cy="9144000"/>
@@ -144,7 +145,7 @@
   </p:defaultTextStyle>
   <p:extLst>
     <p:ext uri="{EFAFB233-063F-42B5-8137-9DF3F51BA10A}">
-      <p15:sldGuideLst xmlns="" xmlns:p15="http://schemas.microsoft.com/office/powerpoint/2012/main">
+      <p15:sldGuideLst xmlns:p15="http://schemas.microsoft.com/office/powerpoint/2012/main" xmlns="">
         <p15:guide id="1" orient="horz" pos="2160">
           <p15:clr>
             <a:srgbClr val="A4A3A4"/>
@@ -342,7 +343,7 @@
           <a:p>
             <a:fld id="{486DFF9D-000F-417D-A1D1-C441A4010B1E}" type="datetimeFigureOut">
               <a:rPr lang="en-GB" smtClean="0"/>
-              <a:t>25/09/2020</a:t>
+              <a:t>06/10/2020</a:t>
             </a:fld>
             <a:endParaRPr lang="en-GB"/>
           </a:p>
@@ -512,7 +513,7 @@
           <a:p>
             <a:fld id="{486DFF9D-000F-417D-A1D1-C441A4010B1E}" type="datetimeFigureOut">
               <a:rPr lang="en-GB" smtClean="0"/>
-              <a:t>25/09/2020</a:t>
+              <a:t>06/10/2020</a:t>
             </a:fld>
             <a:endParaRPr lang="en-GB"/>
           </a:p>
@@ -692,7 +693,7 @@
           <a:p>
             <a:fld id="{486DFF9D-000F-417D-A1D1-C441A4010B1E}" type="datetimeFigureOut">
               <a:rPr lang="en-GB" smtClean="0"/>
-              <a:t>25/09/2020</a:t>
+              <a:t>06/10/2020</a:t>
             </a:fld>
             <a:endParaRPr lang="en-GB"/>
           </a:p>
@@ -862,7 +863,7 @@
           <a:p>
             <a:fld id="{486DFF9D-000F-417D-A1D1-C441A4010B1E}" type="datetimeFigureOut">
               <a:rPr lang="en-GB" smtClean="0"/>
-              <a:t>25/09/2020</a:t>
+              <a:t>06/10/2020</a:t>
             </a:fld>
             <a:endParaRPr lang="en-GB"/>
           </a:p>
@@ -1108,7 +1109,7 @@
           <a:p>
             <a:fld id="{486DFF9D-000F-417D-A1D1-C441A4010B1E}" type="datetimeFigureOut">
               <a:rPr lang="en-GB" smtClean="0"/>
-              <a:t>25/09/2020</a:t>
+              <a:t>06/10/2020</a:t>
             </a:fld>
             <a:endParaRPr lang="en-GB"/>
           </a:p>
@@ -1396,7 +1397,7 @@
           <a:p>
             <a:fld id="{486DFF9D-000F-417D-A1D1-C441A4010B1E}" type="datetimeFigureOut">
               <a:rPr lang="en-GB" smtClean="0"/>
-              <a:t>25/09/2020</a:t>
+              <a:t>06/10/2020</a:t>
             </a:fld>
             <a:endParaRPr lang="en-GB"/>
           </a:p>
@@ -1818,7 +1819,7 @@
           <a:p>
             <a:fld id="{486DFF9D-000F-417D-A1D1-C441A4010B1E}" type="datetimeFigureOut">
               <a:rPr lang="en-GB" smtClean="0"/>
-              <a:t>25/09/2020</a:t>
+              <a:t>06/10/2020</a:t>
             </a:fld>
             <a:endParaRPr lang="en-GB"/>
           </a:p>
@@ -1936,7 +1937,7 @@
           <a:p>
             <a:fld id="{486DFF9D-000F-417D-A1D1-C441A4010B1E}" type="datetimeFigureOut">
               <a:rPr lang="en-GB" smtClean="0"/>
-              <a:t>25/09/2020</a:t>
+              <a:t>06/10/2020</a:t>
             </a:fld>
             <a:endParaRPr lang="en-GB"/>
           </a:p>
@@ -2031,7 +2032,7 @@
           <a:p>
             <a:fld id="{486DFF9D-000F-417D-A1D1-C441A4010B1E}" type="datetimeFigureOut">
               <a:rPr lang="en-GB" smtClean="0"/>
-              <a:t>25/09/2020</a:t>
+              <a:t>06/10/2020</a:t>
             </a:fld>
             <a:endParaRPr lang="en-GB"/>
           </a:p>
@@ -2308,7 +2309,7 @@
           <a:p>
             <a:fld id="{486DFF9D-000F-417D-A1D1-C441A4010B1E}" type="datetimeFigureOut">
               <a:rPr lang="en-GB" smtClean="0"/>
-              <a:t>25/09/2020</a:t>
+              <a:t>06/10/2020</a:t>
             </a:fld>
             <a:endParaRPr lang="en-GB"/>
           </a:p>
@@ -2561,7 +2562,7 @@
           <a:p>
             <a:fld id="{486DFF9D-000F-417D-A1D1-C441A4010B1E}" type="datetimeFigureOut">
               <a:rPr lang="en-GB" smtClean="0"/>
-              <a:t>25/09/2020</a:t>
+              <a:t>06/10/2020</a:t>
             </a:fld>
             <a:endParaRPr lang="en-GB"/>
           </a:p>
@@ -2774,7 +2775,7 @@
           <a:p>
             <a:fld id="{486DFF9D-000F-417D-A1D1-C441A4010B1E}" type="datetimeFigureOut">
               <a:rPr lang="en-GB" smtClean="0"/>
-              <a:t>25/09/2020</a:t>
+              <a:t>06/10/2020</a:t>
             </a:fld>
             <a:endParaRPr lang="en-GB"/>
           </a:p>
@@ -6206,7 +6207,7 @@
           <p:cNvPr id="12" name="TextBox 45">
             <a:extLst>
               <a:ext uri="{FF2B5EF4-FFF2-40B4-BE49-F238E27FC236}">
-                <a16:creationId xmlns="" xmlns:a16="http://schemas.microsoft.com/office/drawing/2014/main" id="{6BDA7693-CA76-4C97-8FED-A4A65AB5032B}"/>
+                <a16:creationId xmlns:a16="http://schemas.microsoft.com/office/drawing/2014/main" xmlns="" id="{6BDA7693-CA76-4C97-8FED-A4A65AB5032B}"/>
               </a:ext>
             </a:extLst>
           </p:cNvPr>
@@ -7754,7 +7755,7 @@
           <p:cNvPr id="12" name="TextBox 45">
             <a:extLst>
               <a:ext uri="{FF2B5EF4-FFF2-40B4-BE49-F238E27FC236}">
-                <a16:creationId xmlns="" xmlns:a16="http://schemas.microsoft.com/office/drawing/2014/main" id="{6BDA7693-CA76-4C97-8FED-A4A65AB5032B}"/>
+                <a16:creationId xmlns:a16="http://schemas.microsoft.com/office/drawing/2014/main" xmlns="" id="{6BDA7693-CA76-4C97-8FED-A4A65AB5032B}"/>
               </a:ext>
             </a:extLst>
           </p:cNvPr>
@@ -9767,7 +9768,7 @@
           <p:cNvPr id="6" name="TextBox 45">
             <a:extLst>
               <a:ext uri="{FF2B5EF4-FFF2-40B4-BE49-F238E27FC236}">
-                <a16:creationId xmlns="" xmlns:a16="http://schemas.microsoft.com/office/drawing/2014/main" id="{6BDA7693-CA76-4C97-8FED-A4A65AB5032B}"/>
+                <a16:creationId xmlns:a16="http://schemas.microsoft.com/office/drawing/2014/main" xmlns="" id="{6BDA7693-CA76-4C97-8FED-A4A65AB5032B}"/>
               </a:ext>
             </a:extLst>
           </p:cNvPr>
@@ -10275,7 +10276,7 @@
           <p:cNvPr id="27" name="TextBox 45">
             <a:extLst>
               <a:ext uri="{FF2B5EF4-FFF2-40B4-BE49-F238E27FC236}">
-                <a16:creationId xmlns="" xmlns:a16="http://schemas.microsoft.com/office/drawing/2014/main" id="{6BDA7693-CA76-4C97-8FED-A4A65AB5032B}"/>
+                <a16:creationId xmlns:a16="http://schemas.microsoft.com/office/drawing/2014/main" xmlns="" id="{6BDA7693-CA76-4C97-8FED-A4A65AB5032B}"/>
               </a:ext>
             </a:extLst>
           </p:cNvPr>
@@ -10311,7 +10312,7 @@
           <p:cNvPr id="28" name="TextBox 45">
             <a:extLst>
               <a:ext uri="{FF2B5EF4-FFF2-40B4-BE49-F238E27FC236}">
-                <a16:creationId xmlns="" xmlns:a16="http://schemas.microsoft.com/office/drawing/2014/main" id="{6BDA7693-CA76-4C97-8FED-A4A65AB5032B}"/>
+                <a16:creationId xmlns:a16="http://schemas.microsoft.com/office/drawing/2014/main" xmlns="" id="{6BDA7693-CA76-4C97-8FED-A4A65AB5032B}"/>
               </a:ext>
             </a:extLst>
           </p:cNvPr>
@@ -11859,7 +11860,7 @@
           <p:cNvPr id="6" name="TextBox 45">
             <a:extLst>
               <a:ext uri="{FF2B5EF4-FFF2-40B4-BE49-F238E27FC236}">
-                <a16:creationId xmlns="" xmlns:a16="http://schemas.microsoft.com/office/drawing/2014/main" id="{6BDA7693-CA76-4C97-8FED-A4A65AB5032B}"/>
+                <a16:creationId xmlns:a16="http://schemas.microsoft.com/office/drawing/2014/main" xmlns="" id="{6BDA7693-CA76-4C97-8FED-A4A65AB5032B}"/>
               </a:ext>
             </a:extLst>
           </p:cNvPr>
@@ -13391,7 +13392,7 @@
           <p:cNvPr id="6" name="TextBox 45">
             <a:extLst>
               <a:ext uri="{FF2B5EF4-FFF2-40B4-BE49-F238E27FC236}">
-                <a16:creationId xmlns="" xmlns:a16="http://schemas.microsoft.com/office/drawing/2014/main" id="{6BDA7693-CA76-4C97-8FED-A4A65AB5032B}"/>
+                <a16:creationId xmlns:a16="http://schemas.microsoft.com/office/drawing/2014/main" xmlns="" id="{6BDA7693-CA76-4C97-8FED-A4A65AB5032B}"/>
               </a:ext>
             </a:extLst>
           </p:cNvPr>
@@ -14816,7 +14817,7 @@
           <p:cNvPr id="2" name="TextBox 45">
             <a:extLst>
               <a:ext uri="{FF2B5EF4-FFF2-40B4-BE49-F238E27FC236}">
-                <a16:creationId xmlns="" xmlns:a16="http://schemas.microsoft.com/office/drawing/2014/main" id="{6BDA7693-CA76-4C97-8FED-A4A65AB5032B}"/>
+                <a16:creationId xmlns:a16="http://schemas.microsoft.com/office/drawing/2014/main" xmlns="" id="{6BDA7693-CA76-4C97-8FED-A4A65AB5032B}"/>
               </a:ext>
             </a:extLst>
           </p:cNvPr>
@@ -15787,7 +15788,7 @@
           <p:cNvPr id="34" name="TextBox 45">
             <a:extLst>
               <a:ext uri="{FF2B5EF4-FFF2-40B4-BE49-F238E27FC236}">
-                <a16:creationId xmlns="" xmlns:a16="http://schemas.microsoft.com/office/drawing/2014/main" id="{6BDA7693-CA76-4C97-8FED-A4A65AB5032B}"/>
+                <a16:creationId xmlns:a16="http://schemas.microsoft.com/office/drawing/2014/main" xmlns="" id="{6BDA7693-CA76-4C97-8FED-A4A65AB5032B}"/>
               </a:ext>
             </a:extLst>
           </p:cNvPr>
@@ -17403,7 +17404,7 @@
           <p:cNvPr id="2" name="TextBox 45">
             <a:extLst>
               <a:ext uri="{FF2B5EF4-FFF2-40B4-BE49-F238E27FC236}">
-                <a16:creationId xmlns="" xmlns:a16="http://schemas.microsoft.com/office/drawing/2014/main" id="{6BDA7693-CA76-4C97-8FED-A4A65AB5032B}"/>
+                <a16:creationId xmlns:a16="http://schemas.microsoft.com/office/drawing/2014/main" xmlns="" id="{6BDA7693-CA76-4C97-8FED-A4A65AB5032B}"/>
               </a:ext>
             </a:extLst>
           </p:cNvPr>
@@ -18153,7 +18154,7 @@
           <p:cNvPr id="34" name="TextBox 45">
             <a:extLst>
               <a:ext uri="{FF2B5EF4-FFF2-40B4-BE49-F238E27FC236}">
-                <a16:creationId xmlns="" xmlns:a16="http://schemas.microsoft.com/office/drawing/2014/main" id="{6BDA7693-CA76-4C97-8FED-A4A65AB5032B}"/>
+                <a16:creationId xmlns:a16="http://schemas.microsoft.com/office/drawing/2014/main" xmlns="" id="{6BDA7693-CA76-4C97-8FED-A4A65AB5032B}"/>
               </a:ext>
             </a:extLst>
           </p:cNvPr>
@@ -19516,7 +19517,7 @@
           <p:cNvPr id="114" name="TextBox 45">
             <a:extLst>
               <a:ext uri="{FF2B5EF4-FFF2-40B4-BE49-F238E27FC236}">
-                <a16:creationId xmlns="" xmlns:a16="http://schemas.microsoft.com/office/drawing/2014/main" id="{6BDA7693-CA76-4C97-8FED-A4A65AB5032B}"/>
+                <a16:creationId xmlns:a16="http://schemas.microsoft.com/office/drawing/2014/main" xmlns="" id="{6BDA7693-CA76-4C97-8FED-A4A65AB5032B}"/>
               </a:ext>
             </a:extLst>
           </p:cNvPr>
@@ -19690,7 +19691,7 @@
           <p:cNvPr id="2" name="TextBox 45">
             <a:extLst>
               <a:ext uri="{FF2B5EF4-FFF2-40B4-BE49-F238E27FC236}">
-                <a16:creationId xmlns="" xmlns:a16="http://schemas.microsoft.com/office/drawing/2014/main" id="{6BDA7693-CA76-4C97-8FED-A4A65AB5032B}"/>
+                <a16:creationId xmlns:a16="http://schemas.microsoft.com/office/drawing/2014/main" xmlns="" id="{6BDA7693-CA76-4C97-8FED-A4A65AB5032B}"/>
               </a:ext>
             </a:extLst>
           </p:cNvPr>
@@ -20629,7 +20630,7 @@
           <p:cNvPr id="114" name="TextBox 45">
             <a:extLst>
               <a:ext uri="{FF2B5EF4-FFF2-40B4-BE49-F238E27FC236}">
-                <a16:creationId xmlns="" xmlns:a16="http://schemas.microsoft.com/office/drawing/2014/main" id="{6BDA7693-CA76-4C97-8FED-A4A65AB5032B}"/>
+                <a16:creationId xmlns:a16="http://schemas.microsoft.com/office/drawing/2014/main" xmlns="" id="{6BDA7693-CA76-4C97-8FED-A4A65AB5032B}"/>
               </a:ext>
             </a:extLst>
           </p:cNvPr>
@@ -22381,7 +22382,7 @@
           <p:cNvPr id="2" name="TextBox 45">
             <a:extLst>
               <a:ext uri="{FF2B5EF4-FFF2-40B4-BE49-F238E27FC236}">
-                <a16:creationId xmlns="" xmlns:a16="http://schemas.microsoft.com/office/drawing/2014/main" id="{6BDA7693-CA76-4C97-8FED-A4A65AB5032B}"/>
+                <a16:creationId xmlns:a16="http://schemas.microsoft.com/office/drawing/2014/main" xmlns="" id="{6BDA7693-CA76-4C97-8FED-A4A65AB5032B}"/>
               </a:ext>
             </a:extLst>
           </p:cNvPr>
@@ -23960,7 +23961,7 @@
           <p:cNvPr id="2" name="TextBox 45">
             <a:extLst>
               <a:ext uri="{FF2B5EF4-FFF2-40B4-BE49-F238E27FC236}">
-                <a16:creationId xmlns="" xmlns:a16="http://schemas.microsoft.com/office/drawing/2014/main" id="{6BDA7693-CA76-4C97-8FED-A4A65AB5032B}"/>
+                <a16:creationId xmlns:a16="http://schemas.microsoft.com/office/drawing/2014/main" xmlns="" id="{6BDA7693-CA76-4C97-8FED-A4A65AB5032B}"/>
               </a:ext>
             </a:extLst>
           </p:cNvPr>
@@ -24953,7 +24954,7 @@
           <p:cNvPr id="114" name="TextBox 45">
             <a:extLst>
               <a:ext uri="{FF2B5EF4-FFF2-40B4-BE49-F238E27FC236}">
-                <a16:creationId xmlns="" xmlns:a16="http://schemas.microsoft.com/office/drawing/2014/main" id="{6BDA7693-CA76-4C97-8FED-A4A65AB5032B}"/>
+                <a16:creationId xmlns:a16="http://schemas.microsoft.com/office/drawing/2014/main" xmlns="" id="{6BDA7693-CA76-4C97-8FED-A4A65AB5032B}"/>
               </a:ext>
             </a:extLst>
           </p:cNvPr>
@@ -25768,7 +25769,7 @@
           <p:cNvPr id="2" name="TextBox 45">
             <a:extLst>
               <a:ext uri="{FF2B5EF4-FFF2-40B4-BE49-F238E27FC236}">
-                <a16:creationId xmlns="" xmlns:a16="http://schemas.microsoft.com/office/drawing/2014/main" id="{6BDA7693-CA76-4C97-8FED-A4A65AB5032B}"/>
+                <a16:creationId xmlns:a16="http://schemas.microsoft.com/office/drawing/2014/main" xmlns="" id="{6BDA7693-CA76-4C97-8FED-A4A65AB5032B}"/>
               </a:ext>
             </a:extLst>
           </p:cNvPr>
@@ -26331,7 +26332,7 @@
           <p:cNvPr id="26" name="TextBox 45">
             <a:extLst>
               <a:ext uri="{FF2B5EF4-FFF2-40B4-BE49-F238E27FC236}">
-                <a16:creationId xmlns="" xmlns:a16="http://schemas.microsoft.com/office/drawing/2014/main" id="{6BDA7693-CA76-4C97-8FED-A4A65AB5032B}"/>
+                <a16:creationId xmlns:a16="http://schemas.microsoft.com/office/drawing/2014/main" xmlns="" id="{6BDA7693-CA76-4C97-8FED-A4A65AB5032B}"/>
               </a:ext>
             </a:extLst>
           </p:cNvPr>
@@ -26447,7 +26448,7 @@
           <p:cNvPr id="32" name="TextBox 45">
             <a:extLst>
               <a:ext uri="{FF2B5EF4-FFF2-40B4-BE49-F238E27FC236}">
-                <a16:creationId xmlns="" xmlns:a16="http://schemas.microsoft.com/office/drawing/2014/main" id="{6BDA7693-CA76-4C97-8FED-A4A65AB5032B}"/>
+                <a16:creationId xmlns:a16="http://schemas.microsoft.com/office/drawing/2014/main" xmlns="" id="{6BDA7693-CA76-4C97-8FED-A4A65AB5032B}"/>
               </a:ext>
             </a:extLst>
           </p:cNvPr>
@@ -27010,7 +27011,7 @@
           <p:cNvPr id="48" name="TextBox 45">
             <a:extLst>
               <a:ext uri="{FF2B5EF4-FFF2-40B4-BE49-F238E27FC236}">
-                <a16:creationId xmlns="" xmlns:a16="http://schemas.microsoft.com/office/drawing/2014/main" id="{6BDA7693-CA76-4C97-8FED-A4A65AB5032B}"/>
+                <a16:creationId xmlns:a16="http://schemas.microsoft.com/office/drawing/2014/main" xmlns="" id="{6BDA7693-CA76-4C97-8FED-A4A65AB5032B}"/>
               </a:ext>
             </a:extLst>
           </p:cNvPr>
@@ -27100,7 +27101,7 @@
           <p:cNvPr id="49" name="TextBox 45">
             <a:extLst>
               <a:ext uri="{FF2B5EF4-FFF2-40B4-BE49-F238E27FC236}">
-                <a16:creationId xmlns="" xmlns:a16="http://schemas.microsoft.com/office/drawing/2014/main" id="{6BDA7693-CA76-4C97-8FED-A4A65AB5032B}"/>
+                <a16:creationId xmlns:a16="http://schemas.microsoft.com/office/drawing/2014/main" xmlns="" id="{6BDA7693-CA76-4C97-8FED-A4A65AB5032B}"/>
               </a:ext>
             </a:extLst>
           </p:cNvPr>
@@ -27269,7 +27270,7 @@
           <p:cNvPr id="2" name="TextBox 45">
             <a:extLst>
               <a:ext uri="{FF2B5EF4-FFF2-40B4-BE49-F238E27FC236}">
-                <a16:creationId xmlns="" xmlns:a16="http://schemas.microsoft.com/office/drawing/2014/main" id="{6BDA7693-CA76-4C97-8FED-A4A65AB5032B}"/>
+                <a16:creationId xmlns:a16="http://schemas.microsoft.com/office/drawing/2014/main" xmlns="" id="{6BDA7693-CA76-4C97-8FED-A4A65AB5032B}"/>
               </a:ext>
             </a:extLst>
           </p:cNvPr>
@@ -28041,7 +28042,7 @@
           <p:cNvPr id="23" name="TextBox 45">
             <a:extLst>
               <a:ext uri="{FF2B5EF4-FFF2-40B4-BE49-F238E27FC236}">
-                <a16:creationId xmlns="" xmlns:a16="http://schemas.microsoft.com/office/drawing/2014/main" id="{6BDA7693-CA76-4C97-8FED-A4A65AB5032B}"/>
+                <a16:creationId xmlns:a16="http://schemas.microsoft.com/office/drawing/2014/main" xmlns="" id="{6BDA7693-CA76-4C97-8FED-A4A65AB5032B}"/>
               </a:ext>
             </a:extLst>
           </p:cNvPr>
@@ -37018,7 +37019,7 @@
           <p:cNvPr id="2" name="TextBox 45">
             <a:extLst>
               <a:ext uri="{FF2B5EF4-FFF2-40B4-BE49-F238E27FC236}">
-                <a16:creationId xmlns="" xmlns:a16="http://schemas.microsoft.com/office/drawing/2014/main" id="{6BDA7693-CA76-4C97-8FED-A4A65AB5032B}"/>
+                <a16:creationId xmlns:a16="http://schemas.microsoft.com/office/drawing/2014/main" xmlns="" id="{6BDA7693-CA76-4C97-8FED-A4A65AB5032B}"/>
               </a:ext>
             </a:extLst>
           </p:cNvPr>
@@ -37957,7 +37958,7 @@
           <p:cNvPr id="114" name="TextBox 45">
             <a:extLst>
               <a:ext uri="{FF2B5EF4-FFF2-40B4-BE49-F238E27FC236}">
-                <a16:creationId xmlns="" xmlns:a16="http://schemas.microsoft.com/office/drawing/2014/main" id="{6BDA7693-CA76-4C97-8FED-A4A65AB5032B}"/>
+                <a16:creationId xmlns:a16="http://schemas.microsoft.com/office/drawing/2014/main" xmlns="" id="{6BDA7693-CA76-4C97-8FED-A4A65AB5032B}"/>
               </a:ext>
             </a:extLst>
           </p:cNvPr>
@@ -39104,7 +39105,7 @@
           <p:cNvPr id="2" name="TextBox 45">
             <a:extLst>
               <a:ext uri="{FF2B5EF4-FFF2-40B4-BE49-F238E27FC236}">
-                <a16:creationId xmlns="" xmlns:a16="http://schemas.microsoft.com/office/drawing/2014/main" id="{6BDA7693-CA76-4C97-8FED-A4A65AB5032B}"/>
+                <a16:creationId xmlns:a16="http://schemas.microsoft.com/office/drawing/2014/main" xmlns="" id="{6BDA7693-CA76-4C97-8FED-A4A65AB5032B}"/>
               </a:ext>
             </a:extLst>
           </p:cNvPr>
@@ -43737,7 +43738,6 @@
               <a:rPr lang="en-GB" dirty="0"/>
               <a:t> </a:t>
             </a:r>
-            <a:endParaRPr lang="en-GB" dirty="0"/>
           </a:p>
         </p:txBody>
       </p:sp>
@@ -46782,7 +46782,7 @@
           <p:cNvPr id="51" name="TextBox 50">
             <a:extLst>
               <a:ext uri="{FF2B5EF4-FFF2-40B4-BE49-F238E27FC236}">
-                <a16:creationId xmlns="" xmlns:a16="http://schemas.microsoft.com/office/drawing/2014/main" id="{38D92C47-6A24-433B-A9D7-48400DFBEE88}"/>
+                <a16:creationId xmlns:a16="http://schemas.microsoft.com/office/drawing/2014/main" xmlns="" id="{38D92C47-6A24-433B-A9D7-48400DFBEE88}"/>
               </a:ext>
             </a:extLst>
           </p:cNvPr>
@@ -46823,7 +46823,7 @@
           <p:cNvPr id="52" name="TextBox 51">
             <a:extLst>
               <a:ext uri="{FF2B5EF4-FFF2-40B4-BE49-F238E27FC236}">
-                <a16:creationId xmlns="" xmlns:a16="http://schemas.microsoft.com/office/drawing/2014/main" id="{46370455-EDDE-4BAF-A68F-1E721D22CFA3}"/>
+                <a16:creationId xmlns:a16="http://schemas.microsoft.com/office/drawing/2014/main" xmlns="" id="{46370455-EDDE-4BAF-A68F-1E721D22CFA3}"/>
               </a:ext>
             </a:extLst>
           </p:cNvPr>
@@ -46864,7 +46864,7 @@
           <p:cNvPr id="54" name="TextBox 53">
             <a:extLst>
               <a:ext uri="{FF2B5EF4-FFF2-40B4-BE49-F238E27FC236}">
-                <a16:creationId xmlns="" xmlns:a16="http://schemas.microsoft.com/office/drawing/2014/main" id="{1F0BD362-AB28-4ABC-B01D-E5FB51A4284F}"/>
+                <a16:creationId xmlns:a16="http://schemas.microsoft.com/office/drawing/2014/main" xmlns="" id="{1F0BD362-AB28-4ABC-B01D-E5FB51A4284F}"/>
               </a:ext>
             </a:extLst>
           </p:cNvPr>
@@ -46899,7 +46899,7 @@
           <p:cNvPr id="55" name="TextBox 54">
             <a:extLst>
               <a:ext uri="{FF2B5EF4-FFF2-40B4-BE49-F238E27FC236}">
-                <a16:creationId xmlns="" xmlns:a16="http://schemas.microsoft.com/office/drawing/2014/main" id="{66A6D040-E92F-405E-8F1C-224FD73DEB6A}"/>
+                <a16:creationId xmlns:a16="http://schemas.microsoft.com/office/drawing/2014/main" xmlns="" id="{66A6D040-E92F-405E-8F1C-224FD73DEB6A}"/>
               </a:ext>
             </a:extLst>
           </p:cNvPr>
@@ -46940,7 +46940,7 @@
           <p:cNvPr id="59" name="TextBox 58">
             <a:extLst>
               <a:ext uri="{FF2B5EF4-FFF2-40B4-BE49-F238E27FC236}">
-                <a16:creationId xmlns="" xmlns:a16="http://schemas.microsoft.com/office/drawing/2014/main" id="{8B737B46-BF72-4F50-880F-A81417342B9C}"/>
+                <a16:creationId xmlns:a16="http://schemas.microsoft.com/office/drawing/2014/main" xmlns="" id="{8B737B46-BF72-4F50-880F-A81417342B9C}"/>
               </a:ext>
             </a:extLst>
           </p:cNvPr>
@@ -46981,7 +46981,7 @@
           <p:cNvPr id="60" name="TextBox 59">
             <a:extLst>
               <a:ext uri="{FF2B5EF4-FFF2-40B4-BE49-F238E27FC236}">
-                <a16:creationId xmlns="" xmlns:a16="http://schemas.microsoft.com/office/drawing/2014/main" id="{635E5AB3-11BB-4188-A9F5-6624D8487908}"/>
+                <a16:creationId xmlns:a16="http://schemas.microsoft.com/office/drawing/2014/main" xmlns="" id="{635E5AB3-11BB-4188-A9F5-6624D8487908}"/>
               </a:ext>
             </a:extLst>
           </p:cNvPr>
@@ -47034,6 +47034,2308 @@
       </p:par>
     </p:tnLst>
   </p:timing>
+</p:sld>
+</file>
+
+<file path=ppt/slides/slide40.xml><?xml version="1.0" encoding="utf-8"?>
+<p:sld xmlns:a="http://schemas.openxmlformats.org/drawingml/2006/main" xmlns:r="http://schemas.openxmlformats.org/officeDocument/2006/relationships" xmlns:p="http://schemas.openxmlformats.org/presentationml/2006/main">
+  <p:cSld>
+    <p:spTree>
+      <p:nvGrpSpPr>
+        <p:cNvPr id="1" name=""/>
+        <p:cNvGrpSpPr/>
+        <p:nvPr/>
+      </p:nvGrpSpPr>
+      <p:grpSpPr>
+        <a:xfrm>
+          <a:off x="0" y="0"/>
+          <a:ext cx="0" cy="0"/>
+          <a:chOff x="0" y="0"/>
+          <a:chExt cx="0" cy="0"/>
+        </a:xfrm>
+      </p:grpSpPr>
+      <p:sp>
+        <p:nvSpPr>
+          <p:cNvPr id="70" name="Ovale 69"/>
+          <p:cNvSpPr/>
+          <p:nvPr/>
+        </p:nvSpPr>
+        <p:spPr>
+          <a:xfrm>
+            <a:off x="1619672" y="1298049"/>
+            <a:ext cx="6984776" cy="5400600"/>
+          </a:xfrm>
+          <a:prstGeom prst="ellipse">
+            <a:avLst/>
+          </a:prstGeom>
+          <a:ln/>
+        </p:spPr>
+        <p:style>
+          <a:lnRef idx="1">
+            <a:schemeClr val="accent4"/>
+          </a:lnRef>
+          <a:fillRef idx="2">
+            <a:schemeClr val="accent4"/>
+          </a:fillRef>
+          <a:effectRef idx="1">
+            <a:schemeClr val="accent4"/>
+          </a:effectRef>
+          <a:fontRef idx="minor">
+            <a:schemeClr val="dk1"/>
+          </a:fontRef>
+        </p:style>
+        <p:txBody>
+          <a:bodyPr rtlCol="0" anchor="ctr"/>
+          <a:lstStyle/>
+          <a:p>
+            <a:pPr algn="ctr"/>
+            <a:r>
+              <a:rPr lang="en-GB" sz="1200" dirty="0"/>
+              <a:t> </a:t>
+            </a:r>
+          </a:p>
+        </p:txBody>
+      </p:sp>
+      <p:sp>
+        <p:nvSpPr>
+          <p:cNvPr id="102" name="Rettangolo arrotondato 101"/>
+          <p:cNvSpPr/>
+          <p:nvPr/>
+        </p:nvSpPr>
+        <p:spPr>
+          <a:xfrm>
+            <a:off x="1742555" y="3427435"/>
+            <a:ext cx="6658884" cy="1454359"/>
+          </a:xfrm>
+          <a:prstGeom prst="roundRect">
+            <a:avLst/>
+          </a:prstGeom>
+          <a:solidFill>
+            <a:srgbClr val="CCFFFF"/>
+          </a:solidFill>
+        </p:spPr>
+        <p:style>
+          <a:lnRef idx="2">
+            <a:schemeClr val="accent1">
+              <a:shade val="50000"/>
+            </a:schemeClr>
+          </a:lnRef>
+          <a:fillRef idx="1">
+            <a:schemeClr val="accent1"/>
+          </a:fillRef>
+          <a:effectRef idx="0">
+            <a:schemeClr val="accent1"/>
+          </a:effectRef>
+          <a:fontRef idx="minor">
+            <a:schemeClr val="lt1"/>
+          </a:fontRef>
+        </p:style>
+        <p:txBody>
+          <a:bodyPr rtlCol="0" anchor="ctr"/>
+          <a:lstStyle/>
+          <a:p>
+            <a:pPr algn="ctr"/>
+            <a:r>
+              <a:rPr lang="it-IT" b="1" dirty="0" err="1" smtClean="0">
+                <a:solidFill>
+                  <a:srgbClr val="0070C0"/>
+                </a:solidFill>
+              </a:rPr>
+              <a:t>haApplication</a:t>
+            </a:r>
+            <a:endParaRPr lang="it-IT" b="1" dirty="0" smtClean="0">
+              <a:solidFill>
+                <a:srgbClr val="0070C0"/>
+              </a:solidFill>
+            </a:endParaRPr>
+          </a:p>
+          <a:p>
+            <a:pPr algn="ctr"/>
+            <a:endParaRPr lang="it-IT" b="1" dirty="0" smtClean="0">
+              <a:solidFill>
+                <a:srgbClr val="0070C0"/>
+              </a:solidFill>
+            </a:endParaRPr>
+          </a:p>
+          <a:p>
+            <a:pPr algn="ctr"/>
+            <a:endParaRPr lang="it-IT" b="1" dirty="0">
+              <a:solidFill>
+                <a:srgbClr val="0070C0"/>
+              </a:solidFill>
+            </a:endParaRPr>
+          </a:p>
+          <a:p>
+            <a:pPr algn="ctr"/>
+            <a:endParaRPr lang="it-IT" b="1" dirty="0" smtClean="0">
+              <a:solidFill>
+                <a:srgbClr val="0070C0"/>
+              </a:solidFill>
+            </a:endParaRPr>
+          </a:p>
+          <a:p>
+            <a:pPr algn="ctr"/>
+            <a:endParaRPr lang="en-GB" b="1" dirty="0">
+              <a:solidFill>
+                <a:srgbClr val="0070C0"/>
+              </a:solidFill>
+            </a:endParaRPr>
+          </a:p>
+        </p:txBody>
+      </p:sp>
+      <p:sp>
+        <p:nvSpPr>
+          <p:cNvPr id="4" name="Esagono 3"/>
+          <p:cNvSpPr/>
+          <p:nvPr/>
+        </p:nvSpPr>
+        <p:spPr>
+          <a:xfrm>
+            <a:off x="3443900" y="3800252"/>
+            <a:ext cx="3629835" cy="2538357"/>
+          </a:xfrm>
+          <a:prstGeom prst="hexagon">
+            <a:avLst/>
+          </a:prstGeom>
+          <a:solidFill>
+            <a:srgbClr val="FFFF00"/>
+          </a:solidFill>
+        </p:spPr>
+        <p:style>
+          <a:lnRef idx="1">
+            <a:schemeClr val="accent5"/>
+          </a:lnRef>
+          <a:fillRef idx="2">
+            <a:schemeClr val="accent5"/>
+          </a:fillRef>
+          <a:effectRef idx="1">
+            <a:schemeClr val="accent5"/>
+          </a:effectRef>
+          <a:fontRef idx="minor">
+            <a:schemeClr val="dk1"/>
+          </a:fontRef>
+        </p:style>
+        <p:txBody>
+          <a:bodyPr rtlCol="0" anchor="ctr"/>
+          <a:lstStyle/>
+          <a:p>
+            <a:pPr algn="ctr"/>
+            <a:endParaRPr lang="en-GB"/>
+          </a:p>
+        </p:txBody>
+      </p:sp>
+      <p:sp>
+        <p:nvSpPr>
+          <p:cNvPr id="3" name="Rettangolo 2"/>
+          <p:cNvSpPr/>
+          <p:nvPr/>
+        </p:nvSpPr>
+        <p:spPr>
+          <a:xfrm>
+            <a:off x="4232778" y="4047495"/>
+            <a:ext cx="1851390" cy="659189"/>
+          </a:xfrm>
+          <a:prstGeom prst="rect">
+            <a:avLst/>
+          </a:prstGeom>
+          <a:solidFill>
+            <a:srgbClr val="FFCCFF"/>
+          </a:solidFill>
+        </p:spPr>
+        <p:style>
+          <a:lnRef idx="2">
+            <a:schemeClr val="accent1">
+              <a:shade val="50000"/>
+            </a:schemeClr>
+          </a:lnRef>
+          <a:fillRef idx="1">
+            <a:schemeClr val="accent1"/>
+          </a:fillRef>
+          <a:effectRef idx="0">
+            <a:schemeClr val="accent1"/>
+          </a:effectRef>
+          <a:fontRef idx="minor">
+            <a:schemeClr val="lt1"/>
+          </a:fontRef>
+        </p:style>
+        <p:txBody>
+          <a:bodyPr rtlCol="0" anchor="ctr"/>
+          <a:lstStyle/>
+          <a:p>
+            <a:pPr algn="ctr"/>
+            <a:r>
+              <a:rPr lang="it-IT" i="1" dirty="0" smtClean="0">
+                <a:solidFill>
+                  <a:schemeClr val="tx1"/>
+                </a:solidFill>
+              </a:rPr>
+              <a:t>Use </a:t>
+            </a:r>
+            <a:r>
+              <a:rPr lang="it-IT" i="1" dirty="0">
+                <a:solidFill>
+                  <a:schemeClr val="tx1"/>
+                </a:solidFill>
+              </a:rPr>
+              <a:t>Case</a:t>
+            </a:r>
+          </a:p>
+          <a:p>
+            <a:pPr algn="ctr"/>
+            <a:r>
+              <a:rPr lang="en-GB" sz="1400" b="1" dirty="0" err="1">
+                <a:solidFill>
+                  <a:srgbClr val="C00000"/>
+                </a:solidFill>
+              </a:rPr>
+              <a:t>HAService</a:t>
+            </a:r>
+            <a:endParaRPr lang="en-GB" sz="1400" b="1" dirty="0">
+              <a:solidFill>
+                <a:srgbClr val="C00000"/>
+              </a:solidFill>
+            </a:endParaRPr>
+          </a:p>
+        </p:txBody>
+      </p:sp>
+      <p:cxnSp>
+        <p:nvCxnSpPr>
+          <p:cNvPr id="10" name="Connettore 2 9"/>
+          <p:cNvCxnSpPr>
+            <a:stCxn id="3" idx="2"/>
+            <a:endCxn id="136" idx="0"/>
+          </p:cNvCxnSpPr>
+          <p:nvPr/>
+        </p:nvCxnSpPr>
+        <p:spPr>
+          <a:xfrm>
+            <a:off x="5158473" y="4706684"/>
+            <a:ext cx="30332" cy="551954"/>
+          </a:xfrm>
+          <a:prstGeom prst="straightConnector1">
+            <a:avLst/>
+          </a:prstGeom>
+          <a:ln>
+            <a:tailEnd type="arrow"/>
+          </a:ln>
+        </p:spPr>
+        <p:style>
+          <a:lnRef idx="1">
+            <a:schemeClr val="accent1"/>
+          </a:lnRef>
+          <a:fillRef idx="0">
+            <a:schemeClr val="accent1"/>
+          </a:fillRef>
+          <a:effectRef idx="0">
+            <a:schemeClr val="accent1"/>
+          </a:effectRef>
+          <a:fontRef idx="minor">
+            <a:schemeClr val="tx1"/>
+          </a:fontRef>
+        </p:style>
+      </p:cxnSp>
+      <p:cxnSp>
+        <p:nvCxnSpPr>
+          <p:cNvPr id="14" name="Connettore 2 13"/>
+          <p:cNvCxnSpPr>
+            <a:stCxn id="3" idx="3"/>
+            <a:endCxn id="129" idx="1"/>
+          </p:cNvCxnSpPr>
+          <p:nvPr/>
+        </p:nvCxnSpPr>
+        <p:spPr>
+          <a:xfrm>
+            <a:off x="6084168" y="4377090"/>
+            <a:ext cx="412553" cy="0"/>
+          </a:xfrm>
+          <a:prstGeom prst="straightConnector1">
+            <a:avLst/>
+          </a:prstGeom>
+          <a:ln>
+            <a:tailEnd type="arrow"/>
+          </a:ln>
+        </p:spPr>
+        <p:style>
+          <a:lnRef idx="1">
+            <a:schemeClr val="accent1"/>
+          </a:lnRef>
+          <a:fillRef idx="0">
+            <a:schemeClr val="accent1"/>
+          </a:fillRef>
+          <a:effectRef idx="0">
+            <a:schemeClr val="accent1"/>
+          </a:effectRef>
+          <a:fontRef idx="minor">
+            <a:schemeClr val="tx1"/>
+          </a:fontRef>
+        </p:style>
+      </p:cxnSp>
+      <p:sp>
+        <p:nvSpPr>
+          <p:cNvPr id="17" name="Rettangolo arrotondato 16"/>
+          <p:cNvSpPr/>
+          <p:nvPr/>
+        </p:nvSpPr>
+        <p:spPr>
+          <a:xfrm>
+            <a:off x="2417818" y="2387200"/>
+            <a:ext cx="1668873" cy="686094"/>
+          </a:xfrm>
+          <a:prstGeom prst="roundRect">
+            <a:avLst/>
+          </a:prstGeom>
+          <a:solidFill>
+            <a:srgbClr val="CCFFFF"/>
+          </a:solidFill>
+        </p:spPr>
+        <p:style>
+          <a:lnRef idx="2">
+            <a:schemeClr val="accent1">
+              <a:shade val="50000"/>
+            </a:schemeClr>
+          </a:lnRef>
+          <a:fillRef idx="1">
+            <a:schemeClr val="accent1"/>
+          </a:fillRef>
+          <a:effectRef idx="0">
+            <a:schemeClr val="accent1"/>
+          </a:effectRef>
+          <a:fontRef idx="minor">
+            <a:schemeClr val="lt1"/>
+          </a:fontRef>
+        </p:style>
+        <p:txBody>
+          <a:bodyPr rtlCol="0" anchor="ctr"/>
+          <a:lstStyle/>
+          <a:p>
+            <a:pPr algn="ctr"/>
+            <a:r>
+              <a:rPr lang="it-IT" b="1" dirty="0" err="1">
+                <a:solidFill>
+                  <a:srgbClr val="0070C0"/>
+                </a:solidFill>
+              </a:rPr>
+              <a:t>haWeb</a:t>
+            </a:r>
+            <a:endParaRPr lang="it-IT" b="1" dirty="0">
+              <a:solidFill>
+                <a:srgbClr val="0070C0"/>
+              </a:solidFill>
+            </a:endParaRPr>
+          </a:p>
+          <a:p>
+            <a:pPr algn="ctr"/>
+            <a:r>
+              <a:rPr lang="en-GB" dirty="0" err="1">
+                <a:solidFill>
+                  <a:schemeClr val="tx1"/>
+                </a:solidFill>
+              </a:rPr>
+              <a:t>MIController</a:t>
+            </a:r>
+            <a:endParaRPr lang="en-GB" dirty="0">
+              <a:solidFill>
+                <a:schemeClr val="tx1"/>
+              </a:solidFill>
+            </a:endParaRPr>
+          </a:p>
+        </p:txBody>
+      </p:sp>
+      <p:cxnSp>
+        <p:nvCxnSpPr>
+          <p:cNvPr id="19" name="Connettore 4 18"/>
+          <p:cNvCxnSpPr>
+            <a:stCxn id="17" idx="2"/>
+            <a:endCxn id="127" idx="0"/>
+          </p:cNvCxnSpPr>
+          <p:nvPr/>
+        </p:nvCxnSpPr>
+        <p:spPr>
+          <a:xfrm rot="5400000">
+            <a:off x="2508685" y="3366116"/>
+            <a:ext cx="1036393" cy="450748"/>
+          </a:xfrm>
+          <a:prstGeom prst="bentConnector3">
+            <a:avLst>
+              <a:gd name="adj1" fmla="val 50000"/>
+            </a:avLst>
+          </a:prstGeom>
+          <a:ln>
+            <a:tailEnd type="arrow"/>
+          </a:ln>
+        </p:spPr>
+        <p:style>
+          <a:lnRef idx="1">
+            <a:schemeClr val="accent1"/>
+          </a:lnRef>
+          <a:fillRef idx="0">
+            <a:schemeClr val="accent1"/>
+          </a:fillRef>
+          <a:effectRef idx="0">
+            <a:schemeClr val="accent1"/>
+          </a:effectRef>
+          <a:fontRef idx="minor">
+            <a:schemeClr val="tx1"/>
+          </a:fontRef>
+        </p:style>
+      </p:cxnSp>
+      <p:grpSp>
+        <p:nvGrpSpPr>
+          <p:cNvPr id="77" name="Gruppo 76"/>
+          <p:cNvGrpSpPr/>
+          <p:nvPr/>
+        </p:nvGrpSpPr>
+        <p:grpSpPr>
+          <a:xfrm>
+            <a:off x="1418519" y="2687593"/>
+            <a:ext cx="666895" cy="86434"/>
+            <a:chOff x="4592177" y="4419530"/>
+            <a:chExt cx="666895" cy="86434"/>
+          </a:xfrm>
+        </p:grpSpPr>
+        <p:cxnSp>
+          <p:nvCxnSpPr>
+            <p:cNvPr id="78" name="Connettore 1 77"/>
+            <p:cNvCxnSpPr/>
+            <p:nvPr/>
+          </p:nvCxnSpPr>
+          <p:spPr>
+            <a:xfrm>
+              <a:off x="4611000" y="4462747"/>
+              <a:ext cx="648072" cy="0"/>
+            </a:xfrm>
+            <a:prstGeom prst="line">
+              <a:avLst/>
+            </a:prstGeom>
+            <a:ln/>
+          </p:spPr>
+          <p:style>
+            <a:lnRef idx="1">
+              <a:schemeClr val="accent6"/>
+            </a:lnRef>
+            <a:fillRef idx="2">
+              <a:schemeClr val="accent6"/>
+            </a:fillRef>
+            <a:effectRef idx="1">
+              <a:schemeClr val="accent6"/>
+            </a:effectRef>
+            <a:fontRef idx="minor">
+              <a:schemeClr val="dk1"/>
+            </a:fontRef>
+          </p:style>
+        </p:cxnSp>
+        <p:sp>
+          <p:nvSpPr>
+            <p:cNvPr id="79" name="Triangolo isoscele 78"/>
+            <p:cNvSpPr/>
+            <p:nvPr/>
+          </p:nvSpPr>
+          <p:spPr>
+            <a:xfrm rot="16200000">
+              <a:off x="4618592" y="4393115"/>
+              <a:ext cx="86434" cy="139263"/>
+            </a:xfrm>
+            <a:prstGeom prst="triangle">
+              <a:avLst/>
+            </a:prstGeom>
+            <a:ln/>
+          </p:spPr>
+          <p:style>
+            <a:lnRef idx="1">
+              <a:schemeClr val="accent6"/>
+            </a:lnRef>
+            <a:fillRef idx="2">
+              <a:schemeClr val="accent6"/>
+            </a:fillRef>
+            <a:effectRef idx="1">
+              <a:schemeClr val="accent6"/>
+            </a:effectRef>
+            <a:fontRef idx="minor">
+              <a:schemeClr val="dk1"/>
+            </a:fontRef>
+          </p:style>
+          <p:txBody>
+            <a:bodyPr rtlCol="0" anchor="ctr"/>
+            <a:lstStyle/>
+            <a:p>
+              <a:pPr algn="ctr"/>
+              <a:endParaRPr lang="en-GB" sz="1200"/>
+            </a:p>
+          </p:txBody>
+        </p:sp>
+      </p:grpSp>
+      <p:grpSp>
+        <p:nvGrpSpPr>
+          <p:cNvPr id="80" name="Gruppo 79"/>
+          <p:cNvGrpSpPr/>
+          <p:nvPr/>
+        </p:nvGrpSpPr>
+        <p:grpSpPr>
+          <a:xfrm>
+            <a:off x="1418519" y="2898216"/>
+            <a:ext cx="787334" cy="86434"/>
+            <a:chOff x="3452446" y="4176616"/>
+            <a:chExt cx="787334" cy="86434"/>
+          </a:xfrm>
+        </p:grpSpPr>
+        <p:sp>
+          <p:nvSpPr>
+            <p:cNvPr id="81" name="Triangolo isoscele 80"/>
+            <p:cNvSpPr/>
+            <p:nvPr/>
+          </p:nvSpPr>
+          <p:spPr>
+            <a:xfrm rot="5400000" flipH="1">
+              <a:off x="4126932" y="4150201"/>
+              <a:ext cx="86434" cy="139263"/>
+            </a:xfrm>
+            <a:prstGeom prst="triangle">
+              <a:avLst/>
+            </a:prstGeom>
+            <a:ln/>
+          </p:spPr>
+          <p:style>
+            <a:lnRef idx="1">
+              <a:schemeClr val="accent6"/>
+            </a:lnRef>
+            <a:fillRef idx="2">
+              <a:schemeClr val="accent6"/>
+            </a:fillRef>
+            <a:effectRef idx="1">
+              <a:schemeClr val="accent6"/>
+            </a:effectRef>
+            <a:fontRef idx="minor">
+              <a:schemeClr val="dk1"/>
+            </a:fontRef>
+          </p:style>
+          <p:txBody>
+            <a:bodyPr rtlCol="0" anchor="ctr"/>
+            <a:lstStyle/>
+            <a:p>
+              <a:pPr algn="ctr"/>
+              <a:endParaRPr lang="en-GB" sz="1200"/>
+            </a:p>
+          </p:txBody>
+        </p:sp>
+        <p:cxnSp>
+          <p:nvCxnSpPr>
+            <p:cNvPr id="82" name="Connettore 1 81"/>
+            <p:cNvCxnSpPr>
+              <a:endCxn id="81" idx="3"/>
+            </p:cNvCxnSpPr>
+            <p:nvPr/>
+          </p:nvCxnSpPr>
+          <p:spPr>
+            <a:xfrm>
+              <a:off x="3452446" y="4219627"/>
+              <a:ext cx="648072" cy="206"/>
+            </a:xfrm>
+            <a:prstGeom prst="line">
+              <a:avLst/>
+            </a:prstGeom>
+          </p:spPr>
+          <p:style>
+            <a:lnRef idx="1">
+              <a:schemeClr val="accent6"/>
+            </a:lnRef>
+            <a:fillRef idx="2">
+              <a:schemeClr val="accent6"/>
+            </a:fillRef>
+            <a:effectRef idx="1">
+              <a:schemeClr val="accent6"/>
+            </a:effectRef>
+            <a:fontRef idx="minor">
+              <a:schemeClr val="dk1"/>
+            </a:fontRef>
+          </p:style>
+        </p:cxnSp>
+      </p:grpSp>
+      <p:grpSp>
+        <p:nvGrpSpPr>
+          <p:cNvPr id="83" name="Gruppo 82"/>
+          <p:cNvGrpSpPr/>
+          <p:nvPr/>
+        </p:nvGrpSpPr>
+        <p:grpSpPr>
+          <a:xfrm>
+            <a:off x="329173" y="2380514"/>
+            <a:ext cx="919799" cy="890555"/>
+            <a:chOff x="565700" y="4961976"/>
+            <a:chExt cx="805955" cy="750838"/>
+          </a:xfrm>
+        </p:grpSpPr>
+        <p:sp>
+          <p:nvSpPr>
+            <p:cNvPr id="84" name="Ovale 83"/>
+            <p:cNvSpPr/>
+            <p:nvPr/>
+          </p:nvSpPr>
+          <p:spPr>
+            <a:xfrm>
+              <a:off x="565700" y="4983583"/>
+              <a:ext cx="805955" cy="729231"/>
+            </a:xfrm>
+            <a:prstGeom prst="ellipse">
+              <a:avLst/>
+            </a:prstGeom>
+            <a:solidFill>
+              <a:srgbClr val="FF99CC"/>
+            </a:solidFill>
+            <a:ln/>
+          </p:spPr>
+          <p:style>
+            <a:lnRef idx="1">
+              <a:schemeClr val="accent4"/>
+            </a:lnRef>
+            <a:fillRef idx="2">
+              <a:schemeClr val="accent4"/>
+            </a:fillRef>
+            <a:effectRef idx="1">
+              <a:schemeClr val="accent4"/>
+            </a:effectRef>
+            <a:fontRef idx="minor">
+              <a:schemeClr val="dk1"/>
+            </a:fontRef>
+          </p:style>
+          <p:txBody>
+            <a:bodyPr rtlCol="0" anchor="ctr"/>
+            <a:lstStyle/>
+            <a:p>
+              <a:pPr algn="ctr"/>
+              <a:r>
+                <a:rPr lang="en-GB" sz="1200" dirty="0"/>
+                <a:t> </a:t>
+              </a:r>
+            </a:p>
+          </p:txBody>
+        </p:sp>
+        <p:sp>
+          <p:nvSpPr>
+            <p:cNvPr id="85" name="Triangolo isoscele 84"/>
+            <p:cNvSpPr/>
+            <p:nvPr/>
+          </p:nvSpPr>
+          <p:spPr>
+            <a:xfrm rot="16200000">
+              <a:off x="904012" y="4936848"/>
+              <a:ext cx="39538" cy="89794"/>
+            </a:xfrm>
+            <a:prstGeom prst="triangle">
+              <a:avLst/>
+            </a:prstGeom>
+            <a:solidFill>
+              <a:srgbClr val="C00000"/>
+            </a:solidFill>
+            <a:ln/>
+          </p:spPr>
+          <p:style>
+            <a:lnRef idx="1">
+              <a:schemeClr val="accent5"/>
+            </a:lnRef>
+            <a:fillRef idx="2">
+              <a:schemeClr val="accent5"/>
+            </a:fillRef>
+            <a:effectRef idx="1">
+              <a:schemeClr val="accent5"/>
+            </a:effectRef>
+            <a:fontRef idx="minor">
+              <a:schemeClr val="dk1"/>
+            </a:fontRef>
+          </p:style>
+          <p:txBody>
+            <a:bodyPr rtlCol="0" anchor="ctr"/>
+            <a:lstStyle/>
+            <a:p>
+              <a:pPr algn="ctr"/>
+              <a:endParaRPr lang="en-GB" sz="1200">
+                <a:solidFill>
+                  <a:schemeClr val="dk1"/>
+                </a:solidFill>
+              </a:endParaRPr>
+            </a:p>
+          </p:txBody>
+        </p:sp>
+      </p:grpSp>
+      <p:sp>
+        <p:nvSpPr>
+          <p:cNvPr id="86" name="CasellaDiTesto 85"/>
+          <p:cNvSpPr txBox="1"/>
+          <p:nvPr/>
+        </p:nvSpPr>
+        <p:spPr>
+          <a:xfrm>
+            <a:off x="-83780" y="3242769"/>
+            <a:ext cx="2051783" cy="369332"/>
+          </a:xfrm>
+          <a:prstGeom prst="rect">
+            <a:avLst/>
+          </a:prstGeom>
+          <a:noFill/>
+        </p:spPr>
+        <p:txBody>
+          <a:bodyPr wrap="square" rtlCol="0">
+            <a:spAutoFit/>
+          </a:bodyPr>
+          <a:lstStyle>
+            <a:defPPr>
+              <a:defRPr lang="en-US"/>
+            </a:defPPr>
+            <a:lvl1pPr>
+              <a:defRPr b="1"/>
+            </a:lvl1pPr>
+          </a:lstStyle>
+          <a:p>
+            <a:r>
+              <a:rPr lang="en-GB" dirty="0" smtClean="0"/>
+              <a:t>FHIRServerItel20</a:t>
+            </a:r>
+            <a:endParaRPr lang="en-GB" dirty="0"/>
+          </a:p>
+        </p:txBody>
+      </p:sp>
+      <p:sp>
+        <p:nvSpPr>
+          <p:cNvPr id="87" name="CasellaDiTesto 86"/>
+          <p:cNvSpPr txBox="1"/>
+          <p:nvPr/>
+        </p:nvSpPr>
+        <p:spPr>
+          <a:xfrm>
+            <a:off x="2543165" y="711618"/>
+            <a:ext cx="2696379" cy="523220"/>
+          </a:xfrm>
+          <a:prstGeom prst="rect">
+            <a:avLst/>
+          </a:prstGeom>
+          <a:noFill/>
+        </p:spPr>
+        <p:txBody>
+          <a:bodyPr wrap="none" rtlCol="0">
+            <a:spAutoFit/>
+          </a:bodyPr>
+          <a:lstStyle/>
+          <a:p>
+            <a:r>
+              <a:rPr lang="en-GB" sz="1400" dirty="0" err="1"/>
+              <a:t>setImportPolicy</a:t>
+            </a:r>
+            <a:r>
+              <a:rPr lang="en-GB" sz="1400" dirty="0"/>
+              <a:t>( String </a:t>
+            </a:r>
+            <a:r>
+              <a:rPr lang="en-GB" sz="1400" dirty="0" smtClean="0"/>
+              <a:t>policy )</a:t>
+            </a:r>
+          </a:p>
+          <a:p>
+            <a:r>
+              <a:rPr lang="en-GB" sz="1400" dirty="0" smtClean="0"/>
+              <a:t>import( String  </a:t>
+            </a:r>
+            <a:r>
+              <a:rPr lang="en-GB" sz="1400" dirty="0" err="1" smtClean="0"/>
+              <a:t>patientIdentifier</a:t>
+            </a:r>
+            <a:r>
+              <a:rPr lang="en-GB" sz="1400" dirty="0" smtClean="0"/>
+              <a:t> )   </a:t>
+            </a:r>
+            <a:endParaRPr lang="it-IT" sz="1400" dirty="0" smtClean="0"/>
+          </a:p>
+        </p:txBody>
+      </p:sp>
+      <p:sp>
+        <p:nvSpPr>
+          <p:cNvPr id="88" name="CasellaDiTesto 87"/>
+          <p:cNvSpPr txBox="1"/>
+          <p:nvPr/>
+        </p:nvSpPr>
+        <p:spPr>
+          <a:xfrm>
+            <a:off x="1227602" y="2312345"/>
+            <a:ext cx="1038041" cy="307777"/>
+          </a:xfrm>
+          <a:prstGeom prst="rect">
+            <a:avLst/>
+          </a:prstGeom>
+          <a:noFill/>
+        </p:spPr>
+        <p:txBody>
+          <a:bodyPr wrap="none" rtlCol="0">
+            <a:spAutoFit/>
+          </a:bodyPr>
+          <a:lstStyle/>
+          <a:p>
+            <a:r>
+              <a:rPr lang="it-IT" sz="1400" dirty="0" smtClean="0"/>
+              <a:t>FHIR </a:t>
+            </a:r>
+            <a:r>
+              <a:rPr lang="it-IT" sz="1400" dirty="0" err="1" smtClean="0"/>
+              <a:t>search</a:t>
+            </a:r>
+            <a:endParaRPr lang="en-GB" sz="1400" dirty="0"/>
+          </a:p>
+        </p:txBody>
+      </p:sp>
+      <p:grpSp>
+        <p:nvGrpSpPr>
+          <p:cNvPr id="89" name="Gruppo 88"/>
+          <p:cNvGrpSpPr/>
+          <p:nvPr/>
+        </p:nvGrpSpPr>
+        <p:grpSpPr>
+          <a:xfrm rot="16200000">
+            <a:off x="570637" y="1887055"/>
+            <a:ext cx="592487" cy="258092"/>
+            <a:chOff x="5133975" y="5295900"/>
+            <a:chExt cx="342900" cy="238125"/>
+          </a:xfrm>
+        </p:grpSpPr>
+        <p:sp>
+          <p:nvSpPr>
+            <p:cNvPr id="90" name="Figura a mano libera 89"/>
+            <p:cNvSpPr/>
+            <p:nvPr/>
+          </p:nvSpPr>
+          <p:spPr>
+            <a:xfrm>
+              <a:off x="5133975" y="5295900"/>
+              <a:ext cx="342900" cy="238125"/>
+            </a:xfrm>
+            <a:custGeom>
+              <a:avLst/>
+              <a:gdLst>
+                <a:gd name="connsiteX0" fmla="*/ 0 w 342900"/>
+                <a:gd name="connsiteY0" fmla="*/ 142875 h 238125"/>
+                <a:gd name="connsiteX1" fmla="*/ 28575 w 342900"/>
+                <a:gd name="connsiteY1" fmla="*/ 38100 h 238125"/>
+                <a:gd name="connsiteX2" fmla="*/ 47625 w 342900"/>
+                <a:gd name="connsiteY2" fmla="*/ 9525 h 238125"/>
+                <a:gd name="connsiteX3" fmla="*/ 76200 w 342900"/>
+                <a:gd name="connsiteY3" fmla="*/ 0 h 238125"/>
+                <a:gd name="connsiteX4" fmla="*/ 104775 w 342900"/>
+                <a:gd name="connsiteY4" fmla="*/ 9525 h 238125"/>
+                <a:gd name="connsiteX5" fmla="*/ 142875 w 342900"/>
+                <a:gd name="connsiteY5" fmla="*/ 95250 h 238125"/>
+                <a:gd name="connsiteX6" fmla="*/ 161925 w 342900"/>
+                <a:gd name="connsiteY6" fmla="*/ 152400 h 238125"/>
+                <a:gd name="connsiteX7" fmla="*/ 171450 w 342900"/>
+                <a:gd name="connsiteY7" fmla="*/ 180975 h 238125"/>
+                <a:gd name="connsiteX8" fmla="*/ 209550 w 342900"/>
+                <a:gd name="connsiteY8" fmla="*/ 238125 h 238125"/>
+                <a:gd name="connsiteX9" fmla="*/ 238125 w 342900"/>
+                <a:gd name="connsiteY9" fmla="*/ 180975 h 238125"/>
+                <a:gd name="connsiteX10" fmla="*/ 266700 w 342900"/>
+                <a:gd name="connsiteY10" fmla="*/ 104775 h 238125"/>
+                <a:gd name="connsiteX11" fmla="*/ 342900 w 342900"/>
+                <a:gd name="connsiteY11" fmla="*/ 85725 h 238125"/>
+              </a:gdLst>
+              <a:ahLst/>
+              <a:cxnLst>
+                <a:cxn ang="0">
+                  <a:pos x="connsiteX0" y="connsiteY0"/>
+                </a:cxn>
+                <a:cxn ang="0">
+                  <a:pos x="connsiteX1" y="connsiteY1"/>
+                </a:cxn>
+                <a:cxn ang="0">
+                  <a:pos x="connsiteX2" y="connsiteY2"/>
+                </a:cxn>
+                <a:cxn ang="0">
+                  <a:pos x="connsiteX3" y="connsiteY3"/>
+                </a:cxn>
+                <a:cxn ang="0">
+                  <a:pos x="connsiteX4" y="connsiteY4"/>
+                </a:cxn>
+                <a:cxn ang="0">
+                  <a:pos x="connsiteX5" y="connsiteY5"/>
+                </a:cxn>
+                <a:cxn ang="0">
+                  <a:pos x="connsiteX6" y="connsiteY6"/>
+                </a:cxn>
+                <a:cxn ang="0">
+                  <a:pos x="connsiteX7" y="connsiteY7"/>
+                </a:cxn>
+                <a:cxn ang="0">
+                  <a:pos x="connsiteX8" y="connsiteY8"/>
+                </a:cxn>
+                <a:cxn ang="0">
+                  <a:pos x="connsiteX9" y="connsiteY9"/>
+                </a:cxn>
+                <a:cxn ang="0">
+                  <a:pos x="connsiteX10" y="connsiteY10"/>
+                </a:cxn>
+                <a:cxn ang="0">
+                  <a:pos x="connsiteX11" y="connsiteY11"/>
+                </a:cxn>
+              </a:cxnLst>
+              <a:rect l="l" t="t" r="r" b="b"/>
+              <a:pathLst>
+                <a:path w="342900" h="238125">
+                  <a:moveTo>
+                    <a:pt x="0" y="142875"/>
+                  </a:moveTo>
+                  <a:cubicBezTo>
+                    <a:pt x="5112" y="117315"/>
+                    <a:pt x="14764" y="58817"/>
+                    <a:pt x="28575" y="38100"/>
+                  </a:cubicBezTo>
+                  <a:cubicBezTo>
+                    <a:pt x="34925" y="28575"/>
+                    <a:pt x="38686" y="16676"/>
+                    <a:pt x="47625" y="9525"/>
+                  </a:cubicBezTo>
+                  <a:cubicBezTo>
+                    <a:pt x="55465" y="3253"/>
+                    <a:pt x="66675" y="3175"/>
+                    <a:pt x="76200" y="0"/>
+                  </a:cubicBezTo>
+                  <a:cubicBezTo>
+                    <a:pt x="85725" y="3175"/>
+                    <a:pt x="96935" y="3253"/>
+                    <a:pt x="104775" y="9525"/>
+                  </a:cubicBezTo>
+                  <a:cubicBezTo>
+                    <a:pt x="125358" y="25992"/>
+                    <a:pt x="137054" y="77787"/>
+                    <a:pt x="142875" y="95250"/>
+                  </a:cubicBezTo>
+                  <a:lnTo>
+                    <a:pt x="161925" y="152400"/>
+                  </a:lnTo>
+                  <a:cubicBezTo>
+                    <a:pt x="165100" y="161925"/>
+                    <a:pt x="169481" y="171130"/>
+                    <a:pt x="171450" y="180975"/>
+                  </a:cubicBezTo>
+                  <a:cubicBezTo>
+                    <a:pt x="182944" y="238445"/>
+                    <a:pt x="165616" y="223480"/>
+                    <a:pt x="209550" y="238125"/>
+                  </a:cubicBezTo>
+                  <a:cubicBezTo>
+                    <a:pt x="228174" y="210189"/>
+                    <a:pt x="230238" y="212523"/>
+                    <a:pt x="238125" y="180975"/>
+                  </a:cubicBezTo>
+                  <a:cubicBezTo>
+                    <a:pt x="243105" y="161054"/>
+                    <a:pt x="243471" y="119293"/>
+                    <a:pt x="266700" y="104775"/>
+                  </a:cubicBezTo>
+                  <a:cubicBezTo>
+                    <a:pt x="300393" y="83717"/>
+                    <a:pt x="313092" y="85725"/>
+                    <a:pt x="342900" y="85725"/>
+                  </a:cubicBezTo>
+                </a:path>
+              </a:pathLst>
+            </a:custGeom>
+            <a:noFill/>
+            <a:ln>
+              <a:solidFill>
+                <a:srgbClr val="C00000"/>
+              </a:solidFill>
+            </a:ln>
+          </p:spPr>
+          <p:style>
+            <a:lnRef idx="2">
+              <a:schemeClr val="accent1">
+                <a:shade val="50000"/>
+              </a:schemeClr>
+            </a:lnRef>
+            <a:fillRef idx="1">
+              <a:schemeClr val="accent1"/>
+            </a:fillRef>
+            <a:effectRef idx="0">
+              <a:schemeClr val="accent1"/>
+            </a:effectRef>
+            <a:fontRef idx="minor">
+              <a:schemeClr val="lt1"/>
+            </a:fontRef>
+          </p:style>
+          <p:txBody>
+            <a:bodyPr rtlCol="0" anchor="ctr"/>
+            <a:lstStyle/>
+            <a:p>
+              <a:pPr algn="ctr"/>
+              <a:endParaRPr lang="it-IT"/>
+            </a:p>
+          </p:txBody>
+        </p:sp>
+        <p:sp>
+          <p:nvSpPr>
+            <p:cNvPr id="91" name="Figura a mano libera 90"/>
+            <p:cNvSpPr/>
+            <p:nvPr/>
+          </p:nvSpPr>
+          <p:spPr>
+            <a:xfrm>
+              <a:off x="5400675" y="5353050"/>
+              <a:ext cx="66675" cy="38100"/>
+            </a:xfrm>
+            <a:custGeom>
+              <a:avLst/>
+              <a:gdLst>
+                <a:gd name="connsiteX0" fmla="*/ 66675 w 66675"/>
+                <a:gd name="connsiteY0" fmla="*/ 38100 h 38100"/>
+                <a:gd name="connsiteX1" fmla="*/ 0 w 66675"/>
+                <a:gd name="connsiteY1" fmla="*/ 0 h 38100"/>
+              </a:gdLst>
+              <a:ahLst/>
+              <a:cxnLst>
+                <a:cxn ang="0">
+                  <a:pos x="connsiteX0" y="connsiteY0"/>
+                </a:cxn>
+                <a:cxn ang="0">
+                  <a:pos x="connsiteX1" y="connsiteY1"/>
+                </a:cxn>
+              </a:cxnLst>
+              <a:rect l="l" t="t" r="r" b="b"/>
+              <a:pathLst>
+                <a:path w="66675" h="38100">
+                  <a:moveTo>
+                    <a:pt x="66675" y="38100"/>
+                  </a:moveTo>
+                  <a:cubicBezTo>
+                    <a:pt x="12962" y="5872"/>
+                    <a:pt x="35609" y="17804"/>
+                    <a:pt x="0" y="0"/>
+                  </a:cubicBezTo>
+                </a:path>
+              </a:pathLst>
+            </a:custGeom>
+            <a:noFill/>
+            <a:ln>
+              <a:solidFill>
+                <a:srgbClr val="C00000"/>
+              </a:solidFill>
+            </a:ln>
+          </p:spPr>
+          <p:style>
+            <a:lnRef idx="2">
+              <a:schemeClr val="accent1">
+                <a:shade val="50000"/>
+              </a:schemeClr>
+            </a:lnRef>
+            <a:fillRef idx="1">
+              <a:schemeClr val="accent1"/>
+            </a:fillRef>
+            <a:effectRef idx="0">
+              <a:schemeClr val="accent1"/>
+            </a:effectRef>
+            <a:fontRef idx="minor">
+              <a:schemeClr val="lt1"/>
+            </a:fontRef>
+          </p:style>
+          <p:txBody>
+            <a:bodyPr rtlCol="0" anchor="ctr"/>
+            <a:lstStyle/>
+            <a:p>
+              <a:pPr algn="ctr"/>
+              <a:endParaRPr lang="it-IT"/>
+            </a:p>
+          </p:txBody>
+        </p:sp>
+        <p:sp>
+          <p:nvSpPr>
+            <p:cNvPr id="92" name="Figura a mano libera 91"/>
+            <p:cNvSpPr/>
+            <p:nvPr/>
+          </p:nvSpPr>
+          <p:spPr>
+            <a:xfrm>
+              <a:off x="5419725" y="5381625"/>
+              <a:ext cx="47625" cy="57150"/>
+            </a:xfrm>
+            <a:custGeom>
+              <a:avLst/>
+              <a:gdLst>
+                <a:gd name="connsiteX0" fmla="*/ 47625 w 47625"/>
+                <a:gd name="connsiteY0" fmla="*/ 0 h 57150"/>
+                <a:gd name="connsiteX1" fmla="*/ 0 w 47625"/>
+                <a:gd name="connsiteY1" fmla="*/ 57150 h 57150"/>
+              </a:gdLst>
+              <a:ahLst/>
+              <a:cxnLst>
+                <a:cxn ang="0">
+                  <a:pos x="connsiteX0" y="connsiteY0"/>
+                </a:cxn>
+                <a:cxn ang="0">
+                  <a:pos x="connsiteX1" y="connsiteY1"/>
+                </a:cxn>
+              </a:cxnLst>
+              <a:rect l="l" t="t" r="r" b="b"/>
+              <a:pathLst>
+                <a:path w="47625" h="57150">
+                  <a:moveTo>
+                    <a:pt x="47625" y="0"/>
+                  </a:moveTo>
+                  <a:cubicBezTo>
+                    <a:pt x="15397" y="53713"/>
+                    <a:pt x="35609" y="39346"/>
+                    <a:pt x="0" y="57150"/>
+                  </a:cubicBezTo>
+                </a:path>
+              </a:pathLst>
+            </a:custGeom>
+            <a:noFill/>
+            <a:ln>
+              <a:solidFill>
+                <a:srgbClr val="C00000"/>
+              </a:solidFill>
+            </a:ln>
+          </p:spPr>
+          <p:style>
+            <a:lnRef idx="2">
+              <a:schemeClr val="accent1">
+                <a:shade val="50000"/>
+              </a:schemeClr>
+            </a:lnRef>
+            <a:fillRef idx="1">
+              <a:schemeClr val="accent1"/>
+            </a:fillRef>
+            <a:effectRef idx="0">
+              <a:schemeClr val="accent1"/>
+            </a:effectRef>
+            <a:fontRef idx="minor">
+              <a:schemeClr val="lt1"/>
+            </a:fontRef>
+          </p:style>
+          <p:txBody>
+            <a:bodyPr rtlCol="0" anchor="ctr"/>
+            <a:lstStyle/>
+            <a:p>
+              <a:pPr algn="ctr"/>
+              <a:endParaRPr lang="it-IT"/>
+            </a:p>
+          </p:txBody>
+        </p:sp>
+      </p:grpSp>
+      <p:sp>
+        <p:nvSpPr>
+          <p:cNvPr id="93" name="Rettangolo 92"/>
+          <p:cNvSpPr/>
+          <p:nvPr/>
+        </p:nvSpPr>
+        <p:spPr>
+          <a:xfrm>
+            <a:off x="72036" y="981465"/>
+            <a:ext cx="1740150" cy="680791"/>
+          </a:xfrm>
+          <a:prstGeom prst="rect">
+            <a:avLst/>
+          </a:prstGeom>
+          <a:solidFill>
+            <a:srgbClr val="FFFFCC"/>
+          </a:solidFill>
+        </p:spPr>
+        <p:style>
+          <a:lnRef idx="2">
+            <a:schemeClr val="accent1">
+              <a:shade val="50000"/>
+            </a:schemeClr>
+          </a:lnRef>
+          <a:fillRef idx="1">
+            <a:schemeClr val="accent1"/>
+          </a:fillRef>
+          <a:effectRef idx="0">
+            <a:schemeClr val="accent1"/>
+          </a:effectRef>
+          <a:fontRef idx="minor">
+            <a:schemeClr val="lt1"/>
+          </a:fontRef>
+        </p:style>
+        <p:txBody>
+          <a:bodyPr rtlCol="0" anchor="ctr"/>
+          <a:lstStyle/>
+          <a:p>
+            <a:pPr algn="ctr"/>
+            <a:endParaRPr lang="it-IT" dirty="0" smtClean="0">
+              <a:solidFill>
+                <a:schemeClr val="tx1"/>
+              </a:solidFill>
+            </a:endParaRPr>
+          </a:p>
+          <a:p>
+            <a:pPr algn="ctr"/>
+            <a:endParaRPr lang="it-IT" dirty="0">
+              <a:solidFill>
+                <a:schemeClr val="tx1"/>
+              </a:solidFill>
+            </a:endParaRPr>
+          </a:p>
+          <a:p>
+            <a:pPr algn="ctr"/>
+            <a:endParaRPr lang="it-IT" dirty="0" smtClean="0">
+              <a:solidFill>
+                <a:schemeClr val="tx1"/>
+              </a:solidFill>
+            </a:endParaRPr>
+          </a:p>
+          <a:p>
+            <a:pPr algn="ctr"/>
+            <a:r>
+              <a:rPr lang="it-IT" dirty="0" smtClean="0">
+                <a:solidFill>
+                  <a:schemeClr val="tx1"/>
+                </a:solidFill>
+              </a:rPr>
+              <a:t>SmartEven2020</a:t>
+            </a:r>
+          </a:p>
+          <a:p>
+            <a:pPr algn="ctr"/>
+            <a:endParaRPr lang="it-IT" dirty="0" smtClean="0">
+              <a:solidFill>
+                <a:schemeClr val="tx1"/>
+              </a:solidFill>
+            </a:endParaRPr>
+          </a:p>
+          <a:p>
+            <a:pPr algn="ctr"/>
+            <a:endParaRPr lang="it-IT" dirty="0">
+              <a:solidFill>
+                <a:schemeClr val="tx1"/>
+              </a:solidFill>
+            </a:endParaRPr>
+          </a:p>
+          <a:p>
+            <a:pPr algn="ctr"/>
+            <a:endParaRPr lang="en-GB" dirty="0">
+              <a:solidFill>
+                <a:schemeClr val="tx1"/>
+              </a:solidFill>
+            </a:endParaRPr>
+          </a:p>
+        </p:txBody>
+      </p:sp>
+      <p:grpSp>
+        <p:nvGrpSpPr>
+          <p:cNvPr id="94" name="Gruppo 93"/>
+          <p:cNvGrpSpPr/>
+          <p:nvPr/>
+        </p:nvGrpSpPr>
+        <p:grpSpPr>
+          <a:xfrm>
+            <a:off x="1930393" y="1488574"/>
+            <a:ext cx="666895" cy="86434"/>
+            <a:chOff x="4592177" y="4419530"/>
+            <a:chExt cx="666895" cy="86434"/>
+          </a:xfrm>
+        </p:grpSpPr>
+        <p:cxnSp>
+          <p:nvCxnSpPr>
+            <p:cNvPr id="95" name="Connettore 1 94"/>
+            <p:cNvCxnSpPr/>
+            <p:nvPr/>
+          </p:nvCxnSpPr>
+          <p:spPr>
+            <a:xfrm>
+              <a:off x="4611000" y="4462747"/>
+              <a:ext cx="648072" cy="0"/>
+            </a:xfrm>
+            <a:prstGeom prst="line">
+              <a:avLst/>
+            </a:prstGeom>
+            <a:ln/>
+          </p:spPr>
+          <p:style>
+            <a:lnRef idx="1">
+              <a:schemeClr val="accent6"/>
+            </a:lnRef>
+            <a:fillRef idx="2">
+              <a:schemeClr val="accent6"/>
+            </a:fillRef>
+            <a:effectRef idx="1">
+              <a:schemeClr val="accent6"/>
+            </a:effectRef>
+            <a:fontRef idx="minor">
+              <a:schemeClr val="dk1"/>
+            </a:fontRef>
+          </p:style>
+        </p:cxnSp>
+        <p:sp>
+          <p:nvSpPr>
+            <p:cNvPr id="96" name="Triangolo isoscele 95"/>
+            <p:cNvSpPr/>
+            <p:nvPr/>
+          </p:nvSpPr>
+          <p:spPr>
+            <a:xfrm rot="16200000">
+              <a:off x="4618592" y="4393115"/>
+              <a:ext cx="86434" cy="139263"/>
+            </a:xfrm>
+            <a:prstGeom prst="triangle">
+              <a:avLst/>
+            </a:prstGeom>
+            <a:ln/>
+          </p:spPr>
+          <p:style>
+            <a:lnRef idx="1">
+              <a:schemeClr val="accent6"/>
+            </a:lnRef>
+            <a:fillRef idx="2">
+              <a:schemeClr val="accent6"/>
+            </a:fillRef>
+            <a:effectRef idx="1">
+              <a:schemeClr val="accent6"/>
+            </a:effectRef>
+            <a:fontRef idx="minor">
+              <a:schemeClr val="dk1"/>
+            </a:fontRef>
+          </p:style>
+          <p:txBody>
+            <a:bodyPr rtlCol="0" anchor="ctr"/>
+            <a:lstStyle/>
+            <a:p>
+              <a:pPr algn="ctr"/>
+              <a:endParaRPr lang="en-GB" sz="1200"/>
+            </a:p>
+          </p:txBody>
+        </p:sp>
+      </p:grpSp>
+      <p:grpSp>
+        <p:nvGrpSpPr>
+          <p:cNvPr id="97" name="Gruppo 96"/>
+          <p:cNvGrpSpPr/>
+          <p:nvPr/>
+        </p:nvGrpSpPr>
+        <p:grpSpPr>
+          <a:xfrm>
+            <a:off x="1922306" y="1292369"/>
+            <a:ext cx="787334" cy="86434"/>
+            <a:chOff x="3452446" y="4176616"/>
+            <a:chExt cx="787334" cy="86434"/>
+          </a:xfrm>
+        </p:grpSpPr>
+        <p:sp>
+          <p:nvSpPr>
+            <p:cNvPr id="98" name="Triangolo isoscele 97"/>
+            <p:cNvSpPr/>
+            <p:nvPr/>
+          </p:nvSpPr>
+          <p:spPr>
+            <a:xfrm rot="5400000" flipH="1">
+              <a:off x="4126932" y="4150201"/>
+              <a:ext cx="86434" cy="139263"/>
+            </a:xfrm>
+            <a:prstGeom prst="triangle">
+              <a:avLst/>
+            </a:prstGeom>
+            <a:ln/>
+          </p:spPr>
+          <p:style>
+            <a:lnRef idx="1">
+              <a:schemeClr val="accent6"/>
+            </a:lnRef>
+            <a:fillRef idx="2">
+              <a:schemeClr val="accent6"/>
+            </a:fillRef>
+            <a:effectRef idx="1">
+              <a:schemeClr val="accent6"/>
+            </a:effectRef>
+            <a:fontRef idx="minor">
+              <a:schemeClr val="dk1"/>
+            </a:fontRef>
+          </p:style>
+          <p:txBody>
+            <a:bodyPr rtlCol="0" anchor="ctr"/>
+            <a:lstStyle/>
+            <a:p>
+              <a:pPr algn="ctr"/>
+              <a:endParaRPr lang="en-GB" sz="1200"/>
+            </a:p>
+          </p:txBody>
+        </p:sp>
+        <p:cxnSp>
+          <p:nvCxnSpPr>
+            <p:cNvPr id="99" name="Connettore 1 98"/>
+            <p:cNvCxnSpPr>
+              <a:endCxn id="98" idx="3"/>
+            </p:cNvCxnSpPr>
+            <p:nvPr/>
+          </p:nvCxnSpPr>
+          <p:spPr>
+            <a:xfrm>
+              <a:off x="3452446" y="4219627"/>
+              <a:ext cx="648072" cy="206"/>
+            </a:xfrm>
+            <a:prstGeom prst="line">
+              <a:avLst/>
+            </a:prstGeom>
+          </p:spPr>
+          <p:style>
+            <a:lnRef idx="1">
+              <a:schemeClr val="accent6"/>
+            </a:lnRef>
+            <a:fillRef idx="2">
+              <a:schemeClr val="accent6"/>
+            </a:fillRef>
+            <a:effectRef idx="1">
+              <a:schemeClr val="accent6"/>
+            </a:effectRef>
+            <a:fontRef idx="minor">
+              <a:schemeClr val="dk1"/>
+            </a:fontRef>
+          </p:style>
+        </p:cxnSp>
+      </p:grpSp>
+      <p:sp>
+        <p:nvSpPr>
+          <p:cNvPr id="109" name="Rettangolo 108"/>
+          <p:cNvSpPr/>
+          <p:nvPr/>
+        </p:nvSpPr>
+        <p:spPr>
+          <a:xfrm>
+            <a:off x="1712106" y="3707827"/>
+            <a:ext cx="1101071" cy="369332"/>
+          </a:xfrm>
+          <a:prstGeom prst="rect">
+            <a:avLst/>
+          </a:prstGeom>
+        </p:spPr>
+        <p:txBody>
+          <a:bodyPr wrap="none">
+            <a:spAutoFit/>
+          </a:bodyPr>
+          <a:lstStyle/>
+          <a:p>
+            <a:pPr algn="ctr"/>
+            <a:r>
+              <a:rPr lang="it-IT" b="1" dirty="0" err="1"/>
+              <a:t>InputPort</a:t>
+            </a:r>
+            <a:endParaRPr lang="it-IT" b="1" dirty="0"/>
+          </a:p>
+        </p:txBody>
+      </p:sp>
+      <p:sp>
+        <p:nvSpPr>
+          <p:cNvPr id="110" name="Rettangolo 109"/>
+          <p:cNvSpPr/>
+          <p:nvPr/>
+        </p:nvSpPr>
+        <p:spPr>
+          <a:xfrm>
+            <a:off x="7229130" y="3678163"/>
+            <a:ext cx="1195648" cy="369332"/>
+          </a:xfrm>
+          <a:prstGeom prst="rect">
+            <a:avLst/>
+          </a:prstGeom>
+        </p:spPr>
+        <p:txBody>
+          <a:bodyPr wrap="none">
+            <a:spAutoFit/>
+          </a:bodyPr>
+          <a:lstStyle/>
+          <a:p>
+            <a:r>
+              <a:rPr lang="it-IT" b="1" dirty="0" err="1"/>
+              <a:t>OuputPort</a:t>
+            </a:r>
+            <a:endParaRPr lang="en-GB" b="1" dirty="0"/>
+          </a:p>
+        </p:txBody>
+      </p:sp>
+      <p:sp>
+        <p:nvSpPr>
+          <p:cNvPr id="117" name="Rettangolo arrotondato 116"/>
+          <p:cNvSpPr/>
+          <p:nvPr/>
+        </p:nvSpPr>
+        <p:spPr>
+          <a:xfrm>
+            <a:off x="6138313" y="2255339"/>
+            <a:ext cx="1668873" cy="686094"/>
+          </a:xfrm>
+          <a:prstGeom prst="roundRect">
+            <a:avLst/>
+          </a:prstGeom>
+          <a:solidFill>
+            <a:srgbClr val="CCFFFF"/>
+          </a:solidFill>
+        </p:spPr>
+        <p:style>
+          <a:lnRef idx="2">
+            <a:schemeClr val="accent1">
+              <a:shade val="50000"/>
+            </a:schemeClr>
+          </a:lnRef>
+          <a:fillRef idx="1">
+            <a:schemeClr val="accent1"/>
+          </a:fillRef>
+          <a:effectRef idx="0">
+            <a:schemeClr val="accent1"/>
+          </a:effectRef>
+          <a:fontRef idx="minor">
+            <a:schemeClr val="lt1"/>
+          </a:fontRef>
+        </p:style>
+        <p:txBody>
+          <a:bodyPr rtlCol="0" anchor="ctr"/>
+          <a:lstStyle/>
+          <a:p>
+            <a:pPr algn="ctr"/>
+            <a:r>
+              <a:rPr lang="it-IT" b="1" dirty="0" err="1" smtClean="0">
+                <a:solidFill>
+                  <a:srgbClr val="0070C0"/>
+                </a:solidFill>
+              </a:rPr>
+              <a:t>haExternal</a:t>
+            </a:r>
+            <a:endParaRPr lang="it-IT" b="1" dirty="0">
+              <a:solidFill>
+                <a:srgbClr val="0070C0"/>
+              </a:solidFill>
+            </a:endParaRPr>
+          </a:p>
+          <a:p>
+            <a:pPr algn="ctr"/>
+            <a:r>
+              <a:rPr lang="it-IT" dirty="0" err="1" smtClean="0">
+                <a:solidFill>
+                  <a:schemeClr val="tx1"/>
+                </a:solidFill>
+              </a:rPr>
+              <a:t>ExtServerClient</a:t>
+            </a:r>
+            <a:endParaRPr lang="en-GB" dirty="0">
+              <a:solidFill>
+                <a:schemeClr val="tx1"/>
+              </a:solidFill>
+            </a:endParaRPr>
+          </a:p>
+        </p:txBody>
+      </p:sp>
+      <p:grpSp>
+        <p:nvGrpSpPr>
+          <p:cNvPr id="122" name="Gruppo 121"/>
+          <p:cNvGrpSpPr/>
+          <p:nvPr/>
+        </p:nvGrpSpPr>
+        <p:grpSpPr>
+          <a:xfrm>
+            <a:off x="8042980" y="188640"/>
+            <a:ext cx="690888" cy="216393"/>
+            <a:chOff x="6473400" y="765069"/>
+            <a:chExt cx="690888" cy="216393"/>
+          </a:xfrm>
+        </p:grpSpPr>
+        <p:sp>
+          <p:nvSpPr>
+            <p:cNvPr id="118" name="Triangolo isoscele 117"/>
+            <p:cNvSpPr/>
+            <p:nvPr/>
+          </p:nvSpPr>
+          <p:spPr>
+            <a:xfrm rot="16200000">
+              <a:off x="6460836" y="777633"/>
+              <a:ext cx="216393" cy="191266"/>
+            </a:xfrm>
+            <a:prstGeom prst="triangle">
+              <a:avLst/>
+            </a:prstGeom>
+            <a:solidFill>
+              <a:srgbClr val="C00000"/>
+            </a:solidFill>
+            <a:ln>
+              <a:solidFill>
+                <a:srgbClr val="C00000"/>
+              </a:solidFill>
+            </a:ln>
+          </p:spPr>
+          <p:style>
+            <a:lnRef idx="2">
+              <a:schemeClr val="accent1">
+                <a:shade val="50000"/>
+              </a:schemeClr>
+            </a:lnRef>
+            <a:fillRef idx="1">
+              <a:schemeClr val="accent1"/>
+            </a:fillRef>
+            <a:effectRef idx="0">
+              <a:schemeClr val="accent1"/>
+            </a:effectRef>
+            <a:fontRef idx="minor">
+              <a:schemeClr val="lt1"/>
+            </a:fontRef>
+          </p:style>
+          <p:txBody>
+            <a:bodyPr rtlCol="0" anchor="ctr"/>
+            <a:lstStyle/>
+            <a:p>
+              <a:pPr algn="ctr"/>
+              <a:endParaRPr lang="en-GB"/>
+            </a:p>
+          </p:txBody>
+        </p:sp>
+        <p:cxnSp>
+          <p:nvCxnSpPr>
+            <p:cNvPr id="120" name="Connettore 1 119"/>
+            <p:cNvCxnSpPr>
+              <a:stCxn id="118" idx="3"/>
+            </p:cNvCxnSpPr>
+            <p:nvPr/>
+          </p:nvCxnSpPr>
+          <p:spPr>
+            <a:xfrm>
+              <a:off x="6664666" y="873266"/>
+              <a:ext cx="499622" cy="0"/>
+            </a:xfrm>
+            <a:prstGeom prst="line">
+              <a:avLst/>
+            </a:prstGeom>
+            <a:ln w="38100">
+              <a:solidFill>
+                <a:srgbClr val="C00000"/>
+              </a:solidFill>
+            </a:ln>
+          </p:spPr>
+          <p:style>
+            <a:lnRef idx="1">
+              <a:schemeClr val="accent1"/>
+            </a:lnRef>
+            <a:fillRef idx="0">
+              <a:schemeClr val="accent1"/>
+            </a:fillRef>
+            <a:effectRef idx="0">
+              <a:schemeClr val="accent1"/>
+            </a:effectRef>
+            <a:fontRef idx="minor">
+              <a:schemeClr val="tx1"/>
+            </a:fontRef>
+          </p:style>
+        </p:cxnSp>
+      </p:grpSp>
+      <p:grpSp>
+        <p:nvGrpSpPr>
+          <p:cNvPr id="123" name="Gruppo 122"/>
+          <p:cNvGrpSpPr/>
+          <p:nvPr/>
+        </p:nvGrpSpPr>
+        <p:grpSpPr>
+          <a:xfrm>
+            <a:off x="3795175" y="4330711"/>
+            <a:ext cx="437603" cy="154190"/>
+            <a:chOff x="6473400" y="765069"/>
+            <a:chExt cx="690888" cy="216393"/>
+          </a:xfrm>
+        </p:grpSpPr>
+        <p:sp>
+          <p:nvSpPr>
+            <p:cNvPr id="124" name="Triangolo isoscele 123"/>
+            <p:cNvSpPr/>
+            <p:nvPr/>
+          </p:nvSpPr>
+          <p:spPr>
+            <a:xfrm rot="16200000">
+              <a:off x="6460836" y="777633"/>
+              <a:ext cx="216393" cy="191266"/>
+            </a:xfrm>
+            <a:prstGeom prst="triangle">
+              <a:avLst/>
+            </a:prstGeom>
+            <a:solidFill>
+              <a:srgbClr val="C00000"/>
+            </a:solidFill>
+            <a:ln>
+              <a:solidFill>
+                <a:srgbClr val="C00000"/>
+              </a:solidFill>
+            </a:ln>
+          </p:spPr>
+          <p:style>
+            <a:lnRef idx="2">
+              <a:schemeClr val="accent1">
+                <a:shade val="50000"/>
+              </a:schemeClr>
+            </a:lnRef>
+            <a:fillRef idx="1">
+              <a:schemeClr val="accent1"/>
+            </a:fillRef>
+            <a:effectRef idx="0">
+              <a:schemeClr val="accent1"/>
+            </a:effectRef>
+            <a:fontRef idx="minor">
+              <a:schemeClr val="lt1"/>
+            </a:fontRef>
+          </p:style>
+          <p:txBody>
+            <a:bodyPr rtlCol="0" anchor="ctr"/>
+            <a:lstStyle/>
+            <a:p>
+              <a:pPr algn="ctr"/>
+              <a:endParaRPr lang="en-GB"/>
+            </a:p>
+          </p:txBody>
+        </p:sp>
+        <p:cxnSp>
+          <p:nvCxnSpPr>
+            <p:cNvPr id="125" name="Connettore 1 124"/>
+            <p:cNvCxnSpPr>
+              <a:stCxn id="124" idx="3"/>
+            </p:cNvCxnSpPr>
+            <p:nvPr/>
+          </p:nvCxnSpPr>
+          <p:spPr>
+            <a:xfrm>
+              <a:off x="6664666" y="873266"/>
+              <a:ext cx="499622" cy="0"/>
+            </a:xfrm>
+            <a:prstGeom prst="line">
+              <a:avLst/>
+            </a:prstGeom>
+            <a:ln w="38100">
+              <a:solidFill>
+                <a:srgbClr val="C00000"/>
+              </a:solidFill>
+            </a:ln>
+          </p:spPr>
+          <p:style>
+            <a:lnRef idx="1">
+              <a:schemeClr val="accent1"/>
+            </a:lnRef>
+            <a:fillRef idx="0">
+              <a:schemeClr val="accent1"/>
+            </a:fillRef>
+            <a:effectRef idx="0">
+              <a:schemeClr val="accent1"/>
+            </a:effectRef>
+            <a:fontRef idx="minor">
+              <a:schemeClr val="tx1"/>
+            </a:fontRef>
+          </p:style>
+        </p:cxnSp>
+      </p:grpSp>
+      <p:sp>
+        <p:nvSpPr>
+          <p:cNvPr id="127" name="Rettangolo 126"/>
+          <p:cNvSpPr/>
+          <p:nvPr/>
+        </p:nvSpPr>
+        <p:spPr>
+          <a:xfrm>
+            <a:off x="1807838" y="4109687"/>
+            <a:ext cx="1987337" cy="576064"/>
+          </a:xfrm>
+          <a:prstGeom prst="rect">
+            <a:avLst/>
+          </a:prstGeom>
+          <a:solidFill>
+            <a:srgbClr val="CCFF99"/>
+          </a:solidFill>
+        </p:spPr>
+        <p:style>
+          <a:lnRef idx="2">
+            <a:schemeClr val="accent1">
+              <a:shade val="50000"/>
+            </a:schemeClr>
+          </a:lnRef>
+          <a:fillRef idx="1">
+            <a:schemeClr val="accent1"/>
+          </a:fillRef>
+          <a:effectRef idx="0">
+            <a:schemeClr val="accent1"/>
+          </a:effectRef>
+          <a:fontRef idx="minor">
+            <a:schemeClr val="lt1"/>
+          </a:fontRef>
+        </p:style>
+        <p:txBody>
+          <a:bodyPr rtlCol="0" anchor="ctr"/>
+          <a:lstStyle/>
+          <a:p>
+            <a:pPr algn="ctr"/>
+            <a:r>
+              <a:rPr lang="en-GB" sz="1400" b="1" dirty="0" err="1">
+                <a:solidFill>
+                  <a:srgbClr val="C00000"/>
+                </a:solidFill>
+              </a:rPr>
+              <a:t>HAServiceInterface</a:t>
+            </a:r>
+            <a:endParaRPr lang="en-GB" sz="1400" b="1" dirty="0">
+              <a:solidFill>
+                <a:srgbClr val="C00000"/>
+              </a:solidFill>
+            </a:endParaRPr>
+          </a:p>
+        </p:txBody>
+      </p:sp>
+      <p:sp>
+        <p:nvSpPr>
+          <p:cNvPr id="129" name="Rettangolo 128"/>
+          <p:cNvSpPr/>
+          <p:nvPr/>
+        </p:nvSpPr>
+        <p:spPr>
+          <a:xfrm>
+            <a:off x="6496721" y="4089058"/>
+            <a:ext cx="1737526" cy="576064"/>
+          </a:xfrm>
+          <a:prstGeom prst="rect">
+            <a:avLst/>
+          </a:prstGeom>
+          <a:solidFill>
+            <a:srgbClr val="CCFF99"/>
+          </a:solidFill>
+        </p:spPr>
+        <p:style>
+          <a:lnRef idx="2">
+            <a:schemeClr val="accent1">
+              <a:shade val="50000"/>
+            </a:schemeClr>
+          </a:lnRef>
+          <a:fillRef idx="1">
+            <a:schemeClr val="accent1"/>
+          </a:fillRef>
+          <a:effectRef idx="0">
+            <a:schemeClr val="accent1"/>
+          </a:effectRef>
+          <a:fontRef idx="minor">
+            <a:schemeClr val="lt1"/>
+          </a:fontRef>
+        </p:style>
+        <p:txBody>
+          <a:bodyPr rtlCol="0" anchor="ctr"/>
+          <a:lstStyle/>
+          <a:p>
+            <a:pPr algn="ctr"/>
+            <a:r>
+              <a:rPr lang="en-GB" sz="1400" b="1" dirty="0" err="1" smtClean="0">
+                <a:solidFill>
+                  <a:srgbClr val="C00000"/>
+                </a:solidFill>
+              </a:rPr>
+              <a:t>HAOutputInterface</a:t>
+            </a:r>
+            <a:endParaRPr lang="en-GB" sz="1400" dirty="0"/>
+          </a:p>
+        </p:txBody>
+      </p:sp>
+      <p:grpSp>
+        <p:nvGrpSpPr>
+          <p:cNvPr id="132" name="Gruppo 131"/>
+          <p:cNvGrpSpPr/>
+          <p:nvPr/>
+        </p:nvGrpSpPr>
+        <p:grpSpPr>
+          <a:xfrm rot="16200000">
+            <a:off x="6512800" y="3385577"/>
+            <a:ext cx="1121870" cy="201965"/>
+            <a:chOff x="6473400" y="765069"/>
+            <a:chExt cx="690888" cy="216393"/>
+          </a:xfrm>
+        </p:grpSpPr>
+        <p:sp>
+          <p:nvSpPr>
+            <p:cNvPr id="133" name="Triangolo isoscele 132"/>
+            <p:cNvSpPr/>
+            <p:nvPr/>
+          </p:nvSpPr>
+          <p:spPr>
+            <a:xfrm rot="16200000">
+              <a:off x="6460836" y="777633"/>
+              <a:ext cx="216393" cy="191266"/>
+            </a:xfrm>
+            <a:prstGeom prst="triangle">
+              <a:avLst/>
+            </a:prstGeom>
+            <a:solidFill>
+              <a:srgbClr val="C00000"/>
+            </a:solidFill>
+            <a:ln>
+              <a:solidFill>
+                <a:srgbClr val="C00000"/>
+              </a:solidFill>
+            </a:ln>
+          </p:spPr>
+          <p:style>
+            <a:lnRef idx="2">
+              <a:schemeClr val="accent1">
+                <a:shade val="50000"/>
+              </a:schemeClr>
+            </a:lnRef>
+            <a:fillRef idx="1">
+              <a:schemeClr val="accent1"/>
+            </a:fillRef>
+            <a:effectRef idx="0">
+              <a:schemeClr val="accent1"/>
+            </a:effectRef>
+            <a:fontRef idx="minor">
+              <a:schemeClr val="lt1"/>
+            </a:fontRef>
+          </p:style>
+          <p:txBody>
+            <a:bodyPr rtlCol="0" anchor="ctr"/>
+            <a:lstStyle/>
+            <a:p>
+              <a:pPr algn="ctr"/>
+              <a:endParaRPr lang="en-GB"/>
+            </a:p>
+          </p:txBody>
+        </p:sp>
+        <p:cxnSp>
+          <p:nvCxnSpPr>
+            <p:cNvPr id="134" name="Connettore 1 133"/>
+            <p:cNvCxnSpPr>
+              <a:stCxn id="133" idx="3"/>
+            </p:cNvCxnSpPr>
+            <p:nvPr/>
+          </p:nvCxnSpPr>
+          <p:spPr>
+            <a:xfrm>
+              <a:off x="6664666" y="873266"/>
+              <a:ext cx="499622" cy="0"/>
+            </a:xfrm>
+            <a:prstGeom prst="line">
+              <a:avLst/>
+            </a:prstGeom>
+            <a:ln w="38100">
+              <a:solidFill>
+                <a:srgbClr val="C00000"/>
+              </a:solidFill>
+            </a:ln>
+          </p:spPr>
+          <p:style>
+            <a:lnRef idx="1">
+              <a:schemeClr val="accent1"/>
+            </a:lnRef>
+            <a:fillRef idx="0">
+              <a:schemeClr val="accent1"/>
+            </a:fillRef>
+            <a:effectRef idx="0">
+              <a:schemeClr val="accent1"/>
+            </a:effectRef>
+            <a:fontRef idx="minor">
+              <a:schemeClr val="tx1"/>
+            </a:fontRef>
+          </p:style>
+        </p:cxnSp>
+      </p:grpSp>
+      <p:sp>
+        <p:nvSpPr>
+          <p:cNvPr id="136" name="Rettangolo arrotondato 135"/>
+          <p:cNvSpPr/>
+          <p:nvPr/>
+        </p:nvSpPr>
+        <p:spPr>
+          <a:xfrm>
+            <a:off x="4086691" y="5258638"/>
+            <a:ext cx="2204228" cy="648072"/>
+          </a:xfrm>
+          <a:prstGeom prst="roundRect">
+            <a:avLst/>
+          </a:prstGeom>
+          <a:solidFill>
+            <a:srgbClr val="CCFFFF"/>
+          </a:solidFill>
+        </p:spPr>
+        <p:style>
+          <a:lnRef idx="2">
+            <a:schemeClr val="accent1">
+              <a:shade val="50000"/>
+            </a:schemeClr>
+          </a:lnRef>
+          <a:fillRef idx="1">
+            <a:schemeClr val="accent1"/>
+          </a:fillRef>
+          <a:effectRef idx="0">
+            <a:schemeClr val="accent1"/>
+          </a:effectRef>
+          <a:fontRef idx="minor">
+            <a:schemeClr val="lt1"/>
+          </a:fontRef>
+        </p:style>
+        <p:txBody>
+          <a:bodyPr rtlCol="0" anchor="ctr"/>
+          <a:lstStyle/>
+          <a:p>
+            <a:pPr algn="ctr"/>
+            <a:r>
+              <a:rPr lang="it-IT" b="1" dirty="0" err="1">
+                <a:solidFill>
+                  <a:srgbClr val="0070C0"/>
+                </a:solidFill>
+              </a:rPr>
+              <a:t>haDomain</a:t>
+            </a:r>
+            <a:endParaRPr lang="it-IT" b="1" dirty="0">
+              <a:solidFill>
+                <a:srgbClr val="0070C0"/>
+              </a:solidFill>
+            </a:endParaRPr>
+          </a:p>
+          <a:p>
+            <a:pPr algn="ctr"/>
+            <a:r>
+              <a:rPr lang="it-IT" dirty="0" err="1" smtClean="0">
+                <a:solidFill>
+                  <a:schemeClr val="tx1"/>
+                </a:solidFill>
+              </a:rPr>
+              <a:t>DomainEntity</a:t>
+            </a:r>
+            <a:r>
+              <a:rPr lang="it-IT" dirty="0" smtClean="0">
+                <a:solidFill>
+                  <a:schemeClr val="tx1"/>
+                </a:solidFill>
+              </a:rPr>
+              <a:t> (??)</a:t>
+            </a:r>
+            <a:endParaRPr lang="en-GB" dirty="0">
+              <a:solidFill>
+                <a:schemeClr val="tx1"/>
+              </a:solidFill>
+            </a:endParaRPr>
+          </a:p>
+        </p:txBody>
+      </p:sp>
+      <p:sp>
+        <p:nvSpPr>
+          <p:cNvPr id="139" name="CasellaDiTesto 138"/>
+          <p:cNvSpPr txBox="1"/>
+          <p:nvPr/>
+        </p:nvSpPr>
+        <p:spPr>
+          <a:xfrm>
+            <a:off x="5951410" y="1609008"/>
+            <a:ext cx="2416174" cy="646331"/>
+          </a:xfrm>
+          <a:prstGeom prst="rect">
+            <a:avLst/>
+          </a:prstGeom>
+          <a:solidFill>
+            <a:schemeClr val="bg1"/>
+          </a:solidFill>
+        </p:spPr>
+        <p:txBody>
+          <a:bodyPr wrap="none" rtlCol="0">
+            <a:spAutoFit/>
+          </a:bodyPr>
+          <a:lstStyle/>
+          <a:p>
+            <a:r>
+              <a:rPr lang="it-IT" dirty="0" smtClean="0"/>
+              <a:t>Invia </a:t>
+            </a:r>
+            <a:r>
+              <a:rPr lang="it-IT" dirty="0" err="1" smtClean="0"/>
+              <a:t>msgs</a:t>
+            </a:r>
+            <a:r>
+              <a:rPr lang="it-IT" dirty="0" smtClean="0"/>
+              <a:t> a server</a:t>
+            </a:r>
+          </a:p>
+          <a:p>
+            <a:r>
+              <a:rPr lang="it-IT" dirty="0"/>
+              <a:t>d</a:t>
+            </a:r>
+            <a:r>
+              <a:rPr lang="it-IT" dirty="0" smtClean="0"/>
+              <a:t>i </a:t>
+            </a:r>
+            <a:r>
+              <a:rPr lang="it-IT" dirty="0" err="1" smtClean="0"/>
+              <a:t>CentroHealth</a:t>
+            </a:r>
+            <a:r>
+              <a:rPr lang="it-IT" dirty="0" smtClean="0"/>
+              <a:t> remoto</a:t>
+            </a:r>
+            <a:endParaRPr lang="en-GB" dirty="0"/>
+          </a:p>
+       